--- a/Angular Workshop/Angular Workshop.pptx
+++ b/Angular Workshop/Angular Workshop.pptx
@@ -4,10 +4,14 @@
   <p:sldMasterIdLst>
     <p:sldMasterId id="2147483790" r:id="rId1"/>
   </p:sldMasterIdLst>
+  <p:notesMasterIdLst>
+    <p:notesMasterId r:id="rId6"/>
+  </p:notesMasterIdLst>
   <p:sldIdLst>
     <p:sldId id="256" r:id="rId2"/>
     <p:sldId id="257" r:id="rId3"/>
     <p:sldId id="258" r:id="rId4"/>
+    <p:sldId id="259" r:id="rId5"/>
   </p:sldIdLst>
   <p:sldSz cx="12192000" cy="6858000"/>
   <p:notesSz cx="6858000" cy="9144000"/>
@@ -107,6 +111,440 @@
     </a:lvl9pPr>
   </p:defaultTextStyle>
 </p:presentation>
+</file>
+
+<file path=ppt/notesMasters/notesMaster1.xml><?xml version="1.0" encoding="utf-8"?>
+<p:notesMaster xmlns:a="http://schemas.openxmlformats.org/drawingml/2006/main" xmlns:r="http://schemas.openxmlformats.org/officeDocument/2006/relationships" xmlns:p="http://schemas.openxmlformats.org/presentationml/2006/main">
+  <p:cSld>
+    <p:bg>
+      <p:bgRef idx="1001">
+        <a:schemeClr val="bg1"/>
+      </p:bgRef>
+    </p:bg>
+    <p:spTree>
+      <p:nvGrpSpPr>
+        <p:cNvPr id="1" name=""/>
+        <p:cNvGrpSpPr/>
+        <p:nvPr/>
+      </p:nvGrpSpPr>
+      <p:grpSpPr>
+        <a:xfrm>
+          <a:off x="0" y="0"/>
+          <a:ext cx="0" cy="0"/>
+          <a:chOff x="0" y="0"/>
+          <a:chExt cx="0" cy="0"/>
+        </a:xfrm>
+      </p:grpSpPr>
+      <p:sp>
+        <p:nvSpPr>
+          <p:cNvPr id="2" name="Header Placeholder 1"/>
+          <p:cNvSpPr>
+            <a:spLocks noGrp="1"/>
+          </p:cNvSpPr>
+          <p:nvPr>
+            <p:ph type="hdr" sz="quarter"/>
+          </p:nvPr>
+        </p:nvSpPr>
+        <p:spPr>
+          <a:xfrm>
+            <a:off x="0" y="0"/>
+            <a:ext cx="2971800" cy="458788"/>
+          </a:xfrm>
+          <a:prstGeom prst="rect">
+            <a:avLst/>
+          </a:prstGeom>
+        </p:spPr>
+        <p:txBody>
+          <a:bodyPr vert="horz" lIns="91440" tIns="45720" rIns="91440" bIns="45720" rtlCol="0"/>
+          <a:lstStyle>
+            <a:lvl1pPr algn="l">
+              <a:defRPr sz="1200"/>
+            </a:lvl1pPr>
+          </a:lstStyle>
+          <a:p>
+            <a:endParaRPr lang="en-US"/>
+          </a:p>
+        </p:txBody>
+      </p:sp>
+      <p:sp>
+        <p:nvSpPr>
+          <p:cNvPr id="3" name="Date Placeholder 2"/>
+          <p:cNvSpPr>
+            <a:spLocks noGrp="1"/>
+          </p:cNvSpPr>
+          <p:nvPr>
+            <p:ph type="dt" idx="1"/>
+          </p:nvPr>
+        </p:nvSpPr>
+        <p:spPr>
+          <a:xfrm>
+            <a:off x="3884613" y="0"/>
+            <a:ext cx="2971800" cy="458788"/>
+          </a:xfrm>
+          <a:prstGeom prst="rect">
+            <a:avLst/>
+          </a:prstGeom>
+        </p:spPr>
+        <p:txBody>
+          <a:bodyPr vert="horz" lIns="91440" tIns="45720" rIns="91440" bIns="45720" rtlCol="0"/>
+          <a:lstStyle>
+            <a:lvl1pPr algn="r">
+              <a:defRPr sz="1200"/>
+            </a:lvl1pPr>
+          </a:lstStyle>
+          <a:p>
+            <a:fld id="{6A8D9F0F-2837-48EC-B86C-7389FCD155D0}" type="datetimeFigureOut">
+              <a:rPr lang="en-US" smtClean="0"/>
+              <a:t>4/12/2019</a:t>
+            </a:fld>
+            <a:endParaRPr lang="en-US"/>
+          </a:p>
+        </p:txBody>
+      </p:sp>
+      <p:sp>
+        <p:nvSpPr>
+          <p:cNvPr id="4" name="Slide Image Placeholder 3"/>
+          <p:cNvSpPr>
+            <a:spLocks noGrp="1" noRot="1" noChangeAspect="1"/>
+          </p:cNvSpPr>
+          <p:nvPr>
+            <p:ph type="sldImg" idx="2"/>
+          </p:nvPr>
+        </p:nvSpPr>
+        <p:spPr>
+          <a:xfrm>
+            <a:off x="685800" y="1143000"/>
+            <a:ext cx="5486400" cy="3086100"/>
+          </a:xfrm>
+          <a:prstGeom prst="rect">
+            <a:avLst/>
+          </a:prstGeom>
+          <a:noFill/>
+          <a:ln w="12700">
+            <a:solidFill>
+              <a:prstClr val="black"/>
+            </a:solidFill>
+          </a:ln>
+        </p:spPr>
+        <p:txBody>
+          <a:bodyPr vert="horz" lIns="91440" tIns="45720" rIns="91440" bIns="45720" rtlCol="0" anchor="ctr"/>
+          <a:lstStyle/>
+          <a:p>
+            <a:endParaRPr lang="en-US"/>
+          </a:p>
+        </p:txBody>
+      </p:sp>
+      <p:sp>
+        <p:nvSpPr>
+          <p:cNvPr id="5" name="Notes Placeholder 4"/>
+          <p:cNvSpPr>
+            <a:spLocks noGrp="1"/>
+          </p:cNvSpPr>
+          <p:nvPr>
+            <p:ph type="body" sz="quarter" idx="3"/>
+          </p:nvPr>
+        </p:nvSpPr>
+        <p:spPr>
+          <a:xfrm>
+            <a:off x="685800" y="4400550"/>
+            <a:ext cx="5486400" cy="3600450"/>
+          </a:xfrm>
+          <a:prstGeom prst="rect">
+            <a:avLst/>
+          </a:prstGeom>
+        </p:spPr>
+        <p:txBody>
+          <a:bodyPr vert="horz" lIns="91440" tIns="45720" rIns="91440" bIns="45720" rtlCol="0"/>
+          <a:lstStyle/>
+          <a:p>
+            <a:pPr lvl="0"/>
+            <a:r>
+              <a:rPr lang="en-US" smtClean="0"/>
+              <a:t>Click to edit Master text styles</a:t>
+            </a:r>
+          </a:p>
+          <a:p>
+            <a:pPr lvl="1"/>
+            <a:r>
+              <a:rPr lang="en-US" smtClean="0"/>
+              <a:t>Second level</a:t>
+            </a:r>
+          </a:p>
+          <a:p>
+            <a:pPr lvl="2"/>
+            <a:r>
+              <a:rPr lang="en-US" smtClean="0"/>
+              <a:t>Third level</a:t>
+            </a:r>
+          </a:p>
+          <a:p>
+            <a:pPr lvl="3"/>
+            <a:r>
+              <a:rPr lang="en-US" smtClean="0"/>
+              <a:t>Fourth level</a:t>
+            </a:r>
+          </a:p>
+          <a:p>
+            <a:pPr lvl="4"/>
+            <a:r>
+              <a:rPr lang="en-US" smtClean="0"/>
+              <a:t>Fifth level</a:t>
+            </a:r>
+            <a:endParaRPr lang="en-US"/>
+          </a:p>
+        </p:txBody>
+      </p:sp>
+      <p:sp>
+        <p:nvSpPr>
+          <p:cNvPr id="6" name="Footer Placeholder 5"/>
+          <p:cNvSpPr>
+            <a:spLocks noGrp="1"/>
+          </p:cNvSpPr>
+          <p:nvPr>
+            <p:ph type="ftr" sz="quarter" idx="4"/>
+          </p:nvPr>
+        </p:nvSpPr>
+        <p:spPr>
+          <a:xfrm>
+            <a:off x="0" y="8685213"/>
+            <a:ext cx="2971800" cy="458787"/>
+          </a:xfrm>
+          <a:prstGeom prst="rect">
+            <a:avLst/>
+          </a:prstGeom>
+        </p:spPr>
+        <p:txBody>
+          <a:bodyPr vert="horz" lIns="91440" tIns="45720" rIns="91440" bIns="45720" rtlCol="0" anchor="b"/>
+          <a:lstStyle>
+            <a:lvl1pPr algn="l">
+              <a:defRPr sz="1200"/>
+            </a:lvl1pPr>
+          </a:lstStyle>
+          <a:p>
+            <a:endParaRPr lang="en-US"/>
+          </a:p>
+        </p:txBody>
+      </p:sp>
+      <p:sp>
+        <p:nvSpPr>
+          <p:cNvPr id="7" name="Slide Number Placeholder 6"/>
+          <p:cNvSpPr>
+            <a:spLocks noGrp="1"/>
+          </p:cNvSpPr>
+          <p:nvPr>
+            <p:ph type="sldNum" sz="quarter" idx="5"/>
+          </p:nvPr>
+        </p:nvSpPr>
+        <p:spPr>
+          <a:xfrm>
+            <a:off x="3884613" y="8685213"/>
+            <a:ext cx="2971800" cy="458787"/>
+          </a:xfrm>
+          <a:prstGeom prst="rect">
+            <a:avLst/>
+          </a:prstGeom>
+        </p:spPr>
+        <p:txBody>
+          <a:bodyPr vert="horz" lIns="91440" tIns="45720" rIns="91440" bIns="45720" rtlCol="0" anchor="b"/>
+          <a:lstStyle>
+            <a:lvl1pPr algn="r">
+              <a:defRPr sz="1200"/>
+            </a:lvl1pPr>
+          </a:lstStyle>
+          <a:p>
+            <a:fld id="{41A78D70-B909-41F5-A68F-9A409A675382}" type="slidenum">
+              <a:rPr lang="en-US" smtClean="0"/>
+              <a:t>‹#›</a:t>
+            </a:fld>
+            <a:endParaRPr lang="en-US"/>
+          </a:p>
+        </p:txBody>
+      </p:sp>
+    </p:spTree>
+    <p:extLst>
+      <p:ext uri="{BB962C8B-B14F-4D97-AF65-F5344CB8AC3E}">
+        <p14:creationId xmlns:p14="http://schemas.microsoft.com/office/powerpoint/2010/main" val="4163630730"/>
+      </p:ext>
+    </p:extLst>
+  </p:cSld>
+  <p:clrMap bg1="lt1" tx1="dk1" bg2="lt2" tx2="dk2" accent1="accent1" accent2="accent2" accent3="accent3" accent4="accent4" accent5="accent5" accent6="accent6" hlink="hlink" folHlink="folHlink"/>
+  <p:notesStyle>
+    <a:lvl1pPr marL="0" algn="l" defTabSz="914400" rtl="0" eaLnBrk="1" latinLnBrk="0" hangingPunct="1">
+      <a:defRPr sz="1200" kern="1200">
+        <a:solidFill>
+          <a:schemeClr val="tx1"/>
+        </a:solidFill>
+        <a:latin typeface="+mn-lt"/>
+        <a:ea typeface="+mn-ea"/>
+        <a:cs typeface="+mn-cs"/>
+      </a:defRPr>
+    </a:lvl1pPr>
+    <a:lvl2pPr marL="457200" algn="l" defTabSz="914400" rtl="0" eaLnBrk="1" latinLnBrk="0" hangingPunct="1">
+      <a:defRPr sz="1200" kern="1200">
+        <a:solidFill>
+          <a:schemeClr val="tx1"/>
+        </a:solidFill>
+        <a:latin typeface="+mn-lt"/>
+        <a:ea typeface="+mn-ea"/>
+        <a:cs typeface="+mn-cs"/>
+      </a:defRPr>
+    </a:lvl2pPr>
+    <a:lvl3pPr marL="914400" algn="l" defTabSz="914400" rtl="0" eaLnBrk="1" latinLnBrk="0" hangingPunct="1">
+      <a:defRPr sz="1200" kern="1200">
+        <a:solidFill>
+          <a:schemeClr val="tx1"/>
+        </a:solidFill>
+        <a:latin typeface="+mn-lt"/>
+        <a:ea typeface="+mn-ea"/>
+        <a:cs typeface="+mn-cs"/>
+      </a:defRPr>
+    </a:lvl3pPr>
+    <a:lvl4pPr marL="1371600" algn="l" defTabSz="914400" rtl="0" eaLnBrk="1" latinLnBrk="0" hangingPunct="1">
+      <a:defRPr sz="1200" kern="1200">
+        <a:solidFill>
+          <a:schemeClr val="tx1"/>
+        </a:solidFill>
+        <a:latin typeface="+mn-lt"/>
+        <a:ea typeface="+mn-ea"/>
+        <a:cs typeface="+mn-cs"/>
+      </a:defRPr>
+    </a:lvl4pPr>
+    <a:lvl5pPr marL="1828800" algn="l" defTabSz="914400" rtl="0" eaLnBrk="1" latinLnBrk="0" hangingPunct="1">
+      <a:defRPr sz="1200" kern="1200">
+        <a:solidFill>
+          <a:schemeClr val="tx1"/>
+        </a:solidFill>
+        <a:latin typeface="+mn-lt"/>
+        <a:ea typeface="+mn-ea"/>
+        <a:cs typeface="+mn-cs"/>
+      </a:defRPr>
+    </a:lvl5pPr>
+    <a:lvl6pPr marL="2286000" algn="l" defTabSz="914400" rtl="0" eaLnBrk="1" latinLnBrk="0" hangingPunct="1">
+      <a:defRPr sz="1200" kern="1200">
+        <a:solidFill>
+          <a:schemeClr val="tx1"/>
+        </a:solidFill>
+        <a:latin typeface="+mn-lt"/>
+        <a:ea typeface="+mn-ea"/>
+        <a:cs typeface="+mn-cs"/>
+      </a:defRPr>
+    </a:lvl6pPr>
+    <a:lvl7pPr marL="2743200" algn="l" defTabSz="914400" rtl="0" eaLnBrk="1" latinLnBrk="0" hangingPunct="1">
+      <a:defRPr sz="1200" kern="1200">
+        <a:solidFill>
+          <a:schemeClr val="tx1"/>
+        </a:solidFill>
+        <a:latin typeface="+mn-lt"/>
+        <a:ea typeface="+mn-ea"/>
+        <a:cs typeface="+mn-cs"/>
+      </a:defRPr>
+    </a:lvl7pPr>
+    <a:lvl8pPr marL="3200400" algn="l" defTabSz="914400" rtl="0" eaLnBrk="1" latinLnBrk="0" hangingPunct="1">
+      <a:defRPr sz="1200" kern="1200">
+        <a:solidFill>
+          <a:schemeClr val="tx1"/>
+        </a:solidFill>
+        <a:latin typeface="+mn-lt"/>
+        <a:ea typeface="+mn-ea"/>
+        <a:cs typeface="+mn-cs"/>
+      </a:defRPr>
+    </a:lvl8pPr>
+    <a:lvl9pPr marL="3657600" algn="l" defTabSz="914400" rtl="0" eaLnBrk="1" latinLnBrk="0" hangingPunct="1">
+      <a:defRPr sz="1200" kern="1200">
+        <a:solidFill>
+          <a:schemeClr val="tx1"/>
+        </a:solidFill>
+        <a:latin typeface="+mn-lt"/>
+        <a:ea typeface="+mn-ea"/>
+        <a:cs typeface="+mn-cs"/>
+      </a:defRPr>
+    </a:lvl9pPr>
+  </p:notesStyle>
+</p:notesMaster>
+</file>
+
+<file path=ppt/notesSlides/notesSlide1.xml><?xml version="1.0" encoding="utf-8"?>
+<p:notes xmlns:a="http://schemas.openxmlformats.org/drawingml/2006/main" xmlns:r="http://schemas.openxmlformats.org/officeDocument/2006/relationships" xmlns:p="http://schemas.openxmlformats.org/presentationml/2006/main">
+  <p:cSld>
+    <p:spTree>
+      <p:nvGrpSpPr>
+        <p:cNvPr id="1" name=""/>
+        <p:cNvGrpSpPr/>
+        <p:nvPr/>
+      </p:nvGrpSpPr>
+      <p:grpSpPr>
+        <a:xfrm>
+          <a:off x="0" y="0"/>
+          <a:ext cx="0" cy="0"/>
+          <a:chOff x="0" y="0"/>
+          <a:chExt cx="0" cy="0"/>
+        </a:xfrm>
+      </p:grpSpPr>
+      <p:sp>
+        <p:nvSpPr>
+          <p:cNvPr id="2" name="Slide Image Placeholder 1"/>
+          <p:cNvSpPr>
+            <a:spLocks noGrp="1" noRot="1" noChangeAspect="1"/>
+          </p:cNvSpPr>
+          <p:nvPr>
+            <p:ph type="sldImg"/>
+          </p:nvPr>
+        </p:nvSpPr>
+        <p:spPr/>
+      </p:sp>
+      <p:sp>
+        <p:nvSpPr>
+          <p:cNvPr id="3" name="Notes Placeholder 2"/>
+          <p:cNvSpPr>
+            <a:spLocks noGrp="1"/>
+          </p:cNvSpPr>
+          <p:nvPr>
+            <p:ph type="body" idx="1"/>
+          </p:nvPr>
+        </p:nvSpPr>
+        <p:spPr/>
+        <p:txBody>
+          <a:bodyPr/>
+          <a:lstStyle/>
+          <a:p>
+            <a:endParaRPr lang="en-US" dirty="0"/>
+          </a:p>
+        </p:txBody>
+      </p:sp>
+      <p:sp>
+        <p:nvSpPr>
+          <p:cNvPr id="4" name="Slide Number Placeholder 3"/>
+          <p:cNvSpPr>
+            <a:spLocks noGrp="1"/>
+          </p:cNvSpPr>
+          <p:nvPr>
+            <p:ph type="sldNum" sz="quarter" idx="10"/>
+          </p:nvPr>
+        </p:nvSpPr>
+        <p:spPr/>
+        <p:txBody>
+          <a:bodyPr/>
+          <a:lstStyle/>
+          <a:p>
+            <a:fld id="{41A78D70-B909-41F5-A68F-9A409A675382}" type="slidenum">
+              <a:rPr lang="en-US" smtClean="0"/>
+              <a:t>3</a:t>
+            </a:fld>
+            <a:endParaRPr lang="en-US"/>
+          </a:p>
+        </p:txBody>
+      </p:sp>
+    </p:spTree>
+    <p:extLst>
+      <p:ext uri="{BB962C8B-B14F-4D97-AF65-F5344CB8AC3E}">
+        <p14:creationId xmlns:p14="http://schemas.microsoft.com/office/powerpoint/2010/main" val="338006125"/>
+      </p:ext>
+    </p:extLst>
+  </p:cSld>
+  <p:clrMapOvr>
+    <a:masterClrMapping/>
+  </p:clrMapOvr>
+</p:notes>
 </file>
 
 <file path=ppt/slideLayouts/slideLayout1.xml><?xml version="1.0" encoding="utf-8"?>
@@ -4625,10 +5063,10 @@
                 <a:latin typeface="Times New Roman" panose="02020603050405020304" pitchFamily="18" charset="0"/>
                 <a:cs typeface="Times New Roman" panose="02020603050405020304" pitchFamily="18" charset="0"/>
               </a:rPr>
-              <a:t> of </a:t>
-            </a:r>
-            <a:r>
-              <a:rPr lang="nl-NL" sz="2200" dirty="0" err="1" smtClean="0">
+              <a:t> of @</a:t>
+            </a:r>
+            <a:r>
+              <a:rPr lang="nl-NL" sz="2200" smtClean="0">
                 <a:latin typeface="Times New Roman" panose="02020603050405020304" pitchFamily="18" charset="0"/>
                 <a:cs typeface="Times New Roman" panose="02020603050405020304" pitchFamily="18" charset="0"/>
               </a:rPr>
@@ -4952,6 +5390,358 @@
       </p:par>
     </p:tnLst>
   </p:timing>
+</p:sld>
+</file>
+
+<file path=ppt/slides/slide4.xml><?xml version="1.0" encoding="utf-8"?>
+<p:sld xmlns:a="http://schemas.openxmlformats.org/drawingml/2006/main" xmlns:r="http://schemas.openxmlformats.org/officeDocument/2006/relationships" xmlns:p="http://schemas.openxmlformats.org/presentationml/2006/main">
+  <p:cSld>
+    <p:spTree>
+      <p:nvGrpSpPr>
+        <p:cNvPr id="1" name=""/>
+        <p:cNvGrpSpPr/>
+        <p:nvPr/>
+      </p:nvGrpSpPr>
+      <p:grpSpPr>
+        <a:xfrm>
+          <a:off x="0" y="0"/>
+          <a:ext cx="0" cy="0"/>
+          <a:chOff x="0" y="0"/>
+          <a:chExt cx="0" cy="0"/>
+        </a:xfrm>
+      </p:grpSpPr>
+      <p:sp>
+        <p:nvSpPr>
+          <p:cNvPr id="2" name="Title 1"/>
+          <p:cNvSpPr>
+            <a:spLocks noGrp="1"/>
+          </p:cNvSpPr>
+          <p:nvPr>
+            <p:ph type="title"/>
+          </p:nvPr>
+        </p:nvSpPr>
+        <p:spPr/>
+        <p:txBody>
+          <a:bodyPr/>
+          <a:lstStyle/>
+          <a:p>
+            <a:r>
+              <a:rPr lang="en-US" dirty="0"/>
+              <a:t>Architecture overview</a:t>
+            </a:r>
+          </a:p>
+        </p:txBody>
+      </p:sp>
+      <p:sp>
+        <p:nvSpPr>
+          <p:cNvPr id="3" name="Content Placeholder 2"/>
+          <p:cNvSpPr>
+            <a:spLocks noGrp="1"/>
+          </p:cNvSpPr>
+          <p:nvPr>
+            <p:ph idx="1"/>
+          </p:nvPr>
+        </p:nvSpPr>
+        <p:spPr/>
+        <p:txBody>
+          <a:bodyPr>
+            <a:normAutofit/>
+          </a:bodyPr>
+          <a:lstStyle/>
+          <a:p>
+            <a:r>
+              <a:rPr lang="en-US" sz="2200" b="1" dirty="0" smtClean="0">
+                <a:latin typeface="Times New Roman" panose="02020603050405020304" pitchFamily="18" charset="0"/>
+                <a:cs typeface="Times New Roman" panose="02020603050405020304" pitchFamily="18" charset="0"/>
+              </a:rPr>
+              <a:t>Components: </a:t>
+            </a:r>
+            <a:r>
+              <a:rPr lang="en-US" sz="2200" dirty="0" smtClean="0">
+                <a:latin typeface="Times New Roman" panose="02020603050405020304" pitchFamily="18" charset="0"/>
+                <a:cs typeface="Times New Roman" panose="02020603050405020304" pitchFamily="18" charset="0"/>
+              </a:rPr>
+              <a:t>A</a:t>
+            </a:r>
+            <a:r>
+              <a:rPr lang="en-US" sz="2200" dirty="0">
+                <a:latin typeface="Times New Roman" panose="02020603050405020304" pitchFamily="18" charset="0"/>
+                <a:cs typeface="Times New Roman" panose="02020603050405020304" pitchFamily="18" charset="0"/>
+              </a:rPr>
+              <a:t> </a:t>
+            </a:r>
+            <a:r>
+              <a:rPr lang="en-US" sz="2200" i="1" dirty="0">
+                <a:latin typeface="Times New Roman" panose="02020603050405020304" pitchFamily="18" charset="0"/>
+                <a:cs typeface="Times New Roman" panose="02020603050405020304" pitchFamily="18" charset="0"/>
+              </a:rPr>
+              <a:t>Component</a:t>
+            </a:r>
+            <a:r>
+              <a:rPr lang="en-US" sz="2200" dirty="0">
+                <a:latin typeface="Times New Roman" panose="02020603050405020304" pitchFamily="18" charset="0"/>
+                <a:cs typeface="Times New Roman" panose="02020603050405020304" pitchFamily="18" charset="0"/>
+              </a:rPr>
+              <a:t> controls a </a:t>
+            </a:r>
+            <a:r>
+              <a:rPr lang="en-US" sz="2200" dirty="0" smtClean="0">
+                <a:latin typeface="Times New Roman" panose="02020603050405020304" pitchFamily="18" charset="0"/>
+                <a:cs typeface="Times New Roman" panose="02020603050405020304" pitchFamily="18" charset="0"/>
+              </a:rPr>
+              <a:t>screen </a:t>
+            </a:r>
+            <a:r>
+              <a:rPr lang="en-US" sz="2200" dirty="0">
+                <a:latin typeface="Times New Roman" panose="02020603050405020304" pitchFamily="18" charset="0"/>
+                <a:cs typeface="Times New Roman" panose="02020603050405020304" pitchFamily="18" charset="0"/>
+              </a:rPr>
+              <a:t>called a </a:t>
+            </a:r>
+            <a:r>
+              <a:rPr lang="en-US" sz="2200" i="1" dirty="0">
+                <a:latin typeface="Times New Roman" panose="02020603050405020304" pitchFamily="18" charset="0"/>
+                <a:cs typeface="Times New Roman" panose="02020603050405020304" pitchFamily="18" charset="0"/>
+              </a:rPr>
+              <a:t>View</a:t>
+            </a:r>
+            <a:r>
+              <a:rPr lang="en-US" sz="2200" dirty="0">
+                <a:latin typeface="Times New Roman" panose="02020603050405020304" pitchFamily="18" charset="0"/>
+                <a:cs typeface="Times New Roman" panose="02020603050405020304" pitchFamily="18" charset="0"/>
+              </a:rPr>
+              <a:t>. The logic of a </a:t>
+            </a:r>
+            <a:r>
+              <a:rPr lang="en-US" sz="2200" i="1" dirty="0">
+                <a:latin typeface="Times New Roman" panose="02020603050405020304" pitchFamily="18" charset="0"/>
+                <a:cs typeface="Times New Roman" panose="02020603050405020304" pitchFamily="18" charset="0"/>
+              </a:rPr>
+              <a:t>Component</a:t>
+            </a:r>
+            <a:r>
+              <a:rPr lang="en-US" sz="2200" dirty="0">
+                <a:latin typeface="Times New Roman" panose="02020603050405020304" pitchFamily="18" charset="0"/>
+                <a:cs typeface="Times New Roman" panose="02020603050405020304" pitchFamily="18" charset="0"/>
+              </a:rPr>
+              <a:t> is defined inside a class. </a:t>
+            </a:r>
+            <a:r>
+              <a:rPr lang="en-US" sz="2200" i="1" dirty="0">
+                <a:latin typeface="Times New Roman" panose="02020603050405020304" pitchFamily="18" charset="0"/>
+                <a:cs typeface="Times New Roman" panose="02020603050405020304" pitchFamily="18" charset="0"/>
+              </a:rPr>
+              <a:t>Angular</a:t>
+            </a:r>
+            <a:r>
+              <a:rPr lang="en-US" sz="2200" dirty="0">
+                <a:latin typeface="Times New Roman" panose="02020603050405020304" pitchFamily="18" charset="0"/>
+                <a:cs typeface="Times New Roman" panose="02020603050405020304" pitchFamily="18" charset="0"/>
+              </a:rPr>
+              <a:t> creates, updates, and destroys </a:t>
+            </a:r>
+            <a:r>
+              <a:rPr lang="en-US" sz="2200" i="1" dirty="0">
+                <a:latin typeface="Times New Roman" panose="02020603050405020304" pitchFamily="18" charset="0"/>
+                <a:cs typeface="Times New Roman" panose="02020603050405020304" pitchFamily="18" charset="0"/>
+              </a:rPr>
+              <a:t>Components</a:t>
+            </a:r>
+            <a:r>
+              <a:rPr lang="en-US" sz="2200" dirty="0">
+                <a:latin typeface="Times New Roman" panose="02020603050405020304" pitchFamily="18" charset="0"/>
+                <a:cs typeface="Times New Roman" panose="02020603050405020304" pitchFamily="18" charset="0"/>
+              </a:rPr>
+              <a:t> as the user moves through the application.</a:t>
+            </a:r>
+          </a:p>
+          <a:p>
+            <a:r>
+              <a:rPr lang="en-US" sz="2200" dirty="0">
+                <a:latin typeface="Times New Roman" panose="02020603050405020304" pitchFamily="18" charset="0"/>
+                <a:cs typeface="Times New Roman" panose="02020603050405020304" pitchFamily="18" charset="0"/>
+              </a:rPr>
+              <a:t>A </a:t>
+            </a:r>
+            <a:r>
+              <a:rPr lang="en-US" sz="2200" i="1" dirty="0">
+                <a:latin typeface="Times New Roman" panose="02020603050405020304" pitchFamily="18" charset="0"/>
+                <a:cs typeface="Times New Roman" panose="02020603050405020304" pitchFamily="18" charset="0"/>
+              </a:rPr>
+              <a:t>Component</a:t>
+            </a:r>
+            <a:r>
+              <a:rPr lang="en-US" sz="2200" dirty="0">
+                <a:latin typeface="Times New Roman" panose="02020603050405020304" pitchFamily="18" charset="0"/>
+                <a:cs typeface="Times New Roman" panose="02020603050405020304" pitchFamily="18" charset="0"/>
+              </a:rPr>
+              <a:t> is identified by the “</a:t>
+            </a:r>
+            <a:r>
+              <a:rPr lang="en-US" sz="2200" i="1" dirty="0">
+                <a:latin typeface="Times New Roman" panose="02020603050405020304" pitchFamily="18" charset="0"/>
+                <a:cs typeface="Times New Roman" panose="02020603050405020304" pitchFamily="18" charset="0"/>
+              </a:rPr>
+              <a:t>@Component</a:t>
+            </a:r>
+            <a:r>
+              <a:rPr lang="en-US" sz="2200" dirty="0">
+                <a:latin typeface="Times New Roman" panose="02020603050405020304" pitchFamily="18" charset="0"/>
+                <a:cs typeface="Times New Roman" panose="02020603050405020304" pitchFamily="18" charset="0"/>
+              </a:rPr>
+              <a:t>” decorator that has a set of properties. The most import properties are the following ones:</a:t>
+            </a:r>
+          </a:p>
+          <a:p>
+            <a:r>
+              <a:rPr lang="en-US" sz="2200" i="1" dirty="0">
+                <a:latin typeface="Times New Roman" panose="02020603050405020304" pitchFamily="18" charset="0"/>
+                <a:cs typeface="Times New Roman" panose="02020603050405020304" pitchFamily="18" charset="0"/>
+              </a:rPr>
+              <a:t>selector</a:t>
+            </a:r>
+            <a:r>
+              <a:rPr lang="en-US" sz="2200" dirty="0">
+                <a:latin typeface="Times New Roman" panose="02020603050405020304" pitchFamily="18" charset="0"/>
+                <a:cs typeface="Times New Roman" panose="02020603050405020304" pitchFamily="18" charset="0"/>
+              </a:rPr>
+              <a:t> — tells how the component is referenced in </a:t>
+            </a:r>
+            <a:r>
+              <a:rPr lang="en-US" sz="2200" i="1" dirty="0">
+                <a:latin typeface="Times New Roman" panose="02020603050405020304" pitchFamily="18" charset="0"/>
+                <a:cs typeface="Times New Roman" panose="02020603050405020304" pitchFamily="18" charset="0"/>
+              </a:rPr>
+              <a:t>HTML</a:t>
+            </a:r>
+            <a:r>
+              <a:rPr lang="en-US" sz="2200" dirty="0">
+                <a:latin typeface="Times New Roman" panose="02020603050405020304" pitchFamily="18" charset="0"/>
+                <a:cs typeface="Times New Roman" panose="02020603050405020304" pitchFamily="18" charset="0"/>
+              </a:rPr>
+              <a:t>; in simple words, it corresponds to the </a:t>
+            </a:r>
+            <a:r>
+              <a:rPr lang="en-US" sz="2200" i="1" dirty="0">
+                <a:latin typeface="Times New Roman" panose="02020603050405020304" pitchFamily="18" charset="0"/>
+                <a:cs typeface="Times New Roman" panose="02020603050405020304" pitchFamily="18" charset="0"/>
+              </a:rPr>
+              <a:t>HTML</a:t>
+            </a:r>
+            <a:r>
+              <a:rPr lang="en-US" sz="2200" dirty="0">
+                <a:latin typeface="Times New Roman" panose="02020603050405020304" pitchFamily="18" charset="0"/>
+                <a:cs typeface="Times New Roman" panose="02020603050405020304" pitchFamily="18" charset="0"/>
+              </a:rPr>
+              <a:t> tag.</a:t>
+            </a:r>
+          </a:p>
+          <a:p>
+            <a:r>
+              <a:rPr lang="en-US" sz="2200" i="1" dirty="0" err="1">
+                <a:latin typeface="Times New Roman" panose="02020603050405020304" pitchFamily="18" charset="0"/>
+                <a:cs typeface="Times New Roman" panose="02020603050405020304" pitchFamily="18" charset="0"/>
+              </a:rPr>
+              <a:t>templateUrl</a:t>
+            </a:r>
+            <a:r>
+              <a:rPr lang="en-US" sz="2200" dirty="0">
+                <a:latin typeface="Times New Roman" panose="02020603050405020304" pitchFamily="18" charset="0"/>
+                <a:cs typeface="Times New Roman" panose="02020603050405020304" pitchFamily="18" charset="0"/>
+              </a:rPr>
+              <a:t> — gives the path of the </a:t>
+            </a:r>
+            <a:r>
+              <a:rPr lang="en-US" sz="2200" i="1" dirty="0">
+                <a:latin typeface="Times New Roman" panose="02020603050405020304" pitchFamily="18" charset="0"/>
+                <a:cs typeface="Times New Roman" panose="02020603050405020304" pitchFamily="18" charset="0"/>
+              </a:rPr>
+              <a:t>HTML</a:t>
+            </a:r>
+            <a:r>
+              <a:rPr lang="en-US" sz="2200" dirty="0">
+                <a:latin typeface="Times New Roman" panose="02020603050405020304" pitchFamily="18" charset="0"/>
+                <a:cs typeface="Times New Roman" panose="02020603050405020304" pitchFamily="18" charset="0"/>
+              </a:rPr>
+              <a:t> template.</a:t>
+            </a:r>
+          </a:p>
+          <a:p>
+            <a:r>
+              <a:rPr lang="en-US" sz="2200" i="1" dirty="0">
+                <a:latin typeface="Times New Roman" panose="02020603050405020304" pitchFamily="18" charset="0"/>
+                <a:cs typeface="Times New Roman" panose="02020603050405020304" pitchFamily="18" charset="0"/>
+              </a:rPr>
+              <a:t>providers</a:t>
+            </a:r>
+            <a:r>
+              <a:rPr lang="en-US" sz="2200" dirty="0">
+                <a:latin typeface="Times New Roman" panose="02020603050405020304" pitchFamily="18" charset="0"/>
+                <a:cs typeface="Times New Roman" panose="02020603050405020304" pitchFamily="18" charset="0"/>
+              </a:rPr>
+              <a:t> — an array of </a:t>
+            </a:r>
+            <a:r>
+              <a:rPr lang="en-US" sz="2200" i="1" dirty="0">
+                <a:latin typeface="Times New Roman" panose="02020603050405020304" pitchFamily="18" charset="0"/>
+                <a:cs typeface="Times New Roman" panose="02020603050405020304" pitchFamily="18" charset="0"/>
+              </a:rPr>
+              <a:t>Dependency Injection Providers</a:t>
+            </a:r>
+            <a:r>
+              <a:rPr lang="en-US" sz="2200" dirty="0">
+                <a:latin typeface="Times New Roman" panose="02020603050405020304" pitchFamily="18" charset="0"/>
+                <a:cs typeface="Times New Roman" panose="02020603050405020304" pitchFamily="18" charset="0"/>
+              </a:rPr>
+              <a:t> for </a:t>
+            </a:r>
+            <a:r>
+              <a:rPr lang="en-US" sz="2200" i="1" dirty="0">
+                <a:latin typeface="Times New Roman" panose="02020603050405020304" pitchFamily="18" charset="0"/>
+                <a:cs typeface="Times New Roman" panose="02020603050405020304" pitchFamily="18" charset="0"/>
+              </a:rPr>
+              <a:t>Services</a:t>
+            </a:r>
+            <a:r>
+              <a:rPr lang="en-US" sz="2200" dirty="0">
+                <a:latin typeface="Times New Roman" panose="02020603050405020304" pitchFamily="18" charset="0"/>
+                <a:cs typeface="Times New Roman" panose="02020603050405020304" pitchFamily="18" charset="0"/>
+              </a:rPr>
+              <a:t> that the </a:t>
+            </a:r>
+            <a:r>
+              <a:rPr lang="en-US" sz="2200" i="1" dirty="0">
+                <a:latin typeface="Times New Roman" panose="02020603050405020304" pitchFamily="18" charset="0"/>
+                <a:cs typeface="Times New Roman" panose="02020603050405020304" pitchFamily="18" charset="0"/>
+              </a:rPr>
+              <a:t>Component</a:t>
+            </a:r>
+            <a:r>
+              <a:rPr lang="en-US" sz="2200" dirty="0">
+                <a:latin typeface="Times New Roman" panose="02020603050405020304" pitchFamily="18" charset="0"/>
+                <a:cs typeface="Times New Roman" panose="02020603050405020304" pitchFamily="18" charset="0"/>
+              </a:rPr>
+              <a:t> requires.</a:t>
+            </a:r>
+          </a:p>
+          <a:p>
+            <a:endParaRPr lang="en-US" sz="2200" dirty="0">
+              <a:latin typeface="Times New Roman" panose="02020603050405020304" pitchFamily="18" charset="0"/>
+              <a:cs typeface="Times New Roman" panose="02020603050405020304" pitchFamily="18" charset="0"/>
+            </a:endParaRPr>
+          </a:p>
+        </p:txBody>
+      </p:sp>
+    </p:spTree>
+    <p:extLst>
+      <p:ext uri="{BB962C8B-B14F-4D97-AF65-F5344CB8AC3E}">
+        <p14:creationId xmlns:p14="http://schemas.microsoft.com/office/powerpoint/2010/main" val="3742243493"/>
+      </p:ext>
+    </p:extLst>
+  </p:cSld>
+  <p:clrMapOvr>
+    <a:masterClrMapping/>
+  </p:clrMapOvr>
 </p:sld>
 </file>
 
@@ -5182,4 +5972,265 @@
     </a:ext>
   </a:extLst>
 </a:theme>
+</file>
+
+<file path=ppt/theme/theme2.xml><?xml version="1.0" encoding="utf-8"?>
+<a:theme xmlns:a="http://schemas.openxmlformats.org/drawingml/2006/main" name="Office Theme">
+  <a:themeElements>
+    <a:clrScheme name="Office">
+      <a:dk1>
+        <a:sysClr val="windowText" lastClr="000000"/>
+      </a:dk1>
+      <a:lt1>
+        <a:sysClr val="window" lastClr="FFFFFF"/>
+      </a:lt1>
+      <a:dk2>
+        <a:srgbClr val="44546A"/>
+      </a:dk2>
+      <a:lt2>
+        <a:srgbClr val="E7E6E6"/>
+      </a:lt2>
+      <a:accent1>
+        <a:srgbClr val="5B9BD5"/>
+      </a:accent1>
+      <a:accent2>
+        <a:srgbClr val="ED7D31"/>
+      </a:accent2>
+      <a:accent3>
+        <a:srgbClr val="A5A5A5"/>
+      </a:accent3>
+      <a:accent4>
+        <a:srgbClr val="FFC000"/>
+      </a:accent4>
+      <a:accent5>
+        <a:srgbClr val="4472C4"/>
+      </a:accent5>
+      <a:accent6>
+        <a:srgbClr val="70AD47"/>
+      </a:accent6>
+      <a:hlink>
+        <a:srgbClr val="0563C1"/>
+      </a:hlink>
+      <a:folHlink>
+        <a:srgbClr val="954F72"/>
+      </a:folHlink>
+    </a:clrScheme>
+    <a:fontScheme name="Office">
+      <a:majorFont>
+        <a:latin typeface="Calibri Light" panose="020F0302020204030204"/>
+        <a:ea typeface=""/>
+        <a:cs typeface=""/>
+        <a:font script="Jpan" typeface="ＭＳ Ｐゴシック"/>
+        <a:font script="Hang" typeface="맑은 고딕"/>
+        <a:font script="Hans" typeface="宋体"/>
+        <a:font script="Hant" typeface="新細明體"/>
+        <a:font script="Arab" typeface="Times New Roman"/>
+        <a:font script="Hebr" typeface="Times New Roman"/>
+        <a:font script="Thai" typeface="Angsana New"/>
+        <a:font script="Ethi" typeface="Nyala"/>
+        <a:font script="Beng" typeface="Vrinda"/>
+        <a:font script="Gujr" typeface="Shruti"/>
+        <a:font script="Khmr" typeface="MoolBoran"/>
+        <a:font script="Knda" typeface="Tunga"/>
+        <a:font script="Guru" typeface="Raavi"/>
+        <a:font script="Cans" typeface="Euphemia"/>
+        <a:font script="Cher" typeface="Plantagenet Cherokee"/>
+        <a:font script="Yiii" typeface="Microsoft Yi Baiti"/>
+        <a:font script="Tibt" typeface="Microsoft Himalaya"/>
+        <a:font script="Thaa" typeface="MV Boli"/>
+        <a:font script="Deva" typeface="Mangal"/>
+        <a:font script="Telu" typeface="Gautami"/>
+        <a:font script="Taml" typeface="Latha"/>
+        <a:font script="Syrc" typeface="Estrangelo Edessa"/>
+        <a:font script="Orya" typeface="Kalinga"/>
+        <a:font script="Mlym" typeface="Kartika"/>
+        <a:font script="Laoo" typeface="DokChampa"/>
+        <a:font script="Sinh" typeface="Iskoola Pota"/>
+        <a:font script="Mong" typeface="Mongolian Baiti"/>
+        <a:font script="Viet" typeface="Times New Roman"/>
+        <a:font script="Uigh" typeface="Microsoft Uighur"/>
+        <a:font script="Geor" typeface="Sylfaen"/>
+      </a:majorFont>
+      <a:minorFont>
+        <a:latin typeface="Calibri" panose="020F0502020204030204"/>
+        <a:ea typeface=""/>
+        <a:cs typeface=""/>
+        <a:font script="Jpan" typeface="ＭＳ Ｐゴシック"/>
+        <a:font script="Hang" typeface="맑은 고딕"/>
+        <a:font script="Hans" typeface="宋体"/>
+        <a:font script="Hant" typeface="新細明體"/>
+        <a:font script="Arab" typeface="Arial"/>
+        <a:font script="Hebr" typeface="Arial"/>
+        <a:font script="Thai" typeface="Cordia New"/>
+        <a:font script="Ethi" typeface="Nyala"/>
+        <a:font script="Beng" typeface="Vrinda"/>
+        <a:font script="Gujr" typeface="Shruti"/>
+        <a:font script="Khmr" typeface="DaunPenh"/>
+        <a:font script="Knda" typeface="Tunga"/>
+        <a:font script="Guru" typeface="Raavi"/>
+        <a:font script="Cans" typeface="Euphemia"/>
+        <a:font script="Cher" typeface="Plantagenet Cherokee"/>
+        <a:font script="Yiii" typeface="Microsoft Yi Baiti"/>
+        <a:font script="Tibt" typeface="Microsoft Himalaya"/>
+        <a:font script="Thaa" typeface="MV Boli"/>
+        <a:font script="Deva" typeface="Mangal"/>
+        <a:font script="Telu" typeface="Gautami"/>
+        <a:font script="Taml" typeface="Latha"/>
+        <a:font script="Syrc" typeface="Estrangelo Edessa"/>
+        <a:font script="Orya" typeface="Kalinga"/>
+        <a:font script="Mlym" typeface="Kartika"/>
+        <a:font script="Laoo" typeface="DokChampa"/>
+        <a:font script="Sinh" typeface="Iskoola Pota"/>
+        <a:font script="Mong" typeface="Mongolian Baiti"/>
+        <a:font script="Viet" typeface="Arial"/>
+        <a:font script="Uigh" typeface="Microsoft Uighur"/>
+        <a:font script="Geor" typeface="Sylfaen"/>
+      </a:minorFont>
+    </a:fontScheme>
+    <a:fmtScheme name="Office">
+      <a:fillStyleLst>
+        <a:solidFill>
+          <a:schemeClr val="phClr"/>
+        </a:solidFill>
+        <a:gradFill rotWithShape="1">
+          <a:gsLst>
+            <a:gs pos="0">
+              <a:schemeClr val="phClr">
+                <a:lumMod val="110000"/>
+                <a:satMod val="105000"/>
+                <a:tint val="67000"/>
+              </a:schemeClr>
+            </a:gs>
+            <a:gs pos="50000">
+              <a:schemeClr val="phClr">
+                <a:lumMod val="105000"/>
+                <a:satMod val="103000"/>
+                <a:tint val="73000"/>
+              </a:schemeClr>
+            </a:gs>
+            <a:gs pos="100000">
+              <a:schemeClr val="phClr">
+                <a:lumMod val="105000"/>
+                <a:satMod val="109000"/>
+                <a:tint val="81000"/>
+              </a:schemeClr>
+            </a:gs>
+          </a:gsLst>
+          <a:lin ang="5400000" scaled="0"/>
+        </a:gradFill>
+        <a:gradFill rotWithShape="1">
+          <a:gsLst>
+            <a:gs pos="0">
+              <a:schemeClr val="phClr">
+                <a:satMod val="103000"/>
+                <a:lumMod val="102000"/>
+                <a:tint val="94000"/>
+              </a:schemeClr>
+            </a:gs>
+            <a:gs pos="50000">
+              <a:schemeClr val="phClr">
+                <a:satMod val="110000"/>
+                <a:lumMod val="100000"/>
+                <a:shade val="100000"/>
+              </a:schemeClr>
+            </a:gs>
+            <a:gs pos="100000">
+              <a:schemeClr val="phClr">
+                <a:lumMod val="99000"/>
+                <a:satMod val="120000"/>
+                <a:shade val="78000"/>
+              </a:schemeClr>
+            </a:gs>
+          </a:gsLst>
+          <a:lin ang="5400000" scaled="0"/>
+        </a:gradFill>
+      </a:fillStyleLst>
+      <a:lnStyleLst>
+        <a:ln w="6350" cap="flat" cmpd="sng" algn="ctr">
+          <a:solidFill>
+            <a:schemeClr val="phClr"/>
+          </a:solidFill>
+          <a:prstDash val="solid"/>
+          <a:miter lim="800000"/>
+        </a:ln>
+        <a:ln w="12700" cap="flat" cmpd="sng" algn="ctr">
+          <a:solidFill>
+            <a:schemeClr val="phClr"/>
+          </a:solidFill>
+          <a:prstDash val="solid"/>
+          <a:miter lim="800000"/>
+        </a:ln>
+        <a:ln w="19050" cap="flat" cmpd="sng" algn="ctr">
+          <a:solidFill>
+            <a:schemeClr val="phClr"/>
+          </a:solidFill>
+          <a:prstDash val="solid"/>
+          <a:miter lim="800000"/>
+        </a:ln>
+      </a:lnStyleLst>
+      <a:effectStyleLst>
+        <a:effectStyle>
+          <a:effectLst/>
+        </a:effectStyle>
+        <a:effectStyle>
+          <a:effectLst/>
+        </a:effectStyle>
+        <a:effectStyle>
+          <a:effectLst>
+            <a:outerShdw blurRad="57150" dist="19050" dir="5400000" algn="ctr" rotWithShape="0">
+              <a:srgbClr val="000000">
+                <a:alpha val="63000"/>
+              </a:srgbClr>
+            </a:outerShdw>
+          </a:effectLst>
+        </a:effectStyle>
+      </a:effectStyleLst>
+      <a:bgFillStyleLst>
+        <a:solidFill>
+          <a:schemeClr val="phClr"/>
+        </a:solidFill>
+        <a:solidFill>
+          <a:schemeClr val="phClr">
+            <a:tint val="95000"/>
+            <a:satMod val="170000"/>
+          </a:schemeClr>
+        </a:solidFill>
+        <a:gradFill rotWithShape="1">
+          <a:gsLst>
+            <a:gs pos="0">
+              <a:schemeClr val="phClr">
+                <a:tint val="93000"/>
+                <a:satMod val="150000"/>
+                <a:shade val="98000"/>
+                <a:lumMod val="102000"/>
+              </a:schemeClr>
+            </a:gs>
+            <a:gs pos="50000">
+              <a:schemeClr val="phClr">
+                <a:tint val="98000"/>
+                <a:satMod val="130000"/>
+                <a:shade val="90000"/>
+                <a:lumMod val="103000"/>
+              </a:schemeClr>
+            </a:gs>
+            <a:gs pos="100000">
+              <a:schemeClr val="phClr">
+                <a:shade val="63000"/>
+                <a:satMod val="120000"/>
+              </a:schemeClr>
+            </a:gs>
+          </a:gsLst>
+          <a:lin ang="5400000" scaled="0"/>
+        </a:gradFill>
+      </a:bgFillStyleLst>
+    </a:fmtScheme>
+  </a:themeElements>
+  <a:objectDefaults/>
+  <a:extraClrSchemeLst/>
+  <a:extLst>
+    <a:ext uri="{05A4C25C-085E-4340-85A3-A5531E510DB2}">
+      <thm15:themeFamily xmlns:thm15="http://schemas.microsoft.com/office/thememl/2012/main" name="Office Theme" id="{62F939B6-93AF-4DB8-9C6B-D6C7DFDC589F}" vid="{4A3C46E8-61CC-4603-A589-7422A47A8E4A}"/>
+    </a:ext>
+  </a:extLst>
+</a:theme>
 </file>
--- a/Angular Workshop/Angular Workshop.pptx
+++ b/Angular Workshop/Angular Workshop.pptx
@@ -5,13 +5,14 @@
     <p:sldMasterId id="2147483790" r:id="rId1"/>
   </p:sldMasterIdLst>
   <p:notesMasterIdLst>
-    <p:notesMasterId r:id="rId6"/>
+    <p:notesMasterId r:id="rId7"/>
   </p:notesMasterIdLst>
   <p:sldIdLst>
     <p:sldId id="256" r:id="rId2"/>
     <p:sldId id="257" r:id="rId3"/>
     <p:sldId id="258" r:id="rId4"/>
     <p:sldId id="259" r:id="rId5"/>
+    <p:sldId id="260" r:id="rId6"/>
   </p:sldIdLst>
   <p:sldSz cx="12192000" cy="6858000"/>
   <p:notesSz cx="6858000" cy="9144000"/>
@@ -5066,7 +5067,7 @@
               <a:t> of @</a:t>
             </a:r>
             <a:r>
-              <a:rPr lang="nl-NL" sz="2200" smtClean="0">
+              <a:rPr lang="nl-NL" sz="2200" dirty="0" err="1" smtClean="0">
                 <a:latin typeface="Times New Roman" panose="02020603050405020304" pitchFamily="18" charset="0"/>
                 <a:cs typeface="Times New Roman" panose="02020603050405020304" pitchFamily="18" charset="0"/>
               </a:rPr>
@@ -5736,6 +5737,233 @@
     <p:extLst>
       <p:ext uri="{BB962C8B-B14F-4D97-AF65-F5344CB8AC3E}">
         <p14:creationId xmlns:p14="http://schemas.microsoft.com/office/powerpoint/2010/main" val="3742243493"/>
+      </p:ext>
+    </p:extLst>
+  </p:cSld>
+  <p:clrMapOvr>
+    <a:masterClrMapping/>
+  </p:clrMapOvr>
+</p:sld>
+</file>
+
+<file path=ppt/slides/slide5.xml><?xml version="1.0" encoding="utf-8"?>
+<p:sld xmlns:a="http://schemas.openxmlformats.org/drawingml/2006/main" xmlns:r="http://schemas.openxmlformats.org/officeDocument/2006/relationships" xmlns:p="http://schemas.openxmlformats.org/presentationml/2006/main">
+  <p:cSld>
+    <p:spTree>
+      <p:nvGrpSpPr>
+        <p:cNvPr id="1" name=""/>
+        <p:cNvGrpSpPr/>
+        <p:nvPr/>
+      </p:nvGrpSpPr>
+      <p:grpSpPr>
+        <a:xfrm>
+          <a:off x="0" y="0"/>
+          <a:ext cx="0" cy="0"/>
+          <a:chOff x="0" y="0"/>
+          <a:chExt cx="0" cy="0"/>
+        </a:xfrm>
+      </p:grpSpPr>
+      <p:sp>
+        <p:nvSpPr>
+          <p:cNvPr id="2" name="Title 1"/>
+          <p:cNvSpPr>
+            <a:spLocks noGrp="1"/>
+          </p:cNvSpPr>
+          <p:nvPr>
+            <p:ph type="title"/>
+          </p:nvPr>
+        </p:nvSpPr>
+        <p:spPr/>
+        <p:txBody>
+          <a:bodyPr/>
+          <a:lstStyle/>
+          <a:p>
+            <a:r>
+              <a:rPr lang="en-US" dirty="0"/>
+              <a:t>Architecture overview</a:t>
+            </a:r>
+          </a:p>
+        </p:txBody>
+      </p:sp>
+      <p:sp>
+        <p:nvSpPr>
+          <p:cNvPr id="3" name="Content Placeholder 2"/>
+          <p:cNvSpPr>
+            <a:spLocks noGrp="1"/>
+          </p:cNvSpPr>
+          <p:nvPr>
+            <p:ph idx="1"/>
+          </p:nvPr>
+        </p:nvSpPr>
+        <p:spPr/>
+        <p:txBody>
+          <a:bodyPr>
+            <a:normAutofit/>
+          </a:bodyPr>
+          <a:lstStyle/>
+          <a:p>
+            <a:r>
+              <a:rPr lang="en-US" sz="2200" b="1" dirty="0" smtClean="0">
+                <a:latin typeface="Times New Roman" panose="02020603050405020304" pitchFamily="18" charset="0"/>
+                <a:cs typeface="Times New Roman" panose="02020603050405020304" pitchFamily="18" charset="0"/>
+              </a:rPr>
+              <a:t>Services: </a:t>
+            </a:r>
+            <a:r>
+              <a:rPr lang="en-US" sz="2200" dirty="0">
+                <a:latin typeface="Times New Roman" panose="02020603050405020304" pitchFamily="18" charset="0"/>
+                <a:cs typeface="Times New Roman" panose="02020603050405020304" pitchFamily="18" charset="0"/>
+              </a:rPr>
+              <a:t>we should create a </a:t>
+            </a:r>
+            <a:r>
+              <a:rPr lang="en-US" sz="2200" i="1" dirty="0">
+                <a:latin typeface="Times New Roman" panose="02020603050405020304" pitchFamily="18" charset="0"/>
+                <a:cs typeface="Times New Roman" panose="02020603050405020304" pitchFamily="18" charset="0"/>
+              </a:rPr>
+              <a:t>Service</a:t>
+            </a:r>
+            <a:r>
+              <a:rPr lang="en-US" sz="2200" dirty="0">
+                <a:latin typeface="Times New Roman" panose="02020603050405020304" pitchFamily="18" charset="0"/>
+                <a:cs typeface="Times New Roman" panose="02020603050405020304" pitchFamily="18" charset="0"/>
+              </a:rPr>
+              <a:t> when two or more </a:t>
+            </a:r>
+            <a:r>
+              <a:rPr lang="en-US" sz="2200" i="1" dirty="0">
+                <a:latin typeface="Times New Roman" panose="02020603050405020304" pitchFamily="18" charset="0"/>
+                <a:cs typeface="Times New Roman" panose="02020603050405020304" pitchFamily="18" charset="0"/>
+              </a:rPr>
+              <a:t>Components</a:t>
+            </a:r>
+            <a:r>
+              <a:rPr lang="en-US" sz="2200" dirty="0">
+                <a:latin typeface="Times New Roman" panose="02020603050405020304" pitchFamily="18" charset="0"/>
+                <a:cs typeface="Times New Roman" panose="02020603050405020304" pitchFamily="18" charset="0"/>
+              </a:rPr>
+              <a:t> or other things need to access the same data or if we want to encapsulate interactions with a web server or if we want to define how to validate user inputs</a:t>
+            </a:r>
+            <a:r>
+              <a:rPr lang="en-US" sz="2200" dirty="0" smtClean="0">
+                <a:latin typeface="Times New Roman" panose="02020603050405020304" pitchFamily="18" charset="0"/>
+                <a:cs typeface="Times New Roman" panose="02020603050405020304" pitchFamily="18" charset="0"/>
+              </a:rPr>
+              <a:t>.</a:t>
+            </a:r>
+          </a:p>
+          <a:p>
+            <a:r>
+              <a:rPr lang="nl-NL" sz="2200" dirty="0" smtClean="0">
+                <a:latin typeface="Times New Roman" panose="02020603050405020304" pitchFamily="18" charset="0"/>
+                <a:cs typeface="Times New Roman" panose="02020603050405020304" pitchFamily="18" charset="0"/>
+              </a:rPr>
+              <a:t>Service are </a:t>
+            </a:r>
+            <a:r>
+              <a:rPr lang="nl-NL" sz="2200" dirty="0" err="1" smtClean="0">
+                <a:latin typeface="Times New Roman" panose="02020603050405020304" pitchFamily="18" charset="0"/>
+                <a:cs typeface="Times New Roman" panose="02020603050405020304" pitchFamily="18" charset="0"/>
+              </a:rPr>
+              <a:t>stateless</a:t>
+            </a:r>
+            <a:r>
+              <a:rPr lang="nl-NL" sz="2200" dirty="0" smtClean="0">
+                <a:latin typeface="Times New Roman" panose="02020603050405020304" pitchFamily="18" charset="0"/>
+                <a:cs typeface="Times New Roman" panose="02020603050405020304" pitchFamily="18" charset="0"/>
+              </a:rPr>
+              <a:t> </a:t>
+            </a:r>
+            <a:r>
+              <a:rPr lang="nl-NL" sz="2200" dirty="0" err="1" smtClean="0">
+                <a:latin typeface="Times New Roman" panose="02020603050405020304" pitchFamily="18" charset="0"/>
+                <a:cs typeface="Times New Roman" panose="02020603050405020304" pitchFamily="18" charset="0"/>
+              </a:rPr>
+              <a:t>and</a:t>
+            </a:r>
+            <a:r>
+              <a:rPr lang="nl-NL" sz="2200" dirty="0" smtClean="0">
+                <a:latin typeface="Times New Roman" panose="02020603050405020304" pitchFamily="18" charset="0"/>
+                <a:cs typeface="Times New Roman" panose="02020603050405020304" pitchFamily="18" charset="0"/>
+              </a:rPr>
+              <a:t> Singletons.</a:t>
+            </a:r>
+          </a:p>
+          <a:p>
+            <a:r>
+              <a:rPr lang="nl-NL" sz="2200" dirty="0" smtClean="0">
+                <a:latin typeface="Times New Roman" panose="02020603050405020304" pitchFamily="18" charset="0"/>
+                <a:cs typeface="Times New Roman" panose="02020603050405020304" pitchFamily="18" charset="0"/>
+              </a:rPr>
+              <a:t>Service is </a:t>
+            </a:r>
+            <a:r>
+              <a:rPr lang="nl-NL" sz="2200" dirty="0" err="1" smtClean="0">
+                <a:latin typeface="Times New Roman" panose="02020603050405020304" pitchFamily="18" charset="0"/>
+                <a:cs typeface="Times New Roman" panose="02020603050405020304" pitchFamily="18" charset="0"/>
+              </a:rPr>
+              <a:t>defined</a:t>
+            </a:r>
+            <a:r>
+              <a:rPr lang="nl-NL" sz="2200" dirty="0" smtClean="0">
+                <a:latin typeface="Times New Roman" panose="02020603050405020304" pitchFamily="18" charset="0"/>
+                <a:cs typeface="Times New Roman" panose="02020603050405020304" pitchFamily="18" charset="0"/>
+              </a:rPr>
+              <a:t> </a:t>
+            </a:r>
+            <a:r>
+              <a:rPr lang="nl-NL" sz="2200" dirty="0" err="1" smtClean="0">
+                <a:latin typeface="Times New Roman" panose="02020603050405020304" pitchFamily="18" charset="0"/>
+                <a:cs typeface="Times New Roman" panose="02020603050405020304" pitchFamily="18" charset="0"/>
+              </a:rPr>
+              <a:t>using</a:t>
+            </a:r>
+            <a:r>
+              <a:rPr lang="nl-NL" sz="2200" dirty="0" smtClean="0">
+                <a:latin typeface="Times New Roman" panose="02020603050405020304" pitchFamily="18" charset="0"/>
+                <a:cs typeface="Times New Roman" panose="02020603050405020304" pitchFamily="18" charset="0"/>
+              </a:rPr>
+              <a:t> @</a:t>
+            </a:r>
+            <a:r>
+              <a:rPr lang="nl-NL" sz="2200" dirty="0" err="1" smtClean="0">
+                <a:latin typeface="Times New Roman" panose="02020603050405020304" pitchFamily="18" charset="0"/>
+                <a:cs typeface="Times New Roman" panose="02020603050405020304" pitchFamily="18" charset="0"/>
+              </a:rPr>
+              <a:t>Injectable</a:t>
+            </a:r>
+            <a:r>
+              <a:rPr lang="nl-NL" sz="2200" dirty="0" smtClean="0">
+                <a:latin typeface="Times New Roman" panose="02020603050405020304" pitchFamily="18" charset="0"/>
+                <a:cs typeface="Times New Roman" panose="02020603050405020304" pitchFamily="18" charset="0"/>
+              </a:rPr>
+              <a:t> </a:t>
+            </a:r>
+            <a:r>
+              <a:rPr lang="nl-NL" sz="2200" dirty="0" err="1" smtClean="0">
+                <a:latin typeface="Times New Roman" panose="02020603050405020304" pitchFamily="18" charset="0"/>
+                <a:cs typeface="Times New Roman" panose="02020603050405020304" pitchFamily="18" charset="0"/>
+              </a:rPr>
+              <a:t>decorator</a:t>
+            </a:r>
+            <a:r>
+              <a:rPr lang="nl-NL" sz="2200" dirty="0" smtClean="0">
+                <a:latin typeface="Times New Roman" panose="02020603050405020304" pitchFamily="18" charset="0"/>
+                <a:cs typeface="Times New Roman" panose="02020603050405020304" pitchFamily="18" charset="0"/>
+              </a:rPr>
+              <a:t>.</a:t>
+            </a:r>
+            <a:endParaRPr lang="en-US" sz="2200" dirty="0">
+              <a:latin typeface="Times New Roman" panose="02020603050405020304" pitchFamily="18" charset="0"/>
+              <a:cs typeface="Times New Roman" panose="02020603050405020304" pitchFamily="18" charset="0"/>
+            </a:endParaRPr>
+          </a:p>
+        </p:txBody>
+      </p:sp>
+    </p:spTree>
+    <p:extLst>
+      <p:ext uri="{BB962C8B-B14F-4D97-AF65-F5344CB8AC3E}">
+        <p14:creationId xmlns:p14="http://schemas.microsoft.com/office/powerpoint/2010/main" val="3101533194"/>
       </p:ext>
     </p:extLst>
   </p:cSld>

--- a/Angular Workshop/Angular Workshop.pptx
+++ b/Angular Workshop/Angular Workshop.pptx
@@ -5,7 +5,7 @@
     <p:sldMasterId id="2147483790" r:id="rId1"/>
   </p:sldMasterIdLst>
   <p:notesMasterIdLst>
-    <p:notesMasterId r:id="rId7"/>
+    <p:notesMasterId r:id="rId8"/>
   </p:notesMasterIdLst>
   <p:sldIdLst>
     <p:sldId id="256" r:id="rId2"/>
@@ -13,6 +13,7 @@
     <p:sldId id="258" r:id="rId4"/>
     <p:sldId id="259" r:id="rId5"/>
     <p:sldId id="260" r:id="rId6"/>
+    <p:sldId id="261" r:id="rId7"/>
   </p:sldIdLst>
   <p:sldSz cx="12192000" cy="6858000"/>
   <p:notesSz cx="6858000" cy="9144000"/>
@@ -5964,6 +5965,251 @@
     <p:extLst>
       <p:ext uri="{BB962C8B-B14F-4D97-AF65-F5344CB8AC3E}">
         <p14:creationId xmlns:p14="http://schemas.microsoft.com/office/powerpoint/2010/main" val="3101533194"/>
+      </p:ext>
+    </p:extLst>
+  </p:cSld>
+  <p:clrMapOvr>
+    <a:masterClrMapping/>
+  </p:clrMapOvr>
+</p:sld>
+</file>
+
+<file path=ppt/slides/slide6.xml><?xml version="1.0" encoding="utf-8"?>
+<p:sld xmlns:a="http://schemas.openxmlformats.org/drawingml/2006/main" xmlns:r="http://schemas.openxmlformats.org/officeDocument/2006/relationships" xmlns:p="http://schemas.openxmlformats.org/presentationml/2006/main">
+  <p:cSld>
+    <p:spTree>
+      <p:nvGrpSpPr>
+        <p:cNvPr id="1" name=""/>
+        <p:cNvGrpSpPr/>
+        <p:nvPr/>
+      </p:nvGrpSpPr>
+      <p:grpSpPr>
+        <a:xfrm>
+          <a:off x="0" y="0"/>
+          <a:ext cx="0" cy="0"/>
+          <a:chOff x="0" y="0"/>
+          <a:chExt cx="0" cy="0"/>
+        </a:xfrm>
+      </p:grpSpPr>
+      <p:sp>
+        <p:nvSpPr>
+          <p:cNvPr id="2" name="Title 1"/>
+          <p:cNvSpPr>
+            <a:spLocks noGrp="1"/>
+          </p:cNvSpPr>
+          <p:nvPr>
+            <p:ph type="title"/>
+          </p:nvPr>
+        </p:nvSpPr>
+        <p:spPr/>
+        <p:txBody>
+          <a:bodyPr/>
+          <a:lstStyle/>
+          <a:p>
+            <a:r>
+              <a:rPr lang="en-US" dirty="0"/>
+              <a:t>Architecture overview</a:t>
+            </a:r>
+          </a:p>
+        </p:txBody>
+      </p:sp>
+      <p:sp>
+        <p:nvSpPr>
+          <p:cNvPr id="3" name="Content Placeholder 2"/>
+          <p:cNvSpPr>
+            <a:spLocks noGrp="1"/>
+          </p:cNvSpPr>
+          <p:nvPr>
+            <p:ph idx="1"/>
+          </p:nvPr>
+        </p:nvSpPr>
+        <p:spPr/>
+        <p:txBody>
+          <a:bodyPr/>
+          <a:lstStyle/>
+          <a:p>
+            <a:r>
+              <a:rPr lang="en-US" b="1" dirty="0"/>
+              <a:t>Dependency </a:t>
+            </a:r>
+            <a:r>
+              <a:rPr lang="en-US" b="1" dirty="0" smtClean="0"/>
+              <a:t>Injection: </a:t>
+            </a:r>
+            <a:r>
+              <a:rPr lang="en-US" dirty="0" smtClean="0"/>
+              <a:t> DI is </a:t>
+            </a:r>
+            <a:r>
+              <a:rPr lang="en-US" i="1" dirty="0" smtClean="0"/>
+              <a:t>Design </a:t>
+            </a:r>
+            <a:r>
+              <a:rPr lang="en-US" i="1" dirty="0"/>
+              <a:t>Pattern</a:t>
+            </a:r>
+            <a:r>
+              <a:rPr lang="en-US" dirty="0"/>
+              <a:t> in which one or more dependencies (</a:t>
+            </a:r>
+            <a:r>
+              <a:rPr lang="en-US" i="1" dirty="0"/>
+              <a:t>Services</a:t>
+            </a:r>
+            <a:r>
+              <a:rPr lang="en-US" dirty="0"/>
+              <a:t>) are injected into a dependent object</a:t>
+            </a:r>
+          </a:p>
+          <a:p>
+            <a:r>
+              <a:rPr lang="en-US" dirty="0"/>
+              <a:t>A </a:t>
+            </a:r>
+            <a:r>
+              <a:rPr lang="en-US" i="1" dirty="0"/>
+              <a:t>Provider</a:t>
+            </a:r>
+            <a:r>
+              <a:rPr lang="en-US" dirty="0"/>
+              <a:t> is a recipe for creating a dependency. We must at least register one </a:t>
+            </a:r>
+            <a:r>
+              <a:rPr lang="en-US" i="1" dirty="0"/>
+              <a:t>Provider</a:t>
+            </a:r>
+            <a:r>
+              <a:rPr lang="en-US" dirty="0"/>
+              <a:t> of any </a:t>
+            </a:r>
+            <a:r>
+              <a:rPr lang="en-US" i="1" dirty="0"/>
+              <a:t>Service</a:t>
+            </a:r>
+            <a:r>
+              <a:rPr lang="en-US" dirty="0"/>
+              <a:t> we want to use. It can be done in Modules or in </a:t>
+            </a:r>
+            <a:r>
+              <a:rPr lang="en-US" i="1" dirty="0"/>
+              <a:t>Components</a:t>
+            </a:r>
+            <a:r>
+              <a:rPr lang="en-US" dirty="0"/>
+              <a:t>. Doing this in a </a:t>
+            </a:r>
+            <a:r>
+              <a:rPr lang="en-US" i="1" dirty="0"/>
+              <a:t>Module</a:t>
+            </a:r>
+            <a:r>
+              <a:rPr lang="en-US" dirty="0"/>
+              <a:t> allows </a:t>
+            </a:r>
+            <a:r>
+              <a:rPr lang="en-US" i="1" dirty="0"/>
+              <a:t>Angular</a:t>
+            </a:r>
+            <a:r>
+              <a:rPr lang="en-US" dirty="0"/>
+              <a:t> to inject the corresponding </a:t>
+            </a:r>
+            <a:r>
+              <a:rPr lang="en-US" i="1" dirty="0"/>
+              <a:t>Services</a:t>
+            </a:r>
+            <a:r>
+              <a:rPr lang="en-US" dirty="0"/>
+              <a:t> in any class it creates and so the </a:t>
+            </a:r>
+            <a:r>
+              <a:rPr lang="en-US" i="1" dirty="0"/>
+              <a:t>Service</a:t>
+            </a:r>
+            <a:r>
+              <a:rPr lang="en-US" dirty="0"/>
+              <a:t> instance lives for the life of the app. By using a </a:t>
+            </a:r>
+            <a:r>
+              <a:rPr lang="en-US" i="1" dirty="0"/>
+              <a:t>Component Provider</a:t>
+            </a:r>
+            <a:r>
+              <a:rPr lang="en-US" dirty="0"/>
+              <a:t> we restrict the scope of the </a:t>
+            </a:r>
+            <a:r>
+              <a:rPr lang="en-US" i="1" dirty="0"/>
+              <a:t>Service</a:t>
+            </a:r>
+            <a:r>
+              <a:rPr lang="en-US" dirty="0"/>
+              <a:t> and so it will only be injected into that </a:t>
+            </a:r>
+            <a:r>
+              <a:rPr lang="en-US" i="1" dirty="0"/>
+              <a:t>Component</a:t>
+            </a:r>
+            <a:r>
+              <a:rPr lang="en-US" dirty="0"/>
+              <a:t> instance or one of its descendant </a:t>
+            </a:r>
+            <a:r>
+              <a:rPr lang="en-US" i="1" dirty="0"/>
+              <a:t>Component</a:t>
+            </a:r>
+            <a:r>
+              <a:rPr lang="en-US" dirty="0"/>
+              <a:t> instances. It means that </a:t>
+            </a:r>
+            <a:r>
+              <a:rPr lang="en-US" i="1" dirty="0"/>
+              <a:t>Angular</a:t>
+            </a:r>
+            <a:r>
+              <a:rPr lang="en-US" dirty="0"/>
+              <a:t> can’t inject the same </a:t>
+            </a:r>
+            <a:r>
+              <a:rPr lang="en-US" i="1" dirty="0"/>
+              <a:t>Service</a:t>
+            </a:r>
+            <a:r>
+              <a:rPr lang="en-US" dirty="0"/>
+              <a:t> instance anywhere else. The lifetime of this </a:t>
+            </a:r>
+            <a:r>
+              <a:rPr lang="en-US" i="1" dirty="0"/>
+              <a:t>Service</a:t>
+            </a:r>
+            <a:r>
+              <a:rPr lang="en-US" dirty="0"/>
+              <a:t> will also be different: the </a:t>
+            </a:r>
+            <a:r>
+              <a:rPr lang="en-US" i="1" dirty="0"/>
+              <a:t>Service</a:t>
+            </a:r>
+            <a:r>
+              <a:rPr lang="en-US" dirty="0"/>
+              <a:t> instance will be destroyed when the </a:t>
+            </a:r>
+            <a:r>
+              <a:rPr lang="en-US" i="1" dirty="0"/>
+              <a:t>Component</a:t>
+            </a:r>
+            <a:r>
+              <a:rPr lang="en-US" dirty="0"/>
+              <a:t> instance is destroyed.</a:t>
+            </a:r>
+            <a:endParaRPr lang="en-US" dirty="0"/>
+          </a:p>
+        </p:txBody>
+      </p:sp>
+    </p:spTree>
+    <p:extLst>
+      <p:ext uri="{BB962C8B-B14F-4D97-AF65-F5344CB8AC3E}">
+        <p14:creationId xmlns:p14="http://schemas.microsoft.com/office/powerpoint/2010/main" val="4252899282"/>
       </p:ext>
     </p:extLst>
   </p:cSld>

--- a/Angular Workshop/Angular Workshop.pptx
+++ b/Angular Workshop/Angular Workshop.pptx
@@ -5,7 +5,7 @@
     <p:sldMasterId id="2147483790" r:id="rId1"/>
   </p:sldMasterIdLst>
   <p:notesMasterIdLst>
-    <p:notesMasterId r:id="rId8"/>
+    <p:notesMasterId r:id="rId9"/>
   </p:notesMasterIdLst>
   <p:sldIdLst>
     <p:sldId id="256" r:id="rId2"/>
@@ -14,6 +14,7 @@
     <p:sldId id="259" r:id="rId5"/>
     <p:sldId id="260" r:id="rId6"/>
     <p:sldId id="261" r:id="rId7"/>
+    <p:sldId id="262" r:id="rId8"/>
   </p:sldIdLst>
   <p:sldSz cx="12192000" cy="6858000"/>
   <p:notesSz cx="6858000" cy="9144000"/>
@@ -6210,6 +6211,117 @@
     <p:extLst>
       <p:ext uri="{BB962C8B-B14F-4D97-AF65-F5344CB8AC3E}">
         <p14:creationId xmlns:p14="http://schemas.microsoft.com/office/powerpoint/2010/main" val="4252899282"/>
+      </p:ext>
+    </p:extLst>
+  </p:cSld>
+  <p:clrMapOvr>
+    <a:masterClrMapping/>
+  </p:clrMapOvr>
+</p:sld>
+</file>
+
+<file path=ppt/slides/slide7.xml><?xml version="1.0" encoding="utf-8"?>
+<p:sld xmlns:a="http://schemas.openxmlformats.org/drawingml/2006/main" xmlns:r="http://schemas.openxmlformats.org/officeDocument/2006/relationships" xmlns:p="http://schemas.openxmlformats.org/presentationml/2006/main">
+  <p:cSld>
+    <p:spTree>
+      <p:nvGrpSpPr>
+        <p:cNvPr id="1" name=""/>
+        <p:cNvGrpSpPr/>
+        <p:nvPr/>
+      </p:nvGrpSpPr>
+      <p:grpSpPr>
+        <a:xfrm>
+          <a:off x="0" y="0"/>
+          <a:ext cx="0" cy="0"/>
+          <a:chOff x="0" y="0"/>
+          <a:chExt cx="0" cy="0"/>
+        </a:xfrm>
+      </p:grpSpPr>
+      <p:sp>
+        <p:nvSpPr>
+          <p:cNvPr id="2" name="Title 1"/>
+          <p:cNvSpPr>
+            <a:spLocks noGrp="1"/>
+          </p:cNvSpPr>
+          <p:nvPr>
+            <p:ph type="title"/>
+          </p:nvPr>
+        </p:nvSpPr>
+        <p:spPr/>
+        <p:txBody>
+          <a:bodyPr/>
+          <a:lstStyle/>
+          <a:p>
+            <a:r>
+              <a:rPr lang="en-US" dirty="0"/>
+              <a:t>Architecture overview</a:t>
+            </a:r>
+          </a:p>
+        </p:txBody>
+      </p:sp>
+      <p:sp>
+        <p:nvSpPr>
+          <p:cNvPr id="3" name="Content Placeholder 2"/>
+          <p:cNvSpPr>
+            <a:spLocks noGrp="1"/>
+          </p:cNvSpPr>
+          <p:nvPr>
+            <p:ph idx="1"/>
+          </p:nvPr>
+        </p:nvSpPr>
+        <p:spPr/>
+        <p:txBody>
+          <a:bodyPr/>
+          <a:lstStyle/>
+          <a:p>
+            <a:r>
+              <a:rPr lang="en-US" b="1" dirty="0"/>
+              <a:t>Data Binding</a:t>
+            </a:r>
+          </a:p>
+          <a:p>
+            <a:r>
+              <a:rPr lang="en-US" dirty="0"/>
+              <a:t>There are two types of data binding:</a:t>
+            </a:r>
+          </a:p>
+          <a:p>
+            <a:pPr marL="457200" indent="-457200">
+              <a:buFont typeface="+mj-lt"/>
+              <a:buAutoNum type="arabicPeriod"/>
+            </a:pPr>
+            <a:r>
+              <a:rPr lang="en-US" i="1" dirty="0"/>
+              <a:t>Event binding</a:t>
+            </a:r>
+            <a:r>
+              <a:rPr lang="en-US" dirty="0"/>
+              <a:t> lets your app respond to user input in the target environment by updating your application data.</a:t>
+            </a:r>
+          </a:p>
+          <a:p>
+            <a:pPr marL="457200" indent="-457200">
+              <a:buFont typeface="+mj-lt"/>
+              <a:buAutoNum type="arabicPeriod"/>
+            </a:pPr>
+            <a:r>
+              <a:rPr lang="en-US" i="1" dirty="0"/>
+              <a:t>Property binding</a:t>
+            </a:r>
+            <a:r>
+              <a:rPr lang="en-US" dirty="0"/>
+              <a:t> lets you interpolate values that are computed from your application data into the HTML.</a:t>
+            </a:r>
+          </a:p>
+          <a:p>
+            <a:endParaRPr lang="en-US" dirty="0"/>
+          </a:p>
+        </p:txBody>
+      </p:sp>
+    </p:spTree>
+    <p:extLst>
+      <p:ext uri="{BB962C8B-B14F-4D97-AF65-F5344CB8AC3E}">
+        <p14:creationId xmlns:p14="http://schemas.microsoft.com/office/powerpoint/2010/main" val="2175551747"/>
       </p:ext>
     </p:extLst>
   </p:cSld>

--- a/Angular Workshop/Angular Workshop.pptx
+++ b/Angular Workshop/Angular Workshop.pptx
@@ -5,7 +5,7 @@
     <p:sldMasterId id="2147483790" r:id="rId1"/>
   </p:sldMasterIdLst>
   <p:notesMasterIdLst>
-    <p:notesMasterId r:id="rId9"/>
+    <p:notesMasterId r:id="rId10"/>
   </p:notesMasterIdLst>
   <p:sldIdLst>
     <p:sldId id="256" r:id="rId2"/>
@@ -15,6 +15,7 @@
     <p:sldId id="260" r:id="rId6"/>
     <p:sldId id="261" r:id="rId7"/>
     <p:sldId id="262" r:id="rId8"/>
+    <p:sldId id="263" r:id="rId9"/>
   </p:sldIdLst>
   <p:sldSz cx="12192000" cy="6858000"/>
   <p:notesSz cx="6858000" cy="9144000"/>
@@ -6026,184 +6027,318 @@
         </p:nvSpPr>
         <p:spPr/>
         <p:txBody>
-          <a:bodyPr/>
+          <a:bodyPr>
+            <a:normAutofit/>
+          </a:bodyPr>
           <a:lstStyle/>
           <a:p>
             <a:r>
-              <a:rPr lang="en-US" b="1" dirty="0"/>
+              <a:rPr lang="en-US" sz="2200" b="1" dirty="0">
+                <a:latin typeface="Times New Roman" panose="02020603050405020304" pitchFamily="18" charset="0"/>
+                <a:cs typeface="Times New Roman" panose="02020603050405020304" pitchFamily="18" charset="0"/>
+              </a:rPr>
               <a:t>Dependency </a:t>
             </a:r>
             <a:r>
-              <a:rPr lang="en-US" b="1" dirty="0" smtClean="0"/>
+              <a:rPr lang="en-US" sz="2200" b="1" dirty="0" smtClean="0">
+                <a:latin typeface="Times New Roman" panose="02020603050405020304" pitchFamily="18" charset="0"/>
+                <a:cs typeface="Times New Roman" panose="02020603050405020304" pitchFamily="18" charset="0"/>
+              </a:rPr>
               <a:t>Injection: </a:t>
             </a:r>
             <a:r>
-              <a:rPr lang="en-US" dirty="0" smtClean="0"/>
+              <a:rPr lang="en-US" sz="2200" dirty="0" smtClean="0">
+                <a:latin typeface="Times New Roman" panose="02020603050405020304" pitchFamily="18" charset="0"/>
+                <a:cs typeface="Times New Roman" panose="02020603050405020304" pitchFamily="18" charset="0"/>
+              </a:rPr>
               <a:t> DI is </a:t>
             </a:r>
             <a:r>
-              <a:rPr lang="en-US" i="1" dirty="0" smtClean="0"/>
+              <a:rPr lang="en-US" sz="2200" i="1" dirty="0" smtClean="0">
+                <a:latin typeface="Times New Roman" panose="02020603050405020304" pitchFamily="18" charset="0"/>
+                <a:cs typeface="Times New Roman" panose="02020603050405020304" pitchFamily="18" charset="0"/>
+              </a:rPr>
               <a:t>Design </a:t>
             </a:r>
             <a:r>
-              <a:rPr lang="en-US" i="1" dirty="0"/>
+              <a:rPr lang="en-US" sz="2200" i="1" dirty="0">
+                <a:latin typeface="Times New Roman" panose="02020603050405020304" pitchFamily="18" charset="0"/>
+                <a:cs typeface="Times New Roman" panose="02020603050405020304" pitchFamily="18" charset="0"/>
+              </a:rPr>
               <a:t>Pattern</a:t>
             </a:r>
             <a:r>
-              <a:rPr lang="en-US" dirty="0"/>
+              <a:rPr lang="en-US" sz="2200" dirty="0">
+                <a:latin typeface="Times New Roman" panose="02020603050405020304" pitchFamily="18" charset="0"/>
+                <a:cs typeface="Times New Roman" panose="02020603050405020304" pitchFamily="18" charset="0"/>
+              </a:rPr>
               <a:t> in which one or more dependencies (</a:t>
             </a:r>
             <a:r>
-              <a:rPr lang="en-US" i="1" dirty="0"/>
+              <a:rPr lang="en-US" sz="2200" i="1" dirty="0">
+                <a:latin typeface="Times New Roman" panose="02020603050405020304" pitchFamily="18" charset="0"/>
+                <a:cs typeface="Times New Roman" panose="02020603050405020304" pitchFamily="18" charset="0"/>
+              </a:rPr>
               <a:t>Services</a:t>
             </a:r>
             <a:r>
-              <a:rPr lang="en-US" dirty="0"/>
+              <a:rPr lang="en-US" sz="2200" dirty="0">
+                <a:latin typeface="Times New Roman" panose="02020603050405020304" pitchFamily="18" charset="0"/>
+                <a:cs typeface="Times New Roman" panose="02020603050405020304" pitchFamily="18" charset="0"/>
+              </a:rPr>
               <a:t>) are injected into a dependent object</a:t>
             </a:r>
           </a:p>
           <a:p>
             <a:r>
-              <a:rPr lang="en-US" dirty="0"/>
+              <a:rPr lang="en-US" sz="2200" dirty="0">
+                <a:latin typeface="Times New Roman" panose="02020603050405020304" pitchFamily="18" charset="0"/>
+                <a:cs typeface="Times New Roman" panose="02020603050405020304" pitchFamily="18" charset="0"/>
+              </a:rPr>
               <a:t>A </a:t>
             </a:r>
             <a:r>
-              <a:rPr lang="en-US" i="1" dirty="0"/>
+              <a:rPr lang="en-US" sz="2200" i="1" dirty="0">
+                <a:latin typeface="Times New Roman" panose="02020603050405020304" pitchFamily="18" charset="0"/>
+                <a:cs typeface="Times New Roman" panose="02020603050405020304" pitchFamily="18" charset="0"/>
+              </a:rPr>
               <a:t>Provider</a:t>
             </a:r>
             <a:r>
-              <a:rPr lang="en-US" dirty="0"/>
+              <a:rPr lang="en-US" sz="2200" dirty="0">
+                <a:latin typeface="Times New Roman" panose="02020603050405020304" pitchFamily="18" charset="0"/>
+                <a:cs typeface="Times New Roman" panose="02020603050405020304" pitchFamily="18" charset="0"/>
+              </a:rPr>
               <a:t> is a recipe for creating a dependency. We must at least register one </a:t>
             </a:r>
             <a:r>
-              <a:rPr lang="en-US" i="1" dirty="0"/>
+              <a:rPr lang="en-US" sz="2200" i="1" dirty="0">
+                <a:latin typeface="Times New Roman" panose="02020603050405020304" pitchFamily="18" charset="0"/>
+                <a:cs typeface="Times New Roman" panose="02020603050405020304" pitchFamily="18" charset="0"/>
+              </a:rPr>
               <a:t>Provider</a:t>
             </a:r>
             <a:r>
-              <a:rPr lang="en-US" dirty="0"/>
+              <a:rPr lang="en-US" sz="2200" dirty="0">
+                <a:latin typeface="Times New Roman" panose="02020603050405020304" pitchFamily="18" charset="0"/>
+                <a:cs typeface="Times New Roman" panose="02020603050405020304" pitchFamily="18" charset="0"/>
+              </a:rPr>
               <a:t> of any </a:t>
             </a:r>
             <a:r>
-              <a:rPr lang="en-US" i="1" dirty="0"/>
+              <a:rPr lang="en-US" sz="2200" i="1" dirty="0">
+                <a:latin typeface="Times New Roman" panose="02020603050405020304" pitchFamily="18" charset="0"/>
+                <a:cs typeface="Times New Roman" panose="02020603050405020304" pitchFamily="18" charset="0"/>
+              </a:rPr>
               <a:t>Service</a:t>
             </a:r>
             <a:r>
-              <a:rPr lang="en-US" dirty="0"/>
+              <a:rPr lang="en-US" sz="2200" dirty="0">
+                <a:latin typeface="Times New Roman" panose="02020603050405020304" pitchFamily="18" charset="0"/>
+                <a:cs typeface="Times New Roman" panose="02020603050405020304" pitchFamily="18" charset="0"/>
+              </a:rPr>
               <a:t> we want to use. It can be done in Modules or in </a:t>
             </a:r>
             <a:r>
-              <a:rPr lang="en-US" i="1" dirty="0"/>
+              <a:rPr lang="en-US" sz="2200" i="1" dirty="0">
+                <a:latin typeface="Times New Roman" panose="02020603050405020304" pitchFamily="18" charset="0"/>
+                <a:cs typeface="Times New Roman" panose="02020603050405020304" pitchFamily="18" charset="0"/>
+              </a:rPr>
               <a:t>Components</a:t>
             </a:r>
             <a:r>
-              <a:rPr lang="en-US" dirty="0"/>
+              <a:rPr lang="en-US" sz="2200" dirty="0">
+                <a:latin typeface="Times New Roman" panose="02020603050405020304" pitchFamily="18" charset="0"/>
+                <a:cs typeface="Times New Roman" panose="02020603050405020304" pitchFamily="18" charset="0"/>
+              </a:rPr>
               <a:t>. Doing this in a </a:t>
             </a:r>
             <a:r>
-              <a:rPr lang="en-US" i="1" dirty="0"/>
+              <a:rPr lang="en-US" sz="2200" i="1" dirty="0">
+                <a:latin typeface="Times New Roman" panose="02020603050405020304" pitchFamily="18" charset="0"/>
+                <a:cs typeface="Times New Roman" panose="02020603050405020304" pitchFamily="18" charset="0"/>
+              </a:rPr>
               <a:t>Module</a:t>
             </a:r>
             <a:r>
-              <a:rPr lang="en-US" dirty="0"/>
+              <a:rPr lang="en-US" sz="2200" dirty="0">
+                <a:latin typeface="Times New Roman" panose="02020603050405020304" pitchFamily="18" charset="0"/>
+                <a:cs typeface="Times New Roman" panose="02020603050405020304" pitchFamily="18" charset="0"/>
+              </a:rPr>
               <a:t> allows </a:t>
             </a:r>
             <a:r>
-              <a:rPr lang="en-US" i="1" dirty="0"/>
+              <a:rPr lang="en-US" sz="2200" i="1" dirty="0">
+                <a:latin typeface="Times New Roman" panose="02020603050405020304" pitchFamily="18" charset="0"/>
+                <a:cs typeface="Times New Roman" panose="02020603050405020304" pitchFamily="18" charset="0"/>
+              </a:rPr>
               <a:t>Angular</a:t>
             </a:r>
             <a:r>
-              <a:rPr lang="en-US" dirty="0"/>
+              <a:rPr lang="en-US" sz="2200" dirty="0">
+                <a:latin typeface="Times New Roman" panose="02020603050405020304" pitchFamily="18" charset="0"/>
+                <a:cs typeface="Times New Roman" panose="02020603050405020304" pitchFamily="18" charset="0"/>
+              </a:rPr>
               <a:t> to inject the corresponding </a:t>
             </a:r>
             <a:r>
-              <a:rPr lang="en-US" i="1" dirty="0"/>
+              <a:rPr lang="en-US" sz="2200" i="1" dirty="0">
+                <a:latin typeface="Times New Roman" panose="02020603050405020304" pitchFamily="18" charset="0"/>
+                <a:cs typeface="Times New Roman" panose="02020603050405020304" pitchFamily="18" charset="0"/>
+              </a:rPr>
               <a:t>Services</a:t>
             </a:r>
             <a:r>
-              <a:rPr lang="en-US" dirty="0"/>
+              <a:rPr lang="en-US" sz="2200" dirty="0">
+                <a:latin typeface="Times New Roman" panose="02020603050405020304" pitchFamily="18" charset="0"/>
+                <a:cs typeface="Times New Roman" panose="02020603050405020304" pitchFamily="18" charset="0"/>
+              </a:rPr>
               <a:t> in any class it creates and so the </a:t>
             </a:r>
             <a:r>
-              <a:rPr lang="en-US" i="1" dirty="0"/>
+              <a:rPr lang="en-US" sz="2200" i="1" dirty="0">
+                <a:latin typeface="Times New Roman" panose="02020603050405020304" pitchFamily="18" charset="0"/>
+                <a:cs typeface="Times New Roman" panose="02020603050405020304" pitchFamily="18" charset="0"/>
+              </a:rPr>
               <a:t>Service</a:t>
             </a:r>
             <a:r>
-              <a:rPr lang="en-US" dirty="0"/>
+              <a:rPr lang="en-US" sz="2200" dirty="0">
+                <a:latin typeface="Times New Roman" panose="02020603050405020304" pitchFamily="18" charset="0"/>
+                <a:cs typeface="Times New Roman" panose="02020603050405020304" pitchFamily="18" charset="0"/>
+              </a:rPr>
               <a:t> instance lives for the life of the app. By using a </a:t>
             </a:r>
             <a:r>
-              <a:rPr lang="en-US" i="1" dirty="0"/>
+              <a:rPr lang="en-US" sz="2200" i="1" dirty="0">
+                <a:latin typeface="Times New Roman" panose="02020603050405020304" pitchFamily="18" charset="0"/>
+                <a:cs typeface="Times New Roman" panose="02020603050405020304" pitchFamily="18" charset="0"/>
+              </a:rPr>
               <a:t>Component Provider</a:t>
             </a:r>
             <a:r>
-              <a:rPr lang="en-US" dirty="0"/>
+              <a:rPr lang="en-US" sz="2200" dirty="0">
+                <a:latin typeface="Times New Roman" panose="02020603050405020304" pitchFamily="18" charset="0"/>
+                <a:cs typeface="Times New Roman" panose="02020603050405020304" pitchFamily="18" charset="0"/>
+              </a:rPr>
               <a:t> we restrict the scope of the </a:t>
             </a:r>
             <a:r>
-              <a:rPr lang="en-US" i="1" dirty="0"/>
+              <a:rPr lang="en-US" sz="2200" i="1" dirty="0">
+                <a:latin typeface="Times New Roman" panose="02020603050405020304" pitchFamily="18" charset="0"/>
+                <a:cs typeface="Times New Roman" panose="02020603050405020304" pitchFamily="18" charset="0"/>
+              </a:rPr>
               <a:t>Service</a:t>
             </a:r>
             <a:r>
-              <a:rPr lang="en-US" dirty="0"/>
+              <a:rPr lang="en-US" sz="2200" dirty="0">
+                <a:latin typeface="Times New Roman" panose="02020603050405020304" pitchFamily="18" charset="0"/>
+                <a:cs typeface="Times New Roman" panose="02020603050405020304" pitchFamily="18" charset="0"/>
+              </a:rPr>
               <a:t> and so it will only be injected into that </a:t>
             </a:r>
             <a:r>
-              <a:rPr lang="en-US" i="1" dirty="0"/>
+              <a:rPr lang="en-US" sz="2200" i="1" dirty="0">
+                <a:latin typeface="Times New Roman" panose="02020603050405020304" pitchFamily="18" charset="0"/>
+                <a:cs typeface="Times New Roman" panose="02020603050405020304" pitchFamily="18" charset="0"/>
+              </a:rPr>
               <a:t>Component</a:t>
             </a:r>
             <a:r>
-              <a:rPr lang="en-US" dirty="0"/>
+              <a:rPr lang="en-US" sz="2200" dirty="0">
+                <a:latin typeface="Times New Roman" panose="02020603050405020304" pitchFamily="18" charset="0"/>
+                <a:cs typeface="Times New Roman" panose="02020603050405020304" pitchFamily="18" charset="0"/>
+              </a:rPr>
               <a:t> instance or one of its descendant </a:t>
             </a:r>
             <a:r>
-              <a:rPr lang="en-US" i="1" dirty="0"/>
+              <a:rPr lang="en-US" sz="2200" i="1" dirty="0">
+                <a:latin typeface="Times New Roman" panose="02020603050405020304" pitchFamily="18" charset="0"/>
+                <a:cs typeface="Times New Roman" panose="02020603050405020304" pitchFamily="18" charset="0"/>
+              </a:rPr>
               <a:t>Component</a:t>
             </a:r>
             <a:r>
-              <a:rPr lang="en-US" dirty="0"/>
+              <a:rPr lang="en-US" sz="2200" dirty="0">
+                <a:latin typeface="Times New Roman" panose="02020603050405020304" pitchFamily="18" charset="0"/>
+                <a:cs typeface="Times New Roman" panose="02020603050405020304" pitchFamily="18" charset="0"/>
+              </a:rPr>
               <a:t> instances. It means that </a:t>
             </a:r>
             <a:r>
-              <a:rPr lang="en-US" i="1" dirty="0"/>
+              <a:rPr lang="en-US" sz="2200" i="1" dirty="0">
+                <a:latin typeface="Times New Roman" panose="02020603050405020304" pitchFamily="18" charset="0"/>
+                <a:cs typeface="Times New Roman" panose="02020603050405020304" pitchFamily="18" charset="0"/>
+              </a:rPr>
               <a:t>Angular</a:t>
             </a:r>
             <a:r>
-              <a:rPr lang="en-US" dirty="0"/>
+              <a:rPr lang="en-US" sz="2200" dirty="0">
+                <a:latin typeface="Times New Roman" panose="02020603050405020304" pitchFamily="18" charset="0"/>
+                <a:cs typeface="Times New Roman" panose="02020603050405020304" pitchFamily="18" charset="0"/>
+              </a:rPr>
               <a:t> can’t inject the same </a:t>
             </a:r>
             <a:r>
-              <a:rPr lang="en-US" i="1" dirty="0"/>
+              <a:rPr lang="en-US" sz="2200" i="1" dirty="0">
+                <a:latin typeface="Times New Roman" panose="02020603050405020304" pitchFamily="18" charset="0"/>
+                <a:cs typeface="Times New Roman" panose="02020603050405020304" pitchFamily="18" charset="0"/>
+              </a:rPr>
               <a:t>Service</a:t>
             </a:r>
             <a:r>
-              <a:rPr lang="en-US" dirty="0"/>
+              <a:rPr lang="en-US" sz="2200" dirty="0">
+                <a:latin typeface="Times New Roman" panose="02020603050405020304" pitchFamily="18" charset="0"/>
+                <a:cs typeface="Times New Roman" panose="02020603050405020304" pitchFamily="18" charset="0"/>
+              </a:rPr>
               <a:t> instance anywhere else. The lifetime of this </a:t>
             </a:r>
             <a:r>
-              <a:rPr lang="en-US" i="1" dirty="0"/>
+              <a:rPr lang="en-US" sz="2200" i="1" dirty="0">
+                <a:latin typeface="Times New Roman" panose="02020603050405020304" pitchFamily="18" charset="0"/>
+                <a:cs typeface="Times New Roman" panose="02020603050405020304" pitchFamily="18" charset="0"/>
+              </a:rPr>
               <a:t>Service</a:t>
             </a:r>
             <a:r>
-              <a:rPr lang="en-US" dirty="0"/>
+              <a:rPr lang="en-US" sz="2200" dirty="0">
+                <a:latin typeface="Times New Roman" panose="02020603050405020304" pitchFamily="18" charset="0"/>
+                <a:cs typeface="Times New Roman" panose="02020603050405020304" pitchFamily="18" charset="0"/>
+              </a:rPr>
               <a:t> will also be different: the </a:t>
             </a:r>
             <a:r>
-              <a:rPr lang="en-US" i="1" dirty="0"/>
+              <a:rPr lang="en-US" sz="2200" i="1" dirty="0">
+                <a:latin typeface="Times New Roman" panose="02020603050405020304" pitchFamily="18" charset="0"/>
+                <a:cs typeface="Times New Roman" panose="02020603050405020304" pitchFamily="18" charset="0"/>
+              </a:rPr>
               <a:t>Service</a:t>
             </a:r>
             <a:r>
-              <a:rPr lang="en-US" dirty="0"/>
+              <a:rPr lang="en-US" sz="2200" dirty="0">
+                <a:latin typeface="Times New Roman" panose="02020603050405020304" pitchFamily="18" charset="0"/>
+                <a:cs typeface="Times New Roman" panose="02020603050405020304" pitchFamily="18" charset="0"/>
+              </a:rPr>
               <a:t> instance will be destroyed when the </a:t>
             </a:r>
             <a:r>
-              <a:rPr lang="en-US" i="1" dirty="0"/>
+              <a:rPr lang="en-US" sz="2200" i="1" dirty="0">
+                <a:latin typeface="Times New Roman" panose="02020603050405020304" pitchFamily="18" charset="0"/>
+                <a:cs typeface="Times New Roman" panose="02020603050405020304" pitchFamily="18" charset="0"/>
+              </a:rPr>
               <a:t>Component</a:t>
             </a:r>
             <a:r>
-              <a:rPr lang="en-US" dirty="0"/>
+              <a:rPr lang="en-US" sz="2200" dirty="0">
+                <a:latin typeface="Times New Roman" panose="02020603050405020304" pitchFamily="18" charset="0"/>
+                <a:cs typeface="Times New Roman" panose="02020603050405020304" pitchFamily="18" charset="0"/>
+              </a:rPr>
               <a:t> instance is destroyed.</a:t>
             </a:r>
-            <a:endParaRPr lang="en-US" dirty="0"/>
+            <a:endParaRPr lang="en-US" sz="2200" dirty="0">
+              <a:latin typeface="Times New Roman" panose="02020603050405020304" pitchFamily="18" charset="0"/>
+              <a:cs typeface="Times New Roman" panose="02020603050405020304" pitchFamily="18" charset="0"/>
+            </a:endParaRPr>
           </a:p>
         </p:txBody>
       </p:sp>
@@ -6271,17 +6406,25 @@
         </p:nvSpPr>
         <p:spPr/>
         <p:txBody>
-          <a:bodyPr/>
+          <a:bodyPr>
+            <a:normAutofit/>
+          </a:bodyPr>
           <a:lstStyle/>
           <a:p>
             <a:r>
-              <a:rPr lang="en-US" b="1" dirty="0"/>
+              <a:rPr lang="en-US" sz="2200" b="1" dirty="0">
+                <a:latin typeface="Times New Roman" panose="02020603050405020304" pitchFamily="18" charset="0"/>
+                <a:cs typeface="Times New Roman" panose="02020603050405020304" pitchFamily="18" charset="0"/>
+              </a:rPr>
               <a:t>Data Binding</a:t>
             </a:r>
           </a:p>
           <a:p>
             <a:r>
-              <a:rPr lang="en-US" dirty="0"/>
+              <a:rPr lang="en-US" sz="2200" dirty="0">
+                <a:latin typeface="Times New Roman" panose="02020603050405020304" pitchFamily="18" charset="0"/>
+                <a:cs typeface="Times New Roman" panose="02020603050405020304" pitchFamily="18" charset="0"/>
+              </a:rPr>
               <a:t>There are two types of data binding:</a:t>
             </a:r>
           </a:p>
@@ -6291,11 +6434,17 @@
               <a:buAutoNum type="arabicPeriod"/>
             </a:pPr>
             <a:r>
-              <a:rPr lang="en-US" i="1" dirty="0"/>
+              <a:rPr lang="en-US" sz="2200" i="1" dirty="0">
+                <a:latin typeface="Times New Roman" panose="02020603050405020304" pitchFamily="18" charset="0"/>
+                <a:cs typeface="Times New Roman" panose="02020603050405020304" pitchFamily="18" charset="0"/>
+              </a:rPr>
               <a:t>Event binding</a:t>
             </a:r>
             <a:r>
-              <a:rPr lang="en-US" dirty="0"/>
+              <a:rPr lang="en-US" sz="2200" dirty="0">
+                <a:latin typeface="Times New Roman" panose="02020603050405020304" pitchFamily="18" charset="0"/>
+                <a:cs typeface="Times New Roman" panose="02020603050405020304" pitchFamily="18" charset="0"/>
+              </a:rPr>
               <a:t> lets your app respond to user input in the target environment by updating your application data.</a:t>
             </a:r>
           </a:p>
@@ -6305,16 +6454,25 @@
               <a:buAutoNum type="arabicPeriod"/>
             </a:pPr>
             <a:r>
-              <a:rPr lang="en-US" i="1" dirty="0"/>
+              <a:rPr lang="en-US" sz="2200" i="1" dirty="0">
+                <a:latin typeface="Times New Roman" panose="02020603050405020304" pitchFamily="18" charset="0"/>
+                <a:cs typeface="Times New Roman" panose="02020603050405020304" pitchFamily="18" charset="0"/>
+              </a:rPr>
               <a:t>Property binding</a:t>
             </a:r>
             <a:r>
-              <a:rPr lang="en-US" dirty="0"/>
+              <a:rPr lang="en-US" sz="2200" dirty="0">
+                <a:latin typeface="Times New Roman" panose="02020603050405020304" pitchFamily="18" charset="0"/>
+                <a:cs typeface="Times New Roman" panose="02020603050405020304" pitchFamily="18" charset="0"/>
+              </a:rPr>
               <a:t> lets you interpolate values that are computed from your application data into the HTML.</a:t>
             </a:r>
           </a:p>
           <a:p>
-            <a:endParaRPr lang="en-US" dirty="0"/>
+            <a:endParaRPr lang="en-US" sz="2200" dirty="0">
+              <a:latin typeface="Times New Roman" panose="02020603050405020304" pitchFamily="18" charset="0"/>
+              <a:cs typeface="Times New Roman" panose="02020603050405020304" pitchFamily="18" charset="0"/>
+            </a:endParaRPr>
           </a:p>
         </p:txBody>
       </p:sp>
@@ -6322,6 +6480,207 @@
     <p:extLst>
       <p:ext uri="{BB962C8B-B14F-4D97-AF65-F5344CB8AC3E}">
         <p14:creationId xmlns:p14="http://schemas.microsoft.com/office/powerpoint/2010/main" val="2175551747"/>
+      </p:ext>
+    </p:extLst>
+  </p:cSld>
+  <p:clrMapOvr>
+    <a:masterClrMapping/>
+  </p:clrMapOvr>
+</p:sld>
+</file>
+
+<file path=ppt/slides/slide8.xml><?xml version="1.0" encoding="utf-8"?>
+<p:sld xmlns:a="http://schemas.openxmlformats.org/drawingml/2006/main" xmlns:r="http://schemas.openxmlformats.org/officeDocument/2006/relationships" xmlns:p="http://schemas.openxmlformats.org/presentationml/2006/main">
+  <p:cSld>
+    <p:spTree>
+      <p:nvGrpSpPr>
+        <p:cNvPr id="1" name=""/>
+        <p:cNvGrpSpPr/>
+        <p:nvPr/>
+      </p:nvGrpSpPr>
+      <p:grpSpPr>
+        <a:xfrm>
+          <a:off x="0" y="0"/>
+          <a:ext cx="0" cy="0"/>
+          <a:chOff x="0" y="0"/>
+          <a:chExt cx="0" cy="0"/>
+        </a:xfrm>
+      </p:grpSpPr>
+      <p:sp>
+        <p:nvSpPr>
+          <p:cNvPr id="2" name="Title 1"/>
+          <p:cNvSpPr>
+            <a:spLocks noGrp="1"/>
+          </p:cNvSpPr>
+          <p:nvPr>
+            <p:ph type="title"/>
+          </p:nvPr>
+        </p:nvSpPr>
+        <p:spPr/>
+        <p:txBody>
+          <a:bodyPr/>
+          <a:lstStyle/>
+          <a:p>
+            <a:r>
+              <a:rPr lang="en-US" dirty="0"/>
+              <a:t>Architecture overview</a:t>
+            </a:r>
+          </a:p>
+        </p:txBody>
+      </p:sp>
+      <p:sp>
+        <p:nvSpPr>
+          <p:cNvPr id="3" name="Content Placeholder 2"/>
+          <p:cNvSpPr>
+            <a:spLocks noGrp="1"/>
+          </p:cNvSpPr>
+          <p:nvPr>
+            <p:ph idx="1"/>
+          </p:nvPr>
+        </p:nvSpPr>
+        <p:spPr/>
+        <p:txBody>
+          <a:bodyPr>
+            <a:normAutofit/>
+          </a:bodyPr>
+          <a:lstStyle/>
+          <a:p>
+            <a:r>
+              <a:rPr lang="en-US" sz="2200" b="1" dirty="0">
+                <a:latin typeface="Times New Roman" panose="02020603050405020304" pitchFamily="18" charset="0"/>
+                <a:cs typeface="Times New Roman" panose="02020603050405020304" pitchFamily="18" charset="0"/>
+              </a:rPr>
+              <a:t>Input and </a:t>
+            </a:r>
+            <a:r>
+              <a:rPr lang="en-US" sz="2200" b="1" dirty="0" smtClean="0">
+                <a:latin typeface="Times New Roman" panose="02020603050405020304" pitchFamily="18" charset="0"/>
+                <a:cs typeface="Times New Roman" panose="02020603050405020304" pitchFamily="18" charset="0"/>
+              </a:rPr>
+              <a:t>Output: </a:t>
+            </a:r>
+            <a:r>
+              <a:rPr lang="en-US" sz="2200" i="1" dirty="0" smtClean="0">
+                <a:latin typeface="Times New Roman" panose="02020603050405020304" pitchFamily="18" charset="0"/>
+                <a:cs typeface="Times New Roman" panose="02020603050405020304" pitchFamily="18" charset="0"/>
+              </a:rPr>
+              <a:t>Input</a:t>
+            </a:r>
+            <a:r>
+              <a:rPr lang="en-US" sz="2200" dirty="0">
+                <a:latin typeface="Times New Roman" panose="02020603050405020304" pitchFamily="18" charset="0"/>
+                <a:cs typeface="Times New Roman" panose="02020603050405020304" pitchFamily="18" charset="0"/>
+              </a:rPr>
+              <a:t> properties usually receive data values. </a:t>
+            </a:r>
+            <a:r>
+              <a:rPr lang="en-US" sz="2200" i="1" dirty="0">
+                <a:latin typeface="Times New Roman" panose="02020603050405020304" pitchFamily="18" charset="0"/>
+                <a:cs typeface="Times New Roman" panose="02020603050405020304" pitchFamily="18" charset="0"/>
+              </a:rPr>
+              <a:t>Output</a:t>
+            </a:r>
+            <a:r>
+              <a:rPr lang="en-US" sz="2200" dirty="0">
+                <a:latin typeface="Times New Roman" panose="02020603050405020304" pitchFamily="18" charset="0"/>
+                <a:cs typeface="Times New Roman" panose="02020603050405020304" pitchFamily="18" charset="0"/>
+              </a:rPr>
+              <a:t> properties expose </a:t>
+            </a:r>
+            <a:r>
+              <a:rPr lang="en-US" sz="2200" i="1" dirty="0">
+                <a:latin typeface="Times New Roman" panose="02020603050405020304" pitchFamily="18" charset="0"/>
+                <a:cs typeface="Times New Roman" panose="02020603050405020304" pitchFamily="18" charset="0"/>
+              </a:rPr>
+              <a:t>Event</a:t>
+            </a:r>
+            <a:r>
+              <a:rPr lang="en-US" sz="2200" dirty="0">
+                <a:latin typeface="Times New Roman" panose="02020603050405020304" pitchFamily="18" charset="0"/>
+                <a:cs typeface="Times New Roman" panose="02020603050405020304" pitchFamily="18" charset="0"/>
+              </a:rPr>
+              <a:t> producers.</a:t>
+            </a:r>
+            <a:endParaRPr lang="en-US" sz="2200" b="1" dirty="0">
+              <a:latin typeface="Times New Roman" panose="02020603050405020304" pitchFamily="18" charset="0"/>
+              <a:cs typeface="Times New Roman" panose="02020603050405020304" pitchFamily="18" charset="0"/>
+            </a:endParaRPr>
+          </a:p>
+          <a:p>
+            <a:r>
+              <a:rPr lang="nl-NL" sz="2200" dirty="0" err="1" smtClean="0">
+                <a:latin typeface="Times New Roman" panose="02020603050405020304" pitchFamily="18" charset="0"/>
+                <a:cs typeface="Times New Roman" panose="02020603050405020304" pitchFamily="18" charset="0"/>
+              </a:rPr>
+              <a:t>To</a:t>
+            </a:r>
+            <a:r>
+              <a:rPr lang="nl-NL" sz="2200" dirty="0" smtClean="0">
+                <a:latin typeface="Times New Roman" panose="02020603050405020304" pitchFamily="18" charset="0"/>
+                <a:cs typeface="Times New Roman" panose="02020603050405020304" pitchFamily="18" charset="0"/>
+              </a:rPr>
+              <a:t> </a:t>
+            </a:r>
+            <a:r>
+              <a:rPr lang="nl-NL" sz="2200" dirty="0" err="1" smtClean="0">
+                <a:latin typeface="Times New Roman" panose="02020603050405020304" pitchFamily="18" charset="0"/>
+                <a:cs typeface="Times New Roman" panose="02020603050405020304" pitchFamily="18" charset="0"/>
+              </a:rPr>
+              <a:t>define</a:t>
+            </a:r>
+            <a:r>
+              <a:rPr lang="nl-NL" sz="2200" dirty="0" smtClean="0">
+                <a:latin typeface="Times New Roman" panose="02020603050405020304" pitchFamily="18" charset="0"/>
+                <a:cs typeface="Times New Roman" panose="02020603050405020304" pitchFamily="18" charset="0"/>
+              </a:rPr>
+              <a:t> Input </a:t>
+            </a:r>
+            <a:r>
+              <a:rPr lang="nl-NL" sz="2200" dirty="0" err="1" smtClean="0">
+                <a:latin typeface="Times New Roman" panose="02020603050405020304" pitchFamily="18" charset="0"/>
+                <a:cs typeface="Times New Roman" panose="02020603050405020304" pitchFamily="18" charset="0"/>
+              </a:rPr>
+              <a:t>and</a:t>
+            </a:r>
+            <a:r>
+              <a:rPr lang="nl-NL" sz="2200" dirty="0" smtClean="0">
+                <a:latin typeface="Times New Roman" panose="02020603050405020304" pitchFamily="18" charset="0"/>
+                <a:cs typeface="Times New Roman" panose="02020603050405020304" pitchFamily="18" charset="0"/>
+              </a:rPr>
+              <a:t> Output </a:t>
+            </a:r>
+            <a:r>
+              <a:rPr lang="nl-NL" sz="2200" dirty="0" err="1" smtClean="0">
+                <a:latin typeface="Times New Roman" panose="02020603050405020304" pitchFamily="18" charset="0"/>
+                <a:cs typeface="Times New Roman" panose="02020603050405020304" pitchFamily="18" charset="0"/>
+              </a:rPr>
+              <a:t>use</a:t>
+            </a:r>
+            <a:r>
+              <a:rPr lang="nl-NL" sz="2200" dirty="0" smtClean="0">
+                <a:latin typeface="Times New Roman" panose="02020603050405020304" pitchFamily="18" charset="0"/>
+                <a:cs typeface="Times New Roman" panose="02020603050405020304" pitchFamily="18" charset="0"/>
+              </a:rPr>
+              <a:t> @Input &amp; @Output </a:t>
+            </a:r>
+            <a:r>
+              <a:rPr lang="nl-NL" sz="2200" dirty="0" err="1" smtClean="0">
+                <a:latin typeface="Times New Roman" panose="02020603050405020304" pitchFamily="18" charset="0"/>
+                <a:cs typeface="Times New Roman" panose="02020603050405020304" pitchFamily="18" charset="0"/>
+              </a:rPr>
+              <a:t>decorator</a:t>
+            </a:r>
+            <a:endParaRPr lang="en-US" sz="2200" dirty="0">
+              <a:latin typeface="Times New Roman" panose="02020603050405020304" pitchFamily="18" charset="0"/>
+              <a:cs typeface="Times New Roman" panose="02020603050405020304" pitchFamily="18" charset="0"/>
+            </a:endParaRPr>
+          </a:p>
+        </p:txBody>
+      </p:sp>
+    </p:spTree>
+    <p:extLst>
+      <p:ext uri="{BB962C8B-B14F-4D97-AF65-F5344CB8AC3E}">
+        <p14:creationId xmlns:p14="http://schemas.microsoft.com/office/powerpoint/2010/main" val="3308716006"/>
       </p:ext>
     </p:extLst>
   </p:cSld>

--- a/Angular Workshop/Angular Workshop.pptx
+++ b/Angular Workshop/Angular Workshop.pptx
@@ -5,7 +5,7 @@
     <p:sldMasterId id="2147483790" r:id="rId1"/>
   </p:sldMasterIdLst>
   <p:notesMasterIdLst>
-    <p:notesMasterId r:id="rId10"/>
+    <p:notesMasterId r:id="rId11"/>
   </p:notesMasterIdLst>
   <p:sldIdLst>
     <p:sldId id="256" r:id="rId2"/>
@@ -16,6 +16,7 @@
     <p:sldId id="261" r:id="rId7"/>
     <p:sldId id="262" r:id="rId8"/>
     <p:sldId id="263" r:id="rId9"/>
+    <p:sldId id="264" r:id="rId10"/>
   </p:sldIdLst>
   <p:sldSz cx="12192000" cy="6858000"/>
   <p:notesSz cx="6858000" cy="9144000"/>
@@ -6681,6 +6682,365 @@
     <p:extLst>
       <p:ext uri="{BB962C8B-B14F-4D97-AF65-F5344CB8AC3E}">
         <p14:creationId xmlns:p14="http://schemas.microsoft.com/office/powerpoint/2010/main" val="3308716006"/>
+      </p:ext>
+    </p:extLst>
+  </p:cSld>
+  <p:clrMapOvr>
+    <a:masterClrMapping/>
+  </p:clrMapOvr>
+</p:sld>
+</file>
+
+<file path=ppt/slides/slide9.xml><?xml version="1.0" encoding="utf-8"?>
+<p:sld xmlns:a="http://schemas.openxmlformats.org/drawingml/2006/main" xmlns:r="http://schemas.openxmlformats.org/officeDocument/2006/relationships" xmlns:p="http://schemas.openxmlformats.org/presentationml/2006/main">
+  <p:cSld>
+    <p:spTree>
+      <p:nvGrpSpPr>
+        <p:cNvPr id="1" name=""/>
+        <p:cNvGrpSpPr/>
+        <p:nvPr/>
+      </p:nvGrpSpPr>
+      <p:grpSpPr>
+        <a:xfrm>
+          <a:off x="0" y="0"/>
+          <a:ext cx="0" cy="0"/>
+          <a:chOff x="0" y="0"/>
+          <a:chExt cx="0" cy="0"/>
+        </a:xfrm>
+      </p:grpSpPr>
+      <p:sp>
+        <p:nvSpPr>
+          <p:cNvPr id="2" name="Title 1"/>
+          <p:cNvSpPr>
+            <a:spLocks noGrp="1"/>
+          </p:cNvSpPr>
+          <p:nvPr>
+            <p:ph type="title"/>
+          </p:nvPr>
+        </p:nvSpPr>
+        <p:spPr/>
+        <p:txBody>
+          <a:bodyPr/>
+          <a:lstStyle/>
+          <a:p>
+            <a:r>
+              <a:rPr lang="en-US" dirty="0"/>
+              <a:t>Architecture overview</a:t>
+            </a:r>
+          </a:p>
+        </p:txBody>
+      </p:sp>
+      <p:sp>
+        <p:nvSpPr>
+          <p:cNvPr id="3" name="Content Placeholder 2"/>
+          <p:cNvSpPr>
+            <a:spLocks noGrp="1"/>
+          </p:cNvSpPr>
+          <p:nvPr>
+            <p:ph idx="1"/>
+          </p:nvPr>
+        </p:nvSpPr>
+        <p:spPr/>
+        <p:txBody>
+          <a:bodyPr>
+            <a:normAutofit/>
+          </a:bodyPr>
+          <a:lstStyle/>
+          <a:p>
+            <a:r>
+              <a:rPr lang="en-US" sz="2200" b="1" dirty="0" smtClean="0">
+                <a:latin typeface="Times New Roman" panose="02020603050405020304" pitchFamily="18" charset="0"/>
+                <a:cs typeface="Times New Roman" panose="02020603050405020304" pitchFamily="18" charset="0"/>
+              </a:rPr>
+              <a:t>Directives: </a:t>
+            </a:r>
+            <a:r>
+              <a:rPr lang="en-US" sz="2200" dirty="0">
+                <a:latin typeface="Times New Roman" panose="02020603050405020304" pitchFamily="18" charset="0"/>
+                <a:cs typeface="Times New Roman" panose="02020603050405020304" pitchFamily="18" charset="0"/>
+              </a:rPr>
+              <a:t>In </a:t>
+            </a:r>
+            <a:r>
+              <a:rPr lang="en-US" sz="2200" i="1" dirty="0">
+                <a:latin typeface="Times New Roman" panose="02020603050405020304" pitchFamily="18" charset="0"/>
+                <a:cs typeface="Times New Roman" panose="02020603050405020304" pitchFamily="18" charset="0"/>
+              </a:rPr>
+              <a:t>Angular</a:t>
+            </a:r>
+            <a:r>
+              <a:rPr lang="en-US" sz="2200" dirty="0">
+                <a:latin typeface="Times New Roman" panose="02020603050405020304" pitchFamily="18" charset="0"/>
+                <a:cs typeface="Times New Roman" panose="02020603050405020304" pitchFamily="18" charset="0"/>
+              </a:rPr>
+              <a:t>, there are three kinds of </a:t>
+            </a:r>
+            <a:r>
+              <a:rPr lang="en-US" sz="2200" i="1" dirty="0">
+                <a:latin typeface="Times New Roman" panose="02020603050405020304" pitchFamily="18" charset="0"/>
+                <a:cs typeface="Times New Roman" panose="02020603050405020304" pitchFamily="18" charset="0"/>
+              </a:rPr>
+              <a:t>Directives</a:t>
+            </a:r>
+            <a:r>
+              <a:rPr lang="en-US" sz="2200" dirty="0">
+                <a:latin typeface="Times New Roman" panose="02020603050405020304" pitchFamily="18" charset="0"/>
+                <a:cs typeface="Times New Roman" panose="02020603050405020304" pitchFamily="18" charset="0"/>
+              </a:rPr>
+              <a:t>:</a:t>
+            </a:r>
+          </a:p>
+          <a:p>
+            <a:r>
+              <a:rPr lang="en-US" sz="2200" i="1" dirty="0">
+                <a:latin typeface="Times New Roman" panose="02020603050405020304" pitchFamily="18" charset="0"/>
+                <a:cs typeface="Times New Roman" panose="02020603050405020304" pitchFamily="18" charset="0"/>
+              </a:rPr>
+              <a:t>Components</a:t>
+            </a:r>
+            <a:r>
+              <a:rPr lang="en-US" sz="2200" dirty="0">
+                <a:latin typeface="Times New Roman" panose="02020603050405020304" pitchFamily="18" charset="0"/>
+                <a:cs typeface="Times New Roman" panose="02020603050405020304" pitchFamily="18" charset="0"/>
+              </a:rPr>
+              <a:t> — </a:t>
+            </a:r>
+            <a:r>
+              <a:rPr lang="en-US" sz="2200" i="1" dirty="0">
+                <a:latin typeface="Times New Roman" panose="02020603050405020304" pitchFamily="18" charset="0"/>
+                <a:cs typeface="Times New Roman" panose="02020603050405020304" pitchFamily="18" charset="0"/>
+              </a:rPr>
+              <a:t>Directives</a:t>
+            </a:r>
+            <a:r>
+              <a:rPr lang="en-US" sz="2200" dirty="0">
+                <a:latin typeface="Times New Roman" panose="02020603050405020304" pitchFamily="18" charset="0"/>
+                <a:cs typeface="Times New Roman" panose="02020603050405020304" pitchFamily="18" charset="0"/>
+              </a:rPr>
+              <a:t> with a template</a:t>
+            </a:r>
+          </a:p>
+          <a:p>
+            <a:r>
+              <a:rPr lang="en-US" sz="2200" i="1" dirty="0">
+                <a:latin typeface="Times New Roman" panose="02020603050405020304" pitchFamily="18" charset="0"/>
+                <a:cs typeface="Times New Roman" panose="02020603050405020304" pitchFamily="18" charset="0"/>
+              </a:rPr>
+              <a:t>Structural Directives</a:t>
+            </a:r>
+            <a:r>
+              <a:rPr lang="en-US" sz="2200" dirty="0">
+                <a:latin typeface="Times New Roman" panose="02020603050405020304" pitchFamily="18" charset="0"/>
+                <a:cs typeface="Times New Roman" panose="02020603050405020304" pitchFamily="18" charset="0"/>
+              </a:rPr>
+              <a:t> — change the </a:t>
+            </a:r>
+            <a:r>
+              <a:rPr lang="en-US" sz="2200" i="1" dirty="0">
+                <a:latin typeface="Times New Roman" panose="02020603050405020304" pitchFamily="18" charset="0"/>
+                <a:cs typeface="Times New Roman" panose="02020603050405020304" pitchFamily="18" charset="0"/>
+              </a:rPr>
+              <a:t>DOM</a:t>
+            </a:r>
+            <a:r>
+              <a:rPr lang="en-US" sz="2200" dirty="0">
+                <a:latin typeface="Times New Roman" panose="02020603050405020304" pitchFamily="18" charset="0"/>
+                <a:cs typeface="Times New Roman" panose="02020603050405020304" pitchFamily="18" charset="0"/>
+              </a:rPr>
+              <a:t> layout by adding and removing </a:t>
+            </a:r>
+            <a:r>
+              <a:rPr lang="en-US" sz="2200" i="1" dirty="0">
+                <a:latin typeface="Times New Roman" panose="02020603050405020304" pitchFamily="18" charset="0"/>
+                <a:cs typeface="Times New Roman" panose="02020603050405020304" pitchFamily="18" charset="0"/>
+              </a:rPr>
+              <a:t>DOM</a:t>
+            </a:r>
+            <a:r>
+              <a:rPr lang="en-US" sz="2200" dirty="0">
+                <a:latin typeface="Times New Roman" panose="02020603050405020304" pitchFamily="18" charset="0"/>
+                <a:cs typeface="Times New Roman" panose="02020603050405020304" pitchFamily="18" charset="0"/>
+              </a:rPr>
+              <a:t> elements</a:t>
+            </a:r>
+          </a:p>
+          <a:p>
+            <a:r>
+              <a:rPr lang="en-US" sz="2200" i="1" dirty="0">
+                <a:latin typeface="Times New Roman" panose="02020603050405020304" pitchFamily="18" charset="0"/>
+                <a:cs typeface="Times New Roman" panose="02020603050405020304" pitchFamily="18" charset="0"/>
+              </a:rPr>
+              <a:t>Attribute Directives</a:t>
+            </a:r>
+            <a:r>
+              <a:rPr lang="en-US" sz="2200" dirty="0">
+                <a:latin typeface="Times New Roman" panose="02020603050405020304" pitchFamily="18" charset="0"/>
+                <a:cs typeface="Times New Roman" panose="02020603050405020304" pitchFamily="18" charset="0"/>
+              </a:rPr>
+              <a:t> — change the appearance or behavior of an element, </a:t>
+            </a:r>
+            <a:r>
+              <a:rPr lang="en-US" sz="2200" i="1" dirty="0">
+                <a:latin typeface="Times New Roman" panose="02020603050405020304" pitchFamily="18" charset="0"/>
+                <a:cs typeface="Times New Roman" panose="02020603050405020304" pitchFamily="18" charset="0"/>
+              </a:rPr>
+              <a:t>Component</a:t>
+            </a:r>
+            <a:r>
+              <a:rPr lang="en-US" sz="2200" dirty="0">
+                <a:latin typeface="Times New Roman" panose="02020603050405020304" pitchFamily="18" charset="0"/>
+                <a:cs typeface="Times New Roman" panose="02020603050405020304" pitchFamily="18" charset="0"/>
+              </a:rPr>
+              <a:t>, or another </a:t>
+            </a:r>
+            <a:r>
+              <a:rPr lang="en-US" sz="2200" i="1" dirty="0">
+                <a:latin typeface="Times New Roman" panose="02020603050405020304" pitchFamily="18" charset="0"/>
+                <a:cs typeface="Times New Roman" panose="02020603050405020304" pitchFamily="18" charset="0"/>
+              </a:rPr>
+              <a:t>Directive</a:t>
+            </a:r>
+            <a:endParaRPr lang="en-US" sz="2200" dirty="0">
+              <a:latin typeface="Times New Roman" panose="02020603050405020304" pitchFamily="18" charset="0"/>
+              <a:cs typeface="Times New Roman" panose="02020603050405020304" pitchFamily="18" charset="0"/>
+            </a:endParaRPr>
+          </a:p>
+          <a:p>
+            <a:r>
+              <a:rPr lang="en-US" sz="2200" i="1" dirty="0">
+                <a:latin typeface="Times New Roman" panose="02020603050405020304" pitchFamily="18" charset="0"/>
+                <a:cs typeface="Times New Roman" panose="02020603050405020304" pitchFamily="18" charset="0"/>
+              </a:rPr>
+              <a:t>Structural Directives</a:t>
+            </a:r>
+            <a:r>
+              <a:rPr lang="en-US" sz="2200" dirty="0">
+                <a:latin typeface="Times New Roman" panose="02020603050405020304" pitchFamily="18" charset="0"/>
+                <a:cs typeface="Times New Roman" panose="02020603050405020304" pitchFamily="18" charset="0"/>
+              </a:rPr>
+              <a:t> change the structure of the </a:t>
+            </a:r>
+            <a:r>
+              <a:rPr lang="en-US" sz="2200" i="1" dirty="0">
+                <a:latin typeface="Times New Roman" panose="02020603050405020304" pitchFamily="18" charset="0"/>
+                <a:cs typeface="Times New Roman" panose="02020603050405020304" pitchFamily="18" charset="0"/>
+              </a:rPr>
+              <a:t>View</a:t>
+            </a:r>
+            <a:r>
+              <a:rPr lang="en-US" sz="2200" dirty="0">
+                <a:latin typeface="Times New Roman" panose="02020603050405020304" pitchFamily="18" charset="0"/>
+                <a:cs typeface="Times New Roman" panose="02020603050405020304" pitchFamily="18" charset="0"/>
+              </a:rPr>
+              <a:t>. They are things like </a:t>
+            </a:r>
+            <a:r>
+              <a:rPr lang="en-US" sz="2200" dirty="0" smtClean="0">
+                <a:latin typeface="Times New Roman" panose="02020603050405020304" pitchFamily="18" charset="0"/>
+                <a:cs typeface="Times New Roman" panose="02020603050405020304" pitchFamily="18" charset="0"/>
+              </a:rPr>
+              <a:t>“</a:t>
+            </a:r>
+            <a:r>
+              <a:rPr lang="en-US" sz="2200" i="1" dirty="0" err="1" smtClean="0">
+                <a:latin typeface="Times New Roman" panose="02020603050405020304" pitchFamily="18" charset="0"/>
+                <a:cs typeface="Times New Roman" panose="02020603050405020304" pitchFamily="18" charset="0"/>
+              </a:rPr>
+              <a:t>NgFor</a:t>
+            </a:r>
+            <a:r>
+              <a:rPr lang="en-US" sz="2200" dirty="0" smtClean="0">
+                <a:latin typeface="Times New Roman" panose="02020603050405020304" pitchFamily="18" charset="0"/>
+                <a:cs typeface="Times New Roman" panose="02020603050405020304" pitchFamily="18" charset="0"/>
+              </a:rPr>
+              <a:t>” </a:t>
+            </a:r>
+            <a:r>
+              <a:rPr lang="en-US" sz="2200" dirty="0">
+                <a:latin typeface="Times New Roman" panose="02020603050405020304" pitchFamily="18" charset="0"/>
+                <a:cs typeface="Times New Roman" panose="02020603050405020304" pitchFamily="18" charset="0"/>
+              </a:rPr>
+              <a:t>or “</a:t>
+            </a:r>
+            <a:r>
+              <a:rPr lang="en-US" sz="2200" i="1" dirty="0" err="1" smtClean="0">
+                <a:latin typeface="Times New Roman" panose="02020603050405020304" pitchFamily="18" charset="0"/>
+                <a:cs typeface="Times New Roman" panose="02020603050405020304" pitchFamily="18" charset="0"/>
+              </a:rPr>
+              <a:t>NgIf</a:t>
+            </a:r>
+            <a:r>
+              <a:rPr lang="en-US" sz="2200" dirty="0">
+                <a:latin typeface="Times New Roman" panose="02020603050405020304" pitchFamily="18" charset="0"/>
+                <a:cs typeface="Times New Roman" panose="02020603050405020304" pitchFamily="18" charset="0"/>
+              </a:rPr>
+              <a:t> ”</a:t>
+            </a:r>
+            <a:endParaRPr lang="en-US" sz="2200" i="1" dirty="0" smtClean="0">
+              <a:latin typeface="Times New Roman" panose="02020603050405020304" pitchFamily="18" charset="0"/>
+              <a:cs typeface="Times New Roman" panose="02020603050405020304" pitchFamily="18" charset="0"/>
+            </a:endParaRPr>
+          </a:p>
+          <a:p>
+            <a:r>
+              <a:rPr lang="en-US" sz="2200" i="1" dirty="0">
+                <a:latin typeface="Times New Roman" panose="02020603050405020304" pitchFamily="18" charset="0"/>
+                <a:cs typeface="Times New Roman" panose="02020603050405020304" pitchFamily="18" charset="0"/>
+              </a:rPr>
+              <a:t>Attribute Directives</a:t>
+            </a:r>
+            <a:r>
+              <a:rPr lang="en-US" sz="2200" dirty="0">
+                <a:latin typeface="Times New Roman" panose="02020603050405020304" pitchFamily="18" charset="0"/>
+                <a:cs typeface="Times New Roman" panose="02020603050405020304" pitchFamily="18" charset="0"/>
+              </a:rPr>
+              <a:t> are used as attributes of elements. They are things like “</a:t>
+            </a:r>
+            <a:r>
+              <a:rPr lang="en-US" sz="2200" i="1" dirty="0" err="1">
+                <a:latin typeface="Times New Roman" panose="02020603050405020304" pitchFamily="18" charset="0"/>
+                <a:cs typeface="Times New Roman" panose="02020603050405020304" pitchFamily="18" charset="0"/>
+              </a:rPr>
+              <a:t>NgClass</a:t>
+            </a:r>
+            <a:r>
+              <a:rPr lang="en-US" sz="2200" dirty="0">
+                <a:latin typeface="Times New Roman" panose="02020603050405020304" pitchFamily="18" charset="0"/>
+                <a:cs typeface="Times New Roman" panose="02020603050405020304" pitchFamily="18" charset="0"/>
+              </a:rPr>
+              <a:t>” or “</a:t>
+            </a:r>
+            <a:r>
+              <a:rPr lang="en-US" sz="2200" i="1" dirty="0" err="1">
+                <a:latin typeface="Times New Roman" panose="02020603050405020304" pitchFamily="18" charset="0"/>
+                <a:cs typeface="Times New Roman" panose="02020603050405020304" pitchFamily="18" charset="0"/>
+              </a:rPr>
+              <a:t>NgStyle</a:t>
+            </a:r>
+            <a:r>
+              <a:rPr lang="en-US" sz="2200" dirty="0">
+                <a:latin typeface="Times New Roman" panose="02020603050405020304" pitchFamily="18" charset="0"/>
+                <a:cs typeface="Times New Roman" panose="02020603050405020304" pitchFamily="18" charset="0"/>
+              </a:rPr>
+              <a:t>”</a:t>
+            </a:r>
+            <a:endParaRPr lang="en-US" sz="2200" b="1" dirty="0">
+              <a:latin typeface="Times New Roman" panose="02020603050405020304" pitchFamily="18" charset="0"/>
+              <a:cs typeface="Times New Roman" panose="02020603050405020304" pitchFamily="18" charset="0"/>
+            </a:endParaRPr>
+          </a:p>
+          <a:p>
+            <a:endParaRPr lang="en-US" sz="2200" dirty="0">
+              <a:latin typeface="Times New Roman" panose="02020603050405020304" pitchFamily="18" charset="0"/>
+              <a:cs typeface="Times New Roman" panose="02020603050405020304" pitchFamily="18" charset="0"/>
+            </a:endParaRPr>
+          </a:p>
+        </p:txBody>
+      </p:sp>
+    </p:spTree>
+    <p:extLst>
+      <p:ext uri="{BB962C8B-B14F-4D97-AF65-F5344CB8AC3E}">
+        <p14:creationId xmlns:p14="http://schemas.microsoft.com/office/powerpoint/2010/main" val="1509492865"/>
       </p:ext>
     </p:extLst>
   </p:cSld>

--- a/Angular Workshop/Angular Workshop.pptx
+++ b/Angular Workshop/Angular Workshop.pptx
@@ -5,7 +5,7 @@
     <p:sldMasterId id="2147483790" r:id="rId1"/>
   </p:sldMasterIdLst>
   <p:notesMasterIdLst>
-    <p:notesMasterId r:id="rId11"/>
+    <p:notesMasterId r:id="rId12"/>
   </p:notesMasterIdLst>
   <p:sldIdLst>
     <p:sldId id="256" r:id="rId2"/>
@@ -17,6 +17,7 @@
     <p:sldId id="262" r:id="rId8"/>
     <p:sldId id="263" r:id="rId9"/>
     <p:sldId id="264" r:id="rId10"/>
+    <p:sldId id="265" r:id="rId11"/>
   </p:sldIdLst>
   <p:sldSz cx="12192000" cy="6858000"/>
   <p:notesSz cx="6858000" cy="9144000"/>
@@ -4580,6 +4581,199 @@
       </p:par>
     </p:tnLst>
   </p:timing>
+</p:sld>
+</file>
+
+<file path=ppt/slides/slide10.xml><?xml version="1.0" encoding="utf-8"?>
+<p:sld xmlns:a="http://schemas.openxmlformats.org/drawingml/2006/main" xmlns:r="http://schemas.openxmlformats.org/officeDocument/2006/relationships" xmlns:p="http://schemas.openxmlformats.org/presentationml/2006/main">
+  <p:cSld>
+    <p:spTree>
+      <p:nvGrpSpPr>
+        <p:cNvPr id="1" name=""/>
+        <p:cNvGrpSpPr/>
+        <p:nvPr/>
+      </p:nvGrpSpPr>
+      <p:grpSpPr>
+        <a:xfrm>
+          <a:off x="0" y="0"/>
+          <a:ext cx="0" cy="0"/>
+          <a:chOff x="0" y="0"/>
+          <a:chExt cx="0" cy="0"/>
+        </a:xfrm>
+      </p:grpSpPr>
+      <p:sp>
+        <p:nvSpPr>
+          <p:cNvPr id="2" name="Title 1"/>
+          <p:cNvSpPr>
+            <a:spLocks noGrp="1"/>
+          </p:cNvSpPr>
+          <p:nvPr>
+            <p:ph type="title"/>
+          </p:nvPr>
+        </p:nvSpPr>
+        <p:spPr/>
+        <p:txBody>
+          <a:bodyPr/>
+          <a:lstStyle/>
+          <a:p>
+            <a:r>
+              <a:rPr lang="en-US" dirty="0"/>
+              <a:t>Architecture overview</a:t>
+            </a:r>
+          </a:p>
+        </p:txBody>
+      </p:sp>
+      <p:sp>
+        <p:nvSpPr>
+          <p:cNvPr id="3" name="Content Placeholder 2"/>
+          <p:cNvSpPr>
+            <a:spLocks noGrp="1"/>
+          </p:cNvSpPr>
+          <p:nvPr>
+            <p:ph idx="1"/>
+          </p:nvPr>
+        </p:nvSpPr>
+        <p:spPr/>
+        <p:txBody>
+          <a:bodyPr/>
+          <a:lstStyle/>
+          <a:p>
+            <a:r>
+              <a:rPr lang="en-US" b="1" dirty="0" smtClean="0">
+                <a:latin typeface="Times New Roman" panose="02020603050405020304" pitchFamily="18" charset="0"/>
+                <a:cs typeface="Times New Roman" panose="02020603050405020304" pitchFamily="18" charset="0"/>
+              </a:rPr>
+              <a:t>Pipes: </a:t>
+            </a:r>
+            <a:r>
+              <a:rPr lang="en-US" i="1" dirty="0" smtClean="0">
+                <a:latin typeface="Times New Roman" panose="02020603050405020304" pitchFamily="18" charset="0"/>
+                <a:cs typeface="Times New Roman" panose="02020603050405020304" pitchFamily="18" charset="0"/>
+              </a:rPr>
+              <a:t>Pipes</a:t>
+            </a:r>
+            <a:r>
+              <a:rPr lang="en-US" dirty="0">
+                <a:latin typeface="Times New Roman" panose="02020603050405020304" pitchFamily="18" charset="0"/>
+                <a:cs typeface="Times New Roman" panose="02020603050405020304" pitchFamily="18" charset="0"/>
+              </a:rPr>
+              <a:t> are a way to operate some transformations over data before displaying them. </a:t>
+            </a:r>
+            <a:r>
+              <a:rPr lang="en-US" i="1" dirty="0">
+                <a:latin typeface="Times New Roman" panose="02020603050405020304" pitchFamily="18" charset="0"/>
+                <a:cs typeface="Times New Roman" panose="02020603050405020304" pitchFamily="18" charset="0"/>
+              </a:rPr>
+              <a:t>Angular</a:t>
+            </a:r>
+            <a:r>
+              <a:rPr lang="en-US" dirty="0">
+                <a:latin typeface="Times New Roman" panose="02020603050405020304" pitchFamily="18" charset="0"/>
+                <a:cs typeface="Times New Roman" panose="02020603050405020304" pitchFamily="18" charset="0"/>
+              </a:rPr>
+              <a:t> comes with several built-in </a:t>
+            </a:r>
+            <a:r>
+              <a:rPr lang="en-US" i="1" dirty="0">
+                <a:latin typeface="Times New Roman" panose="02020603050405020304" pitchFamily="18" charset="0"/>
+                <a:cs typeface="Times New Roman" panose="02020603050405020304" pitchFamily="18" charset="0"/>
+              </a:rPr>
+              <a:t>Pipes</a:t>
+            </a:r>
+            <a:endParaRPr lang="en-US" b="1" dirty="0">
+              <a:latin typeface="Times New Roman" panose="02020603050405020304" pitchFamily="18" charset="0"/>
+              <a:cs typeface="Times New Roman" panose="02020603050405020304" pitchFamily="18" charset="0"/>
+            </a:endParaRPr>
+          </a:p>
+          <a:p>
+            <a:r>
+              <a:rPr lang="en-US" dirty="0">
+                <a:latin typeface="Times New Roman" panose="02020603050405020304" pitchFamily="18" charset="0"/>
+                <a:cs typeface="Times New Roman" panose="02020603050405020304" pitchFamily="18" charset="0"/>
+              </a:rPr>
+              <a:t>We are also able to create our own </a:t>
+            </a:r>
+            <a:r>
+              <a:rPr lang="en-US" i="1" dirty="0">
+                <a:latin typeface="Times New Roman" panose="02020603050405020304" pitchFamily="18" charset="0"/>
+                <a:cs typeface="Times New Roman" panose="02020603050405020304" pitchFamily="18" charset="0"/>
+              </a:rPr>
+              <a:t>Pipes</a:t>
+            </a:r>
+            <a:r>
+              <a:rPr lang="en-US" dirty="0">
+                <a:latin typeface="Times New Roman" panose="02020603050405020304" pitchFamily="18" charset="0"/>
+                <a:cs typeface="Times New Roman" panose="02020603050405020304" pitchFamily="18" charset="0"/>
+              </a:rPr>
+              <a:t> by using the “</a:t>
+            </a:r>
+            <a:r>
+              <a:rPr lang="en-US" i="1" dirty="0">
+                <a:latin typeface="Times New Roman" panose="02020603050405020304" pitchFamily="18" charset="0"/>
+                <a:cs typeface="Times New Roman" panose="02020603050405020304" pitchFamily="18" charset="0"/>
+              </a:rPr>
+              <a:t>@Pipe</a:t>
+            </a:r>
+            <a:r>
+              <a:rPr lang="en-US" dirty="0">
+                <a:latin typeface="Times New Roman" panose="02020603050405020304" pitchFamily="18" charset="0"/>
+                <a:cs typeface="Times New Roman" panose="02020603050405020304" pitchFamily="18" charset="0"/>
+              </a:rPr>
+              <a:t>” decorator </a:t>
+            </a:r>
+            <a:endParaRPr lang="en-US" dirty="0" smtClean="0">
+              <a:latin typeface="Times New Roman" panose="02020603050405020304" pitchFamily="18" charset="0"/>
+              <a:cs typeface="Times New Roman" panose="02020603050405020304" pitchFamily="18" charset="0"/>
+            </a:endParaRPr>
+          </a:p>
+          <a:p>
+            <a:endParaRPr lang="en-US" dirty="0">
+              <a:latin typeface="Times New Roman" panose="02020603050405020304" pitchFamily="18" charset="0"/>
+              <a:cs typeface="Times New Roman" panose="02020603050405020304" pitchFamily="18" charset="0"/>
+            </a:endParaRPr>
+          </a:p>
+        </p:txBody>
+      </p:sp>
+      <p:pic>
+        <p:nvPicPr>
+          <p:cNvPr id="5" name="Picture 4"/>
+          <p:cNvPicPr>
+            <a:picLocks noChangeAspect="1"/>
+          </p:cNvPicPr>
+          <p:nvPr/>
+        </p:nvPicPr>
+        <p:blipFill>
+          <a:blip r:embed="rId2">
+            <a:extLst>
+              <a:ext uri="{28A0092B-C50C-407E-A947-70E740481C1C}">
+                <a14:useLocalDpi xmlns:a14="http://schemas.microsoft.com/office/drawing/2010/main" val="0"/>
+              </a:ext>
+            </a:extLst>
+          </a:blip>
+          <a:stretch>
+            <a:fillRect/>
+          </a:stretch>
+        </p:blipFill>
+        <p:spPr>
+          <a:xfrm>
+            <a:off x="1158240" y="3460007"/>
+            <a:ext cx="9204960" cy="3162861"/>
+          </a:xfrm>
+          <a:prstGeom prst="rect">
+            <a:avLst/>
+          </a:prstGeom>
+        </p:spPr>
+      </p:pic>
+    </p:spTree>
+    <p:extLst>
+      <p:ext uri="{BB962C8B-B14F-4D97-AF65-F5344CB8AC3E}">
+        <p14:creationId xmlns:p14="http://schemas.microsoft.com/office/powerpoint/2010/main" val="2303385539"/>
+      </p:ext>
+    </p:extLst>
+  </p:cSld>
+  <p:clrMapOvr>
+    <a:masterClrMapping/>
+  </p:clrMapOvr>
 </p:sld>
 </file>
 

--- a/Angular Workshop/Angular Workshop.pptx
+++ b/Angular Workshop/Angular Workshop.pptx
@@ -5,7 +5,7 @@
     <p:sldMasterId id="2147483790" r:id="rId1"/>
   </p:sldMasterIdLst>
   <p:notesMasterIdLst>
-    <p:notesMasterId r:id="rId12"/>
+    <p:notesMasterId r:id="rId13"/>
   </p:notesMasterIdLst>
   <p:sldIdLst>
     <p:sldId id="256" r:id="rId2"/>
@@ -18,6 +18,7 @@
     <p:sldId id="263" r:id="rId9"/>
     <p:sldId id="264" r:id="rId10"/>
     <p:sldId id="265" r:id="rId11"/>
+    <p:sldId id="266" r:id="rId12"/>
   </p:sldIdLst>
   <p:sldSz cx="12192000" cy="6858000"/>
   <p:notesSz cx="6858000" cy="9144000"/>
@@ -4774,6 +4775,215 @@
   <p:clrMapOvr>
     <a:masterClrMapping/>
   </p:clrMapOvr>
+  <p:timing>
+    <p:tnLst>
+      <p:par>
+        <p:cTn id="1" dur="indefinite" restart="never" nodeType="tmRoot"/>
+      </p:par>
+    </p:tnLst>
+  </p:timing>
+</p:sld>
+</file>
+
+<file path=ppt/slides/slide11.xml><?xml version="1.0" encoding="utf-8"?>
+<p:sld xmlns:a="http://schemas.openxmlformats.org/drawingml/2006/main" xmlns:r="http://schemas.openxmlformats.org/officeDocument/2006/relationships" xmlns:p="http://schemas.openxmlformats.org/presentationml/2006/main">
+  <p:cSld>
+    <p:spTree>
+      <p:nvGrpSpPr>
+        <p:cNvPr id="1" name=""/>
+        <p:cNvGrpSpPr/>
+        <p:nvPr/>
+      </p:nvGrpSpPr>
+      <p:grpSpPr>
+        <a:xfrm>
+          <a:off x="0" y="0"/>
+          <a:ext cx="0" cy="0"/>
+          <a:chOff x="0" y="0"/>
+          <a:chExt cx="0" cy="0"/>
+        </a:xfrm>
+      </p:grpSpPr>
+      <p:sp>
+        <p:nvSpPr>
+          <p:cNvPr id="2" name="Title 1"/>
+          <p:cNvSpPr>
+            <a:spLocks noGrp="1"/>
+          </p:cNvSpPr>
+          <p:nvPr>
+            <p:ph type="title"/>
+          </p:nvPr>
+        </p:nvSpPr>
+        <p:spPr/>
+        <p:txBody>
+          <a:bodyPr/>
+          <a:lstStyle/>
+          <a:p>
+            <a:r>
+              <a:rPr lang="en-US" dirty="0"/>
+              <a:t>Architecture overview</a:t>
+            </a:r>
+          </a:p>
+        </p:txBody>
+      </p:sp>
+      <p:sp>
+        <p:nvSpPr>
+          <p:cNvPr id="3" name="Content Placeholder 2"/>
+          <p:cNvSpPr>
+            <a:spLocks noGrp="1"/>
+          </p:cNvSpPr>
+          <p:nvPr>
+            <p:ph idx="1"/>
+          </p:nvPr>
+        </p:nvSpPr>
+        <p:spPr/>
+        <p:txBody>
+          <a:bodyPr/>
+          <a:lstStyle/>
+          <a:p>
+            <a:r>
+              <a:rPr lang="en-US" b="1" dirty="0">
+                <a:latin typeface="Times New Roman" panose="02020603050405020304" pitchFamily="18" charset="0"/>
+                <a:cs typeface="Times New Roman" panose="02020603050405020304" pitchFamily="18" charset="0"/>
+              </a:rPr>
+              <a:t>Routing &amp; </a:t>
+            </a:r>
+            <a:r>
+              <a:rPr lang="en-US" b="1" dirty="0" smtClean="0">
+                <a:latin typeface="Times New Roman" panose="02020603050405020304" pitchFamily="18" charset="0"/>
+                <a:cs typeface="Times New Roman" panose="02020603050405020304" pitchFamily="18" charset="0"/>
+              </a:rPr>
+              <a:t>Navigation: </a:t>
+            </a:r>
+            <a:r>
+              <a:rPr lang="en-US" dirty="0">
+                <a:latin typeface="Times New Roman" panose="02020603050405020304" pitchFamily="18" charset="0"/>
+                <a:cs typeface="Times New Roman" panose="02020603050405020304" pitchFamily="18" charset="0"/>
+              </a:rPr>
+              <a:t>the </a:t>
+            </a:r>
+            <a:r>
+              <a:rPr lang="en-US" i="1" dirty="0">
+                <a:latin typeface="Times New Roman" panose="02020603050405020304" pitchFamily="18" charset="0"/>
+                <a:cs typeface="Times New Roman" panose="02020603050405020304" pitchFamily="18" charset="0"/>
+              </a:rPr>
+              <a:t>Router</a:t>
+            </a:r>
+            <a:r>
+              <a:rPr lang="en-US" dirty="0">
+                <a:latin typeface="Times New Roman" panose="02020603050405020304" pitchFamily="18" charset="0"/>
+                <a:cs typeface="Times New Roman" panose="02020603050405020304" pitchFamily="18" charset="0"/>
+              </a:rPr>
+              <a:t> allows navigation from one </a:t>
+            </a:r>
+            <a:r>
+              <a:rPr lang="en-US" i="1" dirty="0">
+                <a:latin typeface="Times New Roman" panose="02020603050405020304" pitchFamily="18" charset="0"/>
+                <a:cs typeface="Times New Roman" panose="02020603050405020304" pitchFamily="18" charset="0"/>
+              </a:rPr>
+              <a:t>View</a:t>
+            </a:r>
+            <a:r>
+              <a:rPr lang="en-US" dirty="0">
+                <a:latin typeface="Times New Roman" panose="02020603050405020304" pitchFamily="18" charset="0"/>
+                <a:cs typeface="Times New Roman" panose="02020603050405020304" pitchFamily="18" charset="0"/>
+              </a:rPr>
+              <a:t> to the </a:t>
+            </a:r>
+            <a:r>
+              <a:rPr lang="en-US" dirty="0" smtClean="0">
+                <a:latin typeface="Times New Roman" panose="02020603050405020304" pitchFamily="18" charset="0"/>
+                <a:cs typeface="Times New Roman" panose="02020603050405020304" pitchFamily="18" charset="0"/>
+              </a:rPr>
+              <a:t>next.</a:t>
+            </a:r>
+          </a:p>
+          <a:p>
+            <a:r>
+              <a:rPr lang="nl-NL" b="1" dirty="0" err="1" smtClean="0">
+                <a:latin typeface="Times New Roman" panose="02020603050405020304" pitchFamily="18" charset="0"/>
+                <a:cs typeface="Times New Roman" panose="02020603050405020304" pitchFamily="18" charset="0"/>
+              </a:rPr>
+              <a:t>To</a:t>
+            </a:r>
+            <a:r>
+              <a:rPr lang="nl-NL" b="1" dirty="0" smtClean="0">
+                <a:latin typeface="Times New Roman" panose="02020603050405020304" pitchFamily="18" charset="0"/>
+                <a:cs typeface="Times New Roman" panose="02020603050405020304" pitchFamily="18" charset="0"/>
+              </a:rPr>
+              <a:t> </a:t>
+            </a:r>
+            <a:r>
+              <a:rPr lang="nl-NL" b="1" dirty="0" err="1" smtClean="0">
+                <a:latin typeface="Times New Roman" panose="02020603050405020304" pitchFamily="18" charset="0"/>
+                <a:cs typeface="Times New Roman" panose="02020603050405020304" pitchFamily="18" charset="0"/>
+              </a:rPr>
+              <a:t>use</a:t>
+            </a:r>
+            <a:r>
+              <a:rPr lang="nl-NL" b="1" dirty="0" smtClean="0">
+                <a:latin typeface="Times New Roman" panose="02020603050405020304" pitchFamily="18" charset="0"/>
+                <a:cs typeface="Times New Roman" panose="02020603050405020304" pitchFamily="18" charset="0"/>
+              </a:rPr>
+              <a:t> router we </a:t>
+            </a:r>
+            <a:r>
+              <a:rPr lang="nl-NL" b="1" dirty="0" err="1" smtClean="0">
+                <a:latin typeface="Times New Roman" panose="02020603050405020304" pitchFamily="18" charset="0"/>
+                <a:cs typeface="Times New Roman" panose="02020603050405020304" pitchFamily="18" charset="0"/>
+              </a:rPr>
+              <a:t>need</a:t>
+            </a:r>
+            <a:r>
+              <a:rPr lang="nl-NL" b="1" dirty="0" smtClean="0">
+                <a:latin typeface="Times New Roman" panose="02020603050405020304" pitchFamily="18" charset="0"/>
+                <a:cs typeface="Times New Roman" panose="02020603050405020304" pitchFamily="18" charset="0"/>
+              </a:rPr>
+              <a:t> </a:t>
+            </a:r>
+            <a:r>
+              <a:rPr lang="nl-NL" b="1" dirty="0" err="1" smtClean="0">
+                <a:latin typeface="Times New Roman" panose="02020603050405020304" pitchFamily="18" charset="0"/>
+                <a:cs typeface="Times New Roman" panose="02020603050405020304" pitchFamily="18" charset="0"/>
+              </a:rPr>
+              <a:t>to</a:t>
+            </a:r>
+            <a:r>
+              <a:rPr lang="nl-NL" b="1" dirty="0" smtClean="0">
+                <a:latin typeface="Times New Roman" panose="02020603050405020304" pitchFamily="18" charset="0"/>
+                <a:cs typeface="Times New Roman" panose="02020603050405020304" pitchFamily="18" charset="0"/>
+              </a:rPr>
+              <a:t> import </a:t>
+            </a:r>
+            <a:r>
+              <a:rPr lang="nl-NL" b="1" dirty="0" err="1" smtClean="0">
+                <a:latin typeface="Times New Roman" panose="02020603050405020304" pitchFamily="18" charset="0"/>
+                <a:cs typeface="Times New Roman" panose="02020603050405020304" pitchFamily="18" charset="0"/>
+              </a:rPr>
+              <a:t>RouterModule</a:t>
+            </a:r>
+            <a:r>
+              <a:rPr lang="nl-NL" b="1" dirty="0" smtClean="0">
+                <a:latin typeface="Times New Roman" panose="02020603050405020304" pitchFamily="18" charset="0"/>
+                <a:cs typeface="Times New Roman" panose="02020603050405020304" pitchFamily="18" charset="0"/>
+              </a:rPr>
+              <a:t> in module</a:t>
+            </a:r>
+            <a:endParaRPr lang="en-US" b="1" dirty="0">
+              <a:latin typeface="Times New Roman" panose="02020603050405020304" pitchFamily="18" charset="0"/>
+              <a:cs typeface="Times New Roman" panose="02020603050405020304" pitchFamily="18" charset="0"/>
+            </a:endParaRPr>
+          </a:p>
+        </p:txBody>
+      </p:sp>
+    </p:spTree>
+    <p:extLst>
+      <p:ext uri="{BB962C8B-B14F-4D97-AF65-F5344CB8AC3E}">
+        <p14:creationId xmlns:p14="http://schemas.microsoft.com/office/powerpoint/2010/main" val="2662980775"/>
+      </p:ext>
+    </p:extLst>
+  </p:cSld>
+  <p:clrMapOvr>
+    <a:masterClrMapping/>
+  </p:clrMapOvr>
 </p:sld>
 </file>
 
@@ -5941,6 +6151,13 @@
   <p:clrMapOvr>
     <a:masterClrMapping/>
   </p:clrMapOvr>
+  <p:timing>
+    <p:tnLst>
+      <p:par>
+        <p:cTn id="1" dur="indefinite" restart="never" nodeType="tmRoot"/>
+      </p:par>
+    </p:tnLst>
+  </p:timing>
 </p:sld>
 </file>
 
@@ -6168,6 +6385,13 @@
   <p:clrMapOvr>
     <a:masterClrMapping/>
   </p:clrMapOvr>
+  <p:timing>
+    <p:tnLst>
+      <p:par>
+        <p:cTn id="1" dur="indefinite" restart="never" nodeType="tmRoot"/>
+      </p:par>
+    </p:tnLst>
+  </p:timing>
 </p:sld>
 </file>
 
@@ -6547,6 +6771,13 @@
   <p:clrMapOvr>
     <a:masterClrMapping/>
   </p:clrMapOvr>
+  <p:timing>
+    <p:tnLst>
+      <p:par>
+        <p:cTn id="1" dur="indefinite" restart="never" nodeType="tmRoot"/>
+      </p:par>
+    </p:tnLst>
+  </p:timing>
 </p:sld>
 </file>
 
@@ -6681,6 +6912,13 @@
   <p:clrMapOvr>
     <a:masterClrMapping/>
   </p:clrMapOvr>
+  <p:timing>
+    <p:tnLst>
+      <p:par>
+        <p:cTn id="1" dur="indefinite" restart="never" nodeType="tmRoot"/>
+      </p:par>
+    </p:tnLst>
+  </p:timing>
 </p:sld>
 </file>
 
@@ -6882,6 +7120,13 @@
   <p:clrMapOvr>
     <a:masterClrMapping/>
   </p:clrMapOvr>
+  <p:timing>
+    <p:tnLst>
+      <p:par>
+        <p:cTn id="1" dur="indefinite" restart="never" nodeType="tmRoot"/>
+      </p:par>
+    </p:tnLst>
+  </p:timing>
 </p:sld>
 </file>
 
@@ -7241,6 +7486,13 @@
   <p:clrMapOvr>
     <a:masterClrMapping/>
   </p:clrMapOvr>
+  <p:timing>
+    <p:tnLst>
+      <p:par>
+        <p:cTn id="1" dur="indefinite" restart="never" nodeType="tmRoot"/>
+      </p:par>
+    </p:tnLst>
+  </p:timing>
 </p:sld>
 </file>
 

--- a/Angular Workshop/Angular Workshop.pptx
+++ b/Angular Workshop/Angular Workshop.pptx
@@ -5,7 +5,7 @@
     <p:sldMasterId id="2147483790" r:id="rId1"/>
   </p:sldMasterIdLst>
   <p:notesMasterIdLst>
-    <p:notesMasterId r:id="rId13"/>
+    <p:notesMasterId r:id="rId14"/>
   </p:notesMasterIdLst>
   <p:sldIdLst>
     <p:sldId id="256" r:id="rId2"/>
@@ -19,6 +19,7 @@
     <p:sldId id="264" r:id="rId10"/>
     <p:sldId id="265" r:id="rId11"/>
     <p:sldId id="266" r:id="rId12"/>
+    <p:sldId id="267" r:id="rId13"/>
   </p:sldIdLst>
   <p:sldSz cx="12192000" cy="6858000"/>
   <p:notesSz cx="6858000" cy="9144000"/>
@@ -117,6 +118,11 @@
       </a:defRPr>
     </a:lvl9pPr>
   </p:defaultTextStyle>
+  <p:extLst>
+    <p:ext uri="{EFAFB233-063F-42B5-8137-9DF3F51BA10A}">
+      <p15:sldGuideLst xmlns:p15="http://schemas.microsoft.com/office/powerpoint/2012/main"/>
+    </p:ext>
+  </p:extLst>
 </p:presentation>
 </file>
 
@@ -202,7 +208,7 @@
           <a:p>
             <a:fld id="{6A8D9F0F-2837-48EC-B86C-7389FCD155D0}" type="datetimeFigureOut">
               <a:rPr lang="en-US" smtClean="0"/>
-              <a:t>4/12/2019</a:t>
+              <a:t>4/17/2019</a:t>
             </a:fld>
             <a:endParaRPr lang="en-US"/>
           </a:p>
@@ -554,6 +560,96 @@
 </p:notes>
 </file>
 
+<file path=ppt/notesSlides/notesSlide2.xml><?xml version="1.0" encoding="utf-8"?>
+<p:notes xmlns:a="http://schemas.openxmlformats.org/drawingml/2006/main" xmlns:r="http://schemas.openxmlformats.org/officeDocument/2006/relationships" xmlns:p="http://schemas.openxmlformats.org/presentationml/2006/main">
+  <p:cSld>
+    <p:spTree>
+      <p:nvGrpSpPr>
+        <p:cNvPr id="1" name=""/>
+        <p:cNvGrpSpPr/>
+        <p:nvPr/>
+      </p:nvGrpSpPr>
+      <p:grpSpPr>
+        <a:xfrm>
+          <a:off x="0" y="0"/>
+          <a:ext cx="0" cy="0"/>
+          <a:chOff x="0" y="0"/>
+          <a:chExt cx="0" cy="0"/>
+        </a:xfrm>
+      </p:grpSpPr>
+      <p:sp>
+        <p:nvSpPr>
+          <p:cNvPr id="2" name="Slide Image Placeholder 1"/>
+          <p:cNvSpPr>
+            <a:spLocks noGrp="1" noRot="1" noChangeAspect="1"/>
+          </p:cNvSpPr>
+          <p:nvPr>
+            <p:ph type="sldImg"/>
+          </p:nvPr>
+        </p:nvSpPr>
+        <p:spPr/>
+      </p:sp>
+      <p:sp>
+        <p:nvSpPr>
+          <p:cNvPr id="3" name="Notes Placeholder 2"/>
+          <p:cNvSpPr>
+            <a:spLocks noGrp="1"/>
+          </p:cNvSpPr>
+          <p:nvPr>
+            <p:ph type="body" idx="1"/>
+          </p:nvPr>
+        </p:nvSpPr>
+        <p:spPr/>
+        <p:txBody>
+          <a:bodyPr/>
+          <a:lstStyle/>
+          <a:p>
+            <a:r>
+              <a:rPr lang="en-US" smtClean="0">
+                <a:hlinkClick r:id="rId3"/>
+              </a:rPr>
+              <a:t>https://www.typescriptlang.org/docs/handbook/variable-declarations.html</a:t>
+            </a:r>
+            <a:endParaRPr lang="en-US"/>
+          </a:p>
+        </p:txBody>
+      </p:sp>
+      <p:sp>
+        <p:nvSpPr>
+          <p:cNvPr id="4" name="Slide Number Placeholder 3"/>
+          <p:cNvSpPr>
+            <a:spLocks noGrp="1"/>
+          </p:cNvSpPr>
+          <p:nvPr>
+            <p:ph type="sldNum" sz="quarter" idx="10"/>
+          </p:nvPr>
+        </p:nvSpPr>
+        <p:spPr/>
+        <p:txBody>
+          <a:bodyPr/>
+          <a:lstStyle/>
+          <a:p>
+            <a:fld id="{41A78D70-B909-41F5-A68F-9A409A675382}" type="slidenum">
+              <a:rPr lang="en-US" smtClean="0"/>
+              <a:t>12</a:t>
+            </a:fld>
+            <a:endParaRPr lang="en-US"/>
+          </a:p>
+        </p:txBody>
+      </p:sp>
+    </p:spTree>
+    <p:extLst>
+      <p:ext uri="{BB962C8B-B14F-4D97-AF65-F5344CB8AC3E}">
+        <p14:creationId xmlns:p14="http://schemas.microsoft.com/office/powerpoint/2010/main" val="1013893151"/>
+      </p:ext>
+    </p:extLst>
+  </p:cSld>
+  <p:clrMapOvr>
+    <a:masterClrMapping/>
+  </p:clrMapOvr>
+</p:notes>
+</file>
+
 <file path=ppt/slideLayouts/slideLayout1.xml><?xml version="1.0" encoding="utf-8"?>
 <p:sldLayout xmlns:a="http://schemas.openxmlformats.org/drawingml/2006/main" xmlns:r="http://schemas.openxmlformats.org/officeDocument/2006/relationships" xmlns:p="http://schemas.openxmlformats.org/presentationml/2006/main" showMasterSp="0" type="title" preserve="1">
   <p:cSld name="Title Slide">
@@ -957,7 +1053,7 @@
           <a:p>
             <a:fld id="{B9D14AC3-431A-47E8-842F-ED47F6F75548}" type="datetimeFigureOut">
               <a:rPr lang="en-US" smtClean="0"/>
-              <a:t>4/12/2019</a:t>
+              <a:t>4/17/2019</a:t>
             </a:fld>
             <a:endParaRPr lang="en-US"/>
           </a:p>
@@ -1136,7 +1232,7 @@
           <a:p>
             <a:fld id="{B9D14AC3-431A-47E8-842F-ED47F6F75548}" type="datetimeFigureOut">
               <a:rPr lang="en-US" smtClean="0"/>
-              <a:t>4/12/2019</a:t>
+              <a:t>4/17/2019</a:t>
             </a:fld>
             <a:endParaRPr lang="en-US"/>
           </a:p>
@@ -1316,7 +1412,7 @@
           <a:p>
             <a:fld id="{B9D14AC3-431A-47E8-842F-ED47F6F75548}" type="datetimeFigureOut">
               <a:rPr lang="en-US" smtClean="0"/>
-              <a:t>4/12/2019</a:t>
+              <a:t>4/17/2019</a:t>
             </a:fld>
             <a:endParaRPr lang="en-US"/>
           </a:p>
@@ -1486,7 +1582,7 @@
           <a:p>
             <a:fld id="{B9D14AC3-431A-47E8-842F-ED47F6F75548}" type="datetimeFigureOut">
               <a:rPr lang="en-US" smtClean="0"/>
-              <a:t>4/12/2019</a:t>
+              <a:t>4/17/2019</a:t>
             </a:fld>
             <a:endParaRPr lang="en-US"/>
           </a:p>
@@ -1799,7 +1895,7 @@
           <a:p>
             <a:fld id="{B9D14AC3-431A-47E8-842F-ED47F6F75548}" type="datetimeFigureOut">
               <a:rPr lang="en-US" smtClean="0"/>
-              <a:t>4/12/2019</a:t>
+              <a:t>4/17/2019</a:t>
             </a:fld>
             <a:endParaRPr lang="en-US"/>
           </a:p>
@@ -2185,7 +2281,7 @@
           <a:p>
             <a:fld id="{B9D14AC3-431A-47E8-842F-ED47F6F75548}" type="datetimeFigureOut">
               <a:rPr lang="en-US" smtClean="0"/>
-              <a:t>4/12/2019</a:t>
+              <a:t>4/17/2019</a:t>
             </a:fld>
             <a:endParaRPr lang="en-US"/>
           </a:p>
@@ -2624,7 +2720,7 @@
           <a:p>
             <a:fld id="{B9D14AC3-431A-47E8-842F-ED47F6F75548}" type="datetimeFigureOut">
               <a:rPr lang="en-US" smtClean="0"/>
-              <a:t>4/12/2019</a:t>
+              <a:t>4/17/2019</a:t>
             </a:fld>
             <a:endParaRPr lang="en-US"/>
           </a:p>
@@ -2747,7 +2843,7 @@
           <a:p>
             <a:fld id="{B9D14AC3-431A-47E8-842F-ED47F6F75548}" type="datetimeFigureOut">
               <a:rPr lang="en-US" smtClean="0"/>
-              <a:t>4/12/2019</a:t>
+              <a:t>4/17/2019</a:t>
             </a:fld>
             <a:endParaRPr lang="en-US"/>
           </a:p>
@@ -2842,7 +2938,7 @@
           <a:p>
             <a:fld id="{B9D14AC3-431A-47E8-842F-ED47F6F75548}" type="datetimeFigureOut">
               <a:rPr lang="en-US" smtClean="0"/>
-              <a:t>4/12/2019</a:t>
+              <a:t>4/17/2019</a:t>
             </a:fld>
             <a:endParaRPr lang="en-US"/>
           </a:p>
@@ -3192,7 +3288,7 @@
           <a:p>
             <a:fld id="{B9D14AC3-431A-47E8-842F-ED47F6F75548}" type="datetimeFigureOut">
               <a:rPr lang="en-US" smtClean="0"/>
-              <a:t>4/12/2019</a:t>
+              <a:t>4/17/2019</a:t>
             </a:fld>
             <a:endParaRPr lang="en-US"/>
           </a:p>
@@ -3622,7 +3718,7 @@
           <a:p>
             <a:fld id="{B9D14AC3-431A-47E8-842F-ED47F6F75548}" type="datetimeFigureOut">
               <a:rPr lang="en-US" smtClean="0"/>
-              <a:t>4/12/2019</a:t>
+              <a:t>4/17/2019</a:t>
             </a:fld>
             <a:endParaRPr lang="en-US"/>
           </a:p>
@@ -3903,7 +3999,7 @@
           <a:p>
             <a:fld id="{B9D14AC3-431A-47E8-842F-ED47F6F75548}" type="datetimeFigureOut">
               <a:rPr lang="en-US" smtClean="0"/>
-              <a:t>4/12/2019</a:t>
+              <a:t>4/17/2019</a:t>
             </a:fld>
             <a:endParaRPr lang="en-US"/>
           </a:p>
@@ -4898,76 +4994,76 @@
           </a:p>
           <a:p>
             <a:r>
-              <a:rPr lang="nl-NL" b="1" dirty="0" err="1" smtClean="0">
+              <a:rPr lang="nl-NL" dirty="0" err="1" smtClean="0">
                 <a:latin typeface="Times New Roman" panose="02020603050405020304" pitchFamily="18" charset="0"/>
                 <a:cs typeface="Times New Roman" panose="02020603050405020304" pitchFamily="18" charset="0"/>
               </a:rPr>
               <a:t>To</a:t>
             </a:r>
             <a:r>
-              <a:rPr lang="nl-NL" b="1" dirty="0" smtClean="0">
+              <a:rPr lang="nl-NL" dirty="0" smtClean="0">
                 <a:latin typeface="Times New Roman" panose="02020603050405020304" pitchFamily="18" charset="0"/>
                 <a:cs typeface="Times New Roman" panose="02020603050405020304" pitchFamily="18" charset="0"/>
               </a:rPr>
               <a:t> </a:t>
             </a:r>
             <a:r>
-              <a:rPr lang="nl-NL" b="1" dirty="0" err="1" smtClean="0">
+              <a:rPr lang="nl-NL" dirty="0" err="1" smtClean="0">
                 <a:latin typeface="Times New Roman" panose="02020603050405020304" pitchFamily="18" charset="0"/>
                 <a:cs typeface="Times New Roman" panose="02020603050405020304" pitchFamily="18" charset="0"/>
               </a:rPr>
               <a:t>use</a:t>
             </a:r>
             <a:r>
-              <a:rPr lang="nl-NL" b="1" dirty="0" smtClean="0">
+              <a:rPr lang="nl-NL" dirty="0" smtClean="0">
                 <a:latin typeface="Times New Roman" panose="02020603050405020304" pitchFamily="18" charset="0"/>
                 <a:cs typeface="Times New Roman" panose="02020603050405020304" pitchFamily="18" charset="0"/>
               </a:rPr>
               <a:t> router we </a:t>
             </a:r>
             <a:r>
-              <a:rPr lang="nl-NL" b="1" dirty="0" err="1" smtClean="0">
+              <a:rPr lang="nl-NL" dirty="0" err="1" smtClean="0">
                 <a:latin typeface="Times New Roman" panose="02020603050405020304" pitchFamily="18" charset="0"/>
                 <a:cs typeface="Times New Roman" panose="02020603050405020304" pitchFamily="18" charset="0"/>
               </a:rPr>
               <a:t>need</a:t>
             </a:r>
             <a:r>
-              <a:rPr lang="nl-NL" b="1" dirty="0" smtClean="0">
+              <a:rPr lang="nl-NL" dirty="0" smtClean="0">
                 <a:latin typeface="Times New Roman" panose="02020603050405020304" pitchFamily="18" charset="0"/>
                 <a:cs typeface="Times New Roman" panose="02020603050405020304" pitchFamily="18" charset="0"/>
               </a:rPr>
               <a:t> </a:t>
             </a:r>
             <a:r>
-              <a:rPr lang="nl-NL" b="1" dirty="0" err="1" smtClean="0">
+              <a:rPr lang="nl-NL" dirty="0" err="1" smtClean="0">
                 <a:latin typeface="Times New Roman" panose="02020603050405020304" pitchFamily="18" charset="0"/>
                 <a:cs typeface="Times New Roman" panose="02020603050405020304" pitchFamily="18" charset="0"/>
               </a:rPr>
               <a:t>to</a:t>
             </a:r>
             <a:r>
-              <a:rPr lang="nl-NL" b="1" dirty="0" smtClean="0">
+              <a:rPr lang="nl-NL" dirty="0" smtClean="0">
                 <a:latin typeface="Times New Roman" panose="02020603050405020304" pitchFamily="18" charset="0"/>
                 <a:cs typeface="Times New Roman" panose="02020603050405020304" pitchFamily="18" charset="0"/>
               </a:rPr>
               <a:t> import </a:t>
             </a:r>
             <a:r>
-              <a:rPr lang="nl-NL" b="1" dirty="0" err="1" smtClean="0">
+              <a:rPr lang="nl-NL" dirty="0" err="1" smtClean="0">
                 <a:latin typeface="Times New Roman" panose="02020603050405020304" pitchFamily="18" charset="0"/>
                 <a:cs typeface="Times New Roman" panose="02020603050405020304" pitchFamily="18" charset="0"/>
               </a:rPr>
               <a:t>RouterModule</a:t>
             </a:r>
             <a:r>
-              <a:rPr lang="nl-NL" b="1" dirty="0" smtClean="0">
+              <a:rPr lang="nl-NL" dirty="0" smtClean="0">
                 <a:latin typeface="Times New Roman" panose="02020603050405020304" pitchFamily="18" charset="0"/>
                 <a:cs typeface="Times New Roman" panose="02020603050405020304" pitchFamily="18" charset="0"/>
               </a:rPr>
               <a:t> in module</a:t>
             </a:r>
-            <a:endParaRPr lang="en-US" b="1" dirty="0">
+            <a:endParaRPr lang="en-US" dirty="0">
               <a:latin typeface="Times New Roman" panose="02020603050405020304" pitchFamily="18" charset="0"/>
               <a:cs typeface="Times New Roman" panose="02020603050405020304" pitchFamily="18" charset="0"/>
             </a:endParaRPr>
@@ -4978,6 +5074,388 @@
     <p:extLst>
       <p:ext uri="{BB962C8B-B14F-4D97-AF65-F5344CB8AC3E}">
         <p14:creationId xmlns:p14="http://schemas.microsoft.com/office/powerpoint/2010/main" val="2662980775"/>
+      </p:ext>
+    </p:extLst>
+  </p:cSld>
+  <p:clrMapOvr>
+    <a:masterClrMapping/>
+  </p:clrMapOvr>
+</p:sld>
+</file>
+
+<file path=ppt/slides/slide12.xml><?xml version="1.0" encoding="utf-8"?>
+<p:sld xmlns:a="http://schemas.openxmlformats.org/drawingml/2006/main" xmlns:r="http://schemas.openxmlformats.org/officeDocument/2006/relationships" xmlns:p="http://schemas.openxmlformats.org/presentationml/2006/main">
+  <p:cSld>
+    <p:spTree>
+      <p:nvGrpSpPr>
+        <p:cNvPr id="1" name=""/>
+        <p:cNvGrpSpPr/>
+        <p:nvPr/>
+      </p:nvGrpSpPr>
+      <p:grpSpPr>
+        <a:xfrm>
+          <a:off x="0" y="0"/>
+          <a:ext cx="0" cy="0"/>
+          <a:chOff x="0" y="0"/>
+          <a:chExt cx="0" cy="0"/>
+        </a:xfrm>
+      </p:grpSpPr>
+      <p:sp>
+        <p:nvSpPr>
+          <p:cNvPr id="2" name="Title 1"/>
+          <p:cNvSpPr>
+            <a:spLocks noGrp="1"/>
+          </p:cNvSpPr>
+          <p:nvPr>
+            <p:ph type="title"/>
+          </p:nvPr>
+        </p:nvSpPr>
+        <p:spPr/>
+        <p:txBody>
+          <a:bodyPr>
+            <a:normAutofit/>
+          </a:bodyPr>
+          <a:lstStyle/>
+          <a:p>
+            <a:r>
+              <a:rPr lang="en-US" sz="4400" b="1" dirty="0"/>
+              <a:t>Introduction to Typescript</a:t>
+            </a:r>
+          </a:p>
+        </p:txBody>
+      </p:sp>
+      <p:sp>
+        <p:nvSpPr>
+          <p:cNvPr id="3" name="Content Placeholder 2"/>
+          <p:cNvSpPr>
+            <a:spLocks noGrp="1"/>
+          </p:cNvSpPr>
+          <p:nvPr>
+            <p:ph idx="1"/>
+          </p:nvPr>
+        </p:nvSpPr>
+        <p:spPr/>
+        <p:txBody>
+          <a:bodyPr>
+            <a:normAutofit lnSpcReduction="10000"/>
+          </a:bodyPr>
+          <a:lstStyle/>
+          <a:p>
+            <a:r>
+              <a:rPr lang="en-US" sz="2200" b="1" dirty="0" smtClean="0">
+                <a:latin typeface="Times New Roman" panose="02020603050405020304" pitchFamily="18" charset="0"/>
+                <a:cs typeface="Times New Roman" panose="02020603050405020304" pitchFamily="18" charset="0"/>
+              </a:rPr>
+              <a:t>Install</a:t>
+            </a:r>
+            <a:r>
+              <a:rPr lang="en-US" sz="2200" dirty="0" smtClean="0">
+                <a:latin typeface="Times New Roman" panose="02020603050405020304" pitchFamily="18" charset="0"/>
+                <a:cs typeface="Times New Roman" panose="02020603050405020304" pitchFamily="18" charset="0"/>
+              </a:rPr>
+              <a:t> </a:t>
+            </a:r>
+            <a:r>
+              <a:rPr lang="en-US" sz="2200" dirty="0" err="1" smtClean="0">
+                <a:latin typeface="Times New Roman" panose="02020603050405020304" pitchFamily="18" charset="0"/>
+                <a:cs typeface="Times New Roman" panose="02020603050405020304" pitchFamily="18" charset="0"/>
+              </a:rPr>
+              <a:t>npm</a:t>
+            </a:r>
+            <a:r>
+              <a:rPr lang="en-US" sz="2200" dirty="0">
+                <a:latin typeface="Times New Roman" panose="02020603050405020304" pitchFamily="18" charset="0"/>
+                <a:cs typeface="Times New Roman" panose="02020603050405020304" pitchFamily="18" charset="0"/>
+              </a:rPr>
+              <a:t> install -g </a:t>
+            </a:r>
+            <a:r>
+              <a:rPr lang="en-US" sz="2200" dirty="0" smtClean="0">
+                <a:latin typeface="Times New Roman" panose="02020603050405020304" pitchFamily="18" charset="0"/>
+                <a:cs typeface="Times New Roman" panose="02020603050405020304" pitchFamily="18" charset="0"/>
+              </a:rPr>
+              <a:t>typescript, </a:t>
+            </a:r>
+            <a:r>
+              <a:rPr lang="en-US" sz="2200" dirty="0" err="1" smtClean="0">
+                <a:latin typeface="Times New Roman" panose="02020603050405020304" pitchFamily="18" charset="0"/>
+                <a:cs typeface="Times New Roman" panose="02020603050405020304" pitchFamily="18" charset="0"/>
+              </a:rPr>
+              <a:t>tslint</a:t>
+            </a:r>
+            <a:endParaRPr lang="en-US" sz="2200" dirty="0" smtClean="0">
+              <a:latin typeface="Times New Roman" panose="02020603050405020304" pitchFamily="18" charset="0"/>
+              <a:cs typeface="Times New Roman" panose="02020603050405020304" pitchFamily="18" charset="0"/>
+            </a:endParaRPr>
+          </a:p>
+          <a:p>
+            <a:r>
+              <a:rPr lang="nl-NL" sz="2200" b="1" dirty="0" err="1" smtClean="0">
+                <a:latin typeface="Times New Roman" panose="02020603050405020304" pitchFamily="18" charset="0"/>
+                <a:cs typeface="Times New Roman" panose="02020603050405020304" pitchFamily="18" charset="0"/>
+              </a:rPr>
+              <a:t>Compile</a:t>
+            </a:r>
+            <a:r>
+              <a:rPr lang="nl-NL" sz="2200" b="1" dirty="0" smtClean="0">
+                <a:latin typeface="Times New Roman" panose="02020603050405020304" pitchFamily="18" charset="0"/>
+                <a:cs typeface="Times New Roman" panose="02020603050405020304" pitchFamily="18" charset="0"/>
+              </a:rPr>
+              <a:t> TS </a:t>
+            </a:r>
+            <a:r>
+              <a:rPr lang="nl-NL" sz="2200" dirty="0" err="1" smtClean="0">
+                <a:latin typeface="Times New Roman" panose="02020603050405020304" pitchFamily="18" charset="0"/>
+                <a:cs typeface="Times New Roman" panose="02020603050405020304" pitchFamily="18" charset="0"/>
+              </a:rPr>
+              <a:t>tsc</a:t>
+            </a:r>
+            <a:r>
+              <a:rPr lang="nl-NL" sz="2200" dirty="0" smtClean="0">
+                <a:latin typeface="Times New Roman" panose="02020603050405020304" pitchFamily="18" charset="0"/>
+                <a:cs typeface="Times New Roman" panose="02020603050405020304" pitchFamily="18" charset="0"/>
+              </a:rPr>
+              <a:t> typescript-file</a:t>
+            </a:r>
+          </a:p>
+          <a:p>
+            <a:r>
+              <a:rPr lang="nl-NL" sz="2200" b="1" dirty="0" smtClean="0">
+                <a:latin typeface="Times New Roman" panose="02020603050405020304" pitchFamily="18" charset="0"/>
+                <a:cs typeface="Times New Roman" panose="02020603050405020304" pitchFamily="18" charset="0"/>
+              </a:rPr>
+              <a:t>Let: </a:t>
+            </a:r>
+            <a:r>
+              <a:rPr lang="nl-NL" sz="2200" dirty="0" err="1" smtClean="0">
+                <a:latin typeface="Times New Roman" panose="02020603050405020304" pitchFamily="18" charset="0"/>
+                <a:cs typeface="Times New Roman" panose="02020603050405020304" pitchFamily="18" charset="0"/>
+              </a:rPr>
+              <a:t>avoid</a:t>
+            </a:r>
+            <a:r>
+              <a:rPr lang="nl-NL" sz="2200" dirty="0" smtClean="0">
+                <a:latin typeface="Times New Roman" panose="02020603050405020304" pitchFamily="18" charset="0"/>
+                <a:cs typeface="Times New Roman" panose="02020603050405020304" pitchFamily="18" charset="0"/>
+              </a:rPr>
+              <a:t> </a:t>
+            </a:r>
+            <a:r>
+              <a:rPr lang="nl-NL" sz="2200" dirty="0" err="1" smtClean="0">
+                <a:latin typeface="Times New Roman" panose="02020603050405020304" pitchFamily="18" charset="0"/>
+                <a:cs typeface="Times New Roman" panose="02020603050405020304" pitchFamily="18" charset="0"/>
+              </a:rPr>
+              <a:t>using</a:t>
+            </a:r>
+            <a:r>
+              <a:rPr lang="nl-NL" sz="2200" dirty="0" smtClean="0">
+                <a:latin typeface="Times New Roman" panose="02020603050405020304" pitchFamily="18" charset="0"/>
+                <a:cs typeface="Times New Roman" panose="02020603050405020304" pitchFamily="18" charset="0"/>
+              </a:rPr>
+              <a:t> </a:t>
+            </a:r>
+            <a:r>
+              <a:rPr lang="nl-NL" sz="2200" dirty="0" err="1" smtClean="0">
+                <a:latin typeface="Times New Roman" panose="02020603050405020304" pitchFamily="18" charset="0"/>
+                <a:cs typeface="Times New Roman" panose="02020603050405020304" pitchFamily="18" charset="0"/>
+              </a:rPr>
+              <a:t>variable</a:t>
+            </a:r>
+            <a:r>
+              <a:rPr lang="nl-NL" sz="2200" dirty="0" smtClean="0">
+                <a:latin typeface="Times New Roman" panose="02020603050405020304" pitchFamily="18" charset="0"/>
+                <a:cs typeface="Times New Roman" panose="02020603050405020304" pitchFamily="18" charset="0"/>
+              </a:rPr>
+              <a:t> </a:t>
+            </a:r>
+            <a:r>
+              <a:rPr lang="nl-NL" sz="2200" dirty="0" err="1" smtClean="0">
+                <a:latin typeface="Times New Roman" panose="02020603050405020304" pitchFamily="18" charset="0"/>
+                <a:cs typeface="Times New Roman" panose="02020603050405020304" pitchFamily="18" charset="0"/>
+              </a:rPr>
+              <a:t>before</a:t>
+            </a:r>
+            <a:r>
+              <a:rPr lang="nl-NL" sz="2200" dirty="0" smtClean="0">
+                <a:latin typeface="Times New Roman" panose="02020603050405020304" pitchFamily="18" charset="0"/>
+                <a:cs typeface="Times New Roman" panose="02020603050405020304" pitchFamily="18" charset="0"/>
+              </a:rPr>
+              <a:t> </a:t>
+            </a:r>
+            <a:r>
+              <a:rPr lang="nl-NL" sz="2200" dirty="0" err="1" smtClean="0">
+                <a:latin typeface="Times New Roman" panose="02020603050405020304" pitchFamily="18" charset="0"/>
+                <a:cs typeface="Times New Roman" panose="02020603050405020304" pitchFamily="18" charset="0"/>
+              </a:rPr>
+              <a:t>declare</a:t>
+            </a:r>
+            <a:endParaRPr lang="nl-NL" sz="2200" dirty="0" smtClean="0">
+              <a:latin typeface="Times New Roman" panose="02020603050405020304" pitchFamily="18" charset="0"/>
+              <a:cs typeface="Times New Roman" panose="02020603050405020304" pitchFamily="18" charset="0"/>
+            </a:endParaRPr>
+          </a:p>
+          <a:p>
+            <a:pPr marL="0" indent="0">
+              <a:buNone/>
+            </a:pPr>
+            <a:r>
+              <a:rPr lang="en-US" sz="2400" dirty="0" smtClean="0">
+                <a:latin typeface="Times New Roman" panose="02020603050405020304" pitchFamily="18" charset="0"/>
+                <a:cs typeface="Times New Roman" panose="02020603050405020304" pitchFamily="18" charset="0"/>
+              </a:rPr>
+              <a:t>let </a:t>
+            </a:r>
+            <a:r>
+              <a:rPr lang="en-US" sz="2400" dirty="0">
+                <a:latin typeface="Times New Roman" panose="02020603050405020304" pitchFamily="18" charset="0"/>
+                <a:cs typeface="Times New Roman" panose="02020603050405020304" pitchFamily="18" charset="0"/>
+              </a:rPr>
+              <a:t>hello = "Hello!";</a:t>
+            </a:r>
+            <a:endParaRPr lang="nl-NL" sz="2200" dirty="0" smtClean="0">
+              <a:latin typeface="Times New Roman" panose="02020603050405020304" pitchFamily="18" charset="0"/>
+              <a:cs typeface="Times New Roman" panose="02020603050405020304" pitchFamily="18" charset="0"/>
+            </a:endParaRPr>
+          </a:p>
+          <a:p>
+            <a:r>
+              <a:rPr lang="nl-NL" sz="2200" b="1" dirty="0" err="1" smtClean="0">
+                <a:latin typeface="Times New Roman" panose="02020603050405020304" pitchFamily="18" charset="0"/>
+                <a:cs typeface="Times New Roman" panose="02020603050405020304" pitchFamily="18" charset="0"/>
+              </a:rPr>
+              <a:t>Const</a:t>
+            </a:r>
+            <a:r>
+              <a:rPr lang="nl-NL" sz="2200" dirty="0" smtClean="0">
+                <a:latin typeface="Times New Roman" panose="02020603050405020304" pitchFamily="18" charset="0"/>
+                <a:cs typeface="Times New Roman" panose="02020603050405020304" pitchFamily="18" charset="0"/>
+              </a:rPr>
+              <a:t>: </a:t>
+            </a:r>
+            <a:r>
+              <a:rPr lang="nl-NL" sz="2200" dirty="0" err="1" smtClean="0">
+                <a:latin typeface="Times New Roman" panose="02020603050405020304" pitchFamily="18" charset="0"/>
+                <a:cs typeface="Times New Roman" panose="02020603050405020304" pitchFamily="18" charset="0"/>
+              </a:rPr>
+              <a:t>just</a:t>
+            </a:r>
+            <a:r>
+              <a:rPr lang="nl-NL" sz="2200" dirty="0" smtClean="0">
+                <a:latin typeface="Times New Roman" panose="02020603050405020304" pitchFamily="18" charset="0"/>
+                <a:cs typeface="Times New Roman" panose="02020603050405020304" pitchFamily="18" charset="0"/>
+              </a:rPr>
+              <a:t> like let but we </a:t>
+            </a:r>
+            <a:r>
+              <a:rPr lang="nl-NL" sz="2200" dirty="0" err="1" smtClean="0">
+                <a:latin typeface="Times New Roman" panose="02020603050405020304" pitchFamily="18" charset="0"/>
+                <a:cs typeface="Times New Roman" panose="02020603050405020304" pitchFamily="18" charset="0"/>
+              </a:rPr>
+              <a:t>cant</a:t>
+            </a:r>
+            <a:r>
+              <a:rPr lang="nl-NL" sz="2200" dirty="0" smtClean="0">
+                <a:latin typeface="Times New Roman" panose="02020603050405020304" pitchFamily="18" charset="0"/>
+                <a:cs typeface="Times New Roman" panose="02020603050405020304" pitchFamily="18" charset="0"/>
+              </a:rPr>
+              <a:t> </a:t>
+            </a:r>
+            <a:r>
+              <a:rPr lang="nl-NL" sz="2200" dirty="0" err="1" smtClean="0">
+                <a:latin typeface="Times New Roman" panose="02020603050405020304" pitchFamily="18" charset="0"/>
+                <a:cs typeface="Times New Roman" panose="02020603050405020304" pitchFamily="18" charset="0"/>
+              </a:rPr>
+              <a:t>reassign</a:t>
+            </a:r>
+            <a:r>
+              <a:rPr lang="nl-NL" sz="2200" dirty="0" smtClean="0">
+                <a:latin typeface="Times New Roman" panose="02020603050405020304" pitchFamily="18" charset="0"/>
+                <a:cs typeface="Times New Roman" panose="02020603050405020304" pitchFamily="18" charset="0"/>
+              </a:rPr>
+              <a:t> </a:t>
+            </a:r>
+            <a:r>
+              <a:rPr lang="nl-NL" sz="2200" dirty="0" err="1" smtClean="0">
+                <a:latin typeface="Times New Roman" panose="02020603050405020304" pitchFamily="18" charset="0"/>
+                <a:cs typeface="Times New Roman" panose="02020603050405020304" pitchFamily="18" charset="0"/>
+              </a:rPr>
+              <a:t>value</a:t>
+            </a:r>
+            <a:endParaRPr lang="nl-NL" sz="2200" dirty="0" smtClean="0">
+              <a:latin typeface="Times New Roman" panose="02020603050405020304" pitchFamily="18" charset="0"/>
+              <a:cs typeface="Times New Roman" panose="02020603050405020304" pitchFamily="18" charset="0"/>
+            </a:endParaRPr>
+          </a:p>
+          <a:p>
+            <a:pPr marL="0" indent="0">
+              <a:buNone/>
+            </a:pPr>
+            <a:r>
+              <a:rPr lang="en-US" sz="2400" dirty="0" err="1">
+                <a:latin typeface="Times New Roman" panose="02020603050405020304" pitchFamily="18" charset="0"/>
+                <a:cs typeface="Times New Roman" panose="02020603050405020304" pitchFamily="18" charset="0"/>
+              </a:rPr>
+              <a:t>const</a:t>
+            </a:r>
+            <a:r>
+              <a:rPr lang="en-US" sz="2400" dirty="0">
+                <a:latin typeface="Times New Roman" panose="02020603050405020304" pitchFamily="18" charset="0"/>
+                <a:cs typeface="Times New Roman" panose="02020603050405020304" pitchFamily="18" charset="0"/>
+              </a:rPr>
+              <a:t> </a:t>
+            </a:r>
+            <a:r>
+              <a:rPr lang="en-US" sz="2400" dirty="0" err="1">
+                <a:latin typeface="Times New Roman" panose="02020603050405020304" pitchFamily="18" charset="0"/>
+                <a:cs typeface="Times New Roman" panose="02020603050405020304" pitchFamily="18" charset="0"/>
+              </a:rPr>
+              <a:t>numLivesForCat</a:t>
+            </a:r>
+            <a:r>
+              <a:rPr lang="en-US" sz="2400" dirty="0">
+                <a:latin typeface="Times New Roman" panose="02020603050405020304" pitchFamily="18" charset="0"/>
+                <a:cs typeface="Times New Roman" panose="02020603050405020304" pitchFamily="18" charset="0"/>
+              </a:rPr>
+              <a:t> = 9;</a:t>
+            </a:r>
+            <a:endParaRPr lang="nl-NL" sz="2200" dirty="0" smtClean="0">
+              <a:latin typeface="Times New Roman" panose="02020603050405020304" pitchFamily="18" charset="0"/>
+              <a:cs typeface="Times New Roman" panose="02020603050405020304" pitchFamily="18" charset="0"/>
+            </a:endParaRPr>
+          </a:p>
+          <a:p>
+            <a:r>
+              <a:rPr lang="nl-NL" sz="2200" b="1" dirty="0" err="1" smtClean="0">
+                <a:latin typeface="Times New Roman" panose="02020603050405020304" pitchFamily="18" charset="0"/>
+                <a:cs typeface="Times New Roman" panose="02020603050405020304" pitchFamily="18" charset="0"/>
+              </a:rPr>
+              <a:t>Readonly</a:t>
+            </a:r>
+            <a:r>
+              <a:rPr lang="nl-NL" sz="2200" b="1" dirty="0" smtClean="0">
+                <a:latin typeface="Times New Roman" panose="02020603050405020304" pitchFamily="18" charset="0"/>
+                <a:cs typeface="Times New Roman" panose="02020603050405020304" pitchFamily="18" charset="0"/>
+              </a:rPr>
+              <a:t> </a:t>
+            </a:r>
+            <a:r>
+              <a:rPr lang="en-US" sz="2400" dirty="0">
+                <a:latin typeface="Times New Roman" panose="02020603050405020304" pitchFamily="18" charset="0"/>
+                <a:cs typeface="Times New Roman" panose="02020603050405020304" pitchFamily="18" charset="0"/>
+              </a:rPr>
+              <a:t>Read-only members can be accessed outside the class, but their value cannot be changed. Since read-only members cannot be changed outside the class, they either need to be initialized at declaration or initialized inside the class constructor.</a:t>
+            </a:r>
+            <a:endParaRPr lang="en-US" sz="2200" dirty="0">
+              <a:latin typeface="Times New Roman" panose="02020603050405020304" pitchFamily="18" charset="0"/>
+              <a:cs typeface="Times New Roman" panose="02020603050405020304" pitchFamily="18" charset="0"/>
+            </a:endParaRPr>
+          </a:p>
+        </p:txBody>
+      </p:sp>
+    </p:spTree>
+    <p:extLst>
+      <p:ext uri="{BB962C8B-B14F-4D97-AF65-F5344CB8AC3E}">
+        <p14:creationId xmlns:p14="http://schemas.microsoft.com/office/powerpoint/2010/main" val="857432714"/>
       </p:ext>
     </p:extLst>
   </p:cSld>
@@ -5287,10 +5765,6 @@
               </a:rPr>
               <a:t> libraries that you import into your apps.</a:t>
             </a:r>
-            <a:endParaRPr lang="en-US" sz="2400" dirty="0">
-              <a:latin typeface="Times New Roman" panose="02020603050405020304" pitchFamily="18" charset="0"/>
-              <a:cs typeface="Times New Roman" panose="02020603050405020304" pitchFamily="18" charset="0"/>
-            </a:endParaRPr>
           </a:p>
         </p:txBody>
       </p:sp>
@@ -5355,7 +5829,6 @@
               <a:rPr lang="en-US" dirty="0"/>
               <a:t>Architecture overview</a:t>
             </a:r>
-            <a:endParaRPr lang="en-US" dirty="0"/>
           </a:p>
         </p:txBody>
       </p:sp>
@@ -6754,10 +7227,6 @@
               </a:rPr>
               <a:t> instance is destroyed.</a:t>
             </a:r>
-            <a:endParaRPr lang="en-US" sz="2200" dirty="0">
-              <a:latin typeface="Times New Roman" panose="02020603050405020304" pitchFamily="18" charset="0"/>
-              <a:cs typeface="Times New Roman" panose="02020603050405020304" pitchFamily="18" charset="0"/>
-            </a:endParaRPr>
           </a:p>
         </p:txBody>
       </p:sp>

--- a/Angular Workshop/Angular Workshop.pptx
+++ b/Angular Workshop/Angular Workshop.pptx
@@ -5,7 +5,7 @@
     <p:sldMasterId id="2147483790" r:id="rId1"/>
   </p:sldMasterIdLst>
   <p:notesMasterIdLst>
-    <p:notesMasterId r:id="rId14"/>
+    <p:notesMasterId r:id="rId15"/>
   </p:notesMasterIdLst>
   <p:sldIdLst>
     <p:sldId id="256" r:id="rId2"/>
@@ -20,6 +20,7 @@
     <p:sldId id="265" r:id="rId11"/>
     <p:sldId id="266" r:id="rId12"/>
     <p:sldId id="267" r:id="rId13"/>
+    <p:sldId id="268" r:id="rId14"/>
   </p:sldIdLst>
   <p:sldSz cx="12192000" cy="6858000"/>
   <p:notesSz cx="6858000" cy="9144000"/>
@@ -605,12 +606,12 @@
           <a:lstStyle/>
           <a:p>
             <a:r>
-              <a:rPr lang="en-US" smtClean="0">
+              <a:rPr lang="en-US" dirty="0" smtClean="0">
                 <a:hlinkClick r:id="rId3"/>
               </a:rPr>
               <a:t>https://www.typescriptlang.org/docs/handbook/variable-declarations.html</a:t>
             </a:r>
-            <a:endParaRPr lang="en-US"/>
+            <a:endParaRPr lang="en-US" dirty="0"/>
           </a:p>
         </p:txBody>
       </p:sp>
@@ -5456,6 +5457,461 @@
     <p:extLst>
       <p:ext uri="{BB962C8B-B14F-4D97-AF65-F5344CB8AC3E}">
         <p14:creationId xmlns:p14="http://schemas.microsoft.com/office/powerpoint/2010/main" val="857432714"/>
+      </p:ext>
+    </p:extLst>
+  </p:cSld>
+  <p:clrMapOvr>
+    <a:masterClrMapping/>
+  </p:clrMapOvr>
+</p:sld>
+</file>
+
+<file path=ppt/slides/slide13.xml><?xml version="1.0" encoding="utf-8"?>
+<p:sld xmlns:a="http://schemas.openxmlformats.org/drawingml/2006/main" xmlns:r="http://schemas.openxmlformats.org/officeDocument/2006/relationships" xmlns:p="http://schemas.openxmlformats.org/presentationml/2006/main">
+  <p:cSld>
+    <p:spTree>
+      <p:nvGrpSpPr>
+        <p:cNvPr id="1" name=""/>
+        <p:cNvGrpSpPr/>
+        <p:nvPr/>
+      </p:nvGrpSpPr>
+      <p:grpSpPr>
+        <a:xfrm>
+          <a:off x="0" y="0"/>
+          <a:ext cx="0" cy="0"/>
+          <a:chOff x="0" y="0"/>
+          <a:chExt cx="0" cy="0"/>
+        </a:xfrm>
+      </p:grpSpPr>
+      <p:sp>
+        <p:nvSpPr>
+          <p:cNvPr id="2" name="Title 1"/>
+          <p:cNvSpPr>
+            <a:spLocks noGrp="1"/>
+          </p:cNvSpPr>
+          <p:nvPr>
+            <p:ph type="title"/>
+          </p:nvPr>
+        </p:nvSpPr>
+        <p:spPr/>
+        <p:txBody>
+          <a:bodyPr/>
+          <a:lstStyle/>
+          <a:p>
+            <a:r>
+              <a:rPr lang="nl-NL" dirty="0" smtClean="0"/>
+              <a:t>Basic types in typescript</a:t>
+            </a:r>
+            <a:endParaRPr lang="en-US" dirty="0"/>
+          </a:p>
+        </p:txBody>
+      </p:sp>
+      <p:sp>
+        <p:nvSpPr>
+          <p:cNvPr id="3" name="Content Placeholder 2"/>
+          <p:cNvSpPr>
+            <a:spLocks noGrp="1"/>
+          </p:cNvSpPr>
+          <p:nvPr>
+            <p:ph idx="1"/>
+          </p:nvPr>
+        </p:nvSpPr>
+        <p:spPr/>
+        <p:txBody>
+          <a:bodyPr>
+            <a:noAutofit/>
+          </a:bodyPr>
+          <a:lstStyle/>
+          <a:p>
+            <a:r>
+              <a:rPr lang="en-US" b="1" dirty="0" smtClean="0">
+                <a:latin typeface="Times New Roman" panose="02020603050405020304" pitchFamily="18" charset="0"/>
+                <a:cs typeface="Times New Roman" panose="02020603050405020304" pitchFamily="18" charset="0"/>
+              </a:rPr>
+              <a:t>Boolean</a:t>
+            </a:r>
+            <a:r>
+              <a:rPr lang="en-US" dirty="0" smtClean="0">
+                <a:latin typeface="Times New Roman" panose="02020603050405020304" pitchFamily="18" charset="0"/>
+                <a:cs typeface="Times New Roman" panose="02020603050405020304" pitchFamily="18" charset="0"/>
+              </a:rPr>
+              <a:t> let </a:t>
+            </a:r>
+            <a:r>
+              <a:rPr lang="en-US" dirty="0" err="1">
+                <a:latin typeface="Times New Roman" panose="02020603050405020304" pitchFamily="18" charset="0"/>
+                <a:cs typeface="Times New Roman" panose="02020603050405020304" pitchFamily="18" charset="0"/>
+              </a:rPr>
+              <a:t>isDone</a:t>
+            </a:r>
+            <a:r>
+              <a:rPr lang="en-US" dirty="0">
+                <a:latin typeface="Times New Roman" panose="02020603050405020304" pitchFamily="18" charset="0"/>
+                <a:cs typeface="Times New Roman" panose="02020603050405020304" pitchFamily="18" charset="0"/>
+              </a:rPr>
+              <a:t>: </a:t>
+            </a:r>
+            <a:r>
+              <a:rPr lang="en-US" dirty="0" err="1">
+                <a:latin typeface="Times New Roman" panose="02020603050405020304" pitchFamily="18" charset="0"/>
+                <a:cs typeface="Times New Roman" panose="02020603050405020304" pitchFamily="18" charset="0"/>
+              </a:rPr>
+              <a:t>boolean</a:t>
+            </a:r>
+            <a:r>
+              <a:rPr lang="en-US" dirty="0">
+                <a:latin typeface="Times New Roman" panose="02020603050405020304" pitchFamily="18" charset="0"/>
+                <a:cs typeface="Times New Roman" panose="02020603050405020304" pitchFamily="18" charset="0"/>
+              </a:rPr>
+              <a:t> = false;</a:t>
+            </a:r>
+          </a:p>
+          <a:p>
+            <a:r>
+              <a:rPr lang="en-US" b="1" dirty="0" smtClean="0">
+                <a:latin typeface="Times New Roman" panose="02020603050405020304" pitchFamily="18" charset="0"/>
+                <a:cs typeface="Times New Roman" panose="02020603050405020304" pitchFamily="18" charset="0"/>
+              </a:rPr>
+              <a:t>Number</a:t>
+            </a:r>
+            <a:r>
+              <a:rPr lang="en-US" dirty="0" smtClean="0">
+                <a:latin typeface="Times New Roman" panose="02020603050405020304" pitchFamily="18" charset="0"/>
+                <a:cs typeface="Times New Roman" panose="02020603050405020304" pitchFamily="18" charset="0"/>
+              </a:rPr>
+              <a:t> let </a:t>
+            </a:r>
+            <a:r>
+              <a:rPr lang="en-US" dirty="0">
+                <a:latin typeface="Times New Roman" panose="02020603050405020304" pitchFamily="18" charset="0"/>
+                <a:cs typeface="Times New Roman" panose="02020603050405020304" pitchFamily="18" charset="0"/>
+              </a:rPr>
+              <a:t>decimal: number = 6</a:t>
+            </a:r>
+            <a:r>
+              <a:rPr lang="en-US" dirty="0" smtClean="0">
+                <a:latin typeface="Times New Roman" panose="02020603050405020304" pitchFamily="18" charset="0"/>
+                <a:cs typeface="Times New Roman" panose="02020603050405020304" pitchFamily="18" charset="0"/>
+              </a:rPr>
+              <a:t>;</a:t>
+            </a:r>
+          </a:p>
+          <a:p>
+            <a:r>
+              <a:rPr lang="en-US" b="1" dirty="0" smtClean="0">
+                <a:latin typeface="Times New Roman" panose="02020603050405020304" pitchFamily="18" charset="0"/>
+                <a:cs typeface="Times New Roman" panose="02020603050405020304" pitchFamily="18" charset="0"/>
+              </a:rPr>
+              <a:t>String</a:t>
+            </a:r>
+            <a:r>
+              <a:rPr lang="en-US" dirty="0" smtClean="0">
+                <a:latin typeface="Times New Roman" panose="02020603050405020304" pitchFamily="18" charset="0"/>
+                <a:cs typeface="Times New Roman" panose="02020603050405020304" pitchFamily="18" charset="0"/>
+              </a:rPr>
+              <a:t> let </a:t>
+            </a:r>
+            <a:r>
+              <a:rPr lang="en-US" dirty="0">
+                <a:latin typeface="Times New Roman" panose="02020603050405020304" pitchFamily="18" charset="0"/>
+                <a:cs typeface="Times New Roman" panose="02020603050405020304" pitchFamily="18" charset="0"/>
+              </a:rPr>
+              <a:t>color: string = "blue</a:t>
+            </a:r>
+            <a:r>
+              <a:rPr lang="en-US" dirty="0" smtClean="0">
+                <a:latin typeface="Times New Roman" panose="02020603050405020304" pitchFamily="18" charset="0"/>
+                <a:cs typeface="Times New Roman" panose="02020603050405020304" pitchFamily="18" charset="0"/>
+              </a:rPr>
+              <a:t>";</a:t>
+            </a:r>
+          </a:p>
+          <a:p>
+            <a:r>
+              <a:rPr lang="en-US" b="1" dirty="0" smtClean="0">
+                <a:latin typeface="Times New Roman" panose="02020603050405020304" pitchFamily="18" charset="0"/>
+                <a:cs typeface="Times New Roman" panose="02020603050405020304" pitchFamily="18" charset="0"/>
+              </a:rPr>
+              <a:t>Array</a:t>
+            </a:r>
+            <a:r>
+              <a:rPr lang="en-US" dirty="0" smtClean="0">
+                <a:latin typeface="Times New Roman" panose="02020603050405020304" pitchFamily="18" charset="0"/>
+                <a:cs typeface="Times New Roman" panose="02020603050405020304" pitchFamily="18" charset="0"/>
+              </a:rPr>
+              <a:t> let </a:t>
+            </a:r>
+            <a:r>
+              <a:rPr lang="en-US" dirty="0">
+                <a:latin typeface="Times New Roman" panose="02020603050405020304" pitchFamily="18" charset="0"/>
+                <a:cs typeface="Times New Roman" panose="02020603050405020304" pitchFamily="18" charset="0"/>
+              </a:rPr>
+              <a:t>list: number[] = [1, 2, 3];</a:t>
+            </a:r>
+          </a:p>
+          <a:p>
+            <a:r>
+              <a:rPr lang="en-US" b="1" dirty="0" smtClean="0">
+                <a:latin typeface="Times New Roman" panose="02020603050405020304" pitchFamily="18" charset="0"/>
+                <a:cs typeface="Times New Roman" panose="02020603050405020304" pitchFamily="18" charset="0"/>
+              </a:rPr>
+              <a:t>Tuple</a:t>
+            </a:r>
+            <a:r>
+              <a:rPr lang="en-US" dirty="0" smtClean="0">
+                <a:latin typeface="Times New Roman" panose="02020603050405020304" pitchFamily="18" charset="0"/>
+                <a:cs typeface="Times New Roman" panose="02020603050405020304" pitchFamily="18" charset="0"/>
+              </a:rPr>
+              <a:t> let </a:t>
+            </a:r>
+            <a:r>
+              <a:rPr lang="en-US" dirty="0">
+                <a:latin typeface="Times New Roman" panose="02020603050405020304" pitchFamily="18" charset="0"/>
+                <a:cs typeface="Times New Roman" panose="02020603050405020304" pitchFamily="18" charset="0"/>
+              </a:rPr>
+              <a:t>x: [string, number</a:t>
+            </a:r>
+            <a:r>
+              <a:rPr lang="en-US" dirty="0" smtClean="0">
+                <a:latin typeface="Times New Roman" panose="02020603050405020304" pitchFamily="18" charset="0"/>
+                <a:cs typeface="Times New Roman" panose="02020603050405020304" pitchFamily="18" charset="0"/>
+              </a:rPr>
+              <a:t>]; </a:t>
+            </a:r>
+            <a:r>
+              <a:rPr lang="en-US" dirty="0">
+                <a:latin typeface="Times New Roman" panose="02020603050405020304" pitchFamily="18" charset="0"/>
+                <a:cs typeface="Times New Roman" panose="02020603050405020304" pitchFamily="18" charset="0"/>
+              </a:rPr>
+              <a:t>x = ["hello", 10]; </a:t>
+            </a:r>
+            <a:endParaRPr lang="en-US" dirty="0" smtClean="0">
+              <a:latin typeface="Times New Roman" panose="02020603050405020304" pitchFamily="18" charset="0"/>
+              <a:cs typeface="Times New Roman" panose="02020603050405020304" pitchFamily="18" charset="0"/>
+            </a:endParaRPr>
+          </a:p>
+          <a:p>
+            <a:r>
+              <a:rPr lang="en-US" b="1" dirty="0" err="1" smtClean="0">
+                <a:latin typeface="Times New Roman" panose="02020603050405020304" pitchFamily="18" charset="0"/>
+                <a:cs typeface="Times New Roman" panose="02020603050405020304" pitchFamily="18" charset="0"/>
+              </a:rPr>
+              <a:t>Enum</a:t>
+            </a:r>
+            <a:r>
+              <a:rPr lang="en-US" dirty="0" smtClean="0">
+                <a:latin typeface="Times New Roman" panose="02020603050405020304" pitchFamily="18" charset="0"/>
+                <a:cs typeface="Times New Roman" panose="02020603050405020304" pitchFamily="18" charset="0"/>
+              </a:rPr>
+              <a:t> </a:t>
+            </a:r>
+            <a:r>
+              <a:rPr lang="en-US" dirty="0" err="1" smtClean="0">
+                <a:latin typeface="Times New Roman" panose="02020603050405020304" pitchFamily="18" charset="0"/>
+                <a:cs typeface="Times New Roman" panose="02020603050405020304" pitchFamily="18" charset="0"/>
+              </a:rPr>
+              <a:t>enum</a:t>
+            </a:r>
+            <a:r>
+              <a:rPr lang="en-US" dirty="0" smtClean="0">
+                <a:latin typeface="Times New Roman" panose="02020603050405020304" pitchFamily="18" charset="0"/>
+                <a:cs typeface="Times New Roman" panose="02020603050405020304" pitchFamily="18" charset="0"/>
+              </a:rPr>
+              <a:t> </a:t>
+            </a:r>
+            <a:r>
+              <a:rPr lang="en-US" dirty="0">
+                <a:latin typeface="Times New Roman" panose="02020603050405020304" pitchFamily="18" charset="0"/>
+                <a:cs typeface="Times New Roman" panose="02020603050405020304" pitchFamily="18" charset="0"/>
+              </a:rPr>
+              <a:t>Color {Red = 1, Green, Blue</a:t>
+            </a:r>
+            <a:r>
+              <a:rPr lang="en-US" dirty="0" smtClean="0">
+                <a:latin typeface="Times New Roman" panose="02020603050405020304" pitchFamily="18" charset="0"/>
+                <a:cs typeface="Times New Roman" panose="02020603050405020304" pitchFamily="18" charset="0"/>
+              </a:rPr>
+              <a:t>}</a:t>
+            </a:r>
+          </a:p>
+          <a:p>
+            <a:r>
+              <a:rPr lang="en-US" b="1" dirty="0" smtClean="0">
+                <a:latin typeface="Times New Roman" panose="02020603050405020304" pitchFamily="18" charset="0"/>
+                <a:cs typeface="Times New Roman" panose="02020603050405020304" pitchFamily="18" charset="0"/>
+              </a:rPr>
+              <a:t>Any</a:t>
+            </a:r>
+            <a:r>
+              <a:rPr lang="en-US" dirty="0" smtClean="0">
+                <a:latin typeface="Times New Roman" panose="02020603050405020304" pitchFamily="18" charset="0"/>
+                <a:cs typeface="Times New Roman" panose="02020603050405020304" pitchFamily="18" charset="0"/>
+              </a:rPr>
+              <a:t> let </a:t>
+            </a:r>
+            <a:r>
+              <a:rPr lang="en-US" dirty="0" err="1">
+                <a:latin typeface="Times New Roman" panose="02020603050405020304" pitchFamily="18" charset="0"/>
+                <a:cs typeface="Times New Roman" panose="02020603050405020304" pitchFamily="18" charset="0"/>
+              </a:rPr>
+              <a:t>notSure</a:t>
+            </a:r>
+            <a:r>
+              <a:rPr lang="en-US" dirty="0">
+                <a:latin typeface="Times New Roman" panose="02020603050405020304" pitchFamily="18" charset="0"/>
+                <a:cs typeface="Times New Roman" panose="02020603050405020304" pitchFamily="18" charset="0"/>
+              </a:rPr>
+              <a:t>: any = 4</a:t>
+            </a:r>
+            <a:r>
+              <a:rPr lang="en-US" dirty="0" smtClean="0">
+                <a:latin typeface="Times New Roman" panose="02020603050405020304" pitchFamily="18" charset="0"/>
+                <a:cs typeface="Times New Roman" panose="02020603050405020304" pitchFamily="18" charset="0"/>
+              </a:rPr>
+              <a:t>;</a:t>
+            </a:r>
+          </a:p>
+          <a:p>
+            <a:r>
+              <a:rPr lang="en-US" b="1" dirty="0" smtClean="0">
+                <a:latin typeface="Times New Roman" panose="02020603050405020304" pitchFamily="18" charset="0"/>
+                <a:cs typeface="Times New Roman" panose="02020603050405020304" pitchFamily="18" charset="0"/>
+              </a:rPr>
+              <a:t>Void</a:t>
+            </a:r>
+            <a:r>
+              <a:rPr lang="en-US" dirty="0" smtClean="0">
+                <a:latin typeface="Times New Roman" panose="02020603050405020304" pitchFamily="18" charset="0"/>
+                <a:cs typeface="Times New Roman" panose="02020603050405020304" pitchFamily="18" charset="0"/>
+              </a:rPr>
+              <a:t> function </a:t>
+            </a:r>
+            <a:r>
+              <a:rPr lang="en-US" dirty="0" err="1">
+                <a:latin typeface="Times New Roman" panose="02020603050405020304" pitchFamily="18" charset="0"/>
+                <a:cs typeface="Times New Roman" panose="02020603050405020304" pitchFamily="18" charset="0"/>
+              </a:rPr>
+              <a:t>warnUser</a:t>
+            </a:r>
+            <a:r>
+              <a:rPr lang="en-US" dirty="0">
+                <a:latin typeface="Times New Roman" panose="02020603050405020304" pitchFamily="18" charset="0"/>
+                <a:cs typeface="Times New Roman" panose="02020603050405020304" pitchFamily="18" charset="0"/>
+              </a:rPr>
+              <a:t>(): void </a:t>
+            </a:r>
+            <a:endParaRPr lang="en-US" dirty="0" smtClean="0">
+              <a:latin typeface="Times New Roman" panose="02020603050405020304" pitchFamily="18" charset="0"/>
+              <a:cs typeface="Times New Roman" panose="02020603050405020304" pitchFamily="18" charset="0"/>
+            </a:endParaRPr>
+          </a:p>
+          <a:p>
+            <a:r>
+              <a:rPr lang="en-US" b="1" dirty="0" smtClean="0">
+                <a:latin typeface="Times New Roman" panose="02020603050405020304" pitchFamily="18" charset="0"/>
+                <a:cs typeface="Times New Roman" panose="02020603050405020304" pitchFamily="18" charset="0"/>
+              </a:rPr>
+              <a:t>Null and Undefined</a:t>
+            </a:r>
+          </a:p>
+          <a:p>
+            <a:r>
+              <a:rPr lang="en-US" b="1" dirty="0" smtClean="0">
+                <a:latin typeface="Times New Roman" panose="02020603050405020304" pitchFamily="18" charset="0"/>
+                <a:cs typeface="Times New Roman" panose="02020603050405020304" pitchFamily="18" charset="0"/>
+              </a:rPr>
+              <a:t>Object</a:t>
+            </a:r>
+            <a:endParaRPr lang="en-US" b="1" dirty="0">
+              <a:latin typeface="Times New Roman" panose="02020603050405020304" pitchFamily="18" charset="0"/>
+              <a:cs typeface="Times New Roman" panose="02020603050405020304" pitchFamily="18" charset="0"/>
+            </a:endParaRPr>
+          </a:p>
+          <a:p>
+            <a:r>
+              <a:rPr lang="nl-NL" dirty="0" smtClean="0">
+                <a:latin typeface="Times New Roman" panose="02020603050405020304" pitchFamily="18" charset="0"/>
+                <a:cs typeface="Times New Roman" panose="02020603050405020304" pitchFamily="18" charset="0"/>
+              </a:rPr>
+              <a:t>Type </a:t>
+            </a:r>
+            <a:r>
+              <a:rPr lang="nl-NL" dirty="0" err="1" smtClean="0">
+                <a:latin typeface="Times New Roman" panose="02020603050405020304" pitchFamily="18" charset="0"/>
+                <a:cs typeface="Times New Roman" panose="02020603050405020304" pitchFamily="18" charset="0"/>
+              </a:rPr>
+              <a:t>assertion</a:t>
+            </a:r>
+            <a:r>
+              <a:rPr lang="nl-NL" dirty="0" smtClean="0">
+                <a:latin typeface="Times New Roman" panose="02020603050405020304" pitchFamily="18" charset="0"/>
+                <a:cs typeface="Times New Roman" panose="02020603050405020304" pitchFamily="18" charset="0"/>
+              </a:rPr>
+              <a:t> </a:t>
+            </a:r>
+            <a:r>
+              <a:rPr lang="en-US" dirty="0">
+                <a:latin typeface="Times New Roman" panose="02020603050405020304" pitchFamily="18" charset="0"/>
+                <a:cs typeface="Times New Roman" panose="02020603050405020304" pitchFamily="18" charset="0"/>
+              </a:rPr>
+              <a:t>let </a:t>
+            </a:r>
+            <a:r>
+              <a:rPr lang="en-US" dirty="0" err="1">
+                <a:latin typeface="Times New Roman" panose="02020603050405020304" pitchFamily="18" charset="0"/>
+                <a:cs typeface="Times New Roman" panose="02020603050405020304" pitchFamily="18" charset="0"/>
+              </a:rPr>
+              <a:t>strLength</a:t>
+            </a:r>
+            <a:r>
+              <a:rPr lang="en-US" dirty="0">
+                <a:latin typeface="Times New Roman" panose="02020603050405020304" pitchFamily="18" charset="0"/>
+                <a:cs typeface="Times New Roman" panose="02020603050405020304" pitchFamily="18" charset="0"/>
+              </a:rPr>
+              <a:t>: number = (</a:t>
+            </a:r>
+            <a:r>
+              <a:rPr lang="en-US" dirty="0" err="1">
+                <a:latin typeface="Times New Roman" panose="02020603050405020304" pitchFamily="18" charset="0"/>
+                <a:cs typeface="Times New Roman" panose="02020603050405020304" pitchFamily="18" charset="0"/>
+              </a:rPr>
+              <a:t>someValue</a:t>
+            </a:r>
+            <a:r>
+              <a:rPr lang="en-US" dirty="0">
+                <a:latin typeface="Times New Roman" panose="02020603050405020304" pitchFamily="18" charset="0"/>
+                <a:cs typeface="Times New Roman" panose="02020603050405020304" pitchFamily="18" charset="0"/>
+              </a:rPr>
+              <a:t> as string).length;</a:t>
+            </a:r>
+          </a:p>
+          <a:p>
+            <a:endParaRPr lang="en-US" dirty="0"/>
+          </a:p>
+          <a:p>
+            <a:endParaRPr lang="en-US" dirty="0"/>
+          </a:p>
+          <a:p>
+            <a:endParaRPr lang="en-US" dirty="0"/>
+          </a:p>
+          <a:p>
+            <a:endParaRPr lang="en-US" dirty="0"/>
+          </a:p>
+          <a:p>
+            <a:endParaRPr lang="en-US" dirty="0"/>
+          </a:p>
+          <a:p>
+            <a:endParaRPr lang="en-US" dirty="0"/>
+          </a:p>
+          <a:p>
+            <a:endParaRPr lang="en-US" dirty="0"/>
+          </a:p>
+        </p:txBody>
+      </p:sp>
+    </p:spTree>
+    <p:extLst>
+      <p:ext uri="{BB962C8B-B14F-4D97-AF65-F5344CB8AC3E}">
+        <p14:creationId xmlns:p14="http://schemas.microsoft.com/office/powerpoint/2010/main" val="728131117"/>
       </p:ext>
     </p:extLst>
   </p:cSld>

--- a/Angular Workshop/Angular Workshop.pptx
+++ b/Angular Workshop/Angular Workshop.pptx
@@ -5,7 +5,7 @@
     <p:sldMasterId id="2147483790" r:id="rId1"/>
   </p:sldMasterIdLst>
   <p:notesMasterIdLst>
-    <p:notesMasterId r:id="rId15"/>
+    <p:notesMasterId r:id="rId16"/>
   </p:notesMasterIdLst>
   <p:sldIdLst>
     <p:sldId id="256" r:id="rId2"/>
@@ -21,6 +21,7 @@
     <p:sldId id="266" r:id="rId12"/>
     <p:sldId id="267" r:id="rId13"/>
     <p:sldId id="268" r:id="rId14"/>
+    <p:sldId id="269" r:id="rId15"/>
   </p:sldIdLst>
   <p:sldSz cx="12192000" cy="6858000"/>
   <p:notesSz cx="6858000" cy="9144000"/>
@@ -5829,21 +5830,21 @@
           </a:p>
           <a:p>
             <a:r>
-              <a:rPr lang="nl-NL" dirty="0" smtClean="0">
+              <a:rPr lang="nl-NL" b="1" dirty="0" smtClean="0">
                 <a:latin typeface="Times New Roman" panose="02020603050405020304" pitchFamily="18" charset="0"/>
                 <a:cs typeface="Times New Roman" panose="02020603050405020304" pitchFamily="18" charset="0"/>
               </a:rPr>
               <a:t>Type </a:t>
             </a:r>
             <a:r>
-              <a:rPr lang="nl-NL" dirty="0" err="1" smtClean="0">
+              <a:rPr lang="nl-NL" b="1" dirty="0" err="1" smtClean="0">
                 <a:latin typeface="Times New Roman" panose="02020603050405020304" pitchFamily="18" charset="0"/>
                 <a:cs typeface="Times New Roman" panose="02020603050405020304" pitchFamily="18" charset="0"/>
               </a:rPr>
               <a:t>assertion</a:t>
             </a:r>
             <a:r>
-              <a:rPr lang="nl-NL" dirty="0" smtClean="0">
+              <a:rPr lang="nl-NL" b="1" dirty="0" smtClean="0">
                 <a:latin typeface="Times New Roman" panose="02020603050405020304" pitchFamily="18" charset="0"/>
                 <a:cs typeface="Times New Roman" panose="02020603050405020304" pitchFamily="18" charset="0"/>
               </a:rPr>
@@ -5912,6 +5913,373 @@
     <p:extLst>
       <p:ext uri="{BB962C8B-B14F-4D97-AF65-F5344CB8AC3E}">
         <p14:creationId xmlns:p14="http://schemas.microsoft.com/office/powerpoint/2010/main" val="728131117"/>
+      </p:ext>
+    </p:extLst>
+  </p:cSld>
+  <p:clrMapOvr>
+    <a:masterClrMapping/>
+  </p:clrMapOvr>
+</p:sld>
+</file>
+
+<file path=ppt/slides/slide14.xml><?xml version="1.0" encoding="utf-8"?>
+<p:sld xmlns:a="http://schemas.openxmlformats.org/drawingml/2006/main" xmlns:r="http://schemas.openxmlformats.org/officeDocument/2006/relationships" xmlns:p="http://schemas.openxmlformats.org/presentationml/2006/main">
+  <p:cSld>
+    <p:spTree>
+      <p:nvGrpSpPr>
+        <p:cNvPr id="1" name=""/>
+        <p:cNvGrpSpPr/>
+        <p:nvPr/>
+      </p:nvGrpSpPr>
+      <p:grpSpPr>
+        <a:xfrm>
+          <a:off x="0" y="0"/>
+          <a:ext cx="0" cy="0"/>
+          <a:chOff x="0" y="0"/>
+          <a:chExt cx="0" cy="0"/>
+        </a:xfrm>
+      </p:grpSpPr>
+      <p:sp>
+        <p:nvSpPr>
+          <p:cNvPr id="2" name="Title 1"/>
+          <p:cNvSpPr>
+            <a:spLocks noGrp="1"/>
+          </p:cNvSpPr>
+          <p:nvPr>
+            <p:ph type="title"/>
+          </p:nvPr>
+        </p:nvSpPr>
+        <p:spPr/>
+        <p:txBody>
+          <a:bodyPr/>
+          <a:lstStyle/>
+          <a:p>
+            <a:r>
+              <a:rPr lang="nl-NL" dirty="0" smtClean="0"/>
+              <a:t>Typescript </a:t>
+            </a:r>
+            <a:r>
+              <a:rPr lang="nl-NL" dirty="0" err="1" smtClean="0"/>
+              <a:t>function</a:t>
+            </a:r>
+            <a:endParaRPr lang="en-US" dirty="0"/>
+          </a:p>
+        </p:txBody>
+      </p:sp>
+      <p:sp>
+        <p:nvSpPr>
+          <p:cNvPr id="3" name="Content Placeholder 2"/>
+          <p:cNvSpPr>
+            <a:spLocks noGrp="1"/>
+          </p:cNvSpPr>
+          <p:nvPr>
+            <p:ph idx="1"/>
+          </p:nvPr>
+        </p:nvSpPr>
+        <p:spPr/>
+        <p:txBody>
+          <a:bodyPr>
+            <a:normAutofit fontScale="92500" lnSpcReduction="10000"/>
+          </a:bodyPr>
+          <a:lstStyle/>
+          <a:p>
+            <a:r>
+              <a:rPr lang="en-US" b="1" dirty="0">
+                <a:latin typeface="Times New Roman" panose="02020603050405020304" pitchFamily="18" charset="0"/>
+                <a:cs typeface="Times New Roman" panose="02020603050405020304" pitchFamily="18" charset="0"/>
+              </a:rPr>
+              <a:t>Arrow </a:t>
+            </a:r>
+            <a:r>
+              <a:rPr lang="en-US" b="1" dirty="0" smtClean="0">
+                <a:latin typeface="Times New Roman" panose="02020603050405020304" pitchFamily="18" charset="0"/>
+                <a:cs typeface="Times New Roman" panose="02020603050405020304" pitchFamily="18" charset="0"/>
+              </a:rPr>
+              <a:t>Function</a:t>
+            </a:r>
+            <a:r>
+              <a:rPr lang="en-US" dirty="0" smtClean="0">
+                <a:latin typeface="Times New Roman" panose="02020603050405020304" pitchFamily="18" charset="0"/>
+                <a:cs typeface="Times New Roman" panose="02020603050405020304" pitchFamily="18" charset="0"/>
+              </a:rPr>
+              <a:t>: Fat </a:t>
+            </a:r>
+            <a:r>
+              <a:rPr lang="en-US" dirty="0">
+                <a:latin typeface="Times New Roman" panose="02020603050405020304" pitchFamily="18" charset="0"/>
+                <a:cs typeface="Times New Roman" panose="02020603050405020304" pitchFamily="18" charset="0"/>
+              </a:rPr>
+              <a:t>arrow notations are used for anonymous functions </a:t>
+            </a:r>
+            <a:r>
+              <a:rPr lang="en-US" dirty="0" err="1">
+                <a:latin typeface="Times New Roman" panose="02020603050405020304" pitchFamily="18" charset="0"/>
+                <a:cs typeface="Times New Roman" panose="02020603050405020304" pitchFamily="18" charset="0"/>
+              </a:rPr>
+              <a:t>i.e</a:t>
+            </a:r>
+            <a:r>
+              <a:rPr lang="en-US" dirty="0">
+                <a:latin typeface="Times New Roman" panose="02020603050405020304" pitchFamily="18" charset="0"/>
+                <a:cs typeface="Times New Roman" panose="02020603050405020304" pitchFamily="18" charset="0"/>
+              </a:rPr>
+              <a:t> for function </a:t>
+            </a:r>
+            <a:r>
+              <a:rPr lang="en-US" dirty="0" smtClean="0">
+                <a:latin typeface="Times New Roman" panose="02020603050405020304" pitchFamily="18" charset="0"/>
+                <a:cs typeface="Times New Roman" panose="02020603050405020304" pitchFamily="18" charset="0"/>
+              </a:rPr>
+              <a:t>expressions</a:t>
+            </a:r>
+          </a:p>
+          <a:p>
+            <a:pPr marL="0" indent="0">
+              <a:buNone/>
+            </a:pPr>
+            <a:r>
+              <a:rPr lang="en-US" dirty="0">
+                <a:latin typeface="Times New Roman" panose="02020603050405020304" pitchFamily="18" charset="0"/>
+                <a:cs typeface="Times New Roman" panose="02020603050405020304" pitchFamily="18" charset="0"/>
+              </a:rPr>
+              <a:t>let sum = (x: number, y: number) =&gt; x + y</a:t>
+            </a:r>
+            <a:r>
+              <a:rPr lang="en-US" dirty="0" smtClean="0">
+                <a:latin typeface="Times New Roman" panose="02020603050405020304" pitchFamily="18" charset="0"/>
+                <a:cs typeface="Times New Roman" panose="02020603050405020304" pitchFamily="18" charset="0"/>
+              </a:rPr>
+              <a:t>;</a:t>
+            </a:r>
+          </a:p>
+          <a:p>
+            <a:r>
+              <a:rPr lang="en-US" dirty="0">
+                <a:latin typeface="Times New Roman" panose="02020603050405020304" pitchFamily="18" charset="0"/>
+                <a:cs typeface="Times New Roman" panose="02020603050405020304" pitchFamily="18" charset="0"/>
+              </a:rPr>
+              <a:t> </a:t>
+            </a:r>
+            <a:r>
+              <a:rPr lang="en-US" b="1" dirty="0">
+                <a:latin typeface="Times New Roman" panose="02020603050405020304" pitchFamily="18" charset="0"/>
+                <a:cs typeface="Times New Roman" panose="02020603050405020304" pitchFamily="18" charset="0"/>
+              </a:rPr>
+              <a:t>Function </a:t>
+            </a:r>
+            <a:r>
+              <a:rPr lang="en-US" b="1" dirty="0" smtClean="0">
+                <a:latin typeface="Times New Roman" panose="02020603050405020304" pitchFamily="18" charset="0"/>
+                <a:cs typeface="Times New Roman" panose="02020603050405020304" pitchFamily="18" charset="0"/>
+              </a:rPr>
+              <a:t>Overloading: </a:t>
+            </a:r>
+            <a:r>
+              <a:rPr lang="en-US" dirty="0">
+                <a:latin typeface="Times New Roman" panose="02020603050405020304" pitchFamily="18" charset="0"/>
+                <a:cs typeface="Times New Roman" panose="02020603050405020304" pitchFamily="18" charset="0"/>
+              </a:rPr>
+              <a:t> You can have multiple functions with the same name but different parameter types and return type. However, the number of parameters should be the same</a:t>
+            </a:r>
+            <a:r>
+              <a:rPr lang="en-US" dirty="0" smtClean="0">
+                <a:latin typeface="Times New Roman" panose="02020603050405020304" pitchFamily="18" charset="0"/>
+                <a:cs typeface="Times New Roman" panose="02020603050405020304" pitchFamily="18" charset="0"/>
+              </a:rPr>
+              <a:t>.</a:t>
+            </a:r>
+          </a:p>
+          <a:p>
+            <a:pPr marL="0" indent="0">
+              <a:buNone/>
+            </a:pPr>
+            <a:r>
+              <a:rPr lang="en-US" dirty="0">
+                <a:latin typeface="Times New Roman" panose="02020603050405020304" pitchFamily="18" charset="0"/>
+                <a:cs typeface="Times New Roman" panose="02020603050405020304" pitchFamily="18" charset="0"/>
+              </a:rPr>
+              <a:t>function add(</a:t>
+            </a:r>
+            <a:r>
+              <a:rPr lang="en-US" dirty="0" err="1">
+                <a:latin typeface="Times New Roman" panose="02020603050405020304" pitchFamily="18" charset="0"/>
+                <a:cs typeface="Times New Roman" panose="02020603050405020304" pitchFamily="18" charset="0"/>
+              </a:rPr>
+              <a:t>a:string</a:t>
+            </a:r>
+            <a:r>
+              <a:rPr lang="en-US" dirty="0">
+                <a:latin typeface="Times New Roman" panose="02020603050405020304" pitchFamily="18" charset="0"/>
+                <a:cs typeface="Times New Roman" panose="02020603050405020304" pitchFamily="18" charset="0"/>
+              </a:rPr>
+              <a:t>, b:string):string</a:t>
+            </a:r>
+            <a:r>
+              <a:rPr lang="en-US" dirty="0" smtClean="0">
+                <a:latin typeface="Times New Roman" panose="02020603050405020304" pitchFamily="18" charset="0"/>
+                <a:cs typeface="Times New Roman" panose="02020603050405020304" pitchFamily="18" charset="0"/>
+              </a:rPr>
+              <a:t>;</a:t>
+            </a:r>
+            <a:endParaRPr lang="en-US" dirty="0">
+              <a:latin typeface="Times New Roman" panose="02020603050405020304" pitchFamily="18" charset="0"/>
+              <a:cs typeface="Times New Roman" panose="02020603050405020304" pitchFamily="18" charset="0"/>
+            </a:endParaRPr>
+          </a:p>
+          <a:p>
+            <a:pPr marL="0" indent="0">
+              <a:buNone/>
+            </a:pPr>
+            <a:r>
+              <a:rPr lang="en-US" dirty="0">
+                <a:latin typeface="Times New Roman" panose="02020603050405020304" pitchFamily="18" charset="0"/>
+                <a:cs typeface="Times New Roman" panose="02020603050405020304" pitchFamily="18" charset="0"/>
+              </a:rPr>
+              <a:t>function add(</a:t>
+            </a:r>
+            <a:r>
+              <a:rPr lang="en-US" dirty="0" err="1">
+                <a:latin typeface="Times New Roman" panose="02020603050405020304" pitchFamily="18" charset="0"/>
+                <a:cs typeface="Times New Roman" panose="02020603050405020304" pitchFamily="18" charset="0"/>
+              </a:rPr>
+              <a:t>a:number</a:t>
+            </a:r>
+            <a:r>
+              <a:rPr lang="en-US" dirty="0">
+                <a:latin typeface="Times New Roman" panose="02020603050405020304" pitchFamily="18" charset="0"/>
+                <a:cs typeface="Times New Roman" panose="02020603050405020304" pitchFamily="18" charset="0"/>
+              </a:rPr>
+              <a:t>, b:number): number</a:t>
+            </a:r>
+            <a:r>
+              <a:rPr lang="en-US" dirty="0" smtClean="0">
+                <a:latin typeface="Times New Roman" panose="02020603050405020304" pitchFamily="18" charset="0"/>
+                <a:cs typeface="Times New Roman" panose="02020603050405020304" pitchFamily="18" charset="0"/>
+              </a:rPr>
+              <a:t>;</a:t>
+            </a:r>
+          </a:p>
+          <a:p>
+            <a:r>
+              <a:rPr lang="en-US" b="1" dirty="0">
+                <a:latin typeface="Times New Roman" panose="02020603050405020304" pitchFamily="18" charset="0"/>
+                <a:cs typeface="Times New Roman" panose="02020603050405020304" pitchFamily="18" charset="0"/>
+              </a:rPr>
+              <a:t>Rest </a:t>
+            </a:r>
+            <a:r>
+              <a:rPr lang="en-US" b="1" dirty="0" smtClean="0">
+                <a:latin typeface="Times New Roman" panose="02020603050405020304" pitchFamily="18" charset="0"/>
+                <a:cs typeface="Times New Roman" panose="02020603050405020304" pitchFamily="18" charset="0"/>
+              </a:rPr>
+              <a:t>Parameters</a:t>
+            </a:r>
+          </a:p>
+          <a:p>
+            <a:pPr marL="0" indent="0">
+              <a:buNone/>
+            </a:pPr>
+            <a:r>
+              <a:rPr lang="en-US" dirty="0">
+                <a:latin typeface="Times New Roman" panose="02020603050405020304" pitchFamily="18" charset="0"/>
+                <a:cs typeface="Times New Roman" panose="02020603050405020304" pitchFamily="18" charset="0"/>
+              </a:rPr>
+              <a:t>function Greet(greeting: string, ...names: string[]) {</a:t>
+            </a:r>
+          </a:p>
+          <a:p>
+            <a:pPr marL="0" indent="0">
+              <a:buNone/>
+            </a:pPr>
+            <a:r>
+              <a:rPr lang="en-US" dirty="0">
+                <a:latin typeface="Times New Roman" panose="02020603050405020304" pitchFamily="18" charset="0"/>
+                <a:cs typeface="Times New Roman" panose="02020603050405020304" pitchFamily="18" charset="0"/>
+              </a:rPr>
+              <a:t>    return greeting + " " + </a:t>
+            </a:r>
+            <a:r>
+              <a:rPr lang="en-US" dirty="0" err="1">
+                <a:latin typeface="Times New Roman" panose="02020603050405020304" pitchFamily="18" charset="0"/>
+                <a:cs typeface="Times New Roman" panose="02020603050405020304" pitchFamily="18" charset="0"/>
+              </a:rPr>
+              <a:t>names.join</a:t>
+            </a:r>
+            <a:r>
+              <a:rPr lang="en-US" dirty="0">
+                <a:latin typeface="Times New Roman" panose="02020603050405020304" pitchFamily="18" charset="0"/>
+                <a:cs typeface="Times New Roman" panose="02020603050405020304" pitchFamily="18" charset="0"/>
+              </a:rPr>
+              <a:t>(", ") + "!";</a:t>
+            </a:r>
+          </a:p>
+          <a:p>
+            <a:pPr marL="0" indent="0">
+              <a:buNone/>
+            </a:pPr>
+            <a:r>
+              <a:rPr lang="en-US" dirty="0">
+                <a:latin typeface="Times New Roman" panose="02020603050405020304" pitchFamily="18" charset="0"/>
+                <a:cs typeface="Times New Roman" panose="02020603050405020304" pitchFamily="18" charset="0"/>
+              </a:rPr>
+              <a:t>}</a:t>
+            </a:r>
+          </a:p>
+          <a:p>
+            <a:pPr marL="0" indent="0">
+              <a:buNone/>
+            </a:pPr>
+            <a:r>
+              <a:rPr lang="en-US" dirty="0" smtClean="0">
+                <a:latin typeface="Times New Roman" panose="02020603050405020304" pitchFamily="18" charset="0"/>
+                <a:cs typeface="Times New Roman" panose="02020603050405020304" pitchFamily="18" charset="0"/>
+              </a:rPr>
+              <a:t>Greet</a:t>
+            </a:r>
+            <a:r>
+              <a:rPr lang="en-US" dirty="0">
+                <a:latin typeface="Times New Roman" panose="02020603050405020304" pitchFamily="18" charset="0"/>
+                <a:cs typeface="Times New Roman" panose="02020603050405020304" pitchFamily="18" charset="0"/>
+              </a:rPr>
+              <a:t>("Hello", "Steve", "Bill"); // returns "Hello Steve, Bill!"</a:t>
+            </a:r>
+          </a:p>
+          <a:p>
+            <a:pPr marL="0" indent="0">
+              <a:buNone/>
+            </a:pPr>
+            <a:endParaRPr lang="en-US" dirty="0" smtClean="0">
+              <a:latin typeface="Times New Roman" panose="02020603050405020304" pitchFamily="18" charset="0"/>
+              <a:cs typeface="Times New Roman" panose="02020603050405020304" pitchFamily="18" charset="0"/>
+            </a:endParaRPr>
+          </a:p>
+          <a:p>
+            <a:pPr marL="0" indent="0">
+              <a:buNone/>
+            </a:pPr>
+            <a:endParaRPr lang="en-US" dirty="0">
+              <a:latin typeface="Times New Roman" panose="02020603050405020304" pitchFamily="18" charset="0"/>
+              <a:cs typeface="Times New Roman" panose="02020603050405020304" pitchFamily="18" charset="0"/>
+            </a:endParaRPr>
+          </a:p>
+          <a:p>
+            <a:endParaRPr lang="en-US" dirty="0">
+              <a:latin typeface="Times New Roman" panose="02020603050405020304" pitchFamily="18" charset="0"/>
+              <a:cs typeface="Times New Roman" panose="02020603050405020304" pitchFamily="18" charset="0"/>
+            </a:endParaRPr>
+          </a:p>
+          <a:p>
+            <a:endParaRPr lang="en-US" dirty="0">
+              <a:latin typeface="Times New Roman" panose="02020603050405020304" pitchFamily="18" charset="0"/>
+              <a:cs typeface="Times New Roman" panose="02020603050405020304" pitchFamily="18" charset="0"/>
+            </a:endParaRPr>
+          </a:p>
+        </p:txBody>
+      </p:sp>
+    </p:spTree>
+    <p:extLst>
+      <p:ext uri="{BB962C8B-B14F-4D97-AF65-F5344CB8AC3E}">
+        <p14:creationId xmlns:p14="http://schemas.microsoft.com/office/powerpoint/2010/main" val="1703240444"/>
       </p:ext>
     </p:extLst>
   </p:cSld>

--- a/Angular Workshop/Angular Workshop.pptx
+++ b/Angular Workshop/Angular Workshop.pptx
@@ -5,7 +5,7 @@
     <p:sldMasterId id="2147483790" r:id="rId1"/>
   </p:sldMasterIdLst>
   <p:notesMasterIdLst>
-    <p:notesMasterId r:id="rId16"/>
+    <p:notesMasterId r:id="rId17"/>
   </p:notesMasterIdLst>
   <p:sldIdLst>
     <p:sldId id="256" r:id="rId2"/>
@@ -22,6 +22,7 @@
     <p:sldId id="267" r:id="rId13"/>
     <p:sldId id="268" r:id="rId14"/>
     <p:sldId id="269" r:id="rId15"/>
+    <p:sldId id="270" r:id="rId16"/>
   </p:sldIdLst>
   <p:sldSz cx="12192000" cy="6858000"/>
   <p:notesSz cx="6858000" cy="9144000"/>
@@ -6280,6 +6281,157 @@
     <p:extLst>
       <p:ext uri="{BB962C8B-B14F-4D97-AF65-F5344CB8AC3E}">
         <p14:creationId xmlns:p14="http://schemas.microsoft.com/office/powerpoint/2010/main" val="1703240444"/>
+      </p:ext>
+    </p:extLst>
+  </p:cSld>
+  <p:clrMapOvr>
+    <a:masterClrMapping/>
+  </p:clrMapOvr>
+</p:sld>
+</file>
+
+<file path=ppt/slides/slide15.xml><?xml version="1.0" encoding="utf-8"?>
+<p:sld xmlns:a="http://schemas.openxmlformats.org/drawingml/2006/main" xmlns:r="http://schemas.openxmlformats.org/officeDocument/2006/relationships" xmlns:p="http://schemas.openxmlformats.org/presentationml/2006/main">
+  <p:cSld>
+    <p:spTree>
+      <p:nvGrpSpPr>
+        <p:cNvPr id="1" name=""/>
+        <p:cNvGrpSpPr/>
+        <p:nvPr/>
+      </p:nvGrpSpPr>
+      <p:grpSpPr>
+        <a:xfrm>
+          <a:off x="0" y="0"/>
+          <a:ext cx="0" cy="0"/>
+          <a:chOff x="0" y="0"/>
+          <a:chExt cx="0" cy="0"/>
+        </a:xfrm>
+      </p:grpSpPr>
+      <p:sp>
+        <p:nvSpPr>
+          <p:cNvPr id="2" name="Title 1"/>
+          <p:cNvSpPr>
+            <a:spLocks noGrp="1"/>
+          </p:cNvSpPr>
+          <p:nvPr>
+            <p:ph type="title"/>
+          </p:nvPr>
+        </p:nvSpPr>
+        <p:spPr/>
+        <p:txBody>
+          <a:bodyPr>
+            <a:normAutofit fontScale="90000"/>
+          </a:bodyPr>
+          <a:lstStyle/>
+          <a:p>
+            <a:r>
+              <a:rPr lang="en-US" dirty="0" smtClean="0">
+                <a:latin typeface="Times New Roman" panose="02020603050405020304" pitchFamily="18" charset="0"/>
+                <a:cs typeface="Times New Roman" panose="02020603050405020304" pitchFamily="18" charset="0"/>
+              </a:rPr>
+              <a:t/>
+            </a:r>
+            <a:br>
+              <a:rPr lang="en-US" dirty="0" smtClean="0">
+                <a:latin typeface="Times New Roman" panose="02020603050405020304" pitchFamily="18" charset="0"/>
+                <a:cs typeface="Times New Roman" panose="02020603050405020304" pitchFamily="18" charset="0"/>
+              </a:rPr>
+            </a:br>
+            <a:r>
+              <a:rPr lang="en-US" dirty="0" err="1" smtClean="0">
+                <a:latin typeface="Times New Roman" panose="02020603050405020304" pitchFamily="18" charset="0"/>
+                <a:cs typeface="Times New Roman" panose="02020603050405020304" pitchFamily="18" charset="0"/>
+              </a:rPr>
+              <a:t>Speread</a:t>
+            </a:r>
+            <a:r>
+              <a:rPr lang="en-US" dirty="0" smtClean="0">
+                <a:latin typeface="Times New Roman" panose="02020603050405020304" pitchFamily="18" charset="0"/>
+                <a:cs typeface="Times New Roman" panose="02020603050405020304" pitchFamily="18" charset="0"/>
+              </a:rPr>
+              <a:t> </a:t>
+            </a:r>
+            <a:r>
+              <a:rPr lang="en-US" dirty="0">
+                <a:latin typeface="Times New Roman" panose="02020603050405020304" pitchFamily="18" charset="0"/>
+                <a:cs typeface="Times New Roman" panose="02020603050405020304" pitchFamily="18" charset="0"/>
+              </a:rPr>
+              <a:t>operator</a:t>
+            </a:r>
+            <a:br>
+              <a:rPr lang="en-US" dirty="0">
+                <a:latin typeface="Times New Roman" panose="02020603050405020304" pitchFamily="18" charset="0"/>
+                <a:cs typeface="Times New Roman" panose="02020603050405020304" pitchFamily="18" charset="0"/>
+              </a:rPr>
+            </a:br>
+            <a:endParaRPr lang="en-US" dirty="0">
+              <a:latin typeface="Times New Roman" panose="02020603050405020304" pitchFamily="18" charset="0"/>
+              <a:cs typeface="Times New Roman" panose="02020603050405020304" pitchFamily="18" charset="0"/>
+            </a:endParaRPr>
+          </a:p>
+        </p:txBody>
+      </p:sp>
+      <p:sp>
+        <p:nvSpPr>
+          <p:cNvPr id="3" name="Content Placeholder 2"/>
+          <p:cNvSpPr>
+            <a:spLocks noGrp="1"/>
+          </p:cNvSpPr>
+          <p:nvPr>
+            <p:ph idx="1"/>
+          </p:nvPr>
+        </p:nvSpPr>
+        <p:spPr/>
+        <p:txBody>
+          <a:bodyPr/>
+          <a:lstStyle/>
+          <a:p>
+            <a:r>
+              <a:rPr lang="en-US" dirty="0" err="1">
+                <a:latin typeface="Times New Roman" panose="02020603050405020304" pitchFamily="18" charset="0"/>
+                <a:cs typeface="Times New Roman" panose="02020603050405020304" pitchFamily="18" charset="0"/>
+              </a:rPr>
+              <a:t>var</a:t>
+            </a:r>
+            <a:r>
+              <a:rPr lang="en-US" dirty="0">
+                <a:latin typeface="Times New Roman" panose="02020603050405020304" pitchFamily="18" charset="0"/>
+                <a:cs typeface="Times New Roman" panose="02020603050405020304" pitchFamily="18" charset="0"/>
+              </a:rPr>
+              <a:t> parts = ['shoulders', 'knees']; </a:t>
+            </a:r>
+          </a:p>
+          <a:p>
+            <a:r>
+              <a:rPr lang="en-US" dirty="0" err="1">
+                <a:latin typeface="Times New Roman" panose="02020603050405020304" pitchFamily="18" charset="0"/>
+                <a:cs typeface="Times New Roman" panose="02020603050405020304" pitchFamily="18" charset="0"/>
+              </a:rPr>
+              <a:t>var</a:t>
+            </a:r>
+            <a:r>
+              <a:rPr lang="en-US" dirty="0">
+                <a:latin typeface="Times New Roman" panose="02020603050405020304" pitchFamily="18" charset="0"/>
+                <a:cs typeface="Times New Roman" panose="02020603050405020304" pitchFamily="18" charset="0"/>
+              </a:rPr>
+              <a:t> lyrics = ['head', ...parts, 'and', 'toes']; </a:t>
+            </a:r>
+          </a:p>
+          <a:p>
+            <a:r>
+              <a:rPr lang="en-US" dirty="0">
+                <a:latin typeface="Times New Roman" panose="02020603050405020304" pitchFamily="18" charset="0"/>
+                <a:cs typeface="Times New Roman" panose="02020603050405020304" pitchFamily="18" charset="0"/>
+              </a:rPr>
+              <a:t>// ["head", "shoulders", "knees", "and", "toes"]</a:t>
+            </a:r>
+          </a:p>
+        </p:txBody>
+      </p:sp>
+    </p:spTree>
+    <p:extLst>
+      <p:ext uri="{BB962C8B-B14F-4D97-AF65-F5344CB8AC3E}">
+        <p14:creationId xmlns:p14="http://schemas.microsoft.com/office/powerpoint/2010/main" val="3220732713"/>
       </p:ext>
     </p:extLst>
   </p:cSld>

--- a/Angular Workshop/Angular Workshop.pptx
+++ b/Angular Workshop/Angular Workshop.pptx
@@ -5,7 +5,7 @@
     <p:sldMasterId id="2147483790" r:id="rId1"/>
   </p:sldMasterIdLst>
   <p:notesMasterIdLst>
-    <p:notesMasterId r:id="rId17"/>
+    <p:notesMasterId r:id="rId18"/>
   </p:notesMasterIdLst>
   <p:sldIdLst>
     <p:sldId id="256" r:id="rId2"/>
@@ -23,6 +23,7 @@
     <p:sldId id="268" r:id="rId14"/>
     <p:sldId id="269" r:id="rId15"/>
     <p:sldId id="270" r:id="rId16"/>
+    <p:sldId id="271" r:id="rId17"/>
   </p:sldIdLst>
   <p:sldSz cx="12192000" cy="6858000"/>
   <p:notesSz cx="6858000" cy="9144000"/>
@@ -4717,7 +4718,10 @@
           <a:lstStyle/>
           <a:p>
             <a:r>
-              <a:rPr lang="en-US" dirty="0"/>
+              <a:rPr lang="en-US" dirty="0">
+                <a:latin typeface="Times New Roman" panose="02020603050405020304" pitchFamily="18" charset="0"/>
+                <a:cs typeface="Times New Roman" panose="02020603050405020304" pitchFamily="18" charset="0"/>
+              </a:rPr>
               <a:t>Architecture overview</a:t>
             </a:r>
           </a:p>
@@ -4917,7 +4921,10 @@
           <a:lstStyle/>
           <a:p>
             <a:r>
-              <a:rPr lang="en-US" dirty="0"/>
+              <a:rPr lang="en-US" dirty="0">
+                <a:latin typeface="Times New Roman" panose="02020603050405020304" pitchFamily="18" charset="0"/>
+                <a:cs typeface="Times New Roman" panose="02020603050405020304" pitchFamily="18" charset="0"/>
+              </a:rPr>
               <a:t>Architecture overview</a:t>
             </a:r>
           </a:p>
@@ -5083,6 +5090,13 @@
   <p:clrMapOvr>
     <a:masterClrMapping/>
   </p:clrMapOvr>
+  <p:timing>
+    <p:tnLst>
+      <p:par>
+        <p:cTn id="1" dur="indefinite" restart="never" nodeType="tmRoot"/>
+      </p:par>
+    </p:tnLst>
+  </p:timing>
 </p:sld>
 </file>
 
@@ -5121,8 +5135,15 @@
           <a:lstStyle/>
           <a:p>
             <a:r>
+              <a:rPr lang="en-US" sz="4400" b="1" dirty="0">
+                <a:latin typeface="Times New Roman" panose="02020603050405020304" pitchFamily="18" charset="0"/>
+                <a:cs typeface="Times New Roman" panose="02020603050405020304" pitchFamily="18" charset="0"/>
+              </a:rPr>
+              <a:t>Introduction</a:t>
+            </a:r>
+            <a:r>
               <a:rPr lang="en-US" sz="4400" b="1" dirty="0"/>
-              <a:t>Introduction to Typescript</a:t>
+              <a:t> to Typescript</a:t>
             </a:r>
           </a:p>
         </p:txBody>
@@ -5465,6 +5486,13 @@
   <p:clrMapOvr>
     <a:masterClrMapping/>
   </p:clrMapOvr>
+  <p:timing>
+    <p:tnLst>
+      <p:par>
+        <p:cTn id="1" dur="indefinite" restart="never" nodeType="tmRoot"/>
+      </p:par>
+    </p:tnLst>
+  </p:timing>
 </p:sld>
 </file>
 
@@ -5501,10 +5529,16 @@
           <a:lstStyle/>
           <a:p>
             <a:r>
-              <a:rPr lang="nl-NL" dirty="0" smtClean="0"/>
+              <a:rPr lang="nl-NL" dirty="0" smtClean="0">
+                <a:latin typeface="Times New Roman" panose="02020603050405020304" pitchFamily="18" charset="0"/>
+                <a:cs typeface="Times New Roman" panose="02020603050405020304" pitchFamily="18" charset="0"/>
+              </a:rPr>
               <a:t>Basic types in typescript</a:t>
             </a:r>
-            <a:endParaRPr lang="en-US" dirty="0"/>
+            <a:endParaRPr lang="en-US" dirty="0">
+              <a:latin typeface="Times New Roman" panose="02020603050405020304" pitchFamily="18" charset="0"/>
+              <a:cs typeface="Times New Roman" panose="02020603050405020304" pitchFamily="18" charset="0"/>
+            </a:endParaRPr>
           </a:p>
         </p:txBody>
       </p:sp>
@@ -5920,6 +5954,13 @@
   <p:clrMapOvr>
     <a:masterClrMapping/>
   </p:clrMapOvr>
+  <p:timing>
+    <p:tnLst>
+      <p:par>
+        <p:cTn id="1" dur="indefinite" restart="never" nodeType="tmRoot"/>
+      </p:par>
+    </p:tnLst>
+  </p:timing>
 </p:sld>
 </file>
 
@@ -5956,14 +5997,23 @@
           <a:lstStyle/>
           <a:p>
             <a:r>
-              <a:rPr lang="nl-NL" dirty="0" smtClean="0"/>
+              <a:rPr lang="nl-NL" dirty="0" smtClean="0">
+                <a:latin typeface="Times New Roman" panose="02020603050405020304" pitchFamily="18" charset="0"/>
+                <a:cs typeface="Times New Roman" panose="02020603050405020304" pitchFamily="18" charset="0"/>
+              </a:rPr>
               <a:t>Typescript </a:t>
             </a:r>
             <a:r>
-              <a:rPr lang="nl-NL" dirty="0" err="1" smtClean="0"/>
+              <a:rPr lang="nl-NL" dirty="0" err="1" smtClean="0">
+                <a:latin typeface="Times New Roman" panose="02020603050405020304" pitchFamily="18" charset="0"/>
+                <a:cs typeface="Times New Roman" panose="02020603050405020304" pitchFamily="18" charset="0"/>
+              </a:rPr>
               <a:t>function</a:t>
             </a:r>
-            <a:endParaRPr lang="en-US" dirty="0"/>
+            <a:endParaRPr lang="en-US" dirty="0">
+              <a:latin typeface="Times New Roman" panose="02020603050405020304" pitchFamily="18" charset="0"/>
+              <a:cs typeface="Times New Roman" panose="02020603050405020304" pitchFamily="18" charset="0"/>
+            </a:endParaRPr>
           </a:p>
         </p:txBody>
       </p:sp>
@@ -6287,6 +6337,13 @@
   <p:clrMapOvr>
     <a:masterClrMapping/>
   </p:clrMapOvr>
+  <p:timing>
+    <p:tnLst>
+      <p:par>
+        <p:cTn id="1" dur="indefinite" restart="never" nodeType="tmRoot"/>
+      </p:par>
+    </p:tnLst>
+  </p:timing>
 </p:sld>
 </file>
 
@@ -6432,6 +6489,272 @@
     <p:extLst>
       <p:ext uri="{BB962C8B-B14F-4D97-AF65-F5344CB8AC3E}">
         <p14:creationId xmlns:p14="http://schemas.microsoft.com/office/powerpoint/2010/main" val="3220732713"/>
+      </p:ext>
+    </p:extLst>
+  </p:cSld>
+  <p:clrMapOvr>
+    <a:masterClrMapping/>
+  </p:clrMapOvr>
+  <p:timing>
+    <p:tnLst>
+      <p:par>
+        <p:cTn id="1" dur="indefinite" restart="never" nodeType="tmRoot"/>
+      </p:par>
+    </p:tnLst>
+  </p:timing>
+</p:sld>
+</file>
+
+<file path=ppt/slides/slide16.xml><?xml version="1.0" encoding="utf-8"?>
+<p:sld xmlns:a="http://schemas.openxmlformats.org/drawingml/2006/main" xmlns:r="http://schemas.openxmlformats.org/officeDocument/2006/relationships" xmlns:p="http://schemas.openxmlformats.org/presentationml/2006/main">
+  <p:cSld>
+    <p:spTree>
+      <p:nvGrpSpPr>
+        <p:cNvPr id="1" name=""/>
+        <p:cNvGrpSpPr/>
+        <p:nvPr/>
+      </p:nvGrpSpPr>
+      <p:grpSpPr>
+        <a:xfrm>
+          <a:off x="0" y="0"/>
+          <a:ext cx="0" cy="0"/>
+          <a:chOff x="0" y="0"/>
+          <a:chExt cx="0" cy="0"/>
+        </a:xfrm>
+      </p:grpSpPr>
+      <p:sp>
+        <p:nvSpPr>
+          <p:cNvPr id="2" name="Title 1"/>
+          <p:cNvSpPr>
+            <a:spLocks noGrp="1"/>
+          </p:cNvSpPr>
+          <p:nvPr>
+            <p:ph type="title"/>
+          </p:nvPr>
+        </p:nvSpPr>
+        <p:spPr/>
+        <p:txBody>
+          <a:bodyPr/>
+          <a:lstStyle/>
+          <a:p>
+            <a:r>
+              <a:rPr lang="nl-NL" dirty="0" err="1" smtClean="0">
+                <a:latin typeface="Times New Roman" panose="02020603050405020304" pitchFamily="18" charset="0"/>
+                <a:cs typeface="Times New Roman" panose="02020603050405020304" pitchFamily="18" charset="0"/>
+              </a:rPr>
+              <a:t>Static</a:t>
+            </a:r>
+            <a:r>
+              <a:rPr lang="nl-NL" dirty="0" smtClean="0">
+                <a:latin typeface="Times New Roman" panose="02020603050405020304" pitchFamily="18" charset="0"/>
+                <a:cs typeface="Times New Roman" panose="02020603050405020304" pitchFamily="18" charset="0"/>
+              </a:rPr>
+              <a:t> </a:t>
+            </a:r>
+            <a:r>
+              <a:rPr lang="nl-NL" dirty="0" err="1" smtClean="0">
+                <a:latin typeface="Times New Roman" panose="02020603050405020304" pitchFamily="18" charset="0"/>
+                <a:cs typeface="Times New Roman" panose="02020603050405020304" pitchFamily="18" charset="0"/>
+              </a:rPr>
+              <a:t>and</a:t>
+            </a:r>
+            <a:r>
+              <a:rPr lang="nl-NL" dirty="0" smtClean="0">
+                <a:latin typeface="Times New Roman" panose="02020603050405020304" pitchFamily="18" charset="0"/>
+                <a:cs typeface="Times New Roman" panose="02020603050405020304" pitchFamily="18" charset="0"/>
+              </a:rPr>
+              <a:t> </a:t>
+            </a:r>
+            <a:br>
+              <a:rPr lang="nl-NL" dirty="0" smtClean="0">
+                <a:latin typeface="Times New Roman" panose="02020603050405020304" pitchFamily="18" charset="0"/>
+                <a:cs typeface="Times New Roman" panose="02020603050405020304" pitchFamily="18" charset="0"/>
+              </a:rPr>
+            </a:br>
+            <a:r>
+              <a:rPr lang="nl-NL" dirty="0" err="1" smtClean="0">
+                <a:latin typeface="Times New Roman" panose="02020603050405020304" pitchFamily="18" charset="0"/>
+                <a:cs typeface="Times New Roman" panose="02020603050405020304" pitchFamily="18" charset="0"/>
+              </a:rPr>
+              <a:t>dynamic</a:t>
+            </a:r>
+            <a:r>
+              <a:rPr lang="nl-NL" dirty="0" smtClean="0">
+                <a:latin typeface="Times New Roman" panose="02020603050405020304" pitchFamily="18" charset="0"/>
+                <a:cs typeface="Times New Roman" panose="02020603050405020304" pitchFamily="18" charset="0"/>
+              </a:rPr>
+              <a:t> </a:t>
+            </a:r>
+            <a:r>
+              <a:rPr lang="nl-NL" dirty="0" err="1" smtClean="0">
+                <a:latin typeface="Times New Roman" panose="02020603050405020304" pitchFamily="18" charset="0"/>
+                <a:cs typeface="Times New Roman" panose="02020603050405020304" pitchFamily="18" charset="0"/>
+              </a:rPr>
+              <a:t>typing</a:t>
+            </a:r>
+            <a:endParaRPr lang="en-US" dirty="0">
+              <a:latin typeface="Times New Roman" panose="02020603050405020304" pitchFamily="18" charset="0"/>
+              <a:cs typeface="Times New Roman" panose="02020603050405020304" pitchFamily="18" charset="0"/>
+            </a:endParaRPr>
+          </a:p>
+        </p:txBody>
+      </p:sp>
+      <p:sp>
+        <p:nvSpPr>
+          <p:cNvPr id="3" name="Content Placeholder 2"/>
+          <p:cNvSpPr>
+            <a:spLocks noGrp="1"/>
+          </p:cNvSpPr>
+          <p:nvPr>
+            <p:ph idx="1"/>
+          </p:nvPr>
+        </p:nvSpPr>
+        <p:spPr/>
+        <p:txBody>
+          <a:bodyPr>
+            <a:noAutofit/>
+          </a:bodyPr>
+          <a:lstStyle/>
+          <a:p>
+            <a:r>
+              <a:rPr lang="en-US" sz="2200" b="1" dirty="0">
+                <a:latin typeface="Times New Roman" panose="02020603050405020304" pitchFamily="18" charset="0"/>
+                <a:cs typeface="Times New Roman" panose="02020603050405020304" pitchFamily="18" charset="0"/>
+              </a:rPr>
+              <a:t>Dynamic typing</a:t>
+            </a:r>
+            <a:r>
+              <a:rPr lang="en-US" sz="2200" dirty="0">
+                <a:latin typeface="Times New Roman" panose="02020603050405020304" pitchFamily="18" charset="0"/>
+                <a:cs typeface="Times New Roman" panose="02020603050405020304" pitchFamily="18" charset="0"/>
+              </a:rPr>
+              <a:t> — the type is associated with the value, and checked at run-time.</a:t>
+            </a:r>
+          </a:p>
+          <a:p>
+            <a:pPr marL="0" indent="0">
+              <a:buNone/>
+            </a:pPr>
+            <a:r>
+              <a:rPr lang="en-US" sz="2200" dirty="0">
+                <a:latin typeface="Times New Roman" panose="02020603050405020304" pitchFamily="18" charset="0"/>
+                <a:cs typeface="Times New Roman" panose="02020603050405020304" pitchFamily="18" charset="0"/>
+              </a:rPr>
+              <a:t>function g( a ) {</a:t>
+            </a:r>
+          </a:p>
+          <a:p>
+            <a:pPr marL="0" indent="0">
+              <a:buNone/>
+            </a:pPr>
+            <a:r>
+              <a:rPr lang="en-US" sz="2200" dirty="0" smtClean="0">
+                <a:latin typeface="Times New Roman" panose="02020603050405020304" pitchFamily="18" charset="0"/>
+                <a:cs typeface="Times New Roman" panose="02020603050405020304" pitchFamily="18" charset="0"/>
+              </a:rPr>
+              <a:t>   </a:t>
+            </a:r>
+            <a:r>
+              <a:rPr lang="en-US" sz="2200" dirty="0">
+                <a:latin typeface="Times New Roman" panose="02020603050405020304" pitchFamily="18" charset="0"/>
+                <a:cs typeface="Times New Roman" panose="02020603050405020304" pitchFamily="18" charset="0"/>
+              </a:rPr>
+              <a:t>return a / 10;</a:t>
+            </a:r>
+          </a:p>
+          <a:p>
+            <a:pPr marL="0" indent="0">
+              <a:buNone/>
+            </a:pPr>
+            <a:r>
+              <a:rPr lang="en-US" sz="2200" dirty="0" smtClean="0">
+                <a:latin typeface="Times New Roman" panose="02020603050405020304" pitchFamily="18" charset="0"/>
+                <a:cs typeface="Times New Roman" panose="02020603050405020304" pitchFamily="18" charset="0"/>
+              </a:rPr>
+              <a:t>}</a:t>
+            </a:r>
+          </a:p>
+          <a:p>
+            <a:pPr marL="0" indent="0">
+              <a:buNone/>
+            </a:pPr>
+            <a:endParaRPr lang="en-US" sz="2200" dirty="0">
+              <a:latin typeface="Times New Roman" panose="02020603050405020304" pitchFamily="18" charset="0"/>
+              <a:cs typeface="Times New Roman" panose="02020603050405020304" pitchFamily="18" charset="0"/>
+            </a:endParaRPr>
+          </a:p>
+          <a:p>
+            <a:r>
+              <a:rPr lang="en-US" sz="2200" b="1" dirty="0">
+                <a:latin typeface="Times New Roman" panose="02020603050405020304" pitchFamily="18" charset="0"/>
+                <a:cs typeface="Times New Roman" panose="02020603050405020304" pitchFamily="18" charset="0"/>
+              </a:rPr>
+              <a:t>Static typing</a:t>
+            </a:r>
+            <a:r>
+              <a:rPr lang="en-US" sz="2200" dirty="0">
+                <a:latin typeface="Times New Roman" panose="02020603050405020304" pitchFamily="18" charset="0"/>
+                <a:cs typeface="Times New Roman" panose="02020603050405020304" pitchFamily="18" charset="0"/>
+              </a:rPr>
+              <a:t> — type is associated with variable or textual expression, and checked at compile-time.</a:t>
+            </a:r>
+          </a:p>
+          <a:p>
+            <a:pPr marL="0" indent="0">
+              <a:buNone/>
+            </a:pPr>
+            <a:r>
+              <a:rPr lang="en-US" sz="2200" dirty="0">
+                <a:latin typeface="Times New Roman" panose="02020603050405020304" pitchFamily="18" charset="0"/>
+                <a:cs typeface="Times New Roman" panose="02020603050405020304" pitchFamily="18" charset="0"/>
+              </a:rPr>
+              <a:t>function g( a : number ) : number{</a:t>
+            </a:r>
+          </a:p>
+          <a:p>
+            <a:pPr marL="0" indent="0">
+              <a:buNone/>
+            </a:pPr>
+            <a:r>
+              <a:rPr lang="en-US" sz="2200" dirty="0">
+                <a:latin typeface="Times New Roman" panose="02020603050405020304" pitchFamily="18" charset="0"/>
+                <a:cs typeface="Times New Roman" panose="02020603050405020304" pitchFamily="18" charset="0"/>
+              </a:rPr>
+              <a:t>   </a:t>
+            </a:r>
+            <a:r>
+              <a:rPr lang="en-US" sz="2200" dirty="0" smtClean="0">
+                <a:latin typeface="Times New Roman" panose="02020603050405020304" pitchFamily="18" charset="0"/>
+                <a:cs typeface="Times New Roman" panose="02020603050405020304" pitchFamily="18" charset="0"/>
+              </a:rPr>
+              <a:t>return </a:t>
+            </a:r>
+            <a:r>
+              <a:rPr lang="en-US" sz="2200" dirty="0">
+                <a:latin typeface="Times New Roman" panose="02020603050405020304" pitchFamily="18" charset="0"/>
+                <a:cs typeface="Times New Roman" panose="02020603050405020304" pitchFamily="18" charset="0"/>
+              </a:rPr>
+              <a:t>a / 10;</a:t>
+            </a:r>
+          </a:p>
+          <a:p>
+            <a:pPr marL="0" indent="0">
+              <a:buNone/>
+            </a:pPr>
+            <a:r>
+              <a:rPr lang="en-US" sz="2200" dirty="0">
+                <a:latin typeface="Times New Roman" panose="02020603050405020304" pitchFamily="18" charset="0"/>
+                <a:cs typeface="Times New Roman" panose="02020603050405020304" pitchFamily="18" charset="0"/>
+              </a:rPr>
+              <a:t>}</a:t>
+            </a:r>
+          </a:p>
+        </p:txBody>
+      </p:sp>
+    </p:spTree>
+    <p:extLst>
+      <p:ext uri="{BB962C8B-B14F-4D97-AF65-F5344CB8AC3E}">
+        <p14:creationId xmlns:p14="http://schemas.microsoft.com/office/powerpoint/2010/main" val="1069062279"/>
       </p:ext>
     </p:extLst>
   </p:cSld>
@@ -6470,17 +6793,48 @@
         </p:nvSpPr>
         <p:spPr/>
         <p:txBody>
-          <a:bodyPr/>
+          <a:bodyPr>
+            <a:normAutofit fontScale="90000"/>
+          </a:bodyPr>
           <a:lstStyle/>
           <a:p>
             <a:r>
-              <a:rPr lang="en-US" b="1" dirty="0"/>
+              <a:rPr lang="en-US" b="1" dirty="0" smtClean="0">
+                <a:latin typeface="Times New Roman" panose="02020603050405020304" pitchFamily="18" charset="0"/>
+                <a:cs typeface="Times New Roman" panose="02020603050405020304" pitchFamily="18" charset="0"/>
+              </a:rPr>
+              <a:t/>
+            </a:r>
+            <a:br>
+              <a:rPr lang="en-US" b="1" dirty="0" smtClean="0">
+                <a:latin typeface="Times New Roman" panose="02020603050405020304" pitchFamily="18" charset="0"/>
+                <a:cs typeface="Times New Roman" panose="02020603050405020304" pitchFamily="18" charset="0"/>
+              </a:rPr>
+            </a:br>
+            <a:r>
+              <a:rPr lang="en-US" b="1" dirty="0" smtClean="0">
+                <a:latin typeface="Times New Roman" panose="02020603050405020304" pitchFamily="18" charset="0"/>
+                <a:cs typeface="Times New Roman" panose="02020603050405020304" pitchFamily="18" charset="0"/>
+              </a:rPr>
               <a:t>Introduction</a:t>
             </a:r>
+            <a:r>
+              <a:rPr lang="en-US" b="1" dirty="0">
+                <a:latin typeface="Times New Roman" panose="02020603050405020304" pitchFamily="18" charset="0"/>
+                <a:cs typeface="Times New Roman" panose="02020603050405020304" pitchFamily="18" charset="0"/>
+              </a:rPr>
+              <a:t/>
+            </a:r>
             <a:br>
-              <a:rPr lang="en-US" b="1" dirty="0"/>
+              <a:rPr lang="en-US" b="1" dirty="0">
+                <a:latin typeface="Times New Roman" panose="02020603050405020304" pitchFamily="18" charset="0"/>
+                <a:cs typeface="Times New Roman" panose="02020603050405020304" pitchFamily="18" charset="0"/>
+              </a:rPr>
             </a:br>
-            <a:endParaRPr lang="en-US" dirty="0"/>
+            <a:endParaRPr lang="en-US" dirty="0">
+              <a:latin typeface="Times New Roman" panose="02020603050405020304" pitchFamily="18" charset="0"/>
+              <a:cs typeface="Times New Roman" panose="02020603050405020304" pitchFamily="18" charset="0"/>
+            </a:endParaRPr>
           </a:p>
         </p:txBody>
       </p:sp>
@@ -6802,7 +7156,10 @@
           <a:lstStyle/>
           <a:p>
             <a:r>
-              <a:rPr lang="en-US" dirty="0"/>
+              <a:rPr lang="en-US" dirty="0">
+                <a:latin typeface="Times New Roman" panose="02020603050405020304" pitchFamily="18" charset="0"/>
+                <a:cs typeface="Times New Roman" panose="02020603050405020304" pitchFamily="18" charset="0"/>
+              </a:rPr>
               <a:t>Architecture overview</a:t>
             </a:r>
           </a:p>
@@ -7284,8 +7641,15 @@
           <a:lstStyle/>
           <a:p>
             <a:r>
+              <a:rPr lang="en-US" dirty="0">
+                <a:latin typeface="Times New Roman" panose="02020603050405020304" pitchFamily="18" charset="0"/>
+                <a:cs typeface="Times New Roman" panose="02020603050405020304" pitchFamily="18" charset="0"/>
+              </a:rPr>
+              <a:t>Architecture</a:t>
+            </a:r>
+            <a:r>
               <a:rPr lang="en-US" dirty="0"/>
-              <a:t>Architecture overview</a:t>
+              <a:t> overview</a:t>
             </a:r>
           </a:p>
         </p:txBody>
@@ -7643,7 +8007,10 @@
           <a:lstStyle/>
           <a:p>
             <a:r>
-              <a:rPr lang="en-US" dirty="0"/>
+              <a:rPr lang="en-US" dirty="0">
+                <a:latin typeface="Times New Roman" panose="02020603050405020304" pitchFamily="18" charset="0"/>
+                <a:cs typeface="Times New Roman" panose="02020603050405020304" pitchFamily="18" charset="0"/>
+              </a:rPr>
               <a:t>Architecture overview</a:t>
             </a:r>
           </a:p>
@@ -7877,7 +8244,10 @@
           <a:lstStyle/>
           <a:p>
             <a:r>
-              <a:rPr lang="en-US" dirty="0"/>
+              <a:rPr lang="en-US" dirty="0">
+                <a:latin typeface="Times New Roman" panose="02020603050405020304" pitchFamily="18" charset="0"/>
+                <a:cs typeface="Times New Roman" panose="02020603050405020304" pitchFamily="18" charset="0"/>
+              </a:rPr>
               <a:t>Architecture overview</a:t>
             </a:r>
           </a:p>
@@ -8259,7 +8629,10 @@
           <a:lstStyle/>
           <a:p>
             <a:r>
-              <a:rPr lang="en-US" dirty="0"/>
+              <a:rPr lang="en-US" dirty="0">
+                <a:latin typeface="Times New Roman" panose="02020603050405020304" pitchFamily="18" charset="0"/>
+                <a:cs typeface="Times New Roman" panose="02020603050405020304" pitchFamily="18" charset="0"/>
+              </a:rPr>
               <a:t>Architecture overview</a:t>
             </a:r>
           </a:p>
@@ -8400,7 +8773,10 @@
           <a:lstStyle/>
           <a:p>
             <a:r>
-              <a:rPr lang="en-US" dirty="0"/>
+              <a:rPr lang="en-US" dirty="0">
+                <a:latin typeface="Times New Roman" panose="02020603050405020304" pitchFamily="18" charset="0"/>
+                <a:cs typeface="Times New Roman" panose="02020603050405020304" pitchFamily="18" charset="0"/>
+              </a:rPr>
               <a:t>Architecture overview</a:t>
             </a:r>
           </a:p>
@@ -8608,7 +8984,10 @@
           <a:lstStyle/>
           <a:p>
             <a:r>
-              <a:rPr lang="en-US" dirty="0"/>
+              <a:rPr lang="en-US" dirty="0">
+                <a:latin typeface="Times New Roman" panose="02020603050405020304" pitchFamily="18" charset="0"/>
+                <a:cs typeface="Times New Roman" panose="02020603050405020304" pitchFamily="18" charset="0"/>
+              </a:rPr>
               <a:t>Architecture overview</a:t>
             </a:r>
           </a:p>

--- a/Angular Workshop/Angular Workshop.pptx
+++ b/Angular Workshop/Angular Workshop.pptx
@@ -5,7 +5,7 @@
     <p:sldMasterId id="2147483790" r:id="rId1"/>
   </p:sldMasterIdLst>
   <p:notesMasterIdLst>
-    <p:notesMasterId r:id="rId18"/>
+    <p:notesMasterId r:id="rId19"/>
   </p:notesMasterIdLst>
   <p:sldIdLst>
     <p:sldId id="256" r:id="rId2"/>
@@ -24,6 +24,7 @@
     <p:sldId id="269" r:id="rId15"/>
     <p:sldId id="270" r:id="rId16"/>
     <p:sldId id="271" r:id="rId17"/>
+    <p:sldId id="272" r:id="rId18"/>
   </p:sldIdLst>
   <p:sldSz cx="12192000" cy="6858000"/>
   <p:notesSz cx="6858000" cy="9144000"/>
@@ -6755,6 +6756,199 @@
     <p:extLst>
       <p:ext uri="{BB962C8B-B14F-4D97-AF65-F5344CB8AC3E}">
         <p14:creationId xmlns:p14="http://schemas.microsoft.com/office/powerpoint/2010/main" val="1069062279"/>
+      </p:ext>
+    </p:extLst>
+  </p:cSld>
+  <p:clrMapOvr>
+    <a:masterClrMapping/>
+  </p:clrMapOvr>
+</p:sld>
+</file>
+
+<file path=ppt/slides/slide17.xml><?xml version="1.0" encoding="utf-8"?>
+<p:sld xmlns:a="http://schemas.openxmlformats.org/drawingml/2006/main" xmlns:r="http://schemas.openxmlformats.org/officeDocument/2006/relationships" xmlns:p="http://schemas.openxmlformats.org/presentationml/2006/main">
+  <p:cSld>
+    <p:spTree>
+      <p:nvGrpSpPr>
+        <p:cNvPr id="1" name=""/>
+        <p:cNvGrpSpPr/>
+        <p:nvPr/>
+      </p:nvGrpSpPr>
+      <p:grpSpPr>
+        <a:xfrm>
+          <a:off x="0" y="0"/>
+          <a:ext cx="0" cy="0"/>
+          <a:chOff x="0" y="0"/>
+          <a:chExt cx="0" cy="0"/>
+        </a:xfrm>
+      </p:grpSpPr>
+      <p:sp>
+        <p:nvSpPr>
+          <p:cNvPr id="2" name="Title 1"/>
+          <p:cNvSpPr>
+            <a:spLocks noGrp="1"/>
+          </p:cNvSpPr>
+          <p:nvPr>
+            <p:ph type="title"/>
+          </p:nvPr>
+        </p:nvSpPr>
+        <p:spPr/>
+        <p:txBody>
+          <a:bodyPr/>
+          <a:lstStyle/>
+          <a:p>
+            <a:r>
+              <a:rPr lang="nl-NL" dirty="0" smtClean="0">
+                <a:latin typeface="Times New Roman" panose="02020603050405020304" pitchFamily="18" charset="0"/>
+                <a:cs typeface="Times New Roman" panose="02020603050405020304" pitchFamily="18" charset="0"/>
+              </a:rPr>
+              <a:t>OOP</a:t>
+            </a:r>
+            <a:endParaRPr lang="en-US" dirty="0">
+              <a:latin typeface="Times New Roman" panose="02020603050405020304" pitchFamily="18" charset="0"/>
+              <a:cs typeface="Times New Roman" panose="02020603050405020304" pitchFamily="18" charset="0"/>
+            </a:endParaRPr>
+          </a:p>
+        </p:txBody>
+      </p:sp>
+      <p:sp>
+        <p:nvSpPr>
+          <p:cNvPr id="3" name="Content Placeholder 2"/>
+          <p:cNvSpPr>
+            <a:spLocks noGrp="1"/>
+          </p:cNvSpPr>
+          <p:nvPr>
+            <p:ph idx="1"/>
+          </p:nvPr>
+        </p:nvSpPr>
+        <p:spPr/>
+        <p:txBody>
+          <a:bodyPr/>
+          <a:lstStyle/>
+          <a:p>
+            <a:r>
+              <a:rPr lang="en-US" dirty="0">
+                <a:latin typeface="Times New Roman" panose="02020603050405020304" pitchFamily="18" charset="0"/>
+                <a:cs typeface="Times New Roman" panose="02020603050405020304" pitchFamily="18" charset="0"/>
+              </a:rPr>
+              <a:t>Interface</a:t>
+            </a:r>
+          </a:p>
+          <a:p>
+            <a:pPr marL="0" indent="0">
+              <a:buNone/>
+            </a:pPr>
+            <a:r>
+              <a:rPr lang="en-US" dirty="0">
+                <a:latin typeface="Times New Roman" panose="02020603050405020304" pitchFamily="18" charset="0"/>
+                <a:cs typeface="Times New Roman" panose="02020603050405020304" pitchFamily="18" charset="0"/>
+              </a:rPr>
+              <a:t>interface </a:t>
+            </a:r>
+            <a:r>
+              <a:rPr lang="en-US" dirty="0" err="1">
+                <a:latin typeface="Times New Roman" panose="02020603050405020304" pitchFamily="18" charset="0"/>
+                <a:cs typeface="Times New Roman" panose="02020603050405020304" pitchFamily="18" charset="0"/>
+              </a:rPr>
+              <a:t>KeyPair</a:t>
+            </a:r>
+            <a:r>
+              <a:rPr lang="en-US" dirty="0">
+                <a:latin typeface="Times New Roman" panose="02020603050405020304" pitchFamily="18" charset="0"/>
+                <a:cs typeface="Times New Roman" panose="02020603050405020304" pitchFamily="18" charset="0"/>
+              </a:rPr>
+              <a:t> {</a:t>
+            </a:r>
+          </a:p>
+          <a:p>
+            <a:pPr marL="0" indent="0">
+              <a:buNone/>
+            </a:pPr>
+            <a:r>
+              <a:rPr lang="en-US" dirty="0">
+                <a:latin typeface="Times New Roman" panose="02020603050405020304" pitchFamily="18" charset="0"/>
+                <a:cs typeface="Times New Roman" panose="02020603050405020304" pitchFamily="18" charset="0"/>
+              </a:rPr>
+              <a:t>    key: number;</a:t>
+            </a:r>
+          </a:p>
+          <a:p>
+            <a:pPr marL="0" indent="0">
+              <a:buNone/>
+            </a:pPr>
+            <a:r>
+              <a:rPr lang="en-US" dirty="0">
+                <a:latin typeface="Times New Roman" panose="02020603050405020304" pitchFamily="18" charset="0"/>
+                <a:cs typeface="Times New Roman" panose="02020603050405020304" pitchFamily="18" charset="0"/>
+              </a:rPr>
+              <a:t>    value: string;</a:t>
+            </a:r>
+          </a:p>
+          <a:p>
+            <a:pPr marL="0" indent="0">
+              <a:buNone/>
+            </a:pPr>
+            <a:r>
+              <a:rPr lang="en-US" dirty="0">
+                <a:latin typeface="Times New Roman" panose="02020603050405020304" pitchFamily="18" charset="0"/>
+                <a:cs typeface="Times New Roman" panose="02020603050405020304" pitchFamily="18" charset="0"/>
+              </a:rPr>
+              <a:t>}</a:t>
+            </a:r>
+          </a:p>
+          <a:p>
+            <a:pPr marL="0" indent="0">
+              <a:buNone/>
+            </a:pPr>
+            <a:r>
+              <a:rPr lang="en-US" dirty="0" smtClean="0">
+                <a:latin typeface="Times New Roman" panose="02020603050405020304" pitchFamily="18" charset="0"/>
+                <a:cs typeface="Times New Roman" panose="02020603050405020304" pitchFamily="18" charset="0"/>
+              </a:rPr>
+              <a:t>let </a:t>
+            </a:r>
+            <a:r>
+              <a:rPr lang="en-US" dirty="0">
+                <a:latin typeface="Times New Roman" panose="02020603050405020304" pitchFamily="18" charset="0"/>
+                <a:cs typeface="Times New Roman" panose="02020603050405020304" pitchFamily="18" charset="0"/>
+              </a:rPr>
+              <a:t>kv1: </a:t>
+            </a:r>
+            <a:r>
+              <a:rPr lang="en-US" dirty="0" err="1">
+                <a:latin typeface="Times New Roman" panose="02020603050405020304" pitchFamily="18" charset="0"/>
+                <a:cs typeface="Times New Roman" panose="02020603050405020304" pitchFamily="18" charset="0"/>
+              </a:rPr>
+              <a:t>KeyPair</a:t>
+            </a:r>
+            <a:r>
+              <a:rPr lang="en-US" dirty="0">
+                <a:latin typeface="Times New Roman" panose="02020603050405020304" pitchFamily="18" charset="0"/>
+                <a:cs typeface="Times New Roman" panose="02020603050405020304" pitchFamily="18" charset="0"/>
+              </a:rPr>
+              <a:t> = { key:1, </a:t>
+            </a:r>
+            <a:r>
+              <a:rPr lang="en-US" dirty="0" err="1">
+                <a:latin typeface="Times New Roman" panose="02020603050405020304" pitchFamily="18" charset="0"/>
+                <a:cs typeface="Times New Roman" panose="02020603050405020304" pitchFamily="18" charset="0"/>
+              </a:rPr>
+              <a:t>value:"Steve</a:t>
+            </a:r>
+            <a:r>
+              <a:rPr lang="en-US" dirty="0">
+                <a:latin typeface="Times New Roman" panose="02020603050405020304" pitchFamily="18" charset="0"/>
+                <a:cs typeface="Times New Roman" panose="02020603050405020304" pitchFamily="18" charset="0"/>
+              </a:rPr>
+              <a:t>" }; </a:t>
+            </a:r>
+          </a:p>
+        </p:txBody>
+      </p:sp>
+    </p:spTree>
+    <p:extLst>
+      <p:ext uri="{BB962C8B-B14F-4D97-AF65-F5344CB8AC3E}">
+        <p14:creationId xmlns:p14="http://schemas.microsoft.com/office/powerpoint/2010/main" val="3212059875"/>
       </p:ext>
     </p:extLst>
   </p:cSld>

--- a/Angular Workshop/Angular Workshop.pptx
+++ b/Angular Workshop/Angular Workshop.pptx
@@ -5,7 +5,7 @@
     <p:sldMasterId id="2147483790" r:id="rId1"/>
   </p:sldMasterIdLst>
   <p:notesMasterIdLst>
-    <p:notesMasterId r:id="rId19"/>
+    <p:notesMasterId r:id="rId21"/>
   </p:notesMasterIdLst>
   <p:sldIdLst>
     <p:sldId id="256" r:id="rId2"/>
@@ -25,6 +25,8 @@
     <p:sldId id="270" r:id="rId16"/>
     <p:sldId id="271" r:id="rId17"/>
     <p:sldId id="272" r:id="rId18"/>
+    <p:sldId id="273" r:id="rId19"/>
+    <p:sldId id="274" r:id="rId20"/>
   </p:sldIdLst>
   <p:sldSz cx="12192000" cy="6858000"/>
   <p:notesSz cx="6858000" cy="9144000"/>
@@ -6955,6 +6957,260 @@
   <p:clrMapOvr>
     <a:masterClrMapping/>
   </p:clrMapOvr>
+</p:sld>
+</file>
+
+<file path=ppt/slides/slide18.xml><?xml version="1.0" encoding="utf-8"?>
+<p:sld xmlns:a="http://schemas.openxmlformats.org/drawingml/2006/main" xmlns:r="http://schemas.openxmlformats.org/officeDocument/2006/relationships" xmlns:p="http://schemas.openxmlformats.org/presentationml/2006/main">
+  <p:cSld>
+    <p:spTree>
+      <p:nvGrpSpPr>
+        <p:cNvPr id="1" name=""/>
+        <p:cNvGrpSpPr/>
+        <p:nvPr/>
+      </p:nvGrpSpPr>
+      <p:grpSpPr>
+        <a:xfrm>
+          <a:off x="0" y="0"/>
+          <a:ext cx="0" cy="0"/>
+          <a:chOff x="0" y="0"/>
+          <a:chExt cx="0" cy="0"/>
+        </a:xfrm>
+      </p:grpSpPr>
+      <p:sp>
+        <p:nvSpPr>
+          <p:cNvPr id="2" name="Title 1"/>
+          <p:cNvSpPr>
+            <a:spLocks noGrp="1"/>
+          </p:cNvSpPr>
+          <p:nvPr>
+            <p:ph type="title"/>
+          </p:nvPr>
+        </p:nvSpPr>
+        <p:spPr/>
+        <p:txBody>
+          <a:bodyPr/>
+          <a:lstStyle/>
+          <a:p>
+            <a:r>
+              <a:rPr lang="nl-NL" dirty="0" smtClean="0">
+                <a:latin typeface="Times New Roman" panose="02020603050405020304" pitchFamily="18" charset="0"/>
+                <a:cs typeface="Times New Roman" panose="02020603050405020304" pitchFamily="18" charset="0"/>
+              </a:rPr>
+              <a:t>OOP</a:t>
+            </a:r>
+            <a:endParaRPr lang="en-US" dirty="0">
+              <a:latin typeface="Times New Roman" panose="02020603050405020304" pitchFamily="18" charset="0"/>
+              <a:cs typeface="Times New Roman" panose="02020603050405020304" pitchFamily="18" charset="0"/>
+            </a:endParaRPr>
+          </a:p>
+        </p:txBody>
+      </p:sp>
+      <p:sp>
+        <p:nvSpPr>
+          <p:cNvPr id="3" name="Content Placeholder 2"/>
+          <p:cNvSpPr>
+            <a:spLocks noGrp="1"/>
+          </p:cNvSpPr>
+          <p:nvPr>
+            <p:ph idx="1"/>
+          </p:nvPr>
+        </p:nvSpPr>
+        <p:spPr/>
+        <p:txBody>
+          <a:bodyPr/>
+          <a:lstStyle/>
+          <a:p>
+            <a:r>
+              <a:rPr lang="nl-NL" b="1" dirty="0" smtClean="0">
+                <a:latin typeface="Times New Roman" panose="02020603050405020304" pitchFamily="18" charset="0"/>
+                <a:cs typeface="Times New Roman" panose="02020603050405020304" pitchFamily="18" charset="0"/>
+              </a:rPr>
+              <a:t>Class</a:t>
+            </a:r>
+            <a:r>
+              <a:rPr lang="nl-NL" dirty="0" smtClean="0">
+                <a:latin typeface="Times New Roman" panose="02020603050405020304" pitchFamily="18" charset="0"/>
+                <a:cs typeface="Times New Roman" panose="02020603050405020304" pitchFamily="18" charset="0"/>
+              </a:rPr>
+              <a:t> </a:t>
+            </a:r>
+            <a:r>
+              <a:rPr lang="en-US" dirty="0" smtClean="0">
+                <a:latin typeface="Times New Roman" panose="02020603050405020304" pitchFamily="18" charset="0"/>
+                <a:cs typeface="Times New Roman" panose="02020603050405020304" pitchFamily="18" charset="0"/>
+              </a:rPr>
+              <a:t>A </a:t>
+            </a:r>
+            <a:r>
+              <a:rPr lang="en-US" dirty="0">
+                <a:latin typeface="Times New Roman" panose="02020603050405020304" pitchFamily="18" charset="0"/>
+                <a:cs typeface="Times New Roman" panose="02020603050405020304" pitchFamily="18" charset="0"/>
+              </a:rPr>
+              <a:t>class can include the following:</a:t>
+            </a:r>
+          </a:p>
+          <a:p>
+            <a:r>
+              <a:rPr lang="en-US" dirty="0" smtClean="0">
+                <a:latin typeface="Times New Roman" panose="02020603050405020304" pitchFamily="18" charset="0"/>
+                <a:cs typeface="Times New Roman" panose="02020603050405020304" pitchFamily="18" charset="0"/>
+              </a:rPr>
+              <a:t>Constructor</a:t>
+            </a:r>
+          </a:p>
+          <a:p>
+            <a:r>
+              <a:rPr lang="en-US" dirty="0" smtClean="0">
+                <a:latin typeface="Times New Roman" panose="02020603050405020304" pitchFamily="18" charset="0"/>
+                <a:cs typeface="Times New Roman" panose="02020603050405020304" pitchFamily="18" charset="0"/>
+              </a:rPr>
+              <a:t>Properties</a:t>
+            </a:r>
+            <a:endParaRPr lang="en-US" dirty="0">
+              <a:latin typeface="Times New Roman" panose="02020603050405020304" pitchFamily="18" charset="0"/>
+              <a:cs typeface="Times New Roman" panose="02020603050405020304" pitchFamily="18" charset="0"/>
+            </a:endParaRPr>
+          </a:p>
+          <a:p>
+            <a:r>
+              <a:rPr lang="en-US" dirty="0" smtClean="0">
+                <a:latin typeface="Times New Roman" panose="02020603050405020304" pitchFamily="18" charset="0"/>
+                <a:cs typeface="Times New Roman" panose="02020603050405020304" pitchFamily="18" charset="0"/>
+              </a:rPr>
+              <a:t>Methods</a:t>
+            </a:r>
+          </a:p>
+          <a:p>
+            <a:endParaRPr lang="en-US" dirty="0">
+              <a:latin typeface="Times New Roman" panose="02020603050405020304" pitchFamily="18" charset="0"/>
+              <a:cs typeface="Times New Roman" panose="02020603050405020304" pitchFamily="18" charset="0"/>
+            </a:endParaRPr>
+          </a:p>
+          <a:p>
+            <a:r>
+              <a:rPr lang="en-US" b="1" dirty="0">
+                <a:latin typeface="Times New Roman" panose="02020603050405020304" pitchFamily="18" charset="0"/>
+                <a:cs typeface="Times New Roman" panose="02020603050405020304" pitchFamily="18" charset="0"/>
+              </a:rPr>
+              <a:t>Abstract </a:t>
+            </a:r>
+            <a:r>
+              <a:rPr lang="en-US" b="1" dirty="0" smtClean="0">
+                <a:latin typeface="Times New Roman" panose="02020603050405020304" pitchFamily="18" charset="0"/>
+                <a:cs typeface="Times New Roman" panose="02020603050405020304" pitchFamily="18" charset="0"/>
+              </a:rPr>
+              <a:t>classes:  </a:t>
+            </a:r>
+            <a:r>
+              <a:rPr lang="en-US" dirty="0">
+                <a:latin typeface="Times New Roman" panose="02020603050405020304" pitchFamily="18" charset="0"/>
+                <a:cs typeface="Times New Roman" panose="02020603050405020304" pitchFamily="18" charset="0"/>
+              </a:rPr>
+              <a:t>are mainly for inheritance where other classes may derive from them</a:t>
+            </a:r>
+            <a:endParaRPr lang="en-US" dirty="0">
+              <a:latin typeface="Times New Roman" panose="02020603050405020304" pitchFamily="18" charset="0"/>
+              <a:cs typeface="Times New Roman" panose="02020603050405020304" pitchFamily="18" charset="0"/>
+            </a:endParaRPr>
+          </a:p>
+        </p:txBody>
+      </p:sp>
+    </p:spTree>
+    <p:extLst>
+      <p:ext uri="{BB962C8B-B14F-4D97-AF65-F5344CB8AC3E}">
+        <p14:creationId xmlns:p14="http://schemas.microsoft.com/office/powerpoint/2010/main" val="3403593871"/>
+      </p:ext>
+    </p:extLst>
+  </p:cSld>
+  <p:clrMapOvr>
+    <a:masterClrMapping/>
+  </p:clrMapOvr>
+</p:sld>
+</file>
+
+<file path=ppt/slides/slide19.xml><?xml version="1.0" encoding="utf-8"?>
+<p:sld xmlns:a="http://schemas.openxmlformats.org/drawingml/2006/main" xmlns:r="http://schemas.openxmlformats.org/officeDocument/2006/relationships" xmlns:p="http://schemas.openxmlformats.org/presentationml/2006/main">
+  <p:cSld>
+    <p:spTree>
+      <p:nvGrpSpPr>
+        <p:cNvPr id="1" name=""/>
+        <p:cNvGrpSpPr/>
+        <p:nvPr/>
+      </p:nvGrpSpPr>
+      <p:grpSpPr>
+        <a:xfrm>
+          <a:off x="0" y="0"/>
+          <a:ext cx="0" cy="0"/>
+          <a:chOff x="0" y="0"/>
+          <a:chExt cx="0" cy="0"/>
+        </a:xfrm>
+      </p:grpSpPr>
+      <p:sp>
+        <p:nvSpPr>
+          <p:cNvPr id="2" name="Title 1"/>
+          <p:cNvSpPr>
+            <a:spLocks noGrp="1"/>
+          </p:cNvSpPr>
+          <p:nvPr>
+            <p:ph type="title"/>
+          </p:nvPr>
+        </p:nvSpPr>
+        <p:spPr/>
+        <p:txBody>
+          <a:bodyPr/>
+          <a:lstStyle/>
+          <a:p>
+            <a:endParaRPr lang="en-US"/>
+          </a:p>
+        </p:txBody>
+      </p:sp>
+      <p:pic>
+        <p:nvPicPr>
+          <p:cNvPr id="5" name="Content Placeholder 4"/>
+          <p:cNvPicPr>
+            <a:picLocks noGrp="1" noChangeAspect="1"/>
+          </p:cNvPicPr>
+          <p:nvPr>
+            <p:ph idx="1"/>
+          </p:nvPr>
+        </p:nvPicPr>
+        <p:blipFill>
+          <a:blip r:embed="rId2">
+            <a:extLst>
+              <a:ext uri="{28A0092B-C50C-407E-A947-70E740481C1C}">
+                <a14:useLocalDpi xmlns:a14="http://schemas.microsoft.com/office/drawing/2010/main" val="0"/>
+              </a:ext>
+            </a:extLst>
+          </a:blip>
+          <a:stretch>
+            <a:fillRect/>
+          </a:stretch>
+        </p:blipFill>
+        <p:spPr>
+          <a:xfrm>
+            <a:off x="846214" y="670561"/>
+            <a:ext cx="10389031" cy="5660570"/>
+          </a:xfrm>
+        </p:spPr>
+      </p:pic>
+    </p:spTree>
+    <p:extLst>
+      <p:ext uri="{BB962C8B-B14F-4D97-AF65-F5344CB8AC3E}">
+        <p14:creationId xmlns:p14="http://schemas.microsoft.com/office/powerpoint/2010/main" val="3713550294"/>
+      </p:ext>
+    </p:extLst>
+  </p:cSld>
+  <p:clrMapOvr>
+    <a:masterClrMapping/>
+  </p:clrMapOvr>
+  <p:timing>
+    <p:tnLst>
+      <p:par>
+        <p:cTn id="1" dur="indefinite" restart="never" nodeType="tmRoot"/>
+      </p:par>
+    </p:tnLst>
+  </p:timing>
 </p:sld>
 </file>
 

--- a/Angular Workshop/Angular Workshop.pptx
+++ b/Angular Workshop/Angular Workshop.pptx
@@ -10,23 +10,23 @@
   <p:sldIdLst>
     <p:sldId id="256" r:id="rId2"/>
     <p:sldId id="257" r:id="rId3"/>
-    <p:sldId id="258" r:id="rId4"/>
-    <p:sldId id="259" r:id="rId5"/>
-    <p:sldId id="260" r:id="rId6"/>
-    <p:sldId id="261" r:id="rId7"/>
-    <p:sldId id="262" r:id="rId8"/>
-    <p:sldId id="263" r:id="rId9"/>
-    <p:sldId id="264" r:id="rId10"/>
-    <p:sldId id="265" r:id="rId11"/>
-    <p:sldId id="266" r:id="rId12"/>
-    <p:sldId id="267" r:id="rId13"/>
-    <p:sldId id="268" r:id="rId14"/>
-    <p:sldId id="269" r:id="rId15"/>
-    <p:sldId id="270" r:id="rId16"/>
-    <p:sldId id="271" r:id="rId17"/>
-    <p:sldId id="272" r:id="rId18"/>
-    <p:sldId id="273" r:id="rId19"/>
-    <p:sldId id="274" r:id="rId20"/>
+    <p:sldId id="267" r:id="rId4"/>
+    <p:sldId id="268" r:id="rId5"/>
+    <p:sldId id="269" r:id="rId6"/>
+    <p:sldId id="270" r:id="rId7"/>
+    <p:sldId id="271" r:id="rId8"/>
+    <p:sldId id="272" r:id="rId9"/>
+    <p:sldId id="273" r:id="rId10"/>
+    <p:sldId id="274" r:id="rId11"/>
+    <p:sldId id="258" r:id="rId12"/>
+    <p:sldId id="259" r:id="rId13"/>
+    <p:sldId id="260" r:id="rId14"/>
+    <p:sldId id="261" r:id="rId15"/>
+    <p:sldId id="262" r:id="rId16"/>
+    <p:sldId id="263" r:id="rId17"/>
+    <p:sldId id="264" r:id="rId18"/>
+    <p:sldId id="265" r:id="rId19"/>
+    <p:sldId id="266" r:id="rId20"/>
   </p:sldIdLst>
   <p:sldSz cx="12192000" cy="6858000"/>
   <p:notesSz cx="6858000" cy="9144000"/>
@@ -527,6 +527,12 @@
           <a:bodyPr/>
           <a:lstStyle/>
           <a:p>
+            <a:r>
+              <a:rPr lang="en-US" dirty="0" smtClean="0">
+                <a:hlinkClick r:id="rId3"/>
+              </a:rPr>
+              <a:t>https://www.typescriptlang.org/docs/handbook/variable-declarations.html</a:t>
+            </a:r>
             <a:endParaRPr lang="en-US" dirty="0"/>
           </a:p>
         </p:txBody>
@@ -557,7 +563,7 @@
     </p:spTree>
     <p:extLst>
       <p:ext uri="{BB962C8B-B14F-4D97-AF65-F5344CB8AC3E}">
-        <p14:creationId xmlns:p14="http://schemas.microsoft.com/office/powerpoint/2010/main" val="338006125"/>
+        <p14:creationId xmlns:p14="http://schemas.microsoft.com/office/powerpoint/2010/main" val="1013893151"/>
       </p:ext>
     </p:extLst>
   </p:cSld>
@@ -611,12 +617,6 @@
           <a:bodyPr/>
           <a:lstStyle/>
           <a:p>
-            <a:r>
-              <a:rPr lang="en-US" dirty="0" smtClean="0">
-                <a:hlinkClick r:id="rId3"/>
-              </a:rPr>
-              <a:t>https://www.typescriptlang.org/docs/handbook/variable-declarations.html</a:t>
-            </a:r>
             <a:endParaRPr lang="en-US" dirty="0"/>
           </a:p>
         </p:txBody>
@@ -638,7 +638,7 @@
           <a:p>
             <a:fld id="{41A78D70-B909-41F5-A68F-9A409A675382}" type="slidenum">
               <a:rPr lang="en-US" smtClean="0"/>
-              <a:t>12</a:t>
+              <a:t>11</a:t>
             </a:fld>
             <a:endParaRPr lang="en-US"/>
           </a:p>
@@ -647,7 +647,7 @@
     </p:spTree>
     <p:extLst>
       <p:ext uri="{BB962C8B-B14F-4D97-AF65-F5344CB8AC3E}">
-        <p14:creationId xmlns:p14="http://schemas.microsoft.com/office/powerpoint/2010/main" val="1013893151"/>
+        <p14:creationId xmlns:p14="http://schemas.microsoft.com/office/powerpoint/2010/main" val="338006125"/>
       </p:ext>
     </p:extLst>
   </p:cSld>
@@ -4720,6 +4720,2293 @@
           <a:bodyPr/>
           <a:lstStyle/>
           <a:p>
+            <a:endParaRPr lang="en-US"/>
+          </a:p>
+        </p:txBody>
+      </p:sp>
+      <p:pic>
+        <p:nvPicPr>
+          <p:cNvPr id="5" name="Content Placeholder 4"/>
+          <p:cNvPicPr>
+            <a:picLocks noGrp="1" noChangeAspect="1"/>
+          </p:cNvPicPr>
+          <p:nvPr>
+            <p:ph idx="1"/>
+          </p:nvPr>
+        </p:nvPicPr>
+        <p:blipFill>
+          <a:blip r:embed="rId2">
+            <a:extLst>
+              <a:ext uri="{28A0092B-C50C-407E-A947-70E740481C1C}">
+                <a14:useLocalDpi xmlns:a14="http://schemas.microsoft.com/office/drawing/2010/main" val="0"/>
+              </a:ext>
+            </a:extLst>
+          </a:blip>
+          <a:stretch>
+            <a:fillRect/>
+          </a:stretch>
+        </p:blipFill>
+        <p:spPr>
+          <a:xfrm>
+            <a:off x="846214" y="670561"/>
+            <a:ext cx="10389031" cy="5660570"/>
+          </a:xfrm>
+        </p:spPr>
+      </p:pic>
+    </p:spTree>
+    <p:extLst>
+      <p:ext uri="{BB962C8B-B14F-4D97-AF65-F5344CB8AC3E}">
+        <p14:creationId xmlns:p14="http://schemas.microsoft.com/office/powerpoint/2010/main" val="3713550294"/>
+      </p:ext>
+    </p:extLst>
+  </p:cSld>
+  <p:clrMapOvr>
+    <a:masterClrMapping/>
+  </p:clrMapOvr>
+  <p:timing>
+    <p:tnLst>
+      <p:par>
+        <p:cTn id="1" dur="indefinite" restart="never" nodeType="tmRoot"/>
+      </p:par>
+    </p:tnLst>
+  </p:timing>
+</p:sld>
+</file>
+
+<file path=ppt/slides/slide11.xml><?xml version="1.0" encoding="utf-8"?>
+<p:sld xmlns:a="http://schemas.openxmlformats.org/drawingml/2006/main" xmlns:r="http://schemas.openxmlformats.org/officeDocument/2006/relationships" xmlns:p="http://schemas.openxmlformats.org/presentationml/2006/main">
+  <p:cSld>
+    <p:spTree>
+      <p:nvGrpSpPr>
+        <p:cNvPr id="1" name=""/>
+        <p:cNvGrpSpPr/>
+        <p:nvPr/>
+      </p:nvGrpSpPr>
+      <p:grpSpPr>
+        <a:xfrm>
+          <a:off x="0" y="0"/>
+          <a:ext cx="0" cy="0"/>
+          <a:chOff x="0" y="0"/>
+          <a:chExt cx="0" cy="0"/>
+        </a:xfrm>
+      </p:grpSpPr>
+      <p:sp>
+        <p:nvSpPr>
+          <p:cNvPr id="2" name="Title 1"/>
+          <p:cNvSpPr>
+            <a:spLocks noGrp="1"/>
+          </p:cNvSpPr>
+          <p:nvPr>
+            <p:ph type="title"/>
+          </p:nvPr>
+        </p:nvSpPr>
+        <p:spPr>
+          <a:xfrm>
+            <a:off x="1069848" y="0"/>
+            <a:ext cx="10058400" cy="1609344"/>
+          </a:xfrm>
+        </p:spPr>
+        <p:txBody>
+          <a:bodyPr/>
+          <a:lstStyle/>
+          <a:p>
+            <a:r>
+              <a:rPr lang="en-US" dirty="0">
+                <a:latin typeface="Times New Roman" panose="02020603050405020304" pitchFamily="18" charset="0"/>
+                <a:cs typeface="Times New Roman" panose="02020603050405020304" pitchFamily="18" charset="0"/>
+              </a:rPr>
+              <a:t>Architecture overview</a:t>
+            </a:r>
+          </a:p>
+        </p:txBody>
+      </p:sp>
+      <p:sp>
+        <p:nvSpPr>
+          <p:cNvPr id="3" name="Content Placeholder 2"/>
+          <p:cNvSpPr>
+            <a:spLocks noGrp="1"/>
+          </p:cNvSpPr>
+          <p:nvPr>
+            <p:ph idx="1"/>
+          </p:nvPr>
+        </p:nvSpPr>
+        <p:spPr>
+          <a:xfrm>
+            <a:off x="1069848" y="1337637"/>
+            <a:ext cx="10058400" cy="4050792"/>
+          </a:xfrm>
+        </p:spPr>
+        <p:txBody>
+          <a:bodyPr>
+            <a:noAutofit/>
+          </a:bodyPr>
+          <a:lstStyle/>
+          <a:p>
+            <a:r>
+              <a:rPr lang="en-US" sz="2200" i="1" dirty="0" err="1" smtClean="0">
+                <a:latin typeface="Times New Roman" panose="02020603050405020304" pitchFamily="18" charset="0"/>
+                <a:cs typeface="Times New Roman" panose="02020603050405020304" pitchFamily="18" charset="0"/>
+              </a:rPr>
+              <a:t>NgModules</a:t>
+            </a:r>
+            <a:r>
+              <a:rPr lang="en-US" sz="2200" i="1" dirty="0" smtClean="0">
+                <a:latin typeface="Times New Roman" panose="02020603050405020304" pitchFamily="18" charset="0"/>
+                <a:cs typeface="Times New Roman" panose="02020603050405020304" pitchFamily="18" charset="0"/>
+              </a:rPr>
+              <a:t>: </a:t>
+            </a:r>
+            <a:r>
+              <a:rPr lang="en-US" sz="2200" dirty="0" smtClean="0">
+                <a:latin typeface="Times New Roman" panose="02020603050405020304" pitchFamily="18" charset="0"/>
+                <a:cs typeface="Times New Roman" panose="02020603050405020304" pitchFamily="18" charset="0"/>
+              </a:rPr>
+              <a:t>basic building blocks of an Angular application an Angular app is defined by a set of </a:t>
+            </a:r>
+            <a:r>
+              <a:rPr lang="en-US" sz="2200" dirty="0" err="1" smtClean="0">
+                <a:latin typeface="Times New Roman" panose="02020603050405020304" pitchFamily="18" charset="0"/>
+                <a:cs typeface="Times New Roman" panose="02020603050405020304" pitchFamily="18" charset="0"/>
+              </a:rPr>
+              <a:t>NgModules</a:t>
+            </a:r>
+            <a:r>
+              <a:rPr lang="en-US" sz="2200" dirty="0" smtClean="0">
+                <a:latin typeface="Times New Roman" panose="02020603050405020304" pitchFamily="18" charset="0"/>
+                <a:cs typeface="Times New Roman" panose="02020603050405020304" pitchFamily="18" charset="0"/>
+              </a:rPr>
+              <a:t>. An app always has at least a </a:t>
+            </a:r>
+            <a:r>
+              <a:rPr lang="en-US" sz="2200" i="1" dirty="0" smtClean="0">
+                <a:latin typeface="Times New Roman" panose="02020603050405020304" pitchFamily="18" charset="0"/>
+                <a:cs typeface="Times New Roman" panose="02020603050405020304" pitchFamily="18" charset="0"/>
+              </a:rPr>
+              <a:t>root module</a:t>
+            </a:r>
+            <a:r>
+              <a:rPr lang="en-US" sz="2200" dirty="0" smtClean="0">
+                <a:latin typeface="Times New Roman" panose="02020603050405020304" pitchFamily="18" charset="0"/>
+                <a:cs typeface="Times New Roman" panose="02020603050405020304" pitchFamily="18" charset="0"/>
+              </a:rPr>
+              <a:t>  which provides the bootstrap mechanism that launches the application. and has many more </a:t>
+            </a:r>
+            <a:r>
+              <a:rPr lang="en-US" sz="2200" i="1" dirty="0" smtClean="0">
+                <a:latin typeface="Times New Roman" panose="02020603050405020304" pitchFamily="18" charset="0"/>
+                <a:cs typeface="Times New Roman" panose="02020603050405020304" pitchFamily="18" charset="0"/>
+              </a:rPr>
+              <a:t>feature modules</a:t>
+            </a:r>
+            <a:r>
+              <a:rPr lang="en-US" sz="2200" dirty="0" smtClean="0">
+                <a:latin typeface="Times New Roman" panose="02020603050405020304" pitchFamily="18" charset="0"/>
+                <a:cs typeface="Times New Roman" panose="02020603050405020304" pitchFamily="18" charset="0"/>
+              </a:rPr>
+              <a:t>.</a:t>
+            </a:r>
+          </a:p>
+          <a:p>
+            <a:r>
+              <a:rPr lang="nl-NL" sz="2200" dirty="0" err="1" smtClean="0">
+                <a:latin typeface="Times New Roman" panose="02020603050405020304" pitchFamily="18" charset="0"/>
+                <a:cs typeface="Times New Roman" panose="02020603050405020304" pitchFamily="18" charset="0"/>
+              </a:rPr>
+              <a:t>Some</a:t>
+            </a:r>
+            <a:r>
+              <a:rPr lang="nl-NL" sz="2200" dirty="0" smtClean="0">
+                <a:latin typeface="Times New Roman" panose="02020603050405020304" pitchFamily="18" charset="0"/>
+                <a:cs typeface="Times New Roman" panose="02020603050405020304" pitchFamily="18" charset="0"/>
+              </a:rPr>
+              <a:t> import </a:t>
+            </a:r>
+            <a:r>
+              <a:rPr lang="nl-NL" sz="2200" dirty="0" err="1" smtClean="0">
+                <a:latin typeface="Times New Roman" panose="02020603050405020304" pitchFamily="18" charset="0"/>
+                <a:cs typeface="Times New Roman" panose="02020603050405020304" pitchFamily="18" charset="0"/>
+              </a:rPr>
+              <a:t>properties</a:t>
+            </a:r>
+            <a:r>
+              <a:rPr lang="nl-NL" sz="2200" dirty="0" smtClean="0">
+                <a:latin typeface="Times New Roman" panose="02020603050405020304" pitchFamily="18" charset="0"/>
+                <a:cs typeface="Times New Roman" panose="02020603050405020304" pitchFamily="18" charset="0"/>
+              </a:rPr>
+              <a:t> of @</a:t>
+            </a:r>
+            <a:r>
+              <a:rPr lang="nl-NL" sz="2200" dirty="0" err="1" smtClean="0">
+                <a:latin typeface="Times New Roman" panose="02020603050405020304" pitchFamily="18" charset="0"/>
+                <a:cs typeface="Times New Roman" panose="02020603050405020304" pitchFamily="18" charset="0"/>
+              </a:rPr>
+              <a:t>NgModules</a:t>
+            </a:r>
+            <a:r>
+              <a:rPr lang="nl-NL" sz="2200" dirty="0" smtClean="0">
+                <a:latin typeface="Times New Roman" panose="02020603050405020304" pitchFamily="18" charset="0"/>
+                <a:cs typeface="Times New Roman" panose="02020603050405020304" pitchFamily="18" charset="0"/>
+              </a:rPr>
+              <a:t>:</a:t>
+            </a:r>
+            <a:endParaRPr lang="en-US" sz="2200" dirty="0" smtClean="0">
+              <a:latin typeface="Times New Roman" panose="02020603050405020304" pitchFamily="18" charset="0"/>
+              <a:cs typeface="Times New Roman" panose="02020603050405020304" pitchFamily="18" charset="0"/>
+            </a:endParaRPr>
+          </a:p>
+          <a:p>
+            <a:pPr marL="457200" indent="-457200">
+              <a:buFont typeface="+mj-lt"/>
+              <a:buAutoNum type="arabicPeriod"/>
+            </a:pPr>
+            <a:r>
+              <a:rPr lang="en-US" sz="2200" i="1" dirty="0" smtClean="0">
+                <a:latin typeface="Times New Roman" panose="02020603050405020304" pitchFamily="18" charset="0"/>
+                <a:cs typeface="Times New Roman" panose="02020603050405020304" pitchFamily="18" charset="0"/>
+              </a:rPr>
+              <a:t>declarations</a:t>
+            </a:r>
+            <a:r>
+              <a:rPr lang="en-US" sz="2200" dirty="0" smtClean="0">
+                <a:latin typeface="Times New Roman" panose="02020603050405020304" pitchFamily="18" charset="0"/>
+                <a:cs typeface="Times New Roman" panose="02020603050405020304" pitchFamily="18" charset="0"/>
+              </a:rPr>
+              <a:t> — </a:t>
+            </a:r>
+            <a:r>
+              <a:rPr lang="en-US" sz="2200" i="1" dirty="0" smtClean="0">
+                <a:latin typeface="Times New Roman" panose="02020603050405020304" pitchFamily="18" charset="0"/>
+                <a:cs typeface="Times New Roman" panose="02020603050405020304" pitchFamily="18" charset="0"/>
+              </a:rPr>
+              <a:t>Components</a:t>
+            </a:r>
+            <a:r>
+              <a:rPr lang="en-US" sz="2200" dirty="0" smtClean="0">
+                <a:latin typeface="Times New Roman" panose="02020603050405020304" pitchFamily="18" charset="0"/>
+                <a:cs typeface="Times New Roman" panose="02020603050405020304" pitchFamily="18" charset="0"/>
+              </a:rPr>
+              <a:t>, </a:t>
+            </a:r>
+            <a:r>
+              <a:rPr lang="en-US" sz="2200" i="1" dirty="0" smtClean="0">
+                <a:latin typeface="Times New Roman" panose="02020603050405020304" pitchFamily="18" charset="0"/>
+                <a:cs typeface="Times New Roman" panose="02020603050405020304" pitchFamily="18" charset="0"/>
+              </a:rPr>
+              <a:t>Directives</a:t>
+            </a:r>
+            <a:r>
+              <a:rPr lang="en-US" sz="2200" dirty="0" smtClean="0">
+                <a:latin typeface="Times New Roman" panose="02020603050405020304" pitchFamily="18" charset="0"/>
+                <a:cs typeface="Times New Roman" panose="02020603050405020304" pitchFamily="18" charset="0"/>
+              </a:rPr>
+              <a:t>, and </a:t>
+            </a:r>
+            <a:r>
+              <a:rPr lang="en-US" sz="2200" i="1" dirty="0" smtClean="0">
+                <a:latin typeface="Times New Roman" panose="02020603050405020304" pitchFamily="18" charset="0"/>
+                <a:cs typeface="Times New Roman" panose="02020603050405020304" pitchFamily="18" charset="0"/>
+              </a:rPr>
+              <a:t>Pipes</a:t>
+            </a:r>
+            <a:r>
+              <a:rPr lang="en-US" sz="2200" dirty="0" smtClean="0">
+                <a:latin typeface="Times New Roman" panose="02020603050405020304" pitchFamily="18" charset="0"/>
+                <a:cs typeface="Times New Roman" panose="02020603050405020304" pitchFamily="18" charset="0"/>
+              </a:rPr>
+              <a:t> that belong to the </a:t>
+            </a:r>
+            <a:r>
+              <a:rPr lang="en-US" sz="2200" i="1" dirty="0" err="1" smtClean="0">
+                <a:latin typeface="Times New Roman" panose="02020603050405020304" pitchFamily="18" charset="0"/>
+                <a:cs typeface="Times New Roman" panose="02020603050405020304" pitchFamily="18" charset="0"/>
+              </a:rPr>
+              <a:t>NgModule</a:t>
+            </a:r>
+            <a:endParaRPr lang="en-US" sz="2200" dirty="0" smtClean="0">
+              <a:latin typeface="Times New Roman" panose="02020603050405020304" pitchFamily="18" charset="0"/>
+              <a:cs typeface="Times New Roman" panose="02020603050405020304" pitchFamily="18" charset="0"/>
+            </a:endParaRPr>
+          </a:p>
+          <a:p>
+            <a:pPr marL="457200" indent="-457200">
+              <a:buFont typeface="+mj-lt"/>
+              <a:buAutoNum type="arabicPeriod"/>
+            </a:pPr>
+            <a:r>
+              <a:rPr lang="en-US" sz="2200" i="1" dirty="0" smtClean="0">
+                <a:latin typeface="Times New Roman" panose="02020603050405020304" pitchFamily="18" charset="0"/>
+                <a:cs typeface="Times New Roman" panose="02020603050405020304" pitchFamily="18" charset="0"/>
+              </a:rPr>
+              <a:t>exports</a:t>
+            </a:r>
+            <a:r>
+              <a:rPr lang="en-US" sz="2200" dirty="0" smtClean="0">
+                <a:latin typeface="Times New Roman" panose="02020603050405020304" pitchFamily="18" charset="0"/>
+                <a:cs typeface="Times New Roman" panose="02020603050405020304" pitchFamily="18" charset="0"/>
+              </a:rPr>
+              <a:t> — the subset of declarations that should be visible and usable in the </a:t>
+            </a:r>
+            <a:r>
+              <a:rPr lang="en-US" sz="2200" i="1" dirty="0" smtClean="0">
+                <a:latin typeface="Times New Roman" panose="02020603050405020304" pitchFamily="18" charset="0"/>
+                <a:cs typeface="Times New Roman" panose="02020603050405020304" pitchFamily="18" charset="0"/>
+              </a:rPr>
+              <a:t>Components</a:t>
+            </a:r>
+            <a:r>
+              <a:rPr lang="en-US" sz="2200" dirty="0" smtClean="0">
+                <a:latin typeface="Times New Roman" panose="02020603050405020304" pitchFamily="18" charset="0"/>
+                <a:cs typeface="Times New Roman" panose="02020603050405020304" pitchFamily="18" charset="0"/>
+              </a:rPr>
+              <a:t> of other </a:t>
+            </a:r>
+            <a:r>
+              <a:rPr lang="en-US" sz="2200" i="1" dirty="0" err="1" smtClean="0">
+                <a:latin typeface="Times New Roman" panose="02020603050405020304" pitchFamily="18" charset="0"/>
+                <a:cs typeface="Times New Roman" panose="02020603050405020304" pitchFamily="18" charset="0"/>
+              </a:rPr>
+              <a:t>NgModules</a:t>
+            </a:r>
+            <a:endParaRPr lang="en-US" sz="2200" dirty="0" smtClean="0">
+              <a:latin typeface="Times New Roman" panose="02020603050405020304" pitchFamily="18" charset="0"/>
+              <a:cs typeface="Times New Roman" panose="02020603050405020304" pitchFamily="18" charset="0"/>
+            </a:endParaRPr>
+          </a:p>
+          <a:p>
+            <a:pPr marL="457200" indent="-457200">
+              <a:buFont typeface="+mj-lt"/>
+              <a:buAutoNum type="arabicPeriod"/>
+            </a:pPr>
+            <a:r>
+              <a:rPr lang="en-US" sz="2200" i="1" dirty="0" smtClean="0">
+                <a:latin typeface="Times New Roman" panose="02020603050405020304" pitchFamily="18" charset="0"/>
+                <a:cs typeface="Times New Roman" panose="02020603050405020304" pitchFamily="18" charset="0"/>
+              </a:rPr>
+              <a:t>imports</a:t>
+            </a:r>
+            <a:r>
+              <a:rPr lang="en-US" sz="2200" dirty="0" smtClean="0">
+                <a:latin typeface="Times New Roman" panose="02020603050405020304" pitchFamily="18" charset="0"/>
+                <a:cs typeface="Times New Roman" panose="02020603050405020304" pitchFamily="18" charset="0"/>
+              </a:rPr>
+              <a:t> — other modules whose exported classes are needed by </a:t>
+            </a:r>
+            <a:r>
+              <a:rPr lang="en-US" sz="2200" i="1" dirty="0" smtClean="0">
+                <a:latin typeface="Times New Roman" panose="02020603050405020304" pitchFamily="18" charset="0"/>
+                <a:cs typeface="Times New Roman" panose="02020603050405020304" pitchFamily="18" charset="0"/>
+              </a:rPr>
+              <a:t>Components</a:t>
+            </a:r>
+            <a:r>
+              <a:rPr lang="en-US" sz="2200" dirty="0" smtClean="0">
+                <a:latin typeface="Times New Roman" panose="02020603050405020304" pitchFamily="18" charset="0"/>
+                <a:cs typeface="Times New Roman" panose="02020603050405020304" pitchFamily="18" charset="0"/>
+              </a:rPr>
+              <a:t> declared in the </a:t>
+            </a:r>
+            <a:r>
+              <a:rPr lang="en-US" sz="2200" i="1" dirty="0" err="1" smtClean="0">
+                <a:latin typeface="Times New Roman" panose="02020603050405020304" pitchFamily="18" charset="0"/>
+                <a:cs typeface="Times New Roman" panose="02020603050405020304" pitchFamily="18" charset="0"/>
+              </a:rPr>
+              <a:t>NgModule</a:t>
+            </a:r>
+            <a:endParaRPr lang="en-US" sz="2200" dirty="0" smtClean="0">
+              <a:latin typeface="Times New Roman" panose="02020603050405020304" pitchFamily="18" charset="0"/>
+              <a:cs typeface="Times New Roman" panose="02020603050405020304" pitchFamily="18" charset="0"/>
+            </a:endParaRPr>
+          </a:p>
+          <a:p>
+            <a:pPr marL="457200" indent="-457200">
+              <a:buFont typeface="+mj-lt"/>
+              <a:buAutoNum type="arabicPeriod"/>
+            </a:pPr>
+            <a:r>
+              <a:rPr lang="en-US" sz="2200" i="1" dirty="0" smtClean="0">
+                <a:latin typeface="Times New Roman" panose="02020603050405020304" pitchFamily="18" charset="0"/>
+                <a:cs typeface="Times New Roman" panose="02020603050405020304" pitchFamily="18" charset="0"/>
+              </a:rPr>
+              <a:t>providers</a:t>
+            </a:r>
+            <a:r>
+              <a:rPr lang="en-US" sz="2200" dirty="0" smtClean="0">
+                <a:latin typeface="Times New Roman" panose="02020603050405020304" pitchFamily="18" charset="0"/>
+                <a:cs typeface="Times New Roman" panose="02020603050405020304" pitchFamily="18" charset="0"/>
+              </a:rPr>
+              <a:t> — list of the needed </a:t>
+            </a:r>
+            <a:r>
+              <a:rPr lang="en-US" sz="2200" i="1" dirty="0" smtClean="0">
+                <a:latin typeface="Times New Roman" panose="02020603050405020304" pitchFamily="18" charset="0"/>
+                <a:cs typeface="Times New Roman" panose="02020603050405020304" pitchFamily="18" charset="0"/>
+              </a:rPr>
+              <a:t>Services</a:t>
+            </a:r>
+            <a:r>
+              <a:rPr lang="en-US" sz="2200" dirty="0" smtClean="0">
+                <a:latin typeface="Times New Roman" panose="02020603050405020304" pitchFamily="18" charset="0"/>
+                <a:cs typeface="Times New Roman" panose="02020603050405020304" pitchFamily="18" charset="0"/>
+              </a:rPr>
+              <a:t> that, because they are listed here, become are available app-wide</a:t>
+            </a:r>
+          </a:p>
+          <a:p>
+            <a:pPr marL="457200" indent="-457200">
+              <a:buFont typeface="+mj-lt"/>
+              <a:buAutoNum type="arabicPeriod"/>
+            </a:pPr>
+            <a:r>
+              <a:rPr lang="en-US" sz="2200" i="1" dirty="0" smtClean="0">
+                <a:latin typeface="Times New Roman" panose="02020603050405020304" pitchFamily="18" charset="0"/>
+                <a:cs typeface="Times New Roman" panose="02020603050405020304" pitchFamily="18" charset="0"/>
+              </a:rPr>
+              <a:t>bootstrap</a:t>
+            </a:r>
+            <a:r>
+              <a:rPr lang="en-US" sz="2200" dirty="0" smtClean="0">
+                <a:latin typeface="Times New Roman" panose="02020603050405020304" pitchFamily="18" charset="0"/>
+                <a:cs typeface="Times New Roman" panose="02020603050405020304" pitchFamily="18" charset="0"/>
+              </a:rPr>
+              <a:t> — the main application </a:t>
+            </a:r>
+            <a:r>
+              <a:rPr lang="en-US" sz="2200" i="1" dirty="0" smtClean="0">
+                <a:latin typeface="Times New Roman" panose="02020603050405020304" pitchFamily="18" charset="0"/>
+                <a:cs typeface="Times New Roman" panose="02020603050405020304" pitchFamily="18" charset="0"/>
+              </a:rPr>
+              <a:t>View</a:t>
+            </a:r>
+            <a:r>
+              <a:rPr lang="en-US" sz="2200" dirty="0" smtClean="0">
+                <a:latin typeface="Times New Roman" panose="02020603050405020304" pitchFamily="18" charset="0"/>
+                <a:cs typeface="Times New Roman" panose="02020603050405020304" pitchFamily="18" charset="0"/>
+              </a:rPr>
+              <a:t>, called the </a:t>
+            </a:r>
+            <a:r>
+              <a:rPr lang="en-US" sz="2200" i="1" dirty="0" smtClean="0">
+                <a:latin typeface="Times New Roman" panose="02020603050405020304" pitchFamily="18" charset="0"/>
+                <a:cs typeface="Times New Roman" panose="02020603050405020304" pitchFamily="18" charset="0"/>
+              </a:rPr>
+              <a:t>Root Component</a:t>
+            </a:r>
+            <a:r>
+              <a:rPr lang="en-US" sz="2200" dirty="0" smtClean="0">
+                <a:latin typeface="Times New Roman" panose="02020603050405020304" pitchFamily="18" charset="0"/>
+                <a:cs typeface="Times New Roman" panose="02020603050405020304" pitchFamily="18" charset="0"/>
+              </a:rPr>
+              <a:t>, which hosts all other app views. (only the </a:t>
+            </a:r>
+            <a:r>
+              <a:rPr lang="en-US" sz="2200" i="1" dirty="0" smtClean="0">
+                <a:latin typeface="Times New Roman" panose="02020603050405020304" pitchFamily="18" charset="0"/>
+                <a:cs typeface="Times New Roman" panose="02020603050405020304" pitchFamily="18" charset="0"/>
+              </a:rPr>
+              <a:t>Root Module</a:t>
+            </a:r>
+            <a:r>
+              <a:rPr lang="en-US" sz="2200" dirty="0" smtClean="0">
+                <a:latin typeface="Times New Roman" panose="02020603050405020304" pitchFamily="18" charset="0"/>
+                <a:cs typeface="Times New Roman" panose="02020603050405020304" pitchFamily="18" charset="0"/>
+              </a:rPr>
+              <a:t> should set this bootstrap property)</a:t>
+            </a:r>
+          </a:p>
+          <a:p>
+            <a:endParaRPr lang="en-US" sz="2200" dirty="0" smtClean="0">
+              <a:latin typeface="Times New Roman" panose="02020603050405020304" pitchFamily="18" charset="0"/>
+              <a:cs typeface="Times New Roman" panose="02020603050405020304" pitchFamily="18" charset="0"/>
+            </a:endParaRPr>
+          </a:p>
+          <a:p>
+            <a:pPr marL="0" indent="0">
+              <a:buNone/>
+            </a:pPr>
+            <a:r>
+              <a:rPr lang="en-US" sz="2200" dirty="0" smtClean="0">
+                <a:latin typeface="Times New Roman" panose="02020603050405020304" pitchFamily="18" charset="0"/>
+                <a:cs typeface="Times New Roman" panose="02020603050405020304" pitchFamily="18" charset="0"/>
+              </a:rPr>
+              <a:t/>
+            </a:r>
+            <a:br>
+              <a:rPr lang="en-US" sz="2200" dirty="0" smtClean="0">
+                <a:latin typeface="Times New Roman" panose="02020603050405020304" pitchFamily="18" charset="0"/>
+                <a:cs typeface="Times New Roman" panose="02020603050405020304" pitchFamily="18" charset="0"/>
+              </a:rPr>
+            </a:br>
+            <a:endParaRPr lang="en-US" sz="2200" dirty="0">
+              <a:latin typeface="Times New Roman" panose="02020603050405020304" pitchFamily="18" charset="0"/>
+              <a:cs typeface="Times New Roman" panose="02020603050405020304" pitchFamily="18" charset="0"/>
+            </a:endParaRPr>
+          </a:p>
+        </p:txBody>
+      </p:sp>
+    </p:spTree>
+    <p:extLst>
+      <p:ext uri="{BB962C8B-B14F-4D97-AF65-F5344CB8AC3E}">
+        <p14:creationId xmlns:p14="http://schemas.microsoft.com/office/powerpoint/2010/main" val="3367615162"/>
+      </p:ext>
+    </p:extLst>
+  </p:cSld>
+  <p:clrMapOvr>
+    <a:masterClrMapping/>
+  </p:clrMapOvr>
+  <p:timing>
+    <p:tnLst>
+      <p:par>
+        <p:cTn id="1" dur="indefinite" restart="never" nodeType="tmRoot"/>
+      </p:par>
+    </p:tnLst>
+  </p:timing>
+</p:sld>
+</file>
+
+<file path=ppt/slides/slide12.xml><?xml version="1.0" encoding="utf-8"?>
+<p:sld xmlns:a="http://schemas.openxmlformats.org/drawingml/2006/main" xmlns:r="http://schemas.openxmlformats.org/officeDocument/2006/relationships" xmlns:p="http://schemas.openxmlformats.org/presentationml/2006/main">
+  <p:cSld>
+    <p:spTree>
+      <p:nvGrpSpPr>
+        <p:cNvPr id="1" name=""/>
+        <p:cNvGrpSpPr/>
+        <p:nvPr/>
+      </p:nvGrpSpPr>
+      <p:grpSpPr>
+        <a:xfrm>
+          <a:off x="0" y="0"/>
+          <a:ext cx="0" cy="0"/>
+          <a:chOff x="0" y="0"/>
+          <a:chExt cx="0" cy="0"/>
+        </a:xfrm>
+      </p:grpSpPr>
+      <p:sp>
+        <p:nvSpPr>
+          <p:cNvPr id="2" name="Title 1"/>
+          <p:cNvSpPr>
+            <a:spLocks noGrp="1"/>
+          </p:cNvSpPr>
+          <p:nvPr>
+            <p:ph type="title"/>
+          </p:nvPr>
+        </p:nvSpPr>
+        <p:spPr/>
+        <p:txBody>
+          <a:bodyPr/>
+          <a:lstStyle/>
+          <a:p>
+            <a:r>
+              <a:rPr lang="en-US" dirty="0">
+                <a:latin typeface="Times New Roman" panose="02020603050405020304" pitchFamily="18" charset="0"/>
+                <a:cs typeface="Times New Roman" panose="02020603050405020304" pitchFamily="18" charset="0"/>
+              </a:rPr>
+              <a:t>Architecture</a:t>
+            </a:r>
+            <a:r>
+              <a:rPr lang="en-US" dirty="0"/>
+              <a:t> overview</a:t>
+            </a:r>
+          </a:p>
+        </p:txBody>
+      </p:sp>
+      <p:sp>
+        <p:nvSpPr>
+          <p:cNvPr id="3" name="Content Placeholder 2"/>
+          <p:cNvSpPr>
+            <a:spLocks noGrp="1"/>
+          </p:cNvSpPr>
+          <p:nvPr>
+            <p:ph idx="1"/>
+          </p:nvPr>
+        </p:nvSpPr>
+        <p:spPr/>
+        <p:txBody>
+          <a:bodyPr>
+            <a:normAutofit/>
+          </a:bodyPr>
+          <a:lstStyle/>
+          <a:p>
+            <a:r>
+              <a:rPr lang="en-US" sz="2200" b="1" dirty="0" smtClean="0">
+                <a:latin typeface="Times New Roman" panose="02020603050405020304" pitchFamily="18" charset="0"/>
+                <a:cs typeface="Times New Roman" panose="02020603050405020304" pitchFamily="18" charset="0"/>
+              </a:rPr>
+              <a:t>Components: </a:t>
+            </a:r>
+            <a:r>
+              <a:rPr lang="en-US" sz="2200" dirty="0" smtClean="0">
+                <a:latin typeface="Times New Roman" panose="02020603050405020304" pitchFamily="18" charset="0"/>
+                <a:cs typeface="Times New Roman" panose="02020603050405020304" pitchFamily="18" charset="0"/>
+              </a:rPr>
+              <a:t>A</a:t>
+            </a:r>
+            <a:r>
+              <a:rPr lang="en-US" sz="2200" dirty="0">
+                <a:latin typeface="Times New Roman" panose="02020603050405020304" pitchFamily="18" charset="0"/>
+                <a:cs typeface="Times New Roman" panose="02020603050405020304" pitchFamily="18" charset="0"/>
+              </a:rPr>
+              <a:t> </a:t>
+            </a:r>
+            <a:r>
+              <a:rPr lang="en-US" sz="2200" i="1" dirty="0">
+                <a:latin typeface="Times New Roman" panose="02020603050405020304" pitchFamily="18" charset="0"/>
+                <a:cs typeface="Times New Roman" panose="02020603050405020304" pitchFamily="18" charset="0"/>
+              </a:rPr>
+              <a:t>Component</a:t>
+            </a:r>
+            <a:r>
+              <a:rPr lang="en-US" sz="2200" dirty="0">
+                <a:latin typeface="Times New Roman" panose="02020603050405020304" pitchFamily="18" charset="0"/>
+                <a:cs typeface="Times New Roman" panose="02020603050405020304" pitchFamily="18" charset="0"/>
+              </a:rPr>
+              <a:t> controls a </a:t>
+            </a:r>
+            <a:r>
+              <a:rPr lang="en-US" sz="2200" dirty="0" smtClean="0">
+                <a:latin typeface="Times New Roman" panose="02020603050405020304" pitchFamily="18" charset="0"/>
+                <a:cs typeface="Times New Roman" panose="02020603050405020304" pitchFamily="18" charset="0"/>
+              </a:rPr>
+              <a:t>screen </a:t>
+            </a:r>
+            <a:r>
+              <a:rPr lang="en-US" sz="2200" dirty="0">
+                <a:latin typeface="Times New Roman" panose="02020603050405020304" pitchFamily="18" charset="0"/>
+                <a:cs typeface="Times New Roman" panose="02020603050405020304" pitchFamily="18" charset="0"/>
+              </a:rPr>
+              <a:t>called a </a:t>
+            </a:r>
+            <a:r>
+              <a:rPr lang="en-US" sz="2200" i="1" dirty="0">
+                <a:latin typeface="Times New Roman" panose="02020603050405020304" pitchFamily="18" charset="0"/>
+                <a:cs typeface="Times New Roman" panose="02020603050405020304" pitchFamily="18" charset="0"/>
+              </a:rPr>
+              <a:t>View</a:t>
+            </a:r>
+            <a:r>
+              <a:rPr lang="en-US" sz="2200" dirty="0">
+                <a:latin typeface="Times New Roman" panose="02020603050405020304" pitchFamily="18" charset="0"/>
+                <a:cs typeface="Times New Roman" panose="02020603050405020304" pitchFamily="18" charset="0"/>
+              </a:rPr>
+              <a:t>. The logic of a </a:t>
+            </a:r>
+            <a:r>
+              <a:rPr lang="en-US" sz="2200" i="1" dirty="0">
+                <a:latin typeface="Times New Roman" panose="02020603050405020304" pitchFamily="18" charset="0"/>
+                <a:cs typeface="Times New Roman" panose="02020603050405020304" pitchFamily="18" charset="0"/>
+              </a:rPr>
+              <a:t>Component</a:t>
+            </a:r>
+            <a:r>
+              <a:rPr lang="en-US" sz="2200" dirty="0">
+                <a:latin typeface="Times New Roman" panose="02020603050405020304" pitchFamily="18" charset="0"/>
+                <a:cs typeface="Times New Roman" panose="02020603050405020304" pitchFamily="18" charset="0"/>
+              </a:rPr>
+              <a:t> is defined inside a class. </a:t>
+            </a:r>
+            <a:r>
+              <a:rPr lang="en-US" sz="2200" i="1" dirty="0">
+                <a:latin typeface="Times New Roman" panose="02020603050405020304" pitchFamily="18" charset="0"/>
+                <a:cs typeface="Times New Roman" panose="02020603050405020304" pitchFamily="18" charset="0"/>
+              </a:rPr>
+              <a:t>Angular</a:t>
+            </a:r>
+            <a:r>
+              <a:rPr lang="en-US" sz="2200" dirty="0">
+                <a:latin typeface="Times New Roman" panose="02020603050405020304" pitchFamily="18" charset="0"/>
+                <a:cs typeface="Times New Roman" panose="02020603050405020304" pitchFamily="18" charset="0"/>
+              </a:rPr>
+              <a:t> creates, updates, and destroys </a:t>
+            </a:r>
+            <a:r>
+              <a:rPr lang="en-US" sz="2200" i="1" dirty="0">
+                <a:latin typeface="Times New Roman" panose="02020603050405020304" pitchFamily="18" charset="0"/>
+                <a:cs typeface="Times New Roman" panose="02020603050405020304" pitchFamily="18" charset="0"/>
+              </a:rPr>
+              <a:t>Components</a:t>
+            </a:r>
+            <a:r>
+              <a:rPr lang="en-US" sz="2200" dirty="0">
+                <a:latin typeface="Times New Roman" panose="02020603050405020304" pitchFamily="18" charset="0"/>
+                <a:cs typeface="Times New Roman" panose="02020603050405020304" pitchFamily="18" charset="0"/>
+              </a:rPr>
+              <a:t> as the user moves through the application.</a:t>
+            </a:r>
+          </a:p>
+          <a:p>
+            <a:r>
+              <a:rPr lang="en-US" sz="2200" dirty="0">
+                <a:latin typeface="Times New Roman" panose="02020603050405020304" pitchFamily="18" charset="0"/>
+                <a:cs typeface="Times New Roman" panose="02020603050405020304" pitchFamily="18" charset="0"/>
+              </a:rPr>
+              <a:t>A </a:t>
+            </a:r>
+            <a:r>
+              <a:rPr lang="en-US" sz="2200" i="1" dirty="0">
+                <a:latin typeface="Times New Roman" panose="02020603050405020304" pitchFamily="18" charset="0"/>
+                <a:cs typeface="Times New Roman" panose="02020603050405020304" pitchFamily="18" charset="0"/>
+              </a:rPr>
+              <a:t>Component</a:t>
+            </a:r>
+            <a:r>
+              <a:rPr lang="en-US" sz="2200" dirty="0">
+                <a:latin typeface="Times New Roman" panose="02020603050405020304" pitchFamily="18" charset="0"/>
+                <a:cs typeface="Times New Roman" panose="02020603050405020304" pitchFamily="18" charset="0"/>
+              </a:rPr>
+              <a:t> is identified by the “</a:t>
+            </a:r>
+            <a:r>
+              <a:rPr lang="en-US" sz="2200" i="1" dirty="0">
+                <a:latin typeface="Times New Roman" panose="02020603050405020304" pitchFamily="18" charset="0"/>
+                <a:cs typeface="Times New Roman" panose="02020603050405020304" pitchFamily="18" charset="0"/>
+              </a:rPr>
+              <a:t>@Component</a:t>
+            </a:r>
+            <a:r>
+              <a:rPr lang="en-US" sz="2200" dirty="0">
+                <a:latin typeface="Times New Roman" panose="02020603050405020304" pitchFamily="18" charset="0"/>
+                <a:cs typeface="Times New Roman" panose="02020603050405020304" pitchFamily="18" charset="0"/>
+              </a:rPr>
+              <a:t>” decorator that has a set of properties. The most import properties are the following ones:</a:t>
+            </a:r>
+          </a:p>
+          <a:p>
+            <a:r>
+              <a:rPr lang="en-US" sz="2200" i="1" dirty="0">
+                <a:latin typeface="Times New Roman" panose="02020603050405020304" pitchFamily="18" charset="0"/>
+                <a:cs typeface="Times New Roman" panose="02020603050405020304" pitchFamily="18" charset="0"/>
+              </a:rPr>
+              <a:t>selector</a:t>
+            </a:r>
+            <a:r>
+              <a:rPr lang="en-US" sz="2200" dirty="0">
+                <a:latin typeface="Times New Roman" panose="02020603050405020304" pitchFamily="18" charset="0"/>
+                <a:cs typeface="Times New Roman" panose="02020603050405020304" pitchFamily="18" charset="0"/>
+              </a:rPr>
+              <a:t> — tells how the component is referenced in </a:t>
+            </a:r>
+            <a:r>
+              <a:rPr lang="en-US" sz="2200" i="1" dirty="0">
+                <a:latin typeface="Times New Roman" panose="02020603050405020304" pitchFamily="18" charset="0"/>
+                <a:cs typeface="Times New Roman" panose="02020603050405020304" pitchFamily="18" charset="0"/>
+              </a:rPr>
+              <a:t>HTML</a:t>
+            </a:r>
+            <a:r>
+              <a:rPr lang="en-US" sz="2200" dirty="0">
+                <a:latin typeface="Times New Roman" panose="02020603050405020304" pitchFamily="18" charset="0"/>
+                <a:cs typeface="Times New Roman" panose="02020603050405020304" pitchFamily="18" charset="0"/>
+              </a:rPr>
+              <a:t>; in simple words, it corresponds to the </a:t>
+            </a:r>
+            <a:r>
+              <a:rPr lang="en-US" sz="2200" i="1" dirty="0">
+                <a:latin typeface="Times New Roman" panose="02020603050405020304" pitchFamily="18" charset="0"/>
+                <a:cs typeface="Times New Roman" panose="02020603050405020304" pitchFamily="18" charset="0"/>
+              </a:rPr>
+              <a:t>HTML</a:t>
+            </a:r>
+            <a:r>
+              <a:rPr lang="en-US" sz="2200" dirty="0">
+                <a:latin typeface="Times New Roman" panose="02020603050405020304" pitchFamily="18" charset="0"/>
+                <a:cs typeface="Times New Roman" panose="02020603050405020304" pitchFamily="18" charset="0"/>
+              </a:rPr>
+              <a:t> tag.</a:t>
+            </a:r>
+          </a:p>
+          <a:p>
+            <a:r>
+              <a:rPr lang="en-US" sz="2200" i="1" dirty="0" err="1">
+                <a:latin typeface="Times New Roman" panose="02020603050405020304" pitchFamily="18" charset="0"/>
+                <a:cs typeface="Times New Roman" panose="02020603050405020304" pitchFamily="18" charset="0"/>
+              </a:rPr>
+              <a:t>templateUrl</a:t>
+            </a:r>
+            <a:r>
+              <a:rPr lang="en-US" sz="2200" dirty="0">
+                <a:latin typeface="Times New Roman" panose="02020603050405020304" pitchFamily="18" charset="0"/>
+                <a:cs typeface="Times New Roman" panose="02020603050405020304" pitchFamily="18" charset="0"/>
+              </a:rPr>
+              <a:t> — gives the path of the </a:t>
+            </a:r>
+            <a:r>
+              <a:rPr lang="en-US" sz="2200" i="1" dirty="0">
+                <a:latin typeface="Times New Roman" panose="02020603050405020304" pitchFamily="18" charset="0"/>
+                <a:cs typeface="Times New Roman" panose="02020603050405020304" pitchFamily="18" charset="0"/>
+              </a:rPr>
+              <a:t>HTML</a:t>
+            </a:r>
+            <a:r>
+              <a:rPr lang="en-US" sz="2200" dirty="0">
+                <a:latin typeface="Times New Roman" panose="02020603050405020304" pitchFamily="18" charset="0"/>
+                <a:cs typeface="Times New Roman" panose="02020603050405020304" pitchFamily="18" charset="0"/>
+              </a:rPr>
+              <a:t> template.</a:t>
+            </a:r>
+          </a:p>
+          <a:p>
+            <a:r>
+              <a:rPr lang="en-US" sz="2200" i="1" dirty="0">
+                <a:latin typeface="Times New Roman" panose="02020603050405020304" pitchFamily="18" charset="0"/>
+                <a:cs typeface="Times New Roman" panose="02020603050405020304" pitchFamily="18" charset="0"/>
+              </a:rPr>
+              <a:t>providers</a:t>
+            </a:r>
+            <a:r>
+              <a:rPr lang="en-US" sz="2200" dirty="0">
+                <a:latin typeface="Times New Roman" panose="02020603050405020304" pitchFamily="18" charset="0"/>
+                <a:cs typeface="Times New Roman" panose="02020603050405020304" pitchFamily="18" charset="0"/>
+              </a:rPr>
+              <a:t> — an array of </a:t>
+            </a:r>
+            <a:r>
+              <a:rPr lang="en-US" sz="2200" i="1" dirty="0">
+                <a:latin typeface="Times New Roman" panose="02020603050405020304" pitchFamily="18" charset="0"/>
+                <a:cs typeface="Times New Roman" panose="02020603050405020304" pitchFamily="18" charset="0"/>
+              </a:rPr>
+              <a:t>Dependency Injection Providers</a:t>
+            </a:r>
+            <a:r>
+              <a:rPr lang="en-US" sz="2200" dirty="0">
+                <a:latin typeface="Times New Roman" panose="02020603050405020304" pitchFamily="18" charset="0"/>
+                <a:cs typeface="Times New Roman" panose="02020603050405020304" pitchFamily="18" charset="0"/>
+              </a:rPr>
+              <a:t> for </a:t>
+            </a:r>
+            <a:r>
+              <a:rPr lang="en-US" sz="2200" i="1" dirty="0">
+                <a:latin typeface="Times New Roman" panose="02020603050405020304" pitchFamily="18" charset="0"/>
+                <a:cs typeface="Times New Roman" panose="02020603050405020304" pitchFamily="18" charset="0"/>
+              </a:rPr>
+              <a:t>Services</a:t>
+            </a:r>
+            <a:r>
+              <a:rPr lang="en-US" sz="2200" dirty="0">
+                <a:latin typeface="Times New Roman" panose="02020603050405020304" pitchFamily="18" charset="0"/>
+                <a:cs typeface="Times New Roman" panose="02020603050405020304" pitchFamily="18" charset="0"/>
+              </a:rPr>
+              <a:t> that the </a:t>
+            </a:r>
+            <a:r>
+              <a:rPr lang="en-US" sz="2200" i="1" dirty="0">
+                <a:latin typeface="Times New Roman" panose="02020603050405020304" pitchFamily="18" charset="0"/>
+                <a:cs typeface="Times New Roman" panose="02020603050405020304" pitchFamily="18" charset="0"/>
+              </a:rPr>
+              <a:t>Component</a:t>
+            </a:r>
+            <a:r>
+              <a:rPr lang="en-US" sz="2200" dirty="0">
+                <a:latin typeface="Times New Roman" panose="02020603050405020304" pitchFamily="18" charset="0"/>
+                <a:cs typeface="Times New Roman" panose="02020603050405020304" pitchFamily="18" charset="0"/>
+              </a:rPr>
+              <a:t> requires.</a:t>
+            </a:r>
+          </a:p>
+          <a:p>
+            <a:endParaRPr lang="en-US" sz="2200" dirty="0">
+              <a:latin typeface="Times New Roman" panose="02020603050405020304" pitchFamily="18" charset="0"/>
+              <a:cs typeface="Times New Roman" panose="02020603050405020304" pitchFamily="18" charset="0"/>
+            </a:endParaRPr>
+          </a:p>
+        </p:txBody>
+      </p:sp>
+    </p:spTree>
+    <p:extLst>
+      <p:ext uri="{BB962C8B-B14F-4D97-AF65-F5344CB8AC3E}">
+        <p14:creationId xmlns:p14="http://schemas.microsoft.com/office/powerpoint/2010/main" val="3742243493"/>
+      </p:ext>
+    </p:extLst>
+  </p:cSld>
+  <p:clrMapOvr>
+    <a:masterClrMapping/>
+  </p:clrMapOvr>
+  <p:timing>
+    <p:tnLst>
+      <p:par>
+        <p:cTn id="1" dur="indefinite" restart="never" nodeType="tmRoot"/>
+      </p:par>
+    </p:tnLst>
+  </p:timing>
+</p:sld>
+</file>
+
+<file path=ppt/slides/slide13.xml><?xml version="1.0" encoding="utf-8"?>
+<p:sld xmlns:a="http://schemas.openxmlformats.org/drawingml/2006/main" xmlns:r="http://schemas.openxmlformats.org/officeDocument/2006/relationships" xmlns:p="http://schemas.openxmlformats.org/presentationml/2006/main">
+  <p:cSld>
+    <p:spTree>
+      <p:nvGrpSpPr>
+        <p:cNvPr id="1" name=""/>
+        <p:cNvGrpSpPr/>
+        <p:nvPr/>
+      </p:nvGrpSpPr>
+      <p:grpSpPr>
+        <a:xfrm>
+          <a:off x="0" y="0"/>
+          <a:ext cx="0" cy="0"/>
+          <a:chOff x="0" y="0"/>
+          <a:chExt cx="0" cy="0"/>
+        </a:xfrm>
+      </p:grpSpPr>
+      <p:sp>
+        <p:nvSpPr>
+          <p:cNvPr id="2" name="Title 1"/>
+          <p:cNvSpPr>
+            <a:spLocks noGrp="1"/>
+          </p:cNvSpPr>
+          <p:nvPr>
+            <p:ph type="title"/>
+          </p:nvPr>
+        </p:nvSpPr>
+        <p:spPr/>
+        <p:txBody>
+          <a:bodyPr/>
+          <a:lstStyle/>
+          <a:p>
+            <a:r>
+              <a:rPr lang="en-US" dirty="0">
+                <a:latin typeface="Times New Roman" panose="02020603050405020304" pitchFamily="18" charset="0"/>
+                <a:cs typeface="Times New Roman" panose="02020603050405020304" pitchFamily="18" charset="0"/>
+              </a:rPr>
+              <a:t>Architecture overview</a:t>
+            </a:r>
+          </a:p>
+        </p:txBody>
+      </p:sp>
+      <p:sp>
+        <p:nvSpPr>
+          <p:cNvPr id="3" name="Content Placeholder 2"/>
+          <p:cNvSpPr>
+            <a:spLocks noGrp="1"/>
+          </p:cNvSpPr>
+          <p:nvPr>
+            <p:ph idx="1"/>
+          </p:nvPr>
+        </p:nvSpPr>
+        <p:spPr/>
+        <p:txBody>
+          <a:bodyPr>
+            <a:normAutofit/>
+          </a:bodyPr>
+          <a:lstStyle/>
+          <a:p>
+            <a:r>
+              <a:rPr lang="en-US" sz="2200" b="1" dirty="0" smtClean="0">
+                <a:latin typeface="Times New Roman" panose="02020603050405020304" pitchFamily="18" charset="0"/>
+                <a:cs typeface="Times New Roman" panose="02020603050405020304" pitchFamily="18" charset="0"/>
+              </a:rPr>
+              <a:t>Services: </a:t>
+            </a:r>
+            <a:r>
+              <a:rPr lang="en-US" sz="2200" dirty="0">
+                <a:latin typeface="Times New Roman" panose="02020603050405020304" pitchFamily="18" charset="0"/>
+                <a:cs typeface="Times New Roman" panose="02020603050405020304" pitchFamily="18" charset="0"/>
+              </a:rPr>
+              <a:t>we should create a </a:t>
+            </a:r>
+            <a:r>
+              <a:rPr lang="en-US" sz="2200" i="1" dirty="0">
+                <a:latin typeface="Times New Roman" panose="02020603050405020304" pitchFamily="18" charset="0"/>
+                <a:cs typeface="Times New Roman" panose="02020603050405020304" pitchFamily="18" charset="0"/>
+              </a:rPr>
+              <a:t>Service</a:t>
+            </a:r>
+            <a:r>
+              <a:rPr lang="en-US" sz="2200" dirty="0">
+                <a:latin typeface="Times New Roman" panose="02020603050405020304" pitchFamily="18" charset="0"/>
+                <a:cs typeface="Times New Roman" panose="02020603050405020304" pitchFamily="18" charset="0"/>
+              </a:rPr>
+              <a:t> when two or more </a:t>
+            </a:r>
+            <a:r>
+              <a:rPr lang="en-US" sz="2200" i="1" dirty="0">
+                <a:latin typeface="Times New Roman" panose="02020603050405020304" pitchFamily="18" charset="0"/>
+                <a:cs typeface="Times New Roman" panose="02020603050405020304" pitchFamily="18" charset="0"/>
+              </a:rPr>
+              <a:t>Components</a:t>
+            </a:r>
+            <a:r>
+              <a:rPr lang="en-US" sz="2200" dirty="0">
+                <a:latin typeface="Times New Roman" panose="02020603050405020304" pitchFamily="18" charset="0"/>
+                <a:cs typeface="Times New Roman" panose="02020603050405020304" pitchFamily="18" charset="0"/>
+              </a:rPr>
+              <a:t> or other things need to access the same data or if we want to encapsulate interactions with a web server or if we want to define how to validate user inputs</a:t>
+            </a:r>
+            <a:r>
+              <a:rPr lang="en-US" sz="2200" dirty="0" smtClean="0">
+                <a:latin typeface="Times New Roman" panose="02020603050405020304" pitchFamily="18" charset="0"/>
+                <a:cs typeface="Times New Roman" panose="02020603050405020304" pitchFamily="18" charset="0"/>
+              </a:rPr>
+              <a:t>.</a:t>
+            </a:r>
+          </a:p>
+          <a:p>
+            <a:r>
+              <a:rPr lang="nl-NL" sz="2200" dirty="0" smtClean="0">
+                <a:latin typeface="Times New Roman" panose="02020603050405020304" pitchFamily="18" charset="0"/>
+                <a:cs typeface="Times New Roman" panose="02020603050405020304" pitchFamily="18" charset="0"/>
+              </a:rPr>
+              <a:t>Service are </a:t>
+            </a:r>
+            <a:r>
+              <a:rPr lang="nl-NL" sz="2200" dirty="0" err="1" smtClean="0">
+                <a:latin typeface="Times New Roman" panose="02020603050405020304" pitchFamily="18" charset="0"/>
+                <a:cs typeface="Times New Roman" panose="02020603050405020304" pitchFamily="18" charset="0"/>
+              </a:rPr>
+              <a:t>stateless</a:t>
+            </a:r>
+            <a:r>
+              <a:rPr lang="nl-NL" sz="2200" dirty="0" smtClean="0">
+                <a:latin typeface="Times New Roman" panose="02020603050405020304" pitchFamily="18" charset="0"/>
+                <a:cs typeface="Times New Roman" panose="02020603050405020304" pitchFamily="18" charset="0"/>
+              </a:rPr>
+              <a:t> </a:t>
+            </a:r>
+            <a:r>
+              <a:rPr lang="nl-NL" sz="2200" dirty="0" err="1" smtClean="0">
+                <a:latin typeface="Times New Roman" panose="02020603050405020304" pitchFamily="18" charset="0"/>
+                <a:cs typeface="Times New Roman" panose="02020603050405020304" pitchFamily="18" charset="0"/>
+              </a:rPr>
+              <a:t>and</a:t>
+            </a:r>
+            <a:r>
+              <a:rPr lang="nl-NL" sz="2200" dirty="0" smtClean="0">
+                <a:latin typeface="Times New Roman" panose="02020603050405020304" pitchFamily="18" charset="0"/>
+                <a:cs typeface="Times New Roman" panose="02020603050405020304" pitchFamily="18" charset="0"/>
+              </a:rPr>
+              <a:t> Singletons.</a:t>
+            </a:r>
+          </a:p>
+          <a:p>
+            <a:r>
+              <a:rPr lang="nl-NL" sz="2200" dirty="0" smtClean="0">
+                <a:latin typeface="Times New Roman" panose="02020603050405020304" pitchFamily="18" charset="0"/>
+                <a:cs typeface="Times New Roman" panose="02020603050405020304" pitchFamily="18" charset="0"/>
+              </a:rPr>
+              <a:t>Service is </a:t>
+            </a:r>
+            <a:r>
+              <a:rPr lang="nl-NL" sz="2200" dirty="0" err="1" smtClean="0">
+                <a:latin typeface="Times New Roman" panose="02020603050405020304" pitchFamily="18" charset="0"/>
+                <a:cs typeface="Times New Roman" panose="02020603050405020304" pitchFamily="18" charset="0"/>
+              </a:rPr>
+              <a:t>defined</a:t>
+            </a:r>
+            <a:r>
+              <a:rPr lang="nl-NL" sz="2200" dirty="0" smtClean="0">
+                <a:latin typeface="Times New Roman" panose="02020603050405020304" pitchFamily="18" charset="0"/>
+                <a:cs typeface="Times New Roman" panose="02020603050405020304" pitchFamily="18" charset="0"/>
+              </a:rPr>
+              <a:t> </a:t>
+            </a:r>
+            <a:r>
+              <a:rPr lang="nl-NL" sz="2200" dirty="0" err="1" smtClean="0">
+                <a:latin typeface="Times New Roman" panose="02020603050405020304" pitchFamily="18" charset="0"/>
+                <a:cs typeface="Times New Roman" panose="02020603050405020304" pitchFamily="18" charset="0"/>
+              </a:rPr>
+              <a:t>using</a:t>
+            </a:r>
+            <a:r>
+              <a:rPr lang="nl-NL" sz="2200" dirty="0" smtClean="0">
+                <a:latin typeface="Times New Roman" panose="02020603050405020304" pitchFamily="18" charset="0"/>
+                <a:cs typeface="Times New Roman" panose="02020603050405020304" pitchFamily="18" charset="0"/>
+              </a:rPr>
+              <a:t> @</a:t>
+            </a:r>
+            <a:r>
+              <a:rPr lang="nl-NL" sz="2200" dirty="0" err="1" smtClean="0">
+                <a:latin typeface="Times New Roman" panose="02020603050405020304" pitchFamily="18" charset="0"/>
+                <a:cs typeface="Times New Roman" panose="02020603050405020304" pitchFamily="18" charset="0"/>
+              </a:rPr>
+              <a:t>Injectable</a:t>
+            </a:r>
+            <a:r>
+              <a:rPr lang="nl-NL" sz="2200" dirty="0" smtClean="0">
+                <a:latin typeface="Times New Roman" panose="02020603050405020304" pitchFamily="18" charset="0"/>
+                <a:cs typeface="Times New Roman" panose="02020603050405020304" pitchFamily="18" charset="0"/>
+              </a:rPr>
+              <a:t> </a:t>
+            </a:r>
+            <a:r>
+              <a:rPr lang="nl-NL" sz="2200" dirty="0" err="1" smtClean="0">
+                <a:latin typeface="Times New Roman" panose="02020603050405020304" pitchFamily="18" charset="0"/>
+                <a:cs typeface="Times New Roman" panose="02020603050405020304" pitchFamily="18" charset="0"/>
+              </a:rPr>
+              <a:t>decorator</a:t>
+            </a:r>
+            <a:r>
+              <a:rPr lang="nl-NL" sz="2200" dirty="0" smtClean="0">
+                <a:latin typeface="Times New Roman" panose="02020603050405020304" pitchFamily="18" charset="0"/>
+                <a:cs typeface="Times New Roman" panose="02020603050405020304" pitchFamily="18" charset="0"/>
+              </a:rPr>
+              <a:t>.</a:t>
+            </a:r>
+            <a:endParaRPr lang="en-US" sz="2200" dirty="0">
+              <a:latin typeface="Times New Roman" panose="02020603050405020304" pitchFamily="18" charset="0"/>
+              <a:cs typeface="Times New Roman" panose="02020603050405020304" pitchFamily="18" charset="0"/>
+            </a:endParaRPr>
+          </a:p>
+        </p:txBody>
+      </p:sp>
+    </p:spTree>
+    <p:extLst>
+      <p:ext uri="{BB962C8B-B14F-4D97-AF65-F5344CB8AC3E}">
+        <p14:creationId xmlns:p14="http://schemas.microsoft.com/office/powerpoint/2010/main" val="3101533194"/>
+      </p:ext>
+    </p:extLst>
+  </p:cSld>
+  <p:clrMapOvr>
+    <a:masterClrMapping/>
+  </p:clrMapOvr>
+  <p:timing>
+    <p:tnLst>
+      <p:par>
+        <p:cTn id="1" dur="indefinite" restart="never" nodeType="tmRoot"/>
+      </p:par>
+    </p:tnLst>
+  </p:timing>
+</p:sld>
+</file>
+
+<file path=ppt/slides/slide14.xml><?xml version="1.0" encoding="utf-8"?>
+<p:sld xmlns:a="http://schemas.openxmlformats.org/drawingml/2006/main" xmlns:r="http://schemas.openxmlformats.org/officeDocument/2006/relationships" xmlns:p="http://schemas.openxmlformats.org/presentationml/2006/main">
+  <p:cSld>
+    <p:spTree>
+      <p:nvGrpSpPr>
+        <p:cNvPr id="1" name=""/>
+        <p:cNvGrpSpPr/>
+        <p:nvPr/>
+      </p:nvGrpSpPr>
+      <p:grpSpPr>
+        <a:xfrm>
+          <a:off x="0" y="0"/>
+          <a:ext cx="0" cy="0"/>
+          <a:chOff x="0" y="0"/>
+          <a:chExt cx="0" cy="0"/>
+        </a:xfrm>
+      </p:grpSpPr>
+      <p:sp>
+        <p:nvSpPr>
+          <p:cNvPr id="2" name="Title 1"/>
+          <p:cNvSpPr>
+            <a:spLocks noGrp="1"/>
+          </p:cNvSpPr>
+          <p:nvPr>
+            <p:ph type="title"/>
+          </p:nvPr>
+        </p:nvSpPr>
+        <p:spPr/>
+        <p:txBody>
+          <a:bodyPr/>
+          <a:lstStyle/>
+          <a:p>
+            <a:r>
+              <a:rPr lang="en-US" dirty="0">
+                <a:latin typeface="Times New Roman" panose="02020603050405020304" pitchFamily="18" charset="0"/>
+                <a:cs typeface="Times New Roman" panose="02020603050405020304" pitchFamily="18" charset="0"/>
+              </a:rPr>
+              <a:t>Architecture overview</a:t>
+            </a:r>
+          </a:p>
+        </p:txBody>
+      </p:sp>
+      <p:sp>
+        <p:nvSpPr>
+          <p:cNvPr id="3" name="Content Placeholder 2"/>
+          <p:cNvSpPr>
+            <a:spLocks noGrp="1"/>
+          </p:cNvSpPr>
+          <p:nvPr>
+            <p:ph idx="1"/>
+          </p:nvPr>
+        </p:nvSpPr>
+        <p:spPr/>
+        <p:txBody>
+          <a:bodyPr>
+            <a:normAutofit/>
+          </a:bodyPr>
+          <a:lstStyle/>
+          <a:p>
+            <a:r>
+              <a:rPr lang="en-US" sz="2200" b="1" dirty="0">
+                <a:latin typeface="Times New Roman" panose="02020603050405020304" pitchFamily="18" charset="0"/>
+                <a:cs typeface="Times New Roman" panose="02020603050405020304" pitchFamily="18" charset="0"/>
+              </a:rPr>
+              <a:t>Dependency </a:t>
+            </a:r>
+            <a:r>
+              <a:rPr lang="en-US" sz="2200" b="1" dirty="0" smtClean="0">
+                <a:latin typeface="Times New Roman" panose="02020603050405020304" pitchFamily="18" charset="0"/>
+                <a:cs typeface="Times New Roman" panose="02020603050405020304" pitchFamily="18" charset="0"/>
+              </a:rPr>
+              <a:t>Injection: </a:t>
+            </a:r>
+            <a:r>
+              <a:rPr lang="en-US" sz="2200" dirty="0" smtClean="0">
+                <a:latin typeface="Times New Roman" panose="02020603050405020304" pitchFamily="18" charset="0"/>
+                <a:cs typeface="Times New Roman" panose="02020603050405020304" pitchFamily="18" charset="0"/>
+              </a:rPr>
+              <a:t> DI is </a:t>
+            </a:r>
+            <a:r>
+              <a:rPr lang="en-US" sz="2200" i="1" dirty="0" smtClean="0">
+                <a:latin typeface="Times New Roman" panose="02020603050405020304" pitchFamily="18" charset="0"/>
+                <a:cs typeface="Times New Roman" panose="02020603050405020304" pitchFamily="18" charset="0"/>
+              </a:rPr>
+              <a:t>Design </a:t>
+            </a:r>
+            <a:r>
+              <a:rPr lang="en-US" sz="2200" i="1" dirty="0">
+                <a:latin typeface="Times New Roman" panose="02020603050405020304" pitchFamily="18" charset="0"/>
+                <a:cs typeface="Times New Roman" panose="02020603050405020304" pitchFamily="18" charset="0"/>
+              </a:rPr>
+              <a:t>Pattern</a:t>
+            </a:r>
+            <a:r>
+              <a:rPr lang="en-US" sz="2200" dirty="0">
+                <a:latin typeface="Times New Roman" panose="02020603050405020304" pitchFamily="18" charset="0"/>
+                <a:cs typeface="Times New Roman" panose="02020603050405020304" pitchFamily="18" charset="0"/>
+              </a:rPr>
+              <a:t> in which one or more dependencies (</a:t>
+            </a:r>
+            <a:r>
+              <a:rPr lang="en-US" sz="2200" i="1" dirty="0">
+                <a:latin typeface="Times New Roman" panose="02020603050405020304" pitchFamily="18" charset="0"/>
+                <a:cs typeface="Times New Roman" panose="02020603050405020304" pitchFamily="18" charset="0"/>
+              </a:rPr>
+              <a:t>Services</a:t>
+            </a:r>
+            <a:r>
+              <a:rPr lang="en-US" sz="2200" dirty="0">
+                <a:latin typeface="Times New Roman" panose="02020603050405020304" pitchFamily="18" charset="0"/>
+                <a:cs typeface="Times New Roman" panose="02020603050405020304" pitchFamily="18" charset="0"/>
+              </a:rPr>
+              <a:t>) are injected into a dependent object</a:t>
+            </a:r>
+          </a:p>
+          <a:p>
+            <a:r>
+              <a:rPr lang="en-US" sz="2200" dirty="0">
+                <a:latin typeface="Times New Roman" panose="02020603050405020304" pitchFamily="18" charset="0"/>
+                <a:cs typeface="Times New Roman" panose="02020603050405020304" pitchFamily="18" charset="0"/>
+              </a:rPr>
+              <a:t>A </a:t>
+            </a:r>
+            <a:r>
+              <a:rPr lang="en-US" sz="2200" i="1" dirty="0">
+                <a:latin typeface="Times New Roman" panose="02020603050405020304" pitchFamily="18" charset="0"/>
+                <a:cs typeface="Times New Roman" panose="02020603050405020304" pitchFamily="18" charset="0"/>
+              </a:rPr>
+              <a:t>Provider</a:t>
+            </a:r>
+            <a:r>
+              <a:rPr lang="en-US" sz="2200" dirty="0">
+                <a:latin typeface="Times New Roman" panose="02020603050405020304" pitchFamily="18" charset="0"/>
+                <a:cs typeface="Times New Roman" panose="02020603050405020304" pitchFamily="18" charset="0"/>
+              </a:rPr>
+              <a:t> is a recipe for creating a dependency. We must at least register one </a:t>
+            </a:r>
+            <a:r>
+              <a:rPr lang="en-US" sz="2200" i="1" dirty="0">
+                <a:latin typeface="Times New Roman" panose="02020603050405020304" pitchFamily="18" charset="0"/>
+                <a:cs typeface="Times New Roman" panose="02020603050405020304" pitchFamily="18" charset="0"/>
+              </a:rPr>
+              <a:t>Provider</a:t>
+            </a:r>
+            <a:r>
+              <a:rPr lang="en-US" sz="2200" dirty="0">
+                <a:latin typeface="Times New Roman" panose="02020603050405020304" pitchFamily="18" charset="0"/>
+                <a:cs typeface="Times New Roman" panose="02020603050405020304" pitchFamily="18" charset="0"/>
+              </a:rPr>
+              <a:t> of any </a:t>
+            </a:r>
+            <a:r>
+              <a:rPr lang="en-US" sz="2200" i="1" dirty="0">
+                <a:latin typeface="Times New Roman" panose="02020603050405020304" pitchFamily="18" charset="0"/>
+                <a:cs typeface="Times New Roman" panose="02020603050405020304" pitchFamily="18" charset="0"/>
+              </a:rPr>
+              <a:t>Service</a:t>
+            </a:r>
+            <a:r>
+              <a:rPr lang="en-US" sz="2200" dirty="0">
+                <a:latin typeface="Times New Roman" panose="02020603050405020304" pitchFamily="18" charset="0"/>
+                <a:cs typeface="Times New Roman" panose="02020603050405020304" pitchFamily="18" charset="0"/>
+              </a:rPr>
+              <a:t> we want to use. It can be done in Modules or in </a:t>
+            </a:r>
+            <a:r>
+              <a:rPr lang="en-US" sz="2200" i="1" dirty="0">
+                <a:latin typeface="Times New Roman" panose="02020603050405020304" pitchFamily="18" charset="0"/>
+                <a:cs typeface="Times New Roman" panose="02020603050405020304" pitchFamily="18" charset="0"/>
+              </a:rPr>
+              <a:t>Components</a:t>
+            </a:r>
+            <a:r>
+              <a:rPr lang="en-US" sz="2200" dirty="0">
+                <a:latin typeface="Times New Roman" panose="02020603050405020304" pitchFamily="18" charset="0"/>
+                <a:cs typeface="Times New Roman" panose="02020603050405020304" pitchFamily="18" charset="0"/>
+              </a:rPr>
+              <a:t>. Doing this in a </a:t>
+            </a:r>
+            <a:r>
+              <a:rPr lang="en-US" sz="2200" i="1" dirty="0">
+                <a:latin typeface="Times New Roman" panose="02020603050405020304" pitchFamily="18" charset="0"/>
+                <a:cs typeface="Times New Roman" panose="02020603050405020304" pitchFamily="18" charset="0"/>
+              </a:rPr>
+              <a:t>Module</a:t>
+            </a:r>
+            <a:r>
+              <a:rPr lang="en-US" sz="2200" dirty="0">
+                <a:latin typeface="Times New Roman" panose="02020603050405020304" pitchFamily="18" charset="0"/>
+                <a:cs typeface="Times New Roman" panose="02020603050405020304" pitchFamily="18" charset="0"/>
+              </a:rPr>
+              <a:t> allows </a:t>
+            </a:r>
+            <a:r>
+              <a:rPr lang="en-US" sz="2200" i="1" dirty="0">
+                <a:latin typeface="Times New Roman" panose="02020603050405020304" pitchFamily="18" charset="0"/>
+                <a:cs typeface="Times New Roman" panose="02020603050405020304" pitchFamily="18" charset="0"/>
+              </a:rPr>
+              <a:t>Angular</a:t>
+            </a:r>
+            <a:r>
+              <a:rPr lang="en-US" sz="2200" dirty="0">
+                <a:latin typeface="Times New Roman" panose="02020603050405020304" pitchFamily="18" charset="0"/>
+                <a:cs typeface="Times New Roman" panose="02020603050405020304" pitchFamily="18" charset="0"/>
+              </a:rPr>
+              <a:t> to inject the corresponding </a:t>
+            </a:r>
+            <a:r>
+              <a:rPr lang="en-US" sz="2200" i="1" dirty="0">
+                <a:latin typeface="Times New Roman" panose="02020603050405020304" pitchFamily="18" charset="0"/>
+                <a:cs typeface="Times New Roman" panose="02020603050405020304" pitchFamily="18" charset="0"/>
+              </a:rPr>
+              <a:t>Services</a:t>
+            </a:r>
+            <a:r>
+              <a:rPr lang="en-US" sz="2200" dirty="0">
+                <a:latin typeface="Times New Roman" panose="02020603050405020304" pitchFamily="18" charset="0"/>
+                <a:cs typeface="Times New Roman" panose="02020603050405020304" pitchFamily="18" charset="0"/>
+              </a:rPr>
+              <a:t> in any class it creates and so the </a:t>
+            </a:r>
+            <a:r>
+              <a:rPr lang="en-US" sz="2200" i="1" dirty="0">
+                <a:latin typeface="Times New Roman" panose="02020603050405020304" pitchFamily="18" charset="0"/>
+                <a:cs typeface="Times New Roman" panose="02020603050405020304" pitchFamily="18" charset="0"/>
+              </a:rPr>
+              <a:t>Service</a:t>
+            </a:r>
+            <a:r>
+              <a:rPr lang="en-US" sz="2200" dirty="0">
+                <a:latin typeface="Times New Roman" panose="02020603050405020304" pitchFamily="18" charset="0"/>
+                <a:cs typeface="Times New Roman" panose="02020603050405020304" pitchFamily="18" charset="0"/>
+              </a:rPr>
+              <a:t> instance lives for the life of the app. By using a </a:t>
+            </a:r>
+            <a:r>
+              <a:rPr lang="en-US" sz="2200" i="1" dirty="0">
+                <a:latin typeface="Times New Roman" panose="02020603050405020304" pitchFamily="18" charset="0"/>
+                <a:cs typeface="Times New Roman" panose="02020603050405020304" pitchFamily="18" charset="0"/>
+              </a:rPr>
+              <a:t>Component Provider</a:t>
+            </a:r>
+            <a:r>
+              <a:rPr lang="en-US" sz="2200" dirty="0">
+                <a:latin typeface="Times New Roman" panose="02020603050405020304" pitchFamily="18" charset="0"/>
+                <a:cs typeface="Times New Roman" panose="02020603050405020304" pitchFamily="18" charset="0"/>
+              </a:rPr>
+              <a:t> we restrict the scope of the </a:t>
+            </a:r>
+            <a:r>
+              <a:rPr lang="en-US" sz="2200" i="1" dirty="0">
+                <a:latin typeface="Times New Roman" panose="02020603050405020304" pitchFamily="18" charset="0"/>
+                <a:cs typeface="Times New Roman" panose="02020603050405020304" pitchFamily="18" charset="0"/>
+              </a:rPr>
+              <a:t>Service</a:t>
+            </a:r>
+            <a:r>
+              <a:rPr lang="en-US" sz="2200" dirty="0">
+                <a:latin typeface="Times New Roman" panose="02020603050405020304" pitchFamily="18" charset="0"/>
+                <a:cs typeface="Times New Roman" panose="02020603050405020304" pitchFamily="18" charset="0"/>
+              </a:rPr>
+              <a:t> and so it will only be injected into that </a:t>
+            </a:r>
+            <a:r>
+              <a:rPr lang="en-US" sz="2200" i="1" dirty="0">
+                <a:latin typeface="Times New Roman" panose="02020603050405020304" pitchFamily="18" charset="0"/>
+                <a:cs typeface="Times New Roman" panose="02020603050405020304" pitchFamily="18" charset="0"/>
+              </a:rPr>
+              <a:t>Component</a:t>
+            </a:r>
+            <a:r>
+              <a:rPr lang="en-US" sz="2200" dirty="0">
+                <a:latin typeface="Times New Roman" panose="02020603050405020304" pitchFamily="18" charset="0"/>
+                <a:cs typeface="Times New Roman" panose="02020603050405020304" pitchFamily="18" charset="0"/>
+              </a:rPr>
+              <a:t> instance or one of its descendant </a:t>
+            </a:r>
+            <a:r>
+              <a:rPr lang="en-US" sz="2200" i="1" dirty="0">
+                <a:latin typeface="Times New Roman" panose="02020603050405020304" pitchFamily="18" charset="0"/>
+                <a:cs typeface="Times New Roman" panose="02020603050405020304" pitchFamily="18" charset="0"/>
+              </a:rPr>
+              <a:t>Component</a:t>
+            </a:r>
+            <a:r>
+              <a:rPr lang="en-US" sz="2200" dirty="0">
+                <a:latin typeface="Times New Roman" panose="02020603050405020304" pitchFamily="18" charset="0"/>
+                <a:cs typeface="Times New Roman" panose="02020603050405020304" pitchFamily="18" charset="0"/>
+              </a:rPr>
+              <a:t> instances. It means that </a:t>
+            </a:r>
+            <a:r>
+              <a:rPr lang="en-US" sz="2200" i="1" dirty="0">
+                <a:latin typeface="Times New Roman" panose="02020603050405020304" pitchFamily="18" charset="0"/>
+                <a:cs typeface="Times New Roman" panose="02020603050405020304" pitchFamily="18" charset="0"/>
+              </a:rPr>
+              <a:t>Angular</a:t>
+            </a:r>
+            <a:r>
+              <a:rPr lang="en-US" sz="2200" dirty="0">
+                <a:latin typeface="Times New Roman" panose="02020603050405020304" pitchFamily="18" charset="0"/>
+                <a:cs typeface="Times New Roman" panose="02020603050405020304" pitchFamily="18" charset="0"/>
+              </a:rPr>
+              <a:t> can’t inject the same </a:t>
+            </a:r>
+            <a:r>
+              <a:rPr lang="en-US" sz="2200" i="1" dirty="0">
+                <a:latin typeface="Times New Roman" panose="02020603050405020304" pitchFamily="18" charset="0"/>
+                <a:cs typeface="Times New Roman" panose="02020603050405020304" pitchFamily="18" charset="0"/>
+              </a:rPr>
+              <a:t>Service</a:t>
+            </a:r>
+            <a:r>
+              <a:rPr lang="en-US" sz="2200" dirty="0">
+                <a:latin typeface="Times New Roman" panose="02020603050405020304" pitchFamily="18" charset="0"/>
+                <a:cs typeface="Times New Roman" panose="02020603050405020304" pitchFamily="18" charset="0"/>
+              </a:rPr>
+              <a:t> instance anywhere else. The lifetime of this </a:t>
+            </a:r>
+            <a:r>
+              <a:rPr lang="en-US" sz="2200" i="1" dirty="0">
+                <a:latin typeface="Times New Roman" panose="02020603050405020304" pitchFamily="18" charset="0"/>
+                <a:cs typeface="Times New Roman" panose="02020603050405020304" pitchFamily="18" charset="0"/>
+              </a:rPr>
+              <a:t>Service</a:t>
+            </a:r>
+            <a:r>
+              <a:rPr lang="en-US" sz="2200" dirty="0">
+                <a:latin typeface="Times New Roman" panose="02020603050405020304" pitchFamily="18" charset="0"/>
+                <a:cs typeface="Times New Roman" panose="02020603050405020304" pitchFamily="18" charset="0"/>
+              </a:rPr>
+              <a:t> will also be different: the </a:t>
+            </a:r>
+            <a:r>
+              <a:rPr lang="en-US" sz="2200" i="1" dirty="0">
+                <a:latin typeface="Times New Roman" panose="02020603050405020304" pitchFamily="18" charset="0"/>
+                <a:cs typeface="Times New Roman" panose="02020603050405020304" pitchFamily="18" charset="0"/>
+              </a:rPr>
+              <a:t>Service</a:t>
+            </a:r>
+            <a:r>
+              <a:rPr lang="en-US" sz="2200" dirty="0">
+                <a:latin typeface="Times New Roman" panose="02020603050405020304" pitchFamily="18" charset="0"/>
+                <a:cs typeface="Times New Roman" panose="02020603050405020304" pitchFamily="18" charset="0"/>
+              </a:rPr>
+              <a:t> instance will be destroyed when the </a:t>
+            </a:r>
+            <a:r>
+              <a:rPr lang="en-US" sz="2200" i="1" dirty="0">
+                <a:latin typeface="Times New Roman" panose="02020603050405020304" pitchFamily="18" charset="0"/>
+                <a:cs typeface="Times New Roman" panose="02020603050405020304" pitchFamily="18" charset="0"/>
+              </a:rPr>
+              <a:t>Component</a:t>
+            </a:r>
+            <a:r>
+              <a:rPr lang="en-US" sz="2200" dirty="0">
+                <a:latin typeface="Times New Roman" panose="02020603050405020304" pitchFamily="18" charset="0"/>
+                <a:cs typeface="Times New Roman" panose="02020603050405020304" pitchFamily="18" charset="0"/>
+              </a:rPr>
+              <a:t> instance is destroyed.</a:t>
+            </a:r>
+          </a:p>
+        </p:txBody>
+      </p:sp>
+    </p:spTree>
+    <p:extLst>
+      <p:ext uri="{BB962C8B-B14F-4D97-AF65-F5344CB8AC3E}">
+        <p14:creationId xmlns:p14="http://schemas.microsoft.com/office/powerpoint/2010/main" val="4252899282"/>
+      </p:ext>
+    </p:extLst>
+  </p:cSld>
+  <p:clrMapOvr>
+    <a:masterClrMapping/>
+  </p:clrMapOvr>
+  <p:timing>
+    <p:tnLst>
+      <p:par>
+        <p:cTn id="1" dur="indefinite" restart="never" nodeType="tmRoot"/>
+      </p:par>
+    </p:tnLst>
+  </p:timing>
+</p:sld>
+</file>
+
+<file path=ppt/slides/slide15.xml><?xml version="1.0" encoding="utf-8"?>
+<p:sld xmlns:a="http://schemas.openxmlformats.org/drawingml/2006/main" xmlns:r="http://schemas.openxmlformats.org/officeDocument/2006/relationships" xmlns:p="http://schemas.openxmlformats.org/presentationml/2006/main">
+  <p:cSld>
+    <p:spTree>
+      <p:nvGrpSpPr>
+        <p:cNvPr id="1" name=""/>
+        <p:cNvGrpSpPr/>
+        <p:nvPr/>
+      </p:nvGrpSpPr>
+      <p:grpSpPr>
+        <a:xfrm>
+          <a:off x="0" y="0"/>
+          <a:ext cx="0" cy="0"/>
+          <a:chOff x="0" y="0"/>
+          <a:chExt cx="0" cy="0"/>
+        </a:xfrm>
+      </p:grpSpPr>
+      <p:sp>
+        <p:nvSpPr>
+          <p:cNvPr id="2" name="Title 1"/>
+          <p:cNvSpPr>
+            <a:spLocks noGrp="1"/>
+          </p:cNvSpPr>
+          <p:nvPr>
+            <p:ph type="title"/>
+          </p:nvPr>
+        </p:nvSpPr>
+        <p:spPr/>
+        <p:txBody>
+          <a:bodyPr/>
+          <a:lstStyle/>
+          <a:p>
+            <a:r>
+              <a:rPr lang="en-US" dirty="0">
+                <a:latin typeface="Times New Roman" panose="02020603050405020304" pitchFamily="18" charset="0"/>
+                <a:cs typeface="Times New Roman" panose="02020603050405020304" pitchFamily="18" charset="0"/>
+              </a:rPr>
+              <a:t>Architecture overview</a:t>
+            </a:r>
+          </a:p>
+        </p:txBody>
+      </p:sp>
+      <p:sp>
+        <p:nvSpPr>
+          <p:cNvPr id="3" name="Content Placeholder 2"/>
+          <p:cNvSpPr>
+            <a:spLocks noGrp="1"/>
+          </p:cNvSpPr>
+          <p:nvPr>
+            <p:ph idx="1"/>
+          </p:nvPr>
+        </p:nvSpPr>
+        <p:spPr/>
+        <p:txBody>
+          <a:bodyPr>
+            <a:normAutofit/>
+          </a:bodyPr>
+          <a:lstStyle/>
+          <a:p>
+            <a:r>
+              <a:rPr lang="en-US" sz="2200" b="1" dirty="0">
+                <a:latin typeface="Times New Roman" panose="02020603050405020304" pitchFamily="18" charset="0"/>
+                <a:cs typeface="Times New Roman" panose="02020603050405020304" pitchFamily="18" charset="0"/>
+              </a:rPr>
+              <a:t>Data Binding</a:t>
+            </a:r>
+          </a:p>
+          <a:p>
+            <a:r>
+              <a:rPr lang="en-US" sz="2200" dirty="0">
+                <a:latin typeface="Times New Roman" panose="02020603050405020304" pitchFamily="18" charset="0"/>
+                <a:cs typeface="Times New Roman" panose="02020603050405020304" pitchFamily="18" charset="0"/>
+              </a:rPr>
+              <a:t>There are two types of data binding:</a:t>
+            </a:r>
+          </a:p>
+          <a:p>
+            <a:pPr marL="457200" indent="-457200">
+              <a:buFont typeface="+mj-lt"/>
+              <a:buAutoNum type="arabicPeriod"/>
+            </a:pPr>
+            <a:r>
+              <a:rPr lang="en-US" sz="2200" i="1" dirty="0">
+                <a:latin typeface="Times New Roman" panose="02020603050405020304" pitchFamily="18" charset="0"/>
+                <a:cs typeface="Times New Roman" panose="02020603050405020304" pitchFamily="18" charset="0"/>
+              </a:rPr>
+              <a:t>Event binding</a:t>
+            </a:r>
+            <a:r>
+              <a:rPr lang="en-US" sz="2200" dirty="0">
+                <a:latin typeface="Times New Roman" panose="02020603050405020304" pitchFamily="18" charset="0"/>
+                <a:cs typeface="Times New Roman" panose="02020603050405020304" pitchFamily="18" charset="0"/>
+              </a:rPr>
+              <a:t> lets your app respond to user input in the target environment by updating your application data.</a:t>
+            </a:r>
+          </a:p>
+          <a:p>
+            <a:pPr marL="457200" indent="-457200">
+              <a:buFont typeface="+mj-lt"/>
+              <a:buAutoNum type="arabicPeriod"/>
+            </a:pPr>
+            <a:r>
+              <a:rPr lang="en-US" sz="2200" i="1" dirty="0">
+                <a:latin typeface="Times New Roman" panose="02020603050405020304" pitchFamily="18" charset="0"/>
+                <a:cs typeface="Times New Roman" panose="02020603050405020304" pitchFamily="18" charset="0"/>
+              </a:rPr>
+              <a:t>Property binding</a:t>
+            </a:r>
+            <a:r>
+              <a:rPr lang="en-US" sz="2200" dirty="0">
+                <a:latin typeface="Times New Roman" panose="02020603050405020304" pitchFamily="18" charset="0"/>
+                <a:cs typeface="Times New Roman" panose="02020603050405020304" pitchFamily="18" charset="0"/>
+              </a:rPr>
+              <a:t> lets you interpolate values that are computed from your application data into the HTML.</a:t>
+            </a:r>
+          </a:p>
+          <a:p>
+            <a:endParaRPr lang="en-US" sz="2200" dirty="0">
+              <a:latin typeface="Times New Roman" panose="02020603050405020304" pitchFamily="18" charset="0"/>
+              <a:cs typeface="Times New Roman" panose="02020603050405020304" pitchFamily="18" charset="0"/>
+            </a:endParaRPr>
+          </a:p>
+        </p:txBody>
+      </p:sp>
+    </p:spTree>
+    <p:extLst>
+      <p:ext uri="{BB962C8B-B14F-4D97-AF65-F5344CB8AC3E}">
+        <p14:creationId xmlns:p14="http://schemas.microsoft.com/office/powerpoint/2010/main" val="2175551747"/>
+      </p:ext>
+    </p:extLst>
+  </p:cSld>
+  <p:clrMapOvr>
+    <a:masterClrMapping/>
+  </p:clrMapOvr>
+  <p:timing>
+    <p:tnLst>
+      <p:par>
+        <p:cTn id="1" dur="indefinite" restart="never" nodeType="tmRoot"/>
+      </p:par>
+    </p:tnLst>
+  </p:timing>
+</p:sld>
+</file>
+
+<file path=ppt/slides/slide16.xml><?xml version="1.0" encoding="utf-8"?>
+<p:sld xmlns:a="http://schemas.openxmlformats.org/drawingml/2006/main" xmlns:r="http://schemas.openxmlformats.org/officeDocument/2006/relationships" xmlns:p="http://schemas.openxmlformats.org/presentationml/2006/main">
+  <p:cSld>
+    <p:spTree>
+      <p:nvGrpSpPr>
+        <p:cNvPr id="1" name=""/>
+        <p:cNvGrpSpPr/>
+        <p:nvPr/>
+      </p:nvGrpSpPr>
+      <p:grpSpPr>
+        <a:xfrm>
+          <a:off x="0" y="0"/>
+          <a:ext cx="0" cy="0"/>
+          <a:chOff x="0" y="0"/>
+          <a:chExt cx="0" cy="0"/>
+        </a:xfrm>
+      </p:grpSpPr>
+      <p:sp>
+        <p:nvSpPr>
+          <p:cNvPr id="2" name="Title 1"/>
+          <p:cNvSpPr>
+            <a:spLocks noGrp="1"/>
+          </p:cNvSpPr>
+          <p:nvPr>
+            <p:ph type="title"/>
+          </p:nvPr>
+        </p:nvSpPr>
+        <p:spPr/>
+        <p:txBody>
+          <a:bodyPr/>
+          <a:lstStyle/>
+          <a:p>
+            <a:r>
+              <a:rPr lang="en-US" dirty="0">
+                <a:latin typeface="Times New Roman" panose="02020603050405020304" pitchFamily="18" charset="0"/>
+                <a:cs typeface="Times New Roman" panose="02020603050405020304" pitchFamily="18" charset="0"/>
+              </a:rPr>
+              <a:t>Architecture overview</a:t>
+            </a:r>
+          </a:p>
+        </p:txBody>
+      </p:sp>
+      <p:sp>
+        <p:nvSpPr>
+          <p:cNvPr id="3" name="Content Placeholder 2"/>
+          <p:cNvSpPr>
+            <a:spLocks noGrp="1"/>
+          </p:cNvSpPr>
+          <p:nvPr>
+            <p:ph idx="1"/>
+          </p:nvPr>
+        </p:nvSpPr>
+        <p:spPr/>
+        <p:txBody>
+          <a:bodyPr>
+            <a:normAutofit/>
+          </a:bodyPr>
+          <a:lstStyle/>
+          <a:p>
+            <a:r>
+              <a:rPr lang="en-US" sz="2200" b="1" dirty="0">
+                <a:latin typeface="Times New Roman" panose="02020603050405020304" pitchFamily="18" charset="0"/>
+                <a:cs typeface="Times New Roman" panose="02020603050405020304" pitchFamily="18" charset="0"/>
+              </a:rPr>
+              <a:t>Input and </a:t>
+            </a:r>
+            <a:r>
+              <a:rPr lang="en-US" sz="2200" b="1" dirty="0" smtClean="0">
+                <a:latin typeface="Times New Roman" panose="02020603050405020304" pitchFamily="18" charset="0"/>
+                <a:cs typeface="Times New Roman" panose="02020603050405020304" pitchFamily="18" charset="0"/>
+              </a:rPr>
+              <a:t>Output: </a:t>
+            </a:r>
+            <a:r>
+              <a:rPr lang="en-US" sz="2200" i="1" dirty="0" smtClean="0">
+                <a:latin typeface="Times New Roman" panose="02020603050405020304" pitchFamily="18" charset="0"/>
+                <a:cs typeface="Times New Roman" panose="02020603050405020304" pitchFamily="18" charset="0"/>
+              </a:rPr>
+              <a:t>Input</a:t>
+            </a:r>
+            <a:r>
+              <a:rPr lang="en-US" sz="2200" dirty="0">
+                <a:latin typeface="Times New Roman" panose="02020603050405020304" pitchFamily="18" charset="0"/>
+                <a:cs typeface="Times New Roman" panose="02020603050405020304" pitchFamily="18" charset="0"/>
+              </a:rPr>
+              <a:t> properties usually receive data values. </a:t>
+            </a:r>
+            <a:r>
+              <a:rPr lang="en-US" sz="2200" i="1" dirty="0">
+                <a:latin typeface="Times New Roman" panose="02020603050405020304" pitchFamily="18" charset="0"/>
+                <a:cs typeface="Times New Roman" panose="02020603050405020304" pitchFamily="18" charset="0"/>
+              </a:rPr>
+              <a:t>Output</a:t>
+            </a:r>
+            <a:r>
+              <a:rPr lang="en-US" sz="2200" dirty="0">
+                <a:latin typeface="Times New Roman" panose="02020603050405020304" pitchFamily="18" charset="0"/>
+                <a:cs typeface="Times New Roman" panose="02020603050405020304" pitchFamily="18" charset="0"/>
+              </a:rPr>
+              <a:t> properties expose </a:t>
+            </a:r>
+            <a:r>
+              <a:rPr lang="en-US" sz="2200" i="1" dirty="0">
+                <a:latin typeface="Times New Roman" panose="02020603050405020304" pitchFamily="18" charset="0"/>
+                <a:cs typeface="Times New Roman" panose="02020603050405020304" pitchFamily="18" charset="0"/>
+              </a:rPr>
+              <a:t>Event</a:t>
+            </a:r>
+            <a:r>
+              <a:rPr lang="en-US" sz="2200" dirty="0">
+                <a:latin typeface="Times New Roman" panose="02020603050405020304" pitchFamily="18" charset="0"/>
+                <a:cs typeface="Times New Roman" panose="02020603050405020304" pitchFamily="18" charset="0"/>
+              </a:rPr>
+              <a:t> producers.</a:t>
+            </a:r>
+            <a:endParaRPr lang="en-US" sz="2200" b="1" dirty="0">
+              <a:latin typeface="Times New Roman" panose="02020603050405020304" pitchFamily="18" charset="0"/>
+              <a:cs typeface="Times New Roman" panose="02020603050405020304" pitchFamily="18" charset="0"/>
+            </a:endParaRPr>
+          </a:p>
+          <a:p>
+            <a:r>
+              <a:rPr lang="nl-NL" sz="2200" dirty="0" err="1" smtClean="0">
+                <a:latin typeface="Times New Roman" panose="02020603050405020304" pitchFamily="18" charset="0"/>
+                <a:cs typeface="Times New Roman" panose="02020603050405020304" pitchFamily="18" charset="0"/>
+              </a:rPr>
+              <a:t>To</a:t>
+            </a:r>
+            <a:r>
+              <a:rPr lang="nl-NL" sz="2200" dirty="0" smtClean="0">
+                <a:latin typeface="Times New Roman" panose="02020603050405020304" pitchFamily="18" charset="0"/>
+                <a:cs typeface="Times New Roman" panose="02020603050405020304" pitchFamily="18" charset="0"/>
+              </a:rPr>
+              <a:t> </a:t>
+            </a:r>
+            <a:r>
+              <a:rPr lang="nl-NL" sz="2200" dirty="0" err="1" smtClean="0">
+                <a:latin typeface="Times New Roman" panose="02020603050405020304" pitchFamily="18" charset="0"/>
+                <a:cs typeface="Times New Roman" panose="02020603050405020304" pitchFamily="18" charset="0"/>
+              </a:rPr>
+              <a:t>define</a:t>
+            </a:r>
+            <a:r>
+              <a:rPr lang="nl-NL" sz="2200" dirty="0" smtClean="0">
+                <a:latin typeface="Times New Roman" panose="02020603050405020304" pitchFamily="18" charset="0"/>
+                <a:cs typeface="Times New Roman" panose="02020603050405020304" pitchFamily="18" charset="0"/>
+              </a:rPr>
+              <a:t> Input </a:t>
+            </a:r>
+            <a:r>
+              <a:rPr lang="nl-NL" sz="2200" dirty="0" err="1" smtClean="0">
+                <a:latin typeface="Times New Roman" panose="02020603050405020304" pitchFamily="18" charset="0"/>
+                <a:cs typeface="Times New Roman" panose="02020603050405020304" pitchFamily="18" charset="0"/>
+              </a:rPr>
+              <a:t>and</a:t>
+            </a:r>
+            <a:r>
+              <a:rPr lang="nl-NL" sz="2200" dirty="0" smtClean="0">
+                <a:latin typeface="Times New Roman" panose="02020603050405020304" pitchFamily="18" charset="0"/>
+                <a:cs typeface="Times New Roman" panose="02020603050405020304" pitchFamily="18" charset="0"/>
+              </a:rPr>
+              <a:t> Output </a:t>
+            </a:r>
+            <a:r>
+              <a:rPr lang="nl-NL" sz="2200" dirty="0" err="1" smtClean="0">
+                <a:latin typeface="Times New Roman" panose="02020603050405020304" pitchFamily="18" charset="0"/>
+                <a:cs typeface="Times New Roman" panose="02020603050405020304" pitchFamily="18" charset="0"/>
+              </a:rPr>
+              <a:t>use</a:t>
+            </a:r>
+            <a:r>
+              <a:rPr lang="nl-NL" sz="2200" dirty="0" smtClean="0">
+                <a:latin typeface="Times New Roman" panose="02020603050405020304" pitchFamily="18" charset="0"/>
+                <a:cs typeface="Times New Roman" panose="02020603050405020304" pitchFamily="18" charset="0"/>
+              </a:rPr>
+              <a:t> @Input &amp; @Output </a:t>
+            </a:r>
+            <a:r>
+              <a:rPr lang="nl-NL" sz="2200" dirty="0" err="1" smtClean="0">
+                <a:latin typeface="Times New Roman" panose="02020603050405020304" pitchFamily="18" charset="0"/>
+                <a:cs typeface="Times New Roman" panose="02020603050405020304" pitchFamily="18" charset="0"/>
+              </a:rPr>
+              <a:t>decorator</a:t>
+            </a:r>
+            <a:endParaRPr lang="en-US" sz="2200" dirty="0">
+              <a:latin typeface="Times New Roman" panose="02020603050405020304" pitchFamily="18" charset="0"/>
+              <a:cs typeface="Times New Roman" panose="02020603050405020304" pitchFamily="18" charset="0"/>
+            </a:endParaRPr>
+          </a:p>
+        </p:txBody>
+      </p:sp>
+    </p:spTree>
+    <p:extLst>
+      <p:ext uri="{BB962C8B-B14F-4D97-AF65-F5344CB8AC3E}">
+        <p14:creationId xmlns:p14="http://schemas.microsoft.com/office/powerpoint/2010/main" val="3308716006"/>
+      </p:ext>
+    </p:extLst>
+  </p:cSld>
+  <p:clrMapOvr>
+    <a:masterClrMapping/>
+  </p:clrMapOvr>
+  <p:timing>
+    <p:tnLst>
+      <p:par>
+        <p:cTn id="1" dur="indefinite" restart="never" nodeType="tmRoot"/>
+      </p:par>
+    </p:tnLst>
+  </p:timing>
+</p:sld>
+</file>
+
+<file path=ppt/slides/slide17.xml><?xml version="1.0" encoding="utf-8"?>
+<p:sld xmlns:a="http://schemas.openxmlformats.org/drawingml/2006/main" xmlns:r="http://schemas.openxmlformats.org/officeDocument/2006/relationships" xmlns:p="http://schemas.openxmlformats.org/presentationml/2006/main">
+  <p:cSld>
+    <p:spTree>
+      <p:nvGrpSpPr>
+        <p:cNvPr id="1" name=""/>
+        <p:cNvGrpSpPr/>
+        <p:nvPr/>
+      </p:nvGrpSpPr>
+      <p:grpSpPr>
+        <a:xfrm>
+          <a:off x="0" y="0"/>
+          <a:ext cx="0" cy="0"/>
+          <a:chOff x="0" y="0"/>
+          <a:chExt cx="0" cy="0"/>
+        </a:xfrm>
+      </p:grpSpPr>
+      <p:sp>
+        <p:nvSpPr>
+          <p:cNvPr id="2" name="Title 1"/>
+          <p:cNvSpPr>
+            <a:spLocks noGrp="1"/>
+          </p:cNvSpPr>
+          <p:nvPr>
+            <p:ph type="title"/>
+          </p:nvPr>
+        </p:nvSpPr>
+        <p:spPr/>
+        <p:txBody>
+          <a:bodyPr/>
+          <a:lstStyle/>
+          <a:p>
+            <a:r>
+              <a:rPr lang="en-US" dirty="0">
+                <a:latin typeface="Times New Roman" panose="02020603050405020304" pitchFamily="18" charset="0"/>
+                <a:cs typeface="Times New Roman" panose="02020603050405020304" pitchFamily="18" charset="0"/>
+              </a:rPr>
+              <a:t>Architecture overview</a:t>
+            </a:r>
+          </a:p>
+        </p:txBody>
+      </p:sp>
+      <p:sp>
+        <p:nvSpPr>
+          <p:cNvPr id="3" name="Content Placeholder 2"/>
+          <p:cNvSpPr>
+            <a:spLocks noGrp="1"/>
+          </p:cNvSpPr>
+          <p:nvPr>
+            <p:ph idx="1"/>
+          </p:nvPr>
+        </p:nvSpPr>
+        <p:spPr/>
+        <p:txBody>
+          <a:bodyPr>
+            <a:normAutofit/>
+          </a:bodyPr>
+          <a:lstStyle/>
+          <a:p>
+            <a:r>
+              <a:rPr lang="en-US" sz="2200" b="1" dirty="0" smtClean="0">
+                <a:latin typeface="Times New Roman" panose="02020603050405020304" pitchFamily="18" charset="0"/>
+                <a:cs typeface="Times New Roman" panose="02020603050405020304" pitchFamily="18" charset="0"/>
+              </a:rPr>
+              <a:t>Directives: </a:t>
+            </a:r>
+            <a:r>
+              <a:rPr lang="en-US" sz="2200" dirty="0">
+                <a:latin typeface="Times New Roman" panose="02020603050405020304" pitchFamily="18" charset="0"/>
+                <a:cs typeface="Times New Roman" panose="02020603050405020304" pitchFamily="18" charset="0"/>
+              </a:rPr>
+              <a:t>In </a:t>
+            </a:r>
+            <a:r>
+              <a:rPr lang="en-US" sz="2200" i="1" dirty="0">
+                <a:latin typeface="Times New Roman" panose="02020603050405020304" pitchFamily="18" charset="0"/>
+                <a:cs typeface="Times New Roman" panose="02020603050405020304" pitchFamily="18" charset="0"/>
+              </a:rPr>
+              <a:t>Angular</a:t>
+            </a:r>
+            <a:r>
+              <a:rPr lang="en-US" sz="2200" dirty="0">
+                <a:latin typeface="Times New Roman" panose="02020603050405020304" pitchFamily="18" charset="0"/>
+                <a:cs typeface="Times New Roman" panose="02020603050405020304" pitchFamily="18" charset="0"/>
+              </a:rPr>
+              <a:t>, there are three kinds of </a:t>
+            </a:r>
+            <a:r>
+              <a:rPr lang="en-US" sz="2200" i="1" dirty="0">
+                <a:latin typeface="Times New Roman" panose="02020603050405020304" pitchFamily="18" charset="0"/>
+                <a:cs typeface="Times New Roman" panose="02020603050405020304" pitchFamily="18" charset="0"/>
+              </a:rPr>
+              <a:t>Directives</a:t>
+            </a:r>
+            <a:r>
+              <a:rPr lang="en-US" sz="2200" dirty="0">
+                <a:latin typeface="Times New Roman" panose="02020603050405020304" pitchFamily="18" charset="0"/>
+                <a:cs typeface="Times New Roman" panose="02020603050405020304" pitchFamily="18" charset="0"/>
+              </a:rPr>
+              <a:t>:</a:t>
+            </a:r>
+          </a:p>
+          <a:p>
+            <a:r>
+              <a:rPr lang="en-US" sz="2200" i="1" dirty="0">
+                <a:latin typeface="Times New Roman" panose="02020603050405020304" pitchFamily="18" charset="0"/>
+                <a:cs typeface="Times New Roman" panose="02020603050405020304" pitchFamily="18" charset="0"/>
+              </a:rPr>
+              <a:t>Components</a:t>
+            </a:r>
+            <a:r>
+              <a:rPr lang="en-US" sz="2200" dirty="0">
+                <a:latin typeface="Times New Roman" panose="02020603050405020304" pitchFamily="18" charset="0"/>
+                <a:cs typeface="Times New Roman" panose="02020603050405020304" pitchFamily="18" charset="0"/>
+              </a:rPr>
+              <a:t> — </a:t>
+            </a:r>
+            <a:r>
+              <a:rPr lang="en-US" sz="2200" i="1" dirty="0">
+                <a:latin typeface="Times New Roman" panose="02020603050405020304" pitchFamily="18" charset="0"/>
+                <a:cs typeface="Times New Roman" panose="02020603050405020304" pitchFamily="18" charset="0"/>
+              </a:rPr>
+              <a:t>Directives</a:t>
+            </a:r>
+            <a:r>
+              <a:rPr lang="en-US" sz="2200" dirty="0">
+                <a:latin typeface="Times New Roman" panose="02020603050405020304" pitchFamily="18" charset="0"/>
+                <a:cs typeface="Times New Roman" panose="02020603050405020304" pitchFamily="18" charset="0"/>
+              </a:rPr>
+              <a:t> with a template</a:t>
+            </a:r>
+          </a:p>
+          <a:p>
+            <a:r>
+              <a:rPr lang="en-US" sz="2200" i="1" dirty="0">
+                <a:latin typeface="Times New Roman" panose="02020603050405020304" pitchFamily="18" charset="0"/>
+                <a:cs typeface="Times New Roman" panose="02020603050405020304" pitchFamily="18" charset="0"/>
+              </a:rPr>
+              <a:t>Structural Directives</a:t>
+            </a:r>
+            <a:r>
+              <a:rPr lang="en-US" sz="2200" dirty="0">
+                <a:latin typeface="Times New Roman" panose="02020603050405020304" pitchFamily="18" charset="0"/>
+                <a:cs typeface="Times New Roman" panose="02020603050405020304" pitchFamily="18" charset="0"/>
+              </a:rPr>
+              <a:t> — change the </a:t>
+            </a:r>
+            <a:r>
+              <a:rPr lang="en-US" sz="2200" i="1" dirty="0">
+                <a:latin typeface="Times New Roman" panose="02020603050405020304" pitchFamily="18" charset="0"/>
+                <a:cs typeface="Times New Roman" panose="02020603050405020304" pitchFamily="18" charset="0"/>
+              </a:rPr>
+              <a:t>DOM</a:t>
+            </a:r>
+            <a:r>
+              <a:rPr lang="en-US" sz="2200" dirty="0">
+                <a:latin typeface="Times New Roman" panose="02020603050405020304" pitchFamily="18" charset="0"/>
+                <a:cs typeface="Times New Roman" panose="02020603050405020304" pitchFamily="18" charset="0"/>
+              </a:rPr>
+              <a:t> layout by adding and removing </a:t>
+            </a:r>
+            <a:r>
+              <a:rPr lang="en-US" sz="2200" i="1" dirty="0">
+                <a:latin typeface="Times New Roman" panose="02020603050405020304" pitchFamily="18" charset="0"/>
+                <a:cs typeface="Times New Roman" panose="02020603050405020304" pitchFamily="18" charset="0"/>
+              </a:rPr>
+              <a:t>DOM</a:t>
+            </a:r>
+            <a:r>
+              <a:rPr lang="en-US" sz="2200" dirty="0">
+                <a:latin typeface="Times New Roman" panose="02020603050405020304" pitchFamily="18" charset="0"/>
+                <a:cs typeface="Times New Roman" panose="02020603050405020304" pitchFamily="18" charset="0"/>
+              </a:rPr>
+              <a:t> elements</a:t>
+            </a:r>
+          </a:p>
+          <a:p>
+            <a:r>
+              <a:rPr lang="en-US" sz="2200" i="1" dirty="0">
+                <a:latin typeface="Times New Roman" panose="02020603050405020304" pitchFamily="18" charset="0"/>
+                <a:cs typeface="Times New Roman" panose="02020603050405020304" pitchFamily="18" charset="0"/>
+              </a:rPr>
+              <a:t>Attribute Directives</a:t>
+            </a:r>
+            <a:r>
+              <a:rPr lang="en-US" sz="2200" dirty="0">
+                <a:latin typeface="Times New Roman" panose="02020603050405020304" pitchFamily="18" charset="0"/>
+                <a:cs typeface="Times New Roman" panose="02020603050405020304" pitchFamily="18" charset="0"/>
+              </a:rPr>
+              <a:t> — change the appearance or behavior of an element, </a:t>
+            </a:r>
+            <a:r>
+              <a:rPr lang="en-US" sz="2200" i="1" dirty="0">
+                <a:latin typeface="Times New Roman" panose="02020603050405020304" pitchFamily="18" charset="0"/>
+                <a:cs typeface="Times New Roman" panose="02020603050405020304" pitchFamily="18" charset="0"/>
+              </a:rPr>
+              <a:t>Component</a:t>
+            </a:r>
+            <a:r>
+              <a:rPr lang="en-US" sz="2200" dirty="0">
+                <a:latin typeface="Times New Roman" panose="02020603050405020304" pitchFamily="18" charset="0"/>
+                <a:cs typeface="Times New Roman" panose="02020603050405020304" pitchFamily="18" charset="0"/>
+              </a:rPr>
+              <a:t>, or another </a:t>
+            </a:r>
+            <a:r>
+              <a:rPr lang="en-US" sz="2200" i="1" dirty="0">
+                <a:latin typeface="Times New Roman" panose="02020603050405020304" pitchFamily="18" charset="0"/>
+                <a:cs typeface="Times New Roman" panose="02020603050405020304" pitchFamily="18" charset="0"/>
+              </a:rPr>
+              <a:t>Directive</a:t>
+            </a:r>
+            <a:endParaRPr lang="en-US" sz="2200" dirty="0">
+              <a:latin typeface="Times New Roman" panose="02020603050405020304" pitchFamily="18" charset="0"/>
+              <a:cs typeface="Times New Roman" panose="02020603050405020304" pitchFamily="18" charset="0"/>
+            </a:endParaRPr>
+          </a:p>
+          <a:p>
+            <a:r>
+              <a:rPr lang="en-US" sz="2200" i="1" dirty="0">
+                <a:latin typeface="Times New Roman" panose="02020603050405020304" pitchFamily="18" charset="0"/>
+                <a:cs typeface="Times New Roman" panose="02020603050405020304" pitchFamily="18" charset="0"/>
+              </a:rPr>
+              <a:t>Structural Directives</a:t>
+            </a:r>
+            <a:r>
+              <a:rPr lang="en-US" sz="2200" dirty="0">
+                <a:latin typeface="Times New Roman" panose="02020603050405020304" pitchFamily="18" charset="0"/>
+                <a:cs typeface="Times New Roman" panose="02020603050405020304" pitchFamily="18" charset="0"/>
+              </a:rPr>
+              <a:t> change the structure of the </a:t>
+            </a:r>
+            <a:r>
+              <a:rPr lang="en-US" sz="2200" i="1" dirty="0">
+                <a:latin typeface="Times New Roman" panose="02020603050405020304" pitchFamily="18" charset="0"/>
+                <a:cs typeface="Times New Roman" panose="02020603050405020304" pitchFamily="18" charset="0"/>
+              </a:rPr>
+              <a:t>View</a:t>
+            </a:r>
+            <a:r>
+              <a:rPr lang="en-US" sz="2200" dirty="0">
+                <a:latin typeface="Times New Roman" panose="02020603050405020304" pitchFamily="18" charset="0"/>
+                <a:cs typeface="Times New Roman" panose="02020603050405020304" pitchFamily="18" charset="0"/>
+              </a:rPr>
+              <a:t>. They are things like </a:t>
+            </a:r>
+            <a:r>
+              <a:rPr lang="en-US" sz="2200" dirty="0" smtClean="0">
+                <a:latin typeface="Times New Roman" panose="02020603050405020304" pitchFamily="18" charset="0"/>
+                <a:cs typeface="Times New Roman" panose="02020603050405020304" pitchFamily="18" charset="0"/>
+              </a:rPr>
+              <a:t>“</a:t>
+            </a:r>
+            <a:r>
+              <a:rPr lang="en-US" sz="2200" i="1" dirty="0" err="1" smtClean="0">
+                <a:latin typeface="Times New Roman" panose="02020603050405020304" pitchFamily="18" charset="0"/>
+                <a:cs typeface="Times New Roman" panose="02020603050405020304" pitchFamily="18" charset="0"/>
+              </a:rPr>
+              <a:t>NgFor</a:t>
+            </a:r>
+            <a:r>
+              <a:rPr lang="en-US" sz="2200" dirty="0" smtClean="0">
+                <a:latin typeface="Times New Roman" panose="02020603050405020304" pitchFamily="18" charset="0"/>
+                <a:cs typeface="Times New Roman" panose="02020603050405020304" pitchFamily="18" charset="0"/>
+              </a:rPr>
+              <a:t>” </a:t>
+            </a:r>
+            <a:r>
+              <a:rPr lang="en-US" sz="2200" dirty="0">
+                <a:latin typeface="Times New Roman" panose="02020603050405020304" pitchFamily="18" charset="0"/>
+                <a:cs typeface="Times New Roman" panose="02020603050405020304" pitchFamily="18" charset="0"/>
+              </a:rPr>
+              <a:t>or “</a:t>
+            </a:r>
+            <a:r>
+              <a:rPr lang="en-US" sz="2200" i="1" dirty="0" err="1" smtClean="0">
+                <a:latin typeface="Times New Roman" panose="02020603050405020304" pitchFamily="18" charset="0"/>
+                <a:cs typeface="Times New Roman" panose="02020603050405020304" pitchFamily="18" charset="0"/>
+              </a:rPr>
+              <a:t>NgIf</a:t>
+            </a:r>
+            <a:r>
+              <a:rPr lang="en-US" sz="2200" dirty="0">
+                <a:latin typeface="Times New Roman" panose="02020603050405020304" pitchFamily="18" charset="0"/>
+                <a:cs typeface="Times New Roman" panose="02020603050405020304" pitchFamily="18" charset="0"/>
+              </a:rPr>
+              <a:t> ”</a:t>
+            </a:r>
+            <a:endParaRPr lang="en-US" sz="2200" i="1" dirty="0" smtClean="0">
+              <a:latin typeface="Times New Roman" panose="02020603050405020304" pitchFamily="18" charset="0"/>
+              <a:cs typeface="Times New Roman" panose="02020603050405020304" pitchFamily="18" charset="0"/>
+            </a:endParaRPr>
+          </a:p>
+          <a:p>
+            <a:r>
+              <a:rPr lang="en-US" sz="2200" i="1" dirty="0">
+                <a:latin typeface="Times New Roman" panose="02020603050405020304" pitchFamily="18" charset="0"/>
+                <a:cs typeface="Times New Roman" panose="02020603050405020304" pitchFamily="18" charset="0"/>
+              </a:rPr>
+              <a:t>Attribute Directives</a:t>
+            </a:r>
+            <a:r>
+              <a:rPr lang="en-US" sz="2200" dirty="0">
+                <a:latin typeface="Times New Roman" panose="02020603050405020304" pitchFamily="18" charset="0"/>
+                <a:cs typeface="Times New Roman" panose="02020603050405020304" pitchFamily="18" charset="0"/>
+              </a:rPr>
+              <a:t> are used as attributes of elements. They are things like “</a:t>
+            </a:r>
+            <a:r>
+              <a:rPr lang="en-US" sz="2200" i="1" dirty="0" err="1">
+                <a:latin typeface="Times New Roman" panose="02020603050405020304" pitchFamily="18" charset="0"/>
+                <a:cs typeface="Times New Roman" panose="02020603050405020304" pitchFamily="18" charset="0"/>
+              </a:rPr>
+              <a:t>NgClass</a:t>
+            </a:r>
+            <a:r>
+              <a:rPr lang="en-US" sz="2200" dirty="0">
+                <a:latin typeface="Times New Roman" panose="02020603050405020304" pitchFamily="18" charset="0"/>
+                <a:cs typeface="Times New Roman" panose="02020603050405020304" pitchFamily="18" charset="0"/>
+              </a:rPr>
+              <a:t>” or “</a:t>
+            </a:r>
+            <a:r>
+              <a:rPr lang="en-US" sz="2200" i="1" dirty="0" err="1">
+                <a:latin typeface="Times New Roman" panose="02020603050405020304" pitchFamily="18" charset="0"/>
+                <a:cs typeface="Times New Roman" panose="02020603050405020304" pitchFamily="18" charset="0"/>
+              </a:rPr>
+              <a:t>NgStyle</a:t>
+            </a:r>
+            <a:r>
+              <a:rPr lang="en-US" sz="2200" dirty="0">
+                <a:latin typeface="Times New Roman" panose="02020603050405020304" pitchFamily="18" charset="0"/>
+                <a:cs typeface="Times New Roman" panose="02020603050405020304" pitchFamily="18" charset="0"/>
+              </a:rPr>
+              <a:t>”</a:t>
+            </a:r>
+            <a:endParaRPr lang="en-US" sz="2200" b="1" dirty="0">
+              <a:latin typeface="Times New Roman" panose="02020603050405020304" pitchFamily="18" charset="0"/>
+              <a:cs typeface="Times New Roman" panose="02020603050405020304" pitchFamily="18" charset="0"/>
+            </a:endParaRPr>
+          </a:p>
+          <a:p>
+            <a:endParaRPr lang="en-US" sz="2200" dirty="0">
+              <a:latin typeface="Times New Roman" panose="02020603050405020304" pitchFamily="18" charset="0"/>
+              <a:cs typeface="Times New Roman" panose="02020603050405020304" pitchFamily="18" charset="0"/>
+            </a:endParaRPr>
+          </a:p>
+        </p:txBody>
+      </p:sp>
+    </p:spTree>
+    <p:extLst>
+      <p:ext uri="{BB962C8B-B14F-4D97-AF65-F5344CB8AC3E}">
+        <p14:creationId xmlns:p14="http://schemas.microsoft.com/office/powerpoint/2010/main" val="1509492865"/>
+      </p:ext>
+    </p:extLst>
+  </p:cSld>
+  <p:clrMapOvr>
+    <a:masterClrMapping/>
+  </p:clrMapOvr>
+  <p:timing>
+    <p:tnLst>
+      <p:par>
+        <p:cTn id="1" dur="indefinite" restart="never" nodeType="tmRoot"/>
+      </p:par>
+    </p:tnLst>
+  </p:timing>
+</p:sld>
+</file>
+
+<file path=ppt/slides/slide18.xml><?xml version="1.0" encoding="utf-8"?>
+<p:sld xmlns:a="http://schemas.openxmlformats.org/drawingml/2006/main" xmlns:r="http://schemas.openxmlformats.org/officeDocument/2006/relationships" xmlns:p="http://schemas.openxmlformats.org/presentationml/2006/main">
+  <p:cSld>
+    <p:spTree>
+      <p:nvGrpSpPr>
+        <p:cNvPr id="1" name=""/>
+        <p:cNvGrpSpPr/>
+        <p:nvPr/>
+      </p:nvGrpSpPr>
+      <p:grpSpPr>
+        <a:xfrm>
+          <a:off x="0" y="0"/>
+          <a:ext cx="0" cy="0"/>
+          <a:chOff x="0" y="0"/>
+          <a:chExt cx="0" cy="0"/>
+        </a:xfrm>
+      </p:grpSpPr>
+      <p:sp>
+        <p:nvSpPr>
+          <p:cNvPr id="2" name="Title 1"/>
+          <p:cNvSpPr>
+            <a:spLocks noGrp="1"/>
+          </p:cNvSpPr>
+          <p:nvPr>
+            <p:ph type="title"/>
+          </p:nvPr>
+        </p:nvSpPr>
+        <p:spPr/>
+        <p:txBody>
+          <a:bodyPr/>
+          <a:lstStyle/>
+          <a:p>
             <a:r>
               <a:rPr lang="en-US" dirty="0">
                 <a:latin typeface="Times New Roman" panose="02020603050405020304" pitchFamily="18" charset="0"/>
@@ -4891,2244 +7178,6 @@
 </p:sld>
 </file>
 
-<file path=ppt/slides/slide11.xml><?xml version="1.0" encoding="utf-8"?>
-<p:sld xmlns:a="http://schemas.openxmlformats.org/drawingml/2006/main" xmlns:r="http://schemas.openxmlformats.org/officeDocument/2006/relationships" xmlns:p="http://schemas.openxmlformats.org/presentationml/2006/main">
-  <p:cSld>
-    <p:spTree>
-      <p:nvGrpSpPr>
-        <p:cNvPr id="1" name=""/>
-        <p:cNvGrpSpPr/>
-        <p:nvPr/>
-      </p:nvGrpSpPr>
-      <p:grpSpPr>
-        <a:xfrm>
-          <a:off x="0" y="0"/>
-          <a:ext cx="0" cy="0"/>
-          <a:chOff x="0" y="0"/>
-          <a:chExt cx="0" cy="0"/>
-        </a:xfrm>
-      </p:grpSpPr>
-      <p:sp>
-        <p:nvSpPr>
-          <p:cNvPr id="2" name="Title 1"/>
-          <p:cNvSpPr>
-            <a:spLocks noGrp="1"/>
-          </p:cNvSpPr>
-          <p:nvPr>
-            <p:ph type="title"/>
-          </p:nvPr>
-        </p:nvSpPr>
-        <p:spPr/>
-        <p:txBody>
-          <a:bodyPr/>
-          <a:lstStyle/>
-          <a:p>
-            <a:r>
-              <a:rPr lang="en-US" dirty="0">
-                <a:latin typeface="Times New Roman" panose="02020603050405020304" pitchFamily="18" charset="0"/>
-                <a:cs typeface="Times New Roman" panose="02020603050405020304" pitchFamily="18" charset="0"/>
-              </a:rPr>
-              <a:t>Architecture overview</a:t>
-            </a:r>
-          </a:p>
-        </p:txBody>
-      </p:sp>
-      <p:sp>
-        <p:nvSpPr>
-          <p:cNvPr id="3" name="Content Placeholder 2"/>
-          <p:cNvSpPr>
-            <a:spLocks noGrp="1"/>
-          </p:cNvSpPr>
-          <p:nvPr>
-            <p:ph idx="1"/>
-          </p:nvPr>
-        </p:nvSpPr>
-        <p:spPr/>
-        <p:txBody>
-          <a:bodyPr/>
-          <a:lstStyle/>
-          <a:p>
-            <a:r>
-              <a:rPr lang="en-US" b="1" dirty="0">
-                <a:latin typeface="Times New Roman" panose="02020603050405020304" pitchFamily="18" charset="0"/>
-                <a:cs typeface="Times New Roman" panose="02020603050405020304" pitchFamily="18" charset="0"/>
-              </a:rPr>
-              <a:t>Routing &amp; </a:t>
-            </a:r>
-            <a:r>
-              <a:rPr lang="en-US" b="1" dirty="0" smtClean="0">
-                <a:latin typeface="Times New Roman" panose="02020603050405020304" pitchFamily="18" charset="0"/>
-                <a:cs typeface="Times New Roman" panose="02020603050405020304" pitchFamily="18" charset="0"/>
-              </a:rPr>
-              <a:t>Navigation: </a:t>
-            </a:r>
-            <a:r>
-              <a:rPr lang="en-US" dirty="0">
-                <a:latin typeface="Times New Roman" panose="02020603050405020304" pitchFamily="18" charset="0"/>
-                <a:cs typeface="Times New Roman" panose="02020603050405020304" pitchFamily="18" charset="0"/>
-              </a:rPr>
-              <a:t>the </a:t>
-            </a:r>
-            <a:r>
-              <a:rPr lang="en-US" i="1" dirty="0">
-                <a:latin typeface="Times New Roman" panose="02020603050405020304" pitchFamily="18" charset="0"/>
-                <a:cs typeface="Times New Roman" panose="02020603050405020304" pitchFamily="18" charset="0"/>
-              </a:rPr>
-              <a:t>Router</a:t>
-            </a:r>
-            <a:r>
-              <a:rPr lang="en-US" dirty="0">
-                <a:latin typeface="Times New Roman" panose="02020603050405020304" pitchFamily="18" charset="0"/>
-                <a:cs typeface="Times New Roman" panose="02020603050405020304" pitchFamily="18" charset="0"/>
-              </a:rPr>
-              <a:t> allows navigation from one </a:t>
-            </a:r>
-            <a:r>
-              <a:rPr lang="en-US" i="1" dirty="0">
-                <a:latin typeface="Times New Roman" panose="02020603050405020304" pitchFamily="18" charset="0"/>
-                <a:cs typeface="Times New Roman" panose="02020603050405020304" pitchFamily="18" charset="0"/>
-              </a:rPr>
-              <a:t>View</a:t>
-            </a:r>
-            <a:r>
-              <a:rPr lang="en-US" dirty="0">
-                <a:latin typeface="Times New Roman" panose="02020603050405020304" pitchFamily="18" charset="0"/>
-                <a:cs typeface="Times New Roman" panose="02020603050405020304" pitchFamily="18" charset="0"/>
-              </a:rPr>
-              <a:t> to the </a:t>
-            </a:r>
-            <a:r>
-              <a:rPr lang="en-US" dirty="0" smtClean="0">
-                <a:latin typeface="Times New Roman" panose="02020603050405020304" pitchFamily="18" charset="0"/>
-                <a:cs typeface="Times New Roman" panose="02020603050405020304" pitchFamily="18" charset="0"/>
-              </a:rPr>
-              <a:t>next.</a:t>
-            </a:r>
-          </a:p>
-          <a:p>
-            <a:r>
-              <a:rPr lang="nl-NL" dirty="0" err="1" smtClean="0">
-                <a:latin typeface="Times New Roman" panose="02020603050405020304" pitchFamily="18" charset="0"/>
-                <a:cs typeface="Times New Roman" panose="02020603050405020304" pitchFamily="18" charset="0"/>
-              </a:rPr>
-              <a:t>To</a:t>
-            </a:r>
-            <a:r>
-              <a:rPr lang="nl-NL" dirty="0" smtClean="0">
-                <a:latin typeface="Times New Roman" panose="02020603050405020304" pitchFamily="18" charset="0"/>
-                <a:cs typeface="Times New Roman" panose="02020603050405020304" pitchFamily="18" charset="0"/>
-              </a:rPr>
-              <a:t> </a:t>
-            </a:r>
-            <a:r>
-              <a:rPr lang="nl-NL" dirty="0" err="1" smtClean="0">
-                <a:latin typeface="Times New Roman" panose="02020603050405020304" pitchFamily="18" charset="0"/>
-                <a:cs typeface="Times New Roman" panose="02020603050405020304" pitchFamily="18" charset="0"/>
-              </a:rPr>
-              <a:t>use</a:t>
-            </a:r>
-            <a:r>
-              <a:rPr lang="nl-NL" dirty="0" smtClean="0">
-                <a:latin typeface="Times New Roman" panose="02020603050405020304" pitchFamily="18" charset="0"/>
-                <a:cs typeface="Times New Roman" panose="02020603050405020304" pitchFamily="18" charset="0"/>
-              </a:rPr>
-              <a:t> router we </a:t>
-            </a:r>
-            <a:r>
-              <a:rPr lang="nl-NL" dirty="0" err="1" smtClean="0">
-                <a:latin typeface="Times New Roman" panose="02020603050405020304" pitchFamily="18" charset="0"/>
-                <a:cs typeface="Times New Roman" panose="02020603050405020304" pitchFamily="18" charset="0"/>
-              </a:rPr>
-              <a:t>need</a:t>
-            </a:r>
-            <a:r>
-              <a:rPr lang="nl-NL" dirty="0" smtClean="0">
-                <a:latin typeface="Times New Roman" panose="02020603050405020304" pitchFamily="18" charset="0"/>
-                <a:cs typeface="Times New Roman" panose="02020603050405020304" pitchFamily="18" charset="0"/>
-              </a:rPr>
-              <a:t> </a:t>
-            </a:r>
-            <a:r>
-              <a:rPr lang="nl-NL" dirty="0" err="1" smtClean="0">
-                <a:latin typeface="Times New Roman" panose="02020603050405020304" pitchFamily="18" charset="0"/>
-                <a:cs typeface="Times New Roman" panose="02020603050405020304" pitchFamily="18" charset="0"/>
-              </a:rPr>
-              <a:t>to</a:t>
-            </a:r>
-            <a:r>
-              <a:rPr lang="nl-NL" dirty="0" smtClean="0">
-                <a:latin typeface="Times New Roman" panose="02020603050405020304" pitchFamily="18" charset="0"/>
-                <a:cs typeface="Times New Roman" panose="02020603050405020304" pitchFamily="18" charset="0"/>
-              </a:rPr>
-              <a:t> import </a:t>
-            </a:r>
-            <a:r>
-              <a:rPr lang="nl-NL" dirty="0" err="1" smtClean="0">
-                <a:latin typeface="Times New Roman" panose="02020603050405020304" pitchFamily="18" charset="0"/>
-                <a:cs typeface="Times New Roman" panose="02020603050405020304" pitchFamily="18" charset="0"/>
-              </a:rPr>
-              <a:t>RouterModule</a:t>
-            </a:r>
-            <a:r>
-              <a:rPr lang="nl-NL" dirty="0" smtClean="0">
-                <a:latin typeface="Times New Roman" panose="02020603050405020304" pitchFamily="18" charset="0"/>
-                <a:cs typeface="Times New Roman" panose="02020603050405020304" pitchFamily="18" charset="0"/>
-              </a:rPr>
-              <a:t> in module</a:t>
-            </a:r>
-            <a:endParaRPr lang="en-US" dirty="0">
-              <a:latin typeface="Times New Roman" panose="02020603050405020304" pitchFamily="18" charset="0"/>
-              <a:cs typeface="Times New Roman" panose="02020603050405020304" pitchFamily="18" charset="0"/>
-            </a:endParaRPr>
-          </a:p>
-        </p:txBody>
-      </p:sp>
-    </p:spTree>
-    <p:extLst>
-      <p:ext uri="{BB962C8B-B14F-4D97-AF65-F5344CB8AC3E}">
-        <p14:creationId xmlns:p14="http://schemas.microsoft.com/office/powerpoint/2010/main" val="2662980775"/>
-      </p:ext>
-    </p:extLst>
-  </p:cSld>
-  <p:clrMapOvr>
-    <a:masterClrMapping/>
-  </p:clrMapOvr>
-  <p:timing>
-    <p:tnLst>
-      <p:par>
-        <p:cTn id="1" dur="indefinite" restart="never" nodeType="tmRoot"/>
-      </p:par>
-    </p:tnLst>
-  </p:timing>
-</p:sld>
-</file>
-
-<file path=ppt/slides/slide12.xml><?xml version="1.0" encoding="utf-8"?>
-<p:sld xmlns:a="http://schemas.openxmlformats.org/drawingml/2006/main" xmlns:r="http://schemas.openxmlformats.org/officeDocument/2006/relationships" xmlns:p="http://schemas.openxmlformats.org/presentationml/2006/main">
-  <p:cSld>
-    <p:spTree>
-      <p:nvGrpSpPr>
-        <p:cNvPr id="1" name=""/>
-        <p:cNvGrpSpPr/>
-        <p:nvPr/>
-      </p:nvGrpSpPr>
-      <p:grpSpPr>
-        <a:xfrm>
-          <a:off x="0" y="0"/>
-          <a:ext cx="0" cy="0"/>
-          <a:chOff x="0" y="0"/>
-          <a:chExt cx="0" cy="0"/>
-        </a:xfrm>
-      </p:grpSpPr>
-      <p:sp>
-        <p:nvSpPr>
-          <p:cNvPr id="2" name="Title 1"/>
-          <p:cNvSpPr>
-            <a:spLocks noGrp="1"/>
-          </p:cNvSpPr>
-          <p:nvPr>
-            <p:ph type="title"/>
-          </p:nvPr>
-        </p:nvSpPr>
-        <p:spPr/>
-        <p:txBody>
-          <a:bodyPr>
-            <a:normAutofit/>
-          </a:bodyPr>
-          <a:lstStyle/>
-          <a:p>
-            <a:r>
-              <a:rPr lang="en-US" sz="4400" b="1" dirty="0">
-                <a:latin typeface="Times New Roman" panose="02020603050405020304" pitchFamily="18" charset="0"/>
-                <a:cs typeface="Times New Roman" panose="02020603050405020304" pitchFamily="18" charset="0"/>
-              </a:rPr>
-              <a:t>Introduction</a:t>
-            </a:r>
-            <a:r>
-              <a:rPr lang="en-US" sz="4400" b="1" dirty="0"/>
-              <a:t> to Typescript</a:t>
-            </a:r>
-          </a:p>
-        </p:txBody>
-      </p:sp>
-      <p:sp>
-        <p:nvSpPr>
-          <p:cNvPr id="3" name="Content Placeholder 2"/>
-          <p:cNvSpPr>
-            <a:spLocks noGrp="1"/>
-          </p:cNvSpPr>
-          <p:nvPr>
-            <p:ph idx="1"/>
-          </p:nvPr>
-        </p:nvSpPr>
-        <p:spPr/>
-        <p:txBody>
-          <a:bodyPr>
-            <a:normAutofit lnSpcReduction="10000"/>
-          </a:bodyPr>
-          <a:lstStyle/>
-          <a:p>
-            <a:r>
-              <a:rPr lang="en-US" sz="2200" b="1" dirty="0" smtClean="0">
-                <a:latin typeface="Times New Roman" panose="02020603050405020304" pitchFamily="18" charset="0"/>
-                <a:cs typeface="Times New Roman" panose="02020603050405020304" pitchFamily="18" charset="0"/>
-              </a:rPr>
-              <a:t>Install</a:t>
-            </a:r>
-            <a:r>
-              <a:rPr lang="en-US" sz="2200" dirty="0" smtClean="0">
-                <a:latin typeface="Times New Roman" panose="02020603050405020304" pitchFamily="18" charset="0"/>
-                <a:cs typeface="Times New Roman" panose="02020603050405020304" pitchFamily="18" charset="0"/>
-              </a:rPr>
-              <a:t> </a:t>
-            </a:r>
-            <a:r>
-              <a:rPr lang="en-US" sz="2200" dirty="0" err="1" smtClean="0">
-                <a:latin typeface="Times New Roman" panose="02020603050405020304" pitchFamily="18" charset="0"/>
-                <a:cs typeface="Times New Roman" panose="02020603050405020304" pitchFamily="18" charset="0"/>
-              </a:rPr>
-              <a:t>npm</a:t>
-            </a:r>
-            <a:r>
-              <a:rPr lang="en-US" sz="2200" dirty="0">
-                <a:latin typeface="Times New Roman" panose="02020603050405020304" pitchFamily="18" charset="0"/>
-                <a:cs typeface="Times New Roman" panose="02020603050405020304" pitchFamily="18" charset="0"/>
-              </a:rPr>
-              <a:t> install -g </a:t>
-            </a:r>
-            <a:r>
-              <a:rPr lang="en-US" sz="2200" dirty="0" smtClean="0">
-                <a:latin typeface="Times New Roman" panose="02020603050405020304" pitchFamily="18" charset="0"/>
-                <a:cs typeface="Times New Roman" panose="02020603050405020304" pitchFamily="18" charset="0"/>
-              </a:rPr>
-              <a:t>typescript, </a:t>
-            </a:r>
-            <a:r>
-              <a:rPr lang="en-US" sz="2200" dirty="0" err="1" smtClean="0">
-                <a:latin typeface="Times New Roman" panose="02020603050405020304" pitchFamily="18" charset="0"/>
-                <a:cs typeface="Times New Roman" panose="02020603050405020304" pitchFamily="18" charset="0"/>
-              </a:rPr>
-              <a:t>tslint</a:t>
-            </a:r>
-            <a:endParaRPr lang="en-US" sz="2200" dirty="0" smtClean="0">
-              <a:latin typeface="Times New Roman" panose="02020603050405020304" pitchFamily="18" charset="0"/>
-              <a:cs typeface="Times New Roman" panose="02020603050405020304" pitchFamily="18" charset="0"/>
-            </a:endParaRPr>
-          </a:p>
-          <a:p>
-            <a:r>
-              <a:rPr lang="nl-NL" sz="2200" b="1" dirty="0" err="1" smtClean="0">
-                <a:latin typeface="Times New Roman" panose="02020603050405020304" pitchFamily="18" charset="0"/>
-                <a:cs typeface="Times New Roman" panose="02020603050405020304" pitchFamily="18" charset="0"/>
-              </a:rPr>
-              <a:t>Compile</a:t>
-            </a:r>
-            <a:r>
-              <a:rPr lang="nl-NL" sz="2200" b="1" dirty="0" smtClean="0">
-                <a:latin typeface="Times New Roman" panose="02020603050405020304" pitchFamily="18" charset="0"/>
-                <a:cs typeface="Times New Roman" panose="02020603050405020304" pitchFamily="18" charset="0"/>
-              </a:rPr>
-              <a:t> TS </a:t>
-            </a:r>
-            <a:r>
-              <a:rPr lang="nl-NL" sz="2200" dirty="0" err="1" smtClean="0">
-                <a:latin typeface="Times New Roman" panose="02020603050405020304" pitchFamily="18" charset="0"/>
-                <a:cs typeface="Times New Roman" panose="02020603050405020304" pitchFamily="18" charset="0"/>
-              </a:rPr>
-              <a:t>tsc</a:t>
-            </a:r>
-            <a:r>
-              <a:rPr lang="nl-NL" sz="2200" dirty="0" smtClean="0">
-                <a:latin typeface="Times New Roman" panose="02020603050405020304" pitchFamily="18" charset="0"/>
-                <a:cs typeface="Times New Roman" panose="02020603050405020304" pitchFamily="18" charset="0"/>
-              </a:rPr>
-              <a:t> typescript-file</a:t>
-            </a:r>
-          </a:p>
-          <a:p>
-            <a:r>
-              <a:rPr lang="nl-NL" sz="2200" b="1" dirty="0" smtClean="0">
-                <a:latin typeface="Times New Roman" panose="02020603050405020304" pitchFamily="18" charset="0"/>
-                <a:cs typeface="Times New Roman" panose="02020603050405020304" pitchFamily="18" charset="0"/>
-              </a:rPr>
-              <a:t>Let: </a:t>
-            </a:r>
-            <a:r>
-              <a:rPr lang="nl-NL" sz="2200" dirty="0" err="1" smtClean="0">
-                <a:latin typeface="Times New Roman" panose="02020603050405020304" pitchFamily="18" charset="0"/>
-                <a:cs typeface="Times New Roman" panose="02020603050405020304" pitchFamily="18" charset="0"/>
-              </a:rPr>
-              <a:t>avoid</a:t>
-            </a:r>
-            <a:r>
-              <a:rPr lang="nl-NL" sz="2200" dirty="0" smtClean="0">
-                <a:latin typeface="Times New Roman" panose="02020603050405020304" pitchFamily="18" charset="0"/>
-                <a:cs typeface="Times New Roman" panose="02020603050405020304" pitchFamily="18" charset="0"/>
-              </a:rPr>
-              <a:t> </a:t>
-            </a:r>
-            <a:r>
-              <a:rPr lang="nl-NL" sz="2200" dirty="0" err="1" smtClean="0">
-                <a:latin typeface="Times New Roman" panose="02020603050405020304" pitchFamily="18" charset="0"/>
-                <a:cs typeface="Times New Roman" panose="02020603050405020304" pitchFamily="18" charset="0"/>
-              </a:rPr>
-              <a:t>using</a:t>
-            </a:r>
-            <a:r>
-              <a:rPr lang="nl-NL" sz="2200" dirty="0" smtClean="0">
-                <a:latin typeface="Times New Roman" panose="02020603050405020304" pitchFamily="18" charset="0"/>
-                <a:cs typeface="Times New Roman" panose="02020603050405020304" pitchFamily="18" charset="0"/>
-              </a:rPr>
-              <a:t> </a:t>
-            </a:r>
-            <a:r>
-              <a:rPr lang="nl-NL" sz="2200" dirty="0" err="1" smtClean="0">
-                <a:latin typeface="Times New Roman" panose="02020603050405020304" pitchFamily="18" charset="0"/>
-                <a:cs typeface="Times New Roman" panose="02020603050405020304" pitchFamily="18" charset="0"/>
-              </a:rPr>
-              <a:t>variable</a:t>
-            </a:r>
-            <a:r>
-              <a:rPr lang="nl-NL" sz="2200" dirty="0" smtClean="0">
-                <a:latin typeface="Times New Roman" panose="02020603050405020304" pitchFamily="18" charset="0"/>
-                <a:cs typeface="Times New Roman" panose="02020603050405020304" pitchFamily="18" charset="0"/>
-              </a:rPr>
-              <a:t> </a:t>
-            </a:r>
-            <a:r>
-              <a:rPr lang="nl-NL" sz="2200" dirty="0" err="1" smtClean="0">
-                <a:latin typeface="Times New Roman" panose="02020603050405020304" pitchFamily="18" charset="0"/>
-                <a:cs typeface="Times New Roman" panose="02020603050405020304" pitchFamily="18" charset="0"/>
-              </a:rPr>
-              <a:t>before</a:t>
-            </a:r>
-            <a:r>
-              <a:rPr lang="nl-NL" sz="2200" dirty="0" smtClean="0">
-                <a:latin typeface="Times New Roman" panose="02020603050405020304" pitchFamily="18" charset="0"/>
-                <a:cs typeface="Times New Roman" panose="02020603050405020304" pitchFamily="18" charset="0"/>
-              </a:rPr>
-              <a:t> </a:t>
-            </a:r>
-            <a:r>
-              <a:rPr lang="nl-NL" sz="2200" dirty="0" err="1" smtClean="0">
-                <a:latin typeface="Times New Roman" panose="02020603050405020304" pitchFamily="18" charset="0"/>
-                <a:cs typeface="Times New Roman" panose="02020603050405020304" pitchFamily="18" charset="0"/>
-              </a:rPr>
-              <a:t>declare</a:t>
-            </a:r>
-            <a:endParaRPr lang="nl-NL" sz="2200" dirty="0" smtClean="0">
-              <a:latin typeface="Times New Roman" panose="02020603050405020304" pitchFamily="18" charset="0"/>
-              <a:cs typeface="Times New Roman" panose="02020603050405020304" pitchFamily="18" charset="0"/>
-            </a:endParaRPr>
-          </a:p>
-          <a:p>
-            <a:pPr marL="0" indent="0">
-              <a:buNone/>
-            </a:pPr>
-            <a:r>
-              <a:rPr lang="en-US" sz="2400" dirty="0" smtClean="0">
-                <a:latin typeface="Times New Roman" panose="02020603050405020304" pitchFamily="18" charset="0"/>
-                <a:cs typeface="Times New Roman" panose="02020603050405020304" pitchFamily="18" charset="0"/>
-              </a:rPr>
-              <a:t>let </a:t>
-            </a:r>
-            <a:r>
-              <a:rPr lang="en-US" sz="2400" dirty="0">
-                <a:latin typeface="Times New Roman" panose="02020603050405020304" pitchFamily="18" charset="0"/>
-                <a:cs typeface="Times New Roman" panose="02020603050405020304" pitchFamily="18" charset="0"/>
-              </a:rPr>
-              <a:t>hello = "Hello!";</a:t>
-            </a:r>
-            <a:endParaRPr lang="nl-NL" sz="2200" dirty="0" smtClean="0">
-              <a:latin typeface="Times New Roman" panose="02020603050405020304" pitchFamily="18" charset="0"/>
-              <a:cs typeface="Times New Roman" panose="02020603050405020304" pitchFamily="18" charset="0"/>
-            </a:endParaRPr>
-          </a:p>
-          <a:p>
-            <a:r>
-              <a:rPr lang="nl-NL" sz="2200" b="1" dirty="0" err="1" smtClean="0">
-                <a:latin typeface="Times New Roman" panose="02020603050405020304" pitchFamily="18" charset="0"/>
-                <a:cs typeface="Times New Roman" panose="02020603050405020304" pitchFamily="18" charset="0"/>
-              </a:rPr>
-              <a:t>Const</a:t>
-            </a:r>
-            <a:r>
-              <a:rPr lang="nl-NL" sz="2200" dirty="0" smtClean="0">
-                <a:latin typeface="Times New Roman" panose="02020603050405020304" pitchFamily="18" charset="0"/>
-                <a:cs typeface="Times New Roman" panose="02020603050405020304" pitchFamily="18" charset="0"/>
-              </a:rPr>
-              <a:t>: </a:t>
-            </a:r>
-            <a:r>
-              <a:rPr lang="nl-NL" sz="2200" dirty="0" err="1" smtClean="0">
-                <a:latin typeface="Times New Roman" panose="02020603050405020304" pitchFamily="18" charset="0"/>
-                <a:cs typeface="Times New Roman" panose="02020603050405020304" pitchFamily="18" charset="0"/>
-              </a:rPr>
-              <a:t>just</a:t>
-            </a:r>
-            <a:r>
-              <a:rPr lang="nl-NL" sz="2200" dirty="0" smtClean="0">
-                <a:latin typeface="Times New Roman" panose="02020603050405020304" pitchFamily="18" charset="0"/>
-                <a:cs typeface="Times New Roman" panose="02020603050405020304" pitchFamily="18" charset="0"/>
-              </a:rPr>
-              <a:t> like let but we </a:t>
-            </a:r>
-            <a:r>
-              <a:rPr lang="nl-NL" sz="2200" dirty="0" err="1" smtClean="0">
-                <a:latin typeface="Times New Roman" panose="02020603050405020304" pitchFamily="18" charset="0"/>
-                <a:cs typeface="Times New Roman" panose="02020603050405020304" pitchFamily="18" charset="0"/>
-              </a:rPr>
-              <a:t>cant</a:t>
-            </a:r>
-            <a:r>
-              <a:rPr lang="nl-NL" sz="2200" dirty="0" smtClean="0">
-                <a:latin typeface="Times New Roman" panose="02020603050405020304" pitchFamily="18" charset="0"/>
-                <a:cs typeface="Times New Roman" panose="02020603050405020304" pitchFamily="18" charset="0"/>
-              </a:rPr>
-              <a:t> </a:t>
-            </a:r>
-            <a:r>
-              <a:rPr lang="nl-NL" sz="2200" dirty="0" err="1" smtClean="0">
-                <a:latin typeface="Times New Roman" panose="02020603050405020304" pitchFamily="18" charset="0"/>
-                <a:cs typeface="Times New Roman" panose="02020603050405020304" pitchFamily="18" charset="0"/>
-              </a:rPr>
-              <a:t>reassign</a:t>
-            </a:r>
-            <a:r>
-              <a:rPr lang="nl-NL" sz="2200" dirty="0" smtClean="0">
-                <a:latin typeface="Times New Roman" panose="02020603050405020304" pitchFamily="18" charset="0"/>
-                <a:cs typeface="Times New Roman" panose="02020603050405020304" pitchFamily="18" charset="0"/>
-              </a:rPr>
-              <a:t> </a:t>
-            </a:r>
-            <a:r>
-              <a:rPr lang="nl-NL" sz="2200" dirty="0" err="1" smtClean="0">
-                <a:latin typeface="Times New Roman" panose="02020603050405020304" pitchFamily="18" charset="0"/>
-                <a:cs typeface="Times New Roman" panose="02020603050405020304" pitchFamily="18" charset="0"/>
-              </a:rPr>
-              <a:t>value</a:t>
-            </a:r>
-            <a:endParaRPr lang="nl-NL" sz="2200" dirty="0" smtClean="0">
-              <a:latin typeface="Times New Roman" panose="02020603050405020304" pitchFamily="18" charset="0"/>
-              <a:cs typeface="Times New Roman" panose="02020603050405020304" pitchFamily="18" charset="0"/>
-            </a:endParaRPr>
-          </a:p>
-          <a:p>
-            <a:pPr marL="0" indent="0">
-              <a:buNone/>
-            </a:pPr>
-            <a:r>
-              <a:rPr lang="en-US" sz="2400" dirty="0" err="1">
-                <a:latin typeface="Times New Roman" panose="02020603050405020304" pitchFamily="18" charset="0"/>
-                <a:cs typeface="Times New Roman" panose="02020603050405020304" pitchFamily="18" charset="0"/>
-              </a:rPr>
-              <a:t>const</a:t>
-            </a:r>
-            <a:r>
-              <a:rPr lang="en-US" sz="2400" dirty="0">
-                <a:latin typeface="Times New Roman" panose="02020603050405020304" pitchFamily="18" charset="0"/>
-                <a:cs typeface="Times New Roman" panose="02020603050405020304" pitchFamily="18" charset="0"/>
-              </a:rPr>
-              <a:t> </a:t>
-            </a:r>
-            <a:r>
-              <a:rPr lang="en-US" sz="2400" dirty="0" err="1">
-                <a:latin typeface="Times New Roman" panose="02020603050405020304" pitchFamily="18" charset="0"/>
-                <a:cs typeface="Times New Roman" panose="02020603050405020304" pitchFamily="18" charset="0"/>
-              </a:rPr>
-              <a:t>numLivesForCat</a:t>
-            </a:r>
-            <a:r>
-              <a:rPr lang="en-US" sz="2400" dirty="0">
-                <a:latin typeface="Times New Roman" panose="02020603050405020304" pitchFamily="18" charset="0"/>
-                <a:cs typeface="Times New Roman" panose="02020603050405020304" pitchFamily="18" charset="0"/>
-              </a:rPr>
-              <a:t> = 9;</a:t>
-            </a:r>
-            <a:endParaRPr lang="nl-NL" sz="2200" dirty="0" smtClean="0">
-              <a:latin typeface="Times New Roman" panose="02020603050405020304" pitchFamily="18" charset="0"/>
-              <a:cs typeface="Times New Roman" panose="02020603050405020304" pitchFamily="18" charset="0"/>
-            </a:endParaRPr>
-          </a:p>
-          <a:p>
-            <a:r>
-              <a:rPr lang="nl-NL" sz="2200" b="1" dirty="0" err="1" smtClean="0">
-                <a:latin typeface="Times New Roman" panose="02020603050405020304" pitchFamily="18" charset="0"/>
-                <a:cs typeface="Times New Roman" panose="02020603050405020304" pitchFamily="18" charset="0"/>
-              </a:rPr>
-              <a:t>Readonly</a:t>
-            </a:r>
-            <a:r>
-              <a:rPr lang="nl-NL" sz="2200" b="1" dirty="0" smtClean="0">
-                <a:latin typeface="Times New Roman" panose="02020603050405020304" pitchFamily="18" charset="0"/>
-                <a:cs typeface="Times New Roman" panose="02020603050405020304" pitchFamily="18" charset="0"/>
-              </a:rPr>
-              <a:t> </a:t>
-            </a:r>
-            <a:r>
-              <a:rPr lang="en-US" sz="2400" dirty="0">
-                <a:latin typeface="Times New Roman" panose="02020603050405020304" pitchFamily="18" charset="0"/>
-                <a:cs typeface="Times New Roman" panose="02020603050405020304" pitchFamily="18" charset="0"/>
-              </a:rPr>
-              <a:t>Read-only members can be accessed outside the class, but their value cannot be changed. Since read-only members cannot be changed outside the class, they either need to be initialized at declaration or initialized inside the class constructor.</a:t>
-            </a:r>
-            <a:endParaRPr lang="en-US" sz="2200" dirty="0">
-              <a:latin typeface="Times New Roman" panose="02020603050405020304" pitchFamily="18" charset="0"/>
-              <a:cs typeface="Times New Roman" panose="02020603050405020304" pitchFamily="18" charset="0"/>
-            </a:endParaRPr>
-          </a:p>
-        </p:txBody>
-      </p:sp>
-    </p:spTree>
-    <p:extLst>
-      <p:ext uri="{BB962C8B-B14F-4D97-AF65-F5344CB8AC3E}">
-        <p14:creationId xmlns:p14="http://schemas.microsoft.com/office/powerpoint/2010/main" val="857432714"/>
-      </p:ext>
-    </p:extLst>
-  </p:cSld>
-  <p:clrMapOvr>
-    <a:masterClrMapping/>
-  </p:clrMapOvr>
-  <p:timing>
-    <p:tnLst>
-      <p:par>
-        <p:cTn id="1" dur="indefinite" restart="never" nodeType="tmRoot"/>
-      </p:par>
-    </p:tnLst>
-  </p:timing>
-</p:sld>
-</file>
-
-<file path=ppt/slides/slide13.xml><?xml version="1.0" encoding="utf-8"?>
-<p:sld xmlns:a="http://schemas.openxmlformats.org/drawingml/2006/main" xmlns:r="http://schemas.openxmlformats.org/officeDocument/2006/relationships" xmlns:p="http://schemas.openxmlformats.org/presentationml/2006/main">
-  <p:cSld>
-    <p:spTree>
-      <p:nvGrpSpPr>
-        <p:cNvPr id="1" name=""/>
-        <p:cNvGrpSpPr/>
-        <p:nvPr/>
-      </p:nvGrpSpPr>
-      <p:grpSpPr>
-        <a:xfrm>
-          <a:off x="0" y="0"/>
-          <a:ext cx="0" cy="0"/>
-          <a:chOff x="0" y="0"/>
-          <a:chExt cx="0" cy="0"/>
-        </a:xfrm>
-      </p:grpSpPr>
-      <p:sp>
-        <p:nvSpPr>
-          <p:cNvPr id="2" name="Title 1"/>
-          <p:cNvSpPr>
-            <a:spLocks noGrp="1"/>
-          </p:cNvSpPr>
-          <p:nvPr>
-            <p:ph type="title"/>
-          </p:nvPr>
-        </p:nvSpPr>
-        <p:spPr/>
-        <p:txBody>
-          <a:bodyPr/>
-          <a:lstStyle/>
-          <a:p>
-            <a:r>
-              <a:rPr lang="nl-NL" dirty="0" smtClean="0">
-                <a:latin typeface="Times New Roman" panose="02020603050405020304" pitchFamily="18" charset="0"/>
-                <a:cs typeface="Times New Roman" panose="02020603050405020304" pitchFamily="18" charset="0"/>
-              </a:rPr>
-              <a:t>Basic types in typescript</a:t>
-            </a:r>
-            <a:endParaRPr lang="en-US" dirty="0">
-              <a:latin typeface="Times New Roman" panose="02020603050405020304" pitchFamily="18" charset="0"/>
-              <a:cs typeface="Times New Roman" panose="02020603050405020304" pitchFamily="18" charset="0"/>
-            </a:endParaRPr>
-          </a:p>
-        </p:txBody>
-      </p:sp>
-      <p:sp>
-        <p:nvSpPr>
-          <p:cNvPr id="3" name="Content Placeholder 2"/>
-          <p:cNvSpPr>
-            <a:spLocks noGrp="1"/>
-          </p:cNvSpPr>
-          <p:nvPr>
-            <p:ph idx="1"/>
-          </p:nvPr>
-        </p:nvSpPr>
-        <p:spPr/>
-        <p:txBody>
-          <a:bodyPr>
-            <a:noAutofit/>
-          </a:bodyPr>
-          <a:lstStyle/>
-          <a:p>
-            <a:r>
-              <a:rPr lang="en-US" b="1" dirty="0" smtClean="0">
-                <a:latin typeface="Times New Roman" panose="02020603050405020304" pitchFamily="18" charset="0"/>
-                <a:cs typeface="Times New Roman" panose="02020603050405020304" pitchFamily="18" charset="0"/>
-              </a:rPr>
-              <a:t>Boolean</a:t>
-            </a:r>
-            <a:r>
-              <a:rPr lang="en-US" dirty="0" smtClean="0">
-                <a:latin typeface="Times New Roman" panose="02020603050405020304" pitchFamily="18" charset="0"/>
-                <a:cs typeface="Times New Roman" panose="02020603050405020304" pitchFamily="18" charset="0"/>
-              </a:rPr>
-              <a:t> let </a:t>
-            </a:r>
-            <a:r>
-              <a:rPr lang="en-US" dirty="0" err="1">
-                <a:latin typeface="Times New Roman" panose="02020603050405020304" pitchFamily="18" charset="0"/>
-                <a:cs typeface="Times New Roman" panose="02020603050405020304" pitchFamily="18" charset="0"/>
-              </a:rPr>
-              <a:t>isDone</a:t>
-            </a:r>
-            <a:r>
-              <a:rPr lang="en-US" dirty="0">
-                <a:latin typeface="Times New Roman" panose="02020603050405020304" pitchFamily="18" charset="0"/>
-                <a:cs typeface="Times New Roman" panose="02020603050405020304" pitchFamily="18" charset="0"/>
-              </a:rPr>
-              <a:t>: </a:t>
-            </a:r>
-            <a:r>
-              <a:rPr lang="en-US" dirty="0" err="1">
-                <a:latin typeface="Times New Roman" panose="02020603050405020304" pitchFamily="18" charset="0"/>
-                <a:cs typeface="Times New Roman" panose="02020603050405020304" pitchFamily="18" charset="0"/>
-              </a:rPr>
-              <a:t>boolean</a:t>
-            </a:r>
-            <a:r>
-              <a:rPr lang="en-US" dirty="0">
-                <a:latin typeface="Times New Roman" panose="02020603050405020304" pitchFamily="18" charset="0"/>
-                <a:cs typeface="Times New Roman" panose="02020603050405020304" pitchFamily="18" charset="0"/>
-              </a:rPr>
-              <a:t> = false;</a:t>
-            </a:r>
-          </a:p>
-          <a:p>
-            <a:r>
-              <a:rPr lang="en-US" b="1" dirty="0" smtClean="0">
-                <a:latin typeface="Times New Roman" panose="02020603050405020304" pitchFamily="18" charset="0"/>
-                <a:cs typeface="Times New Roman" panose="02020603050405020304" pitchFamily="18" charset="0"/>
-              </a:rPr>
-              <a:t>Number</a:t>
-            </a:r>
-            <a:r>
-              <a:rPr lang="en-US" dirty="0" smtClean="0">
-                <a:latin typeface="Times New Roman" panose="02020603050405020304" pitchFamily="18" charset="0"/>
-                <a:cs typeface="Times New Roman" panose="02020603050405020304" pitchFamily="18" charset="0"/>
-              </a:rPr>
-              <a:t> let </a:t>
-            </a:r>
-            <a:r>
-              <a:rPr lang="en-US" dirty="0">
-                <a:latin typeface="Times New Roman" panose="02020603050405020304" pitchFamily="18" charset="0"/>
-                <a:cs typeface="Times New Roman" panose="02020603050405020304" pitchFamily="18" charset="0"/>
-              </a:rPr>
-              <a:t>decimal: number = 6</a:t>
-            </a:r>
-            <a:r>
-              <a:rPr lang="en-US" dirty="0" smtClean="0">
-                <a:latin typeface="Times New Roman" panose="02020603050405020304" pitchFamily="18" charset="0"/>
-                <a:cs typeface="Times New Roman" panose="02020603050405020304" pitchFamily="18" charset="0"/>
-              </a:rPr>
-              <a:t>;</a:t>
-            </a:r>
-          </a:p>
-          <a:p>
-            <a:r>
-              <a:rPr lang="en-US" b="1" dirty="0" smtClean="0">
-                <a:latin typeface="Times New Roman" panose="02020603050405020304" pitchFamily="18" charset="0"/>
-                <a:cs typeface="Times New Roman" panose="02020603050405020304" pitchFamily="18" charset="0"/>
-              </a:rPr>
-              <a:t>String</a:t>
-            </a:r>
-            <a:r>
-              <a:rPr lang="en-US" dirty="0" smtClean="0">
-                <a:latin typeface="Times New Roman" panose="02020603050405020304" pitchFamily="18" charset="0"/>
-                <a:cs typeface="Times New Roman" panose="02020603050405020304" pitchFamily="18" charset="0"/>
-              </a:rPr>
-              <a:t> let </a:t>
-            </a:r>
-            <a:r>
-              <a:rPr lang="en-US" dirty="0">
-                <a:latin typeface="Times New Roman" panose="02020603050405020304" pitchFamily="18" charset="0"/>
-                <a:cs typeface="Times New Roman" panose="02020603050405020304" pitchFamily="18" charset="0"/>
-              </a:rPr>
-              <a:t>color: string = "blue</a:t>
-            </a:r>
-            <a:r>
-              <a:rPr lang="en-US" dirty="0" smtClean="0">
-                <a:latin typeface="Times New Roman" panose="02020603050405020304" pitchFamily="18" charset="0"/>
-                <a:cs typeface="Times New Roman" panose="02020603050405020304" pitchFamily="18" charset="0"/>
-              </a:rPr>
-              <a:t>";</a:t>
-            </a:r>
-          </a:p>
-          <a:p>
-            <a:r>
-              <a:rPr lang="en-US" b="1" dirty="0" smtClean="0">
-                <a:latin typeface="Times New Roman" panose="02020603050405020304" pitchFamily="18" charset="0"/>
-                <a:cs typeface="Times New Roman" panose="02020603050405020304" pitchFamily="18" charset="0"/>
-              </a:rPr>
-              <a:t>Array</a:t>
-            </a:r>
-            <a:r>
-              <a:rPr lang="en-US" dirty="0" smtClean="0">
-                <a:latin typeface="Times New Roman" panose="02020603050405020304" pitchFamily="18" charset="0"/>
-                <a:cs typeface="Times New Roman" panose="02020603050405020304" pitchFamily="18" charset="0"/>
-              </a:rPr>
-              <a:t> let </a:t>
-            </a:r>
-            <a:r>
-              <a:rPr lang="en-US" dirty="0">
-                <a:latin typeface="Times New Roman" panose="02020603050405020304" pitchFamily="18" charset="0"/>
-                <a:cs typeface="Times New Roman" panose="02020603050405020304" pitchFamily="18" charset="0"/>
-              </a:rPr>
-              <a:t>list: number[] = [1, 2, 3];</a:t>
-            </a:r>
-          </a:p>
-          <a:p>
-            <a:r>
-              <a:rPr lang="en-US" b="1" dirty="0" smtClean="0">
-                <a:latin typeface="Times New Roman" panose="02020603050405020304" pitchFamily="18" charset="0"/>
-                <a:cs typeface="Times New Roman" panose="02020603050405020304" pitchFamily="18" charset="0"/>
-              </a:rPr>
-              <a:t>Tuple</a:t>
-            </a:r>
-            <a:r>
-              <a:rPr lang="en-US" dirty="0" smtClean="0">
-                <a:latin typeface="Times New Roman" panose="02020603050405020304" pitchFamily="18" charset="0"/>
-                <a:cs typeface="Times New Roman" panose="02020603050405020304" pitchFamily="18" charset="0"/>
-              </a:rPr>
-              <a:t> let </a:t>
-            </a:r>
-            <a:r>
-              <a:rPr lang="en-US" dirty="0">
-                <a:latin typeface="Times New Roman" panose="02020603050405020304" pitchFamily="18" charset="0"/>
-                <a:cs typeface="Times New Roman" panose="02020603050405020304" pitchFamily="18" charset="0"/>
-              </a:rPr>
-              <a:t>x: [string, number</a:t>
-            </a:r>
-            <a:r>
-              <a:rPr lang="en-US" dirty="0" smtClean="0">
-                <a:latin typeface="Times New Roman" panose="02020603050405020304" pitchFamily="18" charset="0"/>
-                <a:cs typeface="Times New Roman" panose="02020603050405020304" pitchFamily="18" charset="0"/>
-              </a:rPr>
-              <a:t>]; </a:t>
-            </a:r>
-            <a:r>
-              <a:rPr lang="en-US" dirty="0">
-                <a:latin typeface="Times New Roman" panose="02020603050405020304" pitchFamily="18" charset="0"/>
-                <a:cs typeface="Times New Roman" panose="02020603050405020304" pitchFamily="18" charset="0"/>
-              </a:rPr>
-              <a:t>x = ["hello", 10]; </a:t>
-            </a:r>
-            <a:endParaRPr lang="en-US" dirty="0" smtClean="0">
-              <a:latin typeface="Times New Roman" panose="02020603050405020304" pitchFamily="18" charset="0"/>
-              <a:cs typeface="Times New Roman" panose="02020603050405020304" pitchFamily="18" charset="0"/>
-            </a:endParaRPr>
-          </a:p>
-          <a:p>
-            <a:r>
-              <a:rPr lang="en-US" b="1" dirty="0" err="1" smtClean="0">
-                <a:latin typeface="Times New Roman" panose="02020603050405020304" pitchFamily="18" charset="0"/>
-                <a:cs typeface="Times New Roman" panose="02020603050405020304" pitchFamily="18" charset="0"/>
-              </a:rPr>
-              <a:t>Enum</a:t>
-            </a:r>
-            <a:r>
-              <a:rPr lang="en-US" dirty="0" smtClean="0">
-                <a:latin typeface="Times New Roman" panose="02020603050405020304" pitchFamily="18" charset="0"/>
-                <a:cs typeface="Times New Roman" panose="02020603050405020304" pitchFamily="18" charset="0"/>
-              </a:rPr>
-              <a:t> </a:t>
-            </a:r>
-            <a:r>
-              <a:rPr lang="en-US" dirty="0" err="1" smtClean="0">
-                <a:latin typeface="Times New Roman" panose="02020603050405020304" pitchFamily="18" charset="0"/>
-                <a:cs typeface="Times New Roman" panose="02020603050405020304" pitchFamily="18" charset="0"/>
-              </a:rPr>
-              <a:t>enum</a:t>
-            </a:r>
-            <a:r>
-              <a:rPr lang="en-US" dirty="0" smtClean="0">
-                <a:latin typeface="Times New Roman" panose="02020603050405020304" pitchFamily="18" charset="0"/>
-                <a:cs typeface="Times New Roman" panose="02020603050405020304" pitchFamily="18" charset="0"/>
-              </a:rPr>
-              <a:t> </a:t>
-            </a:r>
-            <a:r>
-              <a:rPr lang="en-US" dirty="0">
-                <a:latin typeface="Times New Roman" panose="02020603050405020304" pitchFamily="18" charset="0"/>
-                <a:cs typeface="Times New Roman" panose="02020603050405020304" pitchFamily="18" charset="0"/>
-              </a:rPr>
-              <a:t>Color {Red = 1, Green, Blue</a:t>
-            </a:r>
-            <a:r>
-              <a:rPr lang="en-US" dirty="0" smtClean="0">
-                <a:latin typeface="Times New Roman" panose="02020603050405020304" pitchFamily="18" charset="0"/>
-                <a:cs typeface="Times New Roman" panose="02020603050405020304" pitchFamily="18" charset="0"/>
-              </a:rPr>
-              <a:t>}</a:t>
-            </a:r>
-          </a:p>
-          <a:p>
-            <a:r>
-              <a:rPr lang="en-US" b="1" dirty="0" smtClean="0">
-                <a:latin typeface="Times New Roman" panose="02020603050405020304" pitchFamily="18" charset="0"/>
-                <a:cs typeface="Times New Roman" panose="02020603050405020304" pitchFamily="18" charset="0"/>
-              </a:rPr>
-              <a:t>Any</a:t>
-            </a:r>
-            <a:r>
-              <a:rPr lang="en-US" dirty="0" smtClean="0">
-                <a:latin typeface="Times New Roman" panose="02020603050405020304" pitchFamily="18" charset="0"/>
-                <a:cs typeface="Times New Roman" panose="02020603050405020304" pitchFamily="18" charset="0"/>
-              </a:rPr>
-              <a:t> let </a:t>
-            </a:r>
-            <a:r>
-              <a:rPr lang="en-US" dirty="0" err="1">
-                <a:latin typeface="Times New Roman" panose="02020603050405020304" pitchFamily="18" charset="0"/>
-                <a:cs typeface="Times New Roman" panose="02020603050405020304" pitchFamily="18" charset="0"/>
-              </a:rPr>
-              <a:t>notSure</a:t>
-            </a:r>
-            <a:r>
-              <a:rPr lang="en-US" dirty="0">
-                <a:latin typeface="Times New Roman" panose="02020603050405020304" pitchFamily="18" charset="0"/>
-                <a:cs typeface="Times New Roman" panose="02020603050405020304" pitchFamily="18" charset="0"/>
-              </a:rPr>
-              <a:t>: any = 4</a:t>
-            </a:r>
-            <a:r>
-              <a:rPr lang="en-US" dirty="0" smtClean="0">
-                <a:latin typeface="Times New Roman" panose="02020603050405020304" pitchFamily="18" charset="0"/>
-                <a:cs typeface="Times New Roman" panose="02020603050405020304" pitchFamily="18" charset="0"/>
-              </a:rPr>
-              <a:t>;</a:t>
-            </a:r>
-          </a:p>
-          <a:p>
-            <a:r>
-              <a:rPr lang="en-US" b="1" dirty="0" smtClean="0">
-                <a:latin typeface="Times New Roman" panose="02020603050405020304" pitchFamily="18" charset="0"/>
-                <a:cs typeface="Times New Roman" panose="02020603050405020304" pitchFamily="18" charset="0"/>
-              </a:rPr>
-              <a:t>Void</a:t>
-            </a:r>
-            <a:r>
-              <a:rPr lang="en-US" dirty="0" smtClean="0">
-                <a:latin typeface="Times New Roman" panose="02020603050405020304" pitchFamily="18" charset="0"/>
-                <a:cs typeface="Times New Roman" panose="02020603050405020304" pitchFamily="18" charset="0"/>
-              </a:rPr>
-              <a:t> function </a:t>
-            </a:r>
-            <a:r>
-              <a:rPr lang="en-US" dirty="0" err="1">
-                <a:latin typeface="Times New Roman" panose="02020603050405020304" pitchFamily="18" charset="0"/>
-                <a:cs typeface="Times New Roman" panose="02020603050405020304" pitchFamily="18" charset="0"/>
-              </a:rPr>
-              <a:t>warnUser</a:t>
-            </a:r>
-            <a:r>
-              <a:rPr lang="en-US" dirty="0">
-                <a:latin typeface="Times New Roman" panose="02020603050405020304" pitchFamily="18" charset="0"/>
-                <a:cs typeface="Times New Roman" panose="02020603050405020304" pitchFamily="18" charset="0"/>
-              </a:rPr>
-              <a:t>(): void </a:t>
-            </a:r>
-            <a:endParaRPr lang="en-US" dirty="0" smtClean="0">
-              <a:latin typeface="Times New Roman" panose="02020603050405020304" pitchFamily="18" charset="0"/>
-              <a:cs typeface="Times New Roman" panose="02020603050405020304" pitchFamily="18" charset="0"/>
-            </a:endParaRPr>
-          </a:p>
-          <a:p>
-            <a:r>
-              <a:rPr lang="en-US" b="1" dirty="0" smtClean="0">
-                <a:latin typeface="Times New Roman" panose="02020603050405020304" pitchFamily="18" charset="0"/>
-                <a:cs typeface="Times New Roman" panose="02020603050405020304" pitchFamily="18" charset="0"/>
-              </a:rPr>
-              <a:t>Null and Undefined</a:t>
-            </a:r>
-          </a:p>
-          <a:p>
-            <a:r>
-              <a:rPr lang="en-US" b="1" dirty="0" smtClean="0">
-                <a:latin typeface="Times New Roman" panose="02020603050405020304" pitchFamily="18" charset="0"/>
-                <a:cs typeface="Times New Roman" panose="02020603050405020304" pitchFamily="18" charset="0"/>
-              </a:rPr>
-              <a:t>Object</a:t>
-            </a:r>
-            <a:endParaRPr lang="en-US" b="1" dirty="0">
-              <a:latin typeface="Times New Roman" panose="02020603050405020304" pitchFamily="18" charset="0"/>
-              <a:cs typeface="Times New Roman" panose="02020603050405020304" pitchFamily="18" charset="0"/>
-            </a:endParaRPr>
-          </a:p>
-          <a:p>
-            <a:r>
-              <a:rPr lang="nl-NL" b="1" dirty="0" smtClean="0">
-                <a:latin typeface="Times New Roman" panose="02020603050405020304" pitchFamily="18" charset="0"/>
-                <a:cs typeface="Times New Roman" panose="02020603050405020304" pitchFamily="18" charset="0"/>
-              </a:rPr>
-              <a:t>Type </a:t>
-            </a:r>
-            <a:r>
-              <a:rPr lang="nl-NL" b="1" dirty="0" err="1" smtClean="0">
-                <a:latin typeface="Times New Roman" panose="02020603050405020304" pitchFamily="18" charset="0"/>
-                <a:cs typeface="Times New Roman" panose="02020603050405020304" pitchFamily="18" charset="0"/>
-              </a:rPr>
-              <a:t>assertion</a:t>
-            </a:r>
-            <a:r>
-              <a:rPr lang="nl-NL" b="1" dirty="0" smtClean="0">
-                <a:latin typeface="Times New Roman" panose="02020603050405020304" pitchFamily="18" charset="0"/>
-                <a:cs typeface="Times New Roman" panose="02020603050405020304" pitchFamily="18" charset="0"/>
-              </a:rPr>
-              <a:t> </a:t>
-            </a:r>
-            <a:r>
-              <a:rPr lang="en-US" dirty="0">
-                <a:latin typeface="Times New Roman" panose="02020603050405020304" pitchFamily="18" charset="0"/>
-                <a:cs typeface="Times New Roman" panose="02020603050405020304" pitchFamily="18" charset="0"/>
-              </a:rPr>
-              <a:t>let </a:t>
-            </a:r>
-            <a:r>
-              <a:rPr lang="en-US" dirty="0" err="1">
-                <a:latin typeface="Times New Roman" panose="02020603050405020304" pitchFamily="18" charset="0"/>
-                <a:cs typeface="Times New Roman" panose="02020603050405020304" pitchFamily="18" charset="0"/>
-              </a:rPr>
-              <a:t>strLength</a:t>
-            </a:r>
-            <a:r>
-              <a:rPr lang="en-US" dirty="0">
-                <a:latin typeface="Times New Roman" panose="02020603050405020304" pitchFamily="18" charset="0"/>
-                <a:cs typeface="Times New Roman" panose="02020603050405020304" pitchFamily="18" charset="0"/>
-              </a:rPr>
-              <a:t>: number = (</a:t>
-            </a:r>
-            <a:r>
-              <a:rPr lang="en-US" dirty="0" err="1">
-                <a:latin typeface="Times New Roman" panose="02020603050405020304" pitchFamily="18" charset="0"/>
-                <a:cs typeface="Times New Roman" panose="02020603050405020304" pitchFamily="18" charset="0"/>
-              </a:rPr>
-              <a:t>someValue</a:t>
-            </a:r>
-            <a:r>
-              <a:rPr lang="en-US" dirty="0">
-                <a:latin typeface="Times New Roman" panose="02020603050405020304" pitchFamily="18" charset="0"/>
-                <a:cs typeface="Times New Roman" panose="02020603050405020304" pitchFamily="18" charset="0"/>
-              </a:rPr>
-              <a:t> as string).length;</a:t>
-            </a:r>
-          </a:p>
-          <a:p>
-            <a:endParaRPr lang="en-US" dirty="0"/>
-          </a:p>
-          <a:p>
-            <a:endParaRPr lang="en-US" dirty="0"/>
-          </a:p>
-          <a:p>
-            <a:endParaRPr lang="en-US" dirty="0"/>
-          </a:p>
-          <a:p>
-            <a:endParaRPr lang="en-US" dirty="0"/>
-          </a:p>
-          <a:p>
-            <a:endParaRPr lang="en-US" dirty="0"/>
-          </a:p>
-          <a:p>
-            <a:endParaRPr lang="en-US" dirty="0"/>
-          </a:p>
-          <a:p>
-            <a:endParaRPr lang="en-US" dirty="0"/>
-          </a:p>
-        </p:txBody>
-      </p:sp>
-    </p:spTree>
-    <p:extLst>
-      <p:ext uri="{BB962C8B-B14F-4D97-AF65-F5344CB8AC3E}">
-        <p14:creationId xmlns:p14="http://schemas.microsoft.com/office/powerpoint/2010/main" val="728131117"/>
-      </p:ext>
-    </p:extLst>
-  </p:cSld>
-  <p:clrMapOvr>
-    <a:masterClrMapping/>
-  </p:clrMapOvr>
-  <p:timing>
-    <p:tnLst>
-      <p:par>
-        <p:cTn id="1" dur="indefinite" restart="never" nodeType="tmRoot"/>
-      </p:par>
-    </p:tnLst>
-  </p:timing>
-</p:sld>
-</file>
-
-<file path=ppt/slides/slide14.xml><?xml version="1.0" encoding="utf-8"?>
-<p:sld xmlns:a="http://schemas.openxmlformats.org/drawingml/2006/main" xmlns:r="http://schemas.openxmlformats.org/officeDocument/2006/relationships" xmlns:p="http://schemas.openxmlformats.org/presentationml/2006/main">
-  <p:cSld>
-    <p:spTree>
-      <p:nvGrpSpPr>
-        <p:cNvPr id="1" name=""/>
-        <p:cNvGrpSpPr/>
-        <p:nvPr/>
-      </p:nvGrpSpPr>
-      <p:grpSpPr>
-        <a:xfrm>
-          <a:off x="0" y="0"/>
-          <a:ext cx="0" cy="0"/>
-          <a:chOff x="0" y="0"/>
-          <a:chExt cx="0" cy="0"/>
-        </a:xfrm>
-      </p:grpSpPr>
-      <p:sp>
-        <p:nvSpPr>
-          <p:cNvPr id="2" name="Title 1"/>
-          <p:cNvSpPr>
-            <a:spLocks noGrp="1"/>
-          </p:cNvSpPr>
-          <p:nvPr>
-            <p:ph type="title"/>
-          </p:nvPr>
-        </p:nvSpPr>
-        <p:spPr/>
-        <p:txBody>
-          <a:bodyPr/>
-          <a:lstStyle/>
-          <a:p>
-            <a:r>
-              <a:rPr lang="nl-NL" dirty="0" smtClean="0">
-                <a:latin typeface="Times New Roman" panose="02020603050405020304" pitchFamily="18" charset="0"/>
-                <a:cs typeface="Times New Roman" panose="02020603050405020304" pitchFamily="18" charset="0"/>
-              </a:rPr>
-              <a:t>Typescript </a:t>
-            </a:r>
-            <a:r>
-              <a:rPr lang="nl-NL" dirty="0" err="1" smtClean="0">
-                <a:latin typeface="Times New Roman" panose="02020603050405020304" pitchFamily="18" charset="0"/>
-                <a:cs typeface="Times New Roman" panose="02020603050405020304" pitchFamily="18" charset="0"/>
-              </a:rPr>
-              <a:t>function</a:t>
-            </a:r>
-            <a:endParaRPr lang="en-US" dirty="0">
-              <a:latin typeface="Times New Roman" panose="02020603050405020304" pitchFamily="18" charset="0"/>
-              <a:cs typeface="Times New Roman" panose="02020603050405020304" pitchFamily="18" charset="0"/>
-            </a:endParaRPr>
-          </a:p>
-        </p:txBody>
-      </p:sp>
-      <p:sp>
-        <p:nvSpPr>
-          <p:cNvPr id="3" name="Content Placeholder 2"/>
-          <p:cNvSpPr>
-            <a:spLocks noGrp="1"/>
-          </p:cNvSpPr>
-          <p:nvPr>
-            <p:ph idx="1"/>
-          </p:nvPr>
-        </p:nvSpPr>
-        <p:spPr/>
-        <p:txBody>
-          <a:bodyPr>
-            <a:normAutofit fontScale="92500" lnSpcReduction="10000"/>
-          </a:bodyPr>
-          <a:lstStyle/>
-          <a:p>
-            <a:r>
-              <a:rPr lang="en-US" b="1" dirty="0">
-                <a:latin typeface="Times New Roman" panose="02020603050405020304" pitchFamily="18" charset="0"/>
-                <a:cs typeface="Times New Roman" panose="02020603050405020304" pitchFamily="18" charset="0"/>
-              </a:rPr>
-              <a:t>Arrow </a:t>
-            </a:r>
-            <a:r>
-              <a:rPr lang="en-US" b="1" dirty="0" smtClean="0">
-                <a:latin typeface="Times New Roman" panose="02020603050405020304" pitchFamily="18" charset="0"/>
-                <a:cs typeface="Times New Roman" panose="02020603050405020304" pitchFamily="18" charset="0"/>
-              </a:rPr>
-              <a:t>Function</a:t>
-            </a:r>
-            <a:r>
-              <a:rPr lang="en-US" dirty="0" smtClean="0">
-                <a:latin typeface="Times New Roman" panose="02020603050405020304" pitchFamily="18" charset="0"/>
-                <a:cs typeface="Times New Roman" panose="02020603050405020304" pitchFamily="18" charset="0"/>
-              </a:rPr>
-              <a:t>: Fat </a:t>
-            </a:r>
-            <a:r>
-              <a:rPr lang="en-US" dirty="0">
-                <a:latin typeface="Times New Roman" panose="02020603050405020304" pitchFamily="18" charset="0"/>
-                <a:cs typeface="Times New Roman" panose="02020603050405020304" pitchFamily="18" charset="0"/>
-              </a:rPr>
-              <a:t>arrow notations are used for anonymous functions </a:t>
-            </a:r>
-            <a:r>
-              <a:rPr lang="en-US" dirty="0" err="1">
-                <a:latin typeface="Times New Roman" panose="02020603050405020304" pitchFamily="18" charset="0"/>
-                <a:cs typeface="Times New Roman" panose="02020603050405020304" pitchFamily="18" charset="0"/>
-              </a:rPr>
-              <a:t>i.e</a:t>
-            </a:r>
-            <a:r>
-              <a:rPr lang="en-US" dirty="0">
-                <a:latin typeface="Times New Roman" panose="02020603050405020304" pitchFamily="18" charset="0"/>
-                <a:cs typeface="Times New Roman" panose="02020603050405020304" pitchFamily="18" charset="0"/>
-              </a:rPr>
-              <a:t> for function </a:t>
-            </a:r>
-            <a:r>
-              <a:rPr lang="en-US" dirty="0" smtClean="0">
-                <a:latin typeface="Times New Roman" panose="02020603050405020304" pitchFamily="18" charset="0"/>
-                <a:cs typeface="Times New Roman" panose="02020603050405020304" pitchFamily="18" charset="0"/>
-              </a:rPr>
-              <a:t>expressions</a:t>
-            </a:r>
-          </a:p>
-          <a:p>
-            <a:pPr marL="0" indent="0">
-              <a:buNone/>
-            </a:pPr>
-            <a:r>
-              <a:rPr lang="en-US" dirty="0">
-                <a:latin typeface="Times New Roman" panose="02020603050405020304" pitchFamily="18" charset="0"/>
-                <a:cs typeface="Times New Roman" panose="02020603050405020304" pitchFamily="18" charset="0"/>
-              </a:rPr>
-              <a:t>let sum = (x: number, y: number) =&gt; x + y</a:t>
-            </a:r>
-            <a:r>
-              <a:rPr lang="en-US" dirty="0" smtClean="0">
-                <a:latin typeface="Times New Roman" panose="02020603050405020304" pitchFamily="18" charset="0"/>
-                <a:cs typeface="Times New Roman" panose="02020603050405020304" pitchFamily="18" charset="0"/>
-              </a:rPr>
-              <a:t>;</a:t>
-            </a:r>
-          </a:p>
-          <a:p>
-            <a:r>
-              <a:rPr lang="en-US" dirty="0">
-                <a:latin typeface="Times New Roman" panose="02020603050405020304" pitchFamily="18" charset="0"/>
-                <a:cs typeface="Times New Roman" panose="02020603050405020304" pitchFamily="18" charset="0"/>
-              </a:rPr>
-              <a:t> </a:t>
-            </a:r>
-            <a:r>
-              <a:rPr lang="en-US" b="1" dirty="0">
-                <a:latin typeface="Times New Roman" panose="02020603050405020304" pitchFamily="18" charset="0"/>
-                <a:cs typeface="Times New Roman" panose="02020603050405020304" pitchFamily="18" charset="0"/>
-              </a:rPr>
-              <a:t>Function </a:t>
-            </a:r>
-            <a:r>
-              <a:rPr lang="en-US" b="1" dirty="0" smtClean="0">
-                <a:latin typeface="Times New Roman" panose="02020603050405020304" pitchFamily="18" charset="0"/>
-                <a:cs typeface="Times New Roman" panose="02020603050405020304" pitchFamily="18" charset="0"/>
-              </a:rPr>
-              <a:t>Overloading: </a:t>
-            </a:r>
-            <a:r>
-              <a:rPr lang="en-US" dirty="0">
-                <a:latin typeface="Times New Roman" panose="02020603050405020304" pitchFamily="18" charset="0"/>
-                <a:cs typeface="Times New Roman" panose="02020603050405020304" pitchFamily="18" charset="0"/>
-              </a:rPr>
-              <a:t> You can have multiple functions with the same name but different parameter types and return type. However, the number of parameters should be the same</a:t>
-            </a:r>
-            <a:r>
-              <a:rPr lang="en-US" dirty="0" smtClean="0">
-                <a:latin typeface="Times New Roman" panose="02020603050405020304" pitchFamily="18" charset="0"/>
-                <a:cs typeface="Times New Roman" panose="02020603050405020304" pitchFamily="18" charset="0"/>
-              </a:rPr>
-              <a:t>.</a:t>
-            </a:r>
-          </a:p>
-          <a:p>
-            <a:pPr marL="0" indent="0">
-              <a:buNone/>
-            </a:pPr>
-            <a:r>
-              <a:rPr lang="en-US" dirty="0">
-                <a:latin typeface="Times New Roman" panose="02020603050405020304" pitchFamily="18" charset="0"/>
-                <a:cs typeface="Times New Roman" panose="02020603050405020304" pitchFamily="18" charset="0"/>
-              </a:rPr>
-              <a:t>function add(</a:t>
-            </a:r>
-            <a:r>
-              <a:rPr lang="en-US" dirty="0" err="1">
-                <a:latin typeface="Times New Roman" panose="02020603050405020304" pitchFamily="18" charset="0"/>
-                <a:cs typeface="Times New Roman" panose="02020603050405020304" pitchFamily="18" charset="0"/>
-              </a:rPr>
-              <a:t>a:string</a:t>
-            </a:r>
-            <a:r>
-              <a:rPr lang="en-US" dirty="0">
-                <a:latin typeface="Times New Roman" panose="02020603050405020304" pitchFamily="18" charset="0"/>
-                <a:cs typeface="Times New Roman" panose="02020603050405020304" pitchFamily="18" charset="0"/>
-              </a:rPr>
-              <a:t>, b:string):string</a:t>
-            </a:r>
-            <a:r>
-              <a:rPr lang="en-US" dirty="0" smtClean="0">
-                <a:latin typeface="Times New Roman" panose="02020603050405020304" pitchFamily="18" charset="0"/>
-                <a:cs typeface="Times New Roman" panose="02020603050405020304" pitchFamily="18" charset="0"/>
-              </a:rPr>
-              <a:t>;</a:t>
-            </a:r>
-            <a:endParaRPr lang="en-US" dirty="0">
-              <a:latin typeface="Times New Roman" panose="02020603050405020304" pitchFamily="18" charset="0"/>
-              <a:cs typeface="Times New Roman" panose="02020603050405020304" pitchFamily="18" charset="0"/>
-            </a:endParaRPr>
-          </a:p>
-          <a:p>
-            <a:pPr marL="0" indent="0">
-              <a:buNone/>
-            </a:pPr>
-            <a:r>
-              <a:rPr lang="en-US" dirty="0">
-                <a:latin typeface="Times New Roman" panose="02020603050405020304" pitchFamily="18" charset="0"/>
-                <a:cs typeface="Times New Roman" panose="02020603050405020304" pitchFamily="18" charset="0"/>
-              </a:rPr>
-              <a:t>function add(</a:t>
-            </a:r>
-            <a:r>
-              <a:rPr lang="en-US" dirty="0" err="1">
-                <a:latin typeface="Times New Roman" panose="02020603050405020304" pitchFamily="18" charset="0"/>
-                <a:cs typeface="Times New Roman" panose="02020603050405020304" pitchFamily="18" charset="0"/>
-              </a:rPr>
-              <a:t>a:number</a:t>
-            </a:r>
-            <a:r>
-              <a:rPr lang="en-US" dirty="0">
-                <a:latin typeface="Times New Roman" panose="02020603050405020304" pitchFamily="18" charset="0"/>
-                <a:cs typeface="Times New Roman" panose="02020603050405020304" pitchFamily="18" charset="0"/>
-              </a:rPr>
-              <a:t>, b:number): number</a:t>
-            </a:r>
-            <a:r>
-              <a:rPr lang="en-US" dirty="0" smtClean="0">
-                <a:latin typeface="Times New Roman" panose="02020603050405020304" pitchFamily="18" charset="0"/>
-                <a:cs typeface="Times New Roman" panose="02020603050405020304" pitchFamily="18" charset="0"/>
-              </a:rPr>
-              <a:t>;</a:t>
-            </a:r>
-          </a:p>
-          <a:p>
-            <a:r>
-              <a:rPr lang="en-US" b="1" dirty="0">
-                <a:latin typeface="Times New Roman" panose="02020603050405020304" pitchFamily="18" charset="0"/>
-                <a:cs typeface="Times New Roman" panose="02020603050405020304" pitchFamily="18" charset="0"/>
-              </a:rPr>
-              <a:t>Rest </a:t>
-            </a:r>
-            <a:r>
-              <a:rPr lang="en-US" b="1" dirty="0" smtClean="0">
-                <a:latin typeface="Times New Roman" panose="02020603050405020304" pitchFamily="18" charset="0"/>
-                <a:cs typeface="Times New Roman" panose="02020603050405020304" pitchFamily="18" charset="0"/>
-              </a:rPr>
-              <a:t>Parameters</a:t>
-            </a:r>
-          </a:p>
-          <a:p>
-            <a:pPr marL="0" indent="0">
-              <a:buNone/>
-            </a:pPr>
-            <a:r>
-              <a:rPr lang="en-US" dirty="0">
-                <a:latin typeface="Times New Roman" panose="02020603050405020304" pitchFamily="18" charset="0"/>
-                <a:cs typeface="Times New Roman" panose="02020603050405020304" pitchFamily="18" charset="0"/>
-              </a:rPr>
-              <a:t>function Greet(greeting: string, ...names: string[]) {</a:t>
-            </a:r>
-          </a:p>
-          <a:p>
-            <a:pPr marL="0" indent="0">
-              <a:buNone/>
-            </a:pPr>
-            <a:r>
-              <a:rPr lang="en-US" dirty="0">
-                <a:latin typeface="Times New Roman" panose="02020603050405020304" pitchFamily="18" charset="0"/>
-                <a:cs typeface="Times New Roman" panose="02020603050405020304" pitchFamily="18" charset="0"/>
-              </a:rPr>
-              <a:t>    return greeting + " " + </a:t>
-            </a:r>
-            <a:r>
-              <a:rPr lang="en-US" dirty="0" err="1">
-                <a:latin typeface="Times New Roman" panose="02020603050405020304" pitchFamily="18" charset="0"/>
-                <a:cs typeface="Times New Roman" panose="02020603050405020304" pitchFamily="18" charset="0"/>
-              </a:rPr>
-              <a:t>names.join</a:t>
-            </a:r>
-            <a:r>
-              <a:rPr lang="en-US" dirty="0">
-                <a:latin typeface="Times New Roman" panose="02020603050405020304" pitchFamily="18" charset="0"/>
-                <a:cs typeface="Times New Roman" panose="02020603050405020304" pitchFamily="18" charset="0"/>
-              </a:rPr>
-              <a:t>(", ") + "!";</a:t>
-            </a:r>
-          </a:p>
-          <a:p>
-            <a:pPr marL="0" indent="0">
-              <a:buNone/>
-            </a:pPr>
-            <a:r>
-              <a:rPr lang="en-US" dirty="0">
-                <a:latin typeface="Times New Roman" panose="02020603050405020304" pitchFamily="18" charset="0"/>
-                <a:cs typeface="Times New Roman" panose="02020603050405020304" pitchFamily="18" charset="0"/>
-              </a:rPr>
-              <a:t>}</a:t>
-            </a:r>
-          </a:p>
-          <a:p>
-            <a:pPr marL="0" indent="0">
-              <a:buNone/>
-            </a:pPr>
-            <a:r>
-              <a:rPr lang="en-US" dirty="0" smtClean="0">
-                <a:latin typeface="Times New Roman" panose="02020603050405020304" pitchFamily="18" charset="0"/>
-                <a:cs typeface="Times New Roman" panose="02020603050405020304" pitchFamily="18" charset="0"/>
-              </a:rPr>
-              <a:t>Greet</a:t>
-            </a:r>
-            <a:r>
-              <a:rPr lang="en-US" dirty="0">
-                <a:latin typeface="Times New Roman" panose="02020603050405020304" pitchFamily="18" charset="0"/>
-                <a:cs typeface="Times New Roman" panose="02020603050405020304" pitchFamily="18" charset="0"/>
-              </a:rPr>
-              <a:t>("Hello", "Steve", "Bill"); // returns "Hello Steve, Bill!"</a:t>
-            </a:r>
-          </a:p>
-          <a:p>
-            <a:pPr marL="0" indent="0">
-              <a:buNone/>
-            </a:pPr>
-            <a:endParaRPr lang="en-US" dirty="0" smtClean="0">
-              <a:latin typeface="Times New Roman" panose="02020603050405020304" pitchFamily="18" charset="0"/>
-              <a:cs typeface="Times New Roman" panose="02020603050405020304" pitchFamily="18" charset="0"/>
-            </a:endParaRPr>
-          </a:p>
-          <a:p>
-            <a:pPr marL="0" indent="0">
-              <a:buNone/>
-            </a:pPr>
-            <a:endParaRPr lang="en-US" dirty="0">
-              <a:latin typeface="Times New Roman" panose="02020603050405020304" pitchFamily="18" charset="0"/>
-              <a:cs typeface="Times New Roman" panose="02020603050405020304" pitchFamily="18" charset="0"/>
-            </a:endParaRPr>
-          </a:p>
-          <a:p>
-            <a:endParaRPr lang="en-US" dirty="0">
-              <a:latin typeface="Times New Roman" panose="02020603050405020304" pitchFamily="18" charset="0"/>
-              <a:cs typeface="Times New Roman" panose="02020603050405020304" pitchFamily="18" charset="0"/>
-            </a:endParaRPr>
-          </a:p>
-          <a:p>
-            <a:endParaRPr lang="en-US" dirty="0">
-              <a:latin typeface="Times New Roman" panose="02020603050405020304" pitchFamily="18" charset="0"/>
-              <a:cs typeface="Times New Roman" panose="02020603050405020304" pitchFamily="18" charset="0"/>
-            </a:endParaRPr>
-          </a:p>
-        </p:txBody>
-      </p:sp>
-    </p:spTree>
-    <p:extLst>
-      <p:ext uri="{BB962C8B-B14F-4D97-AF65-F5344CB8AC3E}">
-        <p14:creationId xmlns:p14="http://schemas.microsoft.com/office/powerpoint/2010/main" val="1703240444"/>
-      </p:ext>
-    </p:extLst>
-  </p:cSld>
-  <p:clrMapOvr>
-    <a:masterClrMapping/>
-  </p:clrMapOvr>
-  <p:timing>
-    <p:tnLst>
-      <p:par>
-        <p:cTn id="1" dur="indefinite" restart="never" nodeType="tmRoot"/>
-      </p:par>
-    </p:tnLst>
-  </p:timing>
-</p:sld>
-</file>
-
-<file path=ppt/slides/slide15.xml><?xml version="1.0" encoding="utf-8"?>
-<p:sld xmlns:a="http://schemas.openxmlformats.org/drawingml/2006/main" xmlns:r="http://schemas.openxmlformats.org/officeDocument/2006/relationships" xmlns:p="http://schemas.openxmlformats.org/presentationml/2006/main">
-  <p:cSld>
-    <p:spTree>
-      <p:nvGrpSpPr>
-        <p:cNvPr id="1" name=""/>
-        <p:cNvGrpSpPr/>
-        <p:nvPr/>
-      </p:nvGrpSpPr>
-      <p:grpSpPr>
-        <a:xfrm>
-          <a:off x="0" y="0"/>
-          <a:ext cx="0" cy="0"/>
-          <a:chOff x="0" y="0"/>
-          <a:chExt cx="0" cy="0"/>
-        </a:xfrm>
-      </p:grpSpPr>
-      <p:sp>
-        <p:nvSpPr>
-          <p:cNvPr id="2" name="Title 1"/>
-          <p:cNvSpPr>
-            <a:spLocks noGrp="1"/>
-          </p:cNvSpPr>
-          <p:nvPr>
-            <p:ph type="title"/>
-          </p:nvPr>
-        </p:nvSpPr>
-        <p:spPr/>
-        <p:txBody>
-          <a:bodyPr>
-            <a:normAutofit fontScale="90000"/>
-          </a:bodyPr>
-          <a:lstStyle/>
-          <a:p>
-            <a:r>
-              <a:rPr lang="en-US" dirty="0" smtClean="0">
-                <a:latin typeface="Times New Roman" panose="02020603050405020304" pitchFamily="18" charset="0"/>
-                <a:cs typeface="Times New Roman" panose="02020603050405020304" pitchFamily="18" charset="0"/>
-              </a:rPr>
-              <a:t/>
-            </a:r>
-            <a:br>
-              <a:rPr lang="en-US" dirty="0" smtClean="0">
-                <a:latin typeface="Times New Roman" panose="02020603050405020304" pitchFamily="18" charset="0"/>
-                <a:cs typeface="Times New Roman" panose="02020603050405020304" pitchFamily="18" charset="0"/>
-              </a:rPr>
-            </a:br>
-            <a:r>
-              <a:rPr lang="en-US" dirty="0" err="1" smtClean="0">
-                <a:latin typeface="Times New Roman" panose="02020603050405020304" pitchFamily="18" charset="0"/>
-                <a:cs typeface="Times New Roman" panose="02020603050405020304" pitchFamily="18" charset="0"/>
-              </a:rPr>
-              <a:t>Speread</a:t>
-            </a:r>
-            <a:r>
-              <a:rPr lang="en-US" dirty="0" smtClean="0">
-                <a:latin typeface="Times New Roman" panose="02020603050405020304" pitchFamily="18" charset="0"/>
-                <a:cs typeface="Times New Roman" panose="02020603050405020304" pitchFamily="18" charset="0"/>
-              </a:rPr>
-              <a:t> </a:t>
-            </a:r>
-            <a:r>
-              <a:rPr lang="en-US" dirty="0">
-                <a:latin typeface="Times New Roman" panose="02020603050405020304" pitchFamily="18" charset="0"/>
-                <a:cs typeface="Times New Roman" panose="02020603050405020304" pitchFamily="18" charset="0"/>
-              </a:rPr>
-              <a:t>operator</a:t>
-            </a:r>
-            <a:br>
-              <a:rPr lang="en-US" dirty="0">
-                <a:latin typeface="Times New Roman" panose="02020603050405020304" pitchFamily="18" charset="0"/>
-                <a:cs typeface="Times New Roman" panose="02020603050405020304" pitchFamily="18" charset="0"/>
-              </a:rPr>
-            </a:br>
-            <a:endParaRPr lang="en-US" dirty="0">
-              <a:latin typeface="Times New Roman" panose="02020603050405020304" pitchFamily="18" charset="0"/>
-              <a:cs typeface="Times New Roman" panose="02020603050405020304" pitchFamily="18" charset="0"/>
-            </a:endParaRPr>
-          </a:p>
-        </p:txBody>
-      </p:sp>
-      <p:sp>
-        <p:nvSpPr>
-          <p:cNvPr id="3" name="Content Placeholder 2"/>
-          <p:cNvSpPr>
-            <a:spLocks noGrp="1"/>
-          </p:cNvSpPr>
-          <p:nvPr>
-            <p:ph idx="1"/>
-          </p:nvPr>
-        </p:nvSpPr>
-        <p:spPr/>
-        <p:txBody>
-          <a:bodyPr/>
-          <a:lstStyle/>
-          <a:p>
-            <a:r>
-              <a:rPr lang="en-US" dirty="0" err="1">
-                <a:latin typeface="Times New Roman" panose="02020603050405020304" pitchFamily="18" charset="0"/>
-                <a:cs typeface="Times New Roman" panose="02020603050405020304" pitchFamily="18" charset="0"/>
-              </a:rPr>
-              <a:t>var</a:t>
-            </a:r>
-            <a:r>
-              <a:rPr lang="en-US" dirty="0">
-                <a:latin typeface="Times New Roman" panose="02020603050405020304" pitchFamily="18" charset="0"/>
-                <a:cs typeface="Times New Roman" panose="02020603050405020304" pitchFamily="18" charset="0"/>
-              </a:rPr>
-              <a:t> parts = ['shoulders', 'knees']; </a:t>
-            </a:r>
-          </a:p>
-          <a:p>
-            <a:r>
-              <a:rPr lang="en-US" dirty="0" err="1">
-                <a:latin typeface="Times New Roman" panose="02020603050405020304" pitchFamily="18" charset="0"/>
-                <a:cs typeface="Times New Roman" panose="02020603050405020304" pitchFamily="18" charset="0"/>
-              </a:rPr>
-              <a:t>var</a:t>
-            </a:r>
-            <a:r>
-              <a:rPr lang="en-US" dirty="0">
-                <a:latin typeface="Times New Roman" panose="02020603050405020304" pitchFamily="18" charset="0"/>
-                <a:cs typeface="Times New Roman" panose="02020603050405020304" pitchFamily="18" charset="0"/>
-              </a:rPr>
-              <a:t> lyrics = ['head', ...parts, 'and', 'toes']; </a:t>
-            </a:r>
-          </a:p>
-          <a:p>
-            <a:r>
-              <a:rPr lang="en-US" dirty="0">
-                <a:latin typeface="Times New Roman" panose="02020603050405020304" pitchFamily="18" charset="0"/>
-                <a:cs typeface="Times New Roman" panose="02020603050405020304" pitchFamily="18" charset="0"/>
-              </a:rPr>
-              <a:t>// ["head", "shoulders", "knees", "and", "toes"]</a:t>
-            </a:r>
-          </a:p>
-        </p:txBody>
-      </p:sp>
-    </p:spTree>
-    <p:extLst>
-      <p:ext uri="{BB962C8B-B14F-4D97-AF65-F5344CB8AC3E}">
-        <p14:creationId xmlns:p14="http://schemas.microsoft.com/office/powerpoint/2010/main" val="3220732713"/>
-      </p:ext>
-    </p:extLst>
-  </p:cSld>
-  <p:clrMapOvr>
-    <a:masterClrMapping/>
-  </p:clrMapOvr>
-  <p:timing>
-    <p:tnLst>
-      <p:par>
-        <p:cTn id="1" dur="indefinite" restart="never" nodeType="tmRoot"/>
-      </p:par>
-    </p:tnLst>
-  </p:timing>
-</p:sld>
-</file>
-
-<file path=ppt/slides/slide16.xml><?xml version="1.0" encoding="utf-8"?>
-<p:sld xmlns:a="http://schemas.openxmlformats.org/drawingml/2006/main" xmlns:r="http://schemas.openxmlformats.org/officeDocument/2006/relationships" xmlns:p="http://schemas.openxmlformats.org/presentationml/2006/main">
-  <p:cSld>
-    <p:spTree>
-      <p:nvGrpSpPr>
-        <p:cNvPr id="1" name=""/>
-        <p:cNvGrpSpPr/>
-        <p:nvPr/>
-      </p:nvGrpSpPr>
-      <p:grpSpPr>
-        <a:xfrm>
-          <a:off x="0" y="0"/>
-          <a:ext cx="0" cy="0"/>
-          <a:chOff x="0" y="0"/>
-          <a:chExt cx="0" cy="0"/>
-        </a:xfrm>
-      </p:grpSpPr>
-      <p:sp>
-        <p:nvSpPr>
-          <p:cNvPr id="2" name="Title 1"/>
-          <p:cNvSpPr>
-            <a:spLocks noGrp="1"/>
-          </p:cNvSpPr>
-          <p:nvPr>
-            <p:ph type="title"/>
-          </p:nvPr>
-        </p:nvSpPr>
-        <p:spPr/>
-        <p:txBody>
-          <a:bodyPr/>
-          <a:lstStyle/>
-          <a:p>
-            <a:r>
-              <a:rPr lang="nl-NL" dirty="0" err="1" smtClean="0">
-                <a:latin typeface="Times New Roman" panose="02020603050405020304" pitchFamily="18" charset="0"/>
-                <a:cs typeface="Times New Roman" panose="02020603050405020304" pitchFamily="18" charset="0"/>
-              </a:rPr>
-              <a:t>Static</a:t>
-            </a:r>
-            <a:r>
-              <a:rPr lang="nl-NL" dirty="0" smtClean="0">
-                <a:latin typeface="Times New Roman" panose="02020603050405020304" pitchFamily="18" charset="0"/>
-                <a:cs typeface="Times New Roman" panose="02020603050405020304" pitchFamily="18" charset="0"/>
-              </a:rPr>
-              <a:t> </a:t>
-            </a:r>
-            <a:r>
-              <a:rPr lang="nl-NL" dirty="0" err="1" smtClean="0">
-                <a:latin typeface="Times New Roman" panose="02020603050405020304" pitchFamily="18" charset="0"/>
-                <a:cs typeface="Times New Roman" panose="02020603050405020304" pitchFamily="18" charset="0"/>
-              </a:rPr>
-              <a:t>and</a:t>
-            </a:r>
-            <a:r>
-              <a:rPr lang="nl-NL" dirty="0" smtClean="0">
-                <a:latin typeface="Times New Roman" panose="02020603050405020304" pitchFamily="18" charset="0"/>
-                <a:cs typeface="Times New Roman" panose="02020603050405020304" pitchFamily="18" charset="0"/>
-              </a:rPr>
-              <a:t> </a:t>
-            </a:r>
-            <a:br>
-              <a:rPr lang="nl-NL" dirty="0" smtClean="0">
-                <a:latin typeface="Times New Roman" panose="02020603050405020304" pitchFamily="18" charset="0"/>
-                <a:cs typeface="Times New Roman" panose="02020603050405020304" pitchFamily="18" charset="0"/>
-              </a:rPr>
-            </a:br>
-            <a:r>
-              <a:rPr lang="nl-NL" dirty="0" err="1" smtClean="0">
-                <a:latin typeface="Times New Roman" panose="02020603050405020304" pitchFamily="18" charset="0"/>
-                <a:cs typeface="Times New Roman" panose="02020603050405020304" pitchFamily="18" charset="0"/>
-              </a:rPr>
-              <a:t>dynamic</a:t>
-            </a:r>
-            <a:r>
-              <a:rPr lang="nl-NL" dirty="0" smtClean="0">
-                <a:latin typeface="Times New Roman" panose="02020603050405020304" pitchFamily="18" charset="0"/>
-                <a:cs typeface="Times New Roman" panose="02020603050405020304" pitchFamily="18" charset="0"/>
-              </a:rPr>
-              <a:t> </a:t>
-            </a:r>
-            <a:r>
-              <a:rPr lang="nl-NL" dirty="0" err="1" smtClean="0">
-                <a:latin typeface="Times New Roman" panose="02020603050405020304" pitchFamily="18" charset="0"/>
-                <a:cs typeface="Times New Roman" panose="02020603050405020304" pitchFamily="18" charset="0"/>
-              </a:rPr>
-              <a:t>typing</a:t>
-            </a:r>
-            <a:endParaRPr lang="en-US" dirty="0">
-              <a:latin typeface="Times New Roman" panose="02020603050405020304" pitchFamily="18" charset="0"/>
-              <a:cs typeface="Times New Roman" panose="02020603050405020304" pitchFamily="18" charset="0"/>
-            </a:endParaRPr>
-          </a:p>
-        </p:txBody>
-      </p:sp>
-      <p:sp>
-        <p:nvSpPr>
-          <p:cNvPr id="3" name="Content Placeholder 2"/>
-          <p:cNvSpPr>
-            <a:spLocks noGrp="1"/>
-          </p:cNvSpPr>
-          <p:nvPr>
-            <p:ph idx="1"/>
-          </p:nvPr>
-        </p:nvSpPr>
-        <p:spPr/>
-        <p:txBody>
-          <a:bodyPr>
-            <a:noAutofit/>
-          </a:bodyPr>
-          <a:lstStyle/>
-          <a:p>
-            <a:r>
-              <a:rPr lang="en-US" sz="2200" b="1" dirty="0">
-                <a:latin typeface="Times New Roman" panose="02020603050405020304" pitchFamily="18" charset="0"/>
-                <a:cs typeface="Times New Roman" panose="02020603050405020304" pitchFamily="18" charset="0"/>
-              </a:rPr>
-              <a:t>Dynamic typing</a:t>
-            </a:r>
-            <a:r>
-              <a:rPr lang="en-US" sz="2200" dirty="0">
-                <a:latin typeface="Times New Roman" panose="02020603050405020304" pitchFamily="18" charset="0"/>
-                <a:cs typeface="Times New Roman" panose="02020603050405020304" pitchFamily="18" charset="0"/>
-              </a:rPr>
-              <a:t> — the type is associated with the value, and checked at run-time.</a:t>
-            </a:r>
-          </a:p>
-          <a:p>
-            <a:pPr marL="0" indent="0">
-              <a:buNone/>
-            </a:pPr>
-            <a:r>
-              <a:rPr lang="en-US" sz="2200" dirty="0">
-                <a:latin typeface="Times New Roman" panose="02020603050405020304" pitchFamily="18" charset="0"/>
-                <a:cs typeface="Times New Roman" panose="02020603050405020304" pitchFamily="18" charset="0"/>
-              </a:rPr>
-              <a:t>function g( a ) {</a:t>
-            </a:r>
-          </a:p>
-          <a:p>
-            <a:pPr marL="0" indent="0">
-              <a:buNone/>
-            </a:pPr>
-            <a:r>
-              <a:rPr lang="en-US" sz="2200" dirty="0" smtClean="0">
-                <a:latin typeface="Times New Roman" panose="02020603050405020304" pitchFamily="18" charset="0"/>
-                <a:cs typeface="Times New Roman" panose="02020603050405020304" pitchFamily="18" charset="0"/>
-              </a:rPr>
-              <a:t>   </a:t>
-            </a:r>
-            <a:r>
-              <a:rPr lang="en-US" sz="2200" dirty="0">
-                <a:latin typeface="Times New Roman" panose="02020603050405020304" pitchFamily="18" charset="0"/>
-                <a:cs typeface="Times New Roman" panose="02020603050405020304" pitchFamily="18" charset="0"/>
-              </a:rPr>
-              <a:t>return a / 10;</a:t>
-            </a:r>
-          </a:p>
-          <a:p>
-            <a:pPr marL="0" indent="0">
-              <a:buNone/>
-            </a:pPr>
-            <a:r>
-              <a:rPr lang="en-US" sz="2200" dirty="0" smtClean="0">
-                <a:latin typeface="Times New Roman" panose="02020603050405020304" pitchFamily="18" charset="0"/>
-                <a:cs typeface="Times New Roman" panose="02020603050405020304" pitchFamily="18" charset="0"/>
-              </a:rPr>
-              <a:t>}</a:t>
-            </a:r>
-          </a:p>
-          <a:p>
-            <a:pPr marL="0" indent="0">
-              <a:buNone/>
-            </a:pPr>
-            <a:endParaRPr lang="en-US" sz="2200" dirty="0">
-              <a:latin typeface="Times New Roman" panose="02020603050405020304" pitchFamily="18" charset="0"/>
-              <a:cs typeface="Times New Roman" panose="02020603050405020304" pitchFamily="18" charset="0"/>
-            </a:endParaRPr>
-          </a:p>
-          <a:p>
-            <a:r>
-              <a:rPr lang="en-US" sz="2200" b="1" dirty="0">
-                <a:latin typeface="Times New Roman" panose="02020603050405020304" pitchFamily="18" charset="0"/>
-                <a:cs typeface="Times New Roman" panose="02020603050405020304" pitchFamily="18" charset="0"/>
-              </a:rPr>
-              <a:t>Static typing</a:t>
-            </a:r>
-            <a:r>
-              <a:rPr lang="en-US" sz="2200" dirty="0">
-                <a:latin typeface="Times New Roman" panose="02020603050405020304" pitchFamily="18" charset="0"/>
-                <a:cs typeface="Times New Roman" panose="02020603050405020304" pitchFamily="18" charset="0"/>
-              </a:rPr>
-              <a:t> — type is associated with variable or textual expression, and checked at compile-time.</a:t>
-            </a:r>
-          </a:p>
-          <a:p>
-            <a:pPr marL="0" indent="0">
-              <a:buNone/>
-            </a:pPr>
-            <a:r>
-              <a:rPr lang="en-US" sz="2200" dirty="0">
-                <a:latin typeface="Times New Roman" panose="02020603050405020304" pitchFamily="18" charset="0"/>
-                <a:cs typeface="Times New Roman" panose="02020603050405020304" pitchFamily="18" charset="0"/>
-              </a:rPr>
-              <a:t>function g( a : number ) : number{</a:t>
-            </a:r>
-          </a:p>
-          <a:p>
-            <a:pPr marL="0" indent="0">
-              <a:buNone/>
-            </a:pPr>
-            <a:r>
-              <a:rPr lang="en-US" sz="2200" dirty="0">
-                <a:latin typeface="Times New Roman" panose="02020603050405020304" pitchFamily="18" charset="0"/>
-                <a:cs typeface="Times New Roman" panose="02020603050405020304" pitchFamily="18" charset="0"/>
-              </a:rPr>
-              <a:t>   </a:t>
-            </a:r>
-            <a:r>
-              <a:rPr lang="en-US" sz="2200" dirty="0" smtClean="0">
-                <a:latin typeface="Times New Roman" panose="02020603050405020304" pitchFamily="18" charset="0"/>
-                <a:cs typeface="Times New Roman" panose="02020603050405020304" pitchFamily="18" charset="0"/>
-              </a:rPr>
-              <a:t>return </a:t>
-            </a:r>
-            <a:r>
-              <a:rPr lang="en-US" sz="2200" dirty="0">
-                <a:latin typeface="Times New Roman" panose="02020603050405020304" pitchFamily="18" charset="0"/>
-                <a:cs typeface="Times New Roman" panose="02020603050405020304" pitchFamily="18" charset="0"/>
-              </a:rPr>
-              <a:t>a / 10;</a:t>
-            </a:r>
-          </a:p>
-          <a:p>
-            <a:pPr marL="0" indent="0">
-              <a:buNone/>
-            </a:pPr>
-            <a:r>
-              <a:rPr lang="en-US" sz="2200" dirty="0">
-                <a:latin typeface="Times New Roman" panose="02020603050405020304" pitchFamily="18" charset="0"/>
-                <a:cs typeface="Times New Roman" panose="02020603050405020304" pitchFamily="18" charset="0"/>
-              </a:rPr>
-              <a:t>}</a:t>
-            </a:r>
-          </a:p>
-        </p:txBody>
-      </p:sp>
-    </p:spTree>
-    <p:extLst>
-      <p:ext uri="{BB962C8B-B14F-4D97-AF65-F5344CB8AC3E}">
-        <p14:creationId xmlns:p14="http://schemas.microsoft.com/office/powerpoint/2010/main" val="1069062279"/>
-      </p:ext>
-    </p:extLst>
-  </p:cSld>
-  <p:clrMapOvr>
-    <a:masterClrMapping/>
-  </p:clrMapOvr>
-</p:sld>
-</file>
-
-<file path=ppt/slides/slide17.xml><?xml version="1.0" encoding="utf-8"?>
-<p:sld xmlns:a="http://schemas.openxmlformats.org/drawingml/2006/main" xmlns:r="http://schemas.openxmlformats.org/officeDocument/2006/relationships" xmlns:p="http://schemas.openxmlformats.org/presentationml/2006/main">
-  <p:cSld>
-    <p:spTree>
-      <p:nvGrpSpPr>
-        <p:cNvPr id="1" name=""/>
-        <p:cNvGrpSpPr/>
-        <p:nvPr/>
-      </p:nvGrpSpPr>
-      <p:grpSpPr>
-        <a:xfrm>
-          <a:off x="0" y="0"/>
-          <a:ext cx="0" cy="0"/>
-          <a:chOff x="0" y="0"/>
-          <a:chExt cx="0" cy="0"/>
-        </a:xfrm>
-      </p:grpSpPr>
-      <p:sp>
-        <p:nvSpPr>
-          <p:cNvPr id="2" name="Title 1"/>
-          <p:cNvSpPr>
-            <a:spLocks noGrp="1"/>
-          </p:cNvSpPr>
-          <p:nvPr>
-            <p:ph type="title"/>
-          </p:nvPr>
-        </p:nvSpPr>
-        <p:spPr/>
-        <p:txBody>
-          <a:bodyPr/>
-          <a:lstStyle/>
-          <a:p>
-            <a:r>
-              <a:rPr lang="nl-NL" dirty="0" smtClean="0">
-                <a:latin typeface="Times New Roman" panose="02020603050405020304" pitchFamily="18" charset="0"/>
-                <a:cs typeface="Times New Roman" panose="02020603050405020304" pitchFamily="18" charset="0"/>
-              </a:rPr>
-              <a:t>OOP</a:t>
-            </a:r>
-            <a:endParaRPr lang="en-US" dirty="0">
-              <a:latin typeface="Times New Roman" panose="02020603050405020304" pitchFamily="18" charset="0"/>
-              <a:cs typeface="Times New Roman" panose="02020603050405020304" pitchFamily="18" charset="0"/>
-            </a:endParaRPr>
-          </a:p>
-        </p:txBody>
-      </p:sp>
-      <p:sp>
-        <p:nvSpPr>
-          <p:cNvPr id="3" name="Content Placeholder 2"/>
-          <p:cNvSpPr>
-            <a:spLocks noGrp="1"/>
-          </p:cNvSpPr>
-          <p:nvPr>
-            <p:ph idx="1"/>
-          </p:nvPr>
-        </p:nvSpPr>
-        <p:spPr/>
-        <p:txBody>
-          <a:bodyPr/>
-          <a:lstStyle/>
-          <a:p>
-            <a:r>
-              <a:rPr lang="en-US" dirty="0">
-                <a:latin typeface="Times New Roman" panose="02020603050405020304" pitchFamily="18" charset="0"/>
-                <a:cs typeface="Times New Roman" panose="02020603050405020304" pitchFamily="18" charset="0"/>
-              </a:rPr>
-              <a:t>Interface</a:t>
-            </a:r>
-          </a:p>
-          <a:p>
-            <a:pPr marL="0" indent="0">
-              <a:buNone/>
-            </a:pPr>
-            <a:r>
-              <a:rPr lang="en-US" dirty="0">
-                <a:latin typeface="Times New Roman" panose="02020603050405020304" pitchFamily="18" charset="0"/>
-                <a:cs typeface="Times New Roman" panose="02020603050405020304" pitchFamily="18" charset="0"/>
-              </a:rPr>
-              <a:t>interface </a:t>
-            </a:r>
-            <a:r>
-              <a:rPr lang="en-US" dirty="0" err="1">
-                <a:latin typeface="Times New Roman" panose="02020603050405020304" pitchFamily="18" charset="0"/>
-                <a:cs typeface="Times New Roman" panose="02020603050405020304" pitchFamily="18" charset="0"/>
-              </a:rPr>
-              <a:t>KeyPair</a:t>
-            </a:r>
-            <a:r>
-              <a:rPr lang="en-US" dirty="0">
-                <a:latin typeface="Times New Roman" panose="02020603050405020304" pitchFamily="18" charset="0"/>
-                <a:cs typeface="Times New Roman" panose="02020603050405020304" pitchFamily="18" charset="0"/>
-              </a:rPr>
-              <a:t> {</a:t>
-            </a:r>
-          </a:p>
-          <a:p>
-            <a:pPr marL="0" indent="0">
-              <a:buNone/>
-            </a:pPr>
-            <a:r>
-              <a:rPr lang="en-US" dirty="0">
-                <a:latin typeface="Times New Roman" panose="02020603050405020304" pitchFamily="18" charset="0"/>
-                <a:cs typeface="Times New Roman" panose="02020603050405020304" pitchFamily="18" charset="0"/>
-              </a:rPr>
-              <a:t>    key: number;</a:t>
-            </a:r>
-          </a:p>
-          <a:p>
-            <a:pPr marL="0" indent="0">
-              <a:buNone/>
-            </a:pPr>
-            <a:r>
-              <a:rPr lang="en-US" dirty="0">
-                <a:latin typeface="Times New Roman" panose="02020603050405020304" pitchFamily="18" charset="0"/>
-                <a:cs typeface="Times New Roman" panose="02020603050405020304" pitchFamily="18" charset="0"/>
-              </a:rPr>
-              <a:t>    value: string;</a:t>
-            </a:r>
-          </a:p>
-          <a:p>
-            <a:pPr marL="0" indent="0">
-              <a:buNone/>
-            </a:pPr>
-            <a:r>
-              <a:rPr lang="en-US" dirty="0">
-                <a:latin typeface="Times New Roman" panose="02020603050405020304" pitchFamily="18" charset="0"/>
-                <a:cs typeface="Times New Roman" panose="02020603050405020304" pitchFamily="18" charset="0"/>
-              </a:rPr>
-              <a:t>}</a:t>
-            </a:r>
-          </a:p>
-          <a:p>
-            <a:pPr marL="0" indent="0">
-              <a:buNone/>
-            </a:pPr>
-            <a:r>
-              <a:rPr lang="en-US" dirty="0" smtClean="0">
-                <a:latin typeface="Times New Roman" panose="02020603050405020304" pitchFamily="18" charset="0"/>
-                <a:cs typeface="Times New Roman" panose="02020603050405020304" pitchFamily="18" charset="0"/>
-              </a:rPr>
-              <a:t>let </a:t>
-            </a:r>
-            <a:r>
-              <a:rPr lang="en-US" dirty="0">
-                <a:latin typeface="Times New Roman" panose="02020603050405020304" pitchFamily="18" charset="0"/>
-                <a:cs typeface="Times New Roman" panose="02020603050405020304" pitchFamily="18" charset="0"/>
-              </a:rPr>
-              <a:t>kv1: </a:t>
-            </a:r>
-            <a:r>
-              <a:rPr lang="en-US" dirty="0" err="1">
-                <a:latin typeface="Times New Roman" panose="02020603050405020304" pitchFamily="18" charset="0"/>
-                <a:cs typeface="Times New Roman" panose="02020603050405020304" pitchFamily="18" charset="0"/>
-              </a:rPr>
-              <a:t>KeyPair</a:t>
-            </a:r>
-            <a:r>
-              <a:rPr lang="en-US" dirty="0">
-                <a:latin typeface="Times New Roman" panose="02020603050405020304" pitchFamily="18" charset="0"/>
-                <a:cs typeface="Times New Roman" panose="02020603050405020304" pitchFamily="18" charset="0"/>
-              </a:rPr>
-              <a:t> = { key:1, </a:t>
-            </a:r>
-            <a:r>
-              <a:rPr lang="en-US" dirty="0" err="1">
-                <a:latin typeface="Times New Roman" panose="02020603050405020304" pitchFamily="18" charset="0"/>
-                <a:cs typeface="Times New Roman" panose="02020603050405020304" pitchFamily="18" charset="0"/>
-              </a:rPr>
-              <a:t>value:"Steve</a:t>
-            </a:r>
-            <a:r>
-              <a:rPr lang="en-US" dirty="0">
-                <a:latin typeface="Times New Roman" panose="02020603050405020304" pitchFamily="18" charset="0"/>
-                <a:cs typeface="Times New Roman" panose="02020603050405020304" pitchFamily="18" charset="0"/>
-              </a:rPr>
-              <a:t>" }; </a:t>
-            </a:r>
-          </a:p>
-        </p:txBody>
-      </p:sp>
-    </p:spTree>
-    <p:extLst>
-      <p:ext uri="{BB962C8B-B14F-4D97-AF65-F5344CB8AC3E}">
-        <p14:creationId xmlns:p14="http://schemas.microsoft.com/office/powerpoint/2010/main" val="3212059875"/>
-      </p:ext>
-    </p:extLst>
-  </p:cSld>
-  <p:clrMapOvr>
-    <a:masterClrMapping/>
-  </p:clrMapOvr>
-</p:sld>
-</file>
-
-<file path=ppt/slides/slide18.xml><?xml version="1.0" encoding="utf-8"?>
-<p:sld xmlns:a="http://schemas.openxmlformats.org/drawingml/2006/main" xmlns:r="http://schemas.openxmlformats.org/officeDocument/2006/relationships" xmlns:p="http://schemas.openxmlformats.org/presentationml/2006/main">
-  <p:cSld>
-    <p:spTree>
-      <p:nvGrpSpPr>
-        <p:cNvPr id="1" name=""/>
-        <p:cNvGrpSpPr/>
-        <p:nvPr/>
-      </p:nvGrpSpPr>
-      <p:grpSpPr>
-        <a:xfrm>
-          <a:off x="0" y="0"/>
-          <a:ext cx="0" cy="0"/>
-          <a:chOff x="0" y="0"/>
-          <a:chExt cx="0" cy="0"/>
-        </a:xfrm>
-      </p:grpSpPr>
-      <p:sp>
-        <p:nvSpPr>
-          <p:cNvPr id="2" name="Title 1"/>
-          <p:cNvSpPr>
-            <a:spLocks noGrp="1"/>
-          </p:cNvSpPr>
-          <p:nvPr>
-            <p:ph type="title"/>
-          </p:nvPr>
-        </p:nvSpPr>
-        <p:spPr/>
-        <p:txBody>
-          <a:bodyPr/>
-          <a:lstStyle/>
-          <a:p>
-            <a:r>
-              <a:rPr lang="nl-NL" dirty="0" smtClean="0">
-                <a:latin typeface="Times New Roman" panose="02020603050405020304" pitchFamily="18" charset="0"/>
-                <a:cs typeface="Times New Roman" panose="02020603050405020304" pitchFamily="18" charset="0"/>
-              </a:rPr>
-              <a:t>OOP</a:t>
-            </a:r>
-            <a:endParaRPr lang="en-US" dirty="0">
-              <a:latin typeface="Times New Roman" panose="02020603050405020304" pitchFamily="18" charset="0"/>
-              <a:cs typeface="Times New Roman" panose="02020603050405020304" pitchFamily="18" charset="0"/>
-            </a:endParaRPr>
-          </a:p>
-        </p:txBody>
-      </p:sp>
-      <p:sp>
-        <p:nvSpPr>
-          <p:cNvPr id="3" name="Content Placeholder 2"/>
-          <p:cNvSpPr>
-            <a:spLocks noGrp="1"/>
-          </p:cNvSpPr>
-          <p:nvPr>
-            <p:ph idx="1"/>
-          </p:nvPr>
-        </p:nvSpPr>
-        <p:spPr/>
-        <p:txBody>
-          <a:bodyPr/>
-          <a:lstStyle/>
-          <a:p>
-            <a:r>
-              <a:rPr lang="nl-NL" b="1" dirty="0" smtClean="0">
-                <a:latin typeface="Times New Roman" panose="02020603050405020304" pitchFamily="18" charset="0"/>
-                <a:cs typeface="Times New Roman" panose="02020603050405020304" pitchFamily="18" charset="0"/>
-              </a:rPr>
-              <a:t>Class</a:t>
-            </a:r>
-            <a:r>
-              <a:rPr lang="nl-NL" dirty="0" smtClean="0">
-                <a:latin typeface="Times New Roman" panose="02020603050405020304" pitchFamily="18" charset="0"/>
-                <a:cs typeface="Times New Roman" panose="02020603050405020304" pitchFamily="18" charset="0"/>
-              </a:rPr>
-              <a:t> </a:t>
-            </a:r>
-            <a:r>
-              <a:rPr lang="en-US" dirty="0" smtClean="0">
-                <a:latin typeface="Times New Roman" panose="02020603050405020304" pitchFamily="18" charset="0"/>
-                <a:cs typeface="Times New Roman" panose="02020603050405020304" pitchFamily="18" charset="0"/>
-              </a:rPr>
-              <a:t>A </a:t>
-            </a:r>
-            <a:r>
-              <a:rPr lang="en-US" dirty="0">
-                <a:latin typeface="Times New Roman" panose="02020603050405020304" pitchFamily="18" charset="0"/>
-                <a:cs typeface="Times New Roman" panose="02020603050405020304" pitchFamily="18" charset="0"/>
-              </a:rPr>
-              <a:t>class can include the following:</a:t>
-            </a:r>
-          </a:p>
-          <a:p>
-            <a:r>
-              <a:rPr lang="en-US" dirty="0" smtClean="0">
-                <a:latin typeface="Times New Roman" panose="02020603050405020304" pitchFamily="18" charset="0"/>
-                <a:cs typeface="Times New Roman" panose="02020603050405020304" pitchFamily="18" charset="0"/>
-              </a:rPr>
-              <a:t>Constructor</a:t>
-            </a:r>
-          </a:p>
-          <a:p>
-            <a:r>
-              <a:rPr lang="en-US" dirty="0" smtClean="0">
-                <a:latin typeface="Times New Roman" panose="02020603050405020304" pitchFamily="18" charset="0"/>
-                <a:cs typeface="Times New Roman" panose="02020603050405020304" pitchFamily="18" charset="0"/>
-              </a:rPr>
-              <a:t>Properties</a:t>
-            </a:r>
-            <a:endParaRPr lang="en-US" dirty="0">
-              <a:latin typeface="Times New Roman" panose="02020603050405020304" pitchFamily="18" charset="0"/>
-              <a:cs typeface="Times New Roman" panose="02020603050405020304" pitchFamily="18" charset="0"/>
-            </a:endParaRPr>
-          </a:p>
-          <a:p>
-            <a:r>
-              <a:rPr lang="en-US" dirty="0" smtClean="0">
-                <a:latin typeface="Times New Roman" panose="02020603050405020304" pitchFamily="18" charset="0"/>
-                <a:cs typeface="Times New Roman" panose="02020603050405020304" pitchFamily="18" charset="0"/>
-              </a:rPr>
-              <a:t>Methods</a:t>
-            </a:r>
-          </a:p>
-          <a:p>
-            <a:endParaRPr lang="en-US" dirty="0">
-              <a:latin typeface="Times New Roman" panose="02020603050405020304" pitchFamily="18" charset="0"/>
-              <a:cs typeface="Times New Roman" panose="02020603050405020304" pitchFamily="18" charset="0"/>
-            </a:endParaRPr>
-          </a:p>
-          <a:p>
-            <a:r>
-              <a:rPr lang="en-US" b="1" dirty="0">
-                <a:latin typeface="Times New Roman" panose="02020603050405020304" pitchFamily="18" charset="0"/>
-                <a:cs typeface="Times New Roman" panose="02020603050405020304" pitchFamily="18" charset="0"/>
-              </a:rPr>
-              <a:t>Abstract </a:t>
-            </a:r>
-            <a:r>
-              <a:rPr lang="en-US" b="1" dirty="0" smtClean="0">
-                <a:latin typeface="Times New Roman" panose="02020603050405020304" pitchFamily="18" charset="0"/>
-                <a:cs typeface="Times New Roman" panose="02020603050405020304" pitchFamily="18" charset="0"/>
-              </a:rPr>
-              <a:t>classes:  </a:t>
-            </a:r>
-            <a:r>
-              <a:rPr lang="en-US" dirty="0">
-                <a:latin typeface="Times New Roman" panose="02020603050405020304" pitchFamily="18" charset="0"/>
-                <a:cs typeface="Times New Roman" panose="02020603050405020304" pitchFamily="18" charset="0"/>
-              </a:rPr>
-              <a:t>are mainly for inheritance where other classes may derive from them</a:t>
-            </a:r>
-            <a:endParaRPr lang="en-US" dirty="0">
-              <a:latin typeface="Times New Roman" panose="02020603050405020304" pitchFamily="18" charset="0"/>
-              <a:cs typeface="Times New Roman" panose="02020603050405020304" pitchFamily="18" charset="0"/>
-            </a:endParaRPr>
-          </a:p>
-        </p:txBody>
-      </p:sp>
-    </p:spTree>
-    <p:extLst>
-      <p:ext uri="{BB962C8B-B14F-4D97-AF65-F5344CB8AC3E}">
-        <p14:creationId xmlns:p14="http://schemas.microsoft.com/office/powerpoint/2010/main" val="3403593871"/>
-      </p:ext>
-    </p:extLst>
-  </p:cSld>
-  <p:clrMapOvr>
-    <a:masterClrMapping/>
-  </p:clrMapOvr>
-</p:sld>
-</file>
-
 <file path=ppt/slides/slide19.xml><?xml version="1.0" encoding="utf-8"?>
 <p:sld xmlns:a="http://schemas.openxmlformats.org/drawingml/2006/main" xmlns:r="http://schemas.openxmlformats.org/officeDocument/2006/relationships" xmlns:p="http://schemas.openxmlformats.org/presentationml/2006/main">
   <p:cSld>
@@ -7161,43 +7210,170 @@
           <a:bodyPr/>
           <a:lstStyle/>
           <a:p>
-            <a:endParaRPr lang="en-US"/>
-          </a:p>
-        </p:txBody>
-      </p:sp>
-      <p:pic>
-        <p:nvPicPr>
-          <p:cNvPr id="5" name="Content Placeholder 4"/>
-          <p:cNvPicPr>
-            <a:picLocks noGrp="1" noChangeAspect="1"/>
-          </p:cNvPicPr>
+            <a:r>
+              <a:rPr lang="en-US" dirty="0">
+                <a:latin typeface="Times New Roman" panose="02020603050405020304" pitchFamily="18" charset="0"/>
+                <a:cs typeface="Times New Roman" panose="02020603050405020304" pitchFamily="18" charset="0"/>
+              </a:rPr>
+              <a:t>Architecture overview</a:t>
+            </a:r>
+          </a:p>
+        </p:txBody>
+      </p:sp>
+      <p:sp>
+        <p:nvSpPr>
+          <p:cNvPr id="3" name="Content Placeholder 2"/>
+          <p:cNvSpPr>
+            <a:spLocks noGrp="1"/>
+          </p:cNvSpPr>
           <p:nvPr>
             <p:ph idx="1"/>
           </p:nvPr>
-        </p:nvPicPr>
-        <p:blipFill>
-          <a:blip r:embed="rId2">
-            <a:extLst>
-              <a:ext uri="{28A0092B-C50C-407E-A947-70E740481C1C}">
-                <a14:useLocalDpi xmlns:a14="http://schemas.microsoft.com/office/drawing/2010/main" val="0"/>
-              </a:ext>
-            </a:extLst>
-          </a:blip>
-          <a:stretch>
-            <a:fillRect/>
-          </a:stretch>
-        </p:blipFill>
-        <p:spPr>
-          <a:xfrm>
-            <a:off x="846214" y="670561"/>
-            <a:ext cx="10389031" cy="5660570"/>
-          </a:xfrm>
-        </p:spPr>
-      </p:pic>
+        </p:nvSpPr>
+        <p:spPr/>
+        <p:txBody>
+          <a:bodyPr/>
+          <a:lstStyle/>
+          <a:p>
+            <a:r>
+              <a:rPr lang="en-US" b="1" dirty="0">
+                <a:latin typeface="Times New Roman" panose="02020603050405020304" pitchFamily="18" charset="0"/>
+                <a:cs typeface="Times New Roman" panose="02020603050405020304" pitchFamily="18" charset="0"/>
+              </a:rPr>
+              <a:t>Routing &amp; </a:t>
+            </a:r>
+            <a:r>
+              <a:rPr lang="en-US" b="1" dirty="0" smtClean="0">
+                <a:latin typeface="Times New Roman" panose="02020603050405020304" pitchFamily="18" charset="0"/>
+                <a:cs typeface="Times New Roman" panose="02020603050405020304" pitchFamily="18" charset="0"/>
+              </a:rPr>
+              <a:t>Navigation: </a:t>
+            </a:r>
+            <a:r>
+              <a:rPr lang="en-US" dirty="0">
+                <a:latin typeface="Times New Roman" panose="02020603050405020304" pitchFamily="18" charset="0"/>
+                <a:cs typeface="Times New Roman" panose="02020603050405020304" pitchFamily="18" charset="0"/>
+              </a:rPr>
+              <a:t>the </a:t>
+            </a:r>
+            <a:r>
+              <a:rPr lang="en-US" i="1" dirty="0">
+                <a:latin typeface="Times New Roman" panose="02020603050405020304" pitchFamily="18" charset="0"/>
+                <a:cs typeface="Times New Roman" panose="02020603050405020304" pitchFamily="18" charset="0"/>
+              </a:rPr>
+              <a:t>Router</a:t>
+            </a:r>
+            <a:r>
+              <a:rPr lang="en-US" dirty="0">
+                <a:latin typeface="Times New Roman" panose="02020603050405020304" pitchFamily="18" charset="0"/>
+                <a:cs typeface="Times New Roman" panose="02020603050405020304" pitchFamily="18" charset="0"/>
+              </a:rPr>
+              <a:t> allows navigation from one </a:t>
+            </a:r>
+            <a:r>
+              <a:rPr lang="en-US" i="1" dirty="0">
+                <a:latin typeface="Times New Roman" panose="02020603050405020304" pitchFamily="18" charset="0"/>
+                <a:cs typeface="Times New Roman" panose="02020603050405020304" pitchFamily="18" charset="0"/>
+              </a:rPr>
+              <a:t>View</a:t>
+            </a:r>
+            <a:r>
+              <a:rPr lang="en-US" dirty="0">
+                <a:latin typeface="Times New Roman" panose="02020603050405020304" pitchFamily="18" charset="0"/>
+                <a:cs typeface="Times New Roman" panose="02020603050405020304" pitchFamily="18" charset="0"/>
+              </a:rPr>
+              <a:t> to the </a:t>
+            </a:r>
+            <a:r>
+              <a:rPr lang="en-US" dirty="0" smtClean="0">
+                <a:latin typeface="Times New Roman" panose="02020603050405020304" pitchFamily="18" charset="0"/>
+                <a:cs typeface="Times New Roman" panose="02020603050405020304" pitchFamily="18" charset="0"/>
+              </a:rPr>
+              <a:t>next.</a:t>
+            </a:r>
+          </a:p>
+          <a:p>
+            <a:r>
+              <a:rPr lang="nl-NL" dirty="0" err="1" smtClean="0">
+                <a:latin typeface="Times New Roman" panose="02020603050405020304" pitchFamily="18" charset="0"/>
+                <a:cs typeface="Times New Roman" panose="02020603050405020304" pitchFamily="18" charset="0"/>
+              </a:rPr>
+              <a:t>To</a:t>
+            </a:r>
+            <a:r>
+              <a:rPr lang="nl-NL" dirty="0" smtClean="0">
+                <a:latin typeface="Times New Roman" panose="02020603050405020304" pitchFamily="18" charset="0"/>
+                <a:cs typeface="Times New Roman" panose="02020603050405020304" pitchFamily="18" charset="0"/>
+              </a:rPr>
+              <a:t> </a:t>
+            </a:r>
+            <a:r>
+              <a:rPr lang="nl-NL" dirty="0" err="1" smtClean="0">
+                <a:latin typeface="Times New Roman" panose="02020603050405020304" pitchFamily="18" charset="0"/>
+                <a:cs typeface="Times New Roman" panose="02020603050405020304" pitchFamily="18" charset="0"/>
+              </a:rPr>
+              <a:t>use</a:t>
+            </a:r>
+            <a:r>
+              <a:rPr lang="nl-NL" dirty="0" smtClean="0">
+                <a:latin typeface="Times New Roman" panose="02020603050405020304" pitchFamily="18" charset="0"/>
+                <a:cs typeface="Times New Roman" panose="02020603050405020304" pitchFamily="18" charset="0"/>
+              </a:rPr>
+              <a:t> router we </a:t>
+            </a:r>
+            <a:r>
+              <a:rPr lang="nl-NL" dirty="0" err="1" smtClean="0">
+                <a:latin typeface="Times New Roman" panose="02020603050405020304" pitchFamily="18" charset="0"/>
+                <a:cs typeface="Times New Roman" panose="02020603050405020304" pitchFamily="18" charset="0"/>
+              </a:rPr>
+              <a:t>need</a:t>
+            </a:r>
+            <a:r>
+              <a:rPr lang="nl-NL" dirty="0" smtClean="0">
+                <a:latin typeface="Times New Roman" panose="02020603050405020304" pitchFamily="18" charset="0"/>
+                <a:cs typeface="Times New Roman" panose="02020603050405020304" pitchFamily="18" charset="0"/>
+              </a:rPr>
+              <a:t> </a:t>
+            </a:r>
+            <a:r>
+              <a:rPr lang="nl-NL" dirty="0" err="1" smtClean="0">
+                <a:latin typeface="Times New Roman" panose="02020603050405020304" pitchFamily="18" charset="0"/>
+                <a:cs typeface="Times New Roman" panose="02020603050405020304" pitchFamily="18" charset="0"/>
+              </a:rPr>
+              <a:t>to</a:t>
+            </a:r>
+            <a:r>
+              <a:rPr lang="nl-NL" dirty="0" smtClean="0">
+                <a:latin typeface="Times New Roman" panose="02020603050405020304" pitchFamily="18" charset="0"/>
+                <a:cs typeface="Times New Roman" panose="02020603050405020304" pitchFamily="18" charset="0"/>
+              </a:rPr>
+              <a:t> import </a:t>
+            </a:r>
+            <a:r>
+              <a:rPr lang="nl-NL" dirty="0" err="1" smtClean="0">
+                <a:latin typeface="Times New Roman" panose="02020603050405020304" pitchFamily="18" charset="0"/>
+                <a:cs typeface="Times New Roman" panose="02020603050405020304" pitchFamily="18" charset="0"/>
+              </a:rPr>
+              <a:t>RouterModule</a:t>
+            </a:r>
+            <a:r>
+              <a:rPr lang="nl-NL" dirty="0" smtClean="0">
+                <a:latin typeface="Times New Roman" panose="02020603050405020304" pitchFamily="18" charset="0"/>
+                <a:cs typeface="Times New Roman" panose="02020603050405020304" pitchFamily="18" charset="0"/>
+              </a:rPr>
+              <a:t> in module</a:t>
+            </a:r>
+            <a:endParaRPr lang="en-US" dirty="0">
+              <a:latin typeface="Times New Roman" panose="02020603050405020304" pitchFamily="18" charset="0"/>
+              <a:cs typeface="Times New Roman" panose="02020603050405020304" pitchFamily="18" charset="0"/>
+            </a:endParaRPr>
+          </a:p>
+        </p:txBody>
+      </p:sp>
     </p:spTree>
     <p:extLst>
       <p:ext uri="{BB962C8B-B14F-4D97-AF65-F5344CB8AC3E}">
-        <p14:creationId xmlns:p14="http://schemas.microsoft.com/office/powerpoint/2010/main" val="3713550294"/>
+        <p14:creationId xmlns:p14="http://schemas.microsoft.com/office/powerpoint/2010/main" val="2662980775"/>
       </p:ext>
     </p:extLst>
   </p:cSld>
@@ -7595,154 +7771,85 @@
             <p:ph type="title"/>
           </p:nvPr>
         </p:nvSpPr>
-        <p:spPr>
-          <a:xfrm>
-            <a:off x="1069848" y="0"/>
-            <a:ext cx="10058400" cy="1609344"/>
-          </a:xfrm>
-        </p:spPr>
-        <p:txBody>
-          <a:bodyPr/>
-          <a:lstStyle/>
-          <a:p>
-            <a:r>
-              <a:rPr lang="en-US" dirty="0">
-                <a:latin typeface="Times New Roman" panose="02020603050405020304" pitchFamily="18" charset="0"/>
-                <a:cs typeface="Times New Roman" panose="02020603050405020304" pitchFamily="18" charset="0"/>
-              </a:rPr>
-              <a:t>Architecture overview</a:t>
-            </a:r>
-          </a:p>
-        </p:txBody>
-      </p:sp>
-      <p:sp>
-        <p:nvSpPr>
-          <p:cNvPr id="3" name="Content Placeholder 2"/>
-          <p:cNvSpPr>
-            <a:spLocks noGrp="1"/>
-          </p:cNvSpPr>
-          <p:nvPr>
-            <p:ph idx="1"/>
-          </p:nvPr>
-        </p:nvSpPr>
-        <p:spPr>
-          <a:xfrm>
-            <a:off x="1069848" y="1337637"/>
-            <a:ext cx="10058400" cy="4050792"/>
-          </a:xfrm>
-        </p:spPr>
+        <p:spPr/>
         <p:txBody>
           <a:bodyPr>
-            <a:noAutofit/>
+            <a:normAutofit/>
           </a:bodyPr>
           <a:lstStyle/>
           <a:p>
             <a:r>
-              <a:rPr lang="en-US" sz="2200" i="1" dirty="0" err="1" smtClean="0">
-                <a:latin typeface="Times New Roman" panose="02020603050405020304" pitchFamily="18" charset="0"/>
-                <a:cs typeface="Times New Roman" panose="02020603050405020304" pitchFamily="18" charset="0"/>
-              </a:rPr>
-              <a:t>NgModules</a:t>
-            </a:r>
-            <a:r>
-              <a:rPr lang="en-US" sz="2200" i="1" dirty="0" smtClean="0">
-                <a:latin typeface="Times New Roman" panose="02020603050405020304" pitchFamily="18" charset="0"/>
-                <a:cs typeface="Times New Roman" panose="02020603050405020304" pitchFamily="18" charset="0"/>
-              </a:rPr>
-              <a:t>: </a:t>
+              <a:rPr lang="en-US" sz="4400" b="1" dirty="0">
+                <a:latin typeface="Times New Roman" panose="02020603050405020304" pitchFamily="18" charset="0"/>
+                <a:cs typeface="Times New Roman" panose="02020603050405020304" pitchFamily="18" charset="0"/>
+              </a:rPr>
+              <a:t>Introduction</a:t>
+            </a:r>
+            <a:r>
+              <a:rPr lang="en-US" sz="4400" b="1" dirty="0"/>
+              <a:t> to Typescript</a:t>
+            </a:r>
+          </a:p>
+        </p:txBody>
+      </p:sp>
+      <p:sp>
+        <p:nvSpPr>
+          <p:cNvPr id="3" name="Content Placeholder 2"/>
+          <p:cNvSpPr>
+            <a:spLocks noGrp="1"/>
+          </p:cNvSpPr>
+          <p:nvPr>
+            <p:ph idx="1"/>
+          </p:nvPr>
+        </p:nvSpPr>
+        <p:spPr/>
+        <p:txBody>
+          <a:bodyPr>
+            <a:normAutofit lnSpcReduction="10000"/>
+          </a:bodyPr>
+          <a:lstStyle/>
+          <a:p>
+            <a:r>
+              <a:rPr lang="en-US" sz="2200" b="1" dirty="0" smtClean="0">
+                <a:latin typeface="Times New Roman" panose="02020603050405020304" pitchFamily="18" charset="0"/>
+                <a:cs typeface="Times New Roman" panose="02020603050405020304" pitchFamily="18" charset="0"/>
+              </a:rPr>
+              <a:t>Install</a:t>
             </a:r>
             <a:r>
               <a:rPr lang="en-US" sz="2200" dirty="0" smtClean="0">
                 <a:latin typeface="Times New Roman" panose="02020603050405020304" pitchFamily="18" charset="0"/>
                 <a:cs typeface="Times New Roman" panose="02020603050405020304" pitchFamily="18" charset="0"/>
               </a:rPr>
-              <a:t>basic building blocks of an Angular application an Angular app is defined by a set of </a:t>
+              <a:t> </a:t>
             </a:r>
             <a:r>
               <a:rPr lang="en-US" sz="2200" dirty="0" err="1" smtClean="0">
                 <a:latin typeface="Times New Roman" panose="02020603050405020304" pitchFamily="18" charset="0"/>
                 <a:cs typeface="Times New Roman" panose="02020603050405020304" pitchFamily="18" charset="0"/>
               </a:rPr>
-              <a:t>NgModules</a:t>
+              <a:t>npm</a:t>
+            </a:r>
+            <a:r>
+              <a:rPr lang="en-US" sz="2200" dirty="0">
+                <a:latin typeface="Times New Roman" panose="02020603050405020304" pitchFamily="18" charset="0"/>
+                <a:cs typeface="Times New Roman" panose="02020603050405020304" pitchFamily="18" charset="0"/>
+              </a:rPr>
+              <a:t> install -g </a:t>
             </a:r>
             <a:r>
               <a:rPr lang="en-US" sz="2200" dirty="0" smtClean="0">
                 <a:latin typeface="Times New Roman" panose="02020603050405020304" pitchFamily="18" charset="0"/>
                 <a:cs typeface="Times New Roman" panose="02020603050405020304" pitchFamily="18" charset="0"/>
               </a:rPr>
-              <a:t>. An app always has at least a </a:t>
-            </a:r>
-            <a:r>
-              <a:rPr lang="en-US" sz="2200" i="1" dirty="0" smtClean="0">
-                <a:latin typeface="Times New Roman" panose="02020603050405020304" pitchFamily="18" charset="0"/>
-                <a:cs typeface="Times New Roman" panose="02020603050405020304" pitchFamily="18" charset="0"/>
-              </a:rPr>
-              <a:t>root module</a:t>
-            </a:r>
-            <a:r>
-              <a:rPr lang="en-US" sz="2200" dirty="0" smtClean="0">
-                <a:latin typeface="Times New Roman" panose="02020603050405020304" pitchFamily="18" charset="0"/>
-                <a:cs typeface="Times New Roman" panose="02020603050405020304" pitchFamily="18" charset="0"/>
-              </a:rPr>
-              <a:t>  which provides the bootstrap mechanism that launches the application. and has many more </a:t>
-            </a:r>
-            <a:r>
-              <a:rPr lang="en-US" sz="2200" i="1" dirty="0" smtClean="0">
-                <a:latin typeface="Times New Roman" panose="02020603050405020304" pitchFamily="18" charset="0"/>
-                <a:cs typeface="Times New Roman" panose="02020603050405020304" pitchFamily="18" charset="0"/>
-              </a:rPr>
-              <a:t>feature modules</a:t>
-            </a:r>
-            <a:r>
-              <a:rPr lang="en-US" sz="2200" dirty="0" smtClean="0">
-                <a:latin typeface="Times New Roman" panose="02020603050405020304" pitchFamily="18" charset="0"/>
-                <a:cs typeface="Times New Roman" panose="02020603050405020304" pitchFamily="18" charset="0"/>
-              </a:rPr>
-              <a:t>.</a:t>
-            </a:r>
-          </a:p>
-          <a:p>
-            <a:r>
-              <a:rPr lang="nl-NL" sz="2200" dirty="0" err="1" smtClean="0">
-                <a:latin typeface="Times New Roman" panose="02020603050405020304" pitchFamily="18" charset="0"/>
-                <a:cs typeface="Times New Roman" panose="02020603050405020304" pitchFamily="18" charset="0"/>
-              </a:rPr>
-              <a:t>Some</a:t>
-            </a:r>
-            <a:r>
-              <a:rPr lang="nl-NL" sz="2200" dirty="0" smtClean="0">
-                <a:latin typeface="Times New Roman" panose="02020603050405020304" pitchFamily="18" charset="0"/>
-                <a:cs typeface="Times New Roman" panose="02020603050405020304" pitchFamily="18" charset="0"/>
-              </a:rPr>
-              <a:t> import </a:t>
-            </a:r>
-            <a:r>
-              <a:rPr lang="nl-NL" sz="2200" dirty="0" err="1" smtClean="0">
-                <a:latin typeface="Times New Roman" panose="02020603050405020304" pitchFamily="18" charset="0"/>
-                <a:cs typeface="Times New Roman" panose="02020603050405020304" pitchFamily="18" charset="0"/>
-              </a:rPr>
-              <a:t>properties</a:t>
-            </a:r>
-            <a:r>
-              <a:rPr lang="nl-NL" sz="2200" dirty="0" smtClean="0">
-                <a:latin typeface="Times New Roman" panose="02020603050405020304" pitchFamily="18" charset="0"/>
-                <a:cs typeface="Times New Roman" panose="02020603050405020304" pitchFamily="18" charset="0"/>
-              </a:rPr>
-              <a:t> of @</a:t>
-            </a:r>
-            <a:r>
-              <a:rPr lang="nl-NL" sz="2200" dirty="0" err="1" smtClean="0">
-                <a:latin typeface="Times New Roman" panose="02020603050405020304" pitchFamily="18" charset="0"/>
-                <a:cs typeface="Times New Roman" panose="02020603050405020304" pitchFamily="18" charset="0"/>
-              </a:rPr>
-              <a:t>NgModules</a:t>
-            </a:r>
-            <a:r>
-              <a:rPr lang="nl-NL" sz="2200" dirty="0" smtClean="0">
-                <a:latin typeface="Times New Roman" panose="02020603050405020304" pitchFamily="18" charset="0"/>
-                <a:cs typeface="Times New Roman" panose="02020603050405020304" pitchFamily="18" charset="0"/>
-              </a:rPr>
-              <a:t>:</a:t>
+              <a:t>typescript, </a:t>
+            </a:r>
+            <a:r>
+              <a:rPr lang="en-US" sz="2200" dirty="0" err="1" smtClean="0">
+                <a:latin typeface="Times New Roman" panose="02020603050405020304" pitchFamily="18" charset="0"/>
+                <a:cs typeface="Times New Roman" panose="02020603050405020304" pitchFamily="18" charset="0"/>
+              </a:rPr>
+              <a:t>tslint</a:t>
             </a:r>
             <a:endParaRPr lang="en-US" sz="2200" dirty="0" smtClean="0">
               <a:latin typeface="Times New Roman" panose="02020603050405020304" pitchFamily="18" charset="0"/>
@@ -7750,287 +7857,262 @@
             </a:endParaRPr>
           </a:p>
           <a:p>
-            <a:pPr marL="457200" indent="-457200">
-              <a:buFont typeface="+mj-lt"/>
-              <a:buAutoNum type="arabicPeriod"/>
-            </a:pPr>
-            <a:r>
-              <a:rPr lang="en-US" sz="2200" i="1" dirty="0" smtClean="0">
-                <a:latin typeface="Times New Roman" panose="02020603050405020304" pitchFamily="18" charset="0"/>
-                <a:cs typeface="Times New Roman" panose="02020603050405020304" pitchFamily="18" charset="0"/>
-              </a:rPr>
-              <a:t>declarations</a:t>
-            </a:r>
-            <a:r>
-              <a:rPr lang="en-US" sz="2200" dirty="0" smtClean="0">
-                <a:latin typeface="Times New Roman" panose="02020603050405020304" pitchFamily="18" charset="0"/>
-                <a:cs typeface="Times New Roman" panose="02020603050405020304" pitchFamily="18" charset="0"/>
-              </a:rPr>
-              <a:t> — </a:t>
-            </a:r>
-            <a:r>
-              <a:rPr lang="en-US" sz="2200" i="1" dirty="0" smtClean="0">
-                <a:latin typeface="Times New Roman" panose="02020603050405020304" pitchFamily="18" charset="0"/>
-                <a:cs typeface="Times New Roman" panose="02020603050405020304" pitchFamily="18" charset="0"/>
-              </a:rPr>
-              <a:t>Components</a:t>
-            </a:r>
-            <a:r>
-              <a:rPr lang="en-US" sz="2200" dirty="0" smtClean="0">
-                <a:latin typeface="Times New Roman" panose="02020603050405020304" pitchFamily="18" charset="0"/>
-                <a:cs typeface="Times New Roman" panose="02020603050405020304" pitchFamily="18" charset="0"/>
-              </a:rPr>
-              <a:t>, </a:t>
-            </a:r>
-            <a:r>
-              <a:rPr lang="en-US" sz="2200" i="1" dirty="0" smtClean="0">
-                <a:latin typeface="Times New Roman" panose="02020603050405020304" pitchFamily="18" charset="0"/>
-                <a:cs typeface="Times New Roman" panose="02020603050405020304" pitchFamily="18" charset="0"/>
-              </a:rPr>
-              <a:t>Directives</a:t>
-            </a:r>
-            <a:r>
-              <a:rPr lang="en-US" sz="2200" dirty="0" smtClean="0">
-                <a:latin typeface="Times New Roman" panose="02020603050405020304" pitchFamily="18" charset="0"/>
-                <a:cs typeface="Times New Roman" panose="02020603050405020304" pitchFamily="18" charset="0"/>
-              </a:rPr>
-              <a:t>, and </a:t>
-            </a:r>
-            <a:r>
-              <a:rPr lang="en-US" sz="2200" i="1" dirty="0" smtClean="0">
-                <a:latin typeface="Times New Roman" panose="02020603050405020304" pitchFamily="18" charset="0"/>
-                <a:cs typeface="Times New Roman" panose="02020603050405020304" pitchFamily="18" charset="0"/>
-              </a:rPr>
-              <a:t>Pipes</a:t>
-            </a:r>
-            <a:r>
-              <a:rPr lang="en-US" sz="2200" dirty="0" smtClean="0">
-                <a:latin typeface="Times New Roman" panose="02020603050405020304" pitchFamily="18" charset="0"/>
-                <a:cs typeface="Times New Roman" panose="02020603050405020304" pitchFamily="18" charset="0"/>
-              </a:rPr>
-              <a:t> that belong to the </a:t>
-            </a:r>
-            <a:r>
-              <a:rPr lang="en-US" sz="2200" i="1" dirty="0" err="1" smtClean="0">
-                <a:latin typeface="Times New Roman" panose="02020603050405020304" pitchFamily="18" charset="0"/>
-                <a:cs typeface="Times New Roman" panose="02020603050405020304" pitchFamily="18" charset="0"/>
-              </a:rPr>
-              <a:t>NgModule</a:t>
-            </a:r>
-            <a:endParaRPr lang="en-US" sz="2200" dirty="0" smtClean="0">
+            <a:r>
+              <a:rPr lang="nl-NL" sz="2200" b="1" dirty="0" err="1" smtClean="0">
+                <a:latin typeface="Times New Roman" panose="02020603050405020304" pitchFamily="18" charset="0"/>
+                <a:cs typeface="Times New Roman" panose="02020603050405020304" pitchFamily="18" charset="0"/>
+              </a:rPr>
+              <a:t>Compile</a:t>
+            </a:r>
+            <a:r>
+              <a:rPr lang="nl-NL" sz="2200" b="1" dirty="0" smtClean="0">
+                <a:latin typeface="Times New Roman" panose="02020603050405020304" pitchFamily="18" charset="0"/>
+                <a:cs typeface="Times New Roman" panose="02020603050405020304" pitchFamily="18" charset="0"/>
+              </a:rPr>
+              <a:t> TS </a:t>
+            </a:r>
+            <a:r>
+              <a:rPr lang="nl-NL" sz="2200" dirty="0" err="1" smtClean="0">
+                <a:latin typeface="Times New Roman" panose="02020603050405020304" pitchFamily="18" charset="0"/>
+                <a:cs typeface="Times New Roman" panose="02020603050405020304" pitchFamily="18" charset="0"/>
+              </a:rPr>
+              <a:t>tsc</a:t>
+            </a:r>
+            <a:r>
+              <a:rPr lang="nl-NL" sz="2200" dirty="0" smtClean="0">
+                <a:latin typeface="Times New Roman" panose="02020603050405020304" pitchFamily="18" charset="0"/>
+                <a:cs typeface="Times New Roman" panose="02020603050405020304" pitchFamily="18" charset="0"/>
+              </a:rPr>
+              <a:t> typescript-file</a:t>
+            </a:r>
+          </a:p>
+          <a:p>
+            <a:r>
+              <a:rPr lang="nl-NL" sz="2200" b="1" dirty="0" smtClean="0">
+                <a:latin typeface="Times New Roman" panose="02020603050405020304" pitchFamily="18" charset="0"/>
+                <a:cs typeface="Times New Roman" panose="02020603050405020304" pitchFamily="18" charset="0"/>
+              </a:rPr>
+              <a:t>Let: </a:t>
+            </a:r>
+            <a:r>
+              <a:rPr lang="nl-NL" sz="2200" dirty="0" err="1" smtClean="0">
+                <a:latin typeface="Times New Roman" panose="02020603050405020304" pitchFamily="18" charset="0"/>
+                <a:cs typeface="Times New Roman" panose="02020603050405020304" pitchFamily="18" charset="0"/>
+              </a:rPr>
+              <a:t>avoid</a:t>
+            </a:r>
+            <a:r>
+              <a:rPr lang="nl-NL" sz="2200" dirty="0" smtClean="0">
+                <a:latin typeface="Times New Roman" panose="02020603050405020304" pitchFamily="18" charset="0"/>
+                <a:cs typeface="Times New Roman" panose="02020603050405020304" pitchFamily="18" charset="0"/>
+              </a:rPr>
+              <a:t> </a:t>
+            </a:r>
+            <a:r>
+              <a:rPr lang="nl-NL" sz="2200" dirty="0" err="1" smtClean="0">
+                <a:latin typeface="Times New Roman" panose="02020603050405020304" pitchFamily="18" charset="0"/>
+                <a:cs typeface="Times New Roman" panose="02020603050405020304" pitchFamily="18" charset="0"/>
+              </a:rPr>
+              <a:t>using</a:t>
+            </a:r>
+            <a:r>
+              <a:rPr lang="nl-NL" sz="2200" dirty="0" smtClean="0">
+                <a:latin typeface="Times New Roman" panose="02020603050405020304" pitchFamily="18" charset="0"/>
+                <a:cs typeface="Times New Roman" panose="02020603050405020304" pitchFamily="18" charset="0"/>
+              </a:rPr>
+              <a:t> </a:t>
+            </a:r>
+            <a:r>
+              <a:rPr lang="nl-NL" sz="2200" dirty="0" err="1" smtClean="0">
+                <a:latin typeface="Times New Roman" panose="02020603050405020304" pitchFamily="18" charset="0"/>
+                <a:cs typeface="Times New Roman" panose="02020603050405020304" pitchFamily="18" charset="0"/>
+              </a:rPr>
+              <a:t>variable</a:t>
+            </a:r>
+            <a:r>
+              <a:rPr lang="nl-NL" sz="2200" dirty="0" smtClean="0">
+                <a:latin typeface="Times New Roman" panose="02020603050405020304" pitchFamily="18" charset="0"/>
+                <a:cs typeface="Times New Roman" panose="02020603050405020304" pitchFamily="18" charset="0"/>
+              </a:rPr>
+              <a:t> </a:t>
+            </a:r>
+            <a:r>
+              <a:rPr lang="nl-NL" sz="2200" dirty="0" err="1" smtClean="0">
+                <a:latin typeface="Times New Roman" panose="02020603050405020304" pitchFamily="18" charset="0"/>
+                <a:cs typeface="Times New Roman" panose="02020603050405020304" pitchFamily="18" charset="0"/>
+              </a:rPr>
+              <a:t>before</a:t>
+            </a:r>
+            <a:r>
+              <a:rPr lang="nl-NL" sz="2200" dirty="0" smtClean="0">
+                <a:latin typeface="Times New Roman" panose="02020603050405020304" pitchFamily="18" charset="0"/>
+                <a:cs typeface="Times New Roman" panose="02020603050405020304" pitchFamily="18" charset="0"/>
+              </a:rPr>
+              <a:t> </a:t>
+            </a:r>
+            <a:r>
+              <a:rPr lang="nl-NL" sz="2200" dirty="0" err="1" smtClean="0">
+                <a:latin typeface="Times New Roman" panose="02020603050405020304" pitchFamily="18" charset="0"/>
+                <a:cs typeface="Times New Roman" panose="02020603050405020304" pitchFamily="18" charset="0"/>
+              </a:rPr>
+              <a:t>declare</a:t>
+            </a:r>
+            <a:endParaRPr lang="nl-NL" sz="2200" dirty="0" smtClean="0">
               <a:latin typeface="Times New Roman" panose="02020603050405020304" pitchFamily="18" charset="0"/>
               <a:cs typeface="Times New Roman" panose="02020603050405020304" pitchFamily="18" charset="0"/>
             </a:endParaRPr>
           </a:p>
           <a:p>
-            <a:pPr marL="457200" indent="-457200">
-              <a:buFont typeface="+mj-lt"/>
-              <a:buAutoNum type="arabicPeriod"/>
+            <a:pPr marL="0" indent="0">
+              <a:buNone/>
             </a:pPr>
             <a:r>
-              <a:rPr lang="en-US" sz="2200" i="1" dirty="0" smtClean="0">
-                <a:latin typeface="Times New Roman" panose="02020603050405020304" pitchFamily="18" charset="0"/>
-                <a:cs typeface="Times New Roman" panose="02020603050405020304" pitchFamily="18" charset="0"/>
-              </a:rPr>
-              <a:t>exports</a:t>
-            </a:r>
-            <a:r>
-              <a:rPr lang="en-US" sz="2200" dirty="0" smtClean="0">
-                <a:latin typeface="Times New Roman" panose="02020603050405020304" pitchFamily="18" charset="0"/>
-                <a:cs typeface="Times New Roman" panose="02020603050405020304" pitchFamily="18" charset="0"/>
-              </a:rPr>
-              <a:t> — the subset of declarations that should be visible and usable in the </a:t>
-            </a:r>
-            <a:r>
-              <a:rPr lang="en-US" sz="2200" i="1" dirty="0" smtClean="0">
-                <a:latin typeface="Times New Roman" panose="02020603050405020304" pitchFamily="18" charset="0"/>
-                <a:cs typeface="Times New Roman" panose="02020603050405020304" pitchFamily="18" charset="0"/>
-              </a:rPr>
-              <a:t>Components</a:t>
-            </a:r>
-            <a:r>
-              <a:rPr lang="en-US" sz="2200" dirty="0" smtClean="0">
-                <a:latin typeface="Times New Roman" panose="02020603050405020304" pitchFamily="18" charset="0"/>
-                <a:cs typeface="Times New Roman" panose="02020603050405020304" pitchFamily="18" charset="0"/>
-              </a:rPr>
-              <a:t> of other </a:t>
-            </a:r>
-            <a:r>
-              <a:rPr lang="en-US" sz="2200" i="1" dirty="0" err="1" smtClean="0">
-                <a:latin typeface="Times New Roman" panose="02020603050405020304" pitchFamily="18" charset="0"/>
-                <a:cs typeface="Times New Roman" panose="02020603050405020304" pitchFamily="18" charset="0"/>
-              </a:rPr>
-              <a:t>NgModules</a:t>
-            </a:r>
-            <a:endParaRPr lang="en-US" sz="2200" dirty="0" smtClean="0">
+              <a:rPr lang="en-US" sz="2400" dirty="0" smtClean="0">
+                <a:latin typeface="Times New Roman" panose="02020603050405020304" pitchFamily="18" charset="0"/>
+                <a:cs typeface="Times New Roman" panose="02020603050405020304" pitchFamily="18" charset="0"/>
+              </a:rPr>
+              <a:t>let </a:t>
+            </a:r>
+            <a:r>
+              <a:rPr lang="en-US" sz="2400" dirty="0">
+                <a:latin typeface="Times New Roman" panose="02020603050405020304" pitchFamily="18" charset="0"/>
+                <a:cs typeface="Times New Roman" panose="02020603050405020304" pitchFamily="18" charset="0"/>
+              </a:rPr>
+              <a:t>hello = "Hello!";</a:t>
+            </a:r>
+            <a:endParaRPr lang="nl-NL" sz="2200" dirty="0" smtClean="0">
               <a:latin typeface="Times New Roman" panose="02020603050405020304" pitchFamily="18" charset="0"/>
               <a:cs typeface="Times New Roman" panose="02020603050405020304" pitchFamily="18" charset="0"/>
             </a:endParaRPr>
           </a:p>
           <a:p>
-            <a:pPr marL="457200" indent="-457200">
-              <a:buFont typeface="+mj-lt"/>
-              <a:buAutoNum type="arabicPeriod"/>
-            </a:pPr>
-            <a:r>
-              <a:rPr lang="en-US" sz="2200" i="1" dirty="0" smtClean="0">
-                <a:latin typeface="Times New Roman" panose="02020603050405020304" pitchFamily="18" charset="0"/>
-                <a:cs typeface="Times New Roman" panose="02020603050405020304" pitchFamily="18" charset="0"/>
-              </a:rPr>
-              <a:t>imports</a:t>
-            </a:r>
-            <a:r>
-              <a:rPr lang="en-US" sz="2200" dirty="0" smtClean="0">
-                <a:latin typeface="Times New Roman" panose="02020603050405020304" pitchFamily="18" charset="0"/>
-                <a:cs typeface="Times New Roman" panose="02020603050405020304" pitchFamily="18" charset="0"/>
-              </a:rPr>
-              <a:t> — other modules whose exported classes are needed by </a:t>
-            </a:r>
-            <a:r>
-              <a:rPr lang="en-US" sz="2200" i="1" dirty="0" smtClean="0">
-                <a:latin typeface="Times New Roman" panose="02020603050405020304" pitchFamily="18" charset="0"/>
-                <a:cs typeface="Times New Roman" panose="02020603050405020304" pitchFamily="18" charset="0"/>
-              </a:rPr>
-              <a:t>Components</a:t>
-            </a:r>
-            <a:r>
-              <a:rPr lang="en-US" sz="2200" dirty="0" smtClean="0">
-                <a:latin typeface="Times New Roman" panose="02020603050405020304" pitchFamily="18" charset="0"/>
-                <a:cs typeface="Times New Roman" panose="02020603050405020304" pitchFamily="18" charset="0"/>
-              </a:rPr>
-              <a:t> declared in the </a:t>
-            </a:r>
-            <a:r>
-              <a:rPr lang="en-US" sz="2200" i="1" dirty="0" err="1" smtClean="0">
-                <a:latin typeface="Times New Roman" panose="02020603050405020304" pitchFamily="18" charset="0"/>
-                <a:cs typeface="Times New Roman" panose="02020603050405020304" pitchFamily="18" charset="0"/>
-              </a:rPr>
-              <a:t>NgModule</a:t>
-            </a:r>
-            <a:endParaRPr lang="en-US" sz="2200" dirty="0" smtClean="0">
+            <a:r>
+              <a:rPr lang="nl-NL" sz="2200" b="1" dirty="0" err="1" smtClean="0">
+                <a:latin typeface="Times New Roman" panose="02020603050405020304" pitchFamily="18" charset="0"/>
+                <a:cs typeface="Times New Roman" panose="02020603050405020304" pitchFamily="18" charset="0"/>
+              </a:rPr>
+              <a:t>Const</a:t>
+            </a:r>
+            <a:r>
+              <a:rPr lang="nl-NL" sz="2200" dirty="0" smtClean="0">
+                <a:latin typeface="Times New Roman" panose="02020603050405020304" pitchFamily="18" charset="0"/>
+                <a:cs typeface="Times New Roman" panose="02020603050405020304" pitchFamily="18" charset="0"/>
+              </a:rPr>
+              <a:t>: </a:t>
+            </a:r>
+            <a:r>
+              <a:rPr lang="nl-NL" sz="2200" dirty="0" err="1" smtClean="0">
+                <a:latin typeface="Times New Roman" panose="02020603050405020304" pitchFamily="18" charset="0"/>
+                <a:cs typeface="Times New Roman" panose="02020603050405020304" pitchFamily="18" charset="0"/>
+              </a:rPr>
+              <a:t>just</a:t>
+            </a:r>
+            <a:r>
+              <a:rPr lang="nl-NL" sz="2200" dirty="0" smtClean="0">
+                <a:latin typeface="Times New Roman" panose="02020603050405020304" pitchFamily="18" charset="0"/>
+                <a:cs typeface="Times New Roman" panose="02020603050405020304" pitchFamily="18" charset="0"/>
+              </a:rPr>
+              <a:t> like let but we </a:t>
+            </a:r>
+            <a:r>
+              <a:rPr lang="nl-NL" sz="2200" dirty="0" err="1" smtClean="0">
+                <a:latin typeface="Times New Roman" panose="02020603050405020304" pitchFamily="18" charset="0"/>
+                <a:cs typeface="Times New Roman" panose="02020603050405020304" pitchFamily="18" charset="0"/>
+              </a:rPr>
+              <a:t>cant</a:t>
+            </a:r>
+            <a:r>
+              <a:rPr lang="nl-NL" sz="2200" dirty="0" smtClean="0">
+                <a:latin typeface="Times New Roman" panose="02020603050405020304" pitchFamily="18" charset="0"/>
+                <a:cs typeface="Times New Roman" panose="02020603050405020304" pitchFamily="18" charset="0"/>
+              </a:rPr>
+              <a:t> </a:t>
+            </a:r>
+            <a:r>
+              <a:rPr lang="nl-NL" sz="2200" dirty="0" err="1" smtClean="0">
+                <a:latin typeface="Times New Roman" panose="02020603050405020304" pitchFamily="18" charset="0"/>
+                <a:cs typeface="Times New Roman" panose="02020603050405020304" pitchFamily="18" charset="0"/>
+              </a:rPr>
+              <a:t>reassign</a:t>
+            </a:r>
+            <a:r>
+              <a:rPr lang="nl-NL" sz="2200" dirty="0" smtClean="0">
+                <a:latin typeface="Times New Roman" panose="02020603050405020304" pitchFamily="18" charset="0"/>
+                <a:cs typeface="Times New Roman" panose="02020603050405020304" pitchFamily="18" charset="0"/>
+              </a:rPr>
+              <a:t> </a:t>
+            </a:r>
+            <a:r>
+              <a:rPr lang="nl-NL" sz="2200" dirty="0" err="1" smtClean="0">
+                <a:latin typeface="Times New Roman" panose="02020603050405020304" pitchFamily="18" charset="0"/>
+                <a:cs typeface="Times New Roman" panose="02020603050405020304" pitchFamily="18" charset="0"/>
+              </a:rPr>
+              <a:t>value</a:t>
+            </a:r>
+            <a:endParaRPr lang="nl-NL" sz="2200" dirty="0" smtClean="0">
               <a:latin typeface="Times New Roman" panose="02020603050405020304" pitchFamily="18" charset="0"/>
               <a:cs typeface="Times New Roman" panose="02020603050405020304" pitchFamily="18" charset="0"/>
             </a:endParaRPr>
           </a:p>
           <a:p>
-            <a:pPr marL="457200" indent="-457200">
-              <a:buFont typeface="+mj-lt"/>
-              <a:buAutoNum type="arabicPeriod"/>
+            <a:pPr marL="0" indent="0">
+              <a:buNone/>
             </a:pPr>
             <a:r>
-              <a:rPr lang="en-US" sz="2200" i="1" dirty="0" smtClean="0">
-                <a:latin typeface="Times New Roman" panose="02020603050405020304" pitchFamily="18" charset="0"/>
-                <a:cs typeface="Times New Roman" panose="02020603050405020304" pitchFamily="18" charset="0"/>
-              </a:rPr>
-              <a:t>providers</a:t>
-            </a:r>
-            <a:r>
-              <a:rPr lang="en-US" sz="2200" dirty="0" smtClean="0">
-                <a:latin typeface="Times New Roman" panose="02020603050405020304" pitchFamily="18" charset="0"/>
-                <a:cs typeface="Times New Roman" panose="02020603050405020304" pitchFamily="18" charset="0"/>
-              </a:rPr>
-              <a:t> — list of the needed </a:t>
-            </a:r>
-            <a:r>
-              <a:rPr lang="en-US" sz="2200" i="1" dirty="0" smtClean="0">
-                <a:latin typeface="Times New Roman" panose="02020603050405020304" pitchFamily="18" charset="0"/>
-                <a:cs typeface="Times New Roman" panose="02020603050405020304" pitchFamily="18" charset="0"/>
-              </a:rPr>
-              <a:t>Services</a:t>
-            </a:r>
-            <a:r>
-              <a:rPr lang="en-US" sz="2200" dirty="0" smtClean="0">
-                <a:latin typeface="Times New Roman" panose="02020603050405020304" pitchFamily="18" charset="0"/>
-                <a:cs typeface="Times New Roman" panose="02020603050405020304" pitchFamily="18" charset="0"/>
-              </a:rPr>
-              <a:t> that, because they are listed here, become are available app-wide</a:t>
-            </a:r>
-          </a:p>
-          <a:p>
-            <a:pPr marL="457200" indent="-457200">
-              <a:buFont typeface="+mj-lt"/>
-              <a:buAutoNum type="arabicPeriod"/>
-            </a:pPr>
-            <a:r>
-              <a:rPr lang="en-US" sz="2200" i="1" dirty="0" smtClean="0">
-                <a:latin typeface="Times New Roman" panose="02020603050405020304" pitchFamily="18" charset="0"/>
-                <a:cs typeface="Times New Roman" panose="02020603050405020304" pitchFamily="18" charset="0"/>
-              </a:rPr>
-              <a:t>bootstrap</a:t>
-            </a:r>
-            <a:r>
-              <a:rPr lang="en-US" sz="2200" dirty="0" smtClean="0">
-                <a:latin typeface="Times New Roman" panose="02020603050405020304" pitchFamily="18" charset="0"/>
-                <a:cs typeface="Times New Roman" panose="02020603050405020304" pitchFamily="18" charset="0"/>
-              </a:rPr>
-              <a:t> — the main application </a:t>
-            </a:r>
-            <a:r>
-              <a:rPr lang="en-US" sz="2200" i="1" dirty="0" smtClean="0">
-                <a:latin typeface="Times New Roman" panose="02020603050405020304" pitchFamily="18" charset="0"/>
-                <a:cs typeface="Times New Roman" panose="02020603050405020304" pitchFamily="18" charset="0"/>
-              </a:rPr>
-              <a:t>View</a:t>
-            </a:r>
-            <a:r>
-              <a:rPr lang="en-US" sz="2200" dirty="0" smtClean="0">
-                <a:latin typeface="Times New Roman" panose="02020603050405020304" pitchFamily="18" charset="0"/>
-                <a:cs typeface="Times New Roman" panose="02020603050405020304" pitchFamily="18" charset="0"/>
-              </a:rPr>
-              <a:t>, called the </a:t>
-            </a:r>
-            <a:r>
-              <a:rPr lang="en-US" sz="2200" i="1" dirty="0" smtClean="0">
-                <a:latin typeface="Times New Roman" panose="02020603050405020304" pitchFamily="18" charset="0"/>
-                <a:cs typeface="Times New Roman" panose="02020603050405020304" pitchFamily="18" charset="0"/>
-              </a:rPr>
-              <a:t>Root Component</a:t>
-            </a:r>
-            <a:r>
-              <a:rPr lang="en-US" sz="2200" dirty="0" smtClean="0">
-                <a:latin typeface="Times New Roman" panose="02020603050405020304" pitchFamily="18" charset="0"/>
-                <a:cs typeface="Times New Roman" panose="02020603050405020304" pitchFamily="18" charset="0"/>
-              </a:rPr>
-              <a:t>, which hosts all other app views. (only the </a:t>
-            </a:r>
-            <a:r>
-              <a:rPr lang="en-US" sz="2200" i="1" dirty="0" smtClean="0">
-                <a:latin typeface="Times New Roman" panose="02020603050405020304" pitchFamily="18" charset="0"/>
-                <a:cs typeface="Times New Roman" panose="02020603050405020304" pitchFamily="18" charset="0"/>
-              </a:rPr>
-              <a:t>Root Module</a:t>
-            </a:r>
-            <a:r>
-              <a:rPr lang="en-US" sz="2200" dirty="0" smtClean="0">
-                <a:latin typeface="Times New Roman" panose="02020603050405020304" pitchFamily="18" charset="0"/>
-                <a:cs typeface="Times New Roman" panose="02020603050405020304" pitchFamily="18" charset="0"/>
-              </a:rPr>
-              <a:t> should set this bootstrap property)</a:t>
-            </a:r>
-          </a:p>
-          <a:p>
-            <a:endParaRPr lang="en-US" sz="2200" dirty="0" smtClean="0">
+              <a:rPr lang="en-US" sz="2400" dirty="0" err="1">
+                <a:latin typeface="Times New Roman" panose="02020603050405020304" pitchFamily="18" charset="0"/>
+                <a:cs typeface="Times New Roman" panose="02020603050405020304" pitchFamily="18" charset="0"/>
+              </a:rPr>
+              <a:t>const</a:t>
+            </a:r>
+            <a:r>
+              <a:rPr lang="en-US" sz="2400" dirty="0">
+                <a:latin typeface="Times New Roman" panose="02020603050405020304" pitchFamily="18" charset="0"/>
+                <a:cs typeface="Times New Roman" panose="02020603050405020304" pitchFamily="18" charset="0"/>
+              </a:rPr>
+              <a:t> </a:t>
+            </a:r>
+            <a:r>
+              <a:rPr lang="en-US" sz="2400" dirty="0" err="1">
+                <a:latin typeface="Times New Roman" panose="02020603050405020304" pitchFamily="18" charset="0"/>
+                <a:cs typeface="Times New Roman" panose="02020603050405020304" pitchFamily="18" charset="0"/>
+              </a:rPr>
+              <a:t>numLivesForCat</a:t>
+            </a:r>
+            <a:r>
+              <a:rPr lang="en-US" sz="2400" dirty="0">
+                <a:latin typeface="Times New Roman" panose="02020603050405020304" pitchFamily="18" charset="0"/>
+                <a:cs typeface="Times New Roman" panose="02020603050405020304" pitchFamily="18" charset="0"/>
+              </a:rPr>
+              <a:t> = 9;</a:t>
+            </a:r>
+            <a:endParaRPr lang="nl-NL" sz="2200" dirty="0" smtClean="0">
               <a:latin typeface="Times New Roman" panose="02020603050405020304" pitchFamily="18" charset="0"/>
               <a:cs typeface="Times New Roman" panose="02020603050405020304" pitchFamily="18" charset="0"/>
             </a:endParaRPr>
           </a:p>
           <a:p>
-            <a:pPr marL="0" indent="0">
-              <a:buNone/>
-            </a:pPr>
-            <a:r>
-              <a:rPr lang="en-US" sz="2200" dirty="0" smtClean="0">
-                <a:latin typeface="Times New Roman" panose="02020603050405020304" pitchFamily="18" charset="0"/>
-                <a:cs typeface="Times New Roman" panose="02020603050405020304" pitchFamily="18" charset="0"/>
-              </a:rPr>
-              <a:t/>
-            </a:r>
-            <a:br>
-              <a:rPr lang="en-US" sz="2200" dirty="0" smtClean="0">
-                <a:latin typeface="Times New Roman" panose="02020603050405020304" pitchFamily="18" charset="0"/>
-                <a:cs typeface="Times New Roman" panose="02020603050405020304" pitchFamily="18" charset="0"/>
-              </a:rPr>
-            </a:br>
+            <a:r>
+              <a:rPr lang="nl-NL" sz="2200" b="1" dirty="0" err="1" smtClean="0">
+                <a:latin typeface="Times New Roman" panose="02020603050405020304" pitchFamily="18" charset="0"/>
+                <a:cs typeface="Times New Roman" panose="02020603050405020304" pitchFamily="18" charset="0"/>
+              </a:rPr>
+              <a:t>Readonly</a:t>
+            </a:r>
+            <a:r>
+              <a:rPr lang="nl-NL" sz="2200" b="1" dirty="0" smtClean="0">
+                <a:latin typeface="Times New Roman" panose="02020603050405020304" pitchFamily="18" charset="0"/>
+                <a:cs typeface="Times New Roman" panose="02020603050405020304" pitchFamily="18" charset="0"/>
+              </a:rPr>
+              <a:t> </a:t>
+            </a:r>
+            <a:r>
+              <a:rPr lang="en-US" sz="2400" dirty="0">
+                <a:latin typeface="Times New Roman" panose="02020603050405020304" pitchFamily="18" charset="0"/>
+                <a:cs typeface="Times New Roman" panose="02020603050405020304" pitchFamily="18" charset="0"/>
+              </a:rPr>
+              <a:t>Read-only members can be accessed outside the class, but their value cannot be changed. Since read-only members cannot be changed outside the class, they either need to be initialized at declaration or initialized inside the class constructor.</a:t>
+            </a:r>
             <a:endParaRPr lang="en-US" sz="2200" dirty="0">
               <a:latin typeface="Times New Roman" panose="02020603050405020304" pitchFamily="18" charset="0"/>
               <a:cs typeface="Times New Roman" panose="02020603050405020304" pitchFamily="18" charset="0"/>
@@ -8041,7 +8123,7 @@
     </p:spTree>
     <p:extLst>
       <p:ext uri="{BB962C8B-B14F-4D97-AF65-F5344CB8AC3E}">
-        <p14:creationId xmlns:p14="http://schemas.microsoft.com/office/powerpoint/2010/main" val="3367615162"/>
+        <p14:creationId xmlns:p14="http://schemas.microsoft.com/office/powerpoint/2010/main" val="857432714"/>
       </p:ext>
     </p:extLst>
   </p:cSld>
@@ -8091,323 +8173,425 @@
           <a:lstStyle/>
           <a:p>
             <a:r>
-              <a:rPr lang="en-US" dirty="0">
-                <a:latin typeface="Times New Roman" panose="02020603050405020304" pitchFamily="18" charset="0"/>
-                <a:cs typeface="Times New Roman" panose="02020603050405020304" pitchFamily="18" charset="0"/>
-              </a:rPr>
-              <a:t>Architecture</a:t>
-            </a:r>
-            <a:r>
-              <a:rPr lang="en-US" dirty="0"/>
-              <a:t> overview</a:t>
-            </a:r>
-          </a:p>
-        </p:txBody>
-      </p:sp>
-      <p:sp>
-        <p:nvSpPr>
-          <p:cNvPr id="3" name="Content Placeholder 2"/>
-          <p:cNvSpPr>
-            <a:spLocks noGrp="1"/>
-          </p:cNvSpPr>
-          <p:nvPr>
-            <p:ph idx="1"/>
-          </p:nvPr>
-        </p:nvSpPr>
-        <p:spPr/>
-        <p:txBody>
-          <a:bodyPr>
-            <a:normAutofit/>
-          </a:bodyPr>
-          <a:lstStyle/>
-          <a:p>
-            <a:r>
-              <a:rPr lang="en-US" sz="2200" b="1" dirty="0" smtClean="0">
-                <a:latin typeface="Times New Roman" panose="02020603050405020304" pitchFamily="18" charset="0"/>
-                <a:cs typeface="Times New Roman" panose="02020603050405020304" pitchFamily="18" charset="0"/>
-              </a:rPr>
-              <a:t>Components: </a:t>
-            </a:r>
-            <a:r>
-              <a:rPr lang="en-US" sz="2200" dirty="0" smtClean="0">
-                <a:latin typeface="Times New Roman" panose="02020603050405020304" pitchFamily="18" charset="0"/>
-                <a:cs typeface="Times New Roman" panose="02020603050405020304" pitchFamily="18" charset="0"/>
-              </a:rPr>
-              <a:t>A</a:t>
-            </a:r>
-            <a:r>
-              <a:rPr lang="en-US" sz="2200" dirty="0">
-                <a:latin typeface="Times New Roman" panose="02020603050405020304" pitchFamily="18" charset="0"/>
-                <a:cs typeface="Times New Roman" panose="02020603050405020304" pitchFamily="18" charset="0"/>
-              </a:rPr>
-              <a:t> </a:t>
-            </a:r>
-            <a:r>
-              <a:rPr lang="en-US" sz="2200" i="1" dirty="0">
-                <a:latin typeface="Times New Roman" panose="02020603050405020304" pitchFamily="18" charset="0"/>
-                <a:cs typeface="Times New Roman" panose="02020603050405020304" pitchFamily="18" charset="0"/>
-              </a:rPr>
-              <a:t>Component</a:t>
-            </a:r>
-            <a:r>
-              <a:rPr lang="en-US" sz="2200" dirty="0">
-                <a:latin typeface="Times New Roman" panose="02020603050405020304" pitchFamily="18" charset="0"/>
-                <a:cs typeface="Times New Roman" panose="02020603050405020304" pitchFamily="18" charset="0"/>
-              </a:rPr>
-              <a:t> controls a </a:t>
-            </a:r>
-            <a:r>
-              <a:rPr lang="en-US" sz="2200" dirty="0" smtClean="0">
-                <a:latin typeface="Times New Roman" panose="02020603050405020304" pitchFamily="18" charset="0"/>
-                <a:cs typeface="Times New Roman" panose="02020603050405020304" pitchFamily="18" charset="0"/>
-              </a:rPr>
-              <a:t>screen </a:t>
-            </a:r>
-            <a:r>
-              <a:rPr lang="en-US" sz="2200" dirty="0">
-                <a:latin typeface="Times New Roman" panose="02020603050405020304" pitchFamily="18" charset="0"/>
-                <a:cs typeface="Times New Roman" panose="02020603050405020304" pitchFamily="18" charset="0"/>
-              </a:rPr>
-              <a:t>called a </a:t>
-            </a:r>
-            <a:r>
-              <a:rPr lang="en-US" sz="2200" i="1" dirty="0">
-                <a:latin typeface="Times New Roman" panose="02020603050405020304" pitchFamily="18" charset="0"/>
-                <a:cs typeface="Times New Roman" panose="02020603050405020304" pitchFamily="18" charset="0"/>
-              </a:rPr>
-              <a:t>View</a:t>
-            </a:r>
-            <a:r>
-              <a:rPr lang="en-US" sz="2200" dirty="0">
-                <a:latin typeface="Times New Roman" panose="02020603050405020304" pitchFamily="18" charset="0"/>
-                <a:cs typeface="Times New Roman" panose="02020603050405020304" pitchFamily="18" charset="0"/>
-              </a:rPr>
-              <a:t>. The logic of a </a:t>
-            </a:r>
-            <a:r>
-              <a:rPr lang="en-US" sz="2200" i="1" dirty="0">
-                <a:latin typeface="Times New Roman" panose="02020603050405020304" pitchFamily="18" charset="0"/>
-                <a:cs typeface="Times New Roman" panose="02020603050405020304" pitchFamily="18" charset="0"/>
-              </a:rPr>
-              <a:t>Component</a:t>
-            </a:r>
-            <a:r>
-              <a:rPr lang="en-US" sz="2200" dirty="0">
-                <a:latin typeface="Times New Roman" panose="02020603050405020304" pitchFamily="18" charset="0"/>
-                <a:cs typeface="Times New Roman" panose="02020603050405020304" pitchFamily="18" charset="0"/>
-              </a:rPr>
-              <a:t> is defined inside a class. </a:t>
-            </a:r>
-            <a:r>
-              <a:rPr lang="en-US" sz="2200" i="1" dirty="0">
-                <a:latin typeface="Times New Roman" panose="02020603050405020304" pitchFamily="18" charset="0"/>
-                <a:cs typeface="Times New Roman" panose="02020603050405020304" pitchFamily="18" charset="0"/>
-              </a:rPr>
-              <a:t>Angular</a:t>
-            </a:r>
-            <a:r>
-              <a:rPr lang="en-US" sz="2200" dirty="0">
-                <a:latin typeface="Times New Roman" panose="02020603050405020304" pitchFamily="18" charset="0"/>
-                <a:cs typeface="Times New Roman" panose="02020603050405020304" pitchFamily="18" charset="0"/>
-              </a:rPr>
-              <a:t> creates, updates, and destroys </a:t>
-            </a:r>
-            <a:r>
-              <a:rPr lang="en-US" sz="2200" i="1" dirty="0">
-                <a:latin typeface="Times New Roman" panose="02020603050405020304" pitchFamily="18" charset="0"/>
-                <a:cs typeface="Times New Roman" panose="02020603050405020304" pitchFamily="18" charset="0"/>
-              </a:rPr>
-              <a:t>Components</a:t>
-            </a:r>
-            <a:r>
-              <a:rPr lang="en-US" sz="2200" dirty="0">
-                <a:latin typeface="Times New Roman" panose="02020603050405020304" pitchFamily="18" charset="0"/>
-                <a:cs typeface="Times New Roman" panose="02020603050405020304" pitchFamily="18" charset="0"/>
-              </a:rPr>
-              <a:t> as the user moves through the application.</a:t>
-            </a:r>
-          </a:p>
-          <a:p>
-            <a:r>
-              <a:rPr lang="en-US" sz="2200" dirty="0">
-                <a:latin typeface="Times New Roman" panose="02020603050405020304" pitchFamily="18" charset="0"/>
-                <a:cs typeface="Times New Roman" panose="02020603050405020304" pitchFamily="18" charset="0"/>
-              </a:rPr>
-              <a:t>A </a:t>
-            </a:r>
-            <a:r>
-              <a:rPr lang="en-US" sz="2200" i="1" dirty="0">
-                <a:latin typeface="Times New Roman" panose="02020603050405020304" pitchFamily="18" charset="0"/>
-                <a:cs typeface="Times New Roman" panose="02020603050405020304" pitchFamily="18" charset="0"/>
-              </a:rPr>
-              <a:t>Component</a:t>
-            </a:r>
-            <a:r>
-              <a:rPr lang="en-US" sz="2200" dirty="0">
-                <a:latin typeface="Times New Roman" panose="02020603050405020304" pitchFamily="18" charset="0"/>
-                <a:cs typeface="Times New Roman" panose="02020603050405020304" pitchFamily="18" charset="0"/>
-              </a:rPr>
-              <a:t> is identified by the “</a:t>
-            </a:r>
-            <a:r>
-              <a:rPr lang="en-US" sz="2200" i="1" dirty="0">
-                <a:latin typeface="Times New Roman" panose="02020603050405020304" pitchFamily="18" charset="0"/>
-                <a:cs typeface="Times New Roman" panose="02020603050405020304" pitchFamily="18" charset="0"/>
-              </a:rPr>
-              <a:t>@Component</a:t>
-            </a:r>
-            <a:r>
-              <a:rPr lang="en-US" sz="2200" dirty="0">
-                <a:latin typeface="Times New Roman" panose="02020603050405020304" pitchFamily="18" charset="0"/>
-                <a:cs typeface="Times New Roman" panose="02020603050405020304" pitchFamily="18" charset="0"/>
-              </a:rPr>
-              <a:t>” decorator that has a set of properties. The most import properties are the following ones:</a:t>
-            </a:r>
-          </a:p>
-          <a:p>
-            <a:r>
-              <a:rPr lang="en-US" sz="2200" i="1" dirty="0">
-                <a:latin typeface="Times New Roman" panose="02020603050405020304" pitchFamily="18" charset="0"/>
-                <a:cs typeface="Times New Roman" panose="02020603050405020304" pitchFamily="18" charset="0"/>
-              </a:rPr>
-              <a:t>selector</a:t>
-            </a:r>
-            <a:r>
-              <a:rPr lang="en-US" sz="2200" dirty="0">
-                <a:latin typeface="Times New Roman" panose="02020603050405020304" pitchFamily="18" charset="0"/>
-                <a:cs typeface="Times New Roman" panose="02020603050405020304" pitchFamily="18" charset="0"/>
-              </a:rPr>
-              <a:t> — tells how the component is referenced in </a:t>
-            </a:r>
-            <a:r>
-              <a:rPr lang="en-US" sz="2200" i="1" dirty="0">
-                <a:latin typeface="Times New Roman" panose="02020603050405020304" pitchFamily="18" charset="0"/>
-                <a:cs typeface="Times New Roman" panose="02020603050405020304" pitchFamily="18" charset="0"/>
-              </a:rPr>
-              <a:t>HTML</a:t>
-            </a:r>
-            <a:r>
-              <a:rPr lang="en-US" sz="2200" dirty="0">
-                <a:latin typeface="Times New Roman" panose="02020603050405020304" pitchFamily="18" charset="0"/>
-                <a:cs typeface="Times New Roman" panose="02020603050405020304" pitchFamily="18" charset="0"/>
-              </a:rPr>
-              <a:t>; in simple words, it corresponds to the </a:t>
-            </a:r>
-            <a:r>
-              <a:rPr lang="en-US" sz="2200" i="1" dirty="0">
-                <a:latin typeface="Times New Roman" panose="02020603050405020304" pitchFamily="18" charset="0"/>
-                <a:cs typeface="Times New Roman" panose="02020603050405020304" pitchFamily="18" charset="0"/>
-              </a:rPr>
-              <a:t>HTML</a:t>
-            </a:r>
-            <a:r>
-              <a:rPr lang="en-US" sz="2200" dirty="0">
-                <a:latin typeface="Times New Roman" panose="02020603050405020304" pitchFamily="18" charset="0"/>
-                <a:cs typeface="Times New Roman" panose="02020603050405020304" pitchFamily="18" charset="0"/>
-              </a:rPr>
-              <a:t> tag.</a:t>
-            </a:r>
-          </a:p>
-          <a:p>
-            <a:r>
-              <a:rPr lang="en-US" sz="2200" i="1" dirty="0" err="1">
-                <a:latin typeface="Times New Roman" panose="02020603050405020304" pitchFamily="18" charset="0"/>
-                <a:cs typeface="Times New Roman" panose="02020603050405020304" pitchFamily="18" charset="0"/>
-              </a:rPr>
-              <a:t>templateUrl</a:t>
-            </a:r>
-            <a:r>
-              <a:rPr lang="en-US" sz="2200" dirty="0">
-                <a:latin typeface="Times New Roman" panose="02020603050405020304" pitchFamily="18" charset="0"/>
-                <a:cs typeface="Times New Roman" panose="02020603050405020304" pitchFamily="18" charset="0"/>
-              </a:rPr>
-              <a:t> — gives the path of the </a:t>
-            </a:r>
-            <a:r>
-              <a:rPr lang="en-US" sz="2200" i="1" dirty="0">
-                <a:latin typeface="Times New Roman" panose="02020603050405020304" pitchFamily="18" charset="0"/>
-                <a:cs typeface="Times New Roman" panose="02020603050405020304" pitchFamily="18" charset="0"/>
-              </a:rPr>
-              <a:t>HTML</a:t>
-            </a:r>
-            <a:r>
-              <a:rPr lang="en-US" sz="2200" dirty="0">
-                <a:latin typeface="Times New Roman" panose="02020603050405020304" pitchFamily="18" charset="0"/>
-                <a:cs typeface="Times New Roman" panose="02020603050405020304" pitchFamily="18" charset="0"/>
-              </a:rPr>
-              <a:t> template.</a:t>
-            </a:r>
-          </a:p>
-          <a:p>
-            <a:r>
-              <a:rPr lang="en-US" sz="2200" i="1" dirty="0">
-                <a:latin typeface="Times New Roman" panose="02020603050405020304" pitchFamily="18" charset="0"/>
-                <a:cs typeface="Times New Roman" panose="02020603050405020304" pitchFamily="18" charset="0"/>
-              </a:rPr>
-              <a:t>providers</a:t>
-            </a:r>
-            <a:r>
-              <a:rPr lang="en-US" sz="2200" dirty="0">
-                <a:latin typeface="Times New Roman" panose="02020603050405020304" pitchFamily="18" charset="0"/>
-                <a:cs typeface="Times New Roman" panose="02020603050405020304" pitchFamily="18" charset="0"/>
-              </a:rPr>
-              <a:t> — an array of </a:t>
-            </a:r>
-            <a:r>
-              <a:rPr lang="en-US" sz="2200" i="1" dirty="0">
-                <a:latin typeface="Times New Roman" panose="02020603050405020304" pitchFamily="18" charset="0"/>
-                <a:cs typeface="Times New Roman" panose="02020603050405020304" pitchFamily="18" charset="0"/>
-              </a:rPr>
-              <a:t>Dependency Injection Providers</a:t>
-            </a:r>
-            <a:r>
-              <a:rPr lang="en-US" sz="2200" dirty="0">
-                <a:latin typeface="Times New Roman" panose="02020603050405020304" pitchFamily="18" charset="0"/>
-                <a:cs typeface="Times New Roman" panose="02020603050405020304" pitchFamily="18" charset="0"/>
-              </a:rPr>
-              <a:t> for </a:t>
-            </a:r>
-            <a:r>
-              <a:rPr lang="en-US" sz="2200" i="1" dirty="0">
-                <a:latin typeface="Times New Roman" panose="02020603050405020304" pitchFamily="18" charset="0"/>
-                <a:cs typeface="Times New Roman" panose="02020603050405020304" pitchFamily="18" charset="0"/>
-              </a:rPr>
-              <a:t>Services</a:t>
-            </a:r>
-            <a:r>
-              <a:rPr lang="en-US" sz="2200" dirty="0">
-                <a:latin typeface="Times New Roman" panose="02020603050405020304" pitchFamily="18" charset="0"/>
-                <a:cs typeface="Times New Roman" panose="02020603050405020304" pitchFamily="18" charset="0"/>
-              </a:rPr>
-              <a:t> that the </a:t>
-            </a:r>
-            <a:r>
-              <a:rPr lang="en-US" sz="2200" i="1" dirty="0">
-                <a:latin typeface="Times New Roman" panose="02020603050405020304" pitchFamily="18" charset="0"/>
-                <a:cs typeface="Times New Roman" panose="02020603050405020304" pitchFamily="18" charset="0"/>
-              </a:rPr>
-              <a:t>Component</a:t>
-            </a:r>
-            <a:r>
-              <a:rPr lang="en-US" sz="2200" dirty="0">
-                <a:latin typeface="Times New Roman" panose="02020603050405020304" pitchFamily="18" charset="0"/>
-                <a:cs typeface="Times New Roman" panose="02020603050405020304" pitchFamily="18" charset="0"/>
-              </a:rPr>
-              <a:t> requires.</a:t>
-            </a:r>
-          </a:p>
-          <a:p>
-            <a:endParaRPr lang="en-US" sz="2200" dirty="0">
+              <a:rPr lang="nl-NL" dirty="0" smtClean="0">
+                <a:latin typeface="Times New Roman" panose="02020603050405020304" pitchFamily="18" charset="0"/>
+                <a:cs typeface="Times New Roman" panose="02020603050405020304" pitchFamily="18" charset="0"/>
+              </a:rPr>
+              <a:t>Basic types in typescript</a:t>
+            </a:r>
+            <a:endParaRPr lang="en-US" dirty="0">
               <a:latin typeface="Times New Roman" panose="02020603050405020304" pitchFamily="18" charset="0"/>
               <a:cs typeface="Times New Roman" panose="02020603050405020304" pitchFamily="18" charset="0"/>
             </a:endParaRPr>
           </a:p>
         </p:txBody>
       </p:sp>
+      <p:sp>
+        <p:nvSpPr>
+          <p:cNvPr id="3" name="Content Placeholder 2"/>
+          <p:cNvSpPr>
+            <a:spLocks noGrp="1"/>
+          </p:cNvSpPr>
+          <p:nvPr>
+            <p:ph idx="1"/>
+          </p:nvPr>
+        </p:nvSpPr>
+        <p:spPr/>
+        <p:txBody>
+          <a:bodyPr>
+            <a:noAutofit/>
+          </a:bodyPr>
+          <a:lstStyle/>
+          <a:p>
+            <a:r>
+              <a:rPr lang="en-US" b="1" dirty="0" smtClean="0">
+                <a:latin typeface="Times New Roman" panose="02020603050405020304" pitchFamily="18" charset="0"/>
+                <a:cs typeface="Times New Roman" panose="02020603050405020304" pitchFamily="18" charset="0"/>
+              </a:rPr>
+              <a:t>Boolean</a:t>
+            </a:r>
+            <a:r>
+              <a:rPr lang="en-US" dirty="0" smtClean="0">
+                <a:latin typeface="Times New Roman" panose="02020603050405020304" pitchFamily="18" charset="0"/>
+                <a:cs typeface="Times New Roman" panose="02020603050405020304" pitchFamily="18" charset="0"/>
+              </a:rPr>
+              <a:t> let </a:t>
+            </a:r>
+            <a:r>
+              <a:rPr lang="en-US" dirty="0" err="1">
+                <a:latin typeface="Times New Roman" panose="02020603050405020304" pitchFamily="18" charset="0"/>
+                <a:cs typeface="Times New Roman" panose="02020603050405020304" pitchFamily="18" charset="0"/>
+              </a:rPr>
+              <a:t>isDone</a:t>
+            </a:r>
+            <a:r>
+              <a:rPr lang="en-US" dirty="0">
+                <a:latin typeface="Times New Roman" panose="02020603050405020304" pitchFamily="18" charset="0"/>
+                <a:cs typeface="Times New Roman" panose="02020603050405020304" pitchFamily="18" charset="0"/>
+              </a:rPr>
+              <a:t>: </a:t>
+            </a:r>
+            <a:r>
+              <a:rPr lang="en-US" dirty="0" err="1">
+                <a:latin typeface="Times New Roman" panose="02020603050405020304" pitchFamily="18" charset="0"/>
+                <a:cs typeface="Times New Roman" panose="02020603050405020304" pitchFamily="18" charset="0"/>
+              </a:rPr>
+              <a:t>boolean</a:t>
+            </a:r>
+            <a:r>
+              <a:rPr lang="en-US" dirty="0">
+                <a:latin typeface="Times New Roman" panose="02020603050405020304" pitchFamily="18" charset="0"/>
+                <a:cs typeface="Times New Roman" panose="02020603050405020304" pitchFamily="18" charset="0"/>
+              </a:rPr>
+              <a:t> = false;</a:t>
+            </a:r>
+          </a:p>
+          <a:p>
+            <a:r>
+              <a:rPr lang="en-US" b="1" dirty="0" smtClean="0">
+                <a:latin typeface="Times New Roman" panose="02020603050405020304" pitchFamily="18" charset="0"/>
+                <a:cs typeface="Times New Roman" panose="02020603050405020304" pitchFamily="18" charset="0"/>
+              </a:rPr>
+              <a:t>Number</a:t>
+            </a:r>
+            <a:r>
+              <a:rPr lang="en-US" dirty="0" smtClean="0">
+                <a:latin typeface="Times New Roman" panose="02020603050405020304" pitchFamily="18" charset="0"/>
+                <a:cs typeface="Times New Roman" panose="02020603050405020304" pitchFamily="18" charset="0"/>
+              </a:rPr>
+              <a:t> let </a:t>
+            </a:r>
+            <a:r>
+              <a:rPr lang="en-US" dirty="0">
+                <a:latin typeface="Times New Roman" panose="02020603050405020304" pitchFamily="18" charset="0"/>
+                <a:cs typeface="Times New Roman" panose="02020603050405020304" pitchFamily="18" charset="0"/>
+              </a:rPr>
+              <a:t>decimal: number = 6</a:t>
+            </a:r>
+            <a:r>
+              <a:rPr lang="en-US" dirty="0" smtClean="0">
+                <a:latin typeface="Times New Roman" panose="02020603050405020304" pitchFamily="18" charset="0"/>
+                <a:cs typeface="Times New Roman" panose="02020603050405020304" pitchFamily="18" charset="0"/>
+              </a:rPr>
+              <a:t>;</a:t>
+            </a:r>
+          </a:p>
+          <a:p>
+            <a:r>
+              <a:rPr lang="en-US" b="1" dirty="0" smtClean="0">
+                <a:latin typeface="Times New Roman" panose="02020603050405020304" pitchFamily="18" charset="0"/>
+                <a:cs typeface="Times New Roman" panose="02020603050405020304" pitchFamily="18" charset="0"/>
+              </a:rPr>
+              <a:t>String</a:t>
+            </a:r>
+            <a:r>
+              <a:rPr lang="en-US" dirty="0" smtClean="0">
+                <a:latin typeface="Times New Roman" panose="02020603050405020304" pitchFamily="18" charset="0"/>
+                <a:cs typeface="Times New Roman" panose="02020603050405020304" pitchFamily="18" charset="0"/>
+              </a:rPr>
+              <a:t> let </a:t>
+            </a:r>
+            <a:r>
+              <a:rPr lang="en-US" dirty="0">
+                <a:latin typeface="Times New Roman" panose="02020603050405020304" pitchFamily="18" charset="0"/>
+                <a:cs typeface="Times New Roman" panose="02020603050405020304" pitchFamily="18" charset="0"/>
+              </a:rPr>
+              <a:t>color: string = "blue</a:t>
+            </a:r>
+            <a:r>
+              <a:rPr lang="en-US" dirty="0" smtClean="0">
+                <a:latin typeface="Times New Roman" panose="02020603050405020304" pitchFamily="18" charset="0"/>
+                <a:cs typeface="Times New Roman" panose="02020603050405020304" pitchFamily="18" charset="0"/>
+              </a:rPr>
+              <a:t>";</a:t>
+            </a:r>
+          </a:p>
+          <a:p>
+            <a:r>
+              <a:rPr lang="en-US" b="1" dirty="0" smtClean="0">
+                <a:latin typeface="Times New Roman" panose="02020603050405020304" pitchFamily="18" charset="0"/>
+                <a:cs typeface="Times New Roman" panose="02020603050405020304" pitchFamily="18" charset="0"/>
+              </a:rPr>
+              <a:t>Array</a:t>
+            </a:r>
+            <a:r>
+              <a:rPr lang="en-US" dirty="0" smtClean="0">
+                <a:latin typeface="Times New Roman" panose="02020603050405020304" pitchFamily="18" charset="0"/>
+                <a:cs typeface="Times New Roman" panose="02020603050405020304" pitchFamily="18" charset="0"/>
+              </a:rPr>
+              <a:t> let </a:t>
+            </a:r>
+            <a:r>
+              <a:rPr lang="en-US" dirty="0">
+                <a:latin typeface="Times New Roman" panose="02020603050405020304" pitchFamily="18" charset="0"/>
+                <a:cs typeface="Times New Roman" panose="02020603050405020304" pitchFamily="18" charset="0"/>
+              </a:rPr>
+              <a:t>list: number[] = [1, 2, 3];</a:t>
+            </a:r>
+          </a:p>
+          <a:p>
+            <a:r>
+              <a:rPr lang="en-US" b="1" dirty="0" smtClean="0">
+                <a:latin typeface="Times New Roman" panose="02020603050405020304" pitchFamily="18" charset="0"/>
+                <a:cs typeface="Times New Roman" panose="02020603050405020304" pitchFamily="18" charset="0"/>
+              </a:rPr>
+              <a:t>Tuple</a:t>
+            </a:r>
+            <a:r>
+              <a:rPr lang="en-US" dirty="0" smtClean="0">
+                <a:latin typeface="Times New Roman" panose="02020603050405020304" pitchFamily="18" charset="0"/>
+                <a:cs typeface="Times New Roman" panose="02020603050405020304" pitchFamily="18" charset="0"/>
+              </a:rPr>
+              <a:t> let </a:t>
+            </a:r>
+            <a:r>
+              <a:rPr lang="en-US" dirty="0">
+                <a:latin typeface="Times New Roman" panose="02020603050405020304" pitchFamily="18" charset="0"/>
+                <a:cs typeface="Times New Roman" panose="02020603050405020304" pitchFamily="18" charset="0"/>
+              </a:rPr>
+              <a:t>x: [string, number</a:t>
+            </a:r>
+            <a:r>
+              <a:rPr lang="en-US" dirty="0" smtClean="0">
+                <a:latin typeface="Times New Roman" panose="02020603050405020304" pitchFamily="18" charset="0"/>
+                <a:cs typeface="Times New Roman" panose="02020603050405020304" pitchFamily="18" charset="0"/>
+              </a:rPr>
+              <a:t>]; </a:t>
+            </a:r>
+            <a:r>
+              <a:rPr lang="en-US" dirty="0">
+                <a:latin typeface="Times New Roman" panose="02020603050405020304" pitchFamily="18" charset="0"/>
+                <a:cs typeface="Times New Roman" panose="02020603050405020304" pitchFamily="18" charset="0"/>
+              </a:rPr>
+              <a:t>x = ["hello", 10]; </a:t>
+            </a:r>
+            <a:endParaRPr lang="en-US" dirty="0" smtClean="0">
+              <a:latin typeface="Times New Roman" panose="02020603050405020304" pitchFamily="18" charset="0"/>
+              <a:cs typeface="Times New Roman" panose="02020603050405020304" pitchFamily="18" charset="0"/>
+            </a:endParaRPr>
+          </a:p>
+          <a:p>
+            <a:r>
+              <a:rPr lang="en-US" b="1" dirty="0" err="1" smtClean="0">
+                <a:latin typeface="Times New Roman" panose="02020603050405020304" pitchFamily="18" charset="0"/>
+                <a:cs typeface="Times New Roman" panose="02020603050405020304" pitchFamily="18" charset="0"/>
+              </a:rPr>
+              <a:t>Enum</a:t>
+            </a:r>
+            <a:r>
+              <a:rPr lang="en-US" dirty="0" smtClean="0">
+                <a:latin typeface="Times New Roman" panose="02020603050405020304" pitchFamily="18" charset="0"/>
+                <a:cs typeface="Times New Roman" panose="02020603050405020304" pitchFamily="18" charset="0"/>
+              </a:rPr>
+              <a:t> </a:t>
+            </a:r>
+            <a:r>
+              <a:rPr lang="en-US" dirty="0" err="1" smtClean="0">
+                <a:latin typeface="Times New Roman" panose="02020603050405020304" pitchFamily="18" charset="0"/>
+                <a:cs typeface="Times New Roman" panose="02020603050405020304" pitchFamily="18" charset="0"/>
+              </a:rPr>
+              <a:t>enum</a:t>
+            </a:r>
+            <a:r>
+              <a:rPr lang="en-US" dirty="0" smtClean="0">
+                <a:latin typeface="Times New Roman" panose="02020603050405020304" pitchFamily="18" charset="0"/>
+                <a:cs typeface="Times New Roman" panose="02020603050405020304" pitchFamily="18" charset="0"/>
+              </a:rPr>
+              <a:t> </a:t>
+            </a:r>
+            <a:r>
+              <a:rPr lang="en-US" dirty="0">
+                <a:latin typeface="Times New Roman" panose="02020603050405020304" pitchFamily="18" charset="0"/>
+                <a:cs typeface="Times New Roman" panose="02020603050405020304" pitchFamily="18" charset="0"/>
+              </a:rPr>
+              <a:t>Color {Red = 1, Green, Blue</a:t>
+            </a:r>
+            <a:r>
+              <a:rPr lang="en-US" dirty="0" smtClean="0">
+                <a:latin typeface="Times New Roman" panose="02020603050405020304" pitchFamily="18" charset="0"/>
+                <a:cs typeface="Times New Roman" panose="02020603050405020304" pitchFamily="18" charset="0"/>
+              </a:rPr>
+              <a:t>}</a:t>
+            </a:r>
+          </a:p>
+          <a:p>
+            <a:r>
+              <a:rPr lang="en-US" b="1" dirty="0" smtClean="0">
+                <a:latin typeface="Times New Roman" panose="02020603050405020304" pitchFamily="18" charset="0"/>
+                <a:cs typeface="Times New Roman" panose="02020603050405020304" pitchFamily="18" charset="0"/>
+              </a:rPr>
+              <a:t>Any</a:t>
+            </a:r>
+            <a:r>
+              <a:rPr lang="en-US" dirty="0" smtClean="0">
+                <a:latin typeface="Times New Roman" panose="02020603050405020304" pitchFamily="18" charset="0"/>
+                <a:cs typeface="Times New Roman" panose="02020603050405020304" pitchFamily="18" charset="0"/>
+              </a:rPr>
+              <a:t> let </a:t>
+            </a:r>
+            <a:r>
+              <a:rPr lang="en-US" dirty="0" err="1">
+                <a:latin typeface="Times New Roman" panose="02020603050405020304" pitchFamily="18" charset="0"/>
+                <a:cs typeface="Times New Roman" panose="02020603050405020304" pitchFamily="18" charset="0"/>
+              </a:rPr>
+              <a:t>notSure</a:t>
+            </a:r>
+            <a:r>
+              <a:rPr lang="en-US" dirty="0">
+                <a:latin typeface="Times New Roman" panose="02020603050405020304" pitchFamily="18" charset="0"/>
+                <a:cs typeface="Times New Roman" panose="02020603050405020304" pitchFamily="18" charset="0"/>
+              </a:rPr>
+              <a:t>: any = 4</a:t>
+            </a:r>
+            <a:r>
+              <a:rPr lang="en-US" dirty="0" smtClean="0">
+                <a:latin typeface="Times New Roman" panose="02020603050405020304" pitchFamily="18" charset="0"/>
+                <a:cs typeface="Times New Roman" panose="02020603050405020304" pitchFamily="18" charset="0"/>
+              </a:rPr>
+              <a:t>;</a:t>
+            </a:r>
+          </a:p>
+          <a:p>
+            <a:r>
+              <a:rPr lang="en-US" b="1" dirty="0" smtClean="0">
+                <a:latin typeface="Times New Roman" panose="02020603050405020304" pitchFamily="18" charset="0"/>
+                <a:cs typeface="Times New Roman" panose="02020603050405020304" pitchFamily="18" charset="0"/>
+              </a:rPr>
+              <a:t>Void</a:t>
+            </a:r>
+            <a:r>
+              <a:rPr lang="en-US" dirty="0" smtClean="0">
+                <a:latin typeface="Times New Roman" panose="02020603050405020304" pitchFamily="18" charset="0"/>
+                <a:cs typeface="Times New Roman" panose="02020603050405020304" pitchFamily="18" charset="0"/>
+              </a:rPr>
+              <a:t> function </a:t>
+            </a:r>
+            <a:r>
+              <a:rPr lang="en-US" dirty="0" err="1">
+                <a:latin typeface="Times New Roman" panose="02020603050405020304" pitchFamily="18" charset="0"/>
+                <a:cs typeface="Times New Roman" panose="02020603050405020304" pitchFamily="18" charset="0"/>
+              </a:rPr>
+              <a:t>warnUser</a:t>
+            </a:r>
+            <a:r>
+              <a:rPr lang="en-US" dirty="0">
+                <a:latin typeface="Times New Roman" panose="02020603050405020304" pitchFamily="18" charset="0"/>
+                <a:cs typeface="Times New Roman" panose="02020603050405020304" pitchFamily="18" charset="0"/>
+              </a:rPr>
+              <a:t>(): void </a:t>
+            </a:r>
+            <a:endParaRPr lang="en-US" dirty="0" smtClean="0">
+              <a:latin typeface="Times New Roman" panose="02020603050405020304" pitchFamily="18" charset="0"/>
+              <a:cs typeface="Times New Roman" panose="02020603050405020304" pitchFamily="18" charset="0"/>
+            </a:endParaRPr>
+          </a:p>
+          <a:p>
+            <a:r>
+              <a:rPr lang="en-US" b="1" dirty="0" smtClean="0">
+                <a:latin typeface="Times New Roman" panose="02020603050405020304" pitchFamily="18" charset="0"/>
+                <a:cs typeface="Times New Roman" panose="02020603050405020304" pitchFamily="18" charset="0"/>
+              </a:rPr>
+              <a:t>Null and Undefined</a:t>
+            </a:r>
+          </a:p>
+          <a:p>
+            <a:r>
+              <a:rPr lang="en-US" b="1" dirty="0" smtClean="0">
+                <a:latin typeface="Times New Roman" panose="02020603050405020304" pitchFamily="18" charset="0"/>
+                <a:cs typeface="Times New Roman" panose="02020603050405020304" pitchFamily="18" charset="0"/>
+              </a:rPr>
+              <a:t>Object</a:t>
+            </a:r>
+            <a:endParaRPr lang="en-US" b="1" dirty="0">
+              <a:latin typeface="Times New Roman" panose="02020603050405020304" pitchFamily="18" charset="0"/>
+              <a:cs typeface="Times New Roman" panose="02020603050405020304" pitchFamily="18" charset="0"/>
+            </a:endParaRPr>
+          </a:p>
+          <a:p>
+            <a:r>
+              <a:rPr lang="nl-NL" b="1" dirty="0" smtClean="0">
+                <a:latin typeface="Times New Roman" panose="02020603050405020304" pitchFamily="18" charset="0"/>
+                <a:cs typeface="Times New Roman" panose="02020603050405020304" pitchFamily="18" charset="0"/>
+              </a:rPr>
+              <a:t>Type </a:t>
+            </a:r>
+            <a:r>
+              <a:rPr lang="nl-NL" b="1" dirty="0" err="1" smtClean="0">
+                <a:latin typeface="Times New Roman" panose="02020603050405020304" pitchFamily="18" charset="0"/>
+                <a:cs typeface="Times New Roman" panose="02020603050405020304" pitchFamily="18" charset="0"/>
+              </a:rPr>
+              <a:t>assertion</a:t>
+            </a:r>
+            <a:r>
+              <a:rPr lang="nl-NL" b="1" dirty="0" smtClean="0">
+                <a:latin typeface="Times New Roman" panose="02020603050405020304" pitchFamily="18" charset="0"/>
+                <a:cs typeface="Times New Roman" panose="02020603050405020304" pitchFamily="18" charset="0"/>
+              </a:rPr>
+              <a:t> </a:t>
+            </a:r>
+            <a:r>
+              <a:rPr lang="en-US" dirty="0">
+                <a:latin typeface="Times New Roman" panose="02020603050405020304" pitchFamily="18" charset="0"/>
+                <a:cs typeface="Times New Roman" panose="02020603050405020304" pitchFamily="18" charset="0"/>
+              </a:rPr>
+              <a:t>let </a:t>
+            </a:r>
+            <a:r>
+              <a:rPr lang="en-US" dirty="0" err="1">
+                <a:latin typeface="Times New Roman" panose="02020603050405020304" pitchFamily="18" charset="0"/>
+                <a:cs typeface="Times New Roman" panose="02020603050405020304" pitchFamily="18" charset="0"/>
+              </a:rPr>
+              <a:t>strLength</a:t>
+            </a:r>
+            <a:r>
+              <a:rPr lang="en-US" dirty="0">
+                <a:latin typeface="Times New Roman" panose="02020603050405020304" pitchFamily="18" charset="0"/>
+                <a:cs typeface="Times New Roman" panose="02020603050405020304" pitchFamily="18" charset="0"/>
+              </a:rPr>
+              <a:t>: number = (</a:t>
+            </a:r>
+            <a:r>
+              <a:rPr lang="en-US" dirty="0" err="1">
+                <a:latin typeface="Times New Roman" panose="02020603050405020304" pitchFamily="18" charset="0"/>
+                <a:cs typeface="Times New Roman" panose="02020603050405020304" pitchFamily="18" charset="0"/>
+              </a:rPr>
+              <a:t>someValue</a:t>
+            </a:r>
+            <a:r>
+              <a:rPr lang="en-US" dirty="0">
+                <a:latin typeface="Times New Roman" panose="02020603050405020304" pitchFamily="18" charset="0"/>
+                <a:cs typeface="Times New Roman" panose="02020603050405020304" pitchFamily="18" charset="0"/>
+              </a:rPr>
+              <a:t> as string).length;</a:t>
+            </a:r>
+          </a:p>
+          <a:p>
+            <a:endParaRPr lang="en-US" dirty="0"/>
+          </a:p>
+          <a:p>
+            <a:endParaRPr lang="en-US" dirty="0"/>
+          </a:p>
+          <a:p>
+            <a:endParaRPr lang="en-US" dirty="0"/>
+          </a:p>
+          <a:p>
+            <a:endParaRPr lang="en-US" dirty="0"/>
+          </a:p>
+          <a:p>
+            <a:endParaRPr lang="en-US" dirty="0"/>
+          </a:p>
+          <a:p>
+            <a:endParaRPr lang="en-US" dirty="0"/>
+          </a:p>
+          <a:p>
+            <a:endParaRPr lang="en-US" dirty="0"/>
+          </a:p>
+        </p:txBody>
+      </p:sp>
     </p:spTree>
     <p:extLst>
       <p:ext uri="{BB962C8B-B14F-4D97-AF65-F5344CB8AC3E}">
-        <p14:creationId xmlns:p14="http://schemas.microsoft.com/office/powerpoint/2010/main" val="3742243493"/>
+        <p14:creationId xmlns:p14="http://schemas.microsoft.com/office/powerpoint/2010/main" val="728131117"/>
       </p:ext>
     </p:extLst>
   </p:cSld>
@@ -8457,194 +8641,340 @@
           <a:lstStyle/>
           <a:p>
             <a:r>
-              <a:rPr lang="en-US" dirty="0">
-                <a:latin typeface="Times New Roman" panose="02020603050405020304" pitchFamily="18" charset="0"/>
-                <a:cs typeface="Times New Roman" panose="02020603050405020304" pitchFamily="18" charset="0"/>
-              </a:rPr>
-              <a:t>Architecture overview</a:t>
-            </a:r>
-          </a:p>
-        </p:txBody>
-      </p:sp>
-      <p:sp>
-        <p:nvSpPr>
-          <p:cNvPr id="3" name="Content Placeholder 2"/>
-          <p:cNvSpPr>
-            <a:spLocks noGrp="1"/>
-          </p:cNvSpPr>
-          <p:nvPr>
-            <p:ph idx="1"/>
-          </p:nvPr>
-        </p:nvSpPr>
-        <p:spPr/>
-        <p:txBody>
-          <a:bodyPr>
-            <a:normAutofit/>
-          </a:bodyPr>
-          <a:lstStyle/>
-          <a:p>
-            <a:r>
-              <a:rPr lang="en-US" sz="2200" b="1" dirty="0" smtClean="0">
-                <a:latin typeface="Times New Roman" panose="02020603050405020304" pitchFamily="18" charset="0"/>
-                <a:cs typeface="Times New Roman" panose="02020603050405020304" pitchFamily="18" charset="0"/>
-              </a:rPr>
-              <a:t>Services: </a:t>
-            </a:r>
-            <a:r>
-              <a:rPr lang="en-US" sz="2200" dirty="0">
-                <a:latin typeface="Times New Roman" panose="02020603050405020304" pitchFamily="18" charset="0"/>
-                <a:cs typeface="Times New Roman" panose="02020603050405020304" pitchFamily="18" charset="0"/>
-              </a:rPr>
-              <a:t>we should create a </a:t>
-            </a:r>
-            <a:r>
-              <a:rPr lang="en-US" sz="2200" i="1" dirty="0">
-                <a:latin typeface="Times New Roman" panose="02020603050405020304" pitchFamily="18" charset="0"/>
-                <a:cs typeface="Times New Roman" panose="02020603050405020304" pitchFamily="18" charset="0"/>
-              </a:rPr>
-              <a:t>Service</a:t>
-            </a:r>
-            <a:r>
-              <a:rPr lang="en-US" sz="2200" dirty="0">
-                <a:latin typeface="Times New Roman" panose="02020603050405020304" pitchFamily="18" charset="0"/>
-                <a:cs typeface="Times New Roman" panose="02020603050405020304" pitchFamily="18" charset="0"/>
-              </a:rPr>
-              <a:t> when two or more </a:t>
-            </a:r>
-            <a:r>
-              <a:rPr lang="en-US" sz="2200" i="1" dirty="0">
-                <a:latin typeface="Times New Roman" panose="02020603050405020304" pitchFamily="18" charset="0"/>
-                <a:cs typeface="Times New Roman" panose="02020603050405020304" pitchFamily="18" charset="0"/>
-              </a:rPr>
-              <a:t>Components</a:t>
-            </a:r>
-            <a:r>
-              <a:rPr lang="en-US" sz="2200" dirty="0">
-                <a:latin typeface="Times New Roman" panose="02020603050405020304" pitchFamily="18" charset="0"/>
-                <a:cs typeface="Times New Roman" panose="02020603050405020304" pitchFamily="18" charset="0"/>
-              </a:rPr>
-              <a:t> or other things need to access the same data or if we want to encapsulate interactions with a web server or if we want to define how to validate user inputs</a:t>
-            </a:r>
-            <a:r>
-              <a:rPr lang="en-US" sz="2200" dirty="0" smtClean="0">
-                <a:latin typeface="Times New Roman" panose="02020603050405020304" pitchFamily="18" charset="0"/>
-                <a:cs typeface="Times New Roman" panose="02020603050405020304" pitchFamily="18" charset="0"/>
-              </a:rPr>
-              <a:t>.</a:t>
-            </a:r>
-          </a:p>
-          <a:p>
-            <a:r>
-              <a:rPr lang="nl-NL" sz="2200" dirty="0" smtClean="0">
-                <a:latin typeface="Times New Roman" panose="02020603050405020304" pitchFamily="18" charset="0"/>
-                <a:cs typeface="Times New Roman" panose="02020603050405020304" pitchFamily="18" charset="0"/>
-              </a:rPr>
-              <a:t>Service are </a:t>
-            </a:r>
-            <a:r>
-              <a:rPr lang="nl-NL" sz="2200" dirty="0" err="1" smtClean="0">
-                <a:latin typeface="Times New Roman" panose="02020603050405020304" pitchFamily="18" charset="0"/>
-                <a:cs typeface="Times New Roman" panose="02020603050405020304" pitchFamily="18" charset="0"/>
-              </a:rPr>
-              <a:t>stateless</a:t>
-            </a:r>
-            <a:r>
-              <a:rPr lang="nl-NL" sz="2200" dirty="0" smtClean="0">
-                <a:latin typeface="Times New Roman" panose="02020603050405020304" pitchFamily="18" charset="0"/>
-                <a:cs typeface="Times New Roman" panose="02020603050405020304" pitchFamily="18" charset="0"/>
-              </a:rPr>
-              <a:t> </a:t>
-            </a:r>
-            <a:r>
-              <a:rPr lang="nl-NL" sz="2200" dirty="0" err="1" smtClean="0">
-                <a:latin typeface="Times New Roman" panose="02020603050405020304" pitchFamily="18" charset="0"/>
-                <a:cs typeface="Times New Roman" panose="02020603050405020304" pitchFamily="18" charset="0"/>
-              </a:rPr>
-              <a:t>and</a:t>
-            </a:r>
-            <a:r>
-              <a:rPr lang="nl-NL" sz="2200" dirty="0" smtClean="0">
-                <a:latin typeface="Times New Roman" panose="02020603050405020304" pitchFamily="18" charset="0"/>
-                <a:cs typeface="Times New Roman" panose="02020603050405020304" pitchFamily="18" charset="0"/>
-              </a:rPr>
-              <a:t> Singletons.</a:t>
-            </a:r>
-          </a:p>
-          <a:p>
-            <a:r>
-              <a:rPr lang="nl-NL" sz="2200" dirty="0" smtClean="0">
-                <a:latin typeface="Times New Roman" panose="02020603050405020304" pitchFamily="18" charset="0"/>
-                <a:cs typeface="Times New Roman" panose="02020603050405020304" pitchFamily="18" charset="0"/>
-              </a:rPr>
-              <a:t>Service is </a:t>
-            </a:r>
-            <a:r>
-              <a:rPr lang="nl-NL" sz="2200" dirty="0" err="1" smtClean="0">
-                <a:latin typeface="Times New Roman" panose="02020603050405020304" pitchFamily="18" charset="0"/>
-                <a:cs typeface="Times New Roman" panose="02020603050405020304" pitchFamily="18" charset="0"/>
-              </a:rPr>
-              <a:t>defined</a:t>
-            </a:r>
-            <a:r>
-              <a:rPr lang="nl-NL" sz="2200" dirty="0" smtClean="0">
-                <a:latin typeface="Times New Roman" panose="02020603050405020304" pitchFamily="18" charset="0"/>
-                <a:cs typeface="Times New Roman" panose="02020603050405020304" pitchFamily="18" charset="0"/>
-              </a:rPr>
-              <a:t> </a:t>
-            </a:r>
-            <a:r>
-              <a:rPr lang="nl-NL" sz="2200" dirty="0" err="1" smtClean="0">
-                <a:latin typeface="Times New Roman" panose="02020603050405020304" pitchFamily="18" charset="0"/>
-                <a:cs typeface="Times New Roman" panose="02020603050405020304" pitchFamily="18" charset="0"/>
-              </a:rPr>
-              <a:t>using</a:t>
-            </a:r>
-            <a:r>
-              <a:rPr lang="nl-NL" sz="2200" dirty="0" smtClean="0">
-                <a:latin typeface="Times New Roman" panose="02020603050405020304" pitchFamily="18" charset="0"/>
-                <a:cs typeface="Times New Roman" panose="02020603050405020304" pitchFamily="18" charset="0"/>
-              </a:rPr>
-              <a:t> @</a:t>
-            </a:r>
-            <a:r>
-              <a:rPr lang="nl-NL" sz="2200" dirty="0" err="1" smtClean="0">
-                <a:latin typeface="Times New Roman" panose="02020603050405020304" pitchFamily="18" charset="0"/>
-                <a:cs typeface="Times New Roman" panose="02020603050405020304" pitchFamily="18" charset="0"/>
-              </a:rPr>
-              <a:t>Injectable</a:t>
-            </a:r>
-            <a:r>
-              <a:rPr lang="nl-NL" sz="2200" dirty="0" smtClean="0">
-                <a:latin typeface="Times New Roman" panose="02020603050405020304" pitchFamily="18" charset="0"/>
-                <a:cs typeface="Times New Roman" panose="02020603050405020304" pitchFamily="18" charset="0"/>
-              </a:rPr>
-              <a:t> </a:t>
-            </a:r>
-            <a:r>
-              <a:rPr lang="nl-NL" sz="2200" dirty="0" err="1" smtClean="0">
-                <a:latin typeface="Times New Roman" panose="02020603050405020304" pitchFamily="18" charset="0"/>
-                <a:cs typeface="Times New Roman" panose="02020603050405020304" pitchFamily="18" charset="0"/>
-              </a:rPr>
-              <a:t>decorator</a:t>
-            </a:r>
-            <a:r>
-              <a:rPr lang="nl-NL" sz="2200" dirty="0" smtClean="0">
-                <a:latin typeface="Times New Roman" panose="02020603050405020304" pitchFamily="18" charset="0"/>
-                <a:cs typeface="Times New Roman" panose="02020603050405020304" pitchFamily="18" charset="0"/>
-              </a:rPr>
-              <a:t>.</a:t>
-            </a:r>
-            <a:endParaRPr lang="en-US" sz="2200" dirty="0">
+              <a:rPr lang="nl-NL" dirty="0" smtClean="0">
+                <a:latin typeface="Times New Roman" panose="02020603050405020304" pitchFamily="18" charset="0"/>
+                <a:cs typeface="Times New Roman" panose="02020603050405020304" pitchFamily="18" charset="0"/>
+              </a:rPr>
+              <a:t>Typescript </a:t>
+            </a:r>
+            <a:r>
+              <a:rPr lang="nl-NL" dirty="0" err="1" smtClean="0">
+                <a:latin typeface="Times New Roman" panose="02020603050405020304" pitchFamily="18" charset="0"/>
+                <a:cs typeface="Times New Roman" panose="02020603050405020304" pitchFamily="18" charset="0"/>
+              </a:rPr>
+              <a:t>function</a:t>
+            </a:r>
+            <a:endParaRPr lang="en-US" dirty="0">
               <a:latin typeface="Times New Roman" panose="02020603050405020304" pitchFamily="18" charset="0"/>
               <a:cs typeface="Times New Roman" panose="02020603050405020304" pitchFamily="18" charset="0"/>
             </a:endParaRPr>
           </a:p>
         </p:txBody>
       </p:sp>
+      <p:sp>
+        <p:nvSpPr>
+          <p:cNvPr id="3" name="Content Placeholder 2"/>
+          <p:cNvSpPr>
+            <a:spLocks noGrp="1"/>
+          </p:cNvSpPr>
+          <p:nvPr>
+            <p:ph idx="1"/>
+          </p:nvPr>
+        </p:nvSpPr>
+        <p:spPr/>
+        <p:txBody>
+          <a:bodyPr>
+            <a:normAutofit fontScale="92500" lnSpcReduction="10000"/>
+          </a:bodyPr>
+          <a:lstStyle/>
+          <a:p>
+            <a:r>
+              <a:rPr lang="en-US" b="1" dirty="0">
+                <a:latin typeface="Times New Roman" panose="02020603050405020304" pitchFamily="18" charset="0"/>
+                <a:cs typeface="Times New Roman" panose="02020603050405020304" pitchFamily="18" charset="0"/>
+              </a:rPr>
+              <a:t>Arrow </a:t>
+            </a:r>
+            <a:r>
+              <a:rPr lang="en-US" b="1" dirty="0" smtClean="0">
+                <a:latin typeface="Times New Roman" panose="02020603050405020304" pitchFamily="18" charset="0"/>
+                <a:cs typeface="Times New Roman" panose="02020603050405020304" pitchFamily="18" charset="0"/>
+              </a:rPr>
+              <a:t>Function</a:t>
+            </a:r>
+            <a:r>
+              <a:rPr lang="en-US" dirty="0" smtClean="0">
+                <a:latin typeface="Times New Roman" panose="02020603050405020304" pitchFamily="18" charset="0"/>
+                <a:cs typeface="Times New Roman" panose="02020603050405020304" pitchFamily="18" charset="0"/>
+              </a:rPr>
+              <a:t>: Fat </a:t>
+            </a:r>
+            <a:r>
+              <a:rPr lang="en-US" dirty="0">
+                <a:latin typeface="Times New Roman" panose="02020603050405020304" pitchFamily="18" charset="0"/>
+                <a:cs typeface="Times New Roman" panose="02020603050405020304" pitchFamily="18" charset="0"/>
+              </a:rPr>
+              <a:t>arrow notations are used for anonymous functions </a:t>
+            </a:r>
+            <a:r>
+              <a:rPr lang="en-US" dirty="0" err="1">
+                <a:latin typeface="Times New Roman" panose="02020603050405020304" pitchFamily="18" charset="0"/>
+                <a:cs typeface="Times New Roman" panose="02020603050405020304" pitchFamily="18" charset="0"/>
+              </a:rPr>
+              <a:t>i.e</a:t>
+            </a:r>
+            <a:r>
+              <a:rPr lang="en-US" dirty="0">
+                <a:latin typeface="Times New Roman" panose="02020603050405020304" pitchFamily="18" charset="0"/>
+                <a:cs typeface="Times New Roman" panose="02020603050405020304" pitchFamily="18" charset="0"/>
+              </a:rPr>
+              <a:t> for function </a:t>
+            </a:r>
+            <a:r>
+              <a:rPr lang="en-US" dirty="0" smtClean="0">
+                <a:latin typeface="Times New Roman" panose="02020603050405020304" pitchFamily="18" charset="0"/>
+                <a:cs typeface="Times New Roman" panose="02020603050405020304" pitchFamily="18" charset="0"/>
+              </a:rPr>
+              <a:t>expressions</a:t>
+            </a:r>
+          </a:p>
+          <a:p>
+            <a:pPr marL="0" indent="0">
+              <a:buNone/>
+            </a:pPr>
+            <a:r>
+              <a:rPr lang="en-US" dirty="0">
+                <a:latin typeface="Times New Roman" panose="02020603050405020304" pitchFamily="18" charset="0"/>
+                <a:cs typeface="Times New Roman" panose="02020603050405020304" pitchFamily="18" charset="0"/>
+              </a:rPr>
+              <a:t>let sum = (x: number, y: number) =&gt; x + y</a:t>
+            </a:r>
+            <a:r>
+              <a:rPr lang="en-US" dirty="0" smtClean="0">
+                <a:latin typeface="Times New Roman" panose="02020603050405020304" pitchFamily="18" charset="0"/>
+                <a:cs typeface="Times New Roman" panose="02020603050405020304" pitchFamily="18" charset="0"/>
+              </a:rPr>
+              <a:t>;</a:t>
+            </a:r>
+          </a:p>
+          <a:p>
+            <a:r>
+              <a:rPr lang="en-US" dirty="0">
+                <a:latin typeface="Times New Roman" panose="02020603050405020304" pitchFamily="18" charset="0"/>
+                <a:cs typeface="Times New Roman" panose="02020603050405020304" pitchFamily="18" charset="0"/>
+              </a:rPr>
+              <a:t> </a:t>
+            </a:r>
+            <a:r>
+              <a:rPr lang="en-US" b="1" dirty="0">
+                <a:latin typeface="Times New Roman" panose="02020603050405020304" pitchFamily="18" charset="0"/>
+                <a:cs typeface="Times New Roman" panose="02020603050405020304" pitchFamily="18" charset="0"/>
+              </a:rPr>
+              <a:t>Function </a:t>
+            </a:r>
+            <a:r>
+              <a:rPr lang="en-US" b="1" dirty="0" smtClean="0">
+                <a:latin typeface="Times New Roman" panose="02020603050405020304" pitchFamily="18" charset="0"/>
+                <a:cs typeface="Times New Roman" panose="02020603050405020304" pitchFamily="18" charset="0"/>
+              </a:rPr>
+              <a:t>Overloading: </a:t>
+            </a:r>
+            <a:r>
+              <a:rPr lang="en-US" dirty="0">
+                <a:latin typeface="Times New Roman" panose="02020603050405020304" pitchFamily="18" charset="0"/>
+                <a:cs typeface="Times New Roman" panose="02020603050405020304" pitchFamily="18" charset="0"/>
+              </a:rPr>
+              <a:t> You can have multiple functions with the same name but different parameter types and return type. However, the number of parameters should be the same</a:t>
+            </a:r>
+            <a:r>
+              <a:rPr lang="en-US" dirty="0" smtClean="0">
+                <a:latin typeface="Times New Roman" panose="02020603050405020304" pitchFamily="18" charset="0"/>
+                <a:cs typeface="Times New Roman" panose="02020603050405020304" pitchFamily="18" charset="0"/>
+              </a:rPr>
+              <a:t>.</a:t>
+            </a:r>
+          </a:p>
+          <a:p>
+            <a:pPr marL="0" indent="0">
+              <a:buNone/>
+            </a:pPr>
+            <a:r>
+              <a:rPr lang="en-US" dirty="0">
+                <a:latin typeface="Times New Roman" panose="02020603050405020304" pitchFamily="18" charset="0"/>
+                <a:cs typeface="Times New Roman" panose="02020603050405020304" pitchFamily="18" charset="0"/>
+              </a:rPr>
+              <a:t>function add(</a:t>
+            </a:r>
+            <a:r>
+              <a:rPr lang="en-US" dirty="0" err="1">
+                <a:latin typeface="Times New Roman" panose="02020603050405020304" pitchFamily="18" charset="0"/>
+                <a:cs typeface="Times New Roman" panose="02020603050405020304" pitchFamily="18" charset="0"/>
+              </a:rPr>
+              <a:t>a:string</a:t>
+            </a:r>
+            <a:r>
+              <a:rPr lang="en-US" dirty="0">
+                <a:latin typeface="Times New Roman" panose="02020603050405020304" pitchFamily="18" charset="0"/>
+                <a:cs typeface="Times New Roman" panose="02020603050405020304" pitchFamily="18" charset="0"/>
+              </a:rPr>
+              <a:t>, b:string):string</a:t>
+            </a:r>
+            <a:r>
+              <a:rPr lang="en-US" dirty="0" smtClean="0">
+                <a:latin typeface="Times New Roman" panose="02020603050405020304" pitchFamily="18" charset="0"/>
+                <a:cs typeface="Times New Roman" panose="02020603050405020304" pitchFamily="18" charset="0"/>
+              </a:rPr>
+              <a:t>;</a:t>
+            </a:r>
+            <a:endParaRPr lang="en-US" dirty="0">
+              <a:latin typeface="Times New Roman" panose="02020603050405020304" pitchFamily="18" charset="0"/>
+              <a:cs typeface="Times New Roman" panose="02020603050405020304" pitchFamily="18" charset="0"/>
+            </a:endParaRPr>
+          </a:p>
+          <a:p>
+            <a:pPr marL="0" indent="0">
+              <a:buNone/>
+            </a:pPr>
+            <a:r>
+              <a:rPr lang="en-US" dirty="0">
+                <a:latin typeface="Times New Roman" panose="02020603050405020304" pitchFamily="18" charset="0"/>
+                <a:cs typeface="Times New Roman" panose="02020603050405020304" pitchFamily="18" charset="0"/>
+              </a:rPr>
+              <a:t>function add(</a:t>
+            </a:r>
+            <a:r>
+              <a:rPr lang="en-US" dirty="0" err="1">
+                <a:latin typeface="Times New Roman" panose="02020603050405020304" pitchFamily="18" charset="0"/>
+                <a:cs typeface="Times New Roman" panose="02020603050405020304" pitchFamily="18" charset="0"/>
+              </a:rPr>
+              <a:t>a:number</a:t>
+            </a:r>
+            <a:r>
+              <a:rPr lang="en-US" dirty="0">
+                <a:latin typeface="Times New Roman" panose="02020603050405020304" pitchFamily="18" charset="0"/>
+                <a:cs typeface="Times New Roman" panose="02020603050405020304" pitchFamily="18" charset="0"/>
+              </a:rPr>
+              <a:t>, b:number): number</a:t>
+            </a:r>
+            <a:r>
+              <a:rPr lang="en-US" dirty="0" smtClean="0">
+                <a:latin typeface="Times New Roman" panose="02020603050405020304" pitchFamily="18" charset="0"/>
+                <a:cs typeface="Times New Roman" panose="02020603050405020304" pitchFamily="18" charset="0"/>
+              </a:rPr>
+              <a:t>;</a:t>
+            </a:r>
+          </a:p>
+          <a:p>
+            <a:r>
+              <a:rPr lang="en-US" b="1" dirty="0">
+                <a:latin typeface="Times New Roman" panose="02020603050405020304" pitchFamily="18" charset="0"/>
+                <a:cs typeface="Times New Roman" panose="02020603050405020304" pitchFamily="18" charset="0"/>
+              </a:rPr>
+              <a:t>Rest </a:t>
+            </a:r>
+            <a:r>
+              <a:rPr lang="en-US" b="1" dirty="0" smtClean="0">
+                <a:latin typeface="Times New Roman" panose="02020603050405020304" pitchFamily="18" charset="0"/>
+                <a:cs typeface="Times New Roman" panose="02020603050405020304" pitchFamily="18" charset="0"/>
+              </a:rPr>
+              <a:t>Parameters</a:t>
+            </a:r>
+          </a:p>
+          <a:p>
+            <a:pPr marL="0" indent="0">
+              <a:buNone/>
+            </a:pPr>
+            <a:r>
+              <a:rPr lang="en-US" dirty="0">
+                <a:latin typeface="Times New Roman" panose="02020603050405020304" pitchFamily="18" charset="0"/>
+                <a:cs typeface="Times New Roman" panose="02020603050405020304" pitchFamily="18" charset="0"/>
+              </a:rPr>
+              <a:t>function Greet(greeting: string, ...names: string[]) {</a:t>
+            </a:r>
+          </a:p>
+          <a:p>
+            <a:pPr marL="0" indent="0">
+              <a:buNone/>
+            </a:pPr>
+            <a:r>
+              <a:rPr lang="en-US" dirty="0">
+                <a:latin typeface="Times New Roman" panose="02020603050405020304" pitchFamily="18" charset="0"/>
+                <a:cs typeface="Times New Roman" panose="02020603050405020304" pitchFamily="18" charset="0"/>
+              </a:rPr>
+              <a:t>    return greeting + " " + </a:t>
+            </a:r>
+            <a:r>
+              <a:rPr lang="en-US" dirty="0" err="1">
+                <a:latin typeface="Times New Roman" panose="02020603050405020304" pitchFamily="18" charset="0"/>
+                <a:cs typeface="Times New Roman" panose="02020603050405020304" pitchFamily="18" charset="0"/>
+              </a:rPr>
+              <a:t>names.join</a:t>
+            </a:r>
+            <a:r>
+              <a:rPr lang="en-US" dirty="0">
+                <a:latin typeface="Times New Roman" panose="02020603050405020304" pitchFamily="18" charset="0"/>
+                <a:cs typeface="Times New Roman" panose="02020603050405020304" pitchFamily="18" charset="0"/>
+              </a:rPr>
+              <a:t>(", ") + "!";</a:t>
+            </a:r>
+          </a:p>
+          <a:p>
+            <a:pPr marL="0" indent="0">
+              <a:buNone/>
+            </a:pPr>
+            <a:r>
+              <a:rPr lang="en-US" dirty="0">
+                <a:latin typeface="Times New Roman" panose="02020603050405020304" pitchFamily="18" charset="0"/>
+                <a:cs typeface="Times New Roman" panose="02020603050405020304" pitchFamily="18" charset="0"/>
+              </a:rPr>
+              <a:t>}</a:t>
+            </a:r>
+          </a:p>
+          <a:p>
+            <a:pPr marL="0" indent="0">
+              <a:buNone/>
+            </a:pPr>
+            <a:r>
+              <a:rPr lang="en-US" dirty="0" smtClean="0">
+                <a:latin typeface="Times New Roman" panose="02020603050405020304" pitchFamily="18" charset="0"/>
+                <a:cs typeface="Times New Roman" panose="02020603050405020304" pitchFamily="18" charset="0"/>
+              </a:rPr>
+              <a:t>Greet</a:t>
+            </a:r>
+            <a:r>
+              <a:rPr lang="en-US" dirty="0">
+                <a:latin typeface="Times New Roman" panose="02020603050405020304" pitchFamily="18" charset="0"/>
+                <a:cs typeface="Times New Roman" panose="02020603050405020304" pitchFamily="18" charset="0"/>
+              </a:rPr>
+              <a:t>("Hello", "Steve", "Bill"); // returns "Hello Steve, Bill!"</a:t>
+            </a:r>
+          </a:p>
+          <a:p>
+            <a:pPr marL="0" indent="0">
+              <a:buNone/>
+            </a:pPr>
+            <a:endParaRPr lang="en-US" dirty="0" smtClean="0">
+              <a:latin typeface="Times New Roman" panose="02020603050405020304" pitchFamily="18" charset="0"/>
+              <a:cs typeface="Times New Roman" panose="02020603050405020304" pitchFamily="18" charset="0"/>
+            </a:endParaRPr>
+          </a:p>
+          <a:p>
+            <a:pPr marL="0" indent="0">
+              <a:buNone/>
+            </a:pPr>
+            <a:endParaRPr lang="en-US" dirty="0">
+              <a:latin typeface="Times New Roman" panose="02020603050405020304" pitchFamily="18" charset="0"/>
+              <a:cs typeface="Times New Roman" panose="02020603050405020304" pitchFamily="18" charset="0"/>
+            </a:endParaRPr>
+          </a:p>
+          <a:p>
+            <a:endParaRPr lang="en-US" dirty="0">
+              <a:latin typeface="Times New Roman" panose="02020603050405020304" pitchFamily="18" charset="0"/>
+              <a:cs typeface="Times New Roman" panose="02020603050405020304" pitchFamily="18" charset="0"/>
+            </a:endParaRPr>
+          </a:p>
+          <a:p>
+            <a:endParaRPr lang="en-US" dirty="0">
+              <a:latin typeface="Times New Roman" panose="02020603050405020304" pitchFamily="18" charset="0"/>
+              <a:cs typeface="Times New Roman" panose="02020603050405020304" pitchFamily="18" charset="0"/>
+            </a:endParaRPr>
+          </a:p>
+        </p:txBody>
+      </p:sp>
     </p:spTree>
     <p:extLst>
       <p:ext uri="{BB962C8B-B14F-4D97-AF65-F5344CB8AC3E}">
-        <p14:creationId xmlns:p14="http://schemas.microsoft.com/office/powerpoint/2010/main" val="3101533194"/>
+        <p14:creationId xmlns:p14="http://schemas.microsoft.com/office/powerpoint/2010/main" val="1703240444"/>
       </p:ext>
     </p:extLst>
   </p:cSld>
@@ -8690,338 +9020,111 @@
         </p:nvSpPr>
         <p:spPr/>
         <p:txBody>
+          <a:bodyPr>
+            <a:normAutofit fontScale="90000"/>
+          </a:bodyPr>
+          <a:lstStyle/>
+          <a:p>
+            <a:r>
+              <a:rPr lang="en-US" dirty="0" smtClean="0">
+                <a:latin typeface="Times New Roman" panose="02020603050405020304" pitchFamily="18" charset="0"/>
+                <a:cs typeface="Times New Roman" panose="02020603050405020304" pitchFamily="18" charset="0"/>
+              </a:rPr>
+              <a:t/>
+            </a:r>
+            <a:br>
+              <a:rPr lang="en-US" dirty="0" smtClean="0">
+                <a:latin typeface="Times New Roman" panose="02020603050405020304" pitchFamily="18" charset="0"/>
+                <a:cs typeface="Times New Roman" panose="02020603050405020304" pitchFamily="18" charset="0"/>
+              </a:rPr>
+            </a:br>
+            <a:r>
+              <a:rPr lang="en-US" dirty="0" err="1" smtClean="0">
+                <a:latin typeface="Times New Roman" panose="02020603050405020304" pitchFamily="18" charset="0"/>
+                <a:cs typeface="Times New Roman" panose="02020603050405020304" pitchFamily="18" charset="0"/>
+              </a:rPr>
+              <a:t>Speread</a:t>
+            </a:r>
+            <a:r>
+              <a:rPr lang="en-US" dirty="0" smtClean="0">
+                <a:latin typeface="Times New Roman" panose="02020603050405020304" pitchFamily="18" charset="0"/>
+                <a:cs typeface="Times New Roman" panose="02020603050405020304" pitchFamily="18" charset="0"/>
+              </a:rPr>
+              <a:t> </a:t>
+            </a:r>
+            <a:r>
+              <a:rPr lang="en-US" dirty="0">
+                <a:latin typeface="Times New Roman" panose="02020603050405020304" pitchFamily="18" charset="0"/>
+                <a:cs typeface="Times New Roman" panose="02020603050405020304" pitchFamily="18" charset="0"/>
+              </a:rPr>
+              <a:t>operator</a:t>
+            </a:r>
+            <a:br>
+              <a:rPr lang="en-US" dirty="0">
+                <a:latin typeface="Times New Roman" panose="02020603050405020304" pitchFamily="18" charset="0"/>
+                <a:cs typeface="Times New Roman" panose="02020603050405020304" pitchFamily="18" charset="0"/>
+              </a:rPr>
+            </a:br>
+            <a:endParaRPr lang="en-US" dirty="0">
+              <a:latin typeface="Times New Roman" panose="02020603050405020304" pitchFamily="18" charset="0"/>
+              <a:cs typeface="Times New Roman" panose="02020603050405020304" pitchFamily="18" charset="0"/>
+            </a:endParaRPr>
+          </a:p>
+        </p:txBody>
+      </p:sp>
+      <p:sp>
+        <p:nvSpPr>
+          <p:cNvPr id="3" name="Content Placeholder 2"/>
+          <p:cNvSpPr>
+            <a:spLocks noGrp="1"/>
+          </p:cNvSpPr>
+          <p:nvPr>
+            <p:ph idx="1"/>
+          </p:nvPr>
+        </p:nvSpPr>
+        <p:spPr/>
+        <p:txBody>
           <a:bodyPr/>
           <a:lstStyle/>
           <a:p>
             <a:r>
+              <a:rPr lang="en-US" dirty="0" err="1">
+                <a:latin typeface="Times New Roman" panose="02020603050405020304" pitchFamily="18" charset="0"/>
+                <a:cs typeface="Times New Roman" panose="02020603050405020304" pitchFamily="18" charset="0"/>
+              </a:rPr>
+              <a:t>var</a:t>
+            </a:r>
+            <a:r>
               <a:rPr lang="en-US" dirty="0">
                 <a:latin typeface="Times New Roman" panose="02020603050405020304" pitchFamily="18" charset="0"/>
                 <a:cs typeface="Times New Roman" panose="02020603050405020304" pitchFamily="18" charset="0"/>
               </a:rPr>
-              <a:t>Architecture overview</a:t>
-            </a:r>
-          </a:p>
-        </p:txBody>
-      </p:sp>
-      <p:sp>
-        <p:nvSpPr>
-          <p:cNvPr id="3" name="Content Placeholder 2"/>
-          <p:cNvSpPr>
-            <a:spLocks noGrp="1"/>
-          </p:cNvSpPr>
-          <p:nvPr>
-            <p:ph idx="1"/>
-          </p:nvPr>
-        </p:nvSpPr>
-        <p:spPr/>
-        <p:txBody>
-          <a:bodyPr>
-            <a:normAutofit/>
-          </a:bodyPr>
-          <a:lstStyle/>
-          <a:p>
-            <a:r>
-              <a:rPr lang="en-US" sz="2200" b="1" dirty="0">
-                <a:latin typeface="Times New Roman" panose="02020603050405020304" pitchFamily="18" charset="0"/>
-                <a:cs typeface="Times New Roman" panose="02020603050405020304" pitchFamily="18" charset="0"/>
-              </a:rPr>
-              <a:t>Dependency </a:t>
-            </a:r>
-            <a:r>
-              <a:rPr lang="en-US" sz="2200" b="1" dirty="0" smtClean="0">
-                <a:latin typeface="Times New Roman" panose="02020603050405020304" pitchFamily="18" charset="0"/>
-                <a:cs typeface="Times New Roman" panose="02020603050405020304" pitchFamily="18" charset="0"/>
-              </a:rPr>
-              <a:t>Injection: </a:t>
-            </a:r>
-            <a:r>
-              <a:rPr lang="en-US" sz="2200" dirty="0" smtClean="0">
-                <a:latin typeface="Times New Roman" panose="02020603050405020304" pitchFamily="18" charset="0"/>
-                <a:cs typeface="Times New Roman" panose="02020603050405020304" pitchFamily="18" charset="0"/>
-              </a:rPr>
-              <a:t> DI is </a:t>
-            </a:r>
-            <a:r>
-              <a:rPr lang="en-US" sz="2200" i="1" dirty="0" smtClean="0">
-                <a:latin typeface="Times New Roman" panose="02020603050405020304" pitchFamily="18" charset="0"/>
-                <a:cs typeface="Times New Roman" panose="02020603050405020304" pitchFamily="18" charset="0"/>
-              </a:rPr>
-              <a:t>Design </a:t>
-            </a:r>
-            <a:r>
-              <a:rPr lang="en-US" sz="2200" i="1" dirty="0">
-                <a:latin typeface="Times New Roman" panose="02020603050405020304" pitchFamily="18" charset="0"/>
-                <a:cs typeface="Times New Roman" panose="02020603050405020304" pitchFamily="18" charset="0"/>
-              </a:rPr>
-              <a:t>Pattern</a:t>
-            </a:r>
-            <a:r>
-              <a:rPr lang="en-US" sz="2200" dirty="0">
-                <a:latin typeface="Times New Roman" panose="02020603050405020304" pitchFamily="18" charset="0"/>
-                <a:cs typeface="Times New Roman" panose="02020603050405020304" pitchFamily="18" charset="0"/>
-              </a:rPr>
-              <a:t> in which one or more dependencies (</a:t>
-            </a:r>
-            <a:r>
-              <a:rPr lang="en-US" sz="2200" i="1" dirty="0">
-                <a:latin typeface="Times New Roman" panose="02020603050405020304" pitchFamily="18" charset="0"/>
-                <a:cs typeface="Times New Roman" panose="02020603050405020304" pitchFamily="18" charset="0"/>
-              </a:rPr>
-              <a:t>Services</a:t>
-            </a:r>
-            <a:r>
-              <a:rPr lang="en-US" sz="2200" dirty="0">
-                <a:latin typeface="Times New Roman" panose="02020603050405020304" pitchFamily="18" charset="0"/>
-                <a:cs typeface="Times New Roman" panose="02020603050405020304" pitchFamily="18" charset="0"/>
-              </a:rPr>
-              <a:t>) are injected into a dependent object</a:t>
-            </a:r>
-          </a:p>
-          <a:p>
-            <a:r>
-              <a:rPr lang="en-US" sz="2200" dirty="0">
-                <a:latin typeface="Times New Roman" panose="02020603050405020304" pitchFamily="18" charset="0"/>
-                <a:cs typeface="Times New Roman" panose="02020603050405020304" pitchFamily="18" charset="0"/>
-              </a:rPr>
-              <a:t>A </a:t>
-            </a:r>
-            <a:r>
-              <a:rPr lang="en-US" sz="2200" i="1" dirty="0">
-                <a:latin typeface="Times New Roman" panose="02020603050405020304" pitchFamily="18" charset="0"/>
-                <a:cs typeface="Times New Roman" panose="02020603050405020304" pitchFamily="18" charset="0"/>
-              </a:rPr>
-              <a:t>Provider</a:t>
-            </a:r>
-            <a:r>
-              <a:rPr lang="en-US" sz="2200" dirty="0">
-                <a:latin typeface="Times New Roman" panose="02020603050405020304" pitchFamily="18" charset="0"/>
-                <a:cs typeface="Times New Roman" panose="02020603050405020304" pitchFamily="18" charset="0"/>
-              </a:rPr>
-              <a:t> is a recipe for creating a dependency. We must at least register one </a:t>
-            </a:r>
-            <a:r>
-              <a:rPr lang="en-US" sz="2200" i="1" dirty="0">
-                <a:latin typeface="Times New Roman" panose="02020603050405020304" pitchFamily="18" charset="0"/>
-                <a:cs typeface="Times New Roman" panose="02020603050405020304" pitchFamily="18" charset="0"/>
-              </a:rPr>
-              <a:t>Provider</a:t>
-            </a:r>
-            <a:r>
-              <a:rPr lang="en-US" sz="2200" dirty="0">
-                <a:latin typeface="Times New Roman" panose="02020603050405020304" pitchFamily="18" charset="0"/>
-                <a:cs typeface="Times New Roman" panose="02020603050405020304" pitchFamily="18" charset="0"/>
-              </a:rPr>
-              <a:t> of any </a:t>
-            </a:r>
-            <a:r>
-              <a:rPr lang="en-US" sz="2200" i="1" dirty="0">
-                <a:latin typeface="Times New Roman" panose="02020603050405020304" pitchFamily="18" charset="0"/>
-                <a:cs typeface="Times New Roman" panose="02020603050405020304" pitchFamily="18" charset="0"/>
-              </a:rPr>
-              <a:t>Service</a:t>
-            </a:r>
-            <a:r>
-              <a:rPr lang="en-US" sz="2200" dirty="0">
-                <a:latin typeface="Times New Roman" panose="02020603050405020304" pitchFamily="18" charset="0"/>
-                <a:cs typeface="Times New Roman" panose="02020603050405020304" pitchFamily="18" charset="0"/>
-              </a:rPr>
-              <a:t> we want to use. It can be done in Modules or in </a:t>
-            </a:r>
-            <a:r>
-              <a:rPr lang="en-US" sz="2200" i="1" dirty="0">
-                <a:latin typeface="Times New Roman" panose="02020603050405020304" pitchFamily="18" charset="0"/>
-                <a:cs typeface="Times New Roman" panose="02020603050405020304" pitchFamily="18" charset="0"/>
-              </a:rPr>
-              <a:t>Components</a:t>
-            </a:r>
-            <a:r>
-              <a:rPr lang="en-US" sz="2200" dirty="0">
-                <a:latin typeface="Times New Roman" panose="02020603050405020304" pitchFamily="18" charset="0"/>
-                <a:cs typeface="Times New Roman" panose="02020603050405020304" pitchFamily="18" charset="0"/>
-              </a:rPr>
-              <a:t>. Doing this in a </a:t>
-            </a:r>
-            <a:r>
-              <a:rPr lang="en-US" sz="2200" i="1" dirty="0">
-                <a:latin typeface="Times New Roman" panose="02020603050405020304" pitchFamily="18" charset="0"/>
-                <a:cs typeface="Times New Roman" panose="02020603050405020304" pitchFamily="18" charset="0"/>
-              </a:rPr>
-              <a:t>Module</a:t>
-            </a:r>
-            <a:r>
-              <a:rPr lang="en-US" sz="2200" dirty="0">
-                <a:latin typeface="Times New Roman" panose="02020603050405020304" pitchFamily="18" charset="0"/>
-                <a:cs typeface="Times New Roman" panose="02020603050405020304" pitchFamily="18" charset="0"/>
-              </a:rPr>
-              <a:t> allows </a:t>
-            </a:r>
-            <a:r>
-              <a:rPr lang="en-US" sz="2200" i="1" dirty="0">
-                <a:latin typeface="Times New Roman" panose="02020603050405020304" pitchFamily="18" charset="0"/>
-                <a:cs typeface="Times New Roman" panose="02020603050405020304" pitchFamily="18" charset="0"/>
-              </a:rPr>
-              <a:t>Angular</a:t>
-            </a:r>
-            <a:r>
-              <a:rPr lang="en-US" sz="2200" dirty="0">
-                <a:latin typeface="Times New Roman" panose="02020603050405020304" pitchFamily="18" charset="0"/>
-                <a:cs typeface="Times New Roman" panose="02020603050405020304" pitchFamily="18" charset="0"/>
-              </a:rPr>
-              <a:t> to inject the corresponding </a:t>
-            </a:r>
-            <a:r>
-              <a:rPr lang="en-US" sz="2200" i="1" dirty="0">
-                <a:latin typeface="Times New Roman" panose="02020603050405020304" pitchFamily="18" charset="0"/>
-                <a:cs typeface="Times New Roman" panose="02020603050405020304" pitchFamily="18" charset="0"/>
-              </a:rPr>
-              <a:t>Services</a:t>
-            </a:r>
-            <a:r>
-              <a:rPr lang="en-US" sz="2200" dirty="0">
-                <a:latin typeface="Times New Roman" panose="02020603050405020304" pitchFamily="18" charset="0"/>
-                <a:cs typeface="Times New Roman" panose="02020603050405020304" pitchFamily="18" charset="0"/>
-              </a:rPr>
-              <a:t> in any class it creates and so the </a:t>
-            </a:r>
-            <a:r>
-              <a:rPr lang="en-US" sz="2200" i="1" dirty="0">
-                <a:latin typeface="Times New Roman" panose="02020603050405020304" pitchFamily="18" charset="0"/>
-                <a:cs typeface="Times New Roman" panose="02020603050405020304" pitchFamily="18" charset="0"/>
-              </a:rPr>
-              <a:t>Service</a:t>
-            </a:r>
-            <a:r>
-              <a:rPr lang="en-US" sz="2200" dirty="0">
-                <a:latin typeface="Times New Roman" panose="02020603050405020304" pitchFamily="18" charset="0"/>
-                <a:cs typeface="Times New Roman" panose="02020603050405020304" pitchFamily="18" charset="0"/>
-              </a:rPr>
-              <a:t> instance lives for the life of the app. By using a </a:t>
-            </a:r>
-            <a:r>
-              <a:rPr lang="en-US" sz="2200" i="1" dirty="0">
-                <a:latin typeface="Times New Roman" panose="02020603050405020304" pitchFamily="18" charset="0"/>
-                <a:cs typeface="Times New Roman" panose="02020603050405020304" pitchFamily="18" charset="0"/>
-              </a:rPr>
-              <a:t>Component Provider</a:t>
-            </a:r>
-            <a:r>
-              <a:rPr lang="en-US" sz="2200" dirty="0">
-                <a:latin typeface="Times New Roman" panose="02020603050405020304" pitchFamily="18" charset="0"/>
-                <a:cs typeface="Times New Roman" panose="02020603050405020304" pitchFamily="18" charset="0"/>
-              </a:rPr>
-              <a:t> we restrict the scope of the </a:t>
-            </a:r>
-            <a:r>
-              <a:rPr lang="en-US" sz="2200" i="1" dirty="0">
-                <a:latin typeface="Times New Roman" panose="02020603050405020304" pitchFamily="18" charset="0"/>
-                <a:cs typeface="Times New Roman" panose="02020603050405020304" pitchFamily="18" charset="0"/>
-              </a:rPr>
-              <a:t>Service</a:t>
-            </a:r>
-            <a:r>
-              <a:rPr lang="en-US" sz="2200" dirty="0">
-                <a:latin typeface="Times New Roman" panose="02020603050405020304" pitchFamily="18" charset="0"/>
-                <a:cs typeface="Times New Roman" panose="02020603050405020304" pitchFamily="18" charset="0"/>
-              </a:rPr>
-              <a:t> and so it will only be injected into that </a:t>
-            </a:r>
-            <a:r>
-              <a:rPr lang="en-US" sz="2200" i="1" dirty="0">
-                <a:latin typeface="Times New Roman" panose="02020603050405020304" pitchFamily="18" charset="0"/>
-                <a:cs typeface="Times New Roman" panose="02020603050405020304" pitchFamily="18" charset="0"/>
-              </a:rPr>
-              <a:t>Component</a:t>
-            </a:r>
-            <a:r>
-              <a:rPr lang="en-US" sz="2200" dirty="0">
-                <a:latin typeface="Times New Roman" panose="02020603050405020304" pitchFamily="18" charset="0"/>
-                <a:cs typeface="Times New Roman" panose="02020603050405020304" pitchFamily="18" charset="0"/>
-              </a:rPr>
-              <a:t> instance or one of its descendant </a:t>
-            </a:r>
-            <a:r>
-              <a:rPr lang="en-US" sz="2200" i="1" dirty="0">
-                <a:latin typeface="Times New Roman" panose="02020603050405020304" pitchFamily="18" charset="0"/>
-                <a:cs typeface="Times New Roman" panose="02020603050405020304" pitchFamily="18" charset="0"/>
-              </a:rPr>
-              <a:t>Component</a:t>
-            </a:r>
-            <a:r>
-              <a:rPr lang="en-US" sz="2200" dirty="0">
-                <a:latin typeface="Times New Roman" panose="02020603050405020304" pitchFamily="18" charset="0"/>
-                <a:cs typeface="Times New Roman" panose="02020603050405020304" pitchFamily="18" charset="0"/>
-              </a:rPr>
-              <a:t> instances. It means that </a:t>
-            </a:r>
-            <a:r>
-              <a:rPr lang="en-US" sz="2200" i="1" dirty="0">
-                <a:latin typeface="Times New Roman" panose="02020603050405020304" pitchFamily="18" charset="0"/>
-                <a:cs typeface="Times New Roman" panose="02020603050405020304" pitchFamily="18" charset="0"/>
-              </a:rPr>
-              <a:t>Angular</a:t>
-            </a:r>
-            <a:r>
-              <a:rPr lang="en-US" sz="2200" dirty="0">
-                <a:latin typeface="Times New Roman" panose="02020603050405020304" pitchFamily="18" charset="0"/>
-                <a:cs typeface="Times New Roman" panose="02020603050405020304" pitchFamily="18" charset="0"/>
-              </a:rPr>
-              <a:t> can’t inject the same </a:t>
-            </a:r>
-            <a:r>
-              <a:rPr lang="en-US" sz="2200" i="1" dirty="0">
-                <a:latin typeface="Times New Roman" panose="02020603050405020304" pitchFamily="18" charset="0"/>
-                <a:cs typeface="Times New Roman" panose="02020603050405020304" pitchFamily="18" charset="0"/>
-              </a:rPr>
-              <a:t>Service</a:t>
-            </a:r>
-            <a:r>
-              <a:rPr lang="en-US" sz="2200" dirty="0">
-                <a:latin typeface="Times New Roman" panose="02020603050405020304" pitchFamily="18" charset="0"/>
-                <a:cs typeface="Times New Roman" panose="02020603050405020304" pitchFamily="18" charset="0"/>
-              </a:rPr>
-              <a:t> instance anywhere else. The lifetime of this </a:t>
-            </a:r>
-            <a:r>
-              <a:rPr lang="en-US" sz="2200" i="1" dirty="0">
-                <a:latin typeface="Times New Roman" panose="02020603050405020304" pitchFamily="18" charset="0"/>
-                <a:cs typeface="Times New Roman" panose="02020603050405020304" pitchFamily="18" charset="0"/>
-              </a:rPr>
-              <a:t>Service</a:t>
-            </a:r>
-            <a:r>
-              <a:rPr lang="en-US" sz="2200" dirty="0">
-                <a:latin typeface="Times New Roman" panose="02020603050405020304" pitchFamily="18" charset="0"/>
-                <a:cs typeface="Times New Roman" panose="02020603050405020304" pitchFamily="18" charset="0"/>
-              </a:rPr>
-              <a:t> will also be different: the </a:t>
-            </a:r>
-            <a:r>
-              <a:rPr lang="en-US" sz="2200" i="1" dirty="0">
-                <a:latin typeface="Times New Roman" panose="02020603050405020304" pitchFamily="18" charset="0"/>
-                <a:cs typeface="Times New Roman" panose="02020603050405020304" pitchFamily="18" charset="0"/>
-              </a:rPr>
-              <a:t>Service</a:t>
-            </a:r>
-            <a:r>
-              <a:rPr lang="en-US" sz="2200" dirty="0">
-                <a:latin typeface="Times New Roman" panose="02020603050405020304" pitchFamily="18" charset="0"/>
-                <a:cs typeface="Times New Roman" panose="02020603050405020304" pitchFamily="18" charset="0"/>
-              </a:rPr>
-              <a:t> instance will be destroyed when the </a:t>
-            </a:r>
-            <a:r>
-              <a:rPr lang="en-US" sz="2200" i="1" dirty="0">
-                <a:latin typeface="Times New Roman" panose="02020603050405020304" pitchFamily="18" charset="0"/>
-                <a:cs typeface="Times New Roman" panose="02020603050405020304" pitchFamily="18" charset="0"/>
-              </a:rPr>
-              <a:t>Component</a:t>
-            </a:r>
-            <a:r>
-              <a:rPr lang="en-US" sz="2200" dirty="0">
-                <a:latin typeface="Times New Roman" panose="02020603050405020304" pitchFamily="18" charset="0"/>
-                <a:cs typeface="Times New Roman" panose="02020603050405020304" pitchFamily="18" charset="0"/>
-              </a:rPr>
-              <a:t> instance is destroyed.</a:t>
+              <a:t> parts = ['shoulders', 'knees']; </a:t>
+            </a:r>
+          </a:p>
+          <a:p>
+            <a:r>
+              <a:rPr lang="en-US" dirty="0" err="1">
+                <a:latin typeface="Times New Roman" panose="02020603050405020304" pitchFamily="18" charset="0"/>
+                <a:cs typeface="Times New Roman" panose="02020603050405020304" pitchFamily="18" charset="0"/>
+              </a:rPr>
+              <a:t>var</a:t>
+            </a:r>
+            <a:r>
+              <a:rPr lang="en-US" dirty="0">
+                <a:latin typeface="Times New Roman" panose="02020603050405020304" pitchFamily="18" charset="0"/>
+                <a:cs typeface="Times New Roman" panose="02020603050405020304" pitchFamily="18" charset="0"/>
+              </a:rPr>
+              <a:t> lyrics = ['head', ...parts, 'and', 'toes']; </a:t>
+            </a:r>
+          </a:p>
+          <a:p>
+            <a:r>
+              <a:rPr lang="en-US" dirty="0">
+                <a:latin typeface="Times New Roman" panose="02020603050405020304" pitchFamily="18" charset="0"/>
+                <a:cs typeface="Times New Roman" panose="02020603050405020304" pitchFamily="18" charset="0"/>
+              </a:rPr>
+              <a:t>// ["head", "shoulders", "knees", "and", "toes"]</a:t>
             </a:r>
           </a:p>
         </p:txBody>
@@ -9029,7 +9132,7 @@
     </p:spTree>
     <p:extLst>
       <p:ext uri="{BB962C8B-B14F-4D97-AF65-F5344CB8AC3E}">
-        <p14:creationId xmlns:p14="http://schemas.microsoft.com/office/powerpoint/2010/main" val="4252899282"/>
+        <p14:creationId xmlns:p14="http://schemas.microsoft.com/office/powerpoint/2010/main" val="3220732713"/>
       </p:ext>
     </p:extLst>
   </p:cSld>
@@ -9079,12 +9182,64 @@
           <a:lstStyle/>
           <a:p>
             <a:r>
-              <a:rPr lang="en-US" dirty="0">
-                <a:latin typeface="Times New Roman" panose="02020603050405020304" pitchFamily="18" charset="0"/>
-                <a:cs typeface="Times New Roman" panose="02020603050405020304" pitchFamily="18" charset="0"/>
-              </a:rPr>
-              <a:t>Architecture overview</a:t>
-            </a:r>
+              <a:rPr lang="nl-NL" dirty="0" err="1" smtClean="0">
+                <a:latin typeface="Times New Roman" panose="02020603050405020304" pitchFamily="18" charset="0"/>
+                <a:cs typeface="Times New Roman" panose="02020603050405020304" pitchFamily="18" charset="0"/>
+              </a:rPr>
+              <a:t>Static</a:t>
+            </a:r>
+            <a:r>
+              <a:rPr lang="nl-NL" dirty="0" smtClean="0">
+                <a:latin typeface="Times New Roman" panose="02020603050405020304" pitchFamily="18" charset="0"/>
+                <a:cs typeface="Times New Roman" panose="02020603050405020304" pitchFamily="18" charset="0"/>
+              </a:rPr>
+              <a:t> </a:t>
+            </a:r>
+            <a:r>
+              <a:rPr lang="nl-NL" dirty="0" err="1" smtClean="0">
+                <a:latin typeface="Times New Roman" panose="02020603050405020304" pitchFamily="18" charset="0"/>
+                <a:cs typeface="Times New Roman" panose="02020603050405020304" pitchFamily="18" charset="0"/>
+              </a:rPr>
+              <a:t>and</a:t>
+            </a:r>
+            <a:r>
+              <a:rPr lang="nl-NL" dirty="0" smtClean="0">
+                <a:latin typeface="Times New Roman" panose="02020603050405020304" pitchFamily="18" charset="0"/>
+                <a:cs typeface="Times New Roman" panose="02020603050405020304" pitchFamily="18" charset="0"/>
+              </a:rPr>
+              <a:t> </a:t>
+            </a:r>
+            <a:br>
+              <a:rPr lang="nl-NL" dirty="0" smtClean="0">
+                <a:latin typeface="Times New Roman" panose="02020603050405020304" pitchFamily="18" charset="0"/>
+                <a:cs typeface="Times New Roman" panose="02020603050405020304" pitchFamily="18" charset="0"/>
+              </a:rPr>
+            </a:br>
+            <a:r>
+              <a:rPr lang="nl-NL" dirty="0" err="1" smtClean="0">
+                <a:latin typeface="Times New Roman" panose="02020603050405020304" pitchFamily="18" charset="0"/>
+                <a:cs typeface="Times New Roman" panose="02020603050405020304" pitchFamily="18" charset="0"/>
+              </a:rPr>
+              <a:t>dynamic</a:t>
+            </a:r>
+            <a:r>
+              <a:rPr lang="nl-NL" dirty="0" smtClean="0">
+                <a:latin typeface="Times New Roman" panose="02020603050405020304" pitchFamily="18" charset="0"/>
+                <a:cs typeface="Times New Roman" panose="02020603050405020304" pitchFamily="18" charset="0"/>
+              </a:rPr>
+              <a:t> </a:t>
+            </a:r>
+            <a:r>
+              <a:rPr lang="nl-NL" dirty="0" err="1" smtClean="0">
+                <a:latin typeface="Times New Roman" panose="02020603050405020304" pitchFamily="18" charset="0"/>
+                <a:cs typeface="Times New Roman" panose="02020603050405020304" pitchFamily="18" charset="0"/>
+              </a:rPr>
+              <a:t>typing</a:t>
+            </a:r>
+            <a:endParaRPr lang="en-US" dirty="0">
+              <a:latin typeface="Times New Roman" panose="02020603050405020304" pitchFamily="18" charset="0"/>
+              <a:cs typeface="Times New Roman" panose="02020603050405020304" pitchFamily="18" charset="0"/>
+            </a:endParaRPr>
           </a:p>
         </p:txBody>
       </p:sp>
@@ -9101,7 +9256,7 @@
         <p:spPr/>
         <p:txBody>
           <a:bodyPr>
-            <a:normAutofit/>
+            <a:noAutofit/>
           </a:bodyPr>
           <a:lstStyle/>
           <a:p>
@@ -9110,83 +9265,146 @@
                 <a:latin typeface="Times New Roman" panose="02020603050405020304" pitchFamily="18" charset="0"/>
                 <a:cs typeface="Times New Roman" panose="02020603050405020304" pitchFamily="18" charset="0"/>
               </a:rPr>
-              <a:t>Data Binding</a:t>
-            </a:r>
-          </a:p>
-          <a:p>
+              <a:t>Dynamic typing</a:t>
+            </a:r>
             <a:r>
               <a:rPr lang="en-US" sz="2200" dirty="0">
                 <a:latin typeface="Times New Roman" panose="02020603050405020304" pitchFamily="18" charset="0"/>
                 <a:cs typeface="Times New Roman" panose="02020603050405020304" pitchFamily="18" charset="0"/>
               </a:rPr>
-              <a:t>There are two types of data binding:</a:t>
-            </a:r>
-          </a:p>
-          <a:p>
-            <a:pPr marL="457200" indent="-457200">
-              <a:buFont typeface="+mj-lt"/>
-              <a:buAutoNum type="arabicPeriod"/>
+              <a:t> — the type is associated with the value, and checked at run-time.</a:t>
+            </a:r>
+          </a:p>
+          <a:p>
+            <a:pPr marL="0" indent="0">
+              <a:buNone/>
             </a:pPr>
             <a:r>
-              <a:rPr lang="en-US" sz="2200" i="1" dirty="0">
-                <a:latin typeface="Times New Roman" panose="02020603050405020304" pitchFamily="18" charset="0"/>
-                <a:cs typeface="Times New Roman" panose="02020603050405020304" pitchFamily="18" charset="0"/>
-              </a:rPr>
-              <a:t>Event binding</a:t>
-            </a:r>
-            <a:r>
               <a:rPr lang="en-US" sz="2200" dirty="0">
                 <a:latin typeface="Times New Roman" panose="02020603050405020304" pitchFamily="18" charset="0"/>
                 <a:cs typeface="Times New Roman" panose="02020603050405020304" pitchFamily="18" charset="0"/>
               </a:rPr>
-              <a:t> lets your app respond to user input in the target environment by updating your application data.</a:t>
-            </a:r>
-          </a:p>
-          <a:p>
-            <a:pPr marL="457200" indent="-457200">
-              <a:buFont typeface="+mj-lt"/>
-              <a:buAutoNum type="arabicPeriod"/>
+              <a:t>function g( a ) {</a:t>
+            </a:r>
+          </a:p>
+          <a:p>
+            <a:pPr marL="0" indent="0">
+              <a:buNone/>
             </a:pPr>
             <a:r>
-              <a:rPr lang="en-US" sz="2200" i="1" dirty="0">
-                <a:latin typeface="Times New Roman" panose="02020603050405020304" pitchFamily="18" charset="0"/>
-                <a:cs typeface="Times New Roman" panose="02020603050405020304" pitchFamily="18" charset="0"/>
-              </a:rPr>
-              <a:t>Property binding</a:t>
+              <a:rPr lang="en-US" sz="2200" dirty="0" smtClean="0">
+                <a:latin typeface="Times New Roman" panose="02020603050405020304" pitchFamily="18" charset="0"/>
+                <a:cs typeface="Times New Roman" panose="02020603050405020304" pitchFamily="18" charset="0"/>
+              </a:rPr>
+              <a:t>   </a:t>
             </a:r>
             <a:r>
               <a:rPr lang="en-US" sz="2200" dirty="0">
                 <a:latin typeface="Times New Roman" panose="02020603050405020304" pitchFamily="18" charset="0"/>
                 <a:cs typeface="Times New Roman" panose="02020603050405020304" pitchFamily="18" charset="0"/>
               </a:rPr>
-              <a:t> lets you interpolate values that are computed from your application data into the HTML.</a:t>
-            </a:r>
-          </a:p>
-          <a:p>
+              <a:t>return a / 10;</a:t>
+            </a:r>
+          </a:p>
+          <a:p>
+            <a:pPr marL="0" indent="0">
+              <a:buNone/>
+            </a:pPr>
+            <a:r>
+              <a:rPr lang="en-US" sz="2200" dirty="0" smtClean="0">
+                <a:latin typeface="Times New Roman" panose="02020603050405020304" pitchFamily="18" charset="0"/>
+                <a:cs typeface="Times New Roman" panose="02020603050405020304" pitchFamily="18" charset="0"/>
+              </a:rPr>
+              <a:t>}</a:t>
+            </a:r>
+          </a:p>
+          <a:p>
+            <a:pPr marL="0" indent="0">
+              <a:buNone/>
+            </a:pPr>
             <a:endParaRPr lang="en-US" sz="2200" dirty="0">
               <a:latin typeface="Times New Roman" panose="02020603050405020304" pitchFamily="18" charset="0"/>
               <a:cs typeface="Times New Roman" panose="02020603050405020304" pitchFamily="18" charset="0"/>
             </a:endParaRPr>
           </a:p>
+          <a:p>
+            <a:r>
+              <a:rPr lang="en-US" sz="2200" b="1" dirty="0">
+                <a:latin typeface="Times New Roman" panose="02020603050405020304" pitchFamily="18" charset="0"/>
+                <a:cs typeface="Times New Roman" panose="02020603050405020304" pitchFamily="18" charset="0"/>
+              </a:rPr>
+              <a:t>Static typing</a:t>
+            </a:r>
+            <a:r>
+              <a:rPr lang="en-US" sz="2200" dirty="0">
+                <a:latin typeface="Times New Roman" panose="02020603050405020304" pitchFamily="18" charset="0"/>
+                <a:cs typeface="Times New Roman" panose="02020603050405020304" pitchFamily="18" charset="0"/>
+              </a:rPr>
+              <a:t> — type is associated with variable or textual expression, and checked at compile-time.</a:t>
+            </a:r>
+          </a:p>
+          <a:p>
+            <a:pPr marL="0" indent="0">
+              <a:buNone/>
+            </a:pPr>
+            <a:r>
+              <a:rPr lang="en-US" sz="2200" dirty="0">
+                <a:latin typeface="Times New Roman" panose="02020603050405020304" pitchFamily="18" charset="0"/>
+                <a:cs typeface="Times New Roman" panose="02020603050405020304" pitchFamily="18" charset="0"/>
+              </a:rPr>
+              <a:t>function g( a : number ) : number{</a:t>
+            </a:r>
+          </a:p>
+          <a:p>
+            <a:pPr marL="0" indent="0">
+              <a:buNone/>
+            </a:pPr>
+            <a:r>
+              <a:rPr lang="en-US" sz="2200" dirty="0">
+                <a:latin typeface="Times New Roman" panose="02020603050405020304" pitchFamily="18" charset="0"/>
+                <a:cs typeface="Times New Roman" panose="02020603050405020304" pitchFamily="18" charset="0"/>
+              </a:rPr>
+              <a:t>   </a:t>
+            </a:r>
+            <a:r>
+              <a:rPr lang="en-US" sz="2200" dirty="0" smtClean="0">
+                <a:latin typeface="Times New Roman" panose="02020603050405020304" pitchFamily="18" charset="0"/>
+                <a:cs typeface="Times New Roman" panose="02020603050405020304" pitchFamily="18" charset="0"/>
+              </a:rPr>
+              <a:t>return </a:t>
+            </a:r>
+            <a:r>
+              <a:rPr lang="en-US" sz="2200" dirty="0">
+                <a:latin typeface="Times New Roman" panose="02020603050405020304" pitchFamily="18" charset="0"/>
+                <a:cs typeface="Times New Roman" panose="02020603050405020304" pitchFamily="18" charset="0"/>
+              </a:rPr>
+              <a:t>a / 10;</a:t>
+            </a:r>
+          </a:p>
+          <a:p>
+            <a:pPr marL="0" indent="0">
+              <a:buNone/>
+            </a:pPr>
+            <a:r>
+              <a:rPr lang="en-US" sz="2200" dirty="0">
+                <a:latin typeface="Times New Roman" panose="02020603050405020304" pitchFamily="18" charset="0"/>
+                <a:cs typeface="Times New Roman" panose="02020603050405020304" pitchFamily="18" charset="0"/>
+              </a:rPr>
+              <a:t>}</a:t>
+            </a:r>
+          </a:p>
         </p:txBody>
       </p:sp>
     </p:spTree>
     <p:extLst>
       <p:ext uri="{BB962C8B-B14F-4D97-AF65-F5344CB8AC3E}">
-        <p14:creationId xmlns:p14="http://schemas.microsoft.com/office/powerpoint/2010/main" val="2175551747"/>
+        <p14:creationId xmlns:p14="http://schemas.microsoft.com/office/powerpoint/2010/main" val="1069062279"/>
       </p:ext>
     </p:extLst>
   </p:cSld>
   <p:clrMapOvr>
     <a:masterClrMapping/>
   </p:clrMapOvr>
-  <p:timing>
-    <p:tnLst>
-      <p:par>
-        <p:cTn id="1" dur="indefinite" restart="never" nodeType="tmRoot"/>
-      </p:par>
-    </p:tnLst>
-  </p:timing>
 </p:sld>
 </file>
 
@@ -9223,181 +9441,163 @@
           <a:lstStyle/>
           <a:p>
             <a:r>
-              <a:rPr lang="en-US" dirty="0">
-                <a:latin typeface="Times New Roman" panose="02020603050405020304" pitchFamily="18" charset="0"/>
-                <a:cs typeface="Times New Roman" panose="02020603050405020304" pitchFamily="18" charset="0"/>
-              </a:rPr>
-              <a:t>Architecture overview</a:t>
-            </a:r>
-          </a:p>
-        </p:txBody>
-      </p:sp>
-      <p:sp>
-        <p:nvSpPr>
-          <p:cNvPr id="3" name="Content Placeholder 2"/>
-          <p:cNvSpPr>
-            <a:spLocks noGrp="1"/>
-          </p:cNvSpPr>
-          <p:nvPr>
-            <p:ph idx="1"/>
-          </p:nvPr>
-        </p:nvSpPr>
-        <p:spPr/>
-        <p:txBody>
-          <a:bodyPr>
-            <a:normAutofit/>
-          </a:bodyPr>
-          <a:lstStyle/>
-          <a:p>
-            <a:r>
-              <a:rPr lang="en-US" sz="2200" b="1" dirty="0">
-                <a:latin typeface="Times New Roman" panose="02020603050405020304" pitchFamily="18" charset="0"/>
-                <a:cs typeface="Times New Roman" panose="02020603050405020304" pitchFamily="18" charset="0"/>
-              </a:rPr>
-              <a:t>Input and </a:t>
-            </a:r>
-            <a:r>
-              <a:rPr lang="en-US" sz="2200" b="1" dirty="0" smtClean="0">
-                <a:latin typeface="Times New Roman" panose="02020603050405020304" pitchFamily="18" charset="0"/>
-                <a:cs typeface="Times New Roman" panose="02020603050405020304" pitchFamily="18" charset="0"/>
-              </a:rPr>
-              <a:t>Output: </a:t>
-            </a:r>
-            <a:r>
-              <a:rPr lang="en-US" sz="2200" i="1" dirty="0" smtClean="0">
-                <a:latin typeface="Times New Roman" panose="02020603050405020304" pitchFamily="18" charset="0"/>
-                <a:cs typeface="Times New Roman" panose="02020603050405020304" pitchFamily="18" charset="0"/>
-              </a:rPr>
-              <a:t>Input</a:t>
-            </a:r>
-            <a:r>
-              <a:rPr lang="en-US" sz="2200" dirty="0">
-                <a:latin typeface="Times New Roman" panose="02020603050405020304" pitchFamily="18" charset="0"/>
-                <a:cs typeface="Times New Roman" panose="02020603050405020304" pitchFamily="18" charset="0"/>
-              </a:rPr>
-              <a:t> properties usually receive data values. </a:t>
-            </a:r>
-            <a:r>
-              <a:rPr lang="en-US" sz="2200" i="1" dirty="0">
-                <a:latin typeface="Times New Roman" panose="02020603050405020304" pitchFamily="18" charset="0"/>
-                <a:cs typeface="Times New Roman" panose="02020603050405020304" pitchFamily="18" charset="0"/>
-              </a:rPr>
-              <a:t>Output</a:t>
-            </a:r>
-            <a:r>
-              <a:rPr lang="en-US" sz="2200" dirty="0">
-                <a:latin typeface="Times New Roman" panose="02020603050405020304" pitchFamily="18" charset="0"/>
-                <a:cs typeface="Times New Roman" panose="02020603050405020304" pitchFamily="18" charset="0"/>
-              </a:rPr>
-              <a:t> properties expose </a:t>
-            </a:r>
-            <a:r>
-              <a:rPr lang="en-US" sz="2200" i="1" dirty="0">
-                <a:latin typeface="Times New Roman" panose="02020603050405020304" pitchFamily="18" charset="0"/>
-                <a:cs typeface="Times New Roman" panose="02020603050405020304" pitchFamily="18" charset="0"/>
-              </a:rPr>
-              <a:t>Event</a:t>
-            </a:r>
-            <a:r>
-              <a:rPr lang="en-US" sz="2200" dirty="0">
-                <a:latin typeface="Times New Roman" panose="02020603050405020304" pitchFamily="18" charset="0"/>
-                <a:cs typeface="Times New Roman" panose="02020603050405020304" pitchFamily="18" charset="0"/>
-              </a:rPr>
-              <a:t> producers.</a:t>
-            </a:r>
-            <a:endParaRPr lang="en-US" sz="2200" b="1" dirty="0">
+              <a:rPr lang="nl-NL" dirty="0" smtClean="0">
+                <a:latin typeface="Times New Roman" panose="02020603050405020304" pitchFamily="18" charset="0"/>
+                <a:cs typeface="Times New Roman" panose="02020603050405020304" pitchFamily="18" charset="0"/>
+              </a:rPr>
+              <a:t>OOP</a:t>
+            </a:r>
+            <a:endParaRPr lang="en-US" dirty="0">
               <a:latin typeface="Times New Roman" panose="02020603050405020304" pitchFamily="18" charset="0"/>
               <a:cs typeface="Times New Roman" panose="02020603050405020304" pitchFamily="18" charset="0"/>
             </a:endParaRPr>
           </a:p>
-          <a:p>
-            <a:r>
-              <a:rPr lang="nl-NL" sz="2200" dirty="0" err="1" smtClean="0">
-                <a:latin typeface="Times New Roman" panose="02020603050405020304" pitchFamily="18" charset="0"/>
-                <a:cs typeface="Times New Roman" panose="02020603050405020304" pitchFamily="18" charset="0"/>
-              </a:rPr>
-              <a:t>To</a:t>
-            </a:r>
-            <a:r>
-              <a:rPr lang="nl-NL" sz="2200" dirty="0" smtClean="0">
-                <a:latin typeface="Times New Roman" panose="02020603050405020304" pitchFamily="18" charset="0"/>
-                <a:cs typeface="Times New Roman" panose="02020603050405020304" pitchFamily="18" charset="0"/>
-              </a:rPr>
-              <a:t> </a:t>
-            </a:r>
-            <a:r>
-              <a:rPr lang="nl-NL" sz="2200" dirty="0" err="1" smtClean="0">
-                <a:latin typeface="Times New Roman" panose="02020603050405020304" pitchFamily="18" charset="0"/>
-                <a:cs typeface="Times New Roman" panose="02020603050405020304" pitchFamily="18" charset="0"/>
-              </a:rPr>
-              <a:t>define</a:t>
-            </a:r>
-            <a:r>
-              <a:rPr lang="nl-NL" sz="2200" dirty="0" smtClean="0">
-                <a:latin typeface="Times New Roman" panose="02020603050405020304" pitchFamily="18" charset="0"/>
-                <a:cs typeface="Times New Roman" panose="02020603050405020304" pitchFamily="18" charset="0"/>
-              </a:rPr>
-              <a:t> Input </a:t>
-            </a:r>
-            <a:r>
-              <a:rPr lang="nl-NL" sz="2200" dirty="0" err="1" smtClean="0">
-                <a:latin typeface="Times New Roman" panose="02020603050405020304" pitchFamily="18" charset="0"/>
-                <a:cs typeface="Times New Roman" panose="02020603050405020304" pitchFamily="18" charset="0"/>
-              </a:rPr>
-              <a:t>and</a:t>
-            </a:r>
-            <a:r>
-              <a:rPr lang="nl-NL" sz="2200" dirty="0" smtClean="0">
-                <a:latin typeface="Times New Roman" panose="02020603050405020304" pitchFamily="18" charset="0"/>
-                <a:cs typeface="Times New Roman" panose="02020603050405020304" pitchFamily="18" charset="0"/>
-              </a:rPr>
-              <a:t> Output </a:t>
-            </a:r>
-            <a:r>
-              <a:rPr lang="nl-NL" sz="2200" dirty="0" err="1" smtClean="0">
-                <a:latin typeface="Times New Roman" panose="02020603050405020304" pitchFamily="18" charset="0"/>
-                <a:cs typeface="Times New Roman" panose="02020603050405020304" pitchFamily="18" charset="0"/>
-              </a:rPr>
-              <a:t>use</a:t>
-            </a:r>
-            <a:r>
-              <a:rPr lang="nl-NL" sz="2200" dirty="0" smtClean="0">
-                <a:latin typeface="Times New Roman" panose="02020603050405020304" pitchFamily="18" charset="0"/>
-                <a:cs typeface="Times New Roman" panose="02020603050405020304" pitchFamily="18" charset="0"/>
-              </a:rPr>
-              <a:t> @Input &amp; @Output </a:t>
-            </a:r>
-            <a:r>
-              <a:rPr lang="nl-NL" sz="2200" dirty="0" err="1" smtClean="0">
-                <a:latin typeface="Times New Roman" panose="02020603050405020304" pitchFamily="18" charset="0"/>
-                <a:cs typeface="Times New Roman" panose="02020603050405020304" pitchFamily="18" charset="0"/>
-              </a:rPr>
-              <a:t>decorator</a:t>
-            </a:r>
-            <a:endParaRPr lang="en-US" sz="2200" dirty="0">
-              <a:latin typeface="Times New Roman" panose="02020603050405020304" pitchFamily="18" charset="0"/>
-              <a:cs typeface="Times New Roman" panose="02020603050405020304" pitchFamily="18" charset="0"/>
-            </a:endParaRPr>
+        </p:txBody>
+      </p:sp>
+      <p:sp>
+        <p:nvSpPr>
+          <p:cNvPr id="3" name="Content Placeholder 2"/>
+          <p:cNvSpPr>
+            <a:spLocks noGrp="1"/>
+          </p:cNvSpPr>
+          <p:nvPr>
+            <p:ph idx="1"/>
+          </p:nvPr>
+        </p:nvSpPr>
+        <p:spPr/>
+        <p:txBody>
+          <a:bodyPr/>
+          <a:lstStyle/>
+          <a:p>
+            <a:r>
+              <a:rPr lang="en-US" dirty="0">
+                <a:latin typeface="Times New Roman" panose="02020603050405020304" pitchFamily="18" charset="0"/>
+                <a:cs typeface="Times New Roman" panose="02020603050405020304" pitchFamily="18" charset="0"/>
+              </a:rPr>
+              <a:t>Interface</a:t>
+            </a:r>
+          </a:p>
+          <a:p>
+            <a:pPr marL="0" indent="0">
+              <a:buNone/>
+            </a:pPr>
+            <a:r>
+              <a:rPr lang="en-US" dirty="0">
+                <a:latin typeface="Times New Roman" panose="02020603050405020304" pitchFamily="18" charset="0"/>
+                <a:cs typeface="Times New Roman" panose="02020603050405020304" pitchFamily="18" charset="0"/>
+              </a:rPr>
+              <a:t>interface </a:t>
+            </a:r>
+            <a:r>
+              <a:rPr lang="en-US" dirty="0" err="1">
+                <a:latin typeface="Times New Roman" panose="02020603050405020304" pitchFamily="18" charset="0"/>
+                <a:cs typeface="Times New Roman" panose="02020603050405020304" pitchFamily="18" charset="0"/>
+              </a:rPr>
+              <a:t>KeyPair</a:t>
+            </a:r>
+            <a:r>
+              <a:rPr lang="en-US" dirty="0">
+                <a:latin typeface="Times New Roman" panose="02020603050405020304" pitchFamily="18" charset="0"/>
+                <a:cs typeface="Times New Roman" panose="02020603050405020304" pitchFamily="18" charset="0"/>
+              </a:rPr>
+              <a:t> {</a:t>
+            </a:r>
+          </a:p>
+          <a:p>
+            <a:pPr marL="0" indent="0">
+              <a:buNone/>
+            </a:pPr>
+            <a:r>
+              <a:rPr lang="en-US" dirty="0">
+                <a:latin typeface="Times New Roman" panose="02020603050405020304" pitchFamily="18" charset="0"/>
+                <a:cs typeface="Times New Roman" panose="02020603050405020304" pitchFamily="18" charset="0"/>
+              </a:rPr>
+              <a:t>    key: number;</a:t>
+            </a:r>
+          </a:p>
+          <a:p>
+            <a:pPr marL="0" indent="0">
+              <a:buNone/>
+            </a:pPr>
+            <a:r>
+              <a:rPr lang="en-US" dirty="0">
+                <a:latin typeface="Times New Roman" panose="02020603050405020304" pitchFamily="18" charset="0"/>
+                <a:cs typeface="Times New Roman" panose="02020603050405020304" pitchFamily="18" charset="0"/>
+              </a:rPr>
+              <a:t>    value: string;</a:t>
+            </a:r>
+          </a:p>
+          <a:p>
+            <a:pPr marL="0" indent="0">
+              <a:buNone/>
+            </a:pPr>
+            <a:r>
+              <a:rPr lang="en-US" dirty="0">
+                <a:latin typeface="Times New Roman" panose="02020603050405020304" pitchFamily="18" charset="0"/>
+                <a:cs typeface="Times New Roman" panose="02020603050405020304" pitchFamily="18" charset="0"/>
+              </a:rPr>
+              <a:t>}</a:t>
+            </a:r>
+          </a:p>
+          <a:p>
+            <a:pPr marL="0" indent="0">
+              <a:buNone/>
+            </a:pPr>
+            <a:r>
+              <a:rPr lang="en-US" dirty="0" smtClean="0">
+                <a:latin typeface="Times New Roman" panose="02020603050405020304" pitchFamily="18" charset="0"/>
+                <a:cs typeface="Times New Roman" panose="02020603050405020304" pitchFamily="18" charset="0"/>
+              </a:rPr>
+              <a:t>let </a:t>
+            </a:r>
+            <a:r>
+              <a:rPr lang="en-US" dirty="0">
+                <a:latin typeface="Times New Roman" panose="02020603050405020304" pitchFamily="18" charset="0"/>
+                <a:cs typeface="Times New Roman" panose="02020603050405020304" pitchFamily="18" charset="0"/>
+              </a:rPr>
+              <a:t>kv1: </a:t>
+            </a:r>
+            <a:r>
+              <a:rPr lang="en-US" dirty="0" err="1">
+                <a:latin typeface="Times New Roman" panose="02020603050405020304" pitchFamily="18" charset="0"/>
+                <a:cs typeface="Times New Roman" panose="02020603050405020304" pitchFamily="18" charset="0"/>
+              </a:rPr>
+              <a:t>KeyPair</a:t>
+            </a:r>
+            <a:r>
+              <a:rPr lang="en-US" dirty="0">
+                <a:latin typeface="Times New Roman" panose="02020603050405020304" pitchFamily="18" charset="0"/>
+                <a:cs typeface="Times New Roman" panose="02020603050405020304" pitchFamily="18" charset="0"/>
+              </a:rPr>
+              <a:t> = { key:1, </a:t>
+            </a:r>
+            <a:r>
+              <a:rPr lang="en-US" dirty="0" err="1">
+                <a:latin typeface="Times New Roman" panose="02020603050405020304" pitchFamily="18" charset="0"/>
+                <a:cs typeface="Times New Roman" panose="02020603050405020304" pitchFamily="18" charset="0"/>
+              </a:rPr>
+              <a:t>value:"Steve</a:t>
+            </a:r>
+            <a:r>
+              <a:rPr lang="en-US" dirty="0">
+                <a:latin typeface="Times New Roman" panose="02020603050405020304" pitchFamily="18" charset="0"/>
+                <a:cs typeface="Times New Roman" panose="02020603050405020304" pitchFamily="18" charset="0"/>
+              </a:rPr>
+              <a:t>" }; </a:t>
+            </a:r>
           </a:p>
         </p:txBody>
       </p:sp>
     </p:spTree>
     <p:extLst>
       <p:ext uri="{BB962C8B-B14F-4D97-AF65-F5344CB8AC3E}">
-        <p14:creationId xmlns:p14="http://schemas.microsoft.com/office/powerpoint/2010/main" val="3308716006"/>
+        <p14:creationId xmlns:p14="http://schemas.microsoft.com/office/powerpoint/2010/main" val="3212059875"/>
       </p:ext>
     </p:extLst>
   </p:cSld>
   <p:clrMapOvr>
     <a:masterClrMapping/>
   </p:clrMapOvr>
-  <p:timing>
-    <p:tnLst>
-      <p:par>
-        <p:cTn id="1" dur="indefinite" restart="never" nodeType="tmRoot"/>
-      </p:par>
-    </p:tnLst>
-  </p:timing>
 </p:sld>
 </file>
 
@@ -9434,316 +9634,123 @@
           <a:lstStyle/>
           <a:p>
             <a:r>
-              <a:rPr lang="en-US" dirty="0">
-                <a:latin typeface="Times New Roman" panose="02020603050405020304" pitchFamily="18" charset="0"/>
-                <a:cs typeface="Times New Roman" panose="02020603050405020304" pitchFamily="18" charset="0"/>
-              </a:rPr>
-              <a:t>Architecture overview</a:t>
-            </a:r>
-          </a:p>
-        </p:txBody>
-      </p:sp>
-      <p:sp>
-        <p:nvSpPr>
-          <p:cNvPr id="3" name="Content Placeholder 2"/>
-          <p:cNvSpPr>
-            <a:spLocks noGrp="1"/>
-          </p:cNvSpPr>
-          <p:nvPr>
-            <p:ph idx="1"/>
-          </p:nvPr>
-        </p:nvSpPr>
-        <p:spPr/>
-        <p:txBody>
-          <a:bodyPr>
-            <a:normAutofit/>
-          </a:bodyPr>
-          <a:lstStyle/>
-          <a:p>
-            <a:r>
-              <a:rPr lang="en-US" sz="2200" b="1" dirty="0" smtClean="0">
-                <a:latin typeface="Times New Roman" panose="02020603050405020304" pitchFamily="18" charset="0"/>
-                <a:cs typeface="Times New Roman" panose="02020603050405020304" pitchFamily="18" charset="0"/>
-              </a:rPr>
-              <a:t>Directives: </a:t>
-            </a:r>
-            <a:r>
-              <a:rPr lang="en-US" sz="2200" dirty="0">
-                <a:latin typeface="Times New Roman" panose="02020603050405020304" pitchFamily="18" charset="0"/>
-                <a:cs typeface="Times New Roman" panose="02020603050405020304" pitchFamily="18" charset="0"/>
-              </a:rPr>
-              <a:t>In </a:t>
-            </a:r>
-            <a:r>
-              <a:rPr lang="en-US" sz="2200" i="1" dirty="0">
-                <a:latin typeface="Times New Roman" panose="02020603050405020304" pitchFamily="18" charset="0"/>
-                <a:cs typeface="Times New Roman" panose="02020603050405020304" pitchFamily="18" charset="0"/>
-              </a:rPr>
-              <a:t>Angular</a:t>
-            </a:r>
-            <a:r>
-              <a:rPr lang="en-US" sz="2200" dirty="0">
-                <a:latin typeface="Times New Roman" panose="02020603050405020304" pitchFamily="18" charset="0"/>
-                <a:cs typeface="Times New Roman" panose="02020603050405020304" pitchFamily="18" charset="0"/>
-              </a:rPr>
-              <a:t>, there are three kinds of </a:t>
-            </a:r>
-            <a:r>
-              <a:rPr lang="en-US" sz="2200" i="1" dirty="0">
-                <a:latin typeface="Times New Roman" panose="02020603050405020304" pitchFamily="18" charset="0"/>
-                <a:cs typeface="Times New Roman" panose="02020603050405020304" pitchFamily="18" charset="0"/>
-              </a:rPr>
-              <a:t>Directives</a:t>
-            </a:r>
-            <a:r>
-              <a:rPr lang="en-US" sz="2200" dirty="0">
-                <a:latin typeface="Times New Roman" panose="02020603050405020304" pitchFamily="18" charset="0"/>
-                <a:cs typeface="Times New Roman" panose="02020603050405020304" pitchFamily="18" charset="0"/>
-              </a:rPr>
-              <a:t>:</a:t>
-            </a:r>
-          </a:p>
-          <a:p>
-            <a:r>
-              <a:rPr lang="en-US" sz="2200" i="1" dirty="0">
-                <a:latin typeface="Times New Roman" panose="02020603050405020304" pitchFamily="18" charset="0"/>
-                <a:cs typeface="Times New Roman" panose="02020603050405020304" pitchFamily="18" charset="0"/>
-              </a:rPr>
-              <a:t>Components</a:t>
-            </a:r>
-            <a:r>
-              <a:rPr lang="en-US" sz="2200" dirty="0">
-                <a:latin typeface="Times New Roman" panose="02020603050405020304" pitchFamily="18" charset="0"/>
-                <a:cs typeface="Times New Roman" panose="02020603050405020304" pitchFamily="18" charset="0"/>
-              </a:rPr>
-              <a:t> — </a:t>
-            </a:r>
-            <a:r>
-              <a:rPr lang="en-US" sz="2200" i="1" dirty="0">
-                <a:latin typeface="Times New Roman" panose="02020603050405020304" pitchFamily="18" charset="0"/>
-                <a:cs typeface="Times New Roman" panose="02020603050405020304" pitchFamily="18" charset="0"/>
-              </a:rPr>
-              <a:t>Directives</a:t>
-            </a:r>
-            <a:r>
-              <a:rPr lang="en-US" sz="2200" dirty="0">
-                <a:latin typeface="Times New Roman" panose="02020603050405020304" pitchFamily="18" charset="0"/>
-                <a:cs typeface="Times New Roman" panose="02020603050405020304" pitchFamily="18" charset="0"/>
-              </a:rPr>
-              <a:t> with a template</a:t>
-            </a:r>
-          </a:p>
-          <a:p>
-            <a:r>
-              <a:rPr lang="en-US" sz="2200" i="1" dirty="0">
-                <a:latin typeface="Times New Roman" panose="02020603050405020304" pitchFamily="18" charset="0"/>
-                <a:cs typeface="Times New Roman" panose="02020603050405020304" pitchFamily="18" charset="0"/>
-              </a:rPr>
-              <a:t>Structural Directives</a:t>
-            </a:r>
-            <a:r>
-              <a:rPr lang="en-US" sz="2200" dirty="0">
-                <a:latin typeface="Times New Roman" panose="02020603050405020304" pitchFamily="18" charset="0"/>
-                <a:cs typeface="Times New Roman" panose="02020603050405020304" pitchFamily="18" charset="0"/>
-              </a:rPr>
-              <a:t> — change the </a:t>
-            </a:r>
-            <a:r>
-              <a:rPr lang="en-US" sz="2200" i="1" dirty="0">
-                <a:latin typeface="Times New Roman" panose="02020603050405020304" pitchFamily="18" charset="0"/>
-                <a:cs typeface="Times New Roman" panose="02020603050405020304" pitchFamily="18" charset="0"/>
-              </a:rPr>
-              <a:t>DOM</a:t>
-            </a:r>
-            <a:r>
-              <a:rPr lang="en-US" sz="2200" dirty="0">
-                <a:latin typeface="Times New Roman" panose="02020603050405020304" pitchFamily="18" charset="0"/>
-                <a:cs typeface="Times New Roman" panose="02020603050405020304" pitchFamily="18" charset="0"/>
-              </a:rPr>
-              <a:t> layout by adding and removing </a:t>
-            </a:r>
-            <a:r>
-              <a:rPr lang="en-US" sz="2200" i="1" dirty="0">
-                <a:latin typeface="Times New Roman" panose="02020603050405020304" pitchFamily="18" charset="0"/>
-                <a:cs typeface="Times New Roman" panose="02020603050405020304" pitchFamily="18" charset="0"/>
-              </a:rPr>
-              <a:t>DOM</a:t>
-            </a:r>
-            <a:r>
-              <a:rPr lang="en-US" sz="2200" dirty="0">
-                <a:latin typeface="Times New Roman" panose="02020603050405020304" pitchFamily="18" charset="0"/>
-                <a:cs typeface="Times New Roman" panose="02020603050405020304" pitchFamily="18" charset="0"/>
-              </a:rPr>
-              <a:t> elements</a:t>
-            </a:r>
-          </a:p>
-          <a:p>
-            <a:r>
-              <a:rPr lang="en-US" sz="2200" i="1" dirty="0">
-                <a:latin typeface="Times New Roman" panose="02020603050405020304" pitchFamily="18" charset="0"/>
-                <a:cs typeface="Times New Roman" panose="02020603050405020304" pitchFamily="18" charset="0"/>
-              </a:rPr>
-              <a:t>Attribute Directives</a:t>
-            </a:r>
-            <a:r>
-              <a:rPr lang="en-US" sz="2200" dirty="0">
-                <a:latin typeface="Times New Roman" panose="02020603050405020304" pitchFamily="18" charset="0"/>
-                <a:cs typeface="Times New Roman" panose="02020603050405020304" pitchFamily="18" charset="0"/>
-              </a:rPr>
-              <a:t> — change the appearance or behavior of an element, </a:t>
-            </a:r>
-            <a:r>
-              <a:rPr lang="en-US" sz="2200" i="1" dirty="0">
-                <a:latin typeface="Times New Roman" panose="02020603050405020304" pitchFamily="18" charset="0"/>
-                <a:cs typeface="Times New Roman" panose="02020603050405020304" pitchFamily="18" charset="0"/>
-              </a:rPr>
-              <a:t>Component</a:t>
-            </a:r>
-            <a:r>
-              <a:rPr lang="en-US" sz="2200" dirty="0">
-                <a:latin typeface="Times New Roman" panose="02020603050405020304" pitchFamily="18" charset="0"/>
-                <a:cs typeface="Times New Roman" panose="02020603050405020304" pitchFamily="18" charset="0"/>
-              </a:rPr>
-              <a:t>, or another </a:t>
-            </a:r>
-            <a:r>
-              <a:rPr lang="en-US" sz="2200" i="1" dirty="0">
-                <a:latin typeface="Times New Roman" panose="02020603050405020304" pitchFamily="18" charset="0"/>
-                <a:cs typeface="Times New Roman" panose="02020603050405020304" pitchFamily="18" charset="0"/>
-              </a:rPr>
-              <a:t>Directive</a:t>
-            </a:r>
-            <a:endParaRPr lang="en-US" sz="2200" dirty="0">
+              <a:rPr lang="nl-NL" dirty="0" smtClean="0">
+                <a:latin typeface="Times New Roman" panose="02020603050405020304" pitchFamily="18" charset="0"/>
+                <a:cs typeface="Times New Roman" panose="02020603050405020304" pitchFamily="18" charset="0"/>
+              </a:rPr>
+              <a:t>OOP</a:t>
+            </a:r>
+            <a:endParaRPr lang="en-US" dirty="0">
               <a:latin typeface="Times New Roman" panose="02020603050405020304" pitchFamily="18" charset="0"/>
               <a:cs typeface="Times New Roman" panose="02020603050405020304" pitchFamily="18" charset="0"/>
             </a:endParaRPr>
           </a:p>
-          <a:p>
-            <a:r>
-              <a:rPr lang="en-US" sz="2200" i="1" dirty="0">
-                <a:latin typeface="Times New Roman" panose="02020603050405020304" pitchFamily="18" charset="0"/>
-                <a:cs typeface="Times New Roman" panose="02020603050405020304" pitchFamily="18" charset="0"/>
-              </a:rPr>
-              <a:t>Structural Directives</a:t>
-            </a:r>
-            <a:r>
-              <a:rPr lang="en-US" sz="2200" dirty="0">
-                <a:latin typeface="Times New Roman" panose="02020603050405020304" pitchFamily="18" charset="0"/>
-                <a:cs typeface="Times New Roman" panose="02020603050405020304" pitchFamily="18" charset="0"/>
-              </a:rPr>
-              <a:t> change the structure of the </a:t>
-            </a:r>
-            <a:r>
-              <a:rPr lang="en-US" sz="2200" i="1" dirty="0">
-                <a:latin typeface="Times New Roman" panose="02020603050405020304" pitchFamily="18" charset="0"/>
-                <a:cs typeface="Times New Roman" panose="02020603050405020304" pitchFamily="18" charset="0"/>
-              </a:rPr>
-              <a:t>View</a:t>
-            </a:r>
-            <a:r>
-              <a:rPr lang="en-US" sz="2200" dirty="0">
-                <a:latin typeface="Times New Roman" panose="02020603050405020304" pitchFamily="18" charset="0"/>
-                <a:cs typeface="Times New Roman" panose="02020603050405020304" pitchFamily="18" charset="0"/>
-              </a:rPr>
-              <a:t>. They are things like </a:t>
-            </a:r>
-            <a:r>
-              <a:rPr lang="en-US" sz="2200" dirty="0" smtClean="0">
-                <a:latin typeface="Times New Roman" panose="02020603050405020304" pitchFamily="18" charset="0"/>
-                <a:cs typeface="Times New Roman" panose="02020603050405020304" pitchFamily="18" charset="0"/>
-              </a:rPr>
-              <a:t>“</a:t>
-            </a:r>
-            <a:r>
-              <a:rPr lang="en-US" sz="2200" i="1" dirty="0" err="1" smtClean="0">
-                <a:latin typeface="Times New Roman" panose="02020603050405020304" pitchFamily="18" charset="0"/>
-                <a:cs typeface="Times New Roman" panose="02020603050405020304" pitchFamily="18" charset="0"/>
-              </a:rPr>
-              <a:t>NgFor</a:t>
-            </a:r>
-            <a:r>
-              <a:rPr lang="en-US" sz="2200" dirty="0" smtClean="0">
-                <a:latin typeface="Times New Roman" panose="02020603050405020304" pitchFamily="18" charset="0"/>
-                <a:cs typeface="Times New Roman" panose="02020603050405020304" pitchFamily="18" charset="0"/>
-              </a:rPr>
-              <a:t>” </a:t>
-            </a:r>
-            <a:r>
-              <a:rPr lang="en-US" sz="2200" dirty="0">
-                <a:latin typeface="Times New Roman" panose="02020603050405020304" pitchFamily="18" charset="0"/>
-                <a:cs typeface="Times New Roman" panose="02020603050405020304" pitchFamily="18" charset="0"/>
-              </a:rPr>
-              <a:t>or “</a:t>
-            </a:r>
-            <a:r>
-              <a:rPr lang="en-US" sz="2200" i="1" dirty="0" err="1" smtClean="0">
-                <a:latin typeface="Times New Roman" panose="02020603050405020304" pitchFamily="18" charset="0"/>
-                <a:cs typeface="Times New Roman" panose="02020603050405020304" pitchFamily="18" charset="0"/>
-              </a:rPr>
-              <a:t>NgIf</a:t>
-            </a:r>
-            <a:r>
-              <a:rPr lang="en-US" sz="2200" dirty="0">
-                <a:latin typeface="Times New Roman" panose="02020603050405020304" pitchFamily="18" charset="0"/>
-                <a:cs typeface="Times New Roman" panose="02020603050405020304" pitchFamily="18" charset="0"/>
-              </a:rPr>
-              <a:t> ”</a:t>
-            </a:r>
-            <a:endParaRPr lang="en-US" sz="2200" i="1" dirty="0" smtClean="0">
+        </p:txBody>
+      </p:sp>
+      <p:sp>
+        <p:nvSpPr>
+          <p:cNvPr id="3" name="Content Placeholder 2"/>
+          <p:cNvSpPr>
+            <a:spLocks noGrp="1"/>
+          </p:cNvSpPr>
+          <p:nvPr>
+            <p:ph idx="1"/>
+          </p:nvPr>
+        </p:nvSpPr>
+        <p:spPr/>
+        <p:txBody>
+          <a:bodyPr/>
+          <a:lstStyle/>
+          <a:p>
+            <a:r>
+              <a:rPr lang="nl-NL" b="1" dirty="0" smtClean="0">
+                <a:latin typeface="Times New Roman" panose="02020603050405020304" pitchFamily="18" charset="0"/>
+                <a:cs typeface="Times New Roman" panose="02020603050405020304" pitchFamily="18" charset="0"/>
+              </a:rPr>
+              <a:t>Class</a:t>
+            </a:r>
+            <a:r>
+              <a:rPr lang="nl-NL" dirty="0" smtClean="0">
+                <a:latin typeface="Times New Roman" panose="02020603050405020304" pitchFamily="18" charset="0"/>
+                <a:cs typeface="Times New Roman" panose="02020603050405020304" pitchFamily="18" charset="0"/>
+              </a:rPr>
+              <a:t> </a:t>
+            </a:r>
+            <a:r>
+              <a:rPr lang="en-US" dirty="0" smtClean="0">
+                <a:latin typeface="Times New Roman" panose="02020603050405020304" pitchFamily="18" charset="0"/>
+                <a:cs typeface="Times New Roman" panose="02020603050405020304" pitchFamily="18" charset="0"/>
+              </a:rPr>
+              <a:t>A </a:t>
+            </a:r>
+            <a:r>
+              <a:rPr lang="en-US" dirty="0">
+                <a:latin typeface="Times New Roman" panose="02020603050405020304" pitchFamily="18" charset="0"/>
+                <a:cs typeface="Times New Roman" panose="02020603050405020304" pitchFamily="18" charset="0"/>
+              </a:rPr>
+              <a:t>class can include the following:</a:t>
+            </a:r>
+          </a:p>
+          <a:p>
+            <a:r>
+              <a:rPr lang="en-US" dirty="0" smtClean="0">
+                <a:latin typeface="Times New Roman" panose="02020603050405020304" pitchFamily="18" charset="0"/>
+                <a:cs typeface="Times New Roman" panose="02020603050405020304" pitchFamily="18" charset="0"/>
+              </a:rPr>
+              <a:t>Constructor</a:t>
+            </a:r>
+          </a:p>
+          <a:p>
+            <a:r>
+              <a:rPr lang="en-US" dirty="0" smtClean="0">
+                <a:latin typeface="Times New Roman" panose="02020603050405020304" pitchFamily="18" charset="0"/>
+                <a:cs typeface="Times New Roman" panose="02020603050405020304" pitchFamily="18" charset="0"/>
+              </a:rPr>
+              <a:t>Properties</a:t>
+            </a:r>
+            <a:endParaRPr lang="en-US" dirty="0">
               <a:latin typeface="Times New Roman" panose="02020603050405020304" pitchFamily="18" charset="0"/>
               <a:cs typeface="Times New Roman" panose="02020603050405020304" pitchFamily="18" charset="0"/>
             </a:endParaRPr>
           </a:p>
           <a:p>
             <a:r>
-              <a:rPr lang="en-US" sz="2200" i="1" dirty="0">
-                <a:latin typeface="Times New Roman" panose="02020603050405020304" pitchFamily="18" charset="0"/>
-                <a:cs typeface="Times New Roman" panose="02020603050405020304" pitchFamily="18" charset="0"/>
-              </a:rPr>
-              <a:t>Attribute Directives</a:t>
-            </a:r>
-            <a:r>
-              <a:rPr lang="en-US" sz="2200" dirty="0">
-                <a:latin typeface="Times New Roman" panose="02020603050405020304" pitchFamily="18" charset="0"/>
-                <a:cs typeface="Times New Roman" panose="02020603050405020304" pitchFamily="18" charset="0"/>
-              </a:rPr>
-              <a:t> are used as attributes of elements. They are things like “</a:t>
-            </a:r>
-            <a:r>
-              <a:rPr lang="en-US" sz="2200" i="1" dirty="0" err="1">
-                <a:latin typeface="Times New Roman" panose="02020603050405020304" pitchFamily="18" charset="0"/>
-                <a:cs typeface="Times New Roman" panose="02020603050405020304" pitchFamily="18" charset="0"/>
-              </a:rPr>
-              <a:t>NgClass</a:t>
-            </a:r>
-            <a:r>
-              <a:rPr lang="en-US" sz="2200" dirty="0">
-                <a:latin typeface="Times New Roman" panose="02020603050405020304" pitchFamily="18" charset="0"/>
-                <a:cs typeface="Times New Roman" panose="02020603050405020304" pitchFamily="18" charset="0"/>
-              </a:rPr>
-              <a:t>” or “</a:t>
-            </a:r>
-            <a:r>
-              <a:rPr lang="en-US" sz="2200" i="1" dirty="0" err="1">
-                <a:latin typeface="Times New Roman" panose="02020603050405020304" pitchFamily="18" charset="0"/>
-                <a:cs typeface="Times New Roman" panose="02020603050405020304" pitchFamily="18" charset="0"/>
-              </a:rPr>
-              <a:t>NgStyle</a:t>
-            </a:r>
-            <a:r>
-              <a:rPr lang="en-US" sz="2200" dirty="0">
-                <a:latin typeface="Times New Roman" panose="02020603050405020304" pitchFamily="18" charset="0"/>
-                <a:cs typeface="Times New Roman" panose="02020603050405020304" pitchFamily="18" charset="0"/>
-              </a:rPr>
-              <a:t>”</a:t>
-            </a:r>
-            <a:endParaRPr lang="en-US" sz="2200" b="1" dirty="0">
+              <a:rPr lang="en-US" dirty="0" smtClean="0">
+                <a:latin typeface="Times New Roman" panose="02020603050405020304" pitchFamily="18" charset="0"/>
+                <a:cs typeface="Times New Roman" panose="02020603050405020304" pitchFamily="18" charset="0"/>
+              </a:rPr>
+              <a:t>Methods</a:t>
+            </a:r>
+          </a:p>
+          <a:p>
+            <a:endParaRPr lang="en-US" dirty="0">
               <a:latin typeface="Times New Roman" panose="02020603050405020304" pitchFamily="18" charset="0"/>
               <a:cs typeface="Times New Roman" panose="02020603050405020304" pitchFamily="18" charset="0"/>
             </a:endParaRPr>
           </a:p>
           <a:p>
-            <a:endParaRPr lang="en-US" sz="2200" dirty="0">
+            <a:r>
+              <a:rPr lang="en-US" b="1" dirty="0">
+                <a:latin typeface="Times New Roman" panose="02020603050405020304" pitchFamily="18" charset="0"/>
+                <a:cs typeface="Times New Roman" panose="02020603050405020304" pitchFamily="18" charset="0"/>
+              </a:rPr>
+              <a:t>Abstract </a:t>
+            </a:r>
+            <a:r>
+              <a:rPr lang="en-US" b="1" dirty="0" smtClean="0">
+                <a:latin typeface="Times New Roman" panose="02020603050405020304" pitchFamily="18" charset="0"/>
+                <a:cs typeface="Times New Roman" panose="02020603050405020304" pitchFamily="18" charset="0"/>
+              </a:rPr>
+              <a:t>classes:  </a:t>
+            </a:r>
+            <a:r>
+              <a:rPr lang="en-US" dirty="0">
+                <a:latin typeface="Times New Roman" panose="02020603050405020304" pitchFamily="18" charset="0"/>
+                <a:cs typeface="Times New Roman" panose="02020603050405020304" pitchFamily="18" charset="0"/>
+              </a:rPr>
+              <a:t>are mainly for inheritance where other classes may derive from them</a:t>
+            </a:r>
+            <a:endParaRPr lang="en-US" dirty="0">
               <a:latin typeface="Times New Roman" panose="02020603050405020304" pitchFamily="18" charset="0"/>
               <a:cs typeface="Times New Roman" panose="02020603050405020304" pitchFamily="18" charset="0"/>
             </a:endParaRPr>
@@ -9753,20 +9760,13 @@
     </p:spTree>
     <p:extLst>
       <p:ext uri="{BB962C8B-B14F-4D97-AF65-F5344CB8AC3E}">
-        <p14:creationId xmlns:p14="http://schemas.microsoft.com/office/powerpoint/2010/main" val="1509492865"/>
+        <p14:creationId xmlns:p14="http://schemas.microsoft.com/office/powerpoint/2010/main" val="3403593871"/>
       </p:ext>
     </p:extLst>
   </p:cSld>
   <p:clrMapOvr>
     <a:masterClrMapping/>
   </p:clrMapOvr>
-  <p:timing>
-    <p:tnLst>
-      <p:par>
-        <p:cTn id="1" dur="indefinite" restart="never" nodeType="tmRoot"/>
-      </p:par>
-    </p:tnLst>
-  </p:timing>
 </p:sld>
 </file>
 

--- a/Angular Workshop/Angular Workshop.pptx
+++ b/Angular Workshop/Angular Workshop.pptx
@@ -5,28 +5,29 @@
     <p:sldMasterId id="2147483790" r:id="rId1"/>
   </p:sldMasterIdLst>
   <p:notesMasterIdLst>
-    <p:notesMasterId r:id="rId21"/>
+    <p:notesMasterId r:id="rId22"/>
   </p:notesMasterIdLst>
   <p:sldIdLst>
     <p:sldId id="256" r:id="rId2"/>
     <p:sldId id="257" r:id="rId3"/>
-    <p:sldId id="267" r:id="rId4"/>
-    <p:sldId id="268" r:id="rId5"/>
-    <p:sldId id="269" r:id="rId6"/>
-    <p:sldId id="270" r:id="rId7"/>
-    <p:sldId id="271" r:id="rId8"/>
-    <p:sldId id="272" r:id="rId9"/>
-    <p:sldId id="273" r:id="rId10"/>
-    <p:sldId id="274" r:id="rId11"/>
-    <p:sldId id="258" r:id="rId12"/>
-    <p:sldId id="259" r:id="rId13"/>
-    <p:sldId id="260" r:id="rId14"/>
-    <p:sldId id="261" r:id="rId15"/>
-    <p:sldId id="262" r:id="rId16"/>
-    <p:sldId id="263" r:id="rId17"/>
-    <p:sldId id="264" r:id="rId18"/>
-    <p:sldId id="265" r:id="rId19"/>
-    <p:sldId id="266" r:id="rId20"/>
+    <p:sldId id="258" r:id="rId4"/>
+    <p:sldId id="259" r:id="rId5"/>
+    <p:sldId id="260" r:id="rId6"/>
+    <p:sldId id="261" r:id="rId7"/>
+    <p:sldId id="262" r:id="rId8"/>
+    <p:sldId id="263" r:id="rId9"/>
+    <p:sldId id="264" r:id="rId10"/>
+    <p:sldId id="265" r:id="rId11"/>
+    <p:sldId id="266" r:id="rId12"/>
+    <p:sldId id="267" r:id="rId13"/>
+    <p:sldId id="268" r:id="rId14"/>
+    <p:sldId id="269" r:id="rId15"/>
+    <p:sldId id="270" r:id="rId16"/>
+    <p:sldId id="271" r:id="rId17"/>
+    <p:sldId id="272" r:id="rId18"/>
+    <p:sldId id="273" r:id="rId19"/>
+    <p:sldId id="274" r:id="rId20"/>
+    <p:sldId id="275" r:id="rId21"/>
   </p:sldIdLst>
   <p:sldSz cx="12192000" cy="6858000"/>
   <p:notesSz cx="6858000" cy="9144000"/>
@@ -215,7 +216,7 @@
           <a:p>
             <a:fld id="{6A8D9F0F-2837-48EC-B86C-7389FCD155D0}" type="datetimeFigureOut">
               <a:rPr lang="en-US" smtClean="0"/>
-              <a:t>4/17/2019</a:t>
+              <a:t>4/18/2019</a:t>
             </a:fld>
             <a:endParaRPr lang="en-US"/>
           </a:p>
@@ -279,38 +280,37 @@
           <a:p>
             <a:pPr lvl="0"/>
             <a:r>
-              <a:rPr lang="en-US" smtClean="0"/>
+              <a:rPr lang="en-US"/>
               <a:t>Click to edit Master text styles</a:t>
             </a:r>
           </a:p>
           <a:p>
             <a:pPr lvl="1"/>
             <a:r>
-              <a:rPr lang="en-US" smtClean="0"/>
+              <a:rPr lang="en-US"/>
               <a:t>Second level</a:t>
             </a:r>
           </a:p>
           <a:p>
             <a:pPr lvl="2"/>
             <a:r>
-              <a:rPr lang="en-US" smtClean="0"/>
+              <a:rPr lang="en-US"/>
               <a:t>Third level</a:t>
             </a:r>
           </a:p>
           <a:p>
             <a:pPr lvl="3"/>
             <a:r>
-              <a:rPr lang="en-US" smtClean="0"/>
+              <a:rPr lang="en-US"/>
               <a:t>Fourth level</a:t>
             </a:r>
           </a:p>
           <a:p>
             <a:pPr lvl="4"/>
             <a:r>
-              <a:rPr lang="en-US" smtClean="0"/>
+              <a:rPr lang="en-US"/>
               <a:t>Fifth level</a:t>
             </a:r>
-            <a:endParaRPr lang="en-US"/>
           </a:p>
         </p:txBody>
       </p:sp>
@@ -527,12 +527,6 @@
           <a:bodyPr/>
           <a:lstStyle/>
           <a:p>
-            <a:r>
-              <a:rPr lang="en-US" dirty="0" smtClean="0">
-                <a:hlinkClick r:id="rId3"/>
-              </a:rPr>
-              <a:t>https://www.typescriptlang.org/docs/handbook/variable-declarations.html</a:t>
-            </a:r>
             <a:endParaRPr lang="en-US" dirty="0"/>
           </a:p>
         </p:txBody>
@@ -563,7 +557,7 @@
     </p:spTree>
     <p:extLst>
       <p:ext uri="{BB962C8B-B14F-4D97-AF65-F5344CB8AC3E}">
-        <p14:creationId xmlns:p14="http://schemas.microsoft.com/office/powerpoint/2010/main" val="1013893151"/>
+        <p14:creationId xmlns:p14="http://schemas.microsoft.com/office/powerpoint/2010/main" val="338006125"/>
       </p:ext>
     </p:extLst>
   </p:cSld>
@@ -617,6 +611,12 @@
           <a:bodyPr/>
           <a:lstStyle/>
           <a:p>
+            <a:r>
+              <a:rPr lang="en-US" dirty="0">
+                <a:hlinkClick r:id="rId3"/>
+              </a:rPr>
+              <a:t>https://www.typescriptlang.org/docs/handbook/variable-declarations.html</a:t>
+            </a:r>
             <a:endParaRPr lang="en-US" dirty="0"/>
           </a:p>
         </p:txBody>
@@ -638,7 +638,7 @@
           <a:p>
             <a:fld id="{41A78D70-B909-41F5-A68F-9A409A675382}" type="slidenum">
               <a:rPr lang="en-US" smtClean="0"/>
-              <a:t>11</a:t>
+              <a:t>12</a:t>
             </a:fld>
             <a:endParaRPr lang="en-US"/>
           </a:p>
@@ -647,7 +647,7 @@
     </p:spTree>
     <p:extLst>
       <p:ext uri="{BB962C8B-B14F-4D97-AF65-F5344CB8AC3E}">
-        <p14:creationId xmlns:p14="http://schemas.microsoft.com/office/powerpoint/2010/main" val="338006125"/>
+        <p14:creationId xmlns:p14="http://schemas.microsoft.com/office/powerpoint/2010/main" val="1013893151"/>
       </p:ext>
     </p:extLst>
   </p:cSld>
@@ -965,7 +965,7 @@
           </a:lstStyle>
           <a:p>
             <a:r>
-              <a:rPr lang="en-US" smtClean="0"/>
+              <a:rPr lang="en-US"/>
               <a:t>Click to edit Master title style</a:t>
             </a:r>
             <a:endParaRPr lang="en-US" dirty="0"/>
@@ -1036,7 +1036,7 @@
           </a:lstStyle>
           <a:p>
             <a:r>
-              <a:rPr lang="en-US" smtClean="0"/>
+              <a:rPr lang="en-US"/>
               <a:t>Click to edit Master subtitle style</a:t>
             </a:r>
             <a:endParaRPr lang="en-US" dirty="0"/>
@@ -1060,7 +1060,7 @@
           <a:p>
             <a:fld id="{B9D14AC3-431A-47E8-842F-ED47F6F75548}" type="datetimeFigureOut">
               <a:rPr lang="en-US" smtClean="0"/>
-              <a:t>4/17/2019</a:t>
+              <a:t>4/18/2019</a:t>
             </a:fld>
             <a:endParaRPr lang="en-US"/>
           </a:p>
@@ -1163,7 +1163,7 @@
           <a:lstStyle/>
           <a:p>
             <a:r>
-              <a:rPr lang="en-US" smtClean="0"/>
+              <a:rPr lang="en-US"/>
               <a:t>Click to edit Master title style</a:t>
             </a:r>
             <a:endParaRPr lang="en-US" dirty="0"/>
@@ -1187,35 +1187,35 @@
           <a:p>
             <a:pPr lvl="0"/>
             <a:r>
-              <a:rPr lang="en-US" smtClean="0"/>
+              <a:rPr lang="en-US"/>
               <a:t>Click to edit Master text styles</a:t>
             </a:r>
           </a:p>
           <a:p>
             <a:pPr lvl="1"/>
             <a:r>
-              <a:rPr lang="en-US" smtClean="0"/>
+              <a:rPr lang="en-US"/>
               <a:t>Second level</a:t>
             </a:r>
           </a:p>
           <a:p>
             <a:pPr lvl="2"/>
             <a:r>
-              <a:rPr lang="en-US" smtClean="0"/>
+              <a:rPr lang="en-US"/>
               <a:t>Third level</a:t>
             </a:r>
           </a:p>
           <a:p>
             <a:pPr lvl="3"/>
             <a:r>
-              <a:rPr lang="en-US" smtClean="0"/>
+              <a:rPr lang="en-US"/>
               <a:t>Fourth level</a:t>
             </a:r>
           </a:p>
           <a:p>
             <a:pPr lvl="4"/>
             <a:r>
-              <a:rPr lang="en-US" smtClean="0"/>
+              <a:rPr lang="en-US"/>
               <a:t>Fifth level</a:t>
             </a:r>
             <a:endParaRPr lang="en-US" dirty="0"/>
@@ -1239,7 +1239,7 @@
           <a:p>
             <a:fld id="{B9D14AC3-431A-47E8-842F-ED47F6F75548}" type="datetimeFigureOut">
               <a:rPr lang="en-US" smtClean="0"/>
-              <a:t>4/17/2019</a:t>
+              <a:t>4/18/2019</a:t>
             </a:fld>
             <a:endParaRPr lang="en-US"/>
           </a:p>
@@ -1338,7 +1338,7 @@
           <a:lstStyle/>
           <a:p>
             <a:r>
-              <a:rPr lang="en-US" smtClean="0"/>
+              <a:rPr lang="en-US"/>
               <a:t>Click to edit Master title style</a:t>
             </a:r>
             <a:endParaRPr lang="en-US" dirty="0"/>
@@ -1367,35 +1367,35 @@
           <a:p>
             <a:pPr lvl="0"/>
             <a:r>
-              <a:rPr lang="en-US" smtClean="0"/>
+              <a:rPr lang="en-US"/>
               <a:t>Click to edit Master text styles</a:t>
             </a:r>
           </a:p>
           <a:p>
             <a:pPr lvl="1"/>
             <a:r>
-              <a:rPr lang="en-US" smtClean="0"/>
+              <a:rPr lang="en-US"/>
               <a:t>Second level</a:t>
             </a:r>
           </a:p>
           <a:p>
             <a:pPr lvl="2"/>
             <a:r>
-              <a:rPr lang="en-US" smtClean="0"/>
+              <a:rPr lang="en-US"/>
               <a:t>Third level</a:t>
             </a:r>
           </a:p>
           <a:p>
             <a:pPr lvl="3"/>
             <a:r>
-              <a:rPr lang="en-US" smtClean="0"/>
+              <a:rPr lang="en-US"/>
               <a:t>Fourth level</a:t>
             </a:r>
           </a:p>
           <a:p>
             <a:pPr lvl="4"/>
             <a:r>
-              <a:rPr lang="en-US" smtClean="0"/>
+              <a:rPr lang="en-US"/>
               <a:t>Fifth level</a:t>
             </a:r>
             <a:endParaRPr lang="en-US" dirty="0"/>
@@ -1419,7 +1419,7 @@
           <a:p>
             <a:fld id="{B9D14AC3-431A-47E8-842F-ED47F6F75548}" type="datetimeFigureOut">
               <a:rPr lang="en-US" smtClean="0"/>
-              <a:t>4/17/2019</a:t>
+              <a:t>4/18/2019</a:t>
             </a:fld>
             <a:endParaRPr lang="en-US"/>
           </a:p>
@@ -1513,7 +1513,7 @@
           <a:lstStyle/>
           <a:p>
             <a:r>
-              <a:rPr lang="en-US" smtClean="0"/>
+              <a:rPr lang="en-US"/>
               <a:t>Click to edit Master title style</a:t>
             </a:r>
             <a:endParaRPr lang="en-US" dirty="0"/>
@@ -1537,35 +1537,35 @@
           <a:p>
             <a:pPr lvl="0"/>
             <a:r>
-              <a:rPr lang="en-US" smtClean="0"/>
+              <a:rPr lang="en-US"/>
               <a:t>Click to edit Master text styles</a:t>
             </a:r>
           </a:p>
           <a:p>
             <a:pPr lvl="1"/>
             <a:r>
-              <a:rPr lang="en-US" smtClean="0"/>
+              <a:rPr lang="en-US"/>
               <a:t>Second level</a:t>
             </a:r>
           </a:p>
           <a:p>
             <a:pPr lvl="2"/>
             <a:r>
-              <a:rPr lang="en-US" smtClean="0"/>
+              <a:rPr lang="en-US"/>
               <a:t>Third level</a:t>
             </a:r>
           </a:p>
           <a:p>
             <a:pPr lvl="3"/>
             <a:r>
-              <a:rPr lang="en-US" smtClean="0"/>
+              <a:rPr lang="en-US"/>
               <a:t>Fourth level</a:t>
             </a:r>
           </a:p>
           <a:p>
             <a:pPr lvl="4"/>
             <a:r>
-              <a:rPr lang="en-US" smtClean="0"/>
+              <a:rPr lang="en-US"/>
               <a:t>Fifth level</a:t>
             </a:r>
             <a:endParaRPr lang="en-US" dirty="0"/>
@@ -1589,7 +1589,7 @@
           <a:p>
             <a:fld id="{B9D14AC3-431A-47E8-842F-ED47F6F75548}" type="datetimeFigureOut">
               <a:rPr lang="en-US" smtClean="0"/>
-              <a:t>4/17/2019</a:t>
+              <a:t>4/18/2019</a:t>
             </a:fld>
             <a:endParaRPr lang="en-US"/>
           </a:p>
@@ -1754,7 +1754,7 @@
           </a:lstStyle>
           <a:p>
             <a:r>
-              <a:rPr lang="en-US" smtClean="0"/>
+              <a:rPr lang="en-US"/>
               <a:t>Click to edit Master title style</a:t>
             </a:r>
             <a:endParaRPr lang="en-US" dirty="0"/>
@@ -1874,7 +1874,7 @@
           <a:p>
             <a:pPr lvl="0"/>
             <a:r>
-              <a:rPr lang="en-US" smtClean="0"/>
+              <a:rPr lang="en-US"/>
               <a:t>Click to edit Master text styles</a:t>
             </a:r>
           </a:p>
@@ -1902,7 +1902,7 @@
           <a:p>
             <a:fld id="{B9D14AC3-431A-47E8-842F-ED47F6F75548}" type="datetimeFigureOut">
               <a:rPr lang="en-US" smtClean="0"/>
-              <a:t>4/17/2019</a:t>
+              <a:t>4/18/2019</a:t>
             </a:fld>
             <a:endParaRPr lang="en-US"/>
           </a:p>
@@ -2094,7 +2094,7 @@
           <a:lstStyle/>
           <a:p>
             <a:r>
-              <a:rPr lang="en-US" smtClean="0"/>
+              <a:rPr lang="en-US"/>
               <a:t>Click to edit Master title style</a:t>
             </a:r>
             <a:endParaRPr lang="en-US" dirty="0"/>
@@ -2151,35 +2151,35 @@
           <a:p>
             <a:pPr lvl="0"/>
             <a:r>
-              <a:rPr lang="en-US" smtClean="0"/>
+              <a:rPr lang="en-US"/>
               <a:t>Click to edit Master text styles</a:t>
             </a:r>
           </a:p>
           <a:p>
             <a:pPr lvl="1"/>
             <a:r>
-              <a:rPr lang="en-US" smtClean="0"/>
+              <a:rPr lang="en-US"/>
               <a:t>Second level</a:t>
             </a:r>
           </a:p>
           <a:p>
             <a:pPr lvl="2"/>
             <a:r>
-              <a:rPr lang="en-US" smtClean="0"/>
+              <a:rPr lang="en-US"/>
               <a:t>Third level</a:t>
             </a:r>
           </a:p>
           <a:p>
             <a:pPr lvl="3"/>
             <a:r>
-              <a:rPr lang="en-US" smtClean="0"/>
+              <a:rPr lang="en-US"/>
               <a:t>Fourth level</a:t>
             </a:r>
           </a:p>
           <a:p>
             <a:pPr lvl="4"/>
             <a:r>
-              <a:rPr lang="en-US" smtClean="0"/>
+              <a:rPr lang="en-US"/>
               <a:t>Fifth level</a:t>
             </a:r>
             <a:endParaRPr lang="en-US" dirty="0"/>
@@ -2236,35 +2236,35 @@
           <a:p>
             <a:pPr lvl="0"/>
             <a:r>
-              <a:rPr lang="en-US" smtClean="0"/>
+              <a:rPr lang="en-US"/>
               <a:t>Click to edit Master text styles</a:t>
             </a:r>
           </a:p>
           <a:p>
             <a:pPr lvl="1"/>
             <a:r>
-              <a:rPr lang="en-US" smtClean="0"/>
+              <a:rPr lang="en-US"/>
               <a:t>Second level</a:t>
             </a:r>
           </a:p>
           <a:p>
             <a:pPr lvl="2"/>
             <a:r>
-              <a:rPr lang="en-US" smtClean="0"/>
+              <a:rPr lang="en-US"/>
               <a:t>Third level</a:t>
             </a:r>
           </a:p>
           <a:p>
             <a:pPr lvl="3"/>
             <a:r>
-              <a:rPr lang="en-US" smtClean="0"/>
+              <a:rPr lang="en-US"/>
               <a:t>Fourth level</a:t>
             </a:r>
           </a:p>
           <a:p>
             <a:pPr lvl="4"/>
             <a:r>
-              <a:rPr lang="en-US" smtClean="0"/>
+              <a:rPr lang="en-US"/>
               <a:t>Fifth level</a:t>
             </a:r>
             <a:endParaRPr lang="en-US" dirty="0"/>
@@ -2288,7 +2288,7 @@
           <a:p>
             <a:fld id="{B9D14AC3-431A-47E8-842F-ED47F6F75548}" type="datetimeFigureOut">
               <a:rPr lang="en-US" smtClean="0"/>
-              <a:t>4/17/2019</a:t>
+              <a:t>4/18/2019</a:t>
             </a:fld>
             <a:endParaRPr lang="en-US"/>
           </a:p>
@@ -2387,7 +2387,7 @@
           <a:lstStyle/>
           <a:p>
             <a:r>
-              <a:rPr lang="en-US" smtClean="0"/>
+              <a:rPr lang="en-US"/>
               <a:t>Click to edit Master title style</a:t>
             </a:r>
             <a:endParaRPr lang="en-US" dirty="0"/>
@@ -2461,7 +2461,7 @@
           <a:p>
             <a:pPr lvl="0"/>
             <a:r>
-              <a:rPr lang="en-US" smtClean="0"/>
+              <a:rPr lang="en-US"/>
               <a:t>Click to edit Master text styles</a:t>
             </a:r>
           </a:p>
@@ -2517,35 +2517,35 @@
           <a:p>
             <a:pPr lvl="0"/>
             <a:r>
-              <a:rPr lang="en-US" smtClean="0"/>
+              <a:rPr lang="en-US"/>
               <a:t>Click to edit Master text styles</a:t>
             </a:r>
           </a:p>
           <a:p>
             <a:pPr lvl="1"/>
             <a:r>
-              <a:rPr lang="en-US" smtClean="0"/>
+              <a:rPr lang="en-US"/>
               <a:t>Second level</a:t>
             </a:r>
           </a:p>
           <a:p>
             <a:pPr lvl="2"/>
             <a:r>
-              <a:rPr lang="en-US" smtClean="0"/>
+              <a:rPr lang="en-US"/>
               <a:t>Third level</a:t>
             </a:r>
           </a:p>
           <a:p>
             <a:pPr lvl="3"/>
             <a:r>
-              <a:rPr lang="en-US" smtClean="0"/>
+              <a:rPr lang="en-US"/>
               <a:t>Fourth level</a:t>
             </a:r>
           </a:p>
           <a:p>
             <a:pPr lvl="4"/>
             <a:r>
-              <a:rPr lang="en-US" smtClean="0"/>
+              <a:rPr lang="en-US"/>
               <a:t>Fifth level</a:t>
             </a:r>
             <a:endParaRPr lang="en-US" dirty="0"/>
@@ -2619,7 +2619,7 @@
           <a:p>
             <a:pPr lvl="0"/>
             <a:r>
-              <a:rPr lang="en-US" smtClean="0"/>
+              <a:rPr lang="en-US"/>
               <a:t>Click to edit Master text styles</a:t>
             </a:r>
           </a:p>
@@ -2675,35 +2675,35 @@
           <a:p>
             <a:pPr lvl="0"/>
             <a:r>
-              <a:rPr lang="en-US" smtClean="0"/>
+              <a:rPr lang="en-US"/>
               <a:t>Click to edit Master text styles</a:t>
             </a:r>
           </a:p>
           <a:p>
             <a:pPr lvl="1"/>
             <a:r>
-              <a:rPr lang="en-US" smtClean="0"/>
+              <a:rPr lang="en-US"/>
               <a:t>Second level</a:t>
             </a:r>
           </a:p>
           <a:p>
             <a:pPr lvl="2"/>
             <a:r>
-              <a:rPr lang="en-US" smtClean="0"/>
+              <a:rPr lang="en-US"/>
               <a:t>Third level</a:t>
             </a:r>
           </a:p>
           <a:p>
             <a:pPr lvl="3"/>
             <a:r>
-              <a:rPr lang="en-US" smtClean="0"/>
+              <a:rPr lang="en-US"/>
               <a:t>Fourth level</a:t>
             </a:r>
           </a:p>
           <a:p>
             <a:pPr lvl="4"/>
             <a:r>
-              <a:rPr lang="en-US" smtClean="0"/>
+              <a:rPr lang="en-US"/>
               <a:t>Fifth level</a:t>
             </a:r>
             <a:endParaRPr lang="en-US" dirty="0"/>
@@ -2727,7 +2727,7 @@
           <a:p>
             <a:fld id="{B9D14AC3-431A-47E8-842F-ED47F6F75548}" type="datetimeFigureOut">
               <a:rPr lang="en-US" smtClean="0"/>
-              <a:t>4/17/2019</a:t>
+              <a:t>4/18/2019</a:t>
             </a:fld>
             <a:endParaRPr lang="en-US"/>
           </a:p>
@@ -2826,7 +2826,7 @@
           <a:lstStyle/>
           <a:p>
             <a:r>
-              <a:rPr lang="en-US" smtClean="0"/>
+              <a:rPr lang="en-US"/>
               <a:t>Click to edit Master title style</a:t>
             </a:r>
             <a:endParaRPr lang="en-US" dirty="0"/>
@@ -2850,7 +2850,7 @@
           <a:p>
             <a:fld id="{B9D14AC3-431A-47E8-842F-ED47F6F75548}" type="datetimeFigureOut">
               <a:rPr lang="en-US" smtClean="0"/>
-              <a:t>4/17/2019</a:t>
+              <a:t>4/18/2019</a:t>
             </a:fld>
             <a:endParaRPr lang="en-US"/>
           </a:p>
@@ -2945,7 +2945,7 @@
           <a:p>
             <a:fld id="{B9D14AC3-431A-47E8-842F-ED47F6F75548}" type="datetimeFigureOut">
               <a:rPr lang="en-US" smtClean="0"/>
-              <a:t>4/17/2019</a:t>
+              <a:t>4/18/2019</a:t>
             </a:fld>
             <a:endParaRPr lang="en-US"/>
           </a:p>
@@ -3107,7 +3107,7 @@
           </a:lstStyle>
           <a:p>
             <a:r>
-              <a:rPr lang="en-US" smtClean="0"/>
+              <a:rPr lang="en-US"/>
               <a:t>Click to edit Master title style</a:t>
             </a:r>
             <a:endParaRPr lang="en-US" dirty="0"/>
@@ -3164,35 +3164,35 @@
           <a:p>
             <a:pPr lvl="0"/>
             <a:r>
-              <a:rPr lang="en-US" smtClean="0"/>
+              <a:rPr lang="en-US"/>
               <a:t>Click to edit Master text styles</a:t>
             </a:r>
           </a:p>
           <a:p>
             <a:pPr lvl="1"/>
             <a:r>
-              <a:rPr lang="en-US" smtClean="0"/>
+              <a:rPr lang="en-US"/>
               <a:t>Second level</a:t>
             </a:r>
           </a:p>
           <a:p>
             <a:pPr lvl="2"/>
             <a:r>
-              <a:rPr lang="en-US" smtClean="0"/>
+              <a:rPr lang="en-US"/>
               <a:t>Third level</a:t>
             </a:r>
           </a:p>
           <a:p>
             <a:pPr lvl="3"/>
             <a:r>
-              <a:rPr lang="en-US" smtClean="0"/>
+              <a:rPr lang="en-US"/>
               <a:t>Fourth level</a:t>
             </a:r>
           </a:p>
           <a:p>
             <a:pPr lvl="4"/>
             <a:r>
-              <a:rPr lang="en-US" smtClean="0"/>
+              <a:rPr lang="en-US"/>
               <a:t>Fifth level</a:t>
             </a:r>
             <a:endParaRPr lang="en-US" dirty="0"/>
@@ -3272,7 +3272,7 @@
           <a:p>
             <a:pPr lvl="0"/>
             <a:r>
-              <a:rPr lang="en-US" smtClean="0"/>
+              <a:rPr lang="en-US"/>
               <a:t>Click to edit Master text styles</a:t>
             </a:r>
           </a:p>
@@ -3295,7 +3295,7 @@
           <a:p>
             <a:fld id="{B9D14AC3-431A-47E8-842F-ED47F6F75548}" type="datetimeFigureOut">
               <a:rPr lang="en-US" smtClean="0"/>
-              <a:t>4/17/2019</a:t>
+              <a:t>4/18/2019</a:t>
             </a:fld>
             <a:endParaRPr lang="en-US"/>
           </a:p>
@@ -3551,7 +3551,7 @@
           </a:lstStyle>
           <a:p>
             <a:r>
-              <a:rPr lang="en-US" smtClean="0"/>
+              <a:rPr lang="en-US"/>
               <a:t>Click to edit Master title style</a:t>
             </a:r>
             <a:endParaRPr lang="en-US" dirty="0"/>
@@ -3622,7 +3622,7 @@
           </a:lstStyle>
           <a:p>
             <a:r>
-              <a:rPr lang="en-US" smtClean="0"/>
+              <a:rPr lang="en-US"/>
               <a:t>Click icon to add picture</a:t>
             </a:r>
             <a:endParaRPr lang="en-US" dirty="0"/>
@@ -3702,7 +3702,7 @@
           <a:p>
             <a:pPr lvl="0"/>
             <a:r>
-              <a:rPr lang="en-US" smtClean="0"/>
+              <a:rPr lang="en-US"/>
               <a:t>Click to edit Master text styles</a:t>
             </a:r>
           </a:p>
@@ -3725,7 +3725,7 @@
           <a:p>
             <a:fld id="{B9D14AC3-431A-47E8-842F-ED47F6F75548}" type="datetimeFigureOut">
               <a:rPr lang="en-US" smtClean="0"/>
-              <a:t>4/17/2019</a:t>
+              <a:t>4/18/2019</a:t>
             </a:fld>
             <a:endParaRPr lang="en-US"/>
           </a:p>
@@ -3904,7 +3904,7 @@
           <a:lstStyle/>
           <a:p>
             <a:r>
-              <a:rPr lang="en-US" smtClean="0"/>
+              <a:rPr lang="en-US"/>
               <a:t>Click to edit Master title style</a:t>
             </a:r>
             <a:endParaRPr lang="en-US" dirty="0"/>
@@ -3938,35 +3938,35 @@
           <a:p>
             <a:pPr lvl="0"/>
             <a:r>
-              <a:rPr lang="en-US" smtClean="0"/>
+              <a:rPr lang="en-US"/>
               <a:t>Click to edit Master text styles</a:t>
             </a:r>
           </a:p>
           <a:p>
             <a:pPr lvl="1"/>
             <a:r>
-              <a:rPr lang="en-US" smtClean="0"/>
+              <a:rPr lang="en-US"/>
               <a:t>Second level</a:t>
             </a:r>
           </a:p>
           <a:p>
             <a:pPr lvl="2"/>
             <a:r>
-              <a:rPr lang="en-US" smtClean="0"/>
+              <a:rPr lang="en-US"/>
               <a:t>Third level</a:t>
             </a:r>
           </a:p>
           <a:p>
             <a:pPr lvl="3"/>
             <a:r>
-              <a:rPr lang="en-US" smtClean="0"/>
+              <a:rPr lang="en-US"/>
               <a:t>Fourth level</a:t>
             </a:r>
           </a:p>
           <a:p>
             <a:pPr lvl="4"/>
             <a:r>
-              <a:rPr lang="en-US" smtClean="0"/>
+              <a:rPr lang="en-US"/>
               <a:t>Fifth level</a:t>
             </a:r>
             <a:endParaRPr lang="en-US" dirty="0"/>
@@ -4006,7 +4006,7 @@
           <a:p>
             <a:fld id="{B9D14AC3-431A-47E8-842F-ED47F6F75548}" type="datetimeFigureOut">
               <a:rPr lang="en-US" smtClean="0"/>
-              <a:t>4/17/2019</a:t>
+              <a:t>4/18/2019</a:t>
             </a:fld>
             <a:endParaRPr lang="en-US"/>
           </a:p>
@@ -4603,20 +4603,12 @@
           <a:lstStyle/>
           <a:p>
             <a:pPr algn="ctr"/>
-            <a:r>
-              <a:rPr lang="en-US" b="1" dirty="0" smtClean="0"/>
-              <a:t/>
-            </a:r>
             <a:br>
-              <a:rPr lang="en-US" b="1" dirty="0" smtClean="0"/>
+              <a:rPr lang="en-US" b="1" dirty="0"/>
             </a:br>
             <a:r>
-              <a:rPr lang="en-US" b="1" dirty="0" smtClean="0"/>
+              <a:rPr lang="en-US" b="1" dirty="0"/>
               <a:t>Angular Workshop</a:t>
-            </a:r>
-            <a:r>
-              <a:rPr lang="en-US" b="1" dirty="0"/>
-              <a:t/>
             </a:r>
             <a:br>
               <a:rPr lang="en-US" b="1" dirty="0"/>
@@ -4649,19 +4641,19 @@
           <a:p>
             <a:pPr algn="r"/>
             <a:r>
-              <a:rPr lang="nl-NL" sz="3200" dirty="0" err="1" smtClean="0"/>
+              <a:rPr lang="nl-NL" sz="3200" dirty="0" err="1"/>
               <a:t>Ngô</a:t>
             </a:r>
             <a:r>
-              <a:rPr lang="nl-NL" sz="3200" dirty="0" smtClean="0"/>
+              <a:rPr lang="nl-NL" sz="3200" dirty="0"/>
               <a:t> </a:t>
             </a:r>
             <a:r>
-              <a:rPr lang="nl-NL" sz="3200" dirty="0" err="1" smtClean="0"/>
+              <a:rPr lang="nl-NL" sz="3200" dirty="0" err="1"/>
               <a:t>Hùng</a:t>
             </a:r>
             <a:r>
-              <a:rPr lang="nl-NL" sz="3200" dirty="0" smtClean="0"/>
+              <a:rPr lang="nl-NL" sz="3200" dirty="0"/>
               <a:t> Phúc</a:t>
             </a:r>
             <a:endParaRPr lang="en-US" sz="3200" dirty="0"/>
@@ -4678,13 +4670,6 @@
   <p:clrMapOvr>
     <a:masterClrMapping/>
   </p:clrMapOvr>
-  <p:timing>
-    <p:tnLst>
-      <p:par>
-        <p:cTn id="1" dur="indefinite" restart="never" nodeType="tmRoot"/>
-      </p:par>
-    </p:tnLst>
-  </p:timing>
 </p:sld>
 </file>
 
@@ -4720,2327 +4705,40 @@
           <a:bodyPr/>
           <a:lstStyle/>
           <a:p>
-            <a:endParaRPr lang="en-US"/>
-          </a:p>
-        </p:txBody>
-      </p:sp>
-      <p:pic>
-        <p:nvPicPr>
-          <p:cNvPr id="5" name="Content Placeholder 4"/>
-          <p:cNvPicPr>
-            <a:picLocks noGrp="1" noChangeAspect="1"/>
-          </p:cNvPicPr>
+            <a:r>
+              <a:rPr lang="en-US" dirty="0">
+                <a:latin typeface="Times New Roman" panose="02020603050405020304" pitchFamily="18" charset="0"/>
+                <a:cs typeface="Times New Roman" panose="02020603050405020304" pitchFamily="18" charset="0"/>
+              </a:rPr>
+              <a:t>Architecture overview</a:t>
+            </a:r>
+          </a:p>
+        </p:txBody>
+      </p:sp>
+      <p:sp>
+        <p:nvSpPr>
+          <p:cNvPr id="3" name="Content Placeholder 2"/>
+          <p:cNvSpPr>
+            <a:spLocks noGrp="1"/>
+          </p:cNvSpPr>
           <p:nvPr>
             <p:ph idx="1"/>
           </p:nvPr>
-        </p:nvPicPr>
-        <p:blipFill>
-          <a:blip r:embed="rId2">
-            <a:extLst>
-              <a:ext uri="{28A0092B-C50C-407E-A947-70E740481C1C}">
-                <a14:useLocalDpi xmlns:a14="http://schemas.microsoft.com/office/drawing/2010/main" val="0"/>
-              </a:ext>
-            </a:extLst>
-          </a:blip>
-          <a:stretch>
-            <a:fillRect/>
-          </a:stretch>
-        </p:blipFill>
-        <p:spPr>
-          <a:xfrm>
-            <a:off x="846214" y="670561"/>
-            <a:ext cx="10389031" cy="5660570"/>
-          </a:xfrm>
-        </p:spPr>
-      </p:pic>
-    </p:spTree>
-    <p:extLst>
-      <p:ext uri="{BB962C8B-B14F-4D97-AF65-F5344CB8AC3E}">
-        <p14:creationId xmlns:p14="http://schemas.microsoft.com/office/powerpoint/2010/main" val="3713550294"/>
-      </p:ext>
-    </p:extLst>
-  </p:cSld>
-  <p:clrMapOvr>
-    <a:masterClrMapping/>
-  </p:clrMapOvr>
-  <p:timing>
-    <p:tnLst>
-      <p:par>
-        <p:cTn id="1" dur="indefinite" restart="never" nodeType="tmRoot"/>
-      </p:par>
-    </p:tnLst>
-  </p:timing>
-</p:sld>
-</file>
-
-<file path=ppt/slides/slide11.xml><?xml version="1.0" encoding="utf-8"?>
-<p:sld xmlns:a="http://schemas.openxmlformats.org/drawingml/2006/main" xmlns:r="http://schemas.openxmlformats.org/officeDocument/2006/relationships" xmlns:p="http://schemas.openxmlformats.org/presentationml/2006/main">
-  <p:cSld>
-    <p:spTree>
-      <p:nvGrpSpPr>
-        <p:cNvPr id="1" name=""/>
-        <p:cNvGrpSpPr/>
-        <p:nvPr/>
-      </p:nvGrpSpPr>
-      <p:grpSpPr>
-        <a:xfrm>
-          <a:off x="0" y="0"/>
-          <a:ext cx="0" cy="0"/>
-          <a:chOff x="0" y="0"/>
-          <a:chExt cx="0" cy="0"/>
-        </a:xfrm>
-      </p:grpSpPr>
-      <p:sp>
-        <p:nvSpPr>
-          <p:cNvPr id="2" name="Title 1"/>
-          <p:cNvSpPr>
-            <a:spLocks noGrp="1"/>
-          </p:cNvSpPr>
-          <p:nvPr>
-            <p:ph type="title"/>
-          </p:nvPr>
-        </p:nvSpPr>
-        <p:spPr>
-          <a:xfrm>
-            <a:off x="1069848" y="0"/>
-            <a:ext cx="10058400" cy="1609344"/>
-          </a:xfrm>
-        </p:spPr>
+        </p:nvSpPr>
+        <p:spPr/>
         <p:txBody>
           <a:bodyPr/>
           <a:lstStyle/>
           <a:p>
             <a:r>
-              <a:rPr lang="en-US" dirty="0">
-                <a:latin typeface="Times New Roman" panose="02020603050405020304" pitchFamily="18" charset="0"/>
-                <a:cs typeface="Times New Roman" panose="02020603050405020304" pitchFamily="18" charset="0"/>
-              </a:rPr>
-              <a:t>Architecture overview</a:t>
-            </a:r>
-          </a:p>
-        </p:txBody>
-      </p:sp>
-      <p:sp>
-        <p:nvSpPr>
-          <p:cNvPr id="3" name="Content Placeholder 2"/>
-          <p:cNvSpPr>
-            <a:spLocks noGrp="1"/>
-          </p:cNvSpPr>
-          <p:nvPr>
-            <p:ph idx="1"/>
-          </p:nvPr>
-        </p:nvSpPr>
-        <p:spPr>
-          <a:xfrm>
-            <a:off x="1069848" y="1337637"/>
-            <a:ext cx="10058400" cy="4050792"/>
-          </a:xfrm>
-        </p:spPr>
-        <p:txBody>
-          <a:bodyPr>
-            <a:noAutofit/>
-          </a:bodyPr>
-          <a:lstStyle/>
-          <a:p>
-            <a:r>
-              <a:rPr lang="en-US" sz="2200" i="1" dirty="0" err="1" smtClean="0">
-                <a:latin typeface="Times New Roman" panose="02020603050405020304" pitchFamily="18" charset="0"/>
-                <a:cs typeface="Times New Roman" panose="02020603050405020304" pitchFamily="18" charset="0"/>
-              </a:rPr>
-              <a:t>NgModules</a:t>
-            </a:r>
-            <a:r>
-              <a:rPr lang="en-US" sz="2200" i="1" dirty="0" smtClean="0">
-                <a:latin typeface="Times New Roman" panose="02020603050405020304" pitchFamily="18" charset="0"/>
-                <a:cs typeface="Times New Roman" panose="02020603050405020304" pitchFamily="18" charset="0"/>
-              </a:rPr>
-              <a:t>: </a:t>
-            </a:r>
-            <a:r>
-              <a:rPr lang="en-US" sz="2200" dirty="0" smtClean="0">
-                <a:latin typeface="Times New Roman" panose="02020603050405020304" pitchFamily="18" charset="0"/>
-                <a:cs typeface="Times New Roman" panose="02020603050405020304" pitchFamily="18" charset="0"/>
-              </a:rPr>
-              <a:t>basic building blocks of an Angular application an Angular app is defined by a set of </a:t>
-            </a:r>
-            <a:r>
-              <a:rPr lang="en-US" sz="2200" dirty="0" err="1" smtClean="0">
-                <a:latin typeface="Times New Roman" panose="02020603050405020304" pitchFamily="18" charset="0"/>
-                <a:cs typeface="Times New Roman" panose="02020603050405020304" pitchFamily="18" charset="0"/>
-              </a:rPr>
-              <a:t>NgModules</a:t>
-            </a:r>
-            <a:r>
-              <a:rPr lang="en-US" sz="2200" dirty="0" smtClean="0">
-                <a:latin typeface="Times New Roman" panose="02020603050405020304" pitchFamily="18" charset="0"/>
-                <a:cs typeface="Times New Roman" panose="02020603050405020304" pitchFamily="18" charset="0"/>
-              </a:rPr>
-              <a:t>. An app always has at least a </a:t>
-            </a:r>
-            <a:r>
-              <a:rPr lang="en-US" sz="2200" i="1" dirty="0" smtClean="0">
-                <a:latin typeface="Times New Roman" panose="02020603050405020304" pitchFamily="18" charset="0"/>
-                <a:cs typeface="Times New Roman" panose="02020603050405020304" pitchFamily="18" charset="0"/>
-              </a:rPr>
-              <a:t>root module</a:t>
-            </a:r>
-            <a:r>
-              <a:rPr lang="en-US" sz="2200" dirty="0" smtClean="0">
-                <a:latin typeface="Times New Roman" panose="02020603050405020304" pitchFamily="18" charset="0"/>
-                <a:cs typeface="Times New Roman" panose="02020603050405020304" pitchFamily="18" charset="0"/>
-              </a:rPr>
-              <a:t>  which provides the bootstrap mechanism that launches the application. and has many more </a:t>
-            </a:r>
-            <a:r>
-              <a:rPr lang="en-US" sz="2200" i="1" dirty="0" smtClean="0">
-                <a:latin typeface="Times New Roman" panose="02020603050405020304" pitchFamily="18" charset="0"/>
-                <a:cs typeface="Times New Roman" panose="02020603050405020304" pitchFamily="18" charset="0"/>
-              </a:rPr>
-              <a:t>feature modules</a:t>
-            </a:r>
-            <a:r>
-              <a:rPr lang="en-US" sz="2200" dirty="0" smtClean="0">
-                <a:latin typeface="Times New Roman" panose="02020603050405020304" pitchFamily="18" charset="0"/>
-                <a:cs typeface="Times New Roman" panose="02020603050405020304" pitchFamily="18" charset="0"/>
-              </a:rPr>
-              <a:t>.</a:t>
-            </a:r>
-          </a:p>
-          <a:p>
-            <a:r>
-              <a:rPr lang="nl-NL" sz="2200" dirty="0" err="1" smtClean="0">
-                <a:latin typeface="Times New Roman" panose="02020603050405020304" pitchFamily="18" charset="0"/>
-                <a:cs typeface="Times New Roman" panose="02020603050405020304" pitchFamily="18" charset="0"/>
-              </a:rPr>
-              <a:t>Some</a:t>
-            </a:r>
-            <a:r>
-              <a:rPr lang="nl-NL" sz="2200" dirty="0" smtClean="0">
-                <a:latin typeface="Times New Roman" panose="02020603050405020304" pitchFamily="18" charset="0"/>
-                <a:cs typeface="Times New Roman" panose="02020603050405020304" pitchFamily="18" charset="0"/>
-              </a:rPr>
-              <a:t> import </a:t>
-            </a:r>
-            <a:r>
-              <a:rPr lang="nl-NL" sz="2200" dirty="0" err="1" smtClean="0">
-                <a:latin typeface="Times New Roman" panose="02020603050405020304" pitchFamily="18" charset="0"/>
-                <a:cs typeface="Times New Roman" panose="02020603050405020304" pitchFamily="18" charset="0"/>
-              </a:rPr>
-              <a:t>properties</a:t>
-            </a:r>
-            <a:r>
-              <a:rPr lang="nl-NL" sz="2200" dirty="0" smtClean="0">
-                <a:latin typeface="Times New Roman" panose="02020603050405020304" pitchFamily="18" charset="0"/>
-                <a:cs typeface="Times New Roman" panose="02020603050405020304" pitchFamily="18" charset="0"/>
-              </a:rPr>
-              <a:t> of @</a:t>
-            </a:r>
-            <a:r>
-              <a:rPr lang="nl-NL" sz="2200" dirty="0" err="1" smtClean="0">
-                <a:latin typeface="Times New Roman" panose="02020603050405020304" pitchFamily="18" charset="0"/>
-                <a:cs typeface="Times New Roman" panose="02020603050405020304" pitchFamily="18" charset="0"/>
-              </a:rPr>
-              <a:t>NgModules</a:t>
-            </a:r>
-            <a:r>
-              <a:rPr lang="nl-NL" sz="2200" dirty="0" smtClean="0">
-                <a:latin typeface="Times New Roman" panose="02020603050405020304" pitchFamily="18" charset="0"/>
-                <a:cs typeface="Times New Roman" panose="02020603050405020304" pitchFamily="18" charset="0"/>
-              </a:rPr>
-              <a:t>:</a:t>
-            </a:r>
-            <a:endParaRPr lang="en-US" sz="2200" dirty="0" smtClean="0">
-              <a:latin typeface="Times New Roman" panose="02020603050405020304" pitchFamily="18" charset="0"/>
-              <a:cs typeface="Times New Roman" panose="02020603050405020304" pitchFamily="18" charset="0"/>
-            </a:endParaRPr>
-          </a:p>
-          <a:p>
-            <a:pPr marL="457200" indent="-457200">
-              <a:buFont typeface="+mj-lt"/>
-              <a:buAutoNum type="arabicPeriod"/>
-            </a:pPr>
-            <a:r>
-              <a:rPr lang="en-US" sz="2200" i="1" dirty="0" smtClean="0">
-                <a:latin typeface="Times New Roman" panose="02020603050405020304" pitchFamily="18" charset="0"/>
-                <a:cs typeface="Times New Roman" panose="02020603050405020304" pitchFamily="18" charset="0"/>
-              </a:rPr>
-              <a:t>declarations</a:t>
-            </a:r>
-            <a:r>
-              <a:rPr lang="en-US" sz="2200" dirty="0" smtClean="0">
-                <a:latin typeface="Times New Roman" panose="02020603050405020304" pitchFamily="18" charset="0"/>
-                <a:cs typeface="Times New Roman" panose="02020603050405020304" pitchFamily="18" charset="0"/>
-              </a:rPr>
-              <a:t> — </a:t>
-            </a:r>
-            <a:r>
-              <a:rPr lang="en-US" sz="2200" i="1" dirty="0" smtClean="0">
-                <a:latin typeface="Times New Roman" panose="02020603050405020304" pitchFamily="18" charset="0"/>
-                <a:cs typeface="Times New Roman" panose="02020603050405020304" pitchFamily="18" charset="0"/>
-              </a:rPr>
-              <a:t>Components</a:t>
-            </a:r>
-            <a:r>
-              <a:rPr lang="en-US" sz="2200" dirty="0" smtClean="0">
-                <a:latin typeface="Times New Roman" panose="02020603050405020304" pitchFamily="18" charset="0"/>
-                <a:cs typeface="Times New Roman" panose="02020603050405020304" pitchFamily="18" charset="0"/>
-              </a:rPr>
-              <a:t>, </a:t>
-            </a:r>
-            <a:r>
-              <a:rPr lang="en-US" sz="2200" i="1" dirty="0" smtClean="0">
-                <a:latin typeface="Times New Roman" panose="02020603050405020304" pitchFamily="18" charset="0"/>
-                <a:cs typeface="Times New Roman" panose="02020603050405020304" pitchFamily="18" charset="0"/>
-              </a:rPr>
-              <a:t>Directives</a:t>
-            </a:r>
-            <a:r>
-              <a:rPr lang="en-US" sz="2200" dirty="0" smtClean="0">
-                <a:latin typeface="Times New Roman" panose="02020603050405020304" pitchFamily="18" charset="0"/>
-                <a:cs typeface="Times New Roman" panose="02020603050405020304" pitchFamily="18" charset="0"/>
-              </a:rPr>
-              <a:t>, and </a:t>
-            </a:r>
-            <a:r>
-              <a:rPr lang="en-US" sz="2200" i="1" dirty="0" smtClean="0">
-                <a:latin typeface="Times New Roman" panose="02020603050405020304" pitchFamily="18" charset="0"/>
-                <a:cs typeface="Times New Roman" panose="02020603050405020304" pitchFamily="18" charset="0"/>
-              </a:rPr>
-              <a:t>Pipes</a:t>
-            </a:r>
-            <a:r>
-              <a:rPr lang="en-US" sz="2200" dirty="0" smtClean="0">
-                <a:latin typeface="Times New Roman" panose="02020603050405020304" pitchFamily="18" charset="0"/>
-                <a:cs typeface="Times New Roman" panose="02020603050405020304" pitchFamily="18" charset="0"/>
-              </a:rPr>
-              <a:t> that belong to the </a:t>
-            </a:r>
-            <a:r>
-              <a:rPr lang="en-US" sz="2200" i="1" dirty="0" err="1" smtClean="0">
-                <a:latin typeface="Times New Roman" panose="02020603050405020304" pitchFamily="18" charset="0"/>
-                <a:cs typeface="Times New Roman" panose="02020603050405020304" pitchFamily="18" charset="0"/>
-              </a:rPr>
-              <a:t>NgModule</a:t>
-            </a:r>
-            <a:endParaRPr lang="en-US" sz="2200" dirty="0" smtClean="0">
-              <a:latin typeface="Times New Roman" panose="02020603050405020304" pitchFamily="18" charset="0"/>
-              <a:cs typeface="Times New Roman" panose="02020603050405020304" pitchFamily="18" charset="0"/>
-            </a:endParaRPr>
-          </a:p>
-          <a:p>
-            <a:pPr marL="457200" indent="-457200">
-              <a:buFont typeface="+mj-lt"/>
-              <a:buAutoNum type="arabicPeriod"/>
-            </a:pPr>
-            <a:r>
-              <a:rPr lang="en-US" sz="2200" i="1" dirty="0" smtClean="0">
-                <a:latin typeface="Times New Roman" panose="02020603050405020304" pitchFamily="18" charset="0"/>
-                <a:cs typeface="Times New Roman" panose="02020603050405020304" pitchFamily="18" charset="0"/>
-              </a:rPr>
-              <a:t>exports</a:t>
-            </a:r>
-            <a:r>
-              <a:rPr lang="en-US" sz="2200" dirty="0" smtClean="0">
-                <a:latin typeface="Times New Roman" panose="02020603050405020304" pitchFamily="18" charset="0"/>
-                <a:cs typeface="Times New Roman" panose="02020603050405020304" pitchFamily="18" charset="0"/>
-              </a:rPr>
-              <a:t> — the subset of declarations that should be visible and usable in the </a:t>
-            </a:r>
-            <a:r>
-              <a:rPr lang="en-US" sz="2200" i="1" dirty="0" smtClean="0">
-                <a:latin typeface="Times New Roman" panose="02020603050405020304" pitchFamily="18" charset="0"/>
-                <a:cs typeface="Times New Roman" panose="02020603050405020304" pitchFamily="18" charset="0"/>
-              </a:rPr>
-              <a:t>Components</a:t>
-            </a:r>
-            <a:r>
-              <a:rPr lang="en-US" sz="2200" dirty="0" smtClean="0">
-                <a:latin typeface="Times New Roman" panose="02020603050405020304" pitchFamily="18" charset="0"/>
-                <a:cs typeface="Times New Roman" panose="02020603050405020304" pitchFamily="18" charset="0"/>
-              </a:rPr>
-              <a:t> of other </a:t>
-            </a:r>
-            <a:r>
-              <a:rPr lang="en-US" sz="2200" i="1" dirty="0" err="1" smtClean="0">
-                <a:latin typeface="Times New Roman" panose="02020603050405020304" pitchFamily="18" charset="0"/>
-                <a:cs typeface="Times New Roman" panose="02020603050405020304" pitchFamily="18" charset="0"/>
-              </a:rPr>
-              <a:t>NgModules</a:t>
-            </a:r>
-            <a:endParaRPr lang="en-US" sz="2200" dirty="0" smtClean="0">
-              <a:latin typeface="Times New Roman" panose="02020603050405020304" pitchFamily="18" charset="0"/>
-              <a:cs typeface="Times New Roman" panose="02020603050405020304" pitchFamily="18" charset="0"/>
-            </a:endParaRPr>
-          </a:p>
-          <a:p>
-            <a:pPr marL="457200" indent="-457200">
-              <a:buFont typeface="+mj-lt"/>
-              <a:buAutoNum type="arabicPeriod"/>
-            </a:pPr>
-            <a:r>
-              <a:rPr lang="en-US" sz="2200" i="1" dirty="0" smtClean="0">
-                <a:latin typeface="Times New Roman" panose="02020603050405020304" pitchFamily="18" charset="0"/>
-                <a:cs typeface="Times New Roman" panose="02020603050405020304" pitchFamily="18" charset="0"/>
-              </a:rPr>
-              <a:t>imports</a:t>
-            </a:r>
-            <a:r>
-              <a:rPr lang="en-US" sz="2200" dirty="0" smtClean="0">
-                <a:latin typeface="Times New Roman" panose="02020603050405020304" pitchFamily="18" charset="0"/>
-                <a:cs typeface="Times New Roman" panose="02020603050405020304" pitchFamily="18" charset="0"/>
-              </a:rPr>
-              <a:t> — other modules whose exported classes are needed by </a:t>
-            </a:r>
-            <a:r>
-              <a:rPr lang="en-US" sz="2200" i="1" dirty="0" smtClean="0">
-                <a:latin typeface="Times New Roman" panose="02020603050405020304" pitchFamily="18" charset="0"/>
-                <a:cs typeface="Times New Roman" panose="02020603050405020304" pitchFamily="18" charset="0"/>
-              </a:rPr>
-              <a:t>Components</a:t>
-            </a:r>
-            <a:r>
-              <a:rPr lang="en-US" sz="2200" dirty="0" smtClean="0">
-                <a:latin typeface="Times New Roman" panose="02020603050405020304" pitchFamily="18" charset="0"/>
-                <a:cs typeface="Times New Roman" panose="02020603050405020304" pitchFamily="18" charset="0"/>
-              </a:rPr>
-              <a:t> declared in the </a:t>
-            </a:r>
-            <a:r>
-              <a:rPr lang="en-US" sz="2200" i="1" dirty="0" err="1" smtClean="0">
-                <a:latin typeface="Times New Roman" panose="02020603050405020304" pitchFamily="18" charset="0"/>
-                <a:cs typeface="Times New Roman" panose="02020603050405020304" pitchFamily="18" charset="0"/>
-              </a:rPr>
-              <a:t>NgModule</a:t>
-            </a:r>
-            <a:endParaRPr lang="en-US" sz="2200" dirty="0" smtClean="0">
-              <a:latin typeface="Times New Roman" panose="02020603050405020304" pitchFamily="18" charset="0"/>
-              <a:cs typeface="Times New Roman" panose="02020603050405020304" pitchFamily="18" charset="0"/>
-            </a:endParaRPr>
-          </a:p>
-          <a:p>
-            <a:pPr marL="457200" indent="-457200">
-              <a:buFont typeface="+mj-lt"/>
-              <a:buAutoNum type="arabicPeriod"/>
-            </a:pPr>
-            <a:r>
-              <a:rPr lang="en-US" sz="2200" i="1" dirty="0" smtClean="0">
-                <a:latin typeface="Times New Roman" panose="02020603050405020304" pitchFamily="18" charset="0"/>
-                <a:cs typeface="Times New Roman" panose="02020603050405020304" pitchFamily="18" charset="0"/>
-              </a:rPr>
-              <a:t>providers</a:t>
-            </a:r>
-            <a:r>
-              <a:rPr lang="en-US" sz="2200" dirty="0" smtClean="0">
-                <a:latin typeface="Times New Roman" panose="02020603050405020304" pitchFamily="18" charset="0"/>
-                <a:cs typeface="Times New Roman" panose="02020603050405020304" pitchFamily="18" charset="0"/>
-              </a:rPr>
-              <a:t> — list of the needed </a:t>
-            </a:r>
-            <a:r>
-              <a:rPr lang="en-US" sz="2200" i="1" dirty="0" smtClean="0">
-                <a:latin typeface="Times New Roman" panose="02020603050405020304" pitchFamily="18" charset="0"/>
-                <a:cs typeface="Times New Roman" panose="02020603050405020304" pitchFamily="18" charset="0"/>
-              </a:rPr>
-              <a:t>Services</a:t>
-            </a:r>
-            <a:r>
-              <a:rPr lang="en-US" sz="2200" dirty="0" smtClean="0">
-                <a:latin typeface="Times New Roman" panose="02020603050405020304" pitchFamily="18" charset="0"/>
-                <a:cs typeface="Times New Roman" panose="02020603050405020304" pitchFamily="18" charset="0"/>
-              </a:rPr>
-              <a:t> that, because they are listed here, become are available app-wide</a:t>
-            </a:r>
-          </a:p>
-          <a:p>
-            <a:pPr marL="457200" indent="-457200">
-              <a:buFont typeface="+mj-lt"/>
-              <a:buAutoNum type="arabicPeriod"/>
-            </a:pPr>
-            <a:r>
-              <a:rPr lang="en-US" sz="2200" i="1" dirty="0" smtClean="0">
-                <a:latin typeface="Times New Roman" panose="02020603050405020304" pitchFamily="18" charset="0"/>
-                <a:cs typeface="Times New Roman" panose="02020603050405020304" pitchFamily="18" charset="0"/>
-              </a:rPr>
-              <a:t>bootstrap</a:t>
-            </a:r>
-            <a:r>
-              <a:rPr lang="en-US" sz="2200" dirty="0" smtClean="0">
-                <a:latin typeface="Times New Roman" panose="02020603050405020304" pitchFamily="18" charset="0"/>
-                <a:cs typeface="Times New Roman" panose="02020603050405020304" pitchFamily="18" charset="0"/>
-              </a:rPr>
-              <a:t> — the main application </a:t>
-            </a:r>
-            <a:r>
-              <a:rPr lang="en-US" sz="2200" i="1" dirty="0" smtClean="0">
-                <a:latin typeface="Times New Roman" panose="02020603050405020304" pitchFamily="18" charset="0"/>
-                <a:cs typeface="Times New Roman" panose="02020603050405020304" pitchFamily="18" charset="0"/>
-              </a:rPr>
-              <a:t>View</a:t>
-            </a:r>
-            <a:r>
-              <a:rPr lang="en-US" sz="2200" dirty="0" smtClean="0">
-                <a:latin typeface="Times New Roman" panose="02020603050405020304" pitchFamily="18" charset="0"/>
-                <a:cs typeface="Times New Roman" panose="02020603050405020304" pitchFamily="18" charset="0"/>
-              </a:rPr>
-              <a:t>, called the </a:t>
-            </a:r>
-            <a:r>
-              <a:rPr lang="en-US" sz="2200" i="1" dirty="0" smtClean="0">
-                <a:latin typeface="Times New Roman" panose="02020603050405020304" pitchFamily="18" charset="0"/>
-                <a:cs typeface="Times New Roman" panose="02020603050405020304" pitchFamily="18" charset="0"/>
-              </a:rPr>
-              <a:t>Root Component</a:t>
-            </a:r>
-            <a:r>
-              <a:rPr lang="en-US" sz="2200" dirty="0" smtClean="0">
-                <a:latin typeface="Times New Roman" panose="02020603050405020304" pitchFamily="18" charset="0"/>
-                <a:cs typeface="Times New Roman" panose="02020603050405020304" pitchFamily="18" charset="0"/>
-              </a:rPr>
-              <a:t>, which hosts all other app views. (only the </a:t>
-            </a:r>
-            <a:r>
-              <a:rPr lang="en-US" sz="2200" i="1" dirty="0" smtClean="0">
-                <a:latin typeface="Times New Roman" panose="02020603050405020304" pitchFamily="18" charset="0"/>
-                <a:cs typeface="Times New Roman" panose="02020603050405020304" pitchFamily="18" charset="0"/>
-              </a:rPr>
-              <a:t>Root Module</a:t>
-            </a:r>
-            <a:r>
-              <a:rPr lang="en-US" sz="2200" dirty="0" smtClean="0">
-                <a:latin typeface="Times New Roman" panose="02020603050405020304" pitchFamily="18" charset="0"/>
-                <a:cs typeface="Times New Roman" panose="02020603050405020304" pitchFamily="18" charset="0"/>
-              </a:rPr>
-              <a:t> should set this bootstrap property)</a:t>
-            </a:r>
-          </a:p>
-          <a:p>
-            <a:endParaRPr lang="en-US" sz="2200" dirty="0" smtClean="0">
-              <a:latin typeface="Times New Roman" panose="02020603050405020304" pitchFamily="18" charset="0"/>
-              <a:cs typeface="Times New Roman" panose="02020603050405020304" pitchFamily="18" charset="0"/>
-            </a:endParaRPr>
-          </a:p>
-          <a:p>
-            <a:pPr marL="0" indent="0">
-              <a:buNone/>
-            </a:pPr>
-            <a:r>
-              <a:rPr lang="en-US" sz="2200" dirty="0" smtClean="0">
-                <a:latin typeface="Times New Roman" panose="02020603050405020304" pitchFamily="18" charset="0"/>
-                <a:cs typeface="Times New Roman" panose="02020603050405020304" pitchFamily="18" charset="0"/>
-              </a:rPr>
-              <a:t/>
-            </a:r>
-            <a:br>
-              <a:rPr lang="en-US" sz="2200" dirty="0" smtClean="0">
-                <a:latin typeface="Times New Roman" panose="02020603050405020304" pitchFamily="18" charset="0"/>
-                <a:cs typeface="Times New Roman" panose="02020603050405020304" pitchFamily="18" charset="0"/>
-              </a:rPr>
-            </a:br>
-            <a:endParaRPr lang="en-US" sz="2200" dirty="0">
-              <a:latin typeface="Times New Roman" panose="02020603050405020304" pitchFamily="18" charset="0"/>
-              <a:cs typeface="Times New Roman" panose="02020603050405020304" pitchFamily="18" charset="0"/>
-            </a:endParaRPr>
-          </a:p>
-        </p:txBody>
-      </p:sp>
-    </p:spTree>
-    <p:extLst>
-      <p:ext uri="{BB962C8B-B14F-4D97-AF65-F5344CB8AC3E}">
-        <p14:creationId xmlns:p14="http://schemas.microsoft.com/office/powerpoint/2010/main" val="3367615162"/>
-      </p:ext>
-    </p:extLst>
-  </p:cSld>
-  <p:clrMapOvr>
-    <a:masterClrMapping/>
-  </p:clrMapOvr>
-  <p:timing>
-    <p:tnLst>
-      <p:par>
-        <p:cTn id="1" dur="indefinite" restart="never" nodeType="tmRoot"/>
-      </p:par>
-    </p:tnLst>
-  </p:timing>
-</p:sld>
-</file>
-
-<file path=ppt/slides/slide12.xml><?xml version="1.0" encoding="utf-8"?>
-<p:sld xmlns:a="http://schemas.openxmlformats.org/drawingml/2006/main" xmlns:r="http://schemas.openxmlformats.org/officeDocument/2006/relationships" xmlns:p="http://schemas.openxmlformats.org/presentationml/2006/main">
-  <p:cSld>
-    <p:spTree>
-      <p:nvGrpSpPr>
-        <p:cNvPr id="1" name=""/>
-        <p:cNvGrpSpPr/>
-        <p:nvPr/>
-      </p:nvGrpSpPr>
-      <p:grpSpPr>
-        <a:xfrm>
-          <a:off x="0" y="0"/>
-          <a:ext cx="0" cy="0"/>
-          <a:chOff x="0" y="0"/>
-          <a:chExt cx="0" cy="0"/>
-        </a:xfrm>
-      </p:grpSpPr>
-      <p:sp>
-        <p:nvSpPr>
-          <p:cNvPr id="2" name="Title 1"/>
-          <p:cNvSpPr>
-            <a:spLocks noGrp="1"/>
-          </p:cNvSpPr>
-          <p:nvPr>
-            <p:ph type="title"/>
-          </p:nvPr>
-        </p:nvSpPr>
-        <p:spPr/>
-        <p:txBody>
-          <a:bodyPr/>
-          <a:lstStyle/>
-          <a:p>
-            <a:r>
-              <a:rPr lang="en-US" dirty="0">
-                <a:latin typeface="Times New Roman" panose="02020603050405020304" pitchFamily="18" charset="0"/>
-                <a:cs typeface="Times New Roman" panose="02020603050405020304" pitchFamily="18" charset="0"/>
-              </a:rPr>
-              <a:t>Architecture</a:t>
-            </a:r>
-            <a:r>
-              <a:rPr lang="en-US" dirty="0"/>
-              <a:t> overview</a:t>
-            </a:r>
-          </a:p>
-        </p:txBody>
-      </p:sp>
-      <p:sp>
-        <p:nvSpPr>
-          <p:cNvPr id="3" name="Content Placeholder 2"/>
-          <p:cNvSpPr>
-            <a:spLocks noGrp="1"/>
-          </p:cNvSpPr>
-          <p:nvPr>
-            <p:ph idx="1"/>
-          </p:nvPr>
-        </p:nvSpPr>
-        <p:spPr/>
-        <p:txBody>
-          <a:bodyPr>
-            <a:normAutofit/>
-          </a:bodyPr>
-          <a:lstStyle/>
-          <a:p>
-            <a:r>
-              <a:rPr lang="en-US" sz="2200" b="1" dirty="0" smtClean="0">
-                <a:latin typeface="Times New Roman" panose="02020603050405020304" pitchFamily="18" charset="0"/>
-                <a:cs typeface="Times New Roman" panose="02020603050405020304" pitchFamily="18" charset="0"/>
-              </a:rPr>
-              <a:t>Components: </a:t>
-            </a:r>
-            <a:r>
-              <a:rPr lang="en-US" sz="2200" dirty="0" smtClean="0">
-                <a:latin typeface="Times New Roman" panose="02020603050405020304" pitchFamily="18" charset="0"/>
-                <a:cs typeface="Times New Roman" panose="02020603050405020304" pitchFamily="18" charset="0"/>
-              </a:rPr>
-              <a:t>A</a:t>
-            </a:r>
-            <a:r>
-              <a:rPr lang="en-US" sz="2200" dirty="0">
-                <a:latin typeface="Times New Roman" panose="02020603050405020304" pitchFamily="18" charset="0"/>
-                <a:cs typeface="Times New Roman" panose="02020603050405020304" pitchFamily="18" charset="0"/>
-              </a:rPr>
-              <a:t> </a:t>
-            </a:r>
-            <a:r>
-              <a:rPr lang="en-US" sz="2200" i="1" dirty="0">
-                <a:latin typeface="Times New Roman" panose="02020603050405020304" pitchFamily="18" charset="0"/>
-                <a:cs typeface="Times New Roman" panose="02020603050405020304" pitchFamily="18" charset="0"/>
-              </a:rPr>
-              <a:t>Component</a:t>
-            </a:r>
-            <a:r>
-              <a:rPr lang="en-US" sz="2200" dirty="0">
-                <a:latin typeface="Times New Roman" panose="02020603050405020304" pitchFamily="18" charset="0"/>
-                <a:cs typeface="Times New Roman" panose="02020603050405020304" pitchFamily="18" charset="0"/>
-              </a:rPr>
-              <a:t> controls a </a:t>
-            </a:r>
-            <a:r>
-              <a:rPr lang="en-US" sz="2200" dirty="0" smtClean="0">
-                <a:latin typeface="Times New Roman" panose="02020603050405020304" pitchFamily="18" charset="0"/>
-                <a:cs typeface="Times New Roman" panose="02020603050405020304" pitchFamily="18" charset="0"/>
-              </a:rPr>
-              <a:t>screen </a:t>
-            </a:r>
-            <a:r>
-              <a:rPr lang="en-US" sz="2200" dirty="0">
-                <a:latin typeface="Times New Roman" panose="02020603050405020304" pitchFamily="18" charset="0"/>
-                <a:cs typeface="Times New Roman" panose="02020603050405020304" pitchFamily="18" charset="0"/>
-              </a:rPr>
-              <a:t>called a </a:t>
-            </a:r>
-            <a:r>
-              <a:rPr lang="en-US" sz="2200" i="1" dirty="0">
-                <a:latin typeface="Times New Roman" panose="02020603050405020304" pitchFamily="18" charset="0"/>
-                <a:cs typeface="Times New Roman" panose="02020603050405020304" pitchFamily="18" charset="0"/>
-              </a:rPr>
-              <a:t>View</a:t>
-            </a:r>
-            <a:r>
-              <a:rPr lang="en-US" sz="2200" dirty="0">
-                <a:latin typeface="Times New Roman" panose="02020603050405020304" pitchFamily="18" charset="0"/>
-                <a:cs typeface="Times New Roman" panose="02020603050405020304" pitchFamily="18" charset="0"/>
-              </a:rPr>
-              <a:t>. The logic of a </a:t>
-            </a:r>
-            <a:r>
-              <a:rPr lang="en-US" sz="2200" i="1" dirty="0">
-                <a:latin typeface="Times New Roman" panose="02020603050405020304" pitchFamily="18" charset="0"/>
-                <a:cs typeface="Times New Roman" panose="02020603050405020304" pitchFamily="18" charset="0"/>
-              </a:rPr>
-              <a:t>Component</a:t>
-            </a:r>
-            <a:r>
-              <a:rPr lang="en-US" sz="2200" dirty="0">
-                <a:latin typeface="Times New Roman" panose="02020603050405020304" pitchFamily="18" charset="0"/>
-                <a:cs typeface="Times New Roman" panose="02020603050405020304" pitchFamily="18" charset="0"/>
-              </a:rPr>
-              <a:t> is defined inside a class. </a:t>
-            </a:r>
-            <a:r>
-              <a:rPr lang="en-US" sz="2200" i="1" dirty="0">
-                <a:latin typeface="Times New Roman" panose="02020603050405020304" pitchFamily="18" charset="0"/>
-                <a:cs typeface="Times New Roman" panose="02020603050405020304" pitchFamily="18" charset="0"/>
-              </a:rPr>
-              <a:t>Angular</a:t>
-            </a:r>
-            <a:r>
-              <a:rPr lang="en-US" sz="2200" dirty="0">
-                <a:latin typeface="Times New Roman" panose="02020603050405020304" pitchFamily="18" charset="0"/>
-                <a:cs typeface="Times New Roman" panose="02020603050405020304" pitchFamily="18" charset="0"/>
-              </a:rPr>
-              <a:t> creates, updates, and destroys </a:t>
-            </a:r>
-            <a:r>
-              <a:rPr lang="en-US" sz="2200" i="1" dirty="0">
-                <a:latin typeface="Times New Roman" panose="02020603050405020304" pitchFamily="18" charset="0"/>
-                <a:cs typeface="Times New Roman" panose="02020603050405020304" pitchFamily="18" charset="0"/>
-              </a:rPr>
-              <a:t>Components</a:t>
-            </a:r>
-            <a:r>
-              <a:rPr lang="en-US" sz="2200" dirty="0">
-                <a:latin typeface="Times New Roman" panose="02020603050405020304" pitchFamily="18" charset="0"/>
-                <a:cs typeface="Times New Roman" panose="02020603050405020304" pitchFamily="18" charset="0"/>
-              </a:rPr>
-              <a:t> as the user moves through the application.</a:t>
-            </a:r>
-          </a:p>
-          <a:p>
-            <a:r>
-              <a:rPr lang="en-US" sz="2200" dirty="0">
-                <a:latin typeface="Times New Roman" panose="02020603050405020304" pitchFamily="18" charset="0"/>
-                <a:cs typeface="Times New Roman" panose="02020603050405020304" pitchFamily="18" charset="0"/>
-              </a:rPr>
-              <a:t>A </a:t>
-            </a:r>
-            <a:r>
-              <a:rPr lang="en-US" sz="2200" i="1" dirty="0">
-                <a:latin typeface="Times New Roman" panose="02020603050405020304" pitchFamily="18" charset="0"/>
-                <a:cs typeface="Times New Roman" panose="02020603050405020304" pitchFamily="18" charset="0"/>
-              </a:rPr>
-              <a:t>Component</a:t>
-            </a:r>
-            <a:r>
-              <a:rPr lang="en-US" sz="2200" dirty="0">
-                <a:latin typeface="Times New Roman" panose="02020603050405020304" pitchFamily="18" charset="0"/>
-                <a:cs typeface="Times New Roman" panose="02020603050405020304" pitchFamily="18" charset="0"/>
-              </a:rPr>
-              <a:t> is identified by the “</a:t>
-            </a:r>
-            <a:r>
-              <a:rPr lang="en-US" sz="2200" i="1" dirty="0">
-                <a:latin typeface="Times New Roman" panose="02020603050405020304" pitchFamily="18" charset="0"/>
-                <a:cs typeface="Times New Roman" panose="02020603050405020304" pitchFamily="18" charset="0"/>
-              </a:rPr>
-              <a:t>@Component</a:t>
-            </a:r>
-            <a:r>
-              <a:rPr lang="en-US" sz="2200" dirty="0">
-                <a:latin typeface="Times New Roman" panose="02020603050405020304" pitchFamily="18" charset="0"/>
-                <a:cs typeface="Times New Roman" panose="02020603050405020304" pitchFamily="18" charset="0"/>
-              </a:rPr>
-              <a:t>” decorator that has a set of properties. The most import properties are the following ones:</a:t>
-            </a:r>
-          </a:p>
-          <a:p>
-            <a:r>
-              <a:rPr lang="en-US" sz="2200" i="1" dirty="0">
-                <a:latin typeface="Times New Roman" panose="02020603050405020304" pitchFamily="18" charset="0"/>
-                <a:cs typeface="Times New Roman" panose="02020603050405020304" pitchFamily="18" charset="0"/>
-              </a:rPr>
-              <a:t>selector</a:t>
-            </a:r>
-            <a:r>
-              <a:rPr lang="en-US" sz="2200" dirty="0">
-                <a:latin typeface="Times New Roman" panose="02020603050405020304" pitchFamily="18" charset="0"/>
-                <a:cs typeface="Times New Roman" panose="02020603050405020304" pitchFamily="18" charset="0"/>
-              </a:rPr>
-              <a:t> — tells how the component is referenced in </a:t>
-            </a:r>
-            <a:r>
-              <a:rPr lang="en-US" sz="2200" i="1" dirty="0">
-                <a:latin typeface="Times New Roman" panose="02020603050405020304" pitchFamily="18" charset="0"/>
-                <a:cs typeface="Times New Roman" panose="02020603050405020304" pitchFamily="18" charset="0"/>
-              </a:rPr>
-              <a:t>HTML</a:t>
-            </a:r>
-            <a:r>
-              <a:rPr lang="en-US" sz="2200" dirty="0">
-                <a:latin typeface="Times New Roman" panose="02020603050405020304" pitchFamily="18" charset="0"/>
-                <a:cs typeface="Times New Roman" panose="02020603050405020304" pitchFamily="18" charset="0"/>
-              </a:rPr>
-              <a:t>; in simple words, it corresponds to the </a:t>
-            </a:r>
-            <a:r>
-              <a:rPr lang="en-US" sz="2200" i="1" dirty="0">
-                <a:latin typeface="Times New Roman" panose="02020603050405020304" pitchFamily="18" charset="0"/>
-                <a:cs typeface="Times New Roman" panose="02020603050405020304" pitchFamily="18" charset="0"/>
-              </a:rPr>
-              <a:t>HTML</a:t>
-            </a:r>
-            <a:r>
-              <a:rPr lang="en-US" sz="2200" dirty="0">
-                <a:latin typeface="Times New Roman" panose="02020603050405020304" pitchFamily="18" charset="0"/>
-                <a:cs typeface="Times New Roman" panose="02020603050405020304" pitchFamily="18" charset="0"/>
-              </a:rPr>
-              <a:t> tag.</a:t>
-            </a:r>
-          </a:p>
-          <a:p>
-            <a:r>
-              <a:rPr lang="en-US" sz="2200" i="1" dirty="0" err="1">
-                <a:latin typeface="Times New Roman" panose="02020603050405020304" pitchFamily="18" charset="0"/>
-                <a:cs typeface="Times New Roman" panose="02020603050405020304" pitchFamily="18" charset="0"/>
-              </a:rPr>
-              <a:t>templateUrl</a:t>
-            </a:r>
-            <a:r>
-              <a:rPr lang="en-US" sz="2200" dirty="0">
-                <a:latin typeface="Times New Roman" panose="02020603050405020304" pitchFamily="18" charset="0"/>
-                <a:cs typeface="Times New Roman" panose="02020603050405020304" pitchFamily="18" charset="0"/>
-              </a:rPr>
-              <a:t> — gives the path of the </a:t>
-            </a:r>
-            <a:r>
-              <a:rPr lang="en-US" sz="2200" i="1" dirty="0">
-                <a:latin typeface="Times New Roman" panose="02020603050405020304" pitchFamily="18" charset="0"/>
-                <a:cs typeface="Times New Roman" panose="02020603050405020304" pitchFamily="18" charset="0"/>
-              </a:rPr>
-              <a:t>HTML</a:t>
-            </a:r>
-            <a:r>
-              <a:rPr lang="en-US" sz="2200" dirty="0">
-                <a:latin typeface="Times New Roman" panose="02020603050405020304" pitchFamily="18" charset="0"/>
-                <a:cs typeface="Times New Roman" panose="02020603050405020304" pitchFamily="18" charset="0"/>
-              </a:rPr>
-              <a:t> template.</a:t>
-            </a:r>
-          </a:p>
-          <a:p>
-            <a:r>
-              <a:rPr lang="en-US" sz="2200" i="1" dirty="0">
-                <a:latin typeface="Times New Roman" panose="02020603050405020304" pitchFamily="18" charset="0"/>
-                <a:cs typeface="Times New Roman" panose="02020603050405020304" pitchFamily="18" charset="0"/>
-              </a:rPr>
-              <a:t>providers</a:t>
-            </a:r>
-            <a:r>
-              <a:rPr lang="en-US" sz="2200" dirty="0">
-                <a:latin typeface="Times New Roman" panose="02020603050405020304" pitchFamily="18" charset="0"/>
-                <a:cs typeface="Times New Roman" panose="02020603050405020304" pitchFamily="18" charset="0"/>
-              </a:rPr>
-              <a:t> — an array of </a:t>
-            </a:r>
-            <a:r>
-              <a:rPr lang="en-US" sz="2200" i="1" dirty="0">
-                <a:latin typeface="Times New Roman" panose="02020603050405020304" pitchFamily="18" charset="0"/>
-                <a:cs typeface="Times New Roman" panose="02020603050405020304" pitchFamily="18" charset="0"/>
-              </a:rPr>
-              <a:t>Dependency Injection Providers</a:t>
-            </a:r>
-            <a:r>
-              <a:rPr lang="en-US" sz="2200" dirty="0">
-                <a:latin typeface="Times New Roman" panose="02020603050405020304" pitchFamily="18" charset="0"/>
-                <a:cs typeface="Times New Roman" panose="02020603050405020304" pitchFamily="18" charset="0"/>
-              </a:rPr>
-              <a:t> for </a:t>
-            </a:r>
-            <a:r>
-              <a:rPr lang="en-US" sz="2200" i="1" dirty="0">
-                <a:latin typeface="Times New Roman" panose="02020603050405020304" pitchFamily="18" charset="0"/>
-                <a:cs typeface="Times New Roman" panose="02020603050405020304" pitchFamily="18" charset="0"/>
-              </a:rPr>
-              <a:t>Services</a:t>
-            </a:r>
-            <a:r>
-              <a:rPr lang="en-US" sz="2200" dirty="0">
-                <a:latin typeface="Times New Roman" panose="02020603050405020304" pitchFamily="18" charset="0"/>
-                <a:cs typeface="Times New Roman" panose="02020603050405020304" pitchFamily="18" charset="0"/>
-              </a:rPr>
-              <a:t> that the </a:t>
-            </a:r>
-            <a:r>
-              <a:rPr lang="en-US" sz="2200" i="1" dirty="0">
-                <a:latin typeface="Times New Roman" panose="02020603050405020304" pitchFamily="18" charset="0"/>
-                <a:cs typeface="Times New Roman" panose="02020603050405020304" pitchFamily="18" charset="0"/>
-              </a:rPr>
-              <a:t>Component</a:t>
-            </a:r>
-            <a:r>
-              <a:rPr lang="en-US" sz="2200" dirty="0">
-                <a:latin typeface="Times New Roman" panose="02020603050405020304" pitchFamily="18" charset="0"/>
-                <a:cs typeface="Times New Roman" panose="02020603050405020304" pitchFamily="18" charset="0"/>
-              </a:rPr>
-              <a:t> requires.</a:t>
-            </a:r>
-          </a:p>
-          <a:p>
-            <a:endParaRPr lang="en-US" sz="2200" dirty="0">
-              <a:latin typeface="Times New Roman" panose="02020603050405020304" pitchFamily="18" charset="0"/>
-              <a:cs typeface="Times New Roman" panose="02020603050405020304" pitchFamily="18" charset="0"/>
-            </a:endParaRPr>
-          </a:p>
-        </p:txBody>
-      </p:sp>
-    </p:spTree>
-    <p:extLst>
-      <p:ext uri="{BB962C8B-B14F-4D97-AF65-F5344CB8AC3E}">
-        <p14:creationId xmlns:p14="http://schemas.microsoft.com/office/powerpoint/2010/main" val="3742243493"/>
-      </p:ext>
-    </p:extLst>
-  </p:cSld>
-  <p:clrMapOvr>
-    <a:masterClrMapping/>
-  </p:clrMapOvr>
-  <p:timing>
-    <p:tnLst>
-      <p:par>
-        <p:cTn id="1" dur="indefinite" restart="never" nodeType="tmRoot"/>
-      </p:par>
-    </p:tnLst>
-  </p:timing>
-</p:sld>
-</file>
-
-<file path=ppt/slides/slide13.xml><?xml version="1.0" encoding="utf-8"?>
-<p:sld xmlns:a="http://schemas.openxmlformats.org/drawingml/2006/main" xmlns:r="http://schemas.openxmlformats.org/officeDocument/2006/relationships" xmlns:p="http://schemas.openxmlformats.org/presentationml/2006/main">
-  <p:cSld>
-    <p:spTree>
-      <p:nvGrpSpPr>
-        <p:cNvPr id="1" name=""/>
-        <p:cNvGrpSpPr/>
-        <p:nvPr/>
-      </p:nvGrpSpPr>
-      <p:grpSpPr>
-        <a:xfrm>
-          <a:off x="0" y="0"/>
-          <a:ext cx="0" cy="0"/>
-          <a:chOff x="0" y="0"/>
-          <a:chExt cx="0" cy="0"/>
-        </a:xfrm>
-      </p:grpSpPr>
-      <p:sp>
-        <p:nvSpPr>
-          <p:cNvPr id="2" name="Title 1"/>
-          <p:cNvSpPr>
-            <a:spLocks noGrp="1"/>
-          </p:cNvSpPr>
-          <p:nvPr>
-            <p:ph type="title"/>
-          </p:nvPr>
-        </p:nvSpPr>
-        <p:spPr/>
-        <p:txBody>
-          <a:bodyPr/>
-          <a:lstStyle/>
-          <a:p>
-            <a:r>
-              <a:rPr lang="en-US" dirty="0">
-                <a:latin typeface="Times New Roman" panose="02020603050405020304" pitchFamily="18" charset="0"/>
-                <a:cs typeface="Times New Roman" panose="02020603050405020304" pitchFamily="18" charset="0"/>
-              </a:rPr>
-              <a:t>Architecture overview</a:t>
-            </a:r>
-          </a:p>
-        </p:txBody>
-      </p:sp>
-      <p:sp>
-        <p:nvSpPr>
-          <p:cNvPr id="3" name="Content Placeholder 2"/>
-          <p:cNvSpPr>
-            <a:spLocks noGrp="1"/>
-          </p:cNvSpPr>
-          <p:nvPr>
-            <p:ph idx="1"/>
-          </p:nvPr>
-        </p:nvSpPr>
-        <p:spPr/>
-        <p:txBody>
-          <a:bodyPr>
-            <a:normAutofit/>
-          </a:bodyPr>
-          <a:lstStyle/>
-          <a:p>
-            <a:r>
-              <a:rPr lang="en-US" sz="2200" b="1" dirty="0" smtClean="0">
-                <a:latin typeface="Times New Roman" panose="02020603050405020304" pitchFamily="18" charset="0"/>
-                <a:cs typeface="Times New Roman" panose="02020603050405020304" pitchFamily="18" charset="0"/>
-              </a:rPr>
-              <a:t>Services: </a:t>
-            </a:r>
-            <a:r>
-              <a:rPr lang="en-US" sz="2200" dirty="0">
-                <a:latin typeface="Times New Roman" panose="02020603050405020304" pitchFamily="18" charset="0"/>
-                <a:cs typeface="Times New Roman" panose="02020603050405020304" pitchFamily="18" charset="0"/>
-              </a:rPr>
-              <a:t>we should create a </a:t>
-            </a:r>
-            <a:r>
-              <a:rPr lang="en-US" sz="2200" i="1" dirty="0">
-                <a:latin typeface="Times New Roman" panose="02020603050405020304" pitchFamily="18" charset="0"/>
-                <a:cs typeface="Times New Roman" panose="02020603050405020304" pitchFamily="18" charset="0"/>
-              </a:rPr>
-              <a:t>Service</a:t>
-            </a:r>
-            <a:r>
-              <a:rPr lang="en-US" sz="2200" dirty="0">
-                <a:latin typeface="Times New Roman" panose="02020603050405020304" pitchFamily="18" charset="0"/>
-                <a:cs typeface="Times New Roman" panose="02020603050405020304" pitchFamily="18" charset="0"/>
-              </a:rPr>
-              <a:t> when two or more </a:t>
-            </a:r>
-            <a:r>
-              <a:rPr lang="en-US" sz="2200" i="1" dirty="0">
-                <a:latin typeface="Times New Roman" panose="02020603050405020304" pitchFamily="18" charset="0"/>
-                <a:cs typeface="Times New Roman" panose="02020603050405020304" pitchFamily="18" charset="0"/>
-              </a:rPr>
-              <a:t>Components</a:t>
-            </a:r>
-            <a:r>
-              <a:rPr lang="en-US" sz="2200" dirty="0">
-                <a:latin typeface="Times New Roman" panose="02020603050405020304" pitchFamily="18" charset="0"/>
-                <a:cs typeface="Times New Roman" panose="02020603050405020304" pitchFamily="18" charset="0"/>
-              </a:rPr>
-              <a:t> or other things need to access the same data or if we want to encapsulate interactions with a web server or if we want to define how to validate user inputs</a:t>
-            </a:r>
-            <a:r>
-              <a:rPr lang="en-US" sz="2200" dirty="0" smtClean="0">
-                <a:latin typeface="Times New Roman" panose="02020603050405020304" pitchFamily="18" charset="0"/>
-                <a:cs typeface="Times New Roman" panose="02020603050405020304" pitchFamily="18" charset="0"/>
-              </a:rPr>
-              <a:t>.</a:t>
-            </a:r>
-          </a:p>
-          <a:p>
-            <a:r>
-              <a:rPr lang="nl-NL" sz="2200" dirty="0" smtClean="0">
-                <a:latin typeface="Times New Roman" panose="02020603050405020304" pitchFamily="18" charset="0"/>
-                <a:cs typeface="Times New Roman" panose="02020603050405020304" pitchFamily="18" charset="0"/>
-              </a:rPr>
-              <a:t>Service are </a:t>
-            </a:r>
-            <a:r>
-              <a:rPr lang="nl-NL" sz="2200" dirty="0" err="1" smtClean="0">
-                <a:latin typeface="Times New Roman" panose="02020603050405020304" pitchFamily="18" charset="0"/>
-                <a:cs typeface="Times New Roman" panose="02020603050405020304" pitchFamily="18" charset="0"/>
-              </a:rPr>
-              <a:t>stateless</a:t>
-            </a:r>
-            <a:r>
-              <a:rPr lang="nl-NL" sz="2200" dirty="0" smtClean="0">
-                <a:latin typeface="Times New Roman" panose="02020603050405020304" pitchFamily="18" charset="0"/>
-                <a:cs typeface="Times New Roman" panose="02020603050405020304" pitchFamily="18" charset="0"/>
-              </a:rPr>
-              <a:t> </a:t>
-            </a:r>
-            <a:r>
-              <a:rPr lang="nl-NL" sz="2200" dirty="0" err="1" smtClean="0">
-                <a:latin typeface="Times New Roman" panose="02020603050405020304" pitchFamily="18" charset="0"/>
-                <a:cs typeface="Times New Roman" panose="02020603050405020304" pitchFamily="18" charset="0"/>
-              </a:rPr>
-              <a:t>and</a:t>
-            </a:r>
-            <a:r>
-              <a:rPr lang="nl-NL" sz="2200" dirty="0" smtClean="0">
-                <a:latin typeface="Times New Roman" panose="02020603050405020304" pitchFamily="18" charset="0"/>
-                <a:cs typeface="Times New Roman" panose="02020603050405020304" pitchFamily="18" charset="0"/>
-              </a:rPr>
-              <a:t> Singletons.</a:t>
-            </a:r>
-          </a:p>
-          <a:p>
-            <a:r>
-              <a:rPr lang="nl-NL" sz="2200" dirty="0" smtClean="0">
-                <a:latin typeface="Times New Roman" panose="02020603050405020304" pitchFamily="18" charset="0"/>
-                <a:cs typeface="Times New Roman" panose="02020603050405020304" pitchFamily="18" charset="0"/>
-              </a:rPr>
-              <a:t>Service is </a:t>
-            </a:r>
-            <a:r>
-              <a:rPr lang="nl-NL" sz="2200" dirty="0" err="1" smtClean="0">
-                <a:latin typeface="Times New Roman" panose="02020603050405020304" pitchFamily="18" charset="0"/>
-                <a:cs typeface="Times New Roman" panose="02020603050405020304" pitchFamily="18" charset="0"/>
-              </a:rPr>
-              <a:t>defined</a:t>
-            </a:r>
-            <a:r>
-              <a:rPr lang="nl-NL" sz="2200" dirty="0" smtClean="0">
-                <a:latin typeface="Times New Roman" panose="02020603050405020304" pitchFamily="18" charset="0"/>
-                <a:cs typeface="Times New Roman" panose="02020603050405020304" pitchFamily="18" charset="0"/>
-              </a:rPr>
-              <a:t> </a:t>
-            </a:r>
-            <a:r>
-              <a:rPr lang="nl-NL" sz="2200" dirty="0" err="1" smtClean="0">
-                <a:latin typeface="Times New Roman" panose="02020603050405020304" pitchFamily="18" charset="0"/>
-                <a:cs typeface="Times New Roman" panose="02020603050405020304" pitchFamily="18" charset="0"/>
-              </a:rPr>
-              <a:t>using</a:t>
-            </a:r>
-            <a:r>
-              <a:rPr lang="nl-NL" sz="2200" dirty="0" smtClean="0">
-                <a:latin typeface="Times New Roman" panose="02020603050405020304" pitchFamily="18" charset="0"/>
-                <a:cs typeface="Times New Roman" panose="02020603050405020304" pitchFamily="18" charset="0"/>
-              </a:rPr>
-              <a:t> @</a:t>
-            </a:r>
-            <a:r>
-              <a:rPr lang="nl-NL" sz="2200" dirty="0" err="1" smtClean="0">
-                <a:latin typeface="Times New Roman" panose="02020603050405020304" pitchFamily="18" charset="0"/>
-                <a:cs typeface="Times New Roman" panose="02020603050405020304" pitchFamily="18" charset="0"/>
-              </a:rPr>
-              <a:t>Injectable</a:t>
-            </a:r>
-            <a:r>
-              <a:rPr lang="nl-NL" sz="2200" dirty="0" smtClean="0">
-                <a:latin typeface="Times New Roman" panose="02020603050405020304" pitchFamily="18" charset="0"/>
-                <a:cs typeface="Times New Roman" panose="02020603050405020304" pitchFamily="18" charset="0"/>
-              </a:rPr>
-              <a:t> </a:t>
-            </a:r>
-            <a:r>
-              <a:rPr lang="nl-NL" sz="2200" dirty="0" err="1" smtClean="0">
-                <a:latin typeface="Times New Roman" panose="02020603050405020304" pitchFamily="18" charset="0"/>
-                <a:cs typeface="Times New Roman" panose="02020603050405020304" pitchFamily="18" charset="0"/>
-              </a:rPr>
-              <a:t>decorator</a:t>
-            </a:r>
-            <a:r>
-              <a:rPr lang="nl-NL" sz="2200" dirty="0" smtClean="0">
-                <a:latin typeface="Times New Roman" panose="02020603050405020304" pitchFamily="18" charset="0"/>
-                <a:cs typeface="Times New Roman" panose="02020603050405020304" pitchFamily="18" charset="0"/>
-              </a:rPr>
-              <a:t>.</a:t>
-            </a:r>
-            <a:endParaRPr lang="en-US" sz="2200" dirty="0">
-              <a:latin typeface="Times New Roman" panose="02020603050405020304" pitchFamily="18" charset="0"/>
-              <a:cs typeface="Times New Roman" panose="02020603050405020304" pitchFamily="18" charset="0"/>
-            </a:endParaRPr>
-          </a:p>
-        </p:txBody>
-      </p:sp>
-    </p:spTree>
-    <p:extLst>
-      <p:ext uri="{BB962C8B-B14F-4D97-AF65-F5344CB8AC3E}">
-        <p14:creationId xmlns:p14="http://schemas.microsoft.com/office/powerpoint/2010/main" val="3101533194"/>
-      </p:ext>
-    </p:extLst>
-  </p:cSld>
-  <p:clrMapOvr>
-    <a:masterClrMapping/>
-  </p:clrMapOvr>
-  <p:timing>
-    <p:tnLst>
-      <p:par>
-        <p:cTn id="1" dur="indefinite" restart="never" nodeType="tmRoot"/>
-      </p:par>
-    </p:tnLst>
-  </p:timing>
-</p:sld>
-</file>
-
-<file path=ppt/slides/slide14.xml><?xml version="1.0" encoding="utf-8"?>
-<p:sld xmlns:a="http://schemas.openxmlformats.org/drawingml/2006/main" xmlns:r="http://schemas.openxmlformats.org/officeDocument/2006/relationships" xmlns:p="http://schemas.openxmlformats.org/presentationml/2006/main">
-  <p:cSld>
-    <p:spTree>
-      <p:nvGrpSpPr>
-        <p:cNvPr id="1" name=""/>
-        <p:cNvGrpSpPr/>
-        <p:nvPr/>
-      </p:nvGrpSpPr>
-      <p:grpSpPr>
-        <a:xfrm>
-          <a:off x="0" y="0"/>
-          <a:ext cx="0" cy="0"/>
-          <a:chOff x="0" y="0"/>
-          <a:chExt cx="0" cy="0"/>
-        </a:xfrm>
-      </p:grpSpPr>
-      <p:sp>
-        <p:nvSpPr>
-          <p:cNvPr id="2" name="Title 1"/>
-          <p:cNvSpPr>
-            <a:spLocks noGrp="1"/>
-          </p:cNvSpPr>
-          <p:nvPr>
-            <p:ph type="title"/>
-          </p:nvPr>
-        </p:nvSpPr>
-        <p:spPr/>
-        <p:txBody>
-          <a:bodyPr/>
-          <a:lstStyle/>
-          <a:p>
-            <a:r>
-              <a:rPr lang="en-US" dirty="0">
-                <a:latin typeface="Times New Roman" panose="02020603050405020304" pitchFamily="18" charset="0"/>
-                <a:cs typeface="Times New Roman" panose="02020603050405020304" pitchFamily="18" charset="0"/>
-              </a:rPr>
-              <a:t>Architecture overview</a:t>
-            </a:r>
-          </a:p>
-        </p:txBody>
-      </p:sp>
-      <p:sp>
-        <p:nvSpPr>
-          <p:cNvPr id="3" name="Content Placeholder 2"/>
-          <p:cNvSpPr>
-            <a:spLocks noGrp="1"/>
-          </p:cNvSpPr>
-          <p:nvPr>
-            <p:ph idx="1"/>
-          </p:nvPr>
-        </p:nvSpPr>
-        <p:spPr/>
-        <p:txBody>
-          <a:bodyPr>
-            <a:normAutofit/>
-          </a:bodyPr>
-          <a:lstStyle/>
-          <a:p>
-            <a:r>
-              <a:rPr lang="en-US" sz="2200" b="1" dirty="0">
-                <a:latin typeface="Times New Roman" panose="02020603050405020304" pitchFamily="18" charset="0"/>
-                <a:cs typeface="Times New Roman" panose="02020603050405020304" pitchFamily="18" charset="0"/>
-              </a:rPr>
-              <a:t>Dependency </a:t>
-            </a:r>
-            <a:r>
-              <a:rPr lang="en-US" sz="2200" b="1" dirty="0" smtClean="0">
-                <a:latin typeface="Times New Roman" panose="02020603050405020304" pitchFamily="18" charset="0"/>
-                <a:cs typeface="Times New Roman" panose="02020603050405020304" pitchFamily="18" charset="0"/>
-              </a:rPr>
-              <a:t>Injection: </a:t>
-            </a:r>
-            <a:r>
-              <a:rPr lang="en-US" sz="2200" dirty="0" smtClean="0">
-                <a:latin typeface="Times New Roman" panose="02020603050405020304" pitchFamily="18" charset="0"/>
-                <a:cs typeface="Times New Roman" panose="02020603050405020304" pitchFamily="18" charset="0"/>
-              </a:rPr>
-              <a:t> DI is </a:t>
-            </a:r>
-            <a:r>
-              <a:rPr lang="en-US" sz="2200" i="1" dirty="0" smtClean="0">
-                <a:latin typeface="Times New Roman" panose="02020603050405020304" pitchFamily="18" charset="0"/>
-                <a:cs typeface="Times New Roman" panose="02020603050405020304" pitchFamily="18" charset="0"/>
-              </a:rPr>
-              <a:t>Design </a:t>
-            </a:r>
-            <a:r>
-              <a:rPr lang="en-US" sz="2200" i="1" dirty="0">
-                <a:latin typeface="Times New Roman" panose="02020603050405020304" pitchFamily="18" charset="0"/>
-                <a:cs typeface="Times New Roman" panose="02020603050405020304" pitchFamily="18" charset="0"/>
-              </a:rPr>
-              <a:t>Pattern</a:t>
-            </a:r>
-            <a:r>
-              <a:rPr lang="en-US" sz="2200" dirty="0">
-                <a:latin typeface="Times New Roman" panose="02020603050405020304" pitchFamily="18" charset="0"/>
-                <a:cs typeface="Times New Roman" panose="02020603050405020304" pitchFamily="18" charset="0"/>
-              </a:rPr>
-              <a:t> in which one or more dependencies (</a:t>
-            </a:r>
-            <a:r>
-              <a:rPr lang="en-US" sz="2200" i="1" dirty="0">
-                <a:latin typeface="Times New Roman" panose="02020603050405020304" pitchFamily="18" charset="0"/>
-                <a:cs typeface="Times New Roman" panose="02020603050405020304" pitchFamily="18" charset="0"/>
-              </a:rPr>
-              <a:t>Services</a:t>
-            </a:r>
-            <a:r>
-              <a:rPr lang="en-US" sz="2200" dirty="0">
-                <a:latin typeface="Times New Roman" panose="02020603050405020304" pitchFamily="18" charset="0"/>
-                <a:cs typeface="Times New Roman" panose="02020603050405020304" pitchFamily="18" charset="0"/>
-              </a:rPr>
-              <a:t>) are injected into a dependent object</a:t>
-            </a:r>
-          </a:p>
-          <a:p>
-            <a:r>
-              <a:rPr lang="en-US" sz="2200" dirty="0">
-                <a:latin typeface="Times New Roman" panose="02020603050405020304" pitchFamily="18" charset="0"/>
-                <a:cs typeface="Times New Roman" panose="02020603050405020304" pitchFamily="18" charset="0"/>
-              </a:rPr>
-              <a:t>A </a:t>
-            </a:r>
-            <a:r>
-              <a:rPr lang="en-US" sz="2200" i="1" dirty="0">
-                <a:latin typeface="Times New Roman" panose="02020603050405020304" pitchFamily="18" charset="0"/>
-                <a:cs typeface="Times New Roman" panose="02020603050405020304" pitchFamily="18" charset="0"/>
-              </a:rPr>
-              <a:t>Provider</a:t>
-            </a:r>
-            <a:r>
-              <a:rPr lang="en-US" sz="2200" dirty="0">
-                <a:latin typeface="Times New Roman" panose="02020603050405020304" pitchFamily="18" charset="0"/>
-                <a:cs typeface="Times New Roman" panose="02020603050405020304" pitchFamily="18" charset="0"/>
-              </a:rPr>
-              <a:t> is a recipe for creating a dependency. We must at least register one </a:t>
-            </a:r>
-            <a:r>
-              <a:rPr lang="en-US" sz="2200" i="1" dirty="0">
-                <a:latin typeface="Times New Roman" panose="02020603050405020304" pitchFamily="18" charset="0"/>
-                <a:cs typeface="Times New Roman" panose="02020603050405020304" pitchFamily="18" charset="0"/>
-              </a:rPr>
-              <a:t>Provider</a:t>
-            </a:r>
-            <a:r>
-              <a:rPr lang="en-US" sz="2200" dirty="0">
-                <a:latin typeface="Times New Roman" panose="02020603050405020304" pitchFamily="18" charset="0"/>
-                <a:cs typeface="Times New Roman" panose="02020603050405020304" pitchFamily="18" charset="0"/>
-              </a:rPr>
-              <a:t> of any </a:t>
-            </a:r>
-            <a:r>
-              <a:rPr lang="en-US" sz="2200" i="1" dirty="0">
-                <a:latin typeface="Times New Roman" panose="02020603050405020304" pitchFamily="18" charset="0"/>
-                <a:cs typeface="Times New Roman" panose="02020603050405020304" pitchFamily="18" charset="0"/>
-              </a:rPr>
-              <a:t>Service</a:t>
-            </a:r>
-            <a:r>
-              <a:rPr lang="en-US" sz="2200" dirty="0">
-                <a:latin typeface="Times New Roman" panose="02020603050405020304" pitchFamily="18" charset="0"/>
-                <a:cs typeface="Times New Roman" panose="02020603050405020304" pitchFamily="18" charset="0"/>
-              </a:rPr>
-              <a:t> we want to use. It can be done in Modules or in </a:t>
-            </a:r>
-            <a:r>
-              <a:rPr lang="en-US" sz="2200" i="1" dirty="0">
-                <a:latin typeface="Times New Roman" panose="02020603050405020304" pitchFamily="18" charset="0"/>
-                <a:cs typeface="Times New Roman" panose="02020603050405020304" pitchFamily="18" charset="0"/>
-              </a:rPr>
-              <a:t>Components</a:t>
-            </a:r>
-            <a:r>
-              <a:rPr lang="en-US" sz="2200" dirty="0">
-                <a:latin typeface="Times New Roman" panose="02020603050405020304" pitchFamily="18" charset="0"/>
-                <a:cs typeface="Times New Roman" panose="02020603050405020304" pitchFamily="18" charset="0"/>
-              </a:rPr>
-              <a:t>. Doing this in a </a:t>
-            </a:r>
-            <a:r>
-              <a:rPr lang="en-US" sz="2200" i="1" dirty="0">
-                <a:latin typeface="Times New Roman" panose="02020603050405020304" pitchFamily="18" charset="0"/>
-                <a:cs typeface="Times New Roman" panose="02020603050405020304" pitchFamily="18" charset="0"/>
-              </a:rPr>
-              <a:t>Module</a:t>
-            </a:r>
-            <a:r>
-              <a:rPr lang="en-US" sz="2200" dirty="0">
-                <a:latin typeface="Times New Roman" panose="02020603050405020304" pitchFamily="18" charset="0"/>
-                <a:cs typeface="Times New Roman" panose="02020603050405020304" pitchFamily="18" charset="0"/>
-              </a:rPr>
-              <a:t> allows </a:t>
-            </a:r>
-            <a:r>
-              <a:rPr lang="en-US" sz="2200" i="1" dirty="0">
-                <a:latin typeface="Times New Roman" panose="02020603050405020304" pitchFamily="18" charset="0"/>
-                <a:cs typeface="Times New Roman" panose="02020603050405020304" pitchFamily="18" charset="0"/>
-              </a:rPr>
-              <a:t>Angular</a:t>
-            </a:r>
-            <a:r>
-              <a:rPr lang="en-US" sz="2200" dirty="0">
-                <a:latin typeface="Times New Roman" panose="02020603050405020304" pitchFamily="18" charset="0"/>
-                <a:cs typeface="Times New Roman" panose="02020603050405020304" pitchFamily="18" charset="0"/>
-              </a:rPr>
-              <a:t> to inject the corresponding </a:t>
-            </a:r>
-            <a:r>
-              <a:rPr lang="en-US" sz="2200" i="1" dirty="0">
-                <a:latin typeface="Times New Roman" panose="02020603050405020304" pitchFamily="18" charset="0"/>
-                <a:cs typeface="Times New Roman" panose="02020603050405020304" pitchFamily="18" charset="0"/>
-              </a:rPr>
-              <a:t>Services</a:t>
-            </a:r>
-            <a:r>
-              <a:rPr lang="en-US" sz="2200" dirty="0">
-                <a:latin typeface="Times New Roman" panose="02020603050405020304" pitchFamily="18" charset="0"/>
-                <a:cs typeface="Times New Roman" panose="02020603050405020304" pitchFamily="18" charset="0"/>
-              </a:rPr>
-              <a:t> in any class it creates and so the </a:t>
-            </a:r>
-            <a:r>
-              <a:rPr lang="en-US" sz="2200" i="1" dirty="0">
-                <a:latin typeface="Times New Roman" panose="02020603050405020304" pitchFamily="18" charset="0"/>
-                <a:cs typeface="Times New Roman" panose="02020603050405020304" pitchFamily="18" charset="0"/>
-              </a:rPr>
-              <a:t>Service</a:t>
-            </a:r>
-            <a:r>
-              <a:rPr lang="en-US" sz="2200" dirty="0">
-                <a:latin typeface="Times New Roman" panose="02020603050405020304" pitchFamily="18" charset="0"/>
-                <a:cs typeface="Times New Roman" panose="02020603050405020304" pitchFamily="18" charset="0"/>
-              </a:rPr>
-              <a:t> instance lives for the life of the app. By using a </a:t>
-            </a:r>
-            <a:r>
-              <a:rPr lang="en-US" sz="2200" i="1" dirty="0">
-                <a:latin typeface="Times New Roman" panose="02020603050405020304" pitchFamily="18" charset="0"/>
-                <a:cs typeface="Times New Roman" panose="02020603050405020304" pitchFamily="18" charset="0"/>
-              </a:rPr>
-              <a:t>Component Provider</a:t>
-            </a:r>
-            <a:r>
-              <a:rPr lang="en-US" sz="2200" dirty="0">
-                <a:latin typeface="Times New Roman" panose="02020603050405020304" pitchFamily="18" charset="0"/>
-                <a:cs typeface="Times New Roman" panose="02020603050405020304" pitchFamily="18" charset="0"/>
-              </a:rPr>
-              <a:t> we restrict the scope of the </a:t>
-            </a:r>
-            <a:r>
-              <a:rPr lang="en-US" sz="2200" i="1" dirty="0">
-                <a:latin typeface="Times New Roman" panose="02020603050405020304" pitchFamily="18" charset="0"/>
-                <a:cs typeface="Times New Roman" panose="02020603050405020304" pitchFamily="18" charset="0"/>
-              </a:rPr>
-              <a:t>Service</a:t>
-            </a:r>
-            <a:r>
-              <a:rPr lang="en-US" sz="2200" dirty="0">
-                <a:latin typeface="Times New Roman" panose="02020603050405020304" pitchFamily="18" charset="0"/>
-                <a:cs typeface="Times New Roman" panose="02020603050405020304" pitchFamily="18" charset="0"/>
-              </a:rPr>
-              <a:t> and so it will only be injected into that </a:t>
-            </a:r>
-            <a:r>
-              <a:rPr lang="en-US" sz="2200" i="1" dirty="0">
-                <a:latin typeface="Times New Roman" panose="02020603050405020304" pitchFamily="18" charset="0"/>
-                <a:cs typeface="Times New Roman" panose="02020603050405020304" pitchFamily="18" charset="0"/>
-              </a:rPr>
-              <a:t>Component</a:t>
-            </a:r>
-            <a:r>
-              <a:rPr lang="en-US" sz="2200" dirty="0">
-                <a:latin typeface="Times New Roman" panose="02020603050405020304" pitchFamily="18" charset="0"/>
-                <a:cs typeface="Times New Roman" panose="02020603050405020304" pitchFamily="18" charset="0"/>
-              </a:rPr>
-              <a:t> instance or one of its descendant </a:t>
-            </a:r>
-            <a:r>
-              <a:rPr lang="en-US" sz="2200" i="1" dirty="0">
-                <a:latin typeface="Times New Roman" panose="02020603050405020304" pitchFamily="18" charset="0"/>
-                <a:cs typeface="Times New Roman" panose="02020603050405020304" pitchFamily="18" charset="0"/>
-              </a:rPr>
-              <a:t>Component</a:t>
-            </a:r>
-            <a:r>
-              <a:rPr lang="en-US" sz="2200" dirty="0">
-                <a:latin typeface="Times New Roman" panose="02020603050405020304" pitchFamily="18" charset="0"/>
-                <a:cs typeface="Times New Roman" panose="02020603050405020304" pitchFamily="18" charset="0"/>
-              </a:rPr>
-              <a:t> instances. It means that </a:t>
-            </a:r>
-            <a:r>
-              <a:rPr lang="en-US" sz="2200" i="1" dirty="0">
-                <a:latin typeface="Times New Roman" panose="02020603050405020304" pitchFamily="18" charset="0"/>
-                <a:cs typeface="Times New Roman" panose="02020603050405020304" pitchFamily="18" charset="0"/>
-              </a:rPr>
-              <a:t>Angular</a:t>
-            </a:r>
-            <a:r>
-              <a:rPr lang="en-US" sz="2200" dirty="0">
-                <a:latin typeface="Times New Roman" panose="02020603050405020304" pitchFamily="18" charset="0"/>
-                <a:cs typeface="Times New Roman" panose="02020603050405020304" pitchFamily="18" charset="0"/>
-              </a:rPr>
-              <a:t> can’t inject the same </a:t>
-            </a:r>
-            <a:r>
-              <a:rPr lang="en-US" sz="2200" i="1" dirty="0">
-                <a:latin typeface="Times New Roman" panose="02020603050405020304" pitchFamily="18" charset="0"/>
-                <a:cs typeface="Times New Roman" panose="02020603050405020304" pitchFamily="18" charset="0"/>
-              </a:rPr>
-              <a:t>Service</a:t>
-            </a:r>
-            <a:r>
-              <a:rPr lang="en-US" sz="2200" dirty="0">
-                <a:latin typeface="Times New Roman" panose="02020603050405020304" pitchFamily="18" charset="0"/>
-                <a:cs typeface="Times New Roman" panose="02020603050405020304" pitchFamily="18" charset="0"/>
-              </a:rPr>
-              <a:t> instance anywhere else. The lifetime of this </a:t>
-            </a:r>
-            <a:r>
-              <a:rPr lang="en-US" sz="2200" i="1" dirty="0">
-                <a:latin typeface="Times New Roman" panose="02020603050405020304" pitchFamily="18" charset="0"/>
-                <a:cs typeface="Times New Roman" panose="02020603050405020304" pitchFamily="18" charset="0"/>
-              </a:rPr>
-              <a:t>Service</a:t>
-            </a:r>
-            <a:r>
-              <a:rPr lang="en-US" sz="2200" dirty="0">
-                <a:latin typeface="Times New Roman" panose="02020603050405020304" pitchFamily="18" charset="0"/>
-                <a:cs typeface="Times New Roman" panose="02020603050405020304" pitchFamily="18" charset="0"/>
-              </a:rPr>
-              <a:t> will also be different: the </a:t>
-            </a:r>
-            <a:r>
-              <a:rPr lang="en-US" sz="2200" i="1" dirty="0">
-                <a:latin typeface="Times New Roman" panose="02020603050405020304" pitchFamily="18" charset="0"/>
-                <a:cs typeface="Times New Roman" panose="02020603050405020304" pitchFamily="18" charset="0"/>
-              </a:rPr>
-              <a:t>Service</a:t>
-            </a:r>
-            <a:r>
-              <a:rPr lang="en-US" sz="2200" dirty="0">
-                <a:latin typeface="Times New Roman" panose="02020603050405020304" pitchFamily="18" charset="0"/>
-                <a:cs typeface="Times New Roman" panose="02020603050405020304" pitchFamily="18" charset="0"/>
-              </a:rPr>
-              <a:t> instance will be destroyed when the </a:t>
-            </a:r>
-            <a:r>
-              <a:rPr lang="en-US" sz="2200" i="1" dirty="0">
-                <a:latin typeface="Times New Roman" panose="02020603050405020304" pitchFamily="18" charset="0"/>
-                <a:cs typeface="Times New Roman" panose="02020603050405020304" pitchFamily="18" charset="0"/>
-              </a:rPr>
-              <a:t>Component</a:t>
-            </a:r>
-            <a:r>
-              <a:rPr lang="en-US" sz="2200" dirty="0">
-                <a:latin typeface="Times New Roman" panose="02020603050405020304" pitchFamily="18" charset="0"/>
-                <a:cs typeface="Times New Roman" panose="02020603050405020304" pitchFamily="18" charset="0"/>
-              </a:rPr>
-              <a:t> instance is destroyed.</a:t>
-            </a:r>
-          </a:p>
-        </p:txBody>
-      </p:sp>
-    </p:spTree>
-    <p:extLst>
-      <p:ext uri="{BB962C8B-B14F-4D97-AF65-F5344CB8AC3E}">
-        <p14:creationId xmlns:p14="http://schemas.microsoft.com/office/powerpoint/2010/main" val="4252899282"/>
-      </p:ext>
-    </p:extLst>
-  </p:cSld>
-  <p:clrMapOvr>
-    <a:masterClrMapping/>
-  </p:clrMapOvr>
-  <p:timing>
-    <p:tnLst>
-      <p:par>
-        <p:cTn id="1" dur="indefinite" restart="never" nodeType="tmRoot"/>
-      </p:par>
-    </p:tnLst>
-  </p:timing>
-</p:sld>
-</file>
-
-<file path=ppt/slides/slide15.xml><?xml version="1.0" encoding="utf-8"?>
-<p:sld xmlns:a="http://schemas.openxmlformats.org/drawingml/2006/main" xmlns:r="http://schemas.openxmlformats.org/officeDocument/2006/relationships" xmlns:p="http://schemas.openxmlformats.org/presentationml/2006/main">
-  <p:cSld>
-    <p:spTree>
-      <p:nvGrpSpPr>
-        <p:cNvPr id="1" name=""/>
-        <p:cNvGrpSpPr/>
-        <p:nvPr/>
-      </p:nvGrpSpPr>
-      <p:grpSpPr>
-        <a:xfrm>
-          <a:off x="0" y="0"/>
-          <a:ext cx="0" cy="0"/>
-          <a:chOff x="0" y="0"/>
-          <a:chExt cx="0" cy="0"/>
-        </a:xfrm>
-      </p:grpSpPr>
-      <p:sp>
-        <p:nvSpPr>
-          <p:cNvPr id="2" name="Title 1"/>
-          <p:cNvSpPr>
-            <a:spLocks noGrp="1"/>
-          </p:cNvSpPr>
-          <p:nvPr>
-            <p:ph type="title"/>
-          </p:nvPr>
-        </p:nvSpPr>
-        <p:spPr/>
-        <p:txBody>
-          <a:bodyPr/>
-          <a:lstStyle/>
-          <a:p>
-            <a:r>
-              <a:rPr lang="en-US" dirty="0">
-                <a:latin typeface="Times New Roman" panose="02020603050405020304" pitchFamily="18" charset="0"/>
-                <a:cs typeface="Times New Roman" panose="02020603050405020304" pitchFamily="18" charset="0"/>
-              </a:rPr>
-              <a:t>Architecture overview</a:t>
-            </a:r>
-          </a:p>
-        </p:txBody>
-      </p:sp>
-      <p:sp>
-        <p:nvSpPr>
-          <p:cNvPr id="3" name="Content Placeholder 2"/>
-          <p:cNvSpPr>
-            <a:spLocks noGrp="1"/>
-          </p:cNvSpPr>
-          <p:nvPr>
-            <p:ph idx="1"/>
-          </p:nvPr>
-        </p:nvSpPr>
-        <p:spPr/>
-        <p:txBody>
-          <a:bodyPr>
-            <a:normAutofit/>
-          </a:bodyPr>
-          <a:lstStyle/>
-          <a:p>
-            <a:r>
-              <a:rPr lang="en-US" sz="2200" b="1" dirty="0">
-                <a:latin typeface="Times New Roman" panose="02020603050405020304" pitchFamily="18" charset="0"/>
-                <a:cs typeface="Times New Roman" panose="02020603050405020304" pitchFamily="18" charset="0"/>
-              </a:rPr>
-              <a:t>Data Binding</a:t>
-            </a:r>
-          </a:p>
-          <a:p>
-            <a:r>
-              <a:rPr lang="en-US" sz="2200" dirty="0">
-                <a:latin typeface="Times New Roman" panose="02020603050405020304" pitchFamily="18" charset="0"/>
-                <a:cs typeface="Times New Roman" panose="02020603050405020304" pitchFamily="18" charset="0"/>
-              </a:rPr>
-              <a:t>There are two types of data binding:</a:t>
-            </a:r>
-          </a:p>
-          <a:p>
-            <a:pPr marL="457200" indent="-457200">
-              <a:buFont typeface="+mj-lt"/>
-              <a:buAutoNum type="arabicPeriod"/>
-            </a:pPr>
-            <a:r>
-              <a:rPr lang="en-US" sz="2200" i="1" dirty="0">
-                <a:latin typeface="Times New Roman" panose="02020603050405020304" pitchFamily="18" charset="0"/>
-                <a:cs typeface="Times New Roman" panose="02020603050405020304" pitchFamily="18" charset="0"/>
-              </a:rPr>
-              <a:t>Event binding</a:t>
-            </a:r>
-            <a:r>
-              <a:rPr lang="en-US" sz="2200" dirty="0">
-                <a:latin typeface="Times New Roman" panose="02020603050405020304" pitchFamily="18" charset="0"/>
-                <a:cs typeface="Times New Roman" panose="02020603050405020304" pitchFamily="18" charset="0"/>
-              </a:rPr>
-              <a:t> lets your app respond to user input in the target environment by updating your application data.</a:t>
-            </a:r>
-          </a:p>
-          <a:p>
-            <a:pPr marL="457200" indent="-457200">
-              <a:buFont typeface="+mj-lt"/>
-              <a:buAutoNum type="arabicPeriod"/>
-            </a:pPr>
-            <a:r>
-              <a:rPr lang="en-US" sz="2200" i="1" dirty="0">
-                <a:latin typeface="Times New Roman" panose="02020603050405020304" pitchFamily="18" charset="0"/>
-                <a:cs typeface="Times New Roman" panose="02020603050405020304" pitchFamily="18" charset="0"/>
-              </a:rPr>
-              <a:t>Property binding</a:t>
-            </a:r>
-            <a:r>
-              <a:rPr lang="en-US" sz="2200" dirty="0">
-                <a:latin typeface="Times New Roman" panose="02020603050405020304" pitchFamily="18" charset="0"/>
-                <a:cs typeface="Times New Roman" panose="02020603050405020304" pitchFamily="18" charset="0"/>
-              </a:rPr>
-              <a:t> lets you interpolate values that are computed from your application data into the HTML.</a:t>
-            </a:r>
-          </a:p>
-          <a:p>
-            <a:endParaRPr lang="en-US" sz="2200" dirty="0">
-              <a:latin typeface="Times New Roman" panose="02020603050405020304" pitchFamily="18" charset="0"/>
-              <a:cs typeface="Times New Roman" panose="02020603050405020304" pitchFamily="18" charset="0"/>
-            </a:endParaRPr>
-          </a:p>
-        </p:txBody>
-      </p:sp>
-    </p:spTree>
-    <p:extLst>
-      <p:ext uri="{BB962C8B-B14F-4D97-AF65-F5344CB8AC3E}">
-        <p14:creationId xmlns:p14="http://schemas.microsoft.com/office/powerpoint/2010/main" val="2175551747"/>
-      </p:ext>
-    </p:extLst>
-  </p:cSld>
-  <p:clrMapOvr>
-    <a:masterClrMapping/>
-  </p:clrMapOvr>
-  <p:timing>
-    <p:tnLst>
-      <p:par>
-        <p:cTn id="1" dur="indefinite" restart="never" nodeType="tmRoot"/>
-      </p:par>
-    </p:tnLst>
-  </p:timing>
-</p:sld>
-</file>
-
-<file path=ppt/slides/slide16.xml><?xml version="1.0" encoding="utf-8"?>
-<p:sld xmlns:a="http://schemas.openxmlformats.org/drawingml/2006/main" xmlns:r="http://schemas.openxmlformats.org/officeDocument/2006/relationships" xmlns:p="http://schemas.openxmlformats.org/presentationml/2006/main">
-  <p:cSld>
-    <p:spTree>
-      <p:nvGrpSpPr>
-        <p:cNvPr id="1" name=""/>
-        <p:cNvGrpSpPr/>
-        <p:nvPr/>
-      </p:nvGrpSpPr>
-      <p:grpSpPr>
-        <a:xfrm>
-          <a:off x="0" y="0"/>
-          <a:ext cx="0" cy="0"/>
-          <a:chOff x="0" y="0"/>
-          <a:chExt cx="0" cy="0"/>
-        </a:xfrm>
-      </p:grpSpPr>
-      <p:sp>
-        <p:nvSpPr>
-          <p:cNvPr id="2" name="Title 1"/>
-          <p:cNvSpPr>
-            <a:spLocks noGrp="1"/>
-          </p:cNvSpPr>
-          <p:nvPr>
-            <p:ph type="title"/>
-          </p:nvPr>
-        </p:nvSpPr>
-        <p:spPr/>
-        <p:txBody>
-          <a:bodyPr/>
-          <a:lstStyle/>
-          <a:p>
-            <a:r>
-              <a:rPr lang="en-US" dirty="0">
-                <a:latin typeface="Times New Roman" panose="02020603050405020304" pitchFamily="18" charset="0"/>
-                <a:cs typeface="Times New Roman" panose="02020603050405020304" pitchFamily="18" charset="0"/>
-              </a:rPr>
-              <a:t>Architecture overview</a:t>
-            </a:r>
-          </a:p>
-        </p:txBody>
-      </p:sp>
-      <p:sp>
-        <p:nvSpPr>
-          <p:cNvPr id="3" name="Content Placeholder 2"/>
-          <p:cNvSpPr>
-            <a:spLocks noGrp="1"/>
-          </p:cNvSpPr>
-          <p:nvPr>
-            <p:ph idx="1"/>
-          </p:nvPr>
-        </p:nvSpPr>
-        <p:spPr/>
-        <p:txBody>
-          <a:bodyPr>
-            <a:normAutofit/>
-          </a:bodyPr>
-          <a:lstStyle/>
-          <a:p>
-            <a:r>
-              <a:rPr lang="en-US" sz="2200" b="1" dirty="0">
-                <a:latin typeface="Times New Roman" panose="02020603050405020304" pitchFamily="18" charset="0"/>
-                <a:cs typeface="Times New Roman" panose="02020603050405020304" pitchFamily="18" charset="0"/>
-              </a:rPr>
-              <a:t>Input and </a:t>
-            </a:r>
-            <a:r>
-              <a:rPr lang="en-US" sz="2200" b="1" dirty="0" smtClean="0">
-                <a:latin typeface="Times New Roman" panose="02020603050405020304" pitchFamily="18" charset="0"/>
-                <a:cs typeface="Times New Roman" panose="02020603050405020304" pitchFamily="18" charset="0"/>
-              </a:rPr>
-              <a:t>Output: </a:t>
-            </a:r>
-            <a:r>
-              <a:rPr lang="en-US" sz="2200" i="1" dirty="0" smtClean="0">
-                <a:latin typeface="Times New Roman" panose="02020603050405020304" pitchFamily="18" charset="0"/>
-                <a:cs typeface="Times New Roman" panose="02020603050405020304" pitchFamily="18" charset="0"/>
-              </a:rPr>
-              <a:t>Input</a:t>
-            </a:r>
-            <a:r>
-              <a:rPr lang="en-US" sz="2200" dirty="0">
-                <a:latin typeface="Times New Roman" panose="02020603050405020304" pitchFamily="18" charset="0"/>
-                <a:cs typeface="Times New Roman" panose="02020603050405020304" pitchFamily="18" charset="0"/>
-              </a:rPr>
-              <a:t> properties usually receive data values. </a:t>
-            </a:r>
-            <a:r>
-              <a:rPr lang="en-US" sz="2200" i="1" dirty="0">
-                <a:latin typeface="Times New Roman" panose="02020603050405020304" pitchFamily="18" charset="0"/>
-                <a:cs typeface="Times New Roman" panose="02020603050405020304" pitchFamily="18" charset="0"/>
-              </a:rPr>
-              <a:t>Output</a:t>
-            </a:r>
-            <a:r>
-              <a:rPr lang="en-US" sz="2200" dirty="0">
-                <a:latin typeface="Times New Roman" panose="02020603050405020304" pitchFamily="18" charset="0"/>
-                <a:cs typeface="Times New Roman" panose="02020603050405020304" pitchFamily="18" charset="0"/>
-              </a:rPr>
-              <a:t> properties expose </a:t>
-            </a:r>
-            <a:r>
-              <a:rPr lang="en-US" sz="2200" i="1" dirty="0">
-                <a:latin typeface="Times New Roman" panose="02020603050405020304" pitchFamily="18" charset="0"/>
-                <a:cs typeface="Times New Roman" panose="02020603050405020304" pitchFamily="18" charset="0"/>
-              </a:rPr>
-              <a:t>Event</a:t>
-            </a:r>
-            <a:r>
-              <a:rPr lang="en-US" sz="2200" dirty="0">
-                <a:latin typeface="Times New Roman" panose="02020603050405020304" pitchFamily="18" charset="0"/>
-                <a:cs typeface="Times New Roman" panose="02020603050405020304" pitchFamily="18" charset="0"/>
-              </a:rPr>
-              <a:t> producers.</a:t>
-            </a:r>
-            <a:endParaRPr lang="en-US" sz="2200" b="1" dirty="0">
-              <a:latin typeface="Times New Roman" panose="02020603050405020304" pitchFamily="18" charset="0"/>
-              <a:cs typeface="Times New Roman" panose="02020603050405020304" pitchFamily="18" charset="0"/>
-            </a:endParaRPr>
-          </a:p>
-          <a:p>
-            <a:r>
-              <a:rPr lang="nl-NL" sz="2200" dirty="0" err="1" smtClean="0">
-                <a:latin typeface="Times New Roman" panose="02020603050405020304" pitchFamily="18" charset="0"/>
-                <a:cs typeface="Times New Roman" panose="02020603050405020304" pitchFamily="18" charset="0"/>
-              </a:rPr>
-              <a:t>To</a:t>
-            </a:r>
-            <a:r>
-              <a:rPr lang="nl-NL" sz="2200" dirty="0" smtClean="0">
-                <a:latin typeface="Times New Roman" panose="02020603050405020304" pitchFamily="18" charset="0"/>
-                <a:cs typeface="Times New Roman" panose="02020603050405020304" pitchFamily="18" charset="0"/>
-              </a:rPr>
-              <a:t> </a:t>
-            </a:r>
-            <a:r>
-              <a:rPr lang="nl-NL" sz="2200" dirty="0" err="1" smtClean="0">
-                <a:latin typeface="Times New Roman" panose="02020603050405020304" pitchFamily="18" charset="0"/>
-                <a:cs typeface="Times New Roman" panose="02020603050405020304" pitchFamily="18" charset="0"/>
-              </a:rPr>
-              <a:t>define</a:t>
-            </a:r>
-            <a:r>
-              <a:rPr lang="nl-NL" sz="2200" dirty="0" smtClean="0">
-                <a:latin typeface="Times New Roman" panose="02020603050405020304" pitchFamily="18" charset="0"/>
-                <a:cs typeface="Times New Roman" panose="02020603050405020304" pitchFamily="18" charset="0"/>
-              </a:rPr>
-              <a:t> Input </a:t>
-            </a:r>
-            <a:r>
-              <a:rPr lang="nl-NL" sz="2200" dirty="0" err="1" smtClean="0">
-                <a:latin typeface="Times New Roman" panose="02020603050405020304" pitchFamily="18" charset="0"/>
-                <a:cs typeface="Times New Roman" panose="02020603050405020304" pitchFamily="18" charset="0"/>
-              </a:rPr>
-              <a:t>and</a:t>
-            </a:r>
-            <a:r>
-              <a:rPr lang="nl-NL" sz="2200" dirty="0" smtClean="0">
-                <a:latin typeface="Times New Roman" panose="02020603050405020304" pitchFamily="18" charset="0"/>
-                <a:cs typeface="Times New Roman" panose="02020603050405020304" pitchFamily="18" charset="0"/>
-              </a:rPr>
-              <a:t> Output </a:t>
-            </a:r>
-            <a:r>
-              <a:rPr lang="nl-NL" sz="2200" dirty="0" err="1" smtClean="0">
-                <a:latin typeface="Times New Roman" panose="02020603050405020304" pitchFamily="18" charset="0"/>
-                <a:cs typeface="Times New Roman" panose="02020603050405020304" pitchFamily="18" charset="0"/>
-              </a:rPr>
-              <a:t>use</a:t>
-            </a:r>
-            <a:r>
-              <a:rPr lang="nl-NL" sz="2200" dirty="0" smtClean="0">
-                <a:latin typeface="Times New Roman" panose="02020603050405020304" pitchFamily="18" charset="0"/>
-                <a:cs typeface="Times New Roman" panose="02020603050405020304" pitchFamily="18" charset="0"/>
-              </a:rPr>
-              <a:t> @Input &amp; @Output </a:t>
-            </a:r>
-            <a:r>
-              <a:rPr lang="nl-NL" sz="2200" dirty="0" err="1" smtClean="0">
-                <a:latin typeface="Times New Roman" panose="02020603050405020304" pitchFamily="18" charset="0"/>
-                <a:cs typeface="Times New Roman" panose="02020603050405020304" pitchFamily="18" charset="0"/>
-              </a:rPr>
-              <a:t>decorator</a:t>
-            </a:r>
-            <a:endParaRPr lang="en-US" sz="2200" dirty="0">
-              <a:latin typeface="Times New Roman" panose="02020603050405020304" pitchFamily="18" charset="0"/>
-              <a:cs typeface="Times New Roman" panose="02020603050405020304" pitchFamily="18" charset="0"/>
-            </a:endParaRPr>
-          </a:p>
-        </p:txBody>
-      </p:sp>
-    </p:spTree>
-    <p:extLst>
-      <p:ext uri="{BB962C8B-B14F-4D97-AF65-F5344CB8AC3E}">
-        <p14:creationId xmlns:p14="http://schemas.microsoft.com/office/powerpoint/2010/main" val="3308716006"/>
-      </p:ext>
-    </p:extLst>
-  </p:cSld>
-  <p:clrMapOvr>
-    <a:masterClrMapping/>
-  </p:clrMapOvr>
-  <p:timing>
-    <p:tnLst>
-      <p:par>
-        <p:cTn id="1" dur="indefinite" restart="never" nodeType="tmRoot"/>
-      </p:par>
-    </p:tnLst>
-  </p:timing>
-</p:sld>
-</file>
-
-<file path=ppt/slides/slide17.xml><?xml version="1.0" encoding="utf-8"?>
-<p:sld xmlns:a="http://schemas.openxmlformats.org/drawingml/2006/main" xmlns:r="http://schemas.openxmlformats.org/officeDocument/2006/relationships" xmlns:p="http://schemas.openxmlformats.org/presentationml/2006/main">
-  <p:cSld>
-    <p:spTree>
-      <p:nvGrpSpPr>
-        <p:cNvPr id="1" name=""/>
-        <p:cNvGrpSpPr/>
-        <p:nvPr/>
-      </p:nvGrpSpPr>
-      <p:grpSpPr>
-        <a:xfrm>
-          <a:off x="0" y="0"/>
-          <a:ext cx="0" cy="0"/>
-          <a:chOff x="0" y="0"/>
-          <a:chExt cx="0" cy="0"/>
-        </a:xfrm>
-      </p:grpSpPr>
-      <p:sp>
-        <p:nvSpPr>
-          <p:cNvPr id="2" name="Title 1"/>
-          <p:cNvSpPr>
-            <a:spLocks noGrp="1"/>
-          </p:cNvSpPr>
-          <p:nvPr>
-            <p:ph type="title"/>
-          </p:nvPr>
-        </p:nvSpPr>
-        <p:spPr/>
-        <p:txBody>
-          <a:bodyPr/>
-          <a:lstStyle/>
-          <a:p>
-            <a:r>
-              <a:rPr lang="en-US" dirty="0">
-                <a:latin typeface="Times New Roman" panose="02020603050405020304" pitchFamily="18" charset="0"/>
-                <a:cs typeface="Times New Roman" panose="02020603050405020304" pitchFamily="18" charset="0"/>
-              </a:rPr>
-              <a:t>Architecture overview</a:t>
-            </a:r>
-          </a:p>
-        </p:txBody>
-      </p:sp>
-      <p:sp>
-        <p:nvSpPr>
-          <p:cNvPr id="3" name="Content Placeholder 2"/>
-          <p:cNvSpPr>
-            <a:spLocks noGrp="1"/>
-          </p:cNvSpPr>
-          <p:nvPr>
-            <p:ph idx="1"/>
-          </p:nvPr>
-        </p:nvSpPr>
-        <p:spPr/>
-        <p:txBody>
-          <a:bodyPr>
-            <a:normAutofit/>
-          </a:bodyPr>
-          <a:lstStyle/>
-          <a:p>
-            <a:r>
-              <a:rPr lang="en-US" sz="2200" b="1" dirty="0" smtClean="0">
-                <a:latin typeface="Times New Roman" panose="02020603050405020304" pitchFamily="18" charset="0"/>
-                <a:cs typeface="Times New Roman" panose="02020603050405020304" pitchFamily="18" charset="0"/>
-              </a:rPr>
-              <a:t>Directives: </a:t>
-            </a:r>
-            <a:r>
-              <a:rPr lang="en-US" sz="2200" dirty="0">
-                <a:latin typeface="Times New Roman" panose="02020603050405020304" pitchFamily="18" charset="0"/>
-                <a:cs typeface="Times New Roman" panose="02020603050405020304" pitchFamily="18" charset="0"/>
-              </a:rPr>
-              <a:t>In </a:t>
-            </a:r>
-            <a:r>
-              <a:rPr lang="en-US" sz="2200" i="1" dirty="0">
-                <a:latin typeface="Times New Roman" panose="02020603050405020304" pitchFamily="18" charset="0"/>
-                <a:cs typeface="Times New Roman" panose="02020603050405020304" pitchFamily="18" charset="0"/>
-              </a:rPr>
-              <a:t>Angular</a:t>
-            </a:r>
-            <a:r>
-              <a:rPr lang="en-US" sz="2200" dirty="0">
-                <a:latin typeface="Times New Roman" panose="02020603050405020304" pitchFamily="18" charset="0"/>
-                <a:cs typeface="Times New Roman" panose="02020603050405020304" pitchFamily="18" charset="0"/>
-              </a:rPr>
-              <a:t>, there are three kinds of </a:t>
-            </a:r>
-            <a:r>
-              <a:rPr lang="en-US" sz="2200" i="1" dirty="0">
-                <a:latin typeface="Times New Roman" panose="02020603050405020304" pitchFamily="18" charset="0"/>
-                <a:cs typeface="Times New Roman" panose="02020603050405020304" pitchFamily="18" charset="0"/>
-              </a:rPr>
-              <a:t>Directives</a:t>
-            </a:r>
-            <a:r>
-              <a:rPr lang="en-US" sz="2200" dirty="0">
-                <a:latin typeface="Times New Roman" panose="02020603050405020304" pitchFamily="18" charset="0"/>
-                <a:cs typeface="Times New Roman" panose="02020603050405020304" pitchFamily="18" charset="0"/>
-              </a:rPr>
-              <a:t>:</a:t>
-            </a:r>
-          </a:p>
-          <a:p>
-            <a:r>
-              <a:rPr lang="en-US" sz="2200" i="1" dirty="0">
-                <a:latin typeface="Times New Roman" panose="02020603050405020304" pitchFamily="18" charset="0"/>
-                <a:cs typeface="Times New Roman" panose="02020603050405020304" pitchFamily="18" charset="0"/>
-              </a:rPr>
-              <a:t>Components</a:t>
-            </a:r>
-            <a:r>
-              <a:rPr lang="en-US" sz="2200" dirty="0">
-                <a:latin typeface="Times New Roman" panose="02020603050405020304" pitchFamily="18" charset="0"/>
-                <a:cs typeface="Times New Roman" panose="02020603050405020304" pitchFamily="18" charset="0"/>
-              </a:rPr>
-              <a:t> — </a:t>
-            </a:r>
-            <a:r>
-              <a:rPr lang="en-US" sz="2200" i="1" dirty="0">
-                <a:latin typeface="Times New Roman" panose="02020603050405020304" pitchFamily="18" charset="0"/>
-                <a:cs typeface="Times New Roman" panose="02020603050405020304" pitchFamily="18" charset="0"/>
-              </a:rPr>
-              <a:t>Directives</a:t>
-            </a:r>
-            <a:r>
-              <a:rPr lang="en-US" sz="2200" dirty="0">
-                <a:latin typeface="Times New Roman" panose="02020603050405020304" pitchFamily="18" charset="0"/>
-                <a:cs typeface="Times New Roman" panose="02020603050405020304" pitchFamily="18" charset="0"/>
-              </a:rPr>
-              <a:t> with a template</a:t>
-            </a:r>
-          </a:p>
-          <a:p>
-            <a:r>
-              <a:rPr lang="en-US" sz="2200" i="1" dirty="0">
-                <a:latin typeface="Times New Roman" panose="02020603050405020304" pitchFamily="18" charset="0"/>
-                <a:cs typeface="Times New Roman" panose="02020603050405020304" pitchFamily="18" charset="0"/>
-              </a:rPr>
-              <a:t>Structural Directives</a:t>
-            </a:r>
-            <a:r>
-              <a:rPr lang="en-US" sz="2200" dirty="0">
-                <a:latin typeface="Times New Roman" panose="02020603050405020304" pitchFamily="18" charset="0"/>
-                <a:cs typeface="Times New Roman" panose="02020603050405020304" pitchFamily="18" charset="0"/>
-              </a:rPr>
-              <a:t> — change the </a:t>
-            </a:r>
-            <a:r>
-              <a:rPr lang="en-US" sz="2200" i="1" dirty="0">
-                <a:latin typeface="Times New Roman" panose="02020603050405020304" pitchFamily="18" charset="0"/>
-                <a:cs typeface="Times New Roman" panose="02020603050405020304" pitchFamily="18" charset="0"/>
-              </a:rPr>
-              <a:t>DOM</a:t>
-            </a:r>
-            <a:r>
-              <a:rPr lang="en-US" sz="2200" dirty="0">
-                <a:latin typeface="Times New Roman" panose="02020603050405020304" pitchFamily="18" charset="0"/>
-                <a:cs typeface="Times New Roman" panose="02020603050405020304" pitchFamily="18" charset="0"/>
-              </a:rPr>
-              <a:t> layout by adding and removing </a:t>
-            </a:r>
-            <a:r>
-              <a:rPr lang="en-US" sz="2200" i="1" dirty="0">
-                <a:latin typeface="Times New Roman" panose="02020603050405020304" pitchFamily="18" charset="0"/>
-                <a:cs typeface="Times New Roman" panose="02020603050405020304" pitchFamily="18" charset="0"/>
-              </a:rPr>
-              <a:t>DOM</a:t>
-            </a:r>
-            <a:r>
-              <a:rPr lang="en-US" sz="2200" dirty="0">
-                <a:latin typeface="Times New Roman" panose="02020603050405020304" pitchFamily="18" charset="0"/>
-                <a:cs typeface="Times New Roman" panose="02020603050405020304" pitchFamily="18" charset="0"/>
-              </a:rPr>
-              <a:t> elements</a:t>
-            </a:r>
-          </a:p>
-          <a:p>
-            <a:r>
-              <a:rPr lang="en-US" sz="2200" i="1" dirty="0">
-                <a:latin typeface="Times New Roman" panose="02020603050405020304" pitchFamily="18" charset="0"/>
-                <a:cs typeface="Times New Roman" panose="02020603050405020304" pitchFamily="18" charset="0"/>
-              </a:rPr>
-              <a:t>Attribute Directives</a:t>
-            </a:r>
-            <a:r>
-              <a:rPr lang="en-US" sz="2200" dirty="0">
-                <a:latin typeface="Times New Roman" panose="02020603050405020304" pitchFamily="18" charset="0"/>
-                <a:cs typeface="Times New Roman" panose="02020603050405020304" pitchFamily="18" charset="0"/>
-              </a:rPr>
-              <a:t> — change the appearance or behavior of an element, </a:t>
-            </a:r>
-            <a:r>
-              <a:rPr lang="en-US" sz="2200" i="1" dirty="0">
-                <a:latin typeface="Times New Roman" panose="02020603050405020304" pitchFamily="18" charset="0"/>
-                <a:cs typeface="Times New Roman" panose="02020603050405020304" pitchFamily="18" charset="0"/>
-              </a:rPr>
-              <a:t>Component</a:t>
-            </a:r>
-            <a:r>
-              <a:rPr lang="en-US" sz="2200" dirty="0">
-                <a:latin typeface="Times New Roman" panose="02020603050405020304" pitchFamily="18" charset="0"/>
-                <a:cs typeface="Times New Roman" panose="02020603050405020304" pitchFamily="18" charset="0"/>
-              </a:rPr>
-              <a:t>, or another </a:t>
-            </a:r>
-            <a:r>
-              <a:rPr lang="en-US" sz="2200" i="1" dirty="0">
-                <a:latin typeface="Times New Roman" panose="02020603050405020304" pitchFamily="18" charset="0"/>
-                <a:cs typeface="Times New Roman" panose="02020603050405020304" pitchFamily="18" charset="0"/>
-              </a:rPr>
-              <a:t>Directive</a:t>
-            </a:r>
-            <a:endParaRPr lang="en-US" sz="2200" dirty="0">
-              <a:latin typeface="Times New Roman" panose="02020603050405020304" pitchFamily="18" charset="0"/>
-              <a:cs typeface="Times New Roman" panose="02020603050405020304" pitchFamily="18" charset="0"/>
-            </a:endParaRPr>
-          </a:p>
-          <a:p>
-            <a:r>
-              <a:rPr lang="en-US" sz="2200" i="1" dirty="0">
-                <a:latin typeface="Times New Roman" panose="02020603050405020304" pitchFamily="18" charset="0"/>
-                <a:cs typeface="Times New Roman" panose="02020603050405020304" pitchFamily="18" charset="0"/>
-              </a:rPr>
-              <a:t>Structural Directives</a:t>
-            </a:r>
-            <a:r>
-              <a:rPr lang="en-US" sz="2200" dirty="0">
-                <a:latin typeface="Times New Roman" panose="02020603050405020304" pitchFamily="18" charset="0"/>
-                <a:cs typeface="Times New Roman" panose="02020603050405020304" pitchFamily="18" charset="0"/>
-              </a:rPr>
-              <a:t> change the structure of the </a:t>
-            </a:r>
-            <a:r>
-              <a:rPr lang="en-US" sz="2200" i="1" dirty="0">
-                <a:latin typeface="Times New Roman" panose="02020603050405020304" pitchFamily="18" charset="0"/>
-                <a:cs typeface="Times New Roman" panose="02020603050405020304" pitchFamily="18" charset="0"/>
-              </a:rPr>
-              <a:t>View</a:t>
-            </a:r>
-            <a:r>
-              <a:rPr lang="en-US" sz="2200" dirty="0">
-                <a:latin typeface="Times New Roman" panose="02020603050405020304" pitchFamily="18" charset="0"/>
-                <a:cs typeface="Times New Roman" panose="02020603050405020304" pitchFamily="18" charset="0"/>
-              </a:rPr>
-              <a:t>. They are things like </a:t>
-            </a:r>
-            <a:r>
-              <a:rPr lang="en-US" sz="2200" dirty="0" smtClean="0">
-                <a:latin typeface="Times New Roman" panose="02020603050405020304" pitchFamily="18" charset="0"/>
-                <a:cs typeface="Times New Roman" panose="02020603050405020304" pitchFamily="18" charset="0"/>
-              </a:rPr>
-              <a:t>“</a:t>
-            </a:r>
-            <a:r>
-              <a:rPr lang="en-US" sz="2200" i="1" dirty="0" err="1" smtClean="0">
-                <a:latin typeface="Times New Roman" panose="02020603050405020304" pitchFamily="18" charset="0"/>
-                <a:cs typeface="Times New Roman" panose="02020603050405020304" pitchFamily="18" charset="0"/>
-              </a:rPr>
-              <a:t>NgFor</a:t>
-            </a:r>
-            <a:r>
-              <a:rPr lang="en-US" sz="2200" dirty="0" smtClean="0">
-                <a:latin typeface="Times New Roman" panose="02020603050405020304" pitchFamily="18" charset="0"/>
-                <a:cs typeface="Times New Roman" panose="02020603050405020304" pitchFamily="18" charset="0"/>
-              </a:rPr>
-              <a:t>” </a:t>
-            </a:r>
-            <a:r>
-              <a:rPr lang="en-US" sz="2200" dirty="0">
-                <a:latin typeface="Times New Roman" panose="02020603050405020304" pitchFamily="18" charset="0"/>
-                <a:cs typeface="Times New Roman" panose="02020603050405020304" pitchFamily="18" charset="0"/>
-              </a:rPr>
-              <a:t>or “</a:t>
-            </a:r>
-            <a:r>
-              <a:rPr lang="en-US" sz="2200" i="1" dirty="0" err="1" smtClean="0">
-                <a:latin typeface="Times New Roman" panose="02020603050405020304" pitchFamily="18" charset="0"/>
-                <a:cs typeface="Times New Roman" panose="02020603050405020304" pitchFamily="18" charset="0"/>
-              </a:rPr>
-              <a:t>NgIf</a:t>
-            </a:r>
-            <a:r>
-              <a:rPr lang="en-US" sz="2200" dirty="0">
-                <a:latin typeface="Times New Roman" panose="02020603050405020304" pitchFamily="18" charset="0"/>
-                <a:cs typeface="Times New Roman" panose="02020603050405020304" pitchFamily="18" charset="0"/>
-              </a:rPr>
-              <a:t> ”</a:t>
-            </a:r>
-            <a:endParaRPr lang="en-US" sz="2200" i="1" dirty="0" smtClean="0">
-              <a:latin typeface="Times New Roman" panose="02020603050405020304" pitchFamily="18" charset="0"/>
-              <a:cs typeface="Times New Roman" panose="02020603050405020304" pitchFamily="18" charset="0"/>
-            </a:endParaRPr>
-          </a:p>
-          <a:p>
-            <a:r>
-              <a:rPr lang="en-US" sz="2200" i="1" dirty="0">
-                <a:latin typeface="Times New Roman" panose="02020603050405020304" pitchFamily="18" charset="0"/>
-                <a:cs typeface="Times New Roman" panose="02020603050405020304" pitchFamily="18" charset="0"/>
-              </a:rPr>
-              <a:t>Attribute Directives</a:t>
-            </a:r>
-            <a:r>
-              <a:rPr lang="en-US" sz="2200" dirty="0">
-                <a:latin typeface="Times New Roman" panose="02020603050405020304" pitchFamily="18" charset="0"/>
-                <a:cs typeface="Times New Roman" panose="02020603050405020304" pitchFamily="18" charset="0"/>
-              </a:rPr>
-              <a:t> are used as attributes of elements. They are things like “</a:t>
-            </a:r>
-            <a:r>
-              <a:rPr lang="en-US" sz="2200" i="1" dirty="0" err="1">
-                <a:latin typeface="Times New Roman" panose="02020603050405020304" pitchFamily="18" charset="0"/>
-                <a:cs typeface="Times New Roman" panose="02020603050405020304" pitchFamily="18" charset="0"/>
-              </a:rPr>
-              <a:t>NgClass</a:t>
-            </a:r>
-            <a:r>
-              <a:rPr lang="en-US" sz="2200" dirty="0">
-                <a:latin typeface="Times New Roman" panose="02020603050405020304" pitchFamily="18" charset="0"/>
-                <a:cs typeface="Times New Roman" panose="02020603050405020304" pitchFamily="18" charset="0"/>
-              </a:rPr>
-              <a:t>” or “</a:t>
-            </a:r>
-            <a:r>
-              <a:rPr lang="en-US" sz="2200" i="1" dirty="0" err="1">
-                <a:latin typeface="Times New Roman" panose="02020603050405020304" pitchFamily="18" charset="0"/>
-                <a:cs typeface="Times New Roman" panose="02020603050405020304" pitchFamily="18" charset="0"/>
-              </a:rPr>
-              <a:t>NgStyle</a:t>
-            </a:r>
-            <a:r>
-              <a:rPr lang="en-US" sz="2200" dirty="0">
-                <a:latin typeface="Times New Roman" panose="02020603050405020304" pitchFamily="18" charset="0"/>
-                <a:cs typeface="Times New Roman" panose="02020603050405020304" pitchFamily="18" charset="0"/>
-              </a:rPr>
-              <a:t>”</a:t>
-            </a:r>
-            <a:endParaRPr lang="en-US" sz="2200" b="1" dirty="0">
-              <a:latin typeface="Times New Roman" panose="02020603050405020304" pitchFamily="18" charset="0"/>
-              <a:cs typeface="Times New Roman" panose="02020603050405020304" pitchFamily="18" charset="0"/>
-            </a:endParaRPr>
-          </a:p>
-          <a:p>
-            <a:endParaRPr lang="en-US" sz="2200" dirty="0">
-              <a:latin typeface="Times New Roman" panose="02020603050405020304" pitchFamily="18" charset="0"/>
-              <a:cs typeface="Times New Roman" panose="02020603050405020304" pitchFamily="18" charset="0"/>
-            </a:endParaRPr>
-          </a:p>
-        </p:txBody>
-      </p:sp>
-    </p:spTree>
-    <p:extLst>
-      <p:ext uri="{BB962C8B-B14F-4D97-AF65-F5344CB8AC3E}">
-        <p14:creationId xmlns:p14="http://schemas.microsoft.com/office/powerpoint/2010/main" val="1509492865"/>
-      </p:ext>
-    </p:extLst>
-  </p:cSld>
-  <p:clrMapOvr>
-    <a:masterClrMapping/>
-  </p:clrMapOvr>
-  <p:timing>
-    <p:tnLst>
-      <p:par>
-        <p:cTn id="1" dur="indefinite" restart="never" nodeType="tmRoot"/>
-      </p:par>
-    </p:tnLst>
-  </p:timing>
-</p:sld>
-</file>
-
-<file path=ppt/slides/slide18.xml><?xml version="1.0" encoding="utf-8"?>
-<p:sld xmlns:a="http://schemas.openxmlformats.org/drawingml/2006/main" xmlns:r="http://schemas.openxmlformats.org/officeDocument/2006/relationships" xmlns:p="http://schemas.openxmlformats.org/presentationml/2006/main">
-  <p:cSld>
-    <p:spTree>
-      <p:nvGrpSpPr>
-        <p:cNvPr id="1" name=""/>
-        <p:cNvGrpSpPr/>
-        <p:nvPr/>
-      </p:nvGrpSpPr>
-      <p:grpSpPr>
-        <a:xfrm>
-          <a:off x="0" y="0"/>
-          <a:ext cx="0" cy="0"/>
-          <a:chOff x="0" y="0"/>
-          <a:chExt cx="0" cy="0"/>
-        </a:xfrm>
-      </p:grpSpPr>
-      <p:sp>
-        <p:nvSpPr>
-          <p:cNvPr id="2" name="Title 1"/>
-          <p:cNvSpPr>
-            <a:spLocks noGrp="1"/>
-          </p:cNvSpPr>
-          <p:nvPr>
-            <p:ph type="title"/>
-          </p:nvPr>
-        </p:nvSpPr>
-        <p:spPr/>
-        <p:txBody>
-          <a:bodyPr/>
-          <a:lstStyle/>
-          <a:p>
-            <a:r>
-              <a:rPr lang="en-US" dirty="0">
-                <a:latin typeface="Times New Roman" panose="02020603050405020304" pitchFamily="18" charset="0"/>
-                <a:cs typeface="Times New Roman" panose="02020603050405020304" pitchFamily="18" charset="0"/>
-              </a:rPr>
-              <a:t>Architecture overview</a:t>
-            </a:r>
-          </a:p>
-        </p:txBody>
-      </p:sp>
-      <p:sp>
-        <p:nvSpPr>
-          <p:cNvPr id="3" name="Content Placeholder 2"/>
-          <p:cNvSpPr>
-            <a:spLocks noGrp="1"/>
-          </p:cNvSpPr>
-          <p:nvPr>
-            <p:ph idx="1"/>
-          </p:nvPr>
-        </p:nvSpPr>
-        <p:spPr/>
-        <p:txBody>
-          <a:bodyPr/>
-          <a:lstStyle/>
-          <a:p>
-            <a:r>
-              <a:rPr lang="en-US" b="1" dirty="0" smtClean="0">
+              <a:rPr lang="en-US" b="1" dirty="0">
                 <a:latin typeface="Times New Roman" panose="02020603050405020304" pitchFamily="18" charset="0"/>
                 <a:cs typeface="Times New Roman" panose="02020603050405020304" pitchFamily="18" charset="0"/>
               </a:rPr>
               <a:t>Pipes: </a:t>
             </a:r>
             <a:r>
-              <a:rPr lang="en-US" i="1" dirty="0" smtClean="0">
+              <a:rPr lang="en-US" i="1" dirty="0">
                 <a:latin typeface="Times New Roman" panose="02020603050405020304" pitchFamily="18" charset="0"/>
                 <a:cs typeface="Times New Roman" panose="02020603050405020304" pitchFamily="18" charset="0"/>
               </a:rPr>
@@ -7115,10 +4813,6 @@
               </a:rPr>
               <a:t>” decorator </a:t>
             </a:r>
-            <a:endParaRPr lang="en-US" dirty="0" smtClean="0">
-              <a:latin typeface="Times New Roman" panose="02020603050405020304" pitchFamily="18" charset="0"/>
-              <a:cs typeface="Times New Roman" panose="02020603050405020304" pitchFamily="18" charset="0"/>
-            </a:endParaRPr>
           </a:p>
           <a:p>
             <a:endParaRPr lang="en-US" dirty="0">
@@ -7168,13 +4862,1954 @@
   <p:clrMapOvr>
     <a:masterClrMapping/>
   </p:clrMapOvr>
-  <p:timing>
-    <p:tnLst>
-      <p:par>
-        <p:cTn id="1" dur="indefinite" restart="never" nodeType="tmRoot"/>
-      </p:par>
-    </p:tnLst>
-  </p:timing>
+</p:sld>
+</file>
+
+<file path=ppt/slides/slide11.xml><?xml version="1.0" encoding="utf-8"?>
+<p:sld xmlns:a="http://schemas.openxmlformats.org/drawingml/2006/main" xmlns:r="http://schemas.openxmlformats.org/officeDocument/2006/relationships" xmlns:p="http://schemas.openxmlformats.org/presentationml/2006/main">
+  <p:cSld>
+    <p:spTree>
+      <p:nvGrpSpPr>
+        <p:cNvPr id="1" name=""/>
+        <p:cNvGrpSpPr/>
+        <p:nvPr/>
+      </p:nvGrpSpPr>
+      <p:grpSpPr>
+        <a:xfrm>
+          <a:off x="0" y="0"/>
+          <a:ext cx="0" cy="0"/>
+          <a:chOff x="0" y="0"/>
+          <a:chExt cx="0" cy="0"/>
+        </a:xfrm>
+      </p:grpSpPr>
+      <p:sp>
+        <p:nvSpPr>
+          <p:cNvPr id="2" name="Title 1"/>
+          <p:cNvSpPr>
+            <a:spLocks noGrp="1"/>
+          </p:cNvSpPr>
+          <p:nvPr>
+            <p:ph type="title"/>
+          </p:nvPr>
+        </p:nvSpPr>
+        <p:spPr/>
+        <p:txBody>
+          <a:bodyPr/>
+          <a:lstStyle/>
+          <a:p>
+            <a:r>
+              <a:rPr lang="en-US" dirty="0">
+                <a:latin typeface="Times New Roman" panose="02020603050405020304" pitchFamily="18" charset="0"/>
+                <a:cs typeface="Times New Roman" panose="02020603050405020304" pitchFamily="18" charset="0"/>
+              </a:rPr>
+              <a:t>Architecture overview</a:t>
+            </a:r>
+          </a:p>
+        </p:txBody>
+      </p:sp>
+      <p:sp>
+        <p:nvSpPr>
+          <p:cNvPr id="3" name="Content Placeholder 2"/>
+          <p:cNvSpPr>
+            <a:spLocks noGrp="1"/>
+          </p:cNvSpPr>
+          <p:nvPr>
+            <p:ph idx="1"/>
+          </p:nvPr>
+        </p:nvSpPr>
+        <p:spPr/>
+        <p:txBody>
+          <a:bodyPr/>
+          <a:lstStyle/>
+          <a:p>
+            <a:r>
+              <a:rPr lang="en-US" b="1" dirty="0">
+                <a:latin typeface="Times New Roman" panose="02020603050405020304" pitchFamily="18" charset="0"/>
+                <a:cs typeface="Times New Roman" panose="02020603050405020304" pitchFamily="18" charset="0"/>
+              </a:rPr>
+              <a:t>Routing &amp; Navigation: </a:t>
+            </a:r>
+            <a:r>
+              <a:rPr lang="en-US" dirty="0">
+                <a:latin typeface="Times New Roman" panose="02020603050405020304" pitchFamily="18" charset="0"/>
+                <a:cs typeface="Times New Roman" panose="02020603050405020304" pitchFamily="18" charset="0"/>
+              </a:rPr>
+              <a:t>the </a:t>
+            </a:r>
+            <a:r>
+              <a:rPr lang="en-US" i="1" dirty="0">
+                <a:latin typeface="Times New Roman" panose="02020603050405020304" pitchFamily="18" charset="0"/>
+                <a:cs typeface="Times New Roman" panose="02020603050405020304" pitchFamily="18" charset="0"/>
+              </a:rPr>
+              <a:t>Router</a:t>
+            </a:r>
+            <a:r>
+              <a:rPr lang="en-US" dirty="0">
+                <a:latin typeface="Times New Roman" panose="02020603050405020304" pitchFamily="18" charset="0"/>
+                <a:cs typeface="Times New Roman" panose="02020603050405020304" pitchFamily="18" charset="0"/>
+              </a:rPr>
+              <a:t> allows navigation from one </a:t>
+            </a:r>
+            <a:r>
+              <a:rPr lang="en-US" i="1" dirty="0">
+                <a:latin typeface="Times New Roman" panose="02020603050405020304" pitchFamily="18" charset="0"/>
+                <a:cs typeface="Times New Roman" panose="02020603050405020304" pitchFamily="18" charset="0"/>
+              </a:rPr>
+              <a:t>View</a:t>
+            </a:r>
+            <a:r>
+              <a:rPr lang="en-US" dirty="0">
+                <a:latin typeface="Times New Roman" panose="02020603050405020304" pitchFamily="18" charset="0"/>
+                <a:cs typeface="Times New Roman" panose="02020603050405020304" pitchFamily="18" charset="0"/>
+              </a:rPr>
+              <a:t> to the next.</a:t>
+            </a:r>
+          </a:p>
+          <a:p>
+            <a:r>
+              <a:rPr lang="nl-NL" dirty="0" err="1">
+                <a:latin typeface="Times New Roman" panose="02020603050405020304" pitchFamily="18" charset="0"/>
+                <a:cs typeface="Times New Roman" panose="02020603050405020304" pitchFamily="18" charset="0"/>
+              </a:rPr>
+              <a:t>To</a:t>
+            </a:r>
+            <a:r>
+              <a:rPr lang="nl-NL" dirty="0">
+                <a:latin typeface="Times New Roman" panose="02020603050405020304" pitchFamily="18" charset="0"/>
+                <a:cs typeface="Times New Roman" panose="02020603050405020304" pitchFamily="18" charset="0"/>
+              </a:rPr>
+              <a:t> </a:t>
+            </a:r>
+            <a:r>
+              <a:rPr lang="nl-NL" dirty="0" err="1">
+                <a:latin typeface="Times New Roman" panose="02020603050405020304" pitchFamily="18" charset="0"/>
+                <a:cs typeface="Times New Roman" panose="02020603050405020304" pitchFamily="18" charset="0"/>
+              </a:rPr>
+              <a:t>use</a:t>
+            </a:r>
+            <a:r>
+              <a:rPr lang="nl-NL" dirty="0">
+                <a:latin typeface="Times New Roman" panose="02020603050405020304" pitchFamily="18" charset="0"/>
+                <a:cs typeface="Times New Roman" panose="02020603050405020304" pitchFamily="18" charset="0"/>
+              </a:rPr>
+              <a:t> router we </a:t>
+            </a:r>
+            <a:r>
+              <a:rPr lang="nl-NL" dirty="0" err="1">
+                <a:latin typeface="Times New Roman" panose="02020603050405020304" pitchFamily="18" charset="0"/>
+                <a:cs typeface="Times New Roman" panose="02020603050405020304" pitchFamily="18" charset="0"/>
+              </a:rPr>
+              <a:t>need</a:t>
+            </a:r>
+            <a:r>
+              <a:rPr lang="nl-NL" dirty="0">
+                <a:latin typeface="Times New Roman" panose="02020603050405020304" pitchFamily="18" charset="0"/>
+                <a:cs typeface="Times New Roman" panose="02020603050405020304" pitchFamily="18" charset="0"/>
+              </a:rPr>
+              <a:t> </a:t>
+            </a:r>
+            <a:r>
+              <a:rPr lang="nl-NL" dirty="0" err="1">
+                <a:latin typeface="Times New Roman" panose="02020603050405020304" pitchFamily="18" charset="0"/>
+                <a:cs typeface="Times New Roman" panose="02020603050405020304" pitchFamily="18" charset="0"/>
+              </a:rPr>
+              <a:t>to</a:t>
+            </a:r>
+            <a:r>
+              <a:rPr lang="nl-NL" dirty="0">
+                <a:latin typeface="Times New Roman" panose="02020603050405020304" pitchFamily="18" charset="0"/>
+                <a:cs typeface="Times New Roman" panose="02020603050405020304" pitchFamily="18" charset="0"/>
+              </a:rPr>
+              <a:t> import </a:t>
+            </a:r>
+            <a:r>
+              <a:rPr lang="nl-NL" dirty="0" err="1">
+                <a:latin typeface="Times New Roman" panose="02020603050405020304" pitchFamily="18" charset="0"/>
+                <a:cs typeface="Times New Roman" panose="02020603050405020304" pitchFamily="18" charset="0"/>
+              </a:rPr>
+              <a:t>RouterModule</a:t>
+            </a:r>
+            <a:r>
+              <a:rPr lang="nl-NL" dirty="0">
+                <a:latin typeface="Times New Roman" panose="02020603050405020304" pitchFamily="18" charset="0"/>
+                <a:cs typeface="Times New Roman" panose="02020603050405020304" pitchFamily="18" charset="0"/>
+              </a:rPr>
+              <a:t> in module</a:t>
+            </a:r>
+            <a:endParaRPr lang="en-US" dirty="0">
+              <a:latin typeface="Times New Roman" panose="02020603050405020304" pitchFamily="18" charset="0"/>
+              <a:cs typeface="Times New Roman" panose="02020603050405020304" pitchFamily="18" charset="0"/>
+            </a:endParaRPr>
+          </a:p>
+        </p:txBody>
+      </p:sp>
+    </p:spTree>
+    <p:extLst>
+      <p:ext uri="{BB962C8B-B14F-4D97-AF65-F5344CB8AC3E}">
+        <p14:creationId xmlns:p14="http://schemas.microsoft.com/office/powerpoint/2010/main" val="2662980775"/>
+      </p:ext>
+    </p:extLst>
+  </p:cSld>
+  <p:clrMapOvr>
+    <a:masterClrMapping/>
+  </p:clrMapOvr>
+</p:sld>
+</file>
+
+<file path=ppt/slides/slide12.xml><?xml version="1.0" encoding="utf-8"?>
+<p:sld xmlns:a="http://schemas.openxmlformats.org/drawingml/2006/main" xmlns:r="http://schemas.openxmlformats.org/officeDocument/2006/relationships" xmlns:p="http://schemas.openxmlformats.org/presentationml/2006/main">
+  <p:cSld>
+    <p:spTree>
+      <p:nvGrpSpPr>
+        <p:cNvPr id="1" name=""/>
+        <p:cNvGrpSpPr/>
+        <p:nvPr/>
+      </p:nvGrpSpPr>
+      <p:grpSpPr>
+        <a:xfrm>
+          <a:off x="0" y="0"/>
+          <a:ext cx="0" cy="0"/>
+          <a:chOff x="0" y="0"/>
+          <a:chExt cx="0" cy="0"/>
+        </a:xfrm>
+      </p:grpSpPr>
+      <p:sp>
+        <p:nvSpPr>
+          <p:cNvPr id="2" name="Title 1"/>
+          <p:cNvSpPr>
+            <a:spLocks noGrp="1"/>
+          </p:cNvSpPr>
+          <p:nvPr>
+            <p:ph type="title"/>
+          </p:nvPr>
+        </p:nvSpPr>
+        <p:spPr/>
+        <p:txBody>
+          <a:bodyPr>
+            <a:normAutofit/>
+          </a:bodyPr>
+          <a:lstStyle/>
+          <a:p>
+            <a:r>
+              <a:rPr lang="en-US" sz="4400" b="1" dirty="0">
+                <a:latin typeface="Times New Roman" panose="02020603050405020304" pitchFamily="18" charset="0"/>
+                <a:cs typeface="Times New Roman" panose="02020603050405020304" pitchFamily="18" charset="0"/>
+              </a:rPr>
+              <a:t>Introduction</a:t>
+            </a:r>
+            <a:r>
+              <a:rPr lang="en-US" sz="4400" b="1" dirty="0"/>
+              <a:t> to Typescript</a:t>
+            </a:r>
+          </a:p>
+        </p:txBody>
+      </p:sp>
+      <p:sp>
+        <p:nvSpPr>
+          <p:cNvPr id="3" name="Content Placeholder 2"/>
+          <p:cNvSpPr>
+            <a:spLocks noGrp="1"/>
+          </p:cNvSpPr>
+          <p:nvPr>
+            <p:ph idx="1"/>
+          </p:nvPr>
+        </p:nvSpPr>
+        <p:spPr/>
+        <p:txBody>
+          <a:bodyPr>
+            <a:normAutofit lnSpcReduction="10000"/>
+          </a:bodyPr>
+          <a:lstStyle/>
+          <a:p>
+            <a:r>
+              <a:rPr lang="en-US" sz="2200" b="1" dirty="0">
+                <a:latin typeface="Times New Roman" panose="02020603050405020304" pitchFamily="18" charset="0"/>
+                <a:cs typeface="Times New Roman" panose="02020603050405020304" pitchFamily="18" charset="0"/>
+              </a:rPr>
+              <a:t>Install</a:t>
+            </a:r>
+            <a:r>
+              <a:rPr lang="en-US" sz="2200" dirty="0">
+                <a:latin typeface="Times New Roman" panose="02020603050405020304" pitchFamily="18" charset="0"/>
+                <a:cs typeface="Times New Roman" panose="02020603050405020304" pitchFamily="18" charset="0"/>
+              </a:rPr>
+              <a:t> </a:t>
+            </a:r>
+            <a:r>
+              <a:rPr lang="en-US" sz="2200" dirty="0" err="1">
+                <a:latin typeface="Times New Roman" panose="02020603050405020304" pitchFamily="18" charset="0"/>
+                <a:cs typeface="Times New Roman" panose="02020603050405020304" pitchFamily="18" charset="0"/>
+              </a:rPr>
+              <a:t>npm</a:t>
+            </a:r>
+            <a:r>
+              <a:rPr lang="en-US" sz="2200" dirty="0">
+                <a:latin typeface="Times New Roman" panose="02020603050405020304" pitchFamily="18" charset="0"/>
+                <a:cs typeface="Times New Roman" panose="02020603050405020304" pitchFamily="18" charset="0"/>
+              </a:rPr>
+              <a:t> install -g typescript, </a:t>
+            </a:r>
+            <a:r>
+              <a:rPr lang="en-US" sz="2200" dirty="0" err="1">
+                <a:latin typeface="Times New Roman" panose="02020603050405020304" pitchFamily="18" charset="0"/>
+                <a:cs typeface="Times New Roman" panose="02020603050405020304" pitchFamily="18" charset="0"/>
+              </a:rPr>
+              <a:t>tslint</a:t>
+            </a:r>
+            <a:endParaRPr lang="en-US" sz="2200" dirty="0">
+              <a:latin typeface="Times New Roman" panose="02020603050405020304" pitchFamily="18" charset="0"/>
+              <a:cs typeface="Times New Roman" panose="02020603050405020304" pitchFamily="18" charset="0"/>
+            </a:endParaRPr>
+          </a:p>
+          <a:p>
+            <a:r>
+              <a:rPr lang="nl-NL" sz="2200" b="1" dirty="0" err="1">
+                <a:latin typeface="Times New Roman" panose="02020603050405020304" pitchFamily="18" charset="0"/>
+                <a:cs typeface="Times New Roman" panose="02020603050405020304" pitchFamily="18" charset="0"/>
+              </a:rPr>
+              <a:t>Compile</a:t>
+            </a:r>
+            <a:r>
+              <a:rPr lang="nl-NL" sz="2200" b="1" dirty="0">
+                <a:latin typeface="Times New Roman" panose="02020603050405020304" pitchFamily="18" charset="0"/>
+                <a:cs typeface="Times New Roman" panose="02020603050405020304" pitchFamily="18" charset="0"/>
+              </a:rPr>
+              <a:t> TS </a:t>
+            </a:r>
+            <a:r>
+              <a:rPr lang="nl-NL" sz="2200" dirty="0" err="1">
+                <a:latin typeface="Times New Roman" panose="02020603050405020304" pitchFamily="18" charset="0"/>
+                <a:cs typeface="Times New Roman" panose="02020603050405020304" pitchFamily="18" charset="0"/>
+              </a:rPr>
+              <a:t>tsc</a:t>
+            </a:r>
+            <a:r>
+              <a:rPr lang="nl-NL" sz="2200" dirty="0">
+                <a:latin typeface="Times New Roman" panose="02020603050405020304" pitchFamily="18" charset="0"/>
+                <a:cs typeface="Times New Roman" panose="02020603050405020304" pitchFamily="18" charset="0"/>
+              </a:rPr>
+              <a:t> typescript-file</a:t>
+            </a:r>
+          </a:p>
+          <a:p>
+            <a:r>
+              <a:rPr lang="nl-NL" sz="2200" b="1" dirty="0">
+                <a:latin typeface="Times New Roman" panose="02020603050405020304" pitchFamily="18" charset="0"/>
+                <a:cs typeface="Times New Roman" panose="02020603050405020304" pitchFamily="18" charset="0"/>
+              </a:rPr>
+              <a:t>Let: </a:t>
+            </a:r>
+            <a:r>
+              <a:rPr lang="nl-NL" sz="2200" dirty="0" err="1">
+                <a:latin typeface="Times New Roman" panose="02020603050405020304" pitchFamily="18" charset="0"/>
+                <a:cs typeface="Times New Roman" panose="02020603050405020304" pitchFamily="18" charset="0"/>
+              </a:rPr>
+              <a:t>avoid</a:t>
+            </a:r>
+            <a:r>
+              <a:rPr lang="nl-NL" sz="2200" dirty="0">
+                <a:latin typeface="Times New Roman" panose="02020603050405020304" pitchFamily="18" charset="0"/>
+                <a:cs typeface="Times New Roman" panose="02020603050405020304" pitchFamily="18" charset="0"/>
+              </a:rPr>
+              <a:t> </a:t>
+            </a:r>
+            <a:r>
+              <a:rPr lang="nl-NL" sz="2200" dirty="0" err="1">
+                <a:latin typeface="Times New Roman" panose="02020603050405020304" pitchFamily="18" charset="0"/>
+                <a:cs typeface="Times New Roman" panose="02020603050405020304" pitchFamily="18" charset="0"/>
+              </a:rPr>
+              <a:t>using</a:t>
+            </a:r>
+            <a:r>
+              <a:rPr lang="nl-NL" sz="2200" dirty="0">
+                <a:latin typeface="Times New Roman" panose="02020603050405020304" pitchFamily="18" charset="0"/>
+                <a:cs typeface="Times New Roman" panose="02020603050405020304" pitchFamily="18" charset="0"/>
+              </a:rPr>
+              <a:t> </a:t>
+            </a:r>
+            <a:r>
+              <a:rPr lang="nl-NL" sz="2200" dirty="0" err="1">
+                <a:latin typeface="Times New Roman" panose="02020603050405020304" pitchFamily="18" charset="0"/>
+                <a:cs typeface="Times New Roman" panose="02020603050405020304" pitchFamily="18" charset="0"/>
+              </a:rPr>
+              <a:t>variable</a:t>
+            </a:r>
+            <a:r>
+              <a:rPr lang="nl-NL" sz="2200" dirty="0">
+                <a:latin typeface="Times New Roman" panose="02020603050405020304" pitchFamily="18" charset="0"/>
+                <a:cs typeface="Times New Roman" panose="02020603050405020304" pitchFamily="18" charset="0"/>
+              </a:rPr>
+              <a:t> </a:t>
+            </a:r>
+            <a:r>
+              <a:rPr lang="nl-NL" sz="2200" dirty="0" err="1">
+                <a:latin typeface="Times New Roman" panose="02020603050405020304" pitchFamily="18" charset="0"/>
+                <a:cs typeface="Times New Roman" panose="02020603050405020304" pitchFamily="18" charset="0"/>
+              </a:rPr>
+              <a:t>before</a:t>
+            </a:r>
+            <a:r>
+              <a:rPr lang="nl-NL" sz="2200" dirty="0">
+                <a:latin typeface="Times New Roman" panose="02020603050405020304" pitchFamily="18" charset="0"/>
+                <a:cs typeface="Times New Roman" panose="02020603050405020304" pitchFamily="18" charset="0"/>
+              </a:rPr>
+              <a:t> </a:t>
+            </a:r>
+            <a:r>
+              <a:rPr lang="nl-NL" sz="2200" dirty="0" err="1">
+                <a:latin typeface="Times New Roman" panose="02020603050405020304" pitchFamily="18" charset="0"/>
+                <a:cs typeface="Times New Roman" panose="02020603050405020304" pitchFamily="18" charset="0"/>
+              </a:rPr>
+              <a:t>declare</a:t>
+            </a:r>
+            <a:endParaRPr lang="nl-NL" sz="2200" dirty="0">
+              <a:latin typeface="Times New Roman" panose="02020603050405020304" pitchFamily="18" charset="0"/>
+              <a:cs typeface="Times New Roman" panose="02020603050405020304" pitchFamily="18" charset="0"/>
+            </a:endParaRPr>
+          </a:p>
+          <a:p>
+            <a:pPr marL="0" indent="0">
+              <a:buNone/>
+            </a:pPr>
+            <a:r>
+              <a:rPr lang="en-US" sz="2400" dirty="0">
+                <a:latin typeface="Times New Roman" panose="02020603050405020304" pitchFamily="18" charset="0"/>
+                <a:cs typeface="Times New Roman" panose="02020603050405020304" pitchFamily="18" charset="0"/>
+              </a:rPr>
+              <a:t>let hello = "Hello!";</a:t>
+            </a:r>
+            <a:endParaRPr lang="nl-NL" sz="2200" dirty="0">
+              <a:latin typeface="Times New Roman" panose="02020603050405020304" pitchFamily="18" charset="0"/>
+              <a:cs typeface="Times New Roman" panose="02020603050405020304" pitchFamily="18" charset="0"/>
+            </a:endParaRPr>
+          </a:p>
+          <a:p>
+            <a:r>
+              <a:rPr lang="nl-NL" sz="2200" b="1" dirty="0" err="1">
+                <a:latin typeface="Times New Roman" panose="02020603050405020304" pitchFamily="18" charset="0"/>
+                <a:cs typeface="Times New Roman" panose="02020603050405020304" pitchFamily="18" charset="0"/>
+              </a:rPr>
+              <a:t>Const</a:t>
+            </a:r>
+            <a:r>
+              <a:rPr lang="nl-NL" sz="2200" dirty="0">
+                <a:latin typeface="Times New Roman" panose="02020603050405020304" pitchFamily="18" charset="0"/>
+                <a:cs typeface="Times New Roman" panose="02020603050405020304" pitchFamily="18" charset="0"/>
+              </a:rPr>
+              <a:t>: </a:t>
+            </a:r>
+            <a:r>
+              <a:rPr lang="nl-NL" sz="2200" dirty="0" err="1">
+                <a:latin typeface="Times New Roman" panose="02020603050405020304" pitchFamily="18" charset="0"/>
+                <a:cs typeface="Times New Roman" panose="02020603050405020304" pitchFamily="18" charset="0"/>
+              </a:rPr>
+              <a:t>just</a:t>
+            </a:r>
+            <a:r>
+              <a:rPr lang="nl-NL" sz="2200" dirty="0">
+                <a:latin typeface="Times New Roman" panose="02020603050405020304" pitchFamily="18" charset="0"/>
+                <a:cs typeface="Times New Roman" panose="02020603050405020304" pitchFamily="18" charset="0"/>
+              </a:rPr>
+              <a:t> like let but we </a:t>
+            </a:r>
+            <a:r>
+              <a:rPr lang="nl-NL" sz="2200" dirty="0" err="1">
+                <a:latin typeface="Times New Roman" panose="02020603050405020304" pitchFamily="18" charset="0"/>
+                <a:cs typeface="Times New Roman" panose="02020603050405020304" pitchFamily="18" charset="0"/>
+              </a:rPr>
+              <a:t>cant</a:t>
+            </a:r>
+            <a:r>
+              <a:rPr lang="nl-NL" sz="2200" dirty="0">
+                <a:latin typeface="Times New Roman" panose="02020603050405020304" pitchFamily="18" charset="0"/>
+                <a:cs typeface="Times New Roman" panose="02020603050405020304" pitchFamily="18" charset="0"/>
+              </a:rPr>
+              <a:t> </a:t>
+            </a:r>
+            <a:r>
+              <a:rPr lang="nl-NL" sz="2200" dirty="0" err="1">
+                <a:latin typeface="Times New Roman" panose="02020603050405020304" pitchFamily="18" charset="0"/>
+                <a:cs typeface="Times New Roman" panose="02020603050405020304" pitchFamily="18" charset="0"/>
+              </a:rPr>
+              <a:t>reassign</a:t>
+            </a:r>
+            <a:r>
+              <a:rPr lang="nl-NL" sz="2200" dirty="0">
+                <a:latin typeface="Times New Roman" panose="02020603050405020304" pitchFamily="18" charset="0"/>
+                <a:cs typeface="Times New Roman" panose="02020603050405020304" pitchFamily="18" charset="0"/>
+              </a:rPr>
+              <a:t> </a:t>
+            </a:r>
+            <a:r>
+              <a:rPr lang="nl-NL" sz="2200" dirty="0" err="1">
+                <a:latin typeface="Times New Roman" panose="02020603050405020304" pitchFamily="18" charset="0"/>
+                <a:cs typeface="Times New Roman" panose="02020603050405020304" pitchFamily="18" charset="0"/>
+              </a:rPr>
+              <a:t>value</a:t>
+            </a:r>
+            <a:endParaRPr lang="nl-NL" sz="2200" dirty="0">
+              <a:latin typeface="Times New Roman" panose="02020603050405020304" pitchFamily="18" charset="0"/>
+              <a:cs typeface="Times New Roman" panose="02020603050405020304" pitchFamily="18" charset="0"/>
+            </a:endParaRPr>
+          </a:p>
+          <a:p>
+            <a:pPr marL="0" indent="0">
+              <a:buNone/>
+            </a:pPr>
+            <a:r>
+              <a:rPr lang="en-US" sz="2400" dirty="0" err="1">
+                <a:latin typeface="Times New Roman" panose="02020603050405020304" pitchFamily="18" charset="0"/>
+                <a:cs typeface="Times New Roman" panose="02020603050405020304" pitchFamily="18" charset="0"/>
+              </a:rPr>
+              <a:t>const</a:t>
+            </a:r>
+            <a:r>
+              <a:rPr lang="en-US" sz="2400" dirty="0">
+                <a:latin typeface="Times New Roman" panose="02020603050405020304" pitchFamily="18" charset="0"/>
+                <a:cs typeface="Times New Roman" panose="02020603050405020304" pitchFamily="18" charset="0"/>
+              </a:rPr>
+              <a:t> </a:t>
+            </a:r>
+            <a:r>
+              <a:rPr lang="en-US" sz="2400" dirty="0" err="1">
+                <a:latin typeface="Times New Roman" panose="02020603050405020304" pitchFamily="18" charset="0"/>
+                <a:cs typeface="Times New Roman" panose="02020603050405020304" pitchFamily="18" charset="0"/>
+              </a:rPr>
+              <a:t>numLivesForCat</a:t>
+            </a:r>
+            <a:r>
+              <a:rPr lang="en-US" sz="2400" dirty="0">
+                <a:latin typeface="Times New Roman" panose="02020603050405020304" pitchFamily="18" charset="0"/>
+                <a:cs typeface="Times New Roman" panose="02020603050405020304" pitchFamily="18" charset="0"/>
+              </a:rPr>
+              <a:t> = 9;</a:t>
+            </a:r>
+            <a:endParaRPr lang="nl-NL" sz="2200" dirty="0">
+              <a:latin typeface="Times New Roman" panose="02020603050405020304" pitchFamily="18" charset="0"/>
+              <a:cs typeface="Times New Roman" panose="02020603050405020304" pitchFamily="18" charset="0"/>
+            </a:endParaRPr>
+          </a:p>
+          <a:p>
+            <a:r>
+              <a:rPr lang="nl-NL" sz="2200" b="1" dirty="0" err="1">
+                <a:latin typeface="Times New Roman" panose="02020603050405020304" pitchFamily="18" charset="0"/>
+                <a:cs typeface="Times New Roman" panose="02020603050405020304" pitchFamily="18" charset="0"/>
+              </a:rPr>
+              <a:t>Readonly</a:t>
+            </a:r>
+            <a:r>
+              <a:rPr lang="nl-NL" sz="2200" b="1" dirty="0">
+                <a:latin typeface="Times New Roman" panose="02020603050405020304" pitchFamily="18" charset="0"/>
+                <a:cs typeface="Times New Roman" panose="02020603050405020304" pitchFamily="18" charset="0"/>
+              </a:rPr>
+              <a:t> </a:t>
+            </a:r>
+            <a:r>
+              <a:rPr lang="en-US" sz="2400" dirty="0">
+                <a:latin typeface="Times New Roman" panose="02020603050405020304" pitchFamily="18" charset="0"/>
+                <a:cs typeface="Times New Roman" panose="02020603050405020304" pitchFamily="18" charset="0"/>
+              </a:rPr>
+              <a:t>Read-only members can be accessed outside the class, but their value cannot be changed. Since read-only members cannot be changed outside the class, they either need to be initialized at declaration or initialized inside the class constructor.</a:t>
+            </a:r>
+            <a:endParaRPr lang="en-US" sz="2200" dirty="0">
+              <a:latin typeface="Times New Roman" panose="02020603050405020304" pitchFamily="18" charset="0"/>
+              <a:cs typeface="Times New Roman" panose="02020603050405020304" pitchFamily="18" charset="0"/>
+            </a:endParaRPr>
+          </a:p>
+        </p:txBody>
+      </p:sp>
+    </p:spTree>
+    <p:extLst>
+      <p:ext uri="{BB962C8B-B14F-4D97-AF65-F5344CB8AC3E}">
+        <p14:creationId xmlns:p14="http://schemas.microsoft.com/office/powerpoint/2010/main" val="857432714"/>
+      </p:ext>
+    </p:extLst>
+  </p:cSld>
+  <p:clrMapOvr>
+    <a:masterClrMapping/>
+  </p:clrMapOvr>
+</p:sld>
+</file>
+
+<file path=ppt/slides/slide13.xml><?xml version="1.0" encoding="utf-8"?>
+<p:sld xmlns:a="http://schemas.openxmlformats.org/drawingml/2006/main" xmlns:r="http://schemas.openxmlformats.org/officeDocument/2006/relationships" xmlns:p="http://schemas.openxmlformats.org/presentationml/2006/main">
+  <p:cSld>
+    <p:spTree>
+      <p:nvGrpSpPr>
+        <p:cNvPr id="1" name=""/>
+        <p:cNvGrpSpPr/>
+        <p:nvPr/>
+      </p:nvGrpSpPr>
+      <p:grpSpPr>
+        <a:xfrm>
+          <a:off x="0" y="0"/>
+          <a:ext cx="0" cy="0"/>
+          <a:chOff x="0" y="0"/>
+          <a:chExt cx="0" cy="0"/>
+        </a:xfrm>
+      </p:grpSpPr>
+      <p:sp>
+        <p:nvSpPr>
+          <p:cNvPr id="2" name="Title 1"/>
+          <p:cNvSpPr>
+            <a:spLocks noGrp="1"/>
+          </p:cNvSpPr>
+          <p:nvPr>
+            <p:ph type="title"/>
+          </p:nvPr>
+        </p:nvSpPr>
+        <p:spPr/>
+        <p:txBody>
+          <a:bodyPr/>
+          <a:lstStyle/>
+          <a:p>
+            <a:r>
+              <a:rPr lang="nl-NL" dirty="0">
+                <a:latin typeface="Times New Roman" panose="02020603050405020304" pitchFamily="18" charset="0"/>
+                <a:cs typeface="Times New Roman" panose="02020603050405020304" pitchFamily="18" charset="0"/>
+              </a:rPr>
+              <a:t>Basic types in typescript</a:t>
+            </a:r>
+            <a:endParaRPr lang="en-US" dirty="0">
+              <a:latin typeface="Times New Roman" panose="02020603050405020304" pitchFamily="18" charset="0"/>
+              <a:cs typeface="Times New Roman" panose="02020603050405020304" pitchFamily="18" charset="0"/>
+            </a:endParaRPr>
+          </a:p>
+        </p:txBody>
+      </p:sp>
+      <p:sp>
+        <p:nvSpPr>
+          <p:cNvPr id="3" name="Content Placeholder 2"/>
+          <p:cNvSpPr>
+            <a:spLocks noGrp="1"/>
+          </p:cNvSpPr>
+          <p:nvPr>
+            <p:ph idx="1"/>
+          </p:nvPr>
+        </p:nvSpPr>
+        <p:spPr/>
+        <p:txBody>
+          <a:bodyPr>
+            <a:noAutofit/>
+          </a:bodyPr>
+          <a:lstStyle/>
+          <a:p>
+            <a:r>
+              <a:rPr lang="en-US" b="1" dirty="0">
+                <a:latin typeface="Times New Roman" panose="02020603050405020304" pitchFamily="18" charset="0"/>
+                <a:cs typeface="Times New Roman" panose="02020603050405020304" pitchFamily="18" charset="0"/>
+              </a:rPr>
+              <a:t>Boolean</a:t>
+            </a:r>
+            <a:r>
+              <a:rPr lang="en-US" dirty="0">
+                <a:latin typeface="Times New Roman" panose="02020603050405020304" pitchFamily="18" charset="0"/>
+                <a:cs typeface="Times New Roman" panose="02020603050405020304" pitchFamily="18" charset="0"/>
+              </a:rPr>
+              <a:t> let </a:t>
+            </a:r>
+            <a:r>
+              <a:rPr lang="en-US" dirty="0" err="1">
+                <a:latin typeface="Times New Roman" panose="02020603050405020304" pitchFamily="18" charset="0"/>
+                <a:cs typeface="Times New Roman" panose="02020603050405020304" pitchFamily="18" charset="0"/>
+              </a:rPr>
+              <a:t>isDone</a:t>
+            </a:r>
+            <a:r>
+              <a:rPr lang="en-US" dirty="0">
+                <a:latin typeface="Times New Roman" panose="02020603050405020304" pitchFamily="18" charset="0"/>
+                <a:cs typeface="Times New Roman" panose="02020603050405020304" pitchFamily="18" charset="0"/>
+              </a:rPr>
+              <a:t>: </a:t>
+            </a:r>
+            <a:r>
+              <a:rPr lang="en-US" dirty="0" err="1">
+                <a:latin typeface="Times New Roman" panose="02020603050405020304" pitchFamily="18" charset="0"/>
+                <a:cs typeface="Times New Roman" panose="02020603050405020304" pitchFamily="18" charset="0"/>
+              </a:rPr>
+              <a:t>boolean</a:t>
+            </a:r>
+            <a:r>
+              <a:rPr lang="en-US" dirty="0">
+                <a:latin typeface="Times New Roman" panose="02020603050405020304" pitchFamily="18" charset="0"/>
+                <a:cs typeface="Times New Roman" panose="02020603050405020304" pitchFamily="18" charset="0"/>
+              </a:rPr>
+              <a:t> = false;</a:t>
+            </a:r>
+          </a:p>
+          <a:p>
+            <a:r>
+              <a:rPr lang="en-US" b="1" dirty="0">
+                <a:latin typeface="Times New Roman" panose="02020603050405020304" pitchFamily="18" charset="0"/>
+                <a:cs typeface="Times New Roman" panose="02020603050405020304" pitchFamily="18" charset="0"/>
+              </a:rPr>
+              <a:t>Number</a:t>
+            </a:r>
+            <a:r>
+              <a:rPr lang="en-US" dirty="0">
+                <a:latin typeface="Times New Roman" panose="02020603050405020304" pitchFamily="18" charset="0"/>
+                <a:cs typeface="Times New Roman" panose="02020603050405020304" pitchFamily="18" charset="0"/>
+              </a:rPr>
+              <a:t> let decimal: number = 6;</a:t>
+            </a:r>
+          </a:p>
+          <a:p>
+            <a:r>
+              <a:rPr lang="en-US" b="1" dirty="0">
+                <a:latin typeface="Times New Roman" panose="02020603050405020304" pitchFamily="18" charset="0"/>
+                <a:cs typeface="Times New Roman" panose="02020603050405020304" pitchFamily="18" charset="0"/>
+              </a:rPr>
+              <a:t>String</a:t>
+            </a:r>
+            <a:r>
+              <a:rPr lang="en-US" dirty="0">
+                <a:latin typeface="Times New Roman" panose="02020603050405020304" pitchFamily="18" charset="0"/>
+                <a:cs typeface="Times New Roman" panose="02020603050405020304" pitchFamily="18" charset="0"/>
+              </a:rPr>
+              <a:t> let color: string = "blue";</a:t>
+            </a:r>
+          </a:p>
+          <a:p>
+            <a:r>
+              <a:rPr lang="en-US" b="1" dirty="0">
+                <a:latin typeface="Times New Roman" panose="02020603050405020304" pitchFamily="18" charset="0"/>
+                <a:cs typeface="Times New Roman" panose="02020603050405020304" pitchFamily="18" charset="0"/>
+              </a:rPr>
+              <a:t>Array</a:t>
+            </a:r>
+            <a:r>
+              <a:rPr lang="en-US" dirty="0">
+                <a:latin typeface="Times New Roman" panose="02020603050405020304" pitchFamily="18" charset="0"/>
+                <a:cs typeface="Times New Roman" panose="02020603050405020304" pitchFamily="18" charset="0"/>
+              </a:rPr>
+              <a:t> let list: number[] = [1, 2, 3];</a:t>
+            </a:r>
+          </a:p>
+          <a:p>
+            <a:r>
+              <a:rPr lang="en-US" b="1" dirty="0">
+                <a:latin typeface="Times New Roman" panose="02020603050405020304" pitchFamily="18" charset="0"/>
+                <a:cs typeface="Times New Roman" panose="02020603050405020304" pitchFamily="18" charset="0"/>
+              </a:rPr>
+              <a:t>Tuple</a:t>
+            </a:r>
+            <a:r>
+              <a:rPr lang="en-US" dirty="0">
+                <a:latin typeface="Times New Roman" panose="02020603050405020304" pitchFamily="18" charset="0"/>
+                <a:cs typeface="Times New Roman" panose="02020603050405020304" pitchFamily="18" charset="0"/>
+              </a:rPr>
+              <a:t> let x: [string, number]; x = ["hello", 10]; </a:t>
+            </a:r>
+          </a:p>
+          <a:p>
+            <a:r>
+              <a:rPr lang="en-US" b="1" dirty="0" err="1">
+                <a:latin typeface="Times New Roman" panose="02020603050405020304" pitchFamily="18" charset="0"/>
+                <a:cs typeface="Times New Roman" panose="02020603050405020304" pitchFamily="18" charset="0"/>
+              </a:rPr>
+              <a:t>Enum</a:t>
+            </a:r>
+            <a:r>
+              <a:rPr lang="en-US" dirty="0">
+                <a:latin typeface="Times New Roman" panose="02020603050405020304" pitchFamily="18" charset="0"/>
+                <a:cs typeface="Times New Roman" panose="02020603050405020304" pitchFamily="18" charset="0"/>
+              </a:rPr>
+              <a:t> </a:t>
+            </a:r>
+            <a:r>
+              <a:rPr lang="en-US" dirty="0" err="1">
+                <a:latin typeface="Times New Roman" panose="02020603050405020304" pitchFamily="18" charset="0"/>
+                <a:cs typeface="Times New Roman" panose="02020603050405020304" pitchFamily="18" charset="0"/>
+              </a:rPr>
+              <a:t>enum</a:t>
+            </a:r>
+            <a:r>
+              <a:rPr lang="en-US" dirty="0">
+                <a:latin typeface="Times New Roman" panose="02020603050405020304" pitchFamily="18" charset="0"/>
+                <a:cs typeface="Times New Roman" panose="02020603050405020304" pitchFamily="18" charset="0"/>
+              </a:rPr>
+              <a:t> Color {Red = 1, Green, Blue}</a:t>
+            </a:r>
+          </a:p>
+          <a:p>
+            <a:r>
+              <a:rPr lang="en-US" b="1" dirty="0">
+                <a:latin typeface="Times New Roman" panose="02020603050405020304" pitchFamily="18" charset="0"/>
+                <a:cs typeface="Times New Roman" panose="02020603050405020304" pitchFamily="18" charset="0"/>
+              </a:rPr>
+              <a:t>Any</a:t>
+            </a:r>
+            <a:r>
+              <a:rPr lang="en-US" dirty="0">
+                <a:latin typeface="Times New Roman" panose="02020603050405020304" pitchFamily="18" charset="0"/>
+                <a:cs typeface="Times New Roman" panose="02020603050405020304" pitchFamily="18" charset="0"/>
+              </a:rPr>
+              <a:t> let </a:t>
+            </a:r>
+            <a:r>
+              <a:rPr lang="en-US" dirty="0" err="1">
+                <a:latin typeface="Times New Roman" panose="02020603050405020304" pitchFamily="18" charset="0"/>
+                <a:cs typeface="Times New Roman" panose="02020603050405020304" pitchFamily="18" charset="0"/>
+              </a:rPr>
+              <a:t>notSure</a:t>
+            </a:r>
+            <a:r>
+              <a:rPr lang="en-US" dirty="0">
+                <a:latin typeface="Times New Roman" panose="02020603050405020304" pitchFamily="18" charset="0"/>
+                <a:cs typeface="Times New Roman" panose="02020603050405020304" pitchFamily="18" charset="0"/>
+              </a:rPr>
+              <a:t>: any = 4;</a:t>
+            </a:r>
+          </a:p>
+          <a:p>
+            <a:r>
+              <a:rPr lang="en-US" b="1" dirty="0">
+                <a:latin typeface="Times New Roman" panose="02020603050405020304" pitchFamily="18" charset="0"/>
+                <a:cs typeface="Times New Roman" panose="02020603050405020304" pitchFamily="18" charset="0"/>
+              </a:rPr>
+              <a:t>Void</a:t>
+            </a:r>
+            <a:r>
+              <a:rPr lang="en-US" dirty="0">
+                <a:latin typeface="Times New Roman" panose="02020603050405020304" pitchFamily="18" charset="0"/>
+                <a:cs typeface="Times New Roman" panose="02020603050405020304" pitchFamily="18" charset="0"/>
+              </a:rPr>
+              <a:t> function </a:t>
+            </a:r>
+            <a:r>
+              <a:rPr lang="en-US" dirty="0" err="1">
+                <a:latin typeface="Times New Roman" panose="02020603050405020304" pitchFamily="18" charset="0"/>
+                <a:cs typeface="Times New Roman" panose="02020603050405020304" pitchFamily="18" charset="0"/>
+              </a:rPr>
+              <a:t>warnUser</a:t>
+            </a:r>
+            <a:r>
+              <a:rPr lang="en-US" dirty="0">
+                <a:latin typeface="Times New Roman" panose="02020603050405020304" pitchFamily="18" charset="0"/>
+                <a:cs typeface="Times New Roman" panose="02020603050405020304" pitchFamily="18" charset="0"/>
+              </a:rPr>
+              <a:t>(): void </a:t>
+            </a:r>
+          </a:p>
+          <a:p>
+            <a:r>
+              <a:rPr lang="en-US" b="1" dirty="0">
+                <a:latin typeface="Times New Roman" panose="02020603050405020304" pitchFamily="18" charset="0"/>
+                <a:cs typeface="Times New Roman" panose="02020603050405020304" pitchFamily="18" charset="0"/>
+              </a:rPr>
+              <a:t>Null and Undefined</a:t>
+            </a:r>
+          </a:p>
+          <a:p>
+            <a:r>
+              <a:rPr lang="en-US" b="1" dirty="0">
+                <a:latin typeface="Times New Roman" panose="02020603050405020304" pitchFamily="18" charset="0"/>
+                <a:cs typeface="Times New Roman" panose="02020603050405020304" pitchFamily="18" charset="0"/>
+              </a:rPr>
+              <a:t>Object</a:t>
+            </a:r>
+          </a:p>
+          <a:p>
+            <a:r>
+              <a:rPr lang="nl-NL" b="1" dirty="0">
+                <a:latin typeface="Times New Roman" panose="02020603050405020304" pitchFamily="18" charset="0"/>
+                <a:cs typeface="Times New Roman" panose="02020603050405020304" pitchFamily="18" charset="0"/>
+              </a:rPr>
+              <a:t>Type </a:t>
+            </a:r>
+            <a:r>
+              <a:rPr lang="nl-NL" b="1" dirty="0" err="1">
+                <a:latin typeface="Times New Roman" panose="02020603050405020304" pitchFamily="18" charset="0"/>
+                <a:cs typeface="Times New Roman" panose="02020603050405020304" pitchFamily="18" charset="0"/>
+              </a:rPr>
+              <a:t>assertion</a:t>
+            </a:r>
+            <a:r>
+              <a:rPr lang="nl-NL" b="1" dirty="0">
+                <a:latin typeface="Times New Roman" panose="02020603050405020304" pitchFamily="18" charset="0"/>
+                <a:cs typeface="Times New Roman" panose="02020603050405020304" pitchFamily="18" charset="0"/>
+              </a:rPr>
+              <a:t> </a:t>
+            </a:r>
+            <a:r>
+              <a:rPr lang="en-US" dirty="0">
+                <a:latin typeface="Times New Roman" panose="02020603050405020304" pitchFamily="18" charset="0"/>
+                <a:cs typeface="Times New Roman" panose="02020603050405020304" pitchFamily="18" charset="0"/>
+              </a:rPr>
+              <a:t>let </a:t>
+            </a:r>
+            <a:r>
+              <a:rPr lang="en-US" dirty="0" err="1">
+                <a:latin typeface="Times New Roman" panose="02020603050405020304" pitchFamily="18" charset="0"/>
+                <a:cs typeface="Times New Roman" panose="02020603050405020304" pitchFamily="18" charset="0"/>
+              </a:rPr>
+              <a:t>strLength</a:t>
+            </a:r>
+            <a:r>
+              <a:rPr lang="en-US" dirty="0">
+                <a:latin typeface="Times New Roman" panose="02020603050405020304" pitchFamily="18" charset="0"/>
+                <a:cs typeface="Times New Roman" panose="02020603050405020304" pitchFamily="18" charset="0"/>
+              </a:rPr>
+              <a:t>: number = (</a:t>
+            </a:r>
+            <a:r>
+              <a:rPr lang="en-US" dirty="0" err="1">
+                <a:latin typeface="Times New Roman" panose="02020603050405020304" pitchFamily="18" charset="0"/>
+                <a:cs typeface="Times New Roman" panose="02020603050405020304" pitchFamily="18" charset="0"/>
+              </a:rPr>
+              <a:t>someValue</a:t>
+            </a:r>
+            <a:r>
+              <a:rPr lang="en-US" dirty="0">
+                <a:latin typeface="Times New Roman" panose="02020603050405020304" pitchFamily="18" charset="0"/>
+                <a:cs typeface="Times New Roman" panose="02020603050405020304" pitchFamily="18" charset="0"/>
+              </a:rPr>
+              <a:t> as string).length;</a:t>
+            </a:r>
+          </a:p>
+          <a:p>
+            <a:endParaRPr lang="en-US" dirty="0"/>
+          </a:p>
+          <a:p>
+            <a:endParaRPr lang="en-US" dirty="0"/>
+          </a:p>
+          <a:p>
+            <a:endParaRPr lang="en-US" dirty="0"/>
+          </a:p>
+          <a:p>
+            <a:endParaRPr lang="en-US" dirty="0"/>
+          </a:p>
+          <a:p>
+            <a:endParaRPr lang="en-US" dirty="0"/>
+          </a:p>
+          <a:p>
+            <a:endParaRPr lang="en-US" dirty="0"/>
+          </a:p>
+          <a:p>
+            <a:endParaRPr lang="en-US" dirty="0"/>
+          </a:p>
+        </p:txBody>
+      </p:sp>
+    </p:spTree>
+    <p:extLst>
+      <p:ext uri="{BB962C8B-B14F-4D97-AF65-F5344CB8AC3E}">
+        <p14:creationId xmlns:p14="http://schemas.microsoft.com/office/powerpoint/2010/main" val="728131117"/>
+      </p:ext>
+    </p:extLst>
+  </p:cSld>
+  <p:clrMapOvr>
+    <a:masterClrMapping/>
+  </p:clrMapOvr>
+</p:sld>
+</file>
+
+<file path=ppt/slides/slide14.xml><?xml version="1.0" encoding="utf-8"?>
+<p:sld xmlns:a="http://schemas.openxmlformats.org/drawingml/2006/main" xmlns:r="http://schemas.openxmlformats.org/officeDocument/2006/relationships" xmlns:p="http://schemas.openxmlformats.org/presentationml/2006/main">
+  <p:cSld>
+    <p:spTree>
+      <p:nvGrpSpPr>
+        <p:cNvPr id="1" name=""/>
+        <p:cNvGrpSpPr/>
+        <p:nvPr/>
+      </p:nvGrpSpPr>
+      <p:grpSpPr>
+        <a:xfrm>
+          <a:off x="0" y="0"/>
+          <a:ext cx="0" cy="0"/>
+          <a:chOff x="0" y="0"/>
+          <a:chExt cx="0" cy="0"/>
+        </a:xfrm>
+      </p:grpSpPr>
+      <p:sp>
+        <p:nvSpPr>
+          <p:cNvPr id="2" name="Title 1"/>
+          <p:cNvSpPr>
+            <a:spLocks noGrp="1"/>
+          </p:cNvSpPr>
+          <p:nvPr>
+            <p:ph type="title"/>
+          </p:nvPr>
+        </p:nvSpPr>
+        <p:spPr/>
+        <p:txBody>
+          <a:bodyPr/>
+          <a:lstStyle/>
+          <a:p>
+            <a:r>
+              <a:rPr lang="nl-NL" dirty="0">
+                <a:latin typeface="Times New Roman" panose="02020603050405020304" pitchFamily="18" charset="0"/>
+                <a:cs typeface="Times New Roman" panose="02020603050405020304" pitchFamily="18" charset="0"/>
+              </a:rPr>
+              <a:t>Typescript </a:t>
+            </a:r>
+            <a:r>
+              <a:rPr lang="nl-NL" dirty="0" err="1">
+                <a:latin typeface="Times New Roman" panose="02020603050405020304" pitchFamily="18" charset="0"/>
+                <a:cs typeface="Times New Roman" panose="02020603050405020304" pitchFamily="18" charset="0"/>
+              </a:rPr>
+              <a:t>function</a:t>
+            </a:r>
+            <a:endParaRPr lang="en-US" dirty="0">
+              <a:latin typeface="Times New Roman" panose="02020603050405020304" pitchFamily="18" charset="0"/>
+              <a:cs typeface="Times New Roman" panose="02020603050405020304" pitchFamily="18" charset="0"/>
+            </a:endParaRPr>
+          </a:p>
+        </p:txBody>
+      </p:sp>
+      <p:sp>
+        <p:nvSpPr>
+          <p:cNvPr id="3" name="Content Placeholder 2"/>
+          <p:cNvSpPr>
+            <a:spLocks noGrp="1"/>
+          </p:cNvSpPr>
+          <p:nvPr>
+            <p:ph idx="1"/>
+          </p:nvPr>
+        </p:nvSpPr>
+        <p:spPr/>
+        <p:txBody>
+          <a:bodyPr>
+            <a:normAutofit fontScale="92500" lnSpcReduction="10000"/>
+          </a:bodyPr>
+          <a:lstStyle/>
+          <a:p>
+            <a:r>
+              <a:rPr lang="en-US" b="1" dirty="0">
+                <a:latin typeface="Times New Roman" panose="02020603050405020304" pitchFamily="18" charset="0"/>
+                <a:cs typeface="Times New Roman" panose="02020603050405020304" pitchFamily="18" charset="0"/>
+              </a:rPr>
+              <a:t>Arrow Function</a:t>
+            </a:r>
+            <a:r>
+              <a:rPr lang="en-US" dirty="0">
+                <a:latin typeface="Times New Roman" panose="02020603050405020304" pitchFamily="18" charset="0"/>
+                <a:cs typeface="Times New Roman" panose="02020603050405020304" pitchFamily="18" charset="0"/>
+              </a:rPr>
+              <a:t>: Fat arrow notations are used for anonymous functions </a:t>
+            </a:r>
+            <a:r>
+              <a:rPr lang="en-US" dirty="0" err="1">
+                <a:latin typeface="Times New Roman" panose="02020603050405020304" pitchFamily="18" charset="0"/>
+                <a:cs typeface="Times New Roman" panose="02020603050405020304" pitchFamily="18" charset="0"/>
+              </a:rPr>
+              <a:t>i.e</a:t>
+            </a:r>
+            <a:r>
+              <a:rPr lang="en-US" dirty="0">
+                <a:latin typeface="Times New Roman" panose="02020603050405020304" pitchFamily="18" charset="0"/>
+                <a:cs typeface="Times New Roman" panose="02020603050405020304" pitchFamily="18" charset="0"/>
+              </a:rPr>
+              <a:t> for function expressions</a:t>
+            </a:r>
+          </a:p>
+          <a:p>
+            <a:pPr marL="0" indent="0">
+              <a:buNone/>
+            </a:pPr>
+            <a:r>
+              <a:rPr lang="en-US" dirty="0">
+                <a:latin typeface="Times New Roman" panose="02020603050405020304" pitchFamily="18" charset="0"/>
+                <a:cs typeface="Times New Roman" panose="02020603050405020304" pitchFamily="18" charset="0"/>
+              </a:rPr>
+              <a:t>let sum = (x: number, y: number) =&gt; x + y;</a:t>
+            </a:r>
+          </a:p>
+          <a:p>
+            <a:r>
+              <a:rPr lang="en-US" dirty="0">
+                <a:latin typeface="Times New Roman" panose="02020603050405020304" pitchFamily="18" charset="0"/>
+                <a:cs typeface="Times New Roman" panose="02020603050405020304" pitchFamily="18" charset="0"/>
+              </a:rPr>
+              <a:t> </a:t>
+            </a:r>
+            <a:r>
+              <a:rPr lang="en-US" b="1" dirty="0">
+                <a:latin typeface="Times New Roman" panose="02020603050405020304" pitchFamily="18" charset="0"/>
+                <a:cs typeface="Times New Roman" panose="02020603050405020304" pitchFamily="18" charset="0"/>
+              </a:rPr>
+              <a:t>Function Overloading: </a:t>
+            </a:r>
+            <a:r>
+              <a:rPr lang="en-US" dirty="0">
+                <a:latin typeface="Times New Roman" panose="02020603050405020304" pitchFamily="18" charset="0"/>
+                <a:cs typeface="Times New Roman" panose="02020603050405020304" pitchFamily="18" charset="0"/>
+              </a:rPr>
+              <a:t> You can have multiple functions with the same name but different parameter types and return type. However, the number of parameters should be the same.</a:t>
+            </a:r>
+          </a:p>
+          <a:p>
+            <a:pPr marL="0" indent="0">
+              <a:buNone/>
+            </a:pPr>
+            <a:r>
+              <a:rPr lang="en-US" dirty="0">
+                <a:latin typeface="Times New Roman" panose="02020603050405020304" pitchFamily="18" charset="0"/>
+                <a:cs typeface="Times New Roman" panose="02020603050405020304" pitchFamily="18" charset="0"/>
+              </a:rPr>
+              <a:t>function add(</a:t>
+            </a:r>
+            <a:r>
+              <a:rPr lang="en-US" dirty="0" err="1">
+                <a:latin typeface="Times New Roman" panose="02020603050405020304" pitchFamily="18" charset="0"/>
+                <a:cs typeface="Times New Roman" panose="02020603050405020304" pitchFamily="18" charset="0"/>
+              </a:rPr>
+              <a:t>a:string</a:t>
+            </a:r>
+            <a:r>
+              <a:rPr lang="en-US" dirty="0">
+                <a:latin typeface="Times New Roman" panose="02020603050405020304" pitchFamily="18" charset="0"/>
+                <a:cs typeface="Times New Roman" panose="02020603050405020304" pitchFamily="18" charset="0"/>
+              </a:rPr>
+              <a:t>, b:string):string;</a:t>
+            </a:r>
+          </a:p>
+          <a:p>
+            <a:pPr marL="0" indent="0">
+              <a:buNone/>
+            </a:pPr>
+            <a:r>
+              <a:rPr lang="en-US" dirty="0">
+                <a:latin typeface="Times New Roman" panose="02020603050405020304" pitchFamily="18" charset="0"/>
+                <a:cs typeface="Times New Roman" panose="02020603050405020304" pitchFamily="18" charset="0"/>
+              </a:rPr>
+              <a:t>function add(</a:t>
+            </a:r>
+            <a:r>
+              <a:rPr lang="en-US" dirty="0" err="1">
+                <a:latin typeface="Times New Roman" panose="02020603050405020304" pitchFamily="18" charset="0"/>
+                <a:cs typeface="Times New Roman" panose="02020603050405020304" pitchFamily="18" charset="0"/>
+              </a:rPr>
+              <a:t>a:number</a:t>
+            </a:r>
+            <a:r>
+              <a:rPr lang="en-US" dirty="0">
+                <a:latin typeface="Times New Roman" panose="02020603050405020304" pitchFamily="18" charset="0"/>
+                <a:cs typeface="Times New Roman" panose="02020603050405020304" pitchFamily="18" charset="0"/>
+              </a:rPr>
+              <a:t>, b:number): number;</a:t>
+            </a:r>
+          </a:p>
+          <a:p>
+            <a:r>
+              <a:rPr lang="en-US" b="1" dirty="0">
+                <a:latin typeface="Times New Roman" panose="02020603050405020304" pitchFamily="18" charset="0"/>
+                <a:cs typeface="Times New Roman" panose="02020603050405020304" pitchFamily="18" charset="0"/>
+              </a:rPr>
+              <a:t>Rest Parameters</a:t>
+            </a:r>
+          </a:p>
+          <a:p>
+            <a:pPr marL="0" indent="0">
+              <a:buNone/>
+            </a:pPr>
+            <a:r>
+              <a:rPr lang="en-US" dirty="0">
+                <a:latin typeface="Times New Roman" panose="02020603050405020304" pitchFamily="18" charset="0"/>
+                <a:cs typeface="Times New Roman" panose="02020603050405020304" pitchFamily="18" charset="0"/>
+              </a:rPr>
+              <a:t>function Greet(greeting: string, ...names: string[]) {</a:t>
+            </a:r>
+          </a:p>
+          <a:p>
+            <a:pPr marL="0" indent="0">
+              <a:buNone/>
+            </a:pPr>
+            <a:r>
+              <a:rPr lang="en-US" dirty="0">
+                <a:latin typeface="Times New Roman" panose="02020603050405020304" pitchFamily="18" charset="0"/>
+                <a:cs typeface="Times New Roman" panose="02020603050405020304" pitchFamily="18" charset="0"/>
+              </a:rPr>
+              <a:t>    return greeting + " " + </a:t>
+            </a:r>
+            <a:r>
+              <a:rPr lang="en-US" dirty="0" err="1">
+                <a:latin typeface="Times New Roman" panose="02020603050405020304" pitchFamily="18" charset="0"/>
+                <a:cs typeface="Times New Roman" panose="02020603050405020304" pitchFamily="18" charset="0"/>
+              </a:rPr>
+              <a:t>names.join</a:t>
+            </a:r>
+            <a:r>
+              <a:rPr lang="en-US" dirty="0">
+                <a:latin typeface="Times New Roman" panose="02020603050405020304" pitchFamily="18" charset="0"/>
+                <a:cs typeface="Times New Roman" panose="02020603050405020304" pitchFamily="18" charset="0"/>
+              </a:rPr>
+              <a:t>(", ") + "!";</a:t>
+            </a:r>
+          </a:p>
+          <a:p>
+            <a:pPr marL="0" indent="0">
+              <a:buNone/>
+            </a:pPr>
+            <a:r>
+              <a:rPr lang="en-US" dirty="0">
+                <a:latin typeface="Times New Roman" panose="02020603050405020304" pitchFamily="18" charset="0"/>
+                <a:cs typeface="Times New Roman" panose="02020603050405020304" pitchFamily="18" charset="0"/>
+              </a:rPr>
+              <a:t>}</a:t>
+            </a:r>
+          </a:p>
+          <a:p>
+            <a:pPr marL="0" indent="0">
+              <a:buNone/>
+            </a:pPr>
+            <a:r>
+              <a:rPr lang="en-US" dirty="0">
+                <a:latin typeface="Times New Roman" panose="02020603050405020304" pitchFamily="18" charset="0"/>
+                <a:cs typeface="Times New Roman" panose="02020603050405020304" pitchFamily="18" charset="0"/>
+              </a:rPr>
+              <a:t>Greet("Hello", "Steve", "Bill"); // returns "Hello Steve, Bill!"</a:t>
+            </a:r>
+          </a:p>
+          <a:p>
+            <a:pPr marL="0" indent="0">
+              <a:buNone/>
+            </a:pPr>
+            <a:endParaRPr lang="en-US" dirty="0">
+              <a:latin typeface="Times New Roman" panose="02020603050405020304" pitchFamily="18" charset="0"/>
+              <a:cs typeface="Times New Roman" panose="02020603050405020304" pitchFamily="18" charset="0"/>
+            </a:endParaRPr>
+          </a:p>
+          <a:p>
+            <a:pPr marL="0" indent="0">
+              <a:buNone/>
+            </a:pPr>
+            <a:endParaRPr lang="en-US" dirty="0">
+              <a:latin typeface="Times New Roman" panose="02020603050405020304" pitchFamily="18" charset="0"/>
+              <a:cs typeface="Times New Roman" panose="02020603050405020304" pitchFamily="18" charset="0"/>
+            </a:endParaRPr>
+          </a:p>
+          <a:p>
+            <a:endParaRPr lang="en-US" dirty="0">
+              <a:latin typeface="Times New Roman" panose="02020603050405020304" pitchFamily="18" charset="0"/>
+              <a:cs typeface="Times New Roman" panose="02020603050405020304" pitchFamily="18" charset="0"/>
+            </a:endParaRPr>
+          </a:p>
+          <a:p>
+            <a:endParaRPr lang="en-US" dirty="0">
+              <a:latin typeface="Times New Roman" panose="02020603050405020304" pitchFamily="18" charset="0"/>
+              <a:cs typeface="Times New Roman" panose="02020603050405020304" pitchFamily="18" charset="0"/>
+            </a:endParaRPr>
+          </a:p>
+        </p:txBody>
+      </p:sp>
+    </p:spTree>
+    <p:extLst>
+      <p:ext uri="{BB962C8B-B14F-4D97-AF65-F5344CB8AC3E}">
+        <p14:creationId xmlns:p14="http://schemas.microsoft.com/office/powerpoint/2010/main" val="1703240444"/>
+      </p:ext>
+    </p:extLst>
+  </p:cSld>
+  <p:clrMapOvr>
+    <a:masterClrMapping/>
+  </p:clrMapOvr>
+</p:sld>
+</file>
+
+<file path=ppt/slides/slide15.xml><?xml version="1.0" encoding="utf-8"?>
+<p:sld xmlns:a="http://schemas.openxmlformats.org/drawingml/2006/main" xmlns:r="http://schemas.openxmlformats.org/officeDocument/2006/relationships" xmlns:p="http://schemas.openxmlformats.org/presentationml/2006/main">
+  <p:cSld>
+    <p:spTree>
+      <p:nvGrpSpPr>
+        <p:cNvPr id="1" name=""/>
+        <p:cNvGrpSpPr/>
+        <p:nvPr/>
+      </p:nvGrpSpPr>
+      <p:grpSpPr>
+        <a:xfrm>
+          <a:off x="0" y="0"/>
+          <a:ext cx="0" cy="0"/>
+          <a:chOff x="0" y="0"/>
+          <a:chExt cx="0" cy="0"/>
+        </a:xfrm>
+      </p:grpSpPr>
+      <p:sp>
+        <p:nvSpPr>
+          <p:cNvPr id="2" name="Title 1"/>
+          <p:cNvSpPr>
+            <a:spLocks noGrp="1"/>
+          </p:cNvSpPr>
+          <p:nvPr>
+            <p:ph type="title"/>
+          </p:nvPr>
+        </p:nvSpPr>
+        <p:spPr/>
+        <p:txBody>
+          <a:bodyPr>
+            <a:normAutofit fontScale="90000"/>
+          </a:bodyPr>
+          <a:lstStyle/>
+          <a:p>
+            <a:br>
+              <a:rPr lang="en-US" dirty="0">
+                <a:latin typeface="Times New Roman" panose="02020603050405020304" pitchFamily="18" charset="0"/>
+                <a:cs typeface="Times New Roman" panose="02020603050405020304" pitchFamily="18" charset="0"/>
+              </a:rPr>
+            </a:br>
+            <a:r>
+              <a:rPr lang="en-US" dirty="0" err="1">
+                <a:latin typeface="Times New Roman" panose="02020603050405020304" pitchFamily="18" charset="0"/>
+                <a:cs typeface="Times New Roman" panose="02020603050405020304" pitchFamily="18" charset="0"/>
+              </a:rPr>
+              <a:t>Speread</a:t>
+            </a:r>
+            <a:r>
+              <a:rPr lang="en-US" dirty="0">
+                <a:latin typeface="Times New Roman" panose="02020603050405020304" pitchFamily="18" charset="0"/>
+                <a:cs typeface="Times New Roman" panose="02020603050405020304" pitchFamily="18" charset="0"/>
+              </a:rPr>
+              <a:t> operator</a:t>
+            </a:r>
+            <a:br>
+              <a:rPr lang="en-US" dirty="0">
+                <a:latin typeface="Times New Roman" panose="02020603050405020304" pitchFamily="18" charset="0"/>
+                <a:cs typeface="Times New Roman" panose="02020603050405020304" pitchFamily="18" charset="0"/>
+              </a:rPr>
+            </a:br>
+            <a:endParaRPr lang="en-US" dirty="0">
+              <a:latin typeface="Times New Roman" panose="02020603050405020304" pitchFamily="18" charset="0"/>
+              <a:cs typeface="Times New Roman" panose="02020603050405020304" pitchFamily="18" charset="0"/>
+            </a:endParaRPr>
+          </a:p>
+        </p:txBody>
+      </p:sp>
+      <p:sp>
+        <p:nvSpPr>
+          <p:cNvPr id="3" name="Content Placeholder 2"/>
+          <p:cNvSpPr>
+            <a:spLocks noGrp="1"/>
+          </p:cNvSpPr>
+          <p:nvPr>
+            <p:ph idx="1"/>
+          </p:nvPr>
+        </p:nvSpPr>
+        <p:spPr/>
+        <p:txBody>
+          <a:bodyPr/>
+          <a:lstStyle/>
+          <a:p>
+            <a:r>
+              <a:rPr lang="en-US" dirty="0" err="1">
+                <a:latin typeface="Times New Roman" panose="02020603050405020304" pitchFamily="18" charset="0"/>
+                <a:cs typeface="Times New Roman" panose="02020603050405020304" pitchFamily="18" charset="0"/>
+              </a:rPr>
+              <a:t>var</a:t>
+            </a:r>
+            <a:r>
+              <a:rPr lang="en-US" dirty="0">
+                <a:latin typeface="Times New Roman" panose="02020603050405020304" pitchFamily="18" charset="0"/>
+                <a:cs typeface="Times New Roman" panose="02020603050405020304" pitchFamily="18" charset="0"/>
+              </a:rPr>
+              <a:t> parts = ['shoulders', 'knees']; </a:t>
+            </a:r>
+          </a:p>
+          <a:p>
+            <a:r>
+              <a:rPr lang="en-US" dirty="0" err="1">
+                <a:latin typeface="Times New Roman" panose="02020603050405020304" pitchFamily="18" charset="0"/>
+                <a:cs typeface="Times New Roman" panose="02020603050405020304" pitchFamily="18" charset="0"/>
+              </a:rPr>
+              <a:t>var</a:t>
+            </a:r>
+            <a:r>
+              <a:rPr lang="en-US" dirty="0">
+                <a:latin typeface="Times New Roman" panose="02020603050405020304" pitchFamily="18" charset="0"/>
+                <a:cs typeface="Times New Roman" panose="02020603050405020304" pitchFamily="18" charset="0"/>
+              </a:rPr>
+              <a:t> lyrics = ['head', ...parts, 'and', 'toes']; </a:t>
+            </a:r>
+          </a:p>
+          <a:p>
+            <a:r>
+              <a:rPr lang="en-US" dirty="0">
+                <a:latin typeface="Times New Roman" panose="02020603050405020304" pitchFamily="18" charset="0"/>
+                <a:cs typeface="Times New Roman" panose="02020603050405020304" pitchFamily="18" charset="0"/>
+              </a:rPr>
+              <a:t>// ["head", "shoulders", "knees", "and", "toes"]</a:t>
+            </a:r>
+          </a:p>
+        </p:txBody>
+      </p:sp>
+    </p:spTree>
+    <p:extLst>
+      <p:ext uri="{BB962C8B-B14F-4D97-AF65-F5344CB8AC3E}">
+        <p14:creationId xmlns:p14="http://schemas.microsoft.com/office/powerpoint/2010/main" val="3220732713"/>
+      </p:ext>
+    </p:extLst>
+  </p:cSld>
+  <p:clrMapOvr>
+    <a:masterClrMapping/>
+  </p:clrMapOvr>
+</p:sld>
+</file>
+
+<file path=ppt/slides/slide16.xml><?xml version="1.0" encoding="utf-8"?>
+<p:sld xmlns:a="http://schemas.openxmlformats.org/drawingml/2006/main" xmlns:r="http://schemas.openxmlformats.org/officeDocument/2006/relationships" xmlns:p="http://schemas.openxmlformats.org/presentationml/2006/main">
+  <p:cSld>
+    <p:spTree>
+      <p:nvGrpSpPr>
+        <p:cNvPr id="1" name=""/>
+        <p:cNvGrpSpPr/>
+        <p:nvPr/>
+      </p:nvGrpSpPr>
+      <p:grpSpPr>
+        <a:xfrm>
+          <a:off x="0" y="0"/>
+          <a:ext cx="0" cy="0"/>
+          <a:chOff x="0" y="0"/>
+          <a:chExt cx="0" cy="0"/>
+        </a:xfrm>
+      </p:grpSpPr>
+      <p:sp>
+        <p:nvSpPr>
+          <p:cNvPr id="2" name="Title 1"/>
+          <p:cNvSpPr>
+            <a:spLocks noGrp="1"/>
+          </p:cNvSpPr>
+          <p:nvPr>
+            <p:ph type="title"/>
+          </p:nvPr>
+        </p:nvSpPr>
+        <p:spPr/>
+        <p:txBody>
+          <a:bodyPr/>
+          <a:lstStyle/>
+          <a:p>
+            <a:r>
+              <a:rPr lang="nl-NL" dirty="0" err="1">
+                <a:latin typeface="Times New Roman" panose="02020603050405020304" pitchFamily="18" charset="0"/>
+                <a:cs typeface="Times New Roman" panose="02020603050405020304" pitchFamily="18" charset="0"/>
+              </a:rPr>
+              <a:t>Static</a:t>
+            </a:r>
+            <a:r>
+              <a:rPr lang="nl-NL" dirty="0">
+                <a:latin typeface="Times New Roman" panose="02020603050405020304" pitchFamily="18" charset="0"/>
+                <a:cs typeface="Times New Roman" panose="02020603050405020304" pitchFamily="18" charset="0"/>
+              </a:rPr>
+              <a:t> </a:t>
+            </a:r>
+            <a:r>
+              <a:rPr lang="nl-NL" dirty="0" err="1">
+                <a:latin typeface="Times New Roman" panose="02020603050405020304" pitchFamily="18" charset="0"/>
+                <a:cs typeface="Times New Roman" panose="02020603050405020304" pitchFamily="18" charset="0"/>
+              </a:rPr>
+              <a:t>and</a:t>
+            </a:r>
+            <a:r>
+              <a:rPr lang="nl-NL" dirty="0">
+                <a:latin typeface="Times New Roman" panose="02020603050405020304" pitchFamily="18" charset="0"/>
+                <a:cs typeface="Times New Roman" panose="02020603050405020304" pitchFamily="18" charset="0"/>
+              </a:rPr>
+              <a:t> </a:t>
+            </a:r>
+            <a:br>
+              <a:rPr lang="nl-NL" dirty="0">
+                <a:latin typeface="Times New Roman" panose="02020603050405020304" pitchFamily="18" charset="0"/>
+                <a:cs typeface="Times New Roman" panose="02020603050405020304" pitchFamily="18" charset="0"/>
+              </a:rPr>
+            </a:br>
+            <a:r>
+              <a:rPr lang="nl-NL" dirty="0" err="1">
+                <a:latin typeface="Times New Roman" panose="02020603050405020304" pitchFamily="18" charset="0"/>
+                <a:cs typeface="Times New Roman" panose="02020603050405020304" pitchFamily="18" charset="0"/>
+              </a:rPr>
+              <a:t>dynamic</a:t>
+            </a:r>
+            <a:r>
+              <a:rPr lang="nl-NL" dirty="0">
+                <a:latin typeface="Times New Roman" panose="02020603050405020304" pitchFamily="18" charset="0"/>
+                <a:cs typeface="Times New Roman" panose="02020603050405020304" pitchFamily="18" charset="0"/>
+              </a:rPr>
+              <a:t> </a:t>
+            </a:r>
+            <a:r>
+              <a:rPr lang="nl-NL" dirty="0" err="1">
+                <a:latin typeface="Times New Roman" panose="02020603050405020304" pitchFamily="18" charset="0"/>
+                <a:cs typeface="Times New Roman" panose="02020603050405020304" pitchFamily="18" charset="0"/>
+              </a:rPr>
+              <a:t>typing</a:t>
+            </a:r>
+            <a:endParaRPr lang="en-US" dirty="0">
+              <a:latin typeface="Times New Roman" panose="02020603050405020304" pitchFamily="18" charset="0"/>
+              <a:cs typeface="Times New Roman" panose="02020603050405020304" pitchFamily="18" charset="0"/>
+            </a:endParaRPr>
+          </a:p>
+        </p:txBody>
+      </p:sp>
+      <p:sp>
+        <p:nvSpPr>
+          <p:cNvPr id="3" name="Content Placeholder 2"/>
+          <p:cNvSpPr>
+            <a:spLocks noGrp="1"/>
+          </p:cNvSpPr>
+          <p:nvPr>
+            <p:ph idx="1"/>
+          </p:nvPr>
+        </p:nvSpPr>
+        <p:spPr/>
+        <p:txBody>
+          <a:bodyPr>
+            <a:noAutofit/>
+          </a:bodyPr>
+          <a:lstStyle/>
+          <a:p>
+            <a:r>
+              <a:rPr lang="en-US" sz="2200" b="1" dirty="0">
+                <a:latin typeface="Times New Roman" panose="02020603050405020304" pitchFamily="18" charset="0"/>
+                <a:cs typeface="Times New Roman" panose="02020603050405020304" pitchFamily="18" charset="0"/>
+              </a:rPr>
+              <a:t>Dynamic typing</a:t>
+            </a:r>
+            <a:r>
+              <a:rPr lang="en-US" sz="2200" dirty="0">
+                <a:latin typeface="Times New Roman" panose="02020603050405020304" pitchFamily="18" charset="0"/>
+                <a:cs typeface="Times New Roman" panose="02020603050405020304" pitchFamily="18" charset="0"/>
+              </a:rPr>
+              <a:t> — the type is associated with the value, and checked at run-time.</a:t>
+            </a:r>
+          </a:p>
+          <a:p>
+            <a:pPr marL="0" indent="0">
+              <a:buNone/>
+            </a:pPr>
+            <a:r>
+              <a:rPr lang="en-US" sz="2200" dirty="0">
+                <a:latin typeface="Times New Roman" panose="02020603050405020304" pitchFamily="18" charset="0"/>
+                <a:cs typeface="Times New Roman" panose="02020603050405020304" pitchFamily="18" charset="0"/>
+              </a:rPr>
+              <a:t>function g( a ) {</a:t>
+            </a:r>
+          </a:p>
+          <a:p>
+            <a:pPr marL="0" indent="0">
+              <a:buNone/>
+            </a:pPr>
+            <a:r>
+              <a:rPr lang="en-US" sz="2200" dirty="0">
+                <a:latin typeface="Times New Roman" panose="02020603050405020304" pitchFamily="18" charset="0"/>
+                <a:cs typeface="Times New Roman" panose="02020603050405020304" pitchFamily="18" charset="0"/>
+              </a:rPr>
+              <a:t>   return a / 10;</a:t>
+            </a:r>
+          </a:p>
+          <a:p>
+            <a:pPr marL="0" indent="0">
+              <a:buNone/>
+            </a:pPr>
+            <a:r>
+              <a:rPr lang="en-US" sz="2200" dirty="0">
+                <a:latin typeface="Times New Roman" panose="02020603050405020304" pitchFamily="18" charset="0"/>
+                <a:cs typeface="Times New Roman" panose="02020603050405020304" pitchFamily="18" charset="0"/>
+              </a:rPr>
+              <a:t>}</a:t>
+            </a:r>
+          </a:p>
+          <a:p>
+            <a:pPr marL="0" indent="0">
+              <a:buNone/>
+            </a:pPr>
+            <a:endParaRPr lang="en-US" sz="2200" dirty="0">
+              <a:latin typeface="Times New Roman" panose="02020603050405020304" pitchFamily="18" charset="0"/>
+              <a:cs typeface="Times New Roman" panose="02020603050405020304" pitchFamily="18" charset="0"/>
+            </a:endParaRPr>
+          </a:p>
+          <a:p>
+            <a:r>
+              <a:rPr lang="en-US" sz="2200" b="1" dirty="0">
+                <a:latin typeface="Times New Roman" panose="02020603050405020304" pitchFamily="18" charset="0"/>
+                <a:cs typeface="Times New Roman" panose="02020603050405020304" pitchFamily="18" charset="0"/>
+              </a:rPr>
+              <a:t>Static typing</a:t>
+            </a:r>
+            <a:r>
+              <a:rPr lang="en-US" sz="2200" dirty="0">
+                <a:latin typeface="Times New Roman" panose="02020603050405020304" pitchFamily="18" charset="0"/>
+                <a:cs typeface="Times New Roman" panose="02020603050405020304" pitchFamily="18" charset="0"/>
+              </a:rPr>
+              <a:t> — type is associated with variable or textual expression, and checked at compile-time.</a:t>
+            </a:r>
+          </a:p>
+          <a:p>
+            <a:pPr marL="0" indent="0">
+              <a:buNone/>
+            </a:pPr>
+            <a:r>
+              <a:rPr lang="en-US" sz="2200" dirty="0">
+                <a:latin typeface="Times New Roman" panose="02020603050405020304" pitchFamily="18" charset="0"/>
+                <a:cs typeface="Times New Roman" panose="02020603050405020304" pitchFamily="18" charset="0"/>
+              </a:rPr>
+              <a:t>function g( a : number ) : number{</a:t>
+            </a:r>
+          </a:p>
+          <a:p>
+            <a:pPr marL="0" indent="0">
+              <a:buNone/>
+            </a:pPr>
+            <a:r>
+              <a:rPr lang="en-US" sz="2200" dirty="0">
+                <a:latin typeface="Times New Roman" panose="02020603050405020304" pitchFamily="18" charset="0"/>
+                <a:cs typeface="Times New Roman" panose="02020603050405020304" pitchFamily="18" charset="0"/>
+              </a:rPr>
+              <a:t>   return a / 10;</a:t>
+            </a:r>
+          </a:p>
+          <a:p>
+            <a:pPr marL="0" indent="0">
+              <a:buNone/>
+            </a:pPr>
+            <a:r>
+              <a:rPr lang="en-US" sz="2200" dirty="0">
+                <a:latin typeface="Times New Roman" panose="02020603050405020304" pitchFamily="18" charset="0"/>
+                <a:cs typeface="Times New Roman" panose="02020603050405020304" pitchFamily="18" charset="0"/>
+              </a:rPr>
+              <a:t>}</a:t>
+            </a:r>
+          </a:p>
+        </p:txBody>
+      </p:sp>
+    </p:spTree>
+    <p:extLst>
+      <p:ext uri="{BB962C8B-B14F-4D97-AF65-F5344CB8AC3E}">
+        <p14:creationId xmlns:p14="http://schemas.microsoft.com/office/powerpoint/2010/main" val="1069062279"/>
+      </p:ext>
+    </p:extLst>
+  </p:cSld>
+  <p:clrMapOvr>
+    <a:masterClrMapping/>
+  </p:clrMapOvr>
+</p:sld>
+</file>
+
+<file path=ppt/slides/slide17.xml><?xml version="1.0" encoding="utf-8"?>
+<p:sld xmlns:a="http://schemas.openxmlformats.org/drawingml/2006/main" xmlns:r="http://schemas.openxmlformats.org/officeDocument/2006/relationships" xmlns:p="http://schemas.openxmlformats.org/presentationml/2006/main">
+  <p:cSld>
+    <p:spTree>
+      <p:nvGrpSpPr>
+        <p:cNvPr id="1" name=""/>
+        <p:cNvGrpSpPr/>
+        <p:nvPr/>
+      </p:nvGrpSpPr>
+      <p:grpSpPr>
+        <a:xfrm>
+          <a:off x="0" y="0"/>
+          <a:ext cx="0" cy="0"/>
+          <a:chOff x="0" y="0"/>
+          <a:chExt cx="0" cy="0"/>
+        </a:xfrm>
+      </p:grpSpPr>
+      <p:sp>
+        <p:nvSpPr>
+          <p:cNvPr id="2" name="Title 1"/>
+          <p:cNvSpPr>
+            <a:spLocks noGrp="1"/>
+          </p:cNvSpPr>
+          <p:nvPr>
+            <p:ph type="title"/>
+          </p:nvPr>
+        </p:nvSpPr>
+        <p:spPr/>
+        <p:txBody>
+          <a:bodyPr/>
+          <a:lstStyle/>
+          <a:p>
+            <a:r>
+              <a:rPr lang="nl-NL" dirty="0">
+                <a:latin typeface="Times New Roman" panose="02020603050405020304" pitchFamily="18" charset="0"/>
+                <a:cs typeface="Times New Roman" panose="02020603050405020304" pitchFamily="18" charset="0"/>
+              </a:rPr>
+              <a:t>OOP</a:t>
+            </a:r>
+            <a:endParaRPr lang="en-US" dirty="0">
+              <a:latin typeface="Times New Roman" panose="02020603050405020304" pitchFamily="18" charset="0"/>
+              <a:cs typeface="Times New Roman" panose="02020603050405020304" pitchFamily="18" charset="0"/>
+            </a:endParaRPr>
+          </a:p>
+        </p:txBody>
+      </p:sp>
+      <p:sp>
+        <p:nvSpPr>
+          <p:cNvPr id="3" name="Content Placeholder 2"/>
+          <p:cNvSpPr>
+            <a:spLocks noGrp="1"/>
+          </p:cNvSpPr>
+          <p:nvPr>
+            <p:ph idx="1"/>
+          </p:nvPr>
+        </p:nvSpPr>
+        <p:spPr/>
+        <p:txBody>
+          <a:bodyPr/>
+          <a:lstStyle/>
+          <a:p>
+            <a:r>
+              <a:rPr lang="en-US" dirty="0">
+                <a:latin typeface="Times New Roman" panose="02020603050405020304" pitchFamily="18" charset="0"/>
+                <a:cs typeface="Times New Roman" panose="02020603050405020304" pitchFamily="18" charset="0"/>
+              </a:rPr>
+              <a:t>Interface</a:t>
+            </a:r>
+          </a:p>
+          <a:p>
+            <a:pPr marL="0" indent="0">
+              <a:buNone/>
+            </a:pPr>
+            <a:r>
+              <a:rPr lang="en-US" dirty="0">
+                <a:latin typeface="Times New Roman" panose="02020603050405020304" pitchFamily="18" charset="0"/>
+                <a:cs typeface="Times New Roman" panose="02020603050405020304" pitchFamily="18" charset="0"/>
+              </a:rPr>
+              <a:t>interface </a:t>
+            </a:r>
+            <a:r>
+              <a:rPr lang="en-US" dirty="0" err="1">
+                <a:latin typeface="Times New Roman" panose="02020603050405020304" pitchFamily="18" charset="0"/>
+                <a:cs typeface="Times New Roman" panose="02020603050405020304" pitchFamily="18" charset="0"/>
+              </a:rPr>
+              <a:t>KeyPair</a:t>
+            </a:r>
+            <a:r>
+              <a:rPr lang="en-US" dirty="0">
+                <a:latin typeface="Times New Roman" panose="02020603050405020304" pitchFamily="18" charset="0"/>
+                <a:cs typeface="Times New Roman" panose="02020603050405020304" pitchFamily="18" charset="0"/>
+              </a:rPr>
+              <a:t> {</a:t>
+            </a:r>
+          </a:p>
+          <a:p>
+            <a:pPr marL="0" indent="0">
+              <a:buNone/>
+            </a:pPr>
+            <a:r>
+              <a:rPr lang="en-US" dirty="0">
+                <a:latin typeface="Times New Roman" panose="02020603050405020304" pitchFamily="18" charset="0"/>
+                <a:cs typeface="Times New Roman" panose="02020603050405020304" pitchFamily="18" charset="0"/>
+              </a:rPr>
+              <a:t>    key: number;</a:t>
+            </a:r>
+          </a:p>
+          <a:p>
+            <a:pPr marL="0" indent="0">
+              <a:buNone/>
+            </a:pPr>
+            <a:r>
+              <a:rPr lang="en-US" dirty="0">
+                <a:latin typeface="Times New Roman" panose="02020603050405020304" pitchFamily="18" charset="0"/>
+                <a:cs typeface="Times New Roman" panose="02020603050405020304" pitchFamily="18" charset="0"/>
+              </a:rPr>
+              <a:t>    value: string;</a:t>
+            </a:r>
+          </a:p>
+          <a:p>
+            <a:pPr marL="0" indent="0">
+              <a:buNone/>
+            </a:pPr>
+            <a:r>
+              <a:rPr lang="en-US" dirty="0">
+                <a:latin typeface="Times New Roman" panose="02020603050405020304" pitchFamily="18" charset="0"/>
+                <a:cs typeface="Times New Roman" panose="02020603050405020304" pitchFamily="18" charset="0"/>
+              </a:rPr>
+              <a:t>}</a:t>
+            </a:r>
+          </a:p>
+          <a:p>
+            <a:pPr marL="0" indent="0">
+              <a:buNone/>
+            </a:pPr>
+            <a:r>
+              <a:rPr lang="en-US" dirty="0">
+                <a:latin typeface="Times New Roman" panose="02020603050405020304" pitchFamily="18" charset="0"/>
+                <a:cs typeface="Times New Roman" panose="02020603050405020304" pitchFamily="18" charset="0"/>
+              </a:rPr>
+              <a:t>let kv1: </a:t>
+            </a:r>
+            <a:r>
+              <a:rPr lang="en-US" dirty="0" err="1">
+                <a:latin typeface="Times New Roman" panose="02020603050405020304" pitchFamily="18" charset="0"/>
+                <a:cs typeface="Times New Roman" panose="02020603050405020304" pitchFamily="18" charset="0"/>
+              </a:rPr>
+              <a:t>KeyPair</a:t>
+            </a:r>
+            <a:r>
+              <a:rPr lang="en-US" dirty="0">
+                <a:latin typeface="Times New Roman" panose="02020603050405020304" pitchFamily="18" charset="0"/>
+                <a:cs typeface="Times New Roman" panose="02020603050405020304" pitchFamily="18" charset="0"/>
+              </a:rPr>
+              <a:t> = { key:1, </a:t>
+            </a:r>
+            <a:r>
+              <a:rPr lang="en-US" dirty="0" err="1">
+                <a:latin typeface="Times New Roman" panose="02020603050405020304" pitchFamily="18" charset="0"/>
+                <a:cs typeface="Times New Roman" panose="02020603050405020304" pitchFamily="18" charset="0"/>
+              </a:rPr>
+              <a:t>value:"Steve</a:t>
+            </a:r>
+            <a:r>
+              <a:rPr lang="en-US" dirty="0">
+                <a:latin typeface="Times New Roman" panose="02020603050405020304" pitchFamily="18" charset="0"/>
+                <a:cs typeface="Times New Roman" panose="02020603050405020304" pitchFamily="18" charset="0"/>
+              </a:rPr>
+              <a:t>" }; </a:t>
+            </a:r>
+          </a:p>
+        </p:txBody>
+      </p:sp>
+    </p:spTree>
+    <p:extLst>
+      <p:ext uri="{BB962C8B-B14F-4D97-AF65-F5344CB8AC3E}">
+        <p14:creationId xmlns:p14="http://schemas.microsoft.com/office/powerpoint/2010/main" val="3212059875"/>
+      </p:ext>
+    </p:extLst>
+  </p:cSld>
+  <p:clrMapOvr>
+    <a:masterClrMapping/>
+  </p:clrMapOvr>
+</p:sld>
+</file>
+
+<file path=ppt/slides/slide18.xml><?xml version="1.0" encoding="utf-8"?>
+<p:sld xmlns:a="http://schemas.openxmlformats.org/drawingml/2006/main" xmlns:r="http://schemas.openxmlformats.org/officeDocument/2006/relationships" xmlns:p="http://schemas.openxmlformats.org/presentationml/2006/main">
+  <p:cSld>
+    <p:spTree>
+      <p:nvGrpSpPr>
+        <p:cNvPr id="1" name=""/>
+        <p:cNvGrpSpPr/>
+        <p:nvPr/>
+      </p:nvGrpSpPr>
+      <p:grpSpPr>
+        <a:xfrm>
+          <a:off x="0" y="0"/>
+          <a:ext cx="0" cy="0"/>
+          <a:chOff x="0" y="0"/>
+          <a:chExt cx="0" cy="0"/>
+        </a:xfrm>
+      </p:grpSpPr>
+      <p:sp>
+        <p:nvSpPr>
+          <p:cNvPr id="2" name="Title 1"/>
+          <p:cNvSpPr>
+            <a:spLocks noGrp="1"/>
+          </p:cNvSpPr>
+          <p:nvPr>
+            <p:ph type="title"/>
+          </p:nvPr>
+        </p:nvSpPr>
+        <p:spPr/>
+        <p:txBody>
+          <a:bodyPr/>
+          <a:lstStyle/>
+          <a:p>
+            <a:r>
+              <a:rPr lang="nl-NL" dirty="0">
+                <a:latin typeface="Times New Roman" panose="02020603050405020304" pitchFamily="18" charset="0"/>
+                <a:cs typeface="Times New Roman" panose="02020603050405020304" pitchFamily="18" charset="0"/>
+              </a:rPr>
+              <a:t>OOP</a:t>
+            </a:r>
+            <a:endParaRPr lang="en-US" dirty="0">
+              <a:latin typeface="Times New Roman" panose="02020603050405020304" pitchFamily="18" charset="0"/>
+              <a:cs typeface="Times New Roman" panose="02020603050405020304" pitchFamily="18" charset="0"/>
+            </a:endParaRPr>
+          </a:p>
+        </p:txBody>
+      </p:sp>
+      <p:sp>
+        <p:nvSpPr>
+          <p:cNvPr id="3" name="Content Placeholder 2"/>
+          <p:cNvSpPr>
+            <a:spLocks noGrp="1"/>
+          </p:cNvSpPr>
+          <p:nvPr>
+            <p:ph idx="1"/>
+          </p:nvPr>
+        </p:nvSpPr>
+        <p:spPr/>
+        <p:txBody>
+          <a:bodyPr/>
+          <a:lstStyle/>
+          <a:p>
+            <a:r>
+              <a:rPr lang="nl-NL" b="1" dirty="0">
+                <a:latin typeface="Times New Roman" panose="02020603050405020304" pitchFamily="18" charset="0"/>
+                <a:cs typeface="Times New Roman" panose="02020603050405020304" pitchFamily="18" charset="0"/>
+              </a:rPr>
+              <a:t>Class</a:t>
+            </a:r>
+            <a:r>
+              <a:rPr lang="nl-NL" dirty="0">
+                <a:latin typeface="Times New Roman" panose="02020603050405020304" pitchFamily="18" charset="0"/>
+                <a:cs typeface="Times New Roman" panose="02020603050405020304" pitchFamily="18" charset="0"/>
+              </a:rPr>
+              <a:t> </a:t>
+            </a:r>
+            <a:r>
+              <a:rPr lang="en-US" dirty="0">
+                <a:latin typeface="Times New Roman" panose="02020603050405020304" pitchFamily="18" charset="0"/>
+                <a:cs typeface="Times New Roman" panose="02020603050405020304" pitchFamily="18" charset="0"/>
+              </a:rPr>
+              <a:t>A class can include the following:</a:t>
+            </a:r>
+          </a:p>
+          <a:p>
+            <a:r>
+              <a:rPr lang="en-US" dirty="0">
+                <a:latin typeface="Times New Roman" panose="02020603050405020304" pitchFamily="18" charset="0"/>
+                <a:cs typeface="Times New Roman" panose="02020603050405020304" pitchFamily="18" charset="0"/>
+              </a:rPr>
+              <a:t>Constructor</a:t>
+            </a:r>
+          </a:p>
+          <a:p>
+            <a:r>
+              <a:rPr lang="en-US" dirty="0">
+                <a:latin typeface="Times New Roman" panose="02020603050405020304" pitchFamily="18" charset="0"/>
+                <a:cs typeface="Times New Roman" panose="02020603050405020304" pitchFamily="18" charset="0"/>
+              </a:rPr>
+              <a:t>Properties</a:t>
+            </a:r>
+          </a:p>
+          <a:p>
+            <a:r>
+              <a:rPr lang="en-US" dirty="0">
+                <a:latin typeface="Times New Roman" panose="02020603050405020304" pitchFamily="18" charset="0"/>
+                <a:cs typeface="Times New Roman" panose="02020603050405020304" pitchFamily="18" charset="0"/>
+              </a:rPr>
+              <a:t>Methods</a:t>
+            </a:r>
+          </a:p>
+          <a:p>
+            <a:endParaRPr lang="en-US" dirty="0">
+              <a:latin typeface="Times New Roman" panose="02020603050405020304" pitchFamily="18" charset="0"/>
+              <a:cs typeface="Times New Roman" panose="02020603050405020304" pitchFamily="18" charset="0"/>
+            </a:endParaRPr>
+          </a:p>
+          <a:p>
+            <a:r>
+              <a:rPr lang="en-US" b="1" dirty="0">
+                <a:latin typeface="Times New Roman" panose="02020603050405020304" pitchFamily="18" charset="0"/>
+                <a:cs typeface="Times New Roman" panose="02020603050405020304" pitchFamily="18" charset="0"/>
+              </a:rPr>
+              <a:t>Abstract classes:  </a:t>
+            </a:r>
+            <a:r>
+              <a:rPr lang="en-US" dirty="0">
+                <a:latin typeface="Times New Roman" panose="02020603050405020304" pitchFamily="18" charset="0"/>
+                <a:cs typeface="Times New Roman" panose="02020603050405020304" pitchFamily="18" charset="0"/>
+              </a:rPr>
+              <a:t>are mainly for inheritance where other classes may derive from them</a:t>
+            </a:r>
+          </a:p>
+        </p:txBody>
+      </p:sp>
+    </p:spTree>
+    <p:extLst>
+      <p:ext uri="{BB962C8B-B14F-4D97-AF65-F5344CB8AC3E}">
+        <p14:creationId xmlns:p14="http://schemas.microsoft.com/office/powerpoint/2010/main" val="3403593871"/>
+      </p:ext>
+    </p:extLst>
+  </p:cSld>
+  <p:clrMapOvr>
+    <a:masterClrMapping/>
+  </p:clrMapOvr>
 </p:sld>
 </file>
 
@@ -7210,183 +6845,49 @@
           <a:bodyPr/>
           <a:lstStyle/>
           <a:p>
-            <a:r>
-              <a:rPr lang="en-US" dirty="0">
-                <a:latin typeface="Times New Roman" panose="02020603050405020304" pitchFamily="18" charset="0"/>
-                <a:cs typeface="Times New Roman" panose="02020603050405020304" pitchFamily="18" charset="0"/>
-              </a:rPr>
-              <a:t>Architecture overview</a:t>
-            </a:r>
-          </a:p>
-        </p:txBody>
-      </p:sp>
-      <p:sp>
-        <p:nvSpPr>
-          <p:cNvPr id="3" name="Content Placeholder 2"/>
-          <p:cNvSpPr>
-            <a:spLocks noGrp="1"/>
-          </p:cNvSpPr>
+            <a:endParaRPr lang="en-US"/>
+          </a:p>
+        </p:txBody>
+      </p:sp>
+      <p:pic>
+        <p:nvPicPr>
+          <p:cNvPr id="5" name="Content Placeholder 4"/>
+          <p:cNvPicPr>
+            <a:picLocks noGrp="1" noChangeAspect="1"/>
+          </p:cNvPicPr>
           <p:nvPr>
             <p:ph idx="1"/>
           </p:nvPr>
-        </p:nvSpPr>
-        <p:spPr/>
-        <p:txBody>
-          <a:bodyPr/>
-          <a:lstStyle/>
-          <a:p>
-            <a:r>
-              <a:rPr lang="en-US" b="1" dirty="0">
-                <a:latin typeface="Times New Roman" panose="02020603050405020304" pitchFamily="18" charset="0"/>
-                <a:cs typeface="Times New Roman" panose="02020603050405020304" pitchFamily="18" charset="0"/>
-              </a:rPr>
-              <a:t>Routing &amp; </a:t>
-            </a:r>
-            <a:r>
-              <a:rPr lang="en-US" b="1" dirty="0" smtClean="0">
-                <a:latin typeface="Times New Roman" panose="02020603050405020304" pitchFamily="18" charset="0"/>
-                <a:cs typeface="Times New Roman" panose="02020603050405020304" pitchFamily="18" charset="0"/>
-              </a:rPr>
-              <a:t>Navigation: </a:t>
-            </a:r>
-            <a:r>
-              <a:rPr lang="en-US" dirty="0">
-                <a:latin typeface="Times New Roman" panose="02020603050405020304" pitchFamily="18" charset="0"/>
-                <a:cs typeface="Times New Roman" panose="02020603050405020304" pitchFamily="18" charset="0"/>
-              </a:rPr>
-              <a:t>the </a:t>
-            </a:r>
-            <a:r>
-              <a:rPr lang="en-US" i="1" dirty="0">
-                <a:latin typeface="Times New Roman" panose="02020603050405020304" pitchFamily="18" charset="0"/>
-                <a:cs typeface="Times New Roman" panose="02020603050405020304" pitchFamily="18" charset="0"/>
-              </a:rPr>
-              <a:t>Router</a:t>
-            </a:r>
-            <a:r>
-              <a:rPr lang="en-US" dirty="0">
-                <a:latin typeface="Times New Roman" panose="02020603050405020304" pitchFamily="18" charset="0"/>
-                <a:cs typeface="Times New Roman" panose="02020603050405020304" pitchFamily="18" charset="0"/>
-              </a:rPr>
-              <a:t> allows navigation from one </a:t>
-            </a:r>
-            <a:r>
-              <a:rPr lang="en-US" i="1" dirty="0">
-                <a:latin typeface="Times New Roman" panose="02020603050405020304" pitchFamily="18" charset="0"/>
-                <a:cs typeface="Times New Roman" panose="02020603050405020304" pitchFamily="18" charset="0"/>
-              </a:rPr>
-              <a:t>View</a:t>
-            </a:r>
-            <a:r>
-              <a:rPr lang="en-US" dirty="0">
-                <a:latin typeface="Times New Roman" panose="02020603050405020304" pitchFamily="18" charset="0"/>
-                <a:cs typeface="Times New Roman" panose="02020603050405020304" pitchFamily="18" charset="0"/>
-              </a:rPr>
-              <a:t> to the </a:t>
-            </a:r>
-            <a:r>
-              <a:rPr lang="en-US" dirty="0" smtClean="0">
-                <a:latin typeface="Times New Roman" panose="02020603050405020304" pitchFamily="18" charset="0"/>
-                <a:cs typeface="Times New Roman" panose="02020603050405020304" pitchFamily="18" charset="0"/>
-              </a:rPr>
-              <a:t>next.</a:t>
-            </a:r>
-          </a:p>
-          <a:p>
-            <a:r>
-              <a:rPr lang="nl-NL" dirty="0" err="1" smtClean="0">
-                <a:latin typeface="Times New Roman" panose="02020603050405020304" pitchFamily="18" charset="0"/>
-                <a:cs typeface="Times New Roman" panose="02020603050405020304" pitchFamily="18" charset="0"/>
-              </a:rPr>
-              <a:t>To</a:t>
-            </a:r>
-            <a:r>
-              <a:rPr lang="nl-NL" dirty="0" smtClean="0">
-                <a:latin typeface="Times New Roman" panose="02020603050405020304" pitchFamily="18" charset="0"/>
-                <a:cs typeface="Times New Roman" panose="02020603050405020304" pitchFamily="18" charset="0"/>
-              </a:rPr>
-              <a:t> </a:t>
-            </a:r>
-            <a:r>
-              <a:rPr lang="nl-NL" dirty="0" err="1" smtClean="0">
-                <a:latin typeface="Times New Roman" panose="02020603050405020304" pitchFamily="18" charset="0"/>
-                <a:cs typeface="Times New Roman" panose="02020603050405020304" pitchFamily="18" charset="0"/>
-              </a:rPr>
-              <a:t>use</a:t>
-            </a:r>
-            <a:r>
-              <a:rPr lang="nl-NL" dirty="0" smtClean="0">
-                <a:latin typeface="Times New Roman" panose="02020603050405020304" pitchFamily="18" charset="0"/>
-                <a:cs typeface="Times New Roman" panose="02020603050405020304" pitchFamily="18" charset="0"/>
-              </a:rPr>
-              <a:t> router we </a:t>
-            </a:r>
-            <a:r>
-              <a:rPr lang="nl-NL" dirty="0" err="1" smtClean="0">
-                <a:latin typeface="Times New Roman" panose="02020603050405020304" pitchFamily="18" charset="0"/>
-                <a:cs typeface="Times New Roman" panose="02020603050405020304" pitchFamily="18" charset="0"/>
-              </a:rPr>
-              <a:t>need</a:t>
-            </a:r>
-            <a:r>
-              <a:rPr lang="nl-NL" dirty="0" smtClean="0">
-                <a:latin typeface="Times New Roman" panose="02020603050405020304" pitchFamily="18" charset="0"/>
-                <a:cs typeface="Times New Roman" panose="02020603050405020304" pitchFamily="18" charset="0"/>
-              </a:rPr>
-              <a:t> </a:t>
-            </a:r>
-            <a:r>
-              <a:rPr lang="nl-NL" dirty="0" err="1" smtClean="0">
-                <a:latin typeface="Times New Roman" panose="02020603050405020304" pitchFamily="18" charset="0"/>
-                <a:cs typeface="Times New Roman" panose="02020603050405020304" pitchFamily="18" charset="0"/>
-              </a:rPr>
-              <a:t>to</a:t>
-            </a:r>
-            <a:r>
-              <a:rPr lang="nl-NL" dirty="0" smtClean="0">
-                <a:latin typeface="Times New Roman" panose="02020603050405020304" pitchFamily="18" charset="0"/>
-                <a:cs typeface="Times New Roman" panose="02020603050405020304" pitchFamily="18" charset="0"/>
-              </a:rPr>
-              <a:t> import </a:t>
-            </a:r>
-            <a:r>
-              <a:rPr lang="nl-NL" dirty="0" err="1" smtClean="0">
-                <a:latin typeface="Times New Roman" panose="02020603050405020304" pitchFamily="18" charset="0"/>
-                <a:cs typeface="Times New Roman" panose="02020603050405020304" pitchFamily="18" charset="0"/>
-              </a:rPr>
-              <a:t>RouterModule</a:t>
-            </a:r>
-            <a:r>
-              <a:rPr lang="nl-NL" dirty="0" smtClean="0">
-                <a:latin typeface="Times New Roman" panose="02020603050405020304" pitchFamily="18" charset="0"/>
-                <a:cs typeface="Times New Roman" panose="02020603050405020304" pitchFamily="18" charset="0"/>
-              </a:rPr>
-              <a:t> in module</a:t>
-            </a:r>
-            <a:endParaRPr lang="en-US" dirty="0">
-              <a:latin typeface="Times New Roman" panose="02020603050405020304" pitchFamily="18" charset="0"/>
-              <a:cs typeface="Times New Roman" panose="02020603050405020304" pitchFamily="18" charset="0"/>
-            </a:endParaRPr>
-          </a:p>
-        </p:txBody>
-      </p:sp>
+        </p:nvPicPr>
+        <p:blipFill>
+          <a:blip r:embed="rId2">
+            <a:extLst>
+              <a:ext uri="{28A0092B-C50C-407E-A947-70E740481C1C}">
+                <a14:useLocalDpi xmlns:a14="http://schemas.microsoft.com/office/drawing/2010/main" val="0"/>
+              </a:ext>
+            </a:extLst>
+          </a:blip>
+          <a:stretch>
+            <a:fillRect/>
+          </a:stretch>
+        </p:blipFill>
+        <p:spPr>
+          <a:xfrm>
+            <a:off x="846214" y="670561"/>
+            <a:ext cx="10389031" cy="5660570"/>
+          </a:xfrm>
+        </p:spPr>
+      </p:pic>
     </p:spTree>
     <p:extLst>
       <p:ext uri="{BB962C8B-B14F-4D97-AF65-F5344CB8AC3E}">
-        <p14:creationId xmlns:p14="http://schemas.microsoft.com/office/powerpoint/2010/main" val="2662980775"/>
+        <p14:creationId xmlns:p14="http://schemas.microsoft.com/office/powerpoint/2010/main" val="3713550294"/>
       </p:ext>
     </p:extLst>
   </p:cSld>
   <p:clrMapOvr>
     <a:masterClrMapping/>
   </p:clrMapOvr>
-  <p:timing>
-    <p:tnLst>
-      <p:par>
-        <p:cTn id="1" dur="indefinite" restart="never" nodeType="tmRoot"/>
-      </p:par>
-    </p:tnLst>
-  </p:timing>
 </p:sld>
 </file>
 
@@ -7424,32 +6925,18 @@
           </a:bodyPr>
           <a:lstStyle/>
           <a:p>
-            <a:r>
-              <a:rPr lang="en-US" b="1" dirty="0" smtClean="0">
-                <a:latin typeface="Times New Roman" panose="02020603050405020304" pitchFamily="18" charset="0"/>
-                <a:cs typeface="Times New Roman" panose="02020603050405020304" pitchFamily="18" charset="0"/>
-              </a:rPr>
-              <a:t/>
-            </a:r>
             <a:br>
-              <a:rPr lang="en-US" b="1" dirty="0" smtClean="0">
+              <a:rPr lang="en-US" b="1" dirty="0">
                 <a:latin typeface="Times New Roman" panose="02020603050405020304" pitchFamily="18" charset="0"/>
                 <a:cs typeface="Times New Roman" panose="02020603050405020304" pitchFamily="18" charset="0"/>
               </a:rPr>
             </a:br>
             <a:r>
-              <a:rPr lang="en-US" b="1" dirty="0" smtClean="0">
+              <a:rPr lang="en-US" b="1" dirty="0">
                 <a:latin typeface="Times New Roman" panose="02020603050405020304" pitchFamily="18" charset="0"/>
                 <a:cs typeface="Times New Roman" panose="02020603050405020304" pitchFamily="18" charset="0"/>
               </a:rPr>
               <a:t>Introduction</a:t>
-            </a:r>
-            <a:r>
-              <a:rPr lang="en-US" b="1" dirty="0">
-                <a:latin typeface="Times New Roman" panose="02020603050405020304" pitchFamily="18" charset="0"/>
-                <a:cs typeface="Times New Roman" panose="02020603050405020304" pitchFamily="18" charset="0"/>
-              </a:rPr>
-              <a:t/>
             </a:r>
             <a:br>
               <a:rPr lang="en-US" b="1" dirty="0">
@@ -7489,37 +6976,33 @@
               <a:t>Versions of </a:t>
             </a:r>
             <a:r>
-              <a:rPr lang="en-US" sz="2400" dirty="0" err="1" smtClean="0">
+              <a:rPr lang="en-US" sz="2400" dirty="0" err="1">
                 <a:latin typeface="Times New Roman" panose="02020603050405020304" pitchFamily="18" charset="0"/>
                 <a:cs typeface="Times New Roman" panose="02020603050405020304" pitchFamily="18" charset="0"/>
               </a:rPr>
               <a:t>Anguar</a:t>
             </a:r>
             <a:r>
-              <a:rPr lang="en-US" sz="2400" dirty="0" smtClean="0">
+              <a:rPr lang="en-US" sz="2400" dirty="0">
                 <a:latin typeface="Times New Roman" panose="02020603050405020304" pitchFamily="18" charset="0"/>
                 <a:cs typeface="Times New Roman" panose="02020603050405020304" pitchFamily="18" charset="0"/>
               </a:rPr>
               <a:t>: </a:t>
             </a:r>
             <a:r>
-              <a:rPr lang="en-US" sz="2400" dirty="0" err="1" smtClean="0">
+              <a:rPr lang="en-US" sz="2400" dirty="0" err="1">
                 <a:latin typeface="Times New Roman" panose="02020603050405020304" pitchFamily="18" charset="0"/>
                 <a:cs typeface="Times New Roman" panose="02020603050405020304" pitchFamily="18" charset="0"/>
               </a:rPr>
               <a:t>Lastest</a:t>
             </a:r>
             <a:r>
-              <a:rPr lang="en-US" sz="2400" dirty="0" smtClean="0">
+              <a:rPr lang="en-US" sz="2400" dirty="0">
                 <a:latin typeface="Times New Roman" panose="02020603050405020304" pitchFamily="18" charset="0"/>
                 <a:cs typeface="Times New Roman" panose="02020603050405020304" pitchFamily="18" charset="0"/>
               </a:rPr>
               <a:t> Angular 7</a:t>
             </a:r>
-            <a:endParaRPr lang="en-US" sz="2400" dirty="0">
-              <a:latin typeface="Times New Roman" panose="02020603050405020304" pitchFamily="18" charset="0"/>
-              <a:cs typeface="Times New Roman" panose="02020603050405020304" pitchFamily="18" charset="0"/>
-            </a:endParaRPr>
           </a:p>
           <a:p>
             <a:r>
@@ -7527,19 +7010,8 @@
                 <a:latin typeface="Times New Roman" panose="02020603050405020304" pitchFamily="18" charset="0"/>
                 <a:cs typeface="Times New Roman" panose="02020603050405020304" pitchFamily="18" charset="0"/>
               </a:rPr>
-              <a:t>Language </a:t>
-            </a:r>
-            <a:r>
-              <a:rPr lang="en-US" sz="2400" dirty="0" smtClean="0">
-                <a:latin typeface="Times New Roman" panose="02020603050405020304" pitchFamily="18" charset="0"/>
-                <a:cs typeface="Times New Roman" panose="02020603050405020304" pitchFamily="18" charset="0"/>
-              </a:rPr>
-              <a:t>using: Typescript</a:t>
-            </a:r>
-            <a:endParaRPr lang="en-US" sz="2400" dirty="0">
-              <a:latin typeface="Times New Roman" panose="02020603050405020304" pitchFamily="18" charset="0"/>
-              <a:cs typeface="Times New Roman" panose="02020603050405020304" pitchFamily="18" charset="0"/>
-            </a:endParaRPr>
+              <a:t>Language using: Typescript</a:t>
+            </a:r>
           </a:p>
           <a:p>
             <a:r>
@@ -7547,19 +7019,8 @@
                 <a:latin typeface="Times New Roman" panose="02020603050405020304" pitchFamily="18" charset="0"/>
                 <a:cs typeface="Times New Roman" panose="02020603050405020304" pitchFamily="18" charset="0"/>
               </a:rPr>
-              <a:t>Selecting an </a:t>
-            </a:r>
-            <a:r>
-              <a:rPr lang="en-US" sz="2400" dirty="0" smtClean="0">
-                <a:latin typeface="Times New Roman" panose="02020603050405020304" pitchFamily="18" charset="0"/>
-                <a:cs typeface="Times New Roman" panose="02020603050405020304" pitchFamily="18" charset="0"/>
-              </a:rPr>
-              <a:t>Editor: VS Code (recommend)</a:t>
-            </a:r>
-            <a:endParaRPr lang="en-US" sz="2400" dirty="0">
-              <a:latin typeface="Times New Roman" panose="02020603050405020304" pitchFamily="18" charset="0"/>
-              <a:cs typeface="Times New Roman" panose="02020603050405020304" pitchFamily="18" charset="0"/>
-            </a:endParaRPr>
+              <a:t>Selecting an Editor: VS Code (recommend)</a:t>
+            </a:r>
           </a:p>
           <a:p>
             <a:r>
@@ -7567,61 +7028,50 @@
                 <a:latin typeface="Times New Roman" panose="02020603050405020304" pitchFamily="18" charset="0"/>
                 <a:cs typeface="Times New Roman" panose="02020603050405020304" pitchFamily="18" charset="0"/>
               </a:rPr>
-              <a:t>Setting up Our </a:t>
-            </a:r>
-            <a:r>
-              <a:rPr lang="en-US" sz="2400" dirty="0" smtClean="0">
-                <a:latin typeface="Times New Roman" panose="02020603050405020304" pitchFamily="18" charset="0"/>
-                <a:cs typeface="Times New Roman" panose="02020603050405020304" pitchFamily="18" charset="0"/>
-              </a:rPr>
-              <a:t>Environment: </a:t>
-            </a:r>
-            <a:r>
-              <a:rPr lang="en-US" sz="2400" dirty="0" err="1" smtClean="0">
+              <a:t>Setting up Our Environment: </a:t>
+            </a:r>
+            <a:r>
+              <a:rPr lang="en-US" sz="2400" dirty="0" err="1">
                 <a:latin typeface="Times New Roman" panose="02020603050405020304" pitchFamily="18" charset="0"/>
                 <a:cs typeface="Times New Roman" panose="02020603050405020304" pitchFamily="18" charset="0"/>
               </a:rPr>
               <a:t>NodeJS</a:t>
             </a:r>
             <a:r>
-              <a:rPr lang="en-US" sz="2400" dirty="0" smtClean="0">
+              <a:rPr lang="en-US" sz="2400" dirty="0">
                 <a:latin typeface="Times New Roman" panose="02020603050405020304" pitchFamily="18" charset="0"/>
                 <a:cs typeface="Times New Roman" panose="02020603050405020304" pitchFamily="18" charset="0"/>
               </a:rPr>
               <a:t>, Angular CLI, TS lint, </a:t>
             </a:r>
             <a:r>
-              <a:rPr lang="en-US" sz="2400" dirty="0" err="1" smtClean="0">
+              <a:rPr lang="en-US" sz="2400" dirty="0" err="1">
                 <a:latin typeface="Times New Roman" panose="02020603050405020304" pitchFamily="18" charset="0"/>
                 <a:cs typeface="Times New Roman" panose="02020603050405020304" pitchFamily="18" charset="0"/>
               </a:rPr>
               <a:t>cmder</a:t>
             </a:r>
             <a:r>
-              <a:rPr lang="en-US" sz="2400" dirty="0" smtClean="0">
+              <a:rPr lang="en-US" sz="2400" dirty="0">
                 <a:latin typeface="Times New Roman" panose="02020603050405020304" pitchFamily="18" charset="0"/>
                 <a:cs typeface="Times New Roman" panose="02020603050405020304" pitchFamily="18" charset="0"/>
               </a:rPr>
               <a:t>, </a:t>
             </a:r>
             <a:r>
-              <a:rPr lang="en-US" sz="2400" dirty="0" err="1" smtClean="0">
+              <a:rPr lang="en-US" sz="2400" dirty="0" err="1">
                 <a:latin typeface="Times New Roman" panose="02020603050405020304" pitchFamily="18" charset="0"/>
                 <a:cs typeface="Times New Roman" panose="02020603050405020304" pitchFamily="18" charset="0"/>
               </a:rPr>
               <a:t>dotnet</a:t>
             </a:r>
             <a:r>
-              <a:rPr lang="en-US" sz="2400" dirty="0" smtClean="0">
+              <a:rPr lang="en-US" sz="2400" dirty="0">
                 <a:latin typeface="Times New Roman" panose="02020603050405020304" pitchFamily="18" charset="0"/>
                 <a:cs typeface="Times New Roman" panose="02020603050405020304" pitchFamily="18" charset="0"/>
               </a:rPr>
               <a:t> core, VS 2019, SQL Server </a:t>
             </a:r>
-            <a:endParaRPr lang="en-US" sz="2400" dirty="0">
-              <a:latin typeface="Times New Roman" panose="02020603050405020304" pitchFamily="18" charset="0"/>
-              <a:cs typeface="Times New Roman" panose="02020603050405020304" pitchFamily="18" charset="0"/>
-            </a:endParaRPr>
           </a:p>
           <a:p>
             <a:r>
@@ -7629,33 +7079,22 @@
                 <a:latin typeface="Times New Roman" panose="02020603050405020304" pitchFamily="18" charset="0"/>
                 <a:cs typeface="Times New Roman" panose="02020603050405020304" pitchFamily="18" charset="0"/>
               </a:rPr>
-              <a:t>What We'll Be </a:t>
-            </a:r>
-            <a:r>
-              <a:rPr lang="en-US" sz="2400" dirty="0" smtClean="0">
-                <a:latin typeface="Times New Roman" panose="02020603050405020304" pitchFamily="18" charset="0"/>
-                <a:cs typeface="Times New Roman" panose="02020603050405020304" pitchFamily="18" charset="0"/>
-              </a:rPr>
-              <a:t>Building:  SPA (Single page application) power by </a:t>
-            </a:r>
-            <a:r>
-              <a:rPr lang="en-US" sz="2400" dirty="0" err="1" smtClean="0">
+              <a:t>What We'll Be Building:  SPA (Single page application) power by </a:t>
+            </a:r>
+            <a:r>
+              <a:rPr lang="en-US" sz="2400" dirty="0" err="1">
                 <a:latin typeface="Times New Roman" panose="02020603050405020304" pitchFamily="18" charset="0"/>
                 <a:cs typeface="Times New Roman" panose="02020603050405020304" pitchFamily="18" charset="0"/>
               </a:rPr>
               <a:t>.Net</a:t>
             </a:r>
             <a:r>
-              <a:rPr lang="en-US" sz="2400" dirty="0" smtClean="0">
+              <a:rPr lang="en-US" sz="2400" dirty="0">
                 <a:latin typeface="Times New Roman" panose="02020603050405020304" pitchFamily="18" charset="0"/>
                 <a:cs typeface="Times New Roman" panose="02020603050405020304" pitchFamily="18" charset="0"/>
               </a:rPr>
               <a:t> Core as back end</a:t>
             </a:r>
-            <a:endParaRPr lang="en-US" sz="2400" dirty="0">
-              <a:latin typeface="Times New Roman" panose="02020603050405020304" pitchFamily="18" charset="0"/>
-              <a:cs typeface="Times New Roman" panose="02020603050405020304" pitchFamily="18" charset="0"/>
-            </a:endParaRPr>
           </a:p>
           <a:p>
             <a:r>
@@ -7663,21 +7102,7 @@
                 <a:latin typeface="Times New Roman" panose="02020603050405020304" pitchFamily="18" charset="0"/>
                 <a:cs typeface="Times New Roman" panose="02020603050405020304" pitchFamily="18" charset="0"/>
               </a:rPr>
-              <a:t>Overview of </a:t>
-            </a:r>
-            <a:r>
-              <a:rPr lang="en-US" sz="2400" dirty="0" smtClean="0">
-                <a:latin typeface="Times New Roman" panose="02020603050405020304" pitchFamily="18" charset="0"/>
-                <a:cs typeface="Times New Roman" panose="02020603050405020304" pitchFamily="18" charset="0"/>
-              </a:rPr>
-              <a:t>Angular: </a:t>
-            </a:r>
-            <a:r>
-              <a:rPr lang="en-US" sz="2400" dirty="0">
-                <a:latin typeface="Times New Roman" panose="02020603050405020304" pitchFamily="18" charset="0"/>
-                <a:cs typeface="Times New Roman" panose="02020603050405020304" pitchFamily="18" charset="0"/>
-              </a:rPr>
-              <a:t>Angular is a platform and framework for building client applications in HTML and </a:t>
+              <a:t>Overview of Angular: Angular is a platform and framework for building client applications in HTML and </a:t>
             </a:r>
             <a:r>
               <a:rPr lang="en-US" sz="2400" dirty="0" err="1">
@@ -7734,13 +7159,158 @@
   <p:clrMapOvr>
     <a:masterClrMapping/>
   </p:clrMapOvr>
-  <p:timing>
-    <p:tnLst>
-      <p:par>
-        <p:cTn id="1" dur="indefinite" restart="never" nodeType="tmRoot"/>
-      </p:par>
-    </p:tnLst>
-  </p:timing>
+</p:sld>
+</file>
+
+<file path=ppt/slides/slide20.xml><?xml version="1.0" encoding="utf-8"?>
+<p:sld xmlns:a="http://schemas.openxmlformats.org/drawingml/2006/main" xmlns:r="http://schemas.openxmlformats.org/officeDocument/2006/relationships" xmlns:p="http://schemas.openxmlformats.org/presentationml/2006/main">
+  <p:cSld>
+    <p:spTree>
+      <p:nvGrpSpPr>
+        <p:cNvPr id="1" name=""/>
+        <p:cNvGrpSpPr/>
+        <p:nvPr/>
+      </p:nvGrpSpPr>
+      <p:grpSpPr>
+        <a:xfrm>
+          <a:off x="0" y="0"/>
+          <a:ext cx="0" cy="0"/>
+          <a:chOff x="0" y="0"/>
+          <a:chExt cx="0" cy="0"/>
+        </a:xfrm>
+      </p:grpSpPr>
+      <p:sp>
+        <p:nvSpPr>
+          <p:cNvPr id="2" name="Title 1">
+            <a:extLst>
+              <a:ext uri="{FF2B5EF4-FFF2-40B4-BE49-F238E27FC236}">
+                <a16:creationId xmlns:a16="http://schemas.microsoft.com/office/drawing/2014/main" id="{159757B6-80F7-4930-B530-65D40C6AAA2B}"/>
+              </a:ext>
+            </a:extLst>
+          </p:cNvPr>
+          <p:cNvSpPr>
+            <a:spLocks noGrp="1"/>
+          </p:cNvSpPr>
+          <p:nvPr>
+            <p:ph type="title"/>
+          </p:nvPr>
+        </p:nvSpPr>
+        <p:spPr/>
+        <p:txBody>
+          <a:bodyPr>
+            <a:normAutofit fontScale="90000"/>
+          </a:bodyPr>
+          <a:lstStyle/>
+          <a:p>
+            <a:br>
+              <a:rPr lang="en-US" dirty="0">
+                <a:latin typeface="Times New Roman" panose="02020603050405020304" pitchFamily="18" charset="0"/>
+                <a:cs typeface="Times New Roman" panose="02020603050405020304" pitchFamily="18" charset="0"/>
+              </a:rPr>
+            </a:br>
+            <a:r>
+              <a:rPr lang="en-US" dirty="0">
+                <a:latin typeface="Times New Roman" panose="02020603050405020304" pitchFamily="18" charset="0"/>
+                <a:cs typeface="Times New Roman" panose="02020603050405020304" pitchFamily="18" charset="0"/>
+              </a:rPr>
+              <a:t>TypeScript - Generic</a:t>
+            </a:r>
+            <a:br>
+              <a:rPr lang="en-US" dirty="0">
+                <a:latin typeface="Times New Roman" panose="02020603050405020304" pitchFamily="18" charset="0"/>
+                <a:cs typeface="Times New Roman" panose="02020603050405020304" pitchFamily="18" charset="0"/>
+              </a:rPr>
+            </a:br>
+            <a:endParaRPr lang="en-US" dirty="0">
+              <a:latin typeface="Times New Roman" panose="02020603050405020304" pitchFamily="18" charset="0"/>
+              <a:cs typeface="Times New Roman" panose="02020603050405020304" pitchFamily="18" charset="0"/>
+            </a:endParaRPr>
+          </a:p>
+        </p:txBody>
+      </p:sp>
+      <p:sp>
+        <p:nvSpPr>
+          <p:cNvPr id="3" name="Content Placeholder 2">
+            <a:extLst>
+              <a:ext uri="{FF2B5EF4-FFF2-40B4-BE49-F238E27FC236}">
+                <a16:creationId xmlns:a16="http://schemas.microsoft.com/office/drawing/2014/main" id="{9FE13484-3844-4DDF-BFBA-ACA0E64B2915}"/>
+              </a:ext>
+            </a:extLst>
+          </p:cNvPr>
+          <p:cNvSpPr>
+            <a:spLocks noGrp="1"/>
+          </p:cNvSpPr>
+          <p:nvPr>
+            <p:ph idx="1"/>
+          </p:nvPr>
+        </p:nvSpPr>
+        <p:spPr/>
+        <p:txBody>
+          <a:bodyPr/>
+          <a:lstStyle/>
+          <a:p>
+            <a:r>
+              <a:rPr lang="en-US" dirty="0">
+                <a:latin typeface="Times New Roman" panose="02020603050405020304" pitchFamily="18" charset="0"/>
+                <a:cs typeface="Times New Roman" panose="02020603050405020304" pitchFamily="18" charset="0"/>
+              </a:rPr>
+              <a:t>Generics offer a way to create reusable components or services. Generics provide a way to make components work with any data type and not restrict to one data type. So, components can be called or used with a variety of data types.</a:t>
+            </a:r>
+          </a:p>
+          <a:p>
+            <a:endParaRPr lang="en-US" dirty="0">
+              <a:latin typeface="Times New Roman" panose="02020603050405020304" pitchFamily="18" charset="0"/>
+              <a:cs typeface="Times New Roman" panose="02020603050405020304" pitchFamily="18" charset="0"/>
+            </a:endParaRPr>
+          </a:p>
+        </p:txBody>
+      </p:sp>
+      <p:pic>
+        <p:nvPicPr>
+          <p:cNvPr id="7" name="Picture 6">
+            <a:extLst>
+              <a:ext uri="{FF2B5EF4-FFF2-40B4-BE49-F238E27FC236}">
+                <a16:creationId xmlns:a16="http://schemas.microsoft.com/office/drawing/2014/main" id="{32CA38FA-0E90-4306-B5D0-3CEA1A7E35E2}"/>
+              </a:ext>
+            </a:extLst>
+          </p:cNvPr>
+          <p:cNvPicPr>
+            <a:picLocks noChangeAspect="1"/>
+          </p:cNvPicPr>
+          <p:nvPr/>
+        </p:nvPicPr>
+        <p:blipFill>
+          <a:blip r:embed="rId2">
+            <a:extLst>
+              <a:ext uri="{28A0092B-C50C-407E-A947-70E740481C1C}">
+                <a14:useLocalDpi xmlns:a14="http://schemas.microsoft.com/office/drawing/2010/main" val="0"/>
+              </a:ext>
+            </a:extLst>
+          </a:blip>
+          <a:stretch>
+            <a:fillRect/>
+          </a:stretch>
+        </p:blipFill>
+        <p:spPr>
+          <a:xfrm>
+            <a:off x="1175719" y="3168137"/>
+            <a:ext cx="7501750" cy="3577895"/>
+          </a:xfrm>
+          <a:prstGeom prst="rect">
+            <a:avLst/>
+          </a:prstGeom>
+        </p:spPr>
+      </p:pic>
+    </p:spTree>
+    <p:extLst>
+      <p:ext uri="{BB962C8B-B14F-4D97-AF65-F5344CB8AC3E}">
+        <p14:creationId xmlns:p14="http://schemas.microsoft.com/office/powerpoint/2010/main" val="2482753354"/>
+      </p:ext>
+    </p:extLst>
+  </p:cSld>
+  <p:clrMapOvr>
+    <a:masterClrMapping/>
+  </p:clrMapOvr>
 </p:sld>
 </file>
 
@@ -7771,372 +7341,452 @@
             <p:ph type="title"/>
           </p:nvPr>
         </p:nvSpPr>
-        <p:spPr/>
+        <p:spPr>
+          <a:xfrm>
+            <a:off x="1069848" y="0"/>
+            <a:ext cx="10058400" cy="1609344"/>
+          </a:xfrm>
+        </p:spPr>
+        <p:txBody>
+          <a:bodyPr/>
+          <a:lstStyle/>
+          <a:p>
+            <a:r>
+              <a:rPr lang="en-US" dirty="0">
+                <a:latin typeface="Times New Roman" panose="02020603050405020304" pitchFamily="18" charset="0"/>
+                <a:cs typeface="Times New Roman" panose="02020603050405020304" pitchFamily="18" charset="0"/>
+              </a:rPr>
+              <a:t>Architecture overview</a:t>
+            </a:r>
+          </a:p>
+        </p:txBody>
+      </p:sp>
+      <p:sp>
+        <p:nvSpPr>
+          <p:cNvPr id="3" name="Content Placeholder 2"/>
+          <p:cNvSpPr>
+            <a:spLocks noGrp="1"/>
+          </p:cNvSpPr>
+          <p:nvPr>
+            <p:ph idx="1"/>
+          </p:nvPr>
+        </p:nvSpPr>
+        <p:spPr>
+          <a:xfrm>
+            <a:off x="1069848" y="1337637"/>
+            <a:ext cx="10058400" cy="4050792"/>
+          </a:xfrm>
+        </p:spPr>
         <p:txBody>
           <a:bodyPr>
-            <a:normAutofit/>
+            <a:noAutofit/>
           </a:bodyPr>
           <a:lstStyle/>
           <a:p>
             <a:r>
-              <a:rPr lang="en-US" sz="4400" b="1" dirty="0">
-                <a:latin typeface="Times New Roman" panose="02020603050405020304" pitchFamily="18" charset="0"/>
-                <a:cs typeface="Times New Roman" panose="02020603050405020304" pitchFamily="18" charset="0"/>
-              </a:rPr>
-              <a:t>Introduction</a:t>
-            </a:r>
-            <a:r>
-              <a:rPr lang="en-US" sz="4400" b="1" dirty="0"/>
-              <a:t> to Typescript</a:t>
-            </a:r>
-          </a:p>
-        </p:txBody>
-      </p:sp>
-      <p:sp>
-        <p:nvSpPr>
-          <p:cNvPr id="3" name="Content Placeholder 2"/>
-          <p:cNvSpPr>
-            <a:spLocks noGrp="1"/>
-          </p:cNvSpPr>
-          <p:nvPr>
-            <p:ph idx="1"/>
-          </p:nvPr>
-        </p:nvSpPr>
-        <p:spPr/>
-        <p:txBody>
-          <a:bodyPr>
-            <a:normAutofit lnSpcReduction="10000"/>
-          </a:bodyPr>
-          <a:lstStyle/>
-          <a:p>
-            <a:r>
-              <a:rPr lang="en-US" sz="2200" b="1" dirty="0" smtClean="0">
-                <a:latin typeface="Times New Roman" panose="02020603050405020304" pitchFamily="18" charset="0"/>
-                <a:cs typeface="Times New Roman" panose="02020603050405020304" pitchFamily="18" charset="0"/>
-              </a:rPr>
-              <a:t>Install</a:t>
-            </a:r>
-            <a:r>
-              <a:rPr lang="en-US" sz="2200" dirty="0" smtClean="0">
-                <a:latin typeface="Times New Roman" panose="02020603050405020304" pitchFamily="18" charset="0"/>
-                <a:cs typeface="Times New Roman" panose="02020603050405020304" pitchFamily="18" charset="0"/>
-              </a:rPr>
-              <a:t> </a:t>
-            </a:r>
-            <a:r>
-              <a:rPr lang="en-US" sz="2200" dirty="0" err="1" smtClean="0">
-                <a:latin typeface="Times New Roman" panose="02020603050405020304" pitchFamily="18" charset="0"/>
-                <a:cs typeface="Times New Roman" panose="02020603050405020304" pitchFamily="18" charset="0"/>
-              </a:rPr>
-              <a:t>npm</a:t>
+              <a:rPr lang="en-US" sz="2200" i="1" dirty="0" err="1">
+                <a:latin typeface="Times New Roman" panose="02020603050405020304" pitchFamily="18" charset="0"/>
+                <a:cs typeface="Times New Roman" panose="02020603050405020304" pitchFamily="18" charset="0"/>
+              </a:rPr>
+              <a:t>NgModules</a:t>
+            </a:r>
+            <a:r>
+              <a:rPr lang="en-US" sz="2200" i="1" dirty="0">
+                <a:latin typeface="Times New Roman" panose="02020603050405020304" pitchFamily="18" charset="0"/>
+                <a:cs typeface="Times New Roman" panose="02020603050405020304" pitchFamily="18" charset="0"/>
+              </a:rPr>
+              <a:t>: </a:t>
             </a:r>
             <a:r>
               <a:rPr lang="en-US" sz="2200" dirty="0">
                 <a:latin typeface="Times New Roman" panose="02020603050405020304" pitchFamily="18" charset="0"/>
                 <a:cs typeface="Times New Roman" panose="02020603050405020304" pitchFamily="18" charset="0"/>
               </a:rPr>
-              <a:t> install -g </a:t>
-            </a:r>
-            <a:r>
-              <a:rPr lang="en-US" sz="2200" dirty="0" smtClean="0">
-                <a:latin typeface="Times New Roman" panose="02020603050405020304" pitchFamily="18" charset="0"/>
-                <a:cs typeface="Times New Roman" panose="02020603050405020304" pitchFamily="18" charset="0"/>
-              </a:rPr>
-              <a:t>typescript, </a:t>
-            </a:r>
-            <a:r>
-              <a:rPr lang="en-US" sz="2200" dirty="0" err="1" smtClean="0">
-                <a:latin typeface="Times New Roman" panose="02020603050405020304" pitchFamily="18" charset="0"/>
-                <a:cs typeface="Times New Roman" panose="02020603050405020304" pitchFamily="18" charset="0"/>
-              </a:rPr>
-              <a:t>tslint</a:t>
-            </a:r>
-            <a:endParaRPr lang="en-US" sz="2200" dirty="0" smtClean="0">
-              <a:latin typeface="Times New Roman" panose="02020603050405020304" pitchFamily="18" charset="0"/>
-              <a:cs typeface="Times New Roman" panose="02020603050405020304" pitchFamily="18" charset="0"/>
-            </a:endParaRPr>
-          </a:p>
-          <a:p>
-            <a:r>
-              <a:rPr lang="nl-NL" sz="2200" b="1" dirty="0" err="1" smtClean="0">
-                <a:latin typeface="Times New Roman" panose="02020603050405020304" pitchFamily="18" charset="0"/>
-                <a:cs typeface="Times New Roman" panose="02020603050405020304" pitchFamily="18" charset="0"/>
-              </a:rPr>
-              <a:t>Compile</a:t>
-            </a:r>
-            <a:r>
-              <a:rPr lang="nl-NL" sz="2200" b="1" dirty="0" smtClean="0">
-                <a:latin typeface="Times New Roman" panose="02020603050405020304" pitchFamily="18" charset="0"/>
-                <a:cs typeface="Times New Roman" panose="02020603050405020304" pitchFamily="18" charset="0"/>
-              </a:rPr>
-              <a:t> TS </a:t>
-            </a:r>
-            <a:r>
-              <a:rPr lang="nl-NL" sz="2200" dirty="0" err="1" smtClean="0">
-                <a:latin typeface="Times New Roman" panose="02020603050405020304" pitchFamily="18" charset="0"/>
-                <a:cs typeface="Times New Roman" panose="02020603050405020304" pitchFamily="18" charset="0"/>
-              </a:rPr>
-              <a:t>tsc</a:t>
-            </a:r>
-            <a:r>
-              <a:rPr lang="nl-NL" sz="2200" dirty="0" smtClean="0">
-                <a:latin typeface="Times New Roman" panose="02020603050405020304" pitchFamily="18" charset="0"/>
-                <a:cs typeface="Times New Roman" panose="02020603050405020304" pitchFamily="18" charset="0"/>
-              </a:rPr>
-              <a:t> typescript-file</a:t>
-            </a:r>
-          </a:p>
-          <a:p>
-            <a:r>
-              <a:rPr lang="nl-NL" sz="2200" b="1" dirty="0" smtClean="0">
-                <a:latin typeface="Times New Roman" panose="02020603050405020304" pitchFamily="18" charset="0"/>
-                <a:cs typeface="Times New Roman" panose="02020603050405020304" pitchFamily="18" charset="0"/>
-              </a:rPr>
-              <a:t>Let: </a:t>
-            </a:r>
-            <a:r>
-              <a:rPr lang="nl-NL" sz="2200" dirty="0" err="1" smtClean="0">
-                <a:latin typeface="Times New Roman" panose="02020603050405020304" pitchFamily="18" charset="0"/>
-                <a:cs typeface="Times New Roman" panose="02020603050405020304" pitchFamily="18" charset="0"/>
-              </a:rPr>
-              <a:t>avoid</a:t>
-            </a:r>
-            <a:r>
-              <a:rPr lang="nl-NL" sz="2200" dirty="0" smtClean="0">
-                <a:latin typeface="Times New Roman" panose="02020603050405020304" pitchFamily="18" charset="0"/>
-                <a:cs typeface="Times New Roman" panose="02020603050405020304" pitchFamily="18" charset="0"/>
-              </a:rPr>
-              <a:t> </a:t>
-            </a:r>
-            <a:r>
-              <a:rPr lang="nl-NL" sz="2200" dirty="0" err="1" smtClean="0">
-                <a:latin typeface="Times New Roman" panose="02020603050405020304" pitchFamily="18" charset="0"/>
-                <a:cs typeface="Times New Roman" panose="02020603050405020304" pitchFamily="18" charset="0"/>
-              </a:rPr>
-              <a:t>using</a:t>
-            </a:r>
-            <a:r>
-              <a:rPr lang="nl-NL" sz="2200" dirty="0" smtClean="0">
-                <a:latin typeface="Times New Roman" panose="02020603050405020304" pitchFamily="18" charset="0"/>
-                <a:cs typeface="Times New Roman" panose="02020603050405020304" pitchFamily="18" charset="0"/>
-              </a:rPr>
-              <a:t> </a:t>
-            </a:r>
-            <a:r>
-              <a:rPr lang="nl-NL" sz="2200" dirty="0" err="1" smtClean="0">
-                <a:latin typeface="Times New Roman" panose="02020603050405020304" pitchFamily="18" charset="0"/>
-                <a:cs typeface="Times New Roman" panose="02020603050405020304" pitchFamily="18" charset="0"/>
-              </a:rPr>
-              <a:t>variable</a:t>
-            </a:r>
-            <a:r>
-              <a:rPr lang="nl-NL" sz="2200" dirty="0" smtClean="0">
-                <a:latin typeface="Times New Roman" panose="02020603050405020304" pitchFamily="18" charset="0"/>
-                <a:cs typeface="Times New Roman" panose="02020603050405020304" pitchFamily="18" charset="0"/>
-              </a:rPr>
-              <a:t> </a:t>
-            </a:r>
-            <a:r>
-              <a:rPr lang="nl-NL" sz="2200" dirty="0" err="1" smtClean="0">
-                <a:latin typeface="Times New Roman" panose="02020603050405020304" pitchFamily="18" charset="0"/>
-                <a:cs typeface="Times New Roman" panose="02020603050405020304" pitchFamily="18" charset="0"/>
-              </a:rPr>
-              <a:t>before</a:t>
-            </a:r>
-            <a:r>
-              <a:rPr lang="nl-NL" sz="2200" dirty="0" smtClean="0">
-                <a:latin typeface="Times New Roman" panose="02020603050405020304" pitchFamily="18" charset="0"/>
-                <a:cs typeface="Times New Roman" panose="02020603050405020304" pitchFamily="18" charset="0"/>
-              </a:rPr>
-              <a:t> </a:t>
-            </a:r>
-            <a:r>
-              <a:rPr lang="nl-NL" sz="2200" dirty="0" err="1" smtClean="0">
-                <a:latin typeface="Times New Roman" panose="02020603050405020304" pitchFamily="18" charset="0"/>
-                <a:cs typeface="Times New Roman" panose="02020603050405020304" pitchFamily="18" charset="0"/>
-              </a:rPr>
-              <a:t>declare</a:t>
-            </a:r>
-            <a:endParaRPr lang="nl-NL" sz="2200" dirty="0" smtClean="0">
-              <a:latin typeface="Times New Roman" panose="02020603050405020304" pitchFamily="18" charset="0"/>
-              <a:cs typeface="Times New Roman" panose="02020603050405020304" pitchFamily="18" charset="0"/>
-            </a:endParaRPr>
-          </a:p>
-          <a:p>
-            <a:pPr marL="0" indent="0">
-              <a:buNone/>
-            </a:pPr>
-            <a:r>
-              <a:rPr lang="en-US" sz="2400" dirty="0" smtClean="0">
-                <a:latin typeface="Times New Roman" panose="02020603050405020304" pitchFamily="18" charset="0"/>
-                <a:cs typeface="Times New Roman" panose="02020603050405020304" pitchFamily="18" charset="0"/>
-              </a:rPr>
-              <a:t>let </a:t>
-            </a:r>
-            <a:r>
-              <a:rPr lang="en-US" sz="2400" dirty="0">
-                <a:latin typeface="Times New Roman" panose="02020603050405020304" pitchFamily="18" charset="0"/>
-                <a:cs typeface="Times New Roman" panose="02020603050405020304" pitchFamily="18" charset="0"/>
-              </a:rPr>
-              <a:t>hello = "Hello!";</a:t>
-            </a:r>
-            <a:endParaRPr lang="nl-NL" sz="2200" dirty="0" smtClean="0">
-              <a:latin typeface="Times New Roman" panose="02020603050405020304" pitchFamily="18" charset="0"/>
-              <a:cs typeface="Times New Roman" panose="02020603050405020304" pitchFamily="18" charset="0"/>
-            </a:endParaRPr>
-          </a:p>
-          <a:p>
-            <a:r>
-              <a:rPr lang="nl-NL" sz="2200" b="1" dirty="0" err="1" smtClean="0">
-                <a:latin typeface="Times New Roman" panose="02020603050405020304" pitchFamily="18" charset="0"/>
-                <a:cs typeface="Times New Roman" panose="02020603050405020304" pitchFamily="18" charset="0"/>
-              </a:rPr>
-              <a:t>Const</a:t>
-            </a:r>
-            <a:r>
-              <a:rPr lang="nl-NL" sz="2200" dirty="0" smtClean="0">
-                <a:latin typeface="Times New Roman" panose="02020603050405020304" pitchFamily="18" charset="0"/>
-                <a:cs typeface="Times New Roman" panose="02020603050405020304" pitchFamily="18" charset="0"/>
-              </a:rPr>
-              <a:t>: </a:t>
-            </a:r>
-            <a:r>
-              <a:rPr lang="nl-NL" sz="2200" dirty="0" err="1" smtClean="0">
-                <a:latin typeface="Times New Roman" panose="02020603050405020304" pitchFamily="18" charset="0"/>
-                <a:cs typeface="Times New Roman" panose="02020603050405020304" pitchFamily="18" charset="0"/>
-              </a:rPr>
-              <a:t>just</a:t>
-            </a:r>
-            <a:r>
-              <a:rPr lang="nl-NL" sz="2200" dirty="0" smtClean="0">
-                <a:latin typeface="Times New Roman" panose="02020603050405020304" pitchFamily="18" charset="0"/>
-                <a:cs typeface="Times New Roman" panose="02020603050405020304" pitchFamily="18" charset="0"/>
-              </a:rPr>
-              <a:t> like let but we </a:t>
-            </a:r>
-            <a:r>
-              <a:rPr lang="nl-NL" sz="2200" dirty="0" err="1" smtClean="0">
-                <a:latin typeface="Times New Roman" panose="02020603050405020304" pitchFamily="18" charset="0"/>
-                <a:cs typeface="Times New Roman" panose="02020603050405020304" pitchFamily="18" charset="0"/>
-              </a:rPr>
-              <a:t>cant</a:t>
-            </a:r>
-            <a:r>
-              <a:rPr lang="nl-NL" sz="2200" dirty="0" smtClean="0">
-                <a:latin typeface="Times New Roman" panose="02020603050405020304" pitchFamily="18" charset="0"/>
-                <a:cs typeface="Times New Roman" panose="02020603050405020304" pitchFamily="18" charset="0"/>
-              </a:rPr>
-              <a:t> </a:t>
-            </a:r>
-            <a:r>
-              <a:rPr lang="nl-NL" sz="2200" dirty="0" err="1" smtClean="0">
-                <a:latin typeface="Times New Roman" panose="02020603050405020304" pitchFamily="18" charset="0"/>
-                <a:cs typeface="Times New Roman" panose="02020603050405020304" pitchFamily="18" charset="0"/>
-              </a:rPr>
-              <a:t>reassign</a:t>
-            </a:r>
-            <a:r>
-              <a:rPr lang="nl-NL" sz="2200" dirty="0" smtClean="0">
-                <a:latin typeface="Times New Roman" panose="02020603050405020304" pitchFamily="18" charset="0"/>
-                <a:cs typeface="Times New Roman" panose="02020603050405020304" pitchFamily="18" charset="0"/>
-              </a:rPr>
-              <a:t> </a:t>
-            </a:r>
-            <a:r>
-              <a:rPr lang="nl-NL" sz="2200" dirty="0" err="1" smtClean="0">
-                <a:latin typeface="Times New Roman" panose="02020603050405020304" pitchFamily="18" charset="0"/>
-                <a:cs typeface="Times New Roman" panose="02020603050405020304" pitchFamily="18" charset="0"/>
-              </a:rPr>
-              <a:t>value</a:t>
-            </a:r>
-            <a:endParaRPr lang="nl-NL" sz="2200" dirty="0" smtClean="0">
-              <a:latin typeface="Times New Roman" panose="02020603050405020304" pitchFamily="18" charset="0"/>
-              <a:cs typeface="Times New Roman" panose="02020603050405020304" pitchFamily="18" charset="0"/>
-            </a:endParaRPr>
-          </a:p>
-          <a:p>
-            <a:pPr marL="0" indent="0">
-              <a:buNone/>
-            </a:pPr>
-            <a:r>
-              <a:rPr lang="en-US" sz="2400" dirty="0" err="1">
-                <a:latin typeface="Times New Roman" panose="02020603050405020304" pitchFamily="18" charset="0"/>
-                <a:cs typeface="Times New Roman" panose="02020603050405020304" pitchFamily="18" charset="0"/>
-              </a:rPr>
-              <a:t>const</a:t>
-            </a:r>
-            <a:r>
-              <a:rPr lang="en-US" sz="2400" dirty="0">
-                <a:latin typeface="Times New Roman" panose="02020603050405020304" pitchFamily="18" charset="0"/>
-                <a:cs typeface="Times New Roman" panose="02020603050405020304" pitchFamily="18" charset="0"/>
-              </a:rPr>
-              <a:t> </a:t>
-            </a:r>
-            <a:r>
-              <a:rPr lang="en-US" sz="2400" dirty="0" err="1">
-                <a:latin typeface="Times New Roman" panose="02020603050405020304" pitchFamily="18" charset="0"/>
-                <a:cs typeface="Times New Roman" panose="02020603050405020304" pitchFamily="18" charset="0"/>
-              </a:rPr>
-              <a:t>numLivesForCat</a:t>
-            </a:r>
-            <a:r>
-              <a:rPr lang="en-US" sz="2400" dirty="0">
-                <a:latin typeface="Times New Roman" panose="02020603050405020304" pitchFamily="18" charset="0"/>
-                <a:cs typeface="Times New Roman" panose="02020603050405020304" pitchFamily="18" charset="0"/>
-              </a:rPr>
-              <a:t> = 9;</a:t>
-            </a:r>
-            <a:endParaRPr lang="nl-NL" sz="2200" dirty="0" smtClean="0">
-              <a:latin typeface="Times New Roman" panose="02020603050405020304" pitchFamily="18" charset="0"/>
-              <a:cs typeface="Times New Roman" panose="02020603050405020304" pitchFamily="18" charset="0"/>
-            </a:endParaRPr>
-          </a:p>
-          <a:p>
-            <a:r>
-              <a:rPr lang="nl-NL" sz="2200" b="1" dirty="0" err="1" smtClean="0">
-                <a:latin typeface="Times New Roman" panose="02020603050405020304" pitchFamily="18" charset="0"/>
-                <a:cs typeface="Times New Roman" panose="02020603050405020304" pitchFamily="18" charset="0"/>
-              </a:rPr>
-              <a:t>Readonly</a:t>
-            </a:r>
-            <a:r>
-              <a:rPr lang="nl-NL" sz="2200" b="1" dirty="0" smtClean="0">
-                <a:latin typeface="Times New Roman" panose="02020603050405020304" pitchFamily="18" charset="0"/>
-                <a:cs typeface="Times New Roman" panose="02020603050405020304" pitchFamily="18" charset="0"/>
-              </a:rPr>
-              <a:t> </a:t>
-            </a:r>
-            <a:r>
-              <a:rPr lang="en-US" sz="2400" dirty="0">
-                <a:latin typeface="Times New Roman" panose="02020603050405020304" pitchFamily="18" charset="0"/>
-                <a:cs typeface="Times New Roman" panose="02020603050405020304" pitchFamily="18" charset="0"/>
-              </a:rPr>
-              <a:t>Read-only members can be accessed outside the class, but their value cannot be changed. Since read-only members cannot be changed outside the class, they either need to be initialized at declaration or initialized inside the class constructor.</a:t>
+              <a:t>basic building blocks of an Angular application an Angular app is defined by a set of </a:t>
+            </a:r>
+            <a:r>
+              <a:rPr lang="en-US" sz="2200" dirty="0" err="1">
+                <a:latin typeface="Times New Roman" panose="02020603050405020304" pitchFamily="18" charset="0"/>
+                <a:cs typeface="Times New Roman" panose="02020603050405020304" pitchFamily="18" charset="0"/>
+              </a:rPr>
+              <a:t>NgModules</a:t>
+            </a:r>
+            <a:r>
+              <a:rPr lang="en-US" sz="2200" dirty="0">
+                <a:latin typeface="Times New Roman" panose="02020603050405020304" pitchFamily="18" charset="0"/>
+                <a:cs typeface="Times New Roman" panose="02020603050405020304" pitchFamily="18" charset="0"/>
+              </a:rPr>
+              <a:t>. An app always has at least a </a:t>
+            </a:r>
+            <a:r>
+              <a:rPr lang="en-US" sz="2200" i="1" dirty="0">
+                <a:latin typeface="Times New Roman" panose="02020603050405020304" pitchFamily="18" charset="0"/>
+                <a:cs typeface="Times New Roman" panose="02020603050405020304" pitchFamily="18" charset="0"/>
+              </a:rPr>
+              <a:t>root module</a:t>
+            </a:r>
+            <a:r>
+              <a:rPr lang="en-US" sz="2200" dirty="0">
+                <a:latin typeface="Times New Roman" panose="02020603050405020304" pitchFamily="18" charset="0"/>
+                <a:cs typeface="Times New Roman" panose="02020603050405020304" pitchFamily="18" charset="0"/>
+              </a:rPr>
+              <a:t>  which provides the bootstrap mechanism that launches the application. and has many more </a:t>
+            </a:r>
+            <a:r>
+              <a:rPr lang="en-US" sz="2200" i="1" dirty="0">
+                <a:latin typeface="Times New Roman" panose="02020603050405020304" pitchFamily="18" charset="0"/>
+                <a:cs typeface="Times New Roman" panose="02020603050405020304" pitchFamily="18" charset="0"/>
+              </a:rPr>
+              <a:t>feature modules</a:t>
+            </a:r>
+            <a:r>
+              <a:rPr lang="en-US" sz="2200" dirty="0">
+                <a:latin typeface="Times New Roman" panose="02020603050405020304" pitchFamily="18" charset="0"/>
+                <a:cs typeface="Times New Roman" panose="02020603050405020304" pitchFamily="18" charset="0"/>
+              </a:rPr>
+              <a:t>.</a:t>
+            </a:r>
+          </a:p>
+          <a:p>
+            <a:r>
+              <a:rPr lang="nl-NL" sz="2200" dirty="0" err="1">
+                <a:latin typeface="Times New Roman" panose="02020603050405020304" pitchFamily="18" charset="0"/>
+                <a:cs typeface="Times New Roman" panose="02020603050405020304" pitchFamily="18" charset="0"/>
+              </a:rPr>
+              <a:t>Some</a:t>
+            </a:r>
+            <a:r>
+              <a:rPr lang="nl-NL" sz="2200" dirty="0">
+                <a:latin typeface="Times New Roman" panose="02020603050405020304" pitchFamily="18" charset="0"/>
+                <a:cs typeface="Times New Roman" panose="02020603050405020304" pitchFamily="18" charset="0"/>
+              </a:rPr>
+              <a:t> import </a:t>
+            </a:r>
+            <a:r>
+              <a:rPr lang="nl-NL" sz="2200" dirty="0" err="1">
+                <a:latin typeface="Times New Roman" panose="02020603050405020304" pitchFamily="18" charset="0"/>
+                <a:cs typeface="Times New Roman" panose="02020603050405020304" pitchFamily="18" charset="0"/>
+              </a:rPr>
+              <a:t>properties</a:t>
+            </a:r>
+            <a:r>
+              <a:rPr lang="nl-NL" sz="2200" dirty="0">
+                <a:latin typeface="Times New Roman" panose="02020603050405020304" pitchFamily="18" charset="0"/>
+                <a:cs typeface="Times New Roman" panose="02020603050405020304" pitchFamily="18" charset="0"/>
+              </a:rPr>
+              <a:t> of @</a:t>
+            </a:r>
+            <a:r>
+              <a:rPr lang="nl-NL" sz="2200" dirty="0" err="1">
+                <a:latin typeface="Times New Roman" panose="02020603050405020304" pitchFamily="18" charset="0"/>
+                <a:cs typeface="Times New Roman" panose="02020603050405020304" pitchFamily="18" charset="0"/>
+              </a:rPr>
+              <a:t>NgModules</a:t>
+            </a:r>
+            <a:r>
+              <a:rPr lang="nl-NL" sz="2200" dirty="0">
+                <a:latin typeface="Times New Roman" panose="02020603050405020304" pitchFamily="18" charset="0"/>
+                <a:cs typeface="Times New Roman" panose="02020603050405020304" pitchFamily="18" charset="0"/>
+              </a:rPr>
+              <a:t>:</a:t>
             </a:r>
             <a:endParaRPr lang="en-US" sz="2200" dirty="0">
               <a:latin typeface="Times New Roman" panose="02020603050405020304" pitchFamily="18" charset="0"/>
               <a:cs typeface="Times New Roman" panose="02020603050405020304" pitchFamily="18" charset="0"/>
             </a:endParaRPr>
           </a:p>
+          <a:p>
+            <a:pPr marL="457200" indent="-457200">
+              <a:buFont typeface="+mj-lt"/>
+              <a:buAutoNum type="arabicPeriod"/>
+            </a:pPr>
+            <a:r>
+              <a:rPr lang="en-US" sz="2200" i="1" dirty="0">
+                <a:latin typeface="Times New Roman" panose="02020603050405020304" pitchFamily="18" charset="0"/>
+                <a:cs typeface="Times New Roman" panose="02020603050405020304" pitchFamily="18" charset="0"/>
+              </a:rPr>
+              <a:t>declarations</a:t>
+            </a:r>
+            <a:r>
+              <a:rPr lang="en-US" sz="2200" dirty="0">
+                <a:latin typeface="Times New Roman" panose="02020603050405020304" pitchFamily="18" charset="0"/>
+                <a:cs typeface="Times New Roman" panose="02020603050405020304" pitchFamily="18" charset="0"/>
+              </a:rPr>
+              <a:t> — </a:t>
+            </a:r>
+            <a:r>
+              <a:rPr lang="en-US" sz="2200" i="1" dirty="0">
+                <a:latin typeface="Times New Roman" panose="02020603050405020304" pitchFamily="18" charset="0"/>
+                <a:cs typeface="Times New Roman" panose="02020603050405020304" pitchFamily="18" charset="0"/>
+              </a:rPr>
+              <a:t>Components</a:t>
+            </a:r>
+            <a:r>
+              <a:rPr lang="en-US" sz="2200" dirty="0">
+                <a:latin typeface="Times New Roman" panose="02020603050405020304" pitchFamily="18" charset="0"/>
+                <a:cs typeface="Times New Roman" panose="02020603050405020304" pitchFamily="18" charset="0"/>
+              </a:rPr>
+              <a:t>, </a:t>
+            </a:r>
+            <a:r>
+              <a:rPr lang="en-US" sz="2200" i="1" dirty="0">
+                <a:latin typeface="Times New Roman" panose="02020603050405020304" pitchFamily="18" charset="0"/>
+                <a:cs typeface="Times New Roman" panose="02020603050405020304" pitchFamily="18" charset="0"/>
+              </a:rPr>
+              <a:t>Directives</a:t>
+            </a:r>
+            <a:r>
+              <a:rPr lang="en-US" sz="2200" dirty="0">
+                <a:latin typeface="Times New Roman" panose="02020603050405020304" pitchFamily="18" charset="0"/>
+                <a:cs typeface="Times New Roman" panose="02020603050405020304" pitchFamily="18" charset="0"/>
+              </a:rPr>
+              <a:t>, and </a:t>
+            </a:r>
+            <a:r>
+              <a:rPr lang="en-US" sz="2200" i="1" dirty="0">
+                <a:latin typeface="Times New Roman" panose="02020603050405020304" pitchFamily="18" charset="0"/>
+                <a:cs typeface="Times New Roman" panose="02020603050405020304" pitchFamily="18" charset="0"/>
+              </a:rPr>
+              <a:t>Pipes</a:t>
+            </a:r>
+            <a:r>
+              <a:rPr lang="en-US" sz="2200" dirty="0">
+                <a:latin typeface="Times New Roman" panose="02020603050405020304" pitchFamily="18" charset="0"/>
+                <a:cs typeface="Times New Roman" panose="02020603050405020304" pitchFamily="18" charset="0"/>
+              </a:rPr>
+              <a:t> that belong to the </a:t>
+            </a:r>
+            <a:r>
+              <a:rPr lang="en-US" sz="2200" i="1" dirty="0" err="1">
+                <a:latin typeface="Times New Roman" panose="02020603050405020304" pitchFamily="18" charset="0"/>
+                <a:cs typeface="Times New Roman" panose="02020603050405020304" pitchFamily="18" charset="0"/>
+              </a:rPr>
+              <a:t>NgModule</a:t>
+            </a:r>
+            <a:endParaRPr lang="en-US" sz="2200" dirty="0">
+              <a:latin typeface="Times New Roman" panose="02020603050405020304" pitchFamily="18" charset="0"/>
+              <a:cs typeface="Times New Roman" panose="02020603050405020304" pitchFamily="18" charset="0"/>
+            </a:endParaRPr>
+          </a:p>
+          <a:p>
+            <a:pPr marL="457200" indent="-457200">
+              <a:buFont typeface="+mj-lt"/>
+              <a:buAutoNum type="arabicPeriod"/>
+            </a:pPr>
+            <a:r>
+              <a:rPr lang="en-US" sz="2200" i="1" dirty="0">
+                <a:latin typeface="Times New Roman" panose="02020603050405020304" pitchFamily="18" charset="0"/>
+                <a:cs typeface="Times New Roman" panose="02020603050405020304" pitchFamily="18" charset="0"/>
+              </a:rPr>
+              <a:t>exports</a:t>
+            </a:r>
+            <a:r>
+              <a:rPr lang="en-US" sz="2200" dirty="0">
+                <a:latin typeface="Times New Roman" panose="02020603050405020304" pitchFamily="18" charset="0"/>
+                <a:cs typeface="Times New Roman" panose="02020603050405020304" pitchFamily="18" charset="0"/>
+              </a:rPr>
+              <a:t> — the subset of declarations that should be visible and usable in the </a:t>
+            </a:r>
+            <a:r>
+              <a:rPr lang="en-US" sz="2200" i="1" dirty="0">
+                <a:latin typeface="Times New Roman" panose="02020603050405020304" pitchFamily="18" charset="0"/>
+                <a:cs typeface="Times New Roman" panose="02020603050405020304" pitchFamily="18" charset="0"/>
+              </a:rPr>
+              <a:t>Components</a:t>
+            </a:r>
+            <a:r>
+              <a:rPr lang="en-US" sz="2200" dirty="0">
+                <a:latin typeface="Times New Roman" panose="02020603050405020304" pitchFamily="18" charset="0"/>
+                <a:cs typeface="Times New Roman" panose="02020603050405020304" pitchFamily="18" charset="0"/>
+              </a:rPr>
+              <a:t> of other </a:t>
+            </a:r>
+            <a:r>
+              <a:rPr lang="en-US" sz="2200" i="1" dirty="0" err="1">
+                <a:latin typeface="Times New Roman" panose="02020603050405020304" pitchFamily="18" charset="0"/>
+                <a:cs typeface="Times New Roman" panose="02020603050405020304" pitchFamily="18" charset="0"/>
+              </a:rPr>
+              <a:t>NgModules</a:t>
+            </a:r>
+            <a:endParaRPr lang="en-US" sz="2200" dirty="0">
+              <a:latin typeface="Times New Roman" panose="02020603050405020304" pitchFamily="18" charset="0"/>
+              <a:cs typeface="Times New Roman" panose="02020603050405020304" pitchFamily="18" charset="0"/>
+            </a:endParaRPr>
+          </a:p>
+          <a:p>
+            <a:pPr marL="457200" indent="-457200">
+              <a:buFont typeface="+mj-lt"/>
+              <a:buAutoNum type="arabicPeriod"/>
+            </a:pPr>
+            <a:r>
+              <a:rPr lang="en-US" sz="2200" i="1" dirty="0">
+                <a:latin typeface="Times New Roman" panose="02020603050405020304" pitchFamily="18" charset="0"/>
+                <a:cs typeface="Times New Roman" panose="02020603050405020304" pitchFamily="18" charset="0"/>
+              </a:rPr>
+              <a:t>imports</a:t>
+            </a:r>
+            <a:r>
+              <a:rPr lang="en-US" sz="2200" dirty="0">
+                <a:latin typeface="Times New Roman" panose="02020603050405020304" pitchFamily="18" charset="0"/>
+                <a:cs typeface="Times New Roman" panose="02020603050405020304" pitchFamily="18" charset="0"/>
+              </a:rPr>
+              <a:t> — other modules whose exported classes are needed by </a:t>
+            </a:r>
+            <a:r>
+              <a:rPr lang="en-US" sz="2200" i="1" dirty="0">
+                <a:latin typeface="Times New Roman" panose="02020603050405020304" pitchFamily="18" charset="0"/>
+                <a:cs typeface="Times New Roman" panose="02020603050405020304" pitchFamily="18" charset="0"/>
+              </a:rPr>
+              <a:t>Components</a:t>
+            </a:r>
+            <a:r>
+              <a:rPr lang="en-US" sz="2200" dirty="0">
+                <a:latin typeface="Times New Roman" panose="02020603050405020304" pitchFamily="18" charset="0"/>
+                <a:cs typeface="Times New Roman" panose="02020603050405020304" pitchFamily="18" charset="0"/>
+              </a:rPr>
+              <a:t> declared in the </a:t>
+            </a:r>
+            <a:r>
+              <a:rPr lang="en-US" sz="2200" i="1" dirty="0" err="1">
+                <a:latin typeface="Times New Roman" panose="02020603050405020304" pitchFamily="18" charset="0"/>
+                <a:cs typeface="Times New Roman" panose="02020603050405020304" pitchFamily="18" charset="0"/>
+              </a:rPr>
+              <a:t>NgModule</a:t>
+            </a:r>
+            <a:endParaRPr lang="en-US" sz="2200" dirty="0">
+              <a:latin typeface="Times New Roman" panose="02020603050405020304" pitchFamily="18" charset="0"/>
+              <a:cs typeface="Times New Roman" panose="02020603050405020304" pitchFamily="18" charset="0"/>
+            </a:endParaRPr>
+          </a:p>
+          <a:p>
+            <a:pPr marL="457200" indent="-457200">
+              <a:buFont typeface="+mj-lt"/>
+              <a:buAutoNum type="arabicPeriod"/>
+            </a:pPr>
+            <a:r>
+              <a:rPr lang="en-US" sz="2200" i="1" dirty="0">
+                <a:latin typeface="Times New Roman" panose="02020603050405020304" pitchFamily="18" charset="0"/>
+                <a:cs typeface="Times New Roman" panose="02020603050405020304" pitchFamily="18" charset="0"/>
+              </a:rPr>
+              <a:t>providers</a:t>
+            </a:r>
+            <a:r>
+              <a:rPr lang="en-US" sz="2200" dirty="0">
+                <a:latin typeface="Times New Roman" panose="02020603050405020304" pitchFamily="18" charset="0"/>
+                <a:cs typeface="Times New Roman" panose="02020603050405020304" pitchFamily="18" charset="0"/>
+              </a:rPr>
+              <a:t> — list of the needed </a:t>
+            </a:r>
+            <a:r>
+              <a:rPr lang="en-US" sz="2200" i="1" dirty="0">
+                <a:latin typeface="Times New Roman" panose="02020603050405020304" pitchFamily="18" charset="0"/>
+                <a:cs typeface="Times New Roman" panose="02020603050405020304" pitchFamily="18" charset="0"/>
+              </a:rPr>
+              <a:t>Services</a:t>
+            </a:r>
+            <a:r>
+              <a:rPr lang="en-US" sz="2200" dirty="0">
+                <a:latin typeface="Times New Roman" panose="02020603050405020304" pitchFamily="18" charset="0"/>
+                <a:cs typeface="Times New Roman" panose="02020603050405020304" pitchFamily="18" charset="0"/>
+              </a:rPr>
+              <a:t> that, because they are listed here, become are available app-wide</a:t>
+            </a:r>
+          </a:p>
+          <a:p>
+            <a:pPr marL="457200" indent="-457200">
+              <a:buFont typeface="+mj-lt"/>
+              <a:buAutoNum type="arabicPeriod"/>
+            </a:pPr>
+            <a:r>
+              <a:rPr lang="en-US" sz="2200" i="1" dirty="0">
+                <a:latin typeface="Times New Roman" panose="02020603050405020304" pitchFamily="18" charset="0"/>
+                <a:cs typeface="Times New Roman" panose="02020603050405020304" pitchFamily="18" charset="0"/>
+              </a:rPr>
+              <a:t>bootstrap</a:t>
+            </a:r>
+            <a:r>
+              <a:rPr lang="en-US" sz="2200" dirty="0">
+                <a:latin typeface="Times New Roman" panose="02020603050405020304" pitchFamily="18" charset="0"/>
+                <a:cs typeface="Times New Roman" panose="02020603050405020304" pitchFamily="18" charset="0"/>
+              </a:rPr>
+              <a:t> — the main application </a:t>
+            </a:r>
+            <a:r>
+              <a:rPr lang="en-US" sz="2200" i="1" dirty="0">
+                <a:latin typeface="Times New Roman" panose="02020603050405020304" pitchFamily="18" charset="0"/>
+                <a:cs typeface="Times New Roman" panose="02020603050405020304" pitchFamily="18" charset="0"/>
+              </a:rPr>
+              <a:t>View</a:t>
+            </a:r>
+            <a:r>
+              <a:rPr lang="en-US" sz="2200" dirty="0">
+                <a:latin typeface="Times New Roman" panose="02020603050405020304" pitchFamily="18" charset="0"/>
+                <a:cs typeface="Times New Roman" panose="02020603050405020304" pitchFamily="18" charset="0"/>
+              </a:rPr>
+              <a:t>, called the </a:t>
+            </a:r>
+            <a:r>
+              <a:rPr lang="en-US" sz="2200" i="1" dirty="0">
+                <a:latin typeface="Times New Roman" panose="02020603050405020304" pitchFamily="18" charset="0"/>
+                <a:cs typeface="Times New Roman" panose="02020603050405020304" pitchFamily="18" charset="0"/>
+              </a:rPr>
+              <a:t>Root Component</a:t>
+            </a:r>
+            <a:r>
+              <a:rPr lang="en-US" sz="2200" dirty="0">
+                <a:latin typeface="Times New Roman" panose="02020603050405020304" pitchFamily="18" charset="0"/>
+                <a:cs typeface="Times New Roman" panose="02020603050405020304" pitchFamily="18" charset="0"/>
+              </a:rPr>
+              <a:t>, which hosts all other app views. (only the </a:t>
+            </a:r>
+            <a:r>
+              <a:rPr lang="en-US" sz="2200" i="1" dirty="0">
+                <a:latin typeface="Times New Roman" panose="02020603050405020304" pitchFamily="18" charset="0"/>
+                <a:cs typeface="Times New Roman" panose="02020603050405020304" pitchFamily="18" charset="0"/>
+              </a:rPr>
+              <a:t>Root Module</a:t>
+            </a:r>
+            <a:r>
+              <a:rPr lang="en-US" sz="2200" dirty="0">
+                <a:latin typeface="Times New Roman" panose="02020603050405020304" pitchFamily="18" charset="0"/>
+                <a:cs typeface="Times New Roman" panose="02020603050405020304" pitchFamily="18" charset="0"/>
+              </a:rPr>
+              <a:t> should set this bootstrap property)</a:t>
+            </a:r>
+          </a:p>
+          <a:p>
+            <a:endParaRPr lang="en-US" sz="2200" dirty="0">
+              <a:latin typeface="Times New Roman" panose="02020603050405020304" pitchFamily="18" charset="0"/>
+              <a:cs typeface="Times New Roman" panose="02020603050405020304" pitchFamily="18" charset="0"/>
+            </a:endParaRPr>
+          </a:p>
+          <a:p>
+            <a:pPr marL="0" indent="0">
+              <a:buNone/>
+            </a:pPr>
+            <a:br>
+              <a:rPr lang="en-US" sz="2200" dirty="0">
+                <a:latin typeface="Times New Roman" panose="02020603050405020304" pitchFamily="18" charset="0"/>
+                <a:cs typeface="Times New Roman" panose="02020603050405020304" pitchFamily="18" charset="0"/>
+              </a:rPr>
+            </a:br>
+            <a:endParaRPr lang="en-US" sz="2200" dirty="0">
+              <a:latin typeface="Times New Roman" panose="02020603050405020304" pitchFamily="18" charset="0"/>
+              <a:cs typeface="Times New Roman" panose="02020603050405020304" pitchFamily="18" charset="0"/>
+            </a:endParaRPr>
+          </a:p>
         </p:txBody>
       </p:sp>
     </p:spTree>
     <p:extLst>
       <p:ext uri="{BB962C8B-B14F-4D97-AF65-F5344CB8AC3E}">
-        <p14:creationId xmlns:p14="http://schemas.microsoft.com/office/powerpoint/2010/main" val="857432714"/>
+        <p14:creationId xmlns:p14="http://schemas.microsoft.com/office/powerpoint/2010/main" val="3367615162"/>
       </p:ext>
     </p:extLst>
   </p:cSld>
   <p:clrMapOvr>
     <a:masterClrMapping/>
   </p:clrMapOvr>
-  <p:timing>
-    <p:tnLst>
-      <p:par>
-        <p:cTn id="1" dur="indefinite" restart="never" nodeType="tmRoot"/>
-      </p:par>
-    </p:tnLst>
-  </p:timing>
 </p:sld>
 </file>
 
@@ -8173,438 +7823,308 @@
           <a:lstStyle/>
           <a:p>
             <a:r>
-              <a:rPr lang="nl-NL" dirty="0" smtClean="0">
-                <a:latin typeface="Times New Roman" panose="02020603050405020304" pitchFamily="18" charset="0"/>
-                <a:cs typeface="Times New Roman" panose="02020603050405020304" pitchFamily="18" charset="0"/>
-              </a:rPr>
-              <a:t>Basic types in typescript</a:t>
-            </a:r>
-            <a:endParaRPr lang="en-US" dirty="0">
+              <a:rPr lang="en-US" dirty="0">
+                <a:latin typeface="Times New Roman" panose="02020603050405020304" pitchFamily="18" charset="0"/>
+                <a:cs typeface="Times New Roman" panose="02020603050405020304" pitchFamily="18" charset="0"/>
+              </a:rPr>
+              <a:t>Architecture</a:t>
+            </a:r>
+            <a:r>
+              <a:rPr lang="en-US" dirty="0"/>
+              <a:t> overview</a:t>
+            </a:r>
+          </a:p>
+        </p:txBody>
+      </p:sp>
+      <p:sp>
+        <p:nvSpPr>
+          <p:cNvPr id="3" name="Content Placeholder 2"/>
+          <p:cNvSpPr>
+            <a:spLocks noGrp="1"/>
+          </p:cNvSpPr>
+          <p:nvPr>
+            <p:ph idx="1"/>
+          </p:nvPr>
+        </p:nvSpPr>
+        <p:spPr/>
+        <p:txBody>
+          <a:bodyPr>
+            <a:normAutofit/>
+          </a:bodyPr>
+          <a:lstStyle/>
+          <a:p>
+            <a:r>
+              <a:rPr lang="en-US" sz="2200" b="1" dirty="0">
+                <a:latin typeface="Times New Roman" panose="02020603050405020304" pitchFamily="18" charset="0"/>
+                <a:cs typeface="Times New Roman" panose="02020603050405020304" pitchFamily="18" charset="0"/>
+              </a:rPr>
+              <a:t>Components: </a:t>
+            </a:r>
+            <a:r>
+              <a:rPr lang="en-US" sz="2200" dirty="0">
+                <a:latin typeface="Times New Roman" panose="02020603050405020304" pitchFamily="18" charset="0"/>
+                <a:cs typeface="Times New Roman" panose="02020603050405020304" pitchFamily="18" charset="0"/>
+              </a:rPr>
+              <a:t>A </a:t>
+            </a:r>
+            <a:r>
+              <a:rPr lang="en-US" sz="2200" i="1" dirty="0">
+                <a:latin typeface="Times New Roman" panose="02020603050405020304" pitchFamily="18" charset="0"/>
+                <a:cs typeface="Times New Roman" panose="02020603050405020304" pitchFamily="18" charset="0"/>
+              </a:rPr>
+              <a:t>Component</a:t>
+            </a:r>
+            <a:r>
+              <a:rPr lang="en-US" sz="2200" dirty="0">
+                <a:latin typeface="Times New Roman" panose="02020603050405020304" pitchFamily="18" charset="0"/>
+                <a:cs typeface="Times New Roman" panose="02020603050405020304" pitchFamily="18" charset="0"/>
+              </a:rPr>
+              <a:t> controls a screen called a </a:t>
+            </a:r>
+            <a:r>
+              <a:rPr lang="en-US" sz="2200" i="1" dirty="0">
+                <a:latin typeface="Times New Roman" panose="02020603050405020304" pitchFamily="18" charset="0"/>
+                <a:cs typeface="Times New Roman" panose="02020603050405020304" pitchFamily="18" charset="0"/>
+              </a:rPr>
+              <a:t>View</a:t>
+            </a:r>
+            <a:r>
+              <a:rPr lang="en-US" sz="2200" dirty="0">
+                <a:latin typeface="Times New Roman" panose="02020603050405020304" pitchFamily="18" charset="0"/>
+                <a:cs typeface="Times New Roman" panose="02020603050405020304" pitchFamily="18" charset="0"/>
+              </a:rPr>
+              <a:t>. The logic of a </a:t>
+            </a:r>
+            <a:r>
+              <a:rPr lang="en-US" sz="2200" i="1" dirty="0">
+                <a:latin typeface="Times New Roman" panose="02020603050405020304" pitchFamily="18" charset="0"/>
+                <a:cs typeface="Times New Roman" panose="02020603050405020304" pitchFamily="18" charset="0"/>
+              </a:rPr>
+              <a:t>Component</a:t>
+            </a:r>
+            <a:r>
+              <a:rPr lang="en-US" sz="2200" dirty="0">
+                <a:latin typeface="Times New Roman" panose="02020603050405020304" pitchFamily="18" charset="0"/>
+                <a:cs typeface="Times New Roman" panose="02020603050405020304" pitchFamily="18" charset="0"/>
+              </a:rPr>
+              <a:t> is defined inside a class. </a:t>
+            </a:r>
+            <a:r>
+              <a:rPr lang="en-US" sz="2200" i="1" dirty="0">
+                <a:latin typeface="Times New Roman" panose="02020603050405020304" pitchFamily="18" charset="0"/>
+                <a:cs typeface="Times New Roman" panose="02020603050405020304" pitchFamily="18" charset="0"/>
+              </a:rPr>
+              <a:t>Angular</a:t>
+            </a:r>
+            <a:r>
+              <a:rPr lang="en-US" sz="2200" dirty="0">
+                <a:latin typeface="Times New Roman" panose="02020603050405020304" pitchFamily="18" charset="0"/>
+                <a:cs typeface="Times New Roman" panose="02020603050405020304" pitchFamily="18" charset="0"/>
+              </a:rPr>
+              <a:t> creates, updates, and destroys </a:t>
+            </a:r>
+            <a:r>
+              <a:rPr lang="en-US" sz="2200" i="1" dirty="0">
+                <a:latin typeface="Times New Roman" panose="02020603050405020304" pitchFamily="18" charset="0"/>
+                <a:cs typeface="Times New Roman" panose="02020603050405020304" pitchFamily="18" charset="0"/>
+              </a:rPr>
+              <a:t>Components</a:t>
+            </a:r>
+            <a:r>
+              <a:rPr lang="en-US" sz="2200" dirty="0">
+                <a:latin typeface="Times New Roman" panose="02020603050405020304" pitchFamily="18" charset="0"/>
+                <a:cs typeface="Times New Roman" panose="02020603050405020304" pitchFamily="18" charset="0"/>
+              </a:rPr>
+              <a:t> as the user moves through the application.</a:t>
+            </a:r>
+          </a:p>
+          <a:p>
+            <a:r>
+              <a:rPr lang="en-US" sz="2200" dirty="0">
+                <a:latin typeface="Times New Roman" panose="02020603050405020304" pitchFamily="18" charset="0"/>
+                <a:cs typeface="Times New Roman" panose="02020603050405020304" pitchFamily="18" charset="0"/>
+              </a:rPr>
+              <a:t>A </a:t>
+            </a:r>
+            <a:r>
+              <a:rPr lang="en-US" sz="2200" i="1" dirty="0">
+                <a:latin typeface="Times New Roman" panose="02020603050405020304" pitchFamily="18" charset="0"/>
+                <a:cs typeface="Times New Roman" panose="02020603050405020304" pitchFamily="18" charset="0"/>
+              </a:rPr>
+              <a:t>Component</a:t>
+            </a:r>
+            <a:r>
+              <a:rPr lang="en-US" sz="2200" dirty="0">
+                <a:latin typeface="Times New Roman" panose="02020603050405020304" pitchFamily="18" charset="0"/>
+                <a:cs typeface="Times New Roman" panose="02020603050405020304" pitchFamily="18" charset="0"/>
+              </a:rPr>
+              <a:t> is identified by the “</a:t>
+            </a:r>
+            <a:r>
+              <a:rPr lang="en-US" sz="2200" i="1" dirty="0">
+                <a:latin typeface="Times New Roman" panose="02020603050405020304" pitchFamily="18" charset="0"/>
+                <a:cs typeface="Times New Roman" panose="02020603050405020304" pitchFamily="18" charset="0"/>
+              </a:rPr>
+              <a:t>@Component</a:t>
+            </a:r>
+            <a:r>
+              <a:rPr lang="en-US" sz="2200" dirty="0">
+                <a:latin typeface="Times New Roman" panose="02020603050405020304" pitchFamily="18" charset="0"/>
+                <a:cs typeface="Times New Roman" panose="02020603050405020304" pitchFamily="18" charset="0"/>
+              </a:rPr>
+              <a:t>” decorator that has a set of properties. The most import properties are the following ones:</a:t>
+            </a:r>
+          </a:p>
+          <a:p>
+            <a:r>
+              <a:rPr lang="en-US" sz="2200" i="1" dirty="0">
+                <a:latin typeface="Times New Roman" panose="02020603050405020304" pitchFamily="18" charset="0"/>
+                <a:cs typeface="Times New Roman" panose="02020603050405020304" pitchFamily="18" charset="0"/>
+              </a:rPr>
+              <a:t>selector</a:t>
+            </a:r>
+            <a:r>
+              <a:rPr lang="en-US" sz="2200" dirty="0">
+                <a:latin typeface="Times New Roman" panose="02020603050405020304" pitchFamily="18" charset="0"/>
+                <a:cs typeface="Times New Roman" panose="02020603050405020304" pitchFamily="18" charset="0"/>
+              </a:rPr>
+              <a:t> — tells how the component is referenced in </a:t>
+            </a:r>
+            <a:r>
+              <a:rPr lang="en-US" sz="2200" i="1" dirty="0">
+                <a:latin typeface="Times New Roman" panose="02020603050405020304" pitchFamily="18" charset="0"/>
+                <a:cs typeface="Times New Roman" panose="02020603050405020304" pitchFamily="18" charset="0"/>
+              </a:rPr>
+              <a:t>HTML</a:t>
+            </a:r>
+            <a:r>
+              <a:rPr lang="en-US" sz="2200" dirty="0">
+                <a:latin typeface="Times New Roman" panose="02020603050405020304" pitchFamily="18" charset="0"/>
+                <a:cs typeface="Times New Roman" panose="02020603050405020304" pitchFamily="18" charset="0"/>
+              </a:rPr>
+              <a:t>; in simple words, it corresponds to the </a:t>
+            </a:r>
+            <a:r>
+              <a:rPr lang="en-US" sz="2200" i="1" dirty="0">
+                <a:latin typeface="Times New Roman" panose="02020603050405020304" pitchFamily="18" charset="0"/>
+                <a:cs typeface="Times New Roman" panose="02020603050405020304" pitchFamily="18" charset="0"/>
+              </a:rPr>
+              <a:t>HTML</a:t>
+            </a:r>
+            <a:r>
+              <a:rPr lang="en-US" sz="2200" dirty="0">
+                <a:latin typeface="Times New Roman" panose="02020603050405020304" pitchFamily="18" charset="0"/>
+                <a:cs typeface="Times New Roman" panose="02020603050405020304" pitchFamily="18" charset="0"/>
+              </a:rPr>
+              <a:t> tag.</a:t>
+            </a:r>
+          </a:p>
+          <a:p>
+            <a:r>
+              <a:rPr lang="en-US" sz="2200" i="1" dirty="0" err="1">
+                <a:latin typeface="Times New Roman" panose="02020603050405020304" pitchFamily="18" charset="0"/>
+                <a:cs typeface="Times New Roman" panose="02020603050405020304" pitchFamily="18" charset="0"/>
+              </a:rPr>
+              <a:t>templateUrl</a:t>
+            </a:r>
+            <a:r>
+              <a:rPr lang="en-US" sz="2200" dirty="0">
+                <a:latin typeface="Times New Roman" panose="02020603050405020304" pitchFamily="18" charset="0"/>
+                <a:cs typeface="Times New Roman" panose="02020603050405020304" pitchFamily="18" charset="0"/>
+              </a:rPr>
+              <a:t> — gives the path of the </a:t>
+            </a:r>
+            <a:r>
+              <a:rPr lang="en-US" sz="2200" i="1" dirty="0">
+                <a:latin typeface="Times New Roman" panose="02020603050405020304" pitchFamily="18" charset="0"/>
+                <a:cs typeface="Times New Roman" panose="02020603050405020304" pitchFamily="18" charset="0"/>
+              </a:rPr>
+              <a:t>HTML</a:t>
+            </a:r>
+            <a:r>
+              <a:rPr lang="en-US" sz="2200" dirty="0">
+                <a:latin typeface="Times New Roman" panose="02020603050405020304" pitchFamily="18" charset="0"/>
+                <a:cs typeface="Times New Roman" panose="02020603050405020304" pitchFamily="18" charset="0"/>
+              </a:rPr>
+              <a:t> template.</a:t>
+            </a:r>
+          </a:p>
+          <a:p>
+            <a:r>
+              <a:rPr lang="en-US" sz="2200" i="1" dirty="0">
+                <a:latin typeface="Times New Roman" panose="02020603050405020304" pitchFamily="18" charset="0"/>
+                <a:cs typeface="Times New Roman" panose="02020603050405020304" pitchFamily="18" charset="0"/>
+              </a:rPr>
+              <a:t>providers</a:t>
+            </a:r>
+            <a:r>
+              <a:rPr lang="en-US" sz="2200" dirty="0">
+                <a:latin typeface="Times New Roman" panose="02020603050405020304" pitchFamily="18" charset="0"/>
+                <a:cs typeface="Times New Roman" panose="02020603050405020304" pitchFamily="18" charset="0"/>
+              </a:rPr>
+              <a:t> — an array of </a:t>
+            </a:r>
+            <a:r>
+              <a:rPr lang="en-US" sz="2200" i="1" dirty="0">
+                <a:latin typeface="Times New Roman" panose="02020603050405020304" pitchFamily="18" charset="0"/>
+                <a:cs typeface="Times New Roman" panose="02020603050405020304" pitchFamily="18" charset="0"/>
+              </a:rPr>
+              <a:t>Dependency Injection Providers</a:t>
+            </a:r>
+            <a:r>
+              <a:rPr lang="en-US" sz="2200" dirty="0">
+                <a:latin typeface="Times New Roman" panose="02020603050405020304" pitchFamily="18" charset="0"/>
+                <a:cs typeface="Times New Roman" panose="02020603050405020304" pitchFamily="18" charset="0"/>
+              </a:rPr>
+              <a:t> for </a:t>
+            </a:r>
+            <a:r>
+              <a:rPr lang="en-US" sz="2200" i="1" dirty="0">
+                <a:latin typeface="Times New Roman" panose="02020603050405020304" pitchFamily="18" charset="0"/>
+                <a:cs typeface="Times New Roman" panose="02020603050405020304" pitchFamily="18" charset="0"/>
+              </a:rPr>
+              <a:t>Services</a:t>
+            </a:r>
+            <a:r>
+              <a:rPr lang="en-US" sz="2200" dirty="0">
+                <a:latin typeface="Times New Roman" panose="02020603050405020304" pitchFamily="18" charset="0"/>
+                <a:cs typeface="Times New Roman" panose="02020603050405020304" pitchFamily="18" charset="0"/>
+              </a:rPr>
+              <a:t> that the </a:t>
+            </a:r>
+            <a:r>
+              <a:rPr lang="en-US" sz="2200" i="1" dirty="0">
+                <a:latin typeface="Times New Roman" panose="02020603050405020304" pitchFamily="18" charset="0"/>
+                <a:cs typeface="Times New Roman" panose="02020603050405020304" pitchFamily="18" charset="0"/>
+              </a:rPr>
+              <a:t>Component</a:t>
+            </a:r>
+            <a:r>
+              <a:rPr lang="en-US" sz="2200" dirty="0">
+                <a:latin typeface="Times New Roman" panose="02020603050405020304" pitchFamily="18" charset="0"/>
+                <a:cs typeface="Times New Roman" panose="02020603050405020304" pitchFamily="18" charset="0"/>
+              </a:rPr>
+              <a:t> requires.</a:t>
+            </a:r>
+          </a:p>
+          <a:p>
+            <a:endParaRPr lang="en-US" sz="2200" dirty="0">
               <a:latin typeface="Times New Roman" panose="02020603050405020304" pitchFamily="18" charset="0"/>
               <a:cs typeface="Times New Roman" panose="02020603050405020304" pitchFamily="18" charset="0"/>
             </a:endParaRPr>
           </a:p>
         </p:txBody>
       </p:sp>
-      <p:sp>
-        <p:nvSpPr>
-          <p:cNvPr id="3" name="Content Placeholder 2"/>
-          <p:cNvSpPr>
-            <a:spLocks noGrp="1"/>
-          </p:cNvSpPr>
-          <p:nvPr>
-            <p:ph idx="1"/>
-          </p:nvPr>
-        </p:nvSpPr>
-        <p:spPr/>
-        <p:txBody>
-          <a:bodyPr>
-            <a:noAutofit/>
-          </a:bodyPr>
-          <a:lstStyle/>
-          <a:p>
-            <a:r>
-              <a:rPr lang="en-US" b="1" dirty="0" smtClean="0">
-                <a:latin typeface="Times New Roman" panose="02020603050405020304" pitchFamily="18" charset="0"/>
-                <a:cs typeface="Times New Roman" panose="02020603050405020304" pitchFamily="18" charset="0"/>
-              </a:rPr>
-              <a:t>Boolean</a:t>
-            </a:r>
-            <a:r>
-              <a:rPr lang="en-US" dirty="0" smtClean="0">
-                <a:latin typeface="Times New Roman" panose="02020603050405020304" pitchFamily="18" charset="0"/>
-                <a:cs typeface="Times New Roman" panose="02020603050405020304" pitchFamily="18" charset="0"/>
-              </a:rPr>
-              <a:t> let </a:t>
-            </a:r>
-            <a:r>
-              <a:rPr lang="en-US" dirty="0" err="1">
-                <a:latin typeface="Times New Roman" panose="02020603050405020304" pitchFamily="18" charset="0"/>
-                <a:cs typeface="Times New Roman" panose="02020603050405020304" pitchFamily="18" charset="0"/>
-              </a:rPr>
-              <a:t>isDone</a:t>
-            </a:r>
-            <a:r>
-              <a:rPr lang="en-US" dirty="0">
-                <a:latin typeface="Times New Roman" panose="02020603050405020304" pitchFamily="18" charset="0"/>
-                <a:cs typeface="Times New Roman" panose="02020603050405020304" pitchFamily="18" charset="0"/>
-              </a:rPr>
-              <a:t>: </a:t>
-            </a:r>
-            <a:r>
-              <a:rPr lang="en-US" dirty="0" err="1">
-                <a:latin typeface="Times New Roman" panose="02020603050405020304" pitchFamily="18" charset="0"/>
-                <a:cs typeface="Times New Roman" panose="02020603050405020304" pitchFamily="18" charset="0"/>
-              </a:rPr>
-              <a:t>boolean</a:t>
-            </a:r>
-            <a:r>
-              <a:rPr lang="en-US" dirty="0">
-                <a:latin typeface="Times New Roman" panose="02020603050405020304" pitchFamily="18" charset="0"/>
-                <a:cs typeface="Times New Roman" panose="02020603050405020304" pitchFamily="18" charset="0"/>
-              </a:rPr>
-              <a:t> = false;</a:t>
-            </a:r>
-          </a:p>
-          <a:p>
-            <a:r>
-              <a:rPr lang="en-US" b="1" dirty="0" smtClean="0">
-                <a:latin typeface="Times New Roman" panose="02020603050405020304" pitchFamily="18" charset="0"/>
-                <a:cs typeface="Times New Roman" panose="02020603050405020304" pitchFamily="18" charset="0"/>
-              </a:rPr>
-              <a:t>Number</a:t>
-            </a:r>
-            <a:r>
-              <a:rPr lang="en-US" dirty="0" smtClean="0">
-                <a:latin typeface="Times New Roman" panose="02020603050405020304" pitchFamily="18" charset="0"/>
-                <a:cs typeface="Times New Roman" panose="02020603050405020304" pitchFamily="18" charset="0"/>
-              </a:rPr>
-              <a:t> let </a:t>
-            </a:r>
-            <a:r>
-              <a:rPr lang="en-US" dirty="0">
-                <a:latin typeface="Times New Roman" panose="02020603050405020304" pitchFamily="18" charset="0"/>
-                <a:cs typeface="Times New Roman" panose="02020603050405020304" pitchFamily="18" charset="0"/>
-              </a:rPr>
-              <a:t>decimal: number = 6</a:t>
-            </a:r>
-            <a:r>
-              <a:rPr lang="en-US" dirty="0" smtClean="0">
-                <a:latin typeface="Times New Roman" panose="02020603050405020304" pitchFamily="18" charset="0"/>
-                <a:cs typeface="Times New Roman" panose="02020603050405020304" pitchFamily="18" charset="0"/>
-              </a:rPr>
-              <a:t>;</a:t>
-            </a:r>
-          </a:p>
-          <a:p>
-            <a:r>
-              <a:rPr lang="en-US" b="1" dirty="0" smtClean="0">
-                <a:latin typeface="Times New Roman" panose="02020603050405020304" pitchFamily="18" charset="0"/>
-                <a:cs typeface="Times New Roman" panose="02020603050405020304" pitchFamily="18" charset="0"/>
-              </a:rPr>
-              <a:t>String</a:t>
-            </a:r>
-            <a:r>
-              <a:rPr lang="en-US" dirty="0" smtClean="0">
-                <a:latin typeface="Times New Roman" panose="02020603050405020304" pitchFamily="18" charset="0"/>
-                <a:cs typeface="Times New Roman" panose="02020603050405020304" pitchFamily="18" charset="0"/>
-              </a:rPr>
-              <a:t> let </a:t>
-            </a:r>
-            <a:r>
-              <a:rPr lang="en-US" dirty="0">
-                <a:latin typeface="Times New Roman" panose="02020603050405020304" pitchFamily="18" charset="0"/>
-                <a:cs typeface="Times New Roman" panose="02020603050405020304" pitchFamily="18" charset="0"/>
-              </a:rPr>
-              <a:t>color: string = "blue</a:t>
-            </a:r>
-            <a:r>
-              <a:rPr lang="en-US" dirty="0" smtClean="0">
-                <a:latin typeface="Times New Roman" panose="02020603050405020304" pitchFamily="18" charset="0"/>
-                <a:cs typeface="Times New Roman" panose="02020603050405020304" pitchFamily="18" charset="0"/>
-              </a:rPr>
-              <a:t>";</a:t>
-            </a:r>
-          </a:p>
-          <a:p>
-            <a:r>
-              <a:rPr lang="en-US" b="1" dirty="0" smtClean="0">
-                <a:latin typeface="Times New Roman" panose="02020603050405020304" pitchFamily="18" charset="0"/>
-                <a:cs typeface="Times New Roman" panose="02020603050405020304" pitchFamily="18" charset="0"/>
-              </a:rPr>
-              <a:t>Array</a:t>
-            </a:r>
-            <a:r>
-              <a:rPr lang="en-US" dirty="0" smtClean="0">
-                <a:latin typeface="Times New Roman" panose="02020603050405020304" pitchFamily="18" charset="0"/>
-                <a:cs typeface="Times New Roman" panose="02020603050405020304" pitchFamily="18" charset="0"/>
-              </a:rPr>
-              <a:t> let </a:t>
-            </a:r>
-            <a:r>
-              <a:rPr lang="en-US" dirty="0">
-                <a:latin typeface="Times New Roman" panose="02020603050405020304" pitchFamily="18" charset="0"/>
-                <a:cs typeface="Times New Roman" panose="02020603050405020304" pitchFamily="18" charset="0"/>
-              </a:rPr>
-              <a:t>list: number[] = [1, 2, 3];</a:t>
-            </a:r>
-          </a:p>
-          <a:p>
-            <a:r>
-              <a:rPr lang="en-US" b="1" dirty="0" smtClean="0">
-                <a:latin typeface="Times New Roman" panose="02020603050405020304" pitchFamily="18" charset="0"/>
-                <a:cs typeface="Times New Roman" panose="02020603050405020304" pitchFamily="18" charset="0"/>
-              </a:rPr>
-              <a:t>Tuple</a:t>
-            </a:r>
-            <a:r>
-              <a:rPr lang="en-US" dirty="0" smtClean="0">
-                <a:latin typeface="Times New Roman" panose="02020603050405020304" pitchFamily="18" charset="0"/>
-                <a:cs typeface="Times New Roman" panose="02020603050405020304" pitchFamily="18" charset="0"/>
-              </a:rPr>
-              <a:t> let </a:t>
-            </a:r>
-            <a:r>
-              <a:rPr lang="en-US" dirty="0">
-                <a:latin typeface="Times New Roman" panose="02020603050405020304" pitchFamily="18" charset="0"/>
-                <a:cs typeface="Times New Roman" panose="02020603050405020304" pitchFamily="18" charset="0"/>
-              </a:rPr>
-              <a:t>x: [string, number</a:t>
-            </a:r>
-            <a:r>
-              <a:rPr lang="en-US" dirty="0" smtClean="0">
-                <a:latin typeface="Times New Roman" panose="02020603050405020304" pitchFamily="18" charset="0"/>
-                <a:cs typeface="Times New Roman" panose="02020603050405020304" pitchFamily="18" charset="0"/>
-              </a:rPr>
-              <a:t>]; </a:t>
-            </a:r>
-            <a:r>
-              <a:rPr lang="en-US" dirty="0">
-                <a:latin typeface="Times New Roman" panose="02020603050405020304" pitchFamily="18" charset="0"/>
-                <a:cs typeface="Times New Roman" panose="02020603050405020304" pitchFamily="18" charset="0"/>
-              </a:rPr>
-              <a:t>x = ["hello", 10]; </a:t>
-            </a:r>
-            <a:endParaRPr lang="en-US" dirty="0" smtClean="0">
-              <a:latin typeface="Times New Roman" panose="02020603050405020304" pitchFamily="18" charset="0"/>
-              <a:cs typeface="Times New Roman" panose="02020603050405020304" pitchFamily="18" charset="0"/>
-            </a:endParaRPr>
-          </a:p>
-          <a:p>
-            <a:r>
-              <a:rPr lang="en-US" b="1" dirty="0" err="1" smtClean="0">
-                <a:latin typeface="Times New Roman" panose="02020603050405020304" pitchFamily="18" charset="0"/>
-                <a:cs typeface="Times New Roman" panose="02020603050405020304" pitchFamily="18" charset="0"/>
-              </a:rPr>
-              <a:t>Enum</a:t>
-            </a:r>
-            <a:r>
-              <a:rPr lang="en-US" dirty="0" smtClean="0">
-                <a:latin typeface="Times New Roman" panose="02020603050405020304" pitchFamily="18" charset="0"/>
-                <a:cs typeface="Times New Roman" panose="02020603050405020304" pitchFamily="18" charset="0"/>
-              </a:rPr>
-              <a:t> </a:t>
-            </a:r>
-            <a:r>
-              <a:rPr lang="en-US" dirty="0" err="1" smtClean="0">
-                <a:latin typeface="Times New Roman" panose="02020603050405020304" pitchFamily="18" charset="0"/>
-                <a:cs typeface="Times New Roman" panose="02020603050405020304" pitchFamily="18" charset="0"/>
-              </a:rPr>
-              <a:t>enum</a:t>
-            </a:r>
-            <a:r>
-              <a:rPr lang="en-US" dirty="0" smtClean="0">
-                <a:latin typeface="Times New Roman" panose="02020603050405020304" pitchFamily="18" charset="0"/>
-                <a:cs typeface="Times New Roman" panose="02020603050405020304" pitchFamily="18" charset="0"/>
-              </a:rPr>
-              <a:t> </a:t>
-            </a:r>
-            <a:r>
-              <a:rPr lang="en-US" dirty="0">
-                <a:latin typeface="Times New Roman" panose="02020603050405020304" pitchFamily="18" charset="0"/>
-                <a:cs typeface="Times New Roman" panose="02020603050405020304" pitchFamily="18" charset="0"/>
-              </a:rPr>
-              <a:t>Color {Red = 1, Green, Blue</a:t>
-            </a:r>
-            <a:r>
-              <a:rPr lang="en-US" dirty="0" smtClean="0">
-                <a:latin typeface="Times New Roman" panose="02020603050405020304" pitchFamily="18" charset="0"/>
-                <a:cs typeface="Times New Roman" panose="02020603050405020304" pitchFamily="18" charset="0"/>
-              </a:rPr>
-              <a:t>}</a:t>
-            </a:r>
-          </a:p>
-          <a:p>
-            <a:r>
-              <a:rPr lang="en-US" b="1" dirty="0" smtClean="0">
-                <a:latin typeface="Times New Roman" panose="02020603050405020304" pitchFamily="18" charset="0"/>
-                <a:cs typeface="Times New Roman" panose="02020603050405020304" pitchFamily="18" charset="0"/>
-              </a:rPr>
-              <a:t>Any</a:t>
-            </a:r>
-            <a:r>
-              <a:rPr lang="en-US" dirty="0" smtClean="0">
-                <a:latin typeface="Times New Roman" panose="02020603050405020304" pitchFamily="18" charset="0"/>
-                <a:cs typeface="Times New Roman" panose="02020603050405020304" pitchFamily="18" charset="0"/>
-              </a:rPr>
-              <a:t> let </a:t>
-            </a:r>
-            <a:r>
-              <a:rPr lang="en-US" dirty="0" err="1">
-                <a:latin typeface="Times New Roman" panose="02020603050405020304" pitchFamily="18" charset="0"/>
-                <a:cs typeface="Times New Roman" panose="02020603050405020304" pitchFamily="18" charset="0"/>
-              </a:rPr>
-              <a:t>notSure</a:t>
-            </a:r>
-            <a:r>
-              <a:rPr lang="en-US" dirty="0">
-                <a:latin typeface="Times New Roman" panose="02020603050405020304" pitchFamily="18" charset="0"/>
-                <a:cs typeface="Times New Roman" panose="02020603050405020304" pitchFamily="18" charset="0"/>
-              </a:rPr>
-              <a:t>: any = 4</a:t>
-            </a:r>
-            <a:r>
-              <a:rPr lang="en-US" dirty="0" smtClean="0">
-                <a:latin typeface="Times New Roman" panose="02020603050405020304" pitchFamily="18" charset="0"/>
-                <a:cs typeface="Times New Roman" panose="02020603050405020304" pitchFamily="18" charset="0"/>
-              </a:rPr>
-              <a:t>;</a:t>
-            </a:r>
-          </a:p>
-          <a:p>
-            <a:r>
-              <a:rPr lang="en-US" b="1" dirty="0" smtClean="0">
-                <a:latin typeface="Times New Roman" panose="02020603050405020304" pitchFamily="18" charset="0"/>
-                <a:cs typeface="Times New Roman" panose="02020603050405020304" pitchFamily="18" charset="0"/>
-              </a:rPr>
-              <a:t>Void</a:t>
-            </a:r>
-            <a:r>
-              <a:rPr lang="en-US" dirty="0" smtClean="0">
-                <a:latin typeface="Times New Roman" panose="02020603050405020304" pitchFamily="18" charset="0"/>
-                <a:cs typeface="Times New Roman" panose="02020603050405020304" pitchFamily="18" charset="0"/>
-              </a:rPr>
-              <a:t> function </a:t>
-            </a:r>
-            <a:r>
-              <a:rPr lang="en-US" dirty="0" err="1">
-                <a:latin typeface="Times New Roman" panose="02020603050405020304" pitchFamily="18" charset="0"/>
-                <a:cs typeface="Times New Roman" panose="02020603050405020304" pitchFamily="18" charset="0"/>
-              </a:rPr>
-              <a:t>warnUser</a:t>
-            </a:r>
-            <a:r>
-              <a:rPr lang="en-US" dirty="0">
-                <a:latin typeface="Times New Roman" panose="02020603050405020304" pitchFamily="18" charset="0"/>
-                <a:cs typeface="Times New Roman" panose="02020603050405020304" pitchFamily="18" charset="0"/>
-              </a:rPr>
-              <a:t>(): void </a:t>
-            </a:r>
-            <a:endParaRPr lang="en-US" dirty="0" smtClean="0">
-              <a:latin typeface="Times New Roman" panose="02020603050405020304" pitchFamily="18" charset="0"/>
-              <a:cs typeface="Times New Roman" panose="02020603050405020304" pitchFamily="18" charset="0"/>
-            </a:endParaRPr>
-          </a:p>
-          <a:p>
-            <a:r>
-              <a:rPr lang="en-US" b="1" dirty="0" smtClean="0">
-                <a:latin typeface="Times New Roman" panose="02020603050405020304" pitchFamily="18" charset="0"/>
-                <a:cs typeface="Times New Roman" panose="02020603050405020304" pitchFamily="18" charset="0"/>
-              </a:rPr>
-              <a:t>Null and Undefined</a:t>
-            </a:r>
-          </a:p>
-          <a:p>
-            <a:r>
-              <a:rPr lang="en-US" b="1" dirty="0" smtClean="0">
-                <a:latin typeface="Times New Roman" panose="02020603050405020304" pitchFamily="18" charset="0"/>
-                <a:cs typeface="Times New Roman" panose="02020603050405020304" pitchFamily="18" charset="0"/>
-              </a:rPr>
-              <a:t>Object</a:t>
-            </a:r>
-            <a:endParaRPr lang="en-US" b="1" dirty="0">
-              <a:latin typeface="Times New Roman" panose="02020603050405020304" pitchFamily="18" charset="0"/>
-              <a:cs typeface="Times New Roman" panose="02020603050405020304" pitchFamily="18" charset="0"/>
-            </a:endParaRPr>
-          </a:p>
-          <a:p>
-            <a:r>
-              <a:rPr lang="nl-NL" b="1" dirty="0" smtClean="0">
-                <a:latin typeface="Times New Roman" panose="02020603050405020304" pitchFamily="18" charset="0"/>
-                <a:cs typeface="Times New Roman" panose="02020603050405020304" pitchFamily="18" charset="0"/>
-              </a:rPr>
-              <a:t>Type </a:t>
-            </a:r>
-            <a:r>
-              <a:rPr lang="nl-NL" b="1" dirty="0" err="1" smtClean="0">
-                <a:latin typeface="Times New Roman" panose="02020603050405020304" pitchFamily="18" charset="0"/>
-                <a:cs typeface="Times New Roman" panose="02020603050405020304" pitchFamily="18" charset="0"/>
-              </a:rPr>
-              <a:t>assertion</a:t>
-            </a:r>
-            <a:r>
-              <a:rPr lang="nl-NL" b="1" dirty="0" smtClean="0">
-                <a:latin typeface="Times New Roman" panose="02020603050405020304" pitchFamily="18" charset="0"/>
-                <a:cs typeface="Times New Roman" panose="02020603050405020304" pitchFamily="18" charset="0"/>
-              </a:rPr>
-              <a:t> </a:t>
-            </a:r>
-            <a:r>
-              <a:rPr lang="en-US" dirty="0">
-                <a:latin typeface="Times New Roman" panose="02020603050405020304" pitchFamily="18" charset="0"/>
-                <a:cs typeface="Times New Roman" panose="02020603050405020304" pitchFamily="18" charset="0"/>
-              </a:rPr>
-              <a:t>let </a:t>
-            </a:r>
-            <a:r>
-              <a:rPr lang="en-US" dirty="0" err="1">
-                <a:latin typeface="Times New Roman" panose="02020603050405020304" pitchFamily="18" charset="0"/>
-                <a:cs typeface="Times New Roman" panose="02020603050405020304" pitchFamily="18" charset="0"/>
-              </a:rPr>
-              <a:t>strLength</a:t>
-            </a:r>
-            <a:r>
-              <a:rPr lang="en-US" dirty="0">
-                <a:latin typeface="Times New Roman" panose="02020603050405020304" pitchFamily="18" charset="0"/>
-                <a:cs typeface="Times New Roman" panose="02020603050405020304" pitchFamily="18" charset="0"/>
-              </a:rPr>
-              <a:t>: number = (</a:t>
-            </a:r>
-            <a:r>
-              <a:rPr lang="en-US" dirty="0" err="1">
-                <a:latin typeface="Times New Roman" panose="02020603050405020304" pitchFamily="18" charset="0"/>
-                <a:cs typeface="Times New Roman" panose="02020603050405020304" pitchFamily="18" charset="0"/>
-              </a:rPr>
-              <a:t>someValue</a:t>
-            </a:r>
-            <a:r>
-              <a:rPr lang="en-US" dirty="0">
-                <a:latin typeface="Times New Roman" panose="02020603050405020304" pitchFamily="18" charset="0"/>
-                <a:cs typeface="Times New Roman" panose="02020603050405020304" pitchFamily="18" charset="0"/>
-              </a:rPr>
-              <a:t> as string).length;</a:t>
-            </a:r>
-          </a:p>
-          <a:p>
-            <a:endParaRPr lang="en-US" dirty="0"/>
-          </a:p>
-          <a:p>
-            <a:endParaRPr lang="en-US" dirty="0"/>
-          </a:p>
-          <a:p>
-            <a:endParaRPr lang="en-US" dirty="0"/>
-          </a:p>
-          <a:p>
-            <a:endParaRPr lang="en-US" dirty="0"/>
-          </a:p>
-          <a:p>
-            <a:endParaRPr lang="en-US" dirty="0"/>
-          </a:p>
-          <a:p>
-            <a:endParaRPr lang="en-US" dirty="0"/>
-          </a:p>
-          <a:p>
-            <a:endParaRPr lang="en-US" dirty="0"/>
-          </a:p>
-        </p:txBody>
-      </p:sp>
     </p:spTree>
     <p:extLst>
       <p:ext uri="{BB962C8B-B14F-4D97-AF65-F5344CB8AC3E}">
-        <p14:creationId xmlns:p14="http://schemas.microsoft.com/office/powerpoint/2010/main" val="728131117"/>
+        <p14:creationId xmlns:p14="http://schemas.microsoft.com/office/powerpoint/2010/main" val="3742243493"/>
       </p:ext>
     </p:extLst>
   </p:cSld>
   <p:clrMapOvr>
     <a:masterClrMapping/>
   </p:clrMapOvr>
-  <p:timing>
-    <p:tnLst>
-      <p:par>
-        <p:cTn id="1" dur="indefinite" restart="never" nodeType="tmRoot"/>
-      </p:par>
-    </p:tnLst>
-  </p:timing>
 </p:sld>
 </file>
 
@@ -8641,353 +8161,193 @@
           <a:lstStyle/>
           <a:p>
             <a:r>
-              <a:rPr lang="nl-NL" dirty="0" smtClean="0">
-                <a:latin typeface="Times New Roman" panose="02020603050405020304" pitchFamily="18" charset="0"/>
-                <a:cs typeface="Times New Roman" panose="02020603050405020304" pitchFamily="18" charset="0"/>
-              </a:rPr>
-              <a:t>Typescript </a:t>
-            </a:r>
-            <a:r>
-              <a:rPr lang="nl-NL" dirty="0" err="1" smtClean="0">
-                <a:latin typeface="Times New Roman" panose="02020603050405020304" pitchFamily="18" charset="0"/>
-                <a:cs typeface="Times New Roman" panose="02020603050405020304" pitchFamily="18" charset="0"/>
-              </a:rPr>
-              <a:t>function</a:t>
-            </a:r>
-            <a:endParaRPr lang="en-US" dirty="0">
+              <a:rPr lang="en-US" dirty="0">
+                <a:latin typeface="Times New Roman" panose="02020603050405020304" pitchFamily="18" charset="0"/>
+                <a:cs typeface="Times New Roman" panose="02020603050405020304" pitchFamily="18" charset="0"/>
+              </a:rPr>
+              <a:t>Architecture overview</a:t>
+            </a:r>
+          </a:p>
+        </p:txBody>
+      </p:sp>
+      <p:sp>
+        <p:nvSpPr>
+          <p:cNvPr id="3" name="Content Placeholder 2"/>
+          <p:cNvSpPr>
+            <a:spLocks noGrp="1"/>
+          </p:cNvSpPr>
+          <p:nvPr>
+            <p:ph idx="1"/>
+          </p:nvPr>
+        </p:nvSpPr>
+        <p:spPr/>
+        <p:txBody>
+          <a:bodyPr>
+            <a:normAutofit/>
+          </a:bodyPr>
+          <a:lstStyle/>
+          <a:p>
+            <a:r>
+              <a:rPr lang="en-US" sz="2200" b="1" dirty="0">
+                <a:latin typeface="Times New Roman" panose="02020603050405020304" pitchFamily="18" charset="0"/>
+                <a:cs typeface="Times New Roman" panose="02020603050405020304" pitchFamily="18" charset="0"/>
+              </a:rPr>
+              <a:t>Services: </a:t>
+            </a:r>
+            <a:r>
+              <a:rPr lang="en-US" sz="2200" dirty="0">
+                <a:latin typeface="Times New Roman" panose="02020603050405020304" pitchFamily="18" charset="0"/>
+                <a:cs typeface="Times New Roman" panose="02020603050405020304" pitchFamily="18" charset="0"/>
+              </a:rPr>
+              <a:t>we should create a </a:t>
+            </a:r>
+            <a:r>
+              <a:rPr lang="en-US" sz="2200" i="1" dirty="0">
+                <a:latin typeface="Times New Roman" panose="02020603050405020304" pitchFamily="18" charset="0"/>
+                <a:cs typeface="Times New Roman" panose="02020603050405020304" pitchFamily="18" charset="0"/>
+              </a:rPr>
+              <a:t>Service</a:t>
+            </a:r>
+            <a:r>
+              <a:rPr lang="en-US" sz="2200" dirty="0">
+                <a:latin typeface="Times New Roman" panose="02020603050405020304" pitchFamily="18" charset="0"/>
+                <a:cs typeface="Times New Roman" panose="02020603050405020304" pitchFamily="18" charset="0"/>
+              </a:rPr>
+              <a:t> when two or more </a:t>
+            </a:r>
+            <a:r>
+              <a:rPr lang="en-US" sz="2200" i="1" dirty="0">
+                <a:latin typeface="Times New Roman" panose="02020603050405020304" pitchFamily="18" charset="0"/>
+                <a:cs typeface="Times New Roman" panose="02020603050405020304" pitchFamily="18" charset="0"/>
+              </a:rPr>
+              <a:t>Components</a:t>
+            </a:r>
+            <a:r>
+              <a:rPr lang="en-US" sz="2200" dirty="0">
+                <a:latin typeface="Times New Roman" panose="02020603050405020304" pitchFamily="18" charset="0"/>
+                <a:cs typeface="Times New Roman" panose="02020603050405020304" pitchFamily="18" charset="0"/>
+              </a:rPr>
+              <a:t> or other things need to access the same data or if we want to encapsulate interactions with a web server or if we want to define how to validate user inputs.</a:t>
+            </a:r>
+          </a:p>
+          <a:p>
+            <a:r>
+              <a:rPr lang="nl-NL" sz="2200" dirty="0">
+                <a:latin typeface="Times New Roman" panose="02020603050405020304" pitchFamily="18" charset="0"/>
+                <a:cs typeface="Times New Roman" panose="02020603050405020304" pitchFamily="18" charset="0"/>
+              </a:rPr>
+              <a:t>Service are </a:t>
+            </a:r>
+            <a:r>
+              <a:rPr lang="nl-NL" sz="2200" dirty="0" err="1">
+                <a:latin typeface="Times New Roman" panose="02020603050405020304" pitchFamily="18" charset="0"/>
+                <a:cs typeface="Times New Roman" panose="02020603050405020304" pitchFamily="18" charset="0"/>
+              </a:rPr>
+              <a:t>stateless</a:t>
+            </a:r>
+            <a:r>
+              <a:rPr lang="nl-NL" sz="2200" dirty="0">
+                <a:latin typeface="Times New Roman" panose="02020603050405020304" pitchFamily="18" charset="0"/>
+                <a:cs typeface="Times New Roman" panose="02020603050405020304" pitchFamily="18" charset="0"/>
+              </a:rPr>
+              <a:t> </a:t>
+            </a:r>
+            <a:r>
+              <a:rPr lang="nl-NL" sz="2200" dirty="0" err="1">
+                <a:latin typeface="Times New Roman" panose="02020603050405020304" pitchFamily="18" charset="0"/>
+                <a:cs typeface="Times New Roman" panose="02020603050405020304" pitchFamily="18" charset="0"/>
+              </a:rPr>
+              <a:t>and</a:t>
+            </a:r>
+            <a:r>
+              <a:rPr lang="nl-NL" sz="2200" dirty="0">
+                <a:latin typeface="Times New Roman" panose="02020603050405020304" pitchFamily="18" charset="0"/>
+                <a:cs typeface="Times New Roman" panose="02020603050405020304" pitchFamily="18" charset="0"/>
+              </a:rPr>
+              <a:t> Singletons.</a:t>
+            </a:r>
+          </a:p>
+          <a:p>
+            <a:r>
+              <a:rPr lang="nl-NL" sz="2200" dirty="0">
+                <a:latin typeface="Times New Roman" panose="02020603050405020304" pitchFamily="18" charset="0"/>
+                <a:cs typeface="Times New Roman" panose="02020603050405020304" pitchFamily="18" charset="0"/>
+              </a:rPr>
+              <a:t>Service is </a:t>
+            </a:r>
+            <a:r>
+              <a:rPr lang="nl-NL" sz="2200" dirty="0" err="1">
+                <a:latin typeface="Times New Roman" panose="02020603050405020304" pitchFamily="18" charset="0"/>
+                <a:cs typeface="Times New Roman" panose="02020603050405020304" pitchFamily="18" charset="0"/>
+              </a:rPr>
+              <a:t>defined</a:t>
+            </a:r>
+            <a:r>
+              <a:rPr lang="nl-NL" sz="2200" dirty="0">
+                <a:latin typeface="Times New Roman" panose="02020603050405020304" pitchFamily="18" charset="0"/>
+                <a:cs typeface="Times New Roman" panose="02020603050405020304" pitchFamily="18" charset="0"/>
+              </a:rPr>
+              <a:t> </a:t>
+            </a:r>
+            <a:r>
+              <a:rPr lang="nl-NL" sz="2200" dirty="0" err="1">
+                <a:latin typeface="Times New Roman" panose="02020603050405020304" pitchFamily="18" charset="0"/>
+                <a:cs typeface="Times New Roman" panose="02020603050405020304" pitchFamily="18" charset="0"/>
+              </a:rPr>
+              <a:t>using</a:t>
+            </a:r>
+            <a:r>
+              <a:rPr lang="nl-NL" sz="2200" dirty="0">
+                <a:latin typeface="Times New Roman" panose="02020603050405020304" pitchFamily="18" charset="0"/>
+                <a:cs typeface="Times New Roman" panose="02020603050405020304" pitchFamily="18" charset="0"/>
+              </a:rPr>
+              <a:t> @</a:t>
+            </a:r>
+            <a:r>
+              <a:rPr lang="nl-NL" sz="2200" dirty="0" err="1">
+                <a:latin typeface="Times New Roman" panose="02020603050405020304" pitchFamily="18" charset="0"/>
+                <a:cs typeface="Times New Roman" panose="02020603050405020304" pitchFamily="18" charset="0"/>
+              </a:rPr>
+              <a:t>Injectable</a:t>
+            </a:r>
+            <a:r>
+              <a:rPr lang="nl-NL" sz="2200" dirty="0">
+                <a:latin typeface="Times New Roman" panose="02020603050405020304" pitchFamily="18" charset="0"/>
+                <a:cs typeface="Times New Roman" panose="02020603050405020304" pitchFamily="18" charset="0"/>
+              </a:rPr>
+              <a:t> </a:t>
+            </a:r>
+            <a:r>
+              <a:rPr lang="nl-NL" sz="2200" dirty="0" err="1">
+                <a:latin typeface="Times New Roman" panose="02020603050405020304" pitchFamily="18" charset="0"/>
+                <a:cs typeface="Times New Roman" panose="02020603050405020304" pitchFamily="18" charset="0"/>
+              </a:rPr>
+              <a:t>decorator</a:t>
+            </a:r>
+            <a:r>
+              <a:rPr lang="nl-NL" sz="2200" dirty="0">
+                <a:latin typeface="Times New Roman" panose="02020603050405020304" pitchFamily="18" charset="0"/>
+                <a:cs typeface="Times New Roman" panose="02020603050405020304" pitchFamily="18" charset="0"/>
+              </a:rPr>
+              <a:t>.</a:t>
+            </a:r>
+            <a:endParaRPr lang="en-US" sz="2200" dirty="0">
               <a:latin typeface="Times New Roman" panose="02020603050405020304" pitchFamily="18" charset="0"/>
               <a:cs typeface="Times New Roman" panose="02020603050405020304" pitchFamily="18" charset="0"/>
             </a:endParaRPr>
           </a:p>
         </p:txBody>
       </p:sp>
-      <p:sp>
-        <p:nvSpPr>
-          <p:cNvPr id="3" name="Content Placeholder 2"/>
-          <p:cNvSpPr>
-            <a:spLocks noGrp="1"/>
-          </p:cNvSpPr>
-          <p:nvPr>
-            <p:ph idx="1"/>
-          </p:nvPr>
-        </p:nvSpPr>
-        <p:spPr/>
-        <p:txBody>
-          <a:bodyPr>
-            <a:normAutofit fontScale="92500" lnSpcReduction="10000"/>
-          </a:bodyPr>
-          <a:lstStyle/>
-          <a:p>
-            <a:r>
-              <a:rPr lang="en-US" b="1" dirty="0">
-                <a:latin typeface="Times New Roman" panose="02020603050405020304" pitchFamily="18" charset="0"/>
-                <a:cs typeface="Times New Roman" panose="02020603050405020304" pitchFamily="18" charset="0"/>
-              </a:rPr>
-              <a:t>Arrow </a:t>
-            </a:r>
-            <a:r>
-              <a:rPr lang="en-US" b="1" dirty="0" smtClean="0">
-                <a:latin typeface="Times New Roman" panose="02020603050405020304" pitchFamily="18" charset="0"/>
-                <a:cs typeface="Times New Roman" panose="02020603050405020304" pitchFamily="18" charset="0"/>
-              </a:rPr>
-              <a:t>Function</a:t>
-            </a:r>
-            <a:r>
-              <a:rPr lang="en-US" dirty="0" smtClean="0">
-                <a:latin typeface="Times New Roman" panose="02020603050405020304" pitchFamily="18" charset="0"/>
-                <a:cs typeface="Times New Roman" panose="02020603050405020304" pitchFamily="18" charset="0"/>
-              </a:rPr>
-              <a:t>: Fat </a:t>
-            </a:r>
-            <a:r>
-              <a:rPr lang="en-US" dirty="0">
-                <a:latin typeface="Times New Roman" panose="02020603050405020304" pitchFamily="18" charset="0"/>
-                <a:cs typeface="Times New Roman" panose="02020603050405020304" pitchFamily="18" charset="0"/>
-              </a:rPr>
-              <a:t>arrow notations are used for anonymous functions </a:t>
-            </a:r>
-            <a:r>
-              <a:rPr lang="en-US" dirty="0" err="1">
-                <a:latin typeface="Times New Roman" panose="02020603050405020304" pitchFamily="18" charset="0"/>
-                <a:cs typeface="Times New Roman" panose="02020603050405020304" pitchFamily="18" charset="0"/>
-              </a:rPr>
-              <a:t>i.e</a:t>
-            </a:r>
-            <a:r>
-              <a:rPr lang="en-US" dirty="0">
-                <a:latin typeface="Times New Roman" panose="02020603050405020304" pitchFamily="18" charset="0"/>
-                <a:cs typeface="Times New Roman" panose="02020603050405020304" pitchFamily="18" charset="0"/>
-              </a:rPr>
-              <a:t> for function </a:t>
-            </a:r>
-            <a:r>
-              <a:rPr lang="en-US" dirty="0" smtClean="0">
-                <a:latin typeface="Times New Roman" panose="02020603050405020304" pitchFamily="18" charset="0"/>
-                <a:cs typeface="Times New Roman" panose="02020603050405020304" pitchFamily="18" charset="0"/>
-              </a:rPr>
-              <a:t>expressions</a:t>
-            </a:r>
-          </a:p>
-          <a:p>
-            <a:pPr marL="0" indent="0">
-              <a:buNone/>
-            </a:pPr>
-            <a:r>
-              <a:rPr lang="en-US" dirty="0">
-                <a:latin typeface="Times New Roman" panose="02020603050405020304" pitchFamily="18" charset="0"/>
-                <a:cs typeface="Times New Roman" panose="02020603050405020304" pitchFamily="18" charset="0"/>
-              </a:rPr>
-              <a:t>let sum = (x: number, y: number) =&gt; x + y</a:t>
-            </a:r>
-            <a:r>
-              <a:rPr lang="en-US" dirty="0" smtClean="0">
-                <a:latin typeface="Times New Roman" panose="02020603050405020304" pitchFamily="18" charset="0"/>
-                <a:cs typeface="Times New Roman" panose="02020603050405020304" pitchFamily="18" charset="0"/>
-              </a:rPr>
-              <a:t>;</a:t>
-            </a:r>
-          </a:p>
-          <a:p>
-            <a:r>
-              <a:rPr lang="en-US" dirty="0">
-                <a:latin typeface="Times New Roman" panose="02020603050405020304" pitchFamily="18" charset="0"/>
-                <a:cs typeface="Times New Roman" panose="02020603050405020304" pitchFamily="18" charset="0"/>
-              </a:rPr>
-              <a:t> </a:t>
-            </a:r>
-            <a:r>
-              <a:rPr lang="en-US" b="1" dirty="0">
-                <a:latin typeface="Times New Roman" panose="02020603050405020304" pitchFamily="18" charset="0"/>
-                <a:cs typeface="Times New Roman" panose="02020603050405020304" pitchFamily="18" charset="0"/>
-              </a:rPr>
-              <a:t>Function </a:t>
-            </a:r>
-            <a:r>
-              <a:rPr lang="en-US" b="1" dirty="0" smtClean="0">
-                <a:latin typeface="Times New Roman" panose="02020603050405020304" pitchFamily="18" charset="0"/>
-                <a:cs typeface="Times New Roman" panose="02020603050405020304" pitchFamily="18" charset="0"/>
-              </a:rPr>
-              <a:t>Overloading: </a:t>
-            </a:r>
-            <a:r>
-              <a:rPr lang="en-US" dirty="0">
-                <a:latin typeface="Times New Roman" panose="02020603050405020304" pitchFamily="18" charset="0"/>
-                <a:cs typeface="Times New Roman" panose="02020603050405020304" pitchFamily="18" charset="0"/>
-              </a:rPr>
-              <a:t> You can have multiple functions with the same name but different parameter types and return type. However, the number of parameters should be the same</a:t>
-            </a:r>
-            <a:r>
-              <a:rPr lang="en-US" dirty="0" smtClean="0">
-                <a:latin typeface="Times New Roman" panose="02020603050405020304" pitchFamily="18" charset="0"/>
-                <a:cs typeface="Times New Roman" panose="02020603050405020304" pitchFamily="18" charset="0"/>
-              </a:rPr>
-              <a:t>.</a:t>
-            </a:r>
-          </a:p>
-          <a:p>
-            <a:pPr marL="0" indent="0">
-              <a:buNone/>
-            </a:pPr>
-            <a:r>
-              <a:rPr lang="en-US" dirty="0">
-                <a:latin typeface="Times New Roman" panose="02020603050405020304" pitchFamily="18" charset="0"/>
-                <a:cs typeface="Times New Roman" panose="02020603050405020304" pitchFamily="18" charset="0"/>
-              </a:rPr>
-              <a:t>function add(</a:t>
-            </a:r>
-            <a:r>
-              <a:rPr lang="en-US" dirty="0" err="1">
-                <a:latin typeface="Times New Roman" panose="02020603050405020304" pitchFamily="18" charset="0"/>
-                <a:cs typeface="Times New Roman" panose="02020603050405020304" pitchFamily="18" charset="0"/>
-              </a:rPr>
-              <a:t>a:string</a:t>
-            </a:r>
-            <a:r>
-              <a:rPr lang="en-US" dirty="0">
-                <a:latin typeface="Times New Roman" panose="02020603050405020304" pitchFamily="18" charset="0"/>
-                <a:cs typeface="Times New Roman" panose="02020603050405020304" pitchFamily="18" charset="0"/>
-              </a:rPr>
-              <a:t>, b:string):string</a:t>
-            </a:r>
-            <a:r>
-              <a:rPr lang="en-US" dirty="0" smtClean="0">
-                <a:latin typeface="Times New Roman" panose="02020603050405020304" pitchFamily="18" charset="0"/>
-                <a:cs typeface="Times New Roman" panose="02020603050405020304" pitchFamily="18" charset="0"/>
-              </a:rPr>
-              <a:t>;</a:t>
-            </a:r>
-            <a:endParaRPr lang="en-US" dirty="0">
-              <a:latin typeface="Times New Roman" panose="02020603050405020304" pitchFamily="18" charset="0"/>
-              <a:cs typeface="Times New Roman" panose="02020603050405020304" pitchFamily="18" charset="0"/>
-            </a:endParaRPr>
-          </a:p>
-          <a:p>
-            <a:pPr marL="0" indent="0">
-              <a:buNone/>
-            </a:pPr>
-            <a:r>
-              <a:rPr lang="en-US" dirty="0">
-                <a:latin typeface="Times New Roman" panose="02020603050405020304" pitchFamily="18" charset="0"/>
-                <a:cs typeface="Times New Roman" panose="02020603050405020304" pitchFamily="18" charset="0"/>
-              </a:rPr>
-              <a:t>function add(</a:t>
-            </a:r>
-            <a:r>
-              <a:rPr lang="en-US" dirty="0" err="1">
-                <a:latin typeface="Times New Roman" panose="02020603050405020304" pitchFamily="18" charset="0"/>
-                <a:cs typeface="Times New Roman" panose="02020603050405020304" pitchFamily="18" charset="0"/>
-              </a:rPr>
-              <a:t>a:number</a:t>
-            </a:r>
-            <a:r>
-              <a:rPr lang="en-US" dirty="0">
-                <a:latin typeface="Times New Roman" panose="02020603050405020304" pitchFamily="18" charset="0"/>
-                <a:cs typeface="Times New Roman" panose="02020603050405020304" pitchFamily="18" charset="0"/>
-              </a:rPr>
-              <a:t>, b:number): number</a:t>
-            </a:r>
-            <a:r>
-              <a:rPr lang="en-US" dirty="0" smtClean="0">
-                <a:latin typeface="Times New Roman" panose="02020603050405020304" pitchFamily="18" charset="0"/>
-                <a:cs typeface="Times New Roman" panose="02020603050405020304" pitchFamily="18" charset="0"/>
-              </a:rPr>
-              <a:t>;</a:t>
-            </a:r>
-          </a:p>
-          <a:p>
-            <a:r>
-              <a:rPr lang="en-US" b="1" dirty="0">
-                <a:latin typeface="Times New Roman" panose="02020603050405020304" pitchFamily="18" charset="0"/>
-                <a:cs typeface="Times New Roman" panose="02020603050405020304" pitchFamily="18" charset="0"/>
-              </a:rPr>
-              <a:t>Rest </a:t>
-            </a:r>
-            <a:r>
-              <a:rPr lang="en-US" b="1" dirty="0" smtClean="0">
-                <a:latin typeface="Times New Roman" panose="02020603050405020304" pitchFamily="18" charset="0"/>
-                <a:cs typeface="Times New Roman" panose="02020603050405020304" pitchFamily="18" charset="0"/>
-              </a:rPr>
-              <a:t>Parameters</a:t>
-            </a:r>
-          </a:p>
-          <a:p>
-            <a:pPr marL="0" indent="0">
-              <a:buNone/>
-            </a:pPr>
-            <a:r>
-              <a:rPr lang="en-US" dirty="0">
-                <a:latin typeface="Times New Roman" panose="02020603050405020304" pitchFamily="18" charset="0"/>
-                <a:cs typeface="Times New Roman" panose="02020603050405020304" pitchFamily="18" charset="0"/>
-              </a:rPr>
-              <a:t>function Greet(greeting: string, ...names: string[]) {</a:t>
-            </a:r>
-          </a:p>
-          <a:p>
-            <a:pPr marL="0" indent="0">
-              <a:buNone/>
-            </a:pPr>
-            <a:r>
-              <a:rPr lang="en-US" dirty="0">
-                <a:latin typeface="Times New Roman" panose="02020603050405020304" pitchFamily="18" charset="0"/>
-                <a:cs typeface="Times New Roman" panose="02020603050405020304" pitchFamily="18" charset="0"/>
-              </a:rPr>
-              <a:t>    return greeting + " " + </a:t>
-            </a:r>
-            <a:r>
-              <a:rPr lang="en-US" dirty="0" err="1">
-                <a:latin typeface="Times New Roman" panose="02020603050405020304" pitchFamily="18" charset="0"/>
-                <a:cs typeface="Times New Roman" panose="02020603050405020304" pitchFamily="18" charset="0"/>
-              </a:rPr>
-              <a:t>names.join</a:t>
-            </a:r>
-            <a:r>
-              <a:rPr lang="en-US" dirty="0">
-                <a:latin typeface="Times New Roman" panose="02020603050405020304" pitchFamily="18" charset="0"/>
-                <a:cs typeface="Times New Roman" panose="02020603050405020304" pitchFamily="18" charset="0"/>
-              </a:rPr>
-              <a:t>(", ") + "!";</a:t>
-            </a:r>
-          </a:p>
-          <a:p>
-            <a:pPr marL="0" indent="0">
-              <a:buNone/>
-            </a:pPr>
-            <a:r>
-              <a:rPr lang="en-US" dirty="0">
-                <a:latin typeface="Times New Roman" panose="02020603050405020304" pitchFamily="18" charset="0"/>
-                <a:cs typeface="Times New Roman" panose="02020603050405020304" pitchFamily="18" charset="0"/>
-              </a:rPr>
-              <a:t>}</a:t>
-            </a:r>
-          </a:p>
-          <a:p>
-            <a:pPr marL="0" indent="0">
-              <a:buNone/>
-            </a:pPr>
-            <a:r>
-              <a:rPr lang="en-US" dirty="0" smtClean="0">
-                <a:latin typeface="Times New Roman" panose="02020603050405020304" pitchFamily="18" charset="0"/>
-                <a:cs typeface="Times New Roman" panose="02020603050405020304" pitchFamily="18" charset="0"/>
-              </a:rPr>
-              <a:t>Greet</a:t>
-            </a:r>
-            <a:r>
-              <a:rPr lang="en-US" dirty="0">
-                <a:latin typeface="Times New Roman" panose="02020603050405020304" pitchFamily="18" charset="0"/>
-                <a:cs typeface="Times New Roman" panose="02020603050405020304" pitchFamily="18" charset="0"/>
-              </a:rPr>
-              <a:t>("Hello", "Steve", "Bill"); // returns "Hello Steve, Bill!"</a:t>
-            </a:r>
-          </a:p>
-          <a:p>
-            <a:pPr marL="0" indent="0">
-              <a:buNone/>
-            </a:pPr>
-            <a:endParaRPr lang="en-US" dirty="0" smtClean="0">
-              <a:latin typeface="Times New Roman" panose="02020603050405020304" pitchFamily="18" charset="0"/>
-              <a:cs typeface="Times New Roman" panose="02020603050405020304" pitchFamily="18" charset="0"/>
-            </a:endParaRPr>
-          </a:p>
-          <a:p>
-            <a:pPr marL="0" indent="0">
-              <a:buNone/>
-            </a:pPr>
-            <a:endParaRPr lang="en-US" dirty="0">
-              <a:latin typeface="Times New Roman" panose="02020603050405020304" pitchFamily="18" charset="0"/>
-              <a:cs typeface="Times New Roman" panose="02020603050405020304" pitchFamily="18" charset="0"/>
-            </a:endParaRPr>
-          </a:p>
-          <a:p>
-            <a:endParaRPr lang="en-US" dirty="0">
-              <a:latin typeface="Times New Roman" panose="02020603050405020304" pitchFamily="18" charset="0"/>
-              <a:cs typeface="Times New Roman" panose="02020603050405020304" pitchFamily="18" charset="0"/>
-            </a:endParaRPr>
-          </a:p>
-          <a:p>
-            <a:endParaRPr lang="en-US" dirty="0">
-              <a:latin typeface="Times New Roman" panose="02020603050405020304" pitchFamily="18" charset="0"/>
-              <a:cs typeface="Times New Roman" panose="02020603050405020304" pitchFamily="18" charset="0"/>
-            </a:endParaRPr>
-          </a:p>
-        </p:txBody>
-      </p:sp>
     </p:spTree>
     <p:extLst>
       <p:ext uri="{BB962C8B-B14F-4D97-AF65-F5344CB8AC3E}">
-        <p14:creationId xmlns:p14="http://schemas.microsoft.com/office/powerpoint/2010/main" val="1703240444"/>
+        <p14:creationId xmlns:p14="http://schemas.microsoft.com/office/powerpoint/2010/main" val="3101533194"/>
       </p:ext>
     </p:extLst>
   </p:cSld>
   <p:clrMapOvr>
     <a:masterClrMapping/>
   </p:clrMapOvr>
-  <p:timing>
-    <p:tnLst>
-      <p:par>
-        <p:cTn id="1" dur="indefinite" restart="never" nodeType="tmRoot"/>
-      </p:par>
-    </p:tnLst>
-  </p:timing>
 </p:sld>
 </file>
 
@@ -9020,111 +8380,324 @@
         </p:nvSpPr>
         <p:spPr/>
         <p:txBody>
+          <a:bodyPr/>
+          <a:lstStyle/>
+          <a:p>
+            <a:r>
+              <a:rPr lang="en-US" dirty="0">
+                <a:latin typeface="Times New Roman" panose="02020603050405020304" pitchFamily="18" charset="0"/>
+                <a:cs typeface="Times New Roman" panose="02020603050405020304" pitchFamily="18" charset="0"/>
+              </a:rPr>
+              <a:t>Architecture overview</a:t>
+            </a:r>
+          </a:p>
+        </p:txBody>
+      </p:sp>
+      <p:sp>
+        <p:nvSpPr>
+          <p:cNvPr id="3" name="Content Placeholder 2"/>
+          <p:cNvSpPr>
+            <a:spLocks noGrp="1"/>
+          </p:cNvSpPr>
+          <p:nvPr>
+            <p:ph idx="1"/>
+          </p:nvPr>
+        </p:nvSpPr>
+        <p:spPr/>
+        <p:txBody>
           <a:bodyPr>
-            <a:normAutofit fontScale="90000"/>
+            <a:normAutofit/>
           </a:bodyPr>
           <a:lstStyle/>
           <a:p>
             <a:r>
-              <a:rPr lang="en-US" dirty="0" smtClean="0">
-                <a:latin typeface="Times New Roman" panose="02020603050405020304" pitchFamily="18" charset="0"/>
-                <a:cs typeface="Times New Roman" panose="02020603050405020304" pitchFamily="18" charset="0"/>
-              </a:rPr>
-              <a:t/>
-            </a:r>
-            <a:br>
-              <a:rPr lang="en-US" dirty="0" smtClean="0">
-                <a:latin typeface="Times New Roman" panose="02020603050405020304" pitchFamily="18" charset="0"/>
-                <a:cs typeface="Times New Roman" panose="02020603050405020304" pitchFamily="18" charset="0"/>
-              </a:rPr>
-            </a:br>
-            <a:r>
-              <a:rPr lang="en-US" dirty="0" err="1" smtClean="0">
-                <a:latin typeface="Times New Roman" panose="02020603050405020304" pitchFamily="18" charset="0"/>
-                <a:cs typeface="Times New Roman" panose="02020603050405020304" pitchFamily="18" charset="0"/>
-              </a:rPr>
-              <a:t>Speread</a:t>
-            </a:r>
-            <a:r>
-              <a:rPr lang="en-US" dirty="0" smtClean="0">
-                <a:latin typeface="Times New Roman" panose="02020603050405020304" pitchFamily="18" charset="0"/>
-                <a:cs typeface="Times New Roman" panose="02020603050405020304" pitchFamily="18" charset="0"/>
-              </a:rPr>
-              <a:t> </a:t>
-            </a:r>
-            <a:r>
-              <a:rPr lang="en-US" dirty="0">
-                <a:latin typeface="Times New Roman" panose="02020603050405020304" pitchFamily="18" charset="0"/>
-                <a:cs typeface="Times New Roman" panose="02020603050405020304" pitchFamily="18" charset="0"/>
-              </a:rPr>
-              <a:t>operator</a:t>
-            </a:r>
-            <a:br>
-              <a:rPr lang="en-US" dirty="0">
-                <a:latin typeface="Times New Roman" panose="02020603050405020304" pitchFamily="18" charset="0"/>
-                <a:cs typeface="Times New Roman" panose="02020603050405020304" pitchFamily="18" charset="0"/>
-              </a:rPr>
-            </a:br>
-            <a:endParaRPr lang="en-US" dirty="0">
-              <a:latin typeface="Times New Roman" panose="02020603050405020304" pitchFamily="18" charset="0"/>
-              <a:cs typeface="Times New Roman" panose="02020603050405020304" pitchFamily="18" charset="0"/>
-            </a:endParaRPr>
-          </a:p>
-        </p:txBody>
-      </p:sp>
-      <p:sp>
-        <p:nvSpPr>
-          <p:cNvPr id="3" name="Content Placeholder 2"/>
-          <p:cNvSpPr>
-            <a:spLocks noGrp="1"/>
-          </p:cNvSpPr>
-          <p:nvPr>
-            <p:ph idx="1"/>
-          </p:nvPr>
-        </p:nvSpPr>
-        <p:spPr/>
-        <p:txBody>
-          <a:bodyPr/>
-          <a:lstStyle/>
-          <a:p>
-            <a:r>
-              <a:rPr lang="en-US" dirty="0" err="1">
-                <a:latin typeface="Times New Roman" panose="02020603050405020304" pitchFamily="18" charset="0"/>
-                <a:cs typeface="Times New Roman" panose="02020603050405020304" pitchFamily="18" charset="0"/>
-              </a:rPr>
-              <a:t>var</a:t>
-            </a:r>
-            <a:r>
-              <a:rPr lang="en-US" dirty="0">
-                <a:latin typeface="Times New Roman" panose="02020603050405020304" pitchFamily="18" charset="0"/>
-                <a:cs typeface="Times New Roman" panose="02020603050405020304" pitchFamily="18" charset="0"/>
-              </a:rPr>
-              <a:t> parts = ['shoulders', 'knees']; </a:t>
-            </a:r>
-          </a:p>
-          <a:p>
-            <a:r>
-              <a:rPr lang="en-US" dirty="0" err="1">
-                <a:latin typeface="Times New Roman" panose="02020603050405020304" pitchFamily="18" charset="0"/>
-                <a:cs typeface="Times New Roman" panose="02020603050405020304" pitchFamily="18" charset="0"/>
-              </a:rPr>
-              <a:t>var</a:t>
-            </a:r>
-            <a:r>
-              <a:rPr lang="en-US" dirty="0">
-                <a:latin typeface="Times New Roman" panose="02020603050405020304" pitchFamily="18" charset="0"/>
-                <a:cs typeface="Times New Roman" panose="02020603050405020304" pitchFamily="18" charset="0"/>
-              </a:rPr>
-              <a:t> lyrics = ['head', ...parts, 'and', 'toes']; </a:t>
-            </a:r>
-          </a:p>
-          <a:p>
-            <a:r>
-              <a:rPr lang="en-US" dirty="0">
-                <a:latin typeface="Times New Roman" panose="02020603050405020304" pitchFamily="18" charset="0"/>
-                <a:cs typeface="Times New Roman" panose="02020603050405020304" pitchFamily="18" charset="0"/>
-              </a:rPr>
-              <a:t>// ["head", "shoulders", "knees", "and", "toes"]</a:t>
+              <a:rPr lang="en-US" sz="2200" b="1" dirty="0">
+                <a:latin typeface="Times New Roman" panose="02020603050405020304" pitchFamily="18" charset="0"/>
+                <a:cs typeface="Times New Roman" panose="02020603050405020304" pitchFamily="18" charset="0"/>
+              </a:rPr>
+              <a:t>Dependency Injection: </a:t>
+            </a:r>
+            <a:r>
+              <a:rPr lang="en-US" sz="2200" dirty="0">
+                <a:latin typeface="Times New Roman" panose="02020603050405020304" pitchFamily="18" charset="0"/>
+                <a:cs typeface="Times New Roman" panose="02020603050405020304" pitchFamily="18" charset="0"/>
+              </a:rPr>
+              <a:t> DI is </a:t>
+            </a:r>
+            <a:r>
+              <a:rPr lang="en-US" sz="2200" i="1" dirty="0">
+                <a:latin typeface="Times New Roman" panose="02020603050405020304" pitchFamily="18" charset="0"/>
+                <a:cs typeface="Times New Roman" panose="02020603050405020304" pitchFamily="18" charset="0"/>
+              </a:rPr>
+              <a:t>Design Pattern</a:t>
+            </a:r>
+            <a:r>
+              <a:rPr lang="en-US" sz="2200" dirty="0">
+                <a:latin typeface="Times New Roman" panose="02020603050405020304" pitchFamily="18" charset="0"/>
+                <a:cs typeface="Times New Roman" panose="02020603050405020304" pitchFamily="18" charset="0"/>
+              </a:rPr>
+              <a:t> in which one or more dependencies (</a:t>
+            </a:r>
+            <a:r>
+              <a:rPr lang="en-US" sz="2200" i="1" dirty="0">
+                <a:latin typeface="Times New Roman" panose="02020603050405020304" pitchFamily="18" charset="0"/>
+                <a:cs typeface="Times New Roman" panose="02020603050405020304" pitchFamily="18" charset="0"/>
+              </a:rPr>
+              <a:t>Services</a:t>
+            </a:r>
+            <a:r>
+              <a:rPr lang="en-US" sz="2200" dirty="0">
+                <a:latin typeface="Times New Roman" panose="02020603050405020304" pitchFamily="18" charset="0"/>
+                <a:cs typeface="Times New Roman" panose="02020603050405020304" pitchFamily="18" charset="0"/>
+              </a:rPr>
+              <a:t>) are injected into a dependent object</a:t>
+            </a:r>
+          </a:p>
+          <a:p>
+            <a:r>
+              <a:rPr lang="en-US" sz="2200" dirty="0">
+                <a:latin typeface="Times New Roman" panose="02020603050405020304" pitchFamily="18" charset="0"/>
+                <a:cs typeface="Times New Roman" panose="02020603050405020304" pitchFamily="18" charset="0"/>
+              </a:rPr>
+              <a:t>A </a:t>
+            </a:r>
+            <a:r>
+              <a:rPr lang="en-US" sz="2200" i="1" dirty="0">
+                <a:latin typeface="Times New Roman" panose="02020603050405020304" pitchFamily="18" charset="0"/>
+                <a:cs typeface="Times New Roman" panose="02020603050405020304" pitchFamily="18" charset="0"/>
+              </a:rPr>
+              <a:t>Provider</a:t>
+            </a:r>
+            <a:r>
+              <a:rPr lang="en-US" sz="2200" dirty="0">
+                <a:latin typeface="Times New Roman" panose="02020603050405020304" pitchFamily="18" charset="0"/>
+                <a:cs typeface="Times New Roman" panose="02020603050405020304" pitchFamily="18" charset="0"/>
+              </a:rPr>
+              <a:t> is a recipe for creating a dependency. We must at least register one </a:t>
+            </a:r>
+            <a:r>
+              <a:rPr lang="en-US" sz="2200" i="1" dirty="0">
+                <a:latin typeface="Times New Roman" panose="02020603050405020304" pitchFamily="18" charset="0"/>
+                <a:cs typeface="Times New Roman" panose="02020603050405020304" pitchFamily="18" charset="0"/>
+              </a:rPr>
+              <a:t>Provider</a:t>
+            </a:r>
+            <a:r>
+              <a:rPr lang="en-US" sz="2200" dirty="0">
+                <a:latin typeface="Times New Roman" panose="02020603050405020304" pitchFamily="18" charset="0"/>
+                <a:cs typeface="Times New Roman" panose="02020603050405020304" pitchFamily="18" charset="0"/>
+              </a:rPr>
+              <a:t> of any </a:t>
+            </a:r>
+            <a:r>
+              <a:rPr lang="en-US" sz="2200" i="1" dirty="0">
+                <a:latin typeface="Times New Roman" panose="02020603050405020304" pitchFamily="18" charset="0"/>
+                <a:cs typeface="Times New Roman" panose="02020603050405020304" pitchFamily="18" charset="0"/>
+              </a:rPr>
+              <a:t>Service</a:t>
+            </a:r>
+            <a:r>
+              <a:rPr lang="en-US" sz="2200" dirty="0">
+                <a:latin typeface="Times New Roman" panose="02020603050405020304" pitchFamily="18" charset="0"/>
+                <a:cs typeface="Times New Roman" panose="02020603050405020304" pitchFamily="18" charset="0"/>
+              </a:rPr>
+              <a:t> we want to use. It can be done in Modules or in </a:t>
+            </a:r>
+            <a:r>
+              <a:rPr lang="en-US" sz="2200" i="1" dirty="0">
+                <a:latin typeface="Times New Roman" panose="02020603050405020304" pitchFamily="18" charset="0"/>
+                <a:cs typeface="Times New Roman" panose="02020603050405020304" pitchFamily="18" charset="0"/>
+              </a:rPr>
+              <a:t>Components</a:t>
+            </a:r>
+            <a:r>
+              <a:rPr lang="en-US" sz="2200" dirty="0">
+                <a:latin typeface="Times New Roman" panose="02020603050405020304" pitchFamily="18" charset="0"/>
+                <a:cs typeface="Times New Roman" panose="02020603050405020304" pitchFamily="18" charset="0"/>
+              </a:rPr>
+              <a:t>. Doing this in a </a:t>
+            </a:r>
+            <a:r>
+              <a:rPr lang="en-US" sz="2200" i="1" dirty="0">
+                <a:latin typeface="Times New Roman" panose="02020603050405020304" pitchFamily="18" charset="0"/>
+                <a:cs typeface="Times New Roman" panose="02020603050405020304" pitchFamily="18" charset="0"/>
+              </a:rPr>
+              <a:t>Module</a:t>
+            </a:r>
+            <a:r>
+              <a:rPr lang="en-US" sz="2200" dirty="0">
+                <a:latin typeface="Times New Roman" panose="02020603050405020304" pitchFamily="18" charset="0"/>
+                <a:cs typeface="Times New Roman" panose="02020603050405020304" pitchFamily="18" charset="0"/>
+              </a:rPr>
+              <a:t> allows </a:t>
+            </a:r>
+            <a:r>
+              <a:rPr lang="en-US" sz="2200" i="1" dirty="0">
+                <a:latin typeface="Times New Roman" panose="02020603050405020304" pitchFamily="18" charset="0"/>
+                <a:cs typeface="Times New Roman" panose="02020603050405020304" pitchFamily="18" charset="0"/>
+              </a:rPr>
+              <a:t>Angular</a:t>
+            </a:r>
+            <a:r>
+              <a:rPr lang="en-US" sz="2200" dirty="0">
+                <a:latin typeface="Times New Roman" panose="02020603050405020304" pitchFamily="18" charset="0"/>
+                <a:cs typeface="Times New Roman" panose="02020603050405020304" pitchFamily="18" charset="0"/>
+              </a:rPr>
+              <a:t> to inject the corresponding </a:t>
+            </a:r>
+            <a:r>
+              <a:rPr lang="en-US" sz="2200" i="1" dirty="0">
+                <a:latin typeface="Times New Roman" panose="02020603050405020304" pitchFamily="18" charset="0"/>
+                <a:cs typeface="Times New Roman" panose="02020603050405020304" pitchFamily="18" charset="0"/>
+              </a:rPr>
+              <a:t>Services</a:t>
+            </a:r>
+            <a:r>
+              <a:rPr lang="en-US" sz="2200" dirty="0">
+                <a:latin typeface="Times New Roman" panose="02020603050405020304" pitchFamily="18" charset="0"/>
+                <a:cs typeface="Times New Roman" panose="02020603050405020304" pitchFamily="18" charset="0"/>
+              </a:rPr>
+              <a:t> in any class it creates and so the </a:t>
+            </a:r>
+            <a:r>
+              <a:rPr lang="en-US" sz="2200" i="1" dirty="0">
+                <a:latin typeface="Times New Roman" panose="02020603050405020304" pitchFamily="18" charset="0"/>
+                <a:cs typeface="Times New Roman" panose="02020603050405020304" pitchFamily="18" charset="0"/>
+              </a:rPr>
+              <a:t>Service</a:t>
+            </a:r>
+            <a:r>
+              <a:rPr lang="en-US" sz="2200" dirty="0">
+                <a:latin typeface="Times New Roman" panose="02020603050405020304" pitchFamily="18" charset="0"/>
+                <a:cs typeface="Times New Roman" panose="02020603050405020304" pitchFamily="18" charset="0"/>
+              </a:rPr>
+              <a:t> instance lives for the life of the app. By using a </a:t>
+            </a:r>
+            <a:r>
+              <a:rPr lang="en-US" sz="2200" i="1" dirty="0">
+                <a:latin typeface="Times New Roman" panose="02020603050405020304" pitchFamily="18" charset="0"/>
+                <a:cs typeface="Times New Roman" panose="02020603050405020304" pitchFamily="18" charset="0"/>
+              </a:rPr>
+              <a:t>Component Provider</a:t>
+            </a:r>
+            <a:r>
+              <a:rPr lang="en-US" sz="2200" dirty="0">
+                <a:latin typeface="Times New Roman" panose="02020603050405020304" pitchFamily="18" charset="0"/>
+                <a:cs typeface="Times New Roman" panose="02020603050405020304" pitchFamily="18" charset="0"/>
+              </a:rPr>
+              <a:t> we restrict the scope of the </a:t>
+            </a:r>
+            <a:r>
+              <a:rPr lang="en-US" sz="2200" i="1" dirty="0">
+                <a:latin typeface="Times New Roman" panose="02020603050405020304" pitchFamily="18" charset="0"/>
+                <a:cs typeface="Times New Roman" panose="02020603050405020304" pitchFamily="18" charset="0"/>
+              </a:rPr>
+              <a:t>Service</a:t>
+            </a:r>
+            <a:r>
+              <a:rPr lang="en-US" sz="2200" dirty="0">
+                <a:latin typeface="Times New Roman" panose="02020603050405020304" pitchFamily="18" charset="0"/>
+                <a:cs typeface="Times New Roman" panose="02020603050405020304" pitchFamily="18" charset="0"/>
+              </a:rPr>
+              <a:t> and so it will only be injected into that </a:t>
+            </a:r>
+            <a:r>
+              <a:rPr lang="en-US" sz="2200" i="1" dirty="0">
+                <a:latin typeface="Times New Roman" panose="02020603050405020304" pitchFamily="18" charset="0"/>
+                <a:cs typeface="Times New Roman" panose="02020603050405020304" pitchFamily="18" charset="0"/>
+              </a:rPr>
+              <a:t>Component</a:t>
+            </a:r>
+            <a:r>
+              <a:rPr lang="en-US" sz="2200" dirty="0">
+                <a:latin typeface="Times New Roman" panose="02020603050405020304" pitchFamily="18" charset="0"/>
+                <a:cs typeface="Times New Roman" panose="02020603050405020304" pitchFamily="18" charset="0"/>
+              </a:rPr>
+              <a:t> instance or one of its descendant </a:t>
+            </a:r>
+            <a:r>
+              <a:rPr lang="en-US" sz="2200" i="1" dirty="0">
+                <a:latin typeface="Times New Roman" panose="02020603050405020304" pitchFamily="18" charset="0"/>
+                <a:cs typeface="Times New Roman" panose="02020603050405020304" pitchFamily="18" charset="0"/>
+              </a:rPr>
+              <a:t>Component</a:t>
+            </a:r>
+            <a:r>
+              <a:rPr lang="en-US" sz="2200" dirty="0">
+                <a:latin typeface="Times New Roman" panose="02020603050405020304" pitchFamily="18" charset="0"/>
+                <a:cs typeface="Times New Roman" panose="02020603050405020304" pitchFamily="18" charset="0"/>
+              </a:rPr>
+              <a:t> instances. It means that </a:t>
+            </a:r>
+            <a:r>
+              <a:rPr lang="en-US" sz="2200" i="1" dirty="0">
+                <a:latin typeface="Times New Roman" panose="02020603050405020304" pitchFamily="18" charset="0"/>
+                <a:cs typeface="Times New Roman" panose="02020603050405020304" pitchFamily="18" charset="0"/>
+              </a:rPr>
+              <a:t>Angular</a:t>
+            </a:r>
+            <a:r>
+              <a:rPr lang="en-US" sz="2200" dirty="0">
+                <a:latin typeface="Times New Roman" panose="02020603050405020304" pitchFamily="18" charset="0"/>
+                <a:cs typeface="Times New Roman" panose="02020603050405020304" pitchFamily="18" charset="0"/>
+              </a:rPr>
+              <a:t> can’t inject the same </a:t>
+            </a:r>
+            <a:r>
+              <a:rPr lang="en-US" sz="2200" i="1" dirty="0">
+                <a:latin typeface="Times New Roman" panose="02020603050405020304" pitchFamily="18" charset="0"/>
+                <a:cs typeface="Times New Roman" panose="02020603050405020304" pitchFamily="18" charset="0"/>
+              </a:rPr>
+              <a:t>Service</a:t>
+            </a:r>
+            <a:r>
+              <a:rPr lang="en-US" sz="2200" dirty="0">
+                <a:latin typeface="Times New Roman" panose="02020603050405020304" pitchFamily="18" charset="0"/>
+                <a:cs typeface="Times New Roman" panose="02020603050405020304" pitchFamily="18" charset="0"/>
+              </a:rPr>
+              <a:t> instance anywhere else. The lifetime of this </a:t>
+            </a:r>
+            <a:r>
+              <a:rPr lang="en-US" sz="2200" i="1" dirty="0">
+                <a:latin typeface="Times New Roman" panose="02020603050405020304" pitchFamily="18" charset="0"/>
+                <a:cs typeface="Times New Roman" panose="02020603050405020304" pitchFamily="18" charset="0"/>
+              </a:rPr>
+              <a:t>Service</a:t>
+            </a:r>
+            <a:r>
+              <a:rPr lang="en-US" sz="2200" dirty="0">
+                <a:latin typeface="Times New Roman" panose="02020603050405020304" pitchFamily="18" charset="0"/>
+                <a:cs typeface="Times New Roman" panose="02020603050405020304" pitchFamily="18" charset="0"/>
+              </a:rPr>
+              <a:t> will also be different: the </a:t>
+            </a:r>
+            <a:r>
+              <a:rPr lang="en-US" sz="2200" i="1" dirty="0">
+                <a:latin typeface="Times New Roman" panose="02020603050405020304" pitchFamily="18" charset="0"/>
+                <a:cs typeface="Times New Roman" panose="02020603050405020304" pitchFamily="18" charset="0"/>
+              </a:rPr>
+              <a:t>Service</a:t>
+            </a:r>
+            <a:r>
+              <a:rPr lang="en-US" sz="2200" dirty="0">
+                <a:latin typeface="Times New Roman" panose="02020603050405020304" pitchFamily="18" charset="0"/>
+                <a:cs typeface="Times New Roman" panose="02020603050405020304" pitchFamily="18" charset="0"/>
+              </a:rPr>
+              <a:t> instance will be destroyed when the </a:t>
+            </a:r>
+            <a:r>
+              <a:rPr lang="en-US" sz="2200" i="1" dirty="0">
+                <a:latin typeface="Times New Roman" panose="02020603050405020304" pitchFamily="18" charset="0"/>
+                <a:cs typeface="Times New Roman" panose="02020603050405020304" pitchFamily="18" charset="0"/>
+              </a:rPr>
+              <a:t>Component</a:t>
+            </a:r>
+            <a:r>
+              <a:rPr lang="en-US" sz="2200" dirty="0">
+                <a:latin typeface="Times New Roman" panose="02020603050405020304" pitchFamily="18" charset="0"/>
+                <a:cs typeface="Times New Roman" panose="02020603050405020304" pitchFamily="18" charset="0"/>
+              </a:rPr>
+              <a:t> instance is destroyed.</a:t>
             </a:r>
           </a:p>
         </p:txBody>
@@ -9132,20 +8705,13 @@
     </p:spTree>
     <p:extLst>
       <p:ext uri="{BB962C8B-B14F-4D97-AF65-F5344CB8AC3E}">
-        <p14:creationId xmlns:p14="http://schemas.microsoft.com/office/powerpoint/2010/main" val="3220732713"/>
+        <p14:creationId xmlns:p14="http://schemas.microsoft.com/office/powerpoint/2010/main" val="4252899282"/>
       </p:ext>
     </p:extLst>
   </p:cSld>
   <p:clrMapOvr>
     <a:masterClrMapping/>
   </p:clrMapOvr>
-  <p:timing>
-    <p:tnLst>
-      <p:par>
-        <p:cTn id="1" dur="indefinite" restart="never" nodeType="tmRoot"/>
-      </p:par>
-    </p:tnLst>
-  </p:timing>
 </p:sld>
 </file>
 
@@ -9182,64 +8748,12 @@
           <a:lstStyle/>
           <a:p>
             <a:r>
-              <a:rPr lang="nl-NL" dirty="0" err="1" smtClean="0">
-                <a:latin typeface="Times New Roman" panose="02020603050405020304" pitchFamily="18" charset="0"/>
-                <a:cs typeface="Times New Roman" panose="02020603050405020304" pitchFamily="18" charset="0"/>
-              </a:rPr>
-              <a:t>Static</a:t>
-            </a:r>
-            <a:r>
-              <a:rPr lang="nl-NL" dirty="0" smtClean="0">
-                <a:latin typeface="Times New Roman" panose="02020603050405020304" pitchFamily="18" charset="0"/>
-                <a:cs typeface="Times New Roman" panose="02020603050405020304" pitchFamily="18" charset="0"/>
-              </a:rPr>
-              <a:t> </a:t>
-            </a:r>
-            <a:r>
-              <a:rPr lang="nl-NL" dirty="0" err="1" smtClean="0">
-                <a:latin typeface="Times New Roman" panose="02020603050405020304" pitchFamily="18" charset="0"/>
-                <a:cs typeface="Times New Roman" panose="02020603050405020304" pitchFamily="18" charset="0"/>
-              </a:rPr>
-              <a:t>and</a:t>
-            </a:r>
-            <a:r>
-              <a:rPr lang="nl-NL" dirty="0" smtClean="0">
-                <a:latin typeface="Times New Roman" panose="02020603050405020304" pitchFamily="18" charset="0"/>
-                <a:cs typeface="Times New Roman" panose="02020603050405020304" pitchFamily="18" charset="0"/>
-              </a:rPr>
-              <a:t> </a:t>
-            </a:r>
-            <a:br>
-              <a:rPr lang="nl-NL" dirty="0" smtClean="0">
-                <a:latin typeface="Times New Roman" panose="02020603050405020304" pitchFamily="18" charset="0"/>
-                <a:cs typeface="Times New Roman" panose="02020603050405020304" pitchFamily="18" charset="0"/>
-              </a:rPr>
-            </a:br>
-            <a:r>
-              <a:rPr lang="nl-NL" dirty="0" err="1" smtClean="0">
-                <a:latin typeface="Times New Roman" panose="02020603050405020304" pitchFamily="18" charset="0"/>
-                <a:cs typeface="Times New Roman" panose="02020603050405020304" pitchFamily="18" charset="0"/>
-              </a:rPr>
-              <a:t>dynamic</a:t>
-            </a:r>
-            <a:r>
-              <a:rPr lang="nl-NL" dirty="0" smtClean="0">
-                <a:latin typeface="Times New Roman" panose="02020603050405020304" pitchFamily="18" charset="0"/>
-                <a:cs typeface="Times New Roman" panose="02020603050405020304" pitchFamily="18" charset="0"/>
-              </a:rPr>
-              <a:t> </a:t>
-            </a:r>
-            <a:r>
-              <a:rPr lang="nl-NL" dirty="0" err="1" smtClean="0">
-                <a:latin typeface="Times New Roman" panose="02020603050405020304" pitchFamily="18" charset="0"/>
-                <a:cs typeface="Times New Roman" panose="02020603050405020304" pitchFamily="18" charset="0"/>
-              </a:rPr>
-              <a:t>typing</a:t>
-            </a:r>
-            <a:endParaRPr lang="en-US" dirty="0">
-              <a:latin typeface="Times New Roman" panose="02020603050405020304" pitchFamily="18" charset="0"/>
-              <a:cs typeface="Times New Roman" panose="02020603050405020304" pitchFamily="18" charset="0"/>
-            </a:endParaRPr>
+              <a:rPr lang="en-US" dirty="0">
+                <a:latin typeface="Times New Roman" panose="02020603050405020304" pitchFamily="18" charset="0"/>
+                <a:cs typeface="Times New Roman" panose="02020603050405020304" pitchFamily="18" charset="0"/>
+              </a:rPr>
+              <a:t>Architecture overview</a:t>
+            </a:r>
           </a:p>
         </p:txBody>
       </p:sp>
@@ -9256,7 +8770,7 @@
         <p:spPr/>
         <p:txBody>
           <a:bodyPr>
-            <a:noAutofit/>
+            <a:normAutofit/>
           </a:bodyPr>
           <a:lstStyle/>
           <a:p>
@@ -9265,140 +8779,70 @@
                 <a:latin typeface="Times New Roman" panose="02020603050405020304" pitchFamily="18" charset="0"/>
                 <a:cs typeface="Times New Roman" panose="02020603050405020304" pitchFamily="18" charset="0"/>
               </a:rPr>
-              <a:t>Dynamic typing</a:t>
-            </a:r>
+              <a:t>Data Binding</a:t>
+            </a:r>
+          </a:p>
+          <a:p>
             <a:r>
               <a:rPr lang="en-US" sz="2200" dirty="0">
                 <a:latin typeface="Times New Roman" panose="02020603050405020304" pitchFamily="18" charset="0"/>
                 <a:cs typeface="Times New Roman" panose="02020603050405020304" pitchFamily="18" charset="0"/>
               </a:rPr>
-              <a:t> — the type is associated with the value, and checked at run-time.</a:t>
-            </a:r>
-          </a:p>
-          <a:p>
-            <a:pPr marL="0" indent="0">
-              <a:buNone/>
+              <a:t>There are two types of data binding:</a:t>
+            </a:r>
+          </a:p>
+          <a:p>
+            <a:pPr marL="457200" indent="-457200">
+              <a:buFont typeface="+mj-lt"/>
+              <a:buAutoNum type="arabicPeriod"/>
             </a:pPr>
             <a:r>
+              <a:rPr lang="en-US" sz="2200" i="1" dirty="0">
+                <a:latin typeface="Times New Roman" panose="02020603050405020304" pitchFamily="18" charset="0"/>
+                <a:cs typeface="Times New Roman" panose="02020603050405020304" pitchFamily="18" charset="0"/>
+              </a:rPr>
+              <a:t>Event binding</a:t>
+            </a:r>
+            <a:r>
               <a:rPr lang="en-US" sz="2200" dirty="0">
                 <a:latin typeface="Times New Roman" panose="02020603050405020304" pitchFamily="18" charset="0"/>
                 <a:cs typeface="Times New Roman" panose="02020603050405020304" pitchFamily="18" charset="0"/>
               </a:rPr>
-              <a:t>function g( a ) {</a:t>
-            </a:r>
-          </a:p>
-          <a:p>
-            <a:pPr marL="0" indent="0">
-              <a:buNone/>
+              <a:t> lets your app respond to user input in the target environment by updating your application data.</a:t>
+            </a:r>
+          </a:p>
+          <a:p>
+            <a:pPr marL="457200" indent="-457200">
+              <a:buFont typeface="+mj-lt"/>
+              <a:buAutoNum type="arabicPeriod"/>
             </a:pPr>
             <a:r>
-              <a:rPr lang="en-US" sz="2200" dirty="0" smtClean="0">
-                <a:latin typeface="Times New Roman" panose="02020603050405020304" pitchFamily="18" charset="0"/>
-                <a:cs typeface="Times New Roman" panose="02020603050405020304" pitchFamily="18" charset="0"/>
-              </a:rPr>
-              <a:t>   </a:t>
+              <a:rPr lang="en-US" sz="2200" i="1" dirty="0">
+                <a:latin typeface="Times New Roman" panose="02020603050405020304" pitchFamily="18" charset="0"/>
+                <a:cs typeface="Times New Roman" panose="02020603050405020304" pitchFamily="18" charset="0"/>
+              </a:rPr>
+              <a:t>Property binding</a:t>
             </a:r>
             <a:r>
               <a:rPr lang="en-US" sz="2200" dirty="0">
                 <a:latin typeface="Times New Roman" panose="02020603050405020304" pitchFamily="18" charset="0"/>
                 <a:cs typeface="Times New Roman" panose="02020603050405020304" pitchFamily="18" charset="0"/>
               </a:rPr>
-              <a:t>return a / 10;</a:t>
-            </a:r>
-          </a:p>
-          <a:p>
-            <a:pPr marL="0" indent="0">
-              <a:buNone/>
-            </a:pPr>
-            <a:r>
-              <a:rPr lang="en-US" sz="2200" dirty="0" smtClean="0">
-                <a:latin typeface="Times New Roman" panose="02020603050405020304" pitchFamily="18" charset="0"/>
-                <a:cs typeface="Times New Roman" panose="02020603050405020304" pitchFamily="18" charset="0"/>
-              </a:rPr>
-              <a:t>}</a:t>
-            </a:r>
-          </a:p>
-          <a:p>
-            <a:pPr marL="0" indent="0">
-              <a:buNone/>
-            </a:pPr>
+              <a:t> lets you interpolate values that are computed from your application data into the HTML.</a:t>
+            </a:r>
+          </a:p>
+          <a:p>
             <a:endParaRPr lang="en-US" sz="2200" dirty="0">
               <a:latin typeface="Times New Roman" panose="02020603050405020304" pitchFamily="18" charset="0"/>
               <a:cs typeface="Times New Roman" panose="02020603050405020304" pitchFamily="18" charset="0"/>
             </a:endParaRPr>
           </a:p>
-          <a:p>
-            <a:r>
-              <a:rPr lang="en-US" sz="2200" b="1" dirty="0">
-                <a:latin typeface="Times New Roman" panose="02020603050405020304" pitchFamily="18" charset="0"/>
-                <a:cs typeface="Times New Roman" panose="02020603050405020304" pitchFamily="18" charset="0"/>
-              </a:rPr>
-              <a:t>Static typing</a:t>
-            </a:r>
-            <a:r>
-              <a:rPr lang="en-US" sz="2200" dirty="0">
-                <a:latin typeface="Times New Roman" panose="02020603050405020304" pitchFamily="18" charset="0"/>
-                <a:cs typeface="Times New Roman" panose="02020603050405020304" pitchFamily="18" charset="0"/>
-              </a:rPr>
-              <a:t> — type is associated with variable or textual expression, and checked at compile-time.</a:t>
-            </a:r>
-          </a:p>
-          <a:p>
-            <a:pPr marL="0" indent="0">
-              <a:buNone/>
-            </a:pPr>
-            <a:r>
-              <a:rPr lang="en-US" sz="2200" dirty="0">
-                <a:latin typeface="Times New Roman" panose="02020603050405020304" pitchFamily="18" charset="0"/>
-                <a:cs typeface="Times New Roman" panose="02020603050405020304" pitchFamily="18" charset="0"/>
-              </a:rPr>
-              <a:t>function g( a : number ) : number{</a:t>
-            </a:r>
-          </a:p>
-          <a:p>
-            <a:pPr marL="0" indent="0">
-              <a:buNone/>
-            </a:pPr>
-            <a:r>
-              <a:rPr lang="en-US" sz="2200" dirty="0">
-                <a:latin typeface="Times New Roman" panose="02020603050405020304" pitchFamily="18" charset="0"/>
-                <a:cs typeface="Times New Roman" panose="02020603050405020304" pitchFamily="18" charset="0"/>
-              </a:rPr>
-              <a:t>   </a:t>
-            </a:r>
-            <a:r>
-              <a:rPr lang="en-US" sz="2200" dirty="0" smtClean="0">
-                <a:latin typeface="Times New Roman" panose="02020603050405020304" pitchFamily="18" charset="0"/>
-                <a:cs typeface="Times New Roman" panose="02020603050405020304" pitchFamily="18" charset="0"/>
-              </a:rPr>
-              <a:t>return </a:t>
-            </a:r>
-            <a:r>
-              <a:rPr lang="en-US" sz="2200" dirty="0">
-                <a:latin typeface="Times New Roman" panose="02020603050405020304" pitchFamily="18" charset="0"/>
-                <a:cs typeface="Times New Roman" panose="02020603050405020304" pitchFamily="18" charset="0"/>
-              </a:rPr>
-              <a:t>a / 10;</a:t>
-            </a:r>
-          </a:p>
-          <a:p>
-            <a:pPr marL="0" indent="0">
-              <a:buNone/>
-            </a:pPr>
-            <a:r>
-              <a:rPr lang="en-US" sz="2200" dirty="0">
-                <a:latin typeface="Times New Roman" panose="02020603050405020304" pitchFamily="18" charset="0"/>
-                <a:cs typeface="Times New Roman" panose="02020603050405020304" pitchFamily="18" charset="0"/>
-              </a:rPr>
-              <a:t>}</a:t>
-            </a:r>
-          </a:p>
         </p:txBody>
       </p:sp>
     </p:spTree>
     <p:extLst>
       <p:ext uri="{BB962C8B-B14F-4D97-AF65-F5344CB8AC3E}">
-        <p14:creationId xmlns:p14="http://schemas.microsoft.com/office/powerpoint/2010/main" val="1069062279"/>
+        <p14:creationId xmlns:p14="http://schemas.microsoft.com/office/powerpoint/2010/main" val="2175551747"/>
       </p:ext>
     </p:extLst>
   </p:cSld>
@@ -9441,157 +8885,161 @@
           <a:lstStyle/>
           <a:p>
             <a:r>
-              <a:rPr lang="nl-NL" dirty="0" smtClean="0">
-                <a:latin typeface="Times New Roman" panose="02020603050405020304" pitchFamily="18" charset="0"/>
-                <a:cs typeface="Times New Roman" panose="02020603050405020304" pitchFamily="18" charset="0"/>
-              </a:rPr>
-              <a:t>OOP</a:t>
-            </a:r>
-            <a:endParaRPr lang="en-US" dirty="0">
+              <a:rPr lang="en-US" dirty="0">
+                <a:latin typeface="Times New Roman" panose="02020603050405020304" pitchFamily="18" charset="0"/>
+                <a:cs typeface="Times New Roman" panose="02020603050405020304" pitchFamily="18" charset="0"/>
+              </a:rPr>
+              <a:t>Architecture overview</a:t>
+            </a:r>
+          </a:p>
+        </p:txBody>
+      </p:sp>
+      <p:sp>
+        <p:nvSpPr>
+          <p:cNvPr id="3" name="Content Placeholder 2"/>
+          <p:cNvSpPr>
+            <a:spLocks noGrp="1"/>
+          </p:cNvSpPr>
+          <p:nvPr>
+            <p:ph idx="1"/>
+          </p:nvPr>
+        </p:nvSpPr>
+        <p:spPr/>
+        <p:txBody>
+          <a:bodyPr>
+            <a:normAutofit/>
+          </a:bodyPr>
+          <a:lstStyle/>
+          <a:p>
+            <a:r>
+              <a:rPr lang="en-US" sz="2200" b="1" dirty="0">
+                <a:latin typeface="Times New Roman" panose="02020603050405020304" pitchFamily="18" charset="0"/>
+                <a:cs typeface="Times New Roman" panose="02020603050405020304" pitchFamily="18" charset="0"/>
+              </a:rPr>
+              <a:t>Input and Output: </a:t>
+            </a:r>
+            <a:r>
+              <a:rPr lang="en-US" sz="2200" i="1" dirty="0">
+                <a:latin typeface="Times New Roman" panose="02020603050405020304" pitchFamily="18" charset="0"/>
+                <a:cs typeface="Times New Roman" panose="02020603050405020304" pitchFamily="18" charset="0"/>
+              </a:rPr>
+              <a:t>Input</a:t>
+            </a:r>
+            <a:r>
+              <a:rPr lang="en-US" sz="2200" dirty="0">
+                <a:latin typeface="Times New Roman" panose="02020603050405020304" pitchFamily="18" charset="0"/>
+                <a:cs typeface="Times New Roman" panose="02020603050405020304" pitchFamily="18" charset="0"/>
+              </a:rPr>
+              <a:t> properties usually receive data values. </a:t>
+            </a:r>
+            <a:r>
+              <a:rPr lang="en-US" sz="2200" i="1" dirty="0">
+                <a:latin typeface="Times New Roman" panose="02020603050405020304" pitchFamily="18" charset="0"/>
+                <a:cs typeface="Times New Roman" panose="02020603050405020304" pitchFamily="18" charset="0"/>
+              </a:rPr>
+              <a:t>Output</a:t>
+            </a:r>
+            <a:r>
+              <a:rPr lang="en-US" sz="2200" dirty="0">
+                <a:latin typeface="Times New Roman" panose="02020603050405020304" pitchFamily="18" charset="0"/>
+                <a:cs typeface="Times New Roman" panose="02020603050405020304" pitchFamily="18" charset="0"/>
+              </a:rPr>
+              <a:t> properties expose </a:t>
+            </a:r>
+            <a:r>
+              <a:rPr lang="en-US" sz="2200" i="1" dirty="0">
+                <a:latin typeface="Times New Roman" panose="02020603050405020304" pitchFamily="18" charset="0"/>
+                <a:cs typeface="Times New Roman" panose="02020603050405020304" pitchFamily="18" charset="0"/>
+              </a:rPr>
+              <a:t>Event</a:t>
+            </a:r>
+            <a:r>
+              <a:rPr lang="en-US" sz="2200" dirty="0">
+                <a:latin typeface="Times New Roman" panose="02020603050405020304" pitchFamily="18" charset="0"/>
+                <a:cs typeface="Times New Roman" panose="02020603050405020304" pitchFamily="18" charset="0"/>
+              </a:rPr>
+              <a:t> producers.</a:t>
+            </a:r>
+            <a:endParaRPr lang="en-US" sz="2200" b="1" dirty="0">
               <a:latin typeface="Times New Roman" panose="02020603050405020304" pitchFamily="18" charset="0"/>
               <a:cs typeface="Times New Roman" panose="02020603050405020304" pitchFamily="18" charset="0"/>
             </a:endParaRPr>
           </a:p>
-        </p:txBody>
-      </p:sp>
-      <p:sp>
-        <p:nvSpPr>
-          <p:cNvPr id="3" name="Content Placeholder 2"/>
-          <p:cNvSpPr>
-            <a:spLocks noGrp="1"/>
-          </p:cNvSpPr>
-          <p:nvPr>
-            <p:ph idx="1"/>
-          </p:nvPr>
-        </p:nvSpPr>
-        <p:spPr/>
-        <p:txBody>
-          <a:bodyPr/>
-          <a:lstStyle/>
-          <a:p>
-            <a:r>
-              <a:rPr lang="en-US" dirty="0">
-                <a:latin typeface="Times New Roman" panose="02020603050405020304" pitchFamily="18" charset="0"/>
-                <a:cs typeface="Times New Roman" panose="02020603050405020304" pitchFamily="18" charset="0"/>
-              </a:rPr>
-              <a:t>Interface</a:t>
-            </a:r>
-          </a:p>
-          <a:p>
-            <a:pPr marL="0" indent="0">
-              <a:buNone/>
-            </a:pPr>
-            <a:r>
-              <a:rPr lang="en-US" dirty="0">
-                <a:latin typeface="Times New Roman" panose="02020603050405020304" pitchFamily="18" charset="0"/>
-                <a:cs typeface="Times New Roman" panose="02020603050405020304" pitchFamily="18" charset="0"/>
-              </a:rPr>
-              <a:t>interface </a:t>
-            </a:r>
-            <a:r>
-              <a:rPr lang="en-US" dirty="0" err="1">
-                <a:latin typeface="Times New Roman" panose="02020603050405020304" pitchFamily="18" charset="0"/>
-                <a:cs typeface="Times New Roman" panose="02020603050405020304" pitchFamily="18" charset="0"/>
-              </a:rPr>
-              <a:t>KeyPair</a:t>
-            </a:r>
-            <a:r>
-              <a:rPr lang="en-US" dirty="0">
-                <a:latin typeface="Times New Roman" panose="02020603050405020304" pitchFamily="18" charset="0"/>
-                <a:cs typeface="Times New Roman" panose="02020603050405020304" pitchFamily="18" charset="0"/>
-              </a:rPr>
-              <a:t> {</a:t>
-            </a:r>
-          </a:p>
-          <a:p>
-            <a:pPr marL="0" indent="0">
-              <a:buNone/>
-            </a:pPr>
-            <a:r>
-              <a:rPr lang="en-US" dirty="0">
-                <a:latin typeface="Times New Roman" panose="02020603050405020304" pitchFamily="18" charset="0"/>
-                <a:cs typeface="Times New Roman" panose="02020603050405020304" pitchFamily="18" charset="0"/>
-              </a:rPr>
-              <a:t>    key: number;</a:t>
-            </a:r>
-          </a:p>
-          <a:p>
-            <a:pPr marL="0" indent="0">
-              <a:buNone/>
-            </a:pPr>
-            <a:r>
-              <a:rPr lang="en-US" dirty="0">
-                <a:latin typeface="Times New Roman" panose="02020603050405020304" pitchFamily="18" charset="0"/>
-                <a:cs typeface="Times New Roman" panose="02020603050405020304" pitchFamily="18" charset="0"/>
-              </a:rPr>
-              <a:t>    value: string;</a:t>
-            </a:r>
-          </a:p>
-          <a:p>
-            <a:pPr marL="0" indent="0">
-              <a:buNone/>
-            </a:pPr>
-            <a:r>
-              <a:rPr lang="en-US" dirty="0">
-                <a:latin typeface="Times New Roman" panose="02020603050405020304" pitchFamily="18" charset="0"/>
-                <a:cs typeface="Times New Roman" panose="02020603050405020304" pitchFamily="18" charset="0"/>
-              </a:rPr>
-              <a:t>}</a:t>
-            </a:r>
-          </a:p>
-          <a:p>
-            <a:pPr marL="0" indent="0">
-              <a:buNone/>
-            </a:pPr>
-            <a:r>
-              <a:rPr lang="en-US" dirty="0" smtClean="0">
-                <a:latin typeface="Times New Roman" panose="02020603050405020304" pitchFamily="18" charset="0"/>
-                <a:cs typeface="Times New Roman" panose="02020603050405020304" pitchFamily="18" charset="0"/>
-              </a:rPr>
-              <a:t>let </a:t>
-            </a:r>
-            <a:r>
-              <a:rPr lang="en-US" dirty="0">
-                <a:latin typeface="Times New Roman" panose="02020603050405020304" pitchFamily="18" charset="0"/>
-                <a:cs typeface="Times New Roman" panose="02020603050405020304" pitchFamily="18" charset="0"/>
-              </a:rPr>
-              <a:t>kv1: </a:t>
-            </a:r>
-            <a:r>
-              <a:rPr lang="en-US" dirty="0" err="1">
-                <a:latin typeface="Times New Roman" panose="02020603050405020304" pitchFamily="18" charset="0"/>
-                <a:cs typeface="Times New Roman" panose="02020603050405020304" pitchFamily="18" charset="0"/>
-              </a:rPr>
-              <a:t>KeyPair</a:t>
-            </a:r>
-            <a:r>
-              <a:rPr lang="en-US" dirty="0">
-                <a:latin typeface="Times New Roman" panose="02020603050405020304" pitchFamily="18" charset="0"/>
-                <a:cs typeface="Times New Roman" panose="02020603050405020304" pitchFamily="18" charset="0"/>
-              </a:rPr>
-              <a:t> = { key:1, </a:t>
-            </a:r>
-            <a:r>
-              <a:rPr lang="en-US" dirty="0" err="1">
-                <a:latin typeface="Times New Roman" panose="02020603050405020304" pitchFamily="18" charset="0"/>
-                <a:cs typeface="Times New Roman" panose="02020603050405020304" pitchFamily="18" charset="0"/>
-              </a:rPr>
-              <a:t>value:"Steve</a:t>
-            </a:r>
-            <a:r>
-              <a:rPr lang="en-US" dirty="0">
-                <a:latin typeface="Times New Roman" panose="02020603050405020304" pitchFamily="18" charset="0"/>
-                <a:cs typeface="Times New Roman" panose="02020603050405020304" pitchFamily="18" charset="0"/>
-              </a:rPr>
-              <a:t>" }; </a:t>
-            </a:r>
+          <a:p>
+            <a:r>
+              <a:rPr lang="nl-NL" sz="2200" dirty="0" err="1">
+                <a:latin typeface="Times New Roman" panose="02020603050405020304" pitchFamily="18" charset="0"/>
+                <a:cs typeface="Times New Roman" panose="02020603050405020304" pitchFamily="18" charset="0"/>
+              </a:rPr>
+              <a:t>To</a:t>
+            </a:r>
+            <a:r>
+              <a:rPr lang="nl-NL" sz="2200" dirty="0">
+                <a:latin typeface="Times New Roman" panose="02020603050405020304" pitchFamily="18" charset="0"/>
+                <a:cs typeface="Times New Roman" panose="02020603050405020304" pitchFamily="18" charset="0"/>
+              </a:rPr>
+              <a:t> </a:t>
+            </a:r>
+            <a:r>
+              <a:rPr lang="nl-NL" sz="2200" dirty="0" err="1">
+                <a:latin typeface="Times New Roman" panose="02020603050405020304" pitchFamily="18" charset="0"/>
+                <a:cs typeface="Times New Roman" panose="02020603050405020304" pitchFamily="18" charset="0"/>
+              </a:rPr>
+              <a:t>define</a:t>
+            </a:r>
+            <a:r>
+              <a:rPr lang="nl-NL" sz="2200" dirty="0">
+                <a:latin typeface="Times New Roman" panose="02020603050405020304" pitchFamily="18" charset="0"/>
+                <a:cs typeface="Times New Roman" panose="02020603050405020304" pitchFamily="18" charset="0"/>
+              </a:rPr>
+              <a:t> Input </a:t>
+            </a:r>
+            <a:r>
+              <a:rPr lang="nl-NL" sz="2200" dirty="0" err="1">
+                <a:latin typeface="Times New Roman" panose="02020603050405020304" pitchFamily="18" charset="0"/>
+                <a:cs typeface="Times New Roman" panose="02020603050405020304" pitchFamily="18" charset="0"/>
+              </a:rPr>
+              <a:t>and</a:t>
+            </a:r>
+            <a:r>
+              <a:rPr lang="nl-NL" sz="2200" dirty="0">
+                <a:latin typeface="Times New Roman" panose="02020603050405020304" pitchFamily="18" charset="0"/>
+                <a:cs typeface="Times New Roman" panose="02020603050405020304" pitchFamily="18" charset="0"/>
+              </a:rPr>
+              <a:t> Output </a:t>
+            </a:r>
+            <a:r>
+              <a:rPr lang="nl-NL" sz="2200" dirty="0" err="1">
+                <a:latin typeface="Times New Roman" panose="02020603050405020304" pitchFamily="18" charset="0"/>
+                <a:cs typeface="Times New Roman" panose="02020603050405020304" pitchFamily="18" charset="0"/>
+              </a:rPr>
+              <a:t>use</a:t>
+            </a:r>
+            <a:r>
+              <a:rPr lang="nl-NL" sz="2200" dirty="0">
+                <a:latin typeface="Times New Roman" panose="02020603050405020304" pitchFamily="18" charset="0"/>
+                <a:cs typeface="Times New Roman" panose="02020603050405020304" pitchFamily="18" charset="0"/>
+              </a:rPr>
+              <a:t> @Input &amp; @Output </a:t>
+            </a:r>
+            <a:r>
+              <a:rPr lang="nl-NL" sz="2200" dirty="0" err="1">
+                <a:latin typeface="Times New Roman" panose="02020603050405020304" pitchFamily="18" charset="0"/>
+                <a:cs typeface="Times New Roman" panose="02020603050405020304" pitchFamily="18" charset="0"/>
+              </a:rPr>
+              <a:t>decorator</a:t>
+            </a:r>
+            <a:endParaRPr lang="en-US" sz="2200" dirty="0">
+              <a:latin typeface="Times New Roman" panose="02020603050405020304" pitchFamily="18" charset="0"/>
+              <a:cs typeface="Times New Roman" panose="02020603050405020304" pitchFamily="18" charset="0"/>
+            </a:endParaRPr>
           </a:p>
         </p:txBody>
       </p:sp>
     </p:spTree>
     <p:extLst>
       <p:ext uri="{BB962C8B-B14F-4D97-AF65-F5344CB8AC3E}">
-        <p14:creationId xmlns:p14="http://schemas.microsoft.com/office/powerpoint/2010/main" val="3212059875"/>
+        <p14:creationId xmlns:p14="http://schemas.microsoft.com/office/powerpoint/2010/main" val="3308716006"/>
       </p:ext>
     </p:extLst>
   </p:cSld>
@@ -9634,123 +9082,302 @@
           <a:lstStyle/>
           <a:p>
             <a:r>
-              <a:rPr lang="nl-NL" dirty="0" smtClean="0">
-                <a:latin typeface="Times New Roman" panose="02020603050405020304" pitchFamily="18" charset="0"/>
-                <a:cs typeface="Times New Roman" panose="02020603050405020304" pitchFamily="18" charset="0"/>
-              </a:rPr>
-              <a:t>OOP</a:t>
-            </a:r>
-            <a:endParaRPr lang="en-US" dirty="0">
+              <a:rPr lang="en-US" dirty="0">
+                <a:latin typeface="Times New Roman" panose="02020603050405020304" pitchFamily="18" charset="0"/>
+                <a:cs typeface="Times New Roman" panose="02020603050405020304" pitchFamily="18" charset="0"/>
+              </a:rPr>
+              <a:t>Architecture overview</a:t>
+            </a:r>
+          </a:p>
+        </p:txBody>
+      </p:sp>
+      <p:sp>
+        <p:nvSpPr>
+          <p:cNvPr id="3" name="Content Placeholder 2"/>
+          <p:cNvSpPr>
+            <a:spLocks noGrp="1"/>
+          </p:cNvSpPr>
+          <p:nvPr>
+            <p:ph idx="1"/>
+          </p:nvPr>
+        </p:nvSpPr>
+        <p:spPr/>
+        <p:txBody>
+          <a:bodyPr>
+            <a:normAutofit/>
+          </a:bodyPr>
+          <a:lstStyle/>
+          <a:p>
+            <a:r>
+              <a:rPr lang="en-US" sz="2200" b="1" dirty="0">
+                <a:latin typeface="Times New Roman" panose="02020603050405020304" pitchFamily="18" charset="0"/>
+                <a:cs typeface="Times New Roman" panose="02020603050405020304" pitchFamily="18" charset="0"/>
+              </a:rPr>
+              <a:t>Directives: </a:t>
+            </a:r>
+            <a:r>
+              <a:rPr lang="en-US" sz="2200" dirty="0">
+                <a:latin typeface="Times New Roman" panose="02020603050405020304" pitchFamily="18" charset="0"/>
+                <a:cs typeface="Times New Roman" panose="02020603050405020304" pitchFamily="18" charset="0"/>
+              </a:rPr>
+              <a:t>In </a:t>
+            </a:r>
+            <a:r>
+              <a:rPr lang="en-US" sz="2200" i="1" dirty="0">
+                <a:latin typeface="Times New Roman" panose="02020603050405020304" pitchFamily="18" charset="0"/>
+                <a:cs typeface="Times New Roman" panose="02020603050405020304" pitchFamily="18" charset="0"/>
+              </a:rPr>
+              <a:t>Angular</a:t>
+            </a:r>
+            <a:r>
+              <a:rPr lang="en-US" sz="2200" dirty="0">
+                <a:latin typeface="Times New Roman" panose="02020603050405020304" pitchFamily="18" charset="0"/>
+                <a:cs typeface="Times New Roman" panose="02020603050405020304" pitchFamily="18" charset="0"/>
+              </a:rPr>
+              <a:t>, there are three kinds of </a:t>
+            </a:r>
+            <a:r>
+              <a:rPr lang="en-US" sz="2200" i="1" dirty="0">
+                <a:latin typeface="Times New Roman" panose="02020603050405020304" pitchFamily="18" charset="0"/>
+                <a:cs typeface="Times New Roman" panose="02020603050405020304" pitchFamily="18" charset="0"/>
+              </a:rPr>
+              <a:t>Directives</a:t>
+            </a:r>
+            <a:r>
+              <a:rPr lang="en-US" sz="2200" dirty="0">
+                <a:latin typeface="Times New Roman" panose="02020603050405020304" pitchFamily="18" charset="0"/>
+                <a:cs typeface="Times New Roman" panose="02020603050405020304" pitchFamily="18" charset="0"/>
+              </a:rPr>
+              <a:t>:</a:t>
+            </a:r>
+          </a:p>
+          <a:p>
+            <a:r>
+              <a:rPr lang="en-US" sz="2200" i="1" dirty="0">
+                <a:latin typeface="Times New Roman" panose="02020603050405020304" pitchFamily="18" charset="0"/>
+                <a:cs typeface="Times New Roman" panose="02020603050405020304" pitchFamily="18" charset="0"/>
+              </a:rPr>
+              <a:t>Components</a:t>
+            </a:r>
+            <a:r>
+              <a:rPr lang="en-US" sz="2200" dirty="0">
+                <a:latin typeface="Times New Roman" panose="02020603050405020304" pitchFamily="18" charset="0"/>
+                <a:cs typeface="Times New Roman" panose="02020603050405020304" pitchFamily="18" charset="0"/>
+              </a:rPr>
+              <a:t> — </a:t>
+            </a:r>
+            <a:r>
+              <a:rPr lang="en-US" sz="2200" i="1" dirty="0">
+                <a:latin typeface="Times New Roman" panose="02020603050405020304" pitchFamily="18" charset="0"/>
+                <a:cs typeface="Times New Roman" panose="02020603050405020304" pitchFamily="18" charset="0"/>
+              </a:rPr>
+              <a:t>Directives</a:t>
+            </a:r>
+            <a:r>
+              <a:rPr lang="en-US" sz="2200" dirty="0">
+                <a:latin typeface="Times New Roman" panose="02020603050405020304" pitchFamily="18" charset="0"/>
+                <a:cs typeface="Times New Roman" panose="02020603050405020304" pitchFamily="18" charset="0"/>
+              </a:rPr>
+              <a:t> with a template</a:t>
+            </a:r>
+          </a:p>
+          <a:p>
+            <a:r>
+              <a:rPr lang="en-US" sz="2200" i="1" dirty="0">
+                <a:latin typeface="Times New Roman" panose="02020603050405020304" pitchFamily="18" charset="0"/>
+                <a:cs typeface="Times New Roman" panose="02020603050405020304" pitchFamily="18" charset="0"/>
+              </a:rPr>
+              <a:t>Structural Directives</a:t>
+            </a:r>
+            <a:r>
+              <a:rPr lang="en-US" sz="2200" dirty="0">
+                <a:latin typeface="Times New Roman" panose="02020603050405020304" pitchFamily="18" charset="0"/>
+                <a:cs typeface="Times New Roman" panose="02020603050405020304" pitchFamily="18" charset="0"/>
+              </a:rPr>
+              <a:t> — change the </a:t>
+            </a:r>
+            <a:r>
+              <a:rPr lang="en-US" sz="2200" i="1" dirty="0">
+                <a:latin typeface="Times New Roman" panose="02020603050405020304" pitchFamily="18" charset="0"/>
+                <a:cs typeface="Times New Roman" panose="02020603050405020304" pitchFamily="18" charset="0"/>
+              </a:rPr>
+              <a:t>DOM</a:t>
+            </a:r>
+            <a:r>
+              <a:rPr lang="en-US" sz="2200" dirty="0">
+                <a:latin typeface="Times New Roman" panose="02020603050405020304" pitchFamily="18" charset="0"/>
+                <a:cs typeface="Times New Roman" panose="02020603050405020304" pitchFamily="18" charset="0"/>
+              </a:rPr>
+              <a:t> layout by adding and removing </a:t>
+            </a:r>
+            <a:r>
+              <a:rPr lang="en-US" sz="2200" i="1" dirty="0">
+                <a:latin typeface="Times New Roman" panose="02020603050405020304" pitchFamily="18" charset="0"/>
+                <a:cs typeface="Times New Roman" panose="02020603050405020304" pitchFamily="18" charset="0"/>
+              </a:rPr>
+              <a:t>DOM</a:t>
+            </a:r>
+            <a:r>
+              <a:rPr lang="en-US" sz="2200" dirty="0">
+                <a:latin typeface="Times New Roman" panose="02020603050405020304" pitchFamily="18" charset="0"/>
+                <a:cs typeface="Times New Roman" panose="02020603050405020304" pitchFamily="18" charset="0"/>
+              </a:rPr>
+              <a:t> elements</a:t>
+            </a:r>
+          </a:p>
+          <a:p>
+            <a:r>
+              <a:rPr lang="en-US" sz="2200" i="1" dirty="0">
+                <a:latin typeface="Times New Roman" panose="02020603050405020304" pitchFamily="18" charset="0"/>
+                <a:cs typeface="Times New Roman" panose="02020603050405020304" pitchFamily="18" charset="0"/>
+              </a:rPr>
+              <a:t>Attribute Directives</a:t>
+            </a:r>
+            <a:r>
+              <a:rPr lang="en-US" sz="2200" dirty="0">
+                <a:latin typeface="Times New Roman" panose="02020603050405020304" pitchFamily="18" charset="0"/>
+                <a:cs typeface="Times New Roman" panose="02020603050405020304" pitchFamily="18" charset="0"/>
+              </a:rPr>
+              <a:t> — change the appearance or behavior of an element, </a:t>
+            </a:r>
+            <a:r>
+              <a:rPr lang="en-US" sz="2200" i="1" dirty="0">
+                <a:latin typeface="Times New Roman" panose="02020603050405020304" pitchFamily="18" charset="0"/>
+                <a:cs typeface="Times New Roman" panose="02020603050405020304" pitchFamily="18" charset="0"/>
+              </a:rPr>
+              <a:t>Component</a:t>
+            </a:r>
+            <a:r>
+              <a:rPr lang="en-US" sz="2200" dirty="0">
+                <a:latin typeface="Times New Roman" panose="02020603050405020304" pitchFamily="18" charset="0"/>
+                <a:cs typeface="Times New Roman" panose="02020603050405020304" pitchFamily="18" charset="0"/>
+              </a:rPr>
+              <a:t>, or another </a:t>
+            </a:r>
+            <a:r>
+              <a:rPr lang="en-US" sz="2200" i="1" dirty="0">
+                <a:latin typeface="Times New Roman" panose="02020603050405020304" pitchFamily="18" charset="0"/>
+                <a:cs typeface="Times New Roman" panose="02020603050405020304" pitchFamily="18" charset="0"/>
+              </a:rPr>
+              <a:t>Directive</a:t>
+            </a:r>
+            <a:endParaRPr lang="en-US" sz="2200" dirty="0">
               <a:latin typeface="Times New Roman" panose="02020603050405020304" pitchFamily="18" charset="0"/>
               <a:cs typeface="Times New Roman" panose="02020603050405020304" pitchFamily="18" charset="0"/>
             </a:endParaRPr>
           </a:p>
-        </p:txBody>
-      </p:sp>
-      <p:sp>
-        <p:nvSpPr>
-          <p:cNvPr id="3" name="Content Placeholder 2"/>
-          <p:cNvSpPr>
-            <a:spLocks noGrp="1"/>
-          </p:cNvSpPr>
-          <p:nvPr>
-            <p:ph idx="1"/>
-          </p:nvPr>
-        </p:nvSpPr>
-        <p:spPr/>
-        <p:txBody>
-          <a:bodyPr/>
-          <a:lstStyle/>
-          <a:p>
-            <a:r>
-              <a:rPr lang="nl-NL" b="1" dirty="0" smtClean="0">
-                <a:latin typeface="Times New Roman" panose="02020603050405020304" pitchFamily="18" charset="0"/>
-                <a:cs typeface="Times New Roman" panose="02020603050405020304" pitchFamily="18" charset="0"/>
-              </a:rPr>
-              <a:t>Class</a:t>
-            </a:r>
-            <a:r>
-              <a:rPr lang="nl-NL" dirty="0" smtClean="0">
-                <a:latin typeface="Times New Roman" panose="02020603050405020304" pitchFamily="18" charset="0"/>
-                <a:cs typeface="Times New Roman" panose="02020603050405020304" pitchFamily="18" charset="0"/>
-              </a:rPr>
-              <a:t> </a:t>
-            </a:r>
-            <a:r>
-              <a:rPr lang="en-US" dirty="0" smtClean="0">
-                <a:latin typeface="Times New Roman" panose="02020603050405020304" pitchFamily="18" charset="0"/>
-                <a:cs typeface="Times New Roman" panose="02020603050405020304" pitchFamily="18" charset="0"/>
-              </a:rPr>
-              <a:t>A </a:t>
-            </a:r>
-            <a:r>
-              <a:rPr lang="en-US" dirty="0">
-                <a:latin typeface="Times New Roman" panose="02020603050405020304" pitchFamily="18" charset="0"/>
-                <a:cs typeface="Times New Roman" panose="02020603050405020304" pitchFamily="18" charset="0"/>
-              </a:rPr>
-              <a:t>class can include the following:</a:t>
-            </a:r>
-          </a:p>
-          <a:p>
-            <a:r>
-              <a:rPr lang="en-US" dirty="0" smtClean="0">
-                <a:latin typeface="Times New Roman" panose="02020603050405020304" pitchFamily="18" charset="0"/>
-                <a:cs typeface="Times New Roman" panose="02020603050405020304" pitchFamily="18" charset="0"/>
-              </a:rPr>
-              <a:t>Constructor</a:t>
-            </a:r>
-          </a:p>
-          <a:p>
-            <a:r>
-              <a:rPr lang="en-US" dirty="0" smtClean="0">
-                <a:latin typeface="Times New Roman" panose="02020603050405020304" pitchFamily="18" charset="0"/>
-                <a:cs typeface="Times New Roman" panose="02020603050405020304" pitchFamily="18" charset="0"/>
-              </a:rPr>
-              <a:t>Properties</a:t>
-            </a:r>
-            <a:endParaRPr lang="en-US" dirty="0">
+          <a:p>
+            <a:r>
+              <a:rPr lang="en-US" sz="2200" i="1" dirty="0">
+                <a:latin typeface="Times New Roman" panose="02020603050405020304" pitchFamily="18" charset="0"/>
+                <a:cs typeface="Times New Roman" panose="02020603050405020304" pitchFamily="18" charset="0"/>
+              </a:rPr>
+              <a:t>Structural Directives</a:t>
+            </a:r>
+            <a:r>
+              <a:rPr lang="en-US" sz="2200" dirty="0">
+                <a:latin typeface="Times New Roman" panose="02020603050405020304" pitchFamily="18" charset="0"/>
+                <a:cs typeface="Times New Roman" panose="02020603050405020304" pitchFamily="18" charset="0"/>
+              </a:rPr>
+              <a:t> change the structure of the </a:t>
+            </a:r>
+            <a:r>
+              <a:rPr lang="en-US" sz="2200" i="1" dirty="0">
+                <a:latin typeface="Times New Roman" panose="02020603050405020304" pitchFamily="18" charset="0"/>
+                <a:cs typeface="Times New Roman" panose="02020603050405020304" pitchFamily="18" charset="0"/>
+              </a:rPr>
+              <a:t>View</a:t>
+            </a:r>
+            <a:r>
+              <a:rPr lang="en-US" sz="2200" dirty="0">
+                <a:latin typeface="Times New Roman" panose="02020603050405020304" pitchFamily="18" charset="0"/>
+                <a:cs typeface="Times New Roman" panose="02020603050405020304" pitchFamily="18" charset="0"/>
+              </a:rPr>
+              <a:t>. They are things like “</a:t>
+            </a:r>
+            <a:r>
+              <a:rPr lang="en-US" sz="2200" i="1" dirty="0" err="1">
+                <a:latin typeface="Times New Roman" panose="02020603050405020304" pitchFamily="18" charset="0"/>
+                <a:cs typeface="Times New Roman" panose="02020603050405020304" pitchFamily="18" charset="0"/>
+              </a:rPr>
+              <a:t>NgFor</a:t>
+            </a:r>
+            <a:r>
+              <a:rPr lang="en-US" sz="2200" dirty="0">
+                <a:latin typeface="Times New Roman" panose="02020603050405020304" pitchFamily="18" charset="0"/>
+                <a:cs typeface="Times New Roman" panose="02020603050405020304" pitchFamily="18" charset="0"/>
+              </a:rPr>
+              <a:t>” or “</a:t>
+            </a:r>
+            <a:r>
+              <a:rPr lang="en-US" sz="2200" i="1" dirty="0" err="1">
+                <a:latin typeface="Times New Roman" panose="02020603050405020304" pitchFamily="18" charset="0"/>
+                <a:cs typeface="Times New Roman" panose="02020603050405020304" pitchFamily="18" charset="0"/>
+              </a:rPr>
+              <a:t>NgIf</a:t>
+            </a:r>
+            <a:r>
+              <a:rPr lang="en-US" sz="2200" dirty="0">
+                <a:latin typeface="Times New Roman" panose="02020603050405020304" pitchFamily="18" charset="0"/>
+                <a:cs typeface="Times New Roman" panose="02020603050405020304" pitchFamily="18" charset="0"/>
+              </a:rPr>
+              <a:t> ”</a:t>
+            </a:r>
+            <a:endParaRPr lang="en-US" sz="2200" i="1" dirty="0">
               <a:latin typeface="Times New Roman" panose="02020603050405020304" pitchFamily="18" charset="0"/>
               <a:cs typeface="Times New Roman" panose="02020603050405020304" pitchFamily="18" charset="0"/>
             </a:endParaRPr>
           </a:p>
           <a:p>
             <a:r>
-              <a:rPr lang="en-US" dirty="0" smtClean="0">
-                <a:latin typeface="Times New Roman" panose="02020603050405020304" pitchFamily="18" charset="0"/>
-                <a:cs typeface="Times New Roman" panose="02020603050405020304" pitchFamily="18" charset="0"/>
-              </a:rPr>
-              <a:t>Methods</a:t>
-            </a:r>
-          </a:p>
-          <a:p>
-            <a:endParaRPr lang="en-US" dirty="0">
+              <a:rPr lang="en-US" sz="2200" i="1" dirty="0">
+                <a:latin typeface="Times New Roman" panose="02020603050405020304" pitchFamily="18" charset="0"/>
+                <a:cs typeface="Times New Roman" panose="02020603050405020304" pitchFamily="18" charset="0"/>
+              </a:rPr>
+              <a:t>Attribute Directives</a:t>
+            </a:r>
+            <a:r>
+              <a:rPr lang="en-US" sz="2200" dirty="0">
+                <a:latin typeface="Times New Roman" panose="02020603050405020304" pitchFamily="18" charset="0"/>
+                <a:cs typeface="Times New Roman" panose="02020603050405020304" pitchFamily="18" charset="0"/>
+              </a:rPr>
+              <a:t> are used as attributes of elements. They are things like “</a:t>
+            </a:r>
+            <a:r>
+              <a:rPr lang="en-US" sz="2200" i="1" dirty="0" err="1">
+                <a:latin typeface="Times New Roman" panose="02020603050405020304" pitchFamily="18" charset="0"/>
+                <a:cs typeface="Times New Roman" panose="02020603050405020304" pitchFamily="18" charset="0"/>
+              </a:rPr>
+              <a:t>NgClass</a:t>
+            </a:r>
+            <a:r>
+              <a:rPr lang="en-US" sz="2200" dirty="0">
+                <a:latin typeface="Times New Roman" panose="02020603050405020304" pitchFamily="18" charset="0"/>
+                <a:cs typeface="Times New Roman" panose="02020603050405020304" pitchFamily="18" charset="0"/>
+              </a:rPr>
+              <a:t>” or “</a:t>
+            </a:r>
+            <a:r>
+              <a:rPr lang="en-US" sz="2200" i="1" dirty="0" err="1">
+                <a:latin typeface="Times New Roman" panose="02020603050405020304" pitchFamily="18" charset="0"/>
+                <a:cs typeface="Times New Roman" panose="02020603050405020304" pitchFamily="18" charset="0"/>
+              </a:rPr>
+              <a:t>NgStyle</a:t>
+            </a:r>
+            <a:r>
+              <a:rPr lang="en-US" sz="2200" dirty="0">
+                <a:latin typeface="Times New Roman" panose="02020603050405020304" pitchFamily="18" charset="0"/>
+                <a:cs typeface="Times New Roman" panose="02020603050405020304" pitchFamily="18" charset="0"/>
+              </a:rPr>
+              <a:t>”</a:t>
+            </a:r>
+            <a:endParaRPr lang="en-US" sz="2200" b="1" dirty="0">
               <a:latin typeface="Times New Roman" panose="02020603050405020304" pitchFamily="18" charset="0"/>
               <a:cs typeface="Times New Roman" panose="02020603050405020304" pitchFamily="18" charset="0"/>
             </a:endParaRPr>
           </a:p>
           <a:p>
-            <a:r>
-              <a:rPr lang="en-US" b="1" dirty="0">
-                <a:latin typeface="Times New Roman" panose="02020603050405020304" pitchFamily="18" charset="0"/>
-                <a:cs typeface="Times New Roman" panose="02020603050405020304" pitchFamily="18" charset="0"/>
-              </a:rPr>
-              <a:t>Abstract </a:t>
-            </a:r>
-            <a:r>
-              <a:rPr lang="en-US" b="1" dirty="0" smtClean="0">
-                <a:latin typeface="Times New Roman" panose="02020603050405020304" pitchFamily="18" charset="0"/>
-                <a:cs typeface="Times New Roman" panose="02020603050405020304" pitchFamily="18" charset="0"/>
-              </a:rPr>
-              <a:t>classes:  </a:t>
-            </a:r>
-            <a:r>
-              <a:rPr lang="en-US" dirty="0">
-                <a:latin typeface="Times New Roman" panose="02020603050405020304" pitchFamily="18" charset="0"/>
-                <a:cs typeface="Times New Roman" panose="02020603050405020304" pitchFamily="18" charset="0"/>
-              </a:rPr>
-              <a:t>are mainly for inheritance where other classes may derive from them</a:t>
-            </a:r>
-            <a:endParaRPr lang="en-US" dirty="0">
+            <a:endParaRPr lang="en-US" sz="2200" dirty="0">
               <a:latin typeface="Times New Roman" panose="02020603050405020304" pitchFamily="18" charset="0"/>
               <a:cs typeface="Times New Roman" panose="02020603050405020304" pitchFamily="18" charset="0"/>
             </a:endParaRPr>
@@ -9760,7 +9387,7 @@
     </p:spTree>
     <p:extLst>
       <p:ext uri="{BB962C8B-B14F-4D97-AF65-F5344CB8AC3E}">
-        <p14:creationId xmlns:p14="http://schemas.microsoft.com/office/powerpoint/2010/main" val="3403593871"/>
+        <p14:creationId xmlns:p14="http://schemas.microsoft.com/office/powerpoint/2010/main" val="1509492865"/>
       </p:ext>
     </p:extLst>
   </p:cSld>

--- a/Angular Workshop/Angular Workshop.pptx
+++ b/Angular Workshop/Angular Workshop.pptx
@@ -5,7 +5,7 @@
     <p:sldMasterId id="2147483790" r:id="rId1"/>
   </p:sldMasterIdLst>
   <p:notesMasterIdLst>
-    <p:notesMasterId r:id="rId22"/>
+    <p:notesMasterId r:id="rId23"/>
   </p:notesMasterIdLst>
   <p:sldIdLst>
     <p:sldId id="256" r:id="rId2"/>
@@ -28,6 +28,7 @@
     <p:sldId id="273" r:id="rId19"/>
     <p:sldId id="274" r:id="rId20"/>
     <p:sldId id="275" r:id="rId21"/>
+    <p:sldId id="276" r:id="rId22"/>
   </p:sldIdLst>
   <p:sldSz cx="12192000" cy="6858000"/>
   <p:notesSz cx="6858000" cy="9144000"/>
@@ -7314,6 +7315,275 @@
 </p:sld>
 </file>
 
+<file path=ppt/slides/slide21.xml><?xml version="1.0" encoding="utf-8"?>
+<p:sld xmlns:a="http://schemas.openxmlformats.org/drawingml/2006/main" xmlns:r="http://schemas.openxmlformats.org/officeDocument/2006/relationships" xmlns:p="http://schemas.openxmlformats.org/presentationml/2006/main">
+  <p:cSld>
+    <p:spTree>
+      <p:nvGrpSpPr>
+        <p:cNvPr id="1" name=""/>
+        <p:cNvGrpSpPr/>
+        <p:nvPr/>
+      </p:nvGrpSpPr>
+      <p:grpSpPr>
+        <a:xfrm>
+          <a:off x="0" y="0"/>
+          <a:ext cx="0" cy="0"/>
+          <a:chOff x="0" y="0"/>
+          <a:chExt cx="0" cy="0"/>
+        </a:xfrm>
+      </p:grpSpPr>
+      <p:sp>
+        <p:nvSpPr>
+          <p:cNvPr id="2" name="Title 1">
+            <a:extLst>
+              <a:ext uri="{FF2B5EF4-FFF2-40B4-BE49-F238E27FC236}">
+                <a16:creationId xmlns:a16="http://schemas.microsoft.com/office/drawing/2014/main" id="{4E8E46E2-4366-4F67-9FB5-B507999C18F7}"/>
+              </a:ext>
+            </a:extLst>
+          </p:cNvPr>
+          <p:cNvSpPr>
+            <a:spLocks noGrp="1"/>
+          </p:cNvSpPr>
+          <p:nvPr>
+            <p:ph type="title"/>
+          </p:nvPr>
+        </p:nvSpPr>
+        <p:spPr>
+          <a:xfrm>
+            <a:off x="1069848" y="-95024"/>
+            <a:ext cx="10058400" cy="1609344"/>
+          </a:xfrm>
+        </p:spPr>
+        <p:txBody>
+          <a:bodyPr>
+            <a:normAutofit fontScale="90000"/>
+          </a:bodyPr>
+          <a:lstStyle/>
+          <a:p>
+            <a:br>
+              <a:rPr lang="en-US" dirty="0">
+                <a:latin typeface="Times New Roman" panose="02020603050405020304" pitchFamily="18" charset="0"/>
+                <a:cs typeface="Times New Roman" panose="02020603050405020304" pitchFamily="18" charset="0"/>
+              </a:rPr>
+            </a:br>
+            <a:r>
+              <a:rPr lang="en-US" dirty="0">
+                <a:latin typeface="Times New Roman" panose="02020603050405020304" pitchFamily="18" charset="0"/>
+                <a:cs typeface="Times New Roman" panose="02020603050405020304" pitchFamily="18" charset="0"/>
+              </a:rPr>
+              <a:t>TypeScript - Module</a:t>
+            </a:r>
+            <a:br>
+              <a:rPr lang="en-US" dirty="0">
+                <a:latin typeface="Times New Roman" panose="02020603050405020304" pitchFamily="18" charset="0"/>
+                <a:cs typeface="Times New Roman" panose="02020603050405020304" pitchFamily="18" charset="0"/>
+              </a:rPr>
+            </a:br>
+            <a:endParaRPr lang="en-US" dirty="0">
+              <a:latin typeface="Times New Roman" panose="02020603050405020304" pitchFamily="18" charset="0"/>
+              <a:cs typeface="Times New Roman" panose="02020603050405020304" pitchFamily="18" charset="0"/>
+            </a:endParaRPr>
+          </a:p>
+        </p:txBody>
+      </p:sp>
+      <p:sp>
+        <p:nvSpPr>
+          <p:cNvPr id="3" name="Content Placeholder 2">
+            <a:extLst>
+              <a:ext uri="{FF2B5EF4-FFF2-40B4-BE49-F238E27FC236}">
+                <a16:creationId xmlns:a16="http://schemas.microsoft.com/office/drawing/2014/main" id="{46E11EF3-FB91-4D8A-A344-658BC8C1B939}"/>
+              </a:ext>
+            </a:extLst>
+          </p:cNvPr>
+          <p:cNvSpPr>
+            <a:spLocks noGrp="1"/>
+          </p:cNvSpPr>
+          <p:nvPr>
+            <p:ph idx="1"/>
+          </p:nvPr>
+        </p:nvSpPr>
+        <p:spPr>
+          <a:xfrm>
+            <a:off x="1161361" y="1098695"/>
+            <a:ext cx="10058400" cy="5541801"/>
+          </a:xfrm>
+        </p:spPr>
+        <p:txBody>
+          <a:bodyPr>
+            <a:normAutofit/>
+          </a:bodyPr>
+          <a:lstStyle/>
+          <a:p>
+            <a:r>
+              <a:rPr lang="en-US" dirty="0"/>
+              <a:t>Importing a Single export from a Module:</a:t>
+            </a:r>
+          </a:p>
+          <a:p>
+            <a:endParaRPr lang="en-US" dirty="0"/>
+          </a:p>
+          <a:p>
+            <a:endParaRPr lang="en-US" dirty="0"/>
+          </a:p>
+          <a:p>
+            <a:endParaRPr lang="en-US" dirty="0"/>
+          </a:p>
+          <a:p>
+            <a:r>
+              <a:rPr lang="en-US" dirty="0"/>
+              <a:t>Importing the Entire Module into a Variable</a:t>
+            </a:r>
+          </a:p>
+          <a:p>
+            <a:endParaRPr lang="en-US" dirty="0"/>
+          </a:p>
+          <a:p>
+            <a:endParaRPr lang="en-US" dirty="0"/>
+          </a:p>
+          <a:p>
+            <a:endParaRPr lang="en-US" dirty="0"/>
+          </a:p>
+          <a:p>
+            <a:pPr marL="0" indent="0">
+              <a:buNone/>
+            </a:pPr>
+            <a:endParaRPr lang="en-US" dirty="0"/>
+          </a:p>
+          <a:p>
+            <a:r>
+              <a:rPr lang="en-US" dirty="0"/>
+              <a:t>Renaming an Export from a Module:</a:t>
+            </a:r>
+          </a:p>
+          <a:p>
+            <a:endParaRPr lang="en-US" dirty="0"/>
+          </a:p>
+          <a:p>
+            <a:endParaRPr lang="en-US" dirty="0"/>
+          </a:p>
+        </p:txBody>
+      </p:sp>
+      <p:pic>
+        <p:nvPicPr>
+          <p:cNvPr id="6" name="Picture 5">
+            <a:extLst>
+              <a:ext uri="{FF2B5EF4-FFF2-40B4-BE49-F238E27FC236}">
+                <a16:creationId xmlns:a16="http://schemas.microsoft.com/office/drawing/2014/main" id="{F59A1450-D806-40BA-9C89-7BEEFEABC899}"/>
+              </a:ext>
+            </a:extLst>
+          </p:cNvPr>
+          <p:cNvPicPr>
+            <a:picLocks noChangeAspect="1"/>
+          </p:cNvPicPr>
+          <p:nvPr/>
+        </p:nvPicPr>
+        <p:blipFill>
+          <a:blip r:embed="rId2">
+            <a:extLst>
+              <a:ext uri="{28A0092B-C50C-407E-A947-70E740481C1C}">
+                <a14:useLocalDpi xmlns:a14="http://schemas.microsoft.com/office/drawing/2010/main" val="0"/>
+              </a:ext>
+            </a:extLst>
+          </a:blip>
+          <a:stretch>
+            <a:fillRect/>
+          </a:stretch>
+        </p:blipFill>
+        <p:spPr>
+          <a:xfrm>
+            <a:off x="1269262" y="1496013"/>
+            <a:ext cx="9842598" cy="1286054"/>
+          </a:xfrm>
+          <a:prstGeom prst="rect">
+            <a:avLst/>
+          </a:prstGeom>
+        </p:spPr>
+      </p:pic>
+      <p:pic>
+        <p:nvPicPr>
+          <p:cNvPr id="8" name="Picture 7">
+            <a:extLst>
+              <a:ext uri="{FF2B5EF4-FFF2-40B4-BE49-F238E27FC236}">
+                <a16:creationId xmlns:a16="http://schemas.microsoft.com/office/drawing/2014/main" id="{2FBC3649-8EBE-4700-8648-D4EF97496A69}"/>
+              </a:ext>
+            </a:extLst>
+          </p:cNvPr>
+          <p:cNvPicPr>
+            <a:picLocks noChangeAspect="1"/>
+          </p:cNvPicPr>
+          <p:nvPr/>
+        </p:nvPicPr>
+        <p:blipFill>
+          <a:blip r:embed="rId3">
+            <a:extLst>
+              <a:ext uri="{28A0092B-C50C-407E-A947-70E740481C1C}">
+                <a14:useLocalDpi xmlns:a14="http://schemas.microsoft.com/office/drawing/2010/main" val="0"/>
+              </a:ext>
+            </a:extLst>
+          </a:blip>
+          <a:stretch>
+            <a:fillRect/>
+          </a:stretch>
+        </p:blipFill>
+        <p:spPr>
+          <a:xfrm>
+            <a:off x="1269262" y="3327366"/>
+            <a:ext cx="9869277" cy="1470075"/>
+          </a:xfrm>
+          <a:prstGeom prst="rect">
+            <a:avLst/>
+          </a:prstGeom>
+        </p:spPr>
+      </p:pic>
+      <p:pic>
+        <p:nvPicPr>
+          <p:cNvPr id="10" name="Picture 9">
+            <a:extLst>
+              <a:ext uri="{FF2B5EF4-FFF2-40B4-BE49-F238E27FC236}">
+                <a16:creationId xmlns:a16="http://schemas.microsoft.com/office/drawing/2014/main" id="{4D880A05-5F58-45B1-884D-75824689D61B}"/>
+              </a:ext>
+            </a:extLst>
+          </p:cNvPr>
+          <p:cNvPicPr>
+            <a:picLocks noChangeAspect="1"/>
+          </p:cNvPicPr>
+          <p:nvPr/>
+        </p:nvPicPr>
+        <p:blipFill>
+          <a:blip r:embed="rId4">
+            <a:extLst>
+              <a:ext uri="{28A0092B-C50C-407E-A947-70E740481C1C}">
+                <a14:useLocalDpi xmlns:a14="http://schemas.microsoft.com/office/drawing/2010/main" val="0"/>
+              </a:ext>
+            </a:extLst>
+          </a:blip>
+          <a:stretch>
+            <a:fillRect/>
+          </a:stretch>
+        </p:blipFill>
+        <p:spPr>
+          <a:xfrm>
+            <a:off x="1269262" y="5342740"/>
+            <a:ext cx="9842598" cy="1267002"/>
+          </a:xfrm>
+          <a:prstGeom prst="rect">
+            <a:avLst/>
+          </a:prstGeom>
+        </p:spPr>
+      </p:pic>
+    </p:spTree>
+    <p:extLst>
+      <p:ext uri="{BB962C8B-B14F-4D97-AF65-F5344CB8AC3E}">
+        <p14:creationId xmlns:p14="http://schemas.microsoft.com/office/powerpoint/2010/main" val="996895327"/>
+      </p:ext>
+    </p:extLst>
+  </p:cSld>
+  <p:clrMapOvr>
+    <a:masterClrMapping/>
+  </p:clrMapOvr>
+</p:sld>
+</file>
+
 <file path=ppt/slides/slide3.xml><?xml version="1.0" encoding="utf-8"?>
 <p:sld xmlns:a="http://schemas.openxmlformats.org/drawingml/2006/main" xmlns:r="http://schemas.openxmlformats.org/officeDocument/2006/relationships" xmlns:p="http://schemas.openxmlformats.org/presentationml/2006/main">
   <p:cSld>
@@ -7827,11 +8097,7 @@
                 <a:latin typeface="Times New Roman" panose="02020603050405020304" pitchFamily="18" charset="0"/>
                 <a:cs typeface="Times New Roman" panose="02020603050405020304" pitchFamily="18" charset="0"/>
               </a:rPr>
-              <a:t>Architecture</a:t>
-            </a:r>
-            <a:r>
-              <a:rPr lang="en-US" dirty="0"/>
-              <a:t> overview</a:t>
+              <a:t>Architecture overview</a:t>
             </a:r>
           </a:p>
         </p:txBody>

--- a/Angular Workshop/Angular Workshop.pptx
+++ b/Angular Workshop/Angular Workshop.pptx
@@ -5,7 +5,7 @@
     <p:sldMasterId id="2147483790" r:id="rId1"/>
   </p:sldMasterIdLst>
   <p:notesMasterIdLst>
-    <p:notesMasterId r:id="rId23"/>
+    <p:notesMasterId r:id="rId28"/>
   </p:notesMasterIdLst>
   <p:sldIdLst>
     <p:sldId id="256" r:id="rId2"/>
@@ -29,6 +29,11 @@
     <p:sldId id="274" r:id="rId20"/>
     <p:sldId id="275" r:id="rId21"/>
     <p:sldId id="276" r:id="rId22"/>
+    <p:sldId id="277" r:id="rId23"/>
+    <p:sldId id="278" r:id="rId24"/>
+    <p:sldId id="279" r:id="rId25"/>
+    <p:sldId id="280" r:id="rId26"/>
+    <p:sldId id="281" r:id="rId27"/>
   </p:sldIdLst>
   <p:sldSz cx="12192000" cy="6858000"/>
   <p:notesSz cx="6858000" cy="9144000"/>
@@ -7415,51 +7420,87 @@
           <a:lstStyle/>
           <a:p>
             <a:r>
-              <a:rPr lang="en-US" dirty="0"/>
+              <a:rPr lang="en-US" dirty="0">
+                <a:latin typeface="Times New Roman" panose="02020603050405020304" pitchFamily="18" charset="0"/>
+                <a:cs typeface="Times New Roman" panose="02020603050405020304" pitchFamily="18" charset="0"/>
+              </a:rPr>
               <a:t>Importing a Single export from a Module:</a:t>
             </a:r>
           </a:p>
           <a:p>
-            <a:endParaRPr lang="en-US" dirty="0"/>
-          </a:p>
-          <a:p>
-            <a:endParaRPr lang="en-US" dirty="0"/>
-          </a:p>
-          <a:p>
-            <a:endParaRPr lang="en-US" dirty="0"/>
-          </a:p>
-          <a:p>
-            <a:r>
-              <a:rPr lang="en-US" dirty="0"/>
+            <a:endParaRPr lang="en-US" dirty="0">
+              <a:latin typeface="Times New Roman" panose="02020603050405020304" pitchFamily="18" charset="0"/>
+              <a:cs typeface="Times New Roman" panose="02020603050405020304" pitchFamily="18" charset="0"/>
+            </a:endParaRPr>
+          </a:p>
+          <a:p>
+            <a:endParaRPr lang="en-US" dirty="0">
+              <a:latin typeface="Times New Roman" panose="02020603050405020304" pitchFamily="18" charset="0"/>
+              <a:cs typeface="Times New Roman" panose="02020603050405020304" pitchFamily="18" charset="0"/>
+            </a:endParaRPr>
+          </a:p>
+          <a:p>
+            <a:endParaRPr lang="en-US" dirty="0">
+              <a:latin typeface="Times New Roman" panose="02020603050405020304" pitchFamily="18" charset="0"/>
+              <a:cs typeface="Times New Roman" panose="02020603050405020304" pitchFamily="18" charset="0"/>
+            </a:endParaRPr>
+          </a:p>
+          <a:p>
+            <a:r>
+              <a:rPr lang="en-US" dirty="0">
+                <a:latin typeface="Times New Roman" panose="02020603050405020304" pitchFamily="18" charset="0"/>
+                <a:cs typeface="Times New Roman" panose="02020603050405020304" pitchFamily="18" charset="0"/>
+              </a:rPr>
               <a:t>Importing the Entire Module into a Variable</a:t>
             </a:r>
           </a:p>
           <a:p>
-            <a:endParaRPr lang="en-US" dirty="0"/>
-          </a:p>
-          <a:p>
-            <a:endParaRPr lang="en-US" dirty="0"/>
-          </a:p>
-          <a:p>
-            <a:endParaRPr lang="en-US" dirty="0"/>
+            <a:endParaRPr lang="en-US" dirty="0">
+              <a:latin typeface="Times New Roman" panose="02020603050405020304" pitchFamily="18" charset="0"/>
+              <a:cs typeface="Times New Roman" panose="02020603050405020304" pitchFamily="18" charset="0"/>
+            </a:endParaRPr>
+          </a:p>
+          <a:p>
+            <a:endParaRPr lang="en-US" dirty="0">
+              <a:latin typeface="Times New Roman" panose="02020603050405020304" pitchFamily="18" charset="0"/>
+              <a:cs typeface="Times New Roman" panose="02020603050405020304" pitchFamily="18" charset="0"/>
+            </a:endParaRPr>
+          </a:p>
+          <a:p>
+            <a:endParaRPr lang="en-US" dirty="0">
+              <a:latin typeface="Times New Roman" panose="02020603050405020304" pitchFamily="18" charset="0"/>
+              <a:cs typeface="Times New Roman" panose="02020603050405020304" pitchFamily="18" charset="0"/>
+            </a:endParaRPr>
           </a:p>
           <a:p>
             <a:pPr marL="0" indent="0">
               <a:buNone/>
             </a:pPr>
-            <a:endParaRPr lang="en-US" dirty="0"/>
-          </a:p>
-          <a:p>
-            <a:r>
-              <a:rPr lang="en-US" dirty="0"/>
+            <a:endParaRPr lang="en-US" dirty="0">
+              <a:latin typeface="Times New Roman" panose="02020603050405020304" pitchFamily="18" charset="0"/>
+              <a:cs typeface="Times New Roman" panose="02020603050405020304" pitchFamily="18" charset="0"/>
+            </a:endParaRPr>
+          </a:p>
+          <a:p>
+            <a:r>
+              <a:rPr lang="en-US" dirty="0">
+                <a:latin typeface="Times New Roman" panose="02020603050405020304" pitchFamily="18" charset="0"/>
+                <a:cs typeface="Times New Roman" panose="02020603050405020304" pitchFamily="18" charset="0"/>
+              </a:rPr>
               <a:t>Renaming an Export from a Module:</a:t>
             </a:r>
           </a:p>
           <a:p>
-            <a:endParaRPr lang="en-US" dirty="0"/>
-          </a:p>
-          <a:p>
-            <a:endParaRPr lang="en-US" dirty="0"/>
+            <a:endParaRPr lang="en-US" dirty="0">
+              <a:latin typeface="Times New Roman" panose="02020603050405020304" pitchFamily="18" charset="0"/>
+              <a:cs typeface="Times New Roman" panose="02020603050405020304" pitchFamily="18" charset="0"/>
+            </a:endParaRPr>
+          </a:p>
+          <a:p>
+            <a:endParaRPr lang="en-US" dirty="0">
+              <a:latin typeface="Times New Roman" panose="02020603050405020304" pitchFamily="18" charset="0"/>
+              <a:cs typeface="Times New Roman" panose="02020603050405020304" pitchFamily="18" charset="0"/>
+            </a:endParaRPr>
           </a:p>
         </p:txBody>
       </p:sp>
@@ -7575,6 +7616,610 @@
     <p:extLst>
       <p:ext uri="{BB962C8B-B14F-4D97-AF65-F5344CB8AC3E}">
         <p14:creationId xmlns:p14="http://schemas.microsoft.com/office/powerpoint/2010/main" val="996895327"/>
+      </p:ext>
+    </p:extLst>
+  </p:cSld>
+  <p:clrMapOvr>
+    <a:masterClrMapping/>
+  </p:clrMapOvr>
+</p:sld>
+</file>
+
+<file path=ppt/slides/slide22.xml><?xml version="1.0" encoding="utf-8"?>
+<p:sld xmlns:a="http://schemas.openxmlformats.org/drawingml/2006/main" xmlns:r="http://schemas.openxmlformats.org/officeDocument/2006/relationships" xmlns:p="http://schemas.openxmlformats.org/presentationml/2006/main">
+  <p:cSld>
+    <p:spTree>
+      <p:nvGrpSpPr>
+        <p:cNvPr id="1" name=""/>
+        <p:cNvGrpSpPr/>
+        <p:nvPr/>
+      </p:nvGrpSpPr>
+      <p:grpSpPr>
+        <a:xfrm>
+          <a:off x="0" y="0"/>
+          <a:ext cx="0" cy="0"/>
+          <a:chOff x="0" y="0"/>
+          <a:chExt cx="0" cy="0"/>
+        </a:xfrm>
+      </p:grpSpPr>
+      <p:sp>
+        <p:nvSpPr>
+          <p:cNvPr id="2" name="Title 1">
+            <a:extLst>
+              <a:ext uri="{FF2B5EF4-FFF2-40B4-BE49-F238E27FC236}">
+                <a16:creationId xmlns:a16="http://schemas.microsoft.com/office/drawing/2014/main" id="{468494B9-63FD-435A-AFA6-53E2454B48B6}"/>
+              </a:ext>
+            </a:extLst>
+          </p:cNvPr>
+          <p:cNvSpPr>
+            <a:spLocks noGrp="1"/>
+          </p:cNvSpPr>
+          <p:nvPr>
+            <p:ph type="title"/>
+          </p:nvPr>
+        </p:nvSpPr>
+        <p:spPr/>
+        <p:txBody>
+          <a:bodyPr>
+            <a:normAutofit fontScale="90000"/>
+          </a:bodyPr>
+          <a:lstStyle/>
+          <a:p>
+            <a:br>
+              <a:rPr lang="en-US" b="1" dirty="0">
+                <a:latin typeface="Times New Roman" panose="02020603050405020304" pitchFamily="18" charset="0"/>
+                <a:cs typeface="Times New Roman" panose="02020603050405020304" pitchFamily="18" charset="0"/>
+              </a:rPr>
+            </a:br>
+            <a:r>
+              <a:rPr lang="en-US" b="1" dirty="0">
+                <a:latin typeface="Times New Roman" panose="02020603050405020304" pitchFamily="18" charset="0"/>
+                <a:cs typeface="Times New Roman" panose="02020603050405020304" pitchFamily="18" charset="0"/>
+              </a:rPr>
+              <a:t>Getting Started</a:t>
+            </a:r>
+            <a:br>
+              <a:rPr lang="en-US" b="1" dirty="0">
+                <a:latin typeface="Times New Roman" panose="02020603050405020304" pitchFamily="18" charset="0"/>
+                <a:cs typeface="Times New Roman" panose="02020603050405020304" pitchFamily="18" charset="0"/>
+              </a:rPr>
+            </a:br>
+            <a:endParaRPr lang="en-US" dirty="0">
+              <a:latin typeface="Times New Roman" panose="02020603050405020304" pitchFamily="18" charset="0"/>
+              <a:cs typeface="Times New Roman" panose="02020603050405020304" pitchFamily="18" charset="0"/>
+            </a:endParaRPr>
+          </a:p>
+        </p:txBody>
+      </p:sp>
+      <p:sp>
+        <p:nvSpPr>
+          <p:cNvPr id="3" name="Content Placeholder 2">
+            <a:extLst>
+              <a:ext uri="{FF2B5EF4-FFF2-40B4-BE49-F238E27FC236}">
+                <a16:creationId xmlns:a16="http://schemas.microsoft.com/office/drawing/2014/main" id="{B695AC8C-CF3A-4D2C-AF0D-DB5C38E01702}"/>
+              </a:ext>
+            </a:extLst>
+          </p:cNvPr>
+          <p:cNvSpPr>
+            <a:spLocks noGrp="1"/>
+          </p:cNvSpPr>
+          <p:nvPr>
+            <p:ph idx="1"/>
+          </p:nvPr>
+        </p:nvSpPr>
+        <p:spPr/>
+        <p:txBody>
+          <a:bodyPr/>
+          <a:lstStyle/>
+          <a:p>
+            <a:r>
+              <a:rPr lang="en-US" dirty="0">
+                <a:latin typeface="Times New Roman" panose="02020603050405020304" pitchFamily="18" charset="0"/>
+                <a:cs typeface="Times New Roman" panose="02020603050405020304" pitchFamily="18" charset="0"/>
+              </a:rPr>
+              <a:t>SASS is a CSS preprocessor, which adds special features such as variables, nested rules and </a:t>
+            </a:r>
+            <a:r>
+              <a:rPr lang="en-US" dirty="0" err="1">
+                <a:latin typeface="Times New Roman" panose="02020603050405020304" pitchFamily="18" charset="0"/>
+                <a:cs typeface="Times New Roman" panose="02020603050405020304" pitchFamily="18" charset="0"/>
+              </a:rPr>
+              <a:t>mixins</a:t>
+            </a:r>
+            <a:r>
+              <a:rPr lang="en-US" dirty="0">
+                <a:latin typeface="Times New Roman" panose="02020603050405020304" pitchFamily="18" charset="0"/>
+                <a:cs typeface="Times New Roman" panose="02020603050405020304" pitchFamily="18" charset="0"/>
+              </a:rPr>
+              <a:t> (sometimes referred to as syntactic sugar) into regular CSS</a:t>
+            </a:r>
+          </a:p>
+          <a:p>
+            <a:pPr marL="0" indent="0">
+              <a:buNone/>
+            </a:pPr>
+            <a:r>
+              <a:rPr lang="en-US" dirty="0">
+                <a:latin typeface="Times New Roman" panose="02020603050405020304" pitchFamily="18" charset="0"/>
+                <a:cs typeface="Times New Roman" panose="02020603050405020304" pitchFamily="18" charset="0"/>
+              </a:rPr>
+              <a:t>Benefit of SASS</a:t>
+            </a:r>
+          </a:p>
+          <a:p>
+            <a:pPr marL="457200" indent="-457200">
+              <a:buFont typeface="+mj-lt"/>
+              <a:buAutoNum type="arabicPeriod"/>
+            </a:pPr>
+            <a:r>
+              <a:rPr lang="en-US" dirty="0">
+                <a:latin typeface="Times New Roman" panose="02020603050405020304" pitchFamily="18" charset="0"/>
+                <a:cs typeface="Times New Roman" panose="02020603050405020304" pitchFamily="18" charset="0"/>
+              </a:rPr>
+              <a:t>Variables</a:t>
+            </a:r>
+          </a:p>
+          <a:p>
+            <a:pPr marL="457200" indent="-457200">
+              <a:buFont typeface="+mj-lt"/>
+              <a:buAutoNum type="arabicPeriod"/>
+            </a:pPr>
+            <a:r>
+              <a:rPr lang="en-US" dirty="0">
+                <a:latin typeface="Times New Roman" panose="02020603050405020304" pitchFamily="18" charset="0"/>
+                <a:cs typeface="Times New Roman" panose="02020603050405020304" pitchFamily="18" charset="0"/>
+              </a:rPr>
+              <a:t>Nesting</a:t>
+            </a:r>
+          </a:p>
+          <a:p>
+            <a:pPr marL="457200" indent="-457200">
+              <a:buFont typeface="+mj-lt"/>
+              <a:buAutoNum type="arabicPeriod"/>
+            </a:pPr>
+            <a:r>
+              <a:rPr lang="en-US" dirty="0">
+                <a:latin typeface="Times New Roman" panose="02020603050405020304" pitchFamily="18" charset="0"/>
+                <a:cs typeface="Times New Roman" panose="02020603050405020304" pitchFamily="18" charset="0"/>
+              </a:rPr>
+              <a:t>Partial Import</a:t>
+            </a:r>
+          </a:p>
+          <a:p>
+            <a:pPr marL="457200" indent="-457200">
+              <a:buFont typeface="+mj-lt"/>
+              <a:buAutoNum type="arabicPeriod"/>
+            </a:pPr>
+            <a:r>
+              <a:rPr lang="en-US" dirty="0" err="1">
+                <a:latin typeface="Times New Roman" panose="02020603050405020304" pitchFamily="18" charset="0"/>
+                <a:cs typeface="Times New Roman" panose="02020603050405020304" pitchFamily="18" charset="0"/>
+              </a:rPr>
+              <a:t>Mixins</a:t>
+            </a:r>
+            <a:endParaRPr lang="en-US" dirty="0">
+              <a:latin typeface="Times New Roman" panose="02020603050405020304" pitchFamily="18" charset="0"/>
+              <a:cs typeface="Times New Roman" panose="02020603050405020304" pitchFamily="18" charset="0"/>
+            </a:endParaRPr>
+          </a:p>
+          <a:p>
+            <a:pPr marL="457200" indent="-457200">
+              <a:buFont typeface="+mj-lt"/>
+              <a:buAutoNum type="arabicPeriod"/>
+            </a:pPr>
+            <a:r>
+              <a:rPr lang="en-US" dirty="0">
+                <a:latin typeface="Times New Roman" panose="02020603050405020304" pitchFamily="18" charset="0"/>
+                <a:cs typeface="Times New Roman" panose="02020603050405020304" pitchFamily="18" charset="0"/>
+              </a:rPr>
+              <a:t>Extend/Inheritance</a:t>
+            </a:r>
+          </a:p>
+          <a:p>
+            <a:endParaRPr lang="en-US" dirty="0">
+              <a:latin typeface="Times New Roman" panose="02020603050405020304" pitchFamily="18" charset="0"/>
+              <a:cs typeface="Times New Roman" panose="02020603050405020304" pitchFamily="18" charset="0"/>
+            </a:endParaRPr>
+          </a:p>
+          <a:p>
+            <a:endParaRPr lang="en-US" dirty="0">
+              <a:latin typeface="Times New Roman" panose="02020603050405020304" pitchFamily="18" charset="0"/>
+              <a:cs typeface="Times New Roman" panose="02020603050405020304" pitchFamily="18" charset="0"/>
+            </a:endParaRPr>
+          </a:p>
+        </p:txBody>
+      </p:sp>
+    </p:spTree>
+    <p:extLst>
+      <p:ext uri="{BB962C8B-B14F-4D97-AF65-F5344CB8AC3E}">
+        <p14:creationId xmlns:p14="http://schemas.microsoft.com/office/powerpoint/2010/main" val="3113181684"/>
+      </p:ext>
+    </p:extLst>
+  </p:cSld>
+  <p:clrMapOvr>
+    <a:masterClrMapping/>
+  </p:clrMapOvr>
+</p:sld>
+</file>
+
+<file path=ppt/slides/slide23.xml><?xml version="1.0" encoding="utf-8"?>
+<p:sld xmlns:a="http://schemas.openxmlformats.org/drawingml/2006/main" xmlns:r="http://schemas.openxmlformats.org/officeDocument/2006/relationships" xmlns:p="http://schemas.openxmlformats.org/presentationml/2006/main">
+  <p:cSld>
+    <p:spTree>
+      <p:nvGrpSpPr>
+        <p:cNvPr id="1" name=""/>
+        <p:cNvGrpSpPr/>
+        <p:nvPr/>
+      </p:nvGrpSpPr>
+      <p:grpSpPr>
+        <a:xfrm>
+          <a:off x="0" y="0"/>
+          <a:ext cx="0" cy="0"/>
+          <a:chOff x="0" y="0"/>
+          <a:chExt cx="0" cy="0"/>
+        </a:xfrm>
+      </p:grpSpPr>
+      <p:sp>
+        <p:nvSpPr>
+          <p:cNvPr id="2" name="Title 1">
+            <a:extLst>
+              <a:ext uri="{FF2B5EF4-FFF2-40B4-BE49-F238E27FC236}">
+                <a16:creationId xmlns:a16="http://schemas.microsoft.com/office/drawing/2014/main" id="{DC9D6F5E-CEDA-4DBA-9EFF-9DA5BC48DE19}"/>
+              </a:ext>
+            </a:extLst>
+          </p:cNvPr>
+          <p:cNvSpPr>
+            <a:spLocks noGrp="1"/>
+          </p:cNvSpPr>
+          <p:nvPr>
+            <p:ph type="title"/>
+          </p:nvPr>
+        </p:nvSpPr>
+        <p:spPr/>
+        <p:txBody>
+          <a:bodyPr/>
+          <a:lstStyle/>
+          <a:p>
+            <a:r>
+              <a:rPr lang="en-US" dirty="0">
+                <a:latin typeface="Times New Roman" panose="02020603050405020304" pitchFamily="18" charset="0"/>
+                <a:cs typeface="Times New Roman" panose="02020603050405020304" pitchFamily="18" charset="0"/>
+              </a:rPr>
+              <a:t>Benefit of SASS</a:t>
+            </a:r>
+          </a:p>
+        </p:txBody>
+      </p:sp>
+      <p:pic>
+        <p:nvPicPr>
+          <p:cNvPr id="5" name="Content Placeholder 4">
+            <a:extLst>
+              <a:ext uri="{FF2B5EF4-FFF2-40B4-BE49-F238E27FC236}">
+                <a16:creationId xmlns:a16="http://schemas.microsoft.com/office/drawing/2014/main" id="{F8018F80-C482-4162-87F4-3B4430AD1259}"/>
+              </a:ext>
+            </a:extLst>
+          </p:cNvPr>
+          <p:cNvPicPr>
+            <a:picLocks noGrp="1" noChangeAspect="1"/>
+          </p:cNvPicPr>
+          <p:nvPr>
+            <p:ph idx="1"/>
+          </p:nvPr>
+        </p:nvPicPr>
+        <p:blipFill>
+          <a:blip r:embed="rId2">
+            <a:extLst>
+              <a:ext uri="{28A0092B-C50C-407E-A947-70E740481C1C}">
+                <a14:useLocalDpi xmlns:a14="http://schemas.microsoft.com/office/drawing/2010/main" val="0"/>
+              </a:ext>
+            </a:extLst>
+          </a:blip>
+          <a:stretch>
+            <a:fillRect/>
+          </a:stretch>
+        </p:blipFill>
+        <p:spPr>
+          <a:xfrm>
+            <a:off x="1069847" y="2239552"/>
+            <a:ext cx="7346183" cy="3734321"/>
+          </a:xfrm>
+        </p:spPr>
+      </p:pic>
+    </p:spTree>
+    <p:extLst>
+      <p:ext uri="{BB962C8B-B14F-4D97-AF65-F5344CB8AC3E}">
+        <p14:creationId xmlns:p14="http://schemas.microsoft.com/office/powerpoint/2010/main" val="3716649355"/>
+      </p:ext>
+    </p:extLst>
+  </p:cSld>
+  <p:clrMapOvr>
+    <a:masterClrMapping/>
+  </p:clrMapOvr>
+</p:sld>
+</file>
+
+<file path=ppt/slides/slide24.xml><?xml version="1.0" encoding="utf-8"?>
+<p:sld xmlns:a="http://schemas.openxmlformats.org/drawingml/2006/main" xmlns:r="http://schemas.openxmlformats.org/officeDocument/2006/relationships" xmlns:p="http://schemas.openxmlformats.org/presentationml/2006/main">
+  <p:cSld>
+    <p:spTree>
+      <p:nvGrpSpPr>
+        <p:cNvPr id="1" name=""/>
+        <p:cNvGrpSpPr/>
+        <p:nvPr/>
+      </p:nvGrpSpPr>
+      <p:grpSpPr>
+        <a:xfrm>
+          <a:off x="0" y="0"/>
+          <a:ext cx="0" cy="0"/>
+          <a:chOff x="0" y="0"/>
+          <a:chExt cx="0" cy="0"/>
+        </a:xfrm>
+      </p:grpSpPr>
+      <p:sp>
+        <p:nvSpPr>
+          <p:cNvPr id="2" name="Title 1">
+            <a:extLst>
+              <a:ext uri="{FF2B5EF4-FFF2-40B4-BE49-F238E27FC236}">
+                <a16:creationId xmlns:a16="http://schemas.microsoft.com/office/drawing/2014/main" id="{F845B438-718D-41FE-B912-05184CC77809}"/>
+              </a:ext>
+            </a:extLst>
+          </p:cNvPr>
+          <p:cNvSpPr>
+            <a:spLocks noGrp="1"/>
+          </p:cNvSpPr>
+          <p:nvPr>
+            <p:ph type="title"/>
+          </p:nvPr>
+        </p:nvSpPr>
+        <p:spPr/>
+        <p:txBody>
+          <a:bodyPr/>
+          <a:lstStyle/>
+          <a:p>
+            <a:r>
+              <a:rPr lang="en-US" dirty="0">
+                <a:latin typeface="Times New Roman" panose="02020603050405020304" pitchFamily="18" charset="0"/>
+                <a:cs typeface="Times New Roman" panose="02020603050405020304" pitchFamily="18" charset="0"/>
+              </a:rPr>
+              <a:t>Benefit of SASS</a:t>
+            </a:r>
+            <a:endParaRPr lang="en-US" dirty="0"/>
+          </a:p>
+        </p:txBody>
+      </p:sp>
+      <p:pic>
+        <p:nvPicPr>
+          <p:cNvPr id="9" name="Content Placeholder 8">
+            <a:extLst>
+              <a:ext uri="{FF2B5EF4-FFF2-40B4-BE49-F238E27FC236}">
+                <a16:creationId xmlns:a16="http://schemas.microsoft.com/office/drawing/2014/main" id="{8507FAD8-5825-4E9B-9A1E-1CA1B811EA31}"/>
+              </a:ext>
+            </a:extLst>
+          </p:cNvPr>
+          <p:cNvPicPr>
+            <a:picLocks noGrp="1" noChangeAspect="1"/>
+          </p:cNvPicPr>
+          <p:nvPr>
+            <p:ph idx="1"/>
+          </p:nvPr>
+        </p:nvPicPr>
+        <p:blipFill>
+          <a:blip r:embed="rId2">
+            <a:extLst>
+              <a:ext uri="{28A0092B-C50C-407E-A947-70E740481C1C}">
+                <a14:useLocalDpi xmlns:a14="http://schemas.microsoft.com/office/drawing/2010/main" val="0"/>
+              </a:ext>
+            </a:extLst>
+          </a:blip>
+          <a:stretch>
+            <a:fillRect/>
+          </a:stretch>
+        </p:blipFill>
+        <p:spPr>
+          <a:xfrm>
+            <a:off x="1110353" y="2120900"/>
+            <a:ext cx="9977644" cy="4051300"/>
+          </a:xfrm>
+        </p:spPr>
+      </p:pic>
+    </p:spTree>
+    <p:extLst>
+      <p:ext uri="{BB962C8B-B14F-4D97-AF65-F5344CB8AC3E}">
+        <p14:creationId xmlns:p14="http://schemas.microsoft.com/office/powerpoint/2010/main" val="657854776"/>
+      </p:ext>
+    </p:extLst>
+  </p:cSld>
+  <p:clrMapOvr>
+    <a:masterClrMapping/>
+  </p:clrMapOvr>
+</p:sld>
+</file>
+
+<file path=ppt/slides/slide25.xml><?xml version="1.0" encoding="utf-8"?>
+<p:sld xmlns:a="http://schemas.openxmlformats.org/drawingml/2006/main" xmlns:r="http://schemas.openxmlformats.org/officeDocument/2006/relationships" xmlns:p="http://schemas.openxmlformats.org/presentationml/2006/main">
+  <p:cSld>
+    <p:spTree>
+      <p:nvGrpSpPr>
+        <p:cNvPr id="1" name=""/>
+        <p:cNvGrpSpPr/>
+        <p:nvPr/>
+      </p:nvGrpSpPr>
+      <p:grpSpPr>
+        <a:xfrm>
+          <a:off x="0" y="0"/>
+          <a:ext cx="0" cy="0"/>
+          <a:chOff x="0" y="0"/>
+          <a:chExt cx="0" cy="0"/>
+        </a:xfrm>
+      </p:grpSpPr>
+      <p:sp>
+        <p:nvSpPr>
+          <p:cNvPr id="2" name="Title 1">
+            <a:extLst>
+              <a:ext uri="{FF2B5EF4-FFF2-40B4-BE49-F238E27FC236}">
+                <a16:creationId xmlns:a16="http://schemas.microsoft.com/office/drawing/2014/main" id="{F01218AF-13C4-4051-85A0-83603087B36F}"/>
+              </a:ext>
+            </a:extLst>
+          </p:cNvPr>
+          <p:cNvSpPr>
+            <a:spLocks noGrp="1"/>
+          </p:cNvSpPr>
+          <p:nvPr>
+            <p:ph type="title"/>
+          </p:nvPr>
+        </p:nvSpPr>
+        <p:spPr/>
+        <p:txBody>
+          <a:bodyPr/>
+          <a:lstStyle/>
+          <a:p>
+            <a:r>
+              <a:rPr lang="en-US" dirty="0">
+                <a:latin typeface="Times New Roman" panose="02020603050405020304" pitchFamily="18" charset="0"/>
+                <a:cs typeface="Times New Roman" panose="02020603050405020304" pitchFamily="18" charset="0"/>
+              </a:rPr>
+              <a:t>Benefit of SASS</a:t>
+            </a:r>
+            <a:endParaRPr lang="en-US" dirty="0"/>
+          </a:p>
+        </p:txBody>
+      </p:sp>
+      <p:pic>
+        <p:nvPicPr>
+          <p:cNvPr id="5" name="Content Placeholder 4">
+            <a:extLst>
+              <a:ext uri="{FF2B5EF4-FFF2-40B4-BE49-F238E27FC236}">
+                <a16:creationId xmlns:a16="http://schemas.microsoft.com/office/drawing/2014/main" id="{FE9916FD-A799-44E9-BAD6-1DFD73799C40}"/>
+              </a:ext>
+            </a:extLst>
+          </p:cNvPr>
+          <p:cNvPicPr>
+            <a:picLocks noGrp="1" noChangeAspect="1"/>
+          </p:cNvPicPr>
+          <p:nvPr>
+            <p:ph idx="1"/>
+          </p:nvPr>
+        </p:nvPicPr>
+        <p:blipFill>
+          <a:blip r:embed="rId2">
+            <a:extLst>
+              <a:ext uri="{28A0092B-C50C-407E-A947-70E740481C1C}">
+                <a14:useLocalDpi xmlns:a14="http://schemas.microsoft.com/office/drawing/2010/main" val="0"/>
+              </a:ext>
+            </a:extLst>
+          </a:blip>
+          <a:stretch>
+            <a:fillRect/>
+          </a:stretch>
+        </p:blipFill>
+        <p:spPr>
+          <a:xfrm>
+            <a:off x="1069848" y="2218554"/>
+            <a:ext cx="7579630" cy="4051300"/>
+          </a:xfrm>
+        </p:spPr>
+      </p:pic>
+    </p:spTree>
+    <p:extLst>
+      <p:ext uri="{BB962C8B-B14F-4D97-AF65-F5344CB8AC3E}">
+        <p14:creationId xmlns:p14="http://schemas.microsoft.com/office/powerpoint/2010/main" val="54745656"/>
+      </p:ext>
+    </p:extLst>
+  </p:cSld>
+  <p:clrMapOvr>
+    <a:masterClrMapping/>
+  </p:clrMapOvr>
+</p:sld>
+</file>
+
+<file path=ppt/slides/slide26.xml><?xml version="1.0" encoding="utf-8"?>
+<p:sld xmlns:a="http://schemas.openxmlformats.org/drawingml/2006/main" xmlns:r="http://schemas.openxmlformats.org/officeDocument/2006/relationships" xmlns:p="http://schemas.openxmlformats.org/presentationml/2006/main">
+  <p:cSld>
+    <p:spTree>
+      <p:nvGrpSpPr>
+        <p:cNvPr id="1" name=""/>
+        <p:cNvGrpSpPr/>
+        <p:nvPr/>
+      </p:nvGrpSpPr>
+      <p:grpSpPr>
+        <a:xfrm>
+          <a:off x="0" y="0"/>
+          <a:ext cx="0" cy="0"/>
+          <a:chOff x="0" y="0"/>
+          <a:chExt cx="0" cy="0"/>
+        </a:xfrm>
+      </p:grpSpPr>
+      <p:sp>
+        <p:nvSpPr>
+          <p:cNvPr id="2" name="Title 1">
+            <a:extLst>
+              <a:ext uri="{FF2B5EF4-FFF2-40B4-BE49-F238E27FC236}">
+                <a16:creationId xmlns:a16="http://schemas.microsoft.com/office/drawing/2014/main" id="{52A6AD8F-1162-4FDC-826E-3BA1AE268313}"/>
+              </a:ext>
+            </a:extLst>
+          </p:cNvPr>
+          <p:cNvSpPr>
+            <a:spLocks noGrp="1"/>
+          </p:cNvSpPr>
+          <p:nvPr>
+            <p:ph type="title"/>
+          </p:nvPr>
+        </p:nvSpPr>
+        <p:spPr/>
+        <p:txBody>
+          <a:bodyPr/>
+          <a:lstStyle/>
+          <a:p>
+            <a:r>
+              <a:rPr lang="en-US" dirty="0">
+                <a:latin typeface="Times New Roman" panose="02020603050405020304" pitchFamily="18" charset="0"/>
+                <a:cs typeface="Times New Roman" panose="02020603050405020304" pitchFamily="18" charset="0"/>
+              </a:rPr>
+              <a:t>Benefit of SASS</a:t>
+            </a:r>
+            <a:endParaRPr lang="en-US" dirty="0"/>
+          </a:p>
+        </p:txBody>
+      </p:sp>
+      <p:pic>
+        <p:nvPicPr>
+          <p:cNvPr id="5" name="Content Placeholder 4">
+            <a:extLst>
+              <a:ext uri="{FF2B5EF4-FFF2-40B4-BE49-F238E27FC236}">
+                <a16:creationId xmlns:a16="http://schemas.microsoft.com/office/drawing/2014/main" id="{4B8EA503-F633-408F-8510-C3647B74DB94}"/>
+              </a:ext>
+            </a:extLst>
+          </p:cNvPr>
+          <p:cNvPicPr>
+            <a:picLocks noGrp="1" noChangeAspect="1"/>
+          </p:cNvPicPr>
+          <p:nvPr>
+            <p:ph idx="1"/>
+          </p:nvPr>
+        </p:nvPicPr>
+        <p:blipFill>
+          <a:blip r:embed="rId2">
+            <a:extLst>
+              <a:ext uri="{28A0092B-C50C-407E-A947-70E740481C1C}">
+                <a14:useLocalDpi xmlns:a14="http://schemas.microsoft.com/office/drawing/2010/main" val="0"/>
+              </a:ext>
+            </a:extLst>
+          </a:blip>
+          <a:stretch>
+            <a:fillRect/>
+          </a:stretch>
+        </p:blipFill>
+        <p:spPr>
+          <a:xfrm>
+            <a:off x="1069975" y="2211355"/>
+            <a:ext cx="10058400" cy="3965509"/>
+          </a:xfrm>
+        </p:spPr>
+      </p:pic>
+    </p:spTree>
+    <p:extLst>
+      <p:ext uri="{BB962C8B-B14F-4D97-AF65-F5344CB8AC3E}">
+        <p14:creationId xmlns:p14="http://schemas.microsoft.com/office/powerpoint/2010/main" val="2901320716"/>
       </p:ext>
     </p:extLst>
   </p:cSld>

--- a/Angular Workshop/Angular Workshop.pptx
+++ b/Angular Workshop/Angular Workshop.pptx
@@ -5,7 +5,7 @@
     <p:sldMasterId id="2147483790" r:id="rId1"/>
   </p:sldMasterIdLst>
   <p:notesMasterIdLst>
-    <p:notesMasterId r:id="rId28"/>
+    <p:notesMasterId r:id="rId29"/>
   </p:notesMasterIdLst>
   <p:sldIdLst>
     <p:sldId id="256" r:id="rId2"/>
@@ -34,6 +34,7 @@
     <p:sldId id="279" r:id="rId25"/>
     <p:sldId id="280" r:id="rId26"/>
     <p:sldId id="281" r:id="rId27"/>
+    <p:sldId id="282" r:id="rId28"/>
   </p:sldIdLst>
   <p:sldSz cx="12192000" cy="6858000"/>
   <p:notesSz cx="6858000" cy="9144000"/>
@@ -8220,6 +8221,103 @@
     <p:extLst>
       <p:ext uri="{BB962C8B-B14F-4D97-AF65-F5344CB8AC3E}">
         <p14:creationId xmlns:p14="http://schemas.microsoft.com/office/powerpoint/2010/main" val="2901320716"/>
+      </p:ext>
+    </p:extLst>
+  </p:cSld>
+  <p:clrMapOvr>
+    <a:masterClrMapping/>
+  </p:clrMapOvr>
+</p:sld>
+</file>
+
+<file path=ppt/slides/slide27.xml><?xml version="1.0" encoding="utf-8"?>
+<p:sld xmlns:a="http://schemas.openxmlformats.org/drawingml/2006/main" xmlns:r="http://schemas.openxmlformats.org/officeDocument/2006/relationships" xmlns:p="http://schemas.openxmlformats.org/presentationml/2006/main">
+  <p:cSld>
+    <p:spTree>
+      <p:nvGrpSpPr>
+        <p:cNvPr id="1" name=""/>
+        <p:cNvGrpSpPr/>
+        <p:nvPr/>
+      </p:nvGrpSpPr>
+      <p:grpSpPr>
+        <a:xfrm>
+          <a:off x="0" y="0"/>
+          <a:ext cx="0" cy="0"/>
+          <a:chOff x="0" y="0"/>
+          <a:chExt cx="0" cy="0"/>
+        </a:xfrm>
+      </p:grpSpPr>
+      <p:sp>
+        <p:nvSpPr>
+          <p:cNvPr id="2" name="Title 1">
+            <a:extLst>
+              <a:ext uri="{FF2B5EF4-FFF2-40B4-BE49-F238E27FC236}">
+                <a16:creationId xmlns:a16="http://schemas.microsoft.com/office/drawing/2014/main" id="{580B15AB-F4F5-4A39-95A2-B3AA882DDF2E}"/>
+              </a:ext>
+            </a:extLst>
+          </p:cNvPr>
+          <p:cNvSpPr>
+            <a:spLocks noGrp="1"/>
+          </p:cNvSpPr>
+          <p:nvPr>
+            <p:ph type="title"/>
+          </p:nvPr>
+        </p:nvSpPr>
+        <p:spPr/>
+        <p:txBody>
+          <a:bodyPr/>
+          <a:lstStyle/>
+          <a:p>
+            <a:r>
+              <a:rPr lang="en-US" dirty="0">
+                <a:latin typeface="Times New Roman" panose="02020603050405020304" pitchFamily="18" charset="0"/>
+                <a:cs typeface="Times New Roman" panose="02020603050405020304" pitchFamily="18" charset="0"/>
+              </a:rPr>
+              <a:t>Benefit of SASS</a:t>
+            </a:r>
+            <a:endParaRPr lang="en-US" dirty="0"/>
+          </a:p>
+        </p:txBody>
+      </p:sp>
+      <p:pic>
+        <p:nvPicPr>
+          <p:cNvPr id="5" name="Content Placeholder 4">
+            <a:extLst>
+              <a:ext uri="{FF2B5EF4-FFF2-40B4-BE49-F238E27FC236}">
+                <a16:creationId xmlns:a16="http://schemas.microsoft.com/office/drawing/2014/main" id="{F15A6060-9471-4A92-8F0F-2C7CAFB291C5}"/>
+              </a:ext>
+            </a:extLst>
+          </p:cNvPr>
+          <p:cNvPicPr>
+            <a:picLocks noGrp="1" noChangeAspect="1"/>
+          </p:cNvPicPr>
+          <p:nvPr>
+            <p:ph idx="1"/>
+          </p:nvPr>
+        </p:nvPicPr>
+        <p:blipFill>
+          <a:blip r:embed="rId2">
+            <a:extLst>
+              <a:ext uri="{28A0092B-C50C-407E-A947-70E740481C1C}">
+                <a14:useLocalDpi xmlns:a14="http://schemas.microsoft.com/office/drawing/2010/main" val="0"/>
+              </a:ext>
+            </a:extLst>
+          </a:blip>
+          <a:stretch>
+            <a:fillRect/>
+          </a:stretch>
+        </p:blipFill>
+        <p:spPr>
+          <a:xfrm>
+            <a:off x="1069975" y="2162456"/>
+            <a:ext cx="10058400" cy="3968187"/>
+          </a:xfrm>
+        </p:spPr>
+      </p:pic>
+    </p:spTree>
+    <p:extLst>
+      <p:ext uri="{BB962C8B-B14F-4D97-AF65-F5344CB8AC3E}">
+        <p14:creationId xmlns:p14="http://schemas.microsoft.com/office/powerpoint/2010/main" val="661747848"/>
       </p:ext>
     </p:extLst>
   </p:cSld>

--- a/Angular Workshop/Angular Workshop.pptx
+++ b/Angular Workshop/Angular Workshop.pptx
@@ -5,7 +5,7 @@
     <p:sldMasterId id="2147483790" r:id="rId1"/>
   </p:sldMasterIdLst>
   <p:notesMasterIdLst>
-    <p:notesMasterId r:id="rId29"/>
+    <p:notesMasterId r:id="rId31"/>
   </p:notesMasterIdLst>
   <p:sldIdLst>
     <p:sldId id="256" r:id="rId2"/>
@@ -35,6 +35,8 @@
     <p:sldId id="280" r:id="rId26"/>
     <p:sldId id="281" r:id="rId27"/>
     <p:sldId id="282" r:id="rId28"/>
+    <p:sldId id="283" r:id="rId29"/>
+    <p:sldId id="284" r:id="rId30"/>
   </p:sldIdLst>
   <p:sldSz cx="12192000" cy="6858000"/>
   <p:notesSz cx="6858000" cy="9144000"/>
@@ -4610,6 +4612,10 @@
           <a:lstStyle/>
           <a:p>
             <a:pPr algn="ctr"/>
+            <a:r>
+              <a:rPr lang="en-US" b="1" dirty="0"/>
+              <a:t/>
+            </a:r>
             <a:br>
               <a:rPr lang="en-US" b="1" dirty="0"/>
             </a:br>
@@ -6146,6 +6152,13 @@
           </a:bodyPr>
           <a:lstStyle/>
           <a:p>
+            <a:r>
+              <a:rPr lang="en-US" dirty="0">
+                <a:latin typeface="Times New Roman" panose="02020603050405020304" pitchFamily="18" charset="0"/>
+                <a:cs typeface="Times New Roman" panose="02020603050405020304" pitchFamily="18" charset="0"/>
+              </a:rPr>
+              <a:t/>
+            </a:r>
             <a:br>
               <a:rPr lang="en-US" dirty="0">
                 <a:latin typeface="Times New Roman" panose="02020603050405020304" pitchFamily="18" charset="0"/>
@@ -6932,6 +6945,13 @@
           </a:bodyPr>
           <a:lstStyle/>
           <a:p>
+            <a:r>
+              <a:rPr lang="en-US" b="1" dirty="0">
+                <a:latin typeface="Times New Roman" panose="02020603050405020304" pitchFamily="18" charset="0"/>
+                <a:cs typeface="Times New Roman" panose="02020603050405020304" pitchFamily="18" charset="0"/>
+              </a:rPr>
+              <a:t/>
+            </a:r>
             <a:br>
               <a:rPr lang="en-US" b="1" dirty="0">
                 <a:latin typeface="Times New Roman" panose="02020603050405020304" pitchFamily="18" charset="0"/>
@@ -7191,7 +7211,7 @@
           <p:cNvPr id="2" name="Title 1">
             <a:extLst>
               <a:ext uri="{FF2B5EF4-FFF2-40B4-BE49-F238E27FC236}">
-                <a16:creationId xmlns:a16="http://schemas.microsoft.com/office/drawing/2014/main" id="{159757B6-80F7-4930-B530-65D40C6AAA2B}"/>
+                <a16:creationId xmlns:a16="http://schemas.microsoft.com/office/drawing/2014/main" xmlns="" id="{159757B6-80F7-4930-B530-65D40C6AAA2B}"/>
               </a:ext>
             </a:extLst>
           </p:cNvPr>
@@ -7209,6 +7229,13 @@
           </a:bodyPr>
           <a:lstStyle/>
           <a:p>
+            <a:r>
+              <a:rPr lang="en-US" dirty="0">
+                <a:latin typeface="Times New Roman" panose="02020603050405020304" pitchFamily="18" charset="0"/>
+                <a:cs typeface="Times New Roman" panose="02020603050405020304" pitchFamily="18" charset="0"/>
+              </a:rPr>
+              <a:t/>
+            </a:r>
             <a:br>
               <a:rPr lang="en-US" dirty="0">
                 <a:latin typeface="Times New Roman" panose="02020603050405020304" pitchFamily="18" charset="0"/>
@@ -7240,7 +7267,7 @@
           <p:cNvPr id="3" name="Content Placeholder 2">
             <a:extLst>
               <a:ext uri="{FF2B5EF4-FFF2-40B4-BE49-F238E27FC236}">
-                <a16:creationId xmlns:a16="http://schemas.microsoft.com/office/drawing/2014/main" id="{9FE13484-3844-4DDF-BFBA-ACA0E64B2915}"/>
+                <a16:creationId xmlns:a16="http://schemas.microsoft.com/office/drawing/2014/main" xmlns="" id="{9FE13484-3844-4DDF-BFBA-ACA0E64B2915}"/>
               </a:ext>
             </a:extLst>
           </p:cNvPr>
@@ -7277,7 +7304,7 @@
           <p:cNvPr id="7" name="Picture 6">
             <a:extLst>
               <a:ext uri="{FF2B5EF4-FFF2-40B4-BE49-F238E27FC236}">
-                <a16:creationId xmlns:a16="http://schemas.microsoft.com/office/drawing/2014/main" id="{32CA38FA-0E90-4306-B5D0-3CEA1A7E35E2}"/>
+                <a16:creationId xmlns:a16="http://schemas.microsoft.com/office/drawing/2014/main" xmlns="" id="{32CA38FA-0E90-4306-B5D0-3CEA1A7E35E2}"/>
               </a:ext>
             </a:extLst>
           </p:cNvPr>
@@ -7343,7 +7370,7 @@
           <p:cNvPr id="2" name="Title 1">
             <a:extLst>
               <a:ext uri="{FF2B5EF4-FFF2-40B4-BE49-F238E27FC236}">
-                <a16:creationId xmlns:a16="http://schemas.microsoft.com/office/drawing/2014/main" id="{4E8E46E2-4366-4F67-9FB5-B507999C18F7}"/>
+                <a16:creationId xmlns:a16="http://schemas.microsoft.com/office/drawing/2014/main" xmlns="" id="{4E8E46E2-4366-4F67-9FB5-B507999C18F7}"/>
               </a:ext>
             </a:extLst>
           </p:cNvPr>
@@ -7366,6 +7393,13 @@
           </a:bodyPr>
           <a:lstStyle/>
           <a:p>
+            <a:r>
+              <a:rPr lang="en-US" dirty="0">
+                <a:latin typeface="Times New Roman" panose="02020603050405020304" pitchFamily="18" charset="0"/>
+                <a:cs typeface="Times New Roman" panose="02020603050405020304" pitchFamily="18" charset="0"/>
+              </a:rPr>
+              <a:t/>
+            </a:r>
             <a:br>
               <a:rPr lang="en-US" dirty="0">
                 <a:latin typeface="Times New Roman" panose="02020603050405020304" pitchFamily="18" charset="0"/>
@@ -7397,7 +7431,7 @@
           <p:cNvPr id="3" name="Content Placeholder 2">
             <a:extLst>
               <a:ext uri="{FF2B5EF4-FFF2-40B4-BE49-F238E27FC236}">
-                <a16:creationId xmlns:a16="http://schemas.microsoft.com/office/drawing/2014/main" id="{46E11EF3-FB91-4D8A-A344-658BC8C1B939}"/>
+                <a16:creationId xmlns:a16="http://schemas.microsoft.com/office/drawing/2014/main" xmlns="" id="{46E11EF3-FB91-4D8A-A344-658BC8C1B939}"/>
               </a:ext>
             </a:extLst>
           </p:cNvPr>
@@ -7510,7 +7544,7 @@
           <p:cNvPr id="6" name="Picture 5">
             <a:extLst>
               <a:ext uri="{FF2B5EF4-FFF2-40B4-BE49-F238E27FC236}">
-                <a16:creationId xmlns:a16="http://schemas.microsoft.com/office/drawing/2014/main" id="{F59A1450-D806-40BA-9C89-7BEEFEABC899}"/>
+                <a16:creationId xmlns:a16="http://schemas.microsoft.com/office/drawing/2014/main" xmlns="" id="{F59A1450-D806-40BA-9C89-7BEEFEABC899}"/>
               </a:ext>
             </a:extLst>
           </p:cNvPr>
@@ -7546,7 +7580,7 @@
           <p:cNvPr id="8" name="Picture 7">
             <a:extLst>
               <a:ext uri="{FF2B5EF4-FFF2-40B4-BE49-F238E27FC236}">
-                <a16:creationId xmlns:a16="http://schemas.microsoft.com/office/drawing/2014/main" id="{2FBC3649-8EBE-4700-8648-D4EF97496A69}"/>
+                <a16:creationId xmlns:a16="http://schemas.microsoft.com/office/drawing/2014/main" xmlns="" id="{2FBC3649-8EBE-4700-8648-D4EF97496A69}"/>
               </a:ext>
             </a:extLst>
           </p:cNvPr>
@@ -7582,7 +7616,7 @@
           <p:cNvPr id="10" name="Picture 9">
             <a:extLst>
               <a:ext uri="{FF2B5EF4-FFF2-40B4-BE49-F238E27FC236}">
-                <a16:creationId xmlns:a16="http://schemas.microsoft.com/office/drawing/2014/main" id="{4D880A05-5F58-45B1-884D-75824689D61B}"/>
+                <a16:creationId xmlns:a16="http://schemas.microsoft.com/office/drawing/2014/main" xmlns="" id="{4D880A05-5F58-45B1-884D-75824689D61B}"/>
               </a:ext>
             </a:extLst>
           </p:cNvPr>
@@ -7648,7 +7682,7 @@
           <p:cNvPr id="2" name="Title 1">
             <a:extLst>
               <a:ext uri="{FF2B5EF4-FFF2-40B4-BE49-F238E27FC236}">
-                <a16:creationId xmlns:a16="http://schemas.microsoft.com/office/drawing/2014/main" id="{468494B9-63FD-435A-AFA6-53E2454B48B6}"/>
+                <a16:creationId xmlns:a16="http://schemas.microsoft.com/office/drawing/2014/main" xmlns="" id="{468494B9-63FD-435A-AFA6-53E2454B48B6}"/>
               </a:ext>
             </a:extLst>
           </p:cNvPr>
@@ -7666,6 +7700,13 @@
           </a:bodyPr>
           <a:lstStyle/>
           <a:p>
+            <a:r>
+              <a:rPr lang="en-US" b="1" dirty="0">
+                <a:latin typeface="Times New Roman" panose="02020603050405020304" pitchFamily="18" charset="0"/>
+                <a:cs typeface="Times New Roman" panose="02020603050405020304" pitchFamily="18" charset="0"/>
+              </a:rPr>
+              <a:t/>
+            </a:r>
             <a:br>
               <a:rPr lang="en-US" b="1" dirty="0">
                 <a:latin typeface="Times New Roman" panose="02020603050405020304" pitchFamily="18" charset="0"/>
@@ -7697,7 +7738,7 @@
           <p:cNvPr id="3" name="Content Placeholder 2">
             <a:extLst>
               <a:ext uri="{FF2B5EF4-FFF2-40B4-BE49-F238E27FC236}">
-                <a16:creationId xmlns:a16="http://schemas.microsoft.com/office/drawing/2014/main" id="{B695AC8C-CF3A-4D2C-AF0D-DB5C38E01702}"/>
+                <a16:creationId xmlns:a16="http://schemas.microsoft.com/office/drawing/2014/main" xmlns="" id="{B695AC8C-CF3A-4D2C-AF0D-DB5C38E01702}"/>
               </a:ext>
             </a:extLst>
           </p:cNvPr>
@@ -7865,7 +7906,7 @@
           <p:cNvPr id="2" name="Title 1">
             <a:extLst>
               <a:ext uri="{FF2B5EF4-FFF2-40B4-BE49-F238E27FC236}">
-                <a16:creationId xmlns:a16="http://schemas.microsoft.com/office/drawing/2014/main" id="{DC9D6F5E-CEDA-4DBA-9EFF-9DA5BC48DE19}"/>
+                <a16:creationId xmlns:a16="http://schemas.microsoft.com/office/drawing/2014/main" xmlns="" id="{DC9D6F5E-CEDA-4DBA-9EFF-9DA5BC48DE19}"/>
               </a:ext>
             </a:extLst>
           </p:cNvPr>
@@ -7896,7 +7937,7 @@
           <p:cNvPr id="5" name="Content Placeholder 4">
             <a:extLst>
               <a:ext uri="{FF2B5EF4-FFF2-40B4-BE49-F238E27FC236}">
-                <a16:creationId xmlns:a16="http://schemas.microsoft.com/office/drawing/2014/main" id="{F8018F80-C482-4162-87F4-3B4430AD1259}"/>
+                <a16:creationId xmlns:a16="http://schemas.microsoft.com/office/drawing/2014/main" xmlns="" id="{F8018F80-C482-4162-87F4-3B4430AD1259}"/>
               </a:ext>
             </a:extLst>
           </p:cNvPr>
@@ -7961,7 +8002,7 @@
           <p:cNvPr id="2" name="Title 1">
             <a:extLst>
               <a:ext uri="{FF2B5EF4-FFF2-40B4-BE49-F238E27FC236}">
-                <a16:creationId xmlns:a16="http://schemas.microsoft.com/office/drawing/2014/main" id="{F845B438-718D-41FE-B912-05184CC77809}"/>
+                <a16:creationId xmlns:a16="http://schemas.microsoft.com/office/drawing/2014/main" xmlns="" id="{F845B438-718D-41FE-B912-05184CC77809}"/>
               </a:ext>
             </a:extLst>
           </p:cNvPr>
@@ -7993,7 +8034,7 @@
           <p:cNvPr id="9" name="Content Placeholder 8">
             <a:extLst>
               <a:ext uri="{FF2B5EF4-FFF2-40B4-BE49-F238E27FC236}">
-                <a16:creationId xmlns:a16="http://schemas.microsoft.com/office/drawing/2014/main" id="{8507FAD8-5825-4E9B-9A1E-1CA1B811EA31}"/>
+                <a16:creationId xmlns:a16="http://schemas.microsoft.com/office/drawing/2014/main" xmlns="" id="{8507FAD8-5825-4E9B-9A1E-1CA1B811EA31}"/>
               </a:ext>
             </a:extLst>
           </p:cNvPr>
@@ -8058,7 +8099,7 @@
           <p:cNvPr id="2" name="Title 1">
             <a:extLst>
               <a:ext uri="{FF2B5EF4-FFF2-40B4-BE49-F238E27FC236}">
-                <a16:creationId xmlns:a16="http://schemas.microsoft.com/office/drawing/2014/main" id="{F01218AF-13C4-4051-85A0-83603087B36F}"/>
+                <a16:creationId xmlns:a16="http://schemas.microsoft.com/office/drawing/2014/main" xmlns="" id="{F01218AF-13C4-4051-85A0-83603087B36F}"/>
               </a:ext>
             </a:extLst>
           </p:cNvPr>
@@ -8090,7 +8131,7 @@
           <p:cNvPr id="5" name="Content Placeholder 4">
             <a:extLst>
               <a:ext uri="{FF2B5EF4-FFF2-40B4-BE49-F238E27FC236}">
-                <a16:creationId xmlns:a16="http://schemas.microsoft.com/office/drawing/2014/main" id="{FE9916FD-A799-44E9-BAD6-1DFD73799C40}"/>
+                <a16:creationId xmlns:a16="http://schemas.microsoft.com/office/drawing/2014/main" xmlns="" id="{FE9916FD-A799-44E9-BAD6-1DFD73799C40}"/>
               </a:ext>
             </a:extLst>
           </p:cNvPr>
@@ -8155,7 +8196,7 @@
           <p:cNvPr id="2" name="Title 1">
             <a:extLst>
               <a:ext uri="{FF2B5EF4-FFF2-40B4-BE49-F238E27FC236}">
-                <a16:creationId xmlns:a16="http://schemas.microsoft.com/office/drawing/2014/main" id="{52A6AD8F-1162-4FDC-826E-3BA1AE268313}"/>
+                <a16:creationId xmlns:a16="http://schemas.microsoft.com/office/drawing/2014/main" xmlns="" id="{52A6AD8F-1162-4FDC-826E-3BA1AE268313}"/>
               </a:ext>
             </a:extLst>
           </p:cNvPr>
@@ -8187,7 +8228,7 @@
           <p:cNvPr id="5" name="Content Placeholder 4">
             <a:extLst>
               <a:ext uri="{FF2B5EF4-FFF2-40B4-BE49-F238E27FC236}">
-                <a16:creationId xmlns:a16="http://schemas.microsoft.com/office/drawing/2014/main" id="{4B8EA503-F633-408F-8510-C3647B74DB94}"/>
+                <a16:creationId xmlns:a16="http://schemas.microsoft.com/office/drawing/2014/main" xmlns="" id="{4B8EA503-F633-408F-8510-C3647B74DB94}"/>
               </a:ext>
             </a:extLst>
           </p:cNvPr>
@@ -8252,7 +8293,7 @@
           <p:cNvPr id="2" name="Title 1">
             <a:extLst>
               <a:ext uri="{FF2B5EF4-FFF2-40B4-BE49-F238E27FC236}">
-                <a16:creationId xmlns:a16="http://schemas.microsoft.com/office/drawing/2014/main" id="{580B15AB-F4F5-4A39-95A2-B3AA882DDF2E}"/>
+                <a16:creationId xmlns:a16="http://schemas.microsoft.com/office/drawing/2014/main" xmlns="" id="{580B15AB-F4F5-4A39-95A2-B3AA882DDF2E}"/>
               </a:ext>
             </a:extLst>
           </p:cNvPr>
@@ -8284,7 +8325,7 @@
           <p:cNvPr id="5" name="Content Placeholder 4">
             <a:extLst>
               <a:ext uri="{FF2B5EF4-FFF2-40B4-BE49-F238E27FC236}">
-                <a16:creationId xmlns:a16="http://schemas.microsoft.com/office/drawing/2014/main" id="{F15A6060-9471-4A92-8F0F-2C7CAFB291C5}"/>
+                <a16:creationId xmlns:a16="http://schemas.microsoft.com/office/drawing/2014/main" xmlns="" id="{F15A6060-9471-4A92-8F0F-2C7CAFB291C5}"/>
               </a:ext>
             </a:extLst>
           </p:cNvPr>
@@ -8327,6 +8368,675 @@
 </p:sld>
 </file>
 
+<file path=ppt/slides/slide28.xml><?xml version="1.0" encoding="utf-8"?>
+<p:sld xmlns:a="http://schemas.openxmlformats.org/drawingml/2006/main" xmlns:r="http://schemas.openxmlformats.org/officeDocument/2006/relationships" xmlns:p="http://schemas.openxmlformats.org/presentationml/2006/main">
+  <p:cSld>
+    <p:spTree>
+      <p:nvGrpSpPr>
+        <p:cNvPr id="1" name=""/>
+        <p:cNvGrpSpPr/>
+        <p:nvPr/>
+      </p:nvGrpSpPr>
+      <p:grpSpPr>
+        <a:xfrm>
+          <a:off x="0" y="0"/>
+          <a:ext cx="0" cy="0"/>
+          <a:chOff x="0" y="0"/>
+          <a:chExt cx="0" cy="0"/>
+        </a:xfrm>
+      </p:grpSpPr>
+      <p:sp>
+        <p:nvSpPr>
+          <p:cNvPr id="2" name="Title 1"/>
+          <p:cNvSpPr>
+            <a:spLocks noGrp="1"/>
+          </p:cNvSpPr>
+          <p:nvPr>
+            <p:ph type="title"/>
+          </p:nvPr>
+        </p:nvSpPr>
+        <p:spPr/>
+        <p:txBody>
+          <a:bodyPr>
+            <a:normAutofit fontScale="90000"/>
+          </a:bodyPr>
+          <a:lstStyle/>
+          <a:p>
+            <a:r>
+              <a:rPr lang="en-US" dirty="0" smtClean="0">
+                <a:latin typeface="Times New Roman" panose="02020603050405020304" pitchFamily="18" charset="0"/>
+                <a:cs typeface="Times New Roman" panose="02020603050405020304" pitchFamily="18" charset="0"/>
+              </a:rPr>
+              <a:t/>
+            </a:r>
+            <a:br>
+              <a:rPr lang="en-US" dirty="0" smtClean="0">
+                <a:latin typeface="Times New Roman" panose="02020603050405020304" pitchFamily="18" charset="0"/>
+                <a:cs typeface="Times New Roman" panose="02020603050405020304" pitchFamily="18" charset="0"/>
+              </a:rPr>
+            </a:br>
+            <a:r>
+              <a:rPr lang="en-US" dirty="0" smtClean="0">
+                <a:latin typeface="Times New Roman" panose="02020603050405020304" pitchFamily="18" charset="0"/>
+                <a:cs typeface="Times New Roman" panose="02020603050405020304" pitchFamily="18" charset="0"/>
+              </a:rPr>
+              <a:t>Setting </a:t>
+            </a:r>
+            <a:r>
+              <a:rPr lang="en-US" dirty="0">
+                <a:latin typeface="Times New Roman" panose="02020603050405020304" pitchFamily="18" charset="0"/>
+                <a:cs typeface="Times New Roman" panose="02020603050405020304" pitchFamily="18" charset="0"/>
+              </a:rPr>
+              <a:t>up an </a:t>
+            </a:r>
+            <a:r>
+              <a:rPr lang="en-US" dirty="0" smtClean="0">
+                <a:latin typeface="Times New Roman" panose="02020603050405020304" pitchFamily="18" charset="0"/>
+                <a:cs typeface="Times New Roman" panose="02020603050405020304" pitchFamily="18" charset="0"/>
+              </a:rPr>
+              <a:t/>
+            </a:r>
+            <a:br>
+              <a:rPr lang="en-US" dirty="0" smtClean="0">
+                <a:latin typeface="Times New Roman" panose="02020603050405020304" pitchFamily="18" charset="0"/>
+                <a:cs typeface="Times New Roman" panose="02020603050405020304" pitchFamily="18" charset="0"/>
+              </a:rPr>
+            </a:br>
+            <a:r>
+              <a:rPr lang="en-US" dirty="0" smtClean="0">
+                <a:latin typeface="Times New Roman" panose="02020603050405020304" pitchFamily="18" charset="0"/>
+                <a:cs typeface="Times New Roman" panose="02020603050405020304" pitchFamily="18" charset="0"/>
+              </a:rPr>
+              <a:t>Angular </a:t>
+            </a:r>
+            <a:r>
+              <a:rPr lang="en-US" dirty="0">
+                <a:latin typeface="Times New Roman" panose="02020603050405020304" pitchFamily="18" charset="0"/>
+                <a:cs typeface="Times New Roman" panose="02020603050405020304" pitchFamily="18" charset="0"/>
+              </a:rPr>
+              <a:t>Application</a:t>
+            </a:r>
+            <a:br>
+              <a:rPr lang="en-US" dirty="0">
+                <a:latin typeface="Times New Roman" panose="02020603050405020304" pitchFamily="18" charset="0"/>
+                <a:cs typeface="Times New Roman" panose="02020603050405020304" pitchFamily="18" charset="0"/>
+              </a:rPr>
+            </a:br>
+            <a:endParaRPr lang="en-US" dirty="0">
+              <a:latin typeface="Times New Roman" panose="02020603050405020304" pitchFamily="18" charset="0"/>
+              <a:cs typeface="Times New Roman" panose="02020603050405020304" pitchFamily="18" charset="0"/>
+            </a:endParaRPr>
+          </a:p>
+        </p:txBody>
+      </p:sp>
+      <p:sp>
+        <p:nvSpPr>
+          <p:cNvPr id="3" name="Content Placeholder 2"/>
+          <p:cNvSpPr>
+            <a:spLocks noGrp="1"/>
+          </p:cNvSpPr>
+          <p:nvPr>
+            <p:ph idx="1"/>
+          </p:nvPr>
+        </p:nvSpPr>
+        <p:spPr/>
+        <p:txBody>
+          <a:bodyPr>
+            <a:normAutofit/>
+          </a:bodyPr>
+          <a:lstStyle/>
+          <a:p>
+            <a:r>
+              <a:rPr lang="nl-NL" sz="2500" dirty="0" smtClean="0">
+                <a:latin typeface="Times New Roman" panose="02020603050405020304" pitchFamily="18" charset="0"/>
+                <a:cs typeface="Times New Roman" panose="02020603050405020304" pitchFamily="18" charset="0"/>
+              </a:rPr>
+              <a:t>New project </a:t>
+            </a:r>
+            <a:r>
+              <a:rPr lang="en-US" sz="2500" dirty="0">
+                <a:latin typeface="Times New Roman" panose="02020603050405020304" pitchFamily="18" charset="0"/>
+                <a:cs typeface="Times New Roman" panose="02020603050405020304" pitchFamily="18" charset="0"/>
+              </a:rPr>
+              <a:t>ng new </a:t>
+            </a:r>
+            <a:r>
+              <a:rPr lang="en-US" sz="2500" dirty="0" smtClean="0">
+                <a:latin typeface="Times New Roman" panose="02020603050405020304" pitchFamily="18" charset="0"/>
+                <a:cs typeface="Times New Roman" panose="02020603050405020304" pitchFamily="18" charset="0"/>
+              </a:rPr>
+              <a:t>my-first-project</a:t>
+            </a:r>
+          </a:p>
+          <a:p>
+            <a:r>
+              <a:rPr lang="nl-NL" sz="2500" dirty="0" smtClean="0">
+                <a:latin typeface="Times New Roman" panose="02020603050405020304" pitchFamily="18" charset="0"/>
+                <a:cs typeface="Times New Roman" panose="02020603050405020304" pitchFamily="18" charset="0"/>
+              </a:rPr>
+              <a:t>Run project </a:t>
+            </a:r>
+            <a:r>
+              <a:rPr lang="en-US" sz="2500" dirty="0">
+                <a:latin typeface="Times New Roman" panose="02020603050405020304" pitchFamily="18" charset="0"/>
+                <a:cs typeface="Times New Roman" panose="02020603050405020304" pitchFamily="18" charset="0"/>
+              </a:rPr>
+              <a:t>ng </a:t>
+            </a:r>
+            <a:r>
+              <a:rPr lang="en-US" sz="2500" dirty="0" smtClean="0">
+                <a:latin typeface="Times New Roman" panose="02020603050405020304" pitchFamily="18" charset="0"/>
+                <a:cs typeface="Times New Roman" panose="02020603050405020304" pitchFamily="18" charset="0"/>
+              </a:rPr>
+              <a:t>serve</a:t>
+            </a:r>
+          </a:p>
+          <a:p>
+            <a:r>
+              <a:rPr lang="nl-NL" sz="2500" dirty="0" err="1" smtClean="0">
+                <a:latin typeface="Times New Roman" panose="02020603050405020304" pitchFamily="18" charset="0"/>
+                <a:cs typeface="Times New Roman" panose="02020603050405020304" pitchFamily="18" charset="0"/>
+              </a:rPr>
+              <a:t>Build</a:t>
+            </a:r>
+            <a:r>
+              <a:rPr lang="nl-NL" sz="2500" dirty="0" smtClean="0">
+                <a:latin typeface="Times New Roman" panose="02020603050405020304" pitchFamily="18" charset="0"/>
+                <a:cs typeface="Times New Roman" panose="02020603050405020304" pitchFamily="18" charset="0"/>
+              </a:rPr>
+              <a:t> </a:t>
+            </a:r>
+            <a:r>
+              <a:rPr lang="nl-NL" sz="2500" dirty="0" err="1" smtClean="0">
+                <a:latin typeface="Times New Roman" panose="02020603050405020304" pitchFamily="18" charset="0"/>
+                <a:cs typeface="Times New Roman" panose="02020603050405020304" pitchFamily="18" charset="0"/>
+              </a:rPr>
+              <a:t>ng</a:t>
+            </a:r>
+            <a:r>
+              <a:rPr lang="nl-NL" sz="2500" dirty="0" smtClean="0">
+                <a:latin typeface="Times New Roman" panose="02020603050405020304" pitchFamily="18" charset="0"/>
+                <a:cs typeface="Times New Roman" panose="02020603050405020304" pitchFamily="18" charset="0"/>
+              </a:rPr>
+              <a:t> </a:t>
+            </a:r>
+            <a:r>
+              <a:rPr lang="nl-NL" sz="2500" dirty="0" err="1" smtClean="0">
+                <a:latin typeface="Times New Roman" panose="02020603050405020304" pitchFamily="18" charset="0"/>
+                <a:cs typeface="Times New Roman" panose="02020603050405020304" pitchFamily="18" charset="0"/>
+              </a:rPr>
+              <a:t>build</a:t>
+            </a:r>
+            <a:endParaRPr lang="nl-NL" sz="2500" dirty="0" smtClean="0">
+              <a:latin typeface="Times New Roman" panose="02020603050405020304" pitchFamily="18" charset="0"/>
+              <a:cs typeface="Times New Roman" panose="02020603050405020304" pitchFamily="18" charset="0"/>
+            </a:endParaRPr>
+          </a:p>
+          <a:p>
+            <a:r>
+              <a:rPr lang="nl-NL" sz="2500" dirty="0" smtClean="0">
+                <a:latin typeface="Times New Roman" panose="02020603050405020304" pitchFamily="18" charset="0"/>
+                <a:cs typeface="Times New Roman" panose="02020603050405020304" pitchFamily="18" charset="0"/>
+              </a:rPr>
+              <a:t>Lint </a:t>
+            </a:r>
+            <a:r>
+              <a:rPr lang="nl-NL" sz="2500" dirty="0" err="1" smtClean="0">
+                <a:latin typeface="Times New Roman" panose="02020603050405020304" pitchFamily="18" charset="0"/>
+                <a:cs typeface="Times New Roman" panose="02020603050405020304" pitchFamily="18" charset="0"/>
+              </a:rPr>
+              <a:t>ng</a:t>
+            </a:r>
+            <a:r>
+              <a:rPr lang="nl-NL" sz="2500" dirty="0" smtClean="0">
+                <a:latin typeface="Times New Roman" panose="02020603050405020304" pitchFamily="18" charset="0"/>
+                <a:cs typeface="Times New Roman" panose="02020603050405020304" pitchFamily="18" charset="0"/>
+              </a:rPr>
+              <a:t> lint</a:t>
+            </a:r>
+          </a:p>
+          <a:p>
+            <a:r>
+              <a:rPr lang="nl-NL" sz="2500" dirty="0" smtClean="0">
+                <a:latin typeface="Times New Roman" panose="02020603050405020304" pitchFamily="18" charset="0"/>
+                <a:cs typeface="Times New Roman" panose="02020603050405020304" pitchFamily="18" charset="0"/>
+              </a:rPr>
+              <a:t>Test </a:t>
+            </a:r>
+            <a:r>
+              <a:rPr lang="nl-NL" sz="2500" dirty="0" err="1" smtClean="0">
+                <a:latin typeface="Times New Roman" panose="02020603050405020304" pitchFamily="18" charset="0"/>
+                <a:cs typeface="Times New Roman" panose="02020603050405020304" pitchFamily="18" charset="0"/>
+              </a:rPr>
+              <a:t>ng</a:t>
+            </a:r>
+            <a:r>
+              <a:rPr lang="nl-NL" sz="2500" dirty="0" smtClean="0">
+                <a:latin typeface="Times New Roman" panose="02020603050405020304" pitchFamily="18" charset="0"/>
+                <a:cs typeface="Times New Roman" panose="02020603050405020304" pitchFamily="18" charset="0"/>
+              </a:rPr>
+              <a:t> test</a:t>
+            </a:r>
+          </a:p>
+          <a:p>
+            <a:r>
+              <a:rPr lang="nl-NL" sz="2500" dirty="0" smtClean="0">
+                <a:latin typeface="Times New Roman" panose="02020603050405020304" pitchFamily="18" charset="0"/>
+                <a:cs typeface="Times New Roman" panose="02020603050405020304" pitchFamily="18" charset="0"/>
+              </a:rPr>
+              <a:t>E2e </a:t>
+            </a:r>
+            <a:r>
+              <a:rPr lang="nl-NL" sz="2500" dirty="0" err="1" smtClean="0">
+                <a:latin typeface="Times New Roman" panose="02020603050405020304" pitchFamily="18" charset="0"/>
+                <a:cs typeface="Times New Roman" panose="02020603050405020304" pitchFamily="18" charset="0"/>
+              </a:rPr>
+              <a:t>ng</a:t>
+            </a:r>
+            <a:r>
+              <a:rPr lang="nl-NL" sz="2500" dirty="0" smtClean="0">
+                <a:latin typeface="Times New Roman" panose="02020603050405020304" pitchFamily="18" charset="0"/>
+                <a:cs typeface="Times New Roman" panose="02020603050405020304" pitchFamily="18" charset="0"/>
+              </a:rPr>
+              <a:t> e2e</a:t>
+            </a:r>
+          </a:p>
+          <a:p>
+            <a:r>
+              <a:rPr lang="nl-NL" sz="2500" dirty="0" err="1" smtClean="0">
+                <a:latin typeface="Times New Roman" panose="02020603050405020304" pitchFamily="18" charset="0"/>
+                <a:cs typeface="Times New Roman" panose="02020603050405020304" pitchFamily="18" charset="0"/>
+              </a:rPr>
+              <a:t>Generate</a:t>
+            </a:r>
+            <a:r>
+              <a:rPr lang="nl-NL" sz="2500" dirty="0" smtClean="0">
+                <a:latin typeface="Times New Roman" panose="02020603050405020304" pitchFamily="18" charset="0"/>
+                <a:cs typeface="Times New Roman" panose="02020603050405020304" pitchFamily="18" charset="0"/>
+              </a:rPr>
+              <a:t> </a:t>
+            </a:r>
+            <a:r>
+              <a:rPr lang="nl-NL" sz="2500" dirty="0" err="1" smtClean="0">
+                <a:latin typeface="Times New Roman" panose="02020603050405020304" pitchFamily="18" charset="0"/>
+                <a:cs typeface="Times New Roman" panose="02020603050405020304" pitchFamily="18" charset="0"/>
+              </a:rPr>
+              <a:t>ng</a:t>
+            </a:r>
+            <a:r>
+              <a:rPr lang="nl-NL" sz="2500" dirty="0" smtClean="0">
+                <a:latin typeface="Times New Roman" panose="02020603050405020304" pitchFamily="18" charset="0"/>
+                <a:cs typeface="Times New Roman" panose="02020603050405020304" pitchFamily="18" charset="0"/>
+              </a:rPr>
+              <a:t> g</a:t>
+            </a:r>
+          </a:p>
+          <a:p>
+            <a:endParaRPr lang="en-US" sz="2500" dirty="0">
+              <a:latin typeface="Times New Roman" panose="02020603050405020304" pitchFamily="18" charset="0"/>
+              <a:cs typeface="Times New Roman" panose="02020603050405020304" pitchFamily="18" charset="0"/>
+            </a:endParaRPr>
+          </a:p>
+        </p:txBody>
+      </p:sp>
+    </p:spTree>
+    <p:extLst>
+      <p:ext uri="{BB962C8B-B14F-4D97-AF65-F5344CB8AC3E}">
+        <p14:creationId xmlns:p14="http://schemas.microsoft.com/office/powerpoint/2010/main" val="391928727"/>
+      </p:ext>
+    </p:extLst>
+  </p:cSld>
+  <p:clrMapOvr>
+    <a:masterClrMapping/>
+  </p:clrMapOvr>
+  <p:timing>
+    <p:tnLst>
+      <p:par>
+        <p:cTn id="1" dur="indefinite" restart="never" nodeType="tmRoot"/>
+      </p:par>
+    </p:tnLst>
+  </p:timing>
+</p:sld>
+</file>
+
+<file path=ppt/slides/slide29.xml><?xml version="1.0" encoding="utf-8"?>
+<p:sld xmlns:a="http://schemas.openxmlformats.org/drawingml/2006/main" xmlns:r="http://schemas.openxmlformats.org/officeDocument/2006/relationships" xmlns:p="http://schemas.openxmlformats.org/presentationml/2006/main">
+  <p:cSld>
+    <p:spTree>
+      <p:nvGrpSpPr>
+        <p:cNvPr id="1" name=""/>
+        <p:cNvGrpSpPr/>
+        <p:nvPr/>
+      </p:nvGrpSpPr>
+      <p:grpSpPr>
+        <a:xfrm>
+          <a:off x="0" y="0"/>
+          <a:ext cx="0" cy="0"/>
+          <a:chOff x="0" y="0"/>
+          <a:chExt cx="0" cy="0"/>
+        </a:xfrm>
+      </p:grpSpPr>
+      <p:sp>
+        <p:nvSpPr>
+          <p:cNvPr id="2" name="Title 1"/>
+          <p:cNvSpPr>
+            <a:spLocks noGrp="1"/>
+          </p:cNvSpPr>
+          <p:nvPr>
+            <p:ph type="title"/>
+          </p:nvPr>
+        </p:nvSpPr>
+        <p:spPr/>
+        <p:txBody>
+          <a:bodyPr/>
+          <a:lstStyle/>
+          <a:p>
+            <a:endParaRPr lang="en-US" sz="1500" dirty="0"/>
+          </a:p>
+        </p:txBody>
+      </p:sp>
+      <p:sp>
+        <p:nvSpPr>
+          <p:cNvPr id="3" name="Content Placeholder 2"/>
+          <p:cNvSpPr>
+            <a:spLocks noGrp="1"/>
+          </p:cNvSpPr>
+          <p:nvPr>
+            <p:ph idx="1"/>
+          </p:nvPr>
+        </p:nvSpPr>
+        <p:spPr>
+          <a:xfrm>
+            <a:off x="1069848" y="174171"/>
+            <a:ext cx="10058400" cy="5998029"/>
+          </a:xfrm>
+        </p:spPr>
+        <p:txBody>
+          <a:bodyPr>
+            <a:noAutofit/>
+          </a:bodyPr>
+          <a:lstStyle/>
+          <a:p>
+            <a:r>
+              <a:rPr lang="nl-NL" dirty="0" smtClean="0">
+                <a:latin typeface="Times New Roman" panose="02020603050405020304" pitchFamily="18" charset="0"/>
+                <a:cs typeface="Times New Roman" panose="02020603050405020304" pitchFamily="18" charset="0"/>
+              </a:rPr>
+              <a:t>List of support </a:t>
+            </a:r>
+            <a:r>
+              <a:rPr lang="nl-NL" dirty="0" err="1" smtClean="0">
+                <a:latin typeface="Times New Roman" panose="02020603050405020304" pitchFamily="18" charset="0"/>
+                <a:cs typeface="Times New Roman" panose="02020603050405020304" pitchFamily="18" charset="0"/>
+              </a:rPr>
+              <a:t>command</a:t>
+            </a:r>
+            <a:r>
+              <a:rPr lang="nl-NL" dirty="0" smtClean="0">
+                <a:latin typeface="Times New Roman" panose="02020603050405020304" pitchFamily="18" charset="0"/>
+                <a:cs typeface="Times New Roman" panose="02020603050405020304" pitchFamily="18" charset="0"/>
+              </a:rPr>
+              <a:t> </a:t>
+            </a:r>
+            <a:r>
+              <a:rPr lang="nl-NL" dirty="0" err="1" smtClean="0">
+                <a:latin typeface="Times New Roman" panose="02020603050405020304" pitchFamily="18" charset="0"/>
+                <a:cs typeface="Times New Roman" panose="02020603050405020304" pitchFamily="18" charset="0"/>
+              </a:rPr>
+              <a:t>when</a:t>
+            </a:r>
+            <a:r>
+              <a:rPr lang="nl-NL" dirty="0" smtClean="0">
+                <a:latin typeface="Times New Roman" panose="02020603050405020304" pitchFamily="18" charset="0"/>
+                <a:cs typeface="Times New Roman" panose="02020603050405020304" pitchFamily="18" charset="0"/>
+              </a:rPr>
+              <a:t> </a:t>
+            </a:r>
+            <a:r>
+              <a:rPr lang="nl-NL" dirty="0" err="1" smtClean="0">
+                <a:latin typeface="Times New Roman" panose="02020603050405020304" pitchFamily="18" charset="0"/>
+                <a:cs typeface="Times New Roman" panose="02020603050405020304" pitchFamily="18" charset="0"/>
+              </a:rPr>
+              <a:t>using</a:t>
+            </a:r>
+            <a:r>
+              <a:rPr lang="nl-NL" dirty="0" smtClean="0">
+                <a:latin typeface="Times New Roman" panose="02020603050405020304" pitchFamily="18" charset="0"/>
+                <a:cs typeface="Times New Roman" panose="02020603050405020304" pitchFamily="18" charset="0"/>
+              </a:rPr>
+              <a:t> </a:t>
+            </a:r>
+            <a:r>
+              <a:rPr lang="nl-NL" dirty="0" err="1" smtClean="0">
+                <a:latin typeface="Times New Roman" panose="02020603050405020304" pitchFamily="18" charset="0"/>
+                <a:cs typeface="Times New Roman" panose="02020603050405020304" pitchFamily="18" charset="0"/>
+              </a:rPr>
+              <a:t>ng</a:t>
+            </a:r>
+            <a:r>
+              <a:rPr lang="nl-NL" dirty="0" smtClean="0">
+                <a:latin typeface="Times New Roman" panose="02020603050405020304" pitchFamily="18" charset="0"/>
+                <a:cs typeface="Times New Roman" panose="02020603050405020304" pitchFamily="18" charset="0"/>
+              </a:rPr>
+              <a:t> g</a:t>
+            </a:r>
+          </a:p>
+          <a:p>
+            <a:pPr marL="457200" indent="-457200">
+              <a:buFont typeface="+mj-lt"/>
+              <a:buAutoNum type="arabicPeriod"/>
+            </a:pPr>
+            <a:r>
+              <a:rPr lang="en-US" dirty="0" err="1">
+                <a:latin typeface="Times New Roman" panose="02020603050405020304" pitchFamily="18" charset="0"/>
+                <a:cs typeface="Times New Roman" panose="02020603050405020304" pitchFamily="18" charset="0"/>
+              </a:rPr>
+              <a:t>appShell</a:t>
+            </a:r>
+            <a:endParaRPr lang="en-US" dirty="0">
+              <a:latin typeface="Times New Roman" panose="02020603050405020304" pitchFamily="18" charset="0"/>
+              <a:cs typeface="Times New Roman" panose="02020603050405020304" pitchFamily="18" charset="0"/>
+            </a:endParaRPr>
+          </a:p>
+          <a:p>
+            <a:pPr marL="457200" indent="-457200">
+              <a:buFont typeface="+mj-lt"/>
+              <a:buAutoNum type="arabicPeriod"/>
+            </a:pPr>
+            <a:r>
+              <a:rPr lang="en-US" dirty="0">
+                <a:latin typeface="Times New Roman" panose="02020603050405020304" pitchFamily="18" charset="0"/>
+                <a:cs typeface="Times New Roman" panose="02020603050405020304" pitchFamily="18" charset="0"/>
+              </a:rPr>
+              <a:t>application</a:t>
+            </a:r>
+          </a:p>
+          <a:p>
+            <a:pPr marL="457200" indent="-457200">
+              <a:buFont typeface="+mj-lt"/>
+              <a:buAutoNum type="arabicPeriod"/>
+            </a:pPr>
+            <a:r>
+              <a:rPr lang="en-US" dirty="0">
+                <a:latin typeface="Times New Roman" panose="02020603050405020304" pitchFamily="18" charset="0"/>
+                <a:cs typeface="Times New Roman" panose="02020603050405020304" pitchFamily="18" charset="0"/>
+              </a:rPr>
+              <a:t>class</a:t>
+            </a:r>
+          </a:p>
+          <a:p>
+            <a:pPr marL="457200" indent="-457200">
+              <a:buFont typeface="+mj-lt"/>
+              <a:buAutoNum type="arabicPeriod"/>
+            </a:pPr>
+            <a:r>
+              <a:rPr lang="en-US" dirty="0">
+                <a:latin typeface="Times New Roman" panose="02020603050405020304" pitchFamily="18" charset="0"/>
+                <a:cs typeface="Times New Roman" panose="02020603050405020304" pitchFamily="18" charset="0"/>
+              </a:rPr>
+              <a:t>component</a:t>
+            </a:r>
+          </a:p>
+          <a:p>
+            <a:pPr marL="457200" indent="-457200">
+              <a:buFont typeface="+mj-lt"/>
+              <a:buAutoNum type="arabicPeriod"/>
+            </a:pPr>
+            <a:r>
+              <a:rPr lang="en-US" dirty="0">
+                <a:latin typeface="Times New Roman" panose="02020603050405020304" pitchFamily="18" charset="0"/>
+                <a:cs typeface="Times New Roman" panose="02020603050405020304" pitchFamily="18" charset="0"/>
+              </a:rPr>
+              <a:t>directive</a:t>
+            </a:r>
+          </a:p>
+          <a:p>
+            <a:pPr marL="457200" indent="-457200">
+              <a:buFont typeface="+mj-lt"/>
+              <a:buAutoNum type="arabicPeriod"/>
+            </a:pPr>
+            <a:r>
+              <a:rPr lang="en-US" dirty="0" err="1">
+                <a:latin typeface="Times New Roman" panose="02020603050405020304" pitchFamily="18" charset="0"/>
+                <a:cs typeface="Times New Roman" panose="02020603050405020304" pitchFamily="18" charset="0"/>
+              </a:rPr>
+              <a:t>enum</a:t>
+            </a:r>
+            <a:endParaRPr lang="en-US" dirty="0">
+              <a:latin typeface="Times New Roman" panose="02020603050405020304" pitchFamily="18" charset="0"/>
+              <a:cs typeface="Times New Roman" panose="02020603050405020304" pitchFamily="18" charset="0"/>
+            </a:endParaRPr>
+          </a:p>
+          <a:p>
+            <a:pPr marL="457200" indent="-457200">
+              <a:buFont typeface="+mj-lt"/>
+              <a:buAutoNum type="arabicPeriod"/>
+            </a:pPr>
+            <a:r>
+              <a:rPr lang="en-US" dirty="0">
+                <a:latin typeface="Times New Roman" panose="02020603050405020304" pitchFamily="18" charset="0"/>
+                <a:cs typeface="Times New Roman" panose="02020603050405020304" pitchFamily="18" charset="0"/>
+              </a:rPr>
+              <a:t>guard</a:t>
+            </a:r>
+          </a:p>
+          <a:p>
+            <a:pPr marL="457200" indent="-457200">
+              <a:buFont typeface="+mj-lt"/>
+              <a:buAutoNum type="arabicPeriod"/>
+            </a:pPr>
+            <a:r>
+              <a:rPr lang="en-US" dirty="0">
+                <a:latin typeface="Times New Roman" panose="02020603050405020304" pitchFamily="18" charset="0"/>
+                <a:cs typeface="Times New Roman" panose="02020603050405020304" pitchFamily="18" charset="0"/>
+              </a:rPr>
+              <a:t>interface</a:t>
+            </a:r>
+          </a:p>
+          <a:p>
+            <a:pPr marL="457200" indent="-457200">
+              <a:buFont typeface="+mj-lt"/>
+              <a:buAutoNum type="arabicPeriod"/>
+            </a:pPr>
+            <a:r>
+              <a:rPr lang="en-US" dirty="0">
+                <a:latin typeface="Times New Roman" panose="02020603050405020304" pitchFamily="18" charset="0"/>
+                <a:cs typeface="Times New Roman" panose="02020603050405020304" pitchFamily="18" charset="0"/>
+              </a:rPr>
+              <a:t>library</a:t>
+            </a:r>
+          </a:p>
+          <a:p>
+            <a:pPr marL="457200" indent="-457200">
+              <a:buFont typeface="+mj-lt"/>
+              <a:buAutoNum type="arabicPeriod"/>
+            </a:pPr>
+            <a:r>
+              <a:rPr lang="en-US" dirty="0">
+                <a:latin typeface="Times New Roman" panose="02020603050405020304" pitchFamily="18" charset="0"/>
+                <a:cs typeface="Times New Roman" panose="02020603050405020304" pitchFamily="18" charset="0"/>
+              </a:rPr>
+              <a:t>module</a:t>
+            </a:r>
+          </a:p>
+          <a:p>
+            <a:pPr marL="457200" indent="-457200">
+              <a:buFont typeface="+mj-lt"/>
+              <a:buAutoNum type="arabicPeriod"/>
+            </a:pPr>
+            <a:r>
+              <a:rPr lang="en-US" dirty="0">
+                <a:latin typeface="Times New Roman" panose="02020603050405020304" pitchFamily="18" charset="0"/>
+                <a:cs typeface="Times New Roman" panose="02020603050405020304" pitchFamily="18" charset="0"/>
+              </a:rPr>
+              <a:t>pipe</a:t>
+            </a:r>
+          </a:p>
+          <a:p>
+            <a:pPr marL="457200" indent="-457200">
+              <a:buFont typeface="+mj-lt"/>
+              <a:buAutoNum type="arabicPeriod"/>
+            </a:pPr>
+            <a:r>
+              <a:rPr lang="en-US" dirty="0">
+                <a:latin typeface="Times New Roman" panose="02020603050405020304" pitchFamily="18" charset="0"/>
+                <a:cs typeface="Times New Roman" panose="02020603050405020304" pitchFamily="18" charset="0"/>
+              </a:rPr>
+              <a:t>service</a:t>
+            </a:r>
+          </a:p>
+          <a:p>
+            <a:pPr marL="457200" indent="-457200">
+              <a:buFont typeface="+mj-lt"/>
+              <a:buAutoNum type="arabicPeriod"/>
+            </a:pPr>
+            <a:r>
+              <a:rPr lang="en-US" dirty="0" err="1">
+                <a:latin typeface="Times New Roman" panose="02020603050405020304" pitchFamily="18" charset="0"/>
+                <a:cs typeface="Times New Roman" panose="02020603050405020304" pitchFamily="18" charset="0"/>
+              </a:rPr>
+              <a:t>serviceWorker</a:t>
+            </a:r>
+            <a:endParaRPr lang="en-US" dirty="0">
+              <a:latin typeface="Times New Roman" panose="02020603050405020304" pitchFamily="18" charset="0"/>
+              <a:cs typeface="Times New Roman" panose="02020603050405020304" pitchFamily="18" charset="0"/>
+            </a:endParaRPr>
+          </a:p>
+          <a:p>
+            <a:pPr marL="457200" indent="-457200">
+              <a:buFont typeface="+mj-lt"/>
+              <a:buAutoNum type="arabicPeriod"/>
+            </a:pPr>
+            <a:r>
+              <a:rPr lang="en-US" dirty="0">
+                <a:latin typeface="Times New Roman" panose="02020603050405020304" pitchFamily="18" charset="0"/>
+                <a:cs typeface="Times New Roman" panose="02020603050405020304" pitchFamily="18" charset="0"/>
+              </a:rPr>
+              <a:t>universal</a:t>
+            </a:r>
+          </a:p>
+        </p:txBody>
+      </p:sp>
+    </p:spTree>
+    <p:extLst>
+      <p:ext uri="{BB962C8B-B14F-4D97-AF65-F5344CB8AC3E}">
+        <p14:creationId xmlns:p14="http://schemas.microsoft.com/office/powerpoint/2010/main" val="2556684345"/>
+      </p:ext>
+    </p:extLst>
+  </p:cSld>
+  <p:clrMapOvr>
+    <a:masterClrMapping/>
+  </p:clrMapOvr>
+  <p:timing>
+    <p:tnLst>
+      <p:par>
+        <p:cTn id="1" dur="indefinite" restart="never" nodeType="tmRoot"/>
+      </p:par>
+    </p:tnLst>
+  </p:timing>
+</p:sld>
+</file>
+
 <file path=ppt/slides/slide3.xml><?xml version="1.0" encoding="utf-8"?>
 <p:sld xmlns:a="http://schemas.openxmlformats.org/drawingml/2006/main" xmlns:r="http://schemas.openxmlformats.org/officeDocument/2006/relationships" xmlns:p="http://schemas.openxmlformats.org/presentationml/2006/main">
   <p:cSld>
@@ -8777,6 +9487,13 @@
             <a:pPr marL="0" indent="0">
               <a:buNone/>
             </a:pPr>
+            <a:r>
+              <a:rPr lang="en-US" sz="2200" dirty="0">
+                <a:latin typeface="Times New Roman" panose="02020603050405020304" pitchFamily="18" charset="0"/>
+                <a:cs typeface="Times New Roman" panose="02020603050405020304" pitchFamily="18" charset="0"/>
+              </a:rPr>
+              <a:t/>
+            </a:r>
             <a:br>
               <a:rPr lang="en-US" sz="2200" dirty="0">
                 <a:latin typeface="Times New Roman" panose="02020603050405020304" pitchFamily="18" charset="0"/>

--- a/Angular Workshop/Angular Workshop.pptx
+++ b/Angular Workshop/Angular Workshop.pptx
@@ -5,7 +5,7 @@
     <p:sldMasterId id="2147483790" r:id="rId1"/>
   </p:sldMasterIdLst>
   <p:notesMasterIdLst>
-    <p:notesMasterId r:id="rId31"/>
+    <p:notesMasterId r:id="rId33"/>
   </p:notesMasterIdLst>
   <p:sldIdLst>
     <p:sldId id="256" r:id="rId2"/>
@@ -37,6 +37,8 @@
     <p:sldId id="282" r:id="rId28"/>
     <p:sldId id="283" r:id="rId29"/>
     <p:sldId id="284" r:id="rId30"/>
+    <p:sldId id="285" r:id="rId31"/>
+    <p:sldId id="286" r:id="rId32"/>
   </p:sldIdLst>
   <p:sldSz cx="12192000" cy="6858000"/>
   <p:notesSz cx="6858000" cy="9144000"/>
@@ -9511,6 +9513,578 @@
     <p:extLst>
       <p:ext uri="{BB962C8B-B14F-4D97-AF65-F5344CB8AC3E}">
         <p14:creationId xmlns:p14="http://schemas.microsoft.com/office/powerpoint/2010/main" val="3367615162"/>
+      </p:ext>
+    </p:extLst>
+  </p:cSld>
+  <p:clrMapOvr>
+    <a:masterClrMapping/>
+  </p:clrMapOvr>
+</p:sld>
+</file>
+
+<file path=ppt/slides/slide30.xml><?xml version="1.0" encoding="utf-8"?>
+<p:sld xmlns:a="http://schemas.openxmlformats.org/drawingml/2006/main" xmlns:r="http://schemas.openxmlformats.org/officeDocument/2006/relationships" xmlns:p="http://schemas.openxmlformats.org/presentationml/2006/main">
+  <p:cSld>
+    <p:spTree>
+      <p:nvGrpSpPr>
+        <p:cNvPr id="1" name=""/>
+        <p:cNvGrpSpPr/>
+        <p:nvPr/>
+      </p:nvGrpSpPr>
+      <p:grpSpPr>
+        <a:xfrm>
+          <a:off x="0" y="0"/>
+          <a:ext cx="0" cy="0"/>
+          <a:chOff x="0" y="0"/>
+          <a:chExt cx="0" cy="0"/>
+        </a:xfrm>
+      </p:grpSpPr>
+      <p:sp>
+        <p:nvSpPr>
+          <p:cNvPr id="2" name="Title 1"/>
+          <p:cNvSpPr>
+            <a:spLocks noGrp="1"/>
+          </p:cNvSpPr>
+          <p:nvPr>
+            <p:ph type="title"/>
+          </p:nvPr>
+        </p:nvSpPr>
+        <p:spPr/>
+        <p:txBody>
+          <a:bodyPr>
+            <a:normAutofit fontScale="90000"/>
+          </a:bodyPr>
+          <a:lstStyle/>
+          <a:p>
+            <a:r>
+              <a:rPr lang="en-US" b="1" dirty="0" smtClean="0">
+                <a:latin typeface="Times New Roman" panose="02020603050405020304" pitchFamily="18" charset="0"/>
+                <a:cs typeface="Times New Roman" panose="02020603050405020304" pitchFamily="18" charset="0"/>
+              </a:rPr>
+              <a:t/>
+            </a:r>
+            <a:br>
+              <a:rPr lang="en-US" b="1" dirty="0" smtClean="0">
+                <a:latin typeface="Times New Roman" panose="02020603050405020304" pitchFamily="18" charset="0"/>
+                <a:cs typeface="Times New Roman" panose="02020603050405020304" pitchFamily="18" charset="0"/>
+              </a:rPr>
+            </a:br>
+            <a:r>
+              <a:rPr lang="en-US" b="1" dirty="0" smtClean="0">
+                <a:latin typeface="Times New Roman" panose="02020603050405020304" pitchFamily="18" charset="0"/>
+                <a:cs typeface="Times New Roman" panose="02020603050405020304" pitchFamily="18" charset="0"/>
+              </a:rPr>
+              <a:t>Introduction to</a:t>
+            </a:r>
+            <a:br>
+              <a:rPr lang="en-US" b="1" dirty="0" smtClean="0">
+                <a:latin typeface="Times New Roman" panose="02020603050405020304" pitchFamily="18" charset="0"/>
+                <a:cs typeface="Times New Roman" panose="02020603050405020304" pitchFamily="18" charset="0"/>
+              </a:rPr>
+            </a:br>
+            <a:r>
+              <a:rPr lang="en-US" b="1" dirty="0" smtClean="0">
+                <a:latin typeface="Times New Roman" panose="02020603050405020304" pitchFamily="18" charset="0"/>
+                <a:cs typeface="Times New Roman" panose="02020603050405020304" pitchFamily="18" charset="0"/>
+              </a:rPr>
+              <a:t>ES </a:t>
+            </a:r>
+            <a:r>
+              <a:rPr lang="en-US" b="1" dirty="0">
+                <a:latin typeface="Times New Roman" panose="02020603050405020304" pitchFamily="18" charset="0"/>
+                <a:cs typeface="Times New Roman" panose="02020603050405020304" pitchFamily="18" charset="0"/>
+              </a:rPr>
+              <a:t>Modules</a:t>
+            </a:r>
+            <a:br>
+              <a:rPr lang="en-US" b="1" dirty="0">
+                <a:latin typeface="Times New Roman" panose="02020603050405020304" pitchFamily="18" charset="0"/>
+                <a:cs typeface="Times New Roman" panose="02020603050405020304" pitchFamily="18" charset="0"/>
+              </a:rPr>
+            </a:br>
+            <a:endParaRPr lang="en-US" dirty="0">
+              <a:latin typeface="Times New Roman" panose="02020603050405020304" pitchFamily="18" charset="0"/>
+              <a:cs typeface="Times New Roman" panose="02020603050405020304" pitchFamily="18" charset="0"/>
+            </a:endParaRPr>
+          </a:p>
+        </p:txBody>
+      </p:sp>
+      <p:sp>
+        <p:nvSpPr>
+          <p:cNvPr id="3" name="Content Placeholder 2"/>
+          <p:cNvSpPr>
+            <a:spLocks noGrp="1"/>
+          </p:cNvSpPr>
+          <p:nvPr>
+            <p:ph idx="1"/>
+          </p:nvPr>
+        </p:nvSpPr>
+        <p:spPr/>
+        <p:txBody>
+          <a:bodyPr>
+            <a:normAutofit/>
+          </a:bodyPr>
+          <a:lstStyle/>
+          <a:p>
+            <a:r>
+              <a:rPr lang="nl-NL" sz="2200" dirty="0" smtClean="0">
+                <a:latin typeface="Times New Roman" panose="02020603050405020304" pitchFamily="18" charset="0"/>
+                <a:cs typeface="Times New Roman" panose="02020603050405020304" pitchFamily="18" charset="0"/>
+              </a:rPr>
+              <a:t>Modules </a:t>
+            </a:r>
+            <a:r>
+              <a:rPr lang="nl-NL" sz="2200" dirty="0" err="1" smtClean="0">
+                <a:latin typeface="Times New Roman" panose="02020603050405020304" pitchFamily="18" charset="0"/>
+                <a:cs typeface="Times New Roman" panose="02020603050405020304" pitchFamily="18" charset="0"/>
+              </a:rPr>
+              <a:t>allow</a:t>
+            </a:r>
+            <a:r>
+              <a:rPr lang="nl-NL" sz="2200" dirty="0" smtClean="0">
+                <a:latin typeface="Times New Roman" panose="02020603050405020304" pitchFamily="18" charset="0"/>
+                <a:cs typeface="Times New Roman" panose="02020603050405020304" pitchFamily="18" charset="0"/>
+              </a:rPr>
+              <a:t> </a:t>
+            </a:r>
+            <a:r>
+              <a:rPr lang="nl-NL" sz="2200" dirty="0" err="1" smtClean="0">
+                <a:latin typeface="Times New Roman" panose="02020603050405020304" pitchFamily="18" charset="0"/>
+                <a:cs typeface="Times New Roman" panose="02020603050405020304" pitchFamily="18" charset="0"/>
+              </a:rPr>
+              <a:t>us</a:t>
+            </a:r>
+            <a:r>
+              <a:rPr lang="nl-NL" sz="2200" dirty="0" smtClean="0">
+                <a:latin typeface="Times New Roman" panose="02020603050405020304" pitchFamily="18" charset="0"/>
+                <a:cs typeface="Times New Roman" panose="02020603050405020304" pitchFamily="18" charset="0"/>
+              </a:rPr>
+              <a:t> </a:t>
+            </a:r>
+            <a:r>
+              <a:rPr lang="nl-NL" sz="2200" dirty="0" err="1" smtClean="0">
+                <a:latin typeface="Times New Roman" panose="02020603050405020304" pitchFamily="18" charset="0"/>
+                <a:cs typeface="Times New Roman" panose="02020603050405020304" pitchFamily="18" charset="0"/>
+              </a:rPr>
+              <a:t>to</a:t>
+            </a:r>
+            <a:r>
+              <a:rPr lang="nl-NL" sz="2200" dirty="0" smtClean="0">
+                <a:latin typeface="Times New Roman" panose="02020603050405020304" pitchFamily="18" charset="0"/>
+                <a:cs typeface="Times New Roman" panose="02020603050405020304" pitchFamily="18" charset="0"/>
+              </a:rPr>
+              <a:t> </a:t>
+            </a:r>
+            <a:r>
+              <a:rPr lang="nl-NL" sz="2200" dirty="0" err="1" smtClean="0">
+                <a:latin typeface="Times New Roman" panose="02020603050405020304" pitchFamily="18" charset="0"/>
+                <a:cs typeface="Times New Roman" panose="02020603050405020304" pitchFamily="18" charset="0"/>
+              </a:rPr>
+              <a:t>encapsulate</a:t>
+            </a:r>
+            <a:r>
+              <a:rPr lang="nl-NL" sz="2200" dirty="0" smtClean="0">
+                <a:latin typeface="Times New Roman" panose="02020603050405020304" pitchFamily="18" charset="0"/>
+                <a:cs typeface="Times New Roman" panose="02020603050405020304" pitchFamily="18" charset="0"/>
+              </a:rPr>
+              <a:t> </a:t>
+            </a:r>
+            <a:r>
+              <a:rPr lang="nl-NL" sz="2200" dirty="0" err="1" smtClean="0">
+                <a:latin typeface="Times New Roman" panose="02020603050405020304" pitchFamily="18" charset="0"/>
+                <a:cs typeface="Times New Roman" panose="02020603050405020304" pitchFamily="18" charset="0"/>
+              </a:rPr>
+              <a:t>all</a:t>
+            </a:r>
+            <a:r>
+              <a:rPr lang="nl-NL" sz="2200" dirty="0" smtClean="0">
+                <a:latin typeface="Times New Roman" panose="02020603050405020304" pitchFamily="18" charset="0"/>
+                <a:cs typeface="Times New Roman" panose="02020603050405020304" pitchFamily="18" charset="0"/>
+              </a:rPr>
+              <a:t> </a:t>
+            </a:r>
+            <a:r>
+              <a:rPr lang="nl-NL" sz="2200" dirty="0" err="1" smtClean="0">
+                <a:latin typeface="Times New Roman" panose="02020603050405020304" pitchFamily="18" charset="0"/>
+                <a:cs typeface="Times New Roman" panose="02020603050405020304" pitchFamily="18" charset="0"/>
+              </a:rPr>
+              <a:t>sort</a:t>
+            </a:r>
+            <a:r>
+              <a:rPr lang="nl-NL" sz="2200" dirty="0" smtClean="0">
+                <a:latin typeface="Times New Roman" panose="02020603050405020304" pitchFamily="18" charset="0"/>
+                <a:cs typeface="Times New Roman" panose="02020603050405020304" pitchFamily="18" charset="0"/>
+              </a:rPr>
+              <a:t> of </a:t>
+            </a:r>
+            <a:r>
+              <a:rPr lang="en-US" sz="2200" dirty="0" smtClean="0">
+                <a:latin typeface="Times New Roman" panose="02020603050405020304" pitchFamily="18" charset="0"/>
+                <a:cs typeface="Times New Roman" panose="02020603050405020304" pitchFamily="18" charset="0"/>
+              </a:rPr>
+              <a:t>functionality </a:t>
+            </a:r>
+            <a:r>
+              <a:rPr lang="nl-NL" sz="2200" dirty="0" err="1" smtClean="0">
+                <a:latin typeface="Times New Roman" panose="02020603050405020304" pitchFamily="18" charset="0"/>
+                <a:cs typeface="Times New Roman" panose="02020603050405020304" pitchFamily="18" charset="0"/>
+              </a:rPr>
+              <a:t>and</a:t>
+            </a:r>
+            <a:r>
+              <a:rPr lang="nl-NL" sz="2200" dirty="0" smtClean="0">
+                <a:latin typeface="Times New Roman" panose="02020603050405020304" pitchFamily="18" charset="0"/>
+                <a:cs typeface="Times New Roman" panose="02020603050405020304" pitchFamily="18" charset="0"/>
+              </a:rPr>
+              <a:t> </a:t>
+            </a:r>
+            <a:r>
+              <a:rPr lang="nl-NL" sz="2200" dirty="0" err="1" smtClean="0">
+                <a:latin typeface="Times New Roman" panose="02020603050405020304" pitchFamily="18" charset="0"/>
+                <a:cs typeface="Times New Roman" panose="02020603050405020304" pitchFamily="18" charset="0"/>
+              </a:rPr>
+              <a:t>expose</a:t>
+            </a:r>
+            <a:r>
+              <a:rPr lang="nl-NL" sz="2200" dirty="0" smtClean="0">
+                <a:latin typeface="Times New Roman" panose="02020603050405020304" pitchFamily="18" charset="0"/>
+                <a:cs typeface="Times New Roman" panose="02020603050405020304" pitchFamily="18" charset="0"/>
+              </a:rPr>
+              <a:t> these </a:t>
+            </a:r>
+            <a:r>
+              <a:rPr lang="en-US" sz="2200" dirty="0" smtClean="0">
+                <a:latin typeface="Times New Roman" panose="02020603050405020304" pitchFamily="18" charset="0"/>
+                <a:cs typeface="Times New Roman" panose="02020603050405020304" pitchFamily="18" charset="0"/>
+              </a:rPr>
+              <a:t>functionality </a:t>
+            </a:r>
+            <a:r>
+              <a:rPr lang="nl-NL" sz="2200" dirty="0" err="1" smtClean="0">
+                <a:latin typeface="Times New Roman" panose="02020603050405020304" pitchFamily="18" charset="0"/>
+                <a:cs typeface="Times New Roman" panose="02020603050405020304" pitchFamily="18" charset="0"/>
+              </a:rPr>
+              <a:t>to</a:t>
+            </a:r>
+            <a:r>
+              <a:rPr lang="nl-NL" sz="2200" dirty="0" smtClean="0">
+                <a:latin typeface="Times New Roman" panose="02020603050405020304" pitchFamily="18" charset="0"/>
+                <a:cs typeface="Times New Roman" panose="02020603050405020304" pitchFamily="18" charset="0"/>
+              </a:rPr>
+              <a:t> </a:t>
+            </a:r>
+            <a:r>
+              <a:rPr lang="nl-NL" sz="2200" dirty="0" err="1" smtClean="0">
+                <a:latin typeface="Times New Roman" panose="02020603050405020304" pitchFamily="18" charset="0"/>
+                <a:cs typeface="Times New Roman" panose="02020603050405020304" pitchFamily="18" charset="0"/>
+              </a:rPr>
+              <a:t>other</a:t>
+            </a:r>
+            <a:r>
+              <a:rPr lang="nl-NL" sz="2200" dirty="0" smtClean="0">
+                <a:latin typeface="Times New Roman" panose="02020603050405020304" pitchFamily="18" charset="0"/>
+                <a:cs typeface="Times New Roman" panose="02020603050405020304" pitchFamily="18" charset="0"/>
+              </a:rPr>
+              <a:t> JS file as </a:t>
+            </a:r>
+            <a:r>
+              <a:rPr lang="nl-NL" sz="2200" dirty="0" err="1" smtClean="0">
+                <a:latin typeface="Times New Roman" panose="02020603050405020304" pitchFamily="18" charset="0"/>
+                <a:cs typeface="Times New Roman" panose="02020603050405020304" pitchFamily="18" charset="0"/>
+              </a:rPr>
+              <a:t>libraries</a:t>
+            </a:r>
+            <a:endParaRPr lang="nl-NL" sz="2200" dirty="0" smtClean="0">
+              <a:latin typeface="Times New Roman" panose="02020603050405020304" pitchFamily="18" charset="0"/>
+              <a:cs typeface="Times New Roman" panose="02020603050405020304" pitchFamily="18" charset="0"/>
+            </a:endParaRPr>
+          </a:p>
+          <a:p>
+            <a:pPr marL="0" indent="0">
+              <a:buNone/>
+            </a:pPr>
+            <a:r>
+              <a:rPr lang="nl-NL" sz="2200" dirty="0" smtClean="0">
+                <a:latin typeface="Times New Roman" panose="02020603050405020304" pitchFamily="18" charset="0"/>
+                <a:cs typeface="Times New Roman" panose="02020603050405020304" pitchFamily="18" charset="0"/>
+              </a:rPr>
+              <a:t>Syntax: </a:t>
+            </a:r>
+          </a:p>
+          <a:p>
+            <a:r>
+              <a:rPr lang="en-US" sz="2200" dirty="0">
+                <a:latin typeface="Times New Roman" panose="02020603050405020304" pitchFamily="18" charset="0"/>
+                <a:cs typeface="Times New Roman" panose="02020603050405020304" pitchFamily="18" charset="0"/>
+              </a:rPr>
+              <a:t>import package from </a:t>
+            </a:r>
+            <a:r>
+              <a:rPr lang="en-US" sz="2200" dirty="0" smtClean="0">
+                <a:latin typeface="Times New Roman" panose="02020603050405020304" pitchFamily="18" charset="0"/>
+                <a:cs typeface="Times New Roman" panose="02020603050405020304" pitchFamily="18" charset="0"/>
+              </a:rPr>
+              <a:t>'module-name‘</a:t>
+            </a:r>
+          </a:p>
+          <a:p>
+            <a:pPr marL="0" indent="0">
+              <a:buNone/>
+            </a:pPr>
+            <a:r>
+              <a:rPr lang="nl-NL" sz="2200" dirty="0" smtClean="0">
+                <a:latin typeface="Times New Roman" panose="02020603050405020304" pitchFamily="18" charset="0"/>
+                <a:cs typeface="Times New Roman" panose="02020603050405020304" pitchFamily="18" charset="0"/>
+              </a:rPr>
+              <a:t>Or</a:t>
+            </a:r>
+          </a:p>
+          <a:p>
+            <a:r>
+              <a:rPr lang="en-US" sz="2200" dirty="0">
+                <a:latin typeface="Times New Roman" panose="02020603050405020304" pitchFamily="18" charset="0"/>
+                <a:cs typeface="Times New Roman" panose="02020603050405020304" pitchFamily="18" charset="0"/>
+              </a:rPr>
+              <a:t>import * as lib from 'lib';</a:t>
+            </a:r>
+            <a:endParaRPr lang="en-US" sz="2200" dirty="0" smtClean="0">
+              <a:latin typeface="Times New Roman" panose="02020603050405020304" pitchFamily="18" charset="0"/>
+              <a:cs typeface="Times New Roman" panose="02020603050405020304" pitchFamily="18" charset="0"/>
+            </a:endParaRPr>
+          </a:p>
+          <a:p>
+            <a:pPr marL="0" indent="0">
+              <a:buNone/>
+            </a:pPr>
+            <a:r>
+              <a:rPr lang="nl-NL" sz="2200" dirty="0" err="1" smtClean="0">
+                <a:latin typeface="Times New Roman" panose="02020603050405020304" pitchFamily="18" charset="0"/>
+                <a:cs typeface="Times New Roman" panose="02020603050405020304" pitchFamily="18" charset="0"/>
+              </a:rPr>
+              <a:t>Example</a:t>
+            </a:r>
+            <a:r>
+              <a:rPr lang="nl-NL" sz="2200" dirty="0" smtClean="0">
+                <a:latin typeface="Times New Roman" panose="02020603050405020304" pitchFamily="18" charset="0"/>
+                <a:cs typeface="Times New Roman" panose="02020603050405020304" pitchFamily="18" charset="0"/>
+              </a:rPr>
+              <a:t>:</a:t>
+            </a:r>
+            <a:endParaRPr lang="en-US" sz="2200" dirty="0">
+              <a:latin typeface="Times New Roman" panose="02020603050405020304" pitchFamily="18" charset="0"/>
+              <a:cs typeface="Times New Roman" panose="02020603050405020304" pitchFamily="18" charset="0"/>
+            </a:endParaRPr>
+          </a:p>
+          <a:p>
+            <a:r>
+              <a:rPr lang="en-US" sz="2200" dirty="0">
+                <a:latin typeface="Times New Roman" panose="02020603050405020304" pitchFamily="18" charset="0"/>
+                <a:cs typeface="Times New Roman" panose="02020603050405020304" pitchFamily="18" charset="0"/>
+              </a:rPr>
+              <a:t>import React, { Component } from 'react'</a:t>
+            </a:r>
+            <a:r>
+              <a:rPr lang="nl-NL" sz="2200" dirty="0" smtClean="0">
+                <a:latin typeface="Times New Roman" panose="02020603050405020304" pitchFamily="18" charset="0"/>
+                <a:cs typeface="Times New Roman" panose="02020603050405020304" pitchFamily="18" charset="0"/>
+              </a:rPr>
+              <a:t> </a:t>
+            </a:r>
+          </a:p>
+          <a:p>
+            <a:r>
+              <a:rPr lang="nl-NL" sz="2200" dirty="0" err="1" smtClean="0">
+                <a:latin typeface="Times New Roman" panose="02020603050405020304" pitchFamily="18" charset="0"/>
+                <a:cs typeface="Times New Roman" panose="02020603050405020304" pitchFamily="18" charset="0"/>
+              </a:rPr>
+              <a:t>React</a:t>
+            </a:r>
+            <a:r>
+              <a:rPr lang="nl-NL" sz="2200" dirty="0" smtClean="0">
+                <a:latin typeface="Times New Roman" panose="02020603050405020304" pitchFamily="18" charset="0"/>
+                <a:cs typeface="Times New Roman" panose="02020603050405020304" pitchFamily="18" charset="0"/>
+              </a:rPr>
+              <a:t> </a:t>
+            </a:r>
+            <a:r>
+              <a:rPr lang="nl-NL" sz="2200" dirty="0" err="1" smtClean="0">
+                <a:latin typeface="Times New Roman" panose="02020603050405020304" pitchFamily="18" charset="0"/>
+                <a:cs typeface="Times New Roman" panose="02020603050405020304" pitchFamily="18" charset="0"/>
+              </a:rPr>
+              <a:t>here</a:t>
+            </a:r>
+            <a:r>
+              <a:rPr lang="nl-NL" sz="2200" dirty="0" smtClean="0">
+                <a:latin typeface="Times New Roman" panose="02020603050405020304" pitchFamily="18" charset="0"/>
+                <a:cs typeface="Times New Roman" panose="02020603050405020304" pitchFamily="18" charset="0"/>
+              </a:rPr>
+              <a:t> is default export </a:t>
+            </a:r>
+            <a:r>
+              <a:rPr lang="nl-NL" sz="2200" dirty="0" err="1" smtClean="0">
+                <a:latin typeface="Times New Roman" panose="02020603050405020304" pitchFamily="18" charset="0"/>
+                <a:cs typeface="Times New Roman" panose="02020603050405020304" pitchFamily="18" charset="0"/>
+              </a:rPr>
+              <a:t>and</a:t>
+            </a:r>
+            <a:r>
+              <a:rPr lang="nl-NL" sz="2200" dirty="0" smtClean="0">
+                <a:latin typeface="Times New Roman" panose="02020603050405020304" pitchFamily="18" charset="0"/>
+                <a:cs typeface="Times New Roman" panose="02020603050405020304" pitchFamily="18" charset="0"/>
+              </a:rPr>
+              <a:t> { Component } non-default export </a:t>
+            </a:r>
+            <a:endParaRPr lang="en-US" sz="2200" dirty="0">
+              <a:latin typeface="Times New Roman" panose="02020603050405020304" pitchFamily="18" charset="0"/>
+              <a:cs typeface="Times New Roman" panose="02020603050405020304" pitchFamily="18" charset="0"/>
+            </a:endParaRPr>
+          </a:p>
+        </p:txBody>
+      </p:sp>
+    </p:spTree>
+    <p:extLst>
+      <p:ext uri="{BB962C8B-B14F-4D97-AF65-F5344CB8AC3E}">
+        <p14:creationId xmlns:p14="http://schemas.microsoft.com/office/powerpoint/2010/main" val="3129914354"/>
+      </p:ext>
+    </p:extLst>
+  </p:cSld>
+  <p:clrMapOvr>
+    <a:masterClrMapping/>
+  </p:clrMapOvr>
+  <p:timing>
+    <p:tnLst>
+      <p:par>
+        <p:cTn id="1" dur="indefinite" restart="never" nodeType="tmRoot"/>
+      </p:par>
+    </p:tnLst>
+  </p:timing>
+</p:sld>
+</file>
+
+<file path=ppt/slides/slide31.xml><?xml version="1.0" encoding="utf-8"?>
+<p:sld xmlns:a="http://schemas.openxmlformats.org/drawingml/2006/main" xmlns:r="http://schemas.openxmlformats.org/officeDocument/2006/relationships" xmlns:p="http://schemas.openxmlformats.org/presentationml/2006/main">
+  <p:cSld>
+    <p:spTree>
+      <p:nvGrpSpPr>
+        <p:cNvPr id="1" name=""/>
+        <p:cNvGrpSpPr/>
+        <p:nvPr/>
+      </p:nvGrpSpPr>
+      <p:grpSpPr>
+        <a:xfrm>
+          <a:off x="0" y="0"/>
+          <a:ext cx="0" cy="0"/>
+          <a:chOff x="0" y="0"/>
+          <a:chExt cx="0" cy="0"/>
+        </a:xfrm>
+      </p:grpSpPr>
+      <p:sp>
+        <p:nvSpPr>
+          <p:cNvPr id="2" name="Title 1"/>
+          <p:cNvSpPr>
+            <a:spLocks noGrp="1"/>
+          </p:cNvSpPr>
+          <p:nvPr>
+            <p:ph type="title"/>
+          </p:nvPr>
+        </p:nvSpPr>
+        <p:spPr/>
+        <p:txBody>
+          <a:bodyPr>
+            <a:normAutofit fontScale="90000"/>
+          </a:bodyPr>
+          <a:lstStyle/>
+          <a:p>
+            <a:r>
+              <a:rPr lang="en-US" smtClean="0">
+                <a:latin typeface="Times New Roman" panose="02020603050405020304" pitchFamily="18" charset="0"/>
+                <a:cs typeface="Times New Roman" panose="02020603050405020304" pitchFamily="18" charset="0"/>
+              </a:rPr>
+              <a:t/>
+            </a:r>
+            <a:br>
+              <a:rPr lang="en-US" smtClean="0">
+                <a:latin typeface="Times New Roman" panose="02020603050405020304" pitchFamily="18" charset="0"/>
+                <a:cs typeface="Times New Roman" panose="02020603050405020304" pitchFamily="18" charset="0"/>
+              </a:rPr>
+            </a:br>
+            <a:r>
+              <a:rPr lang="en-US" smtClean="0">
+                <a:latin typeface="Times New Roman" panose="02020603050405020304" pitchFamily="18" charset="0"/>
+                <a:cs typeface="Times New Roman" panose="02020603050405020304" pitchFamily="18" charset="0"/>
+              </a:rPr>
+              <a:t>Introduction </a:t>
+            </a:r>
+            <a:r>
+              <a:rPr lang="en-US">
+                <a:latin typeface="Times New Roman" panose="02020603050405020304" pitchFamily="18" charset="0"/>
+                <a:cs typeface="Times New Roman" panose="02020603050405020304" pitchFamily="18" charset="0"/>
+              </a:rPr>
+              <a:t>to </a:t>
+            </a:r>
+            <a:r>
+              <a:rPr lang="en-US" smtClean="0">
+                <a:latin typeface="Times New Roman" panose="02020603050405020304" pitchFamily="18" charset="0"/>
+                <a:cs typeface="Times New Roman" panose="02020603050405020304" pitchFamily="18" charset="0"/>
+              </a:rPr>
+              <a:t/>
+            </a:r>
+            <a:br>
+              <a:rPr lang="en-US" smtClean="0">
+                <a:latin typeface="Times New Roman" panose="02020603050405020304" pitchFamily="18" charset="0"/>
+                <a:cs typeface="Times New Roman" panose="02020603050405020304" pitchFamily="18" charset="0"/>
+              </a:rPr>
+            </a:br>
+            <a:r>
+              <a:rPr lang="en-US" smtClean="0">
+                <a:latin typeface="Times New Roman" panose="02020603050405020304" pitchFamily="18" charset="0"/>
+                <a:cs typeface="Times New Roman" panose="02020603050405020304" pitchFamily="18" charset="0"/>
+              </a:rPr>
+              <a:t>Angular </a:t>
+            </a:r>
+            <a:r>
+              <a:rPr lang="en-US" dirty="0">
+                <a:latin typeface="Times New Roman" panose="02020603050405020304" pitchFamily="18" charset="0"/>
+                <a:cs typeface="Times New Roman" panose="02020603050405020304" pitchFamily="18" charset="0"/>
+              </a:rPr>
+              <a:t>Modules</a:t>
+            </a:r>
+            <a:br>
+              <a:rPr lang="en-US" dirty="0">
+                <a:latin typeface="Times New Roman" panose="02020603050405020304" pitchFamily="18" charset="0"/>
+                <a:cs typeface="Times New Roman" panose="02020603050405020304" pitchFamily="18" charset="0"/>
+              </a:rPr>
+            </a:br>
+            <a:endParaRPr lang="en-US" dirty="0">
+              <a:latin typeface="Times New Roman" panose="02020603050405020304" pitchFamily="18" charset="0"/>
+              <a:cs typeface="Times New Roman" panose="02020603050405020304" pitchFamily="18" charset="0"/>
+            </a:endParaRPr>
+          </a:p>
+        </p:txBody>
+      </p:sp>
+      <p:sp>
+        <p:nvSpPr>
+          <p:cNvPr id="3" name="Content Placeholder 2"/>
+          <p:cNvSpPr>
+            <a:spLocks noGrp="1"/>
+          </p:cNvSpPr>
+          <p:nvPr>
+            <p:ph idx="1"/>
+          </p:nvPr>
+        </p:nvSpPr>
+        <p:spPr/>
+        <p:txBody>
+          <a:bodyPr/>
+          <a:lstStyle/>
+          <a:p>
+            <a:endParaRPr lang="en-US"/>
+          </a:p>
+        </p:txBody>
+      </p:sp>
+    </p:spTree>
+    <p:extLst>
+      <p:ext uri="{BB962C8B-B14F-4D97-AF65-F5344CB8AC3E}">
+        <p14:creationId xmlns:p14="http://schemas.microsoft.com/office/powerpoint/2010/main" val="3469567556"/>
       </p:ext>
     </p:extLst>
   </p:cSld>

--- a/Angular Workshop/Angular Workshop.pptx
+++ b/Angular Workshop/Angular Workshop.pptx
@@ -9988,74 +9988,37 @@
             <p:ph type="title"/>
           </p:nvPr>
         </p:nvSpPr>
-        <p:spPr/>
+        <p:spPr>
+          <a:xfrm>
+            <a:off x="1069848" y="-64008"/>
+            <a:ext cx="10058400" cy="1609344"/>
+          </a:xfrm>
+        </p:spPr>
         <p:txBody>
           <a:bodyPr>
-            <a:normAutofit fontScale="90000"/>
+            <a:normAutofit/>
           </a:bodyPr>
           <a:lstStyle/>
           <a:p>
             <a:r>
-              <a:rPr lang="en-US" smtClean="0">
-                <a:latin typeface="Times New Roman" panose="02020603050405020304" pitchFamily="18" charset="0"/>
-                <a:cs typeface="Times New Roman" panose="02020603050405020304" pitchFamily="18" charset="0"/>
-              </a:rPr>
+              <a:rPr lang="en-US" sz="3600" b="1" dirty="0" smtClean="0"/>
               <a:t/>
             </a:r>
             <a:br>
-              <a:rPr lang="en-US" smtClean="0">
-                <a:latin typeface="Times New Roman" panose="02020603050405020304" pitchFamily="18" charset="0"/>
-                <a:cs typeface="Times New Roman" panose="02020603050405020304" pitchFamily="18" charset="0"/>
-              </a:rPr>
+              <a:rPr lang="en-US" sz="3600" b="1" dirty="0" smtClean="0"/>
             </a:br>
             <a:r>
-              <a:rPr lang="en-US" smtClean="0">
-                <a:latin typeface="Times New Roman" panose="02020603050405020304" pitchFamily="18" charset="0"/>
-                <a:cs typeface="Times New Roman" panose="02020603050405020304" pitchFamily="18" charset="0"/>
-              </a:rPr>
+              <a:rPr lang="en-US" sz="3600" b="1" dirty="0" smtClean="0"/>
               <a:t>Introduction </a:t>
             </a:r>
             <a:r>
-              <a:rPr lang="en-US">
-                <a:latin typeface="Times New Roman" panose="02020603050405020304" pitchFamily="18" charset="0"/>
-                <a:cs typeface="Times New Roman" panose="02020603050405020304" pitchFamily="18" charset="0"/>
-              </a:rPr>
-              <a:t>to </a:t>
-            </a:r>
-            <a:r>
-              <a:rPr lang="en-US" smtClean="0">
-                <a:latin typeface="Times New Roman" panose="02020603050405020304" pitchFamily="18" charset="0"/>
-                <a:cs typeface="Times New Roman" panose="02020603050405020304" pitchFamily="18" charset="0"/>
-              </a:rPr>
-              <a:t/>
+              <a:rPr lang="en-US" sz="3600" b="1" dirty="0"/>
+              <a:t>to Component</a:t>
             </a:r>
             <a:br>
-              <a:rPr lang="en-US" smtClean="0">
-                <a:latin typeface="Times New Roman" panose="02020603050405020304" pitchFamily="18" charset="0"/>
-                <a:cs typeface="Times New Roman" panose="02020603050405020304" pitchFamily="18" charset="0"/>
-              </a:rPr>
+              <a:rPr lang="en-US" sz="3600" b="1" dirty="0"/>
             </a:br>
-            <a:r>
-              <a:rPr lang="en-US" smtClean="0">
-                <a:latin typeface="Times New Roman" panose="02020603050405020304" pitchFamily="18" charset="0"/>
-                <a:cs typeface="Times New Roman" panose="02020603050405020304" pitchFamily="18" charset="0"/>
-              </a:rPr>
-              <a:t>Angular </a:t>
-            </a:r>
-            <a:r>
-              <a:rPr lang="en-US" dirty="0">
-                <a:latin typeface="Times New Roman" panose="02020603050405020304" pitchFamily="18" charset="0"/>
-                <a:cs typeface="Times New Roman" panose="02020603050405020304" pitchFamily="18" charset="0"/>
-              </a:rPr>
-              <a:t>Modules</a:t>
-            </a:r>
-            <a:br>
-              <a:rPr lang="en-US" dirty="0">
-                <a:latin typeface="Times New Roman" panose="02020603050405020304" pitchFamily="18" charset="0"/>
-                <a:cs typeface="Times New Roman" panose="02020603050405020304" pitchFamily="18" charset="0"/>
-              </a:rPr>
-            </a:br>
-            <a:endParaRPr lang="en-US" dirty="0">
+            <a:endParaRPr lang="en-US" sz="3600" dirty="0">
               <a:latin typeface="Times New Roman" panose="02020603050405020304" pitchFamily="18" charset="0"/>
               <a:cs typeface="Times New Roman" panose="02020603050405020304" pitchFamily="18" charset="0"/>
             </a:endParaRPr>
@@ -10072,15 +10035,68 @@
             <p:ph idx="1"/>
           </p:nvPr>
         </p:nvSpPr>
-        <p:spPr/>
+        <p:spPr>
+          <a:xfrm>
+            <a:off x="1069848" y="1071155"/>
+            <a:ext cx="10058400" cy="4524974"/>
+          </a:xfrm>
+        </p:spPr>
         <p:txBody>
           <a:bodyPr/>
           <a:lstStyle/>
           <a:p>
-            <a:endParaRPr lang="en-US"/>
-          </a:p>
-        </p:txBody>
-      </p:sp>
+            <a:r>
+              <a:rPr lang="en-US" dirty="0"/>
+              <a:t>You define a component's application logic—what it does to support the view—inside a class. The class interacts with the view through an API of properties and methods</a:t>
+            </a:r>
+            <a:r>
+              <a:rPr lang="en-US" dirty="0" smtClean="0"/>
+              <a:t>.</a:t>
+            </a:r>
+          </a:p>
+          <a:p>
+            <a:r>
+              <a:rPr lang="en-US" dirty="0"/>
+              <a:t>The @Component decorator identifies the class immediately below it as a component </a:t>
+            </a:r>
+            <a:r>
+              <a:rPr lang="en-US" dirty="0" smtClean="0"/>
+              <a:t>class</a:t>
+            </a:r>
+            <a:endParaRPr lang="en-US" dirty="0"/>
+          </a:p>
+        </p:txBody>
+      </p:sp>
+      <p:pic>
+        <p:nvPicPr>
+          <p:cNvPr id="5" name="Picture 4"/>
+          <p:cNvPicPr>
+            <a:picLocks noChangeAspect="1"/>
+          </p:cNvPicPr>
+          <p:nvPr/>
+        </p:nvPicPr>
+        <p:blipFill>
+          <a:blip r:embed="rId2">
+            <a:extLst>
+              <a:ext uri="{28A0092B-C50C-407E-A947-70E740481C1C}">
+                <a14:useLocalDpi xmlns:a14="http://schemas.microsoft.com/office/drawing/2010/main" val="0"/>
+              </a:ext>
+            </a:extLst>
+          </a:blip>
+          <a:stretch>
+            <a:fillRect/>
+          </a:stretch>
+        </p:blipFill>
+        <p:spPr>
+          <a:xfrm>
+            <a:off x="1241151" y="2778035"/>
+            <a:ext cx="7850598" cy="3953258"/>
+          </a:xfrm>
+          <a:prstGeom prst="rect">
+            <a:avLst/>
+          </a:prstGeom>
+        </p:spPr>
+      </p:pic>
     </p:spTree>
     <p:extLst>
       <p:ext uri="{BB962C8B-B14F-4D97-AF65-F5344CB8AC3E}">
@@ -10091,6 +10107,13 @@
   <p:clrMapOvr>
     <a:masterClrMapping/>
   </p:clrMapOvr>
+  <p:timing>
+    <p:tnLst>
+      <p:par>
+        <p:cTn id="1" dur="indefinite" restart="never" nodeType="tmRoot"/>
+      </p:par>
+    </p:tnLst>
+  </p:timing>
 </p:sld>
 </file>
 

--- a/Angular Workshop/Angular Workshop.pptx
+++ b/Angular Workshop/Angular Workshop.pptx
@@ -5,7 +5,7 @@
     <p:sldMasterId id="2147483790" r:id="rId1"/>
   </p:sldMasterIdLst>
   <p:notesMasterIdLst>
-    <p:notesMasterId r:id="rId33"/>
+    <p:notesMasterId r:id="rId34"/>
   </p:notesMasterIdLst>
   <p:sldIdLst>
     <p:sldId id="256" r:id="rId2"/>
@@ -39,6 +39,7 @@
     <p:sldId id="284" r:id="rId30"/>
     <p:sldId id="285" r:id="rId31"/>
     <p:sldId id="286" r:id="rId32"/>
+    <p:sldId id="287" r:id="rId33"/>
   </p:sldIdLst>
   <p:sldSz cx="12192000" cy="6858000"/>
   <p:notesSz cx="6858000" cy="9144000"/>
@@ -227,7 +228,7 @@
           <a:p>
             <a:fld id="{6A8D9F0F-2837-48EC-B86C-7389FCD155D0}" type="datetimeFigureOut">
               <a:rPr lang="en-US" smtClean="0"/>
-              <a:t>4/18/2019</a:t>
+              <a:t>4/21/2019</a:t>
             </a:fld>
             <a:endParaRPr lang="en-US"/>
           </a:p>
@@ -1071,7 +1072,7 @@
           <a:p>
             <a:fld id="{B9D14AC3-431A-47E8-842F-ED47F6F75548}" type="datetimeFigureOut">
               <a:rPr lang="en-US" smtClean="0"/>
-              <a:t>4/18/2019</a:t>
+              <a:t>4/21/2019</a:t>
             </a:fld>
             <a:endParaRPr lang="en-US"/>
           </a:p>
@@ -1250,7 +1251,7 @@
           <a:p>
             <a:fld id="{B9D14AC3-431A-47E8-842F-ED47F6F75548}" type="datetimeFigureOut">
               <a:rPr lang="en-US" smtClean="0"/>
-              <a:t>4/18/2019</a:t>
+              <a:t>4/21/2019</a:t>
             </a:fld>
             <a:endParaRPr lang="en-US"/>
           </a:p>
@@ -1430,7 +1431,7 @@
           <a:p>
             <a:fld id="{B9D14AC3-431A-47E8-842F-ED47F6F75548}" type="datetimeFigureOut">
               <a:rPr lang="en-US" smtClean="0"/>
-              <a:t>4/18/2019</a:t>
+              <a:t>4/21/2019</a:t>
             </a:fld>
             <a:endParaRPr lang="en-US"/>
           </a:p>
@@ -1600,7 +1601,7 @@
           <a:p>
             <a:fld id="{B9D14AC3-431A-47E8-842F-ED47F6F75548}" type="datetimeFigureOut">
               <a:rPr lang="en-US" smtClean="0"/>
-              <a:t>4/18/2019</a:t>
+              <a:t>4/21/2019</a:t>
             </a:fld>
             <a:endParaRPr lang="en-US"/>
           </a:p>
@@ -1913,7 +1914,7 @@
           <a:p>
             <a:fld id="{B9D14AC3-431A-47E8-842F-ED47F6F75548}" type="datetimeFigureOut">
               <a:rPr lang="en-US" smtClean="0"/>
-              <a:t>4/18/2019</a:t>
+              <a:t>4/21/2019</a:t>
             </a:fld>
             <a:endParaRPr lang="en-US"/>
           </a:p>
@@ -2299,7 +2300,7 @@
           <a:p>
             <a:fld id="{B9D14AC3-431A-47E8-842F-ED47F6F75548}" type="datetimeFigureOut">
               <a:rPr lang="en-US" smtClean="0"/>
-              <a:t>4/18/2019</a:t>
+              <a:t>4/21/2019</a:t>
             </a:fld>
             <a:endParaRPr lang="en-US"/>
           </a:p>
@@ -2738,7 +2739,7 @@
           <a:p>
             <a:fld id="{B9D14AC3-431A-47E8-842F-ED47F6F75548}" type="datetimeFigureOut">
               <a:rPr lang="en-US" smtClean="0"/>
-              <a:t>4/18/2019</a:t>
+              <a:t>4/21/2019</a:t>
             </a:fld>
             <a:endParaRPr lang="en-US"/>
           </a:p>
@@ -2861,7 +2862,7 @@
           <a:p>
             <a:fld id="{B9D14AC3-431A-47E8-842F-ED47F6F75548}" type="datetimeFigureOut">
               <a:rPr lang="en-US" smtClean="0"/>
-              <a:t>4/18/2019</a:t>
+              <a:t>4/21/2019</a:t>
             </a:fld>
             <a:endParaRPr lang="en-US"/>
           </a:p>
@@ -2956,7 +2957,7 @@
           <a:p>
             <a:fld id="{B9D14AC3-431A-47E8-842F-ED47F6F75548}" type="datetimeFigureOut">
               <a:rPr lang="en-US" smtClean="0"/>
-              <a:t>4/18/2019</a:t>
+              <a:t>4/21/2019</a:t>
             </a:fld>
             <a:endParaRPr lang="en-US"/>
           </a:p>
@@ -3306,7 +3307,7 @@
           <a:p>
             <a:fld id="{B9D14AC3-431A-47E8-842F-ED47F6F75548}" type="datetimeFigureOut">
               <a:rPr lang="en-US" smtClean="0"/>
-              <a:t>4/18/2019</a:t>
+              <a:t>4/21/2019</a:t>
             </a:fld>
             <a:endParaRPr lang="en-US"/>
           </a:p>
@@ -3736,7 +3737,7 @@
           <a:p>
             <a:fld id="{B9D14AC3-431A-47E8-842F-ED47F6F75548}" type="datetimeFigureOut">
               <a:rPr lang="en-US" smtClean="0"/>
-              <a:t>4/18/2019</a:t>
+              <a:t>4/21/2019</a:t>
             </a:fld>
             <a:endParaRPr lang="en-US"/>
           </a:p>
@@ -4017,7 +4018,7 @@
           <a:p>
             <a:fld id="{B9D14AC3-431A-47E8-842F-ED47F6F75548}" type="datetimeFigureOut">
               <a:rPr lang="en-US" smtClean="0"/>
-              <a:t>4/18/2019</a:t>
+              <a:t>4/21/2019</a:t>
             </a:fld>
             <a:endParaRPr lang="en-US"/>
           </a:p>
@@ -7213,7 +7214,7 @@
           <p:cNvPr id="2" name="Title 1">
             <a:extLst>
               <a:ext uri="{FF2B5EF4-FFF2-40B4-BE49-F238E27FC236}">
-                <a16:creationId xmlns:a16="http://schemas.microsoft.com/office/drawing/2014/main" xmlns="" id="{159757B6-80F7-4930-B530-65D40C6AAA2B}"/>
+                <a16:creationId xmlns="" xmlns:a16="http://schemas.microsoft.com/office/drawing/2014/main" id="{159757B6-80F7-4930-B530-65D40C6AAA2B}"/>
               </a:ext>
             </a:extLst>
           </p:cNvPr>
@@ -7269,7 +7270,7 @@
           <p:cNvPr id="3" name="Content Placeholder 2">
             <a:extLst>
               <a:ext uri="{FF2B5EF4-FFF2-40B4-BE49-F238E27FC236}">
-                <a16:creationId xmlns:a16="http://schemas.microsoft.com/office/drawing/2014/main" xmlns="" id="{9FE13484-3844-4DDF-BFBA-ACA0E64B2915}"/>
+                <a16:creationId xmlns="" xmlns:a16="http://schemas.microsoft.com/office/drawing/2014/main" id="{9FE13484-3844-4DDF-BFBA-ACA0E64B2915}"/>
               </a:ext>
             </a:extLst>
           </p:cNvPr>
@@ -7306,7 +7307,7 @@
           <p:cNvPr id="7" name="Picture 6">
             <a:extLst>
               <a:ext uri="{FF2B5EF4-FFF2-40B4-BE49-F238E27FC236}">
-                <a16:creationId xmlns:a16="http://schemas.microsoft.com/office/drawing/2014/main" xmlns="" id="{32CA38FA-0E90-4306-B5D0-3CEA1A7E35E2}"/>
+                <a16:creationId xmlns="" xmlns:a16="http://schemas.microsoft.com/office/drawing/2014/main" id="{32CA38FA-0E90-4306-B5D0-3CEA1A7E35E2}"/>
               </a:ext>
             </a:extLst>
           </p:cNvPr>
@@ -7372,7 +7373,7 @@
           <p:cNvPr id="2" name="Title 1">
             <a:extLst>
               <a:ext uri="{FF2B5EF4-FFF2-40B4-BE49-F238E27FC236}">
-                <a16:creationId xmlns:a16="http://schemas.microsoft.com/office/drawing/2014/main" xmlns="" id="{4E8E46E2-4366-4F67-9FB5-B507999C18F7}"/>
+                <a16:creationId xmlns="" xmlns:a16="http://schemas.microsoft.com/office/drawing/2014/main" id="{4E8E46E2-4366-4F67-9FB5-B507999C18F7}"/>
               </a:ext>
             </a:extLst>
           </p:cNvPr>
@@ -7433,7 +7434,7 @@
           <p:cNvPr id="3" name="Content Placeholder 2">
             <a:extLst>
               <a:ext uri="{FF2B5EF4-FFF2-40B4-BE49-F238E27FC236}">
-                <a16:creationId xmlns:a16="http://schemas.microsoft.com/office/drawing/2014/main" xmlns="" id="{46E11EF3-FB91-4D8A-A344-658BC8C1B939}"/>
+                <a16:creationId xmlns="" xmlns:a16="http://schemas.microsoft.com/office/drawing/2014/main" id="{46E11EF3-FB91-4D8A-A344-658BC8C1B939}"/>
               </a:ext>
             </a:extLst>
           </p:cNvPr>
@@ -7546,7 +7547,7 @@
           <p:cNvPr id="6" name="Picture 5">
             <a:extLst>
               <a:ext uri="{FF2B5EF4-FFF2-40B4-BE49-F238E27FC236}">
-                <a16:creationId xmlns:a16="http://schemas.microsoft.com/office/drawing/2014/main" xmlns="" id="{F59A1450-D806-40BA-9C89-7BEEFEABC899}"/>
+                <a16:creationId xmlns="" xmlns:a16="http://schemas.microsoft.com/office/drawing/2014/main" id="{F59A1450-D806-40BA-9C89-7BEEFEABC899}"/>
               </a:ext>
             </a:extLst>
           </p:cNvPr>
@@ -7582,7 +7583,7 @@
           <p:cNvPr id="8" name="Picture 7">
             <a:extLst>
               <a:ext uri="{FF2B5EF4-FFF2-40B4-BE49-F238E27FC236}">
-                <a16:creationId xmlns:a16="http://schemas.microsoft.com/office/drawing/2014/main" xmlns="" id="{2FBC3649-8EBE-4700-8648-D4EF97496A69}"/>
+                <a16:creationId xmlns="" xmlns:a16="http://schemas.microsoft.com/office/drawing/2014/main" id="{2FBC3649-8EBE-4700-8648-D4EF97496A69}"/>
               </a:ext>
             </a:extLst>
           </p:cNvPr>
@@ -7618,7 +7619,7 @@
           <p:cNvPr id="10" name="Picture 9">
             <a:extLst>
               <a:ext uri="{FF2B5EF4-FFF2-40B4-BE49-F238E27FC236}">
-                <a16:creationId xmlns:a16="http://schemas.microsoft.com/office/drawing/2014/main" xmlns="" id="{4D880A05-5F58-45B1-884D-75824689D61B}"/>
+                <a16:creationId xmlns="" xmlns:a16="http://schemas.microsoft.com/office/drawing/2014/main" id="{4D880A05-5F58-45B1-884D-75824689D61B}"/>
               </a:ext>
             </a:extLst>
           </p:cNvPr>
@@ -7684,7 +7685,7 @@
           <p:cNvPr id="2" name="Title 1">
             <a:extLst>
               <a:ext uri="{FF2B5EF4-FFF2-40B4-BE49-F238E27FC236}">
-                <a16:creationId xmlns:a16="http://schemas.microsoft.com/office/drawing/2014/main" xmlns="" id="{468494B9-63FD-435A-AFA6-53E2454B48B6}"/>
+                <a16:creationId xmlns="" xmlns:a16="http://schemas.microsoft.com/office/drawing/2014/main" id="{468494B9-63FD-435A-AFA6-53E2454B48B6}"/>
               </a:ext>
             </a:extLst>
           </p:cNvPr>
@@ -7740,7 +7741,7 @@
           <p:cNvPr id="3" name="Content Placeholder 2">
             <a:extLst>
               <a:ext uri="{FF2B5EF4-FFF2-40B4-BE49-F238E27FC236}">
-                <a16:creationId xmlns:a16="http://schemas.microsoft.com/office/drawing/2014/main" xmlns="" id="{B695AC8C-CF3A-4D2C-AF0D-DB5C38E01702}"/>
+                <a16:creationId xmlns="" xmlns:a16="http://schemas.microsoft.com/office/drawing/2014/main" id="{B695AC8C-CF3A-4D2C-AF0D-DB5C38E01702}"/>
               </a:ext>
             </a:extLst>
           </p:cNvPr>
@@ -7908,7 +7909,7 @@
           <p:cNvPr id="2" name="Title 1">
             <a:extLst>
               <a:ext uri="{FF2B5EF4-FFF2-40B4-BE49-F238E27FC236}">
-                <a16:creationId xmlns:a16="http://schemas.microsoft.com/office/drawing/2014/main" xmlns="" id="{DC9D6F5E-CEDA-4DBA-9EFF-9DA5BC48DE19}"/>
+                <a16:creationId xmlns="" xmlns:a16="http://schemas.microsoft.com/office/drawing/2014/main" id="{DC9D6F5E-CEDA-4DBA-9EFF-9DA5BC48DE19}"/>
               </a:ext>
             </a:extLst>
           </p:cNvPr>
@@ -7939,7 +7940,7 @@
           <p:cNvPr id="5" name="Content Placeholder 4">
             <a:extLst>
               <a:ext uri="{FF2B5EF4-FFF2-40B4-BE49-F238E27FC236}">
-                <a16:creationId xmlns:a16="http://schemas.microsoft.com/office/drawing/2014/main" xmlns="" id="{F8018F80-C482-4162-87F4-3B4430AD1259}"/>
+                <a16:creationId xmlns="" xmlns:a16="http://schemas.microsoft.com/office/drawing/2014/main" id="{F8018F80-C482-4162-87F4-3B4430AD1259}"/>
               </a:ext>
             </a:extLst>
           </p:cNvPr>
@@ -8004,7 +8005,7 @@
           <p:cNvPr id="2" name="Title 1">
             <a:extLst>
               <a:ext uri="{FF2B5EF4-FFF2-40B4-BE49-F238E27FC236}">
-                <a16:creationId xmlns:a16="http://schemas.microsoft.com/office/drawing/2014/main" xmlns="" id="{F845B438-718D-41FE-B912-05184CC77809}"/>
+                <a16:creationId xmlns="" xmlns:a16="http://schemas.microsoft.com/office/drawing/2014/main" id="{F845B438-718D-41FE-B912-05184CC77809}"/>
               </a:ext>
             </a:extLst>
           </p:cNvPr>
@@ -8036,7 +8037,7 @@
           <p:cNvPr id="9" name="Content Placeholder 8">
             <a:extLst>
               <a:ext uri="{FF2B5EF4-FFF2-40B4-BE49-F238E27FC236}">
-                <a16:creationId xmlns:a16="http://schemas.microsoft.com/office/drawing/2014/main" xmlns="" id="{8507FAD8-5825-4E9B-9A1E-1CA1B811EA31}"/>
+                <a16:creationId xmlns="" xmlns:a16="http://schemas.microsoft.com/office/drawing/2014/main" id="{8507FAD8-5825-4E9B-9A1E-1CA1B811EA31}"/>
               </a:ext>
             </a:extLst>
           </p:cNvPr>
@@ -8101,7 +8102,7 @@
           <p:cNvPr id="2" name="Title 1">
             <a:extLst>
               <a:ext uri="{FF2B5EF4-FFF2-40B4-BE49-F238E27FC236}">
-                <a16:creationId xmlns:a16="http://schemas.microsoft.com/office/drawing/2014/main" xmlns="" id="{F01218AF-13C4-4051-85A0-83603087B36F}"/>
+                <a16:creationId xmlns="" xmlns:a16="http://schemas.microsoft.com/office/drawing/2014/main" id="{F01218AF-13C4-4051-85A0-83603087B36F}"/>
               </a:ext>
             </a:extLst>
           </p:cNvPr>
@@ -8133,7 +8134,7 @@
           <p:cNvPr id="5" name="Content Placeholder 4">
             <a:extLst>
               <a:ext uri="{FF2B5EF4-FFF2-40B4-BE49-F238E27FC236}">
-                <a16:creationId xmlns:a16="http://schemas.microsoft.com/office/drawing/2014/main" xmlns="" id="{FE9916FD-A799-44E9-BAD6-1DFD73799C40}"/>
+                <a16:creationId xmlns="" xmlns:a16="http://schemas.microsoft.com/office/drawing/2014/main" id="{FE9916FD-A799-44E9-BAD6-1DFD73799C40}"/>
               </a:ext>
             </a:extLst>
           </p:cNvPr>
@@ -8198,7 +8199,7 @@
           <p:cNvPr id="2" name="Title 1">
             <a:extLst>
               <a:ext uri="{FF2B5EF4-FFF2-40B4-BE49-F238E27FC236}">
-                <a16:creationId xmlns:a16="http://schemas.microsoft.com/office/drawing/2014/main" xmlns="" id="{52A6AD8F-1162-4FDC-826E-3BA1AE268313}"/>
+                <a16:creationId xmlns="" xmlns:a16="http://schemas.microsoft.com/office/drawing/2014/main" id="{52A6AD8F-1162-4FDC-826E-3BA1AE268313}"/>
               </a:ext>
             </a:extLst>
           </p:cNvPr>
@@ -8230,7 +8231,7 @@
           <p:cNvPr id="5" name="Content Placeholder 4">
             <a:extLst>
               <a:ext uri="{FF2B5EF4-FFF2-40B4-BE49-F238E27FC236}">
-                <a16:creationId xmlns:a16="http://schemas.microsoft.com/office/drawing/2014/main" xmlns="" id="{4B8EA503-F633-408F-8510-C3647B74DB94}"/>
+                <a16:creationId xmlns="" xmlns:a16="http://schemas.microsoft.com/office/drawing/2014/main" id="{4B8EA503-F633-408F-8510-C3647B74DB94}"/>
               </a:ext>
             </a:extLst>
           </p:cNvPr>
@@ -8295,7 +8296,7 @@
           <p:cNvPr id="2" name="Title 1">
             <a:extLst>
               <a:ext uri="{FF2B5EF4-FFF2-40B4-BE49-F238E27FC236}">
-                <a16:creationId xmlns:a16="http://schemas.microsoft.com/office/drawing/2014/main" xmlns="" id="{580B15AB-F4F5-4A39-95A2-B3AA882DDF2E}"/>
+                <a16:creationId xmlns="" xmlns:a16="http://schemas.microsoft.com/office/drawing/2014/main" id="{580B15AB-F4F5-4A39-95A2-B3AA882DDF2E}"/>
               </a:ext>
             </a:extLst>
           </p:cNvPr>
@@ -8327,7 +8328,7 @@
           <p:cNvPr id="5" name="Content Placeholder 4">
             <a:extLst>
               <a:ext uri="{FF2B5EF4-FFF2-40B4-BE49-F238E27FC236}">
-                <a16:creationId xmlns:a16="http://schemas.microsoft.com/office/drawing/2014/main" xmlns="" id="{F15A6060-9471-4A92-8F0F-2C7CAFB291C5}"/>
+                <a16:creationId xmlns="" xmlns:a16="http://schemas.microsoft.com/office/drawing/2014/main" id="{F15A6060-9471-4A92-8F0F-2C7CAFB291C5}"/>
               </a:ext>
             </a:extLst>
           </p:cNvPr>
@@ -10114,6 +10115,305 @@
       </p:par>
     </p:tnLst>
   </p:timing>
+</p:sld>
+</file>
+
+<file path=ppt/slides/slide32.xml><?xml version="1.0" encoding="utf-8"?>
+<p:sld xmlns:a="http://schemas.openxmlformats.org/drawingml/2006/main" xmlns:r="http://schemas.openxmlformats.org/officeDocument/2006/relationships" xmlns:p="http://schemas.openxmlformats.org/presentationml/2006/main">
+  <p:cSld>
+    <p:spTree>
+      <p:nvGrpSpPr>
+        <p:cNvPr id="1" name=""/>
+        <p:cNvGrpSpPr/>
+        <p:nvPr/>
+      </p:nvGrpSpPr>
+      <p:grpSpPr>
+        <a:xfrm>
+          <a:off x="0" y="0"/>
+          <a:ext cx="0" cy="0"/>
+          <a:chOff x="0" y="0"/>
+          <a:chExt cx="0" cy="0"/>
+        </a:xfrm>
+      </p:grpSpPr>
+      <p:sp>
+        <p:nvSpPr>
+          <p:cNvPr id="2" name="Title 1"/>
+          <p:cNvSpPr>
+            <a:spLocks noGrp="1"/>
+          </p:cNvSpPr>
+          <p:nvPr>
+            <p:ph type="title"/>
+          </p:nvPr>
+        </p:nvSpPr>
+        <p:spPr/>
+        <p:txBody>
+          <a:bodyPr/>
+          <a:lstStyle/>
+          <a:p>
+            <a:r>
+              <a:rPr lang="nl-NL" dirty="0" err="1" smtClean="0">
+                <a:latin typeface="Times New Roman" panose="02020603050405020304" pitchFamily="18" charset="0"/>
+                <a:cs typeface="Times New Roman" panose="02020603050405020304" pitchFamily="18" charset="0"/>
+              </a:rPr>
+              <a:t>Create</a:t>
+            </a:r>
+            <a:r>
+              <a:rPr lang="nl-NL" dirty="0" smtClean="0">
+                <a:latin typeface="Times New Roman" panose="02020603050405020304" pitchFamily="18" charset="0"/>
+                <a:cs typeface="Times New Roman" panose="02020603050405020304" pitchFamily="18" charset="0"/>
+              </a:rPr>
+              <a:t> </a:t>
+            </a:r>
+            <a:r>
+              <a:rPr lang="nl-NL" dirty="0" err="1" smtClean="0">
+                <a:latin typeface="Times New Roman" panose="02020603050405020304" pitchFamily="18" charset="0"/>
+                <a:cs typeface="Times New Roman" panose="02020603050405020304" pitchFamily="18" charset="0"/>
+              </a:rPr>
+              <a:t>Dynamic</a:t>
+            </a:r>
+            <a:r>
+              <a:rPr lang="nl-NL" dirty="0" smtClean="0">
+                <a:latin typeface="Times New Roman" panose="02020603050405020304" pitchFamily="18" charset="0"/>
+                <a:cs typeface="Times New Roman" panose="02020603050405020304" pitchFamily="18" charset="0"/>
+              </a:rPr>
+              <a:t> </a:t>
+            </a:r>
+            <a:r>
+              <a:rPr lang="nl-NL" dirty="0" err="1" smtClean="0">
+                <a:latin typeface="Times New Roman" panose="02020603050405020304" pitchFamily="18" charset="0"/>
+                <a:cs typeface="Times New Roman" panose="02020603050405020304" pitchFamily="18" charset="0"/>
+              </a:rPr>
+              <a:t>components</a:t>
+            </a:r>
+            <a:endParaRPr lang="en-US" dirty="0">
+              <a:latin typeface="Times New Roman" panose="02020603050405020304" pitchFamily="18" charset="0"/>
+              <a:cs typeface="Times New Roman" panose="02020603050405020304" pitchFamily="18" charset="0"/>
+            </a:endParaRPr>
+          </a:p>
+        </p:txBody>
+      </p:sp>
+      <p:sp>
+        <p:nvSpPr>
+          <p:cNvPr id="3" name="Content Placeholder 2"/>
+          <p:cNvSpPr>
+            <a:spLocks noGrp="1"/>
+          </p:cNvSpPr>
+          <p:nvPr>
+            <p:ph idx="1"/>
+          </p:nvPr>
+        </p:nvSpPr>
+        <p:spPr/>
+        <p:txBody>
+          <a:bodyPr/>
+          <a:lstStyle/>
+          <a:p>
+            <a:r>
+              <a:rPr lang="nl-NL" dirty="0" err="1" smtClean="0"/>
+              <a:t>To</a:t>
+            </a:r>
+            <a:r>
+              <a:rPr lang="nl-NL" dirty="0" smtClean="0"/>
+              <a:t> </a:t>
+            </a:r>
+            <a:r>
+              <a:rPr lang="nl-NL" dirty="0" err="1" smtClean="0"/>
+              <a:t>create</a:t>
+            </a:r>
+            <a:r>
+              <a:rPr lang="nl-NL" dirty="0" smtClean="0"/>
+              <a:t> </a:t>
+            </a:r>
+            <a:r>
+              <a:rPr lang="nl-NL" dirty="0" err="1" smtClean="0"/>
+              <a:t>dynamic</a:t>
+            </a:r>
+            <a:r>
+              <a:rPr lang="nl-NL" dirty="0" smtClean="0"/>
+              <a:t> component we </a:t>
+            </a:r>
+            <a:r>
+              <a:rPr lang="nl-NL" dirty="0" err="1" smtClean="0"/>
+              <a:t>need</a:t>
+            </a:r>
+            <a:r>
+              <a:rPr lang="nl-NL" dirty="0" smtClean="0"/>
+              <a:t> </a:t>
+            </a:r>
+            <a:r>
+              <a:rPr lang="nl-NL" dirty="0" err="1" smtClean="0"/>
+              <a:t>to</a:t>
+            </a:r>
+            <a:r>
+              <a:rPr lang="nl-NL" dirty="0" smtClean="0"/>
+              <a:t> </a:t>
+            </a:r>
+            <a:r>
+              <a:rPr lang="nl-NL" dirty="0" err="1" smtClean="0"/>
+              <a:t>use</a:t>
+            </a:r>
+            <a:r>
+              <a:rPr lang="nl-NL" dirty="0" smtClean="0"/>
+              <a:t> </a:t>
+            </a:r>
+            <a:r>
+              <a:rPr lang="nl-NL" dirty="0" err="1" smtClean="0"/>
+              <a:t>ViewContainerRef</a:t>
+            </a:r>
+            <a:r>
+              <a:rPr lang="nl-NL" dirty="0" smtClean="0"/>
+              <a:t> </a:t>
+            </a:r>
+            <a:r>
+              <a:rPr lang="nl-NL" dirty="0" err="1" smtClean="0"/>
+              <a:t>to</a:t>
+            </a:r>
+            <a:r>
+              <a:rPr lang="nl-NL" dirty="0" smtClean="0"/>
+              <a:t> </a:t>
+            </a:r>
+            <a:r>
+              <a:rPr lang="nl-NL" dirty="0" err="1" smtClean="0"/>
+              <a:t>reference</a:t>
+            </a:r>
+            <a:r>
+              <a:rPr lang="nl-NL" dirty="0" smtClean="0"/>
+              <a:t> </a:t>
+            </a:r>
+            <a:r>
+              <a:rPr lang="nl-NL" dirty="0" err="1" smtClean="0"/>
+              <a:t>the</a:t>
+            </a:r>
+            <a:r>
+              <a:rPr lang="nl-NL" dirty="0" smtClean="0"/>
+              <a:t> container element we want </a:t>
+            </a:r>
+            <a:r>
+              <a:rPr lang="nl-NL" dirty="0" err="1" smtClean="0"/>
+              <a:t>to</a:t>
+            </a:r>
+            <a:r>
+              <a:rPr lang="nl-NL" dirty="0" smtClean="0"/>
+              <a:t> display. </a:t>
+            </a:r>
+            <a:r>
+              <a:rPr lang="en-US" dirty="0" err="1" smtClean="0"/>
+              <a:t>ViewContainerRef</a:t>
+            </a:r>
+            <a:r>
+              <a:rPr lang="en-US" dirty="0"/>
+              <a:t> </a:t>
+            </a:r>
+            <a:r>
+              <a:rPr lang="en-US" dirty="0" smtClean="0"/>
+              <a:t>contain method to create a delete component. Then use </a:t>
+            </a:r>
+            <a:r>
+              <a:rPr lang="en-US" dirty="0" err="1" smtClean="0"/>
+              <a:t>ComponentFactoryResolver</a:t>
+            </a:r>
+            <a:r>
+              <a:rPr lang="en-US" dirty="0" smtClean="0"/>
+              <a:t> to </a:t>
+            </a:r>
+            <a:r>
+              <a:rPr lang="en-US" smtClean="0"/>
+              <a:t>create component factory. </a:t>
+            </a:r>
+            <a:endParaRPr lang="en-US" dirty="0"/>
+          </a:p>
+          <a:p>
+            <a:pPr marL="0" indent="0">
+              <a:buNone/>
+            </a:pPr>
+            <a:endParaRPr lang="nl-NL" dirty="0" smtClean="0"/>
+          </a:p>
+          <a:p>
+            <a:r>
+              <a:rPr lang="nl-NL" dirty="0" smtClean="0"/>
+              <a:t>Step </a:t>
+            </a:r>
+            <a:r>
+              <a:rPr lang="nl-NL" dirty="0" err="1" smtClean="0"/>
+              <a:t>to</a:t>
+            </a:r>
+            <a:r>
+              <a:rPr lang="nl-NL" dirty="0" smtClean="0"/>
+              <a:t> </a:t>
+            </a:r>
+            <a:r>
+              <a:rPr lang="nl-NL" dirty="0" err="1" smtClean="0"/>
+              <a:t>create</a:t>
+            </a:r>
+            <a:r>
+              <a:rPr lang="nl-NL" dirty="0" smtClean="0"/>
+              <a:t> a </a:t>
+            </a:r>
+            <a:r>
+              <a:rPr lang="nl-NL" dirty="0" err="1" smtClean="0"/>
+              <a:t>dynamic</a:t>
+            </a:r>
+            <a:r>
+              <a:rPr lang="nl-NL" dirty="0" smtClean="0"/>
+              <a:t> component</a:t>
+            </a:r>
+          </a:p>
+          <a:p>
+            <a:pPr marL="457200" indent="-457200">
+              <a:buFont typeface="+mj-lt"/>
+              <a:buAutoNum type="arabicPeriod"/>
+            </a:pPr>
+            <a:r>
+              <a:rPr lang="en-US" dirty="0"/>
+              <a:t>Clear the container.</a:t>
+            </a:r>
+          </a:p>
+          <a:p>
+            <a:pPr marL="457200" indent="-457200">
+              <a:buFont typeface="+mj-lt"/>
+              <a:buAutoNum type="arabicPeriod"/>
+            </a:pPr>
+            <a:r>
+              <a:rPr lang="en-US" dirty="0"/>
+              <a:t>Create a factory for </a:t>
+            </a:r>
+            <a:r>
+              <a:rPr lang="en-US" dirty="0" smtClean="0"/>
+              <a:t>component.</a:t>
+            </a:r>
+            <a:endParaRPr lang="en-US" dirty="0"/>
+          </a:p>
+          <a:p>
+            <a:pPr marL="457200" indent="-457200">
+              <a:buFont typeface="+mj-lt"/>
+              <a:buAutoNum type="arabicPeriod"/>
+            </a:pPr>
+            <a:r>
+              <a:rPr lang="en-US" dirty="0"/>
+              <a:t>Create a component using the factory.</a:t>
+            </a:r>
+          </a:p>
+          <a:p>
+            <a:pPr marL="457200" indent="-457200">
+              <a:buFont typeface="+mj-lt"/>
+              <a:buAutoNum type="arabicPeriod"/>
+            </a:pPr>
+            <a:r>
+              <a:rPr lang="en-US" dirty="0"/>
+              <a:t>Pass the value for @Input properties using a component reference instance method.</a:t>
+            </a:r>
+          </a:p>
+        </p:txBody>
+      </p:sp>
+    </p:spTree>
+    <p:extLst>
+      <p:ext uri="{BB962C8B-B14F-4D97-AF65-F5344CB8AC3E}">
+        <p14:creationId xmlns:p14="http://schemas.microsoft.com/office/powerpoint/2010/main" val="2381478614"/>
+      </p:ext>
+    </p:extLst>
+  </p:cSld>
+  <p:clrMapOvr>
+    <a:masterClrMapping/>
+  </p:clrMapOvr>
 </p:sld>
 </file>
 

--- a/Angular Workshop/Angular Workshop.pptx
+++ b/Angular Workshop/Angular Workshop.pptx
@@ -5,7 +5,7 @@
     <p:sldMasterId id="2147483790" r:id="rId1"/>
   </p:sldMasterIdLst>
   <p:notesMasterIdLst>
-    <p:notesMasterId r:id="rId34"/>
+    <p:notesMasterId r:id="rId37"/>
   </p:notesMasterIdLst>
   <p:sldIdLst>
     <p:sldId id="256" r:id="rId2"/>
@@ -40,6 +40,9 @@
     <p:sldId id="285" r:id="rId31"/>
     <p:sldId id="286" r:id="rId32"/>
     <p:sldId id="287" r:id="rId33"/>
+    <p:sldId id="288" r:id="rId34"/>
+    <p:sldId id="289" r:id="rId35"/>
+    <p:sldId id="290" r:id="rId36"/>
   </p:sldIdLst>
   <p:sldSz cx="12192000" cy="6858000"/>
   <p:notesSz cx="6858000" cy="9144000"/>
@@ -10204,156 +10207,253 @@
         </p:nvSpPr>
         <p:spPr/>
         <p:txBody>
-          <a:bodyPr/>
+          <a:bodyPr>
+            <a:noAutofit/>
+          </a:bodyPr>
           <a:lstStyle/>
           <a:p>
             <a:r>
-              <a:rPr lang="nl-NL" dirty="0" err="1" smtClean="0"/>
+              <a:rPr lang="nl-NL" sz="2400" dirty="0" err="1" smtClean="0">
+                <a:latin typeface="Times New Roman" panose="02020603050405020304" pitchFamily="18" charset="0"/>
+                <a:cs typeface="Times New Roman" panose="02020603050405020304" pitchFamily="18" charset="0"/>
+              </a:rPr>
               <a:t>To</a:t>
             </a:r>
             <a:r>
-              <a:rPr lang="nl-NL" dirty="0" smtClean="0"/>
+              <a:rPr lang="nl-NL" sz="2400" dirty="0" smtClean="0">
+                <a:latin typeface="Times New Roman" panose="02020603050405020304" pitchFamily="18" charset="0"/>
+                <a:cs typeface="Times New Roman" panose="02020603050405020304" pitchFamily="18" charset="0"/>
+              </a:rPr>
               <a:t> </a:t>
             </a:r>
             <a:r>
-              <a:rPr lang="nl-NL" dirty="0" err="1" smtClean="0"/>
+              <a:rPr lang="nl-NL" sz="2400" dirty="0" err="1" smtClean="0">
+                <a:latin typeface="Times New Roman" panose="02020603050405020304" pitchFamily="18" charset="0"/>
+                <a:cs typeface="Times New Roman" panose="02020603050405020304" pitchFamily="18" charset="0"/>
+              </a:rPr>
               <a:t>create</a:t>
             </a:r>
             <a:r>
-              <a:rPr lang="nl-NL" dirty="0" smtClean="0"/>
+              <a:rPr lang="nl-NL" sz="2400" dirty="0" smtClean="0">
+                <a:latin typeface="Times New Roman" panose="02020603050405020304" pitchFamily="18" charset="0"/>
+                <a:cs typeface="Times New Roman" panose="02020603050405020304" pitchFamily="18" charset="0"/>
+              </a:rPr>
               <a:t> </a:t>
             </a:r>
             <a:r>
-              <a:rPr lang="nl-NL" dirty="0" err="1" smtClean="0"/>
+              <a:rPr lang="nl-NL" sz="2400" dirty="0" err="1" smtClean="0">
+                <a:latin typeface="Times New Roman" panose="02020603050405020304" pitchFamily="18" charset="0"/>
+                <a:cs typeface="Times New Roman" panose="02020603050405020304" pitchFamily="18" charset="0"/>
+              </a:rPr>
               <a:t>dynamic</a:t>
             </a:r>
             <a:r>
-              <a:rPr lang="nl-NL" dirty="0" smtClean="0"/>
+              <a:rPr lang="nl-NL" sz="2400" dirty="0" smtClean="0">
+                <a:latin typeface="Times New Roman" panose="02020603050405020304" pitchFamily="18" charset="0"/>
+                <a:cs typeface="Times New Roman" panose="02020603050405020304" pitchFamily="18" charset="0"/>
+              </a:rPr>
               <a:t> component we </a:t>
             </a:r>
             <a:r>
-              <a:rPr lang="nl-NL" dirty="0" err="1" smtClean="0"/>
+              <a:rPr lang="nl-NL" sz="2400" dirty="0" err="1" smtClean="0">
+                <a:latin typeface="Times New Roman" panose="02020603050405020304" pitchFamily="18" charset="0"/>
+                <a:cs typeface="Times New Roman" panose="02020603050405020304" pitchFamily="18" charset="0"/>
+              </a:rPr>
               <a:t>need</a:t>
             </a:r>
             <a:r>
-              <a:rPr lang="nl-NL" dirty="0" smtClean="0"/>
+              <a:rPr lang="nl-NL" sz="2400" dirty="0" smtClean="0">
+                <a:latin typeface="Times New Roman" panose="02020603050405020304" pitchFamily="18" charset="0"/>
+                <a:cs typeface="Times New Roman" panose="02020603050405020304" pitchFamily="18" charset="0"/>
+              </a:rPr>
               <a:t> </a:t>
             </a:r>
             <a:r>
-              <a:rPr lang="nl-NL" dirty="0" err="1" smtClean="0"/>
+              <a:rPr lang="nl-NL" sz="2400" dirty="0" err="1" smtClean="0">
+                <a:latin typeface="Times New Roman" panose="02020603050405020304" pitchFamily="18" charset="0"/>
+                <a:cs typeface="Times New Roman" panose="02020603050405020304" pitchFamily="18" charset="0"/>
+              </a:rPr>
               <a:t>to</a:t>
             </a:r>
             <a:r>
-              <a:rPr lang="nl-NL" dirty="0" smtClean="0"/>
+              <a:rPr lang="nl-NL" sz="2400" dirty="0" smtClean="0">
+                <a:latin typeface="Times New Roman" panose="02020603050405020304" pitchFamily="18" charset="0"/>
+                <a:cs typeface="Times New Roman" panose="02020603050405020304" pitchFamily="18" charset="0"/>
+              </a:rPr>
               <a:t> </a:t>
             </a:r>
             <a:r>
-              <a:rPr lang="nl-NL" dirty="0" err="1" smtClean="0"/>
+              <a:rPr lang="nl-NL" sz="2400" dirty="0" err="1" smtClean="0">
+                <a:latin typeface="Times New Roman" panose="02020603050405020304" pitchFamily="18" charset="0"/>
+                <a:cs typeface="Times New Roman" panose="02020603050405020304" pitchFamily="18" charset="0"/>
+              </a:rPr>
               <a:t>use</a:t>
             </a:r>
             <a:r>
-              <a:rPr lang="nl-NL" dirty="0" smtClean="0"/>
+              <a:rPr lang="nl-NL" sz="2400" dirty="0" smtClean="0">
+                <a:latin typeface="Times New Roman" panose="02020603050405020304" pitchFamily="18" charset="0"/>
+                <a:cs typeface="Times New Roman" panose="02020603050405020304" pitchFamily="18" charset="0"/>
+              </a:rPr>
               <a:t> </a:t>
             </a:r>
             <a:r>
-              <a:rPr lang="nl-NL" dirty="0" err="1" smtClean="0"/>
+              <a:rPr lang="nl-NL" sz="2400" dirty="0" err="1" smtClean="0">
+                <a:latin typeface="Times New Roman" panose="02020603050405020304" pitchFamily="18" charset="0"/>
+                <a:cs typeface="Times New Roman" panose="02020603050405020304" pitchFamily="18" charset="0"/>
+              </a:rPr>
               <a:t>ViewContainerRef</a:t>
             </a:r>
             <a:r>
-              <a:rPr lang="nl-NL" dirty="0" smtClean="0"/>
+              <a:rPr lang="nl-NL" sz="2400" dirty="0" smtClean="0">
+                <a:latin typeface="Times New Roman" panose="02020603050405020304" pitchFamily="18" charset="0"/>
+                <a:cs typeface="Times New Roman" panose="02020603050405020304" pitchFamily="18" charset="0"/>
+              </a:rPr>
               <a:t> </a:t>
             </a:r>
             <a:r>
-              <a:rPr lang="nl-NL" dirty="0" err="1" smtClean="0"/>
+              <a:rPr lang="nl-NL" sz="2400" dirty="0" err="1" smtClean="0">
+                <a:latin typeface="Times New Roman" panose="02020603050405020304" pitchFamily="18" charset="0"/>
+                <a:cs typeface="Times New Roman" panose="02020603050405020304" pitchFamily="18" charset="0"/>
+              </a:rPr>
               <a:t>to</a:t>
             </a:r>
             <a:r>
-              <a:rPr lang="nl-NL" dirty="0" smtClean="0"/>
+              <a:rPr lang="nl-NL" sz="2400" dirty="0" smtClean="0">
+                <a:latin typeface="Times New Roman" panose="02020603050405020304" pitchFamily="18" charset="0"/>
+                <a:cs typeface="Times New Roman" panose="02020603050405020304" pitchFamily="18" charset="0"/>
+              </a:rPr>
               <a:t> </a:t>
             </a:r>
             <a:r>
-              <a:rPr lang="nl-NL" dirty="0" err="1" smtClean="0"/>
+              <a:rPr lang="nl-NL" sz="2400" dirty="0" err="1" smtClean="0">
+                <a:latin typeface="Times New Roman" panose="02020603050405020304" pitchFamily="18" charset="0"/>
+                <a:cs typeface="Times New Roman" panose="02020603050405020304" pitchFamily="18" charset="0"/>
+              </a:rPr>
               <a:t>reference</a:t>
             </a:r>
             <a:r>
-              <a:rPr lang="nl-NL" dirty="0" smtClean="0"/>
+              <a:rPr lang="nl-NL" sz="2400" dirty="0" smtClean="0">
+                <a:latin typeface="Times New Roman" panose="02020603050405020304" pitchFamily="18" charset="0"/>
+                <a:cs typeface="Times New Roman" panose="02020603050405020304" pitchFamily="18" charset="0"/>
+              </a:rPr>
               <a:t> </a:t>
             </a:r>
             <a:r>
-              <a:rPr lang="nl-NL" dirty="0" err="1" smtClean="0"/>
+              <a:rPr lang="nl-NL" sz="2400" dirty="0" err="1" smtClean="0">
+                <a:latin typeface="Times New Roman" panose="02020603050405020304" pitchFamily="18" charset="0"/>
+                <a:cs typeface="Times New Roman" panose="02020603050405020304" pitchFamily="18" charset="0"/>
+              </a:rPr>
               <a:t>the</a:t>
             </a:r>
             <a:r>
-              <a:rPr lang="nl-NL" dirty="0" smtClean="0"/>
+              <a:rPr lang="nl-NL" sz="2400" dirty="0" smtClean="0">
+                <a:latin typeface="Times New Roman" panose="02020603050405020304" pitchFamily="18" charset="0"/>
+                <a:cs typeface="Times New Roman" panose="02020603050405020304" pitchFamily="18" charset="0"/>
+              </a:rPr>
               <a:t> container element we want </a:t>
             </a:r>
             <a:r>
-              <a:rPr lang="nl-NL" dirty="0" err="1" smtClean="0"/>
+              <a:rPr lang="nl-NL" sz="2400" dirty="0" err="1" smtClean="0">
+                <a:latin typeface="Times New Roman" panose="02020603050405020304" pitchFamily="18" charset="0"/>
+                <a:cs typeface="Times New Roman" panose="02020603050405020304" pitchFamily="18" charset="0"/>
+              </a:rPr>
               <a:t>to</a:t>
             </a:r>
             <a:r>
-              <a:rPr lang="nl-NL" dirty="0" smtClean="0"/>
+              <a:rPr lang="nl-NL" sz="2400" dirty="0" smtClean="0">
+                <a:latin typeface="Times New Roman" panose="02020603050405020304" pitchFamily="18" charset="0"/>
+                <a:cs typeface="Times New Roman" panose="02020603050405020304" pitchFamily="18" charset="0"/>
+              </a:rPr>
               <a:t> display. </a:t>
             </a:r>
             <a:r>
-              <a:rPr lang="en-US" dirty="0" err="1" smtClean="0"/>
+              <a:rPr lang="en-US" sz="2400" dirty="0" err="1" smtClean="0">
+                <a:latin typeface="Times New Roman" panose="02020603050405020304" pitchFamily="18" charset="0"/>
+                <a:cs typeface="Times New Roman" panose="02020603050405020304" pitchFamily="18" charset="0"/>
+              </a:rPr>
               <a:t>ViewContainerRef</a:t>
             </a:r>
             <a:r>
-              <a:rPr lang="en-US" dirty="0"/>
+              <a:rPr lang="en-US" sz="2400" dirty="0">
+                <a:latin typeface="Times New Roman" panose="02020603050405020304" pitchFamily="18" charset="0"/>
+                <a:cs typeface="Times New Roman" panose="02020603050405020304" pitchFamily="18" charset="0"/>
+              </a:rPr>
               <a:t> </a:t>
             </a:r>
             <a:r>
-              <a:rPr lang="en-US" dirty="0" smtClean="0"/>
+              <a:rPr lang="en-US" sz="2400" dirty="0" smtClean="0">
+                <a:latin typeface="Times New Roman" panose="02020603050405020304" pitchFamily="18" charset="0"/>
+                <a:cs typeface="Times New Roman" panose="02020603050405020304" pitchFamily="18" charset="0"/>
+              </a:rPr>
               <a:t>contain method to create a delete component. Then use </a:t>
             </a:r>
             <a:r>
-              <a:rPr lang="en-US" dirty="0" err="1" smtClean="0"/>
+              <a:rPr lang="en-US" sz="2400" dirty="0" err="1" smtClean="0">
+                <a:latin typeface="Times New Roman" panose="02020603050405020304" pitchFamily="18" charset="0"/>
+                <a:cs typeface="Times New Roman" panose="02020603050405020304" pitchFamily="18" charset="0"/>
+              </a:rPr>
               <a:t>ComponentFactoryResolver</a:t>
             </a:r>
             <a:r>
-              <a:rPr lang="en-US" dirty="0" smtClean="0"/>
-              <a:t> to </a:t>
-            </a:r>
-            <a:r>
-              <a:rPr lang="en-US" smtClean="0"/>
-              <a:t>create component factory. </a:t>
-            </a:r>
-            <a:endParaRPr lang="en-US" dirty="0"/>
-          </a:p>
-          <a:p>
-            <a:pPr marL="0" indent="0">
-              <a:buNone/>
-            </a:pPr>
-            <a:endParaRPr lang="nl-NL" dirty="0" smtClean="0"/>
-          </a:p>
-          <a:p>
-            <a:r>
-              <a:rPr lang="nl-NL" dirty="0" smtClean="0"/>
+              <a:rPr lang="en-US" sz="2400" dirty="0" smtClean="0">
+                <a:latin typeface="Times New Roman" panose="02020603050405020304" pitchFamily="18" charset="0"/>
+                <a:cs typeface="Times New Roman" panose="02020603050405020304" pitchFamily="18" charset="0"/>
+              </a:rPr>
+              <a:t> to create component factory. </a:t>
+            </a:r>
+            <a:endParaRPr lang="nl-NL" sz="2400" dirty="0" smtClean="0">
+              <a:latin typeface="Times New Roman" panose="02020603050405020304" pitchFamily="18" charset="0"/>
+              <a:cs typeface="Times New Roman" panose="02020603050405020304" pitchFamily="18" charset="0"/>
+            </a:endParaRPr>
+          </a:p>
+          <a:p>
+            <a:r>
+              <a:rPr lang="nl-NL" sz="2400" dirty="0" smtClean="0">
+                <a:latin typeface="Times New Roman" panose="02020603050405020304" pitchFamily="18" charset="0"/>
+                <a:cs typeface="Times New Roman" panose="02020603050405020304" pitchFamily="18" charset="0"/>
+              </a:rPr>
               <a:t>Step </a:t>
             </a:r>
             <a:r>
-              <a:rPr lang="nl-NL" dirty="0" err="1" smtClean="0"/>
+              <a:rPr lang="nl-NL" sz="2400" dirty="0" err="1" smtClean="0">
+                <a:latin typeface="Times New Roman" panose="02020603050405020304" pitchFamily="18" charset="0"/>
+                <a:cs typeface="Times New Roman" panose="02020603050405020304" pitchFamily="18" charset="0"/>
+              </a:rPr>
               <a:t>to</a:t>
             </a:r>
             <a:r>
-              <a:rPr lang="nl-NL" dirty="0" smtClean="0"/>
+              <a:rPr lang="nl-NL" sz="2400" dirty="0" smtClean="0">
+                <a:latin typeface="Times New Roman" panose="02020603050405020304" pitchFamily="18" charset="0"/>
+                <a:cs typeface="Times New Roman" panose="02020603050405020304" pitchFamily="18" charset="0"/>
+              </a:rPr>
               <a:t> </a:t>
             </a:r>
             <a:r>
-              <a:rPr lang="nl-NL" dirty="0" err="1" smtClean="0"/>
+              <a:rPr lang="nl-NL" sz="2400" dirty="0" err="1" smtClean="0">
+                <a:latin typeface="Times New Roman" panose="02020603050405020304" pitchFamily="18" charset="0"/>
+                <a:cs typeface="Times New Roman" panose="02020603050405020304" pitchFamily="18" charset="0"/>
+              </a:rPr>
               <a:t>create</a:t>
             </a:r>
             <a:r>
-              <a:rPr lang="nl-NL" dirty="0" smtClean="0"/>
+              <a:rPr lang="nl-NL" sz="2400" dirty="0" smtClean="0">
+                <a:latin typeface="Times New Roman" panose="02020603050405020304" pitchFamily="18" charset="0"/>
+                <a:cs typeface="Times New Roman" panose="02020603050405020304" pitchFamily="18" charset="0"/>
+              </a:rPr>
               <a:t> a </a:t>
             </a:r>
             <a:r>
-              <a:rPr lang="nl-NL" dirty="0" err="1" smtClean="0"/>
+              <a:rPr lang="nl-NL" sz="2400" dirty="0" err="1" smtClean="0">
+                <a:latin typeface="Times New Roman" panose="02020603050405020304" pitchFamily="18" charset="0"/>
+                <a:cs typeface="Times New Roman" panose="02020603050405020304" pitchFamily="18" charset="0"/>
+              </a:rPr>
               <a:t>dynamic</a:t>
             </a:r>
             <a:r>
-              <a:rPr lang="nl-NL" dirty="0" smtClean="0"/>
+              <a:rPr lang="nl-NL" sz="2400" dirty="0" smtClean="0">
+                <a:latin typeface="Times New Roman" panose="02020603050405020304" pitchFamily="18" charset="0"/>
+                <a:cs typeface="Times New Roman" panose="02020603050405020304" pitchFamily="18" charset="0"/>
+              </a:rPr>
               <a:t> component</a:t>
             </a:r>
           </a:p>
@@ -10363,7 +10463,10 @@
               <a:buAutoNum type="arabicPeriod"/>
             </a:pPr>
             <a:r>
-              <a:rPr lang="en-US" dirty="0"/>
+              <a:rPr lang="en-US" sz="2400" dirty="0">
+                <a:latin typeface="Times New Roman" panose="02020603050405020304" pitchFamily="18" charset="0"/>
+                <a:cs typeface="Times New Roman" panose="02020603050405020304" pitchFamily="18" charset="0"/>
+              </a:rPr>
               <a:t>Clear the container.</a:t>
             </a:r>
           </a:p>
@@ -10373,14 +10476,23 @@
               <a:buAutoNum type="arabicPeriod"/>
             </a:pPr>
             <a:r>
-              <a:rPr lang="en-US" dirty="0"/>
+              <a:rPr lang="en-US" sz="2400" dirty="0">
+                <a:latin typeface="Times New Roman" panose="02020603050405020304" pitchFamily="18" charset="0"/>
+                <a:cs typeface="Times New Roman" panose="02020603050405020304" pitchFamily="18" charset="0"/>
+              </a:rPr>
               <a:t>Create a factory for </a:t>
             </a:r>
             <a:r>
-              <a:rPr lang="en-US" dirty="0" smtClean="0"/>
+              <a:rPr lang="en-US" sz="2400" dirty="0" smtClean="0">
+                <a:latin typeface="Times New Roman" panose="02020603050405020304" pitchFamily="18" charset="0"/>
+                <a:cs typeface="Times New Roman" panose="02020603050405020304" pitchFamily="18" charset="0"/>
+              </a:rPr>
               <a:t>component.</a:t>
             </a:r>
-            <a:endParaRPr lang="en-US" dirty="0"/>
+            <a:endParaRPr lang="en-US" sz="2400" dirty="0">
+              <a:latin typeface="Times New Roman" panose="02020603050405020304" pitchFamily="18" charset="0"/>
+              <a:cs typeface="Times New Roman" panose="02020603050405020304" pitchFamily="18" charset="0"/>
+            </a:endParaRPr>
           </a:p>
           <a:p>
             <a:pPr marL="457200" indent="-457200">
@@ -10388,7 +10500,10 @@
               <a:buAutoNum type="arabicPeriod"/>
             </a:pPr>
             <a:r>
-              <a:rPr lang="en-US" dirty="0"/>
+              <a:rPr lang="en-US" sz="2400" dirty="0">
+                <a:latin typeface="Times New Roman" panose="02020603050405020304" pitchFamily="18" charset="0"/>
+                <a:cs typeface="Times New Roman" panose="02020603050405020304" pitchFamily="18" charset="0"/>
+              </a:rPr>
               <a:t>Create a component using the factory.</a:t>
             </a:r>
           </a:p>
@@ -10398,7 +10513,10 @@
               <a:buAutoNum type="arabicPeriod"/>
             </a:pPr>
             <a:r>
-              <a:rPr lang="en-US" dirty="0"/>
+              <a:rPr lang="en-US" sz="2400" dirty="0">
+                <a:latin typeface="Times New Roman" panose="02020603050405020304" pitchFamily="18" charset="0"/>
+                <a:cs typeface="Times New Roman" panose="02020603050405020304" pitchFamily="18" charset="0"/>
+              </a:rPr>
               <a:t>Pass the value for @Input properties using a component reference instance method.</a:t>
             </a:r>
           </a:p>
@@ -10408,6 +10526,354 @@
     <p:extLst>
       <p:ext uri="{BB962C8B-B14F-4D97-AF65-F5344CB8AC3E}">
         <p14:creationId xmlns:p14="http://schemas.microsoft.com/office/powerpoint/2010/main" val="2381478614"/>
+      </p:ext>
+    </p:extLst>
+  </p:cSld>
+  <p:clrMapOvr>
+    <a:masterClrMapping/>
+  </p:clrMapOvr>
+  <p:timing>
+    <p:tnLst>
+      <p:par>
+        <p:cTn id="1" dur="indefinite" restart="never" nodeType="tmRoot"/>
+      </p:par>
+    </p:tnLst>
+  </p:timing>
+</p:sld>
+</file>
+
+<file path=ppt/slides/slide33.xml><?xml version="1.0" encoding="utf-8"?>
+<p:sld xmlns:a="http://schemas.openxmlformats.org/drawingml/2006/main" xmlns:r="http://schemas.openxmlformats.org/officeDocument/2006/relationships" xmlns:p="http://schemas.openxmlformats.org/presentationml/2006/main">
+  <p:cSld>
+    <p:spTree>
+      <p:nvGrpSpPr>
+        <p:cNvPr id="1" name=""/>
+        <p:cNvGrpSpPr/>
+        <p:nvPr/>
+      </p:nvGrpSpPr>
+      <p:grpSpPr>
+        <a:xfrm>
+          <a:off x="0" y="0"/>
+          <a:ext cx="0" cy="0"/>
+          <a:chOff x="0" y="0"/>
+          <a:chExt cx="0" cy="0"/>
+        </a:xfrm>
+      </p:grpSpPr>
+      <p:sp>
+        <p:nvSpPr>
+          <p:cNvPr id="2" name="Title 1"/>
+          <p:cNvSpPr>
+            <a:spLocks noGrp="1"/>
+          </p:cNvSpPr>
+          <p:nvPr>
+            <p:ph type="title"/>
+          </p:nvPr>
+        </p:nvSpPr>
+        <p:spPr/>
+        <p:txBody>
+          <a:bodyPr>
+            <a:normAutofit/>
+          </a:bodyPr>
+          <a:lstStyle/>
+          <a:p>
+            <a:r>
+              <a:rPr lang="en-US" dirty="0">
+                <a:latin typeface="Times New Roman" panose="02020603050405020304" pitchFamily="18" charset="0"/>
+                <a:cs typeface="Times New Roman" panose="02020603050405020304" pitchFamily="18" charset="0"/>
+              </a:rPr>
+              <a:t>Binding </a:t>
+            </a:r>
+            <a:r>
+              <a:rPr lang="en-US" dirty="0" smtClean="0">
+                <a:latin typeface="Times New Roman" panose="02020603050405020304" pitchFamily="18" charset="0"/>
+                <a:cs typeface="Times New Roman" panose="02020603050405020304" pitchFamily="18" charset="0"/>
+              </a:rPr>
+              <a:t>with Interpolation</a:t>
+            </a:r>
+            <a:endParaRPr lang="en-US" dirty="0">
+              <a:latin typeface="Times New Roman" panose="02020603050405020304" pitchFamily="18" charset="0"/>
+              <a:cs typeface="Times New Roman" panose="02020603050405020304" pitchFamily="18" charset="0"/>
+            </a:endParaRPr>
+          </a:p>
+        </p:txBody>
+      </p:sp>
+      <p:sp>
+        <p:nvSpPr>
+          <p:cNvPr id="3" name="Content Placeholder 2"/>
+          <p:cNvSpPr>
+            <a:spLocks noGrp="1"/>
+          </p:cNvSpPr>
+          <p:nvPr>
+            <p:ph idx="1"/>
+          </p:nvPr>
+        </p:nvSpPr>
+        <p:spPr/>
+        <p:txBody>
+          <a:bodyPr/>
+          <a:lstStyle/>
+          <a:p>
+            <a:r>
+              <a:rPr lang="en-US" dirty="0">
+                <a:latin typeface="Times New Roman" panose="02020603050405020304" pitchFamily="18" charset="0"/>
+                <a:cs typeface="Times New Roman" panose="02020603050405020304" pitchFamily="18" charset="0"/>
+              </a:rPr>
+              <a:t>Interpolation allows you to </a:t>
+            </a:r>
+            <a:r>
+              <a:rPr lang="en-US" dirty="0" smtClean="0">
+                <a:latin typeface="Times New Roman" panose="02020603050405020304" pitchFamily="18" charset="0"/>
+                <a:cs typeface="Times New Roman" panose="02020603050405020304" pitchFamily="18" charset="0"/>
+              </a:rPr>
+              <a:t>display data from your component into view or even do some logic to display your data </a:t>
+            </a:r>
+          </a:p>
+          <a:p>
+            <a:r>
+              <a:rPr lang="en-US" dirty="0">
+                <a:latin typeface="Times New Roman" panose="02020603050405020304" pitchFamily="18" charset="0"/>
+                <a:cs typeface="Times New Roman" panose="02020603050405020304" pitchFamily="18" charset="0"/>
+              </a:rPr>
+              <a:t>Interpolation refers to embedding expressions into marked up text. </a:t>
+            </a:r>
+            <a:endParaRPr lang="en-US" dirty="0" smtClean="0">
+              <a:latin typeface="Times New Roman" panose="02020603050405020304" pitchFamily="18" charset="0"/>
+              <a:cs typeface="Times New Roman" panose="02020603050405020304" pitchFamily="18" charset="0"/>
+            </a:endParaRPr>
+          </a:p>
+          <a:p>
+            <a:r>
+              <a:rPr lang="en-US" dirty="0" smtClean="0">
+                <a:latin typeface="Times New Roman" panose="02020603050405020304" pitchFamily="18" charset="0"/>
+                <a:cs typeface="Times New Roman" panose="02020603050405020304" pitchFamily="18" charset="0"/>
+              </a:rPr>
+              <a:t>By </a:t>
+            </a:r>
+            <a:r>
+              <a:rPr lang="en-US" dirty="0">
+                <a:latin typeface="Times New Roman" panose="02020603050405020304" pitchFamily="18" charset="0"/>
+                <a:cs typeface="Times New Roman" panose="02020603050405020304" pitchFamily="18" charset="0"/>
+              </a:rPr>
+              <a:t>default, interpolation uses as its delimiter the double curly </a:t>
+            </a:r>
+            <a:r>
+              <a:rPr lang="en-US" dirty="0" smtClean="0">
+                <a:latin typeface="Times New Roman" panose="02020603050405020304" pitchFamily="18" charset="0"/>
+                <a:cs typeface="Times New Roman" panose="02020603050405020304" pitchFamily="18" charset="0"/>
+              </a:rPr>
+              <a:t>braces  {{ </a:t>
+            </a:r>
+            <a:r>
+              <a:rPr lang="en-US" dirty="0">
+                <a:latin typeface="Times New Roman" panose="02020603050405020304" pitchFamily="18" charset="0"/>
+                <a:cs typeface="Times New Roman" panose="02020603050405020304" pitchFamily="18" charset="0"/>
+              </a:rPr>
+              <a:t>and }}.</a:t>
+            </a:r>
+            <a:r>
+              <a:rPr lang="en-US" dirty="0">
+                <a:latin typeface="Times New Roman" panose="02020603050405020304" pitchFamily="18" charset="0"/>
+                <a:cs typeface="Times New Roman" panose="02020603050405020304" pitchFamily="18" charset="0"/>
+              </a:rPr>
+              <a:t> </a:t>
+            </a:r>
+            <a:endParaRPr lang="en-US" dirty="0">
+              <a:latin typeface="Times New Roman" panose="02020603050405020304" pitchFamily="18" charset="0"/>
+              <a:cs typeface="Times New Roman" panose="02020603050405020304" pitchFamily="18" charset="0"/>
+            </a:endParaRPr>
+          </a:p>
+        </p:txBody>
+      </p:sp>
+    </p:spTree>
+    <p:extLst>
+      <p:ext uri="{BB962C8B-B14F-4D97-AF65-F5344CB8AC3E}">
+        <p14:creationId xmlns:p14="http://schemas.microsoft.com/office/powerpoint/2010/main" val="766439058"/>
+      </p:ext>
+    </p:extLst>
+  </p:cSld>
+  <p:clrMapOvr>
+    <a:masterClrMapping/>
+  </p:clrMapOvr>
+  <p:timing>
+    <p:tnLst>
+      <p:par>
+        <p:cTn id="1" dur="indefinite" restart="never" nodeType="tmRoot"/>
+      </p:par>
+    </p:tnLst>
+  </p:timing>
+</p:sld>
+</file>
+
+<file path=ppt/slides/slide34.xml><?xml version="1.0" encoding="utf-8"?>
+<p:sld xmlns:a="http://schemas.openxmlformats.org/drawingml/2006/main" xmlns:r="http://schemas.openxmlformats.org/officeDocument/2006/relationships" xmlns:p="http://schemas.openxmlformats.org/presentationml/2006/main">
+  <p:cSld>
+    <p:spTree>
+      <p:nvGrpSpPr>
+        <p:cNvPr id="1" name=""/>
+        <p:cNvGrpSpPr/>
+        <p:nvPr/>
+      </p:nvGrpSpPr>
+      <p:grpSpPr>
+        <a:xfrm>
+          <a:off x="0" y="0"/>
+          <a:ext cx="0" cy="0"/>
+          <a:chOff x="0" y="0"/>
+          <a:chExt cx="0" cy="0"/>
+        </a:xfrm>
+      </p:grpSpPr>
+      <p:sp>
+        <p:nvSpPr>
+          <p:cNvPr id="2" name="Title 1"/>
+          <p:cNvSpPr>
+            <a:spLocks noGrp="1"/>
+          </p:cNvSpPr>
+          <p:nvPr>
+            <p:ph type="title"/>
+          </p:nvPr>
+        </p:nvSpPr>
+        <p:spPr/>
+        <p:txBody>
+          <a:bodyPr/>
+          <a:lstStyle/>
+          <a:p>
+            <a:r>
+              <a:rPr lang="nl-NL" dirty="0" smtClean="0">
+                <a:latin typeface="Times New Roman" panose="02020603050405020304" pitchFamily="18" charset="0"/>
+                <a:cs typeface="Times New Roman" panose="02020603050405020304" pitchFamily="18" charset="0"/>
+              </a:rPr>
+              <a:t>6 </a:t>
+            </a:r>
+            <a:r>
+              <a:rPr lang="nl-NL" dirty="0" err="1" smtClean="0">
+                <a:latin typeface="Times New Roman" panose="02020603050405020304" pitchFamily="18" charset="0"/>
+                <a:cs typeface="Times New Roman" panose="02020603050405020304" pitchFamily="18" charset="0"/>
+              </a:rPr>
+              <a:t>bindings</a:t>
+            </a:r>
+            <a:r>
+              <a:rPr lang="nl-NL" dirty="0" smtClean="0">
+                <a:latin typeface="Times New Roman" panose="02020603050405020304" pitchFamily="18" charset="0"/>
+                <a:cs typeface="Times New Roman" panose="02020603050405020304" pitchFamily="18" charset="0"/>
+              </a:rPr>
+              <a:t> type</a:t>
+            </a:r>
+            <a:endParaRPr lang="en-US" dirty="0">
+              <a:latin typeface="Times New Roman" panose="02020603050405020304" pitchFamily="18" charset="0"/>
+              <a:cs typeface="Times New Roman" panose="02020603050405020304" pitchFamily="18" charset="0"/>
+            </a:endParaRPr>
+          </a:p>
+        </p:txBody>
+      </p:sp>
+      <p:pic>
+        <p:nvPicPr>
+          <p:cNvPr id="4" name="Content Placeholder 3"/>
+          <p:cNvPicPr>
+            <a:picLocks noGrp="1" noChangeAspect="1"/>
+          </p:cNvPicPr>
+          <p:nvPr>
+            <p:ph idx="1"/>
+          </p:nvPr>
+        </p:nvPicPr>
+        <p:blipFill>
+          <a:blip r:embed="rId2">
+            <a:extLst>
+              <a:ext uri="{28A0092B-C50C-407E-A947-70E740481C1C}">
+                <a14:useLocalDpi xmlns:a14="http://schemas.microsoft.com/office/drawing/2010/main" val="0"/>
+              </a:ext>
+            </a:extLst>
+          </a:blip>
+          <a:stretch>
+            <a:fillRect/>
+          </a:stretch>
+        </p:blipFill>
+        <p:spPr>
+          <a:xfrm>
+            <a:off x="1069848" y="1978925"/>
+            <a:ext cx="10058400" cy="4681181"/>
+          </a:xfrm>
+        </p:spPr>
+      </p:pic>
+    </p:spTree>
+    <p:extLst>
+      <p:ext uri="{BB962C8B-B14F-4D97-AF65-F5344CB8AC3E}">
+        <p14:creationId xmlns:p14="http://schemas.microsoft.com/office/powerpoint/2010/main" val="2162509346"/>
+      </p:ext>
+    </p:extLst>
+  </p:cSld>
+  <p:clrMapOvr>
+    <a:masterClrMapping/>
+  </p:clrMapOvr>
+</p:sld>
+</file>
+
+<file path=ppt/slides/slide35.xml><?xml version="1.0" encoding="utf-8"?>
+<p:sld xmlns:a="http://schemas.openxmlformats.org/drawingml/2006/main" xmlns:r="http://schemas.openxmlformats.org/officeDocument/2006/relationships" xmlns:p="http://schemas.openxmlformats.org/presentationml/2006/main">
+  <p:cSld>
+    <p:spTree>
+      <p:nvGrpSpPr>
+        <p:cNvPr id="1" name=""/>
+        <p:cNvGrpSpPr/>
+        <p:nvPr/>
+      </p:nvGrpSpPr>
+      <p:grpSpPr>
+        <a:xfrm>
+          <a:off x="0" y="0"/>
+          <a:ext cx="0" cy="0"/>
+          <a:chOff x="0" y="0"/>
+          <a:chExt cx="0" cy="0"/>
+        </a:xfrm>
+      </p:grpSpPr>
+      <p:sp>
+        <p:nvSpPr>
+          <p:cNvPr id="2" name="Title 1"/>
+          <p:cNvSpPr>
+            <a:spLocks noGrp="1"/>
+          </p:cNvSpPr>
+          <p:nvPr>
+            <p:ph type="title"/>
+          </p:nvPr>
+        </p:nvSpPr>
+        <p:spPr/>
+        <p:txBody>
+          <a:bodyPr/>
+          <a:lstStyle/>
+          <a:p>
+            <a:endParaRPr lang="en-US"/>
+          </a:p>
+        </p:txBody>
+      </p:sp>
+      <p:pic>
+        <p:nvPicPr>
+          <p:cNvPr id="4" name="Content Placeholder 3"/>
+          <p:cNvPicPr>
+            <a:picLocks noGrp="1" noChangeAspect="1"/>
+          </p:cNvPicPr>
+          <p:nvPr>
+            <p:ph idx="1"/>
+          </p:nvPr>
+        </p:nvPicPr>
+        <p:blipFill>
+          <a:blip r:embed="rId2">
+            <a:extLst>
+              <a:ext uri="{28A0092B-C50C-407E-A947-70E740481C1C}">
+                <a14:useLocalDpi xmlns:a14="http://schemas.microsoft.com/office/drawing/2010/main" val="0"/>
+              </a:ext>
+            </a:extLst>
+          </a:blip>
+          <a:stretch>
+            <a:fillRect/>
+          </a:stretch>
+        </p:blipFill>
+        <p:spPr>
+          <a:xfrm>
+            <a:off x="1069848" y="2175491"/>
+            <a:ext cx="10058400" cy="4389081"/>
+          </a:xfrm>
+        </p:spPr>
+      </p:pic>
+    </p:spTree>
+    <p:extLst>
+      <p:ext uri="{BB962C8B-B14F-4D97-AF65-F5344CB8AC3E}">
+        <p14:creationId xmlns:p14="http://schemas.microsoft.com/office/powerpoint/2010/main" val="2045181871"/>
       </p:ext>
     </p:extLst>
   </p:cSld>

--- a/Angular Workshop/Angular Workshop.pptx
+++ b/Angular Workshop/Angular Workshop.pptx
@@ -5,7 +5,7 @@
     <p:sldMasterId id="2147483790" r:id="rId1"/>
   </p:sldMasterIdLst>
   <p:notesMasterIdLst>
-    <p:notesMasterId r:id="rId37"/>
+    <p:notesMasterId r:id="rId40"/>
   </p:notesMasterIdLst>
   <p:sldIdLst>
     <p:sldId id="256" r:id="rId2"/>
@@ -43,6 +43,9 @@
     <p:sldId id="288" r:id="rId34"/>
     <p:sldId id="289" r:id="rId35"/>
     <p:sldId id="290" r:id="rId36"/>
+    <p:sldId id="291" r:id="rId37"/>
+    <p:sldId id="292" r:id="rId38"/>
+    <p:sldId id="293" r:id="rId39"/>
   </p:sldIdLst>
   <p:sldSz cx="12192000" cy="6858000"/>
   <p:notesSz cx="6858000" cy="9144000"/>
@@ -10874,6 +10877,398 @@
     <p:extLst>
       <p:ext uri="{BB962C8B-B14F-4D97-AF65-F5344CB8AC3E}">
         <p14:creationId xmlns:p14="http://schemas.microsoft.com/office/powerpoint/2010/main" val="2045181871"/>
+      </p:ext>
+    </p:extLst>
+  </p:cSld>
+  <p:clrMapOvr>
+    <a:masterClrMapping/>
+  </p:clrMapOvr>
+</p:sld>
+</file>
+
+<file path=ppt/slides/slide36.xml><?xml version="1.0" encoding="utf-8"?>
+<p:sld xmlns:a="http://schemas.openxmlformats.org/drawingml/2006/main" xmlns:r="http://schemas.openxmlformats.org/officeDocument/2006/relationships" xmlns:p="http://schemas.openxmlformats.org/presentationml/2006/main">
+  <p:cSld>
+    <p:spTree>
+      <p:nvGrpSpPr>
+        <p:cNvPr id="1" name=""/>
+        <p:cNvGrpSpPr/>
+        <p:nvPr/>
+      </p:nvGrpSpPr>
+      <p:grpSpPr>
+        <a:xfrm>
+          <a:off x="0" y="0"/>
+          <a:ext cx="0" cy="0"/>
+          <a:chOff x="0" y="0"/>
+          <a:chExt cx="0" cy="0"/>
+        </a:xfrm>
+      </p:grpSpPr>
+      <p:sp>
+        <p:nvSpPr>
+          <p:cNvPr id="2" name="Title 1"/>
+          <p:cNvSpPr>
+            <a:spLocks noGrp="1"/>
+          </p:cNvSpPr>
+          <p:nvPr>
+            <p:ph type="title"/>
+          </p:nvPr>
+        </p:nvSpPr>
+        <p:spPr/>
+        <p:txBody>
+          <a:bodyPr>
+            <a:normAutofit fontScale="90000"/>
+          </a:bodyPr>
+          <a:lstStyle/>
+          <a:p>
+            <a:r>
+              <a:rPr lang="en-US" dirty="0" smtClean="0">
+                <a:latin typeface="Times New Roman" panose="02020603050405020304" pitchFamily="18" charset="0"/>
+                <a:cs typeface="Times New Roman" panose="02020603050405020304" pitchFamily="18" charset="0"/>
+              </a:rPr>
+              <a:t/>
+            </a:r>
+            <a:br>
+              <a:rPr lang="en-US" dirty="0" smtClean="0">
+                <a:latin typeface="Times New Roman" panose="02020603050405020304" pitchFamily="18" charset="0"/>
+                <a:cs typeface="Times New Roman" panose="02020603050405020304" pitchFamily="18" charset="0"/>
+              </a:rPr>
+            </a:br>
+            <a:r>
+              <a:rPr lang="en-US" dirty="0" smtClean="0">
+                <a:latin typeface="Times New Roman" panose="02020603050405020304" pitchFamily="18" charset="0"/>
+                <a:cs typeface="Times New Roman" panose="02020603050405020304" pitchFamily="18" charset="0"/>
+              </a:rPr>
+              <a:t>Introduction </a:t>
+            </a:r>
+            <a:r>
+              <a:rPr lang="en-US" dirty="0">
+                <a:latin typeface="Times New Roman" panose="02020603050405020304" pitchFamily="18" charset="0"/>
+                <a:cs typeface="Times New Roman" panose="02020603050405020304" pitchFamily="18" charset="0"/>
+              </a:rPr>
+              <a:t>to Directives</a:t>
+            </a:r>
+            <a:br>
+              <a:rPr lang="en-US" dirty="0">
+                <a:latin typeface="Times New Roman" panose="02020603050405020304" pitchFamily="18" charset="0"/>
+                <a:cs typeface="Times New Roman" panose="02020603050405020304" pitchFamily="18" charset="0"/>
+              </a:rPr>
+            </a:br>
+            <a:endParaRPr lang="en-US" dirty="0">
+              <a:latin typeface="Times New Roman" panose="02020603050405020304" pitchFamily="18" charset="0"/>
+              <a:cs typeface="Times New Roman" panose="02020603050405020304" pitchFamily="18" charset="0"/>
+            </a:endParaRPr>
+          </a:p>
+        </p:txBody>
+      </p:sp>
+      <p:sp>
+        <p:nvSpPr>
+          <p:cNvPr id="3" name="Content Placeholder 2"/>
+          <p:cNvSpPr>
+            <a:spLocks noGrp="1"/>
+          </p:cNvSpPr>
+          <p:nvPr>
+            <p:ph idx="1"/>
+          </p:nvPr>
+        </p:nvSpPr>
+        <p:spPr/>
+        <p:txBody>
+          <a:bodyPr/>
+          <a:lstStyle/>
+          <a:p>
+            <a:r>
+              <a:rPr lang="en-US" dirty="0">
+                <a:latin typeface="Times New Roman" panose="02020603050405020304" pitchFamily="18" charset="0"/>
+                <a:cs typeface="Times New Roman" panose="02020603050405020304" pitchFamily="18" charset="0"/>
+              </a:rPr>
+              <a:t>There are four types of directives in Angular,</a:t>
+            </a:r>
+          </a:p>
+          <a:p>
+            <a:pPr marL="457200" indent="-457200">
+              <a:buFont typeface="+mj-lt"/>
+              <a:buAutoNum type="arabicPeriod"/>
+            </a:pPr>
+            <a:r>
+              <a:rPr lang="en-US" dirty="0">
+                <a:latin typeface="Times New Roman" panose="02020603050405020304" pitchFamily="18" charset="0"/>
+                <a:cs typeface="Times New Roman" panose="02020603050405020304" pitchFamily="18" charset="0"/>
+              </a:rPr>
+              <a:t>Components directives</a:t>
+            </a:r>
+          </a:p>
+          <a:p>
+            <a:pPr marL="457200" indent="-457200">
+              <a:buFont typeface="+mj-lt"/>
+              <a:buAutoNum type="arabicPeriod"/>
+            </a:pPr>
+            <a:r>
+              <a:rPr lang="en-US" dirty="0">
+                <a:latin typeface="Times New Roman" panose="02020603050405020304" pitchFamily="18" charset="0"/>
+                <a:cs typeface="Times New Roman" panose="02020603050405020304" pitchFamily="18" charset="0"/>
+              </a:rPr>
+              <a:t>Structural </a:t>
+            </a:r>
+            <a:r>
+              <a:rPr lang="en-US" dirty="0" smtClean="0">
+                <a:latin typeface="Times New Roman" panose="02020603050405020304" pitchFamily="18" charset="0"/>
+                <a:cs typeface="Times New Roman" panose="02020603050405020304" pitchFamily="18" charset="0"/>
+              </a:rPr>
+              <a:t>directives: </a:t>
+            </a:r>
+            <a:r>
+              <a:rPr lang="en-US" dirty="0">
+                <a:latin typeface="Times New Roman" panose="02020603050405020304" pitchFamily="18" charset="0"/>
+                <a:cs typeface="Times New Roman" panose="02020603050405020304" pitchFamily="18" charset="0"/>
+              </a:rPr>
+              <a:t>Structural directives are responsible for HTML layout. They shape or reshape the DOM's </a:t>
+            </a:r>
+            <a:r>
+              <a:rPr lang="en-US" i="1" dirty="0">
+                <a:latin typeface="Times New Roman" panose="02020603050405020304" pitchFamily="18" charset="0"/>
+                <a:cs typeface="Times New Roman" panose="02020603050405020304" pitchFamily="18" charset="0"/>
+              </a:rPr>
+              <a:t>structure</a:t>
+            </a:r>
+            <a:r>
+              <a:rPr lang="en-US" dirty="0">
+                <a:latin typeface="Times New Roman" panose="02020603050405020304" pitchFamily="18" charset="0"/>
+                <a:cs typeface="Times New Roman" panose="02020603050405020304" pitchFamily="18" charset="0"/>
+              </a:rPr>
+              <a:t>, typically by adding, removing, or manipulating elements.</a:t>
+            </a:r>
+          </a:p>
+          <a:p>
+            <a:pPr marL="457200" indent="-457200">
+              <a:buFont typeface="+mj-lt"/>
+              <a:buAutoNum type="arabicPeriod"/>
+            </a:pPr>
+            <a:r>
+              <a:rPr lang="en-US" dirty="0">
+                <a:latin typeface="Times New Roman" panose="02020603050405020304" pitchFamily="18" charset="0"/>
+                <a:cs typeface="Times New Roman" panose="02020603050405020304" pitchFamily="18" charset="0"/>
+              </a:rPr>
+              <a:t>Attribute </a:t>
+            </a:r>
+            <a:r>
+              <a:rPr lang="en-US" dirty="0" smtClean="0">
+                <a:latin typeface="Times New Roman" panose="02020603050405020304" pitchFamily="18" charset="0"/>
+                <a:cs typeface="Times New Roman" panose="02020603050405020304" pitchFamily="18" charset="0"/>
+              </a:rPr>
+              <a:t>directives: </a:t>
+            </a:r>
+            <a:r>
+              <a:rPr lang="en-US" dirty="0">
+                <a:latin typeface="Times New Roman" panose="02020603050405020304" pitchFamily="18" charset="0"/>
+                <a:cs typeface="Times New Roman" panose="02020603050405020304" pitchFamily="18" charset="0"/>
+              </a:rPr>
+              <a:t>An Attribute directive changes the appearance or behavior of a DOM element.</a:t>
+            </a:r>
+          </a:p>
+          <a:p>
+            <a:pPr marL="457200" indent="-457200">
+              <a:buFont typeface="+mj-lt"/>
+              <a:buAutoNum type="arabicPeriod"/>
+            </a:pPr>
+            <a:r>
+              <a:rPr lang="en-US" dirty="0">
+                <a:latin typeface="Times New Roman" panose="02020603050405020304" pitchFamily="18" charset="0"/>
+                <a:cs typeface="Times New Roman" panose="02020603050405020304" pitchFamily="18" charset="0"/>
+              </a:rPr>
+              <a:t>Custom Directive</a:t>
+            </a:r>
+          </a:p>
+          <a:p>
+            <a:endParaRPr lang="en-US" dirty="0">
+              <a:latin typeface="Times New Roman" panose="02020603050405020304" pitchFamily="18" charset="0"/>
+              <a:cs typeface="Times New Roman" panose="02020603050405020304" pitchFamily="18" charset="0"/>
+            </a:endParaRPr>
+          </a:p>
+        </p:txBody>
+      </p:sp>
+    </p:spTree>
+    <p:extLst>
+      <p:ext uri="{BB962C8B-B14F-4D97-AF65-F5344CB8AC3E}">
+        <p14:creationId xmlns:p14="http://schemas.microsoft.com/office/powerpoint/2010/main" val="2278850238"/>
+      </p:ext>
+    </p:extLst>
+  </p:cSld>
+  <p:clrMapOvr>
+    <a:masterClrMapping/>
+  </p:clrMapOvr>
+</p:sld>
+</file>
+
+<file path=ppt/slides/slide37.xml><?xml version="1.0" encoding="utf-8"?>
+<p:sld xmlns:a="http://schemas.openxmlformats.org/drawingml/2006/main" xmlns:r="http://schemas.openxmlformats.org/officeDocument/2006/relationships" xmlns:p="http://schemas.openxmlformats.org/presentationml/2006/main">
+  <p:cSld>
+    <p:spTree>
+      <p:nvGrpSpPr>
+        <p:cNvPr id="1" name=""/>
+        <p:cNvGrpSpPr/>
+        <p:nvPr/>
+      </p:nvGrpSpPr>
+      <p:grpSpPr>
+        <a:xfrm>
+          <a:off x="0" y="0"/>
+          <a:ext cx="0" cy="0"/>
+          <a:chOff x="0" y="0"/>
+          <a:chExt cx="0" cy="0"/>
+        </a:xfrm>
+      </p:grpSpPr>
+      <p:sp>
+        <p:nvSpPr>
+          <p:cNvPr id="2" name="Title 1"/>
+          <p:cNvSpPr>
+            <a:spLocks noGrp="1"/>
+          </p:cNvSpPr>
+          <p:nvPr>
+            <p:ph type="title"/>
+          </p:nvPr>
+        </p:nvSpPr>
+        <p:spPr/>
+        <p:txBody>
+          <a:bodyPr/>
+          <a:lstStyle/>
+          <a:p>
+            <a:r>
+              <a:rPr lang="en-US" dirty="0">
+                <a:latin typeface="Times New Roman" panose="02020603050405020304" pitchFamily="18" charset="0"/>
+                <a:cs typeface="Times New Roman" panose="02020603050405020304" pitchFamily="18" charset="0"/>
+              </a:rPr>
+              <a:t>Structural </a:t>
+            </a:r>
+            <a:r>
+              <a:rPr lang="en-US" dirty="0" smtClean="0">
+                <a:latin typeface="Times New Roman" panose="02020603050405020304" pitchFamily="18" charset="0"/>
+                <a:cs typeface="Times New Roman" panose="02020603050405020304" pitchFamily="18" charset="0"/>
+              </a:rPr>
+              <a:t>directives example</a:t>
+            </a:r>
+            <a:endParaRPr lang="en-US" dirty="0">
+              <a:latin typeface="Times New Roman" panose="02020603050405020304" pitchFamily="18" charset="0"/>
+              <a:cs typeface="Times New Roman" panose="02020603050405020304" pitchFamily="18" charset="0"/>
+            </a:endParaRPr>
+          </a:p>
+        </p:txBody>
+      </p:sp>
+      <p:pic>
+        <p:nvPicPr>
+          <p:cNvPr id="4" name="Content Placeholder 3"/>
+          <p:cNvPicPr>
+            <a:picLocks noGrp="1" noChangeAspect="1"/>
+          </p:cNvPicPr>
+          <p:nvPr>
+            <p:ph idx="1"/>
+          </p:nvPr>
+        </p:nvPicPr>
+        <p:blipFill>
+          <a:blip r:embed="rId2">
+            <a:extLst>
+              <a:ext uri="{28A0092B-C50C-407E-A947-70E740481C1C}">
+                <a14:useLocalDpi xmlns:a14="http://schemas.microsoft.com/office/drawing/2010/main" val="0"/>
+              </a:ext>
+            </a:extLst>
+          </a:blip>
+          <a:stretch>
+            <a:fillRect/>
+          </a:stretch>
+        </p:blipFill>
+        <p:spPr>
+          <a:xfrm>
+            <a:off x="1069848" y="2207228"/>
+            <a:ext cx="10058400" cy="3852377"/>
+          </a:xfrm>
+        </p:spPr>
+      </p:pic>
+    </p:spTree>
+    <p:extLst>
+      <p:ext uri="{BB962C8B-B14F-4D97-AF65-F5344CB8AC3E}">
+        <p14:creationId xmlns:p14="http://schemas.microsoft.com/office/powerpoint/2010/main" val="2965354876"/>
+      </p:ext>
+    </p:extLst>
+  </p:cSld>
+  <p:clrMapOvr>
+    <a:masterClrMapping/>
+  </p:clrMapOvr>
+</p:sld>
+</file>
+
+<file path=ppt/slides/slide38.xml><?xml version="1.0" encoding="utf-8"?>
+<p:sld xmlns:a="http://schemas.openxmlformats.org/drawingml/2006/main" xmlns:r="http://schemas.openxmlformats.org/officeDocument/2006/relationships" xmlns:p="http://schemas.openxmlformats.org/presentationml/2006/main">
+  <p:cSld>
+    <p:spTree>
+      <p:nvGrpSpPr>
+        <p:cNvPr id="1" name=""/>
+        <p:cNvGrpSpPr/>
+        <p:nvPr/>
+      </p:nvGrpSpPr>
+      <p:grpSpPr>
+        <a:xfrm>
+          <a:off x="0" y="0"/>
+          <a:ext cx="0" cy="0"/>
+          <a:chOff x="0" y="0"/>
+          <a:chExt cx="0" cy="0"/>
+        </a:xfrm>
+      </p:grpSpPr>
+      <p:sp>
+        <p:nvSpPr>
+          <p:cNvPr id="2" name="Title 1"/>
+          <p:cNvSpPr>
+            <a:spLocks noGrp="1"/>
+          </p:cNvSpPr>
+          <p:nvPr>
+            <p:ph type="title"/>
+          </p:nvPr>
+        </p:nvSpPr>
+        <p:spPr/>
+        <p:txBody>
+          <a:bodyPr/>
+          <a:lstStyle/>
+          <a:p>
+            <a:r>
+              <a:rPr lang="en-US" dirty="0">
+                <a:latin typeface="Times New Roman" panose="02020603050405020304" pitchFamily="18" charset="0"/>
+                <a:cs typeface="Times New Roman" panose="02020603050405020304" pitchFamily="18" charset="0"/>
+              </a:rPr>
+              <a:t>Attribute directives</a:t>
+            </a:r>
+            <a:endParaRPr lang="en-US" dirty="0"/>
+          </a:p>
+        </p:txBody>
+      </p:sp>
+      <p:pic>
+        <p:nvPicPr>
+          <p:cNvPr id="4" name="Content Placeholder 3"/>
+          <p:cNvPicPr>
+            <a:picLocks noGrp="1" noChangeAspect="1"/>
+          </p:cNvPicPr>
+          <p:nvPr>
+            <p:ph idx="1"/>
+          </p:nvPr>
+        </p:nvPicPr>
+        <p:blipFill>
+          <a:blip r:embed="rId2">
+            <a:extLst>
+              <a:ext uri="{28A0092B-C50C-407E-A947-70E740481C1C}">
+                <a14:useLocalDpi xmlns:a14="http://schemas.microsoft.com/office/drawing/2010/main" val="0"/>
+              </a:ext>
+            </a:extLst>
+          </a:blip>
+          <a:stretch>
+            <a:fillRect/>
+          </a:stretch>
+        </p:blipFill>
+        <p:spPr>
+          <a:xfrm>
+            <a:off x="1069848" y="2347655"/>
+            <a:ext cx="7986262" cy="3541353"/>
+          </a:xfrm>
+        </p:spPr>
+      </p:pic>
+    </p:spTree>
+    <p:extLst>
+      <p:ext uri="{BB962C8B-B14F-4D97-AF65-F5344CB8AC3E}">
+        <p14:creationId xmlns:p14="http://schemas.microsoft.com/office/powerpoint/2010/main" val="3312278295"/>
       </p:ext>
     </p:extLst>
   </p:cSld>

--- a/Angular Workshop/Angular Workshop.pptx
+++ b/Angular Workshop/Angular Workshop.pptx
@@ -5,7 +5,7 @@
     <p:sldMasterId id="2147483790" r:id="rId1"/>
   </p:sldMasterIdLst>
   <p:notesMasterIdLst>
-    <p:notesMasterId r:id="rId44"/>
+    <p:notesMasterId r:id="rId46"/>
   </p:notesMasterIdLst>
   <p:sldIdLst>
     <p:sldId id="256" r:id="rId2"/>
@@ -50,6 +50,8 @@
     <p:sldId id="295" r:id="rId41"/>
     <p:sldId id="296" r:id="rId42"/>
     <p:sldId id="297" r:id="rId43"/>
+    <p:sldId id="298" r:id="rId44"/>
+    <p:sldId id="299" r:id="rId45"/>
   </p:sldIdLst>
   <p:sldSz cx="12192000" cy="6858000"/>
   <p:notesSz cx="6858000" cy="9144000"/>
@@ -238,7 +240,7 @@
           <a:p>
             <a:fld id="{6A8D9F0F-2837-48EC-B86C-7389FCD155D0}" type="datetimeFigureOut">
               <a:rPr lang="en-US" smtClean="0"/>
-              <a:t>4/22/2019</a:t>
+              <a:t>5/5/2019</a:t>
             </a:fld>
             <a:endParaRPr lang="en-US"/>
           </a:p>
@@ -1178,7 +1180,7 @@
           <a:p>
             <a:fld id="{B9D14AC3-431A-47E8-842F-ED47F6F75548}" type="datetimeFigureOut">
               <a:rPr lang="en-US" smtClean="0"/>
-              <a:t>4/22/2019</a:t>
+              <a:t>5/5/2019</a:t>
             </a:fld>
             <a:endParaRPr lang="en-US"/>
           </a:p>
@@ -1357,7 +1359,7 @@
           <a:p>
             <a:fld id="{B9D14AC3-431A-47E8-842F-ED47F6F75548}" type="datetimeFigureOut">
               <a:rPr lang="en-US" smtClean="0"/>
-              <a:t>4/22/2019</a:t>
+              <a:t>5/5/2019</a:t>
             </a:fld>
             <a:endParaRPr lang="en-US"/>
           </a:p>
@@ -1537,7 +1539,7 @@
           <a:p>
             <a:fld id="{B9D14AC3-431A-47E8-842F-ED47F6F75548}" type="datetimeFigureOut">
               <a:rPr lang="en-US" smtClean="0"/>
-              <a:t>4/22/2019</a:t>
+              <a:t>5/5/2019</a:t>
             </a:fld>
             <a:endParaRPr lang="en-US"/>
           </a:p>
@@ -1707,7 +1709,7 @@
           <a:p>
             <a:fld id="{B9D14AC3-431A-47E8-842F-ED47F6F75548}" type="datetimeFigureOut">
               <a:rPr lang="en-US" smtClean="0"/>
-              <a:t>4/22/2019</a:t>
+              <a:t>5/5/2019</a:t>
             </a:fld>
             <a:endParaRPr lang="en-US"/>
           </a:p>
@@ -2020,7 +2022,7 @@
           <a:p>
             <a:fld id="{B9D14AC3-431A-47E8-842F-ED47F6F75548}" type="datetimeFigureOut">
               <a:rPr lang="en-US" smtClean="0"/>
-              <a:t>4/22/2019</a:t>
+              <a:t>5/5/2019</a:t>
             </a:fld>
             <a:endParaRPr lang="en-US"/>
           </a:p>
@@ -2406,7 +2408,7 @@
           <a:p>
             <a:fld id="{B9D14AC3-431A-47E8-842F-ED47F6F75548}" type="datetimeFigureOut">
               <a:rPr lang="en-US" smtClean="0"/>
-              <a:t>4/22/2019</a:t>
+              <a:t>5/5/2019</a:t>
             </a:fld>
             <a:endParaRPr lang="en-US"/>
           </a:p>
@@ -2845,7 +2847,7 @@
           <a:p>
             <a:fld id="{B9D14AC3-431A-47E8-842F-ED47F6F75548}" type="datetimeFigureOut">
               <a:rPr lang="en-US" smtClean="0"/>
-              <a:t>4/22/2019</a:t>
+              <a:t>5/5/2019</a:t>
             </a:fld>
             <a:endParaRPr lang="en-US"/>
           </a:p>
@@ -2968,7 +2970,7 @@
           <a:p>
             <a:fld id="{B9D14AC3-431A-47E8-842F-ED47F6F75548}" type="datetimeFigureOut">
               <a:rPr lang="en-US" smtClean="0"/>
-              <a:t>4/22/2019</a:t>
+              <a:t>5/5/2019</a:t>
             </a:fld>
             <a:endParaRPr lang="en-US"/>
           </a:p>
@@ -3063,7 +3065,7 @@
           <a:p>
             <a:fld id="{B9D14AC3-431A-47E8-842F-ED47F6F75548}" type="datetimeFigureOut">
               <a:rPr lang="en-US" smtClean="0"/>
-              <a:t>4/22/2019</a:t>
+              <a:t>5/5/2019</a:t>
             </a:fld>
             <a:endParaRPr lang="en-US"/>
           </a:p>
@@ -3413,7 +3415,7 @@
           <a:p>
             <a:fld id="{B9D14AC3-431A-47E8-842F-ED47F6F75548}" type="datetimeFigureOut">
               <a:rPr lang="en-US" smtClean="0"/>
-              <a:t>4/22/2019</a:t>
+              <a:t>5/5/2019</a:t>
             </a:fld>
             <a:endParaRPr lang="en-US"/>
           </a:p>
@@ -3843,7 +3845,7 @@
           <a:p>
             <a:fld id="{B9D14AC3-431A-47E8-842F-ED47F6F75548}" type="datetimeFigureOut">
               <a:rPr lang="en-US" smtClean="0"/>
-              <a:t>4/22/2019</a:t>
+              <a:t>5/5/2019</a:t>
             </a:fld>
             <a:endParaRPr lang="en-US"/>
           </a:p>
@@ -4124,7 +4126,7 @@
           <a:p>
             <a:fld id="{B9D14AC3-431A-47E8-842F-ED47F6F75548}" type="datetimeFigureOut">
               <a:rPr lang="en-US" smtClean="0"/>
-              <a:t>4/22/2019</a:t>
+              <a:t>5/5/2019</a:t>
             </a:fld>
             <a:endParaRPr lang="en-US"/>
           </a:p>
@@ -4909,7 +4911,7 @@
           <p:cNvPr id="2" name="Title 1">
             <a:extLst>
               <a:ext uri="{FF2B5EF4-FFF2-40B4-BE49-F238E27FC236}">
-                <a16:creationId xmlns:a16="http://schemas.microsoft.com/office/drawing/2014/main" xmlns="" id="{159757B6-80F7-4930-B530-65D40C6AAA2B}"/>
+                <a16:creationId xmlns="" xmlns:a16="http://schemas.microsoft.com/office/drawing/2014/main" id="{159757B6-80F7-4930-B530-65D40C6AAA2B}"/>
               </a:ext>
             </a:extLst>
           </p:cNvPr>
@@ -4965,7 +4967,7 @@
           <p:cNvPr id="3" name="Content Placeholder 2">
             <a:extLst>
               <a:ext uri="{FF2B5EF4-FFF2-40B4-BE49-F238E27FC236}">
-                <a16:creationId xmlns:a16="http://schemas.microsoft.com/office/drawing/2014/main" xmlns="" id="{9FE13484-3844-4DDF-BFBA-ACA0E64B2915}"/>
+                <a16:creationId xmlns="" xmlns:a16="http://schemas.microsoft.com/office/drawing/2014/main" id="{9FE13484-3844-4DDF-BFBA-ACA0E64B2915}"/>
               </a:ext>
             </a:extLst>
           </p:cNvPr>
@@ -5002,7 +5004,7 @@
           <p:cNvPr id="7" name="Picture 6">
             <a:extLst>
               <a:ext uri="{FF2B5EF4-FFF2-40B4-BE49-F238E27FC236}">
-                <a16:creationId xmlns:a16="http://schemas.microsoft.com/office/drawing/2014/main" xmlns="" id="{32CA38FA-0E90-4306-B5D0-3CEA1A7E35E2}"/>
+                <a16:creationId xmlns="" xmlns:a16="http://schemas.microsoft.com/office/drawing/2014/main" id="{32CA38FA-0E90-4306-B5D0-3CEA1A7E35E2}"/>
               </a:ext>
             </a:extLst>
           </p:cNvPr>
@@ -5075,7 +5077,7 @@
           <p:cNvPr id="2" name="Title 1">
             <a:extLst>
               <a:ext uri="{FF2B5EF4-FFF2-40B4-BE49-F238E27FC236}">
-                <a16:creationId xmlns:a16="http://schemas.microsoft.com/office/drawing/2014/main" xmlns="" id="{4E8E46E2-4366-4F67-9FB5-B507999C18F7}"/>
+                <a16:creationId xmlns="" xmlns:a16="http://schemas.microsoft.com/office/drawing/2014/main" id="{4E8E46E2-4366-4F67-9FB5-B507999C18F7}"/>
               </a:ext>
             </a:extLst>
           </p:cNvPr>
@@ -5136,7 +5138,7 @@
           <p:cNvPr id="3" name="Content Placeholder 2">
             <a:extLst>
               <a:ext uri="{FF2B5EF4-FFF2-40B4-BE49-F238E27FC236}">
-                <a16:creationId xmlns:a16="http://schemas.microsoft.com/office/drawing/2014/main" xmlns="" id="{46E11EF3-FB91-4D8A-A344-658BC8C1B939}"/>
+                <a16:creationId xmlns="" xmlns:a16="http://schemas.microsoft.com/office/drawing/2014/main" id="{46E11EF3-FB91-4D8A-A344-658BC8C1B939}"/>
               </a:ext>
             </a:extLst>
           </p:cNvPr>
@@ -5249,7 +5251,7 @@
           <p:cNvPr id="6" name="Picture 5">
             <a:extLst>
               <a:ext uri="{FF2B5EF4-FFF2-40B4-BE49-F238E27FC236}">
-                <a16:creationId xmlns:a16="http://schemas.microsoft.com/office/drawing/2014/main" xmlns="" id="{F59A1450-D806-40BA-9C89-7BEEFEABC899}"/>
+                <a16:creationId xmlns="" xmlns:a16="http://schemas.microsoft.com/office/drawing/2014/main" id="{F59A1450-D806-40BA-9C89-7BEEFEABC899}"/>
               </a:ext>
             </a:extLst>
           </p:cNvPr>
@@ -5285,7 +5287,7 @@
           <p:cNvPr id="8" name="Picture 7">
             <a:extLst>
               <a:ext uri="{FF2B5EF4-FFF2-40B4-BE49-F238E27FC236}">
-                <a16:creationId xmlns:a16="http://schemas.microsoft.com/office/drawing/2014/main" xmlns="" id="{2FBC3649-8EBE-4700-8648-D4EF97496A69}"/>
+                <a16:creationId xmlns="" xmlns:a16="http://schemas.microsoft.com/office/drawing/2014/main" id="{2FBC3649-8EBE-4700-8648-D4EF97496A69}"/>
               </a:ext>
             </a:extLst>
           </p:cNvPr>
@@ -5321,7 +5323,7 @@
           <p:cNvPr id="10" name="Picture 9">
             <a:extLst>
               <a:ext uri="{FF2B5EF4-FFF2-40B4-BE49-F238E27FC236}">
-                <a16:creationId xmlns:a16="http://schemas.microsoft.com/office/drawing/2014/main" xmlns="" id="{4D880A05-5F58-45B1-884D-75824689D61B}"/>
+                <a16:creationId xmlns="" xmlns:a16="http://schemas.microsoft.com/office/drawing/2014/main" id="{4D880A05-5F58-45B1-884D-75824689D61B}"/>
               </a:ext>
             </a:extLst>
           </p:cNvPr>
@@ -5394,7 +5396,7 @@
           <p:cNvPr id="2" name="Title 1">
             <a:extLst>
               <a:ext uri="{FF2B5EF4-FFF2-40B4-BE49-F238E27FC236}">
-                <a16:creationId xmlns:a16="http://schemas.microsoft.com/office/drawing/2014/main" xmlns="" id="{DC9D6F5E-CEDA-4DBA-9EFF-9DA5BC48DE19}"/>
+                <a16:creationId xmlns="" xmlns:a16="http://schemas.microsoft.com/office/drawing/2014/main" id="{DC9D6F5E-CEDA-4DBA-9EFF-9DA5BC48DE19}"/>
               </a:ext>
             </a:extLst>
           </p:cNvPr>
@@ -5425,7 +5427,7 @@
           <p:cNvPr id="5" name="Content Placeholder 4">
             <a:extLst>
               <a:ext uri="{FF2B5EF4-FFF2-40B4-BE49-F238E27FC236}">
-                <a16:creationId xmlns:a16="http://schemas.microsoft.com/office/drawing/2014/main" xmlns="" id="{F8018F80-C482-4162-87F4-3B4430AD1259}"/>
+                <a16:creationId xmlns="" xmlns:a16="http://schemas.microsoft.com/office/drawing/2014/main" id="{F8018F80-C482-4162-87F4-3B4430AD1259}"/>
               </a:ext>
             </a:extLst>
           </p:cNvPr>
@@ -5497,7 +5499,7 @@
           <p:cNvPr id="2" name="Title 1">
             <a:extLst>
               <a:ext uri="{FF2B5EF4-FFF2-40B4-BE49-F238E27FC236}">
-                <a16:creationId xmlns:a16="http://schemas.microsoft.com/office/drawing/2014/main" xmlns="" id="{F845B438-718D-41FE-B912-05184CC77809}"/>
+                <a16:creationId xmlns="" xmlns:a16="http://schemas.microsoft.com/office/drawing/2014/main" id="{F845B438-718D-41FE-B912-05184CC77809}"/>
               </a:ext>
             </a:extLst>
           </p:cNvPr>
@@ -5529,7 +5531,7 @@
           <p:cNvPr id="9" name="Content Placeholder 8">
             <a:extLst>
               <a:ext uri="{FF2B5EF4-FFF2-40B4-BE49-F238E27FC236}">
-                <a16:creationId xmlns:a16="http://schemas.microsoft.com/office/drawing/2014/main" xmlns="" id="{8507FAD8-5825-4E9B-9A1E-1CA1B811EA31}"/>
+                <a16:creationId xmlns="" xmlns:a16="http://schemas.microsoft.com/office/drawing/2014/main" id="{8507FAD8-5825-4E9B-9A1E-1CA1B811EA31}"/>
               </a:ext>
             </a:extLst>
           </p:cNvPr>
@@ -5601,7 +5603,7 @@
           <p:cNvPr id="2" name="Title 1">
             <a:extLst>
               <a:ext uri="{FF2B5EF4-FFF2-40B4-BE49-F238E27FC236}">
-                <a16:creationId xmlns:a16="http://schemas.microsoft.com/office/drawing/2014/main" xmlns="" id="{F01218AF-13C4-4051-85A0-83603087B36F}"/>
+                <a16:creationId xmlns="" xmlns:a16="http://schemas.microsoft.com/office/drawing/2014/main" id="{F01218AF-13C4-4051-85A0-83603087B36F}"/>
               </a:ext>
             </a:extLst>
           </p:cNvPr>
@@ -5633,7 +5635,7 @@
           <p:cNvPr id="5" name="Content Placeholder 4">
             <a:extLst>
               <a:ext uri="{FF2B5EF4-FFF2-40B4-BE49-F238E27FC236}">
-                <a16:creationId xmlns:a16="http://schemas.microsoft.com/office/drawing/2014/main" xmlns="" id="{FE9916FD-A799-44E9-BAD6-1DFD73799C40}"/>
+                <a16:creationId xmlns="" xmlns:a16="http://schemas.microsoft.com/office/drawing/2014/main" id="{FE9916FD-A799-44E9-BAD6-1DFD73799C40}"/>
               </a:ext>
             </a:extLst>
           </p:cNvPr>
@@ -5705,7 +5707,7 @@
           <p:cNvPr id="2" name="Title 1">
             <a:extLst>
               <a:ext uri="{FF2B5EF4-FFF2-40B4-BE49-F238E27FC236}">
-                <a16:creationId xmlns:a16="http://schemas.microsoft.com/office/drawing/2014/main" xmlns="" id="{52A6AD8F-1162-4FDC-826E-3BA1AE268313}"/>
+                <a16:creationId xmlns="" xmlns:a16="http://schemas.microsoft.com/office/drawing/2014/main" id="{52A6AD8F-1162-4FDC-826E-3BA1AE268313}"/>
               </a:ext>
             </a:extLst>
           </p:cNvPr>
@@ -5737,7 +5739,7 @@
           <p:cNvPr id="5" name="Content Placeholder 4">
             <a:extLst>
               <a:ext uri="{FF2B5EF4-FFF2-40B4-BE49-F238E27FC236}">
-                <a16:creationId xmlns:a16="http://schemas.microsoft.com/office/drawing/2014/main" xmlns="" id="{4B8EA503-F633-408F-8510-C3647B74DB94}"/>
+                <a16:creationId xmlns="" xmlns:a16="http://schemas.microsoft.com/office/drawing/2014/main" id="{4B8EA503-F633-408F-8510-C3647B74DB94}"/>
               </a:ext>
             </a:extLst>
           </p:cNvPr>
@@ -5809,7 +5811,7 @@
           <p:cNvPr id="2" name="Title 1">
             <a:extLst>
               <a:ext uri="{FF2B5EF4-FFF2-40B4-BE49-F238E27FC236}">
-                <a16:creationId xmlns:a16="http://schemas.microsoft.com/office/drawing/2014/main" xmlns="" id="{580B15AB-F4F5-4A39-95A2-B3AA882DDF2E}"/>
+                <a16:creationId xmlns="" xmlns:a16="http://schemas.microsoft.com/office/drawing/2014/main" id="{580B15AB-F4F5-4A39-95A2-B3AA882DDF2E}"/>
               </a:ext>
             </a:extLst>
           </p:cNvPr>
@@ -5841,7 +5843,7 @@
           <p:cNvPr id="5" name="Content Placeholder 4">
             <a:extLst>
               <a:ext uri="{FF2B5EF4-FFF2-40B4-BE49-F238E27FC236}">
-                <a16:creationId xmlns:a16="http://schemas.microsoft.com/office/drawing/2014/main" xmlns="" id="{F15A6060-9471-4A92-8F0F-2C7CAFB291C5}"/>
+                <a16:creationId xmlns="" xmlns:a16="http://schemas.microsoft.com/office/drawing/2014/main" id="{F15A6060-9471-4A92-8F0F-2C7CAFB291C5}"/>
               </a:ext>
             </a:extLst>
           </p:cNvPr>
@@ -8730,7 +8732,7 @@
           <p:cNvPr id="2" name="Title 1">
             <a:extLst>
               <a:ext uri="{FF2B5EF4-FFF2-40B4-BE49-F238E27FC236}">
-                <a16:creationId xmlns:a16="http://schemas.microsoft.com/office/drawing/2014/main" xmlns="" id="{468494B9-63FD-435A-AFA6-53E2454B48B6}"/>
+                <a16:creationId xmlns="" xmlns:a16="http://schemas.microsoft.com/office/drawing/2014/main" id="{468494B9-63FD-435A-AFA6-53E2454B48B6}"/>
               </a:ext>
             </a:extLst>
           </p:cNvPr>
@@ -8786,7 +8788,7 @@
           <p:cNvPr id="3" name="Content Placeholder 2">
             <a:extLst>
               <a:ext uri="{FF2B5EF4-FFF2-40B4-BE49-F238E27FC236}">
-                <a16:creationId xmlns:a16="http://schemas.microsoft.com/office/drawing/2014/main" xmlns="" id="{B695AC8C-CF3A-4D2C-AF0D-DB5C38E01702}"/>
+                <a16:creationId xmlns="" xmlns:a16="http://schemas.microsoft.com/office/drawing/2014/main" id="{B695AC8C-CF3A-4D2C-AF0D-DB5C38E01702}"/>
               </a:ext>
             </a:extLst>
           </p:cNvPr>
@@ -12628,10 +12630,6 @@
               </a:rPr>
               <a:t>Every application starts out with what seems like a simple task: get data, transform them, and show them to users</a:t>
             </a:r>
-            <a:endParaRPr lang="en-US" sz="2200" dirty="0">
-              <a:latin typeface="Times New Roman" panose="02020603050405020304" pitchFamily="18" charset="0"/>
-              <a:cs typeface="Times New Roman" panose="02020603050405020304" pitchFamily="18" charset="0"/>
-            </a:endParaRPr>
           </a:p>
         </p:txBody>
       </p:sp>
@@ -12952,6 +12950,174 @@
     <p:extLst>
       <p:ext uri="{BB962C8B-B14F-4D97-AF65-F5344CB8AC3E}">
         <p14:creationId xmlns:p14="http://schemas.microsoft.com/office/powerpoint/2010/main" val="2022476549"/>
+      </p:ext>
+    </p:extLst>
+  </p:cSld>
+  <p:clrMapOvr>
+    <a:masterClrMapping/>
+  </p:clrMapOvr>
+</p:sld>
+</file>
+
+<file path=ppt/slides/slide43.xml><?xml version="1.0" encoding="utf-8"?>
+<p:sld xmlns:a="http://schemas.openxmlformats.org/drawingml/2006/main" xmlns:r="http://schemas.openxmlformats.org/officeDocument/2006/relationships" xmlns:p="http://schemas.openxmlformats.org/presentationml/2006/main">
+  <p:cSld>
+    <p:spTree>
+      <p:nvGrpSpPr>
+        <p:cNvPr id="1" name=""/>
+        <p:cNvGrpSpPr/>
+        <p:nvPr/>
+      </p:nvGrpSpPr>
+      <p:grpSpPr>
+        <a:xfrm>
+          <a:off x="0" y="0"/>
+          <a:ext cx="0" cy="0"/>
+          <a:chOff x="0" y="0"/>
+          <a:chExt cx="0" cy="0"/>
+        </a:xfrm>
+      </p:grpSpPr>
+      <p:sp>
+        <p:nvSpPr>
+          <p:cNvPr id="2" name="Title 1"/>
+          <p:cNvSpPr>
+            <a:spLocks noGrp="1"/>
+          </p:cNvSpPr>
+          <p:nvPr>
+            <p:ph type="title"/>
+          </p:nvPr>
+        </p:nvSpPr>
+        <p:spPr/>
+        <p:txBody>
+          <a:bodyPr/>
+          <a:lstStyle/>
+          <a:p>
+            <a:r>
+              <a:rPr lang="nl-NL" dirty="0" err="1" smtClean="0"/>
+              <a:t>Angular</a:t>
+            </a:r>
+            <a:r>
+              <a:rPr lang="nl-NL" dirty="0" smtClean="0"/>
+              <a:t> </a:t>
+            </a:r>
+            <a:r>
+              <a:rPr lang="nl-NL" dirty="0" err="1" smtClean="0"/>
+              <a:t>lifecycle</a:t>
+            </a:r>
+            <a:endParaRPr lang="en-US" dirty="0"/>
+          </a:p>
+        </p:txBody>
+      </p:sp>
+      <p:pic>
+        <p:nvPicPr>
+          <p:cNvPr id="4" name="Content Placeholder 3"/>
+          <p:cNvPicPr>
+            <a:picLocks noGrp="1" noChangeAspect="1"/>
+          </p:cNvPicPr>
+          <p:nvPr>
+            <p:ph idx="1"/>
+          </p:nvPr>
+        </p:nvPicPr>
+        <p:blipFill>
+          <a:blip r:embed="rId2">
+            <a:extLst>
+              <a:ext uri="{28A0092B-C50C-407E-A947-70E740481C1C}">
+                <a14:useLocalDpi xmlns:a14="http://schemas.microsoft.com/office/drawing/2010/main" val="0"/>
+              </a:ext>
+            </a:extLst>
+          </a:blip>
+          <a:stretch>
+            <a:fillRect/>
+          </a:stretch>
+        </p:blipFill>
+        <p:spPr>
+          <a:xfrm>
+            <a:off x="1069847" y="1924131"/>
+            <a:ext cx="9613585" cy="4345750"/>
+          </a:xfrm>
+        </p:spPr>
+      </p:pic>
+    </p:spTree>
+    <p:extLst>
+      <p:ext uri="{BB962C8B-B14F-4D97-AF65-F5344CB8AC3E}">
+        <p14:creationId xmlns:p14="http://schemas.microsoft.com/office/powerpoint/2010/main" val="1718935695"/>
+      </p:ext>
+    </p:extLst>
+  </p:cSld>
+  <p:clrMapOvr>
+    <a:masterClrMapping/>
+  </p:clrMapOvr>
+</p:sld>
+</file>
+
+<file path=ppt/slides/slide44.xml><?xml version="1.0" encoding="utf-8"?>
+<p:sld xmlns:a="http://schemas.openxmlformats.org/drawingml/2006/main" xmlns:r="http://schemas.openxmlformats.org/officeDocument/2006/relationships" xmlns:p="http://schemas.openxmlformats.org/presentationml/2006/main">
+  <p:cSld>
+    <p:spTree>
+      <p:nvGrpSpPr>
+        <p:cNvPr id="1" name=""/>
+        <p:cNvGrpSpPr/>
+        <p:nvPr/>
+      </p:nvGrpSpPr>
+      <p:grpSpPr>
+        <a:xfrm>
+          <a:off x="0" y="0"/>
+          <a:ext cx="0" cy="0"/>
+          <a:chOff x="0" y="0"/>
+          <a:chExt cx="0" cy="0"/>
+        </a:xfrm>
+      </p:grpSpPr>
+      <p:sp>
+        <p:nvSpPr>
+          <p:cNvPr id="2" name="Title 1"/>
+          <p:cNvSpPr>
+            <a:spLocks noGrp="1"/>
+          </p:cNvSpPr>
+          <p:nvPr>
+            <p:ph type="title"/>
+          </p:nvPr>
+        </p:nvSpPr>
+        <p:spPr/>
+        <p:txBody>
+          <a:bodyPr/>
+          <a:lstStyle/>
+          <a:p>
+            <a:endParaRPr lang="en-US"/>
+          </a:p>
+        </p:txBody>
+      </p:sp>
+      <p:pic>
+        <p:nvPicPr>
+          <p:cNvPr id="4" name="Content Placeholder 3"/>
+          <p:cNvPicPr>
+            <a:picLocks noGrp="1" noChangeAspect="1"/>
+          </p:cNvPicPr>
+          <p:nvPr>
+            <p:ph idx="1"/>
+          </p:nvPr>
+        </p:nvPicPr>
+        <p:blipFill>
+          <a:blip r:embed="rId2">
+            <a:extLst>
+              <a:ext uri="{28A0092B-C50C-407E-A947-70E740481C1C}">
+                <a14:useLocalDpi xmlns:a14="http://schemas.microsoft.com/office/drawing/2010/main" val="0"/>
+              </a:ext>
+            </a:extLst>
+          </a:blip>
+          <a:stretch>
+            <a:fillRect/>
+          </a:stretch>
+        </p:blipFill>
+        <p:spPr>
+          <a:xfrm>
+            <a:off x="1069848" y="2225073"/>
+            <a:ext cx="10058400" cy="4051300"/>
+          </a:xfrm>
+        </p:spPr>
+      </p:pic>
+    </p:spTree>
+    <p:extLst>
+      <p:ext uri="{BB962C8B-B14F-4D97-AF65-F5344CB8AC3E}">
+        <p14:creationId xmlns:p14="http://schemas.microsoft.com/office/powerpoint/2010/main" val="263630017"/>
       </p:ext>
     </p:extLst>
   </p:cSld>

--- a/Angular Workshop/Angular Workshop.pptx
+++ b/Angular Workshop/Angular Workshop.pptx
@@ -5,7 +5,7 @@
     <p:sldMasterId id="2147483790" r:id="rId1"/>
   </p:sldMasterIdLst>
   <p:notesMasterIdLst>
-    <p:notesMasterId r:id="rId46"/>
+    <p:notesMasterId r:id="rId47"/>
   </p:notesMasterIdLst>
   <p:sldIdLst>
     <p:sldId id="256" r:id="rId2"/>
@@ -52,6 +52,7 @@
     <p:sldId id="297" r:id="rId43"/>
     <p:sldId id="298" r:id="rId44"/>
     <p:sldId id="299" r:id="rId45"/>
+    <p:sldId id="300" r:id="rId46"/>
   </p:sldIdLst>
   <p:sldSz cx="12192000" cy="6858000"/>
   <p:notesSz cx="6858000" cy="9144000"/>
@@ -12992,7 +12993,10 @@
           <a:lstStyle/>
           <a:p>
             <a:r>
-              <a:rPr lang="nl-NL" dirty="0" err="1" smtClean="0"/>
+              <a:rPr lang="nl-NL" dirty="0" err="1" smtClean="0">
+                <a:latin typeface="Times New Roman" panose="02020603050405020304" pitchFamily="18" charset="0"/>
+                <a:cs typeface="Times New Roman" panose="02020603050405020304" pitchFamily="18" charset="0"/>
+              </a:rPr>
               <a:t>Angular</a:t>
             </a:r>
             <a:r>
@@ -13081,7 +13085,7 @@
           <a:bodyPr/>
           <a:lstStyle/>
           <a:p>
-            <a:endParaRPr lang="en-US"/>
+            <a:endParaRPr lang="en-US" dirty="0"/>
           </a:p>
         </p:txBody>
       </p:sp>
@@ -13118,6 +13122,112 @@
     <p:extLst>
       <p:ext uri="{BB962C8B-B14F-4D97-AF65-F5344CB8AC3E}">
         <p14:creationId xmlns:p14="http://schemas.microsoft.com/office/powerpoint/2010/main" val="263630017"/>
+      </p:ext>
+    </p:extLst>
+  </p:cSld>
+  <p:clrMapOvr>
+    <a:masterClrMapping/>
+  </p:clrMapOvr>
+</p:sld>
+</file>
+
+<file path=ppt/slides/slide45.xml><?xml version="1.0" encoding="utf-8"?>
+<p:sld xmlns:a="http://schemas.openxmlformats.org/drawingml/2006/main" xmlns:r="http://schemas.openxmlformats.org/officeDocument/2006/relationships" xmlns:p="http://schemas.openxmlformats.org/presentationml/2006/main">
+  <p:cSld>
+    <p:spTree>
+      <p:nvGrpSpPr>
+        <p:cNvPr id="1" name=""/>
+        <p:cNvGrpSpPr/>
+        <p:nvPr/>
+      </p:nvGrpSpPr>
+      <p:grpSpPr>
+        <a:xfrm>
+          <a:off x="0" y="0"/>
+          <a:ext cx="0" cy="0"/>
+          <a:chOff x="0" y="0"/>
+          <a:chExt cx="0" cy="0"/>
+        </a:xfrm>
+      </p:grpSpPr>
+      <p:sp>
+        <p:nvSpPr>
+          <p:cNvPr id="2" name="Title 1"/>
+          <p:cNvSpPr>
+            <a:spLocks noGrp="1"/>
+          </p:cNvSpPr>
+          <p:nvPr>
+            <p:ph type="title"/>
+          </p:nvPr>
+        </p:nvSpPr>
+        <p:spPr/>
+        <p:txBody>
+          <a:bodyPr>
+            <a:normAutofit fontScale="90000"/>
+          </a:bodyPr>
+          <a:lstStyle/>
+          <a:p>
+            <a:r>
+              <a:rPr lang="en-US" dirty="0" smtClean="0">
+                <a:latin typeface="Times New Roman" panose="02020603050405020304" pitchFamily="18" charset="0"/>
+                <a:cs typeface="Times New Roman" panose="02020603050405020304" pitchFamily="18" charset="0"/>
+              </a:rPr>
+              <a:t/>
+            </a:r>
+            <a:br>
+              <a:rPr lang="en-US" dirty="0" smtClean="0">
+                <a:latin typeface="Times New Roman" panose="02020603050405020304" pitchFamily="18" charset="0"/>
+                <a:cs typeface="Times New Roman" panose="02020603050405020304" pitchFamily="18" charset="0"/>
+              </a:rPr>
+            </a:br>
+            <a:r>
+              <a:rPr lang="en-US" dirty="0" smtClean="0">
+                <a:latin typeface="Times New Roman" panose="02020603050405020304" pitchFamily="18" charset="0"/>
+                <a:cs typeface="Times New Roman" panose="02020603050405020304" pitchFamily="18" charset="0"/>
+              </a:rPr>
+              <a:t>Angular </a:t>
+            </a:r>
+            <a:r>
+              <a:rPr lang="en-US" dirty="0">
+                <a:latin typeface="Times New Roman" panose="02020603050405020304" pitchFamily="18" charset="0"/>
+                <a:cs typeface="Times New Roman" panose="02020603050405020304" pitchFamily="18" charset="0"/>
+              </a:rPr>
+              <a:t>Form</a:t>
+            </a:r>
+            <a:br>
+              <a:rPr lang="en-US" dirty="0">
+                <a:latin typeface="Times New Roman" panose="02020603050405020304" pitchFamily="18" charset="0"/>
+                <a:cs typeface="Times New Roman" panose="02020603050405020304" pitchFamily="18" charset="0"/>
+              </a:rPr>
+            </a:br>
+            <a:endParaRPr lang="en-US" dirty="0">
+              <a:latin typeface="Times New Roman" panose="02020603050405020304" pitchFamily="18" charset="0"/>
+              <a:cs typeface="Times New Roman" panose="02020603050405020304" pitchFamily="18" charset="0"/>
+            </a:endParaRPr>
+          </a:p>
+        </p:txBody>
+      </p:sp>
+      <p:sp>
+        <p:nvSpPr>
+          <p:cNvPr id="3" name="Content Placeholder 2"/>
+          <p:cNvSpPr>
+            <a:spLocks noGrp="1"/>
+          </p:cNvSpPr>
+          <p:nvPr>
+            <p:ph idx="1"/>
+          </p:nvPr>
+        </p:nvSpPr>
+        <p:spPr/>
+        <p:txBody>
+          <a:bodyPr/>
+          <a:lstStyle/>
+          <a:p>
+            <a:endParaRPr lang="en-US"/>
+          </a:p>
+        </p:txBody>
+      </p:sp>
+    </p:spTree>
+    <p:extLst>
+      <p:ext uri="{BB962C8B-B14F-4D97-AF65-F5344CB8AC3E}">
+        <p14:creationId xmlns:p14="http://schemas.microsoft.com/office/powerpoint/2010/main" val="1049939303"/>
       </p:ext>
     </p:extLst>
   </p:cSld>

--- a/Angular Workshop/Angular Workshop.pptx
+++ b/Angular Workshop/Angular Workshop.pptx
@@ -5,7 +5,7 @@
     <p:sldMasterId id="2147483790" r:id="rId1"/>
   </p:sldMasterIdLst>
   <p:notesMasterIdLst>
-    <p:notesMasterId r:id="rId47"/>
+    <p:notesMasterId r:id="rId46"/>
   </p:notesMasterIdLst>
   <p:sldIdLst>
     <p:sldId id="256" r:id="rId2"/>
@@ -52,7 +52,6 @@
     <p:sldId id="297" r:id="rId43"/>
     <p:sldId id="298" r:id="rId44"/>
     <p:sldId id="299" r:id="rId45"/>
-    <p:sldId id="300" r:id="rId46"/>
   </p:sldIdLst>
   <p:sldSz cx="12192000" cy="6858000"/>
   <p:notesSz cx="6858000" cy="9144000"/>
@@ -12993,10 +12992,7 @@
           <a:lstStyle/>
           <a:p>
             <a:r>
-              <a:rPr lang="nl-NL" dirty="0" err="1" smtClean="0">
-                <a:latin typeface="Times New Roman" panose="02020603050405020304" pitchFamily="18" charset="0"/>
-                <a:cs typeface="Times New Roman" panose="02020603050405020304" pitchFamily="18" charset="0"/>
-              </a:rPr>
+              <a:rPr lang="nl-NL" dirty="0" err="1" smtClean="0"/>
               <a:t>Angular</a:t>
             </a:r>
             <a:r>
@@ -13085,7 +13081,7 @@
           <a:bodyPr/>
           <a:lstStyle/>
           <a:p>
-            <a:endParaRPr lang="en-US" dirty="0"/>
+            <a:endParaRPr lang="en-US"/>
           </a:p>
         </p:txBody>
       </p:sp>
@@ -13122,112 +13118,6 @@
     <p:extLst>
       <p:ext uri="{BB962C8B-B14F-4D97-AF65-F5344CB8AC3E}">
         <p14:creationId xmlns:p14="http://schemas.microsoft.com/office/powerpoint/2010/main" val="263630017"/>
-      </p:ext>
-    </p:extLst>
-  </p:cSld>
-  <p:clrMapOvr>
-    <a:masterClrMapping/>
-  </p:clrMapOvr>
-</p:sld>
-</file>
-
-<file path=ppt/slides/slide45.xml><?xml version="1.0" encoding="utf-8"?>
-<p:sld xmlns:a="http://schemas.openxmlformats.org/drawingml/2006/main" xmlns:r="http://schemas.openxmlformats.org/officeDocument/2006/relationships" xmlns:p="http://schemas.openxmlformats.org/presentationml/2006/main">
-  <p:cSld>
-    <p:spTree>
-      <p:nvGrpSpPr>
-        <p:cNvPr id="1" name=""/>
-        <p:cNvGrpSpPr/>
-        <p:nvPr/>
-      </p:nvGrpSpPr>
-      <p:grpSpPr>
-        <a:xfrm>
-          <a:off x="0" y="0"/>
-          <a:ext cx="0" cy="0"/>
-          <a:chOff x="0" y="0"/>
-          <a:chExt cx="0" cy="0"/>
-        </a:xfrm>
-      </p:grpSpPr>
-      <p:sp>
-        <p:nvSpPr>
-          <p:cNvPr id="2" name="Title 1"/>
-          <p:cNvSpPr>
-            <a:spLocks noGrp="1"/>
-          </p:cNvSpPr>
-          <p:nvPr>
-            <p:ph type="title"/>
-          </p:nvPr>
-        </p:nvSpPr>
-        <p:spPr/>
-        <p:txBody>
-          <a:bodyPr>
-            <a:normAutofit fontScale="90000"/>
-          </a:bodyPr>
-          <a:lstStyle/>
-          <a:p>
-            <a:r>
-              <a:rPr lang="en-US" dirty="0" smtClean="0">
-                <a:latin typeface="Times New Roman" panose="02020603050405020304" pitchFamily="18" charset="0"/>
-                <a:cs typeface="Times New Roman" panose="02020603050405020304" pitchFamily="18" charset="0"/>
-              </a:rPr>
-              <a:t/>
-            </a:r>
-            <a:br>
-              <a:rPr lang="en-US" dirty="0" smtClean="0">
-                <a:latin typeface="Times New Roman" panose="02020603050405020304" pitchFamily="18" charset="0"/>
-                <a:cs typeface="Times New Roman" panose="02020603050405020304" pitchFamily="18" charset="0"/>
-              </a:rPr>
-            </a:br>
-            <a:r>
-              <a:rPr lang="en-US" dirty="0" smtClean="0">
-                <a:latin typeface="Times New Roman" panose="02020603050405020304" pitchFamily="18" charset="0"/>
-                <a:cs typeface="Times New Roman" panose="02020603050405020304" pitchFamily="18" charset="0"/>
-              </a:rPr>
-              <a:t>Angular </a:t>
-            </a:r>
-            <a:r>
-              <a:rPr lang="en-US" dirty="0">
-                <a:latin typeface="Times New Roman" panose="02020603050405020304" pitchFamily="18" charset="0"/>
-                <a:cs typeface="Times New Roman" panose="02020603050405020304" pitchFamily="18" charset="0"/>
-              </a:rPr>
-              <a:t>Form</a:t>
-            </a:r>
-            <a:br>
-              <a:rPr lang="en-US" dirty="0">
-                <a:latin typeface="Times New Roman" panose="02020603050405020304" pitchFamily="18" charset="0"/>
-                <a:cs typeface="Times New Roman" panose="02020603050405020304" pitchFamily="18" charset="0"/>
-              </a:rPr>
-            </a:br>
-            <a:endParaRPr lang="en-US" dirty="0">
-              <a:latin typeface="Times New Roman" panose="02020603050405020304" pitchFamily="18" charset="0"/>
-              <a:cs typeface="Times New Roman" panose="02020603050405020304" pitchFamily="18" charset="0"/>
-            </a:endParaRPr>
-          </a:p>
-        </p:txBody>
-      </p:sp>
-      <p:sp>
-        <p:nvSpPr>
-          <p:cNvPr id="3" name="Content Placeholder 2"/>
-          <p:cNvSpPr>
-            <a:spLocks noGrp="1"/>
-          </p:cNvSpPr>
-          <p:nvPr>
-            <p:ph idx="1"/>
-          </p:nvPr>
-        </p:nvSpPr>
-        <p:spPr/>
-        <p:txBody>
-          <a:bodyPr/>
-          <a:lstStyle/>
-          <a:p>
-            <a:endParaRPr lang="en-US"/>
-          </a:p>
-        </p:txBody>
-      </p:sp>
-    </p:spTree>
-    <p:extLst>
-      <p:ext uri="{BB962C8B-B14F-4D97-AF65-F5344CB8AC3E}">
-        <p14:creationId xmlns:p14="http://schemas.microsoft.com/office/powerpoint/2010/main" val="1049939303"/>
       </p:ext>
     </p:extLst>
   </p:cSld>

--- a/Angular Workshop/Angular Workshop.pptx
+++ b/Angular Workshop/Angular Workshop.pptx
@@ -5,7 +5,7 @@
     <p:sldMasterId id="2147483790" r:id="rId1"/>
   </p:sldMasterIdLst>
   <p:notesMasterIdLst>
-    <p:notesMasterId r:id="rId46"/>
+    <p:notesMasterId r:id="rId48"/>
   </p:notesMasterIdLst>
   <p:sldIdLst>
     <p:sldId id="256" r:id="rId2"/>
@@ -52,6 +52,8 @@
     <p:sldId id="297" r:id="rId43"/>
     <p:sldId id="298" r:id="rId44"/>
     <p:sldId id="299" r:id="rId45"/>
+    <p:sldId id="300" r:id="rId46"/>
+    <p:sldId id="301" r:id="rId47"/>
   </p:sldIdLst>
   <p:sldSz cx="12192000" cy="6858000"/>
   <p:notesSz cx="6858000" cy="9144000"/>
@@ -240,7 +242,7 @@
           <a:p>
             <a:fld id="{6A8D9F0F-2837-48EC-B86C-7389FCD155D0}" type="datetimeFigureOut">
               <a:rPr lang="en-US" smtClean="0"/>
-              <a:t>5/5/2019</a:t>
+              <a:t>5/6/2019</a:t>
             </a:fld>
             <a:endParaRPr lang="en-US"/>
           </a:p>
@@ -1180,7 +1182,7 @@
           <a:p>
             <a:fld id="{B9D14AC3-431A-47E8-842F-ED47F6F75548}" type="datetimeFigureOut">
               <a:rPr lang="en-US" smtClean="0"/>
-              <a:t>5/5/2019</a:t>
+              <a:t>5/6/2019</a:t>
             </a:fld>
             <a:endParaRPr lang="en-US"/>
           </a:p>
@@ -1359,7 +1361,7 @@
           <a:p>
             <a:fld id="{B9D14AC3-431A-47E8-842F-ED47F6F75548}" type="datetimeFigureOut">
               <a:rPr lang="en-US" smtClean="0"/>
-              <a:t>5/5/2019</a:t>
+              <a:t>5/6/2019</a:t>
             </a:fld>
             <a:endParaRPr lang="en-US"/>
           </a:p>
@@ -1539,7 +1541,7 @@
           <a:p>
             <a:fld id="{B9D14AC3-431A-47E8-842F-ED47F6F75548}" type="datetimeFigureOut">
               <a:rPr lang="en-US" smtClean="0"/>
-              <a:t>5/5/2019</a:t>
+              <a:t>5/6/2019</a:t>
             </a:fld>
             <a:endParaRPr lang="en-US"/>
           </a:p>
@@ -1709,7 +1711,7 @@
           <a:p>
             <a:fld id="{B9D14AC3-431A-47E8-842F-ED47F6F75548}" type="datetimeFigureOut">
               <a:rPr lang="en-US" smtClean="0"/>
-              <a:t>5/5/2019</a:t>
+              <a:t>5/6/2019</a:t>
             </a:fld>
             <a:endParaRPr lang="en-US"/>
           </a:p>
@@ -2022,7 +2024,7 @@
           <a:p>
             <a:fld id="{B9D14AC3-431A-47E8-842F-ED47F6F75548}" type="datetimeFigureOut">
               <a:rPr lang="en-US" smtClean="0"/>
-              <a:t>5/5/2019</a:t>
+              <a:t>5/6/2019</a:t>
             </a:fld>
             <a:endParaRPr lang="en-US"/>
           </a:p>
@@ -2408,7 +2410,7 @@
           <a:p>
             <a:fld id="{B9D14AC3-431A-47E8-842F-ED47F6F75548}" type="datetimeFigureOut">
               <a:rPr lang="en-US" smtClean="0"/>
-              <a:t>5/5/2019</a:t>
+              <a:t>5/6/2019</a:t>
             </a:fld>
             <a:endParaRPr lang="en-US"/>
           </a:p>
@@ -2847,7 +2849,7 @@
           <a:p>
             <a:fld id="{B9D14AC3-431A-47E8-842F-ED47F6F75548}" type="datetimeFigureOut">
               <a:rPr lang="en-US" smtClean="0"/>
-              <a:t>5/5/2019</a:t>
+              <a:t>5/6/2019</a:t>
             </a:fld>
             <a:endParaRPr lang="en-US"/>
           </a:p>
@@ -2970,7 +2972,7 @@
           <a:p>
             <a:fld id="{B9D14AC3-431A-47E8-842F-ED47F6F75548}" type="datetimeFigureOut">
               <a:rPr lang="en-US" smtClean="0"/>
-              <a:t>5/5/2019</a:t>
+              <a:t>5/6/2019</a:t>
             </a:fld>
             <a:endParaRPr lang="en-US"/>
           </a:p>
@@ -3065,7 +3067,7 @@
           <a:p>
             <a:fld id="{B9D14AC3-431A-47E8-842F-ED47F6F75548}" type="datetimeFigureOut">
               <a:rPr lang="en-US" smtClean="0"/>
-              <a:t>5/5/2019</a:t>
+              <a:t>5/6/2019</a:t>
             </a:fld>
             <a:endParaRPr lang="en-US"/>
           </a:p>
@@ -3415,7 +3417,7 @@
           <a:p>
             <a:fld id="{B9D14AC3-431A-47E8-842F-ED47F6F75548}" type="datetimeFigureOut">
               <a:rPr lang="en-US" smtClean="0"/>
-              <a:t>5/5/2019</a:t>
+              <a:t>5/6/2019</a:t>
             </a:fld>
             <a:endParaRPr lang="en-US"/>
           </a:p>
@@ -3845,7 +3847,7 @@
           <a:p>
             <a:fld id="{B9D14AC3-431A-47E8-842F-ED47F6F75548}" type="datetimeFigureOut">
               <a:rPr lang="en-US" smtClean="0"/>
-              <a:t>5/5/2019</a:t>
+              <a:t>5/6/2019</a:t>
             </a:fld>
             <a:endParaRPr lang="en-US"/>
           </a:p>
@@ -4126,7 +4128,7 @@
           <a:p>
             <a:fld id="{B9D14AC3-431A-47E8-842F-ED47F6F75548}" type="datetimeFigureOut">
               <a:rPr lang="en-US" smtClean="0"/>
-              <a:t>5/5/2019</a:t>
+              <a:t>5/6/2019</a:t>
             </a:fld>
             <a:endParaRPr lang="en-US"/>
           </a:p>
@@ -4911,7 +4913,7 @@
           <p:cNvPr id="2" name="Title 1">
             <a:extLst>
               <a:ext uri="{FF2B5EF4-FFF2-40B4-BE49-F238E27FC236}">
-                <a16:creationId xmlns="" xmlns:a16="http://schemas.microsoft.com/office/drawing/2014/main" id="{159757B6-80F7-4930-B530-65D40C6AAA2B}"/>
+                <a16:creationId xmlns:a16="http://schemas.microsoft.com/office/drawing/2014/main" xmlns="" id="{159757B6-80F7-4930-B530-65D40C6AAA2B}"/>
               </a:ext>
             </a:extLst>
           </p:cNvPr>
@@ -4967,7 +4969,7 @@
           <p:cNvPr id="3" name="Content Placeholder 2">
             <a:extLst>
               <a:ext uri="{FF2B5EF4-FFF2-40B4-BE49-F238E27FC236}">
-                <a16:creationId xmlns="" xmlns:a16="http://schemas.microsoft.com/office/drawing/2014/main" id="{9FE13484-3844-4DDF-BFBA-ACA0E64B2915}"/>
+                <a16:creationId xmlns:a16="http://schemas.microsoft.com/office/drawing/2014/main" xmlns="" id="{9FE13484-3844-4DDF-BFBA-ACA0E64B2915}"/>
               </a:ext>
             </a:extLst>
           </p:cNvPr>
@@ -5004,7 +5006,7 @@
           <p:cNvPr id="7" name="Picture 6">
             <a:extLst>
               <a:ext uri="{FF2B5EF4-FFF2-40B4-BE49-F238E27FC236}">
-                <a16:creationId xmlns="" xmlns:a16="http://schemas.microsoft.com/office/drawing/2014/main" id="{32CA38FA-0E90-4306-B5D0-3CEA1A7E35E2}"/>
+                <a16:creationId xmlns:a16="http://schemas.microsoft.com/office/drawing/2014/main" xmlns="" id="{32CA38FA-0E90-4306-B5D0-3CEA1A7E35E2}"/>
               </a:ext>
             </a:extLst>
           </p:cNvPr>
@@ -5077,7 +5079,7 @@
           <p:cNvPr id="2" name="Title 1">
             <a:extLst>
               <a:ext uri="{FF2B5EF4-FFF2-40B4-BE49-F238E27FC236}">
-                <a16:creationId xmlns="" xmlns:a16="http://schemas.microsoft.com/office/drawing/2014/main" id="{4E8E46E2-4366-4F67-9FB5-B507999C18F7}"/>
+                <a16:creationId xmlns:a16="http://schemas.microsoft.com/office/drawing/2014/main" xmlns="" id="{4E8E46E2-4366-4F67-9FB5-B507999C18F7}"/>
               </a:ext>
             </a:extLst>
           </p:cNvPr>
@@ -5138,7 +5140,7 @@
           <p:cNvPr id="3" name="Content Placeholder 2">
             <a:extLst>
               <a:ext uri="{FF2B5EF4-FFF2-40B4-BE49-F238E27FC236}">
-                <a16:creationId xmlns="" xmlns:a16="http://schemas.microsoft.com/office/drawing/2014/main" id="{46E11EF3-FB91-4D8A-A344-658BC8C1B939}"/>
+                <a16:creationId xmlns:a16="http://schemas.microsoft.com/office/drawing/2014/main" xmlns="" id="{46E11EF3-FB91-4D8A-A344-658BC8C1B939}"/>
               </a:ext>
             </a:extLst>
           </p:cNvPr>
@@ -5251,7 +5253,7 @@
           <p:cNvPr id="6" name="Picture 5">
             <a:extLst>
               <a:ext uri="{FF2B5EF4-FFF2-40B4-BE49-F238E27FC236}">
-                <a16:creationId xmlns="" xmlns:a16="http://schemas.microsoft.com/office/drawing/2014/main" id="{F59A1450-D806-40BA-9C89-7BEEFEABC899}"/>
+                <a16:creationId xmlns:a16="http://schemas.microsoft.com/office/drawing/2014/main" xmlns="" id="{F59A1450-D806-40BA-9C89-7BEEFEABC899}"/>
               </a:ext>
             </a:extLst>
           </p:cNvPr>
@@ -5287,7 +5289,7 @@
           <p:cNvPr id="8" name="Picture 7">
             <a:extLst>
               <a:ext uri="{FF2B5EF4-FFF2-40B4-BE49-F238E27FC236}">
-                <a16:creationId xmlns="" xmlns:a16="http://schemas.microsoft.com/office/drawing/2014/main" id="{2FBC3649-8EBE-4700-8648-D4EF97496A69}"/>
+                <a16:creationId xmlns:a16="http://schemas.microsoft.com/office/drawing/2014/main" xmlns="" id="{2FBC3649-8EBE-4700-8648-D4EF97496A69}"/>
               </a:ext>
             </a:extLst>
           </p:cNvPr>
@@ -5323,7 +5325,7 @@
           <p:cNvPr id="10" name="Picture 9">
             <a:extLst>
               <a:ext uri="{FF2B5EF4-FFF2-40B4-BE49-F238E27FC236}">
-                <a16:creationId xmlns="" xmlns:a16="http://schemas.microsoft.com/office/drawing/2014/main" id="{4D880A05-5F58-45B1-884D-75824689D61B}"/>
+                <a16:creationId xmlns:a16="http://schemas.microsoft.com/office/drawing/2014/main" xmlns="" id="{4D880A05-5F58-45B1-884D-75824689D61B}"/>
               </a:ext>
             </a:extLst>
           </p:cNvPr>
@@ -5396,7 +5398,7 @@
           <p:cNvPr id="2" name="Title 1">
             <a:extLst>
               <a:ext uri="{FF2B5EF4-FFF2-40B4-BE49-F238E27FC236}">
-                <a16:creationId xmlns="" xmlns:a16="http://schemas.microsoft.com/office/drawing/2014/main" id="{DC9D6F5E-CEDA-4DBA-9EFF-9DA5BC48DE19}"/>
+                <a16:creationId xmlns:a16="http://schemas.microsoft.com/office/drawing/2014/main" xmlns="" id="{DC9D6F5E-CEDA-4DBA-9EFF-9DA5BC48DE19}"/>
               </a:ext>
             </a:extLst>
           </p:cNvPr>
@@ -5427,7 +5429,7 @@
           <p:cNvPr id="5" name="Content Placeholder 4">
             <a:extLst>
               <a:ext uri="{FF2B5EF4-FFF2-40B4-BE49-F238E27FC236}">
-                <a16:creationId xmlns="" xmlns:a16="http://schemas.microsoft.com/office/drawing/2014/main" id="{F8018F80-C482-4162-87F4-3B4430AD1259}"/>
+                <a16:creationId xmlns:a16="http://schemas.microsoft.com/office/drawing/2014/main" xmlns="" id="{F8018F80-C482-4162-87F4-3B4430AD1259}"/>
               </a:ext>
             </a:extLst>
           </p:cNvPr>
@@ -5499,7 +5501,7 @@
           <p:cNvPr id="2" name="Title 1">
             <a:extLst>
               <a:ext uri="{FF2B5EF4-FFF2-40B4-BE49-F238E27FC236}">
-                <a16:creationId xmlns="" xmlns:a16="http://schemas.microsoft.com/office/drawing/2014/main" id="{F845B438-718D-41FE-B912-05184CC77809}"/>
+                <a16:creationId xmlns:a16="http://schemas.microsoft.com/office/drawing/2014/main" xmlns="" id="{F845B438-718D-41FE-B912-05184CC77809}"/>
               </a:ext>
             </a:extLst>
           </p:cNvPr>
@@ -5531,7 +5533,7 @@
           <p:cNvPr id="9" name="Content Placeholder 8">
             <a:extLst>
               <a:ext uri="{FF2B5EF4-FFF2-40B4-BE49-F238E27FC236}">
-                <a16:creationId xmlns="" xmlns:a16="http://schemas.microsoft.com/office/drawing/2014/main" id="{8507FAD8-5825-4E9B-9A1E-1CA1B811EA31}"/>
+                <a16:creationId xmlns:a16="http://schemas.microsoft.com/office/drawing/2014/main" xmlns="" id="{8507FAD8-5825-4E9B-9A1E-1CA1B811EA31}"/>
               </a:ext>
             </a:extLst>
           </p:cNvPr>
@@ -5603,7 +5605,7 @@
           <p:cNvPr id="2" name="Title 1">
             <a:extLst>
               <a:ext uri="{FF2B5EF4-FFF2-40B4-BE49-F238E27FC236}">
-                <a16:creationId xmlns="" xmlns:a16="http://schemas.microsoft.com/office/drawing/2014/main" id="{F01218AF-13C4-4051-85A0-83603087B36F}"/>
+                <a16:creationId xmlns:a16="http://schemas.microsoft.com/office/drawing/2014/main" xmlns="" id="{F01218AF-13C4-4051-85A0-83603087B36F}"/>
               </a:ext>
             </a:extLst>
           </p:cNvPr>
@@ -5635,7 +5637,7 @@
           <p:cNvPr id="5" name="Content Placeholder 4">
             <a:extLst>
               <a:ext uri="{FF2B5EF4-FFF2-40B4-BE49-F238E27FC236}">
-                <a16:creationId xmlns="" xmlns:a16="http://schemas.microsoft.com/office/drawing/2014/main" id="{FE9916FD-A799-44E9-BAD6-1DFD73799C40}"/>
+                <a16:creationId xmlns:a16="http://schemas.microsoft.com/office/drawing/2014/main" xmlns="" id="{FE9916FD-A799-44E9-BAD6-1DFD73799C40}"/>
               </a:ext>
             </a:extLst>
           </p:cNvPr>
@@ -5707,7 +5709,7 @@
           <p:cNvPr id="2" name="Title 1">
             <a:extLst>
               <a:ext uri="{FF2B5EF4-FFF2-40B4-BE49-F238E27FC236}">
-                <a16:creationId xmlns="" xmlns:a16="http://schemas.microsoft.com/office/drawing/2014/main" id="{52A6AD8F-1162-4FDC-826E-3BA1AE268313}"/>
+                <a16:creationId xmlns:a16="http://schemas.microsoft.com/office/drawing/2014/main" xmlns="" id="{52A6AD8F-1162-4FDC-826E-3BA1AE268313}"/>
               </a:ext>
             </a:extLst>
           </p:cNvPr>
@@ -5739,7 +5741,7 @@
           <p:cNvPr id="5" name="Content Placeholder 4">
             <a:extLst>
               <a:ext uri="{FF2B5EF4-FFF2-40B4-BE49-F238E27FC236}">
-                <a16:creationId xmlns="" xmlns:a16="http://schemas.microsoft.com/office/drawing/2014/main" id="{4B8EA503-F633-408F-8510-C3647B74DB94}"/>
+                <a16:creationId xmlns:a16="http://schemas.microsoft.com/office/drawing/2014/main" xmlns="" id="{4B8EA503-F633-408F-8510-C3647B74DB94}"/>
               </a:ext>
             </a:extLst>
           </p:cNvPr>
@@ -5811,7 +5813,7 @@
           <p:cNvPr id="2" name="Title 1">
             <a:extLst>
               <a:ext uri="{FF2B5EF4-FFF2-40B4-BE49-F238E27FC236}">
-                <a16:creationId xmlns="" xmlns:a16="http://schemas.microsoft.com/office/drawing/2014/main" id="{580B15AB-F4F5-4A39-95A2-B3AA882DDF2E}"/>
+                <a16:creationId xmlns:a16="http://schemas.microsoft.com/office/drawing/2014/main" xmlns="" id="{580B15AB-F4F5-4A39-95A2-B3AA882DDF2E}"/>
               </a:ext>
             </a:extLst>
           </p:cNvPr>
@@ -5843,7 +5845,7 @@
           <p:cNvPr id="5" name="Content Placeholder 4">
             <a:extLst>
               <a:ext uri="{FF2B5EF4-FFF2-40B4-BE49-F238E27FC236}">
-                <a16:creationId xmlns="" xmlns:a16="http://schemas.microsoft.com/office/drawing/2014/main" id="{F15A6060-9471-4A92-8F0F-2C7CAFB291C5}"/>
+                <a16:creationId xmlns:a16="http://schemas.microsoft.com/office/drawing/2014/main" xmlns="" id="{F15A6060-9471-4A92-8F0F-2C7CAFB291C5}"/>
               </a:ext>
             </a:extLst>
           </p:cNvPr>
@@ -8732,7 +8734,7 @@
           <p:cNvPr id="2" name="Title 1">
             <a:extLst>
               <a:ext uri="{FF2B5EF4-FFF2-40B4-BE49-F238E27FC236}">
-                <a16:creationId xmlns="" xmlns:a16="http://schemas.microsoft.com/office/drawing/2014/main" id="{468494B9-63FD-435A-AFA6-53E2454B48B6}"/>
+                <a16:creationId xmlns:a16="http://schemas.microsoft.com/office/drawing/2014/main" xmlns="" id="{468494B9-63FD-435A-AFA6-53E2454B48B6}"/>
               </a:ext>
             </a:extLst>
           </p:cNvPr>
@@ -8788,7 +8790,7 @@
           <p:cNvPr id="3" name="Content Placeholder 2">
             <a:extLst>
               <a:ext uri="{FF2B5EF4-FFF2-40B4-BE49-F238E27FC236}">
-                <a16:creationId xmlns="" xmlns:a16="http://schemas.microsoft.com/office/drawing/2014/main" id="{B695AC8C-CF3A-4D2C-AF0D-DB5C38E01702}"/>
+                <a16:creationId xmlns:a16="http://schemas.microsoft.com/office/drawing/2014/main" xmlns="" id="{B695AC8C-CF3A-4D2C-AF0D-DB5C38E01702}"/>
               </a:ext>
             </a:extLst>
           </p:cNvPr>
@@ -13118,6 +13120,377 @@
     <p:extLst>
       <p:ext uri="{BB962C8B-B14F-4D97-AF65-F5344CB8AC3E}">
         <p14:creationId xmlns:p14="http://schemas.microsoft.com/office/powerpoint/2010/main" val="263630017"/>
+      </p:ext>
+    </p:extLst>
+  </p:cSld>
+  <p:clrMapOvr>
+    <a:masterClrMapping/>
+  </p:clrMapOvr>
+</p:sld>
+</file>
+
+<file path=ppt/slides/slide45.xml><?xml version="1.0" encoding="utf-8"?>
+<p:sld xmlns:a="http://schemas.openxmlformats.org/drawingml/2006/main" xmlns:r="http://schemas.openxmlformats.org/officeDocument/2006/relationships" xmlns:p="http://schemas.openxmlformats.org/presentationml/2006/main">
+  <p:cSld>
+    <p:spTree>
+      <p:nvGrpSpPr>
+        <p:cNvPr id="1" name=""/>
+        <p:cNvGrpSpPr/>
+        <p:nvPr/>
+      </p:nvGrpSpPr>
+      <p:grpSpPr>
+        <a:xfrm>
+          <a:off x="0" y="0"/>
+          <a:ext cx="0" cy="0"/>
+          <a:chOff x="0" y="0"/>
+          <a:chExt cx="0" cy="0"/>
+        </a:xfrm>
+      </p:grpSpPr>
+      <p:sp>
+        <p:nvSpPr>
+          <p:cNvPr id="2" name="Title 1"/>
+          <p:cNvSpPr>
+            <a:spLocks noGrp="1"/>
+          </p:cNvSpPr>
+          <p:nvPr>
+            <p:ph type="title"/>
+          </p:nvPr>
+        </p:nvSpPr>
+        <p:spPr/>
+        <p:txBody>
+          <a:bodyPr/>
+          <a:lstStyle/>
+          <a:p>
+            <a:r>
+              <a:rPr lang="nl-NL" dirty="0" err="1" smtClean="0">
+                <a:latin typeface="Times New Roman" panose="02020603050405020304" pitchFamily="18" charset="0"/>
+                <a:ea typeface="Tahoma" panose="020B0604030504040204" pitchFamily="34" charset="0"/>
+                <a:cs typeface="Times New Roman" panose="02020603050405020304" pitchFamily="18" charset="0"/>
+              </a:rPr>
+              <a:t>Angular</a:t>
+            </a:r>
+            <a:r>
+              <a:rPr lang="nl-NL" dirty="0" smtClean="0">
+                <a:latin typeface="Times New Roman" panose="02020603050405020304" pitchFamily="18" charset="0"/>
+                <a:ea typeface="Tahoma" panose="020B0604030504040204" pitchFamily="34" charset="0"/>
+                <a:cs typeface="Times New Roman" panose="02020603050405020304" pitchFamily="18" charset="0"/>
+              </a:rPr>
+              <a:t> form</a:t>
+            </a:r>
+            <a:endParaRPr lang="en-US" dirty="0">
+              <a:latin typeface="Times New Roman" panose="02020603050405020304" pitchFamily="18" charset="0"/>
+              <a:ea typeface="Tahoma" panose="020B0604030504040204" pitchFamily="34" charset="0"/>
+              <a:cs typeface="Times New Roman" panose="02020603050405020304" pitchFamily="18" charset="0"/>
+            </a:endParaRPr>
+          </a:p>
+        </p:txBody>
+      </p:sp>
+      <p:sp>
+        <p:nvSpPr>
+          <p:cNvPr id="3" name="Content Placeholder 2"/>
+          <p:cNvSpPr>
+            <a:spLocks noGrp="1"/>
+          </p:cNvSpPr>
+          <p:nvPr>
+            <p:ph idx="1"/>
+          </p:nvPr>
+        </p:nvSpPr>
+        <p:spPr/>
+        <p:txBody>
+          <a:bodyPr>
+            <a:normAutofit/>
+          </a:bodyPr>
+          <a:lstStyle/>
+          <a:p>
+            <a:r>
+              <a:rPr lang="nl-NL" sz="3000" dirty="0" err="1" smtClean="0">
+                <a:latin typeface="Times New Roman" panose="02020603050405020304" pitchFamily="18" charset="0"/>
+                <a:cs typeface="Times New Roman" panose="02020603050405020304" pitchFamily="18" charset="0"/>
+              </a:rPr>
+              <a:t>There</a:t>
+            </a:r>
+            <a:r>
+              <a:rPr lang="nl-NL" sz="3000" dirty="0" smtClean="0">
+                <a:latin typeface="Times New Roman" panose="02020603050405020304" pitchFamily="18" charset="0"/>
+                <a:cs typeface="Times New Roman" panose="02020603050405020304" pitchFamily="18" charset="0"/>
+              </a:rPr>
+              <a:t> is 2 way </a:t>
+            </a:r>
+            <a:r>
+              <a:rPr lang="nl-NL" sz="3000" dirty="0" err="1" smtClean="0">
+                <a:latin typeface="Times New Roman" panose="02020603050405020304" pitchFamily="18" charset="0"/>
+                <a:cs typeface="Times New Roman" panose="02020603050405020304" pitchFamily="18" charset="0"/>
+              </a:rPr>
+              <a:t>to</a:t>
+            </a:r>
+            <a:r>
+              <a:rPr lang="nl-NL" sz="3000" dirty="0" smtClean="0">
+                <a:latin typeface="Times New Roman" panose="02020603050405020304" pitchFamily="18" charset="0"/>
+                <a:cs typeface="Times New Roman" panose="02020603050405020304" pitchFamily="18" charset="0"/>
+              </a:rPr>
+              <a:t> </a:t>
+            </a:r>
+            <a:r>
+              <a:rPr lang="nl-NL" sz="3000" dirty="0" err="1" smtClean="0">
+                <a:latin typeface="Times New Roman" panose="02020603050405020304" pitchFamily="18" charset="0"/>
+                <a:cs typeface="Times New Roman" panose="02020603050405020304" pitchFamily="18" charset="0"/>
+              </a:rPr>
+              <a:t>build</a:t>
+            </a:r>
+            <a:r>
+              <a:rPr lang="nl-NL" sz="3000" dirty="0" smtClean="0">
+                <a:latin typeface="Times New Roman" panose="02020603050405020304" pitchFamily="18" charset="0"/>
+                <a:cs typeface="Times New Roman" panose="02020603050405020304" pitchFamily="18" charset="0"/>
+              </a:rPr>
+              <a:t> form in </a:t>
+            </a:r>
+            <a:r>
+              <a:rPr lang="nl-NL" sz="3000" dirty="0" err="1" smtClean="0">
+                <a:latin typeface="Times New Roman" panose="02020603050405020304" pitchFamily="18" charset="0"/>
+                <a:cs typeface="Times New Roman" panose="02020603050405020304" pitchFamily="18" charset="0"/>
+              </a:rPr>
+              <a:t>angular</a:t>
+            </a:r>
+            <a:endParaRPr lang="nl-NL" sz="3000" dirty="0" smtClean="0">
+              <a:latin typeface="Times New Roman" panose="02020603050405020304" pitchFamily="18" charset="0"/>
+              <a:cs typeface="Times New Roman" panose="02020603050405020304" pitchFamily="18" charset="0"/>
+            </a:endParaRPr>
+          </a:p>
+          <a:p>
+            <a:pPr marL="457200" indent="-457200">
+              <a:buFont typeface="+mj-lt"/>
+              <a:buAutoNum type="arabicPeriod"/>
+            </a:pPr>
+            <a:r>
+              <a:rPr lang="nl-NL" sz="3000" dirty="0" smtClean="0">
+                <a:latin typeface="Times New Roman" panose="02020603050405020304" pitchFamily="18" charset="0"/>
+                <a:cs typeface="Times New Roman" panose="02020603050405020304" pitchFamily="18" charset="0"/>
+              </a:rPr>
+              <a:t>Template </a:t>
+            </a:r>
+            <a:r>
+              <a:rPr lang="nl-NL" sz="3000" dirty="0" err="1" smtClean="0">
+                <a:latin typeface="Times New Roman" panose="02020603050405020304" pitchFamily="18" charset="0"/>
+                <a:cs typeface="Times New Roman" panose="02020603050405020304" pitchFamily="18" charset="0"/>
+              </a:rPr>
+              <a:t>driven</a:t>
+            </a:r>
+            <a:r>
+              <a:rPr lang="nl-NL" sz="3000" dirty="0" smtClean="0">
+                <a:latin typeface="Times New Roman" panose="02020603050405020304" pitchFamily="18" charset="0"/>
+                <a:cs typeface="Times New Roman" panose="02020603050405020304" pitchFamily="18" charset="0"/>
+              </a:rPr>
+              <a:t> </a:t>
+            </a:r>
+            <a:r>
+              <a:rPr lang="nl-NL" sz="3000" dirty="0" err="1" smtClean="0">
+                <a:latin typeface="Times New Roman" panose="02020603050405020304" pitchFamily="18" charset="0"/>
+                <a:cs typeface="Times New Roman" panose="02020603050405020304" pitchFamily="18" charset="0"/>
+              </a:rPr>
+              <a:t>forms</a:t>
+            </a:r>
+            <a:r>
+              <a:rPr lang="nl-NL" sz="3000" dirty="0" smtClean="0">
+                <a:latin typeface="Times New Roman" panose="02020603050405020304" pitchFamily="18" charset="0"/>
+                <a:cs typeface="Times New Roman" panose="02020603050405020304" pitchFamily="18" charset="0"/>
+              </a:rPr>
+              <a:t> </a:t>
+            </a:r>
+            <a:r>
+              <a:rPr lang="nl-NL" sz="3000" dirty="0" err="1" smtClean="0">
+                <a:latin typeface="Times New Roman" panose="02020603050405020304" pitchFamily="18" charset="0"/>
+                <a:cs typeface="Times New Roman" panose="02020603050405020304" pitchFamily="18" charset="0"/>
+              </a:rPr>
+              <a:t>using</a:t>
+            </a:r>
+            <a:r>
+              <a:rPr lang="nl-NL" sz="3000" dirty="0" smtClean="0">
+                <a:latin typeface="Times New Roman" panose="02020603050405020304" pitchFamily="18" charset="0"/>
+                <a:cs typeface="Times New Roman" panose="02020603050405020304" pitchFamily="18" charset="0"/>
+              </a:rPr>
+              <a:t> </a:t>
+            </a:r>
+            <a:r>
+              <a:rPr lang="en-US" sz="3000" dirty="0" err="1">
+                <a:latin typeface="Times New Roman" panose="02020603050405020304" pitchFamily="18" charset="0"/>
+                <a:cs typeface="Times New Roman" panose="02020603050405020304" pitchFamily="18" charset="0"/>
+              </a:rPr>
+              <a:t>FormsModule</a:t>
+            </a:r>
+            <a:endParaRPr lang="en-US" sz="3000" dirty="0">
+              <a:latin typeface="Times New Roman" panose="02020603050405020304" pitchFamily="18" charset="0"/>
+              <a:cs typeface="Times New Roman" panose="02020603050405020304" pitchFamily="18" charset="0"/>
+            </a:endParaRPr>
+          </a:p>
+          <a:p>
+            <a:pPr marL="457200" indent="-457200">
+              <a:buFont typeface="+mj-lt"/>
+              <a:buAutoNum type="arabicPeriod"/>
+            </a:pPr>
+            <a:r>
+              <a:rPr lang="en-US" sz="3000" dirty="0">
+                <a:latin typeface="Times New Roman" panose="02020603050405020304" pitchFamily="18" charset="0"/>
+                <a:cs typeface="Times New Roman" panose="02020603050405020304" pitchFamily="18" charset="0"/>
+              </a:rPr>
+              <a:t>Reactive </a:t>
+            </a:r>
+            <a:r>
+              <a:rPr lang="en-US" sz="3000" dirty="0" smtClean="0">
+                <a:latin typeface="Times New Roman" panose="02020603050405020304" pitchFamily="18" charset="0"/>
+                <a:cs typeface="Times New Roman" panose="02020603050405020304" pitchFamily="18" charset="0"/>
+              </a:rPr>
+              <a:t>forms using  </a:t>
+            </a:r>
+            <a:r>
+              <a:rPr lang="en-US" sz="3000" dirty="0" err="1">
+                <a:latin typeface="Times New Roman" panose="02020603050405020304" pitchFamily="18" charset="0"/>
+                <a:cs typeface="Times New Roman" panose="02020603050405020304" pitchFamily="18" charset="0"/>
+              </a:rPr>
+              <a:t>ReactiveFormsModule</a:t>
+            </a:r>
+            <a:endParaRPr lang="en-US" sz="3000" dirty="0">
+              <a:latin typeface="Times New Roman" panose="02020603050405020304" pitchFamily="18" charset="0"/>
+              <a:cs typeface="Times New Roman" panose="02020603050405020304" pitchFamily="18" charset="0"/>
+            </a:endParaRPr>
+          </a:p>
+          <a:p>
+            <a:pPr marL="0" indent="0">
+              <a:buNone/>
+            </a:pPr>
+            <a:r>
+              <a:rPr lang="en-US" sz="3000" dirty="0">
+                <a:latin typeface="Times New Roman" panose="02020603050405020304" pitchFamily="18" charset="0"/>
+                <a:cs typeface="Times New Roman" panose="02020603050405020304" pitchFamily="18" charset="0"/>
+              </a:rPr>
+              <a:t/>
+            </a:r>
+            <a:br>
+              <a:rPr lang="en-US" sz="3000" dirty="0">
+                <a:latin typeface="Times New Roman" panose="02020603050405020304" pitchFamily="18" charset="0"/>
+                <a:cs typeface="Times New Roman" panose="02020603050405020304" pitchFamily="18" charset="0"/>
+              </a:rPr>
+            </a:br>
+            <a:endParaRPr lang="en-US" sz="3000" dirty="0">
+              <a:latin typeface="Times New Roman" panose="02020603050405020304" pitchFamily="18" charset="0"/>
+              <a:cs typeface="Times New Roman" panose="02020603050405020304" pitchFamily="18" charset="0"/>
+            </a:endParaRPr>
+          </a:p>
+          <a:p>
+            <a:endParaRPr lang="en-US" sz="3000" dirty="0">
+              <a:latin typeface="Times New Roman" panose="02020603050405020304" pitchFamily="18" charset="0"/>
+              <a:cs typeface="Times New Roman" panose="02020603050405020304" pitchFamily="18" charset="0"/>
+            </a:endParaRPr>
+          </a:p>
+        </p:txBody>
+      </p:sp>
+    </p:spTree>
+    <p:extLst>
+      <p:ext uri="{BB962C8B-B14F-4D97-AF65-F5344CB8AC3E}">
+        <p14:creationId xmlns:p14="http://schemas.microsoft.com/office/powerpoint/2010/main" val="2805896166"/>
+      </p:ext>
+    </p:extLst>
+  </p:cSld>
+  <p:clrMapOvr>
+    <a:masterClrMapping/>
+  </p:clrMapOvr>
+</p:sld>
+</file>
+
+<file path=ppt/slides/slide46.xml><?xml version="1.0" encoding="utf-8"?>
+<p:sld xmlns:a="http://schemas.openxmlformats.org/drawingml/2006/main" xmlns:r="http://schemas.openxmlformats.org/officeDocument/2006/relationships" xmlns:p="http://schemas.openxmlformats.org/presentationml/2006/main">
+  <p:cSld>
+    <p:spTree>
+      <p:nvGrpSpPr>
+        <p:cNvPr id="1" name=""/>
+        <p:cNvGrpSpPr/>
+        <p:nvPr/>
+      </p:nvGrpSpPr>
+      <p:grpSpPr>
+        <a:xfrm>
+          <a:off x="0" y="0"/>
+          <a:ext cx="0" cy="0"/>
+          <a:chOff x="0" y="0"/>
+          <a:chExt cx="0" cy="0"/>
+        </a:xfrm>
+      </p:grpSpPr>
+      <p:sp>
+        <p:nvSpPr>
+          <p:cNvPr id="2" name="Title 1"/>
+          <p:cNvSpPr>
+            <a:spLocks noGrp="1"/>
+          </p:cNvSpPr>
+          <p:nvPr>
+            <p:ph type="title"/>
+          </p:nvPr>
+        </p:nvSpPr>
+        <p:spPr/>
+        <p:txBody>
+          <a:bodyPr>
+            <a:normAutofit/>
+          </a:bodyPr>
+          <a:lstStyle/>
+          <a:p>
+            <a:r>
+              <a:rPr lang="en-US" dirty="0" smtClean="0">
+                <a:latin typeface="Times New Roman" panose="02020603050405020304" pitchFamily="18" charset="0"/>
+                <a:cs typeface="Times New Roman" panose="02020603050405020304" pitchFamily="18" charset="0"/>
+              </a:rPr>
+              <a:t>Compare</a:t>
+            </a:r>
+            <a:endParaRPr lang="en-US" dirty="0">
+              <a:latin typeface="Times New Roman" panose="02020603050405020304" pitchFamily="18" charset="0"/>
+              <a:cs typeface="Times New Roman" panose="02020603050405020304" pitchFamily="18" charset="0"/>
+            </a:endParaRPr>
+          </a:p>
+        </p:txBody>
+      </p:sp>
+      <p:pic>
+        <p:nvPicPr>
+          <p:cNvPr id="1026" name="Picture 2" descr="enter image description here"/>
+          <p:cNvPicPr>
+            <a:picLocks noGrp="1" noChangeAspect="1" noChangeArrowheads="1"/>
+          </p:cNvPicPr>
+          <p:nvPr>
+            <p:ph idx="1"/>
+          </p:nvPr>
+        </p:nvPicPr>
+        <p:blipFill>
+          <a:blip r:embed="rId2">
+            <a:extLst>
+              <a:ext uri="{28A0092B-C50C-407E-A947-70E740481C1C}">
+                <a14:useLocalDpi xmlns:a14="http://schemas.microsoft.com/office/drawing/2010/main" val="0"/>
+              </a:ext>
+            </a:extLst>
+          </a:blip>
+          <a:srcRect/>
+          <a:stretch>
+            <a:fillRect/>
+          </a:stretch>
+        </p:blipFill>
+        <p:spPr bwMode="auto">
+          <a:xfrm>
+            <a:off x="1069848" y="2190348"/>
+            <a:ext cx="10058400" cy="4051300"/>
+          </a:xfrm>
+          <a:prstGeom prst="rect">
+            <a:avLst/>
+          </a:prstGeom>
+          <a:noFill/>
+          <a:extLst>
+            <a:ext uri="{909E8E84-426E-40DD-AFC4-6F175D3DCCD1}">
+              <a14:hiddenFill xmlns:a14="http://schemas.microsoft.com/office/drawing/2010/main">
+                <a:solidFill>
+                  <a:srgbClr val="FFFFFF"/>
+                </a:solidFill>
+              </a14:hiddenFill>
+            </a:ext>
+          </a:extLst>
+        </p:spPr>
+      </p:pic>
+    </p:spTree>
+    <p:extLst>
+      <p:ext uri="{BB962C8B-B14F-4D97-AF65-F5344CB8AC3E}">
+        <p14:creationId xmlns:p14="http://schemas.microsoft.com/office/powerpoint/2010/main" val="1836133650"/>
       </p:ext>
     </p:extLst>
   </p:cSld>

--- a/Angular Workshop/Angular Workshop.pptx
+++ b/Angular Workshop/Angular Workshop.pptx
@@ -5,7 +5,7 @@
     <p:sldMasterId id="2147483790" r:id="rId1"/>
   </p:sldMasterIdLst>
   <p:notesMasterIdLst>
-    <p:notesMasterId r:id="rId48"/>
+    <p:notesMasterId r:id="rId49"/>
   </p:notesMasterIdLst>
   <p:sldIdLst>
     <p:sldId id="256" r:id="rId2"/>
@@ -54,6 +54,7 @@
     <p:sldId id="299" r:id="rId45"/>
     <p:sldId id="300" r:id="rId46"/>
     <p:sldId id="301" r:id="rId47"/>
+    <p:sldId id="302" r:id="rId48"/>
   </p:sldIdLst>
   <p:sldSz cx="12192000" cy="6858000"/>
   <p:notesSz cx="6858000" cy="9144000"/>
@@ -242,7 +243,7 @@
           <a:p>
             <a:fld id="{6A8D9F0F-2837-48EC-B86C-7389FCD155D0}" type="datetimeFigureOut">
               <a:rPr lang="en-US" smtClean="0"/>
-              <a:t>5/6/2019</a:t>
+              <a:t>5/7/2019</a:t>
             </a:fld>
             <a:endParaRPr lang="en-US"/>
           </a:p>
@@ -728,7 +729,7 @@
           <a:lstStyle/>
           <a:p>
             <a:r>
-              <a:rPr lang="en-US" sz="1200" b="0" i="0" kern="1200" smtClean="0">
+              <a:rPr lang="en-US" sz="1200" b="0" i="0" kern="1200">
                 <a:solidFill>
                   <a:schemeClr val="tx1"/>
                 </a:solidFill>
@@ -1182,7 +1183,7 @@
           <a:p>
             <a:fld id="{B9D14AC3-431A-47E8-842F-ED47F6F75548}" type="datetimeFigureOut">
               <a:rPr lang="en-US" smtClean="0"/>
-              <a:t>5/6/2019</a:t>
+              <a:t>5/7/2019</a:t>
             </a:fld>
             <a:endParaRPr lang="en-US"/>
           </a:p>
@@ -1361,7 +1362,7 @@
           <a:p>
             <a:fld id="{B9D14AC3-431A-47E8-842F-ED47F6F75548}" type="datetimeFigureOut">
               <a:rPr lang="en-US" smtClean="0"/>
-              <a:t>5/6/2019</a:t>
+              <a:t>5/7/2019</a:t>
             </a:fld>
             <a:endParaRPr lang="en-US"/>
           </a:p>
@@ -1541,7 +1542,7 @@
           <a:p>
             <a:fld id="{B9D14AC3-431A-47E8-842F-ED47F6F75548}" type="datetimeFigureOut">
               <a:rPr lang="en-US" smtClean="0"/>
-              <a:t>5/6/2019</a:t>
+              <a:t>5/7/2019</a:t>
             </a:fld>
             <a:endParaRPr lang="en-US"/>
           </a:p>
@@ -1711,7 +1712,7 @@
           <a:p>
             <a:fld id="{B9D14AC3-431A-47E8-842F-ED47F6F75548}" type="datetimeFigureOut">
               <a:rPr lang="en-US" smtClean="0"/>
-              <a:t>5/6/2019</a:t>
+              <a:t>5/7/2019</a:t>
             </a:fld>
             <a:endParaRPr lang="en-US"/>
           </a:p>
@@ -2024,7 +2025,7 @@
           <a:p>
             <a:fld id="{B9D14AC3-431A-47E8-842F-ED47F6F75548}" type="datetimeFigureOut">
               <a:rPr lang="en-US" smtClean="0"/>
-              <a:t>5/6/2019</a:t>
+              <a:t>5/7/2019</a:t>
             </a:fld>
             <a:endParaRPr lang="en-US"/>
           </a:p>
@@ -2410,7 +2411,7 @@
           <a:p>
             <a:fld id="{B9D14AC3-431A-47E8-842F-ED47F6F75548}" type="datetimeFigureOut">
               <a:rPr lang="en-US" smtClean="0"/>
-              <a:t>5/6/2019</a:t>
+              <a:t>5/7/2019</a:t>
             </a:fld>
             <a:endParaRPr lang="en-US"/>
           </a:p>
@@ -2849,7 +2850,7 @@
           <a:p>
             <a:fld id="{B9D14AC3-431A-47E8-842F-ED47F6F75548}" type="datetimeFigureOut">
               <a:rPr lang="en-US" smtClean="0"/>
-              <a:t>5/6/2019</a:t>
+              <a:t>5/7/2019</a:t>
             </a:fld>
             <a:endParaRPr lang="en-US"/>
           </a:p>
@@ -2972,7 +2973,7 @@
           <a:p>
             <a:fld id="{B9D14AC3-431A-47E8-842F-ED47F6F75548}" type="datetimeFigureOut">
               <a:rPr lang="en-US" smtClean="0"/>
-              <a:t>5/6/2019</a:t>
+              <a:t>5/7/2019</a:t>
             </a:fld>
             <a:endParaRPr lang="en-US"/>
           </a:p>
@@ -3067,7 +3068,7 @@
           <a:p>
             <a:fld id="{B9D14AC3-431A-47E8-842F-ED47F6F75548}" type="datetimeFigureOut">
               <a:rPr lang="en-US" smtClean="0"/>
-              <a:t>5/6/2019</a:t>
+              <a:t>5/7/2019</a:t>
             </a:fld>
             <a:endParaRPr lang="en-US"/>
           </a:p>
@@ -3417,7 +3418,7 @@
           <a:p>
             <a:fld id="{B9D14AC3-431A-47E8-842F-ED47F6F75548}" type="datetimeFigureOut">
               <a:rPr lang="en-US" smtClean="0"/>
-              <a:t>5/6/2019</a:t>
+              <a:t>5/7/2019</a:t>
             </a:fld>
             <a:endParaRPr lang="en-US"/>
           </a:p>
@@ -3847,7 +3848,7 @@
           <a:p>
             <a:fld id="{B9D14AC3-431A-47E8-842F-ED47F6F75548}" type="datetimeFigureOut">
               <a:rPr lang="en-US" smtClean="0"/>
-              <a:t>5/6/2019</a:t>
+              <a:t>5/7/2019</a:t>
             </a:fld>
             <a:endParaRPr lang="en-US"/>
           </a:p>
@@ -4128,7 +4129,7 @@
           <a:p>
             <a:fld id="{B9D14AC3-431A-47E8-842F-ED47F6F75548}" type="datetimeFigureOut">
               <a:rPr lang="en-US" smtClean="0"/>
-              <a:t>5/6/2019</a:t>
+              <a:t>5/7/2019</a:t>
             </a:fld>
             <a:endParaRPr lang="en-US"/>
           </a:p>
@@ -4725,10 +4726,6 @@
           <a:lstStyle/>
           <a:p>
             <a:pPr algn="ctr"/>
-            <a:r>
-              <a:rPr lang="en-US" b="1" dirty="0"/>
-              <a:t/>
-            </a:r>
             <a:br>
               <a:rPr lang="en-US" b="1" dirty="0"/>
             </a:br>
@@ -4796,13 +4793,6 @@
   <p:clrMapOvr>
     <a:masterClrMapping/>
   </p:clrMapOvr>
-  <p:timing>
-    <p:tnLst>
-      <p:par>
-        <p:cTn id="1" dur="indefinite" restart="never" nodeType="tmRoot"/>
-      </p:par>
-    </p:tnLst>
-  </p:timing>
 </p:sld>
 </file>
 
@@ -4881,13 +4871,6 @@
   <p:clrMapOvr>
     <a:masterClrMapping/>
   </p:clrMapOvr>
-  <p:timing>
-    <p:tnLst>
-      <p:par>
-        <p:cTn id="1" dur="indefinite" restart="never" nodeType="tmRoot"/>
-      </p:par>
-    </p:tnLst>
-  </p:timing>
 </p:sld>
 </file>
 
@@ -4913,7 +4896,7 @@
           <p:cNvPr id="2" name="Title 1">
             <a:extLst>
               <a:ext uri="{FF2B5EF4-FFF2-40B4-BE49-F238E27FC236}">
-                <a16:creationId xmlns:a16="http://schemas.microsoft.com/office/drawing/2014/main" xmlns="" id="{159757B6-80F7-4930-B530-65D40C6AAA2B}"/>
+                <a16:creationId xmlns:a16="http://schemas.microsoft.com/office/drawing/2014/main" id="{159757B6-80F7-4930-B530-65D40C6AAA2B}"/>
               </a:ext>
             </a:extLst>
           </p:cNvPr>
@@ -4931,13 +4914,6 @@
           </a:bodyPr>
           <a:lstStyle/>
           <a:p>
-            <a:r>
-              <a:rPr lang="en-US" dirty="0">
-                <a:latin typeface="Times New Roman" panose="02020603050405020304" pitchFamily="18" charset="0"/>
-                <a:cs typeface="Times New Roman" panose="02020603050405020304" pitchFamily="18" charset="0"/>
-              </a:rPr>
-              <a:t/>
-            </a:r>
             <a:br>
               <a:rPr lang="en-US" dirty="0">
                 <a:latin typeface="Times New Roman" panose="02020603050405020304" pitchFamily="18" charset="0"/>
@@ -4969,7 +4945,7 @@
           <p:cNvPr id="3" name="Content Placeholder 2">
             <a:extLst>
               <a:ext uri="{FF2B5EF4-FFF2-40B4-BE49-F238E27FC236}">
-                <a16:creationId xmlns:a16="http://schemas.microsoft.com/office/drawing/2014/main" xmlns="" id="{9FE13484-3844-4DDF-BFBA-ACA0E64B2915}"/>
+                <a16:creationId xmlns:a16="http://schemas.microsoft.com/office/drawing/2014/main" id="{9FE13484-3844-4DDF-BFBA-ACA0E64B2915}"/>
               </a:ext>
             </a:extLst>
           </p:cNvPr>
@@ -5006,7 +4982,7 @@
           <p:cNvPr id="7" name="Picture 6">
             <a:extLst>
               <a:ext uri="{FF2B5EF4-FFF2-40B4-BE49-F238E27FC236}">
-                <a16:creationId xmlns:a16="http://schemas.microsoft.com/office/drawing/2014/main" xmlns="" id="{32CA38FA-0E90-4306-B5D0-3CEA1A7E35E2}"/>
+                <a16:creationId xmlns:a16="http://schemas.microsoft.com/office/drawing/2014/main" id="{32CA38FA-0E90-4306-B5D0-3CEA1A7E35E2}"/>
               </a:ext>
             </a:extLst>
           </p:cNvPr>
@@ -5047,13 +5023,6 @@
   <p:clrMapOvr>
     <a:masterClrMapping/>
   </p:clrMapOvr>
-  <p:timing>
-    <p:tnLst>
-      <p:par>
-        <p:cTn id="1" dur="indefinite" restart="never" nodeType="tmRoot"/>
-      </p:par>
-    </p:tnLst>
-  </p:timing>
 </p:sld>
 </file>
 
@@ -5079,7 +5048,7 @@
           <p:cNvPr id="2" name="Title 1">
             <a:extLst>
               <a:ext uri="{FF2B5EF4-FFF2-40B4-BE49-F238E27FC236}">
-                <a16:creationId xmlns:a16="http://schemas.microsoft.com/office/drawing/2014/main" xmlns="" id="{4E8E46E2-4366-4F67-9FB5-B507999C18F7}"/>
+                <a16:creationId xmlns:a16="http://schemas.microsoft.com/office/drawing/2014/main" id="{4E8E46E2-4366-4F67-9FB5-B507999C18F7}"/>
               </a:ext>
             </a:extLst>
           </p:cNvPr>
@@ -5102,13 +5071,6 @@
           </a:bodyPr>
           <a:lstStyle/>
           <a:p>
-            <a:r>
-              <a:rPr lang="en-US" dirty="0">
-                <a:latin typeface="Times New Roman" panose="02020603050405020304" pitchFamily="18" charset="0"/>
-                <a:cs typeface="Times New Roman" panose="02020603050405020304" pitchFamily="18" charset="0"/>
-              </a:rPr>
-              <a:t/>
-            </a:r>
             <a:br>
               <a:rPr lang="en-US" dirty="0">
                 <a:latin typeface="Times New Roman" panose="02020603050405020304" pitchFamily="18" charset="0"/>
@@ -5140,7 +5102,7 @@
           <p:cNvPr id="3" name="Content Placeholder 2">
             <a:extLst>
               <a:ext uri="{FF2B5EF4-FFF2-40B4-BE49-F238E27FC236}">
-                <a16:creationId xmlns:a16="http://schemas.microsoft.com/office/drawing/2014/main" xmlns="" id="{46E11EF3-FB91-4D8A-A344-658BC8C1B939}"/>
+                <a16:creationId xmlns:a16="http://schemas.microsoft.com/office/drawing/2014/main" id="{46E11EF3-FB91-4D8A-A344-658BC8C1B939}"/>
               </a:ext>
             </a:extLst>
           </p:cNvPr>
@@ -5253,7 +5215,7 @@
           <p:cNvPr id="6" name="Picture 5">
             <a:extLst>
               <a:ext uri="{FF2B5EF4-FFF2-40B4-BE49-F238E27FC236}">
-                <a16:creationId xmlns:a16="http://schemas.microsoft.com/office/drawing/2014/main" xmlns="" id="{F59A1450-D806-40BA-9C89-7BEEFEABC899}"/>
+                <a16:creationId xmlns:a16="http://schemas.microsoft.com/office/drawing/2014/main" id="{F59A1450-D806-40BA-9C89-7BEEFEABC899}"/>
               </a:ext>
             </a:extLst>
           </p:cNvPr>
@@ -5289,7 +5251,7 @@
           <p:cNvPr id="8" name="Picture 7">
             <a:extLst>
               <a:ext uri="{FF2B5EF4-FFF2-40B4-BE49-F238E27FC236}">
-                <a16:creationId xmlns:a16="http://schemas.microsoft.com/office/drawing/2014/main" xmlns="" id="{2FBC3649-8EBE-4700-8648-D4EF97496A69}"/>
+                <a16:creationId xmlns:a16="http://schemas.microsoft.com/office/drawing/2014/main" id="{2FBC3649-8EBE-4700-8648-D4EF97496A69}"/>
               </a:ext>
             </a:extLst>
           </p:cNvPr>
@@ -5325,7 +5287,7 @@
           <p:cNvPr id="10" name="Picture 9">
             <a:extLst>
               <a:ext uri="{FF2B5EF4-FFF2-40B4-BE49-F238E27FC236}">
-                <a16:creationId xmlns:a16="http://schemas.microsoft.com/office/drawing/2014/main" xmlns="" id="{4D880A05-5F58-45B1-884D-75824689D61B}"/>
+                <a16:creationId xmlns:a16="http://schemas.microsoft.com/office/drawing/2014/main" id="{4D880A05-5F58-45B1-884D-75824689D61B}"/>
               </a:ext>
             </a:extLst>
           </p:cNvPr>
@@ -5366,13 +5328,6 @@
   <p:clrMapOvr>
     <a:masterClrMapping/>
   </p:clrMapOvr>
-  <p:timing>
-    <p:tnLst>
-      <p:par>
-        <p:cTn id="1" dur="indefinite" restart="never" nodeType="tmRoot"/>
-      </p:par>
-    </p:tnLst>
-  </p:timing>
 </p:sld>
 </file>
 
@@ -5398,7 +5353,7 @@
           <p:cNvPr id="2" name="Title 1">
             <a:extLst>
               <a:ext uri="{FF2B5EF4-FFF2-40B4-BE49-F238E27FC236}">
-                <a16:creationId xmlns:a16="http://schemas.microsoft.com/office/drawing/2014/main" xmlns="" id="{DC9D6F5E-CEDA-4DBA-9EFF-9DA5BC48DE19}"/>
+                <a16:creationId xmlns:a16="http://schemas.microsoft.com/office/drawing/2014/main" id="{DC9D6F5E-CEDA-4DBA-9EFF-9DA5BC48DE19}"/>
               </a:ext>
             </a:extLst>
           </p:cNvPr>
@@ -5429,7 +5384,7 @@
           <p:cNvPr id="5" name="Content Placeholder 4">
             <a:extLst>
               <a:ext uri="{FF2B5EF4-FFF2-40B4-BE49-F238E27FC236}">
-                <a16:creationId xmlns:a16="http://schemas.microsoft.com/office/drawing/2014/main" xmlns="" id="{F8018F80-C482-4162-87F4-3B4430AD1259}"/>
+                <a16:creationId xmlns:a16="http://schemas.microsoft.com/office/drawing/2014/main" id="{F8018F80-C482-4162-87F4-3B4430AD1259}"/>
               </a:ext>
             </a:extLst>
           </p:cNvPr>
@@ -5469,13 +5424,6 @@
   <p:clrMapOvr>
     <a:masterClrMapping/>
   </p:clrMapOvr>
-  <p:timing>
-    <p:tnLst>
-      <p:par>
-        <p:cTn id="1" dur="indefinite" restart="never" nodeType="tmRoot"/>
-      </p:par>
-    </p:tnLst>
-  </p:timing>
 </p:sld>
 </file>
 
@@ -5501,7 +5449,7 @@
           <p:cNvPr id="2" name="Title 1">
             <a:extLst>
               <a:ext uri="{FF2B5EF4-FFF2-40B4-BE49-F238E27FC236}">
-                <a16:creationId xmlns:a16="http://schemas.microsoft.com/office/drawing/2014/main" xmlns="" id="{F845B438-718D-41FE-B912-05184CC77809}"/>
+                <a16:creationId xmlns:a16="http://schemas.microsoft.com/office/drawing/2014/main" id="{F845B438-718D-41FE-B912-05184CC77809}"/>
               </a:ext>
             </a:extLst>
           </p:cNvPr>
@@ -5533,7 +5481,7 @@
           <p:cNvPr id="9" name="Content Placeholder 8">
             <a:extLst>
               <a:ext uri="{FF2B5EF4-FFF2-40B4-BE49-F238E27FC236}">
-                <a16:creationId xmlns:a16="http://schemas.microsoft.com/office/drawing/2014/main" xmlns="" id="{8507FAD8-5825-4E9B-9A1E-1CA1B811EA31}"/>
+                <a16:creationId xmlns:a16="http://schemas.microsoft.com/office/drawing/2014/main" id="{8507FAD8-5825-4E9B-9A1E-1CA1B811EA31}"/>
               </a:ext>
             </a:extLst>
           </p:cNvPr>
@@ -5573,13 +5521,6 @@
   <p:clrMapOvr>
     <a:masterClrMapping/>
   </p:clrMapOvr>
-  <p:timing>
-    <p:tnLst>
-      <p:par>
-        <p:cTn id="1" dur="indefinite" restart="never" nodeType="tmRoot"/>
-      </p:par>
-    </p:tnLst>
-  </p:timing>
 </p:sld>
 </file>
 
@@ -5605,7 +5546,7 @@
           <p:cNvPr id="2" name="Title 1">
             <a:extLst>
               <a:ext uri="{FF2B5EF4-FFF2-40B4-BE49-F238E27FC236}">
-                <a16:creationId xmlns:a16="http://schemas.microsoft.com/office/drawing/2014/main" xmlns="" id="{F01218AF-13C4-4051-85A0-83603087B36F}"/>
+                <a16:creationId xmlns:a16="http://schemas.microsoft.com/office/drawing/2014/main" id="{F01218AF-13C4-4051-85A0-83603087B36F}"/>
               </a:ext>
             </a:extLst>
           </p:cNvPr>
@@ -5637,7 +5578,7 @@
           <p:cNvPr id="5" name="Content Placeholder 4">
             <a:extLst>
               <a:ext uri="{FF2B5EF4-FFF2-40B4-BE49-F238E27FC236}">
-                <a16:creationId xmlns:a16="http://schemas.microsoft.com/office/drawing/2014/main" xmlns="" id="{FE9916FD-A799-44E9-BAD6-1DFD73799C40}"/>
+                <a16:creationId xmlns:a16="http://schemas.microsoft.com/office/drawing/2014/main" id="{FE9916FD-A799-44E9-BAD6-1DFD73799C40}"/>
               </a:ext>
             </a:extLst>
           </p:cNvPr>
@@ -5677,13 +5618,6 @@
   <p:clrMapOvr>
     <a:masterClrMapping/>
   </p:clrMapOvr>
-  <p:timing>
-    <p:tnLst>
-      <p:par>
-        <p:cTn id="1" dur="indefinite" restart="never" nodeType="tmRoot"/>
-      </p:par>
-    </p:tnLst>
-  </p:timing>
 </p:sld>
 </file>
 
@@ -5709,7 +5643,7 @@
           <p:cNvPr id="2" name="Title 1">
             <a:extLst>
               <a:ext uri="{FF2B5EF4-FFF2-40B4-BE49-F238E27FC236}">
-                <a16:creationId xmlns:a16="http://schemas.microsoft.com/office/drawing/2014/main" xmlns="" id="{52A6AD8F-1162-4FDC-826E-3BA1AE268313}"/>
+                <a16:creationId xmlns:a16="http://schemas.microsoft.com/office/drawing/2014/main" id="{52A6AD8F-1162-4FDC-826E-3BA1AE268313}"/>
               </a:ext>
             </a:extLst>
           </p:cNvPr>
@@ -5741,7 +5675,7 @@
           <p:cNvPr id="5" name="Content Placeholder 4">
             <a:extLst>
               <a:ext uri="{FF2B5EF4-FFF2-40B4-BE49-F238E27FC236}">
-                <a16:creationId xmlns:a16="http://schemas.microsoft.com/office/drawing/2014/main" xmlns="" id="{4B8EA503-F633-408F-8510-C3647B74DB94}"/>
+                <a16:creationId xmlns:a16="http://schemas.microsoft.com/office/drawing/2014/main" id="{4B8EA503-F633-408F-8510-C3647B74DB94}"/>
               </a:ext>
             </a:extLst>
           </p:cNvPr>
@@ -5781,13 +5715,6 @@
   <p:clrMapOvr>
     <a:masterClrMapping/>
   </p:clrMapOvr>
-  <p:timing>
-    <p:tnLst>
-      <p:par>
-        <p:cTn id="1" dur="indefinite" restart="never" nodeType="tmRoot"/>
-      </p:par>
-    </p:tnLst>
-  </p:timing>
 </p:sld>
 </file>
 
@@ -5813,7 +5740,7 @@
           <p:cNvPr id="2" name="Title 1">
             <a:extLst>
               <a:ext uri="{FF2B5EF4-FFF2-40B4-BE49-F238E27FC236}">
-                <a16:creationId xmlns:a16="http://schemas.microsoft.com/office/drawing/2014/main" xmlns="" id="{580B15AB-F4F5-4A39-95A2-B3AA882DDF2E}"/>
+                <a16:creationId xmlns:a16="http://schemas.microsoft.com/office/drawing/2014/main" id="{580B15AB-F4F5-4A39-95A2-B3AA882DDF2E}"/>
               </a:ext>
             </a:extLst>
           </p:cNvPr>
@@ -5845,7 +5772,7 @@
           <p:cNvPr id="5" name="Content Placeholder 4">
             <a:extLst>
               <a:ext uri="{FF2B5EF4-FFF2-40B4-BE49-F238E27FC236}">
-                <a16:creationId xmlns:a16="http://schemas.microsoft.com/office/drawing/2014/main" xmlns="" id="{F15A6060-9471-4A92-8F0F-2C7CAFB291C5}"/>
+                <a16:creationId xmlns:a16="http://schemas.microsoft.com/office/drawing/2014/main" id="{F15A6060-9471-4A92-8F0F-2C7CAFB291C5}"/>
               </a:ext>
             </a:extLst>
           </p:cNvPr>
@@ -5885,13 +5812,6 @@
   <p:clrMapOvr>
     <a:masterClrMapping/>
   </p:clrMapOvr>
-  <p:timing>
-    <p:tnLst>
-      <p:par>
-        <p:cTn id="1" dur="indefinite" restart="never" nodeType="tmRoot"/>
-      </p:par>
-    </p:tnLst>
-  </p:timing>
 </p:sld>
 </file>
 
@@ -6345,13 +6265,6 @@
             <a:pPr marL="0" indent="0">
               <a:buNone/>
             </a:pPr>
-            <a:r>
-              <a:rPr lang="en-US" sz="2200" dirty="0">
-                <a:latin typeface="Times New Roman" panose="02020603050405020304" pitchFamily="18" charset="0"/>
-                <a:cs typeface="Times New Roman" panose="02020603050405020304" pitchFamily="18" charset="0"/>
-              </a:rPr>
-              <a:t/>
-            </a:r>
             <a:br>
               <a:rPr lang="en-US" sz="2200" dirty="0">
                 <a:latin typeface="Times New Roman" panose="02020603050405020304" pitchFamily="18" charset="0"/>
@@ -6375,13 +6288,6 @@
   <p:clrMapOvr>
     <a:masterClrMapping/>
   </p:clrMapOvr>
-  <p:timing>
-    <p:tnLst>
-      <p:par>
-        <p:cTn id="1" dur="indefinite" restart="never" nodeType="tmRoot"/>
-      </p:par>
-    </p:tnLst>
-  </p:timing>
 </p:sld>
 </file>
 
@@ -6716,13 +6622,6 @@
   <p:clrMapOvr>
     <a:masterClrMapping/>
   </p:clrMapOvr>
-  <p:timing>
-    <p:tnLst>
-      <p:par>
-        <p:cTn id="1" dur="indefinite" restart="never" nodeType="tmRoot"/>
-      </p:par>
-    </p:tnLst>
-  </p:timing>
 </p:sld>
 </file>
 
@@ -6760,13 +6659,6 @@
           </a:bodyPr>
           <a:lstStyle/>
           <a:p>
-            <a:r>
-              <a:rPr lang="en-US" b="1" dirty="0">
-                <a:latin typeface="Times New Roman" panose="02020603050405020304" pitchFamily="18" charset="0"/>
-                <a:cs typeface="Times New Roman" panose="02020603050405020304" pitchFamily="18" charset="0"/>
-              </a:rPr>
-              <a:t/>
-            </a:r>
             <a:br>
               <a:rPr lang="en-US" b="1" dirty="0">
                 <a:latin typeface="Times New Roman" panose="02020603050405020304" pitchFamily="18" charset="0"/>
@@ -7001,13 +6893,6 @@
   <p:clrMapOvr>
     <a:masterClrMapping/>
   </p:clrMapOvr>
-  <p:timing>
-    <p:tnLst>
-      <p:par>
-        <p:cTn id="1" dur="indefinite" restart="never" nodeType="tmRoot"/>
-      </p:par>
-    </p:tnLst>
-  </p:timing>
 </p:sld>
 </file>
 
@@ -7231,13 +7116,6 @@
   <p:clrMapOvr>
     <a:masterClrMapping/>
   </p:clrMapOvr>
-  <p:timing>
-    <p:tnLst>
-      <p:par>
-        <p:cTn id="1" dur="indefinite" restart="never" nodeType="tmRoot"/>
-      </p:par>
-    </p:tnLst>
-  </p:timing>
 </p:sld>
 </file>
 
@@ -7461,133 +7339,7 @@
                 <a:latin typeface="Times New Roman" panose="02020603050405020304" pitchFamily="18" charset="0"/>
                 <a:cs typeface="Times New Roman" panose="02020603050405020304" pitchFamily="18" charset="0"/>
               </a:rPr>
-              <a:t> instance lives for the life of the app. By using a </a:t>
-            </a:r>
-            <a:r>
-              <a:rPr lang="en-US" sz="2200" i="1" dirty="0">
-                <a:latin typeface="Times New Roman" panose="02020603050405020304" pitchFamily="18" charset="0"/>
-                <a:cs typeface="Times New Roman" panose="02020603050405020304" pitchFamily="18" charset="0"/>
-              </a:rPr>
-              <a:t>Component Provider</a:t>
-            </a:r>
-            <a:r>
-              <a:rPr lang="en-US" sz="2200" dirty="0">
-                <a:latin typeface="Times New Roman" panose="02020603050405020304" pitchFamily="18" charset="0"/>
-                <a:cs typeface="Times New Roman" panose="02020603050405020304" pitchFamily="18" charset="0"/>
-              </a:rPr>
-              <a:t> we restrict the scope of the </a:t>
-            </a:r>
-            <a:r>
-              <a:rPr lang="en-US" sz="2200" i="1" dirty="0">
-                <a:latin typeface="Times New Roman" panose="02020603050405020304" pitchFamily="18" charset="0"/>
-                <a:cs typeface="Times New Roman" panose="02020603050405020304" pitchFamily="18" charset="0"/>
-              </a:rPr>
-              <a:t>Service</a:t>
-            </a:r>
-            <a:r>
-              <a:rPr lang="en-US" sz="2200" dirty="0">
-                <a:latin typeface="Times New Roman" panose="02020603050405020304" pitchFamily="18" charset="0"/>
-                <a:cs typeface="Times New Roman" panose="02020603050405020304" pitchFamily="18" charset="0"/>
-              </a:rPr>
-              <a:t> and so it will only be injected into that </a:t>
-            </a:r>
-            <a:r>
-              <a:rPr lang="en-US" sz="2200" i="1" dirty="0">
-                <a:latin typeface="Times New Roman" panose="02020603050405020304" pitchFamily="18" charset="0"/>
-                <a:cs typeface="Times New Roman" panose="02020603050405020304" pitchFamily="18" charset="0"/>
-              </a:rPr>
-              <a:t>Component</a:t>
-            </a:r>
-            <a:r>
-              <a:rPr lang="en-US" sz="2200" dirty="0">
-                <a:latin typeface="Times New Roman" panose="02020603050405020304" pitchFamily="18" charset="0"/>
-                <a:cs typeface="Times New Roman" panose="02020603050405020304" pitchFamily="18" charset="0"/>
-              </a:rPr>
-              <a:t> instance or one of its descendant </a:t>
-            </a:r>
-            <a:r>
-              <a:rPr lang="en-US" sz="2200" i="1" dirty="0">
-                <a:latin typeface="Times New Roman" panose="02020603050405020304" pitchFamily="18" charset="0"/>
-                <a:cs typeface="Times New Roman" panose="02020603050405020304" pitchFamily="18" charset="0"/>
-              </a:rPr>
-              <a:t>Component</a:t>
-            </a:r>
-            <a:r>
-              <a:rPr lang="en-US" sz="2200" dirty="0">
-                <a:latin typeface="Times New Roman" panose="02020603050405020304" pitchFamily="18" charset="0"/>
-                <a:cs typeface="Times New Roman" panose="02020603050405020304" pitchFamily="18" charset="0"/>
-              </a:rPr>
-              <a:t> instances. It means that </a:t>
-            </a:r>
-            <a:r>
-              <a:rPr lang="en-US" sz="2200" i="1" dirty="0">
-                <a:latin typeface="Times New Roman" panose="02020603050405020304" pitchFamily="18" charset="0"/>
-                <a:cs typeface="Times New Roman" panose="02020603050405020304" pitchFamily="18" charset="0"/>
-              </a:rPr>
-              <a:t>Angular</a:t>
-            </a:r>
-            <a:r>
-              <a:rPr lang="en-US" sz="2200" dirty="0">
-                <a:latin typeface="Times New Roman" panose="02020603050405020304" pitchFamily="18" charset="0"/>
-                <a:cs typeface="Times New Roman" panose="02020603050405020304" pitchFamily="18" charset="0"/>
-              </a:rPr>
-              <a:t> can’t inject the same </a:t>
-            </a:r>
-            <a:r>
-              <a:rPr lang="en-US" sz="2200" i="1" dirty="0">
-                <a:latin typeface="Times New Roman" panose="02020603050405020304" pitchFamily="18" charset="0"/>
-                <a:cs typeface="Times New Roman" panose="02020603050405020304" pitchFamily="18" charset="0"/>
-              </a:rPr>
-              <a:t>Service</a:t>
-            </a:r>
-            <a:r>
-              <a:rPr lang="en-US" sz="2200" dirty="0">
-                <a:latin typeface="Times New Roman" panose="02020603050405020304" pitchFamily="18" charset="0"/>
-                <a:cs typeface="Times New Roman" panose="02020603050405020304" pitchFamily="18" charset="0"/>
-              </a:rPr>
-              <a:t> instance anywhere else. The lifetime of this </a:t>
-            </a:r>
-            <a:r>
-              <a:rPr lang="en-US" sz="2200" i="1" dirty="0">
-                <a:latin typeface="Times New Roman" panose="02020603050405020304" pitchFamily="18" charset="0"/>
-                <a:cs typeface="Times New Roman" panose="02020603050405020304" pitchFamily="18" charset="0"/>
-              </a:rPr>
-              <a:t>Service</a:t>
-            </a:r>
-            <a:r>
-              <a:rPr lang="en-US" sz="2200" dirty="0">
-                <a:latin typeface="Times New Roman" panose="02020603050405020304" pitchFamily="18" charset="0"/>
-                <a:cs typeface="Times New Roman" panose="02020603050405020304" pitchFamily="18" charset="0"/>
-              </a:rPr>
-              <a:t> will also be different: the </a:t>
-            </a:r>
-            <a:r>
-              <a:rPr lang="en-US" sz="2200" i="1" dirty="0">
-                <a:latin typeface="Times New Roman" panose="02020603050405020304" pitchFamily="18" charset="0"/>
-                <a:cs typeface="Times New Roman" panose="02020603050405020304" pitchFamily="18" charset="0"/>
-              </a:rPr>
-              <a:t>Service</a:t>
-            </a:r>
-            <a:r>
-              <a:rPr lang="en-US" sz="2200" dirty="0">
-                <a:latin typeface="Times New Roman" panose="02020603050405020304" pitchFamily="18" charset="0"/>
-                <a:cs typeface="Times New Roman" panose="02020603050405020304" pitchFamily="18" charset="0"/>
-              </a:rPr>
-              <a:t> instance will be destroyed when the </a:t>
-            </a:r>
-            <a:r>
-              <a:rPr lang="en-US" sz="2200" i="1" dirty="0">
-                <a:latin typeface="Times New Roman" panose="02020603050405020304" pitchFamily="18" charset="0"/>
-                <a:cs typeface="Times New Roman" panose="02020603050405020304" pitchFamily="18" charset="0"/>
-              </a:rPr>
-              <a:t>Component</a:t>
-            </a:r>
-            <a:r>
-              <a:rPr lang="en-US" sz="2200" dirty="0">
-                <a:latin typeface="Times New Roman" panose="02020603050405020304" pitchFamily="18" charset="0"/>
-                <a:cs typeface="Times New Roman" panose="02020603050405020304" pitchFamily="18" charset="0"/>
-              </a:rPr>
-              <a:t> instance is destroyed.</a:t>
+              <a:t> instance lives for the life of the app. </a:t>
             </a:r>
           </a:p>
         </p:txBody>
@@ -7602,13 +7354,6 @@
   <p:clrMapOvr>
     <a:masterClrMapping/>
   </p:clrMapOvr>
-  <p:timing>
-    <p:tnLst>
-      <p:par>
-        <p:cTn id="1" dur="indefinite" restart="never" nodeType="tmRoot"/>
-      </p:par>
-    </p:tnLst>
-  </p:timing>
 </p:sld>
 </file>
 
@@ -7746,13 +7491,6 @@
   <p:clrMapOvr>
     <a:masterClrMapping/>
   </p:clrMapOvr>
-  <p:timing>
-    <p:tnLst>
-      <p:par>
-        <p:cTn id="1" dur="indefinite" restart="never" nodeType="tmRoot"/>
-      </p:par>
-    </p:tnLst>
-  </p:timing>
 </p:sld>
 </file>
 
@@ -7950,13 +7688,6 @@
   <p:clrMapOvr>
     <a:masterClrMapping/>
   </p:clrMapOvr>
-  <p:timing>
-    <p:tnLst>
-      <p:par>
-        <p:cTn id="1" dur="indefinite" restart="never" nodeType="tmRoot"/>
-      </p:par>
-    </p:tnLst>
-  </p:timing>
 </p:sld>
 </file>
 
@@ -8305,13 +8036,6 @@
   <p:clrMapOvr>
     <a:masterClrMapping/>
   </p:clrMapOvr>
-  <p:timing>
-    <p:tnLst>
-      <p:par>
-        <p:cTn id="1" dur="indefinite" restart="never" nodeType="tmRoot"/>
-      </p:par>
-    </p:tnLst>
-  </p:timing>
 </p:sld>
 </file>
 
@@ -8504,13 +8228,6 @@
   <p:clrMapOvr>
     <a:masterClrMapping/>
   </p:clrMapOvr>
-  <p:timing>
-    <p:tnLst>
-      <p:par>
-        <p:cTn id="1" dur="indefinite" restart="never" nodeType="tmRoot"/>
-      </p:par>
-    </p:tnLst>
-  </p:timing>
 </p:sld>
 </file>
 
@@ -8702,13 +8419,6 @@
   <p:clrMapOvr>
     <a:masterClrMapping/>
   </p:clrMapOvr>
-  <p:timing>
-    <p:tnLst>
-      <p:par>
-        <p:cTn id="1" dur="indefinite" restart="never" nodeType="tmRoot"/>
-      </p:par>
-    </p:tnLst>
-  </p:timing>
 </p:sld>
 </file>
 
@@ -8734,7 +8444,7 @@
           <p:cNvPr id="2" name="Title 1">
             <a:extLst>
               <a:ext uri="{FF2B5EF4-FFF2-40B4-BE49-F238E27FC236}">
-                <a16:creationId xmlns:a16="http://schemas.microsoft.com/office/drawing/2014/main" xmlns="" id="{468494B9-63FD-435A-AFA6-53E2454B48B6}"/>
+                <a16:creationId xmlns:a16="http://schemas.microsoft.com/office/drawing/2014/main" id="{468494B9-63FD-435A-AFA6-53E2454B48B6}"/>
               </a:ext>
             </a:extLst>
           </p:cNvPr>
@@ -8752,13 +8462,6 @@
           </a:bodyPr>
           <a:lstStyle/>
           <a:p>
-            <a:r>
-              <a:rPr lang="en-US" b="1" dirty="0">
-                <a:latin typeface="Times New Roman" panose="02020603050405020304" pitchFamily="18" charset="0"/>
-                <a:cs typeface="Times New Roman" panose="02020603050405020304" pitchFamily="18" charset="0"/>
-              </a:rPr>
-              <a:t/>
-            </a:r>
             <a:br>
               <a:rPr lang="en-US" b="1" dirty="0">
                 <a:latin typeface="Times New Roman" panose="02020603050405020304" pitchFamily="18" charset="0"/>
@@ -8790,7 +8493,7 @@
           <p:cNvPr id="3" name="Content Placeholder 2">
             <a:extLst>
               <a:ext uri="{FF2B5EF4-FFF2-40B4-BE49-F238E27FC236}">
-                <a16:creationId xmlns:a16="http://schemas.microsoft.com/office/drawing/2014/main" xmlns="" id="{B695AC8C-CF3A-4D2C-AF0D-DB5C38E01702}"/>
+                <a16:creationId xmlns:a16="http://schemas.microsoft.com/office/drawing/2014/main" id="{B695AC8C-CF3A-4D2C-AF0D-DB5C38E01702}"/>
               </a:ext>
             </a:extLst>
           </p:cNvPr>
@@ -8933,13 +8636,6 @@
   <p:clrMapOvr>
     <a:masterClrMapping/>
   </p:clrMapOvr>
-  <p:timing>
-    <p:tnLst>
-      <p:par>
-        <p:cTn id="1" dur="indefinite" restart="never" nodeType="tmRoot"/>
-      </p:par>
-    </p:tnLst>
-  </p:timing>
 </p:sld>
 </file>
 
@@ -8977,59 +8673,31 @@
           </a:bodyPr>
           <a:lstStyle/>
           <a:p>
-            <a:r>
-              <a:rPr lang="en-US" dirty="0" smtClean="0">
-                <a:latin typeface="Times New Roman" panose="02020603050405020304" pitchFamily="18" charset="0"/>
-                <a:cs typeface="Times New Roman" panose="02020603050405020304" pitchFamily="18" charset="0"/>
-              </a:rPr>
-              <a:t/>
-            </a:r>
             <a:br>
-              <a:rPr lang="en-US" dirty="0" smtClean="0">
+              <a:rPr lang="en-US" dirty="0">
                 <a:latin typeface="Times New Roman" panose="02020603050405020304" pitchFamily="18" charset="0"/>
                 <a:cs typeface="Times New Roman" panose="02020603050405020304" pitchFamily="18" charset="0"/>
               </a:rPr>
             </a:br>
             <a:r>
-              <a:rPr lang="en-US" dirty="0" smtClean="0">
-                <a:latin typeface="Times New Roman" panose="02020603050405020304" pitchFamily="18" charset="0"/>
-                <a:cs typeface="Times New Roman" panose="02020603050405020304" pitchFamily="18" charset="0"/>
-              </a:rPr>
-              <a:t>Setting </a:t>
-            </a:r>
-            <a:r>
               <a:rPr lang="en-US" dirty="0">
                 <a:latin typeface="Times New Roman" panose="02020603050405020304" pitchFamily="18" charset="0"/>
                 <a:cs typeface="Times New Roman" panose="02020603050405020304" pitchFamily="18" charset="0"/>
               </a:rPr>
-              <a:t>up an </a:t>
-            </a:r>
-            <a:r>
-              <a:rPr lang="en-US" dirty="0" smtClean="0">
-                <a:latin typeface="Times New Roman" panose="02020603050405020304" pitchFamily="18" charset="0"/>
-                <a:cs typeface="Times New Roman" panose="02020603050405020304" pitchFamily="18" charset="0"/>
-              </a:rPr>
-              <a:t/>
+              <a:t>Setting up an </a:t>
             </a:r>
             <a:br>
-              <a:rPr lang="en-US" dirty="0" smtClean="0">
+              <a:rPr lang="en-US" dirty="0">
                 <a:latin typeface="Times New Roman" panose="02020603050405020304" pitchFamily="18" charset="0"/>
                 <a:cs typeface="Times New Roman" panose="02020603050405020304" pitchFamily="18" charset="0"/>
               </a:rPr>
             </a:br>
             <a:r>
-              <a:rPr lang="en-US" dirty="0" smtClean="0">
-                <a:latin typeface="Times New Roman" panose="02020603050405020304" pitchFamily="18" charset="0"/>
-                <a:cs typeface="Times New Roman" panose="02020603050405020304" pitchFamily="18" charset="0"/>
-              </a:rPr>
-              <a:t>Angular </a:t>
-            </a:r>
-            <a:r>
               <a:rPr lang="en-US" dirty="0">
                 <a:latin typeface="Times New Roman" panose="02020603050405020304" pitchFamily="18" charset="0"/>
                 <a:cs typeface="Times New Roman" panose="02020603050405020304" pitchFamily="18" charset="0"/>
               </a:rPr>
-              <a:t>Application</a:t>
+              <a:t>Angular Application</a:t>
             </a:r>
             <a:br>
               <a:rPr lang="en-US" dirty="0">
@@ -9062,7 +8730,7 @@
           <a:lstStyle/>
           <a:p>
             <a:r>
-              <a:rPr lang="nl-NL" sz="2500" dirty="0" smtClean="0">
+              <a:rPr lang="nl-NL" sz="2500" dirty="0">
                 <a:latin typeface="Times New Roman" panose="02020603050405020304" pitchFamily="18" charset="0"/>
                 <a:cs typeface="Times New Roman" panose="02020603050405020304" pitchFamily="18" charset="0"/>
               </a:rPr>
@@ -9073,19 +8741,12 @@
                 <a:latin typeface="Times New Roman" panose="02020603050405020304" pitchFamily="18" charset="0"/>
                 <a:cs typeface="Times New Roman" panose="02020603050405020304" pitchFamily="18" charset="0"/>
               </a:rPr>
-              <a:t>ng new </a:t>
-            </a:r>
-            <a:r>
-              <a:rPr lang="en-US" sz="2500" dirty="0" smtClean="0">
-                <a:latin typeface="Times New Roman" panose="02020603050405020304" pitchFamily="18" charset="0"/>
-                <a:cs typeface="Times New Roman" panose="02020603050405020304" pitchFamily="18" charset="0"/>
-              </a:rPr>
-              <a:t>my-first-project</a:t>
-            </a:r>
-          </a:p>
-          <a:p>
-            <a:r>
-              <a:rPr lang="nl-NL" sz="2500" dirty="0" smtClean="0">
+              <a:t>ng new my-first-project</a:t>
+            </a:r>
+          </a:p>
+          <a:p>
+            <a:r>
+              <a:rPr lang="nl-NL" sz="2500" dirty="0">
                 <a:latin typeface="Times New Roman" panose="02020603050405020304" pitchFamily="18" charset="0"/>
                 <a:cs typeface="Times New Roman" panose="02020603050405020304" pitchFamily="18" charset="0"/>
               </a:rPr>
@@ -9096,74 +8757,67 @@
                 <a:latin typeface="Times New Roman" panose="02020603050405020304" pitchFamily="18" charset="0"/>
                 <a:cs typeface="Times New Roman" panose="02020603050405020304" pitchFamily="18" charset="0"/>
               </a:rPr>
-              <a:t>ng </a:t>
-            </a:r>
-            <a:r>
-              <a:rPr lang="en-US" sz="2500" dirty="0" smtClean="0">
-                <a:latin typeface="Times New Roman" panose="02020603050405020304" pitchFamily="18" charset="0"/>
-                <a:cs typeface="Times New Roman" panose="02020603050405020304" pitchFamily="18" charset="0"/>
-              </a:rPr>
-              <a:t>serve</a:t>
-            </a:r>
-          </a:p>
-          <a:p>
-            <a:r>
-              <a:rPr lang="nl-NL" sz="2500" dirty="0" err="1" smtClean="0">
+              <a:t>ng serve</a:t>
+            </a:r>
+          </a:p>
+          <a:p>
+            <a:r>
+              <a:rPr lang="nl-NL" sz="2500" dirty="0" err="1">
                 <a:latin typeface="Times New Roman" panose="02020603050405020304" pitchFamily="18" charset="0"/>
                 <a:cs typeface="Times New Roman" panose="02020603050405020304" pitchFamily="18" charset="0"/>
               </a:rPr>
               <a:t>Build</a:t>
             </a:r>
             <a:r>
-              <a:rPr lang="nl-NL" sz="2500" dirty="0" smtClean="0">
+              <a:rPr lang="nl-NL" sz="2500" dirty="0">
                 <a:latin typeface="Times New Roman" panose="02020603050405020304" pitchFamily="18" charset="0"/>
                 <a:cs typeface="Times New Roman" panose="02020603050405020304" pitchFamily="18" charset="0"/>
               </a:rPr>
               <a:t> </a:t>
             </a:r>
             <a:r>
-              <a:rPr lang="nl-NL" sz="2500" dirty="0" err="1" smtClean="0">
+              <a:rPr lang="nl-NL" sz="2500" dirty="0" err="1">
                 <a:latin typeface="Times New Roman" panose="02020603050405020304" pitchFamily="18" charset="0"/>
                 <a:cs typeface="Times New Roman" panose="02020603050405020304" pitchFamily="18" charset="0"/>
               </a:rPr>
               <a:t>ng</a:t>
             </a:r>
             <a:r>
-              <a:rPr lang="nl-NL" sz="2500" dirty="0" smtClean="0">
+              <a:rPr lang="nl-NL" sz="2500" dirty="0">
                 <a:latin typeface="Times New Roman" panose="02020603050405020304" pitchFamily="18" charset="0"/>
                 <a:cs typeface="Times New Roman" panose="02020603050405020304" pitchFamily="18" charset="0"/>
               </a:rPr>
               <a:t> </a:t>
             </a:r>
             <a:r>
-              <a:rPr lang="nl-NL" sz="2500" dirty="0" err="1" smtClean="0">
+              <a:rPr lang="nl-NL" sz="2500" dirty="0" err="1">
                 <a:latin typeface="Times New Roman" panose="02020603050405020304" pitchFamily="18" charset="0"/>
                 <a:cs typeface="Times New Roman" panose="02020603050405020304" pitchFamily="18" charset="0"/>
               </a:rPr>
               <a:t>build</a:t>
             </a:r>
-            <a:endParaRPr lang="nl-NL" sz="2500" dirty="0" smtClean="0">
+            <a:endParaRPr lang="nl-NL" sz="2500" dirty="0">
               <a:latin typeface="Times New Roman" panose="02020603050405020304" pitchFamily="18" charset="0"/>
               <a:cs typeface="Times New Roman" panose="02020603050405020304" pitchFamily="18" charset="0"/>
             </a:endParaRPr>
           </a:p>
           <a:p>
             <a:r>
-              <a:rPr lang="nl-NL" sz="2500" dirty="0" smtClean="0">
+              <a:rPr lang="nl-NL" sz="2500" dirty="0">
                 <a:latin typeface="Times New Roman" panose="02020603050405020304" pitchFamily="18" charset="0"/>
                 <a:cs typeface="Times New Roman" panose="02020603050405020304" pitchFamily="18" charset="0"/>
               </a:rPr>
               <a:t>Lint </a:t>
             </a:r>
             <a:r>
-              <a:rPr lang="nl-NL" sz="2500" dirty="0" err="1" smtClean="0">
+              <a:rPr lang="nl-NL" sz="2500" dirty="0" err="1">
                 <a:latin typeface="Times New Roman" panose="02020603050405020304" pitchFamily="18" charset="0"/>
                 <a:cs typeface="Times New Roman" panose="02020603050405020304" pitchFamily="18" charset="0"/>
               </a:rPr>
               <a:t>ng</a:t>
             </a:r>
             <a:r>
-              <a:rPr lang="nl-NL" sz="2500" dirty="0" smtClean="0">
+              <a:rPr lang="nl-NL" sz="2500" dirty="0">
                 <a:latin typeface="Times New Roman" panose="02020603050405020304" pitchFamily="18" charset="0"/>
                 <a:cs typeface="Times New Roman" panose="02020603050405020304" pitchFamily="18" charset="0"/>
               </a:rPr>
@@ -9172,21 +8826,21 @@
           </a:p>
           <a:p>
             <a:r>
-              <a:rPr lang="nl-NL" sz="2500" dirty="0" smtClean="0">
+              <a:rPr lang="nl-NL" sz="2500" dirty="0">
                 <a:latin typeface="Times New Roman" panose="02020603050405020304" pitchFamily="18" charset="0"/>
                 <a:cs typeface="Times New Roman" panose="02020603050405020304" pitchFamily="18" charset="0"/>
               </a:rPr>
               <a:t>Test </a:t>
             </a:r>
             <a:r>
-              <a:rPr lang="nl-NL" sz="2500" dirty="0" err="1" smtClean="0">
+              <a:rPr lang="nl-NL" sz="2500" dirty="0" err="1">
                 <a:latin typeface="Times New Roman" panose="02020603050405020304" pitchFamily="18" charset="0"/>
                 <a:cs typeface="Times New Roman" panose="02020603050405020304" pitchFamily="18" charset="0"/>
               </a:rPr>
               <a:t>ng</a:t>
             </a:r>
             <a:r>
-              <a:rPr lang="nl-NL" sz="2500" dirty="0" smtClean="0">
+              <a:rPr lang="nl-NL" sz="2500" dirty="0">
                 <a:latin typeface="Times New Roman" panose="02020603050405020304" pitchFamily="18" charset="0"/>
                 <a:cs typeface="Times New Roman" panose="02020603050405020304" pitchFamily="18" charset="0"/>
               </a:rPr>
@@ -9195,21 +8849,21 @@
           </a:p>
           <a:p>
             <a:r>
-              <a:rPr lang="nl-NL" sz="2500" dirty="0" smtClean="0">
+              <a:rPr lang="nl-NL" sz="2500" dirty="0">
                 <a:latin typeface="Times New Roman" panose="02020603050405020304" pitchFamily="18" charset="0"/>
                 <a:cs typeface="Times New Roman" panose="02020603050405020304" pitchFamily="18" charset="0"/>
               </a:rPr>
               <a:t>E2e </a:t>
             </a:r>
             <a:r>
-              <a:rPr lang="nl-NL" sz="2500" dirty="0" err="1" smtClean="0">
+              <a:rPr lang="nl-NL" sz="2500" dirty="0" err="1">
                 <a:latin typeface="Times New Roman" panose="02020603050405020304" pitchFamily="18" charset="0"/>
                 <a:cs typeface="Times New Roman" panose="02020603050405020304" pitchFamily="18" charset="0"/>
               </a:rPr>
               <a:t>ng</a:t>
             </a:r>
             <a:r>
-              <a:rPr lang="nl-NL" sz="2500" dirty="0" smtClean="0">
+              <a:rPr lang="nl-NL" sz="2500" dirty="0">
                 <a:latin typeface="Times New Roman" panose="02020603050405020304" pitchFamily="18" charset="0"/>
                 <a:cs typeface="Times New Roman" panose="02020603050405020304" pitchFamily="18" charset="0"/>
               </a:rPr>
@@ -9218,28 +8872,28 @@
           </a:p>
           <a:p>
             <a:r>
-              <a:rPr lang="nl-NL" sz="2500" dirty="0" err="1" smtClean="0">
+              <a:rPr lang="nl-NL" sz="2500" dirty="0" err="1">
                 <a:latin typeface="Times New Roman" panose="02020603050405020304" pitchFamily="18" charset="0"/>
                 <a:cs typeface="Times New Roman" panose="02020603050405020304" pitchFamily="18" charset="0"/>
               </a:rPr>
               <a:t>Generate</a:t>
             </a:r>
             <a:r>
-              <a:rPr lang="nl-NL" sz="2500" dirty="0" smtClean="0">
+              <a:rPr lang="nl-NL" sz="2500" dirty="0">
                 <a:latin typeface="Times New Roman" panose="02020603050405020304" pitchFamily="18" charset="0"/>
                 <a:cs typeface="Times New Roman" panose="02020603050405020304" pitchFamily="18" charset="0"/>
               </a:rPr>
               <a:t> </a:t>
             </a:r>
             <a:r>
-              <a:rPr lang="nl-NL" sz="2500" dirty="0" err="1" smtClean="0">
+              <a:rPr lang="nl-NL" sz="2500" dirty="0" err="1">
                 <a:latin typeface="Times New Roman" panose="02020603050405020304" pitchFamily="18" charset="0"/>
                 <a:cs typeface="Times New Roman" panose="02020603050405020304" pitchFamily="18" charset="0"/>
               </a:rPr>
               <a:t>ng</a:t>
             </a:r>
             <a:r>
-              <a:rPr lang="nl-NL" sz="2500" dirty="0" smtClean="0">
+              <a:rPr lang="nl-NL" sz="2500" dirty="0">
                 <a:latin typeface="Times New Roman" panose="02020603050405020304" pitchFamily="18" charset="0"/>
                 <a:cs typeface="Times New Roman" panose="02020603050405020304" pitchFamily="18" charset="0"/>
               </a:rPr>
@@ -9264,13 +8918,6 @@
   <p:clrMapOvr>
     <a:masterClrMapping/>
   </p:clrMapOvr>
-  <p:timing>
-    <p:tnLst>
-      <p:par>
-        <p:cTn id="1" dur="indefinite" restart="never" nodeType="tmRoot"/>
-      </p:par>
-    </p:tnLst>
-  </p:timing>
 </p:sld>
 </file>
 
@@ -9333,63 +8980,63 @@
           <a:lstStyle/>
           <a:p>
             <a:r>
-              <a:rPr lang="nl-NL" dirty="0" smtClean="0">
+              <a:rPr lang="nl-NL" dirty="0">
                 <a:latin typeface="Times New Roman" panose="02020603050405020304" pitchFamily="18" charset="0"/>
                 <a:cs typeface="Times New Roman" panose="02020603050405020304" pitchFamily="18" charset="0"/>
               </a:rPr>
               <a:t>List of support </a:t>
             </a:r>
             <a:r>
-              <a:rPr lang="nl-NL" dirty="0" err="1" smtClean="0">
+              <a:rPr lang="nl-NL" dirty="0" err="1">
                 <a:latin typeface="Times New Roman" panose="02020603050405020304" pitchFamily="18" charset="0"/>
                 <a:cs typeface="Times New Roman" panose="02020603050405020304" pitchFamily="18" charset="0"/>
               </a:rPr>
               <a:t>command</a:t>
             </a:r>
             <a:r>
-              <a:rPr lang="nl-NL" dirty="0" smtClean="0">
+              <a:rPr lang="nl-NL" dirty="0">
                 <a:latin typeface="Times New Roman" panose="02020603050405020304" pitchFamily="18" charset="0"/>
                 <a:cs typeface="Times New Roman" panose="02020603050405020304" pitchFamily="18" charset="0"/>
               </a:rPr>
               <a:t> </a:t>
             </a:r>
             <a:r>
-              <a:rPr lang="nl-NL" dirty="0" err="1" smtClean="0">
+              <a:rPr lang="nl-NL" dirty="0" err="1">
                 <a:latin typeface="Times New Roman" panose="02020603050405020304" pitchFamily="18" charset="0"/>
                 <a:cs typeface="Times New Roman" panose="02020603050405020304" pitchFamily="18" charset="0"/>
               </a:rPr>
               <a:t>when</a:t>
             </a:r>
             <a:r>
-              <a:rPr lang="nl-NL" dirty="0" smtClean="0">
+              <a:rPr lang="nl-NL" dirty="0">
                 <a:latin typeface="Times New Roman" panose="02020603050405020304" pitchFamily="18" charset="0"/>
                 <a:cs typeface="Times New Roman" panose="02020603050405020304" pitchFamily="18" charset="0"/>
               </a:rPr>
               <a:t> </a:t>
             </a:r>
             <a:r>
-              <a:rPr lang="nl-NL" dirty="0" err="1" smtClean="0">
+              <a:rPr lang="nl-NL" dirty="0" err="1">
                 <a:latin typeface="Times New Roman" panose="02020603050405020304" pitchFamily="18" charset="0"/>
                 <a:cs typeface="Times New Roman" panose="02020603050405020304" pitchFamily="18" charset="0"/>
               </a:rPr>
               <a:t>using</a:t>
             </a:r>
             <a:r>
-              <a:rPr lang="nl-NL" dirty="0" smtClean="0">
+              <a:rPr lang="nl-NL" dirty="0">
                 <a:latin typeface="Times New Roman" panose="02020603050405020304" pitchFamily="18" charset="0"/>
                 <a:cs typeface="Times New Roman" panose="02020603050405020304" pitchFamily="18" charset="0"/>
               </a:rPr>
               <a:t> </a:t>
             </a:r>
             <a:r>
-              <a:rPr lang="nl-NL" dirty="0" err="1" smtClean="0">
+              <a:rPr lang="nl-NL" dirty="0" err="1">
                 <a:latin typeface="Times New Roman" panose="02020603050405020304" pitchFamily="18" charset="0"/>
                 <a:cs typeface="Times New Roman" panose="02020603050405020304" pitchFamily="18" charset="0"/>
               </a:rPr>
               <a:t>ng</a:t>
             </a:r>
             <a:r>
-              <a:rPr lang="nl-NL" dirty="0" smtClean="0">
+              <a:rPr lang="nl-NL" dirty="0">
                 <a:latin typeface="Times New Roman" panose="02020603050405020304" pitchFamily="18" charset="0"/>
                 <a:cs typeface="Times New Roman" panose="02020603050405020304" pitchFamily="18" charset="0"/>
               </a:rPr>
@@ -9602,13 +9249,6 @@
   <p:clrMapOvr>
     <a:masterClrMapping/>
   </p:clrMapOvr>
-  <p:timing>
-    <p:tnLst>
-      <p:par>
-        <p:cTn id="1" dur="indefinite" restart="never" nodeType="tmRoot"/>
-      </p:par>
-    </p:tnLst>
-  </p:timing>
 </p:sld>
 </file>
 
@@ -9984,13 +9624,6 @@
   <p:clrMapOvr>
     <a:masterClrMapping/>
   </p:clrMapOvr>
-  <p:timing>
-    <p:tnLst>
-      <p:par>
-        <p:cTn id="1" dur="indefinite" restart="never" nodeType="tmRoot"/>
-      </p:par>
-    </p:tnLst>
-  </p:timing>
 </p:sld>
 </file>
 
@@ -10028,45 +9661,31 @@
           </a:bodyPr>
           <a:lstStyle/>
           <a:p>
-            <a:r>
-              <a:rPr lang="en-US" b="1" dirty="0" smtClean="0">
-                <a:latin typeface="Times New Roman" panose="02020603050405020304" pitchFamily="18" charset="0"/>
-                <a:cs typeface="Times New Roman" panose="02020603050405020304" pitchFamily="18" charset="0"/>
-              </a:rPr>
-              <a:t/>
-            </a:r>
             <a:br>
-              <a:rPr lang="en-US" b="1" dirty="0" smtClean="0">
+              <a:rPr lang="en-US" b="1" dirty="0">
                 <a:latin typeface="Times New Roman" panose="02020603050405020304" pitchFamily="18" charset="0"/>
                 <a:cs typeface="Times New Roman" panose="02020603050405020304" pitchFamily="18" charset="0"/>
               </a:rPr>
             </a:br>
             <a:r>
-              <a:rPr lang="en-US" b="1" dirty="0" smtClean="0">
+              <a:rPr lang="en-US" b="1" dirty="0">
                 <a:latin typeface="Times New Roman" panose="02020603050405020304" pitchFamily="18" charset="0"/>
                 <a:cs typeface="Times New Roman" panose="02020603050405020304" pitchFamily="18" charset="0"/>
               </a:rPr>
               <a:t>Introduction to</a:t>
             </a:r>
             <a:br>
-              <a:rPr lang="en-US" b="1" dirty="0" smtClean="0">
+              <a:rPr lang="en-US" b="1" dirty="0">
                 <a:latin typeface="Times New Roman" panose="02020603050405020304" pitchFamily="18" charset="0"/>
                 <a:cs typeface="Times New Roman" panose="02020603050405020304" pitchFamily="18" charset="0"/>
               </a:rPr>
             </a:br>
             <a:r>
-              <a:rPr lang="en-US" b="1" dirty="0" smtClean="0">
-                <a:latin typeface="Times New Roman" panose="02020603050405020304" pitchFamily="18" charset="0"/>
-                <a:cs typeface="Times New Roman" panose="02020603050405020304" pitchFamily="18" charset="0"/>
-              </a:rPr>
-              <a:t>ES </a:t>
-            </a:r>
-            <a:r>
               <a:rPr lang="en-US" b="1" dirty="0">
                 <a:latin typeface="Times New Roman" panose="02020603050405020304" pitchFamily="18" charset="0"/>
                 <a:cs typeface="Times New Roman" panose="02020603050405020304" pitchFamily="18" charset="0"/>
               </a:rPr>
-              <a:t>Modules</a:t>
+              <a:t>ES Modules</a:t>
             </a:r>
             <a:br>
               <a:rPr lang="en-US" b="1" dirty="0">
@@ -10099,174 +9718,174 @@
           <a:lstStyle/>
           <a:p>
             <a:r>
-              <a:rPr lang="nl-NL" sz="2200" dirty="0" smtClean="0">
+              <a:rPr lang="nl-NL" sz="2200" dirty="0">
                 <a:latin typeface="Times New Roman" panose="02020603050405020304" pitchFamily="18" charset="0"/>
                 <a:cs typeface="Times New Roman" panose="02020603050405020304" pitchFamily="18" charset="0"/>
               </a:rPr>
               <a:t>Modules </a:t>
             </a:r>
             <a:r>
-              <a:rPr lang="nl-NL" sz="2200" dirty="0" err="1" smtClean="0">
+              <a:rPr lang="nl-NL" sz="2200" dirty="0" err="1">
                 <a:latin typeface="Times New Roman" panose="02020603050405020304" pitchFamily="18" charset="0"/>
                 <a:cs typeface="Times New Roman" panose="02020603050405020304" pitchFamily="18" charset="0"/>
               </a:rPr>
               <a:t>allow</a:t>
             </a:r>
             <a:r>
-              <a:rPr lang="nl-NL" sz="2200" dirty="0" smtClean="0">
+              <a:rPr lang="nl-NL" sz="2200" dirty="0">
                 <a:latin typeface="Times New Roman" panose="02020603050405020304" pitchFamily="18" charset="0"/>
                 <a:cs typeface="Times New Roman" panose="02020603050405020304" pitchFamily="18" charset="0"/>
               </a:rPr>
               <a:t> </a:t>
             </a:r>
             <a:r>
-              <a:rPr lang="nl-NL" sz="2200" dirty="0" err="1" smtClean="0">
+              <a:rPr lang="nl-NL" sz="2200" dirty="0" err="1">
                 <a:latin typeface="Times New Roman" panose="02020603050405020304" pitchFamily="18" charset="0"/>
                 <a:cs typeface="Times New Roman" panose="02020603050405020304" pitchFamily="18" charset="0"/>
               </a:rPr>
               <a:t>us</a:t>
             </a:r>
             <a:r>
-              <a:rPr lang="nl-NL" sz="2200" dirty="0" smtClean="0">
+              <a:rPr lang="nl-NL" sz="2200" dirty="0">
                 <a:latin typeface="Times New Roman" panose="02020603050405020304" pitchFamily="18" charset="0"/>
                 <a:cs typeface="Times New Roman" panose="02020603050405020304" pitchFamily="18" charset="0"/>
               </a:rPr>
               <a:t> </a:t>
             </a:r>
             <a:r>
-              <a:rPr lang="nl-NL" sz="2200" dirty="0" err="1" smtClean="0">
+              <a:rPr lang="nl-NL" sz="2200" dirty="0" err="1">
                 <a:latin typeface="Times New Roman" panose="02020603050405020304" pitchFamily="18" charset="0"/>
                 <a:cs typeface="Times New Roman" panose="02020603050405020304" pitchFamily="18" charset="0"/>
               </a:rPr>
               <a:t>to</a:t>
             </a:r>
             <a:r>
-              <a:rPr lang="nl-NL" sz="2200" dirty="0" smtClean="0">
+              <a:rPr lang="nl-NL" sz="2200" dirty="0">
                 <a:latin typeface="Times New Roman" panose="02020603050405020304" pitchFamily="18" charset="0"/>
                 <a:cs typeface="Times New Roman" panose="02020603050405020304" pitchFamily="18" charset="0"/>
               </a:rPr>
               <a:t> </a:t>
             </a:r>
             <a:r>
-              <a:rPr lang="nl-NL" sz="2200" dirty="0" err="1" smtClean="0">
+              <a:rPr lang="nl-NL" sz="2200" dirty="0" err="1">
                 <a:latin typeface="Times New Roman" panose="02020603050405020304" pitchFamily="18" charset="0"/>
                 <a:cs typeface="Times New Roman" panose="02020603050405020304" pitchFamily="18" charset="0"/>
               </a:rPr>
               <a:t>encapsulate</a:t>
             </a:r>
             <a:r>
-              <a:rPr lang="nl-NL" sz="2200" dirty="0" smtClean="0">
+              <a:rPr lang="nl-NL" sz="2200" dirty="0">
                 <a:latin typeface="Times New Roman" panose="02020603050405020304" pitchFamily="18" charset="0"/>
                 <a:cs typeface="Times New Roman" panose="02020603050405020304" pitchFamily="18" charset="0"/>
               </a:rPr>
               <a:t> </a:t>
             </a:r>
             <a:r>
-              <a:rPr lang="nl-NL" sz="2200" dirty="0" err="1" smtClean="0">
+              <a:rPr lang="nl-NL" sz="2200" dirty="0" err="1">
                 <a:latin typeface="Times New Roman" panose="02020603050405020304" pitchFamily="18" charset="0"/>
                 <a:cs typeface="Times New Roman" panose="02020603050405020304" pitchFamily="18" charset="0"/>
               </a:rPr>
               <a:t>all</a:t>
             </a:r>
             <a:r>
-              <a:rPr lang="nl-NL" sz="2200" dirty="0" smtClean="0">
+              <a:rPr lang="nl-NL" sz="2200" dirty="0">
                 <a:latin typeface="Times New Roman" panose="02020603050405020304" pitchFamily="18" charset="0"/>
                 <a:cs typeface="Times New Roman" panose="02020603050405020304" pitchFamily="18" charset="0"/>
               </a:rPr>
               <a:t> </a:t>
             </a:r>
             <a:r>
-              <a:rPr lang="nl-NL" sz="2200" dirty="0" err="1" smtClean="0">
+              <a:rPr lang="nl-NL" sz="2200" dirty="0" err="1">
                 <a:latin typeface="Times New Roman" panose="02020603050405020304" pitchFamily="18" charset="0"/>
                 <a:cs typeface="Times New Roman" panose="02020603050405020304" pitchFamily="18" charset="0"/>
               </a:rPr>
               <a:t>sort</a:t>
             </a:r>
             <a:r>
-              <a:rPr lang="nl-NL" sz="2200" dirty="0" smtClean="0">
+              <a:rPr lang="nl-NL" sz="2200" dirty="0">
                 <a:latin typeface="Times New Roman" panose="02020603050405020304" pitchFamily="18" charset="0"/>
                 <a:cs typeface="Times New Roman" panose="02020603050405020304" pitchFamily="18" charset="0"/>
               </a:rPr>
               <a:t> of </a:t>
             </a:r>
             <a:r>
-              <a:rPr lang="en-US" sz="2200" dirty="0" smtClean="0">
+              <a:rPr lang="en-US" sz="2200" dirty="0">
                 <a:latin typeface="Times New Roman" panose="02020603050405020304" pitchFamily="18" charset="0"/>
                 <a:cs typeface="Times New Roman" panose="02020603050405020304" pitchFamily="18" charset="0"/>
               </a:rPr>
               <a:t>functionality </a:t>
             </a:r>
             <a:r>
-              <a:rPr lang="nl-NL" sz="2200" dirty="0" err="1" smtClean="0">
+              <a:rPr lang="nl-NL" sz="2200" dirty="0" err="1">
                 <a:latin typeface="Times New Roman" panose="02020603050405020304" pitchFamily="18" charset="0"/>
                 <a:cs typeface="Times New Roman" panose="02020603050405020304" pitchFamily="18" charset="0"/>
               </a:rPr>
               <a:t>and</a:t>
             </a:r>
             <a:r>
-              <a:rPr lang="nl-NL" sz="2200" dirty="0" smtClean="0">
+              <a:rPr lang="nl-NL" sz="2200" dirty="0">
                 <a:latin typeface="Times New Roman" panose="02020603050405020304" pitchFamily="18" charset="0"/>
                 <a:cs typeface="Times New Roman" panose="02020603050405020304" pitchFamily="18" charset="0"/>
               </a:rPr>
               <a:t> </a:t>
             </a:r>
             <a:r>
-              <a:rPr lang="nl-NL" sz="2200" dirty="0" err="1" smtClean="0">
+              <a:rPr lang="nl-NL" sz="2200" dirty="0" err="1">
                 <a:latin typeface="Times New Roman" panose="02020603050405020304" pitchFamily="18" charset="0"/>
                 <a:cs typeface="Times New Roman" panose="02020603050405020304" pitchFamily="18" charset="0"/>
               </a:rPr>
               <a:t>expose</a:t>
             </a:r>
             <a:r>
-              <a:rPr lang="nl-NL" sz="2200" dirty="0" smtClean="0">
+              <a:rPr lang="nl-NL" sz="2200" dirty="0">
                 <a:latin typeface="Times New Roman" panose="02020603050405020304" pitchFamily="18" charset="0"/>
                 <a:cs typeface="Times New Roman" panose="02020603050405020304" pitchFamily="18" charset="0"/>
               </a:rPr>
               <a:t> these </a:t>
             </a:r>
             <a:r>
-              <a:rPr lang="en-US" sz="2200" dirty="0" smtClean="0">
+              <a:rPr lang="en-US" sz="2200" dirty="0">
                 <a:latin typeface="Times New Roman" panose="02020603050405020304" pitchFamily="18" charset="0"/>
                 <a:cs typeface="Times New Roman" panose="02020603050405020304" pitchFamily="18" charset="0"/>
               </a:rPr>
               <a:t>functionality </a:t>
             </a:r>
             <a:r>
-              <a:rPr lang="nl-NL" sz="2200" dirty="0" err="1" smtClean="0">
+              <a:rPr lang="nl-NL" sz="2200" dirty="0" err="1">
                 <a:latin typeface="Times New Roman" panose="02020603050405020304" pitchFamily="18" charset="0"/>
                 <a:cs typeface="Times New Roman" panose="02020603050405020304" pitchFamily="18" charset="0"/>
               </a:rPr>
               <a:t>to</a:t>
             </a:r>
             <a:r>
-              <a:rPr lang="nl-NL" sz="2200" dirty="0" smtClean="0">
+              <a:rPr lang="nl-NL" sz="2200" dirty="0">
                 <a:latin typeface="Times New Roman" panose="02020603050405020304" pitchFamily="18" charset="0"/>
                 <a:cs typeface="Times New Roman" panose="02020603050405020304" pitchFamily="18" charset="0"/>
               </a:rPr>
               <a:t> </a:t>
             </a:r>
             <a:r>
-              <a:rPr lang="nl-NL" sz="2200" dirty="0" err="1" smtClean="0">
+              <a:rPr lang="nl-NL" sz="2200" dirty="0" err="1">
                 <a:latin typeface="Times New Roman" panose="02020603050405020304" pitchFamily="18" charset="0"/>
                 <a:cs typeface="Times New Roman" panose="02020603050405020304" pitchFamily="18" charset="0"/>
               </a:rPr>
               <a:t>other</a:t>
             </a:r>
             <a:r>
-              <a:rPr lang="nl-NL" sz="2200" dirty="0" smtClean="0">
+              <a:rPr lang="nl-NL" sz="2200" dirty="0">
                 <a:latin typeface="Times New Roman" panose="02020603050405020304" pitchFamily="18" charset="0"/>
                 <a:cs typeface="Times New Roman" panose="02020603050405020304" pitchFamily="18" charset="0"/>
               </a:rPr>
               <a:t> JS file as </a:t>
             </a:r>
             <a:r>
-              <a:rPr lang="nl-NL" sz="2200" dirty="0" err="1" smtClean="0">
+              <a:rPr lang="nl-NL" sz="2200" dirty="0" err="1">
                 <a:latin typeface="Times New Roman" panose="02020603050405020304" pitchFamily="18" charset="0"/>
                 <a:cs typeface="Times New Roman" panose="02020603050405020304" pitchFamily="18" charset="0"/>
               </a:rPr>
               <a:t>libraries</a:t>
             </a:r>
-            <a:endParaRPr lang="nl-NL" sz="2200" dirty="0" smtClean="0">
+            <a:endParaRPr lang="nl-NL" sz="2200" dirty="0">
               <a:latin typeface="Times New Roman" panose="02020603050405020304" pitchFamily="18" charset="0"/>
               <a:cs typeface="Times New Roman" panose="02020603050405020304" pitchFamily="18" charset="0"/>
             </a:endParaRPr>
@@ -10276,7 +9895,7 @@
               <a:buNone/>
             </a:pPr>
             <a:r>
-              <a:rPr lang="nl-NL" sz="2200" dirty="0" smtClean="0">
+              <a:rPr lang="nl-NL" sz="2200" dirty="0">
                 <a:latin typeface="Times New Roman" panose="02020603050405020304" pitchFamily="18" charset="0"/>
                 <a:cs typeface="Times New Roman" panose="02020603050405020304" pitchFamily="18" charset="0"/>
               </a:rPr>
@@ -10289,14 +9908,7 @@
                 <a:latin typeface="Times New Roman" panose="02020603050405020304" pitchFamily="18" charset="0"/>
                 <a:cs typeface="Times New Roman" panose="02020603050405020304" pitchFamily="18" charset="0"/>
               </a:rPr>
-              <a:t>import package from </a:t>
-            </a:r>
-            <a:r>
-              <a:rPr lang="en-US" sz="2200" dirty="0" smtClean="0">
-                <a:latin typeface="Times New Roman" panose="02020603050405020304" pitchFamily="18" charset="0"/>
-                <a:cs typeface="Times New Roman" panose="02020603050405020304" pitchFamily="18" charset="0"/>
-              </a:rPr>
-              <a:t>'module-name‘</a:t>
+              <a:t>import package from 'module-name‘</a:t>
             </a:r>
           </a:p>
           <a:p>
@@ -10304,7 +9916,7 @@
               <a:buNone/>
             </a:pPr>
             <a:r>
-              <a:rPr lang="nl-NL" sz="2200" dirty="0" smtClean="0">
+              <a:rPr lang="nl-NL" sz="2200" dirty="0">
                 <a:latin typeface="Times New Roman" panose="02020603050405020304" pitchFamily="18" charset="0"/>
                 <a:cs typeface="Times New Roman" panose="02020603050405020304" pitchFamily="18" charset="0"/>
               </a:rPr>
@@ -10319,24 +9931,20 @@
               </a:rPr>
               <a:t>import * as lib from 'lib';</a:t>
             </a:r>
-            <a:endParaRPr lang="en-US" sz="2200" dirty="0" smtClean="0">
-              <a:latin typeface="Times New Roman" panose="02020603050405020304" pitchFamily="18" charset="0"/>
-              <a:cs typeface="Times New Roman" panose="02020603050405020304" pitchFamily="18" charset="0"/>
-            </a:endParaRPr>
           </a:p>
           <a:p>
             <a:pPr marL="0" indent="0">
               <a:buNone/>
             </a:pPr>
             <a:r>
-              <a:rPr lang="nl-NL" sz="2200" dirty="0" err="1" smtClean="0">
+              <a:rPr lang="nl-NL" sz="2200" dirty="0" err="1">
                 <a:latin typeface="Times New Roman" panose="02020603050405020304" pitchFamily="18" charset="0"/>
                 <a:cs typeface="Times New Roman" panose="02020603050405020304" pitchFamily="18" charset="0"/>
               </a:rPr>
               <a:t>Example</a:t>
             </a:r>
             <a:r>
-              <a:rPr lang="nl-NL" sz="2200" dirty="0" smtClean="0">
+              <a:rPr lang="nl-NL" sz="2200" dirty="0">
                 <a:latin typeface="Times New Roman" panose="02020603050405020304" pitchFamily="18" charset="0"/>
                 <a:cs typeface="Times New Roman" panose="02020603050405020304" pitchFamily="18" charset="0"/>
               </a:rPr>
@@ -10356,7 +9964,7 @@
               <a:t>import React, { Component } from 'react'</a:t>
             </a:r>
             <a:r>
-              <a:rPr lang="nl-NL" sz="2200" dirty="0" smtClean="0">
+              <a:rPr lang="nl-NL" sz="2200" dirty="0">
                 <a:latin typeface="Times New Roman" panose="02020603050405020304" pitchFamily="18" charset="0"/>
                 <a:cs typeface="Times New Roman" panose="02020603050405020304" pitchFamily="18" charset="0"/>
               </a:rPr>
@@ -10365,42 +9973,42 @@
           </a:p>
           <a:p>
             <a:r>
-              <a:rPr lang="nl-NL" sz="2200" dirty="0" err="1" smtClean="0">
+              <a:rPr lang="nl-NL" sz="2200" dirty="0" err="1">
                 <a:latin typeface="Times New Roman" panose="02020603050405020304" pitchFamily="18" charset="0"/>
                 <a:cs typeface="Times New Roman" panose="02020603050405020304" pitchFamily="18" charset="0"/>
               </a:rPr>
               <a:t>React</a:t>
             </a:r>
             <a:r>
-              <a:rPr lang="nl-NL" sz="2200" dirty="0" smtClean="0">
+              <a:rPr lang="nl-NL" sz="2200" dirty="0">
                 <a:latin typeface="Times New Roman" panose="02020603050405020304" pitchFamily="18" charset="0"/>
                 <a:cs typeface="Times New Roman" panose="02020603050405020304" pitchFamily="18" charset="0"/>
               </a:rPr>
               <a:t> </a:t>
             </a:r>
             <a:r>
-              <a:rPr lang="nl-NL" sz="2200" dirty="0" err="1" smtClean="0">
+              <a:rPr lang="nl-NL" sz="2200" dirty="0" err="1">
                 <a:latin typeface="Times New Roman" panose="02020603050405020304" pitchFamily="18" charset="0"/>
                 <a:cs typeface="Times New Roman" panose="02020603050405020304" pitchFamily="18" charset="0"/>
               </a:rPr>
               <a:t>here</a:t>
             </a:r>
             <a:r>
-              <a:rPr lang="nl-NL" sz="2200" dirty="0" smtClean="0">
+              <a:rPr lang="nl-NL" sz="2200" dirty="0">
                 <a:latin typeface="Times New Roman" panose="02020603050405020304" pitchFamily="18" charset="0"/>
                 <a:cs typeface="Times New Roman" panose="02020603050405020304" pitchFamily="18" charset="0"/>
               </a:rPr>
               <a:t> is default export </a:t>
             </a:r>
             <a:r>
-              <a:rPr lang="nl-NL" sz="2200" dirty="0" err="1" smtClean="0">
+              <a:rPr lang="nl-NL" sz="2200" dirty="0" err="1">
                 <a:latin typeface="Times New Roman" panose="02020603050405020304" pitchFamily="18" charset="0"/>
                 <a:cs typeface="Times New Roman" panose="02020603050405020304" pitchFamily="18" charset="0"/>
               </a:rPr>
               <a:t>and</a:t>
             </a:r>
             <a:r>
-              <a:rPr lang="nl-NL" sz="2200" dirty="0" smtClean="0">
+              <a:rPr lang="nl-NL" sz="2200" dirty="0">
                 <a:latin typeface="Times New Roman" panose="02020603050405020304" pitchFamily="18" charset="0"/>
                 <a:cs typeface="Times New Roman" panose="02020603050405020304" pitchFamily="18" charset="0"/>
               </a:rPr>
@@ -10423,13 +10031,6 @@
   <p:clrMapOvr>
     <a:masterClrMapping/>
   </p:clrMapOvr>
-  <p:timing>
-    <p:tnLst>
-      <p:par>
-        <p:cTn id="1" dur="indefinite" restart="never" nodeType="tmRoot"/>
-      </p:par>
-    </p:tnLst>
-  </p:timing>
 </p:sld>
 </file>
 
@@ -10472,20 +10073,12 @@
           </a:bodyPr>
           <a:lstStyle/>
           <a:p>
-            <a:r>
-              <a:rPr lang="en-US" sz="3600" b="1" dirty="0" smtClean="0"/>
-              <a:t/>
-            </a:r>
             <a:br>
-              <a:rPr lang="en-US" sz="3600" b="1" dirty="0" smtClean="0"/>
+              <a:rPr lang="en-US" sz="3600" b="1" dirty="0"/>
             </a:br>
             <a:r>
-              <a:rPr lang="en-US" sz="3600" b="1" dirty="0" smtClean="0"/>
-              <a:t>Introduction </a:t>
-            </a:r>
-            <a:r>
               <a:rPr lang="en-US" sz="3600" b="1" dirty="0"/>
-              <a:t>to Component</a:t>
+              <a:t>Introduction to Component</a:t>
             </a:r>
             <a:br>
               <a:rPr lang="en-US" sz="3600" b="1" dirty="0"/>
@@ -10519,23 +10112,14 @@
           <a:p>
             <a:r>
               <a:rPr lang="en-US" dirty="0"/>
-              <a:t>You define a component's application logic—what it does to support the view—inside a class. The class interacts with the view through an API of properties and methods</a:t>
-            </a:r>
-            <a:r>
-              <a:rPr lang="en-US" dirty="0" smtClean="0"/>
-              <a:t>.</a:t>
+              <a:t>You define a component's application logic—what it does to support the view—inside a class. The class interacts with the view through an API of properties and methods.</a:t>
             </a:r>
           </a:p>
           <a:p>
             <a:r>
               <a:rPr lang="en-US" dirty="0"/>
-              <a:t>The @Component decorator identifies the class immediately below it as a component </a:t>
-            </a:r>
-            <a:r>
-              <a:rPr lang="en-US" dirty="0" smtClean="0"/>
-              <a:t>class</a:t>
-            </a:r>
-            <a:endParaRPr lang="en-US" dirty="0"/>
+              <a:t>The @Component decorator identifies the class immediately below it as a component class</a:t>
+            </a:r>
           </a:p>
         </p:txBody>
       </p:sp>
@@ -10579,13 +10163,6 @@
   <p:clrMapOvr>
     <a:masterClrMapping/>
   </p:clrMapOvr>
-  <p:timing>
-    <p:tnLst>
-      <p:par>
-        <p:cTn id="1" dur="indefinite" restart="never" nodeType="tmRoot"/>
-      </p:par>
-    </p:tnLst>
-  </p:timing>
 </p:sld>
 </file>
 
@@ -10622,35 +10199,35 @@
           <a:lstStyle/>
           <a:p>
             <a:r>
-              <a:rPr lang="nl-NL" dirty="0" err="1" smtClean="0">
+              <a:rPr lang="nl-NL" dirty="0" err="1">
                 <a:latin typeface="Times New Roman" panose="02020603050405020304" pitchFamily="18" charset="0"/>
                 <a:cs typeface="Times New Roman" panose="02020603050405020304" pitchFamily="18" charset="0"/>
               </a:rPr>
               <a:t>Create</a:t>
             </a:r>
             <a:r>
-              <a:rPr lang="nl-NL" dirty="0" smtClean="0">
+              <a:rPr lang="nl-NL" dirty="0">
                 <a:latin typeface="Times New Roman" panose="02020603050405020304" pitchFamily="18" charset="0"/>
                 <a:cs typeface="Times New Roman" panose="02020603050405020304" pitchFamily="18" charset="0"/>
               </a:rPr>
               <a:t> </a:t>
             </a:r>
             <a:r>
-              <a:rPr lang="nl-NL" dirty="0" err="1" smtClean="0">
+              <a:rPr lang="nl-NL" dirty="0" err="1">
                 <a:latin typeface="Times New Roman" panose="02020603050405020304" pitchFamily="18" charset="0"/>
                 <a:cs typeface="Times New Roman" panose="02020603050405020304" pitchFamily="18" charset="0"/>
               </a:rPr>
               <a:t>Dynamic</a:t>
             </a:r>
             <a:r>
-              <a:rPr lang="nl-NL" dirty="0" smtClean="0">
+              <a:rPr lang="nl-NL" dirty="0">
                 <a:latin typeface="Times New Roman" panose="02020603050405020304" pitchFamily="18" charset="0"/>
                 <a:cs typeface="Times New Roman" panose="02020603050405020304" pitchFamily="18" charset="0"/>
               </a:rPr>
               <a:t> </a:t>
             </a:r>
             <a:r>
-              <a:rPr lang="nl-NL" dirty="0" err="1" smtClean="0">
+              <a:rPr lang="nl-NL" dirty="0" err="1">
                 <a:latin typeface="Times New Roman" panose="02020603050405020304" pitchFamily="18" charset="0"/>
                 <a:cs typeface="Times New Roman" panose="02020603050405020304" pitchFamily="18" charset="0"/>
               </a:rPr>
@@ -10681,161 +10258,161 @@
           <a:lstStyle/>
           <a:p>
             <a:r>
-              <a:rPr lang="nl-NL" sz="2400" dirty="0" err="1" smtClean="0">
+              <a:rPr lang="nl-NL" sz="2400" dirty="0" err="1">
                 <a:latin typeface="Times New Roman" panose="02020603050405020304" pitchFamily="18" charset="0"/>
                 <a:cs typeface="Times New Roman" panose="02020603050405020304" pitchFamily="18" charset="0"/>
               </a:rPr>
               <a:t>To</a:t>
             </a:r>
             <a:r>
-              <a:rPr lang="nl-NL" sz="2400" dirty="0" smtClean="0">
+              <a:rPr lang="nl-NL" sz="2400" dirty="0">
                 <a:latin typeface="Times New Roman" panose="02020603050405020304" pitchFamily="18" charset="0"/>
                 <a:cs typeface="Times New Roman" panose="02020603050405020304" pitchFamily="18" charset="0"/>
               </a:rPr>
               <a:t> </a:t>
             </a:r>
             <a:r>
-              <a:rPr lang="nl-NL" sz="2400" dirty="0" err="1" smtClean="0">
+              <a:rPr lang="nl-NL" sz="2400" dirty="0" err="1">
                 <a:latin typeface="Times New Roman" panose="02020603050405020304" pitchFamily="18" charset="0"/>
                 <a:cs typeface="Times New Roman" panose="02020603050405020304" pitchFamily="18" charset="0"/>
               </a:rPr>
               <a:t>create</a:t>
             </a:r>
             <a:r>
-              <a:rPr lang="nl-NL" sz="2400" dirty="0" smtClean="0">
+              <a:rPr lang="nl-NL" sz="2400" dirty="0">
                 <a:latin typeface="Times New Roman" panose="02020603050405020304" pitchFamily="18" charset="0"/>
                 <a:cs typeface="Times New Roman" panose="02020603050405020304" pitchFamily="18" charset="0"/>
               </a:rPr>
               <a:t> </a:t>
             </a:r>
             <a:r>
-              <a:rPr lang="nl-NL" sz="2400" dirty="0" err="1" smtClean="0">
+              <a:rPr lang="nl-NL" sz="2400" dirty="0" err="1">
                 <a:latin typeface="Times New Roman" panose="02020603050405020304" pitchFamily="18" charset="0"/>
                 <a:cs typeface="Times New Roman" panose="02020603050405020304" pitchFamily="18" charset="0"/>
               </a:rPr>
               <a:t>dynamic</a:t>
             </a:r>
             <a:r>
-              <a:rPr lang="nl-NL" sz="2400" dirty="0" smtClean="0">
+              <a:rPr lang="nl-NL" sz="2400" dirty="0">
                 <a:latin typeface="Times New Roman" panose="02020603050405020304" pitchFamily="18" charset="0"/>
                 <a:cs typeface="Times New Roman" panose="02020603050405020304" pitchFamily="18" charset="0"/>
               </a:rPr>
               <a:t> component we </a:t>
             </a:r>
             <a:r>
-              <a:rPr lang="nl-NL" sz="2400" dirty="0" err="1" smtClean="0">
+              <a:rPr lang="nl-NL" sz="2400" dirty="0" err="1">
                 <a:latin typeface="Times New Roman" panose="02020603050405020304" pitchFamily="18" charset="0"/>
                 <a:cs typeface="Times New Roman" panose="02020603050405020304" pitchFamily="18" charset="0"/>
               </a:rPr>
               <a:t>need</a:t>
             </a:r>
             <a:r>
-              <a:rPr lang="nl-NL" sz="2400" dirty="0" smtClean="0">
+              <a:rPr lang="nl-NL" sz="2400" dirty="0">
                 <a:latin typeface="Times New Roman" panose="02020603050405020304" pitchFamily="18" charset="0"/>
                 <a:cs typeface="Times New Roman" panose="02020603050405020304" pitchFamily="18" charset="0"/>
               </a:rPr>
               <a:t> </a:t>
             </a:r>
             <a:r>
-              <a:rPr lang="nl-NL" sz="2400" dirty="0" err="1" smtClean="0">
+              <a:rPr lang="nl-NL" sz="2400" dirty="0" err="1">
                 <a:latin typeface="Times New Roman" panose="02020603050405020304" pitchFamily="18" charset="0"/>
                 <a:cs typeface="Times New Roman" panose="02020603050405020304" pitchFamily="18" charset="0"/>
               </a:rPr>
               <a:t>to</a:t>
             </a:r>
             <a:r>
-              <a:rPr lang="nl-NL" sz="2400" dirty="0" smtClean="0">
+              <a:rPr lang="nl-NL" sz="2400" dirty="0">
                 <a:latin typeface="Times New Roman" panose="02020603050405020304" pitchFamily="18" charset="0"/>
                 <a:cs typeface="Times New Roman" panose="02020603050405020304" pitchFamily="18" charset="0"/>
               </a:rPr>
               <a:t> </a:t>
             </a:r>
             <a:r>
-              <a:rPr lang="nl-NL" sz="2400" dirty="0" err="1" smtClean="0">
+              <a:rPr lang="nl-NL" sz="2400" dirty="0" err="1">
                 <a:latin typeface="Times New Roman" panose="02020603050405020304" pitchFamily="18" charset="0"/>
                 <a:cs typeface="Times New Roman" panose="02020603050405020304" pitchFamily="18" charset="0"/>
               </a:rPr>
               <a:t>use</a:t>
             </a:r>
             <a:r>
-              <a:rPr lang="nl-NL" sz="2400" dirty="0" smtClean="0">
+              <a:rPr lang="nl-NL" sz="2400" dirty="0">
                 <a:latin typeface="Times New Roman" panose="02020603050405020304" pitchFamily="18" charset="0"/>
                 <a:cs typeface="Times New Roman" panose="02020603050405020304" pitchFamily="18" charset="0"/>
               </a:rPr>
               <a:t> </a:t>
             </a:r>
             <a:r>
-              <a:rPr lang="nl-NL" sz="2400" dirty="0" err="1" smtClean="0">
+              <a:rPr lang="nl-NL" sz="2400" dirty="0" err="1">
                 <a:latin typeface="Times New Roman" panose="02020603050405020304" pitchFamily="18" charset="0"/>
                 <a:cs typeface="Times New Roman" panose="02020603050405020304" pitchFamily="18" charset="0"/>
               </a:rPr>
               <a:t>ViewContainerRef</a:t>
             </a:r>
             <a:r>
-              <a:rPr lang="nl-NL" sz="2400" dirty="0" smtClean="0">
+              <a:rPr lang="nl-NL" sz="2400" dirty="0">
                 <a:latin typeface="Times New Roman" panose="02020603050405020304" pitchFamily="18" charset="0"/>
                 <a:cs typeface="Times New Roman" panose="02020603050405020304" pitchFamily="18" charset="0"/>
               </a:rPr>
               <a:t> </a:t>
             </a:r>
             <a:r>
-              <a:rPr lang="nl-NL" sz="2400" dirty="0" err="1" smtClean="0">
+              <a:rPr lang="nl-NL" sz="2400" dirty="0" err="1">
                 <a:latin typeface="Times New Roman" panose="02020603050405020304" pitchFamily="18" charset="0"/>
                 <a:cs typeface="Times New Roman" panose="02020603050405020304" pitchFamily="18" charset="0"/>
               </a:rPr>
               <a:t>to</a:t>
             </a:r>
             <a:r>
-              <a:rPr lang="nl-NL" sz="2400" dirty="0" smtClean="0">
+              <a:rPr lang="nl-NL" sz="2400" dirty="0">
                 <a:latin typeface="Times New Roman" panose="02020603050405020304" pitchFamily="18" charset="0"/>
                 <a:cs typeface="Times New Roman" panose="02020603050405020304" pitchFamily="18" charset="0"/>
               </a:rPr>
               <a:t> </a:t>
             </a:r>
             <a:r>
-              <a:rPr lang="nl-NL" sz="2400" dirty="0" err="1" smtClean="0">
+              <a:rPr lang="nl-NL" sz="2400" dirty="0" err="1">
                 <a:latin typeface="Times New Roman" panose="02020603050405020304" pitchFamily="18" charset="0"/>
                 <a:cs typeface="Times New Roman" panose="02020603050405020304" pitchFamily="18" charset="0"/>
               </a:rPr>
               <a:t>reference</a:t>
             </a:r>
             <a:r>
-              <a:rPr lang="nl-NL" sz="2400" dirty="0" smtClean="0">
+              <a:rPr lang="nl-NL" sz="2400" dirty="0">
                 <a:latin typeface="Times New Roman" panose="02020603050405020304" pitchFamily="18" charset="0"/>
                 <a:cs typeface="Times New Roman" panose="02020603050405020304" pitchFamily="18" charset="0"/>
               </a:rPr>
               <a:t> </a:t>
             </a:r>
             <a:r>
-              <a:rPr lang="nl-NL" sz="2400" dirty="0" err="1" smtClean="0">
+              <a:rPr lang="nl-NL" sz="2400" dirty="0" err="1">
                 <a:latin typeface="Times New Roman" panose="02020603050405020304" pitchFamily="18" charset="0"/>
                 <a:cs typeface="Times New Roman" panose="02020603050405020304" pitchFamily="18" charset="0"/>
               </a:rPr>
               <a:t>the</a:t>
             </a:r>
             <a:r>
-              <a:rPr lang="nl-NL" sz="2400" dirty="0" smtClean="0">
+              <a:rPr lang="nl-NL" sz="2400" dirty="0">
                 <a:latin typeface="Times New Roman" panose="02020603050405020304" pitchFamily="18" charset="0"/>
                 <a:cs typeface="Times New Roman" panose="02020603050405020304" pitchFamily="18" charset="0"/>
               </a:rPr>
               <a:t> container element we want </a:t>
             </a:r>
             <a:r>
-              <a:rPr lang="nl-NL" sz="2400" dirty="0" err="1" smtClean="0">
+              <a:rPr lang="nl-NL" sz="2400" dirty="0" err="1">
                 <a:latin typeface="Times New Roman" panose="02020603050405020304" pitchFamily="18" charset="0"/>
                 <a:cs typeface="Times New Roman" panose="02020603050405020304" pitchFamily="18" charset="0"/>
               </a:rPr>
               <a:t>to</a:t>
             </a:r>
             <a:r>
-              <a:rPr lang="nl-NL" sz="2400" dirty="0" smtClean="0">
+              <a:rPr lang="nl-NL" sz="2400" dirty="0">
                 <a:latin typeface="Times New Roman" panose="02020603050405020304" pitchFamily="18" charset="0"/>
                 <a:cs typeface="Times New Roman" panose="02020603050405020304" pitchFamily="18" charset="0"/>
               </a:rPr>
               <a:t> display. </a:t>
             </a:r>
             <a:r>
-              <a:rPr lang="en-US" sz="2400" dirty="0" err="1" smtClean="0">
+              <a:rPr lang="en-US" sz="2400" dirty="0" err="1">
                 <a:latin typeface="Times New Roman" panose="02020603050405020304" pitchFamily="18" charset="0"/>
                 <a:cs typeface="Times New Roman" panose="02020603050405020304" pitchFamily="18" charset="0"/>
               </a:rPr>
@@ -10846,79 +10423,72 @@
                 <a:latin typeface="Times New Roman" panose="02020603050405020304" pitchFamily="18" charset="0"/>
                 <a:cs typeface="Times New Roman" panose="02020603050405020304" pitchFamily="18" charset="0"/>
               </a:rPr>
-              <a:t> </a:t>
-            </a:r>
-            <a:r>
-              <a:rPr lang="en-US" sz="2400" dirty="0" smtClean="0">
-                <a:latin typeface="Times New Roman" panose="02020603050405020304" pitchFamily="18" charset="0"/>
-                <a:cs typeface="Times New Roman" panose="02020603050405020304" pitchFamily="18" charset="0"/>
-              </a:rPr>
-              <a:t>contain method to create a delete component. Then use </a:t>
-            </a:r>
-            <a:r>
-              <a:rPr lang="en-US" sz="2400" dirty="0" err="1" smtClean="0">
+              <a:t> contain method to create a delete component. Then use </a:t>
+            </a:r>
+            <a:r>
+              <a:rPr lang="en-US" sz="2400" dirty="0" err="1">
                 <a:latin typeface="Times New Roman" panose="02020603050405020304" pitchFamily="18" charset="0"/>
                 <a:cs typeface="Times New Roman" panose="02020603050405020304" pitchFamily="18" charset="0"/>
               </a:rPr>
               <a:t>ComponentFactoryResolver</a:t>
             </a:r>
             <a:r>
-              <a:rPr lang="en-US" sz="2400" dirty="0" smtClean="0">
+              <a:rPr lang="en-US" sz="2400" dirty="0">
                 <a:latin typeface="Times New Roman" panose="02020603050405020304" pitchFamily="18" charset="0"/>
                 <a:cs typeface="Times New Roman" panose="02020603050405020304" pitchFamily="18" charset="0"/>
               </a:rPr>
               <a:t> to create component factory. </a:t>
             </a:r>
-            <a:endParaRPr lang="nl-NL" sz="2400" dirty="0" smtClean="0">
+            <a:endParaRPr lang="nl-NL" sz="2400" dirty="0">
               <a:latin typeface="Times New Roman" panose="02020603050405020304" pitchFamily="18" charset="0"/>
               <a:cs typeface="Times New Roman" panose="02020603050405020304" pitchFamily="18" charset="0"/>
             </a:endParaRPr>
           </a:p>
           <a:p>
             <a:r>
-              <a:rPr lang="nl-NL" sz="2400" dirty="0" smtClean="0">
+              <a:rPr lang="nl-NL" sz="2400" dirty="0">
                 <a:latin typeface="Times New Roman" panose="02020603050405020304" pitchFamily="18" charset="0"/>
                 <a:cs typeface="Times New Roman" panose="02020603050405020304" pitchFamily="18" charset="0"/>
               </a:rPr>
               <a:t>Step </a:t>
             </a:r>
             <a:r>
-              <a:rPr lang="nl-NL" sz="2400" dirty="0" err="1" smtClean="0">
+              <a:rPr lang="nl-NL" sz="2400" dirty="0" err="1">
                 <a:latin typeface="Times New Roman" panose="02020603050405020304" pitchFamily="18" charset="0"/>
                 <a:cs typeface="Times New Roman" panose="02020603050405020304" pitchFamily="18" charset="0"/>
               </a:rPr>
               <a:t>to</a:t>
             </a:r>
             <a:r>
-              <a:rPr lang="nl-NL" sz="2400" dirty="0" smtClean="0">
+              <a:rPr lang="nl-NL" sz="2400" dirty="0">
                 <a:latin typeface="Times New Roman" panose="02020603050405020304" pitchFamily="18" charset="0"/>
                 <a:cs typeface="Times New Roman" panose="02020603050405020304" pitchFamily="18" charset="0"/>
               </a:rPr>
               <a:t> </a:t>
             </a:r>
             <a:r>
-              <a:rPr lang="nl-NL" sz="2400" dirty="0" err="1" smtClean="0">
+              <a:rPr lang="nl-NL" sz="2400" dirty="0" err="1">
                 <a:latin typeface="Times New Roman" panose="02020603050405020304" pitchFamily="18" charset="0"/>
                 <a:cs typeface="Times New Roman" panose="02020603050405020304" pitchFamily="18" charset="0"/>
               </a:rPr>
               <a:t>create</a:t>
             </a:r>
             <a:r>
-              <a:rPr lang="nl-NL" sz="2400" dirty="0" smtClean="0">
+              <a:rPr lang="nl-NL" sz="2400" dirty="0">
                 <a:latin typeface="Times New Roman" panose="02020603050405020304" pitchFamily="18" charset="0"/>
                 <a:cs typeface="Times New Roman" panose="02020603050405020304" pitchFamily="18" charset="0"/>
               </a:rPr>
               <a:t> a </a:t>
             </a:r>
             <a:r>
-              <a:rPr lang="nl-NL" sz="2400" dirty="0" err="1" smtClean="0">
+              <a:rPr lang="nl-NL" sz="2400" dirty="0" err="1">
                 <a:latin typeface="Times New Roman" panose="02020603050405020304" pitchFamily="18" charset="0"/>
                 <a:cs typeface="Times New Roman" panose="02020603050405020304" pitchFamily="18" charset="0"/>
               </a:rPr>
               <a:t>dynamic</a:t>
             </a:r>
             <a:r>
-              <a:rPr lang="nl-NL" sz="2400" dirty="0" smtClean="0">
+              <a:rPr lang="nl-NL" sz="2400" dirty="0">
                 <a:latin typeface="Times New Roman" panose="02020603050405020304" pitchFamily="18" charset="0"/>
                 <a:cs typeface="Times New Roman" panose="02020603050405020304" pitchFamily="18" charset="0"/>
               </a:rPr>
@@ -10948,19 +10518,8 @@
                 <a:latin typeface="Times New Roman" panose="02020603050405020304" pitchFamily="18" charset="0"/>
                 <a:cs typeface="Times New Roman" panose="02020603050405020304" pitchFamily="18" charset="0"/>
               </a:rPr>
-              <a:t>Create a factory for </a:t>
-            </a:r>
-            <a:r>
-              <a:rPr lang="en-US" sz="2400" dirty="0" smtClean="0">
-                <a:latin typeface="Times New Roman" panose="02020603050405020304" pitchFamily="18" charset="0"/>
-                <a:cs typeface="Times New Roman" panose="02020603050405020304" pitchFamily="18" charset="0"/>
-              </a:rPr>
-              <a:t>component.</a:t>
-            </a:r>
-            <a:endParaRPr lang="en-US" sz="2400" dirty="0">
-              <a:latin typeface="Times New Roman" panose="02020603050405020304" pitchFamily="18" charset="0"/>
-              <a:cs typeface="Times New Roman" panose="02020603050405020304" pitchFamily="18" charset="0"/>
-            </a:endParaRPr>
+              <a:t>Create a factory for component.</a:t>
+            </a:r>
           </a:p>
           <a:p>
             <a:pPr marL="457200" indent="-457200">
@@ -11000,13 +10559,6 @@
   <p:clrMapOvr>
     <a:masterClrMapping/>
   </p:clrMapOvr>
-  <p:timing>
-    <p:tnLst>
-      <p:par>
-        <p:cTn id="1" dur="indefinite" restart="never" nodeType="tmRoot"/>
-      </p:par>
-    </p:tnLst>
-  </p:timing>
 </p:sld>
 </file>
 
@@ -11049,19 +10601,8 @@
                 <a:latin typeface="Times New Roman" panose="02020603050405020304" pitchFamily="18" charset="0"/>
                 <a:cs typeface="Times New Roman" panose="02020603050405020304" pitchFamily="18" charset="0"/>
               </a:rPr>
-              <a:t>Binding </a:t>
-            </a:r>
-            <a:r>
-              <a:rPr lang="en-US" dirty="0" smtClean="0">
-                <a:latin typeface="Times New Roman" panose="02020603050405020304" pitchFamily="18" charset="0"/>
-                <a:cs typeface="Times New Roman" panose="02020603050405020304" pitchFamily="18" charset="0"/>
-              </a:rPr>
-              <a:t>with Interpolation</a:t>
-            </a:r>
-            <a:endParaRPr lang="en-US" dirty="0">
-              <a:latin typeface="Times New Roman" panose="02020603050405020304" pitchFamily="18" charset="0"/>
-              <a:cs typeface="Times New Roman" panose="02020603050405020304" pitchFamily="18" charset="0"/>
-            </a:endParaRPr>
+              <a:t>Binding with Interpolation</a:t>
+            </a:r>
           </a:p>
         </p:txBody>
       </p:sp>
@@ -11085,14 +10626,7 @@
                 <a:latin typeface="Times New Roman" panose="02020603050405020304" pitchFamily="18" charset="0"/>
                 <a:cs typeface="Times New Roman" panose="02020603050405020304" pitchFamily="18" charset="0"/>
               </a:rPr>
-              <a:t>Interpolation allows you to </a:t>
-            </a:r>
-            <a:r>
-              <a:rPr lang="en-US" dirty="0" smtClean="0">
-                <a:latin typeface="Times New Roman" panose="02020603050405020304" pitchFamily="18" charset="0"/>
-                <a:cs typeface="Times New Roman" panose="02020603050405020304" pitchFamily="18" charset="0"/>
-              </a:rPr>
-              <a:t>display data from your component into view or even do some logic to display your data </a:t>
+              <a:t>Interpolation allows you to display data from your component into view or even do some logic to display your data </a:t>
             </a:r>
           </a:p>
           <a:p>
@@ -11103,39 +10637,14 @@
               </a:rPr>
               <a:t>Interpolation refers to embedding expressions into marked up text. </a:t>
             </a:r>
-            <a:endParaRPr lang="en-US" dirty="0" smtClean="0">
-              <a:latin typeface="Times New Roman" panose="02020603050405020304" pitchFamily="18" charset="0"/>
-              <a:cs typeface="Times New Roman" panose="02020603050405020304" pitchFamily="18" charset="0"/>
-            </a:endParaRPr>
-          </a:p>
-          <a:p>
-            <a:r>
-              <a:rPr lang="en-US" dirty="0" smtClean="0">
-                <a:latin typeface="Times New Roman" panose="02020603050405020304" pitchFamily="18" charset="0"/>
-                <a:cs typeface="Times New Roman" panose="02020603050405020304" pitchFamily="18" charset="0"/>
-              </a:rPr>
-              <a:t>By </a:t>
-            </a:r>
+          </a:p>
+          <a:p>
             <a:r>
               <a:rPr lang="en-US" dirty="0">
                 <a:latin typeface="Times New Roman" panose="02020603050405020304" pitchFamily="18" charset="0"/>
                 <a:cs typeface="Times New Roman" panose="02020603050405020304" pitchFamily="18" charset="0"/>
               </a:rPr>
-              <a:t>default, interpolation uses as its delimiter the double curly </a:t>
-            </a:r>
-            <a:r>
-              <a:rPr lang="en-US" dirty="0" smtClean="0">
-                <a:latin typeface="Times New Roman" panose="02020603050405020304" pitchFamily="18" charset="0"/>
-                <a:cs typeface="Times New Roman" panose="02020603050405020304" pitchFamily="18" charset="0"/>
-              </a:rPr>
-              <a:t>braces  {{ </a:t>
-            </a:r>
-            <a:r>
-              <a:rPr lang="en-US" dirty="0">
-                <a:latin typeface="Times New Roman" panose="02020603050405020304" pitchFamily="18" charset="0"/>
-                <a:cs typeface="Times New Roman" panose="02020603050405020304" pitchFamily="18" charset="0"/>
-              </a:rPr>
-              <a:t>and }}. </a:t>
+              <a:t>By default, interpolation uses as its delimiter the double curly braces  {{ and }}. </a:t>
             </a:r>
           </a:p>
         </p:txBody>
@@ -11150,13 +10659,6 @@
   <p:clrMapOvr>
     <a:masterClrMapping/>
   </p:clrMapOvr>
-  <p:timing>
-    <p:tnLst>
-      <p:par>
-        <p:cTn id="1" dur="indefinite" restart="never" nodeType="tmRoot"/>
-      </p:par>
-    </p:tnLst>
-  </p:timing>
 </p:sld>
 </file>
 
@@ -11193,21 +10695,21 @@
           <a:lstStyle/>
           <a:p>
             <a:r>
-              <a:rPr lang="nl-NL" dirty="0" smtClean="0">
+              <a:rPr lang="nl-NL" dirty="0">
                 <a:latin typeface="Times New Roman" panose="02020603050405020304" pitchFamily="18" charset="0"/>
                 <a:cs typeface="Times New Roman" panose="02020603050405020304" pitchFamily="18" charset="0"/>
               </a:rPr>
               <a:t>6 </a:t>
             </a:r>
             <a:r>
-              <a:rPr lang="nl-NL" dirty="0" err="1" smtClean="0">
+              <a:rPr lang="nl-NL" dirty="0" err="1">
                 <a:latin typeface="Times New Roman" panose="02020603050405020304" pitchFamily="18" charset="0"/>
                 <a:cs typeface="Times New Roman" panose="02020603050405020304" pitchFamily="18" charset="0"/>
               </a:rPr>
               <a:t>bindings</a:t>
             </a:r>
             <a:r>
-              <a:rPr lang="nl-NL" dirty="0" smtClean="0">
+              <a:rPr lang="nl-NL" dirty="0">
                 <a:latin typeface="Times New Roman" panose="02020603050405020304" pitchFamily="18" charset="0"/>
                 <a:cs typeface="Times New Roman" panose="02020603050405020304" pitchFamily="18" charset="0"/>
               </a:rPr>
@@ -11259,13 +10761,6 @@
   <p:clrMapOvr>
     <a:masterClrMapping/>
   </p:clrMapOvr>
-  <p:timing>
-    <p:tnLst>
-      <p:par>
-        <p:cTn id="1" dur="indefinite" restart="never" nodeType="tmRoot"/>
-      </p:par>
-    </p:tnLst>
-  </p:timing>
 </p:sld>
 </file>
 
@@ -11344,13 +10839,6 @@
   <p:clrMapOvr>
     <a:masterClrMapping/>
   </p:clrMapOvr>
-  <p:timing>
-    <p:tnLst>
-      <p:par>
-        <p:cTn id="1" dur="indefinite" restart="never" nodeType="tmRoot"/>
-      </p:par>
-    </p:tnLst>
-  </p:timing>
 </p:sld>
 </file>
 
@@ -11388,32 +10876,18 @@
           </a:bodyPr>
           <a:lstStyle/>
           <a:p>
-            <a:r>
-              <a:rPr lang="en-US" dirty="0" smtClean="0">
-                <a:latin typeface="Times New Roman" panose="02020603050405020304" pitchFamily="18" charset="0"/>
-                <a:cs typeface="Times New Roman" panose="02020603050405020304" pitchFamily="18" charset="0"/>
-              </a:rPr>
-              <a:t/>
-            </a:r>
             <a:br>
-              <a:rPr lang="en-US" dirty="0" smtClean="0">
+              <a:rPr lang="en-US" dirty="0">
                 <a:latin typeface="Times New Roman" panose="02020603050405020304" pitchFamily="18" charset="0"/>
                 <a:cs typeface="Times New Roman" panose="02020603050405020304" pitchFamily="18" charset="0"/>
               </a:rPr>
             </a:br>
             <a:r>
-              <a:rPr lang="en-US" dirty="0" smtClean="0">
-                <a:latin typeface="Times New Roman" panose="02020603050405020304" pitchFamily="18" charset="0"/>
-                <a:cs typeface="Times New Roman" panose="02020603050405020304" pitchFamily="18" charset="0"/>
-              </a:rPr>
-              <a:t>Introduction </a:t>
-            </a:r>
-            <a:r>
               <a:rPr lang="en-US" dirty="0">
                 <a:latin typeface="Times New Roman" panose="02020603050405020304" pitchFamily="18" charset="0"/>
                 <a:cs typeface="Times New Roman" panose="02020603050405020304" pitchFamily="18" charset="0"/>
               </a:rPr>
-              <a:t>to Directives</a:t>
+              <a:t>Introduction to Directives</a:t>
             </a:r>
             <a:br>
               <a:rPr lang="en-US" dirty="0">
@@ -11474,21 +10948,7 @@
                 <a:latin typeface="Times New Roman" panose="02020603050405020304" pitchFamily="18" charset="0"/>
                 <a:cs typeface="Times New Roman" panose="02020603050405020304" pitchFamily="18" charset="0"/>
               </a:rPr>
-              <a:t>Structural </a:t>
-            </a:r>
-            <a:r>
-              <a:rPr lang="en-US" dirty="0" smtClean="0">
-                <a:latin typeface="Times New Roman" panose="02020603050405020304" pitchFamily="18" charset="0"/>
-                <a:cs typeface="Times New Roman" panose="02020603050405020304" pitchFamily="18" charset="0"/>
-              </a:rPr>
-              <a:t>directives: </a:t>
-            </a:r>
-            <a:r>
-              <a:rPr lang="en-US" dirty="0">
-                <a:latin typeface="Times New Roman" panose="02020603050405020304" pitchFamily="18" charset="0"/>
-                <a:cs typeface="Times New Roman" panose="02020603050405020304" pitchFamily="18" charset="0"/>
-              </a:rPr>
-              <a:t>Structural directives are responsible for HTML layout. They shape or reshape the DOM's </a:t>
+              <a:t>Structural directives: Structural directives are responsible for HTML layout. They shape or reshape the DOM's </a:t>
             </a:r>
             <a:r>
               <a:rPr lang="en-US" i="1" dirty="0">
@@ -11515,21 +10975,7 @@
                 <a:latin typeface="Times New Roman" panose="02020603050405020304" pitchFamily="18" charset="0"/>
                 <a:cs typeface="Times New Roman" panose="02020603050405020304" pitchFamily="18" charset="0"/>
               </a:rPr>
-              <a:t>Attribute </a:t>
-            </a:r>
-            <a:r>
-              <a:rPr lang="en-US" dirty="0" smtClean="0">
-                <a:latin typeface="Times New Roman" panose="02020603050405020304" pitchFamily="18" charset="0"/>
-                <a:cs typeface="Times New Roman" panose="02020603050405020304" pitchFamily="18" charset="0"/>
-              </a:rPr>
-              <a:t>directives: </a:t>
-            </a:r>
-            <a:r>
-              <a:rPr lang="en-US" dirty="0">
-                <a:latin typeface="Times New Roman" panose="02020603050405020304" pitchFamily="18" charset="0"/>
-                <a:cs typeface="Times New Roman" panose="02020603050405020304" pitchFamily="18" charset="0"/>
-              </a:rPr>
-              <a:t>An Attribute directive changes the appearance or behavior of a DOM element.</a:t>
+              <a:t>Attribute directives: An Attribute directive changes the appearance or behavior of a DOM element.</a:t>
             </a:r>
           </a:p>
           <a:p>
@@ -11563,13 +11009,6 @@
   <p:clrMapOvr>
     <a:masterClrMapping/>
   </p:clrMapOvr>
-  <p:timing>
-    <p:tnLst>
-      <p:par>
-        <p:cTn id="1" dur="indefinite" restart="never" nodeType="tmRoot"/>
-      </p:par>
-    </p:tnLst>
-  </p:timing>
 </p:sld>
 </file>
 
@@ -11610,19 +11049,8 @@
                 <a:latin typeface="Times New Roman" panose="02020603050405020304" pitchFamily="18" charset="0"/>
                 <a:cs typeface="Times New Roman" panose="02020603050405020304" pitchFamily="18" charset="0"/>
               </a:rPr>
-              <a:t>Structural </a:t>
-            </a:r>
-            <a:r>
-              <a:rPr lang="en-US" dirty="0" smtClean="0">
-                <a:latin typeface="Times New Roman" panose="02020603050405020304" pitchFamily="18" charset="0"/>
-                <a:cs typeface="Times New Roman" panose="02020603050405020304" pitchFamily="18" charset="0"/>
-              </a:rPr>
-              <a:t>directives example</a:t>
-            </a:r>
-            <a:endParaRPr lang="en-US" dirty="0">
-              <a:latin typeface="Times New Roman" panose="02020603050405020304" pitchFamily="18" charset="0"/>
-              <a:cs typeface="Times New Roman" panose="02020603050405020304" pitchFamily="18" charset="0"/>
-            </a:endParaRPr>
+              <a:t>Structural directives example</a:t>
+            </a:r>
           </a:p>
         </p:txBody>
       </p:sp>
@@ -11665,13 +11093,6 @@
   <p:clrMapOvr>
     <a:masterClrMapping/>
   </p:clrMapOvr>
-  <p:timing>
-    <p:tnLst>
-      <p:par>
-        <p:cTn id="1" dur="indefinite" restart="never" nodeType="tmRoot"/>
-      </p:par>
-    </p:tnLst>
-  </p:timing>
 </p:sld>
 </file>
 
@@ -11757,13 +11178,6 @@
   <p:clrMapOvr>
     <a:masterClrMapping/>
   </p:clrMapOvr>
-  <p:timing>
-    <p:tnLst>
-      <p:par>
-        <p:cTn id="1" dur="indefinite" restart="never" nodeType="tmRoot"/>
-      </p:par>
-    </p:tnLst>
-  </p:timing>
 </p:sld>
 </file>
 
@@ -11808,32 +11222,18 @@
               </a:rPr>
               <a:t>Handling Events </a:t>
             </a:r>
-            <a:r>
-              <a:rPr lang="en-US" dirty="0" smtClean="0">
-                <a:latin typeface="Times New Roman" panose="02020603050405020304" pitchFamily="18" charset="0"/>
-                <a:cs typeface="Times New Roman" panose="02020603050405020304" pitchFamily="18" charset="0"/>
-              </a:rPr>
-              <a:t/>
-            </a:r>
             <a:br>
-              <a:rPr lang="en-US" dirty="0" smtClean="0">
+              <a:rPr lang="en-US" dirty="0">
                 <a:latin typeface="Times New Roman" panose="02020603050405020304" pitchFamily="18" charset="0"/>
                 <a:cs typeface="Times New Roman" panose="02020603050405020304" pitchFamily="18" charset="0"/>
               </a:rPr>
             </a:br>
             <a:r>
-              <a:rPr lang="en-US" dirty="0" smtClean="0">
-                <a:latin typeface="Times New Roman" panose="02020603050405020304" pitchFamily="18" charset="0"/>
-                <a:cs typeface="Times New Roman" panose="02020603050405020304" pitchFamily="18" charset="0"/>
-              </a:rPr>
-              <a:t>with </a:t>
-            </a:r>
-            <a:r>
               <a:rPr lang="en-US" dirty="0">
                 <a:latin typeface="Times New Roman" panose="02020603050405020304" pitchFamily="18" charset="0"/>
                 <a:cs typeface="Times New Roman" panose="02020603050405020304" pitchFamily="18" charset="0"/>
               </a:rPr>
-              <a:t>Event Binding</a:t>
+              <a:t>with Event Binding</a:t>
             </a:r>
           </a:p>
         </p:txBody>
@@ -11860,19 +11260,12 @@
                 <a:latin typeface="Times New Roman" panose="02020603050405020304" pitchFamily="18" charset="0"/>
                 <a:cs typeface="Times New Roman" panose="02020603050405020304" pitchFamily="18" charset="0"/>
               </a:rPr>
-              <a:t>Event binding allows you to listen for certain events such as keystrokes, mouse movements, clicks, and </a:t>
-            </a:r>
-            <a:r>
-              <a:rPr lang="en-US" sz="2500" dirty="0" smtClean="0">
-                <a:latin typeface="Times New Roman" panose="02020603050405020304" pitchFamily="18" charset="0"/>
-                <a:cs typeface="Times New Roman" panose="02020603050405020304" pitchFamily="18" charset="0"/>
-              </a:rPr>
-              <a:t>touches</a:t>
-            </a:r>
-          </a:p>
-          <a:p>
-            <a:r>
-              <a:rPr lang="nl-NL" sz="2500" dirty="0" err="1" smtClean="0">
+              <a:t>Event binding allows you to listen for certain events such as keystrokes, mouse movements, clicks, and touches</a:t>
+            </a:r>
+          </a:p>
+          <a:p>
+            <a:r>
+              <a:rPr lang="nl-NL" sz="2500" dirty="0" err="1">
                 <a:latin typeface="Times New Roman" panose="02020603050405020304" pitchFamily="18" charset="0"/>
                 <a:cs typeface="Times New Roman" panose="02020603050405020304" pitchFamily="18" charset="0"/>
               </a:rPr>
@@ -11925,13 +11318,6 @@
   <p:clrMapOvr>
     <a:masterClrMapping/>
   </p:clrMapOvr>
-  <p:timing>
-    <p:tnLst>
-      <p:par>
-        <p:cTn id="1" dur="indefinite" restart="never" nodeType="tmRoot"/>
-      </p:par>
-    </p:tnLst>
-  </p:timing>
 </p:sld>
 </file>
 
@@ -12304,13 +11690,6 @@
   <p:clrMapOvr>
     <a:masterClrMapping/>
   </p:clrMapOvr>
-  <p:timing>
-    <p:tnLst>
-      <p:par>
-        <p:cTn id="1" dur="indefinite" restart="never" nodeType="tmRoot"/>
-      </p:par>
-    </p:tnLst>
-  </p:timing>
 </p:sld>
 </file>
 
@@ -12348,59 +11727,31 @@
           </a:bodyPr>
           <a:lstStyle/>
           <a:p>
-            <a:r>
-              <a:rPr lang="en-US" dirty="0" smtClean="0">
-                <a:latin typeface="Times New Roman" panose="02020603050405020304" pitchFamily="18" charset="0"/>
-                <a:cs typeface="Times New Roman" panose="02020603050405020304" pitchFamily="18" charset="0"/>
-              </a:rPr>
-              <a:t/>
-            </a:r>
             <a:br>
-              <a:rPr lang="en-US" dirty="0" smtClean="0">
+              <a:rPr lang="en-US" dirty="0">
                 <a:latin typeface="Times New Roman" panose="02020603050405020304" pitchFamily="18" charset="0"/>
                 <a:cs typeface="Times New Roman" panose="02020603050405020304" pitchFamily="18" charset="0"/>
               </a:rPr>
             </a:br>
             <a:r>
-              <a:rPr lang="en-US" dirty="0" smtClean="0">
-                <a:latin typeface="Times New Roman" panose="02020603050405020304" pitchFamily="18" charset="0"/>
-                <a:cs typeface="Times New Roman" panose="02020603050405020304" pitchFamily="18" charset="0"/>
-              </a:rPr>
-              <a:t>Handling </a:t>
-            </a:r>
-            <a:r>
               <a:rPr lang="en-US" dirty="0">
                 <a:latin typeface="Times New Roman" panose="02020603050405020304" pitchFamily="18" charset="0"/>
                 <a:cs typeface="Times New Roman" panose="02020603050405020304" pitchFamily="18" charset="0"/>
               </a:rPr>
-              <a:t>Input with </a:t>
-            </a:r>
-            <a:r>
-              <a:rPr lang="en-US" dirty="0" smtClean="0">
-                <a:latin typeface="Times New Roman" panose="02020603050405020304" pitchFamily="18" charset="0"/>
-                <a:cs typeface="Times New Roman" panose="02020603050405020304" pitchFamily="18" charset="0"/>
-              </a:rPr>
-              <a:t/>
+              <a:t>Handling Input with </a:t>
             </a:r>
             <a:br>
-              <a:rPr lang="en-US" dirty="0" smtClean="0">
+              <a:rPr lang="en-US" dirty="0">
                 <a:latin typeface="Times New Roman" panose="02020603050405020304" pitchFamily="18" charset="0"/>
                 <a:cs typeface="Times New Roman" panose="02020603050405020304" pitchFamily="18" charset="0"/>
               </a:rPr>
             </a:br>
             <a:r>
-              <a:rPr lang="en-US" dirty="0" smtClean="0">
-                <a:latin typeface="Times New Roman" panose="02020603050405020304" pitchFamily="18" charset="0"/>
-                <a:cs typeface="Times New Roman" panose="02020603050405020304" pitchFamily="18" charset="0"/>
-              </a:rPr>
-              <a:t>Two-way </a:t>
-            </a:r>
-            <a:r>
               <a:rPr lang="en-US" dirty="0">
                 <a:latin typeface="Times New Roman" panose="02020603050405020304" pitchFamily="18" charset="0"/>
                 <a:cs typeface="Times New Roman" panose="02020603050405020304" pitchFamily="18" charset="0"/>
               </a:rPr>
-              <a:t>Binding</a:t>
+              <a:t>Two-way Binding</a:t>
             </a:r>
             <a:br>
               <a:rPr lang="en-US" dirty="0">
@@ -12497,13 +11848,6 @@
   <p:clrMapOvr>
     <a:masterClrMapping/>
   </p:clrMapOvr>
-  <p:timing>
-    <p:tnLst>
-      <p:par>
-        <p:cTn id="1" dur="indefinite" restart="never" nodeType="tmRoot"/>
-      </p:par>
-    </p:tnLst>
-  </p:timing>
 </p:sld>
 </file>
 
@@ -12541,59 +11885,31 @@
           </a:bodyPr>
           <a:lstStyle/>
           <a:p>
-            <a:r>
-              <a:rPr lang="en-US" dirty="0" smtClean="0">
-                <a:latin typeface="Times New Roman" panose="02020603050405020304" pitchFamily="18" charset="0"/>
-                <a:cs typeface="Times New Roman" panose="02020603050405020304" pitchFamily="18" charset="0"/>
-              </a:rPr>
-              <a:t/>
-            </a:r>
             <a:br>
-              <a:rPr lang="en-US" dirty="0" smtClean="0">
+              <a:rPr lang="en-US" dirty="0">
                 <a:latin typeface="Times New Roman" panose="02020603050405020304" pitchFamily="18" charset="0"/>
                 <a:cs typeface="Times New Roman" panose="02020603050405020304" pitchFamily="18" charset="0"/>
               </a:rPr>
             </a:br>
             <a:r>
-              <a:rPr lang="en-US" dirty="0" smtClean="0">
-                <a:latin typeface="Times New Roman" panose="02020603050405020304" pitchFamily="18" charset="0"/>
-                <a:cs typeface="Times New Roman" panose="02020603050405020304" pitchFamily="18" charset="0"/>
-              </a:rPr>
-              <a:t>Transforming </a:t>
-            </a:r>
-            <a:r>
               <a:rPr lang="en-US" dirty="0">
                 <a:latin typeface="Times New Roman" panose="02020603050405020304" pitchFamily="18" charset="0"/>
                 <a:cs typeface="Times New Roman" panose="02020603050405020304" pitchFamily="18" charset="0"/>
               </a:rPr>
-              <a:t>Data </a:t>
-            </a:r>
-            <a:r>
-              <a:rPr lang="en-US" dirty="0" smtClean="0">
-                <a:latin typeface="Times New Roman" panose="02020603050405020304" pitchFamily="18" charset="0"/>
-                <a:cs typeface="Times New Roman" panose="02020603050405020304" pitchFamily="18" charset="0"/>
-              </a:rPr>
-              <a:t/>
+              <a:t>Transforming Data </a:t>
             </a:r>
             <a:br>
-              <a:rPr lang="en-US" dirty="0" smtClean="0">
+              <a:rPr lang="en-US" dirty="0">
                 <a:latin typeface="Times New Roman" panose="02020603050405020304" pitchFamily="18" charset="0"/>
                 <a:cs typeface="Times New Roman" panose="02020603050405020304" pitchFamily="18" charset="0"/>
               </a:rPr>
             </a:br>
             <a:r>
-              <a:rPr lang="en-US" dirty="0" smtClean="0">
-                <a:latin typeface="Times New Roman" panose="02020603050405020304" pitchFamily="18" charset="0"/>
-                <a:cs typeface="Times New Roman" panose="02020603050405020304" pitchFamily="18" charset="0"/>
-              </a:rPr>
-              <a:t>with </a:t>
-            </a:r>
-            <a:r>
               <a:rPr lang="en-US" dirty="0">
                 <a:latin typeface="Times New Roman" panose="02020603050405020304" pitchFamily="18" charset="0"/>
                 <a:cs typeface="Times New Roman" panose="02020603050405020304" pitchFamily="18" charset="0"/>
               </a:rPr>
-              <a:t>Pipes</a:t>
+              <a:t>with Pipes</a:t>
             </a:r>
             <a:br>
               <a:rPr lang="en-US" dirty="0">
@@ -12711,14 +12027,23 @@
           <a:lstStyle/>
           <a:p>
             <a:r>
-              <a:rPr lang="nl-NL" dirty="0" err="1" smtClean="0"/>
+              <a:rPr lang="nl-NL" dirty="0" err="1">
+                <a:latin typeface="Times New Roman" panose="02020603050405020304" pitchFamily="18" charset="0"/>
+                <a:cs typeface="Times New Roman" panose="02020603050405020304" pitchFamily="18" charset="0"/>
+              </a:rPr>
               <a:t>Async</a:t>
             </a:r>
             <a:r>
-              <a:rPr lang="nl-NL" dirty="0" smtClean="0"/>
+              <a:rPr lang="nl-NL" dirty="0">
+                <a:latin typeface="Times New Roman" panose="02020603050405020304" pitchFamily="18" charset="0"/>
+                <a:cs typeface="Times New Roman" panose="02020603050405020304" pitchFamily="18" charset="0"/>
+              </a:rPr>
               <a:t> pipe</a:t>
             </a:r>
-            <a:endParaRPr lang="en-US" dirty="0"/>
+            <a:endParaRPr lang="en-US" dirty="0">
+              <a:latin typeface="Times New Roman" panose="02020603050405020304" pitchFamily="18" charset="0"/>
+              <a:cs typeface="Times New Roman" panose="02020603050405020304" pitchFamily="18" charset="0"/>
+            </a:endParaRPr>
           </a:p>
         </p:txBody>
       </p:sp>
@@ -12758,119 +12083,21 @@
                 <a:latin typeface="Times New Roman" panose="02020603050405020304" pitchFamily="18" charset="0"/>
                 <a:cs typeface="Times New Roman" panose="02020603050405020304" pitchFamily="18" charset="0"/>
               </a:rPr>
-              <a:t> pipe is a </a:t>
-            </a:r>
-            <a:r>
-              <a:rPr lang="en-US" sz="2500" dirty="0" smtClean="0">
-                <a:latin typeface="Times New Roman" panose="02020603050405020304" pitchFamily="18" charset="0"/>
-                <a:cs typeface="Times New Roman" panose="02020603050405020304" pitchFamily="18" charset="0"/>
-              </a:rPr>
-              <a:t>pipe </a:t>
+              <a:t> pipe is a pipe that either waits for a promise to resolve to display data or subscribes to an observable to display the emitted values. The component doesn't have to subscribe to the </a:t>
+            </a:r>
+            <a:r>
+              <a:rPr lang="en-US" sz="2500" dirty="0" err="1">
+                <a:latin typeface="Times New Roman" panose="02020603050405020304" pitchFamily="18" charset="0"/>
+                <a:cs typeface="Times New Roman" panose="02020603050405020304" pitchFamily="18" charset="0"/>
+              </a:rPr>
+              <a:t>async</a:t>
             </a:r>
             <a:r>
               <a:rPr lang="en-US" sz="2500" dirty="0">
                 <a:latin typeface="Times New Roman" panose="02020603050405020304" pitchFamily="18" charset="0"/>
                 <a:cs typeface="Times New Roman" panose="02020603050405020304" pitchFamily="18" charset="0"/>
               </a:rPr>
-              <a:t>that either waits for a </a:t>
-            </a:r>
-            <a:r>
-              <a:rPr lang="en-US" sz="2500" dirty="0" smtClean="0">
-                <a:latin typeface="Times New Roman" panose="02020603050405020304" pitchFamily="18" charset="0"/>
-                <a:cs typeface="Times New Roman" panose="02020603050405020304" pitchFamily="18" charset="0"/>
-              </a:rPr>
-              <a:t>promise to </a:t>
-            </a:r>
-            <a:r>
-              <a:rPr lang="en-US" sz="2500" dirty="0">
-                <a:latin typeface="Times New Roman" panose="02020603050405020304" pitchFamily="18" charset="0"/>
-                <a:cs typeface="Times New Roman" panose="02020603050405020304" pitchFamily="18" charset="0"/>
-              </a:rPr>
-              <a:t>resolve to display data or subscribes to an observable to display the </a:t>
-            </a:r>
-            <a:r>
-              <a:rPr lang="en-US" sz="2500" dirty="0" smtClean="0">
-                <a:latin typeface="Times New Roman" panose="02020603050405020304" pitchFamily="18" charset="0"/>
-                <a:cs typeface="Times New Roman" panose="02020603050405020304" pitchFamily="18" charset="0"/>
-              </a:rPr>
-              <a:t>emitted values</a:t>
-            </a:r>
-            <a:r>
-              <a:rPr lang="en-US" sz="2500" dirty="0">
-                <a:latin typeface="Times New Roman" panose="02020603050405020304" pitchFamily="18" charset="0"/>
-                <a:cs typeface="Times New Roman" panose="02020603050405020304" pitchFamily="18" charset="0"/>
-              </a:rPr>
-              <a:t>. </a:t>
-            </a:r>
-            <a:r>
-              <a:rPr lang="en-US" sz="2500" dirty="0" smtClean="0">
-                <a:latin typeface="Times New Roman" panose="02020603050405020304" pitchFamily="18" charset="0"/>
-                <a:cs typeface="Times New Roman" panose="02020603050405020304" pitchFamily="18" charset="0"/>
-              </a:rPr>
-              <a:t>The component doesn't </a:t>
-            </a:r>
-            <a:r>
-              <a:rPr lang="en-US" sz="2500" dirty="0">
-                <a:latin typeface="Times New Roman" panose="02020603050405020304" pitchFamily="18" charset="0"/>
-                <a:cs typeface="Times New Roman" panose="02020603050405020304" pitchFamily="18" charset="0"/>
-              </a:rPr>
-              <a:t>have to subscribe to the </a:t>
-            </a:r>
-            <a:r>
-              <a:rPr lang="en-US" sz="2500" dirty="0" err="1">
-                <a:latin typeface="Times New Roman" panose="02020603050405020304" pitchFamily="18" charset="0"/>
-                <a:cs typeface="Times New Roman" panose="02020603050405020304" pitchFamily="18" charset="0"/>
-              </a:rPr>
-              <a:t>async</a:t>
-            </a:r>
-            <a:r>
-              <a:rPr lang="en-US" sz="2500" dirty="0">
-                <a:latin typeface="Times New Roman" panose="02020603050405020304" pitchFamily="18" charset="0"/>
-                <a:cs typeface="Times New Roman" panose="02020603050405020304" pitchFamily="18" charset="0"/>
-              </a:rPr>
-              <a:t> data source, extract the resolved </a:t>
-            </a:r>
-            <a:r>
-              <a:rPr lang="en-US" sz="2500" dirty="0" smtClean="0">
-                <a:latin typeface="Times New Roman" panose="02020603050405020304" pitchFamily="18" charset="0"/>
-                <a:cs typeface="Times New Roman" panose="02020603050405020304" pitchFamily="18" charset="0"/>
-              </a:rPr>
-              <a:t>values and </a:t>
-            </a:r>
-            <a:r>
-              <a:rPr lang="en-US" sz="2500" dirty="0">
-                <a:latin typeface="Times New Roman" panose="02020603050405020304" pitchFamily="18" charset="0"/>
-                <a:cs typeface="Times New Roman" panose="02020603050405020304" pitchFamily="18" charset="0"/>
-              </a:rPr>
-              <a:t>expose them for binding, and have to unsubscribe when it's destroyed (</a:t>
-            </a:r>
-            <a:r>
-              <a:rPr lang="en-US" sz="2500" dirty="0" smtClean="0">
-                <a:latin typeface="Times New Roman" panose="02020603050405020304" pitchFamily="18" charset="0"/>
-                <a:cs typeface="Times New Roman" panose="02020603050405020304" pitchFamily="18" charset="0"/>
-              </a:rPr>
-              <a:t>a potent </a:t>
-            </a:r>
-            <a:r>
-              <a:rPr lang="en-US" sz="2500" dirty="0">
-                <a:latin typeface="Times New Roman" panose="02020603050405020304" pitchFamily="18" charset="0"/>
-                <a:cs typeface="Times New Roman" panose="02020603050405020304" pitchFamily="18" charset="0"/>
-              </a:rPr>
-              <a:t>source of memory </a:t>
-            </a:r>
-            <a:r>
-              <a:rPr lang="en-US" sz="2500" dirty="0" smtClean="0">
-                <a:latin typeface="Times New Roman" panose="02020603050405020304" pitchFamily="18" charset="0"/>
-                <a:cs typeface="Times New Roman" panose="02020603050405020304" pitchFamily="18" charset="0"/>
-              </a:rPr>
-              <a:t>leaks)</a:t>
-            </a:r>
-            <a:r>
-              <a:rPr lang="en-US" sz="2500" dirty="0">
-                <a:latin typeface="Times New Roman" panose="02020603050405020304" pitchFamily="18" charset="0"/>
-                <a:cs typeface="Times New Roman" panose="02020603050405020304" pitchFamily="18" charset="0"/>
-              </a:rPr>
-              <a:t/>
+              <a:t> data source, extract the resolved values and expose them for binding, and have to unsubscribe when it's destroyed (a potent source of memory leaks)</a:t>
             </a:r>
             <a:br>
               <a:rPr lang="en-US" sz="2500" dirty="0">
@@ -12878,7 +12105,7 @@
                 <a:cs typeface="Times New Roman" panose="02020603050405020304" pitchFamily="18" charset="0"/>
               </a:rPr>
             </a:br>
-            <a:endParaRPr lang="en-US" sz="2500" dirty="0" smtClean="0">
+            <a:endParaRPr lang="en-US" sz="2500" dirty="0">
               <a:latin typeface="Times New Roman" panose="02020603050405020304" pitchFamily="18" charset="0"/>
               <a:cs typeface="Times New Roman" panose="02020603050405020304" pitchFamily="18" charset="0"/>
             </a:endParaRPr>
@@ -12994,18 +12221,30 @@
           <a:lstStyle/>
           <a:p>
             <a:r>
-              <a:rPr lang="nl-NL" dirty="0" err="1" smtClean="0"/>
+              <a:rPr lang="nl-NL" dirty="0" err="1">
+                <a:latin typeface="Times New Roman" panose="02020603050405020304" pitchFamily="18" charset="0"/>
+                <a:cs typeface="Times New Roman" panose="02020603050405020304" pitchFamily="18" charset="0"/>
+              </a:rPr>
               <a:t>Angular</a:t>
             </a:r>
             <a:r>
-              <a:rPr lang="nl-NL" dirty="0" smtClean="0"/>
+              <a:rPr lang="nl-NL" dirty="0">
+                <a:latin typeface="Times New Roman" panose="02020603050405020304" pitchFamily="18" charset="0"/>
+                <a:cs typeface="Times New Roman" panose="02020603050405020304" pitchFamily="18" charset="0"/>
+              </a:rPr>
               <a:t> </a:t>
             </a:r>
             <a:r>
-              <a:rPr lang="nl-NL" dirty="0" err="1" smtClean="0"/>
+              <a:rPr lang="nl-NL" dirty="0" err="1">
+                <a:latin typeface="Times New Roman" panose="02020603050405020304" pitchFamily="18" charset="0"/>
+                <a:cs typeface="Times New Roman" panose="02020603050405020304" pitchFamily="18" charset="0"/>
+              </a:rPr>
               <a:t>lifecycle</a:t>
             </a:r>
-            <a:endParaRPr lang="en-US" dirty="0"/>
+            <a:endParaRPr lang="en-US" dirty="0">
+              <a:latin typeface="Times New Roman" panose="02020603050405020304" pitchFamily="18" charset="0"/>
+              <a:cs typeface="Times New Roman" panose="02020603050405020304" pitchFamily="18" charset="0"/>
+            </a:endParaRPr>
           </a:p>
         </p:txBody>
       </p:sp>
@@ -13162,7 +12401,7 @@
           <a:lstStyle/>
           <a:p>
             <a:r>
-              <a:rPr lang="nl-NL" dirty="0" err="1" smtClean="0">
+              <a:rPr lang="nl-NL" dirty="0" err="1">
                 <a:latin typeface="Times New Roman" panose="02020603050405020304" pitchFamily="18" charset="0"/>
                 <a:ea typeface="Tahoma" panose="020B0604030504040204" pitchFamily="34" charset="0"/>
                 <a:cs typeface="Times New Roman" panose="02020603050405020304" pitchFamily="18" charset="0"/>
@@ -13170,7 +12409,7 @@
               <a:t>Angular</a:t>
             </a:r>
             <a:r>
-              <a:rPr lang="nl-NL" dirty="0" smtClean="0">
+              <a:rPr lang="nl-NL" dirty="0">
                 <a:latin typeface="Times New Roman" panose="02020603050405020304" pitchFamily="18" charset="0"/>
                 <a:ea typeface="Tahoma" panose="020B0604030504040204" pitchFamily="34" charset="0"/>
                 <a:cs typeface="Times New Roman" panose="02020603050405020304" pitchFamily="18" charset="0"/>
@@ -13203,55 +12442,55 @@
           <a:lstStyle/>
           <a:p>
             <a:r>
-              <a:rPr lang="nl-NL" sz="3000" dirty="0" err="1" smtClean="0">
+              <a:rPr lang="nl-NL" sz="3000" dirty="0" err="1">
                 <a:latin typeface="Times New Roman" panose="02020603050405020304" pitchFamily="18" charset="0"/>
                 <a:cs typeface="Times New Roman" panose="02020603050405020304" pitchFamily="18" charset="0"/>
               </a:rPr>
               <a:t>There</a:t>
             </a:r>
             <a:r>
-              <a:rPr lang="nl-NL" sz="3000" dirty="0" smtClean="0">
+              <a:rPr lang="nl-NL" sz="3000" dirty="0">
                 <a:latin typeface="Times New Roman" panose="02020603050405020304" pitchFamily="18" charset="0"/>
                 <a:cs typeface="Times New Roman" panose="02020603050405020304" pitchFamily="18" charset="0"/>
               </a:rPr>
               <a:t> is 2 way </a:t>
             </a:r>
             <a:r>
-              <a:rPr lang="nl-NL" sz="3000" dirty="0" err="1" smtClean="0">
+              <a:rPr lang="nl-NL" sz="3000" dirty="0" err="1">
                 <a:latin typeface="Times New Roman" panose="02020603050405020304" pitchFamily="18" charset="0"/>
                 <a:cs typeface="Times New Roman" panose="02020603050405020304" pitchFamily="18" charset="0"/>
               </a:rPr>
               <a:t>to</a:t>
             </a:r>
             <a:r>
-              <a:rPr lang="nl-NL" sz="3000" dirty="0" smtClean="0">
+              <a:rPr lang="nl-NL" sz="3000" dirty="0">
                 <a:latin typeface="Times New Roman" panose="02020603050405020304" pitchFamily="18" charset="0"/>
                 <a:cs typeface="Times New Roman" panose="02020603050405020304" pitchFamily="18" charset="0"/>
               </a:rPr>
               <a:t> </a:t>
             </a:r>
             <a:r>
-              <a:rPr lang="nl-NL" sz="3000" dirty="0" err="1" smtClean="0">
+              <a:rPr lang="nl-NL" sz="3000" dirty="0" err="1">
                 <a:latin typeface="Times New Roman" panose="02020603050405020304" pitchFamily="18" charset="0"/>
                 <a:cs typeface="Times New Roman" panose="02020603050405020304" pitchFamily="18" charset="0"/>
               </a:rPr>
               <a:t>build</a:t>
             </a:r>
             <a:r>
-              <a:rPr lang="nl-NL" sz="3000" dirty="0" smtClean="0">
+              <a:rPr lang="nl-NL" sz="3000" dirty="0">
                 <a:latin typeface="Times New Roman" panose="02020603050405020304" pitchFamily="18" charset="0"/>
                 <a:cs typeface="Times New Roman" panose="02020603050405020304" pitchFamily="18" charset="0"/>
               </a:rPr>
               <a:t> form in </a:t>
             </a:r>
             <a:r>
-              <a:rPr lang="nl-NL" sz="3000" dirty="0" err="1" smtClean="0">
+              <a:rPr lang="nl-NL" sz="3000" dirty="0" err="1">
                 <a:latin typeface="Times New Roman" panose="02020603050405020304" pitchFamily="18" charset="0"/>
                 <a:cs typeface="Times New Roman" panose="02020603050405020304" pitchFamily="18" charset="0"/>
               </a:rPr>
               <a:t>angular</a:t>
             </a:r>
-            <a:endParaRPr lang="nl-NL" sz="3000" dirty="0" smtClean="0">
+            <a:endParaRPr lang="nl-NL" sz="3000" dirty="0">
               <a:latin typeface="Times New Roman" panose="02020603050405020304" pitchFamily="18" charset="0"/>
               <a:cs typeface="Times New Roman" panose="02020603050405020304" pitchFamily="18" charset="0"/>
             </a:endParaRPr>
@@ -13262,49 +12501,49 @@
               <a:buAutoNum type="arabicPeriod"/>
             </a:pPr>
             <a:r>
-              <a:rPr lang="nl-NL" sz="3000" dirty="0" smtClean="0">
+              <a:rPr lang="nl-NL" sz="3000" dirty="0">
                 <a:latin typeface="Times New Roman" panose="02020603050405020304" pitchFamily="18" charset="0"/>
                 <a:cs typeface="Times New Roman" panose="02020603050405020304" pitchFamily="18" charset="0"/>
               </a:rPr>
               <a:t>Template </a:t>
             </a:r>
             <a:r>
-              <a:rPr lang="nl-NL" sz="3000" dirty="0" err="1" smtClean="0">
+              <a:rPr lang="nl-NL" sz="3000" dirty="0" err="1">
                 <a:latin typeface="Times New Roman" panose="02020603050405020304" pitchFamily="18" charset="0"/>
                 <a:cs typeface="Times New Roman" panose="02020603050405020304" pitchFamily="18" charset="0"/>
               </a:rPr>
               <a:t>driven</a:t>
             </a:r>
             <a:r>
-              <a:rPr lang="nl-NL" sz="3000" dirty="0" smtClean="0">
+              <a:rPr lang="nl-NL" sz="3000" dirty="0">
                 <a:latin typeface="Times New Roman" panose="02020603050405020304" pitchFamily="18" charset="0"/>
                 <a:cs typeface="Times New Roman" panose="02020603050405020304" pitchFamily="18" charset="0"/>
               </a:rPr>
               <a:t> </a:t>
             </a:r>
             <a:r>
-              <a:rPr lang="nl-NL" sz="3000" dirty="0" err="1" smtClean="0">
+              <a:rPr lang="nl-NL" sz="3000" dirty="0" err="1">
                 <a:latin typeface="Times New Roman" panose="02020603050405020304" pitchFamily="18" charset="0"/>
                 <a:cs typeface="Times New Roman" panose="02020603050405020304" pitchFamily="18" charset="0"/>
               </a:rPr>
               <a:t>forms</a:t>
             </a:r>
             <a:r>
-              <a:rPr lang="nl-NL" sz="3000" dirty="0" smtClean="0">
+              <a:rPr lang="nl-NL" sz="3000" dirty="0">
                 <a:latin typeface="Times New Roman" panose="02020603050405020304" pitchFamily="18" charset="0"/>
                 <a:cs typeface="Times New Roman" panose="02020603050405020304" pitchFamily="18" charset="0"/>
               </a:rPr>
               <a:t> </a:t>
             </a:r>
             <a:r>
-              <a:rPr lang="nl-NL" sz="3000" dirty="0" err="1" smtClean="0">
+              <a:rPr lang="nl-NL" sz="3000" dirty="0" err="1">
                 <a:latin typeface="Times New Roman" panose="02020603050405020304" pitchFamily="18" charset="0"/>
                 <a:cs typeface="Times New Roman" panose="02020603050405020304" pitchFamily="18" charset="0"/>
               </a:rPr>
               <a:t>using</a:t>
             </a:r>
             <a:r>
-              <a:rPr lang="nl-NL" sz="3000" dirty="0" smtClean="0">
+              <a:rPr lang="nl-NL" sz="3000" dirty="0">
                 <a:latin typeface="Times New Roman" panose="02020603050405020304" pitchFamily="18" charset="0"/>
                 <a:cs typeface="Times New Roman" panose="02020603050405020304" pitchFamily="18" charset="0"/>
               </a:rPr>
@@ -13332,14 +12571,7 @@
                 <a:latin typeface="Times New Roman" panose="02020603050405020304" pitchFamily="18" charset="0"/>
                 <a:cs typeface="Times New Roman" panose="02020603050405020304" pitchFamily="18" charset="0"/>
               </a:rPr>
-              <a:t>Reactive </a:t>
-            </a:r>
-            <a:r>
-              <a:rPr lang="en-US" sz="3000" dirty="0" smtClean="0">
-                <a:latin typeface="Times New Roman" panose="02020603050405020304" pitchFamily="18" charset="0"/>
-                <a:cs typeface="Times New Roman" panose="02020603050405020304" pitchFamily="18" charset="0"/>
-              </a:rPr>
-              <a:t>forms using  </a:t>
+              <a:t>Reactive forms using  </a:t>
             </a:r>
             <a:r>
               <a:rPr lang="en-US" sz="3000" dirty="0" err="1">
@@ -13357,13 +12589,6 @@
             <a:pPr marL="0" indent="0">
               <a:buNone/>
             </a:pPr>
-            <a:r>
-              <a:rPr lang="en-US" sz="3000" dirty="0">
-                <a:latin typeface="Times New Roman" panose="02020603050405020304" pitchFamily="18" charset="0"/>
-                <a:cs typeface="Times New Roman" panose="02020603050405020304" pitchFamily="18" charset="0"/>
-              </a:rPr>
-              <a:t/>
-            </a:r>
             <a:br>
               <a:rPr lang="en-US" sz="3000" dirty="0">
                 <a:latin typeface="Times New Roman" panose="02020603050405020304" pitchFamily="18" charset="0"/>
@@ -13423,7 +12648,12 @@
             <p:ph type="title"/>
           </p:nvPr>
         </p:nvSpPr>
-        <p:spPr/>
+        <p:spPr>
+          <a:xfrm>
+            <a:off x="1069848" y="393192"/>
+            <a:ext cx="10058400" cy="1609344"/>
+          </a:xfrm>
+        </p:spPr>
         <p:txBody>
           <a:bodyPr>
             <a:normAutofit/>
@@ -13431,16 +12661,12 @@
           <a:lstStyle/>
           <a:p>
             <a:r>
-              <a:rPr lang="en-US" dirty="0" smtClean="0">
+              <a:rPr lang="en-US" dirty="0">
                 <a:latin typeface="Times New Roman" panose="02020603050405020304" pitchFamily="18" charset="0"/>
                 <a:cs typeface="Times New Roman" panose="02020603050405020304" pitchFamily="18" charset="0"/>
               </a:rPr>
               <a:t>Compare</a:t>
             </a:r>
-            <a:endParaRPr lang="en-US" dirty="0">
-              <a:latin typeface="Times New Roman" panose="02020603050405020304" pitchFamily="18" charset="0"/>
-              <a:cs typeface="Times New Roman" panose="02020603050405020304" pitchFamily="18" charset="0"/>
-            </a:endParaRPr>
           </a:p>
         </p:txBody>
       </p:sp>
@@ -13500,6 +12726,182 @@
 </p:sld>
 </file>
 
+<file path=ppt/slides/slide47.xml><?xml version="1.0" encoding="utf-8"?>
+<p:sld xmlns:a="http://schemas.openxmlformats.org/drawingml/2006/main" xmlns:r="http://schemas.openxmlformats.org/officeDocument/2006/relationships" xmlns:p="http://schemas.openxmlformats.org/presentationml/2006/main">
+  <p:cSld>
+    <p:spTree>
+      <p:nvGrpSpPr>
+        <p:cNvPr id="1" name=""/>
+        <p:cNvGrpSpPr/>
+        <p:nvPr/>
+      </p:nvGrpSpPr>
+      <p:grpSpPr>
+        <a:xfrm>
+          <a:off x="0" y="0"/>
+          <a:ext cx="0" cy="0"/>
+          <a:chOff x="0" y="0"/>
+          <a:chExt cx="0" cy="0"/>
+        </a:xfrm>
+      </p:grpSpPr>
+      <p:sp>
+        <p:nvSpPr>
+          <p:cNvPr id="2" name="Title 1">
+            <a:extLst>
+              <a:ext uri="{FF2B5EF4-FFF2-40B4-BE49-F238E27FC236}">
+                <a16:creationId xmlns:a16="http://schemas.microsoft.com/office/drawing/2014/main" id="{D13A055F-6731-4EB9-B029-E37316DF3B72}"/>
+              </a:ext>
+            </a:extLst>
+          </p:cNvPr>
+          <p:cNvSpPr>
+            <a:spLocks noGrp="1"/>
+          </p:cNvSpPr>
+          <p:nvPr>
+            <p:ph type="title"/>
+          </p:nvPr>
+        </p:nvSpPr>
+        <p:spPr/>
+        <p:txBody>
+          <a:bodyPr/>
+          <a:lstStyle/>
+          <a:p>
+            <a:r>
+              <a:rPr lang="en-US" dirty="0">
+                <a:latin typeface="Times New Roman" panose="02020603050405020304" pitchFamily="18" charset="0"/>
+                <a:cs typeface="Times New Roman" panose="02020603050405020304" pitchFamily="18" charset="0"/>
+              </a:rPr>
+              <a:t>Types of Feature Modules</a:t>
+            </a:r>
+          </a:p>
+        </p:txBody>
+      </p:sp>
+      <p:sp>
+        <p:nvSpPr>
+          <p:cNvPr id="3" name="Content Placeholder 2">
+            <a:extLst>
+              <a:ext uri="{FF2B5EF4-FFF2-40B4-BE49-F238E27FC236}">
+                <a16:creationId xmlns:a16="http://schemas.microsoft.com/office/drawing/2014/main" id="{D24F7A7C-A997-4D2D-8C3D-EF37B6487DBC}"/>
+              </a:ext>
+            </a:extLst>
+          </p:cNvPr>
+          <p:cNvSpPr>
+            <a:spLocks noGrp="1"/>
+          </p:cNvSpPr>
+          <p:nvPr>
+            <p:ph idx="1"/>
+          </p:nvPr>
+        </p:nvSpPr>
+        <p:spPr/>
+        <p:txBody>
+          <a:bodyPr/>
+          <a:lstStyle/>
+          <a:p>
+            <a:r>
+              <a:rPr lang="en-US" dirty="0">
+                <a:latin typeface="Times New Roman" panose="02020603050405020304" pitchFamily="18" charset="0"/>
+                <a:cs typeface="Times New Roman" panose="02020603050405020304" pitchFamily="18" charset="0"/>
+              </a:rPr>
+              <a:t>There are five general categories of feature modules which tend to fall into the following groups:</a:t>
+            </a:r>
+          </a:p>
+          <a:p>
+            <a:pPr marL="457200" indent="-457200">
+              <a:buFont typeface="+mj-lt"/>
+              <a:buAutoNum type="arabicPeriod"/>
+            </a:pPr>
+            <a:r>
+              <a:rPr lang="en-US" dirty="0">
+                <a:latin typeface="Times New Roman" panose="02020603050405020304" pitchFamily="18" charset="0"/>
+                <a:cs typeface="Times New Roman" panose="02020603050405020304" pitchFamily="18" charset="0"/>
+              </a:rPr>
+              <a:t>Domain feature modules.</a:t>
+            </a:r>
+          </a:p>
+          <a:p>
+            <a:pPr marL="457200" indent="-457200">
+              <a:buFont typeface="+mj-lt"/>
+              <a:buAutoNum type="arabicPeriod"/>
+            </a:pPr>
+            <a:r>
+              <a:rPr lang="en-US" dirty="0">
+                <a:latin typeface="Times New Roman" panose="02020603050405020304" pitchFamily="18" charset="0"/>
+                <a:cs typeface="Times New Roman" panose="02020603050405020304" pitchFamily="18" charset="0"/>
+              </a:rPr>
+              <a:t>Routed feature modules.</a:t>
+            </a:r>
+          </a:p>
+          <a:p>
+            <a:pPr marL="457200" indent="-457200">
+              <a:buFont typeface="+mj-lt"/>
+              <a:buAutoNum type="arabicPeriod"/>
+            </a:pPr>
+            <a:r>
+              <a:rPr lang="en-US" dirty="0">
+                <a:latin typeface="Times New Roman" panose="02020603050405020304" pitchFamily="18" charset="0"/>
+                <a:cs typeface="Times New Roman" panose="02020603050405020304" pitchFamily="18" charset="0"/>
+              </a:rPr>
+              <a:t>Routing modules.</a:t>
+            </a:r>
+          </a:p>
+          <a:p>
+            <a:pPr marL="457200" indent="-457200">
+              <a:buFont typeface="+mj-lt"/>
+              <a:buAutoNum type="arabicPeriod"/>
+            </a:pPr>
+            <a:r>
+              <a:rPr lang="en-US" dirty="0">
+                <a:latin typeface="Times New Roman" panose="02020603050405020304" pitchFamily="18" charset="0"/>
+                <a:cs typeface="Times New Roman" panose="02020603050405020304" pitchFamily="18" charset="0"/>
+              </a:rPr>
+              <a:t>Service feature modules.</a:t>
+            </a:r>
+          </a:p>
+          <a:p>
+            <a:pPr marL="457200" indent="-457200">
+              <a:buFont typeface="+mj-lt"/>
+              <a:buAutoNum type="arabicPeriod"/>
+            </a:pPr>
+            <a:r>
+              <a:rPr lang="en-US" dirty="0">
+                <a:latin typeface="Times New Roman" panose="02020603050405020304" pitchFamily="18" charset="0"/>
+                <a:cs typeface="Times New Roman" panose="02020603050405020304" pitchFamily="18" charset="0"/>
+              </a:rPr>
+              <a:t>Widget feature modules.</a:t>
+            </a:r>
+          </a:p>
+          <a:p>
+            <a:r>
+              <a:rPr lang="en-US" dirty="0">
+                <a:latin typeface="Times New Roman" panose="02020603050405020304" pitchFamily="18" charset="0"/>
+                <a:cs typeface="Times New Roman" panose="02020603050405020304" pitchFamily="18" charset="0"/>
+              </a:rPr>
+              <a:t>Read more at </a:t>
+            </a:r>
+            <a:r>
+              <a:rPr lang="en-US" dirty="0">
+                <a:hlinkClick r:id="rId2"/>
+              </a:rPr>
+              <a:t>https://angular.io/guide/module-types</a:t>
+            </a:r>
+            <a:endParaRPr lang="en-US" dirty="0">
+              <a:latin typeface="Times New Roman" panose="02020603050405020304" pitchFamily="18" charset="0"/>
+              <a:cs typeface="Times New Roman" panose="02020603050405020304" pitchFamily="18" charset="0"/>
+            </a:endParaRPr>
+          </a:p>
+        </p:txBody>
+      </p:sp>
+    </p:spTree>
+    <p:extLst>
+      <p:ext uri="{BB962C8B-B14F-4D97-AF65-F5344CB8AC3E}">
+        <p14:creationId xmlns:p14="http://schemas.microsoft.com/office/powerpoint/2010/main" val="2353463660"/>
+      </p:ext>
+    </p:extLst>
+  </p:cSld>
+  <p:clrMapOvr>
+    <a:masterClrMapping/>
+  </p:clrMapOvr>
+</p:sld>
+</file>
+
 <file path=ppt/slides/slide5.xml><?xml version="1.0" encoding="utf-8"?>
 <p:sld xmlns:a="http://schemas.openxmlformats.org/drawingml/2006/main" xmlns:r="http://schemas.openxmlformats.org/officeDocument/2006/relationships" xmlns:p="http://schemas.openxmlformats.org/presentationml/2006/main">
   <p:cSld>
@@ -13799,13 +13201,6 @@
   <p:clrMapOvr>
     <a:masterClrMapping/>
   </p:clrMapOvr>
-  <p:timing>
-    <p:tnLst>
-      <p:par>
-        <p:cTn id="1" dur="indefinite" restart="never" nodeType="tmRoot"/>
-      </p:par>
-    </p:tnLst>
-  </p:timing>
 </p:sld>
 </file>
 
@@ -13843,13 +13238,6 @@
           </a:bodyPr>
           <a:lstStyle/>
           <a:p>
-            <a:r>
-              <a:rPr lang="en-US" dirty="0">
-                <a:latin typeface="Times New Roman" panose="02020603050405020304" pitchFamily="18" charset="0"/>
-                <a:cs typeface="Times New Roman" panose="02020603050405020304" pitchFamily="18" charset="0"/>
-              </a:rPr>
-              <a:t/>
-            </a:r>
             <a:br>
               <a:rPr lang="en-US" dirty="0">
                 <a:latin typeface="Times New Roman" panose="02020603050405020304" pitchFamily="18" charset="0"/>
@@ -13950,13 +13338,6 @@
   <p:clrMapOvr>
     <a:masterClrMapping/>
   </p:clrMapOvr>
-  <p:timing>
-    <p:tnLst>
-      <p:par>
-        <p:cTn id="1" dur="indefinite" restart="never" nodeType="tmRoot"/>
-      </p:par>
-    </p:tnLst>
-  </p:timing>
 </p:sld>
 </file>
 
@@ -14195,13 +13576,6 @@
   <p:clrMapOvr>
     <a:masterClrMapping/>
   </p:clrMapOvr>
-  <p:timing>
-    <p:tnLst>
-      <p:par>
-        <p:cTn id="1" dur="indefinite" restart="never" nodeType="tmRoot"/>
-      </p:par>
-    </p:tnLst>
-  </p:timing>
 </p:sld>
 </file>
 
@@ -14388,13 +13762,6 @@
   <p:clrMapOvr>
     <a:masterClrMapping/>
   </p:clrMapOvr>
-  <p:timing>
-    <p:tnLst>
-      <p:par>
-        <p:cTn id="1" dur="indefinite" restart="never" nodeType="tmRoot"/>
-      </p:par>
-    </p:tnLst>
-  </p:timing>
 </p:sld>
 </file>
 
@@ -14542,13 +13909,6 @@
   <p:clrMapOvr>
     <a:masterClrMapping/>
   </p:clrMapOvr>
-  <p:timing>
-    <p:tnLst>
-      <p:par>
-        <p:cTn id="1" dur="indefinite" restart="never" nodeType="tmRoot"/>
-      </p:par>
-    </p:tnLst>
-  </p:timing>
 </p:sld>
 </file>
 

--- a/Angular Workshop/Angular Workshop.pptx
+++ b/Angular Workshop/Angular Workshop.pptx
@@ -5,7 +5,7 @@
     <p:sldMasterId id="2147483790" r:id="rId1"/>
   </p:sldMasterIdLst>
   <p:notesMasterIdLst>
-    <p:notesMasterId r:id="rId49"/>
+    <p:notesMasterId r:id="rId56"/>
   </p:notesMasterIdLst>
   <p:sldIdLst>
     <p:sldId id="256" r:id="rId2"/>
@@ -55,6 +55,13 @@
     <p:sldId id="300" r:id="rId46"/>
     <p:sldId id="301" r:id="rId47"/>
     <p:sldId id="302" r:id="rId48"/>
+    <p:sldId id="303" r:id="rId49"/>
+    <p:sldId id="304" r:id="rId50"/>
+    <p:sldId id="305" r:id="rId51"/>
+    <p:sldId id="306" r:id="rId52"/>
+    <p:sldId id="308" r:id="rId53"/>
+    <p:sldId id="307" r:id="rId54"/>
+    <p:sldId id="309" r:id="rId55"/>
   </p:sldIdLst>
   <p:sldSz cx="12192000" cy="6858000"/>
   <p:notesSz cx="6858000" cy="9144000"/>
@@ -12902,6 +12909,446 @@
 </p:sld>
 </file>
 
+<file path=ppt/slides/slide48.xml><?xml version="1.0" encoding="utf-8"?>
+<p:sld xmlns:a="http://schemas.openxmlformats.org/drawingml/2006/main" xmlns:r="http://schemas.openxmlformats.org/officeDocument/2006/relationships" xmlns:p="http://schemas.openxmlformats.org/presentationml/2006/main">
+  <p:cSld>
+    <p:spTree>
+      <p:nvGrpSpPr>
+        <p:cNvPr id="1" name=""/>
+        <p:cNvGrpSpPr/>
+        <p:nvPr/>
+      </p:nvGrpSpPr>
+      <p:grpSpPr>
+        <a:xfrm>
+          <a:off x="0" y="0"/>
+          <a:ext cx="0" cy="0"/>
+          <a:chOff x="0" y="0"/>
+          <a:chExt cx="0" cy="0"/>
+        </a:xfrm>
+      </p:grpSpPr>
+      <p:sp>
+        <p:nvSpPr>
+          <p:cNvPr id="2" name="Title 1">
+            <a:extLst>
+              <a:ext uri="{FF2B5EF4-FFF2-40B4-BE49-F238E27FC236}">
+                <a16:creationId xmlns:a16="http://schemas.microsoft.com/office/drawing/2014/main" id="{F3235BCF-27FA-4DC5-B2F0-05B1BD799591}"/>
+              </a:ext>
+            </a:extLst>
+          </p:cNvPr>
+          <p:cNvSpPr>
+            <a:spLocks noGrp="1"/>
+          </p:cNvSpPr>
+          <p:nvPr>
+            <p:ph type="title"/>
+          </p:nvPr>
+        </p:nvSpPr>
+        <p:spPr/>
+        <p:txBody>
+          <a:bodyPr>
+            <a:noAutofit/>
+          </a:bodyPr>
+          <a:lstStyle/>
+          <a:p>
+            <a:br>
+              <a:rPr lang="en-US" sz="5200" dirty="0"/>
+            </a:br>
+            <a:br>
+              <a:rPr lang="en-US" sz="5200" dirty="0">
+                <a:latin typeface="Times New Roman" panose="02020603050405020304" pitchFamily="18" charset="0"/>
+                <a:cs typeface="Times New Roman" panose="02020603050405020304" pitchFamily="18" charset="0"/>
+              </a:rPr>
+            </a:br>
+            <a:r>
+              <a:rPr lang="en-US" sz="5200" dirty="0"/>
+              <a:t>Routing &amp; Navigation</a:t>
+            </a:r>
+            <a:br>
+              <a:rPr lang="en-US" sz="5200" dirty="0"/>
+            </a:br>
+            <a:br>
+              <a:rPr lang="en-US" sz="5200" dirty="0"/>
+            </a:br>
+            <a:endParaRPr lang="en-US" sz="5200" dirty="0"/>
+          </a:p>
+        </p:txBody>
+      </p:sp>
+      <p:sp>
+        <p:nvSpPr>
+          <p:cNvPr id="3" name="Content Placeholder 2">
+            <a:extLst>
+              <a:ext uri="{FF2B5EF4-FFF2-40B4-BE49-F238E27FC236}">
+                <a16:creationId xmlns:a16="http://schemas.microsoft.com/office/drawing/2014/main" id="{F3C26F8F-FAD3-4573-A33D-F13ECD7B0976}"/>
+              </a:ext>
+            </a:extLst>
+          </p:cNvPr>
+          <p:cNvSpPr>
+            <a:spLocks noGrp="1"/>
+          </p:cNvSpPr>
+          <p:nvPr>
+            <p:ph idx="1"/>
+          </p:nvPr>
+        </p:nvSpPr>
+        <p:spPr/>
+        <p:txBody>
+          <a:bodyPr/>
+          <a:lstStyle/>
+          <a:p>
+            <a:r>
+              <a:rPr lang="en-US" dirty="0">
+                <a:latin typeface="Times New Roman" panose="02020603050405020304" pitchFamily="18" charset="0"/>
+                <a:cs typeface="Times New Roman" panose="02020603050405020304" pitchFamily="18" charset="0"/>
+              </a:rPr>
+              <a:t>The Angular Router enables navigation from one view to the next as users perform application tasks.</a:t>
+            </a:r>
+          </a:p>
+          <a:p>
+            <a:r>
+              <a:rPr lang="en-US" dirty="0">
+                <a:latin typeface="Times New Roman" panose="02020603050405020304" pitchFamily="18" charset="0"/>
+                <a:cs typeface="Times New Roman" panose="02020603050405020304" pitchFamily="18" charset="0"/>
+              </a:rPr>
+              <a:t>Syntax</a:t>
+            </a:r>
+          </a:p>
+          <a:p>
+            <a:pPr marL="457200" indent="-457200">
+              <a:buFont typeface="+mj-lt"/>
+              <a:buAutoNum type="arabicPeriod"/>
+            </a:pPr>
+            <a:r>
+              <a:rPr lang="en-US" dirty="0">
+                <a:latin typeface="Times New Roman" panose="02020603050405020304" pitchFamily="18" charset="0"/>
+                <a:cs typeface="Times New Roman" panose="02020603050405020304" pitchFamily="18" charset="0"/>
+              </a:rPr>
+              <a:t>Router imports import { </a:t>
+            </a:r>
+            <a:r>
+              <a:rPr lang="en-US" dirty="0" err="1">
+                <a:latin typeface="Times New Roman" panose="02020603050405020304" pitchFamily="18" charset="0"/>
+                <a:cs typeface="Times New Roman" panose="02020603050405020304" pitchFamily="18" charset="0"/>
+                <a:hlinkClick r:id="rId2"/>
+              </a:rPr>
+              <a:t>RouterModule</a:t>
+            </a:r>
+            <a:r>
+              <a:rPr lang="en-US" dirty="0">
+                <a:latin typeface="Times New Roman" panose="02020603050405020304" pitchFamily="18" charset="0"/>
+                <a:cs typeface="Times New Roman" panose="02020603050405020304" pitchFamily="18" charset="0"/>
+              </a:rPr>
+              <a:t>, </a:t>
+            </a:r>
+            <a:r>
+              <a:rPr lang="en-US" dirty="0">
+                <a:latin typeface="Times New Roman" panose="02020603050405020304" pitchFamily="18" charset="0"/>
+                <a:cs typeface="Times New Roman" panose="02020603050405020304" pitchFamily="18" charset="0"/>
+                <a:hlinkClick r:id="rId3"/>
+              </a:rPr>
+              <a:t>Routes</a:t>
+            </a:r>
+            <a:r>
+              <a:rPr lang="en-US" dirty="0">
+                <a:latin typeface="Times New Roman" panose="02020603050405020304" pitchFamily="18" charset="0"/>
+                <a:cs typeface="Times New Roman" panose="02020603050405020304" pitchFamily="18" charset="0"/>
+              </a:rPr>
+              <a:t> } from '@angular/router’;</a:t>
+            </a:r>
+          </a:p>
+          <a:p>
+            <a:pPr marL="457200" indent="-457200">
+              <a:buFont typeface="+mj-lt"/>
+              <a:buAutoNum type="arabicPeriod"/>
+            </a:pPr>
+            <a:r>
+              <a:rPr lang="en-US" dirty="0">
+                <a:latin typeface="Times New Roman" panose="02020603050405020304" pitchFamily="18" charset="0"/>
+                <a:cs typeface="Times New Roman" panose="02020603050405020304" pitchFamily="18" charset="0"/>
+              </a:rPr>
+              <a:t>Imports </a:t>
+            </a:r>
+            <a:r>
+              <a:rPr lang="en-US" dirty="0" err="1">
+                <a:latin typeface="Times New Roman" panose="02020603050405020304" pitchFamily="18" charset="0"/>
+                <a:cs typeface="Times New Roman" panose="02020603050405020304" pitchFamily="18" charset="0"/>
+              </a:rPr>
+              <a:t>RouterModule.forRoot</a:t>
+            </a:r>
+            <a:r>
+              <a:rPr lang="en-US" dirty="0">
+                <a:latin typeface="Times New Roman" panose="02020603050405020304" pitchFamily="18" charset="0"/>
+                <a:cs typeface="Times New Roman" panose="02020603050405020304" pitchFamily="18" charset="0"/>
+              </a:rPr>
+              <a:t>(routes, { </a:t>
+            </a:r>
+            <a:r>
+              <a:rPr lang="en-US" dirty="0" err="1">
+                <a:latin typeface="Times New Roman" panose="02020603050405020304" pitchFamily="18" charset="0"/>
+                <a:cs typeface="Times New Roman" panose="02020603050405020304" pitchFamily="18" charset="0"/>
+              </a:rPr>
+              <a:t>enableTracing</a:t>
+            </a:r>
+            <a:r>
+              <a:rPr lang="en-US" dirty="0">
+                <a:latin typeface="Times New Roman" panose="02020603050405020304" pitchFamily="18" charset="0"/>
+                <a:cs typeface="Times New Roman" panose="02020603050405020304" pitchFamily="18" charset="0"/>
+              </a:rPr>
+              <a:t>: true })</a:t>
+            </a:r>
+          </a:p>
+          <a:p>
+            <a:pPr marL="0" indent="0">
+              <a:buNone/>
+            </a:pPr>
+            <a:br>
+              <a:rPr lang="en-US" dirty="0">
+                <a:latin typeface="Times New Roman" panose="02020603050405020304" pitchFamily="18" charset="0"/>
+                <a:cs typeface="Times New Roman" panose="02020603050405020304" pitchFamily="18" charset="0"/>
+              </a:rPr>
+            </a:br>
+            <a:endParaRPr lang="en-US" dirty="0">
+              <a:latin typeface="Times New Roman" panose="02020603050405020304" pitchFamily="18" charset="0"/>
+              <a:cs typeface="Times New Roman" panose="02020603050405020304" pitchFamily="18" charset="0"/>
+            </a:endParaRPr>
+          </a:p>
+        </p:txBody>
+      </p:sp>
+    </p:spTree>
+    <p:extLst>
+      <p:ext uri="{BB962C8B-B14F-4D97-AF65-F5344CB8AC3E}">
+        <p14:creationId xmlns:p14="http://schemas.microsoft.com/office/powerpoint/2010/main" val="31889928"/>
+      </p:ext>
+    </p:extLst>
+  </p:cSld>
+  <p:clrMapOvr>
+    <a:masterClrMapping/>
+  </p:clrMapOvr>
+</p:sld>
+</file>
+
+<file path=ppt/slides/slide49.xml><?xml version="1.0" encoding="utf-8"?>
+<p:sld xmlns:a="http://schemas.openxmlformats.org/drawingml/2006/main" xmlns:r="http://schemas.openxmlformats.org/officeDocument/2006/relationships" xmlns:p="http://schemas.openxmlformats.org/presentationml/2006/main">
+  <p:cSld>
+    <p:spTree>
+      <p:nvGrpSpPr>
+        <p:cNvPr id="1" name=""/>
+        <p:cNvGrpSpPr/>
+        <p:nvPr/>
+      </p:nvGrpSpPr>
+      <p:grpSpPr>
+        <a:xfrm>
+          <a:off x="0" y="0"/>
+          <a:ext cx="0" cy="0"/>
+          <a:chOff x="0" y="0"/>
+          <a:chExt cx="0" cy="0"/>
+        </a:xfrm>
+      </p:grpSpPr>
+      <p:sp>
+        <p:nvSpPr>
+          <p:cNvPr id="2" name="Title 1">
+            <a:extLst>
+              <a:ext uri="{FF2B5EF4-FFF2-40B4-BE49-F238E27FC236}">
+                <a16:creationId xmlns:a16="http://schemas.microsoft.com/office/drawing/2014/main" id="{A732E7B4-C310-4146-84E3-24D68CE4549A}"/>
+              </a:ext>
+            </a:extLst>
+          </p:cNvPr>
+          <p:cNvSpPr>
+            <a:spLocks noGrp="1"/>
+          </p:cNvSpPr>
+          <p:nvPr>
+            <p:ph type="title"/>
+          </p:nvPr>
+        </p:nvSpPr>
+        <p:spPr/>
+        <p:txBody>
+          <a:bodyPr/>
+          <a:lstStyle/>
+          <a:p>
+            <a:r>
+              <a:rPr lang="en-US" dirty="0"/>
+              <a:t>Router components</a:t>
+            </a:r>
+          </a:p>
+        </p:txBody>
+      </p:sp>
+      <p:sp>
+        <p:nvSpPr>
+          <p:cNvPr id="3" name="Content Placeholder 2">
+            <a:extLst>
+              <a:ext uri="{FF2B5EF4-FFF2-40B4-BE49-F238E27FC236}">
+                <a16:creationId xmlns:a16="http://schemas.microsoft.com/office/drawing/2014/main" id="{F7A26928-AFB6-4384-BF91-7ECECDBA8C13}"/>
+              </a:ext>
+            </a:extLst>
+          </p:cNvPr>
+          <p:cNvSpPr>
+            <a:spLocks noGrp="1"/>
+          </p:cNvSpPr>
+          <p:nvPr>
+            <p:ph idx="1"/>
+          </p:nvPr>
+        </p:nvSpPr>
+        <p:spPr/>
+        <p:txBody>
+          <a:bodyPr/>
+          <a:lstStyle/>
+          <a:p>
+            <a:r>
+              <a:rPr lang="en-US" dirty="0"/>
+              <a:t>The </a:t>
+            </a:r>
+            <a:r>
+              <a:rPr lang="en-US" dirty="0" err="1"/>
+              <a:t>RouterOutlet</a:t>
+            </a:r>
+            <a:r>
+              <a:rPr lang="en-US" dirty="0"/>
+              <a:t> is a directive from the router library that is used like a component. It acts as a placeholder that marks the spot in the template where the router should display the components for that outlet.</a:t>
+            </a:r>
+          </a:p>
+          <a:p>
+            <a:pPr marL="0" indent="0">
+              <a:buNone/>
+            </a:pPr>
+            <a:r>
+              <a:rPr lang="en-US" dirty="0"/>
+              <a:t>&lt;</a:t>
+            </a:r>
+            <a:r>
+              <a:rPr lang="en-US" dirty="0">
+                <a:hlinkClick r:id="rId2"/>
+              </a:rPr>
+              <a:t>router-outlet</a:t>
+            </a:r>
+            <a:r>
+              <a:rPr lang="en-US" dirty="0"/>
+              <a:t>&gt;&lt;/</a:t>
+            </a:r>
+            <a:r>
+              <a:rPr lang="en-US" dirty="0">
+                <a:hlinkClick r:id="rId2"/>
+              </a:rPr>
+              <a:t>router-outlet</a:t>
+            </a:r>
+            <a:r>
+              <a:rPr lang="en-US" dirty="0"/>
+              <a:t>&gt;</a:t>
+            </a:r>
+          </a:p>
+          <a:p>
+            <a:r>
+              <a:rPr lang="en-US" dirty="0"/>
+              <a:t>Router links help user to navigate between pages</a:t>
+            </a:r>
+          </a:p>
+          <a:p>
+            <a:pPr marL="0" indent="0">
+              <a:buNone/>
+            </a:pPr>
+            <a:r>
+              <a:rPr lang="en-US" dirty="0"/>
+              <a:t>&lt;</a:t>
+            </a:r>
+            <a:r>
+              <a:rPr lang="en-US" dirty="0">
+                <a:hlinkClick r:id="rId3"/>
+              </a:rPr>
+              <a:t>a</a:t>
+            </a:r>
+            <a:r>
+              <a:rPr lang="en-US" dirty="0"/>
+              <a:t> </a:t>
+            </a:r>
+            <a:r>
+              <a:rPr lang="en-US" dirty="0" err="1">
+                <a:hlinkClick r:id="rId4"/>
+              </a:rPr>
+              <a:t>routerLink</a:t>
+            </a:r>
+            <a:r>
+              <a:rPr lang="en-US" dirty="0"/>
+              <a:t>="/heroes" </a:t>
+            </a:r>
+            <a:r>
+              <a:rPr lang="en-US" dirty="0" err="1">
+                <a:hlinkClick r:id="rId5"/>
+              </a:rPr>
+              <a:t>routerLinkActive</a:t>
+            </a:r>
+            <a:r>
+              <a:rPr lang="en-US" dirty="0"/>
+              <a:t>="active"&gt;Heroes&lt;/</a:t>
+            </a:r>
+            <a:r>
+              <a:rPr lang="en-US" dirty="0">
+                <a:hlinkClick r:id="rId3"/>
+              </a:rPr>
+              <a:t>a</a:t>
+            </a:r>
+            <a:r>
+              <a:rPr lang="en-US" dirty="0"/>
+              <a:t>&gt;</a:t>
+            </a:r>
+          </a:p>
+          <a:p>
+            <a:r>
+              <a:rPr lang="en-US" dirty="0"/>
+              <a:t>Active router links: The </a:t>
+            </a:r>
+            <a:r>
+              <a:rPr lang="en-US" dirty="0" err="1"/>
+              <a:t>RouterLinkActive</a:t>
+            </a:r>
+            <a:r>
+              <a:rPr lang="en-US" dirty="0"/>
+              <a:t> directive toggles </a:t>
+            </a:r>
+            <a:r>
+              <a:rPr lang="en-US" dirty="0" err="1"/>
+              <a:t>css</a:t>
+            </a:r>
+            <a:r>
+              <a:rPr lang="en-US" dirty="0"/>
+              <a:t> classes for active </a:t>
+            </a:r>
+            <a:r>
+              <a:rPr lang="en-US" dirty="0" err="1"/>
+              <a:t>RouterLink</a:t>
+            </a:r>
+            <a:r>
+              <a:rPr lang="en-US" dirty="0"/>
+              <a:t> bindings based on the current </a:t>
+            </a:r>
+            <a:r>
+              <a:rPr lang="en-US" dirty="0" err="1"/>
+              <a:t>RouterState</a:t>
+            </a:r>
+            <a:r>
+              <a:rPr lang="en-US" dirty="0"/>
+              <a:t>.</a:t>
+            </a:r>
+          </a:p>
+          <a:p>
+            <a:pPr marL="0" indent="0">
+              <a:buNone/>
+            </a:pPr>
+            <a:br>
+              <a:rPr lang="en-US" dirty="0"/>
+            </a:br>
+            <a:endParaRPr lang="en-US" dirty="0"/>
+          </a:p>
+        </p:txBody>
+      </p:sp>
+    </p:spTree>
+    <p:extLst>
+      <p:ext uri="{BB962C8B-B14F-4D97-AF65-F5344CB8AC3E}">
+        <p14:creationId xmlns:p14="http://schemas.microsoft.com/office/powerpoint/2010/main" val="2110725907"/>
+      </p:ext>
+    </p:extLst>
+  </p:cSld>
+  <p:clrMapOvr>
+    <a:masterClrMapping/>
+  </p:clrMapOvr>
+</p:sld>
+</file>
+
 <file path=ppt/slides/slide5.xml><?xml version="1.0" encoding="utf-8"?>
 <p:sld xmlns:a="http://schemas.openxmlformats.org/drawingml/2006/main" xmlns:r="http://schemas.openxmlformats.org/officeDocument/2006/relationships" xmlns:p="http://schemas.openxmlformats.org/presentationml/2006/main">
   <p:cSld>
@@ -13195,6 +13642,754 @@
     <p:extLst>
       <p:ext uri="{BB962C8B-B14F-4D97-AF65-F5344CB8AC3E}">
         <p14:creationId xmlns:p14="http://schemas.microsoft.com/office/powerpoint/2010/main" val="1703240444"/>
+      </p:ext>
+    </p:extLst>
+  </p:cSld>
+  <p:clrMapOvr>
+    <a:masterClrMapping/>
+  </p:clrMapOvr>
+</p:sld>
+</file>
+
+<file path=ppt/slides/slide50.xml><?xml version="1.0" encoding="utf-8"?>
+<p:sld xmlns:a="http://schemas.openxmlformats.org/drawingml/2006/main" xmlns:r="http://schemas.openxmlformats.org/officeDocument/2006/relationships" xmlns:p="http://schemas.openxmlformats.org/presentationml/2006/main">
+  <p:cSld>
+    <p:spTree>
+      <p:nvGrpSpPr>
+        <p:cNvPr id="1" name=""/>
+        <p:cNvGrpSpPr/>
+        <p:nvPr/>
+      </p:nvGrpSpPr>
+      <p:grpSpPr>
+        <a:xfrm>
+          <a:off x="0" y="0"/>
+          <a:ext cx="0" cy="0"/>
+          <a:chOff x="0" y="0"/>
+          <a:chExt cx="0" cy="0"/>
+        </a:xfrm>
+      </p:grpSpPr>
+      <p:sp>
+        <p:nvSpPr>
+          <p:cNvPr id="2" name="Title 1">
+            <a:extLst>
+              <a:ext uri="{FF2B5EF4-FFF2-40B4-BE49-F238E27FC236}">
+                <a16:creationId xmlns:a16="http://schemas.microsoft.com/office/drawing/2014/main" id="{AD84CCF8-63BB-4950-BDB6-76B6D26BDA2D}"/>
+              </a:ext>
+            </a:extLst>
+          </p:cNvPr>
+          <p:cNvSpPr>
+            <a:spLocks noGrp="1"/>
+          </p:cNvSpPr>
+          <p:nvPr>
+            <p:ph type="title"/>
+          </p:nvPr>
+        </p:nvSpPr>
+        <p:spPr/>
+        <p:txBody>
+          <a:bodyPr>
+            <a:normAutofit fontScale="90000"/>
+          </a:bodyPr>
+          <a:lstStyle/>
+          <a:p>
+            <a:br>
+              <a:rPr lang="en-US" dirty="0">
+                <a:latin typeface="Times New Roman" panose="02020603050405020304" pitchFamily="18" charset="0"/>
+                <a:cs typeface="Times New Roman" panose="02020603050405020304" pitchFamily="18" charset="0"/>
+              </a:rPr>
+            </a:br>
+            <a:r>
+              <a:rPr lang="en-US" dirty="0">
+                <a:latin typeface="Times New Roman" panose="02020603050405020304" pitchFamily="18" charset="0"/>
+                <a:cs typeface="Times New Roman" panose="02020603050405020304" pitchFamily="18" charset="0"/>
+              </a:rPr>
+              <a:t>Sending and Receiving Route Parameters</a:t>
+            </a:r>
+            <a:br>
+              <a:rPr lang="en-US" dirty="0">
+                <a:latin typeface="Times New Roman" panose="02020603050405020304" pitchFamily="18" charset="0"/>
+                <a:cs typeface="Times New Roman" panose="02020603050405020304" pitchFamily="18" charset="0"/>
+              </a:rPr>
+            </a:br>
+            <a:endParaRPr lang="en-US" dirty="0">
+              <a:latin typeface="Times New Roman" panose="02020603050405020304" pitchFamily="18" charset="0"/>
+              <a:cs typeface="Times New Roman" panose="02020603050405020304" pitchFamily="18" charset="0"/>
+            </a:endParaRPr>
+          </a:p>
+        </p:txBody>
+      </p:sp>
+      <p:pic>
+        <p:nvPicPr>
+          <p:cNvPr id="7" name="Content Placeholder 6">
+            <a:extLst>
+              <a:ext uri="{FF2B5EF4-FFF2-40B4-BE49-F238E27FC236}">
+                <a16:creationId xmlns:a16="http://schemas.microsoft.com/office/drawing/2014/main" id="{DF38351B-9905-446B-B4D9-53E053FB34AD}"/>
+              </a:ext>
+            </a:extLst>
+          </p:cNvPr>
+          <p:cNvPicPr>
+            <a:picLocks noGrp="1" noChangeAspect="1"/>
+          </p:cNvPicPr>
+          <p:nvPr>
+            <p:ph idx="1"/>
+          </p:nvPr>
+        </p:nvPicPr>
+        <p:blipFill>
+          <a:blip r:embed="rId2">
+            <a:extLst>
+              <a:ext uri="{28A0092B-C50C-407E-A947-70E740481C1C}">
+                <a14:useLocalDpi xmlns:a14="http://schemas.microsoft.com/office/drawing/2010/main" val="0"/>
+              </a:ext>
+            </a:extLst>
+          </a:blip>
+          <a:stretch>
+            <a:fillRect/>
+          </a:stretch>
+        </p:blipFill>
+        <p:spPr>
+          <a:xfrm>
+            <a:off x="1197277" y="2120900"/>
+            <a:ext cx="9803795" cy="4051300"/>
+          </a:xfrm>
+        </p:spPr>
+      </p:pic>
+    </p:spTree>
+    <p:extLst>
+      <p:ext uri="{BB962C8B-B14F-4D97-AF65-F5344CB8AC3E}">
+        <p14:creationId xmlns:p14="http://schemas.microsoft.com/office/powerpoint/2010/main" val="280382900"/>
+      </p:ext>
+    </p:extLst>
+  </p:cSld>
+  <p:clrMapOvr>
+    <a:masterClrMapping/>
+  </p:clrMapOvr>
+</p:sld>
+</file>
+
+<file path=ppt/slides/slide51.xml><?xml version="1.0" encoding="utf-8"?>
+<p:sld xmlns:a="http://schemas.openxmlformats.org/drawingml/2006/main" xmlns:r="http://schemas.openxmlformats.org/officeDocument/2006/relationships" xmlns:p="http://schemas.openxmlformats.org/presentationml/2006/main">
+  <p:cSld>
+    <p:spTree>
+      <p:nvGrpSpPr>
+        <p:cNvPr id="1" name=""/>
+        <p:cNvGrpSpPr/>
+        <p:nvPr/>
+      </p:nvGrpSpPr>
+      <p:grpSpPr>
+        <a:xfrm>
+          <a:off x="0" y="0"/>
+          <a:ext cx="0" cy="0"/>
+          <a:chOff x="0" y="0"/>
+          <a:chExt cx="0" cy="0"/>
+        </a:xfrm>
+      </p:grpSpPr>
+      <p:sp>
+        <p:nvSpPr>
+          <p:cNvPr id="2" name="Title 1">
+            <a:extLst>
+              <a:ext uri="{FF2B5EF4-FFF2-40B4-BE49-F238E27FC236}">
+                <a16:creationId xmlns:a16="http://schemas.microsoft.com/office/drawing/2014/main" id="{58053DEB-0364-4739-A75A-D1ADAE13C923}"/>
+              </a:ext>
+            </a:extLst>
+          </p:cNvPr>
+          <p:cNvSpPr>
+            <a:spLocks noGrp="1"/>
+          </p:cNvSpPr>
+          <p:nvPr>
+            <p:ph type="title"/>
+          </p:nvPr>
+        </p:nvSpPr>
+        <p:spPr/>
+        <p:txBody>
+          <a:bodyPr>
+            <a:normAutofit fontScale="90000"/>
+          </a:bodyPr>
+          <a:lstStyle/>
+          <a:p>
+            <a:br>
+              <a:rPr lang="en-US" dirty="0">
+                <a:latin typeface="Times New Roman" panose="02020603050405020304" pitchFamily="18" charset="0"/>
+                <a:cs typeface="Times New Roman" panose="02020603050405020304" pitchFamily="18" charset="0"/>
+              </a:rPr>
+            </a:br>
+            <a:r>
+              <a:rPr lang="en-US" dirty="0">
+                <a:latin typeface="Times New Roman" panose="02020603050405020304" pitchFamily="18" charset="0"/>
+                <a:cs typeface="Times New Roman" panose="02020603050405020304" pitchFamily="18" charset="0"/>
+              </a:rPr>
+              <a:t>Subscribing to Route Parameters</a:t>
+            </a:r>
+            <a:br>
+              <a:rPr lang="en-US" dirty="0">
+                <a:latin typeface="Times New Roman" panose="02020603050405020304" pitchFamily="18" charset="0"/>
+                <a:cs typeface="Times New Roman" panose="02020603050405020304" pitchFamily="18" charset="0"/>
+              </a:rPr>
+            </a:br>
+            <a:endParaRPr lang="en-US" dirty="0">
+              <a:latin typeface="Times New Roman" panose="02020603050405020304" pitchFamily="18" charset="0"/>
+              <a:cs typeface="Times New Roman" panose="02020603050405020304" pitchFamily="18" charset="0"/>
+            </a:endParaRPr>
+          </a:p>
+        </p:txBody>
+      </p:sp>
+      <p:pic>
+        <p:nvPicPr>
+          <p:cNvPr id="5" name="Content Placeholder 4">
+            <a:extLst>
+              <a:ext uri="{FF2B5EF4-FFF2-40B4-BE49-F238E27FC236}">
+                <a16:creationId xmlns:a16="http://schemas.microsoft.com/office/drawing/2014/main" id="{650F94E9-AB70-4531-9D6D-9C0F7C608B60}"/>
+              </a:ext>
+            </a:extLst>
+          </p:cNvPr>
+          <p:cNvPicPr>
+            <a:picLocks noGrp="1" noChangeAspect="1"/>
+          </p:cNvPicPr>
+          <p:nvPr>
+            <p:ph idx="1"/>
+          </p:nvPr>
+        </p:nvPicPr>
+        <p:blipFill>
+          <a:blip r:embed="rId2">
+            <a:extLst>
+              <a:ext uri="{28A0092B-C50C-407E-A947-70E740481C1C}">
+                <a14:useLocalDpi xmlns:a14="http://schemas.microsoft.com/office/drawing/2010/main" val="0"/>
+              </a:ext>
+            </a:extLst>
+          </a:blip>
+          <a:stretch>
+            <a:fillRect/>
+          </a:stretch>
+        </p:blipFill>
+        <p:spPr>
+          <a:xfrm>
+            <a:off x="1069975" y="2267340"/>
+            <a:ext cx="10058400" cy="3349690"/>
+          </a:xfrm>
+        </p:spPr>
+      </p:pic>
+    </p:spTree>
+    <p:extLst>
+      <p:ext uri="{BB962C8B-B14F-4D97-AF65-F5344CB8AC3E}">
+        <p14:creationId xmlns:p14="http://schemas.microsoft.com/office/powerpoint/2010/main" val="1045507659"/>
+      </p:ext>
+    </p:extLst>
+  </p:cSld>
+  <p:clrMapOvr>
+    <a:masterClrMapping/>
+  </p:clrMapOvr>
+</p:sld>
+</file>
+
+<file path=ppt/slides/slide52.xml><?xml version="1.0" encoding="utf-8"?>
+<p:sld xmlns:a="http://schemas.openxmlformats.org/drawingml/2006/main" xmlns:r="http://schemas.openxmlformats.org/officeDocument/2006/relationships" xmlns:p="http://schemas.openxmlformats.org/presentationml/2006/main">
+  <p:cSld>
+    <p:spTree>
+      <p:nvGrpSpPr>
+        <p:cNvPr id="1" name=""/>
+        <p:cNvGrpSpPr/>
+        <p:nvPr/>
+      </p:nvGrpSpPr>
+      <p:grpSpPr>
+        <a:xfrm>
+          <a:off x="0" y="0"/>
+          <a:ext cx="0" cy="0"/>
+          <a:chOff x="0" y="0"/>
+          <a:chExt cx="0" cy="0"/>
+        </a:xfrm>
+      </p:grpSpPr>
+      <p:sp>
+        <p:nvSpPr>
+          <p:cNvPr id="2" name="Title 1">
+            <a:extLst>
+              <a:ext uri="{FF2B5EF4-FFF2-40B4-BE49-F238E27FC236}">
+                <a16:creationId xmlns:a16="http://schemas.microsoft.com/office/drawing/2014/main" id="{065C1010-908E-4E80-969B-8AD5B2DA4866}"/>
+              </a:ext>
+            </a:extLst>
+          </p:cNvPr>
+          <p:cNvSpPr>
+            <a:spLocks noGrp="1"/>
+          </p:cNvSpPr>
+          <p:nvPr>
+            <p:ph type="title"/>
+          </p:nvPr>
+        </p:nvSpPr>
+        <p:spPr>
+          <a:xfrm>
+            <a:off x="1069848" y="-118872"/>
+            <a:ext cx="10058400" cy="1609344"/>
+          </a:xfrm>
+        </p:spPr>
+        <p:txBody>
+          <a:bodyPr>
+            <a:normAutofit fontScale="90000"/>
+          </a:bodyPr>
+          <a:lstStyle/>
+          <a:p>
+            <a:br>
+              <a:rPr lang="en-US" dirty="0">
+                <a:latin typeface="Times New Roman" panose="02020603050405020304" pitchFamily="18" charset="0"/>
+                <a:cs typeface="Times New Roman" panose="02020603050405020304" pitchFamily="18" charset="0"/>
+              </a:rPr>
+            </a:br>
+            <a:r>
+              <a:rPr lang="en-US" dirty="0">
+                <a:latin typeface="Times New Roman" panose="02020603050405020304" pitchFamily="18" charset="0"/>
+                <a:cs typeface="Times New Roman" panose="02020603050405020304" pitchFamily="18" charset="0"/>
+              </a:rPr>
+              <a:t>Route Guards</a:t>
+            </a:r>
+            <a:br>
+              <a:rPr lang="en-US" dirty="0">
+                <a:latin typeface="Times New Roman" panose="02020603050405020304" pitchFamily="18" charset="0"/>
+                <a:cs typeface="Times New Roman" panose="02020603050405020304" pitchFamily="18" charset="0"/>
+              </a:rPr>
+            </a:br>
+            <a:endParaRPr lang="en-US" dirty="0"/>
+          </a:p>
+        </p:txBody>
+      </p:sp>
+      <p:sp>
+        <p:nvSpPr>
+          <p:cNvPr id="3" name="Content Placeholder 2">
+            <a:extLst>
+              <a:ext uri="{FF2B5EF4-FFF2-40B4-BE49-F238E27FC236}">
+                <a16:creationId xmlns:a16="http://schemas.microsoft.com/office/drawing/2014/main" id="{84CCFDEF-BEA6-4502-AAF2-CD1449B687B2}"/>
+              </a:ext>
+            </a:extLst>
+          </p:cNvPr>
+          <p:cNvSpPr>
+            <a:spLocks noGrp="1"/>
+          </p:cNvSpPr>
+          <p:nvPr>
+            <p:ph idx="1"/>
+          </p:nvPr>
+        </p:nvSpPr>
+        <p:spPr>
+          <a:xfrm>
+            <a:off x="1069848" y="1216152"/>
+            <a:ext cx="10058400" cy="5532120"/>
+          </a:xfrm>
+        </p:spPr>
+        <p:txBody>
+          <a:bodyPr>
+            <a:noAutofit/>
+          </a:bodyPr>
+          <a:lstStyle/>
+          <a:p>
+            <a:r>
+              <a:rPr lang="en-US" sz="1800" dirty="0">
+                <a:latin typeface="Times New Roman" panose="02020603050405020304" pitchFamily="18" charset="0"/>
+                <a:cs typeface="Times New Roman" panose="02020603050405020304" pitchFamily="18" charset="0"/>
+              </a:rPr>
+              <a:t>Some use case when we should use guard</a:t>
+            </a:r>
+          </a:p>
+          <a:p>
+            <a:pPr marL="457200" indent="-457200">
+              <a:buFont typeface="+mj-lt"/>
+              <a:buAutoNum type="arabicPeriod"/>
+            </a:pPr>
+            <a:r>
+              <a:rPr lang="en-US" sz="1800" dirty="0">
+                <a:latin typeface="Times New Roman" panose="02020603050405020304" pitchFamily="18" charset="0"/>
+                <a:cs typeface="Times New Roman" panose="02020603050405020304" pitchFamily="18" charset="0"/>
+              </a:rPr>
+              <a:t>Perhaps the user is not authorized to navigate to the target component.</a:t>
+            </a:r>
+          </a:p>
+          <a:p>
+            <a:pPr marL="457200" indent="-457200">
+              <a:buFont typeface="+mj-lt"/>
+              <a:buAutoNum type="arabicPeriod"/>
+            </a:pPr>
+            <a:r>
+              <a:rPr lang="en-US" sz="1800" dirty="0">
+                <a:latin typeface="Times New Roman" panose="02020603050405020304" pitchFamily="18" charset="0"/>
+                <a:cs typeface="Times New Roman" panose="02020603050405020304" pitchFamily="18" charset="0"/>
+              </a:rPr>
+              <a:t>Maybe the user must login (authenticate) first.</a:t>
+            </a:r>
+          </a:p>
+          <a:p>
+            <a:pPr marL="457200" indent="-457200">
+              <a:buFont typeface="+mj-lt"/>
+              <a:buAutoNum type="arabicPeriod"/>
+            </a:pPr>
+            <a:r>
+              <a:rPr lang="en-US" sz="1800" dirty="0">
+                <a:latin typeface="Times New Roman" panose="02020603050405020304" pitchFamily="18" charset="0"/>
+                <a:cs typeface="Times New Roman" panose="02020603050405020304" pitchFamily="18" charset="0"/>
+              </a:rPr>
+              <a:t>Maybe you should fetch some data before you display the target component.</a:t>
+            </a:r>
+          </a:p>
+          <a:p>
+            <a:pPr marL="457200" indent="-457200">
+              <a:buFont typeface="+mj-lt"/>
+              <a:buAutoNum type="arabicPeriod"/>
+            </a:pPr>
+            <a:r>
+              <a:rPr lang="en-US" sz="1800" dirty="0">
+                <a:latin typeface="Times New Roman" panose="02020603050405020304" pitchFamily="18" charset="0"/>
+                <a:cs typeface="Times New Roman" panose="02020603050405020304" pitchFamily="18" charset="0"/>
+              </a:rPr>
+              <a:t>You might want to save pending changes before leaving a component.</a:t>
+            </a:r>
+          </a:p>
+          <a:p>
+            <a:pPr marL="457200" indent="-457200">
+              <a:buFont typeface="+mj-lt"/>
+              <a:buAutoNum type="arabicPeriod"/>
+            </a:pPr>
+            <a:r>
+              <a:rPr lang="en-US" sz="1800" dirty="0">
+                <a:latin typeface="Times New Roman" panose="02020603050405020304" pitchFamily="18" charset="0"/>
+                <a:cs typeface="Times New Roman" panose="02020603050405020304" pitchFamily="18" charset="0"/>
+              </a:rPr>
+              <a:t>You might ask the user if it's OK to discard pending changes rather than save them.</a:t>
+            </a:r>
+          </a:p>
+          <a:p>
+            <a:pPr marL="457200" indent="-457200">
+              <a:buFont typeface="+mj-lt"/>
+              <a:buAutoNum type="arabicPeriod"/>
+            </a:pPr>
+            <a:r>
+              <a:rPr lang="en-US" sz="1800" dirty="0">
+                <a:latin typeface="Times New Roman" panose="02020603050405020304" pitchFamily="18" charset="0"/>
+                <a:cs typeface="Times New Roman" panose="02020603050405020304" pitchFamily="18" charset="0"/>
+              </a:rPr>
+              <a:t>You add guards to the route configuration to handle these scenarios.</a:t>
+            </a:r>
+          </a:p>
+          <a:p>
+            <a:endParaRPr lang="en-US" sz="1800" dirty="0">
+              <a:latin typeface="Times New Roman" panose="02020603050405020304" pitchFamily="18" charset="0"/>
+              <a:cs typeface="Times New Roman" panose="02020603050405020304" pitchFamily="18" charset="0"/>
+            </a:endParaRPr>
+          </a:p>
+          <a:p>
+            <a:r>
+              <a:rPr lang="en-US" sz="1800" dirty="0">
+                <a:latin typeface="Times New Roman" panose="02020603050405020304" pitchFamily="18" charset="0"/>
+                <a:cs typeface="Times New Roman" panose="02020603050405020304" pitchFamily="18" charset="0"/>
+              </a:rPr>
+              <a:t>A guard's return value controls the router's behavior:</a:t>
+            </a:r>
+          </a:p>
+          <a:p>
+            <a:endParaRPr lang="en-US" sz="1800" dirty="0">
+              <a:latin typeface="Times New Roman" panose="02020603050405020304" pitchFamily="18" charset="0"/>
+              <a:cs typeface="Times New Roman" panose="02020603050405020304" pitchFamily="18" charset="0"/>
+            </a:endParaRPr>
+          </a:p>
+          <a:p>
+            <a:pPr marL="457200" indent="-457200">
+              <a:buFont typeface="+mj-lt"/>
+              <a:buAutoNum type="arabicPeriod"/>
+            </a:pPr>
+            <a:r>
+              <a:rPr lang="en-US" sz="1800" dirty="0">
+                <a:latin typeface="Times New Roman" panose="02020603050405020304" pitchFamily="18" charset="0"/>
+                <a:cs typeface="Times New Roman" panose="02020603050405020304" pitchFamily="18" charset="0"/>
+              </a:rPr>
+              <a:t>If it returns true, the navigation process continues.</a:t>
+            </a:r>
+          </a:p>
+          <a:p>
+            <a:pPr marL="457200" indent="-457200">
+              <a:buFont typeface="+mj-lt"/>
+              <a:buAutoNum type="arabicPeriod"/>
+            </a:pPr>
+            <a:r>
+              <a:rPr lang="en-US" sz="1800" dirty="0">
+                <a:latin typeface="Times New Roman" panose="02020603050405020304" pitchFamily="18" charset="0"/>
+                <a:cs typeface="Times New Roman" panose="02020603050405020304" pitchFamily="18" charset="0"/>
+              </a:rPr>
+              <a:t>If it returns false, the navigation process stops and the user stays put.</a:t>
+            </a:r>
+          </a:p>
+          <a:p>
+            <a:pPr marL="457200" indent="-457200">
+              <a:buFont typeface="+mj-lt"/>
+              <a:buAutoNum type="arabicPeriod"/>
+            </a:pPr>
+            <a:r>
+              <a:rPr lang="en-US" sz="1800" dirty="0">
+                <a:latin typeface="Times New Roman" panose="02020603050405020304" pitchFamily="18" charset="0"/>
+                <a:cs typeface="Times New Roman" panose="02020603050405020304" pitchFamily="18" charset="0"/>
+              </a:rPr>
+              <a:t>If it returns a </a:t>
+            </a:r>
+            <a:r>
+              <a:rPr lang="en-US" sz="1800" dirty="0" err="1">
+                <a:latin typeface="Times New Roman" panose="02020603050405020304" pitchFamily="18" charset="0"/>
+                <a:cs typeface="Times New Roman" panose="02020603050405020304" pitchFamily="18" charset="0"/>
+              </a:rPr>
+              <a:t>UrlTree</a:t>
+            </a:r>
+            <a:r>
+              <a:rPr lang="en-US" sz="1800" dirty="0">
+                <a:latin typeface="Times New Roman" panose="02020603050405020304" pitchFamily="18" charset="0"/>
+                <a:cs typeface="Times New Roman" panose="02020603050405020304" pitchFamily="18" charset="0"/>
+              </a:rPr>
+              <a:t>, the current navigation cancels and a new navigation is initiated to the </a:t>
+            </a:r>
+            <a:r>
+              <a:rPr lang="en-US" sz="1800" dirty="0" err="1">
+                <a:latin typeface="Times New Roman" panose="02020603050405020304" pitchFamily="18" charset="0"/>
+                <a:cs typeface="Times New Roman" panose="02020603050405020304" pitchFamily="18" charset="0"/>
+              </a:rPr>
+              <a:t>UrlTree</a:t>
+            </a:r>
+            <a:r>
+              <a:rPr lang="en-US" sz="1800" dirty="0">
+                <a:latin typeface="Times New Roman" panose="02020603050405020304" pitchFamily="18" charset="0"/>
+                <a:cs typeface="Times New Roman" panose="02020603050405020304" pitchFamily="18" charset="0"/>
+              </a:rPr>
+              <a:t> returned.</a:t>
+            </a:r>
+          </a:p>
+        </p:txBody>
+      </p:sp>
+    </p:spTree>
+    <p:extLst>
+      <p:ext uri="{BB962C8B-B14F-4D97-AF65-F5344CB8AC3E}">
+        <p14:creationId xmlns:p14="http://schemas.microsoft.com/office/powerpoint/2010/main" val="3798343680"/>
+      </p:ext>
+    </p:extLst>
+  </p:cSld>
+  <p:clrMapOvr>
+    <a:masterClrMapping/>
+  </p:clrMapOvr>
+</p:sld>
+</file>
+
+<file path=ppt/slides/slide53.xml><?xml version="1.0" encoding="utf-8"?>
+<p:sld xmlns:a="http://schemas.openxmlformats.org/drawingml/2006/main" xmlns:r="http://schemas.openxmlformats.org/officeDocument/2006/relationships" xmlns:p="http://schemas.openxmlformats.org/presentationml/2006/main">
+  <p:cSld>
+    <p:spTree>
+      <p:nvGrpSpPr>
+        <p:cNvPr id="1" name=""/>
+        <p:cNvGrpSpPr/>
+        <p:nvPr/>
+      </p:nvGrpSpPr>
+      <p:grpSpPr>
+        <a:xfrm>
+          <a:off x="0" y="0"/>
+          <a:ext cx="0" cy="0"/>
+          <a:chOff x="0" y="0"/>
+          <a:chExt cx="0" cy="0"/>
+        </a:xfrm>
+      </p:grpSpPr>
+      <p:sp>
+        <p:nvSpPr>
+          <p:cNvPr id="2" name="Title 1">
+            <a:extLst>
+              <a:ext uri="{FF2B5EF4-FFF2-40B4-BE49-F238E27FC236}">
+                <a16:creationId xmlns:a16="http://schemas.microsoft.com/office/drawing/2014/main" id="{675A3199-E351-4E33-92D5-5A5218F6AAEF}"/>
+              </a:ext>
+            </a:extLst>
+          </p:cNvPr>
+          <p:cNvSpPr>
+            <a:spLocks noGrp="1"/>
+          </p:cNvSpPr>
+          <p:nvPr>
+            <p:ph type="title"/>
+          </p:nvPr>
+        </p:nvSpPr>
+        <p:spPr/>
+        <p:txBody>
+          <a:bodyPr>
+            <a:normAutofit fontScale="90000"/>
+          </a:bodyPr>
+          <a:lstStyle/>
+          <a:p>
+            <a:br>
+              <a:rPr lang="en-US" dirty="0">
+                <a:latin typeface="Times New Roman" panose="02020603050405020304" pitchFamily="18" charset="0"/>
+                <a:cs typeface="Times New Roman" panose="02020603050405020304" pitchFamily="18" charset="0"/>
+              </a:rPr>
+            </a:br>
+            <a:r>
+              <a:rPr lang="en-US" dirty="0">
+                <a:latin typeface="Times New Roman" panose="02020603050405020304" pitchFamily="18" charset="0"/>
+                <a:cs typeface="Times New Roman" panose="02020603050405020304" pitchFamily="18" charset="0"/>
+              </a:rPr>
+              <a:t>Route Guards</a:t>
+            </a:r>
+            <a:br>
+              <a:rPr lang="en-US" dirty="0">
+                <a:latin typeface="Times New Roman" panose="02020603050405020304" pitchFamily="18" charset="0"/>
+                <a:cs typeface="Times New Roman" panose="02020603050405020304" pitchFamily="18" charset="0"/>
+              </a:rPr>
+            </a:br>
+            <a:endParaRPr lang="en-US" dirty="0">
+              <a:latin typeface="Times New Roman" panose="02020603050405020304" pitchFamily="18" charset="0"/>
+              <a:cs typeface="Times New Roman" panose="02020603050405020304" pitchFamily="18" charset="0"/>
+            </a:endParaRPr>
+          </a:p>
+        </p:txBody>
+      </p:sp>
+      <p:pic>
+        <p:nvPicPr>
+          <p:cNvPr id="5" name="Content Placeholder 4">
+            <a:extLst>
+              <a:ext uri="{FF2B5EF4-FFF2-40B4-BE49-F238E27FC236}">
+                <a16:creationId xmlns:a16="http://schemas.microsoft.com/office/drawing/2014/main" id="{1CC84714-336C-49E6-8E73-D3612ACE155A}"/>
+              </a:ext>
+            </a:extLst>
+          </p:cNvPr>
+          <p:cNvPicPr>
+            <a:picLocks noGrp="1" noChangeAspect="1"/>
+          </p:cNvPicPr>
+          <p:nvPr>
+            <p:ph idx="1"/>
+          </p:nvPr>
+        </p:nvPicPr>
+        <p:blipFill>
+          <a:blip r:embed="rId2">
+            <a:extLst>
+              <a:ext uri="{28A0092B-C50C-407E-A947-70E740481C1C}">
+                <a14:useLocalDpi xmlns:a14="http://schemas.microsoft.com/office/drawing/2010/main" val="0"/>
+              </a:ext>
+            </a:extLst>
+          </a:blip>
+          <a:stretch>
+            <a:fillRect/>
+          </a:stretch>
+        </p:blipFill>
+        <p:spPr>
+          <a:xfrm>
+            <a:off x="1063752" y="1800808"/>
+            <a:ext cx="10431562" cy="4344468"/>
+          </a:xfrm>
+        </p:spPr>
+      </p:pic>
+    </p:spTree>
+    <p:extLst>
+      <p:ext uri="{BB962C8B-B14F-4D97-AF65-F5344CB8AC3E}">
+        <p14:creationId xmlns:p14="http://schemas.microsoft.com/office/powerpoint/2010/main" val="1496490647"/>
+      </p:ext>
+    </p:extLst>
+  </p:cSld>
+  <p:clrMapOvr>
+    <a:masterClrMapping/>
+  </p:clrMapOvr>
+</p:sld>
+</file>
+
+<file path=ppt/slides/slide54.xml><?xml version="1.0" encoding="utf-8"?>
+<p:sld xmlns:a="http://schemas.openxmlformats.org/drawingml/2006/main" xmlns:r="http://schemas.openxmlformats.org/officeDocument/2006/relationships" xmlns:p="http://schemas.openxmlformats.org/presentationml/2006/main">
+  <p:cSld>
+    <p:spTree>
+      <p:nvGrpSpPr>
+        <p:cNvPr id="1" name=""/>
+        <p:cNvGrpSpPr/>
+        <p:nvPr/>
+      </p:nvGrpSpPr>
+      <p:grpSpPr>
+        <a:xfrm>
+          <a:off x="0" y="0"/>
+          <a:ext cx="0" cy="0"/>
+          <a:chOff x="0" y="0"/>
+          <a:chExt cx="0" cy="0"/>
+        </a:xfrm>
+      </p:grpSpPr>
+      <p:sp>
+        <p:nvSpPr>
+          <p:cNvPr id="2" name="Title 1">
+            <a:extLst>
+              <a:ext uri="{FF2B5EF4-FFF2-40B4-BE49-F238E27FC236}">
+                <a16:creationId xmlns:a16="http://schemas.microsoft.com/office/drawing/2014/main" id="{A090EDE9-9054-457B-9CC7-4617D11A91AC}"/>
+              </a:ext>
+            </a:extLst>
+          </p:cNvPr>
+          <p:cNvSpPr>
+            <a:spLocks noGrp="1"/>
+          </p:cNvSpPr>
+          <p:nvPr>
+            <p:ph type="title"/>
+          </p:nvPr>
+        </p:nvSpPr>
+        <p:spPr/>
+        <p:txBody>
+          <a:bodyPr>
+            <a:normAutofit fontScale="90000"/>
+          </a:bodyPr>
+          <a:lstStyle/>
+          <a:p>
+            <a:br>
+              <a:rPr lang="en-US">
+                <a:latin typeface="Times New Roman" panose="02020603050405020304" pitchFamily="18" charset="0"/>
+                <a:cs typeface="Times New Roman" panose="02020603050405020304" pitchFamily="18" charset="0"/>
+              </a:rPr>
+            </a:br>
+            <a:r>
+              <a:rPr lang="en-US">
+                <a:latin typeface="Times New Roman" panose="02020603050405020304" pitchFamily="18" charset="0"/>
+                <a:cs typeface="Times New Roman" panose="02020603050405020304" pitchFamily="18" charset="0"/>
+              </a:rPr>
+              <a:t>Define Child </a:t>
+            </a:r>
+            <a:r>
+              <a:rPr lang="en-US" dirty="0">
+                <a:latin typeface="Times New Roman" panose="02020603050405020304" pitchFamily="18" charset="0"/>
+                <a:cs typeface="Times New Roman" panose="02020603050405020304" pitchFamily="18" charset="0"/>
+              </a:rPr>
+              <a:t>Routes</a:t>
+            </a:r>
+            <a:br>
+              <a:rPr lang="en-US" dirty="0">
+                <a:latin typeface="Times New Roman" panose="02020603050405020304" pitchFamily="18" charset="0"/>
+                <a:cs typeface="Times New Roman" panose="02020603050405020304" pitchFamily="18" charset="0"/>
+              </a:rPr>
+            </a:br>
+            <a:endParaRPr lang="en-US" dirty="0">
+              <a:latin typeface="Times New Roman" panose="02020603050405020304" pitchFamily="18" charset="0"/>
+              <a:cs typeface="Times New Roman" panose="02020603050405020304" pitchFamily="18" charset="0"/>
+            </a:endParaRPr>
+          </a:p>
+        </p:txBody>
+      </p:sp>
+      <p:pic>
+        <p:nvPicPr>
+          <p:cNvPr id="5" name="Content Placeholder 4">
+            <a:extLst>
+              <a:ext uri="{FF2B5EF4-FFF2-40B4-BE49-F238E27FC236}">
+                <a16:creationId xmlns:a16="http://schemas.microsoft.com/office/drawing/2014/main" id="{6A6F1091-4A85-48FC-B917-22A53BA8A1CC}"/>
+              </a:ext>
+            </a:extLst>
+          </p:cNvPr>
+          <p:cNvPicPr>
+            <a:picLocks noGrp="1" noChangeAspect="1"/>
+          </p:cNvPicPr>
+          <p:nvPr>
+            <p:ph idx="1"/>
+          </p:nvPr>
+        </p:nvPicPr>
+        <p:blipFill>
+          <a:blip r:embed="rId2">
+            <a:extLst>
+              <a:ext uri="{28A0092B-C50C-407E-A947-70E740481C1C}">
+                <a14:useLocalDpi xmlns:a14="http://schemas.microsoft.com/office/drawing/2010/main" val="0"/>
+              </a:ext>
+            </a:extLst>
+          </a:blip>
+          <a:stretch>
+            <a:fillRect/>
+          </a:stretch>
+        </p:blipFill>
+        <p:spPr>
+          <a:xfrm>
+            <a:off x="1063752" y="2093975"/>
+            <a:ext cx="9638460" cy="4546431"/>
+          </a:xfrm>
+        </p:spPr>
+      </p:pic>
+    </p:spTree>
+    <p:extLst>
+      <p:ext uri="{BB962C8B-B14F-4D97-AF65-F5344CB8AC3E}">
+        <p14:creationId xmlns:p14="http://schemas.microsoft.com/office/powerpoint/2010/main" val="2960871185"/>
       </p:ext>
     </p:extLst>
   </p:cSld>

--- a/Angular Workshop/Angular Workshop.pptx
+++ b/Angular Workshop/Angular Workshop.pptx
@@ -5,7 +5,7 @@
     <p:sldMasterId id="2147483790" r:id="rId1"/>
   </p:sldMasterIdLst>
   <p:notesMasterIdLst>
-    <p:notesMasterId r:id="rId56"/>
+    <p:notesMasterId r:id="rId58"/>
   </p:notesMasterIdLst>
   <p:sldIdLst>
     <p:sldId id="256" r:id="rId2"/>
@@ -62,6 +62,8 @@
     <p:sldId id="308" r:id="rId53"/>
     <p:sldId id="307" r:id="rId54"/>
     <p:sldId id="309" r:id="rId55"/>
+    <p:sldId id="310" r:id="rId56"/>
+    <p:sldId id="311" r:id="rId57"/>
   </p:sldIdLst>
   <p:sldSz cx="12192000" cy="6858000"/>
   <p:notesSz cx="6858000" cy="9144000"/>
@@ -250,7 +252,7 @@
           <a:p>
             <a:fld id="{6A8D9F0F-2837-48EC-B86C-7389FCD155D0}" type="datetimeFigureOut">
               <a:rPr lang="en-US" smtClean="0"/>
-              <a:t>5/7/2019</a:t>
+              <a:t>5/13/2019</a:t>
             </a:fld>
             <a:endParaRPr lang="en-US"/>
           </a:p>
@@ -787,6 +789,96 @@
 </p:notes>
 </file>
 
+<file path=ppt/notesSlides/notesSlide4.xml><?xml version="1.0" encoding="utf-8"?>
+<p:notes xmlns:a="http://schemas.openxmlformats.org/drawingml/2006/main" xmlns:r="http://schemas.openxmlformats.org/officeDocument/2006/relationships" xmlns:p="http://schemas.openxmlformats.org/presentationml/2006/main">
+  <p:cSld>
+    <p:spTree>
+      <p:nvGrpSpPr>
+        <p:cNvPr id="1" name=""/>
+        <p:cNvGrpSpPr/>
+        <p:nvPr/>
+      </p:nvGrpSpPr>
+      <p:grpSpPr>
+        <a:xfrm>
+          <a:off x="0" y="0"/>
+          <a:ext cx="0" cy="0"/>
+          <a:chOff x="0" y="0"/>
+          <a:chExt cx="0" cy="0"/>
+        </a:xfrm>
+      </p:grpSpPr>
+      <p:sp>
+        <p:nvSpPr>
+          <p:cNvPr id="2" name="Slide Image Placeholder 1"/>
+          <p:cNvSpPr>
+            <a:spLocks noGrp="1" noRot="1" noChangeAspect="1"/>
+          </p:cNvSpPr>
+          <p:nvPr>
+            <p:ph type="sldImg"/>
+          </p:nvPr>
+        </p:nvSpPr>
+        <p:spPr/>
+      </p:sp>
+      <p:sp>
+        <p:nvSpPr>
+          <p:cNvPr id="3" name="Notes Placeholder 2"/>
+          <p:cNvSpPr>
+            <a:spLocks noGrp="1"/>
+          </p:cNvSpPr>
+          <p:nvPr>
+            <p:ph type="body" idx="1"/>
+          </p:nvPr>
+        </p:nvSpPr>
+        <p:spPr/>
+        <p:txBody>
+          <a:bodyPr/>
+          <a:lstStyle/>
+          <a:p>
+            <a:r>
+              <a:rPr lang="en-US" dirty="0" smtClean="0">
+                <a:hlinkClick r:id="rId3"/>
+              </a:rPr>
+              <a:t>https://www.youtube.com/watch?v=XbOuCBuQepI</a:t>
+            </a:r>
+            <a:endParaRPr lang="en-US" dirty="0"/>
+          </a:p>
+        </p:txBody>
+      </p:sp>
+      <p:sp>
+        <p:nvSpPr>
+          <p:cNvPr id="4" name="Slide Number Placeholder 3"/>
+          <p:cNvSpPr>
+            <a:spLocks noGrp="1"/>
+          </p:cNvSpPr>
+          <p:nvPr>
+            <p:ph type="sldNum" sz="quarter" idx="10"/>
+          </p:nvPr>
+        </p:nvSpPr>
+        <p:spPr/>
+        <p:txBody>
+          <a:bodyPr/>
+          <a:lstStyle/>
+          <a:p>
+            <a:fld id="{41A78D70-B909-41F5-A68F-9A409A675382}" type="slidenum">
+              <a:rPr lang="en-US" smtClean="0"/>
+              <a:t>55</a:t>
+            </a:fld>
+            <a:endParaRPr lang="en-US"/>
+          </a:p>
+        </p:txBody>
+      </p:sp>
+    </p:spTree>
+    <p:extLst>
+      <p:ext uri="{BB962C8B-B14F-4D97-AF65-F5344CB8AC3E}">
+        <p14:creationId xmlns:p14="http://schemas.microsoft.com/office/powerpoint/2010/main" val="3205824653"/>
+      </p:ext>
+    </p:extLst>
+  </p:cSld>
+  <p:clrMapOvr>
+    <a:masterClrMapping/>
+  </p:clrMapOvr>
+</p:notes>
+</file>
+
 <file path=ppt/slideLayouts/slideLayout1.xml><?xml version="1.0" encoding="utf-8"?>
 <p:sldLayout xmlns:a="http://schemas.openxmlformats.org/drawingml/2006/main" xmlns:r="http://schemas.openxmlformats.org/officeDocument/2006/relationships" xmlns:p="http://schemas.openxmlformats.org/presentationml/2006/main" showMasterSp="0" type="title" preserve="1">
   <p:cSld name="Title Slide">
@@ -1190,7 +1282,7 @@
           <a:p>
             <a:fld id="{B9D14AC3-431A-47E8-842F-ED47F6F75548}" type="datetimeFigureOut">
               <a:rPr lang="en-US" smtClean="0"/>
-              <a:t>5/7/2019</a:t>
+              <a:t>5/13/2019</a:t>
             </a:fld>
             <a:endParaRPr lang="en-US"/>
           </a:p>
@@ -1369,7 +1461,7 @@
           <a:p>
             <a:fld id="{B9D14AC3-431A-47E8-842F-ED47F6F75548}" type="datetimeFigureOut">
               <a:rPr lang="en-US" smtClean="0"/>
-              <a:t>5/7/2019</a:t>
+              <a:t>5/13/2019</a:t>
             </a:fld>
             <a:endParaRPr lang="en-US"/>
           </a:p>
@@ -1549,7 +1641,7 @@
           <a:p>
             <a:fld id="{B9D14AC3-431A-47E8-842F-ED47F6F75548}" type="datetimeFigureOut">
               <a:rPr lang="en-US" smtClean="0"/>
-              <a:t>5/7/2019</a:t>
+              <a:t>5/13/2019</a:t>
             </a:fld>
             <a:endParaRPr lang="en-US"/>
           </a:p>
@@ -1719,7 +1811,7 @@
           <a:p>
             <a:fld id="{B9D14AC3-431A-47E8-842F-ED47F6F75548}" type="datetimeFigureOut">
               <a:rPr lang="en-US" smtClean="0"/>
-              <a:t>5/7/2019</a:t>
+              <a:t>5/13/2019</a:t>
             </a:fld>
             <a:endParaRPr lang="en-US"/>
           </a:p>
@@ -2032,7 +2124,7 @@
           <a:p>
             <a:fld id="{B9D14AC3-431A-47E8-842F-ED47F6F75548}" type="datetimeFigureOut">
               <a:rPr lang="en-US" smtClean="0"/>
-              <a:t>5/7/2019</a:t>
+              <a:t>5/13/2019</a:t>
             </a:fld>
             <a:endParaRPr lang="en-US"/>
           </a:p>
@@ -2418,7 +2510,7 @@
           <a:p>
             <a:fld id="{B9D14AC3-431A-47E8-842F-ED47F6F75548}" type="datetimeFigureOut">
               <a:rPr lang="en-US" smtClean="0"/>
-              <a:t>5/7/2019</a:t>
+              <a:t>5/13/2019</a:t>
             </a:fld>
             <a:endParaRPr lang="en-US"/>
           </a:p>
@@ -2857,7 +2949,7 @@
           <a:p>
             <a:fld id="{B9D14AC3-431A-47E8-842F-ED47F6F75548}" type="datetimeFigureOut">
               <a:rPr lang="en-US" smtClean="0"/>
-              <a:t>5/7/2019</a:t>
+              <a:t>5/13/2019</a:t>
             </a:fld>
             <a:endParaRPr lang="en-US"/>
           </a:p>
@@ -2980,7 +3072,7 @@
           <a:p>
             <a:fld id="{B9D14AC3-431A-47E8-842F-ED47F6F75548}" type="datetimeFigureOut">
               <a:rPr lang="en-US" smtClean="0"/>
-              <a:t>5/7/2019</a:t>
+              <a:t>5/13/2019</a:t>
             </a:fld>
             <a:endParaRPr lang="en-US"/>
           </a:p>
@@ -3075,7 +3167,7 @@
           <a:p>
             <a:fld id="{B9D14AC3-431A-47E8-842F-ED47F6F75548}" type="datetimeFigureOut">
               <a:rPr lang="en-US" smtClean="0"/>
-              <a:t>5/7/2019</a:t>
+              <a:t>5/13/2019</a:t>
             </a:fld>
             <a:endParaRPr lang="en-US"/>
           </a:p>
@@ -3425,7 +3517,7 @@
           <a:p>
             <a:fld id="{B9D14AC3-431A-47E8-842F-ED47F6F75548}" type="datetimeFigureOut">
               <a:rPr lang="en-US" smtClean="0"/>
-              <a:t>5/7/2019</a:t>
+              <a:t>5/13/2019</a:t>
             </a:fld>
             <a:endParaRPr lang="en-US"/>
           </a:p>
@@ -3855,7 +3947,7 @@
           <a:p>
             <a:fld id="{B9D14AC3-431A-47E8-842F-ED47F6F75548}" type="datetimeFigureOut">
               <a:rPr lang="en-US" smtClean="0"/>
-              <a:t>5/7/2019</a:t>
+              <a:t>5/13/2019</a:t>
             </a:fld>
             <a:endParaRPr lang="en-US"/>
           </a:p>
@@ -4136,7 +4228,7 @@
           <a:p>
             <a:fld id="{B9D14AC3-431A-47E8-842F-ED47F6F75548}" type="datetimeFigureOut">
               <a:rPr lang="en-US" smtClean="0"/>
-              <a:t>5/7/2019</a:t>
+              <a:t>5/13/2019</a:t>
             </a:fld>
             <a:endParaRPr lang="en-US"/>
           </a:p>
@@ -4733,6 +4825,10 @@
           <a:lstStyle/>
           <a:p>
             <a:pPr algn="ctr"/>
+            <a:r>
+              <a:rPr lang="en-US" b="1" dirty="0"/>
+              <a:t/>
+            </a:r>
             <a:br>
               <a:rPr lang="en-US" b="1" dirty="0"/>
             </a:br>
@@ -4903,7 +4999,7 @@
           <p:cNvPr id="2" name="Title 1">
             <a:extLst>
               <a:ext uri="{FF2B5EF4-FFF2-40B4-BE49-F238E27FC236}">
-                <a16:creationId xmlns:a16="http://schemas.microsoft.com/office/drawing/2014/main" id="{159757B6-80F7-4930-B530-65D40C6AAA2B}"/>
+                <a16:creationId xmlns:a16="http://schemas.microsoft.com/office/drawing/2014/main" xmlns="" id="{159757B6-80F7-4930-B530-65D40C6AAA2B}"/>
               </a:ext>
             </a:extLst>
           </p:cNvPr>
@@ -4921,6 +5017,13 @@
           </a:bodyPr>
           <a:lstStyle/>
           <a:p>
+            <a:r>
+              <a:rPr lang="en-US" dirty="0">
+                <a:latin typeface="Times New Roman" panose="02020603050405020304" pitchFamily="18" charset="0"/>
+                <a:cs typeface="Times New Roman" panose="02020603050405020304" pitchFamily="18" charset="0"/>
+              </a:rPr>
+              <a:t/>
+            </a:r>
             <a:br>
               <a:rPr lang="en-US" dirty="0">
                 <a:latin typeface="Times New Roman" panose="02020603050405020304" pitchFamily="18" charset="0"/>
@@ -4952,7 +5055,7 @@
           <p:cNvPr id="3" name="Content Placeholder 2">
             <a:extLst>
               <a:ext uri="{FF2B5EF4-FFF2-40B4-BE49-F238E27FC236}">
-                <a16:creationId xmlns:a16="http://schemas.microsoft.com/office/drawing/2014/main" id="{9FE13484-3844-4DDF-BFBA-ACA0E64B2915}"/>
+                <a16:creationId xmlns:a16="http://schemas.microsoft.com/office/drawing/2014/main" xmlns="" id="{9FE13484-3844-4DDF-BFBA-ACA0E64B2915}"/>
               </a:ext>
             </a:extLst>
           </p:cNvPr>
@@ -4989,7 +5092,7 @@
           <p:cNvPr id="7" name="Picture 6">
             <a:extLst>
               <a:ext uri="{FF2B5EF4-FFF2-40B4-BE49-F238E27FC236}">
-                <a16:creationId xmlns:a16="http://schemas.microsoft.com/office/drawing/2014/main" id="{32CA38FA-0E90-4306-B5D0-3CEA1A7E35E2}"/>
+                <a16:creationId xmlns:a16="http://schemas.microsoft.com/office/drawing/2014/main" xmlns="" id="{32CA38FA-0E90-4306-B5D0-3CEA1A7E35E2}"/>
               </a:ext>
             </a:extLst>
           </p:cNvPr>
@@ -5055,7 +5158,7 @@
           <p:cNvPr id="2" name="Title 1">
             <a:extLst>
               <a:ext uri="{FF2B5EF4-FFF2-40B4-BE49-F238E27FC236}">
-                <a16:creationId xmlns:a16="http://schemas.microsoft.com/office/drawing/2014/main" id="{4E8E46E2-4366-4F67-9FB5-B507999C18F7}"/>
+                <a16:creationId xmlns:a16="http://schemas.microsoft.com/office/drawing/2014/main" xmlns="" id="{4E8E46E2-4366-4F67-9FB5-B507999C18F7}"/>
               </a:ext>
             </a:extLst>
           </p:cNvPr>
@@ -5078,6 +5181,13 @@
           </a:bodyPr>
           <a:lstStyle/>
           <a:p>
+            <a:r>
+              <a:rPr lang="en-US" dirty="0">
+                <a:latin typeface="Times New Roman" panose="02020603050405020304" pitchFamily="18" charset="0"/>
+                <a:cs typeface="Times New Roman" panose="02020603050405020304" pitchFamily="18" charset="0"/>
+              </a:rPr>
+              <a:t/>
+            </a:r>
             <a:br>
               <a:rPr lang="en-US" dirty="0">
                 <a:latin typeface="Times New Roman" panose="02020603050405020304" pitchFamily="18" charset="0"/>
@@ -5109,7 +5219,7 @@
           <p:cNvPr id="3" name="Content Placeholder 2">
             <a:extLst>
               <a:ext uri="{FF2B5EF4-FFF2-40B4-BE49-F238E27FC236}">
-                <a16:creationId xmlns:a16="http://schemas.microsoft.com/office/drawing/2014/main" id="{46E11EF3-FB91-4D8A-A344-658BC8C1B939}"/>
+                <a16:creationId xmlns:a16="http://schemas.microsoft.com/office/drawing/2014/main" xmlns="" id="{46E11EF3-FB91-4D8A-A344-658BC8C1B939}"/>
               </a:ext>
             </a:extLst>
           </p:cNvPr>
@@ -5222,7 +5332,7 @@
           <p:cNvPr id="6" name="Picture 5">
             <a:extLst>
               <a:ext uri="{FF2B5EF4-FFF2-40B4-BE49-F238E27FC236}">
-                <a16:creationId xmlns:a16="http://schemas.microsoft.com/office/drawing/2014/main" id="{F59A1450-D806-40BA-9C89-7BEEFEABC899}"/>
+                <a16:creationId xmlns:a16="http://schemas.microsoft.com/office/drawing/2014/main" xmlns="" id="{F59A1450-D806-40BA-9C89-7BEEFEABC899}"/>
               </a:ext>
             </a:extLst>
           </p:cNvPr>
@@ -5258,7 +5368,7 @@
           <p:cNvPr id="8" name="Picture 7">
             <a:extLst>
               <a:ext uri="{FF2B5EF4-FFF2-40B4-BE49-F238E27FC236}">
-                <a16:creationId xmlns:a16="http://schemas.microsoft.com/office/drawing/2014/main" id="{2FBC3649-8EBE-4700-8648-D4EF97496A69}"/>
+                <a16:creationId xmlns:a16="http://schemas.microsoft.com/office/drawing/2014/main" xmlns="" id="{2FBC3649-8EBE-4700-8648-D4EF97496A69}"/>
               </a:ext>
             </a:extLst>
           </p:cNvPr>
@@ -5294,7 +5404,7 @@
           <p:cNvPr id="10" name="Picture 9">
             <a:extLst>
               <a:ext uri="{FF2B5EF4-FFF2-40B4-BE49-F238E27FC236}">
-                <a16:creationId xmlns:a16="http://schemas.microsoft.com/office/drawing/2014/main" id="{4D880A05-5F58-45B1-884D-75824689D61B}"/>
+                <a16:creationId xmlns:a16="http://schemas.microsoft.com/office/drawing/2014/main" xmlns="" id="{4D880A05-5F58-45B1-884D-75824689D61B}"/>
               </a:ext>
             </a:extLst>
           </p:cNvPr>
@@ -5360,7 +5470,7 @@
           <p:cNvPr id="2" name="Title 1">
             <a:extLst>
               <a:ext uri="{FF2B5EF4-FFF2-40B4-BE49-F238E27FC236}">
-                <a16:creationId xmlns:a16="http://schemas.microsoft.com/office/drawing/2014/main" id="{DC9D6F5E-CEDA-4DBA-9EFF-9DA5BC48DE19}"/>
+                <a16:creationId xmlns:a16="http://schemas.microsoft.com/office/drawing/2014/main" xmlns="" id="{DC9D6F5E-CEDA-4DBA-9EFF-9DA5BC48DE19}"/>
               </a:ext>
             </a:extLst>
           </p:cNvPr>
@@ -5391,7 +5501,7 @@
           <p:cNvPr id="5" name="Content Placeholder 4">
             <a:extLst>
               <a:ext uri="{FF2B5EF4-FFF2-40B4-BE49-F238E27FC236}">
-                <a16:creationId xmlns:a16="http://schemas.microsoft.com/office/drawing/2014/main" id="{F8018F80-C482-4162-87F4-3B4430AD1259}"/>
+                <a16:creationId xmlns:a16="http://schemas.microsoft.com/office/drawing/2014/main" xmlns="" id="{F8018F80-C482-4162-87F4-3B4430AD1259}"/>
               </a:ext>
             </a:extLst>
           </p:cNvPr>
@@ -5456,7 +5566,7 @@
           <p:cNvPr id="2" name="Title 1">
             <a:extLst>
               <a:ext uri="{FF2B5EF4-FFF2-40B4-BE49-F238E27FC236}">
-                <a16:creationId xmlns:a16="http://schemas.microsoft.com/office/drawing/2014/main" id="{F845B438-718D-41FE-B912-05184CC77809}"/>
+                <a16:creationId xmlns:a16="http://schemas.microsoft.com/office/drawing/2014/main" xmlns="" id="{F845B438-718D-41FE-B912-05184CC77809}"/>
               </a:ext>
             </a:extLst>
           </p:cNvPr>
@@ -5488,7 +5598,7 @@
           <p:cNvPr id="9" name="Content Placeholder 8">
             <a:extLst>
               <a:ext uri="{FF2B5EF4-FFF2-40B4-BE49-F238E27FC236}">
-                <a16:creationId xmlns:a16="http://schemas.microsoft.com/office/drawing/2014/main" id="{8507FAD8-5825-4E9B-9A1E-1CA1B811EA31}"/>
+                <a16:creationId xmlns:a16="http://schemas.microsoft.com/office/drawing/2014/main" xmlns="" id="{8507FAD8-5825-4E9B-9A1E-1CA1B811EA31}"/>
               </a:ext>
             </a:extLst>
           </p:cNvPr>
@@ -5553,7 +5663,7 @@
           <p:cNvPr id="2" name="Title 1">
             <a:extLst>
               <a:ext uri="{FF2B5EF4-FFF2-40B4-BE49-F238E27FC236}">
-                <a16:creationId xmlns:a16="http://schemas.microsoft.com/office/drawing/2014/main" id="{F01218AF-13C4-4051-85A0-83603087B36F}"/>
+                <a16:creationId xmlns:a16="http://schemas.microsoft.com/office/drawing/2014/main" xmlns="" id="{F01218AF-13C4-4051-85A0-83603087B36F}"/>
               </a:ext>
             </a:extLst>
           </p:cNvPr>
@@ -5585,7 +5695,7 @@
           <p:cNvPr id="5" name="Content Placeholder 4">
             <a:extLst>
               <a:ext uri="{FF2B5EF4-FFF2-40B4-BE49-F238E27FC236}">
-                <a16:creationId xmlns:a16="http://schemas.microsoft.com/office/drawing/2014/main" id="{FE9916FD-A799-44E9-BAD6-1DFD73799C40}"/>
+                <a16:creationId xmlns:a16="http://schemas.microsoft.com/office/drawing/2014/main" xmlns="" id="{FE9916FD-A799-44E9-BAD6-1DFD73799C40}"/>
               </a:ext>
             </a:extLst>
           </p:cNvPr>
@@ -5650,7 +5760,7 @@
           <p:cNvPr id="2" name="Title 1">
             <a:extLst>
               <a:ext uri="{FF2B5EF4-FFF2-40B4-BE49-F238E27FC236}">
-                <a16:creationId xmlns:a16="http://schemas.microsoft.com/office/drawing/2014/main" id="{52A6AD8F-1162-4FDC-826E-3BA1AE268313}"/>
+                <a16:creationId xmlns:a16="http://schemas.microsoft.com/office/drawing/2014/main" xmlns="" id="{52A6AD8F-1162-4FDC-826E-3BA1AE268313}"/>
               </a:ext>
             </a:extLst>
           </p:cNvPr>
@@ -5682,7 +5792,7 @@
           <p:cNvPr id="5" name="Content Placeholder 4">
             <a:extLst>
               <a:ext uri="{FF2B5EF4-FFF2-40B4-BE49-F238E27FC236}">
-                <a16:creationId xmlns:a16="http://schemas.microsoft.com/office/drawing/2014/main" id="{4B8EA503-F633-408F-8510-C3647B74DB94}"/>
+                <a16:creationId xmlns:a16="http://schemas.microsoft.com/office/drawing/2014/main" xmlns="" id="{4B8EA503-F633-408F-8510-C3647B74DB94}"/>
               </a:ext>
             </a:extLst>
           </p:cNvPr>
@@ -5747,7 +5857,7 @@
           <p:cNvPr id="2" name="Title 1">
             <a:extLst>
               <a:ext uri="{FF2B5EF4-FFF2-40B4-BE49-F238E27FC236}">
-                <a16:creationId xmlns:a16="http://schemas.microsoft.com/office/drawing/2014/main" id="{580B15AB-F4F5-4A39-95A2-B3AA882DDF2E}"/>
+                <a16:creationId xmlns:a16="http://schemas.microsoft.com/office/drawing/2014/main" xmlns="" id="{580B15AB-F4F5-4A39-95A2-B3AA882DDF2E}"/>
               </a:ext>
             </a:extLst>
           </p:cNvPr>
@@ -5779,7 +5889,7 @@
           <p:cNvPr id="5" name="Content Placeholder 4">
             <a:extLst>
               <a:ext uri="{FF2B5EF4-FFF2-40B4-BE49-F238E27FC236}">
-                <a16:creationId xmlns:a16="http://schemas.microsoft.com/office/drawing/2014/main" id="{F15A6060-9471-4A92-8F0F-2C7CAFB291C5}"/>
+                <a16:creationId xmlns:a16="http://schemas.microsoft.com/office/drawing/2014/main" xmlns="" id="{F15A6060-9471-4A92-8F0F-2C7CAFB291C5}"/>
               </a:ext>
             </a:extLst>
           </p:cNvPr>
@@ -6272,6 +6382,13 @@
             <a:pPr marL="0" indent="0">
               <a:buNone/>
             </a:pPr>
+            <a:r>
+              <a:rPr lang="en-US" sz="2200" dirty="0">
+                <a:latin typeface="Times New Roman" panose="02020603050405020304" pitchFamily="18" charset="0"/>
+                <a:cs typeface="Times New Roman" panose="02020603050405020304" pitchFamily="18" charset="0"/>
+              </a:rPr>
+              <a:t/>
+            </a:r>
             <a:br>
               <a:rPr lang="en-US" sz="2200" dirty="0">
                 <a:latin typeface="Times New Roman" panose="02020603050405020304" pitchFamily="18" charset="0"/>
@@ -6666,6 +6783,13 @@
           </a:bodyPr>
           <a:lstStyle/>
           <a:p>
+            <a:r>
+              <a:rPr lang="en-US" b="1" dirty="0">
+                <a:latin typeface="Times New Roman" panose="02020603050405020304" pitchFamily="18" charset="0"/>
+                <a:cs typeface="Times New Roman" panose="02020603050405020304" pitchFamily="18" charset="0"/>
+              </a:rPr>
+              <a:t/>
+            </a:r>
             <a:br>
               <a:rPr lang="en-US" b="1" dirty="0">
                 <a:latin typeface="Times New Roman" panose="02020603050405020304" pitchFamily="18" charset="0"/>
@@ -8451,7 +8575,7 @@
           <p:cNvPr id="2" name="Title 1">
             <a:extLst>
               <a:ext uri="{FF2B5EF4-FFF2-40B4-BE49-F238E27FC236}">
-                <a16:creationId xmlns:a16="http://schemas.microsoft.com/office/drawing/2014/main" id="{468494B9-63FD-435A-AFA6-53E2454B48B6}"/>
+                <a16:creationId xmlns:a16="http://schemas.microsoft.com/office/drawing/2014/main" xmlns="" id="{468494B9-63FD-435A-AFA6-53E2454B48B6}"/>
               </a:ext>
             </a:extLst>
           </p:cNvPr>
@@ -8469,6 +8593,13 @@
           </a:bodyPr>
           <a:lstStyle/>
           <a:p>
+            <a:r>
+              <a:rPr lang="en-US" b="1" dirty="0">
+                <a:latin typeface="Times New Roman" panose="02020603050405020304" pitchFamily="18" charset="0"/>
+                <a:cs typeface="Times New Roman" panose="02020603050405020304" pitchFamily="18" charset="0"/>
+              </a:rPr>
+              <a:t/>
+            </a:r>
             <a:br>
               <a:rPr lang="en-US" b="1" dirty="0">
                 <a:latin typeface="Times New Roman" panose="02020603050405020304" pitchFamily="18" charset="0"/>
@@ -8500,7 +8631,7 @@
           <p:cNvPr id="3" name="Content Placeholder 2">
             <a:extLst>
               <a:ext uri="{FF2B5EF4-FFF2-40B4-BE49-F238E27FC236}">
-                <a16:creationId xmlns:a16="http://schemas.microsoft.com/office/drawing/2014/main" id="{B695AC8C-CF3A-4D2C-AF0D-DB5C38E01702}"/>
+                <a16:creationId xmlns:a16="http://schemas.microsoft.com/office/drawing/2014/main" xmlns="" id="{B695AC8C-CF3A-4D2C-AF0D-DB5C38E01702}"/>
               </a:ext>
             </a:extLst>
           </p:cNvPr>
@@ -8680,6 +8811,13 @@
           </a:bodyPr>
           <a:lstStyle/>
           <a:p>
+            <a:r>
+              <a:rPr lang="en-US" dirty="0">
+                <a:latin typeface="Times New Roman" panose="02020603050405020304" pitchFamily="18" charset="0"/>
+                <a:cs typeface="Times New Roman" panose="02020603050405020304" pitchFamily="18" charset="0"/>
+              </a:rPr>
+              <a:t/>
+            </a:r>
             <a:br>
               <a:rPr lang="en-US" dirty="0">
                 <a:latin typeface="Times New Roman" panose="02020603050405020304" pitchFamily="18" charset="0"/>
@@ -9668,6 +9806,13 @@
           </a:bodyPr>
           <a:lstStyle/>
           <a:p>
+            <a:r>
+              <a:rPr lang="en-US" b="1" dirty="0">
+                <a:latin typeface="Times New Roman" panose="02020603050405020304" pitchFamily="18" charset="0"/>
+                <a:cs typeface="Times New Roman" panose="02020603050405020304" pitchFamily="18" charset="0"/>
+              </a:rPr>
+              <a:t/>
+            </a:r>
             <a:br>
               <a:rPr lang="en-US" b="1" dirty="0">
                 <a:latin typeface="Times New Roman" panose="02020603050405020304" pitchFamily="18" charset="0"/>
@@ -10080,6 +10225,10 @@
           </a:bodyPr>
           <a:lstStyle/>
           <a:p>
+            <a:r>
+              <a:rPr lang="en-US" sz="3600" b="1" dirty="0"/>
+              <a:t/>
+            </a:r>
             <a:br>
               <a:rPr lang="en-US" sz="3600" b="1" dirty="0"/>
             </a:br>
@@ -10883,6 +11032,13 @@
           </a:bodyPr>
           <a:lstStyle/>
           <a:p>
+            <a:r>
+              <a:rPr lang="en-US" dirty="0">
+                <a:latin typeface="Times New Roman" panose="02020603050405020304" pitchFamily="18" charset="0"/>
+                <a:cs typeface="Times New Roman" panose="02020603050405020304" pitchFamily="18" charset="0"/>
+              </a:rPr>
+              <a:t/>
+            </a:r>
             <a:br>
               <a:rPr lang="en-US" dirty="0">
                 <a:latin typeface="Times New Roman" panose="02020603050405020304" pitchFamily="18" charset="0"/>
@@ -11734,6 +11890,13 @@
           </a:bodyPr>
           <a:lstStyle/>
           <a:p>
+            <a:r>
+              <a:rPr lang="en-US" dirty="0">
+                <a:latin typeface="Times New Roman" panose="02020603050405020304" pitchFamily="18" charset="0"/>
+                <a:cs typeface="Times New Roman" panose="02020603050405020304" pitchFamily="18" charset="0"/>
+              </a:rPr>
+              <a:t/>
+            </a:r>
             <a:br>
               <a:rPr lang="en-US" dirty="0">
                 <a:latin typeface="Times New Roman" panose="02020603050405020304" pitchFamily="18" charset="0"/>
@@ -11892,6 +12055,13 @@
           </a:bodyPr>
           <a:lstStyle/>
           <a:p>
+            <a:r>
+              <a:rPr lang="en-US" dirty="0">
+                <a:latin typeface="Times New Roman" panose="02020603050405020304" pitchFamily="18" charset="0"/>
+                <a:cs typeface="Times New Roman" panose="02020603050405020304" pitchFamily="18" charset="0"/>
+              </a:rPr>
+              <a:t/>
+            </a:r>
             <a:br>
               <a:rPr lang="en-US" dirty="0">
                 <a:latin typeface="Times New Roman" panose="02020603050405020304" pitchFamily="18" charset="0"/>
@@ -12596,6 +12766,13 @@
             <a:pPr marL="0" indent="0">
               <a:buNone/>
             </a:pPr>
+            <a:r>
+              <a:rPr lang="en-US" sz="3000" dirty="0">
+                <a:latin typeface="Times New Roman" panose="02020603050405020304" pitchFamily="18" charset="0"/>
+                <a:cs typeface="Times New Roman" panose="02020603050405020304" pitchFamily="18" charset="0"/>
+              </a:rPr>
+              <a:t/>
+            </a:r>
             <a:br>
               <a:rPr lang="en-US" sz="3000" dirty="0">
                 <a:latin typeface="Times New Roman" panose="02020603050405020304" pitchFamily="18" charset="0"/>
@@ -12755,7 +12932,7 @@
           <p:cNvPr id="2" name="Title 1">
             <a:extLst>
               <a:ext uri="{FF2B5EF4-FFF2-40B4-BE49-F238E27FC236}">
-                <a16:creationId xmlns:a16="http://schemas.microsoft.com/office/drawing/2014/main" id="{D13A055F-6731-4EB9-B029-E37316DF3B72}"/>
+                <a16:creationId xmlns:a16="http://schemas.microsoft.com/office/drawing/2014/main" xmlns="" id="{D13A055F-6731-4EB9-B029-E37316DF3B72}"/>
               </a:ext>
             </a:extLst>
           </p:cNvPr>
@@ -12786,7 +12963,7 @@
           <p:cNvPr id="3" name="Content Placeholder 2">
             <a:extLst>
               <a:ext uri="{FF2B5EF4-FFF2-40B4-BE49-F238E27FC236}">
-                <a16:creationId xmlns:a16="http://schemas.microsoft.com/office/drawing/2014/main" id="{D24F7A7C-A997-4D2D-8C3D-EF37B6487DBC}"/>
+                <a16:creationId xmlns:a16="http://schemas.microsoft.com/office/drawing/2014/main" xmlns="" id="{D24F7A7C-A997-4D2D-8C3D-EF37B6487DBC}"/>
               </a:ext>
             </a:extLst>
           </p:cNvPr>
@@ -12931,7 +13108,7 @@
           <p:cNvPr id="2" name="Title 1">
             <a:extLst>
               <a:ext uri="{FF2B5EF4-FFF2-40B4-BE49-F238E27FC236}">
-                <a16:creationId xmlns:a16="http://schemas.microsoft.com/office/drawing/2014/main" id="{F3235BCF-27FA-4DC5-B2F0-05B1BD799591}"/>
+                <a16:creationId xmlns:a16="http://schemas.microsoft.com/office/drawing/2014/main" xmlns="" id="{F3235BCF-27FA-4DC5-B2F0-05B1BD799591}"/>
               </a:ext>
             </a:extLst>
           </p:cNvPr>
@@ -12949,9 +13126,20 @@
           </a:bodyPr>
           <a:lstStyle/>
           <a:p>
+            <a:r>
+              <a:rPr lang="en-US" sz="5200" dirty="0"/>
+              <a:t/>
+            </a:r>
             <a:br>
               <a:rPr lang="en-US" sz="5200" dirty="0"/>
             </a:br>
+            <a:r>
+              <a:rPr lang="en-US" sz="5200" dirty="0">
+                <a:latin typeface="Times New Roman" panose="02020603050405020304" pitchFamily="18" charset="0"/>
+                <a:cs typeface="Times New Roman" panose="02020603050405020304" pitchFamily="18" charset="0"/>
+              </a:rPr>
+              <a:t/>
+            </a:r>
             <a:br>
               <a:rPr lang="en-US" sz="5200" dirty="0">
                 <a:latin typeface="Times New Roman" panose="02020603050405020304" pitchFamily="18" charset="0"/>
@@ -12965,6 +13153,10 @@
             <a:br>
               <a:rPr lang="en-US" sz="5200" dirty="0"/>
             </a:br>
+            <a:r>
+              <a:rPr lang="en-US" sz="5200" dirty="0"/>
+              <a:t/>
+            </a:r>
             <a:br>
               <a:rPr lang="en-US" sz="5200" dirty="0"/>
             </a:br>
@@ -12977,7 +13169,7 @@
           <p:cNvPr id="3" name="Content Placeholder 2">
             <a:extLst>
               <a:ext uri="{FF2B5EF4-FFF2-40B4-BE49-F238E27FC236}">
-                <a16:creationId xmlns:a16="http://schemas.microsoft.com/office/drawing/2014/main" id="{F3C26F8F-FAD3-4573-A33D-F13ECD7B0976}"/>
+                <a16:creationId xmlns:a16="http://schemas.microsoft.com/office/drawing/2014/main" xmlns="" id="{F3C26F8F-FAD3-4573-A33D-F13ECD7B0976}"/>
               </a:ext>
             </a:extLst>
           </p:cNvPr>
@@ -13098,6 +13290,13 @@
             <a:pPr marL="0" indent="0">
               <a:buNone/>
             </a:pPr>
+            <a:r>
+              <a:rPr lang="en-US" dirty="0">
+                <a:latin typeface="Times New Roman" panose="02020603050405020304" pitchFamily="18" charset="0"/>
+                <a:cs typeface="Times New Roman" panose="02020603050405020304" pitchFamily="18" charset="0"/>
+              </a:rPr>
+              <a:t/>
+            </a:r>
             <a:br>
               <a:rPr lang="en-US" dirty="0">
                 <a:latin typeface="Times New Roman" panose="02020603050405020304" pitchFamily="18" charset="0"/>
@@ -13146,7 +13345,7 @@
           <p:cNvPr id="2" name="Title 1">
             <a:extLst>
               <a:ext uri="{FF2B5EF4-FFF2-40B4-BE49-F238E27FC236}">
-                <a16:creationId xmlns:a16="http://schemas.microsoft.com/office/drawing/2014/main" id="{A732E7B4-C310-4146-84E3-24D68CE4549A}"/>
+                <a16:creationId xmlns:a16="http://schemas.microsoft.com/office/drawing/2014/main" xmlns="" id="{A732E7B4-C310-4146-84E3-24D68CE4549A}"/>
               </a:ext>
             </a:extLst>
           </p:cNvPr>
@@ -13174,7 +13373,7 @@
           <p:cNvPr id="3" name="Content Placeholder 2">
             <a:extLst>
               <a:ext uri="{FF2B5EF4-FFF2-40B4-BE49-F238E27FC236}">
-                <a16:creationId xmlns:a16="http://schemas.microsoft.com/office/drawing/2014/main" id="{F7A26928-AFB6-4384-BF91-7ECECDBA8C13}"/>
+                <a16:creationId xmlns:a16="http://schemas.microsoft.com/office/drawing/2014/main" xmlns="" id="{F7A26928-AFB6-4384-BF91-7ECECDBA8C13}"/>
               </a:ext>
             </a:extLst>
           </p:cNvPr>
@@ -13329,6 +13528,10 @@
             <a:pPr marL="0" indent="0">
               <a:buNone/>
             </a:pPr>
+            <a:r>
+              <a:rPr lang="en-US" dirty="0"/>
+              <a:t/>
+            </a:r>
             <a:br>
               <a:rPr lang="en-US" dirty="0"/>
             </a:br>
@@ -13673,7 +13876,7 @@
           <p:cNvPr id="2" name="Title 1">
             <a:extLst>
               <a:ext uri="{FF2B5EF4-FFF2-40B4-BE49-F238E27FC236}">
-                <a16:creationId xmlns:a16="http://schemas.microsoft.com/office/drawing/2014/main" id="{AD84CCF8-63BB-4950-BDB6-76B6D26BDA2D}"/>
+                <a16:creationId xmlns:a16="http://schemas.microsoft.com/office/drawing/2014/main" xmlns="" id="{AD84CCF8-63BB-4950-BDB6-76B6D26BDA2D}"/>
               </a:ext>
             </a:extLst>
           </p:cNvPr>
@@ -13691,6 +13894,13 @@
           </a:bodyPr>
           <a:lstStyle/>
           <a:p>
+            <a:r>
+              <a:rPr lang="en-US" dirty="0">
+                <a:latin typeface="Times New Roman" panose="02020603050405020304" pitchFamily="18" charset="0"/>
+                <a:cs typeface="Times New Roman" panose="02020603050405020304" pitchFamily="18" charset="0"/>
+              </a:rPr>
+              <a:t/>
+            </a:r>
             <a:br>
               <a:rPr lang="en-US" dirty="0">
                 <a:latin typeface="Times New Roman" panose="02020603050405020304" pitchFamily="18" charset="0"/>
@@ -13722,7 +13932,7 @@
           <p:cNvPr id="7" name="Content Placeholder 6">
             <a:extLst>
               <a:ext uri="{FF2B5EF4-FFF2-40B4-BE49-F238E27FC236}">
-                <a16:creationId xmlns:a16="http://schemas.microsoft.com/office/drawing/2014/main" id="{DF38351B-9905-446B-B4D9-53E053FB34AD}"/>
+                <a16:creationId xmlns:a16="http://schemas.microsoft.com/office/drawing/2014/main" xmlns="" id="{DF38351B-9905-446B-B4D9-53E053FB34AD}"/>
               </a:ext>
             </a:extLst>
           </p:cNvPr>
@@ -13787,7 +13997,7 @@
           <p:cNvPr id="2" name="Title 1">
             <a:extLst>
               <a:ext uri="{FF2B5EF4-FFF2-40B4-BE49-F238E27FC236}">
-                <a16:creationId xmlns:a16="http://schemas.microsoft.com/office/drawing/2014/main" id="{58053DEB-0364-4739-A75A-D1ADAE13C923}"/>
+                <a16:creationId xmlns:a16="http://schemas.microsoft.com/office/drawing/2014/main" xmlns="" id="{58053DEB-0364-4739-A75A-D1ADAE13C923}"/>
               </a:ext>
             </a:extLst>
           </p:cNvPr>
@@ -13805,6 +14015,13 @@
           </a:bodyPr>
           <a:lstStyle/>
           <a:p>
+            <a:r>
+              <a:rPr lang="en-US" dirty="0">
+                <a:latin typeface="Times New Roman" panose="02020603050405020304" pitchFamily="18" charset="0"/>
+                <a:cs typeface="Times New Roman" panose="02020603050405020304" pitchFamily="18" charset="0"/>
+              </a:rPr>
+              <a:t/>
+            </a:r>
             <a:br>
               <a:rPr lang="en-US" dirty="0">
                 <a:latin typeface="Times New Roman" panose="02020603050405020304" pitchFamily="18" charset="0"/>
@@ -13836,7 +14053,7 @@
           <p:cNvPr id="5" name="Content Placeholder 4">
             <a:extLst>
               <a:ext uri="{FF2B5EF4-FFF2-40B4-BE49-F238E27FC236}">
-                <a16:creationId xmlns:a16="http://schemas.microsoft.com/office/drawing/2014/main" id="{650F94E9-AB70-4531-9D6D-9C0F7C608B60}"/>
+                <a16:creationId xmlns:a16="http://schemas.microsoft.com/office/drawing/2014/main" xmlns="" id="{650F94E9-AB70-4531-9D6D-9C0F7C608B60}"/>
               </a:ext>
             </a:extLst>
           </p:cNvPr>
@@ -13901,7 +14118,7 @@
           <p:cNvPr id="2" name="Title 1">
             <a:extLst>
               <a:ext uri="{FF2B5EF4-FFF2-40B4-BE49-F238E27FC236}">
-                <a16:creationId xmlns:a16="http://schemas.microsoft.com/office/drawing/2014/main" id="{065C1010-908E-4E80-969B-8AD5B2DA4866}"/>
+                <a16:creationId xmlns:a16="http://schemas.microsoft.com/office/drawing/2014/main" xmlns="" id="{065C1010-908E-4E80-969B-8AD5B2DA4866}"/>
               </a:ext>
             </a:extLst>
           </p:cNvPr>
@@ -13924,6 +14141,13 @@
           </a:bodyPr>
           <a:lstStyle/>
           <a:p>
+            <a:r>
+              <a:rPr lang="en-US" dirty="0">
+                <a:latin typeface="Times New Roman" panose="02020603050405020304" pitchFamily="18" charset="0"/>
+                <a:cs typeface="Times New Roman" panose="02020603050405020304" pitchFamily="18" charset="0"/>
+              </a:rPr>
+              <a:t/>
+            </a:r>
             <a:br>
               <a:rPr lang="en-US" dirty="0">
                 <a:latin typeface="Times New Roman" panose="02020603050405020304" pitchFamily="18" charset="0"/>
@@ -13952,7 +14176,7 @@
           <p:cNvPr id="3" name="Content Placeholder 2">
             <a:extLst>
               <a:ext uri="{FF2B5EF4-FFF2-40B4-BE49-F238E27FC236}">
-                <a16:creationId xmlns:a16="http://schemas.microsoft.com/office/drawing/2014/main" id="{84CCFDEF-BEA6-4502-AAF2-CD1449B687B2}"/>
+                <a16:creationId xmlns:a16="http://schemas.microsoft.com/office/drawing/2014/main" xmlns="" id="{84CCFDEF-BEA6-4502-AAF2-CD1449B687B2}"/>
               </a:ext>
             </a:extLst>
           </p:cNvPr>
@@ -14186,7 +14410,7 @@
           <p:cNvPr id="2" name="Title 1">
             <a:extLst>
               <a:ext uri="{FF2B5EF4-FFF2-40B4-BE49-F238E27FC236}">
-                <a16:creationId xmlns:a16="http://schemas.microsoft.com/office/drawing/2014/main" id="{675A3199-E351-4E33-92D5-5A5218F6AAEF}"/>
+                <a16:creationId xmlns:a16="http://schemas.microsoft.com/office/drawing/2014/main" xmlns="" id="{675A3199-E351-4E33-92D5-5A5218F6AAEF}"/>
               </a:ext>
             </a:extLst>
           </p:cNvPr>
@@ -14204,6 +14428,13 @@
           </a:bodyPr>
           <a:lstStyle/>
           <a:p>
+            <a:r>
+              <a:rPr lang="en-US" dirty="0">
+                <a:latin typeface="Times New Roman" panose="02020603050405020304" pitchFamily="18" charset="0"/>
+                <a:cs typeface="Times New Roman" panose="02020603050405020304" pitchFamily="18" charset="0"/>
+              </a:rPr>
+              <a:t/>
+            </a:r>
             <a:br>
               <a:rPr lang="en-US" dirty="0">
                 <a:latin typeface="Times New Roman" panose="02020603050405020304" pitchFamily="18" charset="0"/>
@@ -14235,7 +14466,7 @@
           <p:cNvPr id="5" name="Content Placeholder 4">
             <a:extLst>
               <a:ext uri="{FF2B5EF4-FFF2-40B4-BE49-F238E27FC236}">
-                <a16:creationId xmlns:a16="http://schemas.microsoft.com/office/drawing/2014/main" id="{1CC84714-336C-49E6-8E73-D3612ACE155A}"/>
+                <a16:creationId xmlns:a16="http://schemas.microsoft.com/office/drawing/2014/main" xmlns="" id="{1CC84714-336C-49E6-8E73-D3612ACE155A}"/>
               </a:ext>
             </a:extLst>
           </p:cNvPr>
@@ -14300,7 +14531,7 @@
           <p:cNvPr id="2" name="Title 1">
             <a:extLst>
               <a:ext uri="{FF2B5EF4-FFF2-40B4-BE49-F238E27FC236}">
-                <a16:creationId xmlns:a16="http://schemas.microsoft.com/office/drawing/2014/main" id="{A090EDE9-9054-457B-9CC7-4617D11A91AC}"/>
+                <a16:creationId xmlns:a16="http://schemas.microsoft.com/office/drawing/2014/main" xmlns="" id="{A090EDE9-9054-457B-9CC7-4617D11A91AC}"/>
               </a:ext>
             </a:extLst>
           </p:cNvPr>
@@ -14318,6 +14549,13 @@
           </a:bodyPr>
           <a:lstStyle/>
           <a:p>
+            <a:r>
+              <a:rPr lang="en-US">
+                <a:latin typeface="Times New Roman" panose="02020603050405020304" pitchFamily="18" charset="0"/>
+                <a:cs typeface="Times New Roman" panose="02020603050405020304" pitchFamily="18" charset="0"/>
+              </a:rPr>
+              <a:t/>
+            </a:r>
             <a:br>
               <a:rPr lang="en-US">
                 <a:latin typeface="Times New Roman" panose="02020603050405020304" pitchFamily="18" charset="0"/>
@@ -14356,7 +14594,7 @@
           <p:cNvPr id="5" name="Content Placeholder 4">
             <a:extLst>
               <a:ext uri="{FF2B5EF4-FFF2-40B4-BE49-F238E27FC236}">
-                <a16:creationId xmlns:a16="http://schemas.microsoft.com/office/drawing/2014/main" id="{6A6F1091-4A85-48FC-B917-22A53BA8A1CC}"/>
+                <a16:creationId xmlns:a16="http://schemas.microsoft.com/office/drawing/2014/main" xmlns="" id="{6A6F1091-4A85-48FC-B917-22A53BA8A1CC}"/>
               </a:ext>
             </a:extLst>
           </p:cNvPr>
@@ -14399,6 +14637,280 @@
 </p:sld>
 </file>
 
+<file path=ppt/slides/slide55.xml><?xml version="1.0" encoding="utf-8"?>
+<p:sld xmlns:a="http://schemas.openxmlformats.org/drawingml/2006/main" xmlns:r="http://schemas.openxmlformats.org/officeDocument/2006/relationships" xmlns:p="http://schemas.openxmlformats.org/presentationml/2006/main">
+  <p:cSld>
+    <p:spTree>
+      <p:nvGrpSpPr>
+        <p:cNvPr id="1" name=""/>
+        <p:cNvGrpSpPr/>
+        <p:nvPr/>
+      </p:nvGrpSpPr>
+      <p:grpSpPr>
+        <a:xfrm>
+          <a:off x="0" y="0"/>
+          <a:ext cx="0" cy="0"/>
+          <a:chOff x="0" y="0"/>
+          <a:chExt cx="0" cy="0"/>
+        </a:xfrm>
+      </p:grpSpPr>
+      <p:sp>
+        <p:nvSpPr>
+          <p:cNvPr id="2" name="Title 1"/>
+          <p:cNvSpPr>
+            <a:spLocks noGrp="1"/>
+          </p:cNvSpPr>
+          <p:nvPr>
+            <p:ph type="title"/>
+          </p:nvPr>
+        </p:nvSpPr>
+        <p:spPr/>
+        <p:txBody>
+          <a:bodyPr>
+            <a:normAutofit fontScale="90000"/>
+          </a:bodyPr>
+          <a:lstStyle/>
+          <a:p>
+            <a:r>
+              <a:rPr lang="en-US" dirty="0" smtClean="0">
+                <a:latin typeface="Times New Roman" panose="02020603050405020304" pitchFamily="18" charset="0"/>
+                <a:cs typeface="Times New Roman" panose="02020603050405020304" pitchFamily="18" charset="0"/>
+              </a:rPr>
+              <a:t/>
+            </a:r>
+            <a:br>
+              <a:rPr lang="en-US" dirty="0" smtClean="0">
+                <a:latin typeface="Times New Roman" panose="02020603050405020304" pitchFamily="18" charset="0"/>
+                <a:cs typeface="Times New Roman" panose="02020603050405020304" pitchFamily="18" charset="0"/>
+              </a:rPr>
+            </a:br>
+            <a:r>
+              <a:rPr lang="en-US" dirty="0" err="1" smtClean="0">
+                <a:latin typeface="Times New Roman" panose="02020603050405020304" pitchFamily="18" charset="0"/>
+                <a:cs typeface="Times New Roman" panose="02020603050405020304" pitchFamily="18" charset="0"/>
+              </a:rPr>
+              <a:t>RxJs</a:t>
+            </a:r>
+            <a:r>
+              <a:rPr lang="en-US" dirty="0" smtClean="0">
+                <a:latin typeface="Times New Roman" panose="02020603050405020304" pitchFamily="18" charset="0"/>
+                <a:cs typeface="Times New Roman" panose="02020603050405020304" pitchFamily="18" charset="0"/>
+              </a:rPr>
+              <a:t> </a:t>
+            </a:r>
+            <a:r>
+              <a:rPr lang="en-US" dirty="0">
+                <a:latin typeface="Times New Roman" panose="02020603050405020304" pitchFamily="18" charset="0"/>
+                <a:cs typeface="Times New Roman" panose="02020603050405020304" pitchFamily="18" charset="0"/>
+              </a:rPr>
+              <a:t>and HTTP</a:t>
+            </a:r>
+            <a:br>
+              <a:rPr lang="en-US" dirty="0">
+                <a:latin typeface="Times New Roman" panose="02020603050405020304" pitchFamily="18" charset="0"/>
+                <a:cs typeface="Times New Roman" panose="02020603050405020304" pitchFamily="18" charset="0"/>
+              </a:rPr>
+            </a:br>
+            <a:endParaRPr lang="en-US" dirty="0">
+              <a:latin typeface="Times New Roman" panose="02020603050405020304" pitchFamily="18" charset="0"/>
+              <a:cs typeface="Times New Roman" panose="02020603050405020304" pitchFamily="18" charset="0"/>
+            </a:endParaRPr>
+          </a:p>
+        </p:txBody>
+      </p:sp>
+      <p:sp>
+        <p:nvSpPr>
+          <p:cNvPr id="3" name="Content Placeholder 2"/>
+          <p:cNvSpPr>
+            <a:spLocks noGrp="1"/>
+          </p:cNvSpPr>
+          <p:nvPr>
+            <p:ph idx="1"/>
+          </p:nvPr>
+        </p:nvSpPr>
+        <p:spPr/>
+        <p:txBody>
+          <a:bodyPr/>
+          <a:lstStyle/>
+          <a:p>
+            <a:r>
+              <a:rPr lang="en-US" dirty="0">
+                <a:latin typeface="Times New Roman" panose="02020603050405020304" pitchFamily="18" charset="0"/>
+                <a:cs typeface="Times New Roman" panose="02020603050405020304" pitchFamily="18" charset="0"/>
+              </a:rPr>
+              <a:t>Y</a:t>
+            </a:r>
+            <a:r>
+              <a:rPr lang="en-US" dirty="0" smtClean="0">
+                <a:latin typeface="Times New Roman" panose="02020603050405020304" pitchFamily="18" charset="0"/>
+                <a:cs typeface="Times New Roman" panose="02020603050405020304" pitchFamily="18" charset="0"/>
+              </a:rPr>
+              <a:t>ou </a:t>
+            </a:r>
+            <a:r>
+              <a:rPr lang="en-US" dirty="0">
+                <a:latin typeface="Times New Roman" panose="02020603050405020304" pitchFamily="18" charset="0"/>
+                <a:cs typeface="Times New Roman" panose="02020603050405020304" pitchFamily="18" charset="0"/>
+              </a:rPr>
+              <a:t>define a function for publishing values, but it is not executed until a consumer subscribes to it. The subscribed consumer then receives notifications until the function completes, or until they unsubscribe.</a:t>
+            </a:r>
+            <a:endParaRPr lang="en-US" dirty="0">
+              <a:latin typeface="Times New Roman" panose="02020603050405020304" pitchFamily="18" charset="0"/>
+              <a:cs typeface="Times New Roman" panose="02020603050405020304" pitchFamily="18" charset="0"/>
+            </a:endParaRPr>
+          </a:p>
+        </p:txBody>
+      </p:sp>
+    </p:spTree>
+    <p:extLst>
+      <p:ext uri="{BB962C8B-B14F-4D97-AF65-F5344CB8AC3E}">
+        <p14:creationId xmlns:p14="http://schemas.microsoft.com/office/powerpoint/2010/main" val="3870818194"/>
+      </p:ext>
+    </p:extLst>
+  </p:cSld>
+  <p:clrMapOvr>
+    <a:masterClrMapping/>
+  </p:clrMapOvr>
+</p:sld>
+</file>
+
+<file path=ppt/slides/slide56.xml><?xml version="1.0" encoding="utf-8"?>
+<p:sld xmlns:a="http://schemas.openxmlformats.org/drawingml/2006/main" xmlns:r="http://schemas.openxmlformats.org/officeDocument/2006/relationships" xmlns:p="http://schemas.openxmlformats.org/presentationml/2006/main">
+  <p:cSld>
+    <p:spTree>
+      <p:nvGrpSpPr>
+        <p:cNvPr id="1" name=""/>
+        <p:cNvGrpSpPr/>
+        <p:nvPr/>
+      </p:nvGrpSpPr>
+      <p:grpSpPr>
+        <a:xfrm>
+          <a:off x="0" y="0"/>
+          <a:ext cx="0" cy="0"/>
+          <a:chOff x="0" y="0"/>
+          <a:chExt cx="0" cy="0"/>
+        </a:xfrm>
+      </p:grpSpPr>
+      <p:sp>
+        <p:nvSpPr>
+          <p:cNvPr id="2" name="Title 1"/>
+          <p:cNvSpPr>
+            <a:spLocks noGrp="1"/>
+          </p:cNvSpPr>
+          <p:nvPr>
+            <p:ph type="title"/>
+          </p:nvPr>
+        </p:nvSpPr>
+        <p:spPr/>
+        <p:txBody>
+          <a:bodyPr/>
+          <a:lstStyle/>
+          <a:p>
+            <a:r>
+              <a:rPr lang="nl-NL" dirty="0" smtClean="0">
+                <a:latin typeface="Times New Roman" panose="02020603050405020304" pitchFamily="18" charset="0"/>
+                <a:cs typeface="Times New Roman" panose="02020603050405020304" pitchFamily="18" charset="0"/>
+              </a:rPr>
+              <a:t>Different </a:t>
+            </a:r>
+            <a:r>
+              <a:rPr lang="nl-NL" dirty="0" err="1" smtClean="0">
+                <a:latin typeface="Times New Roman" panose="02020603050405020304" pitchFamily="18" charset="0"/>
+                <a:cs typeface="Times New Roman" panose="02020603050405020304" pitchFamily="18" charset="0"/>
+              </a:rPr>
+              <a:t>between</a:t>
+            </a:r>
+            <a:r>
+              <a:rPr lang="nl-NL" dirty="0" smtClean="0">
+                <a:latin typeface="Times New Roman" panose="02020603050405020304" pitchFamily="18" charset="0"/>
+                <a:cs typeface="Times New Roman" panose="02020603050405020304" pitchFamily="18" charset="0"/>
+              </a:rPr>
+              <a:t> </a:t>
+            </a:r>
+            <a:r>
+              <a:rPr lang="nl-NL" dirty="0" err="1" smtClean="0">
+                <a:latin typeface="Times New Roman" panose="02020603050405020304" pitchFamily="18" charset="0"/>
+                <a:cs typeface="Times New Roman" panose="02020603050405020304" pitchFamily="18" charset="0"/>
+              </a:rPr>
+              <a:t>promises</a:t>
+            </a:r>
+            <a:r>
+              <a:rPr lang="nl-NL" dirty="0" smtClean="0">
+                <a:latin typeface="Times New Roman" panose="02020603050405020304" pitchFamily="18" charset="0"/>
+                <a:cs typeface="Times New Roman" panose="02020603050405020304" pitchFamily="18" charset="0"/>
+              </a:rPr>
+              <a:t> </a:t>
+            </a:r>
+            <a:r>
+              <a:rPr lang="nl-NL" dirty="0" err="1" smtClean="0">
+                <a:latin typeface="Times New Roman" panose="02020603050405020304" pitchFamily="18" charset="0"/>
+                <a:cs typeface="Times New Roman" panose="02020603050405020304" pitchFamily="18" charset="0"/>
+              </a:rPr>
+              <a:t>and</a:t>
+            </a:r>
+            <a:r>
+              <a:rPr lang="nl-NL" dirty="0" smtClean="0">
+                <a:latin typeface="Times New Roman" panose="02020603050405020304" pitchFamily="18" charset="0"/>
+                <a:cs typeface="Times New Roman" panose="02020603050405020304" pitchFamily="18" charset="0"/>
+              </a:rPr>
+              <a:t> </a:t>
+            </a:r>
+            <a:r>
+              <a:rPr lang="nl-NL" dirty="0" err="1" smtClean="0">
+                <a:latin typeface="Times New Roman" panose="02020603050405020304" pitchFamily="18" charset="0"/>
+                <a:cs typeface="Times New Roman" panose="02020603050405020304" pitchFamily="18" charset="0"/>
+              </a:rPr>
+              <a:t>observable</a:t>
+            </a:r>
+            <a:endParaRPr lang="en-US" dirty="0">
+              <a:latin typeface="Times New Roman" panose="02020603050405020304" pitchFamily="18" charset="0"/>
+              <a:cs typeface="Times New Roman" panose="02020603050405020304" pitchFamily="18" charset="0"/>
+            </a:endParaRPr>
+          </a:p>
+        </p:txBody>
+      </p:sp>
+      <p:pic>
+        <p:nvPicPr>
+          <p:cNvPr id="4" name="Content Placeholder 3"/>
+          <p:cNvPicPr>
+            <a:picLocks noGrp="1" noChangeAspect="1"/>
+          </p:cNvPicPr>
+          <p:nvPr>
+            <p:ph idx="1"/>
+          </p:nvPr>
+        </p:nvPicPr>
+        <p:blipFill>
+          <a:blip r:embed="rId2">
+            <a:extLst>
+              <a:ext uri="{28A0092B-C50C-407E-A947-70E740481C1C}">
+                <a14:useLocalDpi xmlns:a14="http://schemas.microsoft.com/office/drawing/2010/main" val="0"/>
+              </a:ext>
+            </a:extLst>
+          </a:blip>
+          <a:stretch>
+            <a:fillRect/>
+          </a:stretch>
+        </p:blipFill>
+        <p:spPr>
+          <a:xfrm>
+            <a:off x="244827" y="2093976"/>
+            <a:ext cx="11693825" cy="4619340"/>
+          </a:xfrm>
+        </p:spPr>
+      </p:pic>
+    </p:spTree>
+    <p:extLst>
+      <p:ext uri="{BB962C8B-B14F-4D97-AF65-F5344CB8AC3E}">
+        <p14:creationId xmlns:p14="http://schemas.microsoft.com/office/powerpoint/2010/main" val="3561511696"/>
+      </p:ext>
+    </p:extLst>
+  </p:cSld>
+  <p:clrMapOvr>
+    <a:masterClrMapping/>
+  </p:clrMapOvr>
+</p:sld>
+</file>
+
 <file path=ppt/slides/slide6.xml><?xml version="1.0" encoding="utf-8"?>
 <p:sld xmlns:a="http://schemas.openxmlformats.org/drawingml/2006/main" xmlns:r="http://schemas.openxmlformats.org/officeDocument/2006/relationships" xmlns:p="http://schemas.openxmlformats.org/presentationml/2006/main">
   <p:cSld>
@@ -14433,6 +14945,13 @@
           </a:bodyPr>
           <a:lstStyle/>
           <a:p>
+            <a:r>
+              <a:rPr lang="en-US" dirty="0">
+                <a:latin typeface="Times New Roman" panose="02020603050405020304" pitchFamily="18" charset="0"/>
+                <a:cs typeface="Times New Roman" panose="02020603050405020304" pitchFamily="18" charset="0"/>
+              </a:rPr>
+              <a:t/>
+            </a:r>
             <a:br>
               <a:rPr lang="en-US" dirty="0">
                 <a:latin typeface="Times New Roman" panose="02020603050405020304" pitchFamily="18" charset="0"/>

--- a/Angular Workshop/Angular Workshop.pptx
+++ b/Angular Workshop/Angular Workshop.pptx
@@ -5,7 +5,7 @@
     <p:sldMasterId id="2147483790" r:id="rId1"/>
   </p:sldMasterIdLst>
   <p:notesMasterIdLst>
-    <p:notesMasterId r:id="rId58"/>
+    <p:notesMasterId r:id="rId59"/>
   </p:notesMasterIdLst>
   <p:sldIdLst>
     <p:sldId id="256" r:id="rId2"/>
@@ -64,6 +64,7 @@
     <p:sldId id="309" r:id="rId55"/>
     <p:sldId id="310" r:id="rId56"/>
     <p:sldId id="311" r:id="rId57"/>
+    <p:sldId id="312" r:id="rId58"/>
   </p:sldIdLst>
   <p:sldSz cx="12192000" cy="6858000"/>
   <p:notesSz cx="6858000" cy="9144000"/>
@@ -14902,6 +14903,210 @@
     <p:extLst>
       <p:ext uri="{BB962C8B-B14F-4D97-AF65-F5344CB8AC3E}">
         <p14:creationId xmlns:p14="http://schemas.microsoft.com/office/powerpoint/2010/main" val="3561511696"/>
+      </p:ext>
+    </p:extLst>
+  </p:cSld>
+  <p:clrMapOvr>
+    <a:masterClrMapping/>
+  </p:clrMapOvr>
+</p:sld>
+</file>
+
+<file path=ppt/slides/slide57.xml><?xml version="1.0" encoding="utf-8"?>
+<p:sld xmlns:a="http://schemas.openxmlformats.org/drawingml/2006/main" xmlns:r="http://schemas.openxmlformats.org/officeDocument/2006/relationships" xmlns:p="http://schemas.openxmlformats.org/presentationml/2006/main">
+  <p:cSld>
+    <p:spTree>
+      <p:nvGrpSpPr>
+        <p:cNvPr id="1" name=""/>
+        <p:cNvGrpSpPr/>
+        <p:nvPr/>
+      </p:nvGrpSpPr>
+      <p:grpSpPr>
+        <a:xfrm>
+          <a:off x="0" y="0"/>
+          <a:ext cx="0" cy="0"/>
+          <a:chOff x="0" y="0"/>
+          <a:chExt cx="0" cy="0"/>
+        </a:xfrm>
+      </p:grpSpPr>
+      <p:sp>
+        <p:nvSpPr>
+          <p:cNvPr id="2" name="Title 1"/>
+          <p:cNvSpPr>
+            <a:spLocks noGrp="1"/>
+          </p:cNvSpPr>
+          <p:nvPr>
+            <p:ph type="title"/>
+          </p:nvPr>
+        </p:nvSpPr>
+        <p:spPr/>
+        <p:txBody>
+          <a:bodyPr>
+            <a:normAutofit fontScale="90000"/>
+          </a:bodyPr>
+          <a:lstStyle/>
+          <a:p>
+            <a:r>
+              <a:rPr lang="en-US" dirty="0" smtClean="0">
+                <a:latin typeface="Times New Roman" panose="02020603050405020304" pitchFamily="18" charset="0"/>
+                <a:cs typeface="Times New Roman" panose="02020603050405020304" pitchFamily="18" charset="0"/>
+              </a:rPr>
+              <a:t/>
+            </a:r>
+            <a:br>
+              <a:rPr lang="en-US" dirty="0" smtClean="0">
+                <a:latin typeface="Times New Roman" panose="02020603050405020304" pitchFamily="18" charset="0"/>
+                <a:cs typeface="Times New Roman" panose="02020603050405020304" pitchFamily="18" charset="0"/>
+              </a:rPr>
+            </a:br>
+            <a:r>
+              <a:rPr lang="en-US" dirty="0" err="1" smtClean="0">
+                <a:latin typeface="Times New Roman" panose="02020603050405020304" pitchFamily="18" charset="0"/>
+                <a:cs typeface="Times New Roman" panose="02020603050405020304" pitchFamily="18" charset="0"/>
+              </a:rPr>
+              <a:t>Async</a:t>
+            </a:r>
+            <a:r>
+              <a:rPr lang="en-US" dirty="0" smtClean="0">
+                <a:latin typeface="Times New Roman" panose="02020603050405020304" pitchFamily="18" charset="0"/>
+                <a:cs typeface="Times New Roman" panose="02020603050405020304" pitchFamily="18" charset="0"/>
+              </a:rPr>
+              <a:t> </a:t>
+            </a:r>
+            <a:r>
+              <a:rPr lang="en-US" dirty="0">
+                <a:latin typeface="Times New Roman" panose="02020603050405020304" pitchFamily="18" charset="0"/>
+                <a:cs typeface="Times New Roman" panose="02020603050405020304" pitchFamily="18" charset="0"/>
+              </a:rPr>
+              <a:t>Pipe</a:t>
+            </a:r>
+            <a:br>
+              <a:rPr lang="en-US" dirty="0">
+                <a:latin typeface="Times New Roman" panose="02020603050405020304" pitchFamily="18" charset="0"/>
+                <a:cs typeface="Times New Roman" panose="02020603050405020304" pitchFamily="18" charset="0"/>
+              </a:rPr>
+            </a:br>
+            <a:endParaRPr lang="en-US" dirty="0">
+              <a:latin typeface="Times New Roman" panose="02020603050405020304" pitchFamily="18" charset="0"/>
+              <a:cs typeface="Times New Roman" panose="02020603050405020304" pitchFamily="18" charset="0"/>
+            </a:endParaRPr>
+          </a:p>
+        </p:txBody>
+      </p:sp>
+      <p:sp>
+        <p:nvSpPr>
+          <p:cNvPr id="3" name="Content Placeholder 2"/>
+          <p:cNvSpPr>
+            <a:spLocks noGrp="1"/>
+          </p:cNvSpPr>
+          <p:nvPr>
+            <p:ph idx="1"/>
+          </p:nvPr>
+        </p:nvSpPr>
+        <p:spPr/>
+        <p:txBody>
+          <a:bodyPr>
+            <a:normAutofit/>
+          </a:bodyPr>
+          <a:lstStyle/>
+          <a:p>
+            <a:r>
+              <a:rPr lang="en-US" sz="2500" dirty="0">
+                <a:latin typeface="Times New Roman" panose="02020603050405020304" pitchFamily="18" charset="0"/>
+                <a:cs typeface="Times New Roman" panose="02020603050405020304" pitchFamily="18" charset="0"/>
+              </a:rPr>
+              <a:t>The </a:t>
+            </a:r>
+            <a:r>
+              <a:rPr lang="en-US" sz="2500" dirty="0" err="1">
+                <a:latin typeface="Times New Roman" panose="02020603050405020304" pitchFamily="18" charset="0"/>
+                <a:cs typeface="Times New Roman" panose="02020603050405020304" pitchFamily="18" charset="0"/>
+              </a:rPr>
+              <a:t>async</a:t>
+            </a:r>
+            <a:r>
+              <a:rPr lang="en-US" sz="2500" dirty="0">
+                <a:latin typeface="Times New Roman" panose="02020603050405020304" pitchFamily="18" charset="0"/>
+                <a:cs typeface="Times New Roman" panose="02020603050405020304" pitchFamily="18" charset="0"/>
+              </a:rPr>
+              <a:t> pipe subscribes to an Observable or Promise and returns the latest value it has emitted. When a new value is emitted, the </a:t>
+            </a:r>
+            <a:r>
+              <a:rPr lang="en-US" sz="2500" dirty="0" err="1">
+                <a:latin typeface="Times New Roman" panose="02020603050405020304" pitchFamily="18" charset="0"/>
+                <a:cs typeface="Times New Roman" panose="02020603050405020304" pitchFamily="18" charset="0"/>
+              </a:rPr>
+              <a:t>async</a:t>
+            </a:r>
+            <a:r>
+              <a:rPr lang="en-US" sz="2500" dirty="0">
+                <a:latin typeface="Times New Roman" panose="02020603050405020304" pitchFamily="18" charset="0"/>
+                <a:cs typeface="Times New Roman" panose="02020603050405020304" pitchFamily="18" charset="0"/>
+              </a:rPr>
+              <a:t> pipe marks the component to be checked for changes. When the component gets destroyed, the </a:t>
+            </a:r>
+            <a:r>
+              <a:rPr lang="en-US" sz="2500" dirty="0" err="1">
+                <a:latin typeface="Times New Roman" panose="02020603050405020304" pitchFamily="18" charset="0"/>
+                <a:cs typeface="Times New Roman" panose="02020603050405020304" pitchFamily="18" charset="0"/>
+              </a:rPr>
+              <a:t>async</a:t>
+            </a:r>
+            <a:r>
+              <a:rPr lang="en-US" sz="2500" dirty="0">
+                <a:latin typeface="Times New Roman" panose="02020603050405020304" pitchFamily="18" charset="0"/>
+                <a:cs typeface="Times New Roman" panose="02020603050405020304" pitchFamily="18" charset="0"/>
+              </a:rPr>
+              <a:t> pipe unsubscribes automatically to avoid potential memory leaks</a:t>
+            </a:r>
+            <a:r>
+              <a:rPr lang="en-US" sz="2500" dirty="0" smtClean="0">
+                <a:latin typeface="Times New Roman" panose="02020603050405020304" pitchFamily="18" charset="0"/>
+                <a:cs typeface="Times New Roman" panose="02020603050405020304" pitchFamily="18" charset="0"/>
+              </a:rPr>
+              <a:t>.</a:t>
+            </a:r>
+          </a:p>
+          <a:p>
+            <a:endParaRPr lang="nl-NL" sz="2500" dirty="0">
+              <a:latin typeface="Times New Roman" panose="02020603050405020304" pitchFamily="18" charset="0"/>
+              <a:cs typeface="Times New Roman" panose="02020603050405020304" pitchFamily="18" charset="0"/>
+            </a:endParaRPr>
+          </a:p>
+          <a:p>
+            <a:r>
+              <a:rPr lang="nl-NL" sz="2500" dirty="0" err="1" smtClean="0">
+                <a:latin typeface="Times New Roman" panose="02020603050405020304" pitchFamily="18" charset="0"/>
+                <a:cs typeface="Times New Roman" panose="02020603050405020304" pitchFamily="18" charset="0"/>
+              </a:rPr>
+              <a:t>Example</a:t>
+            </a:r>
+            <a:r>
+              <a:rPr lang="nl-NL" sz="2500" dirty="0" smtClean="0">
+                <a:latin typeface="Times New Roman" panose="02020603050405020304" pitchFamily="18" charset="0"/>
+                <a:cs typeface="Times New Roman" panose="02020603050405020304" pitchFamily="18" charset="0"/>
+              </a:rPr>
+              <a:t>: </a:t>
+            </a:r>
+            <a:r>
+              <a:rPr lang="en-US" sz="2500" dirty="0">
+                <a:latin typeface="Times New Roman" panose="02020603050405020304" pitchFamily="18" charset="0"/>
+                <a:cs typeface="Times New Roman" panose="02020603050405020304" pitchFamily="18" charset="0"/>
+                <a:hlinkClick r:id="rId2"/>
+              </a:rPr>
+              <a:t>https://stackblitz.com/github/codecraft-tv/angular-course/tree/current/8.pipes/3.async-pipe/code</a:t>
+            </a:r>
+            <a:endParaRPr lang="en-US" sz="2500" dirty="0">
+              <a:latin typeface="Times New Roman" panose="02020603050405020304" pitchFamily="18" charset="0"/>
+              <a:cs typeface="Times New Roman" panose="02020603050405020304" pitchFamily="18" charset="0"/>
+            </a:endParaRPr>
+          </a:p>
+        </p:txBody>
+      </p:sp>
+    </p:spTree>
+    <p:extLst>
+      <p:ext uri="{BB962C8B-B14F-4D97-AF65-F5344CB8AC3E}">
+        <p14:creationId xmlns:p14="http://schemas.microsoft.com/office/powerpoint/2010/main" val="3872834713"/>
       </p:ext>
     </p:extLst>
   </p:cSld>

--- a/Angular Workshop/Angular Workshop.pptx
+++ b/Angular Workshop/Angular Workshop.pptx
@@ -5,7 +5,7 @@
     <p:sldMasterId id="2147483790" r:id="rId1"/>
   </p:sldMasterIdLst>
   <p:notesMasterIdLst>
-    <p:notesMasterId r:id="rId59"/>
+    <p:notesMasterId r:id="rId60"/>
   </p:notesMasterIdLst>
   <p:sldIdLst>
     <p:sldId id="256" r:id="rId2"/>
@@ -65,6 +65,7 @@
     <p:sldId id="310" r:id="rId56"/>
     <p:sldId id="311" r:id="rId57"/>
     <p:sldId id="312" r:id="rId58"/>
+    <p:sldId id="313" r:id="rId59"/>
   </p:sldIdLst>
   <p:sldSz cx="12192000" cy="6858000"/>
   <p:notesSz cx="6858000" cy="9144000"/>
@@ -15107,6 +15108,136 @@
     <p:extLst>
       <p:ext uri="{BB962C8B-B14F-4D97-AF65-F5344CB8AC3E}">
         <p14:creationId xmlns:p14="http://schemas.microsoft.com/office/powerpoint/2010/main" val="3872834713"/>
+      </p:ext>
+    </p:extLst>
+  </p:cSld>
+  <p:clrMapOvr>
+    <a:masterClrMapping/>
+  </p:clrMapOvr>
+</p:sld>
+</file>
+
+<file path=ppt/slides/slide58.xml><?xml version="1.0" encoding="utf-8"?>
+<p:sld xmlns:a="http://schemas.openxmlformats.org/drawingml/2006/main" xmlns:r="http://schemas.openxmlformats.org/officeDocument/2006/relationships" xmlns:p="http://schemas.openxmlformats.org/presentationml/2006/main">
+  <p:cSld>
+    <p:spTree>
+      <p:nvGrpSpPr>
+        <p:cNvPr id="1" name=""/>
+        <p:cNvGrpSpPr/>
+        <p:nvPr/>
+      </p:nvGrpSpPr>
+      <p:grpSpPr>
+        <a:xfrm>
+          <a:off x="0" y="0"/>
+          <a:ext cx="0" cy="0"/>
+          <a:chOff x="0" y="0"/>
+          <a:chExt cx="0" cy="0"/>
+        </a:xfrm>
+      </p:grpSpPr>
+      <p:sp>
+        <p:nvSpPr>
+          <p:cNvPr id="2" name="Title 1"/>
+          <p:cNvSpPr>
+            <a:spLocks noGrp="1"/>
+          </p:cNvSpPr>
+          <p:nvPr>
+            <p:ph type="title"/>
+          </p:nvPr>
+        </p:nvSpPr>
+        <p:spPr/>
+        <p:txBody>
+          <a:bodyPr>
+            <a:normAutofit fontScale="90000"/>
+          </a:bodyPr>
+          <a:lstStyle/>
+          <a:p>
+            <a:r>
+              <a:rPr lang="en-US" dirty="0" smtClean="0">
+                <a:latin typeface="Times New Roman" panose="02020603050405020304" pitchFamily="18" charset="0"/>
+                <a:cs typeface="Times New Roman" panose="02020603050405020304" pitchFamily="18" charset="0"/>
+              </a:rPr>
+              <a:t/>
+            </a:r>
+            <a:br>
+              <a:rPr lang="en-US" dirty="0" smtClean="0">
+                <a:latin typeface="Times New Roman" panose="02020603050405020304" pitchFamily="18" charset="0"/>
+                <a:cs typeface="Times New Roman" panose="02020603050405020304" pitchFamily="18" charset="0"/>
+              </a:rPr>
+            </a:br>
+            <a:r>
+              <a:rPr lang="en-US" dirty="0" smtClean="0">
+                <a:latin typeface="Times New Roman" panose="02020603050405020304" pitchFamily="18" charset="0"/>
+                <a:cs typeface="Times New Roman" panose="02020603050405020304" pitchFamily="18" charset="0"/>
+              </a:rPr>
+              <a:t>Subscribing </a:t>
+            </a:r>
+            <a:r>
+              <a:rPr lang="en-US">
+                <a:latin typeface="Times New Roman" panose="02020603050405020304" pitchFamily="18" charset="0"/>
+                <a:cs typeface="Times New Roman" panose="02020603050405020304" pitchFamily="18" charset="0"/>
+              </a:rPr>
+              <a:t>to </a:t>
+            </a:r>
+            <a:r>
+              <a:rPr lang="en-US" smtClean="0">
+                <a:latin typeface="Times New Roman" panose="02020603050405020304" pitchFamily="18" charset="0"/>
+                <a:cs typeface="Times New Roman" panose="02020603050405020304" pitchFamily="18" charset="0"/>
+              </a:rPr>
+              <a:t>an Observable</a:t>
+            </a:r>
+            <a:r>
+              <a:rPr lang="en-US" dirty="0">
+                <a:latin typeface="Times New Roman" panose="02020603050405020304" pitchFamily="18" charset="0"/>
+                <a:cs typeface="Times New Roman" panose="02020603050405020304" pitchFamily="18" charset="0"/>
+              </a:rPr>
+              <a:t/>
+            </a:r>
+            <a:br>
+              <a:rPr lang="en-US" dirty="0">
+                <a:latin typeface="Times New Roman" panose="02020603050405020304" pitchFamily="18" charset="0"/>
+                <a:cs typeface="Times New Roman" panose="02020603050405020304" pitchFamily="18" charset="0"/>
+              </a:rPr>
+            </a:br>
+            <a:endParaRPr lang="en-US" dirty="0">
+              <a:latin typeface="Times New Roman" panose="02020603050405020304" pitchFamily="18" charset="0"/>
+              <a:cs typeface="Times New Roman" panose="02020603050405020304" pitchFamily="18" charset="0"/>
+            </a:endParaRPr>
+          </a:p>
+        </p:txBody>
+      </p:sp>
+      <p:pic>
+        <p:nvPicPr>
+          <p:cNvPr id="8" name="Content Placeholder 7"/>
+          <p:cNvPicPr>
+            <a:picLocks noGrp="1" noChangeAspect="1"/>
+          </p:cNvPicPr>
+          <p:nvPr>
+            <p:ph idx="1"/>
+          </p:nvPr>
+        </p:nvPicPr>
+        <p:blipFill>
+          <a:blip r:embed="rId2">
+            <a:extLst>
+              <a:ext uri="{28A0092B-C50C-407E-A947-70E740481C1C}">
+                <a14:useLocalDpi xmlns:a14="http://schemas.microsoft.com/office/drawing/2010/main" val="0"/>
+              </a:ext>
+            </a:extLst>
+          </a:blip>
+          <a:stretch>
+            <a:fillRect/>
+          </a:stretch>
+        </p:blipFill>
+        <p:spPr>
+          <a:xfrm>
+            <a:off x="1212520" y="2093975"/>
+            <a:ext cx="8369732" cy="3924859"/>
+          </a:xfrm>
+        </p:spPr>
+      </p:pic>
+    </p:spTree>
+    <p:extLst>
+      <p:ext uri="{BB962C8B-B14F-4D97-AF65-F5344CB8AC3E}">
+        <p14:creationId xmlns:p14="http://schemas.microsoft.com/office/powerpoint/2010/main" val="3625230368"/>
       </p:ext>
     </p:extLst>
   </p:cSld>

--- a/Angular Workshop/Angular Workshop.pptx
+++ b/Angular Workshop/Angular Workshop.pptx
@@ -5,7 +5,7 @@
     <p:sldMasterId id="2147483790" r:id="rId1"/>
   </p:sldMasterIdLst>
   <p:notesMasterIdLst>
-    <p:notesMasterId r:id="rId60"/>
+    <p:notesMasterId r:id="rId61"/>
   </p:notesMasterIdLst>
   <p:sldIdLst>
     <p:sldId id="256" r:id="rId2"/>
@@ -66,6 +66,7 @@
     <p:sldId id="311" r:id="rId57"/>
     <p:sldId id="312" r:id="rId58"/>
     <p:sldId id="313" r:id="rId59"/>
+    <p:sldId id="314" r:id="rId60"/>
   </p:sldIdLst>
   <p:sldSz cx="12192000" cy="6858000"/>
   <p:notesSz cx="6858000" cy="9144000"/>
@@ -15172,14 +15173,14 @@
               <a:t>Subscribing </a:t>
             </a:r>
             <a:r>
-              <a:rPr lang="en-US">
+              <a:rPr lang="en-US" dirty="0">
                 <a:latin typeface="Times New Roman" panose="02020603050405020304" pitchFamily="18" charset="0"/>
                 <a:cs typeface="Times New Roman" panose="02020603050405020304" pitchFamily="18" charset="0"/>
               </a:rPr>
               <a:t>to </a:t>
             </a:r>
             <a:r>
-              <a:rPr lang="en-US" smtClean="0">
+              <a:rPr lang="en-US" dirty="0" smtClean="0">
                 <a:latin typeface="Times New Roman" panose="02020603050405020304" pitchFamily="18" charset="0"/>
                 <a:cs typeface="Times New Roman" panose="02020603050405020304" pitchFamily="18" charset="0"/>
               </a:rPr>
@@ -15238,6 +15239,334 @@
     <p:extLst>
       <p:ext uri="{BB962C8B-B14F-4D97-AF65-F5344CB8AC3E}">
         <p14:creationId xmlns:p14="http://schemas.microsoft.com/office/powerpoint/2010/main" val="3625230368"/>
+      </p:ext>
+    </p:extLst>
+  </p:cSld>
+  <p:clrMapOvr>
+    <a:masterClrMapping/>
+  </p:clrMapOvr>
+</p:sld>
+</file>
+
+<file path=ppt/slides/slide59.xml><?xml version="1.0" encoding="utf-8"?>
+<p:sld xmlns:a="http://schemas.openxmlformats.org/drawingml/2006/main" xmlns:r="http://schemas.openxmlformats.org/officeDocument/2006/relationships" xmlns:p="http://schemas.openxmlformats.org/presentationml/2006/main">
+  <p:cSld>
+    <p:spTree>
+      <p:nvGrpSpPr>
+        <p:cNvPr id="1" name=""/>
+        <p:cNvGrpSpPr/>
+        <p:nvPr/>
+      </p:nvGrpSpPr>
+      <p:grpSpPr>
+        <a:xfrm>
+          <a:off x="0" y="0"/>
+          <a:ext cx="0" cy="0"/>
+          <a:chOff x="0" y="0"/>
+          <a:chExt cx="0" cy="0"/>
+        </a:xfrm>
+      </p:grpSpPr>
+      <p:sp>
+        <p:nvSpPr>
+          <p:cNvPr id="2" name="Title 1"/>
+          <p:cNvSpPr>
+            <a:spLocks noGrp="1"/>
+          </p:cNvSpPr>
+          <p:nvPr>
+            <p:ph type="title"/>
+          </p:nvPr>
+        </p:nvSpPr>
+        <p:spPr/>
+        <p:txBody>
+          <a:bodyPr>
+            <a:normAutofit fontScale="90000"/>
+          </a:bodyPr>
+          <a:lstStyle/>
+          <a:p>
+            <a:r>
+              <a:rPr lang="en-US" dirty="0" smtClean="0"/>
+              <a:t/>
+            </a:r>
+            <a:br>
+              <a:rPr lang="en-US" dirty="0" smtClean="0"/>
+            </a:br>
+            <a:r>
+              <a:rPr lang="en-US" dirty="0" smtClean="0"/>
+              <a:t>Using </a:t>
+            </a:r>
+            <a:r>
+              <a:rPr lang="en-US" dirty="0"/>
+              <a:t>Http in Angular</a:t>
+            </a:r>
+            <a:br>
+              <a:rPr lang="en-US" dirty="0"/>
+            </a:br>
+            <a:endParaRPr lang="en-US" dirty="0"/>
+          </a:p>
+        </p:txBody>
+      </p:sp>
+      <p:sp>
+        <p:nvSpPr>
+          <p:cNvPr id="3" name="Content Placeholder 2"/>
+          <p:cNvSpPr>
+            <a:spLocks noGrp="1"/>
+          </p:cNvSpPr>
+          <p:nvPr>
+            <p:ph idx="1"/>
+          </p:nvPr>
+        </p:nvSpPr>
+        <p:spPr/>
+        <p:txBody>
+          <a:bodyPr>
+            <a:noAutofit/>
+          </a:bodyPr>
+          <a:lstStyle/>
+          <a:p>
+            <a:r>
+              <a:rPr lang="en-US" sz="2200" dirty="0">
+                <a:latin typeface="Times New Roman" panose="02020603050405020304" pitchFamily="18" charset="0"/>
+                <a:cs typeface="Times New Roman" panose="02020603050405020304" pitchFamily="18" charset="0"/>
+              </a:rPr>
+              <a:t>Most front-end applications communicate with backend services over the HTTP protocol. Modern browsers support two different APIs for making HTTP requests: the </a:t>
+            </a:r>
+            <a:r>
+              <a:rPr lang="en-US" sz="2200" dirty="0" err="1">
+                <a:latin typeface="Times New Roman" panose="02020603050405020304" pitchFamily="18" charset="0"/>
+                <a:cs typeface="Times New Roman" panose="02020603050405020304" pitchFamily="18" charset="0"/>
+              </a:rPr>
+              <a:t>XMLHttpRequest</a:t>
+            </a:r>
+            <a:r>
+              <a:rPr lang="en-US" sz="2200" dirty="0">
+                <a:latin typeface="Times New Roman" panose="02020603050405020304" pitchFamily="18" charset="0"/>
+                <a:cs typeface="Times New Roman" panose="02020603050405020304" pitchFamily="18" charset="0"/>
+              </a:rPr>
+              <a:t> interface and the fetch() API.</a:t>
+            </a:r>
+          </a:p>
+          <a:p>
+            <a:endParaRPr lang="en-US" sz="2200" dirty="0">
+              <a:latin typeface="Times New Roman" panose="02020603050405020304" pitchFamily="18" charset="0"/>
+              <a:cs typeface="Times New Roman" panose="02020603050405020304" pitchFamily="18" charset="0"/>
+            </a:endParaRPr>
+          </a:p>
+          <a:p>
+            <a:r>
+              <a:rPr lang="en-US" sz="2200" dirty="0">
+                <a:latin typeface="Times New Roman" panose="02020603050405020304" pitchFamily="18" charset="0"/>
+                <a:cs typeface="Times New Roman" panose="02020603050405020304" pitchFamily="18" charset="0"/>
+              </a:rPr>
+              <a:t>The </a:t>
+            </a:r>
+            <a:r>
+              <a:rPr lang="en-US" sz="2200" dirty="0" err="1">
+                <a:latin typeface="Times New Roman" panose="02020603050405020304" pitchFamily="18" charset="0"/>
+                <a:cs typeface="Times New Roman" panose="02020603050405020304" pitchFamily="18" charset="0"/>
+              </a:rPr>
+              <a:t>HttpClient</a:t>
+            </a:r>
+            <a:r>
+              <a:rPr lang="en-US" sz="2200" dirty="0">
+                <a:latin typeface="Times New Roman" panose="02020603050405020304" pitchFamily="18" charset="0"/>
+                <a:cs typeface="Times New Roman" panose="02020603050405020304" pitchFamily="18" charset="0"/>
+              </a:rPr>
+              <a:t> in @angular/common/http offers a simplified client HTTP API for Angular applications that rests on the </a:t>
+            </a:r>
+            <a:r>
+              <a:rPr lang="en-US" sz="2200" dirty="0" err="1">
+                <a:latin typeface="Times New Roman" panose="02020603050405020304" pitchFamily="18" charset="0"/>
+                <a:cs typeface="Times New Roman" panose="02020603050405020304" pitchFamily="18" charset="0"/>
+              </a:rPr>
+              <a:t>XMLHttpRequest</a:t>
+            </a:r>
+            <a:r>
+              <a:rPr lang="en-US" sz="2200" dirty="0">
+                <a:latin typeface="Times New Roman" panose="02020603050405020304" pitchFamily="18" charset="0"/>
+                <a:cs typeface="Times New Roman" panose="02020603050405020304" pitchFamily="18" charset="0"/>
+              </a:rPr>
+              <a:t> interface exposed by browsers</a:t>
+            </a:r>
+            <a:r>
+              <a:rPr lang="en-US" sz="2200" dirty="0" smtClean="0">
+                <a:latin typeface="Times New Roman" panose="02020603050405020304" pitchFamily="18" charset="0"/>
+                <a:cs typeface="Times New Roman" panose="02020603050405020304" pitchFamily="18" charset="0"/>
+              </a:rPr>
+              <a:t>.</a:t>
+            </a:r>
+          </a:p>
+          <a:p>
+            <a:endParaRPr lang="nl-NL" sz="2200" dirty="0">
+              <a:latin typeface="Times New Roman" panose="02020603050405020304" pitchFamily="18" charset="0"/>
+              <a:cs typeface="Times New Roman" panose="02020603050405020304" pitchFamily="18" charset="0"/>
+            </a:endParaRPr>
+          </a:p>
+          <a:p>
+            <a:r>
+              <a:rPr lang="nl-NL" sz="2200" dirty="0" err="1" smtClean="0">
+                <a:latin typeface="Times New Roman" panose="02020603050405020304" pitchFamily="18" charset="0"/>
+                <a:cs typeface="Times New Roman" panose="02020603050405020304" pitchFamily="18" charset="0"/>
+              </a:rPr>
+              <a:t>To</a:t>
+            </a:r>
+            <a:r>
+              <a:rPr lang="nl-NL" sz="2200" dirty="0" smtClean="0">
+                <a:latin typeface="Times New Roman" panose="02020603050405020304" pitchFamily="18" charset="0"/>
+                <a:cs typeface="Times New Roman" panose="02020603050405020304" pitchFamily="18" charset="0"/>
+              </a:rPr>
+              <a:t> </a:t>
+            </a:r>
+            <a:r>
+              <a:rPr lang="nl-NL" sz="2200" dirty="0" err="1" smtClean="0">
+                <a:latin typeface="Times New Roman" panose="02020603050405020304" pitchFamily="18" charset="0"/>
+                <a:cs typeface="Times New Roman" panose="02020603050405020304" pitchFamily="18" charset="0"/>
+              </a:rPr>
+              <a:t>use</a:t>
+            </a:r>
+            <a:r>
+              <a:rPr lang="nl-NL" sz="2200" dirty="0" smtClean="0">
+                <a:latin typeface="Times New Roman" panose="02020603050405020304" pitchFamily="18" charset="0"/>
+                <a:cs typeface="Times New Roman" panose="02020603050405020304" pitchFamily="18" charset="0"/>
+              </a:rPr>
+              <a:t> HTTP we </a:t>
+            </a:r>
+            <a:r>
+              <a:rPr lang="nl-NL" sz="2200" dirty="0" err="1" smtClean="0">
+                <a:latin typeface="Times New Roman" panose="02020603050405020304" pitchFamily="18" charset="0"/>
+                <a:cs typeface="Times New Roman" panose="02020603050405020304" pitchFamily="18" charset="0"/>
+              </a:rPr>
+              <a:t>need</a:t>
+            </a:r>
+            <a:r>
+              <a:rPr lang="nl-NL" sz="2200" dirty="0" smtClean="0">
+                <a:latin typeface="Times New Roman" panose="02020603050405020304" pitchFamily="18" charset="0"/>
+                <a:cs typeface="Times New Roman" panose="02020603050405020304" pitchFamily="18" charset="0"/>
+              </a:rPr>
+              <a:t> </a:t>
+            </a:r>
+            <a:r>
+              <a:rPr lang="nl-NL" sz="2200" dirty="0" err="1" smtClean="0">
+                <a:latin typeface="Times New Roman" panose="02020603050405020304" pitchFamily="18" charset="0"/>
+                <a:cs typeface="Times New Roman" panose="02020603050405020304" pitchFamily="18" charset="0"/>
+              </a:rPr>
+              <a:t>to</a:t>
+            </a:r>
+            <a:r>
+              <a:rPr lang="nl-NL" sz="2200" dirty="0" smtClean="0">
+                <a:latin typeface="Times New Roman" panose="02020603050405020304" pitchFamily="18" charset="0"/>
+                <a:cs typeface="Times New Roman" panose="02020603050405020304" pitchFamily="18" charset="0"/>
+              </a:rPr>
+              <a:t> import </a:t>
+            </a:r>
+          </a:p>
+          <a:p>
+            <a:pPr marL="457200" indent="-457200">
+              <a:buFont typeface="+mj-lt"/>
+              <a:buAutoNum type="arabicPeriod"/>
+            </a:pPr>
+            <a:r>
+              <a:rPr lang="en-US" sz="2200" dirty="0" smtClean="0">
+                <a:latin typeface="Times New Roman" panose="02020603050405020304" pitchFamily="18" charset="0"/>
+                <a:cs typeface="Times New Roman" panose="02020603050405020304" pitchFamily="18" charset="0"/>
+              </a:rPr>
+              <a:t>For module import </a:t>
+            </a:r>
+            <a:r>
+              <a:rPr lang="en-US" sz="2200" dirty="0">
+                <a:latin typeface="Times New Roman" panose="02020603050405020304" pitchFamily="18" charset="0"/>
+                <a:cs typeface="Times New Roman" panose="02020603050405020304" pitchFamily="18" charset="0"/>
+              </a:rPr>
+              <a:t>{ </a:t>
+            </a:r>
+            <a:r>
+              <a:rPr lang="en-US" sz="2200" dirty="0" err="1">
+                <a:latin typeface="Times New Roman" panose="02020603050405020304" pitchFamily="18" charset="0"/>
+                <a:cs typeface="Times New Roman" panose="02020603050405020304" pitchFamily="18" charset="0"/>
+                <a:hlinkClick r:id="rId2"/>
+              </a:rPr>
+              <a:t>HttpClientModule</a:t>
+            </a:r>
+            <a:r>
+              <a:rPr lang="en-US" sz="2200" dirty="0">
+                <a:latin typeface="Times New Roman" panose="02020603050405020304" pitchFamily="18" charset="0"/>
+                <a:cs typeface="Times New Roman" panose="02020603050405020304" pitchFamily="18" charset="0"/>
+              </a:rPr>
+              <a:t> } from '@angular/common/</a:t>
+            </a:r>
+            <a:r>
+              <a:rPr lang="en-US" sz="2200" dirty="0">
+                <a:latin typeface="Times New Roman" panose="02020603050405020304" pitchFamily="18" charset="0"/>
+                <a:cs typeface="Times New Roman" panose="02020603050405020304" pitchFamily="18" charset="0"/>
+                <a:hlinkClick r:id="rId3"/>
+              </a:rPr>
+              <a:t>http</a:t>
+            </a:r>
+            <a:r>
+              <a:rPr lang="en-US" sz="2200" dirty="0" smtClean="0">
+                <a:latin typeface="Times New Roman" panose="02020603050405020304" pitchFamily="18" charset="0"/>
+                <a:cs typeface="Times New Roman" panose="02020603050405020304" pitchFamily="18" charset="0"/>
+              </a:rPr>
+              <a:t>'; </a:t>
+            </a:r>
+          </a:p>
+          <a:p>
+            <a:pPr marL="457200" indent="-457200">
+              <a:buFont typeface="+mj-lt"/>
+              <a:buAutoNum type="arabicPeriod"/>
+            </a:pPr>
+            <a:r>
+              <a:rPr lang="en-US" sz="2200" dirty="0" smtClean="0">
+                <a:latin typeface="Times New Roman" panose="02020603050405020304" pitchFamily="18" charset="0"/>
+                <a:cs typeface="Times New Roman" panose="02020603050405020304" pitchFamily="18" charset="0"/>
+              </a:rPr>
+              <a:t>For component or service import </a:t>
+            </a:r>
+            <a:r>
+              <a:rPr lang="en-US" sz="2200" dirty="0">
+                <a:latin typeface="Times New Roman" panose="02020603050405020304" pitchFamily="18" charset="0"/>
+                <a:cs typeface="Times New Roman" panose="02020603050405020304" pitchFamily="18" charset="0"/>
+              </a:rPr>
+              <a:t>{ </a:t>
+            </a:r>
+            <a:r>
+              <a:rPr lang="en-US" sz="2200" dirty="0" err="1">
+                <a:latin typeface="Times New Roman" panose="02020603050405020304" pitchFamily="18" charset="0"/>
+                <a:cs typeface="Times New Roman" panose="02020603050405020304" pitchFamily="18" charset="0"/>
+                <a:hlinkClick r:id="rId4"/>
+              </a:rPr>
+              <a:t>HttpClient</a:t>
+            </a:r>
+            <a:r>
+              <a:rPr lang="en-US" sz="2200" dirty="0">
+                <a:latin typeface="Times New Roman" panose="02020603050405020304" pitchFamily="18" charset="0"/>
+                <a:cs typeface="Times New Roman" panose="02020603050405020304" pitchFamily="18" charset="0"/>
+              </a:rPr>
+              <a:t> } from '@angular/common/</a:t>
+            </a:r>
+            <a:r>
+              <a:rPr lang="en-US" sz="2200" dirty="0">
+                <a:latin typeface="Times New Roman" panose="02020603050405020304" pitchFamily="18" charset="0"/>
+                <a:cs typeface="Times New Roman" panose="02020603050405020304" pitchFamily="18" charset="0"/>
+                <a:hlinkClick r:id="rId3"/>
+              </a:rPr>
+              <a:t>http</a:t>
+            </a:r>
+            <a:r>
+              <a:rPr lang="en-US" sz="2200" dirty="0">
+                <a:latin typeface="Times New Roman" panose="02020603050405020304" pitchFamily="18" charset="0"/>
+                <a:cs typeface="Times New Roman" panose="02020603050405020304" pitchFamily="18" charset="0"/>
+              </a:rPr>
+              <a:t>';</a:t>
+            </a:r>
+            <a:endParaRPr lang="en-US" sz="2200" dirty="0">
+              <a:latin typeface="Times New Roman" panose="02020603050405020304" pitchFamily="18" charset="0"/>
+              <a:cs typeface="Times New Roman" panose="02020603050405020304" pitchFamily="18" charset="0"/>
+            </a:endParaRPr>
+          </a:p>
+        </p:txBody>
+      </p:sp>
+    </p:spTree>
+    <p:extLst>
+      <p:ext uri="{BB962C8B-B14F-4D97-AF65-F5344CB8AC3E}">
+        <p14:creationId xmlns:p14="http://schemas.microsoft.com/office/powerpoint/2010/main" val="2036996112"/>
       </p:ext>
     </p:extLst>
   </p:cSld>

--- a/Angular Workshop/Angular Workshop.pptx
+++ b/Angular Workshop/Angular Workshop.pptx
@@ -5,7 +5,7 @@
     <p:sldMasterId id="2147483790" r:id="rId1"/>
   </p:sldMasterIdLst>
   <p:notesMasterIdLst>
-    <p:notesMasterId r:id="rId61"/>
+    <p:notesMasterId r:id="rId62"/>
   </p:notesMasterIdLst>
   <p:sldIdLst>
     <p:sldId id="256" r:id="rId2"/>
@@ -67,6 +67,7 @@
     <p:sldId id="312" r:id="rId58"/>
     <p:sldId id="313" r:id="rId59"/>
     <p:sldId id="314" r:id="rId60"/>
+    <p:sldId id="315" r:id="rId61"/>
   </p:sldIdLst>
   <p:sldSz cx="12192000" cy="6858000"/>
   <p:notesSz cx="6858000" cy="9144000"/>
@@ -15711,6 +15712,104 @@
     <p:extLst>
       <p:ext uri="{BB962C8B-B14F-4D97-AF65-F5344CB8AC3E}">
         <p14:creationId xmlns:p14="http://schemas.microsoft.com/office/powerpoint/2010/main" val="3220732713"/>
+      </p:ext>
+    </p:extLst>
+  </p:cSld>
+  <p:clrMapOvr>
+    <a:masterClrMapping/>
+  </p:clrMapOvr>
+</p:sld>
+</file>
+
+<file path=ppt/slides/slide60.xml><?xml version="1.0" encoding="utf-8"?>
+<p:sld xmlns:a="http://schemas.openxmlformats.org/drawingml/2006/main" xmlns:r="http://schemas.openxmlformats.org/officeDocument/2006/relationships" xmlns:p="http://schemas.openxmlformats.org/presentationml/2006/main">
+  <p:cSld>
+    <p:spTree>
+      <p:nvGrpSpPr>
+        <p:cNvPr id="1" name=""/>
+        <p:cNvGrpSpPr/>
+        <p:nvPr/>
+      </p:nvGrpSpPr>
+      <p:grpSpPr>
+        <a:xfrm>
+          <a:off x="0" y="0"/>
+          <a:ext cx="0" cy="0"/>
+          <a:chOff x="0" y="0"/>
+          <a:chExt cx="0" cy="0"/>
+        </a:xfrm>
+      </p:grpSpPr>
+      <p:sp>
+        <p:nvSpPr>
+          <p:cNvPr id="2" name="Title 1"/>
+          <p:cNvSpPr>
+            <a:spLocks noGrp="1"/>
+          </p:cNvSpPr>
+          <p:nvPr>
+            <p:ph type="title"/>
+          </p:nvPr>
+        </p:nvSpPr>
+        <p:spPr/>
+        <p:txBody>
+          <a:bodyPr>
+            <a:normAutofit fontScale="90000"/>
+          </a:bodyPr>
+          <a:lstStyle/>
+          <a:p>
+            <a:r>
+              <a:rPr lang="en-US" dirty="0" smtClean="0"/>
+              <a:t/>
+            </a:r>
+            <a:br>
+              <a:rPr lang="en-US" dirty="0" smtClean="0"/>
+            </a:br>
+            <a:r>
+              <a:rPr lang="en-US" dirty="0" smtClean="0"/>
+              <a:t>Sending </a:t>
+            </a:r>
+            <a:r>
+              <a:rPr lang="en-US" dirty="0"/>
+              <a:t>an HTTP Request</a:t>
+            </a:r>
+            <a:br>
+              <a:rPr lang="en-US" dirty="0"/>
+            </a:br>
+            <a:endParaRPr lang="en-US" dirty="0"/>
+          </a:p>
+        </p:txBody>
+      </p:sp>
+      <p:pic>
+        <p:nvPicPr>
+          <p:cNvPr id="4" name="Content Placeholder 3"/>
+          <p:cNvPicPr>
+            <a:picLocks noGrp="1" noChangeAspect="1"/>
+          </p:cNvPicPr>
+          <p:nvPr>
+            <p:ph idx="1"/>
+          </p:nvPr>
+        </p:nvPicPr>
+        <p:blipFill>
+          <a:blip r:embed="rId2">
+            <a:extLst>
+              <a:ext uri="{28A0092B-C50C-407E-A947-70E740481C1C}">
+                <a14:useLocalDpi xmlns:a14="http://schemas.microsoft.com/office/drawing/2010/main" val="0"/>
+              </a:ext>
+            </a:extLst>
+          </a:blip>
+          <a:stretch>
+            <a:fillRect/>
+          </a:stretch>
+        </p:blipFill>
+        <p:spPr>
+          <a:xfrm>
+            <a:off x="1069848" y="2093975"/>
+            <a:ext cx="9254770" cy="4503379"/>
+          </a:xfrm>
+        </p:spPr>
+      </p:pic>
+    </p:spTree>
+    <p:extLst>
+      <p:ext uri="{BB962C8B-B14F-4D97-AF65-F5344CB8AC3E}">
+        <p14:creationId xmlns:p14="http://schemas.microsoft.com/office/powerpoint/2010/main" val="2577631242"/>
       </p:ext>
     </p:extLst>
   </p:cSld>

--- a/Angular Workshop/Angular Workshop.pptx
+++ b/Angular Workshop/Angular Workshop.pptx
@@ -5,7 +5,7 @@
     <p:sldMasterId id="2147483790" r:id="rId1"/>
   </p:sldMasterIdLst>
   <p:notesMasterIdLst>
-    <p:notesMasterId r:id="rId62"/>
+    <p:notesMasterId r:id="rId63"/>
   </p:notesMasterIdLst>
   <p:sldIdLst>
     <p:sldId id="256" r:id="rId2"/>
@@ -68,6 +68,7 @@
     <p:sldId id="313" r:id="rId59"/>
     <p:sldId id="314" r:id="rId60"/>
     <p:sldId id="315" r:id="rId61"/>
+    <p:sldId id="316" r:id="rId62"/>
   </p:sldIdLst>
   <p:sldSz cx="12192000" cy="6858000"/>
   <p:notesSz cx="6858000" cy="9144000"/>
@@ -15756,24 +15757,42 @@
           <a:lstStyle/>
           <a:p>
             <a:r>
-              <a:rPr lang="en-US" dirty="0" smtClean="0"/>
+              <a:rPr lang="en-US" dirty="0" smtClean="0">
+                <a:latin typeface="Times New Roman" panose="02020603050405020304" pitchFamily="18" charset="0"/>
+                <a:cs typeface="Times New Roman" panose="02020603050405020304" pitchFamily="18" charset="0"/>
+              </a:rPr>
               <a:t/>
             </a:r>
             <a:br>
-              <a:rPr lang="en-US" dirty="0" smtClean="0"/>
+              <a:rPr lang="en-US" dirty="0" smtClean="0">
+                <a:latin typeface="Times New Roman" panose="02020603050405020304" pitchFamily="18" charset="0"/>
+                <a:cs typeface="Times New Roman" panose="02020603050405020304" pitchFamily="18" charset="0"/>
+              </a:rPr>
             </a:br>
             <a:r>
-              <a:rPr lang="en-US" dirty="0" smtClean="0"/>
+              <a:rPr lang="en-US" dirty="0" smtClean="0">
+                <a:latin typeface="Times New Roman" panose="02020603050405020304" pitchFamily="18" charset="0"/>
+                <a:cs typeface="Times New Roman" panose="02020603050405020304" pitchFamily="18" charset="0"/>
+              </a:rPr>
               <a:t>Sending </a:t>
             </a:r>
             <a:r>
-              <a:rPr lang="en-US" dirty="0"/>
+              <a:rPr lang="en-US" dirty="0">
+                <a:latin typeface="Times New Roman" panose="02020603050405020304" pitchFamily="18" charset="0"/>
+                <a:cs typeface="Times New Roman" panose="02020603050405020304" pitchFamily="18" charset="0"/>
+              </a:rPr>
               <a:t>an HTTP Request</a:t>
             </a:r>
             <a:br>
-              <a:rPr lang="en-US" dirty="0"/>
+              <a:rPr lang="en-US" dirty="0">
+                <a:latin typeface="Times New Roman" panose="02020603050405020304" pitchFamily="18" charset="0"/>
+                <a:cs typeface="Times New Roman" panose="02020603050405020304" pitchFamily="18" charset="0"/>
+              </a:rPr>
             </a:br>
-            <a:endParaRPr lang="en-US" dirty="0"/>
+            <a:endParaRPr lang="en-US" dirty="0">
+              <a:latin typeface="Times New Roman" panose="02020603050405020304" pitchFamily="18" charset="0"/>
+              <a:cs typeface="Times New Roman" panose="02020603050405020304" pitchFamily="18" charset="0"/>
+            </a:endParaRPr>
           </a:p>
         </p:txBody>
       </p:sp>
@@ -15810,6 +15829,122 @@
     <p:extLst>
       <p:ext uri="{BB962C8B-B14F-4D97-AF65-F5344CB8AC3E}">
         <p14:creationId xmlns:p14="http://schemas.microsoft.com/office/powerpoint/2010/main" val="2577631242"/>
+      </p:ext>
+    </p:extLst>
+  </p:cSld>
+  <p:clrMapOvr>
+    <a:masterClrMapping/>
+  </p:clrMapOvr>
+</p:sld>
+</file>
+
+<file path=ppt/slides/slide61.xml><?xml version="1.0" encoding="utf-8"?>
+<p:sld xmlns:a="http://schemas.openxmlformats.org/drawingml/2006/main" xmlns:r="http://schemas.openxmlformats.org/officeDocument/2006/relationships" xmlns:p="http://schemas.openxmlformats.org/presentationml/2006/main">
+  <p:cSld>
+    <p:spTree>
+      <p:nvGrpSpPr>
+        <p:cNvPr id="1" name=""/>
+        <p:cNvGrpSpPr/>
+        <p:nvPr/>
+      </p:nvGrpSpPr>
+      <p:grpSpPr>
+        <a:xfrm>
+          <a:off x="0" y="0"/>
+          <a:ext cx="0" cy="0"/>
+          <a:chOff x="0" y="0"/>
+          <a:chExt cx="0" cy="0"/>
+        </a:xfrm>
+      </p:grpSpPr>
+      <p:sp>
+        <p:nvSpPr>
+          <p:cNvPr id="2" name="Title 1"/>
+          <p:cNvSpPr>
+            <a:spLocks noGrp="1"/>
+          </p:cNvSpPr>
+          <p:nvPr>
+            <p:ph type="title"/>
+          </p:nvPr>
+        </p:nvSpPr>
+        <p:spPr/>
+        <p:txBody>
+          <a:bodyPr>
+            <a:normAutofit fontScale="90000"/>
+          </a:bodyPr>
+          <a:lstStyle/>
+          <a:p>
+            <a:r>
+              <a:rPr lang="en-US" dirty="0" smtClean="0">
+                <a:latin typeface="Times New Roman" panose="02020603050405020304" pitchFamily="18" charset="0"/>
+                <a:cs typeface="Times New Roman" panose="02020603050405020304" pitchFamily="18" charset="0"/>
+              </a:rPr>
+              <a:t/>
+            </a:r>
+            <a:br>
+              <a:rPr lang="en-US" dirty="0" smtClean="0">
+                <a:latin typeface="Times New Roman" panose="02020603050405020304" pitchFamily="18" charset="0"/>
+                <a:cs typeface="Times New Roman" panose="02020603050405020304" pitchFamily="18" charset="0"/>
+              </a:rPr>
+            </a:br>
+            <a:r>
+              <a:rPr lang="en-US" dirty="0" smtClean="0">
+                <a:latin typeface="Times New Roman" panose="02020603050405020304" pitchFamily="18" charset="0"/>
+                <a:cs typeface="Times New Roman" panose="02020603050405020304" pitchFamily="18" charset="0"/>
+              </a:rPr>
+              <a:t>HTTP Exception </a:t>
+            </a:r>
+            <a:r>
+              <a:rPr lang="en-US" dirty="0">
+                <a:latin typeface="Times New Roman" panose="02020603050405020304" pitchFamily="18" charset="0"/>
+                <a:cs typeface="Times New Roman" panose="02020603050405020304" pitchFamily="18" charset="0"/>
+              </a:rPr>
+              <a:t>Handling</a:t>
+            </a:r>
+            <a:br>
+              <a:rPr lang="en-US" dirty="0">
+                <a:latin typeface="Times New Roman" panose="02020603050405020304" pitchFamily="18" charset="0"/>
+                <a:cs typeface="Times New Roman" panose="02020603050405020304" pitchFamily="18" charset="0"/>
+              </a:rPr>
+            </a:br>
+            <a:endParaRPr lang="en-US" dirty="0">
+              <a:latin typeface="Times New Roman" panose="02020603050405020304" pitchFamily="18" charset="0"/>
+              <a:cs typeface="Times New Roman" panose="02020603050405020304" pitchFamily="18" charset="0"/>
+            </a:endParaRPr>
+          </a:p>
+        </p:txBody>
+      </p:sp>
+      <p:pic>
+        <p:nvPicPr>
+          <p:cNvPr id="4" name="Content Placeholder 3"/>
+          <p:cNvPicPr>
+            <a:picLocks noGrp="1" noChangeAspect="1"/>
+          </p:cNvPicPr>
+          <p:nvPr>
+            <p:ph idx="1"/>
+          </p:nvPr>
+        </p:nvPicPr>
+        <p:blipFill>
+          <a:blip r:embed="rId2">
+            <a:extLst>
+              <a:ext uri="{28A0092B-C50C-407E-A947-70E740481C1C}">
+                <a14:useLocalDpi xmlns:a14="http://schemas.microsoft.com/office/drawing/2010/main" val="0"/>
+              </a:ext>
+            </a:extLst>
+          </a:blip>
+          <a:stretch>
+            <a:fillRect/>
+          </a:stretch>
+        </p:blipFill>
+        <p:spPr>
+          <a:xfrm>
+            <a:off x="1069848" y="2093975"/>
+            <a:ext cx="9084950" cy="3380849"/>
+          </a:xfrm>
+        </p:spPr>
+      </p:pic>
+    </p:spTree>
+    <p:extLst>
+      <p:ext uri="{BB962C8B-B14F-4D97-AF65-F5344CB8AC3E}">
+        <p14:creationId xmlns:p14="http://schemas.microsoft.com/office/powerpoint/2010/main" val="3976087629"/>
       </p:ext>
     </p:extLst>
   </p:cSld>

--- a/Angular Workshop/Angular Workshop.pptx
+++ b/Angular Workshop/Angular Workshop.pptx
@@ -5,7 +5,7 @@
     <p:sldMasterId id="2147483790" r:id="rId1"/>
   </p:sldMasterIdLst>
   <p:notesMasterIdLst>
-    <p:notesMasterId r:id="rId63"/>
+    <p:notesMasterId r:id="rId65"/>
   </p:notesMasterIdLst>
   <p:sldIdLst>
     <p:sldId id="256" r:id="rId2"/>
@@ -43,32 +43,34 @@
     <p:sldId id="288" r:id="rId34"/>
     <p:sldId id="289" r:id="rId35"/>
     <p:sldId id="290" r:id="rId36"/>
-    <p:sldId id="291" r:id="rId37"/>
-    <p:sldId id="292" r:id="rId38"/>
-    <p:sldId id="293" r:id="rId39"/>
-    <p:sldId id="294" r:id="rId40"/>
-    <p:sldId id="295" r:id="rId41"/>
-    <p:sldId id="296" r:id="rId42"/>
-    <p:sldId id="297" r:id="rId43"/>
-    <p:sldId id="298" r:id="rId44"/>
-    <p:sldId id="299" r:id="rId45"/>
-    <p:sldId id="300" r:id="rId46"/>
-    <p:sldId id="301" r:id="rId47"/>
-    <p:sldId id="302" r:id="rId48"/>
-    <p:sldId id="303" r:id="rId49"/>
-    <p:sldId id="304" r:id="rId50"/>
-    <p:sldId id="305" r:id="rId51"/>
-    <p:sldId id="306" r:id="rId52"/>
-    <p:sldId id="308" r:id="rId53"/>
-    <p:sldId id="307" r:id="rId54"/>
-    <p:sldId id="309" r:id="rId55"/>
-    <p:sldId id="310" r:id="rId56"/>
-    <p:sldId id="311" r:id="rId57"/>
-    <p:sldId id="312" r:id="rId58"/>
-    <p:sldId id="313" r:id="rId59"/>
-    <p:sldId id="314" r:id="rId60"/>
-    <p:sldId id="315" r:id="rId61"/>
-    <p:sldId id="316" r:id="rId62"/>
+    <p:sldId id="294" r:id="rId37"/>
+    <p:sldId id="295" r:id="rId38"/>
+    <p:sldId id="291" r:id="rId39"/>
+    <p:sldId id="317" r:id="rId40"/>
+    <p:sldId id="292" r:id="rId41"/>
+    <p:sldId id="293" r:id="rId42"/>
+    <p:sldId id="318" r:id="rId43"/>
+    <p:sldId id="296" r:id="rId44"/>
+    <p:sldId id="297" r:id="rId45"/>
+    <p:sldId id="298" r:id="rId46"/>
+    <p:sldId id="299" r:id="rId47"/>
+    <p:sldId id="300" r:id="rId48"/>
+    <p:sldId id="301" r:id="rId49"/>
+    <p:sldId id="302" r:id="rId50"/>
+    <p:sldId id="303" r:id="rId51"/>
+    <p:sldId id="304" r:id="rId52"/>
+    <p:sldId id="305" r:id="rId53"/>
+    <p:sldId id="306" r:id="rId54"/>
+    <p:sldId id="308" r:id="rId55"/>
+    <p:sldId id="307" r:id="rId56"/>
+    <p:sldId id="309" r:id="rId57"/>
+    <p:sldId id="310" r:id="rId58"/>
+    <p:sldId id="311" r:id="rId59"/>
+    <p:sldId id="312" r:id="rId60"/>
+    <p:sldId id="313" r:id="rId61"/>
+    <p:sldId id="314" r:id="rId62"/>
+    <p:sldId id="315" r:id="rId63"/>
+    <p:sldId id="316" r:id="rId64"/>
   </p:sldIdLst>
   <p:sldSz cx="12192000" cy="6858000"/>
   <p:notesSz cx="6858000" cy="9144000"/>
@@ -257,7 +259,7 @@
           <a:p>
             <a:fld id="{6A8D9F0F-2837-48EC-B86C-7389FCD155D0}" type="datetimeFigureOut">
               <a:rPr lang="en-US" smtClean="0"/>
-              <a:t>5/13/2019</a:t>
+              <a:t>5/20/2019</a:t>
             </a:fld>
             <a:endParaRPr lang="en-US"/>
           </a:p>
@@ -775,7 +777,7 @@
           <a:p>
             <a:fld id="{41A78D70-B909-41F5-A68F-9A409A675382}" type="slidenum">
               <a:rPr lang="en-US" smtClean="0"/>
-              <a:t>42</a:t>
+              <a:t>44</a:t>
             </a:fld>
             <a:endParaRPr lang="en-US"/>
           </a:p>
@@ -865,7 +867,7 @@
           <a:p>
             <a:fld id="{41A78D70-B909-41F5-A68F-9A409A675382}" type="slidenum">
               <a:rPr lang="en-US" smtClean="0"/>
-              <a:t>55</a:t>
+              <a:t>57</a:t>
             </a:fld>
             <a:endParaRPr lang="en-US"/>
           </a:p>
@@ -1287,7 +1289,7 @@
           <a:p>
             <a:fld id="{B9D14AC3-431A-47E8-842F-ED47F6F75548}" type="datetimeFigureOut">
               <a:rPr lang="en-US" smtClean="0"/>
-              <a:t>5/13/2019</a:t>
+              <a:t>5/20/2019</a:t>
             </a:fld>
             <a:endParaRPr lang="en-US"/>
           </a:p>
@@ -1466,7 +1468,7 @@
           <a:p>
             <a:fld id="{B9D14AC3-431A-47E8-842F-ED47F6F75548}" type="datetimeFigureOut">
               <a:rPr lang="en-US" smtClean="0"/>
-              <a:t>5/13/2019</a:t>
+              <a:t>5/20/2019</a:t>
             </a:fld>
             <a:endParaRPr lang="en-US"/>
           </a:p>
@@ -1646,7 +1648,7 @@
           <a:p>
             <a:fld id="{B9D14AC3-431A-47E8-842F-ED47F6F75548}" type="datetimeFigureOut">
               <a:rPr lang="en-US" smtClean="0"/>
-              <a:t>5/13/2019</a:t>
+              <a:t>5/20/2019</a:t>
             </a:fld>
             <a:endParaRPr lang="en-US"/>
           </a:p>
@@ -1816,7 +1818,7 @@
           <a:p>
             <a:fld id="{B9D14AC3-431A-47E8-842F-ED47F6F75548}" type="datetimeFigureOut">
               <a:rPr lang="en-US" smtClean="0"/>
-              <a:t>5/13/2019</a:t>
+              <a:t>5/20/2019</a:t>
             </a:fld>
             <a:endParaRPr lang="en-US"/>
           </a:p>
@@ -2129,7 +2131,7 @@
           <a:p>
             <a:fld id="{B9D14AC3-431A-47E8-842F-ED47F6F75548}" type="datetimeFigureOut">
               <a:rPr lang="en-US" smtClean="0"/>
-              <a:t>5/13/2019</a:t>
+              <a:t>5/20/2019</a:t>
             </a:fld>
             <a:endParaRPr lang="en-US"/>
           </a:p>
@@ -2515,7 +2517,7 @@
           <a:p>
             <a:fld id="{B9D14AC3-431A-47E8-842F-ED47F6F75548}" type="datetimeFigureOut">
               <a:rPr lang="en-US" smtClean="0"/>
-              <a:t>5/13/2019</a:t>
+              <a:t>5/20/2019</a:t>
             </a:fld>
             <a:endParaRPr lang="en-US"/>
           </a:p>
@@ -2954,7 +2956,7 @@
           <a:p>
             <a:fld id="{B9D14AC3-431A-47E8-842F-ED47F6F75548}" type="datetimeFigureOut">
               <a:rPr lang="en-US" smtClean="0"/>
-              <a:t>5/13/2019</a:t>
+              <a:t>5/20/2019</a:t>
             </a:fld>
             <a:endParaRPr lang="en-US"/>
           </a:p>
@@ -3077,7 +3079,7 @@
           <a:p>
             <a:fld id="{B9D14AC3-431A-47E8-842F-ED47F6F75548}" type="datetimeFigureOut">
               <a:rPr lang="en-US" smtClean="0"/>
-              <a:t>5/13/2019</a:t>
+              <a:t>5/20/2019</a:t>
             </a:fld>
             <a:endParaRPr lang="en-US"/>
           </a:p>
@@ -3172,7 +3174,7 @@
           <a:p>
             <a:fld id="{B9D14AC3-431A-47E8-842F-ED47F6F75548}" type="datetimeFigureOut">
               <a:rPr lang="en-US" smtClean="0"/>
-              <a:t>5/13/2019</a:t>
+              <a:t>5/20/2019</a:t>
             </a:fld>
             <a:endParaRPr lang="en-US"/>
           </a:p>
@@ -3522,7 +3524,7 @@
           <a:p>
             <a:fld id="{B9D14AC3-431A-47E8-842F-ED47F6F75548}" type="datetimeFigureOut">
               <a:rPr lang="en-US" smtClean="0"/>
-              <a:t>5/13/2019</a:t>
+              <a:t>5/20/2019</a:t>
             </a:fld>
             <a:endParaRPr lang="en-US"/>
           </a:p>
@@ -3952,7 +3954,7 @@
           <a:p>
             <a:fld id="{B9D14AC3-431A-47E8-842F-ED47F6F75548}" type="datetimeFigureOut">
               <a:rPr lang="en-US" smtClean="0"/>
-              <a:t>5/13/2019</a:t>
+              <a:t>5/20/2019</a:t>
             </a:fld>
             <a:endParaRPr lang="en-US"/>
           </a:p>
@@ -4233,7 +4235,7 @@
           <a:p>
             <a:fld id="{B9D14AC3-431A-47E8-842F-ED47F6F75548}" type="datetimeFigureOut">
               <a:rPr lang="en-US" smtClean="0"/>
-              <a:t>5/13/2019</a:t>
+              <a:t>5/20/2019</a:t>
             </a:fld>
             <a:endParaRPr lang="en-US"/>
           </a:p>
@@ -5004,7 +5006,7 @@
           <p:cNvPr id="2" name="Title 1">
             <a:extLst>
               <a:ext uri="{FF2B5EF4-FFF2-40B4-BE49-F238E27FC236}">
-                <a16:creationId xmlns:a16="http://schemas.microsoft.com/office/drawing/2014/main" xmlns="" id="{159757B6-80F7-4930-B530-65D40C6AAA2B}"/>
+                <a16:creationId xmlns="" xmlns:a16="http://schemas.microsoft.com/office/drawing/2014/main" id="{159757B6-80F7-4930-B530-65D40C6AAA2B}"/>
               </a:ext>
             </a:extLst>
           </p:cNvPr>
@@ -5060,7 +5062,7 @@
           <p:cNvPr id="3" name="Content Placeholder 2">
             <a:extLst>
               <a:ext uri="{FF2B5EF4-FFF2-40B4-BE49-F238E27FC236}">
-                <a16:creationId xmlns:a16="http://schemas.microsoft.com/office/drawing/2014/main" xmlns="" id="{9FE13484-3844-4DDF-BFBA-ACA0E64B2915}"/>
+                <a16:creationId xmlns="" xmlns:a16="http://schemas.microsoft.com/office/drawing/2014/main" id="{9FE13484-3844-4DDF-BFBA-ACA0E64B2915}"/>
               </a:ext>
             </a:extLst>
           </p:cNvPr>
@@ -5097,7 +5099,7 @@
           <p:cNvPr id="7" name="Picture 6">
             <a:extLst>
               <a:ext uri="{FF2B5EF4-FFF2-40B4-BE49-F238E27FC236}">
-                <a16:creationId xmlns:a16="http://schemas.microsoft.com/office/drawing/2014/main" xmlns="" id="{32CA38FA-0E90-4306-B5D0-3CEA1A7E35E2}"/>
+                <a16:creationId xmlns="" xmlns:a16="http://schemas.microsoft.com/office/drawing/2014/main" id="{32CA38FA-0E90-4306-B5D0-3CEA1A7E35E2}"/>
               </a:ext>
             </a:extLst>
           </p:cNvPr>
@@ -5163,7 +5165,7 @@
           <p:cNvPr id="2" name="Title 1">
             <a:extLst>
               <a:ext uri="{FF2B5EF4-FFF2-40B4-BE49-F238E27FC236}">
-                <a16:creationId xmlns:a16="http://schemas.microsoft.com/office/drawing/2014/main" xmlns="" id="{4E8E46E2-4366-4F67-9FB5-B507999C18F7}"/>
+                <a16:creationId xmlns="" xmlns:a16="http://schemas.microsoft.com/office/drawing/2014/main" id="{4E8E46E2-4366-4F67-9FB5-B507999C18F7}"/>
               </a:ext>
             </a:extLst>
           </p:cNvPr>
@@ -5224,7 +5226,7 @@
           <p:cNvPr id="3" name="Content Placeholder 2">
             <a:extLst>
               <a:ext uri="{FF2B5EF4-FFF2-40B4-BE49-F238E27FC236}">
-                <a16:creationId xmlns:a16="http://schemas.microsoft.com/office/drawing/2014/main" xmlns="" id="{46E11EF3-FB91-4D8A-A344-658BC8C1B939}"/>
+                <a16:creationId xmlns="" xmlns:a16="http://schemas.microsoft.com/office/drawing/2014/main" id="{46E11EF3-FB91-4D8A-A344-658BC8C1B939}"/>
               </a:ext>
             </a:extLst>
           </p:cNvPr>
@@ -5337,7 +5339,7 @@
           <p:cNvPr id="6" name="Picture 5">
             <a:extLst>
               <a:ext uri="{FF2B5EF4-FFF2-40B4-BE49-F238E27FC236}">
-                <a16:creationId xmlns:a16="http://schemas.microsoft.com/office/drawing/2014/main" xmlns="" id="{F59A1450-D806-40BA-9C89-7BEEFEABC899}"/>
+                <a16:creationId xmlns="" xmlns:a16="http://schemas.microsoft.com/office/drawing/2014/main" id="{F59A1450-D806-40BA-9C89-7BEEFEABC899}"/>
               </a:ext>
             </a:extLst>
           </p:cNvPr>
@@ -5373,7 +5375,7 @@
           <p:cNvPr id="8" name="Picture 7">
             <a:extLst>
               <a:ext uri="{FF2B5EF4-FFF2-40B4-BE49-F238E27FC236}">
-                <a16:creationId xmlns:a16="http://schemas.microsoft.com/office/drawing/2014/main" xmlns="" id="{2FBC3649-8EBE-4700-8648-D4EF97496A69}"/>
+                <a16:creationId xmlns="" xmlns:a16="http://schemas.microsoft.com/office/drawing/2014/main" id="{2FBC3649-8EBE-4700-8648-D4EF97496A69}"/>
               </a:ext>
             </a:extLst>
           </p:cNvPr>
@@ -5409,7 +5411,7 @@
           <p:cNvPr id="10" name="Picture 9">
             <a:extLst>
               <a:ext uri="{FF2B5EF4-FFF2-40B4-BE49-F238E27FC236}">
-                <a16:creationId xmlns:a16="http://schemas.microsoft.com/office/drawing/2014/main" xmlns="" id="{4D880A05-5F58-45B1-884D-75824689D61B}"/>
+                <a16:creationId xmlns="" xmlns:a16="http://schemas.microsoft.com/office/drawing/2014/main" id="{4D880A05-5F58-45B1-884D-75824689D61B}"/>
               </a:ext>
             </a:extLst>
           </p:cNvPr>
@@ -5475,7 +5477,7 @@
           <p:cNvPr id="2" name="Title 1">
             <a:extLst>
               <a:ext uri="{FF2B5EF4-FFF2-40B4-BE49-F238E27FC236}">
-                <a16:creationId xmlns:a16="http://schemas.microsoft.com/office/drawing/2014/main" xmlns="" id="{DC9D6F5E-CEDA-4DBA-9EFF-9DA5BC48DE19}"/>
+                <a16:creationId xmlns="" xmlns:a16="http://schemas.microsoft.com/office/drawing/2014/main" id="{DC9D6F5E-CEDA-4DBA-9EFF-9DA5BC48DE19}"/>
               </a:ext>
             </a:extLst>
           </p:cNvPr>
@@ -5506,7 +5508,7 @@
           <p:cNvPr id="5" name="Content Placeholder 4">
             <a:extLst>
               <a:ext uri="{FF2B5EF4-FFF2-40B4-BE49-F238E27FC236}">
-                <a16:creationId xmlns:a16="http://schemas.microsoft.com/office/drawing/2014/main" xmlns="" id="{F8018F80-C482-4162-87F4-3B4430AD1259}"/>
+                <a16:creationId xmlns="" xmlns:a16="http://schemas.microsoft.com/office/drawing/2014/main" id="{F8018F80-C482-4162-87F4-3B4430AD1259}"/>
               </a:ext>
             </a:extLst>
           </p:cNvPr>
@@ -5571,7 +5573,7 @@
           <p:cNvPr id="2" name="Title 1">
             <a:extLst>
               <a:ext uri="{FF2B5EF4-FFF2-40B4-BE49-F238E27FC236}">
-                <a16:creationId xmlns:a16="http://schemas.microsoft.com/office/drawing/2014/main" xmlns="" id="{F845B438-718D-41FE-B912-05184CC77809}"/>
+                <a16:creationId xmlns="" xmlns:a16="http://schemas.microsoft.com/office/drawing/2014/main" id="{F845B438-718D-41FE-B912-05184CC77809}"/>
               </a:ext>
             </a:extLst>
           </p:cNvPr>
@@ -5603,7 +5605,7 @@
           <p:cNvPr id="9" name="Content Placeholder 8">
             <a:extLst>
               <a:ext uri="{FF2B5EF4-FFF2-40B4-BE49-F238E27FC236}">
-                <a16:creationId xmlns:a16="http://schemas.microsoft.com/office/drawing/2014/main" xmlns="" id="{8507FAD8-5825-4E9B-9A1E-1CA1B811EA31}"/>
+                <a16:creationId xmlns="" xmlns:a16="http://schemas.microsoft.com/office/drawing/2014/main" id="{8507FAD8-5825-4E9B-9A1E-1CA1B811EA31}"/>
               </a:ext>
             </a:extLst>
           </p:cNvPr>
@@ -5668,7 +5670,7 @@
           <p:cNvPr id="2" name="Title 1">
             <a:extLst>
               <a:ext uri="{FF2B5EF4-FFF2-40B4-BE49-F238E27FC236}">
-                <a16:creationId xmlns:a16="http://schemas.microsoft.com/office/drawing/2014/main" xmlns="" id="{F01218AF-13C4-4051-85A0-83603087B36F}"/>
+                <a16:creationId xmlns="" xmlns:a16="http://schemas.microsoft.com/office/drawing/2014/main" id="{F01218AF-13C4-4051-85A0-83603087B36F}"/>
               </a:ext>
             </a:extLst>
           </p:cNvPr>
@@ -5700,7 +5702,7 @@
           <p:cNvPr id="5" name="Content Placeholder 4">
             <a:extLst>
               <a:ext uri="{FF2B5EF4-FFF2-40B4-BE49-F238E27FC236}">
-                <a16:creationId xmlns:a16="http://schemas.microsoft.com/office/drawing/2014/main" xmlns="" id="{FE9916FD-A799-44E9-BAD6-1DFD73799C40}"/>
+                <a16:creationId xmlns="" xmlns:a16="http://schemas.microsoft.com/office/drawing/2014/main" id="{FE9916FD-A799-44E9-BAD6-1DFD73799C40}"/>
               </a:ext>
             </a:extLst>
           </p:cNvPr>
@@ -5765,7 +5767,7 @@
           <p:cNvPr id="2" name="Title 1">
             <a:extLst>
               <a:ext uri="{FF2B5EF4-FFF2-40B4-BE49-F238E27FC236}">
-                <a16:creationId xmlns:a16="http://schemas.microsoft.com/office/drawing/2014/main" xmlns="" id="{52A6AD8F-1162-4FDC-826E-3BA1AE268313}"/>
+                <a16:creationId xmlns="" xmlns:a16="http://schemas.microsoft.com/office/drawing/2014/main" id="{52A6AD8F-1162-4FDC-826E-3BA1AE268313}"/>
               </a:ext>
             </a:extLst>
           </p:cNvPr>
@@ -5797,7 +5799,7 @@
           <p:cNvPr id="5" name="Content Placeholder 4">
             <a:extLst>
               <a:ext uri="{FF2B5EF4-FFF2-40B4-BE49-F238E27FC236}">
-                <a16:creationId xmlns:a16="http://schemas.microsoft.com/office/drawing/2014/main" xmlns="" id="{4B8EA503-F633-408F-8510-C3647B74DB94}"/>
+                <a16:creationId xmlns="" xmlns:a16="http://schemas.microsoft.com/office/drawing/2014/main" id="{4B8EA503-F633-408F-8510-C3647B74DB94}"/>
               </a:ext>
             </a:extLst>
           </p:cNvPr>
@@ -5862,7 +5864,7 @@
           <p:cNvPr id="2" name="Title 1">
             <a:extLst>
               <a:ext uri="{FF2B5EF4-FFF2-40B4-BE49-F238E27FC236}">
-                <a16:creationId xmlns:a16="http://schemas.microsoft.com/office/drawing/2014/main" xmlns="" id="{580B15AB-F4F5-4A39-95A2-B3AA882DDF2E}"/>
+                <a16:creationId xmlns="" xmlns:a16="http://schemas.microsoft.com/office/drawing/2014/main" id="{580B15AB-F4F5-4A39-95A2-B3AA882DDF2E}"/>
               </a:ext>
             </a:extLst>
           </p:cNvPr>
@@ -5894,7 +5896,7 @@
           <p:cNvPr id="5" name="Content Placeholder 4">
             <a:extLst>
               <a:ext uri="{FF2B5EF4-FFF2-40B4-BE49-F238E27FC236}">
-                <a16:creationId xmlns:a16="http://schemas.microsoft.com/office/drawing/2014/main" xmlns="" id="{F15A6060-9471-4A92-8F0F-2C7CAFB291C5}"/>
+                <a16:creationId xmlns="" xmlns:a16="http://schemas.microsoft.com/office/drawing/2014/main" id="{F15A6060-9471-4A92-8F0F-2C7CAFB291C5}"/>
               </a:ext>
             </a:extLst>
           </p:cNvPr>
@@ -8580,7 +8582,7 @@
           <p:cNvPr id="2" name="Title 1">
             <a:extLst>
               <a:ext uri="{FF2B5EF4-FFF2-40B4-BE49-F238E27FC236}">
-                <a16:creationId xmlns:a16="http://schemas.microsoft.com/office/drawing/2014/main" xmlns="" id="{468494B9-63FD-435A-AFA6-53E2454B48B6}"/>
+                <a16:creationId xmlns="" xmlns:a16="http://schemas.microsoft.com/office/drawing/2014/main" id="{468494B9-63FD-435A-AFA6-53E2454B48B6}"/>
               </a:ext>
             </a:extLst>
           </p:cNvPr>
@@ -8636,7 +8638,7 @@
           <p:cNvPr id="3" name="Content Placeholder 2">
             <a:extLst>
               <a:ext uri="{FF2B5EF4-FFF2-40B4-BE49-F238E27FC236}">
-                <a16:creationId xmlns:a16="http://schemas.microsoft.com/office/drawing/2014/main" xmlns="" id="{B695AC8C-CF3A-4D2C-AF0D-DB5C38E01702}"/>
+                <a16:creationId xmlns="" xmlns:a16="http://schemas.microsoft.com/office/drawing/2014/main" id="{B695AC8C-CF3A-4D2C-AF0D-DB5C38E01702}"/>
               </a:ext>
             </a:extLst>
           </p:cNvPr>
@@ -11033,352 +11035,6 @@
         <p:spPr/>
         <p:txBody>
           <a:bodyPr>
-            <a:normAutofit fontScale="90000"/>
-          </a:bodyPr>
-          <a:lstStyle/>
-          <a:p>
-            <a:r>
-              <a:rPr lang="en-US" dirty="0">
-                <a:latin typeface="Times New Roman" panose="02020603050405020304" pitchFamily="18" charset="0"/>
-                <a:cs typeface="Times New Roman" panose="02020603050405020304" pitchFamily="18" charset="0"/>
-              </a:rPr>
-              <a:t/>
-            </a:r>
-            <a:br>
-              <a:rPr lang="en-US" dirty="0">
-                <a:latin typeface="Times New Roman" panose="02020603050405020304" pitchFamily="18" charset="0"/>
-                <a:cs typeface="Times New Roman" panose="02020603050405020304" pitchFamily="18" charset="0"/>
-              </a:rPr>
-            </a:br>
-            <a:r>
-              <a:rPr lang="en-US" dirty="0">
-                <a:latin typeface="Times New Roman" panose="02020603050405020304" pitchFamily="18" charset="0"/>
-                <a:cs typeface="Times New Roman" panose="02020603050405020304" pitchFamily="18" charset="0"/>
-              </a:rPr>
-              <a:t>Introduction to Directives</a:t>
-            </a:r>
-            <a:br>
-              <a:rPr lang="en-US" dirty="0">
-                <a:latin typeface="Times New Roman" panose="02020603050405020304" pitchFamily="18" charset="0"/>
-                <a:cs typeface="Times New Roman" panose="02020603050405020304" pitchFamily="18" charset="0"/>
-              </a:rPr>
-            </a:br>
-            <a:endParaRPr lang="en-US" dirty="0">
-              <a:latin typeface="Times New Roman" panose="02020603050405020304" pitchFamily="18" charset="0"/>
-              <a:cs typeface="Times New Roman" panose="02020603050405020304" pitchFamily="18" charset="0"/>
-            </a:endParaRPr>
-          </a:p>
-        </p:txBody>
-      </p:sp>
-      <p:sp>
-        <p:nvSpPr>
-          <p:cNvPr id="3" name="Content Placeholder 2"/>
-          <p:cNvSpPr>
-            <a:spLocks noGrp="1"/>
-          </p:cNvSpPr>
-          <p:nvPr>
-            <p:ph idx="1"/>
-          </p:nvPr>
-        </p:nvSpPr>
-        <p:spPr/>
-        <p:txBody>
-          <a:bodyPr/>
-          <a:lstStyle/>
-          <a:p>
-            <a:r>
-              <a:rPr lang="en-US" dirty="0">
-                <a:latin typeface="Times New Roman" panose="02020603050405020304" pitchFamily="18" charset="0"/>
-                <a:cs typeface="Times New Roman" panose="02020603050405020304" pitchFamily="18" charset="0"/>
-              </a:rPr>
-              <a:t>There are four types of directives in Angular,</a:t>
-            </a:r>
-          </a:p>
-          <a:p>
-            <a:pPr marL="457200" indent="-457200">
-              <a:buFont typeface="+mj-lt"/>
-              <a:buAutoNum type="arabicPeriod"/>
-            </a:pPr>
-            <a:r>
-              <a:rPr lang="en-US" dirty="0">
-                <a:latin typeface="Times New Roman" panose="02020603050405020304" pitchFamily="18" charset="0"/>
-                <a:cs typeface="Times New Roman" panose="02020603050405020304" pitchFamily="18" charset="0"/>
-              </a:rPr>
-              <a:t>Components directives</a:t>
-            </a:r>
-          </a:p>
-          <a:p>
-            <a:pPr marL="457200" indent="-457200">
-              <a:buFont typeface="+mj-lt"/>
-              <a:buAutoNum type="arabicPeriod"/>
-            </a:pPr>
-            <a:r>
-              <a:rPr lang="en-US" dirty="0">
-                <a:latin typeface="Times New Roman" panose="02020603050405020304" pitchFamily="18" charset="0"/>
-                <a:cs typeface="Times New Roman" panose="02020603050405020304" pitchFamily="18" charset="0"/>
-              </a:rPr>
-              <a:t>Structural directives: Structural directives are responsible for HTML layout. They shape or reshape the DOM's </a:t>
-            </a:r>
-            <a:r>
-              <a:rPr lang="en-US" i="1" dirty="0">
-                <a:latin typeface="Times New Roman" panose="02020603050405020304" pitchFamily="18" charset="0"/>
-                <a:cs typeface="Times New Roman" panose="02020603050405020304" pitchFamily="18" charset="0"/>
-              </a:rPr>
-              <a:t>structure</a:t>
-            </a:r>
-            <a:r>
-              <a:rPr lang="en-US" dirty="0">
-                <a:latin typeface="Times New Roman" panose="02020603050405020304" pitchFamily="18" charset="0"/>
-                <a:cs typeface="Times New Roman" panose="02020603050405020304" pitchFamily="18" charset="0"/>
-              </a:rPr>
-              <a:t>, typically by adding, removing, or manipulating elements.</a:t>
-            </a:r>
-          </a:p>
-          <a:p>
-            <a:pPr marL="457200" indent="-457200">
-              <a:buFont typeface="+mj-lt"/>
-              <a:buAutoNum type="arabicPeriod"/>
-            </a:pPr>
-            <a:r>
-              <a:rPr lang="en-US" dirty="0">
-                <a:latin typeface="Times New Roman" panose="02020603050405020304" pitchFamily="18" charset="0"/>
-                <a:cs typeface="Times New Roman" panose="02020603050405020304" pitchFamily="18" charset="0"/>
-              </a:rPr>
-              <a:t>Attribute directives: An Attribute directive changes the appearance or behavior of a DOM element.</a:t>
-            </a:r>
-          </a:p>
-          <a:p>
-            <a:pPr marL="457200" indent="-457200">
-              <a:buFont typeface="+mj-lt"/>
-              <a:buAutoNum type="arabicPeriod"/>
-            </a:pPr>
-            <a:r>
-              <a:rPr lang="en-US" dirty="0">
-                <a:latin typeface="Times New Roman" panose="02020603050405020304" pitchFamily="18" charset="0"/>
-                <a:cs typeface="Times New Roman" panose="02020603050405020304" pitchFamily="18" charset="0"/>
-              </a:rPr>
-              <a:t>Custom Directive</a:t>
-            </a:r>
-          </a:p>
-          <a:p>
-            <a:endParaRPr lang="en-US" dirty="0">
-              <a:latin typeface="Times New Roman" panose="02020603050405020304" pitchFamily="18" charset="0"/>
-              <a:cs typeface="Times New Roman" panose="02020603050405020304" pitchFamily="18" charset="0"/>
-            </a:endParaRPr>
-          </a:p>
-        </p:txBody>
-      </p:sp>
-    </p:spTree>
-    <p:extLst>
-      <p:ext uri="{BB962C8B-B14F-4D97-AF65-F5344CB8AC3E}">
-        <p14:creationId xmlns:p14="http://schemas.microsoft.com/office/powerpoint/2010/main" val="2278850238"/>
-      </p:ext>
-    </p:extLst>
-  </p:cSld>
-  <p:clrMapOvr>
-    <a:masterClrMapping/>
-  </p:clrMapOvr>
-</p:sld>
-</file>
-
-<file path=ppt/slides/slide37.xml><?xml version="1.0" encoding="utf-8"?>
-<p:sld xmlns:a="http://schemas.openxmlformats.org/drawingml/2006/main" xmlns:r="http://schemas.openxmlformats.org/officeDocument/2006/relationships" xmlns:p="http://schemas.openxmlformats.org/presentationml/2006/main">
-  <p:cSld>
-    <p:spTree>
-      <p:nvGrpSpPr>
-        <p:cNvPr id="1" name=""/>
-        <p:cNvGrpSpPr/>
-        <p:nvPr/>
-      </p:nvGrpSpPr>
-      <p:grpSpPr>
-        <a:xfrm>
-          <a:off x="0" y="0"/>
-          <a:ext cx="0" cy="0"/>
-          <a:chOff x="0" y="0"/>
-          <a:chExt cx="0" cy="0"/>
-        </a:xfrm>
-      </p:grpSpPr>
-      <p:sp>
-        <p:nvSpPr>
-          <p:cNvPr id="2" name="Title 1"/>
-          <p:cNvSpPr>
-            <a:spLocks noGrp="1"/>
-          </p:cNvSpPr>
-          <p:nvPr>
-            <p:ph type="title"/>
-          </p:nvPr>
-        </p:nvSpPr>
-        <p:spPr/>
-        <p:txBody>
-          <a:bodyPr/>
-          <a:lstStyle/>
-          <a:p>
-            <a:r>
-              <a:rPr lang="en-US" dirty="0">
-                <a:latin typeface="Times New Roman" panose="02020603050405020304" pitchFamily="18" charset="0"/>
-                <a:cs typeface="Times New Roman" panose="02020603050405020304" pitchFamily="18" charset="0"/>
-              </a:rPr>
-              <a:t>Structural directives example</a:t>
-            </a:r>
-          </a:p>
-        </p:txBody>
-      </p:sp>
-      <p:pic>
-        <p:nvPicPr>
-          <p:cNvPr id="4" name="Content Placeholder 3"/>
-          <p:cNvPicPr>
-            <a:picLocks noGrp="1" noChangeAspect="1"/>
-          </p:cNvPicPr>
-          <p:nvPr>
-            <p:ph idx="1"/>
-          </p:nvPr>
-        </p:nvPicPr>
-        <p:blipFill>
-          <a:blip r:embed="rId2">
-            <a:extLst>
-              <a:ext uri="{28A0092B-C50C-407E-A947-70E740481C1C}">
-                <a14:useLocalDpi xmlns:a14="http://schemas.microsoft.com/office/drawing/2010/main" val="0"/>
-              </a:ext>
-            </a:extLst>
-          </a:blip>
-          <a:stretch>
-            <a:fillRect/>
-          </a:stretch>
-        </p:blipFill>
-        <p:spPr>
-          <a:xfrm>
-            <a:off x="1069848" y="2207228"/>
-            <a:ext cx="10058400" cy="3852377"/>
-          </a:xfrm>
-        </p:spPr>
-      </p:pic>
-    </p:spTree>
-    <p:extLst>
-      <p:ext uri="{BB962C8B-B14F-4D97-AF65-F5344CB8AC3E}">
-        <p14:creationId xmlns:p14="http://schemas.microsoft.com/office/powerpoint/2010/main" val="2965354876"/>
-      </p:ext>
-    </p:extLst>
-  </p:cSld>
-  <p:clrMapOvr>
-    <a:masterClrMapping/>
-  </p:clrMapOvr>
-</p:sld>
-</file>
-
-<file path=ppt/slides/slide38.xml><?xml version="1.0" encoding="utf-8"?>
-<p:sld xmlns:a="http://schemas.openxmlformats.org/drawingml/2006/main" xmlns:r="http://schemas.openxmlformats.org/officeDocument/2006/relationships" xmlns:p="http://schemas.openxmlformats.org/presentationml/2006/main">
-  <p:cSld>
-    <p:spTree>
-      <p:nvGrpSpPr>
-        <p:cNvPr id="1" name=""/>
-        <p:cNvGrpSpPr/>
-        <p:nvPr/>
-      </p:nvGrpSpPr>
-      <p:grpSpPr>
-        <a:xfrm>
-          <a:off x="0" y="0"/>
-          <a:ext cx="0" cy="0"/>
-          <a:chOff x="0" y="0"/>
-          <a:chExt cx="0" cy="0"/>
-        </a:xfrm>
-      </p:grpSpPr>
-      <p:sp>
-        <p:nvSpPr>
-          <p:cNvPr id="2" name="Title 1"/>
-          <p:cNvSpPr>
-            <a:spLocks noGrp="1"/>
-          </p:cNvSpPr>
-          <p:nvPr>
-            <p:ph type="title"/>
-          </p:nvPr>
-        </p:nvSpPr>
-        <p:spPr/>
-        <p:txBody>
-          <a:bodyPr/>
-          <a:lstStyle/>
-          <a:p>
-            <a:r>
-              <a:rPr lang="en-US" dirty="0">
-                <a:latin typeface="Times New Roman" panose="02020603050405020304" pitchFamily="18" charset="0"/>
-                <a:cs typeface="Times New Roman" panose="02020603050405020304" pitchFamily="18" charset="0"/>
-              </a:rPr>
-              <a:t>Attribute directives</a:t>
-            </a:r>
-            <a:endParaRPr lang="en-US" dirty="0"/>
-          </a:p>
-        </p:txBody>
-      </p:sp>
-      <p:pic>
-        <p:nvPicPr>
-          <p:cNvPr id="4" name="Content Placeholder 3"/>
-          <p:cNvPicPr>
-            <a:picLocks noGrp="1" noChangeAspect="1"/>
-          </p:cNvPicPr>
-          <p:nvPr>
-            <p:ph idx="1"/>
-          </p:nvPr>
-        </p:nvPicPr>
-        <p:blipFill>
-          <a:blip r:embed="rId2">
-            <a:extLst>
-              <a:ext uri="{28A0092B-C50C-407E-A947-70E740481C1C}">
-                <a14:useLocalDpi xmlns:a14="http://schemas.microsoft.com/office/drawing/2010/main" val="0"/>
-              </a:ext>
-            </a:extLst>
-          </a:blip>
-          <a:stretch>
-            <a:fillRect/>
-          </a:stretch>
-        </p:blipFill>
-        <p:spPr>
-          <a:xfrm>
-            <a:off x="1069848" y="2347655"/>
-            <a:ext cx="7986262" cy="3541353"/>
-          </a:xfrm>
-        </p:spPr>
-      </p:pic>
-    </p:spTree>
-    <p:extLst>
-      <p:ext uri="{BB962C8B-B14F-4D97-AF65-F5344CB8AC3E}">
-        <p14:creationId xmlns:p14="http://schemas.microsoft.com/office/powerpoint/2010/main" val="3312278295"/>
-      </p:ext>
-    </p:extLst>
-  </p:cSld>
-  <p:clrMapOvr>
-    <a:masterClrMapping/>
-  </p:clrMapOvr>
-</p:sld>
-</file>
-
-<file path=ppt/slides/slide39.xml><?xml version="1.0" encoding="utf-8"?>
-<p:sld xmlns:a="http://schemas.openxmlformats.org/drawingml/2006/main" xmlns:r="http://schemas.openxmlformats.org/officeDocument/2006/relationships" xmlns:p="http://schemas.openxmlformats.org/presentationml/2006/main">
-  <p:cSld>
-    <p:spTree>
-      <p:nvGrpSpPr>
-        <p:cNvPr id="1" name=""/>
-        <p:cNvGrpSpPr/>
-        <p:nvPr/>
-      </p:nvGrpSpPr>
-      <p:grpSpPr>
-        <a:xfrm>
-          <a:off x="0" y="0"/>
-          <a:ext cx="0" cy="0"/>
-          <a:chOff x="0" y="0"/>
-          <a:chExt cx="0" cy="0"/>
-        </a:xfrm>
-      </p:grpSpPr>
-      <p:sp>
-        <p:nvSpPr>
-          <p:cNvPr id="2" name="Title 1"/>
-          <p:cNvSpPr>
-            <a:spLocks noGrp="1"/>
-          </p:cNvSpPr>
-          <p:nvPr>
-            <p:ph type="title"/>
-          </p:nvPr>
-        </p:nvSpPr>
-        <p:spPr/>
-        <p:txBody>
-          <a:bodyPr>
             <a:normAutofit/>
           </a:bodyPr>
           <a:lstStyle/>
@@ -11489,379 +11145,7 @@
 </p:sld>
 </file>
 
-<file path=ppt/slides/slide4.xml><?xml version="1.0" encoding="utf-8"?>
-<p:sld xmlns:a="http://schemas.openxmlformats.org/drawingml/2006/main" xmlns:r="http://schemas.openxmlformats.org/officeDocument/2006/relationships" xmlns:p="http://schemas.openxmlformats.org/presentationml/2006/main">
-  <p:cSld>
-    <p:spTree>
-      <p:nvGrpSpPr>
-        <p:cNvPr id="1" name=""/>
-        <p:cNvGrpSpPr/>
-        <p:nvPr/>
-      </p:nvGrpSpPr>
-      <p:grpSpPr>
-        <a:xfrm>
-          <a:off x="0" y="0"/>
-          <a:ext cx="0" cy="0"/>
-          <a:chOff x="0" y="0"/>
-          <a:chExt cx="0" cy="0"/>
-        </a:xfrm>
-      </p:grpSpPr>
-      <p:sp>
-        <p:nvSpPr>
-          <p:cNvPr id="2" name="Title 1"/>
-          <p:cNvSpPr>
-            <a:spLocks noGrp="1"/>
-          </p:cNvSpPr>
-          <p:nvPr>
-            <p:ph type="title"/>
-          </p:nvPr>
-        </p:nvSpPr>
-        <p:spPr/>
-        <p:txBody>
-          <a:bodyPr/>
-          <a:lstStyle/>
-          <a:p>
-            <a:r>
-              <a:rPr lang="nl-NL" dirty="0">
-                <a:latin typeface="Times New Roman" panose="02020603050405020304" pitchFamily="18" charset="0"/>
-                <a:cs typeface="Times New Roman" panose="02020603050405020304" pitchFamily="18" charset="0"/>
-              </a:rPr>
-              <a:t>Basic types in typescript</a:t>
-            </a:r>
-            <a:endParaRPr lang="en-US" dirty="0">
-              <a:latin typeface="Times New Roman" panose="02020603050405020304" pitchFamily="18" charset="0"/>
-              <a:cs typeface="Times New Roman" panose="02020603050405020304" pitchFamily="18" charset="0"/>
-            </a:endParaRPr>
-          </a:p>
-        </p:txBody>
-      </p:sp>
-      <p:sp>
-        <p:nvSpPr>
-          <p:cNvPr id="3" name="Content Placeholder 2"/>
-          <p:cNvSpPr>
-            <a:spLocks noGrp="1"/>
-          </p:cNvSpPr>
-          <p:nvPr>
-            <p:ph idx="1"/>
-          </p:nvPr>
-        </p:nvSpPr>
-        <p:spPr/>
-        <p:txBody>
-          <a:bodyPr>
-            <a:noAutofit/>
-          </a:bodyPr>
-          <a:lstStyle/>
-          <a:p>
-            <a:r>
-              <a:rPr lang="en-US" b="1" dirty="0">
-                <a:latin typeface="Times New Roman" panose="02020603050405020304" pitchFamily="18" charset="0"/>
-                <a:cs typeface="Times New Roman" panose="02020603050405020304" pitchFamily="18" charset="0"/>
-              </a:rPr>
-              <a:t>Boolean</a:t>
-            </a:r>
-            <a:r>
-              <a:rPr lang="en-US" dirty="0">
-                <a:latin typeface="Times New Roman" panose="02020603050405020304" pitchFamily="18" charset="0"/>
-                <a:cs typeface="Times New Roman" panose="02020603050405020304" pitchFamily="18" charset="0"/>
-              </a:rPr>
-              <a:t> let </a:t>
-            </a:r>
-            <a:r>
-              <a:rPr lang="en-US" dirty="0" err="1">
-                <a:latin typeface="Times New Roman" panose="02020603050405020304" pitchFamily="18" charset="0"/>
-                <a:cs typeface="Times New Roman" panose="02020603050405020304" pitchFamily="18" charset="0"/>
-              </a:rPr>
-              <a:t>isDone</a:t>
-            </a:r>
-            <a:r>
-              <a:rPr lang="en-US" dirty="0">
-                <a:latin typeface="Times New Roman" panose="02020603050405020304" pitchFamily="18" charset="0"/>
-                <a:cs typeface="Times New Roman" panose="02020603050405020304" pitchFamily="18" charset="0"/>
-              </a:rPr>
-              <a:t>: </a:t>
-            </a:r>
-            <a:r>
-              <a:rPr lang="en-US" dirty="0" err="1">
-                <a:latin typeface="Times New Roman" panose="02020603050405020304" pitchFamily="18" charset="0"/>
-                <a:cs typeface="Times New Roman" panose="02020603050405020304" pitchFamily="18" charset="0"/>
-              </a:rPr>
-              <a:t>boolean</a:t>
-            </a:r>
-            <a:r>
-              <a:rPr lang="en-US" dirty="0">
-                <a:latin typeface="Times New Roman" panose="02020603050405020304" pitchFamily="18" charset="0"/>
-                <a:cs typeface="Times New Roman" panose="02020603050405020304" pitchFamily="18" charset="0"/>
-              </a:rPr>
-              <a:t> = false;</a:t>
-            </a:r>
-          </a:p>
-          <a:p>
-            <a:r>
-              <a:rPr lang="en-US" b="1" dirty="0">
-                <a:latin typeface="Times New Roman" panose="02020603050405020304" pitchFamily="18" charset="0"/>
-                <a:cs typeface="Times New Roman" panose="02020603050405020304" pitchFamily="18" charset="0"/>
-              </a:rPr>
-              <a:t>Number</a:t>
-            </a:r>
-            <a:r>
-              <a:rPr lang="en-US" dirty="0">
-                <a:latin typeface="Times New Roman" panose="02020603050405020304" pitchFamily="18" charset="0"/>
-                <a:cs typeface="Times New Roman" panose="02020603050405020304" pitchFamily="18" charset="0"/>
-              </a:rPr>
-              <a:t> let decimal: number = 6;</a:t>
-            </a:r>
-          </a:p>
-          <a:p>
-            <a:r>
-              <a:rPr lang="en-US" b="1" dirty="0">
-                <a:latin typeface="Times New Roman" panose="02020603050405020304" pitchFamily="18" charset="0"/>
-                <a:cs typeface="Times New Roman" panose="02020603050405020304" pitchFamily="18" charset="0"/>
-              </a:rPr>
-              <a:t>String</a:t>
-            </a:r>
-            <a:r>
-              <a:rPr lang="en-US" dirty="0">
-                <a:latin typeface="Times New Roman" panose="02020603050405020304" pitchFamily="18" charset="0"/>
-                <a:cs typeface="Times New Roman" panose="02020603050405020304" pitchFamily="18" charset="0"/>
-              </a:rPr>
-              <a:t> let color: string = "blue";</a:t>
-            </a:r>
-          </a:p>
-          <a:p>
-            <a:r>
-              <a:rPr lang="en-US" b="1" dirty="0">
-                <a:latin typeface="Times New Roman" panose="02020603050405020304" pitchFamily="18" charset="0"/>
-                <a:cs typeface="Times New Roman" panose="02020603050405020304" pitchFamily="18" charset="0"/>
-              </a:rPr>
-              <a:t>Array</a:t>
-            </a:r>
-            <a:r>
-              <a:rPr lang="en-US" dirty="0">
-                <a:latin typeface="Times New Roman" panose="02020603050405020304" pitchFamily="18" charset="0"/>
-                <a:cs typeface="Times New Roman" panose="02020603050405020304" pitchFamily="18" charset="0"/>
-              </a:rPr>
-              <a:t> let list: number[] = [1, 2, 3];</a:t>
-            </a:r>
-          </a:p>
-          <a:p>
-            <a:r>
-              <a:rPr lang="en-US" b="1" dirty="0">
-                <a:latin typeface="Times New Roman" panose="02020603050405020304" pitchFamily="18" charset="0"/>
-                <a:cs typeface="Times New Roman" panose="02020603050405020304" pitchFamily="18" charset="0"/>
-              </a:rPr>
-              <a:t>Tuple</a:t>
-            </a:r>
-            <a:r>
-              <a:rPr lang="en-US" dirty="0">
-                <a:latin typeface="Times New Roman" panose="02020603050405020304" pitchFamily="18" charset="0"/>
-                <a:cs typeface="Times New Roman" panose="02020603050405020304" pitchFamily="18" charset="0"/>
-              </a:rPr>
-              <a:t> let x: [string, number]; x = ["hello", 10]; </a:t>
-            </a:r>
-          </a:p>
-          <a:p>
-            <a:r>
-              <a:rPr lang="en-US" b="1" dirty="0" err="1">
-                <a:latin typeface="Times New Roman" panose="02020603050405020304" pitchFamily="18" charset="0"/>
-                <a:cs typeface="Times New Roman" panose="02020603050405020304" pitchFamily="18" charset="0"/>
-              </a:rPr>
-              <a:t>Enum</a:t>
-            </a:r>
-            <a:r>
-              <a:rPr lang="en-US" dirty="0">
-                <a:latin typeface="Times New Roman" panose="02020603050405020304" pitchFamily="18" charset="0"/>
-                <a:cs typeface="Times New Roman" panose="02020603050405020304" pitchFamily="18" charset="0"/>
-              </a:rPr>
-              <a:t> </a:t>
-            </a:r>
-            <a:r>
-              <a:rPr lang="en-US" dirty="0" err="1">
-                <a:latin typeface="Times New Roman" panose="02020603050405020304" pitchFamily="18" charset="0"/>
-                <a:cs typeface="Times New Roman" panose="02020603050405020304" pitchFamily="18" charset="0"/>
-              </a:rPr>
-              <a:t>enum</a:t>
-            </a:r>
-            <a:r>
-              <a:rPr lang="en-US" dirty="0">
-                <a:latin typeface="Times New Roman" panose="02020603050405020304" pitchFamily="18" charset="0"/>
-                <a:cs typeface="Times New Roman" panose="02020603050405020304" pitchFamily="18" charset="0"/>
-              </a:rPr>
-              <a:t> Color {Red = 1, Green, Blue}</a:t>
-            </a:r>
-          </a:p>
-          <a:p>
-            <a:r>
-              <a:rPr lang="en-US" b="1" dirty="0">
-                <a:latin typeface="Times New Roman" panose="02020603050405020304" pitchFamily="18" charset="0"/>
-                <a:cs typeface="Times New Roman" panose="02020603050405020304" pitchFamily="18" charset="0"/>
-              </a:rPr>
-              <a:t>Any</a:t>
-            </a:r>
-            <a:r>
-              <a:rPr lang="en-US" dirty="0">
-                <a:latin typeface="Times New Roman" panose="02020603050405020304" pitchFamily="18" charset="0"/>
-                <a:cs typeface="Times New Roman" panose="02020603050405020304" pitchFamily="18" charset="0"/>
-              </a:rPr>
-              <a:t> let </a:t>
-            </a:r>
-            <a:r>
-              <a:rPr lang="en-US" dirty="0" err="1">
-                <a:latin typeface="Times New Roman" panose="02020603050405020304" pitchFamily="18" charset="0"/>
-                <a:cs typeface="Times New Roman" panose="02020603050405020304" pitchFamily="18" charset="0"/>
-              </a:rPr>
-              <a:t>notSure</a:t>
-            </a:r>
-            <a:r>
-              <a:rPr lang="en-US" dirty="0">
-                <a:latin typeface="Times New Roman" panose="02020603050405020304" pitchFamily="18" charset="0"/>
-                <a:cs typeface="Times New Roman" panose="02020603050405020304" pitchFamily="18" charset="0"/>
-              </a:rPr>
-              <a:t>: any = 4;</a:t>
-            </a:r>
-          </a:p>
-          <a:p>
-            <a:r>
-              <a:rPr lang="en-US" b="1" dirty="0">
-                <a:latin typeface="Times New Roman" panose="02020603050405020304" pitchFamily="18" charset="0"/>
-                <a:cs typeface="Times New Roman" panose="02020603050405020304" pitchFamily="18" charset="0"/>
-              </a:rPr>
-              <a:t>Void</a:t>
-            </a:r>
-            <a:r>
-              <a:rPr lang="en-US" dirty="0">
-                <a:latin typeface="Times New Roman" panose="02020603050405020304" pitchFamily="18" charset="0"/>
-                <a:cs typeface="Times New Roman" panose="02020603050405020304" pitchFamily="18" charset="0"/>
-              </a:rPr>
-              <a:t> function </a:t>
-            </a:r>
-            <a:r>
-              <a:rPr lang="en-US" dirty="0" err="1">
-                <a:latin typeface="Times New Roman" panose="02020603050405020304" pitchFamily="18" charset="0"/>
-                <a:cs typeface="Times New Roman" panose="02020603050405020304" pitchFamily="18" charset="0"/>
-              </a:rPr>
-              <a:t>warnUser</a:t>
-            </a:r>
-            <a:r>
-              <a:rPr lang="en-US" dirty="0">
-                <a:latin typeface="Times New Roman" panose="02020603050405020304" pitchFamily="18" charset="0"/>
-                <a:cs typeface="Times New Roman" panose="02020603050405020304" pitchFamily="18" charset="0"/>
-              </a:rPr>
-              <a:t>(): void </a:t>
-            </a:r>
-          </a:p>
-          <a:p>
-            <a:r>
-              <a:rPr lang="en-US" b="1" dirty="0">
-                <a:latin typeface="Times New Roman" panose="02020603050405020304" pitchFamily="18" charset="0"/>
-                <a:cs typeface="Times New Roman" panose="02020603050405020304" pitchFamily="18" charset="0"/>
-              </a:rPr>
-              <a:t>Null and Undefined</a:t>
-            </a:r>
-          </a:p>
-          <a:p>
-            <a:r>
-              <a:rPr lang="en-US" b="1" dirty="0">
-                <a:latin typeface="Times New Roman" panose="02020603050405020304" pitchFamily="18" charset="0"/>
-                <a:cs typeface="Times New Roman" panose="02020603050405020304" pitchFamily="18" charset="0"/>
-              </a:rPr>
-              <a:t>Object</a:t>
-            </a:r>
-          </a:p>
-          <a:p>
-            <a:r>
-              <a:rPr lang="nl-NL" b="1" dirty="0">
-                <a:latin typeface="Times New Roman" panose="02020603050405020304" pitchFamily="18" charset="0"/>
-                <a:cs typeface="Times New Roman" panose="02020603050405020304" pitchFamily="18" charset="0"/>
-              </a:rPr>
-              <a:t>Type </a:t>
-            </a:r>
-            <a:r>
-              <a:rPr lang="nl-NL" b="1" dirty="0" err="1">
-                <a:latin typeface="Times New Roman" panose="02020603050405020304" pitchFamily="18" charset="0"/>
-                <a:cs typeface="Times New Roman" panose="02020603050405020304" pitchFamily="18" charset="0"/>
-              </a:rPr>
-              <a:t>assertion</a:t>
-            </a:r>
-            <a:r>
-              <a:rPr lang="nl-NL" b="1" dirty="0">
-                <a:latin typeface="Times New Roman" panose="02020603050405020304" pitchFamily="18" charset="0"/>
-                <a:cs typeface="Times New Roman" panose="02020603050405020304" pitchFamily="18" charset="0"/>
-              </a:rPr>
-              <a:t> </a:t>
-            </a:r>
-            <a:r>
-              <a:rPr lang="en-US" dirty="0">
-                <a:latin typeface="Times New Roman" panose="02020603050405020304" pitchFamily="18" charset="0"/>
-                <a:cs typeface="Times New Roman" panose="02020603050405020304" pitchFamily="18" charset="0"/>
-              </a:rPr>
-              <a:t>let </a:t>
-            </a:r>
-            <a:r>
-              <a:rPr lang="en-US" dirty="0" err="1">
-                <a:latin typeface="Times New Roman" panose="02020603050405020304" pitchFamily="18" charset="0"/>
-                <a:cs typeface="Times New Roman" panose="02020603050405020304" pitchFamily="18" charset="0"/>
-              </a:rPr>
-              <a:t>strLength</a:t>
-            </a:r>
-            <a:r>
-              <a:rPr lang="en-US" dirty="0">
-                <a:latin typeface="Times New Roman" panose="02020603050405020304" pitchFamily="18" charset="0"/>
-                <a:cs typeface="Times New Roman" panose="02020603050405020304" pitchFamily="18" charset="0"/>
-              </a:rPr>
-              <a:t>: number = (</a:t>
-            </a:r>
-            <a:r>
-              <a:rPr lang="en-US" dirty="0" err="1">
-                <a:latin typeface="Times New Roman" panose="02020603050405020304" pitchFamily="18" charset="0"/>
-                <a:cs typeface="Times New Roman" panose="02020603050405020304" pitchFamily="18" charset="0"/>
-              </a:rPr>
-              <a:t>someValue</a:t>
-            </a:r>
-            <a:r>
-              <a:rPr lang="en-US" dirty="0">
-                <a:latin typeface="Times New Roman" panose="02020603050405020304" pitchFamily="18" charset="0"/>
-                <a:cs typeface="Times New Roman" panose="02020603050405020304" pitchFamily="18" charset="0"/>
-              </a:rPr>
-              <a:t> as string).length;</a:t>
-            </a:r>
-          </a:p>
-          <a:p>
-            <a:endParaRPr lang="en-US" dirty="0"/>
-          </a:p>
-          <a:p>
-            <a:endParaRPr lang="en-US" dirty="0"/>
-          </a:p>
-          <a:p>
-            <a:endParaRPr lang="en-US" dirty="0"/>
-          </a:p>
-          <a:p>
-            <a:endParaRPr lang="en-US" dirty="0"/>
-          </a:p>
-          <a:p>
-            <a:endParaRPr lang="en-US" dirty="0"/>
-          </a:p>
-          <a:p>
-            <a:endParaRPr lang="en-US" dirty="0"/>
-          </a:p>
-          <a:p>
-            <a:endParaRPr lang="en-US" dirty="0"/>
-          </a:p>
-        </p:txBody>
-      </p:sp>
-    </p:spTree>
-    <p:extLst>
-      <p:ext uri="{BB962C8B-B14F-4D97-AF65-F5344CB8AC3E}">
-        <p14:creationId xmlns:p14="http://schemas.microsoft.com/office/powerpoint/2010/main" val="728131117"/>
-      </p:ext>
-    </p:extLst>
-  </p:cSld>
-  <p:clrMapOvr>
-    <a:masterClrMapping/>
-  </p:clrMapOvr>
-</p:sld>
-</file>
-
-<file path=ppt/slides/slide40.xml><?xml version="1.0" encoding="utf-8"?>
+<file path=ppt/slides/slide37.xml><?xml version="1.0" encoding="utf-8"?>
 <p:sld xmlns:a="http://schemas.openxmlformats.org/drawingml/2006/main" xmlns:r="http://schemas.openxmlformats.org/officeDocument/2006/relationships" xmlns:p="http://schemas.openxmlformats.org/presentationml/2006/main">
   <p:cSld>
     <p:spTree>
@@ -12026,7 +11310,1088 @@
 </p:sld>
 </file>
 
+<file path=ppt/slides/slide38.xml><?xml version="1.0" encoding="utf-8"?>
+<p:sld xmlns:a="http://schemas.openxmlformats.org/drawingml/2006/main" xmlns:r="http://schemas.openxmlformats.org/officeDocument/2006/relationships" xmlns:p="http://schemas.openxmlformats.org/presentationml/2006/main">
+  <p:cSld>
+    <p:spTree>
+      <p:nvGrpSpPr>
+        <p:cNvPr id="1" name=""/>
+        <p:cNvGrpSpPr/>
+        <p:nvPr/>
+      </p:nvGrpSpPr>
+      <p:grpSpPr>
+        <a:xfrm>
+          <a:off x="0" y="0"/>
+          <a:ext cx="0" cy="0"/>
+          <a:chOff x="0" y="0"/>
+          <a:chExt cx="0" cy="0"/>
+        </a:xfrm>
+      </p:grpSpPr>
+      <p:sp>
+        <p:nvSpPr>
+          <p:cNvPr id="2" name="Title 1"/>
+          <p:cNvSpPr>
+            <a:spLocks noGrp="1"/>
+          </p:cNvSpPr>
+          <p:nvPr>
+            <p:ph type="title"/>
+          </p:nvPr>
+        </p:nvSpPr>
+        <p:spPr/>
+        <p:txBody>
+          <a:bodyPr>
+            <a:normAutofit fontScale="90000"/>
+          </a:bodyPr>
+          <a:lstStyle/>
+          <a:p>
+            <a:r>
+              <a:rPr lang="en-US" dirty="0">
+                <a:latin typeface="Times New Roman" panose="02020603050405020304" pitchFamily="18" charset="0"/>
+                <a:cs typeface="Times New Roman" panose="02020603050405020304" pitchFamily="18" charset="0"/>
+              </a:rPr>
+              <a:t/>
+            </a:r>
+            <a:br>
+              <a:rPr lang="en-US" dirty="0">
+                <a:latin typeface="Times New Roman" panose="02020603050405020304" pitchFamily="18" charset="0"/>
+                <a:cs typeface="Times New Roman" panose="02020603050405020304" pitchFamily="18" charset="0"/>
+              </a:rPr>
+            </a:br>
+            <a:r>
+              <a:rPr lang="en-US" dirty="0">
+                <a:latin typeface="Times New Roman" panose="02020603050405020304" pitchFamily="18" charset="0"/>
+                <a:cs typeface="Times New Roman" panose="02020603050405020304" pitchFamily="18" charset="0"/>
+              </a:rPr>
+              <a:t>Introduction to Directives</a:t>
+            </a:r>
+            <a:br>
+              <a:rPr lang="en-US" dirty="0">
+                <a:latin typeface="Times New Roman" panose="02020603050405020304" pitchFamily="18" charset="0"/>
+                <a:cs typeface="Times New Roman" panose="02020603050405020304" pitchFamily="18" charset="0"/>
+              </a:rPr>
+            </a:br>
+            <a:endParaRPr lang="en-US" dirty="0">
+              <a:latin typeface="Times New Roman" panose="02020603050405020304" pitchFamily="18" charset="0"/>
+              <a:cs typeface="Times New Roman" panose="02020603050405020304" pitchFamily="18" charset="0"/>
+            </a:endParaRPr>
+          </a:p>
+        </p:txBody>
+      </p:sp>
+      <p:sp>
+        <p:nvSpPr>
+          <p:cNvPr id="3" name="Content Placeholder 2"/>
+          <p:cNvSpPr>
+            <a:spLocks noGrp="1"/>
+          </p:cNvSpPr>
+          <p:nvPr>
+            <p:ph idx="1"/>
+          </p:nvPr>
+        </p:nvSpPr>
+        <p:spPr/>
+        <p:txBody>
+          <a:bodyPr/>
+          <a:lstStyle/>
+          <a:p>
+            <a:r>
+              <a:rPr lang="en-US" dirty="0">
+                <a:latin typeface="Times New Roman" panose="02020603050405020304" pitchFamily="18" charset="0"/>
+                <a:cs typeface="Times New Roman" panose="02020603050405020304" pitchFamily="18" charset="0"/>
+              </a:rPr>
+              <a:t>There are four types of directives in Angular,</a:t>
+            </a:r>
+          </a:p>
+          <a:p>
+            <a:pPr marL="457200" indent="-457200">
+              <a:buFont typeface="+mj-lt"/>
+              <a:buAutoNum type="arabicPeriod"/>
+            </a:pPr>
+            <a:r>
+              <a:rPr lang="en-US" dirty="0">
+                <a:latin typeface="Times New Roman" panose="02020603050405020304" pitchFamily="18" charset="0"/>
+                <a:cs typeface="Times New Roman" panose="02020603050405020304" pitchFamily="18" charset="0"/>
+              </a:rPr>
+              <a:t>Components directives</a:t>
+            </a:r>
+          </a:p>
+          <a:p>
+            <a:pPr marL="457200" indent="-457200">
+              <a:buFont typeface="+mj-lt"/>
+              <a:buAutoNum type="arabicPeriod"/>
+            </a:pPr>
+            <a:r>
+              <a:rPr lang="en-US" dirty="0">
+                <a:latin typeface="Times New Roman" panose="02020603050405020304" pitchFamily="18" charset="0"/>
+                <a:cs typeface="Times New Roman" panose="02020603050405020304" pitchFamily="18" charset="0"/>
+              </a:rPr>
+              <a:t>Structural directives: Structural directives are responsible for HTML layout. They shape or reshape the DOM's </a:t>
+            </a:r>
+            <a:r>
+              <a:rPr lang="en-US" i="1" dirty="0">
+                <a:latin typeface="Times New Roman" panose="02020603050405020304" pitchFamily="18" charset="0"/>
+                <a:cs typeface="Times New Roman" panose="02020603050405020304" pitchFamily="18" charset="0"/>
+              </a:rPr>
+              <a:t>structure</a:t>
+            </a:r>
+            <a:r>
+              <a:rPr lang="en-US" dirty="0">
+                <a:latin typeface="Times New Roman" panose="02020603050405020304" pitchFamily="18" charset="0"/>
+                <a:cs typeface="Times New Roman" panose="02020603050405020304" pitchFamily="18" charset="0"/>
+              </a:rPr>
+              <a:t>, typically by adding, removing, or manipulating elements.</a:t>
+            </a:r>
+          </a:p>
+          <a:p>
+            <a:pPr marL="457200" indent="-457200">
+              <a:buFont typeface="+mj-lt"/>
+              <a:buAutoNum type="arabicPeriod"/>
+            </a:pPr>
+            <a:r>
+              <a:rPr lang="en-US" dirty="0">
+                <a:latin typeface="Times New Roman" panose="02020603050405020304" pitchFamily="18" charset="0"/>
+                <a:cs typeface="Times New Roman" panose="02020603050405020304" pitchFamily="18" charset="0"/>
+              </a:rPr>
+              <a:t>Attribute directives: An Attribute directive changes the appearance or behavior of a DOM element.</a:t>
+            </a:r>
+          </a:p>
+          <a:p>
+            <a:pPr marL="457200" indent="-457200">
+              <a:buFont typeface="+mj-lt"/>
+              <a:buAutoNum type="arabicPeriod"/>
+            </a:pPr>
+            <a:r>
+              <a:rPr lang="en-US" dirty="0">
+                <a:latin typeface="Times New Roman" panose="02020603050405020304" pitchFamily="18" charset="0"/>
+                <a:cs typeface="Times New Roman" panose="02020603050405020304" pitchFamily="18" charset="0"/>
+              </a:rPr>
+              <a:t>Custom Directive</a:t>
+            </a:r>
+          </a:p>
+          <a:p>
+            <a:endParaRPr lang="en-US" dirty="0">
+              <a:latin typeface="Times New Roman" panose="02020603050405020304" pitchFamily="18" charset="0"/>
+              <a:cs typeface="Times New Roman" panose="02020603050405020304" pitchFamily="18" charset="0"/>
+            </a:endParaRPr>
+          </a:p>
+        </p:txBody>
+      </p:sp>
+    </p:spTree>
+    <p:extLst>
+      <p:ext uri="{BB962C8B-B14F-4D97-AF65-F5344CB8AC3E}">
+        <p14:creationId xmlns:p14="http://schemas.microsoft.com/office/powerpoint/2010/main" val="2278850238"/>
+      </p:ext>
+    </p:extLst>
+  </p:cSld>
+  <p:clrMapOvr>
+    <a:masterClrMapping/>
+  </p:clrMapOvr>
+</p:sld>
+</file>
+
+<file path=ppt/slides/slide39.xml><?xml version="1.0" encoding="utf-8"?>
+<p:sld xmlns:a="http://schemas.openxmlformats.org/drawingml/2006/main" xmlns:r="http://schemas.openxmlformats.org/officeDocument/2006/relationships" xmlns:p="http://schemas.openxmlformats.org/presentationml/2006/main">
+  <p:cSld>
+    <p:spTree>
+      <p:nvGrpSpPr>
+        <p:cNvPr id="1" name=""/>
+        <p:cNvGrpSpPr/>
+        <p:nvPr/>
+      </p:nvGrpSpPr>
+      <p:grpSpPr>
+        <a:xfrm>
+          <a:off x="0" y="0"/>
+          <a:ext cx="0" cy="0"/>
+          <a:chOff x="0" y="0"/>
+          <a:chExt cx="0" cy="0"/>
+        </a:xfrm>
+      </p:grpSpPr>
+      <p:sp>
+        <p:nvSpPr>
+          <p:cNvPr id="2" name="Title 1"/>
+          <p:cNvSpPr>
+            <a:spLocks noGrp="1"/>
+          </p:cNvSpPr>
+          <p:nvPr>
+            <p:ph type="title"/>
+          </p:nvPr>
+        </p:nvSpPr>
+        <p:spPr/>
+        <p:txBody>
+          <a:bodyPr>
+            <a:normAutofit/>
+          </a:bodyPr>
+          <a:lstStyle/>
+          <a:p>
+            <a:r>
+              <a:rPr lang="en-US" dirty="0">
+                <a:latin typeface="Times New Roman" panose="02020603050405020304" pitchFamily="18" charset="0"/>
+                <a:cs typeface="Times New Roman" panose="02020603050405020304" pitchFamily="18" charset="0"/>
+              </a:rPr>
+              <a:t>Directives overview</a:t>
+            </a:r>
+          </a:p>
+        </p:txBody>
+      </p:sp>
+      <p:sp>
+        <p:nvSpPr>
+          <p:cNvPr id="3" name="Content Placeholder 2"/>
+          <p:cNvSpPr>
+            <a:spLocks noGrp="1"/>
+          </p:cNvSpPr>
+          <p:nvPr>
+            <p:ph idx="1"/>
+          </p:nvPr>
+        </p:nvSpPr>
+        <p:spPr/>
+        <p:txBody>
+          <a:bodyPr>
+            <a:normAutofit/>
+          </a:bodyPr>
+          <a:lstStyle/>
+          <a:p>
+            <a:r>
+              <a:rPr lang="en-US" sz="2400" dirty="0">
+                <a:latin typeface="Times New Roman" panose="02020603050405020304" pitchFamily="18" charset="0"/>
+                <a:ea typeface="Tahoma" panose="020B0604030504040204" pitchFamily="34" charset="0"/>
+                <a:cs typeface="Times New Roman" panose="02020603050405020304" pitchFamily="18" charset="0"/>
+              </a:rPr>
+              <a:t>Structural Directives change the structure of the view. Structural directives are responsible for HTML layout. They shape or reshape the DOM's structure, typically by adding, removing, or manipulating elements</a:t>
+            </a:r>
+            <a:r>
+              <a:rPr lang="en-US" sz="2400" dirty="0" smtClean="0">
+                <a:latin typeface="Times New Roman" panose="02020603050405020304" pitchFamily="18" charset="0"/>
+                <a:ea typeface="Tahoma" panose="020B0604030504040204" pitchFamily="34" charset="0"/>
+                <a:cs typeface="Times New Roman" panose="02020603050405020304" pitchFamily="18" charset="0"/>
+              </a:rPr>
+              <a:t>.</a:t>
+            </a:r>
+            <a:r>
+              <a:rPr lang="en-US" sz="2400" dirty="0">
+                <a:latin typeface="Times New Roman" panose="02020603050405020304" pitchFamily="18" charset="0"/>
+                <a:ea typeface="Tahoma" panose="020B0604030504040204" pitchFamily="34" charset="0"/>
+                <a:cs typeface="Times New Roman" panose="02020603050405020304" pitchFamily="18" charset="0"/>
+              </a:rPr>
+              <a:t> </a:t>
+            </a:r>
+            <a:endParaRPr lang="en-US" sz="2400" dirty="0" smtClean="0">
+              <a:latin typeface="Times New Roman" panose="02020603050405020304" pitchFamily="18" charset="0"/>
+              <a:ea typeface="Tahoma" panose="020B0604030504040204" pitchFamily="34" charset="0"/>
+              <a:cs typeface="Times New Roman" panose="02020603050405020304" pitchFamily="18" charset="0"/>
+            </a:endParaRPr>
+          </a:p>
+          <a:p>
+            <a:r>
+              <a:rPr lang="en-US" sz="2400" dirty="0">
+                <a:latin typeface="Times New Roman" panose="02020603050405020304" pitchFamily="18" charset="0"/>
+                <a:ea typeface="Tahoma" panose="020B0604030504040204" pitchFamily="34" charset="0"/>
+                <a:cs typeface="Times New Roman" panose="02020603050405020304" pitchFamily="18" charset="0"/>
+              </a:rPr>
+              <a:t>Structural directives are easy to recognize. An asterisk (*) precedes the directive attribute name as in this example. Three of the common, built-in structural </a:t>
+            </a:r>
+            <a:r>
+              <a:rPr lang="en-US" sz="2400" dirty="0" smtClean="0">
+                <a:latin typeface="Times New Roman" panose="02020603050405020304" pitchFamily="18" charset="0"/>
+                <a:ea typeface="Tahoma" panose="020B0604030504040204" pitchFamily="34" charset="0"/>
+                <a:cs typeface="Times New Roman" panose="02020603050405020304" pitchFamily="18" charset="0"/>
+              </a:rPr>
+              <a:t>directives—</a:t>
+            </a:r>
+            <a:r>
+              <a:rPr lang="en-US" sz="2400" dirty="0" err="1" smtClean="0">
+                <a:solidFill>
+                  <a:srgbClr val="FF0000"/>
+                </a:solidFill>
+                <a:latin typeface="Times New Roman" panose="02020603050405020304" pitchFamily="18" charset="0"/>
+                <a:ea typeface="Tahoma" panose="020B0604030504040204" pitchFamily="34" charset="0"/>
+                <a:cs typeface="Times New Roman" panose="02020603050405020304" pitchFamily="18" charset="0"/>
+              </a:rPr>
+              <a:t>ngIf</a:t>
+            </a:r>
+            <a:r>
+              <a:rPr lang="en-US" sz="2400" dirty="0">
+                <a:latin typeface="Times New Roman" panose="02020603050405020304" pitchFamily="18" charset="0"/>
+                <a:ea typeface="Tahoma" panose="020B0604030504040204" pitchFamily="34" charset="0"/>
+                <a:cs typeface="Times New Roman" panose="02020603050405020304" pitchFamily="18" charset="0"/>
+              </a:rPr>
+              <a:t>, </a:t>
+            </a:r>
+            <a:r>
+              <a:rPr lang="en-US" sz="2400" dirty="0" err="1" smtClean="0">
+                <a:solidFill>
+                  <a:srgbClr val="FF0000"/>
+                </a:solidFill>
+                <a:latin typeface="Times New Roman" panose="02020603050405020304" pitchFamily="18" charset="0"/>
+                <a:ea typeface="Tahoma" panose="020B0604030504040204" pitchFamily="34" charset="0"/>
+                <a:cs typeface="Times New Roman" panose="02020603050405020304" pitchFamily="18" charset="0"/>
+              </a:rPr>
+              <a:t>ngFor</a:t>
+            </a:r>
+            <a:r>
+              <a:rPr lang="en-US" sz="2400" dirty="0">
+                <a:latin typeface="Times New Roman" panose="02020603050405020304" pitchFamily="18" charset="0"/>
+                <a:ea typeface="Tahoma" panose="020B0604030504040204" pitchFamily="34" charset="0"/>
+                <a:cs typeface="Times New Roman" panose="02020603050405020304" pitchFamily="18" charset="0"/>
+              </a:rPr>
+              <a:t>, and </a:t>
+            </a:r>
+            <a:r>
+              <a:rPr lang="en-US" sz="2400" dirty="0" err="1" smtClean="0">
+                <a:solidFill>
+                  <a:srgbClr val="FF0000"/>
+                </a:solidFill>
+                <a:latin typeface="Times New Roman" panose="02020603050405020304" pitchFamily="18" charset="0"/>
+                <a:ea typeface="Tahoma" panose="020B0604030504040204" pitchFamily="34" charset="0"/>
+                <a:cs typeface="Times New Roman" panose="02020603050405020304" pitchFamily="18" charset="0"/>
+              </a:rPr>
+              <a:t>ngSwitch</a:t>
+            </a:r>
+            <a:r>
+              <a:rPr lang="en-US" sz="2400" dirty="0">
+                <a:latin typeface="Times New Roman" panose="02020603050405020304" pitchFamily="18" charset="0"/>
+                <a:ea typeface="Tahoma" panose="020B0604030504040204" pitchFamily="34" charset="0"/>
+                <a:cs typeface="Times New Roman" panose="02020603050405020304" pitchFamily="18" charset="0"/>
+              </a:rPr>
+              <a:t>...</a:t>
+            </a:r>
+          </a:p>
+          <a:p>
+            <a:endParaRPr lang="en-US" sz="2400" dirty="0">
+              <a:latin typeface="Times New Roman" panose="02020603050405020304" pitchFamily="18" charset="0"/>
+              <a:ea typeface="Tahoma" panose="020B0604030504040204" pitchFamily="34" charset="0"/>
+              <a:cs typeface="Times New Roman" panose="02020603050405020304" pitchFamily="18" charset="0"/>
+            </a:endParaRPr>
+          </a:p>
+          <a:p>
+            <a:r>
+              <a:rPr lang="en-US" sz="2400" dirty="0" smtClean="0">
+                <a:latin typeface="Times New Roman" panose="02020603050405020304" pitchFamily="18" charset="0"/>
+                <a:ea typeface="Tahoma" panose="020B0604030504040204" pitchFamily="34" charset="0"/>
+                <a:cs typeface="Times New Roman" panose="02020603050405020304" pitchFamily="18" charset="0"/>
+              </a:rPr>
+              <a:t>Attribute </a:t>
+            </a:r>
+            <a:r>
+              <a:rPr lang="en-US" sz="2400" dirty="0">
+                <a:latin typeface="Times New Roman" panose="02020603050405020304" pitchFamily="18" charset="0"/>
+                <a:ea typeface="Tahoma" panose="020B0604030504040204" pitchFamily="34" charset="0"/>
+                <a:cs typeface="Times New Roman" panose="02020603050405020304" pitchFamily="18" charset="0"/>
+              </a:rPr>
+              <a:t>directives are used as attributes of elements. </a:t>
+            </a:r>
+            <a:r>
+              <a:rPr lang="en-US" sz="2400" dirty="0" err="1" smtClean="0">
+                <a:solidFill>
+                  <a:srgbClr val="FF0000"/>
+                </a:solidFill>
+                <a:latin typeface="Times New Roman" panose="02020603050405020304" pitchFamily="18" charset="0"/>
+                <a:ea typeface="Tahoma" panose="020B0604030504040204" pitchFamily="34" charset="0"/>
+                <a:cs typeface="Times New Roman" panose="02020603050405020304" pitchFamily="18" charset="0"/>
+              </a:rPr>
+              <a:t>ngClass</a:t>
+            </a:r>
+            <a:r>
+              <a:rPr lang="en-US" sz="2400" dirty="0" smtClean="0">
+                <a:solidFill>
+                  <a:srgbClr val="FF0000"/>
+                </a:solidFill>
+                <a:latin typeface="Times New Roman" panose="02020603050405020304" pitchFamily="18" charset="0"/>
+                <a:ea typeface="Tahoma" panose="020B0604030504040204" pitchFamily="34" charset="0"/>
+                <a:cs typeface="Times New Roman" panose="02020603050405020304" pitchFamily="18" charset="0"/>
+              </a:rPr>
+              <a:t> </a:t>
+            </a:r>
+            <a:r>
+              <a:rPr lang="en-US" sz="2400" dirty="0" smtClean="0">
+                <a:latin typeface="Times New Roman" panose="02020603050405020304" pitchFamily="18" charset="0"/>
+                <a:ea typeface="Tahoma" panose="020B0604030504040204" pitchFamily="34" charset="0"/>
+                <a:cs typeface="Times New Roman" panose="02020603050405020304" pitchFamily="18" charset="0"/>
+              </a:rPr>
+              <a:t>or </a:t>
+            </a:r>
+            <a:r>
+              <a:rPr lang="en-US" sz="2400" dirty="0" err="1" smtClean="0">
+                <a:solidFill>
+                  <a:srgbClr val="FF0000"/>
+                </a:solidFill>
+                <a:latin typeface="Times New Roman" panose="02020603050405020304" pitchFamily="18" charset="0"/>
+                <a:ea typeface="Tahoma" panose="020B0604030504040204" pitchFamily="34" charset="0"/>
+                <a:cs typeface="Times New Roman" panose="02020603050405020304" pitchFamily="18" charset="0"/>
+              </a:rPr>
+              <a:t>ngStyle</a:t>
+            </a:r>
+            <a:r>
+              <a:rPr lang="en-US" sz="2400" dirty="0" smtClean="0">
+                <a:solidFill>
+                  <a:srgbClr val="FF0000"/>
+                </a:solidFill>
+                <a:latin typeface="Times New Roman" panose="02020603050405020304" pitchFamily="18" charset="0"/>
+                <a:ea typeface="Tahoma" panose="020B0604030504040204" pitchFamily="34" charset="0"/>
+                <a:cs typeface="Times New Roman" panose="02020603050405020304" pitchFamily="18" charset="0"/>
+              </a:rPr>
+              <a:t> </a:t>
+            </a:r>
+            <a:r>
+              <a:rPr lang="en-US" sz="2400" dirty="0" smtClean="0">
+                <a:latin typeface="Times New Roman" panose="02020603050405020304" pitchFamily="18" charset="0"/>
+                <a:ea typeface="Tahoma" panose="020B0604030504040204" pitchFamily="34" charset="0"/>
+                <a:cs typeface="Times New Roman" panose="02020603050405020304" pitchFamily="18" charset="0"/>
+              </a:rPr>
+              <a:t>are </a:t>
+            </a:r>
+            <a:r>
+              <a:rPr lang="en-US" sz="2400" dirty="0">
+                <a:latin typeface="Times New Roman" panose="02020603050405020304" pitchFamily="18" charset="0"/>
+                <a:ea typeface="Tahoma" panose="020B0604030504040204" pitchFamily="34" charset="0"/>
+                <a:cs typeface="Times New Roman" panose="02020603050405020304" pitchFamily="18" charset="0"/>
+              </a:rPr>
+              <a:t>Attribute directives </a:t>
+            </a:r>
+          </a:p>
+        </p:txBody>
+      </p:sp>
+    </p:spTree>
+    <p:extLst>
+      <p:ext uri="{BB962C8B-B14F-4D97-AF65-F5344CB8AC3E}">
+        <p14:creationId xmlns:p14="http://schemas.microsoft.com/office/powerpoint/2010/main" val="3076702928"/>
+      </p:ext>
+    </p:extLst>
+  </p:cSld>
+  <p:clrMapOvr>
+    <a:masterClrMapping/>
+  </p:clrMapOvr>
+</p:sld>
+</file>
+
+<file path=ppt/slides/slide4.xml><?xml version="1.0" encoding="utf-8"?>
+<p:sld xmlns:a="http://schemas.openxmlformats.org/drawingml/2006/main" xmlns:r="http://schemas.openxmlformats.org/officeDocument/2006/relationships" xmlns:p="http://schemas.openxmlformats.org/presentationml/2006/main">
+  <p:cSld>
+    <p:spTree>
+      <p:nvGrpSpPr>
+        <p:cNvPr id="1" name=""/>
+        <p:cNvGrpSpPr/>
+        <p:nvPr/>
+      </p:nvGrpSpPr>
+      <p:grpSpPr>
+        <a:xfrm>
+          <a:off x="0" y="0"/>
+          <a:ext cx="0" cy="0"/>
+          <a:chOff x="0" y="0"/>
+          <a:chExt cx="0" cy="0"/>
+        </a:xfrm>
+      </p:grpSpPr>
+      <p:sp>
+        <p:nvSpPr>
+          <p:cNvPr id="2" name="Title 1"/>
+          <p:cNvSpPr>
+            <a:spLocks noGrp="1"/>
+          </p:cNvSpPr>
+          <p:nvPr>
+            <p:ph type="title"/>
+          </p:nvPr>
+        </p:nvSpPr>
+        <p:spPr/>
+        <p:txBody>
+          <a:bodyPr/>
+          <a:lstStyle/>
+          <a:p>
+            <a:r>
+              <a:rPr lang="nl-NL" dirty="0">
+                <a:latin typeface="Times New Roman" panose="02020603050405020304" pitchFamily="18" charset="0"/>
+                <a:cs typeface="Times New Roman" panose="02020603050405020304" pitchFamily="18" charset="0"/>
+              </a:rPr>
+              <a:t>Basic types in typescript</a:t>
+            </a:r>
+            <a:endParaRPr lang="en-US" dirty="0">
+              <a:latin typeface="Times New Roman" panose="02020603050405020304" pitchFamily="18" charset="0"/>
+              <a:cs typeface="Times New Roman" panose="02020603050405020304" pitchFamily="18" charset="0"/>
+            </a:endParaRPr>
+          </a:p>
+        </p:txBody>
+      </p:sp>
+      <p:sp>
+        <p:nvSpPr>
+          <p:cNvPr id="3" name="Content Placeholder 2"/>
+          <p:cNvSpPr>
+            <a:spLocks noGrp="1"/>
+          </p:cNvSpPr>
+          <p:nvPr>
+            <p:ph idx="1"/>
+          </p:nvPr>
+        </p:nvSpPr>
+        <p:spPr/>
+        <p:txBody>
+          <a:bodyPr>
+            <a:noAutofit/>
+          </a:bodyPr>
+          <a:lstStyle/>
+          <a:p>
+            <a:r>
+              <a:rPr lang="en-US" b="1" dirty="0">
+                <a:latin typeface="Times New Roman" panose="02020603050405020304" pitchFamily="18" charset="0"/>
+                <a:cs typeface="Times New Roman" panose="02020603050405020304" pitchFamily="18" charset="0"/>
+              </a:rPr>
+              <a:t>Boolean</a:t>
+            </a:r>
+            <a:r>
+              <a:rPr lang="en-US" dirty="0">
+                <a:latin typeface="Times New Roman" panose="02020603050405020304" pitchFamily="18" charset="0"/>
+                <a:cs typeface="Times New Roman" panose="02020603050405020304" pitchFamily="18" charset="0"/>
+              </a:rPr>
+              <a:t> let </a:t>
+            </a:r>
+            <a:r>
+              <a:rPr lang="en-US" dirty="0" err="1">
+                <a:latin typeface="Times New Roman" panose="02020603050405020304" pitchFamily="18" charset="0"/>
+                <a:cs typeface="Times New Roman" panose="02020603050405020304" pitchFamily="18" charset="0"/>
+              </a:rPr>
+              <a:t>isDone</a:t>
+            </a:r>
+            <a:r>
+              <a:rPr lang="en-US" dirty="0">
+                <a:latin typeface="Times New Roman" panose="02020603050405020304" pitchFamily="18" charset="0"/>
+                <a:cs typeface="Times New Roman" panose="02020603050405020304" pitchFamily="18" charset="0"/>
+              </a:rPr>
+              <a:t>: </a:t>
+            </a:r>
+            <a:r>
+              <a:rPr lang="en-US" dirty="0" err="1">
+                <a:latin typeface="Times New Roman" panose="02020603050405020304" pitchFamily="18" charset="0"/>
+                <a:cs typeface="Times New Roman" panose="02020603050405020304" pitchFamily="18" charset="0"/>
+              </a:rPr>
+              <a:t>boolean</a:t>
+            </a:r>
+            <a:r>
+              <a:rPr lang="en-US" dirty="0">
+                <a:latin typeface="Times New Roman" panose="02020603050405020304" pitchFamily="18" charset="0"/>
+                <a:cs typeface="Times New Roman" panose="02020603050405020304" pitchFamily="18" charset="0"/>
+              </a:rPr>
+              <a:t> = false;</a:t>
+            </a:r>
+          </a:p>
+          <a:p>
+            <a:r>
+              <a:rPr lang="en-US" b="1" dirty="0">
+                <a:latin typeface="Times New Roman" panose="02020603050405020304" pitchFamily="18" charset="0"/>
+                <a:cs typeface="Times New Roman" panose="02020603050405020304" pitchFamily="18" charset="0"/>
+              </a:rPr>
+              <a:t>Number</a:t>
+            </a:r>
+            <a:r>
+              <a:rPr lang="en-US" dirty="0">
+                <a:latin typeface="Times New Roman" panose="02020603050405020304" pitchFamily="18" charset="0"/>
+                <a:cs typeface="Times New Roman" panose="02020603050405020304" pitchFamily="18" charset="0"/>
+              </a:rPr>
+              <a:t> let decimal: number = 6;</a:t>
+            </a:r>
+          </a:p>
+          <a:p>
+            <a:r>
+              <a:rPr lang="en-US" b="1" dirty="0">
+                <a:latin typeface="Times New Roman" panose="02020603050405020304" pitchFamily="18" charset="0"/>
+                <a:cs typeface="Times New Roman" panose="02020603050405020304" pitchFamily="18" charset="0"/>
+              </a:rPr>
+              <a:t>String</a:t>
+            </a:r>
+            <a:r>
+              <a:rPr lang="en-US" dirty="0">
+                <a:latin typeface="Times New Roman" panose="02020603050405020304" pitchFamily="18" charset="0"/>
+                <a:cs typeface="Times New Roman" panose="02020603050405020304" pitchFamily="18" charset="0"/>
+              </a:rPr>
+              <a:t> let color: string = "blue";</a:t>
+            </a:r>
+          </a:p>
+          <a:p>
+            <a:r>
+              <a:rPr lang="en-US" b="1" dirty="0">
+                <a:latin typeface="Times New Roman" panose="02020603050405020304" pitchFamily="18" charset="0"/>
+                <a:cs typeface="Times New Roman" panose="02020603050405020304" pitchFamily="18" charset="0"/>
+              </a:rPr>
+              <a:t>Array</a:t>
+            </a:r>
+            <a:r>
+              <a:rPr lang="en-US" dirty="0">
+                <a:latin typeface="Times New Roman" panose="02020603050405020304" pitchFamily="18" charset="0"/>
+                <a:cs typeface="Times New Roman" panose="02020603050405020304" pitchFamily="18" charset="0"/>
+              </a:rPr>
+              <a:t> let list: number[] = [1, 2, 3];</a:t>
+            </a:r>
+          </a:p>
+          <a:p>
+            <a:r>
+              <a:rPr lang="en-US" b="1" dirty="0">
+                <a:latin typeface="Times New Roman" panose="02020603050405020304" pitchFamily="18" charset="0"/>
+                <a:cs typeface="Times New Roman" panose="02020603050405020304" pitchFamily="18" charset="0"/>
+              </a:rPr>
+              <a:t>Tuple</a:t>
+            </a:r>
+            <a:r>
+              <a:rPr lang="en-US" dirty="0">
+                <a:latin typeface="Times New Roman" panose="02020603050405020304" pitchFamily="18" charset="0"/>
+                <a:cs typeface="Times New Roman" panose="02020603050405020304" pitchFamily="18" charset="0"/>
+              </a:rPr>
+              <a:t> let x: [string, number]; x = ["hello", 10]; </a:t>
+            </a:r>
+          </a:p>
+          <a:p>
+            <a:r>
+              <a:rPr lang="en-US" b="1" dirty="0" err="1">
+                <a:latin typeface="Times New Roman" panose="02020603050405020304" pitchFamily="18" charset="0"/>
+                <a:cs typeface="Times New Roman" panose="02020603050405020304" pitchFamily="18" charset="0"/>
+              </a:rPr>
+              <a:t>Enum</a:t>
+            </a:r>
+            <a:r>
+              <a:rPr lang="en-US" dirty="0">
+                <a:latin typeface="Times New Roman" panose="02020603050405020304" pitchFamily="18" charset="0"/>
+                <a:cs typeface="Times New Roman" panose="02020603050405020304" pitchFamily="18" charset="0"/>
+              </a:rPr>
+              <a:t> </a:t>
+            </a:r>
+            <a:r>
+              <a:rPr lang="en-US" dirty="0" err="1">
+                <a:latin typeface="Times New Roman" panose="02020603050405020304" pitchFamily="18" charset="0"/>
+                <a:cs typeface="Times New Roman" panose="02020603050405020304" pitchFamily="18" charset="0"/>
+              </a:rPr>
+              <a:t>enum</a:t>
+            </a:r>
+            <a:r>
+              <a:rPr lang="en-US" dirty="0">
+                <a:latin typeface="Times New Roman" panose="02020603050405020304" pitchFamily="18" charset="0"/>
+                <a:cs typeface="Times New Roman" panose="02020603050405020304" pitchFamily="18" charset="0"/>
+              </a:rPr>
+              <a:t> Color {Red = 1, Green, Blue}</a:t>
+            </a:r>
+          </a:p>
+          <a:p>
+            <a:r>
+              <a:rPr lang="en-US" b="1" dirty="0">
+                <a:latin typeface="Times New Roman" panose="02020603050405020304" pitchFamily="18" charset="0"/>
+                <a:cs typeface="Times New Roman" panose="02020603050405020304" pitchFamily="18" charset="0"/>
+              </a:rPr>
+              <a:t>Any</a:t>
+            </a:r>
+            <a:r>
+              <a:rPr lang="en-US" dirty="0">
+                <a:latin typeface="Times New Roman" panose="02020603050405020304" pitchFamily="18" charset="0"/>
+                <a:cs typeface="Times New Roman" panose="02020603050405020304" pitchFamily="18" charset="0"/>
+              </a:rPr>
+              <a:t> let </a:t>
+            </a:r>
+            <a:r>
+              <a:rPr lang="en-US" dirty="0" err="1">
+                <a:latin typeface="Times New Roman" panose="02020603050405020304" pitchFamily="18" charset="0"/>
+                <a:cs typeface="Times New Roman" panose="02020603050405020304" pitchFamily="18" charset="0"/>
+              </a:rPr>
+              <a:t>notSure</a:t>
+            </a:r>
+            <a:r>
+              <a:rPr lang="en-US" dirty="0">
+                <a:latin typeface="Times New Roman" panose="02020603050405020304" pitchFamily="18" charset="0"/>
+                <a:cs typeface="Times New Roman" panose="02020603050405020304" pitchFamily="18" charset="0"/>
+              </a:rPr>
+              <a:t>: any = 4;</a:t>
+            </a:r>
+          </a:p>
+          <a:p>
+            <a:r>
+              <a:rPr lang="en-US" b="1" dirty="0">
+                <a:latin typeface="Times New Roman" panose="02020603050405020304" pitchFamily="18" charset="0"/>
+                <a:cs typeface="Times New Roman" panose="02020603050405020304" pitchFamily="18" charset="0"/>
+              </a:rPr>
+              <a:t>Void</a:t>
+            </a:r>
+            <a:r>
+              <a:rPr lang="en-US" dirty="0">
+                <a:latin typeface="Times New Roman" panose="02020603050405020304" pitchFamily="18" charset="0"/>
+                <a:cs typeface="Times New Roman" panose="02020603050405020304" pitchFamily="18" charset="0"/>
+              </a:rPr>
+              <a:t> function </a:t>
+            </a:r>
+            <a:r>
+              <a:rPr lang="en-US" dirty="0" err="1">
+                <a:latin typeface="Times New Roman" panose="02020603050405020304" pitchFamily="18" charset="0"/>
+                <a:cs typeface="Times New Roman" panose="02020603050405020304" pitchFamily="18" charset="0"/>
+              </a:rPr>
+              <a:t>warnUser</a:t>
+            </a:r>
+            <a:r>
+              <a:rPr lang="en-US" dirty="0">
+                <a:latin typeface="Times New Roman" panose="02020603050405020304" pitchFamily="18" charset="0"/>
+                <a:cs typeface="Times New Roman" panose="02020603050405020304" pitchFamily="18" charset="0"/>
+              </a:rPr>
+              <a:t>(): void </a:t>
+            </a:r>
+          </a:p>
+          <a:p>
+            <a:r>
+              <a:rPr lang="en-US" b="1" dirty="0">
+                <a:latin typeface="Times New Roman" panose="02020603050405020304" pitchFamily="18" charset="0"/>
+                <a:cs typeface="Times New Roman" panose="02020603050405020304" pitchFamily="18" charset="0"/>
+              </a:rPr>
+              <a:t>Null and Undefined</a:t>
+            </a:r>
+          </a:p>
+          <a:p>
+            <a:r>
+              <a:rPr lang="en-US" b="1" dirty="0">
+                <a:latin typeface="Times New Roman" panose="02020603050405020304" pitchFamily="18" charset="0"/>
+                <a:cs typeface="Times New Roman" panose="02020603050405020304" pitchFamily="18" charset="0"/>
+              </a:rPr>
+              <a:t>Object</a:t>
+            </a:r>
+          </a:p>
+          <a:p>
+            <a:r>
+              <a:rPr lang="nl-NL" b="1" dirty="0">
+                <a:latin typeface="Times New Roman" panose="02020603050405020304" pitchFamily="18" charset="0"/>
+                <a:cs typeface="Times New Roman" panose="02020603050405020304" pitchFamily="18" charset="0"/>
+              </a:rPr>
+              <a:t>Type </a:t>
+            </a:r>
+            <a:r>
+              <a:rPr lang="nl-NL" b="1" dirty="0" err="1">
+                <a:latin typeface="Times New Roman" panose="02020603050405020304" pitchFamily="18" charset="0"/>
+                <a:cs typeface="Times New Roman" panose="02020603050405020304" pitchFamily="18" charset="0"/>
+              </a:rPr>
+              <a:t>assertion</a:t>
+            </a:r>
+            <a:r>
+              <a:rPr lang="nl-NL" b="1" dirty="0">
+                <a:latin typeface="Times New Roman" panose="02020603050405020304" pitchFamily="18" charset="0"/>
+                <a:cs typeface="Times New Roman" panose="02020603050405020304" pitchFamily="18" charset="0"/>
+              </a:rPr>
+              <a:t> </a:t>
+            </a:r>
+            <a:r>
+              <a:rPr lang="en-US" dirty="0">
+                <a:latin typeface="Times New Roman" panose="02020603050405020304" pitchFamily="18" charset="0"/>
+                <a:cs typeface="Times New Roman" panose="02020603050405020304" pitchFamily="18" charset="0"/>
+              </a:rPr>
+              <a:t>let </a:t>
+            </a:r>
+            <a:r>
+              <a:rPr lang="en-US" dirty="0" err="1">
+                <a:latin typeface="Times New Roman" panose="02020603050405020304" pitchFamily="18" charset="0"/>
+                <a:cs typeface="Times New Roman" panose="02020603050405020304" pitchFamily="18" charset="0"/>
+              </a:rPr>
+              <a:t>strLength</a:t>
+            </a:r>
+            <a:r>
+              <a:rPr lang="en-US" dirty="0">
+                <a:latin typeface="Times New Roman" panose="02020603050405020304" pitchFamily="18" charset="0"/>
+                <a:cs typeface="Times New Roman" panose="02020603050405020304" pitchFamily="18" charset="0"/>
+              </a:rPr>
+              <a:t>: number = (</a:t>
+            </a:r>
+            <a:r>
+              <a:rPr lang="en-US" dirty="0" err="1">
+                <a:latin typeface="Times New Roman" panose="02020603050405020304" pitchFamily="18" charset="0"/>
+                <a:cs typeface="Times New Roman" panose="02020603050405020304" pitchFamily="18" charset="0"/>
+              </a:rPr>
+              <a:t>someValue</a:t>
+            </a:r>
+            <a:r>
+              <a:rPr lang="en-US" dirty="0">
+                <a:latin typeface="Times New Roman" panose="02020603050405020304" pitchFamily="18" charset="0"/>
+                <a:cs typeface="Times New Roman" panose="02020603050405020304" pitchFamily="18" charset="0"/>
+              </a:rPr>
+              <a:t> as string).length;</a:t>
+            </a:r>
+          </a:p>
+          <a:p>
+            <a:endParaRPr lang="en-US" dirty="0"/>
+          </a:p>
+          <a:p>
+            <a:endParaRPr lang="en-US" dirty="0"/>
+          </a:p>
+          <a:p>
+            <a:endParaRPr lang="en-US" dirty="0"/>
+          </a:p>
+          <a:p>
+            <a:endParaRPr lang="en-US" dirty="0"/>
+          </a:p>
+          <a:p>
+            <a:endParaRPr lang="en-US" dirty="0"/>
+          </a:p>
+          <a:p>
+            <a:endParaRPr lang="en-US" dirty="0"/>
+          </a:p>
+          <a:p>
+            <a:endParaRPr lang="en-US" dirty="0"/>
+          </a:p>
+        </p:txBody>
+      </p:sp>
+    </p:spTree>
+    <p:extLst>
+      <p:ext uri="{BB962C8B-B14F-4D97-AF65-F5344CB8AC3E}">
+        <p14:creationId xmlns:p14="http://schemas.microsoft.com/office/powerpoint/2010/main" val="728131117"/>
+      </p:ext>
+    </p:extLst>
+  </p:cSld>
+  <p:clrMapOvr>
+    <a:masterClrMapping/>
+  </p:clrMapOvr>
+</p:sld>
+</file>
+
+<file path=ppt/slides/slide40.xml><?xml version="1.0" encoding="utf-8"?>
+<p:sld xmlns:a="http://schemas.openxmlformats.org/drawingml/2006/main" xmlns:r="http://schemas.openxmlformats.org/officeDocument/2006/relationships" xmlns:p="http://schemas.openxmlformats.org/presentationml/2006/main">
+  <p:cSld>
+    <p:spTree>
+      <p:nvGrpSpPr>
+        <p:cNvPr id="1" name=""/>
+        <p:cNvGrpSpPr/>
+        <p:nvPr/>
+      </p:nvGrpSpPr>
+      <p:grpSpPr>
+        <a:xfrm>
+          <a:off x="0" y="0"/>
+          <a:ext cx="0" cy="0"/>
+          <a:chOff x="0" y="0"/>
+          <a:chExt cx="0" cy="0"/>
+        </a:xfrm>
+      </p:grpSpPr>
+      <p:sp>
+        <p:nvSpPr>
+          <p:cNvPr id="2" name="Title 1"/>
+          <p:cNvSpPr>
+            <a:spLocks noGrp="1"/>
+          </p:cNvSpPr>
+          <p:nvPr>
+            <p:ph type="title"/>
+          </p:nvPr>
+        </p:nvSpPr>
+        <p:spPr/>
+        <p:txBody>
+          <a:bodyPr/>
+          <a:lstStyle/>
+          <a:p>
+            <a:r>
+              <a:rPr lang="en-US" dirty="0">
+                <a:latin typeface="Times New Roman" panose="02020603050405020304" pitchFamily="18" charset="0"/>
+                <a:cs typeface="Times New Roman" panose="02020603050405020304" pitchFamily="18" charset="0"/>
+              </a:rPr>
+              <a:t>Structural directives example</a:t>
+            </a:r>
+          </a:p>
+        </p:txBody>
+      </p:sp>
+      <p:pic>
+        <p:nvPicPr>
+          <p:cNvPr id="4" name="Content Placeholder 3"/>
+          <p:cNvPicPr>
+            <a:picLocks noGrp="1" noChangeAspect="1"/>
+          </p:cNvPicPr>
+          <p:nvPr>
+            <p:ph idx="1"/>
+          </p:nvPr>
+        </p:nvPicPr>
+        <p:blipFill>
+          <a:blip r:embed="rId2">
+            <a:extLst>
+              <a:ext uri="{28A0092B-C50C-407E-A947-70E740481C1C}">
+                <a14:useLocalDpi xmlns:a14="http://schemas.microsoft.com/office/drawing/2010/main" val="0"/>
+              </a:ext>
+            </a:extLst>
+          </a:blip>
+          <a:stretch>
+            <a:fillRect/>
+          </a:stretch>
+        </p:blipFill>
+        <p:spPr>
+          <a:xfrm>
+            <a:off x="1069848" y="2207228"/>
+            <a:ext cx="10058400" cy="3852377"/>
+          </a:xfrm>
+        </p:spPr>
+      </p:pic>
+    </p:spTree>
+    <p:extLst>
+      <p:ext uri="{BB962C8B-B14F-4D97-AF65-F5344CB8AC3E}">
+        <p14:creationId xmlns:p14="http://schemas.microsoft.com/office/powerpoint/2010/main" val="2965354876"/>
+      </p:ext>
+    </p:extLst>
+  </p:cSld>
+  <p:clrMapOvr>
+    <a:masterClrMapping/>
+  </p:clrMapOvr>
+</p:sld>
+</file>
+
 <file path=ppt/slides/slide41.xml><?xml version="1.0" encoding="utf-8"?>
+<p:sld xmlns:a="http://schemas.openxmlformats.org/drawingml/2006/main" xmlns:r="http://schemas.openxmlformats.org/officeDocument/2006/relationships" xmlns:p="http://schemas.openxmlformats.org/presentationml/2006/main">
+  <p:cSld>
+    <p:spTree>
+      <p:nvGrpSpPr>
+        <p:cNvPr id="1" name=""/>
+        <p:cNvGrpSpPr/>
+        <p:nvPr/>
+      </p:nvGrpSpPr>
+      <p:grpSpPr>
+        <a:xfrm>
+          <a:off x="0" y="0"/>
+          <a:ext cx="0" cy="0"/>
+          <a:chOff x="0" y="0"/>
+          <a:chExt cx="0" cy="0"/>
+        </a:xfrm>
+      </p:grpSpPr>
+      <p:sp>
+        <p:nvSpPr>
+          <p:cNvPr id="2" name="Title 1"/>
+          <p:cNvSpPr>
+            <a:spLocks noGrp="1"/>
+          </p:cNvSpPr>
+          <p:nvPr>
+            <p:ph type="title"/>
+          </p:nvPr>
+        </p:nvSpPr>
+        <p:spPr/>
+        <p:txBody>
+          <a:bodyPr/>
+          <a:lstStyle/>
+          <a:p>
+            <a:r>
+              <a:rPr lang="en-US" dirty="0">
+                <a:latin typeface="Times New Roman" panose="02020603050405020304" pitchFamily="18" charset="0"/>
+                <a:cs typeface="Times New Roman" panose="02020603050405020304" pitchFamily="18" charset="0"/>
+              </a:rPr>
+              <a:t>Attribute directives</a:t>
+            </a:r>
+            <a:endParaRPr lang="en-US" dirty="0"/>
+          </a:p>
+        </p:txBody>
+      </p:sp>
+      <p:pic>
+        <p:nvPicPr>
+          <p:cNvPr id="4" name="Content Placeholder 3"/>
+          <p:cNvPicPr>
+            <a:picLocks noGrp="1" noChangeAspect="1"/>
+          </p:cNvPicPr>
+          <p:nvPr>
+            <p:ph idx="1"/>
+          </p:nvPr>
+        </p:nvPicPr>
+        <p:blipFill>
+          <a:blip r:embed="rId2">
+            <a:extLst>
+              <a:ext uri="{28A0092B-C50C-407E-A947-70E740481C1C}">
+                <a14:useLocalDpi xmlns:a14="http://schemas.microsoft.com/office/drawing/2010/main" val="0"/>
+              </a:ext>
+            </a:extLst>
+          </a:blip>
+          <a:stretch>
+            <a:fillRect/>
+          </a:stretch>
+        </p:blipFill>
+        <p:spPr>
+          <a:xfrm>
+            <a:off x="1069847" y="2347655"/>
+            <a:ext cx="9083443" cy="4027877"/>
+          </a:xfrm>
+        </p:spPr>
+      </p:pic>
+    </p:spTree>
+    <p:extLst>
+      <p:ext uri="{BB962C8B-B14F-4D97-AF65-F5344CB8AC3E}">
+        <p14:creationId xmlns:p14="http://schemas.microsoft.com/office/powerpoint/2010/main" val="3312278295"/>
+      </p:ext>
+    </p:extLst>
+  </p:cSld>
+  <p:clrMapOvr>
+    <a:masterClrMapping/>
+  </p:clrMapOvr>
+</p:sld>
+</file>
+
+<file path=ppt/slides/slide42.xml><?xml version="1.0" encoding="utf-8"?>
+<p:sld xmlns:a="http://schemas.openxmlformats.org/drawingml/2006/main" xmlns:r="http://schemas.openxmlformats.org/officeDocument/2006/relationships" xmlns:p="http://schemas.openxmlformats.org/presentationml/2006/main">
+  <p:cSld>
+    <p:spTree>
+      <p:nvGrpSpPr>
+        <p:cNvPr id="1" name=""/>
+        <p:cNvGrpSpPr/>
+        <p:nvPr/>
+      </p:nvGrpSpPr>
+      <p:grpSpPr>
+        <a:xfrm>
+          <a:off x="0" y="0"/>
+          <a:ext cx="0" cy="0"/>
+          <a:chOff x="0" y="0"/>
+          <a:chExt cx="0" cy="0"/>
+        </a:xfrm>
+      </p:grpSpPr>
+      <p:sp>
+        <p:nvSpPr>
+          <p:cNvPr id="2" name="Title 1"/>
+          <p:cNvSpPr>
+            <a:spLocks noGrp="1"/>
+          </p:cNvSpPr>
+          <p:nvPr>
+            <p:ph type="title"/>
+          </p:nvPr>
+        </p:nvSpPr>
+        <p:spPr/>
+        <p:txBody>
+          <a:bodyPr/>
+          <a:lstStyle/>
+          <a:p>
+            <a:r>
+              <a:rPr lang="nl-NL" dirty="0" smtClean="0"/>
+              <a:t>PIPE</a:t>
+            </a:r>
+            <a:endParaRPr lang="en-US" dirty="0"/>
+          </a:p>
+        </p:txBody>
+      </p:sp>
+      <p:sp>
+        <p:nvSpPr>
+          <p:cNvPr id="3" name="Content Placeholder 2"/>
+          <p:cNvSpPr>
+            <a:spLocks noGrp="1"/>
+          </p:cNvSpPr>
+          <p:nvPr>
+            <p:ph idx="1"/>
+          </p:nvPr>
+        </p:nvSpPr>
+        <p:spPr/>
+        <p:txBody>
+          <a:bodyPr/>
+          <a:lstStyle/>
+          <a:p>
+            <a:r>
+              <a:rPr lang="en-US" dirty="0">
+                <a:latin typeface="Times New Roman" panose="02020603050405020304" pitchFamily="18" charset="0"/>
+                <a:cs typeface="Times New Roman" panose="02020603050405020304" pitchFamily="18" charset="0"/>
+              </a:rPr>
+              <a:t>Every application starts out with what seems like a simple task: get data, transform them, and show them to </a:t>
+            </a:r>
+            <a:r>
+              <a:rPr lang="en-US" dirty="0" smtClean="0">
+                <a:latin typeface="Times New Roman" panose="02020603050405020304" pitchFamily="18" charset="0"/>
+                <a:cs typeface="Times New Roman" panose="02020603050405020304" pitchFamily="18" charset="0"/>
+              </a:rPr>
+              <a:t>users. Pipe simply transform your data into any form you want like date, currency, time</a:t>
+            </a:r>
+            <a:endParaRPr lang="en-US" dirty="0">
+              <a:latin typeface="Times New Roman" panose="02020603050405020304" pitchFamily="18" charset="0"/>
+              <a:cs typeface="Times New Roman" panose="02020603050405020304" pitchFamily="18" charset="0"/>
+            </a:endParaRPr>
+          </a:p>
+        </p:txBody>
+      </p:sp>
+    </p:spTree>
+    <p:extLst>
+      <p:ext uri="{BB962C8B-B14F-4D97-AF65-F5344CB8AC3E}">
+        <p14:creationId xmlns:p14="http://schemas.microsoft.com/office/powerpoint/2010/main" val="143901562"/>
+      </p:ext>
+    </p:extLst>
+  </p:cSld>
+  <p:clrMapOvr>
+    <a:masterClrMapping/>
+  </p:clrMapOvr>
+</p:sld>
+</file>
+
+<file path=ppt/slides/slide43.xml><?xml version="1.0" encoding="utf-8"?>
 <p:sld xmlns:a="http://schemas.openxmlformats.org/drawingml/2006/main" xmlns:r="http://schemas.openxmlformats.org/officeDocument/2006/relationships" xmlns:p="http://schemas.openxmlformats.org/presentationml/2006/main">
   <p:cSld>
     <p:spTree>
@@ -12176,7 +12541,7 @@
 </p:sld>
 </file>
 
-<file path=ppt/slides/slide42.xml><?xml version="1.0" encoding="utf-8"?>
+<file path=ppt/slides/slide44.xml><?xml version="1.0" encoding="utf-8"?>
 <p:sld xmlns:a="http://schemas.openxmlformats.org/drawingml/2006/main" xmlns:r="http://schemas.openxmlformats.org/officeDocument/2006/relationships" xmlns:p="http://schemas.openxmlformats.org/presentationml/2006/main">
   <p:cSld>
     <p:spTree>
@@ -12370,7 +12735,7 @@
 </p:sld>
 </file>
 
-<file path=ppt/slides/slide43.xml><?xml version="1.0" encoding="utf-8"?>
+<file path=ppt/slides/slide45.xml><?xml version="1.0" encoding="utf-8"?>
 <p:sld xmlns:a="http://schemas.openxmlformats.org/drawingml/2006/main" xmlns:r="http://schemas.openxmlformats.org/officeDocument/2006/relationships" xmlns:p="http://schemas.openxmlformats.org/presentationml/2006/main">
   <p:cSld>
     <p:spTree>
@@ -12472,7 +12837,7 @@
 </p:sld>
 </file>
 
-<file path=ppt/slides/slide44.xml><?xml version="1.0" encoding="utf-8"?>
+<file path=ppt/slides/slide46.xml><?xml version="1.0" encoding="utf-8"?>
 <p:sld xmlns:a="http://schemas.openxmlformats.org/drawingml/2006/main" xmlns:r="http://schemas.openxmlformats.org/officeDocument/2006/relationships" xmlns:p="http://schemas.openxmlformats.org/presentationml/2006/main">
   <p:cSld>
     <p:spTree>
@@ -12550,7 +12915,7 @@
 </p:sld>
 </file>
 
-<file path=ppt/slides/slide45.xml><?xml version="1.0" encoding="utf-8"?>
+<file path=ppt/slides/slide47.xml><?xml version="1.0" encoding="utf-8"?>
 <p:sld xmlns:a="http://schemas.openxmlformats.org/drawingml/2006/main" xmlns:r="http://schemas.openxmlformats.org/officeDocument/2006/relationships" xmlns:p="http://schemas.openxmlformats.org/presentationml/2006/main">
   <p:cSld>
     <p:spTree>
@@ -12810,7 +13175,7 @@
 </p:sld>
 </file>
 
-<file path=ppt/slides/slide46.xml><?xml version="1.0" encoding="utf-8"?>
+<file path=ppt/slides/slide48.xml><?xml version="1.0" encoding="utf-8"?>
 <p:sld xmlns:a="http://schemas.openxmlformats.org/drawingml/2006/main" xmlns:r="http://schemas.openxmlformats.org/officeDocument/2006/relationships" xmlns:p="http://schemas.openxmlformats.org/presentationml/2006/main">
   <p:cSld>
     <p:spTree>
@@ -12915,419 +13280,6 @@
 </p:sld>
 </file>
 
-<file path=ppt/slides/slide47.xml><?xml version="1.0" encoding="utf-8"?>
-<p:sld xmlns:a="http://schemas.openxmlformats.org/drawingml/2006/main" xmlns:r="http://schemas.openxmlformats.org/officeDocument/2006/relationships" xmlns:p="http://schemas.openxmlformats.org/presentationml/2006/main">
-  <p:cSld>
-    <p:spTree>
-      <p:nvGrpSpPr>
-        <p:cNvPr id="1" name=""/>
-        <p:cNvGrpSpPr/>
-        <p:nvPr/>
-      </p:nvGrpSpPr>
-      <p:grpSpPr>
-        <a:xfrm>
-          <a:off x="0" y="0"/>
-          <a:ext cx="0" cy="0"/>
-          <a:chOff x="0" y="0"/>
-          <a:chExt cx="0" cy="0"/>
-        </a:xfrm>
-      </p:grpSpPr>
-      <p:sp>
-        <p:nvSpPr>
-          <p:cNvPr id="2" name="Title 1">
-            <a:extLst>
-              <a:ext uri="{FF2B5EF4-FFF2-40B4-BE49-F238E27FC236}">
-                <a16:creationId xmlns:a16="http://schemas.microsoft.com/office/drawing/2014/main" xmlns="" id="{D13A055F-6731-4EB9-B029-E37316DF3B72}"/>
-              </a:ext>
-            </a:extLst>
-          </p:cNvPr>
-          <p:cNvSpPr>
-            <a:spLocks noGrp="1"/>
-          </p:cNvSpPr>
-          <p:nvPr>
-            <p:ph type="title"/>
-          </p:nvPr>
-        </p:nvSpPr>
-        <p:spPr/>
-        <p:txBody>
-          <a:bodyPr/>
-          <a:lstStyle/>
-          <a:p>
-            <a:r>
-              <a:rPr lang="en-US" dirty="0">
-                <a:latin typeface="Times New Roman" panose="02020603050405020304" pitchFamily="18" charset="0"/>
-                <a:cs typeface="Times New Roman" panose="02020603050405020304" pitchFamily="18" charset="0"/>
-              </a:rPr>
-              <a:t>Types of Feature Modules</a:t>
-            </a:r>
-          </a:p>
-        </p:txBody>
-      </p:sp>
-      <p:sp>
-        <p:nvSpPr>
-          <p:cNvPr id="3" name="Content Placeholder 2">
-            <a:extLst>
-              <a:ext uri="{FF2B5EF4-FFF2-40B4-BE49-F238E27FC236}">
-                <a16:creationId xmlns:a16="http://schemas.microsoft.com/office/drawing/2014/main" xmlns="" id="{D24F7A7C-A997-4D2D-8C3D-EF37B6487DBC}"/>
-              </a:ext>
-            </a:extLst>
-          </p:cNvPr>
-          <p:cNvSpPr>
-            <a:spLocks noGrp="1"/>
-          </p:cNvSpPr>
-          <p:nvPr>
-            <p:ph idx="1"/>
-          </p:nvPr>
-        </p:nvSpPr>
-        <p:spPr/>
-        <p:txBody>
-          <a:bodyPr/>
-          <a:lstStyle/>
-          <a:p>
-            <a:r>
-              <a:rPr lang="en-US" dirty="0">
-                <a:latin typeface="Times New Roman" panose="02020603050405020304" pitchFamily="18" charset="0"/>
-                <a:cs typeface="Times New Roman" panose="02020603050405020304" pitchFamily="18" charset="0"/>
-              </a:rPr>
-              <a:t>There are five general categories of feature modules which tend to fall into the following groups:</a:t>
-            </a:r>
-          </a:p>
-          <a:p>
-            <a:pPr marL="457200" indent="-457200">
-              <a:buFont typeface="+mj-lt"/>
-              <a:buAutoNum type="arabicPeriod"/>
-            </a:pPr>
-            <a:r>
-              <a:rPr lang="en-US" dirty="0">
-                <a:latin typeface="Times New Roman" panose="02020603050405020304" pitchFamily="18" charset="0"/>
-                <a:cs typeface="Times New Roman" panose="02020603050405020304" pitchFamily="18" charset="0"/>
-              </a:rPr>
-              <a:t>Domain feature modules.</a:t>
-            </a:r>
-          </a:p>
-          <a:p>
-            <a:pPr marL="457200" indent="-457200">
-              <a:buFont typeface="+mj-lt"/>
-              <a:buAutoNum type="arabicPeriod"/>
-            </a:pPr>
-            <a:r>
-              <a:rPr lang="en-US" dirty="0">
-                <a:latin typeface="Times New Roman" panose="02020603050405020304" pitchFamily="18" charset="0"/>
-                <a:cs typeface="Times New Roman" panose="02020603050405020304" pitchFamily="18" charset="0"/>
-              </a:rPr>
-              <a:t>Routed feature modules.</a:t>
-            </a:r>
-          </a:p>
-          <a:p>
-            <a:pPr marL="457200" indent="-457200">
-              <a:buFont typeface="+mj-lt"/>
-              <a:buAutoNum type="arabicPeriod"/>
-            </a:pPr>
-            <a:r>
-              <a:rPr lang="en-US" dirty="0">
-                <a:latin typeface="Times New Roman" panose="02020603050405020304" pitchFamily="18" charset="0"/>
-                <a:cs typeface="Times New Roman" panose="02020603050405020304" pitchFamily="18" charset="0"/>
-              </a:rPr>
-              <a:t>Routing modules.</a:t>
-            </a:r>
-          </a:p>
-          <a:p>
-            <a:pPr marL="457200" indent="-457200">
-              <a:buFont typeface="+mj-lt"/>
-              <a:buAutoNum type="arabicPeriod"/>
-            </a:pPr>
-            <a:r>
-              <a:rPr lang="en-US" dirty="0">
-                <a:latin typeface="Times New Roman" panose="02020603050405020304" pitchFamily="18" charset="0"/>
-                <a:cs typeface="Times New Roman" panose="02020603050405020304" pitchFamily="18" charset="0"/>
-              </a:rPr>
-              <a:t>Service feature modules.</a:t>
-            </a:r>
-          </a:p>
-          <a:p>
-            <a:pPr marL="457200" indent="-457200">
-              <a:buFont typeface="+mj-lt"/>
-              <a:buAutoNum type="arabicPeriod"/>
-            </a:pPr>
-            <a:r>
-              <a:rPr lang="en-US" dirty="0">
-                <a:latin typeface="Times New Roman" panose="02020603050405020304" pitchFamily="18" charset="0"/>
-                <a:cs typeface="Times New Roman" panose="02020603050405020304" pitchFamily="18" charset="0"/>
-              </a:rPr>
-              <a:t>Widget feature modules.</a:t>
-            </a:r>
-          </a:p>
-          <a:p>
-            <a:r>
-              <a:rPr lang="en-US" dirty="0">
-                <a:latin typeface="Times New Roman" panose="02020603050405020304" pitchFamily="18" charset="0"/>
-                <a:cs typeface="Times New Roman" panose="02020603050405020304" pitchFamily="18" charset="0"/>
-              </a:rPr>
-              <a:t>Read more at </a:t>
-            </a:r>
-            <a:r>
-              <a:rPr lang="en-US" dirty="0">
-                <a:hlinkClick r:id="rId2"/>
-              </a:rPr>
-              <a:t>https://angular.io/guide/module-types</a:t>
-            </a:r>
-            <a:endParaRPr lang="en-US" dirty="0">
-              <a:latin typeface="Times New Roman" panose="02020603050405020304" pitchFamily="18" charset="0"/>
-              <a:cs typeface="Times New Roman" panose="02020603050405020304" pitchFamily="18" charset="0"/>
-            </a:endParaRPr>
-          </a:p>
-        </p:txBody>
-      </p:sp>
-    </p:spTree>
-    <p:extLst>
-      <p:ext uri="{BB962C8B-B14F-4D97-AF65-F5344CB8AC3E}">
-        <p14:creationId xmlns:p14="http://schemas.microsoft.com/office/powerpoint/2010/main" val="2353463660"/>
-      </p:ext>
-    </p:extLst>
-  </p:cSld>
-  <p:clrMapOvr>
-    <a:masterClrMapping/>
-  </p:clrMapOvr>
-</p:sld>
-</file>
-
-<file path=ppt/slides/slide48.xml><?xml version="1.0" encoding="utf-8"?>
-<p:sld xmlns:a="http://schemas.openxmlformats.org/drawingml/2006/main" xmlns:r="http://schemas.openxmlformats.org/officeDocument/2006/relationships" xmlns:p="http://schemas.openxmlformats.org/presentationml/2006/main">
-  <p:cSld>
-    <p:spTree>
-      <p:nvGrpSpPr>
-        <p:cNvPr id="1" name=""/>
-        <p:cNvGrpSpPr/>
-        <p:nvPr/>
-      </p:nvGrpSpPr>
-      <p:grpSpPr>
-        <a:xfrm>
-          <a:off x="0" y="0"/>
-          <a:ext cx="0" cy="0"/>
-          <a:chOff x="0" y="0"/>
-          <a:chExt cx="0" cy="0"/>
-        </a:xfrm>
-      </p:grpSpPr>
-      <p:sp>
-        <p:nvSpPr>
-          <p:cNvPr id="2" name="Title 1">
-            <a:extLst>
-              <a:ext uri="{FF2B5EF4-FFF2-40B4-BE49-F238E27FC236}">
-                <a16:creationId xmlns:a16="http://schemas.microsoft.com/office/drawing/2014/main" xmlns="" id="{F3235BCF-27FA-4DC5-B2F0-05B1BD799591}"/>
-              </a:ext>
-            </a:extLst>
-          </p:cNvPr>
-          <p:cNvSpPr>
-            <a:spLocks noGrp="1"/>
-          </p:cNvSpPr>
-          <p:nvPr>
-            <p:ph type="title"/>
-          </p:nvPr>
-        </p:nvSpPr>
-        <p:spPr/>
-        <p:txBody>
-          <a:bodyPr>
-            <a:noAutofit/>
-          </a:bodyPr>
-          <a:lstStyle/>
-          <a:p>
-            <a:r>
-              <a:rPr lang="en-US" sz="5200" dirty="0"/>
-              <a:t/>
-            </a:r>
-            <a:br>
-              <a:rPr lang="en-US" sz="5200" dirty="0"/>
-            </a:br>
-            <a:r>
-              <a:rPr lang="en-US" sz="5200" dirty="0">
-                <a:latin typeface="Times New Roman" panose="02020603050405020304" pitchFamily="18" charset="0"/>
-                <a:cs typeface="Times New Roman" panose="02020603050405020304" pitchFamily="18" charset="0"/>
-              </a:rPr>
-              <a:t/>
-            </a:r>
-            <a:br>
-              <a:rPr lang="en-US" sz="5200" dirty="0">
-                <a:latin typeface="Times New Roman" panose="02020603050405020304" pitchFamily="18" charset="0"/>
-                <a:cs typeface="Times New Roman" panose="02020603050405020304" pitchFamily="18" charset="0"/>
-              </a:rPr>
-            </a:br>
-            <a:r>
-              <a:rPr lang="en-US" sz="5200" dirty="0"/>
-              <a:t>Routing &amp; Navigation</a:t>
-            </a:r>
-            <a:br>
-              <a:rPr lang="en-US" sz="5200" dirty="0"/>
-            </a:br>
-            <a:r>
-              <a:rPr lang="en-US" sz="5200" dirty="0"/>
-              <a:t/>
-            </a:r>
-            <a:br>
-              <a:rPr lang="en-US" sz="5200" dirty="0"/>
-            </a:br>
-            <a:endParaRPr lang="en-US" sz="5200" dirty="0"/>
-          </a:p>
-        </p:txBody>
-      </p:sp>
-      <p:sp>
-        <p:nvSpPr>
-          <p:cNvPr id="3" name="Content Placeholder 2">
-            <a:extLst>
-              <a:ext uri="{FF2B5EF4-FFF2-40B4-BE49-F238E27FC236}">
-                <a16:creationId xmlns:a16="http://schemas.microsoft.com/office/drawing/2014/main" xmlns="" id="{F3C26F8F-FAD3-4573-A33D-F13ECD7B0976}"/>
-              </a:ext>
-            </a:extLst>
-          </p:cNvPr>
-          <p:cNvSpPr>
-            <a:spLocks noGrp="1"/>
-          </p:cNvSpPr>
-          <p:nvPr>
-            <p:ph idx="1"/>
-          </p:nvPr>
-        </p:nvSpPr>
-        <p:spPr/>
-        <p:txBody>
-          <a:bodyPr/>
-          <a:lstStyle/>
-          <a:p>
-            <a:r>
-              <a:rPr lang="en-US" dirty="0">
-                <a:latin typeface="Times New Roman" panose="02020603050405020304" pitchFamily="18" charset="0"/>
-                <a:cs typeface="Times New Roman" panose="02020603050405020304" pitchFamily="18" charset="0"/>
-              </a:rPr>
-              <a:t>The Angular Router enables navigation from one view to the next as users perform application tasks.</a:t>
-            </a:r>
-          </a:p>
-          <a:p>
-            <a:r>
-              <a:rPr lang="en-US" dirty="0">
-                <a:latin typeface="Times New Roman" panose="02020603050405020304" pitchFamily="18" charset="0"/>
-                <a:cs typeface="Times New Roman" panose="02020603050405020304" pitchFamily="18" charset="0"/>
-              </a:rPr>
-              <a:t>Syntax</a:t>
-            </a:r>
-          </a:p>
-          <a:p>
-            <a:pPr marL="457200" indent="-457200">
-              <a:buFont typeface="+mj-lt"/>
-              <a:buAutoNum type="arabicPeriod"/>
-            </a:pPr>
-            <a:r>
-              <a:rPr lang="en-US" dirty="0">
-                <a:latin typeface="Times New Roman" panose="02020603050405020304" pitchFamily="18" charset="0"/>
-                <a:cs typeface="Times New Roman" panose="02020603050405020304" pitchFamily="18" charset="0"/>
-              </a:rPr>
-              <a:t>Router imports import { </a:t>
-            </a:r>
-            <a:r>
-              <a:rPr lang="en-US" dirty="0" err="1">
-                <a:latin typeface="Times New Roman" panose="02020603050405020304" pitchFamily="18" charset="0"/>
-                <a:cs typeface="Times New Roman" panose="02020603050405020304" pitchFamily="18" charset="0"/>
-                <a:hlinkClick r:id="rId2"/>
-              </a:rPr>
-              <a:t>RouterModule</a:t>
-            </a:r>
-            <a:r>
-              <a:rPr lang="en-US" dirty="0">
-                <a:latin typeface="Times New Roman" panose="02020603050405020304" pitchFamily="18" charset="0"/>
-                <a:cs typeface="Times New Roman" panose="02020603050405020304" pitchFamily="18" charset="0"/>
-              </a:rPr>
-              <a:t>, </a:t>
-            </a:r>
-            <a:r>
-              <a:rPr lang="en-US" dirty="0">
-                <a:latin typeface="Times New Roman" panose="02020603050405020304" pitchFamily="18" charset="0"/>
-                <a:cs typeface="Times New Roman" panose="02020603050405020304" pitchFamily="18" charset="0"/>
-                <a:hlinkClick r:id="rId3"/>
-              </a:rPr>
-              <a:t>Routes</a:t>
-            </a:r>
-            <a:r>
-              <a:rPr lang="en-US" dirty="0">
-                <a:latin typeface="Times New Roman" panose="02020603050405020304" pitchFamily="18" charset="0"/>
-                <a:cs typeface="Times New Roman" panose="02020603050405020304" pitchFamily="18" charset="0"/>
-              </a:rPr>
-              <a:t> } from '@angular/router’;</a:t>
-            </a:r>
-          </a:p>
-          <a:p>
-            <a:pPr marL="457200" indent="-457200">
-              <a:buFont typeface="+mj-lt"/>
-              <a:buAutoNum type="arabicPeriod"/>
-            </a:pPr>
-            <a:r>
-              <a:rPr lang="en-US" dirty="0">
-                <a:latin typeface="Times New Roman" panose="02020603050405020304" pitchFamily="18" charset="0"/>
-                <a:cs typeface="Times New Roman" panose="02020603050405020304" pitchFamily="18" charset="0"/>
-              </a:rPr>
-              <a:t>Imports </a:t>
-            </a:r>
-            <a:r>
-              <a:rPr lang="en-US" dirty="0" err="1">
-                <a:latin typeface="Times New Roman" panose="02020603050405020304" pitchFamily="18" charset="0"/>
-                <a:cs typeface="Times New Roman" panose="02020603050405020304" pitchFamily="18" charset="0"/>
-              </a:rPr>
-              <a:t>RouterModule.forRoot</a:t>
-            </a:r>
-            <a:r>
-              <a:rPr lang="en-US" dirty="0">
-                <a:latin typeface="Times New Roman" panose="02020603050405020304" pitchFamily="18" charset="0"/>
-                <a:cs typeface="Times New Roman" panose="02020603050405020304" pitchFamily="18" charset="0"/>
-              </a:rPr>
-              <a:t>(routes, { </a:t>
-            </a:r>
-            <a:r>
-              <a:rPr lang="en-US" dirty="0" err="1">
-                <a:latin typeface="Times New Roman" panose="02020603050405020304" pitchFamily="18" charset="0"/>
-                <a:cs typeface="Times New Roman" panose="02020603050405020304" pitchFamily="18" charset="0"/>
-              </a:rPr>
-              <a:t>enableTracing</a:t>
-            </a:r>
-            <a:r>
-              <a:rPr lang="en-US" dirty="0">
-                <a:latin typeface="Times New Roman" panose="02020603050405020304" pitchFamily="18" charset="0"/>
-                <a:cs typeface="Times New Roman" panose="02020603050405020304" pitchFamily="18" charset="0"/>
-              </a:rPr>
-              <a:t>: true })</a:t>
-            </a:r>
-          </a:p>
-          <a:p>
-            <a:pPr marL="0" indent="0">
-              <a:buNone/>
-            </a:pPr>
-            <a:r>
-              <a:rPr lang="en-US" dirty="0">
-                <a:latin typeface="Times New Roman" panose="02020603050405020304" pitchFamily="18" charset="0"/>
-                <a:cs typeface="Times New Roman" panose="02020603050405020304" pitchFamily="18" charset="0"/>
-              </a:rPr>
-              <a:t/>
-            </a:r>
-            <a:br>
-              <a:rPr lang="en-US" dirty="0">
-                <a:latin typeface="Times New Roman" panose="02020603050405020304" pitchFamily="18" charset="0"/>
-                <a:cs typeface="Times New Roman" panose="02020603050405020304" pitchFamily="18" charset="0"/>
-              </a:rPr>
-            </a:br>
-            <a:endParaRPr lang="en-US" dirty="0">
-              <a:latin typeface="Times New Roman" panose="02020603050405020304" pitchFamily="18" charset="0"/>
-              <a:cs typeface="Times New Roman" panose="02020603050405020304" pitchFamily="18" charset="0"/>
-            </a:endParaRPr>
-          </a:p>
-        </p:txBody>
-      </p:sp>
-    </p:spTree>
-    <p:extLst>
-      <p:ext uri="{BB962C8B-B14F-4D97-AF65-F5344CB8AC3E}">
-        <p14:creationId xmlns:p14="http://schemas.microsoft.com/office/powerpoint/2010/main" val="31889928"/>
-      </p:ext>
-    </p:extLst>
-  </p:cSld>
-  <p:clrMapOvr>
-    <a:masterClrMapping/>
-  </p:clrMapOvr>
-</p:sld>
-</file>
-
 <file path=ppt/slides/slide49.xml><?xml version="1.0" encoding="utf-8"?>
 <p:sld xmlns:a="http://schemas.openxmlformats.org/drawingml/2006/main" xmlns:r="http://schemas.openxmlformats.org/officeDocument/2006/relationships" xmlns:p="http://schemas.openxmlformats.org/presentationml/2006/main">
   <p:cSld>
@@ -13350,7 +13302,7 @@
           <p:cNvPr id="2" name="Title 1">
             <a:extLst>
               <a:ext uri="{FF2B5EF4-FFF2-40B4-BE49-F238E27FC236}">
-                <a16:creationId xmlns:a16="http://schemas.microsoft.com/office/drawing/2014/main" xmlns="" id="{A732E7B4-C310-4146-84E3-24D68CE4549A}"/>
+                <a16:creationId xmlns="" xmlns:a16="http://schemas.microsoft.com/office/drawing/2014/main" id="{D13A055F-6731-4EB9-B029-E37316DF3B72}"/>
               </a:ext>
             </a:extLst>
           </p:cNvPr>
@@ -13367,8 +13319,11 @@
           <a:lstStyle/>
           <a:p>
             <a:r>
-              <a:rPr lang="en-US" dirty="0"/>
-              <a:t>Router components</a:t>
+              <a:rPr lang="en-US" dirty="0">
+                <a:latin typeface="Times New Roman" panose="02020603050405020304" pitchFamily="18" charset="0"/>
+                <a:cs typeface="Times New Roman" panose="02020603050405020304" pitchFamily="18" charset="0"/>
+              </a:rPr>
+              <a:t>Types of Feature Modules</a:t>
             </a:r>
           </a:p>
         </p:txBody>
@@ -13378,7 +13333,7 @@
           <p:cNvPr id="3" name="Content Placeholder 2">
             <a:extLst>
               <a:ext uri="{FF2B5EF4-FFF2-40B4-BE49-F238E27FC236}">
-                <a16:creationId xmlns:a16="http://schemas.microsoft.com/office/drawing/2014/main" xmlns="" id="{F7A26928-AFB6-4384-BF91-7ECECDBA8C13}"/>
+                <a16:creationId xmlns="" xmlns:a16="http://schemas.microsoft.com/office/drawing/2014/main" id="{D24F7A7C-A997-4D2D-8C3D-EF37B6487DBC}"/>
               </a:ext>
             </a:extLst>
           </p:cNvPr>
@@ -13395,159 +13350,103 @@
           <a:lstStyle/>
           <a:p>
             <a:r>
-              <a:rPr lang="en-US" dirty="0"/>
-              <a:t>The </a:t>
-            </a:r>
-            <a:r>
-              <a:rPr lang="en-US" dirty="0" err="1"/>
-              <a:t>RouterOutlet</a:t>
-            </a:r>
-            <a:r>
-              <a:rPr lang="en-US" dirty="0"/>
-              <a:t> is a directive from the router library that is used like a component. It acts as a placeholder that marks the spot in the template where the router should display the components for that outlet.</a:t>
-            </a:r>
-          </a:p>
-          <a:p>
-            <a:pPr marL="0" indent="0">
-              <a:buNone/>
+              <a:rPr lang="en-US" dirty="0">
+                <a:latin typeface="Times New Roman" panose="02020603050405020304" pitchFamily="18" charset="0"/>
+                <a:cs typeface="Times New Roman" panose="02020603050405020304" pitchFamily="18" charset="0"/>
+              </a:rPr>
+              <a:t>There are five general categories of feature modules which tend to fall into the following groups:</a:t>
+            </a:r>
+          </a:p>
+          <a:p>
+            <a:pPr marL="457200" indent="-457200">
+              <a:buFont typeface="+mj-lt"/>
+              <a:buAutoNum type="arabicPeriod"/>
             </a:pPr>
             <a:r>
-              <a:rPr lang="en-US" dirty="0"/>
-              <a:t>&lt;</a:t>
+              <a:rPr lang="en-US" dirty="0">
+                <a:latin typeface="Times New Roman" panose="02020603050405020304" pitchFamily="18" charset="0"/>
+                <a:cs typeface="Times New Roman" panose="02020603050405020304" pitchFamily="18" charset="0"/>
+              </a:rPr>
+              <a:t>Domain feature modules.</a:t>
+            </a:r>
+          </a:p>
+          <a:p>
+            <a:pPr marL="457200" indent="-457200">
+              <a:buFont typeface="+mj-lt"/>
+              <a:buAutoNum type="arabicPeriod"/>
+            </a:pPr>
+            <a:r>
+              <a:rPr lang="en-US" dirty="0">
+                <a:latin typeface="Times New Roman" panose="02020603050405020304" pitchFamily="18" charset="0"/>
+                <a:cs typeface="Times New Roman" panose="02020603050405020304" pitchFamily="18" charset="0"/>
+              </a:rPr>
+              <a:t>Routed feature modules.</a:t>
+            </a:r>
+          </a:p>
+          <a:p>
+            <a:pPr marL="457200" indent="-457200">
+              <a:buFont typeface="+mj-lt"/>
+              <a:buAutoNum type="arabicPeriod"/>
+            </a:pPr>
+            <a:r>
+              <a:rPr lang="en-US" dirty="0">
+                <a:latin typeface="Times New Roman" panose="02020603050405020304" pitchFamily="18" charset="0"/>
+                <a:cs typeface="Times New Roman" panose="02020603050405020304" pitchFamily="18" charset="0"/>
+              </a:rPr>
+              <a:t>Routing modules.</a:t>
+            </a:r>
+          </a:p>
+          <a:p>
+            <a:pPr marL="457200" indent="-457200">
+              <a:buFont typeface="+mj-lt"/>
+              <a:buAutoNum type="arabicPeriod"/>
+            </a:pPr>
+            <a:r>
+              <a:rPr lang="en-US" dirty="0">
+                <a:latin typeface="Times New Roman" panose="02020603050405020304" pitchFamily="18" charset="0"/>
+                <a:cs typeface="Times New Roman" panose="02020603050405020304" pitchFamily="18" charset="0"/>
+              </a:rPr>
+              <a:t>Service feature modules.</a:t>
+            </a:r>
+          </a:p>
+          <a:p>
+            <a:pPr marL="457200" indent="-457200">
+              <a:buFont typeface="+mj-lt"/>
+              <a:buAutoNum type="arabicPeriod"/>
+            </a:pPr>
+            <a:r>
+              <a:rPr lang="en-US" dirty="0">
+                <a:latin typeface="Times New Roman" panose="02020603050405020304" pitchFamily="18" charset="0"/>
+                <a:cs typeface="Times New Roman" panose="02020603050405020304" pitchFamily="18" charset="0"/>
+              </a:rPr>
+              <a:t>Widget feature modules.</a:t>
+            </a:r>
+          </a:p>
+          <a:p>
+            <a:r>
+              <a:rPr lang="en-US" dirty="0">
+                <a:latin typeface="Times New Roman" panose="02020603050405020304" pitchFamily="18" charset="0"/>
+                <a:cs typeface="Times New Roman" panose="02020603050405020304" pitchFamily="18" charset="0"/>
+              </a:rPr>
+              <a:t>Read more at </a:t>
             </a:r>
             <a:r>
               <a:rPr lang="en-US" dirty="0">
                 <a:hlinkClick r:id="rId2"/>
               </a:rPr>
-              <a:t>router-outlet</a:t>
-            </a:r>
-            <a:r>
-              <a:rPr lang="en-US" dirty="0"/>
-              <a:t>&gt;&lt;/</a:t>
-            </a:r>
-            <a:r>
-              <a:rPr lang="en-US" dirty="0">
-                <a:hlinkClick r:id="rId2"/>
-              </a:rPr>
-              <a:t>router-outlet</a:t>
-            </a:r>
-            <a:r>
-              <a:rPr lang="en-US" dirty="0"/>
-              <a:t>&gt;</a:t>
-            </a:r>
-          </a:p>
-          <a:p>
-            <a:r>
-              <a:rPr lang="en-US" dirty="0"/>
-              <a:t>Router links help user to navigate between pages</a:t>
-            </a:r>
-          </a:p>
-          <a:p>
-            <a:pPr marL="0" indent="0">
-              <a:buNone/>
-            </a:pPr>
-            <a:r>
-              <a:rPr lang="en-US" dirty="0"/>
-              <a:t>&lt;</a:t>
-            </a:r>
-            <a:r>
-              <a:rPr lang="en-US" dirty="0">
-                <a:hlinkClick r:id="rId3"/>
-              </a:rPr>
-              <a:t>a</a:t>
-            </a:r>
-            <a:r>
-              <a:rPr lang="en-US" dirty="0"/>
-              <a:t> </a:t>
-            </a:r>
-            <a:r>
-              <a:rPr lang="en-US" dirty="0" err="1">
-                <a:hlinkClick r:id="rId4"/>
-              </a:rPr>
-              <a:t>routerLink</a:t>
-            </a:r>
-            <a:r>
-              <a:rPr lang="en-US" dirty="0"/>
-              <a:t>="/heroes" </a:t>
-            </a:r>
-            <a:r>
-              <a:rPr lang="en-US" dirty="0" err="1">
-                <a:hlinkClick r:id="rId5"/>
-              </a:rPr>
-              <a:t>routerLinkActive</a:t>
-            </a:r>
-            <a:r>
-              <a:rPr lang="en-US" dirty="0"/>
-              <a:t>="active"&gt;Heroes&lt;/</a:t>
-            </a:r>
-            <a:r>
-              <a:rPr lang="en-US" dirty="0">
-                <a:hlinkClick r:id="rId3"/>
-              </a:rPr>
-              <a:t>a</a:t>
-            </a:r>
-            <a:r>
-              <a:rPr lang="en-US" dirty="0"/>
-              <a:t>&gt;</a:t>
-            </a:r>
-          </a:p>
-          <a:p>
-            <a:r>
-              <a:rPr lang="en-US" dirty="0"/>
-              <a:t>Active router links: The </a:t>
-            </a:r>
-            <a:r>
-              <a:rPr lang="en-US" dirty="0" err="1"/>
-              <a:t>RouterLinkActive</a:t>
-            </a:r>
-            <a:r>
-              <a:rPr lang="en-US" dirty="0"/>
-              <a:t> directive toggles </a:t>
-            </a:r>
-            <a:r>
-              <a:rPr lang="en-US" dirty="0" err="1"/>
-              <a:t>css</a:t>
-            </a:r>
-            <a:r>
-              <a:rPr lang="en-US" dirty="0"/>
-              <a:t> classes for active </a:t>
-            </a:r>
-            <a:r>
-              <a:rPr lang="en-US" dirty="0" err="1"/>
-              <a:t>RouterLink</a:t>
-            </a:r>
-            <a:r>
-              <a:rPr lang="en-US" dirty="0"/>
-              <a:t> bindings based on the current </a:t>
-            </a:r>
-            <a:r>
-              <a:rPr lang="en-US" dirty="0" err="1"/>
-              <a:t>RouterState</a:t>
-            </a:r>
-            <a:r>
-              <a:rPr lang="en-US" dirty="0"/>
-              <a:t>.</a:t>
-            </a:r>
-          </a:p>
-          <a:p>
-            <a:pPr marL="0" indent="0">
-              <a:buNone/>
-            </a:pPr>
-            <a:r>
-              <a:rPr lang="en-US" dirty="0"/>
-              <a:t/>
-            </a:r>
-            <a:br>
-              <a:rPr lang="en-US" dirty="0"/>
-            </a:br>
-            <a:endParaRPr lang="en-US" dirty="0"/>
+              <a:t>https://angular.io/guide/module-types</a:t>
+            </a:r>
+            <a:endParaRPr lang="en-US" dirty="0">
+              <a:latin typeface="Times New Roman" panose="02020603050405020304" pitchFamily="18" charset="0"/>
+              <a:cs typeface="Times New Roman" panose="02020603050405020304" pitchFamily="18" charset="0"/>
+            </a:endParaRPr>
           </a:p>
         </p:txBody>
       </p:sp>
     </p:spTree>
     <p:extLst>
       <p:ext uri="{BB962C8B-B14F-4D97-AF65-F5344CB8AC3E}">
-        <p14:creationId xmlns:p14="http://schemas.microsoft.com/office/powerpoint/2010/main" val="2110725907"/>
+        <p14:creationId xmlns:p14="http://schemas.microsoft.com/office/powerpoint/2010/main" val="2353463660"/>
       </p:ext>
     </p:extLst>
   </p:cSld>
@@ -13881,7 +13780,7 @@
           <p:cNvPr id="2" name="Title 1">
             <a:extLst>
               <a:ext uri="{FF2B5EF4-FFF2-40B4-BE49-F238E27FC236}">
-                <a16:creationId xmlns:a16="http://schemas.microsoft.com/office/drawing/2014/main" xmlns="" id="{AD84CCF8-63BB-4950-BDB6-76B6D26BDA2D}"/>
+                <a16:creationId xmlns="" xmlns:a16="http://schemas.microsoft.com/office/drawing/2014/main" id="{F3235BCF-27FA-4DC5-B2F0-05B1BD799591}"/>
               </a:ext>
             </a:extLst>
           </p:cNvPr>
@@ -13895,29 +13794,180 @@
         <p:spPr/>
         <p:txBody>
           <a:bodyPr>
-            <a:normAutofit fontScale="90000"/>
+            <a:noAutofit/>
           </a:bodyPr>
           <a:lstStyle/>
           <a:p>
             <a:r>
-              <a:rPr lang="en-US" dirty="0">
-                <a:latin typeface="Times New Roman" panose="02020603050405020304" pitchFamily="18" charset="0"/>
-                <a:cs typeface="Times New Roman" panose="02020603050405020304" pitchFamily="18" charset="0"/>
-              </a:rPr>
+              <a:rPr lang="en-US" sz="5200" dirty="0"/>
               <a:t/>
             </a:r>
             <a:br>
-              <a:rPr lang="en-US" dirty="0">
-                <a:latin typeface="Times New Roman" panose="02020603050405020304" pitchFamily="18" charset="0"/>
-                <a:cs typeface="Times New Roman" panose="02020603050405020304" pitchFamily="18" charset="0"/>
-              </a:rPr>
+              <a:rPr lang="en-US" sz="5200" dirty="0"/>
             </a:br>
             <a:r>
-              <a:rPr lang="en-US" dirty="0">
-                <a:latin typeface="Times New Roman" panose="02020603050405020304" pitchFamily="18" charset="0"/>
-                <a:cs typeface="Times New Roman" panose="02020603050405020304" pitchFamily="18" charset="0"/>
-              </a:rPr>
-              <a:t>Sending and Receiving Route Parameters</a:t>
+              <a:rPr lang="en-US" sz="5200" dirty="0">
+                <a:latin typeface="Times New Roman" panose="02020603050405020304" pitchFamily="18" charset="0"/>
+                <a:cs typeface="Times New Roman" panose="02020603050405020304" pitchFamily="18" charset="0"/>
+              </a:rPr>
+              <a:t/>
+            </a:r>
+            <a:br>
+              <a:rPr lang="en-US" sz="5200" dirty="0">
+                <a:latin typeface="Times New Roman" panose="02020603050405020304" pitchFamily="18" charset="0"/>
+                <a:cs typeface="Times New Roman" panose="02020603050405020304" pitchFamily="18" charset="0"/>
+              </a:rPr>
+            </a:br>
+            <a:r>
+              <a:rPr lang="en-US" sz="5200" dirty="0"/>
+              <a:t>Routing &amp; Navigation</a:t>
+            </a:r>
+            <a:br>
+              <a:rPr lang="en-US" sz="5200" dirty="0"/>
+            </a:br>
+            <a:r>
+              <a:rPr lang="en-US" sz="5200" dirty="0"/>
+              <a:t/>
+            </a:r>
+            <a:br>
+              <a:rPr lang="en-US" sz="5200" dirty="0"/>
+            </a:br>
+            <a:endParaRPr lang="en-US" sz="5200" dirty="0"/>
+          </a:p>
+        </p:txBody>
+      </p:sp>
+      <p:sp>
+        <p:nvSpPr>
+          <p:cNvPr id="3" name="Content Placeholder 2">
+            <a:extLst>
+              <a:ext uri="{FF2B5EF4-FFF2-40B4-BE49-F238E27FC236}">
+                <a16:creationId xmlns="" xmlns:a16="http://schemas.microsoft.com/office/drawing/2014/main" id="{F3C26F8F-FAD3-4573-A33D-F13ECD7B0976}"/>
+              </a:ext>
+            </a:extLst>
+          </p:cNvPr>
+          <p:cNvSpPr>
+            <a:spLocks noGrp="1"/>
+          </p:cNvSpPr>
+          <p:nvPr>
+            <p:ph idx="1"/>
+          </p:nvPr>
+        </p:nvSpPr>
+        <p:spPr/>
+        <p:txBody>
+          <a:bodyPr/>
+          <a:lstStyle/>
+          <a:p>
+            <a:r>
+              <a:rPr lang="en-US" dirty="0">
+                <a:latin typeface="Times New Roman" panose="02020603050405020304" pitchFamily="18" charset="0"/>
+                <a:cs typeface="Times New Roman" panose="02020603050405020304" pitchFamily="18" charset="0"/>
+              </a:rPr>
+              <a:t>The Angular Router enables navigation from one view to the next as users perform application tasks.</a:t>
+            </a:r>
+          </a:p>
+          <a:p>
+            <a:r>
+              <a:rPr lang="en-US" dirty="0">
+                <a:latin typeface="Times New Roman" panose="02020603050405020304" pitchFamily="18" charset="0"/>
+                <a:cs typeface="Times New Roman" panose="02020603050405020304" pitchFamily="18" charset="0"/>
+              </a:rPr>
+              <a:t>Syntax</a:t>
+            </a:r>
+          </a:p>
+          <a:p>
+            <a:pPr marL="457200" indent="-457200">
+              <a:buFont typeface="+mj-lt"/>
+              <a:buAutoNum type="arabicPeriod"/>
+            </a:pPr>
+            <a:r>
+              <a:rPr lang="en-US" dirty="0">
+                <a:latin typeface="Times New Roman" panose="02020603050405020304" pitchFamily="18" charset="0"/>
+                <a:cs typeface="Times New Roman" panose="02020603050405020304" pitchFamily="18" charset="0"/>
+              </a:rPr>
+              <a:t>Router imports import { </a:t>
+            </a:r>
+            <a:r>
+              <a:rPr lang="en-US" dirty="0" err="1">
+                <a:latin typeface="Times New Roman" panose="02020603050405020304" pitchFamily="18" charset="0"/>
+                <a:cs typeface="Times New Roman" panose="02020603050405020304" pitchFamily="18" charset="0"/>
+                <a:hlinkClick r:id="rId2"/>
+              </a:rPr>
+              <a:t>RouterModule</a:t>
+            </a:r>
+            <a:r>
+              <a:rPr lang="en-US" dirty="0">
+                <a:latin typeface="Times New Roman" panose="02020603050405020304" pitchFamily="18" charset="0"/>
+                <a:cs typeface="Times New Roman" panose="02020603050405020304" pitchFamily="18" charset="0"/>
+              </a:rPr>
+              <a:t>, </a:t>
+            </a:r>
+            <a:r>
+              <a:rPr lang="en-US" dirty="0">
+                <a:latin typeface="Times New Roman" panose="02020603050405020304" pitchFamily="18" charset="0"/>
+                <a:cs typeface="Times New Roman" panose="02020603050405020304" pitchFamily="18" charset="0"/>
+                <a:hlinkClick r:id="rId3"/>
+              </a:rPr>
+              <a:t>Routes</a:t>
+            </a:r>
+            <a:r>
+              <a:rPr lang="en-US" dirty="0">
+                <a:latin typeface="Times New Roman" panose="02020603050405020304" pitchFamily="18" charset="0"/>
+                <a:cs typeface="Times New Roman" panose="02020603050405020304" pitchFamily="18" charset="0"/>
+              </a:rPr>
+              <a:t> } from '@angular/router’;</a:t>
+            </a:r>
+          </a:p>
+          <a:p>
+            <a:pPr marL="457200" indent="-457200">
+              <a:buFont typeface="+mj-lt"/>
+              <a:buAutoNum type="arabicPeriod"/>
+            </a:pPr>
+            <a:r>
+              <a:rPr lang="en-US" dirty="0">
+                <a:latin typeface="Times New Roman" panose="02020603050405020304" pitchFamily="18" charset="0"/>
+                <a:cs typeface="Times New Roman" panose="02020603050405020304" pitchFamily="18" charset="0"/>
+              </a:rPr>
+              <a:t>Imports </a:t>
+            </a:r>
+            <a:r>
+              <a:rPr lang="en-US" dirty="0" err="1">
+                <a:latin typeface="Times New Roman" panose="02020603050405020304" pitchFamily="18" charset="0"/>
+                <a:cs typeface="Times New Roman" panose="02020603050405020304" pitchFamily="18" charset="0"/>
+              </a:rPr>
+              <a:t>RouterModule.forRoot</a:t>
+            </a:r>
+            <a:r>
+              <a:rPr lang="en-US" dirty="0">
+                <a:latin typeface="Times New Roman" panose="02020603050405020304" pitchFamily="18" charset="0"/>
+                <a:cs typeface="Times New Roman" panose="02020603050405020304" pitchFamily="18" charset="0"/>
+              </a:rPr>
+              <a:t>(routes, { </a:t>
+            </a:r>
+            <a:r>
+              <a:rPr lang="en-US" dirty="0" err="1">
+                <a:latin typeface="Times New Roman" panose="02020603050405020304" pitchFamily="18" charset="0"/>
+                <a:cs typeface="Times New Roman" panose="02020603050405020304" pitchFamily="18" charset="0"/>
+              </a:rPr>
+              <a:t>enableTracing</a:t>
+            </a:r>
+            <a:r>
+              <a:rPr lang="en-US" dirty="0">
+                <a:latin typeface="Times New Roman" panose="02020603050405020304" pitchFamily="18" charset="0"/>
+                <a:cs typeface="Times New Roman" panose="02020603050405020304" pitchFamily="18" charset="0"/>
+              </a:rPr>
+              <a:t>: true })</a:t>
+            </a:r>
+          </a:p>
+          <a:p>
+            <a:pPr marL="0" indent="0">
+              <a:buNone/>
+            </a:pPr>
+            <a:r>
+              <a:rPr lang="en-US" dirty="0">
+                <a:latin typeface="Times New Roman" panose="02020603050405020304" pitchFamily="18" charset="0"/>
+                <a:cs typeface="Times New Roman" panose="02020603050405020304" pitchFamily="18" charset="0"/>
+              </a:rPr>
+              <a:t/>
             </a:r>
             <a:br>
               <a:rPr lang="en-US" dirty="0">
@@ -13932,12 +13982,327 @@
           </a:p>
         </p:txBody>
       </p:sp>
+    </p:spTree>
+    <p:extLst>
+      <p:ext uri="{BB962C8B-B14F-4D97-AF65-F5344CB8AC3E}">
+        <p14:creationId xmlns:p14="http://schemas.microsoft.com/office/powerpoint/2010/main" val="31889928"/>
+      </p:ext>
+    </p:extLst>
+  </p:cSld>
+  <p:clrMapOvr>
+    <a:masterClrMapping/>
+  </p:clrMapOvr>
+</p:sld>
+</file>
+
+<file path=ppt/slides/slide51.xml><?xml version="1.0" encoding="utf-8"?>
+<p:sld xmlns:a="http://schemas.openxmlformats.org/drawingml/2006/main" xmlns:r="http://schemas.openxmlformats.org/officeDocument/2006/relationships" xmlns:p="http://schemas.openxmlformats.org/presentationml/2006/main">
+  <p:cSld>
+    <p:spTree>
+      <p:nvGrpSpPr>
+        <p:cNvPr id="1" name=""/>
+        <p:cNvGrpSpPr/>
+        <p:nvPr/>
+      </p:nvGrpSpPr>
+      <p:grpSpPr>
+        <a:xfrm>
+          <a:off x="0" y="0"/>
+          <a:ext cx="0" cy="0"/>
+          <a:chOff x="0" y="0"/>
+          <a:chExt cx="0" cy="0"/>
+        </a:xfrm>
+      </p:grpSpPr>
+      <p:sp>
+        <p:nvSpPr>
+          <p:cNvPr id="2" name="Title 1">
+            <a:extLst>
+              <a:ext uri="{FF2B5EF4-FFF2-40B4-BE49-F238E27FC236}">
+                <a16:creationId xmlns="" xmlns:a16="http://schemas.microsoft.com/office/drawing/2014/main" id="{A732E7B4-C310-4146-84E3-24D68CE4549A}"/>
+              </a:ext>
+            </a:extLst>
+          </p:cNvPr>
+          <p:cNvSpPr>
+            <a:spLocks noGrp="1"/>
+          </p:cNvSpPr>
+          <p:nvPr>
+            <p:ph type="title"/>
+          </p:nvPr>
+        </p:nvSpPr>
+        <p:spPr/>
+        <p:txBody>
+          <a:bodyPr/>
+          <a:lstStyle/>
+          <a:p>
+            <a:r>
+              <a:rPr lang="en-US" dirty="0"/>
+              <a:t>Router components</a:t>
+            </a:r>
+          </a:p>
+        </p:txBody>
+      </p:sp>
+      <p:sp>
+        <p:nvSpPr>
+          <p:cNvPr id="3" name="Content Placeholder 2">
+            <a:extLst>
+              <a:ext uri="{FF2B5EF4-FFF2-40B4-BE49-F238E27FC236}">
+                <a16:creationId xmlns="" xmlns:a16="http://schemas.microsoft.com/office/drawing/2014/main" id="{F7A26928-AFB6-4384-BF91-7ECECDBA8C13}"/>
+              </a:ext>
+            </a:extLst>
+          </p:cNvPr>
+          <p:cNvSpPr>
+            <a:spLocks noGrp="1"/>
+          </p:cNvSpPr>
+          <p:nvPr>
+            <p:ph idx="1"/>
+          </p:nvPr>
+        </p:nvSpPr>
+        <p:spPr/>
+        <p:txBody>
+          <a:bodyPr/>
+          <a:lstStyle/>
+          <a:p>
+            <a:r>
+              <a:rPr lang="en-US" dirty="0"/>
+              <a:t>The </a:t>
+            </a:r>
+            <a:r>
+              <a:rPr lang="en-US" dirty="0" err="1"/>
+              <a:t>RouterOutlet</a:t>
+            </a:r>
+            <a:r>
+              <a:rPr lang="en-US" dirty="0"/>
+              <a:t> is a directive from the router library that is used like a component. It acts as a placeholder that marks the spot in the template where the router should display the components for that outlet.</a:t>
+            </a:r>
+          </a:p>
+          <a:p>
+            <a:pPr marL="0" indent="0">
+              <a:buNone/>
+            </a:pPr>
+            <a:r>
+              <a:rPr lang="en-US" dirty="0"/>
+              <a:t>&lt;</a:t>
+            </a:r>
+            <a:r>
+              <a:rPr lang="en-US" dirty="0">
+                <a:hlinkClick r:id="rId2"/>
+              </a:rPr>
+              <a:t>router-outlet</a:t>
+            </a:r>
+            <a:r>
+              <a:rPr lang="en-US" dirty="0"/>
+              <a:t>&gt;&lt;/</a:t>
+            </a:r>
+            <a:r>
+              <a:rPr lang="en-US" dirty="0">
+                <a:hlinkClick r:id="rId2"/>
+              </a:rPr>
+              <a:t>router-outlet</a:t>
+            </a:r>
+            <a:r>
+              <a:rPr lang="en-US" dirty="0"/>
+              <a:t>&gt;</a:t>
+            </a:r>
+          </a:p>
+          <a:p>
+            <a:r>
+              <a:rPr lang="en-US" dirty="0"/>
+              <a:t>Router links help user to navigate between pages</a:t>
+            </a:r>
+          </a:p>
+          <a:p>
+            <a:pPr marL="0" indent="0">
+              <a:buNone/>
+            </a:pPr>
+            <a:r>
+              <a:rPr lang="en-US" dirty="0"/>
+              <a:t>&lt;</a:t>
+            </a:r>
+            <a:r>
+              <a:rPr lang="en-US" dirty="0">
+                <a:hlinkClick r:id="rId3"/>
+              </a:rPr>
+              <a:t>a</a:t>
+            </a:r>
+            <a:r>
+              <a:rPr lang="en-US" dirty="0"/>
+              <a:t> </a:t>
+            </a:r>
+            <a:r>
+              <a:rPr lang="en-US" dirty="0" err="1">
+                <a:hlinkClick r:id="rId4"/>
+              </a:rPr>
+              <a:t>routerLink</a:t>
+            </a:r>
+            <a:r>
+              <a:rPr lang="en-US" dirty="0"/>
+              <a:t>="/heroes" </a:t>
+            </a:r>
+            <a:r>
+              <a:rPr lang="en-US" dirty="0" err="1">
+                <a:hlinkClick r:id="rId5"/>
+              </a:rPr>
+              <a:t>routerLinkActive</a:t>
+            </a:r>
+            <a:r>
+              <a:rPr lang="en-US" dirty="0"/>
+              <a:t>="active"&gt;Heroes&lt;/</a:t>
+            </a:r>
+            <a:r>
+              <a:rPr lang="en-US" dirty="0">
+                <a:hlinkClick r:id="rId3"/>
+              </a:rPr>
+              <a:t>a</a:t>
+            </a:r>
+            <a:r>
+              <a:rPr lang="en-US" dirty="0"/>
+              <a:t>&gt;</a:t>
+            </a:r>
+          </a:p>
+          <a:p>
+            <a:r>
+              <a:rPr lang="en-US" dirty="0"/>
+              <a:t>Active router links: The </a:t>
+            </a:r>
+            <a:r>
+              <a:rPr lang="en-US" dirty="0" err="1"/>
+              <a:t>RouterLinkActive</a:t>
+            </a:r>
+            <a:r>
+              <a:rPr lang="en-US" dirty="0"/>
+              <a:t> directive toggles </a:t>
+            </a:r>
+            <a:r>
+              <a:rPr lang="en-US" dirty="0" err="1"/>
+              <a:t>css</a:t>
+            </a:r>
+            <a:r>
+              <a:rPr lang="en-US" dirty="0"/>
+              <a:t> classes for active </a:t>
+            </a:r>
+            <a:r>
+              <a:rPr lang="en-US" dirty="0" err="1"/>
+              <a:t>RouterLink</a:t>
+            </a:r>
+            <a:r>
+              <a:rPr lang="en-US" dirty="0"/>
+              <a:t> bindings based on the current </a:t>
+            </a:r>
+            <a:r>
+              <a:rPr lang="en-US" dirty="0" err="1"/>
+              <a:t>RouterState</a:t>
+            </a:r>
+            <a:r>
+              <a:rPr lang="en-US" dirty="0"/>
+              <a:t>.</a:t>
+            </a:r>
+          </a:p>
+          <a:p>
+            <a:pPr marL="0" indent="0">
+              <a:buNone/>
+            </a:pPr>
+            <a:r>
+              <a:rPr lang="en-US" dirty="0"/>
+              <a:t/>
+            </a:r>
+            <a:br>
+              <a:rPr lang="en-US" dirty="0"/>
+            </a:br>
+            <a:endParaRPr lang="en-US" dirty="0"/>
+          </a:p>
+        </p:txBody>
+      </p:sp>
+    </p:spTree>
+    <p:extLst>
+      <p:ext uri="{BB962C8B-B14F-4D97-AF65-F5344CB8AC3E}">
+        <p14:creationId xmlns:p14="http://schemas.microsoft.com/office/powerpoint/2010/main" val="2110725907"/>
+      </p:ext>
+    </p:extLst>
+  </p:cSld>
+  <p:clrMapOvr>
+    <a:masterClrMapping/>
+  </p:clrMapOvr>
+</p:sld>
+</file>
+
+<file path=ppt/slides/slide52.xml><?xml version="1.0" encoding="utf-8"?>
+<p:sld xmlns:a="http://schemas.openxmlformats.org/drawingml/2006/main" xmlns:r="http://schemas.openxmlformats.org/officeDocument/2006/relationships" xmlns:p="http://schemas.openxmlformats.org/presentationml/2006/main">
+  <p:cSld>
+    <p:spTree>
+      <p:nvGrpSpPr>
+        <p:cNvPr id="1" name=""/>
+        <p:cNvGrpSpPr/>
+        <p:nvPr/>
+      </p:nvGrpSpPr>
+      <p:grpSpPr>
+        <a:xfrm>
+          <a:off x="0" y="0"/>
+          <a:ext cx="0" cy="0"/>
+          <a:chOff x="0" y="0"/>
+          <a:chExt cx="0" cy="0"/>
+        </a:xfrm>
+      </p:grpSpPr>
+      <p:sp>
+        <p:nvSpPr>
+          <p:cNvPr id="2" name="Title 1">
+            <a:extLst>
+              <a:ext uri="{FF2B5EF4-FFF2-40B4-BE49-F238E27FC236}">
+                <a16:creationId xmlns="" xmlns:a16="http://schemas.microsoft.com/office/drawing/2014/main" id="{AD84CCF8-63BB-4950-BDB6-76B6D26BDA2D}"/>
+              </a:ext>
+            </a:extLst>
+          </p:cNvPr>
+          <p:cNvSpPr>
+            <a:spLocks noGrp="1"/>
+          </p:cNvSpPr>
+          <p:nvPr>
+            <p:ph type="title"/>
+          </p:nvPr>
+        </p:nvSpPr>
+        <p:spPr/>
+        <p:txBody>
+          <a:bodyPr>
+            <a:normAutofit fontScale="90000"/>
+          </a:bodyPr>
+          <a:lstStyle/>
+          <a:p>
+            <a:r>
+              <a:rPr lang="en-US" dirty="0">
+                <a:latin typeface="Times New Roman" panose="02020603050405020304" pitchFamily="18" charset="0"/>
+                <a:cs typeface="Times New Roman" panose="02020603050405020304" pitchFamily="18" charset="0"/>
+              </a:rPr>
+              <a:t/>
+            </a:r>
+            <a:br>
+              <a:rPr lang="en-US" dirty="0">
+                <a:latin typeface="Times New Roman" panose="02020603050405020304" pitchFamily="18" charset="0"/>
+                <a:cs typeface="Times New Roman" panose="02020603050405020304" pitchFamily="18" charset="0"/>
+              </a:rPr>
+            </a:br>
+            <a:r>
+              <a:rPr lang="en-US" dirty="0">
+                <a:latin typeface="Times New Roman" panose="02020603050405020304" pitchFamily="18" charset="0"/>
+                <a:cs typeface="Times New Roman" panose="02020603050405020304" pitchFamily="18" charset="0"/>
+              </a:rPr>
+              <a:t>Sending and Receiving Route Parameters</a:t>
+            </a:r>
+            <a:br>
+              <a:rPr lang="en-US" dirty="0">
+                <a:latin typeface="Times New Roman" panose="02020603050405020304" pitchFamily="18" charset="0"/>
+                <a:cs typeface="Times New Roman" panose="02020603050405020304" pitchFamily="18" charset="0"/>
+              </a:rPr>
+            </a:br>
+            <a:endParaRPr lang="en-US" dirty="0">
+              <a:latin typeface="Times New Roman" panose="02020603050405020304" pitchFamily="18" charset="0"/>
+              <a:cs typeface="Times New Roman" panose="02020603050405020304" pitchFamily="18" charset="0"/>
+            </a:endParaRPr>
+          </a:p>
+        </p:txBody>
+      </p:sp>
       <p:pic>
         <p:nvPicPr>
           <p:cNvPr id="7" name="Content Placeholder 6">
             <a:extLst>
               <a:ext uri="{FF2B5EF4-FFF2-40B4-BE49-F238E27FC236}">
-                <a16:creationId xmlns:a16="http://schemas.microsoft.com/office/drawing/2014/main" xmlns="" id="{DF38351B-9905-446B-B4D9-53E053FB34AD}"/>
+                <a16:creationId xmlns="" xmlns:a16="http://schemas.microsoft.com/office/drawing/2014/main" id="{DF38351B-9905-446B-B4D9-53E053FB34AD}"/>
               </a:ext>
             </a:extLst>
           </p:cNvPr>
@@ -13980,7 +14345,7 @@
 </p:sld>
 </file>
 
-<file path=ppt/slides/slide51.xml><?xml version="1.0" encoding="utf-8"?>
+<file path=ppt/slides/slide53.xml><?xml version="1.0" encoding="utf-8"?>
 <p:sld xmlns:a="http://schemas.openxmlformats.org/drawingml/2006/main" xmlns:r="http://schemas.openxmlformats.org/officeDocument/2006/relationships" xmlns:p="http://schemas.openxmlformats.org/presentationml/2006/main">
   <p:cSld>
     <p:spTree>
@@ -14002,7 +14367,7 @@
           <p:cNvPr id="2" name="Title 1">
             <a:extLst>
               <a:ext uri="{FF2B5EF4-FFF2-40B4-BE49-F238E27FC236}">
-                <a16:creationId xmlns:a16="http://schemas.microsoft.com/office/drawing/2014/main" xmlns="" id="{58053DEB-0364-4739-A75A-D1ADAE13C923}"/>
+                <a16:creationId xmlns="" xmlns:a16="http://schemas.microsoft.com/office/drawing/2014/main" id="{58053DEB-0364-4739-A75A-D1ADAE13C923}"/>
               </a:ext>
             </a:extLst>
           </p:cNvPr>
@@ -14058,7 +14423,7 @@
           <p:cNvPr id="5" name="Content Placeholder 4">
             <a:extLst>
               <a:ext uri="{FF2B5EF4-FFF2-40B4-BE49-F238E27FC236}">
-                <a16:creationId xmlns:a16="http://schemas.microsoft.com/office/drawing/2014/main" xmlns="" id="{650F94E9-AB70-4531-9D6D-9C0F7C608B60}"/>
+                <a16:creationId xmlns="" xmlns:a16="http://schemas.microsoft.com/office/drawing/2014/main" id="{650F94E9-AB70-4531-9D6D-9C0F7C608B60}"/>
               </a:ext>
             </a:extLst>
           </p:cNvPr>
@@ -14101,7 +14466,7 @@
 </p:sld>
 </file>
 
-<file path=ppt/slides/slide52.xml><?xml version="1.0" encoding="utf-8"?>
+<file path=ppt/slides/slide54.xml><?xml version="1.0" encoding="utf-8"?>
 <p:sld xmlns:a="http://schemas.openxmlformats.org/drawingml/2006/main" xmlns:r="http://schemas.openxmlformats.org/officeDocument/2006/relationships" xmlns:p="http://schemas.openxmlformats.org/presentationml/2006/main">
   <p:cSld>
     <p:spTree>
@@ -14123,7 +14488,7 @@
           <p:cNvPr id="2" name="Title 1">
             <a:extLst>
               <a:ext uri="{FF2B5EF4-FFF2-40B4-BE49-F238E27FC236}">
-                <a16:creationId xmlns:a16="http://schemas.microsoft.com/office/drawing/2014/main" xmlns="" id="{065C1010-908E-4E80-969B-8AD5B2DA4866}"/>
+                <a16:creationId xmlns="" xmlns:a16="http://schemas.microsoft.com/office/drawing/2014/main" id="{065C1010-908E-4E80-969B-8AD5B2DA4866}"/>
               </a:ext>
             </a:extLst>
           </p:cNvPr>
@@ -14181,7 +14546,7 @@
           <p:cNvPr id="3" name="Content Placeholder 2">
             <a:extLst>
               <a:ext uri="{FF2B5EF4-FFF2-40B4-BE49-F238E27FC236}">
-                <a16:creationId xmlns:a16="http://schemas.microsoft.com/office/drawing/2014/main" xmlns="" id="{84CCFDEF-BEA6-4502-AAF2-CD1449B687B2}"/>
+                <a16:creationId xmlns="" xmlns:a16="http://schemas.microsoft.com/office/drawing/2014/main" id="{84CCFDEF-BEA6-4502-AAF2-CD1449B687B2}"/>
               </a:ext>
             </a:extLst>
           </p:cNvPr>
@@ -14393,7 +14758,7 @@
 </p:sld>
 </file>
 
-<file path=ppt/slides/slide53.xml><?xml version="1.0" encoding="utf-8"?>
+<file path=ppt/slides/slide55.xml><?xml version="1.0" encoding="utf-8"?>
 <p:sld xmlns:a="http://schemas.openxmlformats.org/drawingml/2006/main" xmlns:r="http://schemas.openxmlformats.org/officeDocument/2006/relationships" xmlns:p="http://schemas.openxmlformats.org/presentationml/2006/main">
   <p:cSld>
     <p:spTree>
@@ -14415,7 +14780,7 @@
           <p:cNvPr id="2" name="Title 1">
             <a:extLst>
               <a:ext uri="{FF2B5EF4-FFF2-40B4-BE49-F238E27FC236}">
-                <a16:creationId xmlns:a16="http://schemas.microsoft.com/office/drawing/2014/main" xmlns="" id="{675A3199-E351-4E33-92D5-5A5218F6AAEF}"/>
+                <a16:creationId xmlns="" xmlns:a16="http://schemas.microsoft.com/office/drawing/2014/main" id="{675A3199-E351-4E33-92D5-5A5218F6AAEF}"/>
               </a:ext>
             </a:extLst>
           </p:cNvPr>
@@ -14471,7 +14836,7 @@
           <p:cNvPr id="5" name="Content Placeholder 4">
             <a:extLst>
               <a:ext uri="{FF2B5EF4-FFF2-40B4-BE49-F238E27FC236}">
-                <a16:creationId xmlns:a16="http://schemas.microsoft.com/office/drawing/2014/main" xmlns="" id="{1CC84714-336C-49E6-8E73-D3612ACE155A}"/>
+                <a16:creationId xmlns="" xmlns:a16="http://schemas.microsoft.com/office/drawing/2014/main" id="{1CC84714-336C-49E6-8E73-D3612ACE155A}"/>
               </a:ext>
             </a:extLst>
           </p:cNvPr>
@@ -14514,7 +14879,7 @@
 </p:sld>
 </file>
 
-<file path=ppt/slides/slide54.xml><?xml version="1.0" encoding="utf-8"?>
+<file path=ppt/slides/slide56.xml><?xml version="1.0" encoding="utf-8"?>
 <p:sld xmlns:a="http://schemas.openxmlformats.org/drawingml/2006/main" xmlns:r="http://schemas.openxmlformats.org/officeDocument/2006/relationships" xmlns:p="http://schemas.openxmlformats.org/presentationml/2006/main">
   <p:cSld>
     <p:spTree>
@@ -14536,7 +14901,7 @@
           <p:cNvPr id="2" name="Title 1">
             <a:extLst>
               <a:ext uri="{FF2B5EF4-FFF2-40B4-BE49-F238E27FC236}">
-                <a16:creationId xmlns:a16="http://schemas.microsoft.com/office/drawing/2014/main" xmlns="" id="{A090EDE9-9054-457B-9CC7-4617D11A91AC}"/>
+                <a16:creationId xmlns="" xmlns:a16="http://schemas.microsoft.com/office/drawing/2014/main" id="{A090EDE9-9054-457B-9CC7-4617D11A91AC}"/>
               </a:ext>
             </a:extLst>
           </p:cNvPr>
@@ -14599,7 +14964,7 @@
           <p:cNvPr id="5" name="Content Placeholder 4">
             <a:extLst>
               <a:ext uri="{FF2B5EF4-FFF2-40B4-BE49-F238E27FC236}">
-                <a16:creationId xmlns:a16="http://schemas.microsoft.com/office/drawing/2014/main" xmlns="" id="{6A6F1091-4A85-48FC-B917-22A53BA8A1CC}"/>
+                <a16:creationId xmlns="" xmlns:a16="http://schemas.microsoft.com/office/drawing/2014/main" id="{6A6F1091-4A85-48FC-B917-22A53BA8A1CC}"/>
               </a:ext>
             </a:extLst>
           </p:cNvPr>
@@ -14642,7 +15007,7 @@
 </p:sld>
 </file>
 
-<file path=ppt/slides/slide55.xml><?xml version="1.0" encoding="utf-8"?>
+<file path=ppt/slides/slide57.xml><?xml version="1.0" encoding="utf-8"?>
 <p:sld xmlns:a="http://schemas.openxmlformats.org/drawingml/2006/main" xmlns:r="http://schemas.openxmlformats.org/officeDocument/2006/relationships" xmlns:p="http://schemas.openxmlformats.org/presentationml/2006/main">
   <p:cSld>
     <p:spTree>
@@ -14759,10 +15124,6 @@
               </a:rPr>
               <a:t>define a function for publishing values, but it is not executed until a consumer subscribes to it. The subscribed consumer then receives notifications until the function completes, or until they unsubscribe.</a:t>
             </a:r>
-            <a:endParaRPr lang="en-US" dirty="0">
-              <a:latin typeface="Times New Roman" panose="02020603050405020304" pitchFamily="18" charset="0"/>
-              <a:cs typeface="Times New Roman" panose="02020603050405020304" pitchFamily="18" charset="0"/>
-            </a:endParaRPr>
           </a:p>
         </p:txBody>
       </p:sp>
@@ -14779,7 +15140,7 @@
 </p:sld>
 </file>
 
-<file path=ppt/slides/slide56.xml><?xml version="1.0" encoding="utf-8"?>
+<file path=ppt/slides/slide58.xml><?xml version="1.0" encoding="utf-8"?>
 <p:sld xmlns:a="http://schemas.openxmlformats.org/drawingml/2006/main" xmlns:r="http://schemas.openxmlformats.org/officeDocument/2006/relationships" xmlns:p="http://schemas.openxmlformats.org/presentationml/2006/main">
   <p:cSld>
     <p:spTree>
@@ -14916,7 +15277,7 @@
 </p:sld>
 </file>
 
-<file path=ppt/slides/slide57.xml><?xml version="1.0" encoding="utf-8"?>
+<file path=ppt/slides/slide59.xml><?xml version="1.0" encoding="utf-8"?>
 <p:sld xmlns:a="http://schemas.openxmlformats.org/drawingml/2006/main" xmlns:r="http://schemas.openxmlformats.org/officeDocument/2006/relationships" xmlns:p="http://schemas.openxmlformats.org/presentationml/2006/main">
   <p:cSld>
     <p:spTree>
@@ -15120,7 +15481,151 @@
 </p:sld>
 </file>
 
-<file path=ppt/slides/slide58.xml><?xml version="1.0" encoding="utf-8"?>
+<file path=ppt/slides/slide6.xml><?xml version="1.0" encoding="utf-8"?>
+<p:sld xmlns:a="http://schemas.openxmlformats.org/drawingml/2006/main" xmlns:r="http://schemas.openxmlformats.org/officeDocument/2006/relationships" xmlns:p="http://schemas.openxmlformats.org/presentationml/2006/main">
+  <p:cSld>
+    <p:spTree>
+      <p:nvGrpSpPr>
+        <p:cNvPr id="1" name=""/>
+        <p:cNvGrpSpPr/>
+        <p:nvPr/>
+      </p:nvGrpSpPr>
+      <p:grpSpPr>
+        <a:xfrm>
+          <a:off x="0" y="0"/>
+          <a:ext cx="0" cy="0"/>
+          <a:chOff x="0" y="0"/>
+          <a:chExt cx="0" cy="0"/>
+        </a:xfrm>
+      </p:grpSpPr>
+      <p:sp>
+        <p:nvSpPr>
+          <p:cNvPr id="2" name="Title 1"/>
+          <p:cNvSpPr>
+            <a:spLocks noGrp="1"/>
+          </p:cNvSpPr>
+          <p:nvPr>
+            <p:ph type="title"/>
+          </p:nvPr>
+        </p:nvSpPr>
+        <p:spPr/>
+        <p:txBody>
+          <a:bodyPr>
+            <a:normAutofit fontScale="90000"/>
+          </a:bodyPr>
+          <a:lstStyle/>
+          <a:p>
+            <a:r>
+              <a:rPr lang="en-US" dirty="0">
+                <a:latin typeface="Times New Roman" panose="02020603050405020304" pitchFamily="18" charset="0"/>
+                <a:cs typeface="Times New Roman" panose="02020603050405020304" pitchFamily="18" charset="0"/>
+              </a:rPr>
+              <a:t/>
+            </a:r>
+            <a:br>
+              <a:rPr lang="en-US" dirty="0">
+                <a:latin typeface="Times New Roman" panose="02020603050405020304" pitchFamily="18" charset="0"/>
+                <a:cs typeface="Times New Roman" panose="02020603050405020304" pitchFamily="18" charset="0"/>
+              </a:rPr>
+            </a:br>
+            <a:r>
+              <a:rPr lang="en-US" dirty="0" err="1">
+                <a:latin typeface="Times New Roman" panose="02020603050405020304" pitchFamily="18" charset="0"/>
+                <a:cs typeface="Times New Roman" panose="02020603050405020304" pitchFamily="18" charset="0"/>
+              </a:rPr>
+              <a:t>Speread</a:t>
+            </a:r>
+            <a:r>
+              <a:rPr lang="en-US" dirty="0">
+                <a:latin typeface="Times New Roman" panose="02020603050405020304" pitchFamily="18" charset="0"/>
+                <a:cs typeface="Times New Roman" panose="02020603050405020304" pitchFamily="18" charset="0"/>
+              </a:rPr>
+              <a:t> operator</a:t>
+            </a:r>
+            <a:br>
+              <a:rPr lang="en-US" dirty="0">
+                <a:latin typeface="Times New Roman" panose="02020603050405020304" pitchFamily="18" charset="0"/>
+                <a:cs typeface="Times New Roman" panose="02020603050405020304" pitchFamily="18" charset="0"/>
+              </a:rPr>
+            </a:br>
+            <a:endParaRPr lang="en-US" dirty="0">
+              <a:latin typeface="Times New Roman" panose="02020603050405020304" pitchFamily="18" charset="0"/>
+              <a:cs typeface="Times New Roman" panose="02020603050405020304" pitchFamily="18" charset="0"/>
+            </a:endParaRPr>
+          </a:p>
+        </p:txBody>
+      </p:sp>
+      <p:sp>
+        <p:nvSpPr>
+          <p:cNvPr id="3" name="Content Placeholder 2"/>
+          <p:cNvSpPr>
+            <a:spLocks noGrp="1"/>
+          </p:cNvSpPr>
+          <p:nvPr>
+            <p:ph idx="1"/>
+          </p:nvPr>
+        </p:nvSpPr>
+        <p:spPr/>
+        <p:txBody>
+          <a:bodyPr/>
+          <a:lstStyle/>
+          <a:p>
+            <a:r>
+              <a:rPr lang="en-US" dirty="0" err="1">
+                <a:latin typeface="Times New Roman" panose="02020603050405020304" pitchFamily="18" charset="0"/>
+                <a:cs typeface="Times New Roman" panose="02020603050405020304" pitchFamily="18" charset="0"/>
+              </a:rPr>
+              <a:t>var</a:t>
+            </a:r>
+            <a:r>
+              <a:rPr lang="en-US" dirty="0">
+                <a:latin typeface="Times New Roman" panose="02020603050405020304" pitchFamily="18" charset="0"/>
+                <a:cs typeface="Times New Roman" panose="02020603050405020304" pitchFamily="18" charset="0"/>
+              </a:rPr>
+              <a:t> parts = ['shoulders', 'knees']; </a:t>
+            </a:r>
+          </a:p>
+          <a:p>
+            <a:r>
+              <a:rPr lang="en-US" dirty="0" err="1">
+                <a:latin typeface="Times New Roman" panose="02020603050405020304" pitchFamily="18" charset="0"/>
+                <a:cs typeface="Times New Roman" panose="02020603050405020304" pitchFamily="18" charset="0"/>
+              </a:rPr>
+              <a:t>var</a:t>
+            </a:r>
+            <a:r>
+              <a:rPr lang="en-US" dirty="0">
+                <a:latin typeface="Times New Roman" panose="02020603050405020304" pitchFamily="18" charset="0"/>
+                <a:cs typeface="Times New Roman" panose="02020603050405020304" pitchFamily="18" charset="0"/>
+              </a:rPr>
+              <a:t> lyrics = ['head', ...parts, 'and', 'toes']; </a:t>
+            </a:r>
+          </a:p>
+          <a:p>
+            <a:r>
+              <a:rPr lang="en-US" dirty="0">
+                <a:latin typeface="Times New Roman" panose="02020603050405020304" pitchFamily="18" charset="0"/>
+                <a:cs typeface="Times New Roman" panose="02020603050405020304" pitchFamily="18" charset="0"/>
+              </a:rPr>
+              <a:t>// ["head", "shoulders", "knees", "and", "toes"]</a:t>
+            </a:r>
+          </a:p>
+        </p:txBody>
+      </p:sp>
+    </p:spTree>
+    <p:extLst>
+      <p:ext uri="{BB962C8B-B14F-4D97-AF65-F5344CB8AC3E}">
+        <p14:creationId xmlns:p14="http://schemas.microsoft.com/office/powerpoint/2010/main" val="3220732713"/>
+      </p:ext>
+    </p:extLst>
+  </p:cSld>
+  <p:clrMapOvr>
+    <a:masterClrMapping/>
+  </p:clrMapOvr>
+</p:sld>
+</file>
+
+<file path=ppt/slides/slide60.xml><?xml version="1.0" encoding="utf-8"?>
 <p:sld xmlns:a="http://schemas.openxmlformats.org/drawingml/2006/main" xmlns:r="http://schemas.openxmlformats.org/officeDocument/2006/relationships" xmlns:p="http://schemas.openxmlformats.org/presentationml/2006/main">
   <p:cSld>
     <p:spTree>
@@ -15250,7 +15755,7 @@
 </p:sld>
 </file>
 
-<file path=ppt/slides/slide59.xml><?xml version="1.0" encoding="utf-8"?>
+<file path=ppt/slides/slide61.xml><?xml version="1.0" encoding="utf-8"?>
 <p:sld xmlns:a="http://schemas.openxmlformats.org/drawingml/2006/main" xmlns:r="http://schemas.openxmlformats.org/officeDocument/2006/relationships" xmlns:p="http://schemas.openxmlformats.org/presentationml/2006/main">
   <p:cSld>
     <p:spTree>
@@ -15558,10 +16063,6 @@
               </a:rPr>
               <a:t>';</a:t>
             </a:r>
-            <a:endParaRPr lang="en-US" sz="2200" dirty="0">
-              <a:latin typeface="Times New Roman" panose="02020603050405020304" pitchFamily="18" charset="0"/>
-              <a:cs typeface="Times New Roman" panose="02020603050405020304" pitchFamily="18" charset="0"/>
-            </a:endParaRPr>
           </a:p>
         </p:txBody>
       </p:sp>
@@ -15578,151 +16079,7 @@
 </p:sld>
 </file>
 
-<file path=ppt/slides/slide6.xml><?xml version="1.0" encoding="utf-8"?>
-<p:sld xmlns:a="http://schemas.openxmlformats.org/drawingml/2006/main" xmlns:r="http://schemas.openxmlformats.org/officeDocument/2006/relationships" xmlns:p="http://schemas.openxmlformats.org/presentationml/2006/main">
-  <p:cSld>
-    <p:spTree>
-      <p:nvGrpSpPr>
-        <p:cNvPr id="1" name=""/>
-        <p:cNvGrpSpPr/>
-        <p:nvPr/>
-      </p:nvGrpSpPr>
-      <p:grpSpPr>
-        <a:xfrm>
-          <a:off x="0" y="0"/>
-          <a:ext cx="0" cy="0"/>
-          <a:chOff x="0" y="0"/>
-          <a:chExt cx="0" cy="0"/>
-        </a:xfrm>
-      </p:grpSpPr>
-      <p:sp>
-        <p:nvSpPr>
-          <p:cNvPr id="2" name="Title 1"/>
-          <p:cNvSpPr>
-            <a:spLocks noGrp="1"/>
-          </p:cNvSpPr>
-          <p:nvPr>
-            <p:ph type="title"/>
-          </p:nvPr>
-        </p:nvSpPr>
-        <p:spPr/>
-        <p:txBody>
-          <a:bodyPr>
-            <a:normAutofit fontScale="90000"/>
-          </a:bodyPr>
-          <a:lstStyle/>
-          <a:p>
-            <a:r>
-              <a:rPr lang="en-US" dirty="0">
-                <a:latin typeface="Times New Roman" panose="02020603050405020304" pitchFamily="18" charset="0"/>
-                <a:cs typeface="Times New Roman" panose="02020603050405020304" pitchFamily="18" charset="0"/>
-              </a:rPr>
-              <a:t/>
-            </a:r>
-            <a:br>
-              <a:rPr lang="en-US" dirty="0">
-                <a:latin typeface="Times New Roman" panose="02020603050405020304" pitchFamily="18" charset="0"/>
-                <a:cs typeface="Times New Roman" panose="02020603050405020304" pitchFamily="18" charset="0"/>
-              </a:rPr>
-            </a:br>
-            <a:r>
-              <a:rPr lang="en-US" dirty="0" err="1">
-                <a:latin typeface="Times New Roman" panose="02020603050405020304" pitchFamily="18" charset="0"/>
-                <a:cs typeface="Times New Roman" panose="02020603050405020304" pitchFamily="18" charset="0"/>
-              </a:rPr>
-              <a:t>Speread</a:t>
-            </a:r>
-            <a:r>
-              <a:rPr lang="en-US" dirty="0">
-                <a:latin typeface="Times New Roman" panose="02020603050405020304" pitchFamily="18" charset="0"/>
-                <a:cs typeface="Times New Roman" panose="02020603050405020304" pitchFamily="18" charset="0"/>
-              </a:rPr>
-              <a:t> operator</a:t>
-            </a:r>
-            <a:br>
-              <a:rPr lang="en-US" dirty="0">
-                <a:latin typeface="Times New Roman" panose="02020603050405020304" pitchFamily="18" charset="0"/>
-                <a:cs typeface="Times New Roman" panose="02020603050405020304" pitchFamily="18" charset="0"/>
-              </a:rPr>
-            </a:br>
-            <a:endParaRPr lang="en-US" dirty="0">
-              <a:latin typeface="Times New Roman" panose="02020603050405020304" pitchFamily="18" charset="0"/>
-              <a:cs typeface="Times New Roman" panose="02020603050405020304" pitchFamily="18" charset="0"/>
-            </a:endParaRPr>
-          </a:p>
-        </p:txBody>
-      </p:sp>
-      <p:sp>
-        <p:nvSpPr>
-          <p:cNvPr id="3" name="Content Placeholder 2"/>
-          <p:cNvSpPr>
-            <a:spLocks noGrp="1"/>
-          </p:cNvSpPr>
-          <p:nvPr>
-            <p:ph idx="1"/>
-          </p:nvPr>
-        </p:nvSpPr>
-        <p:spPr/>
-        <p:txBody>
-          <a:bodyPr/>
-          <a:lstStyle/>
-          <a:p>
-            <a:r>
-              <a:rPr lang="en-US" dirty="0" err="1">
-                <a:latin typeface="Times New Roman" panose="02020603050405020304" pitchFamily="18" charset="0"/>
-                <a:cs typeface="Times New Roman" panose="02020603050405020304" pitchFamily="18" charset="0"/>
-              </a:rPr>
-              <a:t>var</a:t>
-            </a:r>
-            <a:r>
-              <a:rPr lang="en-US" dirty="0">
-                <a:latin typeface="Times New Roman" panose="02020603050405020304" pitchFamily="18" charset="0"/>
-                <a:cs typeface="Times New Roman" panose="02020603050405020304" pitchFamily="18" charset="0"/>
-              </a:rPr>
-              <a:t> parts = ['shoulders', 'knees']; </a:t>
-            </a:r>
-          </a:p>
-          <a:p>
-            <a:r>
-              <a:rPr lang="en-US" dirty="0" err="1">
-                <a:latin typeface="Times New Roman" panose="02020603050405020304" pitchFamily="18" charset="0"/>
-                <a:cs typeface="Times New Roman" panose="02020603050405020304" pitchFamily="18" charset="0"/>
-              </a:rPr>
-              <a:t>var</a:t>
-            </a:r>
-            <a:r>
-              <a:rPr lang="en-US" dirty="0">
-                <a:latin typeface="Times New Roman" panose="02020603050405020304" pitchFamily="18" charset="0"/>
-                <a:cs typeface="Times New Roman" panose="02020603050405020304" pitchFamily="18" charset="0"/>
-              </a:rPr>
-              <a:t> lyrics = ['head', ...parts, 'and', 'toes']; </a:t>
-            </a:r>
-          </a:p>
-          <a:p>
-            <a:r>
-              <a:rPr lang="en-US" dirty="0">
-                <a:latin typeface="Times New Roman" panose="02020603050405020304" pitchFamily="18" charset="0"/>
-                <a:cs typeface="Times New Roman" panose="02020603050405020304" pitchFamily="18" charset="0"/>
-              </a:rPr>
-              <a:t>// ["head", "shoulders", "knees", "and", "toes"]</a:t>
-            </a:r>
-          </a:p>
-        </p:txBody>
-      </p:sp>
-    </p:spTree>
-    <p:extLst>
-      <p:ext uri="{BB962C8B-B14F-4D97-AF65-F5344CB8AC3E}">
-        <p14:creationId xmlns:p14="http://schemas.microsoft.com/office/powerpoint/2010/main" val="3220732713"/>
-      </p:ext>
-    </p:extLst>
-  </p:cSld>
-  <p:clrMapOvr>
-    <a:masterClrMapping/>
-  </p:clrMapOvr>
-</p:sld>
-</file>
-
-<file path=ppt/slides/slide60.xml><?xml version="1.0" encoding="utf-8"?>
+<file path=ppt/slides/slide62.xml><?xml version="1.0" encoding="utf-8"?>
 <p:sld xmlns:a="http://schemas.openxmlformats.org/drawingml/2006/main" xmlns:r="http://schemas.openxmlformats.org/officeDocument/2006/relationships" xmlns:p="http://schemas.openxmlformats.org/presentationml/2006/main">
   <p:cSld>
     <p:spTree>
@@ -15838,7 +16195,7 @@
 </p:sld>
 </file>
 
-<file path=ppt/slides/slide61.xml><?xml version="1.0" encoding="utf-8"?>
+<file path=ppt/slides/slide63.xml><?xml version="1.0" encoding="utf-8"?>
 <p:sld xmlns:a="http://schemas.openxmlformats.org/drawingml/2006/main" xmlns:r="http://schemas.openxmlformats.org/officeDocument/2006/relationships" xmlns:p="http://schemas.openxmlformats.org/presentationml/2006/main">
   <p:cSld>
     <p:spTree>

--- a/Angular Workshop/Angular Workshop.pptx
+++ b/Angular Workshop/Angular Workshop.pptx
@@ -5,7 +5,7 @@
     <p:sldMasterId id="2147483790" r:id="rId1"/>
   </p:sldMasterIdLst>
   <p:notesMasterIdLst>
-    <p:notesMasterId r:id="rId65"/>
+    <p:notesMasterId r:id="rId67"/>
   </p:notesMasterIdLst>
   <p:sldIdLst>
     <p:sldId id="256" r:id="rId2"/>
@@ -63,14 +63,16 @@
     <p:sldId id="306" r:id="rId54"/>
     <p:sldId id="308" r:id="rId55"/>
     <p:sldId id="307" r:id="rId56"/>
-    <p:sldId id="309" r:id="rId57"/>
-    <p:sldId id="310" r:id="rId58"/>
-    <p:sldId id="311" r:id="rId59"/>
-    <p:sldId id="312" r:id="rId60"/>
-    <p:sldId id="313" r:id="rId61"/>
-    <p:sldId id="314" r:id="rId62"/>
-    <p:sldId id="315" r:id="rId63"/>
-    <p:sldId id="316" r:id="rId64"/>
+    <p:sldId id="320" r:id="rId57"/>
+    <p:sldId id="319" r:id="rId58"/>
+    <p:sldId id="309" r:id="rId59"/>
+    <p:sldId id="310" r:id="rId60"/>
+    <p:sldId id="311" r:id="rId61"/>
+    <p:sldId id="312" r:id="rId62"/>
+    <p:sldId id="313" r:id="rId63"/>
+    <p:sldId id="314" r:id="rId64"/>
+    <p:sldId id="315" r:id="rId65"/>
+    <p:sldId id="316" r:id="rId66"/>
   </p:sldIdLst>
   <p:sldSz cx="12192000" cy="6858000"/>
   <p:notesSz cx="6858000" cy="9144000"/>
@@ -259,7 +261,7 @@
           <a:p>
             <a:fld id="{6A8D9F0F-2837-48EC-B86C-7389FCD155D0}" type="datetimeFigureOut">
               <a:rPr lang="en-US" smtClean="0"/>
-              <a:t>5/20/2019</a:t>
+              <a:t>5/28/2019</a:t>
             </a:fld>
             <a:endParaRPr lang="en-US"/>
           </a:p>
@@ -841,7 +843,7 @@
           <a:lstStyle/>
           <a:p>
             <a:r>
-              <a:rPr lang="en-US" dirty="0" smtClean="0">
+              <a:rPr lang="en-US" dirty="0">
                 <a:hlinkClick r:id="rId3"/>
               </a:rPr>
               <a:t>https://www.youtube.com/watch?v=XbOuCBuQepI</a:t>
@@ -867,7 +869,7 @@
           <a:p>
             <a:fld id="{41A78D70-B909-41F5-A68F-9A409A675382}" type="slidenum">
               <a:rPr lang="en-US" smtClean="0"/>
-              <a:t>57</a:t>
+              <a:t>59</a:t>
             </a:fld>
             <a:endParaRPr lang="en-US"/>
           </a:p>
@@ -1289,7 +1291,7 @@
           <a:p>
             <a:fld id="{B9D14AC3-431A-47E8-842F-ED47F6F75548}" type="datetimeFigureOut">
               <a:rPr lang="en-US" smtClean="0"/>
-              <a:t>5/20/2019</a:t>
+              <a:t>5/28/2019</a:t>
             </a:fld>
             <a:endParaRPr lang="en-US"/>
           </a:p>
@@ -1468,7 +1470,7 @@
           <a:p>
             <a:fld id="{B9D14AC3-431A-47E8-842F-ED47F6F75548}" type="datetimeFigureOut">
               <a:rPr lang="en-US" smtClean="0"/>
-              <a:t>5/20/2019</a:t>
+              <a:t>5/28/2019</a:t>
             </a:fld>
             <a:endParaRPr lang="en-US"/>
           </a:p>
@@ -1648,7 +1650,7 @@
           <a:p>
             <a:fld id="{B9D14AC3-431A-47E8-842F-ED47F6F75548}" type="datetimeFigureOut">
               <a:rPr lang="en-US" smtClean="0"/>
-              <a:t>5/20/2019</a:t>
+              <a:t>5/28/2019</a:t>
             </a:fld>
             <a:endParaRPr lang="en-US"/>
           </a:p>
@@ -1818,7 +1820,7 @@
           <a:p>
             <a:fld id="{B9D14AC3-431A-47E8-842F-ED47F6F75548}" type="datetimeFigureOut">
               <a:rPr lang="en-US" smtClean="0"/>
-              <a:t>5/20/2019</a:t>
+              <a:t>5/28/2019</a:t>
             </a:fld>
             <a:endParaRPr lang="en-US"/>
           </a:p>
@@ -2131,7 +2133,7 @@
           <a:p>
             <a:fld id="{B9D14AC3-431A-47E8-842F-ED47F6F75548}" type="datetimeFigureOut">
               <a:rPr lang="en-US" smtClean="0"/>
-              <a:t>5/20/2019</a:t>
+              <a:t>5/28/2019</a:t>
             </a:fld>
             <a:endParaRPr lang="en-US"/>
           </a:p>
@@ -2517,7 +2519,7 @@
           <a:p>
             <a:fld id="{B9D14AC3-431A-47E8-842F-ED47F6F75548}" type="datetimeFigureOut">
               <a:rPr lang="en-US" smtClean="0"/>
-              <a:t>5/20/2019</a:t>
+              <a:t>5/28/2019</a:t>
             </a:fld>
             <a:endParaRPr lang="en-US"/>
           </a:p>
@@ -2956,7 +2958,7 @@
           <a:p>
             <a:fld id="{B9D14AC3-431A-47E8-842F-ED47F6F75548}" type="datetimeFigureOut">
               <a:rPr lang="en-US" smtClean="0"/>
-              <a:t>5/20/2019</a:t>
+              <a:t>5/28/2019</a:t>
             </a:fld>
             <a:endParaRPr lang="en-US"/>
           </a:p>
@@ -3079,7 +3081,7 @@
           <a:p>
             <a:fld id="{B9D14AC3-431A-47E8-842F-ED47F6F75548}" type="datetimeFigureOut">
               <a:rPr lang="en-US" smtClean="0"/>
-              <a:t>5/20/2019</a:t>
+              <a:t>5/28/2019</a:t>
             </a:fld>
             <a:endParaRPr lang="en-US"/>
           </a:p>
@@ -3174,7 +3176,7 @@
           <a:p>
             <a:fld id="{B9D14AC3-431A-47E8-842F-ED47F6F75548}" type="datetimeFigureOut">
               <a:rPr lang="en-US" smtClean="0"/>
-              <a:t>5/20/2019</a:t>
+              <a:t>5/28/2019</a:t>
             </a:fld>
             <a:endParaRPr lang="en-US"/>
           </a:p>
@@ -3524,7 +3526,7 @@
           <a:p>
             <a:fld id="{B9D14AC3-431A-47E8-842F-ED47F6F75548}" type="datetimeFigureOut">
               <a:rPr lang="en-US" smtClean="0"/>
-              <a:t>5/20/2019</a:t>
+              <a:t>5/28/2019</a:t>
             </a:fld>
             <a:endParaRPr lang="en-US"/>
           </a:p>
@@ -3954,7 +3956,7 @@
           <a:p>
             <a:fld id="{B9D14AC3-431A-47E8-842F-ED47F6F75548}" type="datetimeFigureOut">
               <a:rPr lang="en-US" smtClean="0"/>
-              <a:t>5/20/2019</a:t>
+              <a:t>5/28/2019</a:t>
             </a:fld>
             <a:endParaRPr lang="en-US"/>
           </a:p>
@@ -4235,7 +4237,7 @@
           <a:p>
             <a:fld id="{B9D14AC3-431A-47E8-842F-ED47F6F75548}" type="datetimeFigureOut">
               <a:rPr lang="en-US" smtClean="0"/>
-              <a:t>5/20/2019</a:t>
+              <a:t>5/28/2019</a:t>
             </a:fld>
             <a:endParaRPr lang="en-US"/>
           </a:p>
@@ -4832,10 +4834,6 @@
           <a:lstStyle/>
           <a:p>
             <a:pPr algn="ctr"/>
-            <a:r>
-              <a:rPr lang="en-US" b="1" dirty="0"/>
-              <a:t/>
-            </a:r>
             <a:br>
               <a:rPr lang="en-US" b="1" dirty="0"/>
             </a:br>
@@ -5006,7 +5004,7 @@
           <p:cNvPr id="2" name="Title 1">
             <a:extLst>
               <a:ext uri="{FF2B5EF4-FFF2-40B4-BE49-F238E27FC236}">
-                <a16:creationId xmlns="" xmlns:a16="http://schemas.microsoft.com/office/drawing/2014/main" id="{159757B6-80F7-4930-B530-65D40C6AAA2B}"/>
+                <a16:creationId xmlns:a16="http://schemas.microsoft.com/office/drawing/2014/main" id="{159757B6-80F7-4930-B530-65D40C6AAA2B}"/>
               </a:ext>
             </a:extLst>
           </p:cNvPr>
@@ -5024,13 +5022,6 @@
           </a:bodyPr>
           <a:lstStyle/>
           <a:p>
-            <a:r>
-              <a:rPr lang="en-US" dirty="0">
-                <a:latin typeface="Times New Roman" panose="02020603050405020304" pitchFamily="18" charset="0"/>
-                <a:cs typeface="Times New Roman" panose="02020603050405020304" pitchFamily="18" charset="0"/>
-              </a:rPr>
-              <a:t/>
-            </a:r>
             <a:br>
               <a:rPr lang="en-US" dirty="0">
                 <a:latin typeface="Times New Roman" panose="02020603050405020304" pitchFamily="18" charset="0"/>
@@ -5062,7 +5053,7 @@
           <p:cNvPr id="3" name="Content Placeholder 2">
             <a:extLst>
               <a:ext uri="{FF2B5EF4-FFF2-40B4-BE49-F238E27FC236}">
-                <a16:creationId xmlns="" xmlns:a16="http://schemas.microsoft.com/office/drawing/2014/main" id="{9FE13484-3844-4DDF-BFBA-ACA0E64B2915}"/>
+                <a16:creationId xmlns:a16="http://schemas.microsoft.com/office/drawing/2014/main" id="{9FE13484-3844-4DDF-BFBA-ACA0E64B2915}"/>
               </a:ext>
             </a:extLst>
           </p:cNvPr>
@@ -5099,7 +5090,7 @@
           <p:cNvPr id="7" name="Picture 6">
             <a:extLst>
               <a:ext uri="{FF2B5EF4-FFF2-40B4-BE49-F238E27FC236}">
-                <a16:creationId xmlns="" xmlns:a16="http://schemas.microsoft.com/office/drawing/2014/main" id="{32CA38FA-0E90-4306-B5D0-3CEA1A7E35E2}"/>
+                <a16:creationId xmlns:a16="http://schemas.microsoft.com/office/drawing/2014/main" id="{32CA38FA-0E90-4306-B5D0-3CEA1A7E35E2}"/>
               </a:ext>
             </a:extLst>
           </p:cNvPr>
@@ -5165,7 +5156,7 @@
           <p:cNvPr id="2" name="Title 1">
             <a:extLst>
               <a:ext uri="{FF2B5EF4-FFF2-40B4-BE49-F238E27FC236}">
-                <a16:creationId xmlns="" xmlns:a16="http://schemas.microsoft.com/office/drawing/2014/main" id="{4E8E46E2-4366-4F67-9FB5-B507999C18F7}"/>
+                <a16:creationId xmlns:a16="http://schemas.microsoft.com/office/drawing/2014/main" id="{4E8E46E2-4366-4F67-9FB5-B507999C18F7}"/>
               </a:ext>
             </a:extLst>
           </p:cNvPr>
@@ -5188,13 +5179,6 @@
           </a:bodyPr>
           <a:lstStyle/>
           <a:p>
-            <a:r>
-              <a:rPr lang="en-US" dirty="0">
-                <a:latin typeface="Times New Roman" panose="02020603050405020304" pitchFamily="18" charset="0"/>
-                <a:cs typeface="Times New Roman" panose="02020603050405020304" pitchFamily="18" charset="0"/>
-              </a:rPr>
-              <a:t/>
-            </a:r>
             <a:br>
               <a:rPr lang="en-US" dirty="0">
                 <a:latin typeface="Times New Roman" panose="02020603050405020304" pitchFamily="18" charset="0"/>
@@ -5226,7 +5210,7 @@
           <p:cNvPr id="3" name="Content Placeholder 2">
             <a:extLst>
               <a:ext uri="{FF2B5EF4-FFF2-40B4-BE49-F238E27FC236}">
-                <a16:creationId xmlns="" xmlns:a16="http://schemas.microsoft.com/office/drawing/2014/main" id="{46E11EF3-FB91-4D8A-A344-658BC8C1B939}"/>
+                <a16:creationId xmlns:a16="http://schemas.microsoft.com/office/drawing/2014/main" id="{46E11EF3-FB91-4D8A-A344-658BC8C1B939}"/>
               </a:ext>
             </a:extLst>
           </p:cNvPr>
@@ -5339,7 +5323,7 @@
           <p:cNvPr id="6" name="Picture 5">
             <a:extLst>
               <a:ext uri="{FF2B5EF4-FFF2-40B4-BE49-F238E27FC236}">
-                <a16:creationId xmlns="" xmlns:a16="http://schemas.microsoft.com/office/drawing/2014/main" id="{F59A1450-D806-40BA-9C89-7BEEFEABC899}"/>
+                <a16:creationId xmlns:a16="http://schemas.microsoft.com/office/drawing/2014/main" id="{F59A1450-D806-40BA-9C89-7BEEFEABC899}"/>
               </a:ext>
             </a:extLst>
           </p:cNvPr>
@@ -5375,7 +5359,7 @@
           <p:cNvPr id="8" name="Picture 7">
             <a:extLst>
               <a:ext uri="{FF2B5EF4-FFF2-40B4-BE49-F238E27FC236}">
-                <a16:creationId xmlns="" xmlns:a16="http://schemas.microsoft.com/office/drawing/2014/main" id="{2FBC3649-8EBE-4700-8648-D4EF97496A69}"/>
+                <a16:creationId xmlns:a16="http://schemas.microsoft.com/office/drawing/2014/main" id="{2FBC3649-8EBE-4700-8648-D4EF97496A69}"/>
               </a:ext>
             </a:extLst>
           </p:cNvPr>
@@ -5411,7 +5395,7 @@
           <p:cNvPr id="10" name="Picture 9">
             <a:extLst>
               <a:ext uri="{FF2B5EF4-FFF2-40B4-BE49-F238E27FC236}">
-                <a16:creationId xmlns="" xmlns:a16="http://schemas.microsoft.com/office/drawing/2014/main" id="{4D880A05-5F58-45B1-884D-75824689D61B}"/>
+                <a16:creationId xmlns:a16="http://schemas.microsoft.com/office/drawing/2014/main" id="{4D880A05-5F58-45B1-884D-75824689D61B}"/>
               </a:ext>
             </a:extLst>
           </p:cNvPr>
@@ -5477,7 +5461,7 @@
           <p:cNvPr id="2" name="Title 1">
             <a:extLst>
               <a:ext uri="{FF2B5EF4-FFF2-40B4-BE49-F238E27FC236}">
-                <a16:creationId xmlns="" xmlns:a16="http://schemas.microsoft.com/office/drawing/2014/main" id="{DC9D6F5E-CEDA-4DBA-9EFF-9DA5BC48DE19}"/>
+                <a16:creationId xmlns:a16="http://schemas.microsoft.com/office/drawing/2014/main" id="{DC9D6F5E-CEDA-4DBA-9EFF-9DA5BC48DE19}"/>
               </a:ext>
             </a:extLst>
           </p:cNvPr>
@@ -5508,7 +5492,7 @@
           <p:cNvPr id="5" name="Content Placeholder 4">
             <a:extLst>
               <a:ext uri="{FF2B5EF4-FFF2-40B4-BE49-F238E27FC236}">
-                <a16:creationId xmlns="" xmlns:a16="http://schemas.microsoft.com/office/drawing/2014/main" id="{F8018F80-C482-4162-87F4-3B4430AD1259}"/>
+                <a16:creationId xmlns:a16="http://schemas.microsoft.com/office/drawing/2014/main" id="{F8018F80-C482-4162-87F4-3B4430AD1259}"/>
               </a:ext>
             </a:extLst>
           </p:cNvPr>
@@ -5573,7 +5557,7 @@
           <p:cNvPr id="2" name="Title 1">
             <a:extLst>
               <a:ext uri="{FF2B5EF4-FFF2-40B4-BE49-F238E27FC236}">
-                <a16:creationId xmlns="" xmlns:a16="http://schemas.microsoft.com/office/drawing/2014/main" id="{F845B438-718D-41FE-B912-05184CC77809}"/>
+                <a16:creationId xmlns:a16="http://schemas.microsoft.com/office/drawing/2014/main" id="{F845B438-718D-41FE-B912-05184CC77809}"/>
               </a:ext>
             </a:extLst>
           </p:cNvPr>
@@ -5605,7 +5589,7 @@
           <p:cNvPr id="9" name="Content Placeholder 8">
             <a:extLst>
               <a:ext uri="{FF2B5EF4-FFF2-40B4-BE49-F238E27FC236}">
-                <a16:creationId xmlns="" xmlns:a16="http://schemas.microsoft.com/office/drawing/2014/main" id="{8507FAD8-5825-4E9B-9A1E-1CA1B811EA31}"/>
+                <a16:creationId xmlns:a16="http://schemas.microsoft.com/office/drawing/2014/main" id="{8507FAD8-5825-4E9B-9A1E-1CA1B811EA31}"/>
               </a:ext>
             </a:extLst>
           </p:cNvPr>
@@ -5670,7 +5654,7 @@
           <p:cNvPr id="2" name="Title 1">
             <a:extLst>
               <a:ext uri="{FF2B5EF4-FFF2-40B4-BE49-F238E27FC236}">
-                <a16:creationId xmlns="" xmlns:a16="http://schemas.microsoft.com/office/drawing/2014/main" id="{F01218AF-13C4-4051-85A0-83603087B36F}"/>
+                <a16:creationId xmlns:a16="http://schemas.microsoft.com/office/drawing/2014/main" id="{F01218AF-13C4-4051-85A0-83603087B36F}"/>
               </a:ext>
             </a:extLst>
           </p:cNvPr>
@@ -5702,7 +5686,7 @@
           <p:cNvPr id="5" name="Content Placeholder 4">
             <a:extLst>
               <a:ext uri="{FF2B5EF4-FFF2-40B4-BE49-F238E27FC236}">
-                <a16:creationId xmlns="" xmlns:a16="http://schemas.microsoft.com/office/drawing/2014/main" id="{FE9916FD-A799-44E9-BAD6-1DFD73799C40}"/>
+                <a16:creationId xmlns:a16="http://schemas.microsoft.com/office/drawing/2014/main" id="{FE9916FD-A799-44E9-BAD6-1DFD73799C40}"/>
               </a:ext>
             </a:extLst>
           </p:cNvPr>
@@ -5767,7 +5751,7 @@
           <p:cNvPr id="2" name="Title 1">
             <a:extLst>
               <a:ext uri="{FF2B5EF4-FFF2-40B4-BE49-F238E27FC236}">
-                <a16:creationId xmlns="" xmlns:a16="http://schemas.microsoft.com/office/drawing/2014/main" id="{52A6AD8F-1162-4FDC-826E-3BA1AE268313}"/>
+                <a16:creationId xmlns:a16="http://schemas.microsoft.com/office/drawing/2014/main" id="{52A6AD8F-1162-4FDC-826E-3BA1AE268313}"/>
               </a:ext>
             </a:extLst>
           </p:cNvPr>
@@ -5799,7 +5783,7 @@
           <p:cNvPr id="5" name="Content Placeholder 4">
             <a:extLst>
               <a:ext uri="{FF2B5EF4-FFF2-40B4-BE49-F238E27FC236}">
-                <a16:creationId xmlns="" xmlns:a16="http://schemas.microsoft.com/office/drawing/2014/main" id="{4B8EA503-F633-408F-8510-C3647B74DB94}"/>
+                <a16:creationId xmlns:a16="http://schemas.microsoft.com/office/drawing/2014/main" id="{4B8EA503-F633-408F-8510-C3647B74DB94}"/>
               </a:ext>
             </a:extLst>
           </p:cNvPr>
@@ -5864,7 +5848,7 @@
           <p:cNvPr id="2" name="Title 1">
             <a:extLst>
               <a:ext uri="{FF2B5EF4-FFF2-40B4-BE49-F238E27FC236}">
-                <a16:creationId xmlns="" xmlns:a16="http://schemas.microsoft.com/office/drawing/2014/main" id="{580B15AB-F4F5-4A39-95A2-B3AA882DDF2E}"/>
+                <a16:creationId xmlns:a16="http://schemas.microsoft.com/office/drawing/2014/main" id="{580B15AB-F4F5-4A39-95A2-B3AA882DDF2E}"/>
               </a:ext>
             </a:extLst>
           </p:cNvPr>
@@ -5896,7 +5880,7 @@
           <p:cNvPr id="5" name="Content Placeholder 4">
             <a:extLst>
               <a:ext uri="{FF2B5EF4-FFF2-40B4-BE49-F238E27FC236}">
-                <a16:creationId xmlns="" xmlns:a16="http://schemas.microsoft.com/office/drawing/2014/main" id="{F15A6060-9471-4A92-8F0F-2C7CAFB291C5}"/>
+                <a16:creationId xmlns:a16="http://schemas.microsoft.com/office/drawing/2014/main" id="{F15A6060-9471-4A92-8F0F-2C7CAFB291C5}"/>
               </a:ext>
             </a:extLst>
           </p:cNvPr>
@@ -6389,13 +6373,6 @@
             <a:pPr marL="0" indent="0">
               <a:buNone/>
             </a:pPr>
-            <a:r>
-              <a:rPr lang="en-US" sz="2200" dirty="0">
-                <a:latin typeface="Times New Roman" panose="02020603050405020304" pitchFamily="18" charset="0"/>
-                <a:cs typeface="Times New Roman" panose="02020603050405020304" pitchFamily="18" charset="0"/>
-              </a:rPr>
-              <a:t/>
-            </a:r>
             <a:br>
               <a:rPr lang="en-US" sz="2200" dirty="0">
                 <a:latin typeface="Times New Roman" panose="02020603050405020304" pitchFamily="18" charset="0"/>
@@ -6790,13 +6767,6 @@
           </a:bodyPr>
           <a:lstStyle/>
           <a:p>
-            <a:r>
-              <a:rPr lang="en-US" b="1" dirty="0">
-                <a:latin typeface="Times New Roman" panose="02020603050405020304" pitchFamily="18" charset="0"/>
-                <a:cs typeface="Times New Roman" panose="02020603050405020304" pitchFamily="18" charset="0"/>
-              </a:rPr>
-              <a:t/>
-            </a:r>
             <a:br>
               <a:rPr lang="en-US" b="1" dirty="0">
                 <a:latin typeface="Times New Roman" panose="02020603050405020304" pitchFamily="18" charset="0"/>
@@ -8582,7 +8552,7 @@
           <p:cNvPr id="2" name="Title 1">
             <a:extLst>
               <a:ext uri="{FF2B5EF4-FFF2-40B4-BE49-F238E27FC236}">
-                <a16:creationId xmlns="" xmlns:a16="http://schemas.microsoft.com/office/drawing/2014/main" id="{468494B9-63FD-435A-AFA6-53E2454B48B6}"/>
+                <a16:creationId xmlns:a16="http://schemas.microsoft.com/office/drawing/2014/main" id="{468494B9-63FD-435A-AFA6-53E2454B48B6}"/>
               </a:ext>
             </a:extLst>
           </p:cNvPr>
@@ -8600,13 +8570,6 @@
           </a:bodyPr>
           <a:lstStyle/>
           <a:p>
-            <a:r>
-              <a:rPr lang="en-US" b="1" dirty="0">
-                <a:latin typeface="Times New Roman" panose="02020603050405020304" pitchFamily="18" charset="0"/>
-                <a:cs typeface="Times New Roman" panose="02020603050405020304" pitchFamily="18" charset="0"/>
-              </a:rPr>
-              <a:t/>
-            </a:r>
             <a:br>
               <a:rPr lang="en-US" b="1" dirty="0">
                 <a:latin typeface="Times New Roman" panose="02020603050405020304" pitchFamily="18" charset="0"/>
@@ -8638,7 +8601,7 @@
           <p:cNvPr id="3" name="Content Placeholder 2">
             <a:extLst>
               <a:ext uri="{FF2B5EF4-FFF2-40B4-BE49-F238E27FC236}">
-                <a16:creationId xmlns="" xmlns:a16="http://schemas.microsoft.com/office/drawing/2014/main" id="{B695AC8C-CF3A-4D2C-AF0D-DB5C38E01702}"/>
+                <a16:creationId xmlns:a16="http://schemas.microsoft.com/office/drawing/2014/main" id="{B695AC8C-CF3A-4D2C-AF0D-DB5C38E01702}"/>
               </a:ext>
             </a:extLst>
           </p:cNvPr>
@@ -8818,13 +8781,6 @@
           </a:bodyPr>
           <a:lstStyle/>
           <a:p>
-            <a:r>
-              <a:rPr lang="en-US" dirty="0">
-                <a:latin typeface="Times New Roman" panose="02020603050405020304" pitchFamily="18" charset="0"/>
-                <a:cs typeface="Times New Roman" panose="02020603050405020304" pitchFamily="18" charset="0"/>
-              </a:rPr>
-              <a:t/>
-            </a:r>
             <a:br>
               <a:rPr lang="en-US" dirty="0">
                 <a:latin typeface="Times New Roman" panose="02020603050405020304" pitchFamily="18" charset="0"/>
@@ -9813,13 +9769,6 @@
           </a:bodyPr>
           <a:lstStyle/>
           <a:p>
-            <a:r>
-              <a:rPr lang="en-US" b="1" dirty="0">
-                <a:latin typeface="Times New Roman" panose="02020603050405020304" pitchFamily="18" charset="0"/>
-                <a:cs typeface="Times New Roman" panose="02020603050405020304" pitchFamily="18" charset="0"/>
-              </a:rPr>
-              <a:t/>
-            </a:r>
             <a:br>
               <a:rPr lang="en-US" b="1" dirty="0">
                 <a:latin typeface="Times New Roman" panose="02020603050405020304" pitchFamily="18" charset="0"/>
@@ -10232,10 +10181,6 @@
           </a:bodyPr>
           <a:lstStyle/>
           <a:p>
-            <a:r>
-              <a:rPr lang="en-US" sz="3600" b="1" dirty="0"/>
-              <a:t/>
-            </a:r>
             <a:br>
               <a:rPr lang="en-US" sz="3600" b="1" dirty="0"/>
             </a:br>
@@ -11179,13 +11124,6 @@
           </a:bodyPr>
           <a:lstStyle/>
           <a:p>
-            <a:r>
-              <a:rPr lang="en-US" dirty="0">
-                <a:latin typeface="Times New Roman" panose="02020603050405020304" pitchFamily="18" charset="0"/>
-                <a:cs typeface="Times New Roman" panose="02020603050405020304" pitchFamily="18" charset="0"/>
-              </a:rPr>
-              <a:t/>
-            </a:r>
             <a:br>
               <a:rPr lang="en-US" dirty="0">
                 <a:latin typeface="Times New Roman" panose="02020603050405020304" pitchFamily="18" charset="0"/>
@@ -11344,13 +11282,6 @@
           </a:bodyPr>
           <a:lstStyle/>
           <a:p>
-            <a:r>
-              <a:rPr lang="en-US" dirty="0">
-                <a:latin typeface="Times New Roman" panose="02020603050405020304" pitchFamily="18" charset="0"/>
-                <a:cs typeface="Times New Roman" panose="02020603050405020304" pitchFamily="18" charset="0"/>
-              </a:rPr>
-              <a:t/>
-            </a:r>
             <a:br>
               <a:rPr lang="en-US" dirty="0">
                 <a:latin typeface="Times New Roman" panose="02020603050405020304" pitchFamily="18" charset="0"/>
@@ -11554,49 +11485,20 @@
                 <a:ea typeface="Tahoma" panose="020B0604030504040204" pitchFamily="34" charset="0"/>
                 <a:cs typeface="Times New Roman" panose="02020603050405020304" pitchFamily="18" charset="0"/>
               </a:rPr>
-              <a:t>Structural Directives change the structure of the view. Structural directives are responsible for HTML layout. They shape or reshape the DOM's structure, typically by adding, removing, or manipulating elements</a:t>
-            </a:r>
-            <a:r>
-              <a:rPr lang="en-US" sz="2400" dirty="0" smtClean="0">
+              <a:t>Structural Directives change the structure of the view. Structural directives are responsible for HTML layout. They shape or reshape the DOM's structure, typically by adding, removing, or manipulating elements. </a:t>
+            </a:r>
+          </a:p>
+          <a:p>
+            <a:r>
+              <a:rPr lang="en-US" sz="2400" dirty="0">
                 <a:latin typeface="Times New Roman" panose="02020603050405020304" pitchFamily="18" charset="0"/>
                 <a:ea typeface="Tahoma" panose="020B0604030504040204" pitchFamily="34" charset="0"/>
                 <a:cs typeface="Times New Roman" panose="02020603050405020304" pitchFamily="18" charset="0"/>
               </a:rPr>
-              <a:t>.</a:t>
-            </a:r>
-            <a:r>
-              <a:rPr lang="en-US" sz="2400" dirty="0">
-                <a:latin typeface="Times New Roman" panose="02020603050405020304" pitchFamily="18" charset="0"/>
-                <a:ea typeface="Tahoma" panose="020B0604030504040204" pitchFamily="34" charset="0"/>
-                <a:cs typeface="Times New Roman" panose="02020603050405020304" pitchFamily="18" charset="0"/>
-              </a:rPr>
-              <a:t> </a:t>
-            </a:r>
-            <a:endParaRPr lang="en-US" sz="2400" dirty="0" smtClean="0">
-              <a:latin typeface="Times New Roman" panose="02020603050405020304" pitchFamily="18" charset="0"/>
-              <a:ea typeface="Tahoma" panose="020B0604030504040204" pitchFamily="34" charset="0"/>
-              <a:cs typeface="Times New Roman" panose="02020603050405020304" pitchFamily="18" charset="0"/>
-            </a:endParaRPr>
-          </a:p>
-          <a:p>
-            <a:r>
-              <a:rPr lang="en-US" sz="2400" dirty="0">
-                <a:latin typeface="Times New Roman" panose="02020603050405020304" pitchFamily="18" charset="0"/>
-                <a:ea typeface="Tahoma" panose="020B0604030504040204" pitchFamily="34" charset="0"/>
-                <a:cs typeface="Times New Roman" panose="02020603050405020304" pitchFamily="18" charset="0"/>
-              </a:rPr>
-              <a:t>Structural directives are easy to recognize. An asterisk (*) precedes the directive attribute name as in this example. Three of the common, built-in structural </a:t>
-            </a:r>
-            <a:r>
-              <a:rPr lang="en-US" sz="2400" dirty="0" smtClean="0">
-                <a:latin typeface="Times New Roman" panose="02020603050405020304" pitchFamily="18" charset="0"/>
-                <a:ea typeface="Tahoma" panose="020B0604030504040204" pitchFamily="34" charset="0"/>
-                <a:cs typeface="Times New Roman" panose="02020603050405020304" pitchFamily="18" charset="0"/>
-              </a:rPr>
-              <a:t>directives—</a:t>
-            </a:r>
-            <a:r>
-              <a:rPr lang="en-US" sz="2400" dirty="0" err="1" smtClean="0">
+              <a:t>Structural directives are easy to recognize. An asterisk (*) precedes the directive attribute name as in this example. Three of the common, built-in structural directives—</a:t>
+            </a:r>
+            <a:r>
+              <a:rPr lang="en-US" sz="2400" dirty="0" err="1">
                 <a:solidFill>
                   <a:srgbClr val="FF0000"/>
                 </a:solidFill>
@@ -11615,7 +11517,7 @@
               <a:t>, </a:t>
             </a:r>
             <a:r>
-              <a:rPr lang="en-US" sz="2400" dirty="0" err="1" smtClean="0">
+              <a:rPr lang="en-US" sz="2400" dirty="0" err="1">
                 <a:solidFill>
                   <a:srgbClr val="FF0000"/>
                 </a:solidFill>
@@ -11634,7 +11536,7 @@
               <a:t>, and </a:t>
             </a:r>
             <a:r>
-              <a:rPr lang="en-US" sz="2400" dirty="0" err="1" smtClean="0">
+              <a:rPr lang="en-US" sz="2400" dirty="0" err="1">
                 <a:solidFill>
                   <a:srgbClr val="FF0000"/>
                 </a:solidFill>
@@ -11662,23 +11564,15 @@
           </a:p>
           <a:p>
             <a:r>
-              <a:rPr lang="en-US" sz="2400" dirty="0" smtClean="0">
+              <a:rPr lang="en-US" sz="2400" dirty="0">
                 <a:latin typeface="Times New Roman" panose="02020603050405020304" pitchFamily="18" charset="0"/>
                 <a:ea typeface="Tahoma" panose="020B0604030504040204" pitchFamily="34" charset="0"/>
                 <a:cs typeface="Times New Roman" panose="02020603050405020304" pitchFamily="18" charset="0"/>
               </a:rPr>
-              <a:t>Attribute </a:t>
-            </a:r>
-            <a:r>
-              <a:rPr lang="en-US" sz="2400" dirty="0">
-                <a:latin typeface="Times New Roman" panose="02020603050405020304" pitchFamily="18" charset="0"/>
-                <a:ea typeface="Tahoma" panose="020B0604030504040204" pitchFamily="34" charset="0"/>
-                <a:cs typeface="Times New Roman" panose="02020603050405020304" pitchFamily="18" charset="0"/>
-              </a:rPr>
-              <a:t>directives are used as attributes of elements. </a:t>
-            </a:r>
-            <a:r>
-              <a:rPr lang="en-US" sz="2400" dirty="0" err="1" smtClean="0">
+              <a:t>Attribute directives are used as attributes of elements. </a:t>
+            </a:r>
+            <a:r>
+              <a:rPr lang="en-US" sz="2400" dirty="0" err="1">
                 <a:solidFill>
                   <a:srgbClr val="FF0000"/>
                 </a:solidFill>
@@ -11689,7 +11583,7 @@
               <a:t>ngClass</a:t>
             </a:r>
             <a:r>
-              <a:rPr lang="en-US" sz="2400" dirty="0" smtClean="0">
+              <a:rPr lang="en-US" sz="2400" dirty="0">
                 <a:solidFill>
                   <a:srgbClr val="FF0000"/>
                 </a:solidFill>
@@ -11700,7 +11594,7 @@
               <a:t> </a:t>
             </a:r>
             <a:r>
-              <a:rPr lang="en-US" sz="2400" dirty="0" smtClean="0">
+              <a:rPr lang="en-US" sz="2400" dirty="0">
                 <a:latin typeface="Times New Roman" panose="02020603050405020304" pitchFamily="18" charset="0"/>
                 <a:ea typeface="Tahoma" panose="020B0604030504040204" pitchFamily="34" charset="0"/>
                 <a:cs typeface="Times New Roman" panose="02020603050405020304" pitchFamily="18" charset="0"/>
@@ -11708,7 +11602,7 @@
               <a:t>or </a:t>
             </a:r>
             <a:r>
-              <a:rPr lang="en-US" sz="2400" dirty="0" err="1" smtClean="0">
+              <a:rPr lang="en-US" sz="2400" dirty="0" err="1">
                 <a:solidFill>
                   <a:srgbClr val="FF0000"/>
                 </a:solidFill>
@@ -11719,7 +11613,7 @@
               <a:t>ngStyle</a:t>
             </a:r>
             <a:r>
-              <a:rPr lang="en-US" sz="2400" dirty="0" smtClean="0">
+              <a:rPr lang="en-US" sz="2400" dirty="0">
                 <a:solidFill>
                   <a:srgbClr val="FF0000"/>
                 </a:solidFill>
@@ -11730,20 +11624,12 @@
               <a:t> </a:t>
             </a:r>
             <a:r>
-              <a:rPr lang="en-US" sz="2400" dirty="0" smtClean="0">
+              <a:rPr lang="en-US" sz="2400" dirty="0">
                 <a:latin typeface="Times New Roman" panose="02020603050405020304" pitchFamily="18" charset="0"/>
                 <a:ea typeface="Tahoma" panose="020B0604030504040204" pitchFamily="34" charset="0"/>
                 <a:cs typeface="Times New Roman" panose="02020603050405020304" pitchFamily="18" charset="0"/>
               </a:rPr>
-              <a:t>are </a:t>
-            </a:r>
-            <a:r>
-              <a:rPr lang="en-US" sz="2400" dirty="0">
-                <a:latin typeface="Times New Roman" panose="02020603050405020304" pitchFamily="18" charset="0"/>
-                <a:ea typeface="Tahoma" panose="020B0604030504040204" pitchFamily="34" charset="0"/>
-                <a:cs typeface="Times New Roman" panose="02020603050405020304" pitchFamily="18" charset="0"/>
-              </a:rPr>
-              <a:t>Attribute directives </a:t>
+              <a:t>are Attribute directives </a:t>
             </a:r>
           </a:p>
         </p:txBody>
@@ -12335,7 +12221,7 @@
           <a:lstStyle/>
           <a:p>
             <a:r>
-              <a:rPr lang="nl-NL" dirty="0" smtClean="0"/>
+              <a:rPr lang="nl-NL" dirty="0"/>
               <a:t>PIPE</a:t>
             </a:r>
             <a:endParaRPr lang="en-US" dirty="0"/>
@@ -12362,19 +12248,8 @@
                 <a:latin typeface="Times New Roman" panose="02020603050405020304" pitchFamily="18" charset="0"/>
                 <a:cs typeface="Times New Roman" panose="02020603050405020304" pitchFamily="18" charset="0"/>
               </a:rPr>
-              <a:t>Every application starts out with what seems like a simple task: get data, transform them, and show them to </a:t>
-            </a:r>
-            <a:r>
-              <a:rPr lang="en-US" dirty="0" smtClean="0">
-                <a:latin typeface="Times New Roman" panose="02020603050405020304" pitchFamily="18" charset="0"/>
-                <a:cs typeface="Times New Roman" panose="02020603050405020304" pitchFamily="18" charset="0"/>
-              </a:rPr>
-              <a:t>users. Pipe simply transform your data into any form you want like date, currency, time</a:t>
-            </a:r>
-            <a:endParaRPr lang="en-US" dirty="0">
-              <a:latin typeface="Times New Roman" panose="02020603050405020304" pitchFamily="18" charset="0"/>
-              <a:cs typeface="Times New Roman" panose="02020603050405020304" pitchFamily="18" charset="0"/>
-            </a:endParaRPr>
+              <a:t>Every application starts out with what seems like a simple task: get data, transform them, and show them to users. Pipe simply transform your data into any form you want like date, currency, time</a:t>
+            </a:r>
           </a:p>
         </p:txBody>
       </p:sp>
@@ -12425,13 +12300,6 @@
           </a:bodyPr>
           <a:lstStyle/>
           <a:p>
-            <a:r>
-              <a:rPr lang="en-US" dirty="0">
-                <a:latin typeface="Times New Roman" panose="02020603050405020304" pitchFamily="18" charset="0"/>
-                <a:cs typeface="Times New Roman" panose="02020603050405020304" pitchFamily="18" charset="0"/>
-              </a:rPr>
-              <a:t/>
-            </a:r>
             <a:br>
               <a:rPr lang="en-US" dirty="0">
                 <a:latin typeface="Times New Roman" panose="02020603050405020304" pitchFamily="18" charset="0"/>
@@ -13136,13 +13004,6 @@
             <a:pPr marL="0" indent="0">
               <a:buNone/>
             </a:pPr>
-            <a:r>
-              <a:rPr lang="en-US" sz="3000" dirty="0">
-                <a:latin typeface="Times New Roman" panose="02020603050405020304" pitchFamily="18" charset="0"/>
-                <a:cs typeface="Times New Roman" panose="02020603050405020304" pitchFamily="18" charset="0"/>
-              </a:rPr>
-              <a:t/>
-            </a:r>
             <a:br>
               <a:rPr lang="en-US" sz="3000" dirty="0">
                 <a:latin typeface="Times New Roman" panose="02020603050405020304" pitchFamily="18" charset="0"/>
@@ -13302,7 +13163,7 @@
           <p:cNvPr id="2" name="Title 1">
             <a:extLst>
               <a:ext uri="{FF2B5EF4-FFF2-40B4-BE49-F238E27FC236}">
-                <a16:creationId xmlns="" xmlns:a16="http://schemas.microsoft.com/office/drawing/2014/main" id="{D13A055F-6731-4EB9-B029-E37316DF3B72}"/>
+                <a16:creationId xmlns:a16="http://schemas.microsoft.com/office/drawing/2014/main" id="{D13A055F-6731-4EB9-B029-E37316DF3B72}"/>
               </a:ext>
             </a:extLst>
           </p:cNvPr>
@@ -13333,7 +13194,7 @@
           <p:cNvPr id="3" name="Content Placeholder 2">
             <a:extLst>
               <a:ext uri="{FF2B5EF4-FFF2-40B4-BE49-F238E27FC236}">
-                <a16:creationId xmlns="" xmlns:a16="http://schemas.microsoft.com/office/drawing/2014/main" id="{D24F7A7C-A997-4D2D-8C3D-EF37B6487DBC}"/>
+                <a16:creationId xmlns:a16="http://schemas.microsoft.com/office/drawing/2014/main" id="{D24F7A7C-A997-4D2D-8C3D-EF37B6487DBC}"/>
               </a:ext>
             </a:extLst>
           </p:cNvPr>
@@ -13780,7 +13641,7 @@
           <p:cNvPr id="2" name="Title 1">
             <a:extLst>
               <a:ext uri="{FF2B5EF4-FFF2-40B4-BE49-F238E27FC236}">
-                <a16:creationId xmlns="" xmlns:a16="http://schemas.microsoft.com/office/drawing/2014/main" id="{F3235BCF-27FA-4DC5-B2F0-05B1BD799591}"/>
+                <a16:creationId xmlns:a16="http://schemas.microsoft.com/office/drawing/2014/main" id="{F3235BCF-27FA-4DC5-B2F0-05B1BD799591}"/>
               </a:ext>
             </a:extLst>
           </p:cNvPr>
@@ -13798,20 +13659,9 @@
           </a:bodyPr>
           <a:lstStyle/>
           <a:p>
-            <a:r>
-              <a:rPr lang="en-US" sz="5200" dirty="0"/>
-              <a:t/>
-            </a:r>
             <a:br>
               <a:rPr lang="en-US" sz="5200" dirty="0"/>
             </a:br>
-            <a:r>
-              <a:rPr lang="en-US" sz="5200" dirty="0">
-                <a:latin typeface="Times New Roman" panose="02020603050405020304" pitchFamily="18" charset="0"/>
-                <a:cs typeface="Times New Roman" panose="02020603050405020304" pitchFamily="18" charset="0"/>
-              </a:rPr>
-              <a:t/>
-            </a:r>
             <a:br>
               <a:rPr lang="en-US" sz="5200" dirty="0">
                 <a:latin typeface="Times New Roman" panose="02020603050405020304" pitchFamily="18" charset="0"/>
@@ -13825,10 +13675,6 @@
             <a:br>
               <a:rPr lang="en-US" sz="5200" dirty="0"/>
             </a:br>
-            <a:r>
-              <a:rPr lang="en-US" sz="5200" dirty="0"/>
-              <a:t/>
-            </a:r>
             <a:br>
               <a:rPr lang="en-US" sz="5200" dirty="0"/>
             </a:br>
@@ -13841,7 +13687,7 @@
           <p:cNvPr id="3" name="Content Placeholder 2">
             <a:extLst>
               <a:ext uri="{FF2B5EF4-FFF2-40B4-BE49-F238E27FC236}">
-                <a16:creationId xmlns="" xmlns:a16="http://schemas.microsoft.com/office/drawing/2014/main" id="{F3C26F8F-FAD3-4573-A33D-F13ECD7B0976}"/>
+                <a16:creationId xmlns:a16="http://schemas.microsoft.com/office/drawing/2014/main" id="{F3C26F8F-FAD3-4573-A33D-F13ECD7B0976}"/>
               </a:ext>
             </a:extLst>
           </p:cNvPr>
@@ -13962,13 +13808,6 @@
             <a:pPr marL="0" indent="0">
               <a:buNone/>
             </a:pPr>
-            <a:r>
-              <a:rPr lang="en-US" dirty="0">
-                <a:latin typeface="Times New Roman" panose="02020603050405020304" pitchFamily="18" charset="0"/>
-                <a:cs typeface="Times New Roman" panose="02020603050405020304" pitchFamily="18" charset="0"/>
-              </a:rPr>
-              <a:t/>
-            </a:r>
             <a:br>
               <a:rPr lang="en-US" dirty="0">
                 <a:latin typeface="Times New Roman" panose="02020603050405020304" pitchFamily="18" charset="0"/>
@@ -14017,7 +13856,7 @@
           <p:cNvPr id="2" name="Title 1">
             <a:extLst>
               <a:ext uri="{FF2B5EF4-FFF2-40B4-BE49-F238E27FC236}">
-                <a16:creationId xmlns="" xmlns:a16="http://schemas.microsoft.com/office/drawing/2014/main" id="{A732E7B4-C310-4146-84E3-24D68CE4549A}"/>
+                <a16:creationId xmlns:a16="http://schemas.microsoft.com/office/drawing/2014/main" id="{A732E7B4-C310-4146-84E3-24D68CE4549A}"/>
               </a:ext>
             </a:extLst>
           </p:cNvPr>
@@ -14045,7 +13884,7 @@
           <p:cNvPr id="3" name="Content Placeholder 2">
             <a:extLst>
               <a:ext uri="{FF2B5EF4-FFF2-40B4-BE49-F238E27FC236}">
-                <a16:creationId xmlns="" xmlns:a16="http://schemas.microsoft.com/office/drawing/2014/main" id="{F7A26928-AFB6-4384-BF91-7ECECDBA8C13}"/>
+                <a16:creationId xmlns:a16="http://schemas.microsoft.com/office/drawing/2014/main" id="{F7A26928-AFB6-4384-BF91-7ECECDBA8C13}"/>
               </a:ext>
             </a:extLst>
           </p:cNvPr>
@@ -14200,10 +14039,6 @@
             <a:pPr marL="0" indent="0">
               <a:buNone/>
             </a:pPr>
-            <a:r>
-              <a:rPr lang="en-US" dirty="0"/>
-              <a:t/>
-            </a:r>
             <a:br>
               <a:rPr lang="en-US" dirty="0"/>
             </a:br>
@@ -14246,7 +14081,7 @@
           <p:cNvPr id="2" name="Title 1">
             <a:extLst>
               <a:ext uri="{FF2B5EF4-FFF2-40B4-BE49-F238E27FC236}">
-                <a16:creationId xmlns="" xmlns:a16="http://schemas.microsoft.com/office/drawing/2014/main" id="{AD84CCF8-63BB-4950-BDB6-76B6D26BDA2D}"/>
+                <a16:creationId xmlns:a16="http://schemas.microsoft.com/office/drawing/2014/main" id="{AD84CCF8-63BB-4950-BDB6-76B6D26BDA2D}"/>
               </a:ext>
             </a:extLst>
           </p:cNvPr>
@@ -14264,13 +14099,6 @@
           </a:bodyPr>
           <a:lstStyle/>
           <a:p>
-            <a:r>
-              <a:rPr lang="en-US" dirty="0">
-                <a:latin typeface="Times New Roman" panose="02020603050405020304" pitchFamily="18" charset="0"/>
-                <a:cs typeface="Times New Roman" panose="02020603050405020304" pitchFamily="18" charset="0"/>
-              </a:rPr>
-              <a:t/>
-            </a:r>
             <a:br>
               <a:rPr lang="en-US" dirty="0">
                 <a:latin typeface="Times New Roman" panose="02020603050405020304" pitchFamily="18" charset="0"/>
@@ -14302,7 +14130,7 @@
           <p:cNvPr id="7" name="Content Placeholder 6">
             <a:extLst>
               <a:ext uri="{FF2B5EF4-FFF2-40B4-BE49-F238E27FC236}">
-                <a16:creationId xmlns="" xmlns:a16="http://schemas.microsoft.com/office/drawing/2014/main" id="{DF38351B-9905-446B-B4D9-53E053FB34AD}"/>
+                <a16:creationId xmlns:a16="http://schemas.microsoft.com/office/drawing/2014/main" id="{DF38351B-9905-446B-B4D9-53E053FB34AD}"/>
               </a:ext>
             </a:extLst>
           </p:cNvPr>
@@ -14367,7 +14195,7 @@
           <p:cNvPr id="2" name="Title 1">
             <a:extLst>
               <a:ext uri="{FF2B5EF4-FFF2-40B4-BE49-F238E27FC236}">
-                <a16:creationId xmlns="" xmlns:a16="http://schemas.microsoft.com/office/drawing/2014/main" id="{58053DEB-0364-4739-A75A-D1ADAE13C923}"/>
+                <a16:creationId xmlns:a16="http://schemas.microsoft.com/office/drawing/2014/main" id="{58053DEB-0364-4739-A75A-D1ADAE13C923}"/>
               </a:ext>
             </a:extLst>
           </p:cNvPr>
@@ -14385,13 +14213,6 @@
           </a:bodyPr>
           <a:lstStyle/>
           <a:p>
-            <a:r>
-              <a:rPr lang="en-US" dirty="0">
-                <a:latin typeface="Times New Roman" panose="02020603050405020304" pitchFamily="18" charset="0"/>
-                <a:cs typeface="Times New Roman" panose="02020603050405020304" pitchFamily="18" charset="0"/>
-              </a:rPr>
-              <a:t/>
-            </a:r>
             <a:br>
               <a:rPr lang="en-US" dirty="0">
                 <a:latin typeface="Times New Roman" panose="02020603050405020304" pitchFamily="18" charset="0"/>
@@ -14423,7 +14244,7 @@
           <p:cNvPr id="5" name="Content Placeholder 4">
             <a:extLst>
               <a:ext uri="{FF2B5EF4-FFF2-40B4-BE49-F238E27FC236}">
-                <a16:creationId xmlns="" xmlns:a16="http://schemas.microsoft.com/office/drawing/2014/main" id="{650F94E9-AB70-4531-9D6D-9C0F7C608B60}"/>
+                <a16:creationId xmlns:a16="http://schemas.microsoft.com/office/drawing/2014/main" id="{650F94E9-AB70-4531-9D6D-9C0F7C608B60}"/>
               </a:ext>
             </a:extLst>
           </p:cNvPr>
@@ -14488,7 +14309,7 @@
           <p:cNvPr id="2" name="Title 1">
             <a:extLst>
               <a:ext uri="{FF2B5EF4-FFF2-40B4-BE49-F238E27FC236}">
-                <a16:creationId xmlns="" xmlns:a16="http://schemas.microsoft.com/office/drawing/2014/main" id="{065C1010-908E-4E80-969B-8AD5B2DA4866}"/>
+                <a16:creationId xmlns:a16="http://schemas.microsoft.com/office/drawing/2014/main" id="{065C1010-908E-4E80-969B-8AD5B2DA4866}"/>
               </a:ext>
             </a:extLst>
           </p:cNvPr>
@@ -14511,13 +14332,6 @@
           </a:bodyPr>
           <a:lstStyle/>
           <a:p>
-            <a:r>
-              <a:rPr lang="en-US" dirty="0">
-                <a:latin typeface="Times New Roman" panose="02020603050405020304" pitchFamily="18" charset="0"/>
-                <a:cs typeface="Times New Roman" panose="02020603050405020304" pitchFamily="18" charset="0"/>
-              </a:rPr>
-              <a:t/>
-            </a:r>
             <a:br>
               <a:rPr lang="en-US" dirty="0">
                 <a:latin typeface="Times New Roman" panose="02020603050405020304" pitchFamily="18" charset="0"/>
@@ -14546,7 +14360,7 @@
           <p:cNvPr id="3" name="Content Placeholder 2">
             <a:extLst>
               <a:ext uri="{FF2B5EF4-FFF2-40B4-BE49-F238E27FC236}">
-                <a16:creationId xmlns="" xmlns:a16="http://schemas.microsoft.com/office/drawing/2014/main" id="{84CCFDEF-BEA6-4502-AAF2-CD1449B687B2}"/>
+                <a16:creationId xmlns:a16="http://schemas.microsoft.com/office/drawing/2014/main" id="{84CCFDEF-BEA6-4502-AAF2-CD1449B687B2}"/>
               </a:ext>
             </a:extLst>
           </p:cNvPr>
@@ -14780,7 +14594,7 @@
           <p:cNvPr id="2" name="Title 1">
             <a:extLst>
               <a:ext uri="{FF2B5EF4-FFF2-40B4-BE49-F238E27FC236}">
-                <a16:creationId xmlns="" xmlns:a16="http://schemas.microsoft.com/office/drawing/2014/main" id="{675A3199-E351-4E33-92D5-5A5218F6AAEF}"/>
+                <a16:creationId xmlns:a16="http://schemas.microsoft.com/office/drawing/2014/main" id="{675A3199-E351-4E33-92D5-5A5218F6AAEF}"/>
               </a:ext>
             </a:extLst>
           </p:cNvPr>
@@ -14798,13 +14612,6 @@
           </a:bodyPr>
           <a:lstStyle/>
           <a:p>
-            <a:r>
-              <a:rPr lang="en-US" dirty="0">
-                <a:latin typeface="Times New Roman" panose="02020603050405020304" pitchFamily="18" charset="0"/>
-                <a:cs typeface="Times New Roman" panose="02020603050405020304" pitchFamily="18" charset="0"/>
-              </a:rPr>
-              <a:t/>
-            </a:r>
             <a:br>
               <a:rPr lang="en-US" dirty="0">
                 <a:latin typeface="Times New Roman" panose="02020603050405020304" pitchFamily="18" charset="0"/>
@@ -14836,7 +14643,7 @@
           <p:cNvPr id="5" name="Content Placeholder 4">
             <a:extLst>
               <a:ext uri="{FF2B5EF4-FFF2-40B4-BE49-F238E27FC236}">
-                <a16:creationId xmlns="" xmlns:a16="http://schemas.microsoft.com/office/drawing/2014/main" id="{1CC84714-336C-49E6-8E73-D3612ACE155A}"/>
+                <a16:creationId xmlns:a16="http://schemas.microsoft.com/office/drawing/2014/main" id="{1CC84714-336C-49E6-8E73-D3612ACE155A}"/>
               </a:ext>
             </a:extLst>
           </p:cNvPr>
@@ -14901,7 +14708,120 @@
           <p:cNvPr id="2" name="Title 1">
             <a:extLst>
               <a:ext uri="{FF2B5EF4-FFF2-40B4-BE49-F238E27FC236}">
-                <a16:creationId xmlns="" xmlns:a16="http://schemas.microsoft.com/office/drawing/2014/main" id="{A090EDE9-9054-457B-9CC7-4617D11A91AC}"/>
+                <a16:creationId xmlns:a16="http://schemas.microsoft.com/office/drawing/2014/main" id="{E5D43BAC-ACFD-4163-913E-F49F780ACE3D}"/>
+              </a:ext>
+            </a:extLst>
+          </p:cNvPr>
+          <p:cNvSpPr>
+            <a:spLocks noGrp="1"/>
+          </p:cNvSpPr>
+          <p:nvPr>
+            <p:ph type="title"/>
+          </p:nvPr>
+        </p:nvSpPr>
+        <p:spPr/>
+        <p:txBody>
+          <a:bodyPr/>
+          <a:lstStyle/>
+          <a:p>
+            <a:r>
+              <a:rPr lang="en-US" dirty="0" err="1">
+                <a:latin typeface="Times New Roman" panose="02020603050405020304" pitchFamily="18" charset="0"/>
+                <a:cs typeface="Times New Roman" panose="02020603050405020304" pitchFamily="18" charset="0"/>
+              </a:rPr>
+              <a:t>CanActivate</a:t>
+            </a:r>
+            <a:r>
+              <a:rPr lang="en-US" dirty="0">
+                <a:latin typeface="Times New Roman" panose="02020603050405020304" pitchFamily="18" charset="0"/>
+                <a:cs typeface="Times New Roman" panose="02020603050405020304" pitchFamily="18" charset="0"/>
+              </a:rPr>
+              <a:t> Interface</a:t>
+            </a:r>
+          </a:p>
+        </p:txBody>
+      </p:sp>
+      <p:sp>
+        <p:nvSpPr>
+          <p:cNvPr id="3" name="Content Placeholder 2">
+            <a:extLst>
+              <a:ext uri="{FF2B5EF4-FFF2-40B4-BE49-F238E27FC236}">
+                <a16:creationId xmlns:a16="http://schemas.microsoft.com/office/drawing/2014/main" id="{0F542C56-8E4E-44E8-98EE-C3677F9C6D01}"/>
+              </a:ext>
+            </a:extLst>
+          </p:cNvPr>
+          <p:cNvSpPr>
+            <a:spLocks noGrp="1"/>
+          </p:cNvSpPr>
+          <p:nvPr>
+            <p:ph idx="1"/>
+          </p:nvPr>
+        </p:nvSpPr>
+        <p:spPr/>
+        <p:txBody>
+          <a:bodyPr/>
+          <a:lstStyle/>
+          <a:p>
+            <a:r>
+              <a:rPr lang="en-US" dirty="0"/>
+              <a:t>Interface that a class can implement to be a guard deciding if a route can be activated. If all guards return true, navigation will continue. If any guard returns false, navigation will be cancelled. If any guard returns a </a:t>
+            </a:r>
+            <a:r>
+              <a:rPr lang="en-US" dirty="0" err="1"/>
+              <a:t>UrlTree</a:t>
+            </a:r>
+            <a:r>
+              <a:rPr lang="en-US" dirty="0"/>
+              <a:t>, current navigation will be cancelled and a new navigation will be kicked off to the </a:t>
+            </a:r>
+            <a:r>
+              <a:rPr lang="en-US" dirty="0" err="1"/>
+              <a:t>UrlTree</a:t>
+            </a:r>
+            <a:r>
+              <a:rPr lang="en-US"/>
+              <a:t> returned from the guard</a:t>
+            </a:r>
+            <a:endParaRPr lang="en-US" dirty="0"/>
+          </a:p>
+        </p:txBody>
+      </p:sp>
+    </p:spTree>
+    <p:extLst>
+      <p:ext uri="{BB962C8B-B14F-4D97-AF65-F5344CB8AC3E}">
+        <p14:creationId xmlns:p14="http://schemas.microsoft.com/office/powerpoint/2010/main" val="2892483064"/>
+      </p:ext>
+    </p:extLst>
+  </p:cSld>
+  <p:clrMapOvr>
+    <a:masterClrMapping/>
+  </p:clrMapOvr>
+</p:sld>
+</file>
+
+<file path=ppt/slides/slide57.xml><?xml version="1.0" encoding="utf-8"?>
+<p:sld xmlns:a="http://schemas.openxmlformats.org/drawingml/2006/main" xmlns:r="http://schemas.openxmlformats.org/officeDocument/2006/relationships" xmlns:p="http://schemas.openxmlformats.org/presentationml/2006/main">
+  <p:cSld>
+    <p:spTree>
+      <p:nvGrpSpPr>
+        <p:cNvPr id="1" name=""/>
+        <p:cNvGrpSpPr/>
+        <p:nvPr/>
+      </p:nvGrpSpPr>
+      <p:grpSpPr>
+        <a:xfrm>
+          <a:off x="0" y="0"/>
+          <a:ext cx="0" cy="0"/>
+          <a:chOff x="0" y="0"/>
+          <a:chExt cx="0" cy="0"/>
+        </a:xfrm>
+      </p:grpSpPr>
+      <p:sp>
+        <p:nvSpPr>
+          <p:cNvPr id="2" name="Title 1">
+            <a:extLst>
+              <a:ext uri="{FF2B5EF4-FFF2-40B4-BE49-F238E27FC236}">
+                <a16:creationId xmlns:a16="http://schemas.microsoft.com/office/drawing/2014/main" id="{462B11F3-304A-4111-8695-D67BBBEFA2A3}"/>
               </a:ext>
             </a:extLst>
           </p:cNvPr>
@@ -14919,32 +14839,25 @@
           </a:bodyPr>
           <a:lstStyle/>
           <a:p>
-            <a:r>
-              <a:rPr lang="en-US">
-                <a:latin typeface="Times New Roman" panose="02020603050405020304" pitchFamily="18" charset="0"/>
-                <a:cs typeface="Times New Roman" panose="02020603050405020304" pitchFamily="18" charset="0"/>
-              </a:rPr>
-              <a:t/>
-            </a:r>
             <a:br>
-              <a:rPr lang="en-US">
+              <a:rPr lang="en-US" dirty="0">
                 <a:latin typeface="Times New Roman" panose="02020603050405020304" pitchFamily="18" charset="0"/>
                 <a:cs typeface="Times New Roman" panose="02020603050405020304" pitchFamily="18" charset="0"/>
               </a:rPr>
             </a:br>
             <a:r>
-              <a:rPr lang="en-US">
-                <a:latin typeface="Times New Roman" panose="02020603050405020304" pitchFamily="18" charset="0"/>
-                <a:cs typeface="Times New Roman" panose="02020603050405020304" pitchFamily="18" charset="0"/>
-              </a:rPr>
-              <a:t>Define Child </a:t>
-            </a:r>
-            <a:r>
-              <a:rPr lang="en-US" dirty="0">
-                <a:latin typeface="Times New Roman" panose="02020603050405020304" pitchFamily="18" charset="0"/>
-                <a:cs typeface="Times New Roman" panose="02020603050405020304" pitchFamily="18" charset="0"/>
-              </a:rPr>
-              <a:t>Routes</a:t>
+              <a:rPr lang="en-US" dirty="0" err="1">
+                <a:latin typeface="Times New Roman" panose="02020603050405020304" pitchFamily="18" charset="0"/>
+                <a:cs typeface="Times New Roman" panose="02020603050405020304" pitchFamily="18" charset="0"/>
+              </a:rPr>
+              <a:t>CanDeactivate</a:t>
+            </a:r>
+            <a:r>
+              <a:rPr lang="en-US" dirty="0">
+                <a:latin typeface="Times New Roman" panose="02020603050405020304" pitchFamily="18" charset="0"/>
+                <a:cs typeface="Times New Roman" panose="02020603050405020304" pitchFamily="18" charset="0"/>
+              </a:rPr>
+              <a:t> Interface</a:t>
             </a:r>
             <a:br>
               <a:rPr lang="en-US" dirty="0">
@@ -14959,12 +14872,194 @@
           </a:p>
         </p:txBody>
       </p:sp>
+      <p:sp>
+        <p:nvSpPr>
+          <p:cNvPr id="3" name="Content Placeholder 2">
+            <a:extLst>
+              <a:ext uri="{FF2B5EF4-FFF2-40B4-BE49-F238E27FC236}">
+                <a16:creationId xmlns:a16="http://schemas.microsoft.com/office/drawing/2014/main" id="{A0A65329-9220-4775-87B0-5F9F33899CEA}"/>
+              </a:ext>
+            </a:extLst>
+          </p:cNvPr>
+          <p:cNvSpPr>
+            <a:spLocks noGrp="1"/>
+          </p:cNvSpPr>
+          <p:nvPr>
+            <p:ph idx="1"/>
+          </p:nvPr>
+        </p:nvSpPr>
+        <p:spPr/>
+        <p:txBody>
+          <a:bodyPr/>
+          <a:lstStyle/>
+          <a:p>
+            <a:r>
+              <a:rPr lang="en-US" dirty="0">
+                <a:latin typeface="Times New Roman" panose="02020603050405020304" pitchFamily="18" charset="0"/>
+                <a:cs typeface="Times New Roman" panose="02020603050405020304" pitchFamily="18" charset="0"/>
+              </a:rPr>
+              <a:t>Interface that a class can implement to be a guard deciding if a route can be deactivated. If all guards return true, navigation will continue. If any guard returns false, navigation will be cancelled. If any guard returns a </a:t>
+            </a:r>
+            <a:r>
+              <a:rPr lang="en-US" dirty="0" err="1">
+                <a:latin typeface="Times New Roman" panose="02020603050405020304" pitchFamily="18" charset="0"/>
+                <a:cs typeface="Times New Roman" panose="02020603050405020304" pitchFamily="18" charset="0"/>
+              </a:rPr>
+              <a:t>UrlTree</a:t>
+            </a:r>
+            <a:r>
+              <a:rPr lang="en-US" dirty="0">
+                <a:latin typeface="Times New Roman" panose="02020603050405020304" pitchFamily="18" charset="0"/>
+                <a:cs typeface="Times New Roman" panose="02020603050405020304" pitchFamily="18" charset="0"/>
+              </a:rPr>
+              <a:t>, current navigation will be cancelled and a new navigation will be kicked off to the </a:t>
+            </a:r>
+            <a:r>
+              <a:rPr lang="en-US" dirty="0" err="1">
+                <a:latin typeface="Times New Roman" panose="02020603050405020304" pitchFamily="18" charset="0"/>
+                <a:cs typeface="Times New Roman" panose="02020603050405020304" pitchFamily="18" charset="0"/>
+              </a:rPr>
+              <a:t>UrlTree</a:t>
+            </a:r>
+            <a:r>
+              <a:rPr lang="en-US" dirty="0">
+                <a:latin typeface="Times New Roman" panose="02020603050405020304" pitchFamily="18" charset="0"/>
+                <a:cs typeface="Times New Roman" panose="02020603050405020304" pitchFamily="18" charset="0"/>
+              </a:rPr>
+              <a:t> returned from the guard.</a:t>
+            </a:r>
+          </a:p>
+          <a:p>
+            <a:r>
+              <a:rPr lang="en-US" dirty="0">
+                <a:latin typeface="Times New Roman" panose="02020603050405020304" pitchFamily="18" charset="0"/>
+                <a:cs typeface="Times New Roman" panose="02020603050405020304" pitchFamily="18" charset="0"/>
+              </a:rPr>
+              <a:t>Example</a:t>
+            </a:r>
+          </a:p>
+          <a:p>
+            <a:r>
+              <a:rPr lang="en-US" dirty="0">
+                <a:latin typeface="Times New Roman" panose="02020603050405020304" pitchFamily="18" charset="0"/>
+                <a:cs typeface="Times New Roman" panose="02020603050405020304" pitchFamily="18" charset="0"/>
+                <a:hlinkClick r:id="rId2"/>
+              </a:rPr>
+              <a:t>https://stackblitz.com/edit/candeactivate</a:t>
+            </a:r>
+            <a:endParaRPr lang="en-US" dirty="0">
+              <a:latin typeface="Times New Roman" panose="02020603050405020304" pitchFamily="18" charset="0"/>
+              <a:cs typeface="Times New Roman" panose="02020603050405020304" pitchFamily="18" charset="0"/>
+            </a:endParaRPr>
+          </a:p>
+          <a:p>
+            <a:r>
+              <a:rPr lang="en-US" dirty="0">
+                <a:latin typeface="Times New Roman" panose="02020603050405020304" pitchFamily="18" charset="0"/>
+                <a:cs typeface="Times New Roman" panose="02020603050405020304" pitchFamily="18" charset="0"/>
+                <a:hlinkClick r:id="rId3"/>
+              </a:rPr>
+              <a:t>https://stackblitz.com/edit/clabnet-angular-candeactivate</a:t>
+            </a:r>
+            <a:endParaRPr lang="en-US" dirty="0">
+              <a:latin typeface="Times New Roman" panose="02020603050405020304" pitchFamily="18" charset="0"/>
+              <a:cs typeface="Times New Roman" panose="02020603050405020304" pitchFamily="18" charset="0"/>
+            </a:endParaRPr>
+          </a:p>
+        </p:txBody>
+      </p:sp>
+    </p:spTree>
+    <p:extLst>
+      <p:ext uri="{BB962C8B-B14F-4D97-AF65-F5344CB8AC3E}">
+        <p14:creationId xmlns:p14="http://schemas.microsoft.com/office/powerpoint/2010/main" val="256018218"/>
+      </p:ext>
+    </p:extLst>
+  </p:cSld>
+  <p:clrMapOvr>
+    <a:masterClrMapping/>
+  </p:clrMapOvr>
+</p:sld>
+</file>
+
+<file path=ppt/slides/slide58.xml><?xml version="1.0" encoding="utf-8"?>
+<p:sld xmlns:a="http://schemas.openxmlformats.org/drawingml/2006/main" xmlns:r="http://schemas.openxmlformats.org/officeDocument/2006/relationships" xmlns:p="http://schemas.openxmlformats.org/presentationml/2006/main">
+  <p:cSld>
+    <p:spTree>
+      <p:nvGrpSpPr>
+        <p:cNvPr id="1" name=""/>
+        <p:cNvGrpSpPr/>
+        <p:nvPr/>
+      </p:nvGrpSpPr>
+      <p:grpSpPr>
+        <a:xfrm>
+          <a:off x="0" y="0"/>
+          <a:ext cx="0" cy="0"/>
+          <a:chOff x="0" y="0"/>
+          <a:chExt cx="0" cy="0"/>
+        </a:xfrm>
+      </p:grpSpPr>
+      <p:sp>
+        <p:nvSpPr>
+          <p:cNvPr id="2" name="Title 1">
+            <a:extLst>
+              <a:ext uri="{FF2B5EF4-FFF2-40B4-BE49-F238E27FC236}">
+                <a16:creationId xmlns:a16="http://schemas.microsoft.com/office/drawing/2014/main" id="{A090EDE9-9054-457B-9CC7-4617D11A91AC}"/>
+              </a:ext>
+            </a:extLst>
+          </p:cNvPr>
+          <p:cNvSpPr>
+            <a:spLocks noGrp="1"/>
+          </p:cNvSpPr>
+          <p:nvPr>
+            <p:ph type="title"/>
+          </p:nvPr>
+        </p:nvSpPr>
+        <p:spPr/>
+        <p:txBody>
+          <a:bodyPr>
+            <a:normAutofit fontScale="90000"/>
+          </a:bodyPr>
+          <a:lstStyle/>
+          <a:p>
+            <a:br>
+              <a:rPr lang="en-US">
+                <a:latin typeface="Times New Roman" panose="02020603050405020304" pitchFamily="18" charset="0"/>
+                <a:cs typeface="Times New Roman" panose="02020603050405020304" pitchFamily="18" charset="0"/>
+              </a:rPr>
+            </a:br>
+            <a:r>
+              <a:rPr lang="en-US">
+                <a:latin typeface="Times New Roman" panose="02020603050405020304" pitchFamily="18" charset="0"/>
+                <a:cs typeface="Times New Roman" panose="02020603050405020304" pitchFamily="18" charset="0"/>
+              </a:rPr>
+              <a:t>Define Child </a:t>
+            </a:r>
+            <a:r>
+              <a:rPr lang="en-US" dirty="0">
+                <a:latin typeface="Times New Roman" panose="02020603050405020304" pitchFamily="18" charset="0"/>
+                <a:cs typeface="Times New Roman" panose="02020603050405020304" pitchFamily="18" charset="0"/>
+              </a:rPr>
+              <a:t>Routes</a:t>
+            </a:r>
+            <a:br>
+              <a:rPr lang="en-US" dirty="0">
+                <a:latin typeface="Times New Roman" panose="02020603050405020304" pitchFamily="18" charset="0"/>
+                <a:cs typeface="Times New Roman" panose="02020603050405020304" pitchFamily="18" charset="0"/>
+              </a:rPr>
+            </a:br>
+            <a:endParaRPr lang="en-US" dirty="0">
+              <a:latin typeface="Times New Roman" panose="02020603050405020304" pitchFamily="18" charset="0"/>
+              <a:cs typeface="Times New Roman" panose="02020603050405020304" pitchFamily="18" charset="0"/>
+            </a:endParaRPr>
+          </a:p>
+        </p:txBody>
+      </p:sp>
       <p:pic>
         <p:nvPicPr>
           <p:cNvPr id="5" name="Content Placeholder 4">
             <a:extLst>
               <a:ext uri="{FF2B5EF4-FFF2-40B4-BE49-F238E27FC236}">
-                <a16:creationId xmlns="" xmlns:a16="http://schemas.microsoft.com/office/drawing/2014/main" id="{6A6F1091-4A85-48FC-B917-22A53BA8A1CC}"/>
+                <a16:creationId xmlns:a16="http://schemas.microsoft.com/office/drawing/2014/main" id="{6A6F1091-4A85-48FC-B917-22A53BA8A1CC}"/>
               </a:ext>
             </a:extLst>
           </p:cNvPr>
@@ -15007,7 +15102,7 @@
 </p:sld>
 </file>
 
-<file path=ppt/slides/slide57.xml><?xml version="1.0" encoding="utf-8"?>
+<file path=ppt/slides/slide59.xml><?xml version="1.0" encoding="utf-8"?>
 <p:sld xmlns:a="http://schemas.openxmlformats.org/drawingml/2006/main" xmlns:r="http://schemas.openxmlformats.org/officeDocument/2006/relationships" xmlns:p="http://schemas.openxmlformats.org/presentationml/2006/main">
   <p:cSld>
     <p:spTree>
@@ -15041,39 +15136,25 @@
           </a:bodyPr>
           <a:lstStyle/>
           <a:p>
-            <a:r>
-              <a:rPr lang="en-US" dirty="0" smtClean="0">
-                <a:latin typeface="Times New Roman" panose="02020603050405020304" pitchFamily="18" charset="0"/>
-                <a:cs typeface="Times New Roman" panose="02020603050405020304" pitchFamily="18" charset="0"/>
-              </a:rPr>
-              <a:t/>
-            </a:r>
             <a:br>
-              <a:rPr lang="en-US" dirty="0" smtClean="0">
+              <a:rPr lang="en-US" dirty="0">
                 <a:latin typeface="Times New Roman" panose="02020603050405020304" pitchFamily="18" charset="0"/>
                 <a:cs typeface="Times New Roman" panose="02020603050405020304" pitchFamily="18" charset="0"/>
               </a:rPr>
             </a:br>
             <a:r>
-              <a:rPr lang="en-US" dirty="0" err="1" smtClean="0">
+              <a:rPr lang="en-US" dirty="0" err="1">
                 <a:latin typeface="Times New Roman" panose="02020603050405020304" pitchFamily="18" charset="0"/>
                 <a:cs typeface="Times New Roman" panose="02020603050405020304" pitchFamily="18" charset="0"/>
               </a:rPr>
               <a:t>RxJs</a:t>
             </a:r>
             <a:r>
-              <a:rPr lang="en-US" dirty="0" smtClean="0">
-                <a:latin typeface="Times New Roman" panose="02020603050405020304" pitchFamily="18" charset="0"/>
-                <a:cs typeface="Times New Roman" panose="02020603050405020304" pitchFamily="18" charset="0"/>
-              </a:rPr>
-              <a:t> </a:t>
-            </a:r>
-            <a:r>
-              <a:rPr lang="en-US" dirty="0">
-                <a:latin typeface="Times New Roman" panose="02020603050405020304" pitchFamily="18" charset="0"/>
-                <a:cs typeface="Times New Roman" panose="02020603050405020304" pitchFamily="18" charset="0"/>
-              </a:rPr>
-              <a:t>and HTTP</a:t>
+              <a:rPr lang="en-US" dirty="0">
+                <a:latin typeface="Times New Roman" panose="02020603050405020304" pitchFamily="18" charset="0"/>
+                <a:cs typeface="Times New Roman" panose="02020603050405020304" pitchFamily="18" charset="0"/>
+              </a:rPr>
+              <a:t> and HTTP</a:t>
             </a:r>
             <a:br>
               <a:rPr lang="en-US" dirty="0">
@@ -15108,21 +15189,7 @@
                 <a:latin typeface="Times New Roman" panose="02020603050405020304" pitchFamily="18" charset="0"/>
                 <a:cs typeface="Times New Roman" panose="02020603050405020304" pitchFamily="18" charset="0"/>
               </a:rPr>
-              <a:t>Y</a:t>
-            </a:r>
-            <a:r>
-              <a:rPr lang="en-US" dirty="0" smtClean="0">
-                <a:latin typeface="Times New Roman" panose="02020603050405020304" pitchFamily="18" charset="0"/>
-                <a:cs typeface="Times New Roman" panose="02020603050405020304" pitchFamily="18" charset="0"/>
-              </a:rPr>
-              <a:t>ou </a:t>
-            </a:r>
-            <a:r>
-              <a:rPr lang="en-US" dirty="0">
-                <a:latin typeface="Times New Roman" panose="02020603050405020304" pitchFamily="18" charset="0"/>
-                <a:cs typeface="Times New Roman" panose="02020603050405020304" pitchFamily="18" charset="0"/>
-              </a:rPr>
-              <a:t>define a function for publishing values, but it is not executed until a consumer subscribes to it. The subscribed consumer then receives notifications until the function completes, or until they unsubscribe.</a:t>
+              <a:t>You define a function for publishing values, but it is not executed until a consumer subscribes to it. The subscribed consumer then receives notifications until the function completes, or until they unsubscribe.</a:t>
             </a:r>
           </a:p>
         </p:txBody>
@@ -15140,7 +15207,7 @@
 </p:sld>
 </file>
 
-<file path=ppt/slides/slide58.xml><?xml version="1.0" encoding="utf-8"?>
+<file path=ppt/slides/slide6.xml><?xml version="1.0" encoding="utf-8"?>
 <p:sld xmlns:a="http://schemas.openxmlformats.org/drawingml/2006/main" xmlns:r="http://schemas.openxmlformats.org/officeDocument/2006/relationships" xmlns:p="http://schemas.openxmlformats.org/presentationml/2006/main">
   <p:cSld>
     <p:spTree>
@@ -15169,60 +15236,197 @@
         </p:nvSpPr>
         <p:spPr/>
         <p:txBody>
+          <a:bodyPr>
+            <a:normAutofit fontScale="90000"/>
+          </a:bodyPr>
+          <a:lstStyle/>
+          <a:p>
+            <a:br>
+              <a:rPr lang="en-US" dirty="0">
+                <a:latin typeface="Times New Roman" panose="02020603050405020304" pitchFamily="18" charset="0"/>
+                <a:cs typeface="Times New Roman" panose="02020603050405020304" pitchFamily="18" charset="0"/>
+              </a:rPr>
+            </a:br>
+            <a:r>
+              <a:rPr lang="en-US" dirty="0" err="1">
+                <a:latin typeface="Times New Roman" panose="02020603050405020304" pitchFamily="18" charset="0"/>
+                <a:cs typeface="Times New Roman" panose="02020603050405020304" pitchFamily="18" charset="0"/>
+              </a:rPr>
+              <a:t>Speread</a:t>
+            </a:r>
+            <a:r>
+              <a:rPr lang="en-US" dirty="0">
+                <a:latin typeface="Times New Roman" panose="02020603050405020304" pitchFamily="18" charset="0"/>
+                <a:cs typeface="Times New Roman" panose="02020603050405020304" pitchFamily="18" charset="0"/>
+              </a:rPr>
+              <a:t> operator</a:t>
+            </a:r>
+            <a:br>
+              <a:rPr lang="en-US" dirty="0">
+                <a:latin typeface="Times New Roman" panose="02020603050405020304" pitchFamily="18" charset="0"/>
+                <a:cs typeface="Times New Roman" panose="02020603050405020304" pitchFamily="18" charset="0"/>
+              </a:rPr>
+            </a:br>
+            <a:endParaRPr lang="en-US" dirty="0">
+              <a:latin typeface="Times New Roman" panose="02020603050405020304" pitchFamily="18" charset="0"/>
+              <a:cs typeface="Times New Roman" panose="02020603050405020304" pitchFamily="18" charset="0"/>
+            </a:endParaRPr>
+          </a:p>
+        </p:txBody>
+      </p:sp>
+      <p:sp>
+        <p:nvSpPr>
+          <p:cNvPr id="3" name="Content Placeholder 2"/>
+          <p:cNvSpPr>
+            <a:spLocks noGrp="1"/>
+          </p:cNvSpPr>
+          <p:nvPr>
+            <p:ph idx="1"/>
+          </p:nvPr>
+        </p:nvSpPr>
+        <p:spPr/>
+        <p:txBody>
           <a:bodyPr/>
           <a:lstStyle/>
           <a:p>
             <a:r>
-              <a:rPr lang="nl-NL" dirty="0" smtClean="0">
+              <a:rPr lang="en-US" dirty="0" err="1">
+                <a:latin typeface="Times New Roman" panose="02020603050405020304" pitchFamily="18" charset="0"/>
+                <a:cs typeface="Times New Roman" panose="02020603050405020304" pitchFamily="18" charset="0"/>
+              </a:rPr>
+              <a:t>var</a:t>
+            </a:r>
+            <a:r>
+              <a:rPr lang="en-US" dirty="0">
+                <a:latin typeface="Times New Roman" panose="02020603050405020304" pitchFamily="18" charset="0"/>
+                <a:cs typeface="Times New Roman" panose="02020603050405020304" pitchFamily="18" charset="0"/>
+              </a:rPr>
+              <a:t> parts = ['shoulders', 'knees']; </a:t>
+            </a:r>
+          </a:p>
+          <a:p>
+            <a:r>
+              <a:rPr lang="en-US" dirty="0" err="1">
+                <a:latin typeface="Times New Roman" panose="02020603050405020304" pitchFamily="18" charset="0"/>
+                <a:cs typeface="Times New Roman" panose="02020603050405020304" pitchFamily="18" charset="0"/>
+              </a:rPr>
+              <a:t>var</a:t>
+            </a:r>
+            <a:r>
+              <a:rPr lang="en-US" dirty="0">
+                <a:latin typeface="Times New Roman" panose="02020603050405020304" pitchFamily="18" charset="0"/>
+                <a:cs typeface="Times New Roman" panose="02020603050405020304" pitchFamily="18" charset="0"/>
+              </a:rPr>
+              <a:t> lyrics = ['head', ...parts, 'and', 'toes']; </a:t>
+            </a:r>
+          </a:p>
+          <a:p>
+            <a:r>
+              <a:rPr lang="en-US" dirty="0">
+                <a:latin typeface="Times New Roman" panose="02020603050405020304" pitchFamily="18" charset="0"/>
+                <a:cs typeface="Times New Roman" panose="02020603050405020304" pitchFamily="18" charset="0"/>
+              </a:rPr>
+              <a:t>// ["head", "shoulders", "knees", "and", "toes"]</a:t>
+            </a:r>
+          </a:p>
+        </p:txBody>
+      </p:sp>
+    </p:spTree>
+    <p:extLst>
+      <p:ext uri="{BB962C8B-B14F-4D97-AF65-F5344CB8AC3E}">
+        <p14:creationId xmlns:p14="http://schemas.microsoft.com/office/powerpoint/2010/main" val="3220732713"/>
+      </p:ext>
+    </p:extLst>
+  </p:cSld>
+  <p:clrMapOvr>
+    <a:masterClrMapping/>
+  </p:clrMapOvr>
+</p:sld>
+</file>
+
+<file path=ppt/slides/slide60.xml><?xml version="1.0" encoding="utf-8"?>
+<p:sld xmlns:a="http://schemas.openxmlformats.org/drawingml/2006/main" xmlns:r="http://schemas.openxmlformats.org/officeDocument/2006/relationships" xmlns:p="http://schemas.openxmlformats.org/presentationml/2006/main">
+  <p:cSld>
+    <p:spTree>
+      <p:nvGrpSpPr>
+        <p:cNvPr id="1" name=""/>
+        <p:cNvGrpSpPr/>
+        <p:nvPr/>
+      </p:nvGrpSpPr>
+      <p:grpSpPr>
+        <a:xfrm>
+          <a:off x="0" y="0"/>
+          <a:ext cx="0" cy="0"/>
+          <a:chOff x="0" y="0"/>
+          <a:chExt cx="0" cy="0"/>
+        </a:xfrm>
+      </p:grpSpPr>
+      <p:sp>
+        <p:nvSpPr>
+          <p:cNvPr id="2" name="Title 1"/>
+          <p:cNvSpPr>
+            <a:spLocks noGrp="1"/>
+          </p:cNvSpPr>
+          <p:nvPr>
+            <p:ph type="title"/>
+          </p:nvPr>
+        </p:nvSpPr>
+        <p:spPr/>
+        <p:txBody>
+          <a:bodyPr/>
+          <a:lstStyle/>
+          <a:p>
+            <a:r>
+              <a:rPr lang="nl-NL" dirty="0">
                 <a:latin typeface="Times New Roman" panose="02020603050405020304" pitchFamily="18" charset="0"/>
                 <a:cs typeface="Times New Roman" panose="02020603050405020304" pitchFamily="18" charset="0"/>
               </a:rPr>
               <a:t>Different </a:t>
             </a:r>
             <a:r>
-              <a:rPr lang="nl-NL" dirty="0" err="1" smtClean="0">
+              <a:rPr lang="nl-NL" dirty="0" err="1">
                 <a:latin typeface="Times New Roman" panose="02020603050405020304" pitchFamily="18" charset="0"/>
                 <a:cs typeface="Times New Roman" panose="02020603050405020304" pitchFamily="18" charset="0"/>
               </a:rPr>
               <a:t>between</a:t>
             </a:r>
             <a:r>
-              <a:rPr lang="nl-NL" dirty="0" smtClean="0">
+              <a:rPr lang="nl-NL" dirty="0">
                 <a:latin typeface="Times New Roman" panose="02020603050405020304" pitchFamily="18" charset="0"/>
                 <a:cs typeface="Times New Roman" panose="02020603050405020304" pitchFamily="18" charset="0"/>
               </a:rPr>
               <a:t> </a:t>
             </a:r>
             <a:r>
-              <a:rPr lang="nl-NL" dirty="0" err="1" smtClean="0">
+              <a:rPr lang="nl-NL" dirty="0" err="1">
                 <a:latin typeface="Times New Roman" panose="02020603050405020304" pitchFamily="18" charset="0"/>
                 <a:cs typeface="Times New Roman" panose="02020603050405020304" pitchFamily="18" charset="0"/>
               </a:rPr>
               <a:t>promises</a:t>
             </a:r>
             <a:r>
-              <a:rPr lang="nl-NL" dirty="0" smtClean="0">
+              <a:rPr lang="nl-NL" dirty="0">
                 <a:latin typeface="Times New Roman" panose="02020603050405020304" pitchFamily="18" charset="0"/>
                 <a:cs typeface="Times New Roman" panose="02020603050405020304" pitchFamily="18" charset="0"/>
               </a:rPr>
               <a:t> </a:t>
             </a:r>
             <a:r>
-              <a:rPr lang="nl-NL" dirty="0" err="1" smtClean="0">
+              <a:rPr lang="nl-NL" dirty="0" err="1">
                 <a:latin typeface="Times New Roman" panose="02020603050405020304" pitchFamily="18" charset="0"/>
                 <a:cs typeface="Times New Roman" panose="02020603050405020304" pitchFamily="18" charset="0"/>
               </a:rPr>
               <a:t>and</a:t>
             </a:r>
             <a:r>
-              <a:rPr lang="nl-NL" dirty="0" smtClean="0">
+              <a:rPr lang="nl-NL" dirty="0">
                 <a:latin typeface="Times New Roman" panose="02020603050405020304" pitchFamily="18" charset="0"/>
                 <a:cs typeface="Times New Roman" panose="02020603050405020304" pitchFamily="18" charset="0"/>
               </a:rPr>
               <a:t> </a:t>
             </a:r>
             <a:r>
-              <a:rPr lang="nl-NL" dirty="0" err="1" smtClean="0">
+              <a:rPr lang="nl-NL" dirty="0" err="1">
                 <a:latin typeface="Times New Roman" panose="02020603050405020304" pitchFamily="18" charset="0"/>
                 <a:cs typeface="Times New Roman" panose="02020603050405020304" pitchFamily="18" charset="0"/>
               </a:rPr>
@@ -15277,7 +15481,7 @@
 </p:sld>
 </file>
 
-<file path=ppt/slides/slide59.xml><?xml version="1.0" encoding="utf-8"?>
+<file path=ppt/slides/slide61.xml><?xml version="1.0" encoding="utf-8"?>
 <p:sld xmlns:a="http://schemas.openxmlformats.org/drawingml/2006/main" xmlns:r="http://schemas.openxmlformats.org/officeDocument/2006/relationships" xmlns:p="http://schemas.openxmlformats.org/presentationml/2006/main">
   <p:cSld>
     <p:spTree>
@@ -15311,39 +15515,25 @@
           </a:bodyPr>
           <a:lstStyle/>
           <a:p>
-            <a:r>
-              <a:rPr lang="en-US" dirty="0" smtClean="0">
-                <a:latin typeface="Times New Roman" panose="02020603050405020304" pitchFamily="18" charset="0"/>
-                <a:cs typeface="Times New Roman" panose="02020603050405020304" pitchFamily="18" charset="0"/>
-              </a:rPr>
-              <a:t/>
-            </a:r>
             <a:br>
-              <a:rPr lang="en-US" dirty="0" smtClean="0">
+              <a:rPr lang="en-US" dirty="0">
                 <a:latin typeface="Times New Roman" panose="02020603050405020304" pitchFamily="18" charset="0"/>
                 <a:cs typeface="Times New Roman" panose="02020603050405020304" pitchFamily="18" charset="0"/>
               </a:rPr>
             </a:br>
             <a:r>
-              <a:rPr lang="en-US" dirty="0" err="1" smtClean="0">
+              <a:rPr lang="en-US" dirty="0" err="1">
                 <a:latin typeface="Times New Roman" panose="02020603050405020304" pitchFamily="18" charset="0"/>
                 <a:cs typeface="Times New Roman" panose="02020603050405020304" pitchFamily="18" charset="0"/>
               </a:rPr>
               <a:t>Async</a:t>
             </a:r>
             <a:r>
-              <a:rPr lang="en-US" dirty="0" smtClean="0">
-                <a:latin typeface="Times New Roman" panose="02020603050405020304" pitchFamily="18" charset="0"/>
-                <a:cs typeface="Times New Roman" panose="02020603050405020304" pitchFamily="18" charset="0"/>
-              </a:rPr>
-              <a:t> </a:t>
-            </a:r>
-            <a:r>
-              <a:rPr lang="en-US" dirty="0">
-                <a:latin typeface="Times New Roman" panose="02020603050405020304" pitchFamily="18" charset="0"/>
-                <a:cs typeface="Times New Roman" panose="02020603050405020304" pitchFamily="18" charset="0"/>
-              </a:rPr>
-              <a:t>Pipe</a:t>
+              <a:rPr lang="en-US" dirty="0">
+                <a:latin typeface="Times New Roman" panose="02020603050405020304" pitchFamily="18" charset="0"/>
+                <a:cs typeface="Times New Roman" panose="02020603050405020304" pitchFamily="18" charset="0"/>
+              </a:rPr>
+              <a:t> Pipe</a:t>
             </a:r>
             <a:br>
               <a:rPr lang="en-US" dirty="0">
@@ -15422,14 +15612,7 @@
                 <a:latin typeface="Times New Roman" panose="02020603050405020304" pitchFamily="18" charset="0"/>
                 <a:cs typeface="Times New Roman" panose="02020603050405020304" pitchFamily="18" charset="0"/>
               </a:rPr>
-              <a:t> pipe unsubscribes automatically to avoid potential memory leaks</a:t>
-            </a:r>
-            <a:r>
-              <a:rPr lang="en-US" sz="2500" dirty="0" smtClean="0">
-                <a:latin typeface="Times New Roman" panose="02020603050405020304" pitchFamily="18" charset="0"/>
-                <a:cs typeface="Times New Roman" panose="02020603050405020304" pitchFamily="18" charset="0"/>
-              </a:rPr>
-              <a:t>.</a:t>
+              <a:t> pipe unsubscribes automatically to avoid potential memory leaks.</a:t>
             </a:r>
           </a:p>
           <a:p>
@@ -15440,14 +15623,14 @@
           </a:p>
           <a:p>
             <a:r>
-              <a:rPr lang="nl-NL" sz="2500" dirty="0" err="1" smtClean="0">
+              <a:rPr lang="nl-NL" sz="2500" dirty="0" err="1">
                 <a:latin typeface="Times New Roman" panose="02020603050405020304" pitchFamily="18" charset="0"/>
                 <a:cs typeface="Times New Roman" panose="02020603050405020304" pitchFamily="18" charset="0"/>
               </a:rPr>
               <a:t>Example</a:t>
             </a:r>
             <a:r>
-              <a:rPr lang="nl-NL" sz="2500" dirty="0" smtClean="0">
+              <a:rPr lang="nl-NL" sz="2500" dirty="0">
                 <a:latin typeface="Times New Roman" panose="02020603050405020304" pitchFamily="18" charset="0"/>
                 <a:cs typeface="Times New Roman" panose="02020603050405020304" pitchFamily="18" charset="0"/>
               </a:rPr>
@@ -15481,7 +15664,7 @@
 </p:sld>
 </file>
 
-<file path=ppt/slides/slide6.xml><?xml version="1.0" encoding="utf-8"?>
+<file path=ppt/slides/slide62.xml><?xml version="1.0" encoding="utf-8"?>
 <p:sld xmlns:a="http://schemas.openxmlformats.org/drawingml/2006/main" xmlns:r="http://schemas.openxmlformats.org/officeDocument/2006/relationships" xmlns:p="http://schemas.openxmlformats.org/presentationml/2006/main">
   <p:cSld>
     <p:spTree>
@@ -15515,13 +15698,6 @@
           </a:bodyPr>
           <a:lstStyle/>
           <a:p>
-            <a:r>
-              <a:rPr lang="en-US" dirty="0">
-                <a:latin typeface="Times New Roman" panose="02020603050405020304" pitchFamily="18" charset="0"/>
-                <a:cs typeface="Times New Roman" panose="02020603050405020304" pitchFamily="18" charset="0"/>
-              </a:rPr>
-              <a:t/>
-            </a:r>
             <a:br>
               <a:rPr lang="en-US" dirty="0">
                 <a:latin typeface="Times New Roman" panose="02020603050405020304" pitchFamily="18" charset="0"/>
@@ -15529,176 +15705,11 @@
               </a:rPr>
             </a:br>
             <a:r>
-              <a:rPr lang="en-US" dirty="0" err="1">
-                <a:latin typeface="Times New Roman" panose="02020603050405020304" pitchFamily="18" charset="0"/>
-                <a:cs typeface="Times New Roman" panose="02020603050405020304" pitchFamily="18" charset="0"/>
-              </a:rPr>
-              <a:t>Speread</a:t>
-            </a:r>
-            <a:r>
-              <a:rPr lang="en-US" dirty="0">
-                <a:latin typeface="Times New Roman" panose="02020603050405020304" pitchFamily="18" charset="0"/>
-                <a:cs typeface="Times New Roman" panose="02020603050405020304" pitchFamily="18" charset="0"/>
-              </a:rPr>
-              <a:t> operator</a:t>
-            </a:r>
-            <a:br>
-              <a:rPr lang="en-US" dirty="0">
-                <a:latin typeface="Times New Roman" panose="02020603050405020304" pitchFamily="18" charset="0"/>
-                <a:cs typeface="Times New Roman" panose="02020603050405020304" pitchFamily="18" charset="0"/>
-              </a:rPr>
-            </a:br>
-            <a:endParaRPr lang="en-US" dirty="0">
-              <a:latin typeface="Times New Roman" panose="02020603050405020304" pitchFamily="18" charset="0"/>
-              <a:cs typeface="Times New Roman" panose="02020603050405020304" pitchFamily="18" charset="0"/>
-            </a:endParaRPr>
-          </a:p>
-        </p:txBody>
-      </p:sp>
-      <p:sp>
-        <p:nvSpPr>
-          <p:cNvPr id="3" name="Content Placeholder 2"/>
-          <p:cNvSpPr>
-            <a:spLocks noGrp="1"/>
-          </p:cNvSpPr>
-          <p:nvPr>
-            <p:ph idx="1"/>
-          </p:nvPr>
-        </p:nvSpPr>
-        <p:spPr/>
-        <p:txBody>
-          <a:bodyPr/>
-          <a:lstStyle/>
-          <a:p>
-            <a:r>
-              <a:rPr lang="en-US" dirty="0" err="1">
-                <a:latin typeface="Times New Roman" panose="02020603050405020304" pitchFamily="18" charset="0"/>
-                <a:cs typeface="Times New Roman" panose="02020603050405020304" pitchFamily="18" charset="0"/>
-              </a:rPr>
-              <a:t>var</a:t>
-            </a:r>
-            <a:r>
-              <a:rPr lang="en-US" dirty="0">
-                <a:latin typeface="Times New Roman" panose="02020603050405020304" pitchFamily="18" charset="0"/>
-                <a:cs typeface="Times New Roman" panose="02020603050405020304" pitchFamily="18" charset="0"/>
-              </a:rPr>
-              <a:t> parts = ['shoulders', 'knees']; </a:t>
-            </a:r>
-          </a:p>
-          <a:p>
-            <a:r>
-              <a:rPr lang="en-US" dirty="0" err="1">
-                <a:latin typeface="Times New Roman" panose="02020603050405020304" pitchFamily="18" charset="0"/>
-                <a:cs typeface="Times New Roman" panose="02020603050405020304" pitchFamily="18" charset="0"/>
-              </a:rPr>
-              <a:t>var</a:t>
-            </a:r>
-            <a:r>
-              <a:rPr lang="en-US" dirty="0">
-                <a:latin typeface="Times New Roman" panose="02020603050405020304" pitchFamily="18" charset="0"/>
-                <a:cs typeface="Times New Roman" panose="02020603050405020304" pitchFamily="18" charset="0"/>
-              </a:rPr>
-              <a:t> lyrics = ['head', ...parts, 'and', 'toes']; </a:t>
-            </a:r>
-          </a:p>
-          <a:p>
-            <a:r>
-              <a:rPr lang="en-US" dirty="0">
-                <a:latin typeface="Times New Roman" panose="02020603050405020304" pitchFamily="18" charset="0"/>
-                <a:cs typeface="Times New Roman" panose="02020603050405020304" pitchFamily="18" charset="0"/>
-              </a:rPr>
-              <a:t>// ["head", "shoulders", "knees", "and", "toes"]</a:t>
-            </a:r>
-          </a:p>
-        </p:txBody>
-      </p:sp>
-    </p:spTree>
-    <p:extLst>
-      <p:ext uri="{BB962C8B-B14F-4D97-AF65-F5344CB8AC3E}">
-        <p14:creationId xmlns:p14="http://schemas.microsoft.com/office/powerpoint/2010/main" val="3220732713"/>
-      </p:ext>
-    </p:extLst>
-  </p:cSld>
-  <p:clrMapOvr>
-    <a:masterClrMapping/>
-  </p:clrMapOvr>
-</p:sld>
-</file>
-
-<file path=ppt/slides/slide60.xml><?xml version="1.0" encoding="utf-8"?>
-<p:sld xmlns:a="http://schemas.openxmlformats.org/drawingml/2006/main" xmlns:r="http://schemas.openxmlformats.org/officeDocument/2006/relationships" xmlns:p="http://schemas.openxmlformats.org/presentationml/2006/main">
-  <p:cSld>
-    <p:spTree>
-      <p:nvGrpSpPr>
-        <p:cNvPr id="1" name=""/>
-        <p:cNvGrpSpPr/>
-        <p:nvPr/>
-      </p:nvGrpSpPr>
-      <p:grpSpPr>
-        <a:xfrm>
-          <a:off x="0" y="0"/>
-          <a:ext cx="0" cy="0"/>
-          <a:chOff x="0" y="0"/>
-          <a:chExt cx="0" cy="0"/>
-        </a:xfrm>
-      </p:grpSpPr>
-      <p:sp>
-        <p:nvSpPr>
-          <p:cNvPr id="2" name="Title 1"/>
-          <p:cNvSpPr>
-            <a:spLocks noGrp="1"/>
-          </p:cNvSpPr>
-          <p:nvPr>
-            <p:ph type="title"/>
-          </p:nvPr>
-        </p:nvSpPr>
-        <p:spPr/>
-        <p:txBody>
-          <a:bodyPr>
-            <a:normAutofit fontScale="90000"/>
-          </a:bodyPr>
-          <a:lstStyle/>
-          <a:p>
-            <a:r>
-              <a:rPr lang="en-US" dirty="0" smtClean="0">
-                <a:latin typeface="Times New Roman" panose="02020603050405020304" pitchFamily="18" charset="0"/>
-                <a:cs typeface="Times New Roman" panose="02020603050405020304" pitchFamily="18" charset="0"/>
-              </a:rPr>
-              <a:t/>
-            </a:r>
-            <a:br>
-              <a:rPr lang="en-US" dirty="0" smtClean="0">
-                <a:latin typeface="Times New Roman" panose="02020603050405020304" pitchFamily="18" charset="0"/>
-                <a:cs typeface="Times New Roman" panose="02020603050405020304" pitchFamily="18" charset="0"/>
-              </a:rPr>
-            </a:br>
-            <a:r>
-              <a:rPr lang="en-US" dirty="0" smtClean="0">
-                <a:latin typeface="Times New Roman" panose="02020603050405020304" pitchFamily="18" charset="0"/>
-                <a:cs typeface="Times New Roman" panose="02020603050405020304" pitchFamily="18" charset="0"/>
-              </a:rPr>
-              <a:t>Subscribing </a:t>
-            </a:r>
-            <a:r>
-              <a:rPr lang="en-US" dirty="0">
-                <a:latin typeface="Times New Roman" panose="02020603050405020304" pitchFamily="18" charset="0"/>
-                <a:cs typeface="Times New Roman" panose="02020603050405020304" pitchFamily="18" charset="0"/>
-              </a:rPr>
-              <a:t>to </a:t>
-            </a:r>
-            <a:r>
-              <a:rPr lang="en-US" dirty="0" smtClean="0">
-                <a:latin typeface="Times New Roman" panose="02020603050405020304" pitchFamily="18" charset="0"/>
-                <a:cs typeface="Times New Roman" panose="02020603050405020304" pitchFamily="18" charset="0"/>
-              </a:rPr>
-              <a:t>an Observable</a:t>
-            </a:r>
-            <a:r>
-              <a:rPr lang="en-US" dirty="0">
-                <a:latin typeface="Times New Roman" panose="02020603050405020304" pitchFamily="18" charset="0"/>
-                <a:cs typeface="Times New Roman" panose="02020603050405020304" pitchFamily="18" charset="0"/>
-              </a:rPr>
-              <a:t/>
+              <a:rPr lang="en-US" dirty="0">
+                <a:latin typeface="Times New Roman" panose="02020603050405020304" pitchFamily="18" charset="0"/>
+                <a:cs typeface="Times New Roman" panose="02020603050405020304" pitchFamily="18" charset="0"/>
+              </a:rPr>
+              <a:t>Subscribing to an Observable</a:t>
             </a:r>
             <a:br>
               <a:rPr lang="en-US" dirty="0">
@@ -15755,7 +15766,7 @@
 </p:sld>
 </file>
 
-<file path=ppt/slides/slide61.xml><?xml version="1.0" encoding="utf-8"?>
+<file path=ppt/slides/slide63.xml><?xml version="1.0" encoding="utf-8"?>
 <p:sld xmlns:a="http://schemas.openxmlformats.org/drawingml/2006/main" xmlns:r="http://schemas.openxmlformats.org/officeDocument/2006/relationships" xmlns:p="http://schemas.openxmlformats.org/presentationml/2006/main">
   <p:cSld>
     <p:spTree>
@@ -15789,20 +15800,12 @@
           </a:bodyPr>
           <a:lstStyle/>
           <a:p>
-            <a:r>
-              <a:rPr lang="en-US" dirty="0" smtClean="0"/>
-              <a:t/>
-            </a:r>
             <a:br>
-              <a:rPr lang="en-US" dirty="0" smtClean="0"/>
+              <a:rPr lang="en-US" dirty="0"/>
             </a:br>
             <a:r>
-              <a:rPr lang="en-US" dirty="0" smtClean="0"/>
-              <a:t>Using </a:t>
-            </a:r>
-            <a:r>
               <a:rPr lang="en-US" dirty="0"/>
-              <a:t>Http in Angular</a:t>
+              <a:t>Using Http in Angular</a:t>
             </a:r>
             <a:br>
               <a:rPr lang="en-US" dirty="0"/>
@@ -15890,14 +15893,7 @@
                 <a:latin typeface="Times New Roman" panose="02020603050405020304" pitchFamily="18" charset="0"/>
                 <a:cs typeface="Times New Roman" panose="02020603050405020304" pitchFamily="18" charset="0"/>
               </a:rPr>
-              <a:t> interface exposed by browsers</a:t>
-            </a:r>
-            <a:r>
-              <a:rPr lang="en-US" sz="2200" dirty="0" smtClean="0">
-                <a:latin typeface="Times New Roman" panose="02020603050405020304" pitchFamily="18" charset="0"/>
-                <a:cs typeface="Times New Roman" panose="02020603050405020304" pitchFamily="18" charset="0"/>
-              </a:rPr>
-              <a:t>.</a:t>
+              <a:t> interface exposed by browsers.</a:t>
             </a:r>
           </a:p>
           <a:p>
@@ -15908,56 +15904,56 @@
           </a:p>
           <a:p>
             <a:r>
-              <a:rPr lang="nl-NL" sz="2200" dirty="0" err="1" smtClean="0">
+              <a:rPr lang="nl-NL" sz="2200" dirty="0" err="1">
                 <a:latin typeface="Times New Roman" panose="02020603050405020304" pitchFamily="18" charset="0"/>
                 <a:cs typeface="Times New Roman" panose="02020603050405020304" pitchFamily="18" charset="0"/>
               </a:rPr>
               <a:t>To</a:t>
             </a:r>
             <a:r>
-              <a:rPr lang="nl-NL" sz="2200" dirty="0" smtClean="0">
+              <a:rPr lang="nl-NL" sz="2200" dirty="0">
                 <a:latin typeface="Times New Roman" panose="02020603050405020304" pitchFamily="18" charset="0"/>
                 <a:cs typeface="Times New Roman" panose="02020603050405020304" pitchFamily="18" charset="0"/>
               </a:rPr>
               <a:t> </a:t>
             </a:r>
             <a:r>
-              <a:rPr lang="nl-NL" sz="2200" dirty="0" err="1" smtClean="0">
+              <a:rPr lang="nl-NL" sz="2200" dirty="0" err="1">
                 <a:latin typeface="Times New Roman" panose="02020603050405020304" pitchFamily="18" charset="0"/>
                 <a:cs typeface="Times New Roman" panose="02020603050405020304" pitchFamily="18" charset="0"/>
               </a:rPr>
               <a:t>use</a:t>
             </a:r>
             <a:r>
-              <a:rPr lang="nl-NL" sz="2200" dirty="0" smtClean="0">
+              <a:rPr lang="nl-NL" sz="2200" dirty="0">
                 <a:latin typeface="Times New Roman" panose="02020603050405020304" pitchFamily="18" charset="0"/>
                 <a:cs typeface="Times New Roman" panose="02020603050405020304" pitchFamily="18" charset="0"/>
               </a:rPr>
               <a:t> HTTP we </a:t>
             </a:r>
             <a:r>
-              <a:rPr lang="nl-NL" sz="2200" dirty="0" err="1" smtClean="0">
+              <a:rPr lang="nl-NL" sz="2200" dirty="0" err="1">
                 <a:latin typeface="Times New Roman" panose="02020603050405020304" pitchFamily="18" charset="0"/>
                 <a:cs typeface="Times New Roman" panose="02020603050405020304" pitchFamily="18" charset="0"/>
               </a:rPr>
               <a:t>need</a:t>
             </a:r>
             <a:r>
-              <a:rPr lang="nl-NL" sz="2200" dirty="0" smtClean="0">
+              <a:rPr lang="nl-NL" sz="2200" dirty="0">
                 <a:latin typeface="Times New Roman" panose="02020603050405020304" pitchFamily="18" charset="0"/>
                 <a:cs typeface="Times New Roman" panose="02020603050405020304" pitchFamily="18" charset="0"/>
               </a:rPr>
               <a:t> </a:t>
             </a:r>
             <a:r>
-              <a:rPr lang="nl-NL" sz="2200" dirty="0" err="1" smtClean="0">
+              <a:rPr lang="nl-NL" sz="2200" dirty="0" err="1">
                 <a:latin typeface="Times New Roman" panose="02020603050405020304" pitchFamily="18" charset="0"/>
                 <a:cs typeface="Times New Roman" panose="02020603050405020304" pitchFamily="18" charset="0"/>
               </a:rPr>
               <a:t>to</a:t>
             </a:r>
             <a:r>
-              <a:rPr lang="nl-NL" sz="2200" dirty="0" smtClean="0">
+              <a:rPr lang="nl-NL" sz="2200" dirty="0">
                 <a:latin typeface="Times New Roman" panose="02020603050405020304" pitchFamily="18" charset="0"/>
                 <a:cs typeface="Times New Roman" panose="02020603050405020304" pitchFamily="18" charset="0"/>
               </a:rPr>
@@ -15970,18 +15966,11 @@
               <a:buAutoNum type="arabicPeriod"/>
             </a:pPr>
             <a:r>
-              <a:rPr lang="en-US" sz="2200" dirty="0" smtClean="0">
-                <a:latin typeface="Times New Roman" panose="02020603050405020304" pitchFamily="18" charset="0"/>
-                <a:cs typeface="Times New Roman" panose="02020603050405020304" pitchFamily="18" charset="0"/>
-              </a:rPr>
-              <a:t>For module import </a:t>
-            </a:r>
-            <a:r>
               <a:rPr lang="en-US" sz="2200" dirty="0">
                 <a:latin typeface="Times New Roman" panose="02020603050405020304" pitchFamily="18" charset="0"/>
                 <a:cs typeface="Times New Roman" panose="02020603050405020304" pitchFamily="18" charset="0"/>
               </a:rPr>
-              <a:t>{ </a:t>
+              <a:t>For module import { </a:t>
             </a:r>
             <a:r>
               <a:rPr lang="en-US" sz="2200" dirty="0" err="1">
@@ -16007,7 +15996,7 @@
               <a:t>http</a:t>
             </a:r>
             <a:r>
-              <a:rPr lang="en-US" sz="2200" dirty="0" smtClean="0">
+              <a:rPr lang="en-US" sz="2200" dirty="0">
                 <a:latin typeface="Times New Roman" panose="02020603050405020304" pitchFamily="18" charset="0"/>
                 <a:cs typeface="Times New Roman" panose="02020603050405020304" pitchFamily="18" charset="0"/>
               </a:rPr>
@@ -16020,18 +16009,11 @@
               <a:buAutoNum type="arabicPeriod"/>
             </a:pPr>
             <a:r>
-              <a:rPr lang="en-US" sz="2200" dirty="0" smtClean="0">
-                <a:latin typeface="Times New Roman" panose="02020603050405020304" pitchFamily="18" charset="0"/>
-                <a:cs typeface="Times New Roman" panose="02020603050405020304" pitchFamily="18" charset="0"/>
-              </a:rPr>
-              <a:t>For component or service import </a:t>
-            </a:r>
-            <a:r>
               <a:rPr lang="en-US" sz="2200" dirty="0">
                 <a:latin typeface="Times New Roman" panose="02020603050405020304" pitchFamily="18" charset="0"/>
                 <a:cs typeface="Times New Roman" panose="02020603050405020304" pitchFamily="18" charset="0"/>
               </a:rPr>
-              <a:t>{ </a:t>
+              <a:t>For component or service import { </a:t>
             </a:r>
             <a:r>
               <a:rPr lang="en-US" sz="2200" dirty="0" err="1">
@@ -16079,7 +16061,7 @@
 </p:sld>
 </file>
 
-<file path=ppt/slides/slide62.xml><?xml version="1.0" encoding="utf-8"?>
+<file path=ppt/slides/slide64.xml><?xml version="1.0" encoding="utf-8"?>
 <p:sld xmlns:a="http://schemas.openxmlformats.org/drawingml/2006/main" xmlns:r="http://schemas.openxmlformats.org/officeDocument/2006/relationships" xmlns:p="http://schemas.openxmlformats.org/presentationml/2006/main">
   <p:cSld>
     <p:spTree>
@@ -16113,32 +16095,18 @@
           </a:bodyPr>
           <a:lstStyle/>
           <a:p>
-            <a:r>
-              <a:rPr lang="en-US" dirty="0" smtClean="0">
-                <a:latin typeface="Times New Roman" panose="02020603050405020304" pitchFamily="18" charset="0"/>
-                <a:cs typeface="Times New Roman" panose="02020603050405020304" pitchFamily="18" charset="0"/>
-              </a:rPr>
-              <a:t/>
-            </a:r>
             <a:br>
-              <a:rPr lang="en-US" dirty="0" smtClean="0">
+              <a:rPr lang="en-US" dirty="0">
                 <a:latin typeface="Times New Roman" panose="02020603050405020304" pitchFamily="18" charset="0"/>
                 <a:cs typeface="Times New Roman" panose="02020603050405020304" pitchFamily="18" charset="0"/>
               </a:rPr>
             </a:br>
             <a:r>
-              <a:rPr lang="en-US" dirty="0" smtClean="0">
-                <a:latin typeface="Times New Roman" panose="02020603050405020304" pitchFamily="18" charset="0"/>
-                <a:cs typeface="Times New Roman" panose="02020603050405020304" pitchFamily="18" charset="0"/>
-              </a:rPr>
-              <a:t>Sending </a:t>
-            </a:r>
-            <a:r>
-              <a:rPr lang="en-US" dirty="0">
-                <a:latin typeface="Times New Roman" panose="02020603050405020304" pitchFamily="18" charset="0"/>
-                <a:cs typeface="Times New Roman" panose="02020603050405020304" pitchFamily="18" charset="0"/>
-              </a:rPr>
-              <a:t>an HTTP Request</a:t>
+              <a:rPr lang="en-US" dirty="0">
+                <a:latin typeface="Times New Roman" panose="02020603050405020304" pitchFamily="18" charset="0"/>
+                <a:cs typeface="Times New Roman" panose="02020603050405020304" pitchFamily="18" charset="0"/>
+              </a:rPr>
+              <a:t>Sending an HTTP Request</a:t>
             </a:r>
             <a:br>
               <a:rPr lang="en-US" dirty="0">
@@ -16195,7 +16163,7 @@
 </p:sld>
 </file>
 
-<file path=ppt/slides/slide63.xml><?xml version="1.0" encoding="utf-8"?>
+<file path=ppt/slides/slide65.xml><?xml version="1.0" encoding="utf-8"?>
 <p:sld xmlns:a="http://schemas.openxmlformats.org/drawingml/2006/main" xmlns:r="http://schemas.openxmlformats.org/officeDocument/2006/relationships" xmlns:p="http://schemas.openxmlformats.org/presentationml/2006/main">
   <p:cSld>
     <p:spTree>
@@ -16229,32 +16197,18 @@
           </a:bodyPr>
           <a:lstStyle/>
           <a:p>
-            <a:r>
-              <a:rPr lang="en-US" dirty="0" smtClean="0">
-                <a:latin typeface="Times New Roman" panose="02020603050405020304" pitchFamily="18" charset="0"/>
-                <a:cs typeface="Times New Roman" panose="02020603050405020304" pitchFamily="18" charset="0"/>
-              </a:rPr>
-              <a:t/>
-            </a:r>
             <a:br>
-              <a:rPr lang="en-US" dirty="0" smtClean="0">
+              <a:rPr lang="en-US" dirty="0">
                 <a:latin typeface="Times New Roman" panose="02020603050405020304" pitchFamily="18" charset="0"/>
                 <a:cs typeface="Times New Roman" panose="02020603050405020304" pitchFamily="18" charset="0"/>
               </a:rPr>
             </a:br>
             <a:r>
-              <a:rPr lang="en-US" dirty="0" smtClean="0">
-                <a:latin typeface="Times New Roman" panose="02020603050405020304" pitchFamily="18" charset="0"/>
-                <a:cs typeface="Times New Roman" panose="02020603050405020304" pitchFamily="18" charset="0"/>
-              </a:rPr>
-              <a:t>HTTP Exception </a:t>
-            </a:r>
-            <a:r>
-              <a:rPr lang="en-US" dirty="0">
-                <a:latin typeface="Times New Roman" panose="02020603050405020304" pitchFamily="18" charset="0"/>
-                <a:cs typeface="Times New Roman" panose="02020603050405020304" pitchFamily="18" charset="0"/>
-              </a:rPr>
-              <a:t>Handling</a:t>
+              <a:rPr lang="en-US" dirty="0">
+                <a:latin typeface="Times New Roman" panose="02020603050405020304" pitchFamily="18" charset="0"/>
+                <a:cs typeface="Times New Roman" panose="02020603050405020304" pitchFamily="18" charset="0"/>
+              </a:rPr>
+              <a:t>HTTP Exception Handling</a:t>
             </a:r>
             <a:br>
               <a:rPr lang="en-US" dirty="0">

--- a/Angular Workshop/Angular Workshop.pptx
+++ b/Angular Workshop/Angular Workshop.pptx
@@ -5,7 +5,7 @@
     <p:sldMasterId id="2147483790" r:id="rId1"/>
   </p:sldMasterIdLst>
   <p:notesMasterIdLst>
-    <p:notesMasterId r:id="rId67"/>
+    <p:notesMasterId r:id="rId68"/>
   </p:notesMasterIdLst>
   <p:sldIdLst>
     <p:sldId id="256" r:id="rId2"/>
@@ -73,6 +73,7 @@
     <p:sldId id="314" r:id="rId64"/>
     <p:sldId id="315" r:id="rId65"/>
     <p:sldId id="316" r:id="rId66"/>
+    <p:sldId id="321" r:id="rId67"/>
   </p:sldIdLst>
   <p:sldSz cx="12192000" cy="6858000"/>
   <p:notesSz cx="6858000" cy="9144000"/>
@@ -14779,10 +14780,9 @@
               <a:t>UrlTree</a:t>
             </a:r>
             <a:r>
-              <a:rPr lang="en-US"/>
+              <a:rPr lang="en-US" dirty="0"/>
               <a:t> returned from the guard</a:t>
             </a:r>
-            <a:endParaRPr lang="en-US" dirty="0"/>
           </a:p>
         </p:txBody>
       </p:sp>
@@ -16256,6 +16256,170 @@
     <p:extLst>
       <p:ext uri="{BB962C8B-B14F-4D97-AF65-F5344CB8AC3E}">
         <p14:creationId xmlns:p14="http://schemas.microsoft.com/office/powerpoint/2010/main" val="3976087629"/>
+      </p:ext>
+    </p:extLst>
+  </p:cSld>
+  <p:clrMapOvr>
+    <a:masterClrMapping/>
+  </p:clrMapOvr>
+</p:sld>
+</file>
+
+<file path=ppt/slides/slide66.xml><?xml version="1.0" encoding="utf-8"?>
+<p:sld xmlns:a="http://schemas.openxmlformats.org/drawingml/2006/main" xmlns:r="http://schemas.openxmlformats.org/officeDocument/2006/relationships" xmlns:p="http://schemas.openxmlformats.org/presentationml/2006/main">
+  <p:cSld>
+    <p:spTree>
+      <p:nvGrpSpPr>
+        <p:cNvPr id="1" name=""/>
+        <p:cNvGrpSpPr/>
+        <p:nvPr/>
+      </p:nvGrpSpPr>
+      <p:grpSpPr>
+        <a:xfrm>
+          <a:off x="0" y="0"/>
+          <a:ext cx="0" cy="0"/>
+          <a:chOff x="0" y="0"/>
+          <a:chExt cx="0" cy="0"/>
+        </a:xfrm>
+      </p:grpSpPr>
+      <p:sp>
+        <p:nvSpPr>
+          <p:cNvPr id="2" name="Title 1">
+            <a:extLst>
+              <a:ext uri="{FF2B5EF4-FFF2-40B4-BE49-F238E27FC236}">
+                <a16:creationId xmlns:a16="http://schemas.microsoft.com/office/drawing/2014/main" id="{DA9C2BB8-6D6A-4182-9215-82CC6F90C9C9}"/>
+              </a:ext>
+            </a:extLst>
+          </p:cNvPr>
+          <p:cNvSpPr>
+            <a:spLocks noGrp="1"/>
+          </p:cNvSpPr>
+          <p:nvPr>
+            <p:ph type="title"/>
+          </p:nvPr>
+        </p:nvSpPr>
+        <p:spPr/>
+        <p:txBody>
+          <a:bodyPr>
+            <a:normAutofit fontScale="90000"/>
+          </a:bodyPr>
+          <a:lstStyle/>
+          <a:p>
+            <a:br>
+              <a:rPr lang="en-US" dirty="0">
+                <a:latin typeface="Times New Roman" panose="02020603050405020304" pitchFamily="18" charset="0"/>
+                <a:cs typeface="Times New Roman" panose="02020603050405020304" pitchFamily="18" charset="0"/>
+              </a:rPr>
+            </a:br>
+            <a:r>
+              <a:rPr lang="en-US" dirty="0">
+                <a:latin typeface="Times New Roman" panose="02020603050405020304" pitchFamily="18" charset="0"/>
+                <a:cs typeface="Times New Roman" panose="02020603050405020304" pitchFamily="18" charset="0"/>
+              </a:rPr>
+              <a:t>Communicating Between Components</a:t>
+            </a:r>
+            <a:br>
+              <a:rPr lang="en-US" dirty="0">
+                <a:latin typeface="Times New Roman" panose="02020603050405020304" pitchFamily="18" charset="0"/>
+                <a:cs typeface="Times New Roman" panose="02020603050405020304" pitchFamily="18" charset="0"/>
+              </a:rPr>
+            </a:br>
+            <a:endParaRPr lang="en-US" dirty="0">
+              <a:latin typeface="Times New Roman" panose="02020603050405020304" pitchFamily="18" charset="0"/>
+              <a:cs typeface="Times New Roman" panose="02020603050405020304" pitchFamily="18" charset="0"/>
+            </a:endParaRPr>
+          </a:p>
+        </p:txBody>
+      </p:sp>
+      <p:sp>
+        <p:nvSpPr>
+          <p:cNvPr id="3" name="Content Placeholder 2">
+            <a:extLst>
+              <a:ext uri="{FF2B5EF4-FFF2-40B4-BE49-F238E27FC236}">
+                <a16:creationId xmlns:a16="http://schemas.microsoft.com/office/drawing/2014/main" id="{74F351E4-9089-4B85-A3F7-1A9A70671C5D}"/>
+              </a:ext>
+            </a:extLst>
+          </p:cNvPr>
+          <p:cNvSpPr>
+            <a:spLocks noGrp="1"/>
+          </p:cNvSpPr>
+          <p:nvPr>
+            <p:ph idx="1"/>
+          </p:nvPr>
+        </p:nvSpPr>
+        <p:spPr/>
+        <p:txBody>
+          <a:bodyPr>
+            <a:normAutofit/>
+          </a:bodyPr>
+          <a:lstStyle/>
+          <a:p>
+            <a:pPr marL="0" indent="0">
+              <a:buNone/>
+            </a:pPr>
+            <a:r>
+              <a:rPr lang="en-US" sz="2500" b="1" dirty="0">
+                <a:latin typeface="Times New Roman" panose="02020603050405020304" pitchFamily="18" charset="0"/>
+                <a:cs typeface="Times New Roman" panose="02020603050405020304" pitchFamily="18" charset="0"/>
+              </a:rPr>
+              <a:t>Dumb Components</a:t>
+            </a:r>
+          </a:p>
+          <a:p>
+            <a:r>
+              <a:rPr lang="en-US" sz="2500" dirty="0">
+                <a:latin typeface="Times New Roman" panose="02020603050405020304" pitchFamily="18" charset="0"/>
+                <a:cs typeface="Times New Roman" panose="02020603050405020304" pitchFamily="18" charset="0"/>
+              </a:rPr>
+              <a:t>Dumb components are also called ‘presentational’ components because their only responsibility is to present something to </a:t>
+            </a:r>
+            <a:r>
+              <a:rPr lang="en-US" sz="2500">
+                <a:latin typeface="Times New Roman" panose="02020603050405020304" pitchFamily="18" charset="0"/>
+                <a:cs typeface="Times New Roman" panose="02020603050405020304" pitchFamily="18" charset="0"/>
+              </a:rPr>
+              <a:t>the DOM</a:t>
+            </a:r>
+          </a:p>
+          <a:p>
+            <a:endParaRPr lang="en-US" sz="2500" dirty="0">
+              <a:latin typeface="Times New Roman" panose="02020603050405020304" pitchFamily="18" charset="0"/>
+              <a:cs typeface="Times New Roman" panose="02020603050405020304" pitchFamily="18" charset="0"/>
+            </a:endParaRPr>
+          </a:p>
+          <a:p>
+            <a:pPr marL="0" indent="0">
+              <a:buNone/>
+            </a:pPr>
+            <a:r>
+              <a:rPr lang="en-US" sz="2500" b="1" dirty="0">
+                <a:latin typeface="Times New Roman" panose="02020603050405020304" pitchFamily="18" charset="0"/>
+                <a:cs typeface="Times New Roman" panose="02020603050405020304" pitchFamily="18" charset="0"/>
+              </a:rPr>
+              <a:t>Smart Components</a:t>
+            </a:r>
+          </a:p>
+          <a:p>
+            <a:r>
+              <a:rPr lang="en-US" sz="2500" dirty="0">
+                <a:latin typeface="Times New Roman" panose="02020603050405020304" pitchFamily="18" charset="0"/>
+                <a:cs typeface="Times New Roman" panose="02020603050405020304" pitchFamily="18" charset="0"/>
+              </a:rPr>
+              <a:t>Smart components (or container components) on the other hand have a different responsibility. Because they have the burden of being smart, they are the ones that keep track of state and care about how the app works.</a:t>
+            </a:r>
+          </a:p>
+          <a:p>
+            <a:endParaRPr lang="en-US" sz="2500" dirty="0">
+              <a:latin typeface="Times New Roman" panose="02020603050405020304" pitchFamily="18" charset="0"/>
+              <a:cs typeface="Times New Roman" panose="02020603050405020304" pitchFamily="18" charset="0"/>
+            </a:endParaRPr>
+          </a:p>
+        </p:txBody>
+      </p:sp>
+    </p:spTree>
+    <p:extLst>
+      <p:ext uri="{BB962C8B-B14F-4D97-AF65-F5344CB8AC3E}">
+        <p14:creationId xmlns:p14="http://schemas.microsoft.com/office/powerpoint/2010/main" val="3485870108"/>
       </p:ext>
     </p:extLst>
   </p:cSld>

--- a/Angular Workshop/Angular Workshop.pptx
+++ b/Angular Workshop/Angular Workshop.pptx
@@ -5,7 +5,7 @@
     <p:sldMasterId id="2147483790" r:id="rId1"/>
   </p:sldMasterIdLst>
   <p:notesMasterIdLst>
-    <p:notesMasterId r:id="rId68"/>
+    <p:notesMasterId r:id="rId69"/>
   </p:notesMasterIdLst>
   <p:sldIdLst>
     <p:sldId id="256" r:id="rId2"/>
@@ -74,6 +74,7 @@
     <p:sldId id="315" r:id="rId65"/>
     <p:sldId id="316" r:id="rId66"/>
     <p:sldId id="321" r:id="rId67"/>
+    <p:sldId id="322" r:id="rId68"/>
   </p:sldIdLst>
   <p:sldSz cx="12192000" cy="6858000"/>
   <p:notesSz cx="6858000" cy="9144000"/>
@@ -880,6 +881,104 @@
     <p:extLst>
       <p:ext uri="{BB962C8B-B14F-4D97-AF65-F5344CB8AC3E}">
         <p14:creationId xmlns:p14="http://schemas.microsoft.com/office/powerpoint/2010/main" val="3205824653"/>
+      </p:ext>
+    </p:extLst>
+  </p:cSld>
+  <p:clrMapOvr>
+    <a:masterClrMapping/>
+  </p:clrMapOvr>
+</p:notes>
+</file>
+
+<file path=ppt/notesSlides/notesSlide5.xml><?xml version="1.0" encoding="utf-8"?>
+<p:notes xmlns:a="http://schemas.openxmlformats.org/drawingml/2006/main" xmlns:r="http://schemas.openxmlformats.org/officeDocument/2006/relationships" xmlns:p="http://schemas.openxmlformats.org/presentationml/2006/main">
+  <p:cSld>
+    <p:spTree>
+      <p:nvGrpSpPr>
+        <p:cNvPr id="1" name=""/>
+        <p:cNvGrpSpPr/>
+        <p:nvPr/>
+      </p:nvGrpSpPr>
+      <p:grpSpPr>
+        <a:xfrm>
+          <a:off x="0" y="0"/>
+          <a:ext cx="0" cy="0"/>
+          <a:chOff x="0" y="0"/>
+          <a:chExt cx="0" cy="0"/>
+        </a:xfrm>
+      </p:grpSpPr>
+      <p:sp>
+        <p:nvSpPr>
+          <p:cNvPr id="2" name="Slide Image Placeholder 1"/>
+          <p:cNvSpPr>
+            <a:spLocks noGrp="1" noRot="1" noChangeAspect="1"/>
+          </p:cNvSpPr>
+          <p:nvPr>
+            <p:ph type="sldImg"/>
+          </p:nvPr>
+        </p:nvSpPr>
+        <p:spPr/>
+      </p:sp>
+      <p:sp>
+        <p:nvSpPr>
+          <p:cNvPr id="3" name="Notes Placeholder 2"/>
+          <p:cNvSpPr>
+            <a:spLocks noGrp="1"/>
+          </p:cNvSpPr>
+          <p:nvPr>
+            <p:ph type="body" idx="1"/>
+          </p:nvPr>
+        </p:nvSpPr>
+        <p:spPr/>
+        <p:txBody>
+          <a:bodyPr/>
+          <a:lstStyle/>
+          <a:p>
+            <a:endParaRPr lang="en-US" dirty="0">
+              <a:hlinkClick r:id="rId3"/>
+            </a:endParaRPr>
+          </a:p>
+          <a:p>
+            <a:r>
+              <a:rPr lang="en-US" dirty="0">
+                <a:hlinkClick r:id="rId3"/>
+              </a:rPr>
+              <a:t>https://stackblitz.com/github/codecraft-tv/angular-course/tree/current/1.quickstart/8.nesting-components-and-inputs/code</a:t>
+            </a:r>
+            <a:endParaRPr lang="en-US" dirty="0"/>
+          </a:p>
+          <a:p>
+            <a:endParaRPr lang="en-US" dirty="0"/>
+          </a:p>
+        </p:txBody>
+      </p:sp>
+      <p:sp>
+        <p:nvSpPr>
+          <p:cNvPr id="4" name="Slide Number Placeholder 3"/>
+          <p:cNvSpPr>
+            <a:spLocks noGrp="1"/>
+          </p:cNvSpPr>
+          <p:nvPr>
+            <p:ph type="sldNum" sz="quarter" idx="5"/>
+          </p:nvPr>
+        </p:nvSpPr>
+        <p:spPr/>
+        <p:txBody>
+          <a:bodyPr/>
+          <a:lstStyle/>
+          <a:p>
+            <a:fld id="{41A78D70-B909-41F5-A68F-9A409A675382}" type="slidenum">
+              <a:rPr lang="en-US" smtClean="0"/>
+              <a:t>67</a:t>
+            </a:fld>
+            <a:endParaRPr lang="en-US"/>
+          </a:p>
+        </p:txBody>
+      </p:sp>
+    </p:spTree>
+    <p:extLst>
+      <p:ext uri="{BB962C8B-B14F-4D97-AF65-F5344CB8AC3E}">
+        <p14:creationId xmlns:p14="http://schemas.microsoft.com/office/powerpoint/2010/main" val="1029988673"/>
       </p:ext>
     </p:extLst>
   </p:cSld>
@@ -16371,14 +16470,7 @@
                 <a:latin typeface="Times New Roman" panose="02020603050405020304" pitchFamily="18" charset="0"/>
                 <a:cs typeface="Times New Roman" panose="02020603050405020304" pitchFamily="18" charset="0"/>
               </a:rPr>
-              <a:t>Dumb components are also called ‘presentational’ components because their only responsibility is to present something to </a:t>
-            </a:r>
-            <a:r>
-              <a:rPr lang="en-US" sz="2500">
-                <a:latin typeface="Times New Roman" panose="02020603050405020304" pitchFamily="18" charset="0"/>
-                <a:cs typeface="Times New Roman" panose="02020603050405020304" pitchFamily="18" charset="0"/>
-              </a:rPr>
-              <a:t>the DOM</a:t>
+              <a:t>Dumb components are also called ‘presentational’ components because their only responsibility is to present something to the DOM</a:t>
             </a:r>
           </a:p>
           <a:p>
@@ -16420,6 +16512,180 @@
     <p:extLst>
       <p:ext uri="{BB962C8B-B14F-4D97-AF65-F5344CB8AC3E}">
         <p14:creationId xmlns:p14="http://schemas.microsoft.com/office/powerpoint/2010/main" val="3485870108"/>
+      </p:ext>
+    </p:extLst>
+  </p:cSld>
+  <p:clrMapOvr>
+    <a:masterClrMapping/>
+  </p:clrMapOvr>
+</p:sld>
+</file>
+
+<file path=ppt/slides/slide67.xml><?xml version="1.0" encoding="utf-8"?>
+<p:sld xmlns:a="http://schemas.openxmlformats.org/drawingml/2006/main" xmlns:r="http://schemas.openxmlformats.org/officeDocument/2006/relationships" xmlns:p="http://schemas.openxmlformats.org/presentationml/2006/main">
+  <p:cSld>
+    <p:spTree>
+      <p:nvGrpSpPr>
+        <p:cNvPr id="1" name=""/>
+        <p:cNvGrpSpPr/>
+        <p:nvPr/>
+      </p:nvGrpSpPr>
+      <p:grpSpPr>
+        <a:xfrm>
+          <a:off x="0" y="0"/>
+          <a:ext cx="0" cy="0"/>
+          <a:chOff x="0" y="0"/>
+          <a:chExt cx="0" cy="0"/>
+        </a:xfrm>
+      </p:grpSpPr>
+      <p:sp>
+        <p:nvSpPr>
+          <p:cNvPr id="2" name="Title 1">
+            <a:extLst>
+              <a:ext uri="{FF2B5EF4-FFF2-40B4-BE49-F238E27FC236}">
+                <a16:creationId xmlns:a16="http://schemas.microsoft.com/office/drawing/2014/main" id="{6523AD44-7F87-461D-91D1-485AE953EB0A}"/>
+              </a:ext>
+            </a:extLst>
+          </p:cNvPr>
+          <p:cNvSpPr>
+            <a:spLocks noGrp="1"/>
+          </p:cNvSpPr>
+          <p:nvPr>
+            <p:ph type="title"/>
+          </p:nvPr>
+        </p:nvSpPr>
+        <p:spPr/>
+        <p:txBody>
+          <a:bodyPr>
+            <a:normAutofit fontScale="90000"/>
+          </a:bodyPr>
+          <a:lstStyle/>
+          <a:p>
+            <a:br>
+              <a:rPr lang="en-US" dirty="0">
+                <a:latin typeface="Times New Roman" panose="02020603050405020304" pitchFamily="18" charset="0"/>
+                <a:cs typeface="Times New Roman" panose="02020603050405020304" pitchFamily="18" charset="0"/>
+              </a:rPr>
+            </a:br>
+            <a:r>
+              <a:rPr lang="en-US" dirty="0">
+                <a:latin typeface="Times New Roman" panose="02020603050405020304" pitchFamily="18" charset="0"/>
+                <a:cs typeface="Times New Roman" panose="02020603050405020304" pitchFamily="18" charset="0"/>
+              </a:rPr>
+              <a:t>Building a Nested Component</a:t>
+            </a:r>
+            <a:br>
+              <a:rPr lang="en-US" dirty="0">
+                <a:latin typeface="Times New Roman" panose="02020603050405020304" pitchFamily="18" charset="0"/>
+                <a:cs typeface="Times New Roman" panose="02020603050405020304" pitchFamily="18" charset="0"/>
+              </a:rPr>
+            </a:br>
+            <a:endParaRPr lang="en-US" dirty="0">
+              <a:latin typeface="Times New Roman" panose="02020603050405020304" pitchFamily="18" charset="0"/>
+              <a:cs typeface="Times New Roman" panose="02020603050405020304" pitchFamily="18" charset="0"/>
+            </a:endParaRPr>
+          </a:p>
+        </p:txBody>
+      </p:sp>
+      <p:sp>
+        <p:nvSpPr>
+          <p:cNvPr id="3" name="Content Placeholder 2">
+            <a:extLst>
+              <a:ext uri="{FF2B5EF4-FFF2-40B4-BE49-F238E27FC236}">
+                <a16:creationId xmlns:a16="http://schemas.microsoft.com/office/drawing/2014/main" id="{8BB6D145-C722-4957-9AE9-60FF82FE6600}"/>
+              </a:ext>
+            </a:extLst>
+          </p:cNvPr>
+          <p:cNvSpPr>
+            <a:spLocks noGrp="1"/>
+          </p:cNvSpPr>
+          <p:nvPr>
+            <p:ph idx="1"/>
+          </p:nvPr>
+        </p:nvSpPr>
+        <p:spPr/>
+        <p:txBody>
+          <a:bodyPr>
+            <a:normAutofit/>
+          </a:bodyPr>
+          <a:lstStyle/>
+          <a:p>
+            <a:endParaRPr lang="en-US" dirty="0">
+              <a:hlinkClick r:id="rId3"/>
+            </a:endParaRPr>
+          </a:p>
+          <a:p>
+            <a:endParaRPr lang="en-US" dirty="0">
+              <a:hlinkClick r:id="rId3"/>
+            </a:endParaRPr>
+          </a:p>
+          <a:p>
+            <a:endParaRPr lang="en-US" dirty="0">
+              <a:hlinkClick r:id="rId3"/>
+            </a:endParaRPr>
+          </a:p>
+          <a:p>
+            <a:endParaRPr lang="en-US" dirty="0">
+              <a:hlinkClick r:id="rId3"/>
+            </a:endParaRPr>
+          </a:p>
+          <a:p>
+            <a:endParaRPr lang="en-US" dirty="0">
+              <a:hlinkClick r:id="rId3"/>
+            </a:endParaRPr>
+          </a:p>
+          <a:p>
+            <a:endParaRPr lang="en-US" dirty="0">
+              <a:hlinkClick r:id="rId3"/>
+            </a:endParaRPr>
+          </a:p>
+          <a:p>
+            <a:endParaRPr lang="en-US" dirty="0">
+              <a:hlinkClick r:id="rId3"/>
+            </a:endParaRPr>
+          </a:p>
+        </p:txBody>
+      </p:sp>
+      <p:pic>
+        <p:nvPicPr>
+          <p:cNvPr id="5" name="Picture 4">
+            <a:extLst>
+              <a:ext uri="{FF2B5EF4-FFF2-40B4-BE49-F238E27FC236}">
+                <a16:creationId xmlns:a16="http://schemas.microsoft.com/office/drawing/2014/main" id="{75F2735A-95B9-4580-AC23-270E4C2D07F4}"/>
+              </a:ext>
+            </a:extLst>
+          </p:cNvPr>
+          <p:cNvPicPr>
+            <a:picLocks noChangeAspect="1"/>
+          </p:cNvPicPr>
+          <p:nvPr/>
+        </p:nvPicPr>
+        <p:blipFill>
+          <a:blip r:embed="rId4">
+            <a:extLst>
+              <a:ext uri="{28A0092B-C50C-407E-A947-70E740481C1C}">
+                <a14:useLocalDpi xmlns:a14="http://schemas.microsoft.com/office/drawing/2010/main" val="0"/>
+              </a:ext>
+            </a:extLst>
+          </a:blip>
+          <a:stretch>
+            <a:fillRect/>
+          </a:stretch>
+        </p:blipFill>
+        <p:spPr>
+          <a:xfrm>
+            <a:off x="1063752" y="2039493"/>
+            <a:ext cx="5548921" cy="4333875"/>
+          </a:xfrm>
+          <a:prstGeom prst="rect">
+            <a:avLst/>
+          </a:prstGeom>
+        </p:spPr>
+      </p:pic>
+    </p:spTree>
+    <p:extLst>
+      <p:ext uri="{BB962C8B-B14F-4D97-AF65-F5344CB8AC3E}">
+        <p14:creationId xmlns:p14="http://schemas.microsoft.com/office/powerpoint/2010/main" val="409901876"/>
       </p:ext>
     </p:extLst>
   </p:cSld>

--- a/Angular Workshop/Angular Workshop.pptx
+++ b/Angular Workshop/Angular Workshop.pptx
@@ -5,7 +5,7 @@
     <p:sldMasterId id="2147483790" r:id="rId1"/>
   </p:sldMasterIdLst>
   <p:notesMasterIdLst>
-    <p:notesMasterId r:id="rId69"/>
+    <p:notesMasterId r:id="rId70"/>
   </p:notesMasterIdLst>
   <p:sldIdLst>
     <p:sldId id="256" r:id="rId2"/>
@@ -75,6 +75,7 @@
     <p:sldId id="316" r:id="rId66"/>
     <p:sldId id="321" r:id="rId67"/>
     <p:sldId id="322" r:id="rId68"/>
+    <p:sldId id="323" r:id="rId69"/>
   </p:sldIdLst>
   <p:sldSz cx="12192000" cy="6858000"/>
   <p:notesSz cx="6858000" cy="9144000"/>
@@ -16686,6 +16687,242 @@
     <p:extLst>
       <p:ext uri="{BB962C8B-B14F-4D97-AF65-F5344CB8AC3E}">
         <p14:creationId xmlns:p14="http://schemas.microsoft.com/office/powerpoint/2010/main" val="409901876"/>
+      </p:ext>
+    </p:extLst>
+  </p:cSld>
+  <p:clrMapOvr>
+    <a:masterClrMapping/>
+  </p:clrMapOvr>
+</p:sld>
+</file>
+
+<file path=ppt/slides/slide68.xml><?xml version="1.0" encoding="utf-8"?>
+<p:sld xmlns:a="http://schemas.openxmlformats.org/drawingml/2006/main" xmlns:r="http://schemas.openxmlformats.org/officeDocument/2006/relationships" xmlns:p="http://schemas.openxmlformats.org/presentationml/2006/main">
+  <p:cSld>
+    <p:spTree>
+      <p:nvGrpSpPr>
+        <p:cNvPr id="1" name=""/>
+        <p:cNvGrpSpPr/>
+        <p:nvPr/>
+      </p:nvGrpSpPr>
+      <p:grpSpPr>
+        <a:xfrm>
+          <a:off x="0" y="0"/>
+          <a:ext cx="0" cy="0"/>
+          <a:chOff x="0" y="0"/>
+          <a:chExt cx="0" cy="0"/>
+        </a:xfrm>
+      </p:grpSpPr>
+      <p:sp>
+        <p:nvSpPr>
+          <p:cNvPr id="2" name="Title 1">
+            <a:extLst>
+              <a:ext uri="{FF2B5EF4-FFF2-40B4-BE49-F238E27FC236}">
+                <a16:creationId xmlns:a16="http://schemas.microsoft.com/office/drawing/2014/main" id="{7DF8AE97-06B0-4093-B814-B07D5FACB659}"/>
+              </a:ext>
+            </a:extLst>
+          </p:cNvPr>
+          <p:cNvSpPr>
+            <a:spLocks noGrp="1"/>
+          </p:cNvSpPr>
+          <p:nvPr>
+            <p:ph type="title"/>
+          </p:nvPr>
+        </p:nvSpPr>
+        <p:spPr/>
+        <p:txBody>
+          <a:bodyPr/>
+          <a:lstStyle/>
+          <a:p>
+            <a:r>
+              <a:rPr lang="en-US" dirty="0">
+                <a:latin typeface="Tahoma" panose="020B0604030504040204" pitchFamily="34" charset="0"/>
+                <a:ea typeface="Tahoma" panose="020B0604030504040204" pitchFamily="34" charset="0"/>
+                <a:cs typeface="Tahoma" panose="020B0604030504040204" pitchFamily="34" charset="0"/>
+              </a:rPr>
+              <a:t>Input and </a:t>
+            </a:r>
+            <a:r>
+              <a:rPr lang="en-US" dirty="0" err="1">
+                <a:latin typeface="Tahoma" panose="020B0604030504040204" pitchFamily="34" charset="0"/>
+                <a:ea typeface="Tahoma" panose="020B0604030504040204" pitchFamily="34" charset="0"/>
+                <a:cs typeface="Tahoma" panose="020B0604030504040204" pitchFamily="34" charset="0"/>
+              </a:rPr>
+              <a:t>OUtput</a:t>
+            </a:r>
+            <a:endParaRPr lang="en-US" dirty="0">
+              <a:latin typeface="Tahoma" panose="020B0604030504040204" pitchFamily="34" charset="0"/>
+              <a:ea typeface="Tahoma" panose="020B0604030504040204" pitchFamily="34" charset="0"/>
+              <a:cs typeface="Tahoma" panose="020B0604030504040204" pitchFamily="34" charset="0"/>
+            </a:endParaRPr>
+          </a:p>
+        </p:txBody>
+      </p:sp>
+      <p:sp>
+        <p:nvSpPr>
+          <p:cNvPr id="3" name="Content Placeholder 2">
+            <a:extLst>
+              <a:ext uri="{FF2B5EF4-FFF2-40B4-BE49-F238E27FC236}">
+                <a16:creationId xmlns:a16="http://schemas.microsoft.com/office/drawing/2014/main" id="{7AA263A2-B03B-401B-B8EC-B0B6991E7FDA}"/>
+              </a:ext>
+            </a:extLst>
+          </p:cNvPr>
+          <p:cNvSpPr>
+            <a:spLocks noGrp="1"/>
+          </p:cNvSpPr>
+          <p:nvPr>
+            <p:ph idx="1"/>
+          </p:nvPr>
+        </p:nvSpPr>
+        <p:spPr/>
+        <p:txBody>
+          <a:bodyPr>
+            <a:normAutofit/>
+          </a:bodyPr>
+          <a:lstStyle/>
+          <a:p>
+            <a:r>
+              <a:rPr lang="en-US" sz="2500" dirty="0">
+                <a:latin typeface="Times New Roman" panose="02020603050405020304" pitchFamily="18" charset="0"/>
+                <a:ea typeface="Tahoma" panose="020B0604030504040204" pitchFamily="34" charset="0"/>
+                <a:cs typeface="Times New Roman" panose="02020603050405020304" pitchFamily="18" charset="0"/>
+              </a:rPr>
+              <a:t>First of all, the idea of </a:t>
+            </a:r>
+            <a:r>
+              <a:rPr lang="en-US" sz="2500" i="1" dirty="0">
+                <a:latin typeface="Times New Roman" panose="02020603050405020304" pitchFamily="18" charset="0"/>
+                <a:ea typeface="Tahoma" panose="020B0604030504040204" pitchFamily="34" charset="0"/>
+                <a:cs typeface="Times New Roman" panose="02020603050405020304" pitchFamily="18" charset="0"/>
+              </a:rPr>
+              <a:t>Input </a:t>
+            </a:r>
+            <a:r>
+              <a:rPr lang="en-US" sz="2500" dirty="0">
+                <a:latin typeface="Times New Roman" panose="02020603050405020304" pitchFamily="18" charset="0"/>
+                <a:ea typeface="Tahoma" panose="020B0604030504040204" pitchFamily="34" charset="0"/>
+                <a:cs typeface="Times New Roman" panose="02020603050405020304" pitchFamily="18" charset="0"/>
+              </a:rPr>
+              <a:t>and </a:t>
+            </a:r>
+            <a:r>
+              <a:rPr lang="en-US" sz="2500" i="1" dirty="0">
+                <a:latin typeface="Times New Roman" panose="02020603050405020304" pitchFamily="18" charset="0"/>
+                <a:ea typeface="Tahoma" panose="020B0604030504040204" pitchFamily="34" charset="0"/>
+                <a:cs typeface="Times New Roman" panose="02020603050405020304" pitchFamily="18" charset="0"/>
+              </a:rPr>
+              <a:t>Output </a:t>
+            </a:r>
+            <a:r>
+              <a:rPr lang="en-US" sz="2500" dirty="0">
+                <a:latin typeface="Times New Roman" panose="02020603050405020304" pitchFamily="18" charset="0"/>
+                <a:ea typeface="Tahoma" panose="020B0604030504040204" pitchFamily="34" charset="0"/>
+                <a:cs typeface="Times New Roman" panose="02020603050405020304" pitchFamily="18" charset="0"/>
+              </a:rPr>
+              <a:t>is to exchange data between components. They are a mechanism to send/receive data from one component to another.</a:t>
+            </a:r>
+          </a:p>
+          <a:p>
+            <a:r>
+              <a:rPr lang="en-US" sz="2500" i="1" dirty="0">
+                <a:latin typeface="Times New Roman" panose="02020603050405020304" pitchFamily="18" charset="0"/>
+                <a:ea typeface="Tahoma" panose="020B0604030504040204" pitchFamily="34" charset="0"/>
+                <a:cs typeface="Times New Roman" panose="02020603050405020304" pitchFamily="18" charset="0"/>
+              </a:rPr>
+              <a:t>Input </a:t>
+            </a:r>
+            <a:r>
+              <a:rPr lang="en-US" sz="2500" dirty="0">
+                <a:latin typeface="Times New Roman" panose="02020603050405020304" pitchFamily="18" charset="0"/>
+                <a:ea typeface="Tahoma" panose="020B0604030504040204" pitchFamily="34" charset="0"/>
+                <a:cs typeface="Times New Roman" panose="02020603050405020304" pitchFamily="18" charset="0"/>
+              </a:rPr>
+              <a:t>is used to receive data in whereas </a:t>
+            </a:r>
+            <a:r>
+              <a:rPr lang="en-US" sz="2500" i="1" dirty="0">
+                <a:latin typeface="Times New Roman" panose="02020603050405020304" pitchFamily="18" charset="0"/>
+                <a:ea typeface="Tahoma" panose="020B0604030504040204" pitchFamily="34" charset="0"/>
+                <a:cs typeface="Times New Roman" panose="02020603050405020304" pitchFamily="18" charset="0"/>
+              </a:rPr>
+              <a:t>Output </a:t>
+            </a:r>
+            <a:r>
+              <a:rPr lang="en-US" sz="2500" dirty="0">
+                <a:latin typeface="Times New Roman" panose="02020603050405020304" pitchFamily="18" charset="0"/>
+                <a:ea typeface="Tahoma" panose="020B0604030504040204" pitchFamily="34" charset="0"/>
+                <a:cs typeface="Times New Roman" panose="02020603050405020304" pitchFamily="18" charset="0"/>
+              </a:rPr>
+              <a:t>is used to send data out. </a:t>
+            </a:r>
+            <a:r>
+              <a:rPr lang="en-US" sz="2500" i="1" dirty="0">
+                <a:latin typeface="Times New Roman" panose="02020603050405020304" pitchFamily="18" charset="0"/>
+                <a:ea typeface="Tahoma" panose="020B0604030504040204" pitchFamily="34" charset="0"/>
+                <a:cs typeface="Times New Roman" panose="02020603050405020304" pitchFamily="18" charset="0"/>
+              </a:rPr>
+              <a:t>Output </a:t>
+            </a:r>
+            <a:r>
+              <a:rPr lang="en-US" sz="2500" dirty="0">
+                <a:latin typeface="Times New Roman" panose="02020603050405020304" pitchFamily="18" charset="0"/>
+                <a:ea typeface="Tahoma" panose="020B0604030504040204" pitchFamily="34" charset="0"/>
+                <a:cs typeface="Times New Roman" panose="02020603050405020304" pitchFamily="18" charset="0"/>
+              </a:rPr>
+              <a:t>sends data out by exposing event producers, usually </a:t>
+            </a:r>
+            <a:r>
+              <a:rPr lang="en-US" sz="2500" i="1" dirty="0" err="1">
+                <a:latin typeface="Times New Roman" panose="02020603050405020304" pitchFamily="18" charset="0"/>
+                <a:ea typeface="Tahoma" panose="020B0604030504040204" pitchFamily="34" charset="0"/>
+                <a:cs typeface="Times New Roman" panose="02020603050405020304" pitchFamily="18" charset="0"/>
+              </a:rPr>
+              <a:t>EventEmitter</a:t>
+            </a:r>
+            <a:r>
+              <a:rPr lang="en-US" sz="2500" i="1" dirty="0">
+                <a:latin typeface="Times New Roman" panose="02020603050405020304" pitchFamily="18" charset="0"/>
+                <a:ea typeface="Tahoma" panose="020B0604030504040204" pitchFamily="34" charset="0"/>
+                <a:cs typeface="Times New Roman" panose="02020603050405020304" pitchFamily="18" charset="0"/>
+              </a:rPr>
+              <a:t> </a:t>
+            </a:r>
+            <a:r>
+              <a:rPr lang="en-US" sz="2500" dirty="0">
+                <a:latin typeface="Times New Roman" panose="02020603050405020304" pitchFamily="18" charset="0"/>
+                <a:ea typeface="Tahoma" panose="020B0604030504040204" pitchFamily="34" charset="0"/>
+                <a:cs typeface="Times New Roman" panose="02020603050405020304" pitchFamily="18" charset="0"/>
+              </a:rPr>
+              <a:t>objects.</a:t>
+            </a:r>
+          </a:p>
+          <a:p>
+            <a:r>
+              <a:rPr lang="en-US" sz="2800" dirty="0">
+                <a:latin typeface="Times New Roman" panose="02020603050405020304" pitchFamily="18" charset="0"/>
+                <a:cs typeface="Times New Roman" panose="02020603050405020304" pitchFamily="18" charset="0"/>
+                <a:hlinkClick r:id="rId2">
+                  <a:extLst>
+                    <a:ext uri="{A12FA001-AC4F-418D-AE19-62706E023703}">
+                      <ahyp:hlinkClr xmlns:ahyp="http://schemas.microsoft.com/office/drawing/2018/hyperlinkcolor" val="tx"/>
+                    </a:ext>
+                  </a:extLst>
+                </a:hlinkClick>
+              </a:rPr>
+              <a:t>https://stackblitz.com/edit/input-output-angular</a:t>
+            </a:r>
+            <a:endParaRPr lang="en-US" sz="2500" dirty="0">
+              <a:latin typeface="Times New Roman" panose="02020603050405020304" pitchFamily="18" charset="0"/>
+              <a:ea typeface="Tahoma" panose="020B0604030504040204" pitchFamily="34" charset="0"/>
+              <a:cs typeface="Times New Roman" panose="02020603050405020304" pitchFamily="18" charset="0"/>
+            </a:endParaRPr>
+          </a:p>
+        </p:txBody>
+      </p:sp>
+    </p:spTree>
+    <p:extLst>
+      <p:ext uri="{BB962C8B-B14F-4D97-AF65-F5344CB8AC3E}">
+        <p14:creationId xmlns:p14="http://schemas.microsoft.com/office/powerpoint/2010/main" val="1556711904"/>
       </p:ext>
     </p:extLst>
   </p:cSld>

--- a/Angular Workshop/Angular Workshop.pptx
+++ b/Angular Workshop/Angular Workshop.pptx
@@ -5,7 +5,7 @@
     <p:sldMasterId id="2147483790" r:id="rId1"/>
   </p:sldMasterIdLst>
   <p:notesMasterIdLst>
-    <p:notesMasterId r:id="rId70"/>
+    <p:notesMasterId r:id="rId71"/>
   </p:notesMasterIdLst>
   <p:sldIdLst>
     <p:sldId id="256" r:id="rId2"/>
@@ -76,6 +76,7 @@
     <p:sldId id="321" r:id="rId67"/>
     <p:sldId id="322" r:id="rId68"/>
     <p:sldId id="323" r:id="rId69"/>
+    <p:sldId id="324" r:id="rId70"/>
   </p:sldIdLst>
   <p:sldSz cx="12192000" cy="6858000"/>
   <p:notesSz cx="6858000" cy="9144000"/>
@@ -980,6 +981,96 @@
     <p:extLst>
       <p:ext uri="{BB962C8B-B14F-4D97-AF65-F5344CB8AC3E}">
         <p14:creationId xmlns:p14="http://schemas.microsoft.com/office/powerpoint/2010/main" val="1029988673"/>
+      </p:ext>
+    </p:extLst>
+  </p:cSld>
+  <p:clrMapOvr>
+    <a:masterClrMapping/>
+  </p:clrMapOvr>
+</p:notes>
+</file>
+
+<file path=ppt/notesSlides/notesSlide6.xml><?xml version="1.0" encoding="utf-8"?>
+<p:notes xmlns:a="http://schemas.openxmlformats.org/drawingml/2006/main" xmlns:r="http://schemas.openxmlformats.org/officeDocument/2006/relationships" xmlns:p="http://schemas.openxmlformats.org/presentationml/2006/main">
+  <p:cSld>
+    <p:spTree>
+      <p:nvGrpSpPr>
+        <p:cNvPr id="1" name=""/>
+        <p:cNvGrpSpPr/>
+        <p:nvPr/>
+      </p:nvGrpSpPr>
+      <p:grpSpPr>
+        <a:xfrm>
+          <a:off x="0" y="0"/>
+          <a:ext cx="0" cy="0"/>
+          <a:chOff x="0" y="0"/>
+          <a:chExt cx="0" cy="0"/>
+        </a:xfrm>
+      </p:grpSpPr>
+      <p:sp>
+        <p:nvSpPr>
+          <p:cNvPr id="2" name="Slide Image Placeholder 1"/>
+          <p:cNvSpPr>
+            <a:spLocks noGrp="1" noRot="1" noChangeAspect="1"/>
+          </p:cNvSpPr>
+          <p:nvPr>
+            <p:ph type="sldImg"/>
+          </p:nvPr>
+        </p:nvSpPr>
+        <p:spPr/>
+      </p:sp>
+      <p:sp>
+        <p:nvSpPr>
+          <p:cNvPr id="3" name="Notes Placeholder 2"/>
+          <p:cNvSpPr>
+            <a:spLocks noGrp="1"/>
+          </p:cNvSpPr>
+          <p:nvPr>
+            <p:ph type="body" idx="1"/>
+          </p:nvPr>
+        </p:nvSpPr>
+        <p:spPr/>
+        <p:txBody>
+          <a:bodyPr/>
+          <a:lstStyle/>
+          <a:p>
+            <a:r>
+              <a:rPr lang="en-US">
+                <a:hlinkClick r:id="rId3"/>
+              </a:rPr>
+              <a:t>https://alligator.io/angular/viewchild-access-component/</a:t>
+            </a:r>
+            <a:endParaRPr lang="en-US"/>
+          </a:p>
+        </p:txBody>
+      </p:sp>
+      <p:sp>
+        <p:nvSpPr>
+          <p:cNvPr id="4" name="Slide Number Placeholder 3"/>
+          <p:cNvSpPr>
+            <a:spLocks noGrp="1"/>
+          </p:cNvSpPr>
+          <p:nvPr>
+            <p:ph type="sldNum" sz="quarter" idx="5"/>
+          </p:nvPr>
+        </p:nvSpPr>
+        <p:spPr/>
+        <p:txBody>
+          <a:bodyPr/>
+          <a:lstStyle/>
+          <a:p>
+            <a:fld id="{41A78D70-B909-41F5-A68F-9A409A675382}" type="slidenum">
+              <a:rPr lang="en-US" smtClean="0"/>
+              <a:t>69</a:t>
+            </a:fld>
+            <a:endParaRPr lang="en-US"/>
+          </a:p>
+        </p:txBody>
+      </p:sp>
+    </p:spTree>
+    <p:extLst>
+      <p:ext uri="{BB962C8B-B14F-4D97-AF65-F5344CB8AC3E}">
+        <p14:creationId xmlns:p14="http://schemas.microsoft.com/office/powerpoint/2010/main" val="3764796968"/>
       </p:ext>
     </p:extLst>
   </p:cSld>
@@ -16923,6 +17014,115 @@
     <p:extLst>
       <p:ext uri="{BB962C8B-B14F-4D97-AF65-F5344CB8AC3E}">
         <p14:creationId xmlns:p14="http://schemas.microsoft.com/office/powerpoint/2010/main" val="1556711904"/>
+      </p:ext>
+    </p:extLst>
+  </p:cSld>
+  <p:clrMapOvr>
+    <a:masterClrMapping/>
+  </p:clrMapOvr>
+</p:sld>
+</file>
+
+<file path=ppt/slides/slide69.xml><?xml version="1.0" encoding="utf-8"?>
+<p:sld xmlns:a="http://schemas.openxmlformats.org/drawingml/2006/main" xmlns:r="http://schemas.openxmlformats.org/officeDocument/2006/relationships" xmlns:p="http://schemas.openxmlformats.org/presentationml/2006/main">
+  <p:cSld>
+    <p:spTree>
+      <p:nvGrpSpPr>
+        <p:cNvPr id="1" name=""/>
+        <p:cNvGrpSpPr/>
+        <p:nvPr/>
+      </p:nvGrpSpPr>
+      <p:grpSpPr>
+        <a:xfrm>
+          <a:off x="0" y="0"/>
+          <a:ext cx="0" cy="0"/>
+          <a:chOff x="0" y="0"/>
+          <a:chExt cx="0" cy="0"/>
+        </a:xfrm>
+      </p:grpSpPr>
+      <p:sp>
+        <p:nvSpPr>
+          <p:cNvPr id="2" name="Title 1">
+            <a:extLst>
+              <a:ext uri="{FF2B5EF4-FFF2-40B4-BE49-F238E27FC236}">
+                <a16:creationId xmlns:a16="http://schemas.microsoft.com/office/drawing/2014/main" id="{29A631AE-281C-47B2-904A-30F6B69385C8}"/>
+              </a:ext>
+            </a:extLst>
+          </p:cNvPr>
+          <p:cNvSpPr>
+            <a:spLocks noGrp="1"/>
+          </p:cNvSpPr>
+          <p:nvPr>
+            <p:ph type="title"/>
+          </p:nvPr>
+        </p:nvSpPr>
+        <p:spPr/>
+        <p:txBody>
+          <a:bodyPr/>
+          <a:lstStyle/>
+          <a:p>
+            <a:r>
+              <a:rPr lang="en-US" dirty="0" err="1">
+                <a:latin typeface="Times New Roman" panose="02020603050405020304" pitchFamily="18" charset="0"/>
+                <a:cs typeface="Times New Roman" panose="02020603050405020304" pitchFamily="18" charset="0"/>
+              </a:rPr>
+              <a:t>Viewchild</a:t>
+            </a:r>
+            <a:endParaRPr lang="en-US" dirty="0">
+              <a:latin typeface="Times New Roman" panose="02020603050405020304" pitchFamily="18" charset="0"/>
+              <a:cs typeface="Times New Roman" panose="02020603050405020304" pitchFamily="18" charset="0"/>
+            </a:endParaRPr>
+          </a:p>
+        </p:txBody>
+      </p:sp>
+      <p:sp>
+        <p:nvSpPr>
+          <p:cNvPr id="3" name="Content Placeholder 2">
+            <a:extLst>
+              <a:ext uri="{FF2B5EF4-FFF2-40B4-BE49-F238E27FC236}">
+                <a16:creationId xmlns:a16="http://schemas.microsoft.com/office/drawing/2014/main" id="{4148E4FD-325F-4B77-8E24-A1E053968961}"/>
+              </a:ext>
+            </a:extLst>
+          </p:cNvPr>
+          <p:cNvSpPr>
+            <a:spLocks noGrp="1"/>
+          </p:cNvSpPr>
+          <p:nvPr>
+            <p:ph idx="1"/>
+          </p:nvPr>
+        </p:nvSpPr>
+        <p:spPr/>
+        <p:txBody>
+          <a:bodyPr/>
+          <a:lstStyle/>
+          <a:p>
+            <a:r>
+              <a:rPr lang="en-US" dirty="0"/>
+              <a:t>Want to get access to a child component, directive or a DOM element from a parent component class? It’s easy to do with the </a:t>
+            </a:r>
+            <a:r>
+              <a:rPr lang="en-US" dirty="0" err="1"/>
+              <a:t>ViewChild</a:t>
+            </a:r>
+            <a:r>
+              <a:rPr lang="en-US" dirty="0"/>
+              <a:t> decorator. </a:t>
+            </a:r>
+            <a:r>
+              <a:rPr lang="en-US" dirty="0" err="1"/>
+              <a:t>ViewChild</a:t>
+            </a:r>
+            <a:r>
+              <a:rPr lang="en-US" dirty="0"/>
+              <a:t> returns the first element that matches a given component, directive or template reference selector.</a:t>
+            </a:r>
+          </a:p>
+        </p:txBody>
+      </p:sp>
+    </p:spTree>
+    <p:extLst>
+      <p:ext uri="{BB962C8B-B14F-4D97-AF65-F5344CB8AC3E}">
+        <p14:creationId xmlns:p14="http://schemas.microsoft.com/office/powerpoint/2010/main" val="1723899879"/>
       </p:ext>
     </p:extLst>
   </p:cSld>

--- a/Angular Workshop/Angular Workshop.pptx
+++ b/Angular Workshop/Angular Workshop.pptx
@@ -1035,12 +1035,12 @@
           <a:lstStyle/>
           <a:p>
             <a:r>
-              <a:rPr lang="en-US">
+              <a:rPr lang="en-US" dirty="0">
                 <a:hlinkClick r:id="rId3"/>
               </a:rPr>
               <a:t>https://alligator.io/angular/viewchild-access-component/</a:t>
             </a:r>
-            <a:endParaRPr lang="en-US"/>
+            <a:endParaRPr lang="en-US" dirty="0"/>
           </a:p>
         </p:txBody>
       </p:sp>

--- a/Angular Workshop/Angular Workshop.pptx
+++ b/Angular Workshop/Angular Workshop.pptx
@@ -5,7 +5,7 @@
     <p:sldMasterId id="2147483790" r:id="rId1"/>
   </p:sldMasterIdLst>
   <p:notesMasterIdLst>
-    <p:notesMasterId r:id="rId71"/>
+    <p:notesMasterId r:id="rId73"/>
   </p:notesMasterIdLst>
   <p:sldIdLst>
     <p:sldId id="256" r:id="rId2"/>
@@ -77,6 +77,8 @@
     <p:sldId id="322" r:id="rId68"/>
     <p:sldId id="323" r:id="rId69"/>
     <p:sldId id="324" r:id="rId70"/>
+    <p:sldId id="325" r:id="rId71"/>
+    <p:sldId id="326" r:id="rId72"/>
   </p:sldIdLst>
   <p:sldSz cx="12192000" cy="6858000"/>
   <p:notesSz cx="6858000" cy="9144000"/>
@@ -265,7 +267,7 @@
           <a:p>
             <a:fld id="{6A8D9F0F-2837-48EC-B86C-7389FCD155D0}" type="datetimeFigureOut">
               <a:rPr lang="en-US" smtClean="0"/>
-              <a:t>5/28/2019</a:t>
+              <a:t>6/10/2019</a:t>
             </a:fld>
             <a:endParaRPr lang="en-US"/>
           </a:p>
@@ -1483,7 +1485,7 @@
           <a:p>
             <a:fld id="{B9D14AC3-431A-47E8-842F-ED47F6F75548}" type="datetimeFigureOut">
               <a:rPr lang="en-US" smtClean="0"/>
-              <a:t>5/28/2019</a:t>
+              <a:t>6/10/2019</a:t>
             </a:fld>
             <a:endParaRPr lang="en-US"/>
           </a:p>
@@ -1662,7 +1664,7 @@
           <a:p>
             <a:fld id="{B9D14AC3-431A-47E8-842F-ED47F6F75548}" type="datetimeFigureOut">
               <a:rPr lang="en-US" smtClean="0"/>
-              <a:t>5/28/2019</a:t>
+              <a:t>6/10/2019</a:t>
             </a:fld>
             <a:endParaRPr lang="en-US"/>
           </a:p>
@@ -1842,7 +1844,7 @@
           <a:p>
             <a:fld id="{B9D14AC3-431A-47E8-842F-ED47F6F75548}" type="datetimeFigureOut">
               <a:rPr lang="en-US" smtClean="0"/>
-              <a:t>5/28/2019</a:t>
+              <a:t>6/10/2019</a:t>
             </a:fld>
             <a:endParaRPr lang="en-US"/>
           </a:p>
@@ -2012,7 +2014,7 @@
           <a:p>
             <a:fld id="{B9D14AC3-431A-47E8-842F-ED47F6F75548}" type="datetimeFigureOut">
               <a:rPr lang="en-US" smtClean="0"/>
-              <a:t>5/28/2019</a:t>
+              <a:t>6/10/2019</a:t>
             </a:fld>
             <a:endParaRPr lang="en-US"/>
           </a:p>
@@ -2325,7 +2327,7 @@
           <a:p>
             <a:fld id="{B9D14AC3-431A-47E8-842F-ED47F6F75548}" type="datetimeFigureOut">
               <a:rPr lang="en-US" smtClean="0"/>
-              <a:t>5/28/2019</a:t>
+              <a:t>6/10/2019</a:t>
             </a:fld>
             <a:endParaRPr lang="en-US"/>
           </a:p>
@@ -2711,7 +2713,7 @@
           <a:p>
             <a:fld id="{B9D14AC3-431A-47E8-842F-ED47F6F75548}" type="datetimeFigureOut">
               <a:rPr lang="en-US" smtClean="0"/>
-              <a:t>5/28/2019</a:t>
+              <a:t>6/10/2019</a:t>
             </a:fld>
             <a:endParaRPr lang="en-US"/>
           </a:p>
@@ -3150,7 +3152,7 @@
           <a:p>
             <a:fld id="{B9D14AC3-431A-47E8-842F-ED47F6F75548}" type="datetimeFigureOut">
               <a:rPr lang="en-US" smtClean="0"/>
-              <a:t>5/28/2019</a:t>
+              <a:t>6/10/2019</a:t>
             </a:fld>
             <a:endParaRPr lang="en-US"/>
           </a:p>
@@ -3273,7 +3275,7 @@
           <a:p>
             <a:fld id="{B9D14AC3-431A-47E8-842F-ED47F6F75548}" type="datetimeFigureOut">
               <a:rPr lang="en-US" smtClean="0"/>
-              <a:t>5/28/2019</a:t>
+              <a:t>6/10/2019</a:t>
             </a:fld>
             <a:endParaRPr lang="en-US"/>
           </a:p>
@@ -3368,7 +3370,7 @@
           <a:p>
             <a:fld id="{B9D14AC3-431A-47E8-842F-ED47F6F75548}" type="datetimeFigureOut">
               <a:rPr lang="en-US" smtClean="0"/>
-              <a:t>5/28/2019</a:t>
+              <a:t>6/10/2019</a:t>
             </a:fld>
             <a:endParaRPr lang="en-US"/>
           </a:p>
@@ -3718,7 +3720,7 @@
           <a:p>
             <a:fld id="{B9D14AC3-431A-47E8-842F-ED47F6F75548}" type="datetimeFigureOut">
               <a:rPr lang="en-US" smtClean="0"/>
-              <a:t>5/28/2019</a:t>
+              <a:t>6/10/2019</a:t>
             </a:fld>
             <a:endParaRPr lang="en-US"/>
           </a:p>
@@ -4148,7 +4150,7 @@
           <a:p>
             <a:fld id="{B9D14AC3-431A-47E8-842F-ED47F6F75548}" type="datetimeFigureOut">
               <a:rPr lang="en-US" smtClean="0"/>
-              <a:t>5/28/2019</a:t>
+              <a:t>6/10/2019</a:t>
             </a:fld>
             <a:endParaRPr lang="en-US"/>
           </a:p>
@@ -4429,7 +4431,7 @@
           <a:p>
             <a:fld id="{B9D14AC3-431A-47E8-842F-ED47F6F75548}" type="datetimeFigureOut">
               <a:rPr lang="en-US" smtClean="0"/>
-              <a:t>5/28/2019</a:t>
+              <a:t>6/10/2019</a:t>
             </a:fld>
             <a:endParaRPr lang="en-US"/>
           </a:p>
@@ -5026,6 +5028,10 @@
           <a:lstStyle/>
           <a:p>
             <a:pPr algn="ctr"/>
+            <a:r>
+              <a:rPr lang="en-US" b="1" dirty="0"/>
+              <a:t/>
+            </a:r>
             <a:br>
               <a:rPr lang="en-US" b="1" dirty="0"/>
             </a:br>
@@ -5196,7 +5202,7 @@
           <p:cNvPr id="2" name="Title 1">
             <a:extLst>
               <a:ext uri="{FF2B5EF4-FFF2-40B4-BE49-F238E27FC236}">
-                <a16:creationId xmlns:a16="http://schemas.microsoft.com/office/drawing/2014/main" id="{159757B6-80F7-4930-B530-65D40C6AAA2B}"/>
+                <a16:creationId xmlns:a16="http://schemas.microsoft.com/office/drawing/2014/main" xmlns="" id="{159757B6-80F7-4930-B530-65D40C6AAA2B}"/>
               </a:ext>
             </a:extLst>
           </p:cNvPr>
@@ -5214,6 +5220,13 @@
           </a:bodyPr>
           <a:lstStyle/>
           <a:p>
+            <a:r>
+              <a:rPr lang="en-US" dirty="0">
+                <a:latin typeface="Times New Roman" panose="02020603050405020304" pitchFamily="18" charset="0"/>
+                <a:cs typeface="Times New Roman" panose="02020603050405020304" pitchFamily="18" charset="0"/>
+              </a:rPr>
+              <a:t/>
+            </a:r>
             <a:br>
               <a:rPr lang="en-US" dirty="0">
                 <a:latin typeface="Times New Roman" panose="02020603050405020304" pitchFamily="18" charset="0"/>
@@ -5245,7 +5258,7 @@
           <p:cNvPr id="3" name="Content Placeholder 2">
             <a:extLst>
               <a:ext uri="{FF2B5EF4-FFF2-40B4-BE49-F238E27FC236}">
-                <a16:creationId xmlns:a16="http://schemas.microsoft.com/office/drawing/2014/main" id="{9FE13484-3844-4DDF-BFBA-ACA0E64B2915}"/>
+                <a16:creationId xmlns:a16="http://schemas.microsoft.com/office/drawing/2014/main" xmlns="" id="{9FE13484-3844-4DDF-BFBA-ACA0E64B2915}"/>
               </a:ext>
             </a:extLst>
           </p:cNvPr>
@@ -5282,7 +5295,7 @@
           <p:cNvPr id="7" name="Picture 6">
             <a:extLst>
               <a:ext uri="{FF2B5EF4-FFF2-40B4-BE49-F238E27FC236}">
-                <a16:creationId xmlns:a16="http://schemas.microsoft.com/office/drawing/2014/main" id="{32CA38FA-0E90-4306-B5D0-3CEA1A7E35E2}"/>
+                <a16:creationId xmlns:a16="http://schemas.microsoft.com/office/drawing/2014/main" xmlns="" id="{32CA38FA-0E90-4306-B5D0-3CEA1A7E35E2}"/>
               </a:ext>
             </a:extLst>
           </p:cNvPr>
@@ -5348,7 +5361,7 @@
           <p:cNvPr id="2" name="Title 1">
             <a:extLst>
               <a:ext uri="{FF2B5EF4-FFF2-40B4-BE49-F238E27FC236}">
-                <a16:creationId xmlns:a16="http://schemas.microsoft.com/office/drawing/2014/main" id="{4E8E46E2-4366-4F67-9FB5-B507999C18F7}"/>
+                <a16:creationId xmlns:a16="http://schemas.microsoft.com/office/drawing/2014/main" xmlns="" id="{4E8E46E2-4366-4F67-9FB5-B507999C18F7}"/>
               </a:ext>
             </a:extLst>
           </p:cNvPr>
@@ -5371,6 +5384,13 @@
           </a:bodyPr>
           <a:lstStyle/>
           <a:p>
+            <a:r>
+              <a:rPr lang="en-US" dirty="0">
+                <a:latin typeface="Times New Roman" panose="02020603050405020304" pitchFamily="18" charset="0"/>
+                <a:cs typeface="Times New Roman" panose="02020603050405020304" pitchFamily="18" charset="0"/>
+              </a:rPr>
+              <a:t/>
+            </a:r>
             <a:br>
               <a:rPr lang="en-US" dirty="0">
                 <a:latin typeface="Times New Roman" panose="02020603050405020304" pitchFamily="18" charset="0"/>
@@ -5402,7 +5422,7 @@
           <p:cNvPr id="3" name="Content Placeholder 2">
             <a:extLst>
               <a:ext uri="{FF2B5EF4-FFF2-40B4-BE49-F238E27FC236}">
-                <a16:creationId xmlns:a16="http://schemas.microsoft.com/office/drawing/2014/main" id="{46E11EF3-FB91-4D8A-A344-658BC8C1B939}"/>
+                <a16:creationId xmlns:a16="http://schemas.microsoft.com/office/drawing/2014/main" xmlns="" id="{46E11EF3-FB91-4D8A-A344-658BC8C1B939}"/>
               </a:ext>
             </a:extLst>
           </p:cNvPr>
@@ -5515,7 +5535,7 @@
           <p:cNvPr id="6" name="Picture 5">
             <a:extLst>
               <a:ext uri="{FF2B5EF4-FFF2-40B4-BE49-F238E27FC236}">
-                <a16:creationId xmlns:a16="http://schemas.microsoft.com/office/drawing/2014/main" id="{F59A1450-D806-40BA-9C89-7BEEFEABC899}"/>
+                <a16:creationId xmlns:a16="http://schemas.microsoft.com/office/drawing/2014/main" xmlns="" id="{F59A1450-D806-40BA-9C89-7BEEFEABC899}"/>
               </a:ext>
             </a:extLst>
           </p:cNvPr>
@@ -5551,7 +5571,7 @@
           <p:cNvPr id="8" name="Picture 7">
             <a:extLst>
               <a:ext uri="{FF2B5EF4-FFF2-40B4-BE49-F238E27FC236}">
-                <a16:creationId xmlns:a16="http://schemas.microsoft.com/office/drawing/2014/main" id="{2FBC3649-8EBE-4700-8648-D4EF97496A69}"/>
+                <a16:creationId xmlns:a16="http://schemas.microsoft.com/office/drawing/2014/main" xmlns="" id="{2FBC3649-8EBE-4700-8648-D4EF97496A69}"/>
               </a:ext>
             </a:extLst>
           </p:cNvPr>
@@ -5587,7 +5607,7 @@
           <p:cNvPr id="10" name="Picture 9">
             <a:extLst>
               <a:ext uri="{FF2B5EF4-FFF2-40B4-BE49-F238E27FC236}">
-                <a16:creationId xmlns:a16="http://schemas.microsoft.com/office/drawing/2014/main" id="{4D880A05-5F58-45B1-884D-75824689D61B}"/>
+                <a16:creationId xmlns:a16="http://schemas.microsoft.com/office/drawing/2014/main" xmlns="" id="{4D880A05-5F58-45B1-884D-75824689D61B}"/>
               </a:ext>
             </a:extLst>
           </p:cNvPr>
@@ -5653,7 +5673,7 @@
           <p:cNvPr id="2" name="Title 1">
             <a:extLst>
               <a:ext uri="{FF2B5EF4-FFF2-40B4-BE49-F238E27FC236}">
-                <a16:creationId xmlns:a16="http://schemas.microsoft.com/office/drawing/2014/main" id="{DC9D6F5E-CEDA-4DBA-9EFF-9DA5BC4